--- a/CAD_CAM.pptx
+++ b/CAD_CAM.pptx
@@ -290,7 +290,7 @@
           <a:p>
             <a:fld id="{012790D9-61A1-4D2A-ABFB-2410DF2390CB}" type="datetimeFigureOut">
               <a:rPr lang="en-SG" smtClean="0"/>
-              <a:t>19/5/2022</a:t>
+              <a:t>23/5/2022</a:t>
             </a:fld>
             <a:endParaRPr lang="en-SG"/>
           </a:p>
@@ -460,7 +460,7 @@
           <a:p>
             <a:fld id="{012790D9-61A1-4D2A-ABFB-2410DF2390CB}" type="datetimeFigureOut">
               <a:rPr lang="en-SG" smtClean="0"/>
-              <a:t>19/5/2022</a:t>
+              <a:t>23/5/2022</a:t>
             </a:fld>
             <a:endParaRPr lang="en-SG"/>
           </a:p>
@@ -640,7 +640,7 @@
           <a:p>
             <a:fld id="{012790D9-61A1-4D2A-ABFB-2410DF2390CB}" type="datetimeFigureOut">
               <a:rPr lang="en-SG" smtClean="0"/>
-              <a:t>19/5/2022</a:t>
+              <a:t>23/5/2022</a:t>
             </a:fld>
             <a:endParaRPr lang="en-SG"/>
           </a:p>
@@ -810,7 +810,7 @@
           <a:p>
             <a:fld id="{012790D9-61A1-4D2A-ABFB-2410DF2390CB}" type="datetimeFigureOut">
               <a:rPr lang="en-SG" smtClean="0"/>
-              <a:t>19/5/2022</a:t>
+              <a:t>23/5/2022</a:t>
             </a:fld>
             <a:endParaRPr lang="en-SG"/>
           </a:p>
@@ -1056,7 +1056,7 @@
           <a:p>
             <a:fld id="{012790D9-61A1-4D2A-ABFB-2410DF2390CB}" type="datetimeFigureOut">
               <a:rPr lang="en-SG" smtClean="0"/>
-              <a:t>19/5/2022</a:t>
+              <a:t>23/5/2022</a:t>
             </a:fld>
             <a:endParaRPr lang="en-SG"/>
           </a:p>
@@ -1288,7 +1288,7 @@
           <a:p>
             <a:fld id="{012790D9-61A1-4D2A-ABFB-2410DF2390CB}" type="datetimeFigureOut">
               <a:rPr lang="en-SG" smtClean="0"/>
-              <a:t>19/5/2022</a:t>
+              <a:t>23/5/2022</a:t>
             </a:fld>
             <a:endParaRPr lang="en-SG"/>
           </a:p>
@@ -1655,7 +1655,7 @@
           <a:p>
             <a:fld id="{012790D9-61A1-4D2A-ABFB-2410DF2390CB}" type="datetimeFigureOut">
               <a:rPr lang="en-SG" smtClean="0"/>
-              <a:t>19/5/2022</a:t>
+              <a:t>23/5/2022</a:t>
             </a:fld>
             <a:endParaRPr lang="en-SG"/>
           </a:p>
@@ -1773,7 +1773,7 @@
           <a:p>
             <a:fld id="{012790D9-61A1-4D2A-ABFB-2410DF2390CB}" type="datetimeFigureOut">
               <a:rPr lang="en-SG" smtClean="0"/>
-              <a:t>19/5/2022</a:t>
+              <a:t>23/5/2022</a:t>
             </a:fld>
             <a:endParaRPr lang="en-SG"/>
           </a:p>
@@ -1868,7 +1868,7 @@
           <a:p>
             <a:fld id="{012790D9-61A1-4D2A-ABFB-2410DF2390CB}" type="datetimeFigureOut">
               <a:rPr lang="en-SG" smtClean="0"/>
-              <a:t>19/5/2022</a:t>
+              <a:t>23/5/2022</a:t>
             </a:fld>
             <a:endParaRPr lang="en-SG"/>
           </a:p>
@@ -2145,7 +2145,7 @@
           <a:p>
             <a:fld id="{012790D9-61A1-4D2A-ABFB-2410DF2390CB}" type="datetimeFigureOut">
               <a:rPr lang="en-SG" smtClean="0"/>
-              <a:t>19/5/2022</a:t>
+              <a:t>23/5/2022</a:t>
             </a:fld>
             <a:endParaRPr lang="en-SG"/>
           </a:p>
@@ -2398,7 +2398,7 @@
           <a:p>
             <a:fld id="{012790D9-61A1-4D2A-ABFB-2410DF2390CB}" type="datetimeFigureOut">
               <a:rPr lang="en-SG" smtClean="0"/>
-              <a:t>19/5/2022</a:t>
+              <a:t>23/5/2022</a:t>
             </a:fld>
             <a:endParaRPr lang="en-SG"/>
           </a:p>
@@ -2611,7 +2611,7 @@
           <a:p>
             <a:fld id="{012790D9-61A1-4D2A-ABFB-2410DF2390CB}" type="datetimeFigureOut">
               <a:rPr lang="en-SG" smtClean="0"/>
-              <a:t>19/5/2022</a:t>
+              <a:t>23/5/2022</a:t>
             </a:fld>
             <a:endParaRPr lang="en-SG"/>
           </a:p>
@@ -3180,7 +3180,7 @@
           <a:graphicData uri="http://schemas.openxmlformats.org/presentationml/2006/ole">
             <mc:AlternateContent xmlns:mc="http://schemas.openxmlformats.org/markup-compatibility/2006">
               <mc:Choice xmlns:v="urn:schemas-microsoft-com:vml" Requires="v">
-                <p:oleObj spid="_x0000_s9286" name="Equation" r:id="rId3" imgW="711000" imgH="203040" progId="Equation.DSMT4">
+                <p:oleObj spid="_x0000_s9318" name="Equation" r:id="rId3" imgW="711000" imgH="203040" progId="Equation.DSMT4">
                   <p:embed/>
                 </p:oleObj>
               </mc:Choice>
@@ -3233,7 +3233,7 @@
           <a:graphicData uri="http://schemas.openxmlformats.org/presentationml/2006/ole">
             <mc:AlternateContent xmlns:mc="http://schemas.openxmlformats.org/markup-compatibility/2006">
               <mc:Choice xmlns:v="urn:schemas-microsoft-com:vml" Requires="v">
-                <p:oleObj spid="_x0000_s9287" name="Equation" r:id="rId5" imgW="583920" imgH="203040" progId="Equation.DSMT4">
+                <p:oleObj spid="_x0000_s9319" name="Equation" r:id="rId5" imgW="583920" imgH="203040" progId="Equation.DSMT4">
                   <p:embed/>
                 </p:oleObj>
               </mc:Choice>
@@ -3286,7 +3286,7 @@
           <a:graphicData uri="http://schemas.openxmlformats.org/presentationml/2006/ole">
             <mc:AlternateContent xmlns:mc="http://schemas.openxmlformats.org/markup-compatibility/2006">
               <mc:Choice xmlns:v="urn:schemas-microsoft-com:vml" Requires="v">
-                <p:oleObj spid="_x0000_s9288" name="Equation" r:id="rId7" imgW="469800" imgH="177480" progId="Equation.DSMT4">
+                <p:oleObj spid="_x0000_s9320" name="Equation" r:id="rId7" imgW="469800" imgH="177480" progId="Equation.DSMT4">
                   <p:embed/>
                 </p:oleObj>
               </mc:Choice>
@@ -3339,7 +3339,7 @@
           <a:graphicData uri="http://schemas.openxmlformats.org/presentationml/2006/ole">
             <mc:AlternateContent xmlns:mc="http://schemas.openxmlformats.org/markup-compatibility/2006">
               <mc:Choice xmlns:v="urn:schemas-microsoft-com:vml" Requires="v">
-                <p:oleObj spid="_x0000_s9289" name="Equation" r:id="rId9" imgW="1600200" imgH="711000" progId="Equation.DSMT4">
+                <p:oleObj spid="_x0000_s9321" name="Equation" r:id="rId9" imgW="1600200" imgH="711000" progId="Equation.DSMT4">
                   <p:embed/>
                 </p:oleObj>
               </mc:Choice>
@@ -3494,7 +3494,7 @@
           <a:graphicData uri="http://schemas.openxmlformats.org/presentationml/2006/ole">
             <mc:AlternateContent xmlns:mc="http://schemas.openxmlformats.org/markup-compatibility/2006">
               <mc:Choice xmlns:v="urn:schemas-microsoft-com:vml" Requires="v">
-                <p:oleObj spid="_x0000_s10259" name="Equation" r:id="rId3" imgW="1155600" imgH="914400" progId="Equation.DSMT4">
+                <p:oleObj spid="_x0000_s10267" name="Equation" r:id="rId3" imgW="1155600" imgH="914400" progId="Equation.DSMT4">
                   <p:embed/>
                 </p:oleObj>
               </mc:Choice>
@@ -3712,7 +3712,7 @@
           <a:graphicData uri="http://schemas.openxmlformats.org/presentationml/2006/ole">
             <mc:AlternateContent xmlns:mc="http://schemas.openxmlformats.org/markup-compatibility/2006">
               <mc:Choice xmlns:v="urn:schemas-microsoft-com:vml" Requires="v">
-                <p:oleObj spid="_x0000_s11300" name="Equation" r:id="rId3" imgW="1091880" imgH="711000" progId="Equation.DSMT4">
+                <p:oleObj spid="_x0000_s11316" name="Equation" r:id="rId3" imgW="1091880" imgH="711000" progId="Equation.DSMT4">
                   <p:embed/>
                 </p:oleObj>
               </mc:Choice>
@@ -3765,7 +3765,7 @@
           <a:graphicData uri="http://schemas.openxmlformats.org/presentationml/2006/ole">
             <mc:AlternateContent xmlns:mc="http://schemas.openxmlformats.org/markup-compatibility/2006">
               <mc:Choice xmlns:v="urn:schemas-microsoft-com:vml" Requires="v">
-                <p:oleObj spid="_x0000_s11301" name="Equation" r:id="rId5" imgW="571320" imgH="457200" progId="Equation.DSMT4">
+                <p:oleObj spid="_x0000_s11317" name="Equation" r:id="rId5" imgW="571320" imgH="457200" progId="Equation.DSMT4">
                   <p:embed/>
                 </p:oleObj>
               </mc:Choice>
@@ -3893,7 +3893,7 @@
           <a:graphicData uri="http://schemas.openxmlformats.org/presentationml/2006/ole">
             <mc:AlternateContent xmlns:mc="http://schemas.openxmlformats.org/markup-compatibility/2006">
               <mc:Choice xmlns:v="urn:schemas-microsoft-com:vml" Requires="v">
-                <p:oleObj spid="_x0000_s12307" name="Equation" r:id="rId3" imgW="3682800" imgH="914400" progId="Equation.DSMT4">
+                <p:oleObj spid="_x0000_s12315" name="Equation" r:id="rId3" imgW="3682800" imgH="914400" progId="Equation.DSMT4">
                   <p:embed/>
                 </p:oleObj>
               </mc:Choice>
@@ -4593,7 +4593,21 @@
           <a:bodyPr/>
           <a:lstStyle/>
           <a:p>
-            <a:endParaRPr lang="en-SG"/>
+            <a:r>
+              <a:rPr lang="en-SG" dirty="0" smtClean="0"/>
+              <a:t>Usually, geometric modelling is a combination discipline with applied mathematics and computational geometry. In this discipline, people designed varied algorithms to describe all kinds of shapes by computers.</a:t>
+            </a:r>
+          </a:p>
+          <a:p>
+            <a:r>
+              <a:rPr lang="en-SG" dirty="0" smtClean="0"/>
+              <a:t>B</a:t>
+            </a:r>
+            <a:r>
+              <a:rPr lang="en-SG" dirty="0" smtClean="0"/>
+              <a:t>uilding two or three dimensional models is crucial content of CAD &amp; CAM.</a:t>
+            </a:r>
+            <a:endParaRPr lang="en-SG" dirty="0"/>
           </a:p>
         </p:txBody>
       </p:sp>
@@ -5297,7 +5311,7 @@
           <a:graphicData uri="http://schemas.openxmlformats.org/presentationml/2006/ole">
             <mc:AlternateContent xmlns:mc="http://schemas.openxmlformats.org/markup-compatibility/2006">
               <mc:Choice xmlns:v="urn:schemas-microsoft-com:vml" Requires="v">
-                <p:oleObj spid="_x0000_s8248" name="Equation" r:id="rId6" imgW="419040" imgH="164880" progId="Equation.DSMT4">
+                <p:oleObj spid="_x0000_s8272" name="Equation" r:id="rId6" imgW="419040" imgH="164880" progId="Equation.DSMT4">
                   <p:embed/>
                 </p:oleObj>
               </mc:Choice>
@@ -5350,7 +5364,7 @@
           <a:graphicData uri="http://schemas.openxmlformats.org/presentationml/2006/ole">
             <mc:AlternateContent xmlns:mc="http://schemas.openxmlformats.org/markup-compatibility/2006">
               <mc:Choice xmlns:v="urn:schemas-microsoft-com:vml" Requires="v">
-                <p:oleObj spid="_x0000_s8249" name="Equation" r:id="rId8" imgW="380880" imgH="164880" progId="Equation.DSMT4">
+                <p:oleObj spid="_x0000_s8273" name="Equation" r:id="rId8" imgW="380880" imgH="164880" progId="Equation.DSMT4">
                   <p:embed/>
                 </p:oleObj>
               </mc:Choice>
@@ -5403,7 +5417,7 @@
           <a:graphicData uri="http://schemas.openxmlformats.org/presentationml/2006/ole">
             <mc:AlternateContent xmlns:mc="http://schemas.openxmlformats.org/markup-compatibility/2006">
               <mc:Choice xmlns:v="urn:schemas-microsoft-com:vml" Requires="v">
-                <p:oleObj spid="_x0000_s8250" name="Equation" r:id="rId10" imgW="419040" imgH="164880" progId="Equation.DSMT4">
+                <p:oleObj spid="_x0000_s8274" name="Equation" r:id="rId10" imgW="419040" imgH="164880" progId="Equation.DSMT4">
                   <p:embed/>
                 </p:oleObj>
               </mc:Choice>
@@ -7010,22 +7024,14 @@
             <a:pPr lvl="1"/>
             <a:r>
               <a:rPr lang="en-SG" dirty="0" smtClean="0"/>
-              <a:t>NC </a:t>
-            </a:r>
-            <a:r>
-              <a:rPr lang="en-SG" dirty="0" smtClean="0"/>
-              <a:t>in CAM </a:t>
+              <a:t>NC in CAM </a:t>
             </a:r>
           </a:p>
           <a:p>
             <a:pPr lvl="1"/>
             <a:r>
               <a:rPr lang="en-SG" dirty="0" smtClean="0"/>
-              <a:t>Principal </a:t>
-            </a:r>
-            <a:r>
-              <a:rPr lang="en-SG" dirty="0" smtClean="0"/>
-              <a:t>types of CNC machine</a:t>
+              <a:t>Principal types of CNC machine</a:t>
             </a:r>
           </a:p>
         </p:txBody>
@@ -7124,22 +7130,14 @@
             <a:pPr lvl="1"/>
             <a:r>
               <a:rPr lang="en-SG" dirty="0" smtClean="0"/>
-              <a:t>CNC </a:t>
-            </a:r>
-            <a:r>
-              <a:rPr lang="en-SG" dirty="0" smtClean="0"/>
-              <a:t>operating system </a:t>
+              <a:t>CNC operating system </a:t>
             </a:r>
           </a:p>
           <a:p>
             <a:pPr lvl="1"/>
             <a:r>
               <a:rPr lang="en-SG" dirty="0" smtClean="0"/>
-              <a:t>FANUC</a:t>
-            </a:r>
-            <a:r>
-              <a:rPr lang="en-SG" dirty="0" smtClean="0"/>
-              <a:t>, SINUMERIK – LINUMERIK.</a:t>
+              <a:t>FANUC, SINUMERIK – LINUMERIK.</a:t>
             </a:r>
           </a:p>
           <a:p>
@@ -7229,11 +7227,7 @@
           <a:p>
             <a:r>
               <a:rPr lang="en-SG" dirty="0" smtClean="0"/>
-              <a:t>Processing </a:t>
-            </a:r>
-            <a:r>
-              <a:rPr lang="en-SG" dirty="0" smtClean="0"/>
-              <a:t>planning systems</a:t>
+              <a:t>Processing planning systems</a:t>
             </a:r>
           </a:p>
           <a:p>
@@ -7389,17 +7383,8 @@
             </a:r>
             <a:r>
               <a:rPr lang="en-SG" dirty="0" smtClean="0"/>
-              <a:t>oordinate </a:t>
-            </a:r>
-            <a:r>
-              <a:rPr lang="en-SG" dirty="0" smtClean="0"/>
-              <a:t>systems </a:t>
-            </a:r>
-            <a:r>
-              <a:rPr lang="en-SG" dirty="0" smtClean="0"/>
-              <a:t>of CNC</a:t>
-            </a:r>
-            <a:endParaRPr lang="en-SG" dirty="0" smtClean="0"/>
+              <a:t>oordinate systems of CNC</a:t>
+            </a:r>
           </a:p>
           <a:p>
             <a:r>
@@ -7408,11 +7393,7 @@
             </a:r>
             <a:r>
               <a:rPr lang="en-SG" dirty="0" smtClean="0"/>
-              <a:t>anual </a:t>
-            </a:r>
-            <a:r>
-              <a:rPr lang="en-SG" dirty="0" smtClean="0"/>
-              <a:t>part</a:t>
+              <a:t>anual part</a:t>
             </a:r>
           </a:p>
           <a:p>
@@ -7422,21 +7403,13 @@
             </a:r>
             <a:r>
               <a:rPr lang="en-SG" dirty="0" smtClean="0"/>
-              <a:t>omputer </a:t>
-            </a:r>
-            <a:r>
-              <a:rPr lang="en-SG" dirty="0" smtClean="0"/>
-              <a:t>assisted part programming </a:t>
-            </a:r>
-          </a:p>
-          <a:p>
-            <a:r>
-              <a:rPr lang="en-SG" dirty="0" smtClean="0"/>
-              <a:t>CNC </a:t>
-            </a:r>
-            <a:r>
-              <a:rPr lang="en-SG" dirty="0" smtClean="0"/>
-              <a:t>part programming with CAD system. </a:t>
+              <a:t>omputer assisted part programming </a:t>
+            </a:r>
+          </a:p>
+          <a:p>
+            <a:r>
+              <a:rPr lang="en-SG" dirty="0" smtClean="0"/>
+              <a:t>CNC part programming with CAD system. </a:t>
             </a:r>
           </a:p>
           <a:p>
@@ -7516,7 +7489,6 @@
               <a:rPr lang="en-SG" dirty="0" smtClean="0"/>
               <a:t>Logistic and storage system </a:t>
             </a:r>
-            <a:endParaRPr lang="en-SG" dirty="0" smtClean="0"/>
           </a:p>
           <a:p>
             <a:pPr lvl="1"/>
@@ -7546,11 +7518,7 @@
           <a:p>
             <a:r>
               <a:rPr lang="en-SG" dirty="0" smtClean="0"/>
-              <a:t>Assembly </a:t>
-            </a:r>
-            <a:r>
-              <a:rPr lang="en-SG" dirty="0" smtClean="0"/>
-              <a:t>lines </a:t>
+              <a:t>Assembly lines </a:t>
             </a:r>
           </a:p>
           <a:p>
@@ -8124,7 +8092,7 @@
           <a:graphicData uri="http://schemas.openxmlformats.org/presentationml/2006/ole">
             <mc:AlternateContent xmlns:mc="http://schemas.openxmlformats.org/markup-compatibility/2006">
               <mc:Choice xmlns:v="urn:schemas-microsoft-com:vml" Requires="v">
-                <p:oleObj spid="_x0000_s1105" name="Equation" r:id="rId3" imgW="2260440" imgH="1091880" progId="Equation.DSMT4">
+                <p:oleObj spid="_x0000_s1113" name="Equation" r:id="rId3" imgW="2260440" imgH="1091880" progId="Equation.DSMT4">
                   <p:embed/>
                 </p:oleObj>
               </mc:Choice>
@@ -8394,7 +8362,7 @@
           <a:graphicData uri="http://schemas.openxmlformats.org/presentationml/2006/ole">
             <mc:AlternateContent xmlns:mc="http://schemas.openxmlformats.org/markup-compatibility/2006">
               <mc:Choice xmlns:v="urn:schemas-microsoft-com:vml" Requires="v">
-                <p:oleObj spid="_x0000_s2280" name="Equation" r:id="rId3" imgW="2133360" imgH="1879560" progId="Equation.DSMT4">
+                <p:oleObj spid="_x0000_s2304" name="Equation" r:id="rId3" imgW="2133360" imgH="1879560" progId="Equation.DSMT4">
                   <p:embed/>
                 </p:oleObj>
               </mc:Choice>
@@ -8451,7 +8419,7 @@
           <a:graphicData uri="http://schemas.openxmlformats.org/presentationml/2006/ole">
             <mc:AlternateContent xmlns:mc="http://schemas.openxmlformats.org/markup-compatibility/2006">
               <mc:Choice xmlns:v="urn:schemas-microsoft-com:vml" Requires="v">
-                <p:oleObj spid="_x0000_s2281" name="Equation" r:id="rId5" imgW="1726920" imgH="482400" progId="Equation.DSMT4">
+                <p:oleObj spid="_x0000_s2305" name="Equation" r:id="rId5" imgW="1726920" imgH="482400" progId="Equation.DSMT4">
                   <p:embed/>
                 </p:oleObj>
               </mc:Choice>
@@ -8508,7 +8476,7 @@
           <a:graphicData uri="http://schemas.openxmlformats.org/presentationml/2006/ole">
             <mc:AlternateContent xmlns:mc="http://schemas.openxmlformats.org/markup-compatibility/2006">
               <mc:Choice xmlns:v="urn:schemas-microsoft-com:vml" Requires="v">
-                <p:oleObj spid="_x0000_s2282" name="Equation" r:id="rId7" imgW="990360" imgH="457200" progId="Equation.DSMT4">
+                <p:oleObj spid="_x0000_s2306" name="Equation" r:id="rId7" imgW="990360" imgH="457200" progId="Equation.DSMT4">
                   <p:embed/>
                 </p:oleObj>
               </mc:Choice>
@@ -8664,7 +8632,7 @@
           <a:graphicData uri="http://schemas.openxmlformats.org/presentationml/2006/ole">
             <mc:AlternateContent xmlns:mc="http://schemas.openxmlformats.org/markup-compatibility/2006">
               <mc:Choice xmlns:v="urn:schemas-microsoft-com:vml" Requires="v">
-                <p:oleObj spid="_x0000_s3150" name="Equation" r:id="rId3" imgW="990360" imgH="457200" progId="Equation.DSMT4">
+                <p:oleObj spid="_x0000_s3158" name="Equation" r:id="rId3" imgW="990360" imgH="457200" progId="Equation.DSMT4">
                   <p:embed/>
                 </p:oleObj>
               </mc:Choice>
@@ -8767,6 +8735,22 @@
           <a:bodyPr/>
           <a:lstStyle/>
           <a:p>
+            <a:r>
+              <a:rPr lang="en-SG" dirty="0" smtClean="0"/>
+              <a:t>Computer graphics focuses mainly on displays of any digital image by a computer.</a:t>
+            </a:r>
+          </a:p>
+          <a:p>
+            <a:r>
+              <a:rPr lang="en-SG" dirty="0" smtClean="0"/>
+              <a:t>There are bunch of hardware and software developed for fast and correct displays of graphics on terminals.</a:t>
+            </a:r>
+          </a:p>
+          <a:p>
+            <a:r>
+              <a:rPr lang="en-SG" dirty="0" smtClean="0"/>
+              <a:t>The core techniques of computer graphics are based on geometry, optics, physics, and perception.</a:t>
+            </a:r>
             <a:endParaRPr lang="en-SG" dirty="0" smtClean="0"/>
           </a:p>
         </p:txBody>

--- a/CAD_CAM.pptx
+++ b/CAD_CAM.pptx
@@ -290,7 +290,7 @@
           <a:p>
             <a:fld id="{012790D9-61A1-4D2A-ABFB-2410DF2390CB}" type="datetimeFigureOut">
               <a:rPr lang="en-SG" smtClean="0"/>
-              <a:t>23/5/2022</a:t>
+              <a:t>24/5/2022</a:t>
             </a:fld>
             <a:endParaRPr lang="en-SG"/>
           </a:p>
@@ -460,7 +460,7 @@
           <a:p>
             <a:fld id="{012790D9-61A1-4D2A-ABFB-2410DF2390CB}" type="datetimeFigureOut">
               <a:rPr lang="en-SG" smtClean="0"/>
-              <a:t>23/5/2022</a:t>
+              <a:t>24/5/2022</a:t>
             </a:fld>
             <a:endParaRPr lang="en-SG"/>
           </a:p>
@@ -640,7 +640,7 @@
           <a:p>
             <a:fld id="{012790D9-61A1-4D2A-ABFB-2410DF2390CB}" type="datetimeFigureOut">
               <a:rPr lang="en-SG" smtClean="0"/>
-              <a:t>23/5/2022</a:t>
+              <a:t>24/5/2022</a:t>
             </a:fld>
             <a:endParaRPr lang="en-SG"/>
           </a:p>
@@ -810,7 +810,7 @@
           <a:p>
             <a:fld id="{012790D9-61A1-4D2A-ABFB-2410DF2390CB}" type="datetimeFigureOut">
               <a:rPr lang="en-SG" smtClean="0"/>
-              <a:t>23/5/2022</a:t>
+              <a:t>24/5/2022</a:t>
             </a:fld>
             <a:endParaRPr lang="en-SG"/>
           </a:p>
@@ -1056,7 +1056,7 @@
           <a:p>
             <a:fld id="{012790D9-61A1-4D2A-ABFB-2410DF2390CB}" type="datetimeFigureOut">
               <a:rPr lang="en-SG" smtClean="0"/>
-              <a:t>23/5/2022</a:t>
+              <a:t>24/5/2022</a:t>
             </a:fld>
             <a:endParaRPr lang="en-SG"/>
           </a:p>
@@ -1288,7 +1288,7 @@
           <a:p>
             <a:fld id="{012790D9-61A1-4D2A-ABFB-2410DF2390CB}" type="datetimeFigureOut">
               <a:rPr lang="en-SG" smtClean="0"/>
-              <a:t>23/5/2022</a:t>
+              <a:t>24/5/2022</a:t>
             </a:fld>
             <a:endParaRPr lang="en-SG"/>
           </a:p>
@@ -1655,7 +1655,7 @@
           <a:p>
             <a:fld id="{012790D9-61A1-4D2A-ABFB-2410DF2390CB}" type="datetimeFigureOut">
               <a:rPr lang="en-SG" smtClean="0"/>
-              <a:t>23/5/2022</a:t>
+              <a:t>24/5/2022</a:t>
             </a:fld>
             <a:endParaRPr lang="en-SG"/>
           </a:p>
@@ -1773,7 +1773,7 @@
           <a:p>
             <a:fld id="{012790D9-61A1-4D2A-ABFB-2410DF2390CB}" type="datetimeFigureOut">
               <a:rPr lang="en-SG" smtClean="0"/>
-              <a:t>23/5/2022</a:t>
+              <a:t>24/5/2022</a:t>
             </a:fld>
             <a:endParaRPr lang="en-SG"/>
           </a:p>
@@ -1868,7 +1868,7 @@
           <a:p>
             <a:fld id="{012790D9-61A1-4D2A-ABFB-2410DF2390CB}" type="datetimeFigureOut">
               <a:rPr lang="en-SG" smtClean="0"/>
-              <a:t>23/5/2022</a:t>
+              <a:t>24/5/2022</a:t>
             </a:fld>
             <a:endParaRPr lang="en-SG"/>
           </a:p>
@@ -2145,7 +2145,7 @@
           <a:p>
             <a:fld id="{012790D9-61A1-4D2A-ABFB-2410DF2390CB}" type="datetimeFigureOut">
               <a:rPr lang="en-SG" smtClean="0"/>
-              <a:t>23/5/2022</a:t>
+              <a:t>24/5/2022</a:t>
             </a:fld>
             <a:endParaRPr lang="en-SG"/>
           </a:p>
@@ -2398,7 +2398,7 @@
           <a:p>
             <a:fld id="{012790D9-61A1-4D2A-ABFB-2410DF2390CB}" type="datetimeFigureOut">
               <a:rPr lang="en-SG" smtClean="0"/>
-              <a:t>23/5/2022</a:t>
+              <a:t>24/5/2022</a:t>
             </a:fld>
             <a:endParaRPr lang="en-SG"/>
           </a:p>
@@ -2611,7 +2611,7 @@
           <a:p>
             <a:fld id="{012790D9-61A1-4D2A-ABFB-2410DF2390CB}" type="datetimeFigureOut">
               <a:rPr lang="en-SG" smtClean="0"/>
-              <a:t>23/5/2022</a:t>
+              <a:t>24/5/2022</a:t>
             </a:fld>
             <a:endParaRPr lang="en-SG"/>
           </a:p>
@@ -3180,7 +3180,7 @@
           <a:graphicData uri="http://schemas.openxmlformats.org/presentationml/2006/ole">
             <mc:AlternateContent xmlns:mc="http://schemas.openxmlformats.org/markup-compatibility/2006">
               <mc:Choice xmlns:v="urn:schemas-microsoft-com:vml" Requires="v">
-                <p:oleObj spid="_x0000_s9318" name="Equation" r:id="rId3" imgW="711000" imgH="203040" progId="Equation.DSMT4">
+                <p:oleObj spid="_x0000_s9326" name="Equation" r:id="rId3" imgW="711000" imgH="203040" progId="Equation.DSMT4">
                   <p:embed/>
                 </p:oleObj>
               </mc:Choice>
@@ -3233,7 +3233,7 @@
           <a:graphicData uri="http://schemas.openxmlformats.org/presentationml/2006/ole">
             <mc:AlternateContent xmlns:mc="http://schemas.openxmlformats.org/markup-compatibility/2006">
               <mc:Choice xmlns:v="urn:schemas-microsoft-com:vml" Requires="v">
-                <p:oleObj spid="_x0000_s9319" name="Equation" r:id="rId5" imgW="583920" imgH="203040" progId="Equation.DSMT4">
+                <p:oleObj spid="_x0000_s9327" name="Equation" r:id="rId5" imgW="583920" imgH="203040" progId="Equation.DSMT4">
                   <p:embed/>
                 </p:oleObj>
               </mc:Choice>
@@ -3286,7 +3286,7 @@
           <a:graphicData uri="http://schemas.openxmlformats.org/presentationml/2006/ole">
             <mc:AlternateContent xmlns:mc="http://schemas.openxmlformats.org/markup-compatibility/2006">
               <mc:Choice xmlns:v="urn:schemas-microsoft-com:vml" Requires="v">
-                <p:oleObj spid="_x0000_s9320" name="Equation" r:id="rId7" imgW="469800" imgH="177480" progId="Equation.DSMT4">
+                <p:oleObj spid="_x0000_s9328" name="Equation" r:id="rId7" imgW="469800" imgH="177480" progId="Equation.DSMT4">
                   <p:embed/>
                 </p:oleObj>
               </mc:Choice>
@@ -3339,7 +3339,7 @@
           <a:graphicData uri="http://schemas.openxmlformats.org/presentationml/2006/ole">
             <mc:AlternateContent xmlns:mc="http://schemas.openxmlformats.org/markup-compatibility/2006">
               <mc:Choice xmlns:v="urn:schemas-microsoft-com:vml" Requires="v">
-                <p:oleObj spid="_x0000_s9321" name="Equation" r:id="rId9" imgW="1600200" imgH="711000" progId="Equation.DSMT4">
+                <p:oleObj spid="_x0000_s9329" name="Equation" r:id="rId9" imgW="1600200" imgH="711000" progId="Equation.DSMT4">
                   <p:embed/>
                 </p:oleObj>
               </mc:Choice>
@@ -3494,7 +3494,7 @@
           <a:graphicData uri="http://schemas.openxmlformats.org/presentationml/2006/ole">
             <mc:AlternateContent xmlns:mc="http://schemas.openxmlformats.org/markup-compatibility/2006">
               <mc:Choice xmlns:v="urn:schemas-microsoft-com:vml" Requires="v">
-                <p:oleObj spid="_x0000_s10267" name="Equation" r:id="rId3" imgW="1155600" imgH="914400" progId="Equation.DSMT4">
+                <p:oleObj spid="_x0000_s10269" name="Equation" r:id="rId3" imgW="1155600" imgH="914400" progId="Equation.DSMT4">
                   <p:embed/>
                 </p:oleObj>
               </mc:Choice>
@@ -3712,7 +3712,7 @@
           <a:graphicData uri="http://schemas.openxmlformats.org/presentationml/2006/ole">
             <mc:AlternateContent xmlns:mc="http://schemas.openxmlformats.org/markup-compatibility/2006">
               <mc:Choice xmlns:v="urn:schemas-microsoft-com:vml" Requires="v">
-                <p:oleObj spid="_x0000_s11316" name="Equation" r:id="rId3" imgW="1091880" imgH="711000" progId="Equation.DSMT4">
+                <p:oleObj spid="_x0000_s11320" name="Equation" r:id="rId3" imgW="1091880" imgH="711000" progId="Equation.DSMT4">
                   <p:embed/>
                 </p:oleObj>
               </mc:Choice>
@@ -3765,7 +3765,7 @@
           <a:graphicData uri="http://schemas.openxmlformats.org/presentationml/2006/ole">
             <mc:AlternateContent xmlns:mc="http://schemas.openxmlformats.org/markup-compatibility/2006">
               <mc:Choice xmlns:v="urn:schemas-microsoft-com:vml" Requires="v">
-                <p:oleObj spid="_x0000_s11317" name="Equation" r:id="rId5" imgW="571320" imgH="457200" progId="Equation.DSMT4">
+                <p:oleObj spid="_x0000_s11321" name="Equation" r:id="rId5" imgW="571320" imgH="457200" progId="Equation.DSMT4">
                   <p:embed/>
                 </p:oleObj>
               </mc:Choice>
@@ -3893,7 +3893,7 @@
           <a:graphicData uri="http://schemas.openxmlformats.org/presentationml/2006/ole">
             <mc:AlternateContent xmlns:mc="http://schemas.openxmlformats.org/markup-compatibility/2006">
               <mc:Choice xmlns:v="urn:schemas-microsoft-com:vml" Requires="v">
-                <p:oleObj spid="_x0000_s12315" name="Equation" r:id="rId3" imgW="3682800" imgH="914400" progId="Equation.DSMT4">
+                <p:oleObj spid="_x0000_s12317" name="Equation" r:id="rId3" imgW="3682800" imgH="914400" progId="Equation.DSMT4">
                   <p:embed/>
                 </p:oleObj>
               </mc:Choice>
@@ -4601,11 +4601,7 @@
           <a:p>
             <a:r>
               <a:rPr lang="en-SG" dirty="0" smtClean="0"/>
-              <a:t>B</a:t>
-            </a:r>
-            <a:r>
-              <a:rPr lang="en-SG" dirty="0" smtClean="0"/>
-              <a:t>uilding two or three dimensional models is crucial content of CAD &amp; CAM.</a:t>
+              <a:t>Building two or three dimensional models is crucial content of CAD &amp; CAM.</a:t>
             </a:r>
             <a:endParaRPr lang="en-SG" dirty="0"/>
           </a:p>
@@ -5311,7 +5307,7 @@
           <a:graphicData uri="http://schemas.openxmlformats.org/presentationml/2006/ole">
             <mc:AlternateContent xmlns:mc="http://schemas.openxmlformats.org/markup-compatibility/2006">
               <mc:Choice xmlns:v="urn:schemas-microsoft-com:vml" Requires="v">
-                <p:oleObj spid="_x0000_s8272" name="Equation" r:id="rId6" imgW="419040" imgH="164880" progId="Equation.DSMT4">
+                <p:oleObj spid="_x0000_s8278" name="Equation" r:id="rId6" imgW="419040" imgH="164880" progId="Equation.DSMT4">
                   <p:embed/>
                 </p:oleObj>
               </mc:Choice>
@@ -5364,7 +5360,7 @@
           <a:graphicData uri="http://schemas.openxmlformats.org/presentationml/2006/ole">
             <mc:AlternateContent xmlns:mc="http://schemas.openxmlformats.org/markup-compatibility/2006">
               <mc:Choice xmlns:v="urn:schemas-microsoft-com:vml" Requires="v">
-                <p:oleObj spid="_x0000_s8273" name="Equation" r:id="rId8" imgW="380880" imgH="164880" progId="Equation.DSMT4">
+                <p:oleObj spid="_x0000_s8279" name="Equation" r:id="rId8" imgW="380880" imgH="164880" progId="Equation.DSMT4">
                   <p:embed/>
                 </p:oleObj>
               </mc:Choice>
@@ -5417,7 +5413,7 @@
           <a:graphicData uri="http://schemas.openxmlformats.org/presentationml/2006/ole">
             <mc:AlternateContent xmlns:mc="http://schemas.openxmlformats.org/markup-compatibility/2006">
               <mc:Choice xmlns:v="urn:schemas-microsoft-com:vml" Requires="v">
-                <p:oleObj spid="_x0000_s8274" name="Equation" r:id="rId10" imgW="419040" imgH="164880" progId="Equation.DSMT4">
+                <p:oleObj spid="_x0000_s8280" name="Equation" r:id="rId10" imgW="419040" imgH="164880" progId="Equation.DSMT4">
                   <p:embed/>
                 </p:oleObj>
               </mc:Choice>
@@ -8092,7 +8088,7 @@
           <a:graphicData uri="http://schemas.openxmlformats.org/presentationml/2006/ole">
             <mc:AlternateContent xmlns:mc="http://schemas.openxmlformats.org/markup-compatibility/2006">
               <mc:Choice xmlns:v="urn:schemas-microsoft-com:vml" Requires="v">
-                <p:oleObj spid="_x0000_s1113" name="Equation" r:id="rId3" imgW="2260440" imgH="1091880" progId="Equation.DSMT4">
+                <p:oleObj spid="_x0000_s1115" name="Equation" r:id="rId3" imgW="2260440" imgH="1091880" progId="Equation.DSMT4">
                   <p:embed/>
                 </p:oleObj>
               </mc:Choice>
@@ -8362,7 +8358,7 @@
           <a:graphicData uri="http://schemas.openxmlformats.org/presentationml/2006/ole">
             <mc:AlternateContent xmlns:mc="http://schemas.openxmlformats.org/markup-compatibility/2006">
               <mc:Choice xmlns:v="urn:schemas-microsoft-com:vml" Requires="v">
-                <p:oleObj spid="_x0000_s2304" name="Equation" r:id="rId3" imgW="2133360" imgH="1879560" progId="Equation.DSMT4">
+                <p:oleObj spid="_x0000_s2310" name="Equation" r:id="rId3" imgW="2133360" imgH="1879560" progId="Equation.DSMT4">
                   <p:embed/>
                 </p:oleObj>
               </mc:Choice>
@@ -8419,7 +8415,7 @@
           <a:graphicData uri="http://schemas.openxmlformats.org/presentationml/2006/ole">
             <mc:AlternateContent xmlns:mc="http://schemas.openxmlformats.org/markup-compatibility/2006">
               <mc:Choice xmlns:v="urn:schemas-microsoft-com:vml" Requires="v">
-                <p:oleObj spid="_x0000_s2305" name="Equation" r:id="rId5" imgW="1726920" imgH="482400" progId="Equation.DSMT4">
+                <p:oleObj spid="_x0000_s2311" name="Equation" r:id="rId5" imgW="1726920" imgH="482400" progId="Equation.DSMT4">
                   <p:embed/>
                 </p:oleObj>
               </mc:Choice>
@@ -8476,7 +8472,7 @@
           <a:graphicData uri="http://schemas.openxmlformats.org/presentationml/2006/ole">
             <mc:AlternateContent xmlns:mc="http://schemas.openxmlformats.org/markup-compatibility/2006">
               <mc:Choice xmlns:v="urn:schemas-microsoft-com:vml" Requires="v">
-                <p:oleObj spid="_x0000_s2306" name="Equation" r:id="rId7" imgW="990360" imgH="457200" progId="Equation.DSMT4">
+                <p:oleObj spid="_x0000_s2312" name="Equation" r:id="rId7" imgW="990360" imgH="457200" progId="Equation.DSMT4">
                   <p:embed/>
                 </p:oleObj>
               </mc:Choice>
@@ -8632,7 +8628,7 @@
           <a:graphicData uri="http://schemas.openxmlformats.org/presentationml/2006/ole">
             <mc:AlternateContent xmlns:mc="http://schemas.openxmlformats.org/markup-compatibility/2006">
               <mc:Choice xmlns:v="urn:schemas-microsoft-com:vml" Requires="v">
-                <p:oleObj spid="_x0000_s3158" name="Equation" r:id="rId3" imgW="990360" imgH="457200" progId="Equation.DSMT4">
+                <p:oleObj spid="_x0000_s3160" name="Equation" r:id="rId3" imgW="990360" imgH="457200" progId="Equation.DSMT4">
                   <p:embed/>
                 </p:oleObj>
               </mc:Choice>
@@ -8737,8 +8733,13 @@
           <a:p>
             <a:r>
               <a:rPr lang="en-SG" dirty="0" smtClean="0"/>
-              <a:t>Computer graphics focuses mainly on displays of any digital image by a computer.</a:t>
-            </a:r>
+              <a:t>Computer graphics focuses mainly on displays of any digital image by a </a:t>
+            </a:r>
+            <a:r>
+              <a:rPr lang="en-SG" dirty="0" smtClean="0"/>
+              <a:t>computer.</a:t>
+            </a:r>
+            <a:endParaRPr lang="en-SG" dirty="0" smtClean="0"/>
           </a:p>
           <a:p>
             <a:r>
@@ -8749,8 +8750,18 @@
           <a:p>
             <a:r>
               <a:rPr lang="en-SG" dirty="0" smtClean="0"/>
-              <a:t>The core techniques of computer graphics are based on geometry, optics, physics, and perception.</a:t>
-            </a:r>
+              <a:t>The core techniques of computer graphics are based on geometry, optics, physics, and </a:t>
+            </a:r>
+            <a:r>
+              <a:rPr lang="en-SG" smtClean="0"/>
+              <a:t>perception</a:t>
+            </a:r>
+            <a:r>
+              <a:rPr lang="en-SG" smtClean="0"/>
+              <a:t>.</a:t>
+            </a:r>
+          </a:p>
+          <a:p>
             <a:endParaRPr lang="en-SG" dirty="0" smtClean="0"/>
           </a:p>
         </p:txBody>

--- a/CAD_CAM.pptx
+++ b/CAD_CAM.pptx
@@ -18,41 +18,45 @@
     <p:sldId id="328" r:id="rId12"/>
     <p:sldId id="329" r:id="rId13"/>
     <p:sldId id="330" r:id="rId14"/>
-    <p:sldId id="331" r:id="rId15"/>
-    <p:sldId id="332" r:id="rId16"/>
-    <p:sldId id="309" r:id="rId17"/>
-    <p:sldId id="288" r:id="rId18"/>
-    <p:sldId id="315" r:id="rId19"/>
-    <p:sldId id="316" r:id="rId20"/>
-    <p:sldId id="317" r:id="rId21"/>
-    <p:sldId id="318" r:id="rId22"/>
-    <p:sldId id="319" r:id="rId23"/>
-    <p:sldId id="320" r:id="rId24"/>
-    <p:sldId id="321" r:id="rId25"/>
-    <p:sldId id="322" r:id="rId26"/>
-    <p:sldId id="298" r:id="rId27"/>
-    <p:sldId id="299" r:id="rId28"/>
-    <p:sldId id="300" r:id="rId29"/>
-    <p:sldId id="301" r:id="rId30"/>
-    <p:sldId id="302" r:id="rId31"/>
-    <p:sldId id="303" r:id="rId32"/>
-    <p:sldId id="282" r:id="rId33"/>
-    <p:sldId id="257" r:id="rId34"/>
-    <p:sldId id="265" r:id="rId35"/>
-    <p:sldId id="276" r:id="rId36"/>
-    <p:sldId id="310" r:id="rId37"/>
-    <p:sldId id="311" r:id="rId38"/>
-    <p:sldId id="312" r:id="rId39"/>
-    <p:sldId id="333" r:id="rId40"/>
-    <p:sldId id="313" r:id="rId41"/>
-    <p:sldId id="314" r:id="rId42"/>
-    <p:sldId id="261" r:id="rId43"/>
-    <p:sldId id="270" r:id="rId44"/>
-    <p:sldId id="271" r:id="rId45"/>
-    <p:sldId id="272" r:id="rId46"/>
-    <p:sldId id="273" r:id="rId47"/>
-    <p:sldId id="274" r:id="rId48"/>
-    <p:sldId id="275" r:id="rId49"/>
+    <p:sldId id="334" r:id="rId15"/>
+    <p:sldId id="335" r:id="rId16"/>
+    <p:sldId id="336" r:id="rId17"/>
+    <p:sldId id="337" r:id="rId18"/>
+    <p:sldId id="331" r:id="rId19"/>
+    <p:sldId id="332" r:id="rId20"/>
+    <p:sldId id="309" r:id="rId21"/>
+    <p:sldId id="288" r:id="rId22"/>
+    <p:sldId id="315" r:id="rId23"/>
+    <p:sldId id="316" r:id="rId24"/>
+    <p:sldId id="317" r:id="rId25"/>
+    <p:sldId id="318" r:id="rId26"/>
+    <p:sldId id="319" r:id="rId27"/>
+    <p:sldId id="320" r:id="rId28"/>
+    <p:sldId id="321" r:id="rId29"/>
+    <p:sldId id="322" r:id="rId30"/>
+    <p:sldId id="298" r:id="rId31"/>
+    <p:sldId id="299" r:id="rId32"/>
+    <p:sldId id="300" r:id="rId33"/>
+    <p:sldId id="301" r:id="rId34"/>
+    <p:sldId id="302" r:id="rId35"/>
+    <p:sldId id="303" r:id="rId36"/>
+    <p:sldId id="282" r:id="rId37"/>
+    <p:sldId id="257" r:id="rId38"/>
+    <p:sldId id="265" r:id="rId39"/>
+    <p:sldId id="276" r:id="rId40"/>
+    <p:sldId id="310" r:id="rId41"/>
+    <p:sldId id="311" r:id="rId42"/>
+    <p:sldId id="312" r:id="rId43"/>
+    <p:sldId id="333" r:id="rId44"/>
+    <p:sldId id="313" r:id="rId45"/>
+    <p:sldId id="314" r:id="rId46"/>
+    <p:sldId id="261" r:id="rId47"/>
+    <p:sldId id="270" r:id="rId48"/>
+    <p:sldId id="271" r:id="rId49"/>
+    <p:sldId id="272" r:id="rId50"/>
+    <p:sldId id="273" r:id="rId51"/>
+    <p:sldId id="274" r:id="rId52"/>
+    <p:sldId id="275" r:id="rId53"/>
   </p:sldIdLst>
   <p:sldSz cx="12192000" cy="6858000"/>
   <p:notesSz cx="6858000" cy="9144000"/>
@@ -3180,7 +3184,7 @@
           <a:graphicData uri="http://schemas.openxmlformats.org/presentationml/2006/ole">
             <mc:AlternateContent xmlns:mc="http://schemas.openxmlformats.org/markup-compatibility/2006">
               <mc:Choice xmlns:v="urn:schemas-microsoft-com:vml" Requires="v">
-                <p:oleObj spid="_x0000_s9326" name="Equation" r:id="rId3" imgW="711000" imgH="203040" progId="Equation.DSMT4">
+                <p:oleObj spid="_x0000_s9334" name="Equation" r:id="rId3" imgW="711000" imgH="203040" progId="Equation.DSMT4">
                   <p:embed/>
                 </p:oleObj>
               </mc:Choice>
@@ -3233,7 +3237,7 @@
           <a:graphicData uri="http://schemas.openxmlformats.org/presentationml/2006/ole">
             <mc:AlternateContent xmlns:mc="http://schemas.openxmlformats.org/markup-compatibility/2006">
               <mc:Choice xmlns:v="urn:schemas-microsoft-com:vml" Requires="v">
-                <p:oleObj spid="_x0000_s9327" name="Equation" r:id="rId5" imgW="583920" imgH="203040" progId="Equation.DSMT4">
+                <p:oleObj spid="_x0000_s9335" name="Equation" r:id="rId5" imgW="583920" imgH="203040" progId="Equation.DSMT4">
                   <p:embed/>
                 </p:oleObj>
               </mc:Choice>
@@ -3286,7 +3290,7 @@
           <a:graphicData uri="http://schemas.openxmlformats.org/presentationml/2006/ole">
             <mc:AlternateContent xmlns:mc="http://schemas.openxmlformats.org/markup-compatibility/2006">
               <mc:Choice xmlns:v="urn:schemas-microsoft-com:vml" Requires="v">
-                <p:oleObj spid="_x0000_s9328" name="Equation" r:id="rId7" imgW="469800" imgH="177480" progId="Equation.DSMT4">
+                <p:oleObj spid="_x0000_s9336" name="Equation" r:id="rId7" imgW="469800" imgH="177480" progId="Equation.DSMT4">
                   <p:embed/>
                 </p:oleObj>
               </mc:Choice>
@@ -3339,7 +3343,7 @@
           <a:graphicData uri="http://schemas.openxmlformats.org/presentationml/2006/ole">
             <mc:AlternateContent xmlns:mc="http://schemas.openxmlformats.org/markup-compatibility/2006">
               <mc:Choice xmlns:v="urn:schemas-microsoft-com:vml" Requires="v">
-                <p:oleObj spid="_x0000_s9329" name="Equation" r:id="rId9" imgW="1600200" imgH="711000" progId="Equation.DSMT4">
+                <p:oleObj spid="_x0000_s9337" name="Equation" r:id="rId9" imgW="1600200" imgH="711000" progId="Equation.DSMT4">
                   <p:embed/>
                 </p:oleObj>
               </mc:Choice>
@@ -3494,7 +3498,7 @@
           <a:graphicData uri="http://schemas.openxmlformats.org/presentationml/2006/ole">
             <mc:AlternateContent xmlns:mc="http://schemas.openxmlformats.org/markup-compatibility/2006">
               <mc:Choice xmlns:v="urn:schemas-microsoft-com:vml" Requires="v">
-                <p:oleObj spid="_x0000_s10269" name="Equation" r:id="rId3" imgW="1155600" imgH="914400" progId="Equation.DSMT4">
+                <p:oleObj spid="_x0000_s10271" name="Equation" r:id="rId3" imgW="1155600" imgH="914400" progId="Equation.DSMT4">
                   <p:embed/>
                 </p:oleObj>
               </mc:Choice>
@@ -3712,7 +3716,7 @@
           <a:graphicData uri="http://schemas.openxmlformats.org/presentationml/2006/ole">
             <mc:AlternateContent xmlns:mc="http://schemas.openxmlformats.org/markup-compatibility/2006">
               <mc:Choice xmlns:v="urn:schemas-microsoft-com:vml" Requires="v">
-                <p:oleObj spid="_x0000_s11320" name="Equation" r:id="rId3" imgW="1091880" imgH="711000" progId="Equation.DSMT4">
+                <p:oleObj spid="_x0000_s11324" name="Equation" r:id="rId3" imgW="1091880" imgH="711000" progId="Equation.DSMT4">
                   <p:embed/>
                 </p:oleObj>
               </mc:Choice>
@@ -3765,7 +3769,7 @@
           <a:graphicData uri="http://schemas.openxmlformats.org/presentationml/2006/ole">
             <mc:AlternateContent xmlns:mc="http://schemas.openxmlformats.org/markup-compatibility/2006">
               <mc:Choice xmlns:v="urn:schemas-microsoft-com:vml" Requires="v">
-                <p:oleObj spid="_x0000_s11321" name="Equation" r:id="rId5" imgW="571320" imgH="457200" progId="Equation.DSMT4">
+                <p:oleObj spid="_x0000_s11325" name="Equation" r:id="rId5" imgW="571320" imgH="457200" progId="Equation.DSMT4">
                   <p:embed/>
                 </p:oleObj>
               </mc:Choice>
@@ -3893,7 +3897,7 @@
           <a:graphicData uri="http://schemas.openxmlformats.org/presentationml/2006/ole">
             <mc:AlternateContent xmlns:mc="http://schemas.openxmlformats.org/markup-compatibility/2006">
               <mc:Choice xmlns:v="urn:schemas-microsoft-com:vml" Requires="v">
-                <p:oleObj spid="_x0000_s12317" name="Equation" r:id="rId3" imgW="3682800" imgH="914400" progId="Equation.DSMT4">
+                <p:oleObj spid="_x0000_s12319" name="Equation" r:id="rId3" imgW="3682800" imgH="914400" progId="Equation.DSMT4">
                   <p:embed/>
                 </p:oleObj>
               </mc:Choice>
@@ -3942,6 +3946,664 @@
 </file>
 
 <file path=ppt/slides/slide14.xml><?xml version="1.0" encoding="utf-8"?>
+<p:sld xmlns:a="http://schemas.openxmlformats.org/drawingml/2006/main" xmlns:r="http://schemas.openxmlformats.org/officeDocument/2006/relationships" xmlns:p="http://schemas.openxmlformats.org/presentationml/2006/main">
+  <p:cSld>
+    <p:spTree>
+      <p:nvGrpSpPr>
+        <p:cNvPr id="1" name=""/>
+        <p:cNvGrpSpPr/>
+        <p:nvPr/>
+      </p:nvGrpSpPr>
+      <p:grpSpPr>
+        <a:xfrm>
+          <a:off x="0" y="0"/>
+          <a:ext cx="0" cy="0"/>
+          <a:chOff x="0" y="0"/>
+          <a:chExt cx="0" cy="0"/>
+        </a:xfrm>
+      </p:grpSpPr>
+      <p:sp>
+        <p:nvSpPr>
+          <p:cNvPr id="2" name="标题 1"/>
+          <p:cNvSpPr>
+            <a:spLocks noGrp="1"/>
+          </p:cNvSpPr>
+          <p:nvPr>
+            <p:ph type="title"/>
+          </p:nvPr>
+        </p:nvSpPr>
+        <p:spPr/>
+        <p:txBody>
+          <a:bodyPr/>
+          <a:lstStyle/>
+          <a:p>
+            <a:r>
+              <a:rPr lang="en-SG" dirty="0" smtClean="0"/>
+              <a:t>Some useful HT matrices</a:t>
+            </a:r>
+            <a:endParaRPr lang="en-SG" dirty="0"/>
+          </a:p>
+        </p:txBody>
+      </p:sp>
+      <p:sp>
+        <p:nvSpPr>
+          <p:cNvPr id="3" name="内容占位符 2"/>
+          <p:cNvSpPr>
+            <a:spLocks noGrp="1"/>
+          </p:cNvSpPr>
+          <p:nvPr>
+            <p:ph idx="1"/>
+          </p:nvPr>
+        </p:nvSpPr>
+        <p:spPr/>
+        <p:txBody>
+          <a:bodyPr/>
+          <a:lstStyle/>
+          <a:p>
+            <a:r>
+              <a:rPr lang="en-SG" dirty="0" smtClean="0"/>
+              <a:t>Matrix without perspective involved</a:t>
+            </a:r>
+            <a:endParaRPr lang="en-SG" dirty="0"/>
+          </a:p>
+        </p:txBody>
+      </p:sp>
+      <p:graphicFrame>
+        <p:nvGraphicFramePr>
+          <p:cNvPr id="5" name="对象 4"/>
+          <p:cNvGraphicFramePr>
+            <a:graphicFrameLocks noChangeAspect="1"/>
+          </p:cNvGraphicFramePr>
+          <p:nvPr>
+            <p:extLst/>
+          </p:nvPr>
+        </p:nvGraphicFramePr>
+        <p:xfrm>
+          <a:off x="4632385" y="2910587"/>
+          <a:ext cx="2493034" cy="1972510"/>
+        </p:xfrm>
+        <a:graphic>
+          <a:graphicData uri="http://schemas.openxmlformats.org/presentationml/2006/ole">
+            <mc:AlternateContent xmlns:mc="http://schemas.openxmlformats.org/markup-compatibility/2006">
+              <mc:Choice xmlns:v="urn:schemas-microsoft-com:vml" Requires="v">
+                <p:oleObj spid="_x0000_s13315" name="Equation" r:id="rId3" imgW="1155600" imgH="914400" progId="Equation.DSMT4">
+                  <p:embed/>
+                </p:oleObj>
+              </mc:Choice>
+              <mc:Fallback>
+                <p:oleObj name="Equation" r:id="rId3" imgW="1155600" imgH="914400" progId="Equation.DSMT4">
+                  <p:embed/>
+                  <p:pic>
+                    <p:nvPicPr>
+                      <p:cNvPr id="5" name="对象 4"/>
+                      <p:cNvPicPr/>
+                      <p:nvPr/>
+                    </p:nvPicPr>
+                    <p:blipFill>
+                      <a:blip r:embed="rId4"/>
+                      <a:stretch>
+                        <a:fillRect/>
+                      </a:stretch>
+                    </p:blipFill>
+                    <p:spPr>
+                      <a:xfrm>
+                        <a:off x="4632385" y="2910587"/>
+                        <a:ext cx="2493034" cy="1972510"/>
+                      </a:xfrm>
+                      <a:prstGeom prst="rect">
+                        <a:avLst/>
+                      </a:prstGeom>
+                    </p:spPr>
+                  </p:pic>
+                </p:oleObj>
+              </mc:Fallback>
+            </mc:AlternateContent>
+          </a:graphicData>
+        </a:graphic>
+      </p:graphicFrame>
+    </p:spTree>
+    <p:extLst>
+      <p:ext uri="{BB962C8B-B14F-4D97-AF65-F5344CB8AC3E}">
+        <p14:creationId xmlns:p14="http://schemas.microsoft.com/office/powerpoint/2010/main" val="3790521566"/>
+      </p:ext>
+    </p:extLst>
+  </p:cSld>
+  <p:clrMapOvr>
+    <a:masterClrMapping/>
+  </p:clrMapOvr>
+</p:sld>
+</file>
+
+<file path=ppt/slides/slide15.xml><?xml version="1.0" encoding="utf-8"?>
+<p:sld xmlns:a="http://schemas.openxmlformats.org/drawingml/2006/main" xmlns:r="http://schemas.openxmlformats.org/officeDocument/2006/relationships" xmlns:p="http://schemas.openxmlformats.org/presentationml/2006/main">
+  <p:cSld>
+    <p:spTree>
+      <p:nvGrpSpPr>
+        <p:cNvPr id="1" name=""/>
+        <p:cNvGrpSpPr/>
+        <p:nvPr/>
+      </p:nvGrpSpPr>
+      <p:grpSpPr>
+        <a:xfrm>
+          <a:off x="0" y="0"/>
+          <a:ext cx="0" cy="0"/>
+          <a:chOff x="0" y="0"/>
+          <a:chExt cx="0" cy="0"/>
+        </a:xfrm>
+      </p:grpSpPr>
+      <p:sp>
+        <p:nvSpPr>
+          <p:cNvPr id="2" name="标题 1"/>
+          <p:cNvSpPr>
+            <a:spLocks noGrp="1"/>
+          </p:cNvSpPr>
+          <p:nvPr>
+            <p:ph type="title"/>
+          </p:nvPr>
+        </p:nvSpPr>
+        <p:spPr/>
+        <p:txBody>
+          <a:bodyPr/>
+          <a:lstStyle/>
+          <a:p>
+            <a:r>
+              <a:rPr lang="en-SG" dirty="0" smtClean="0"/>
+              <a:t>Some useful HT matrices</a:t>
+            </a:r>
+            <a:endParaRPr lang="en-SG" dirty="0"/>
+          </a:p>
+        </p:txBody>
+      </p:sp>
+      <p:sp>
+        <p:nvSpPr>
+          <p:cNvPr id="3" name="内容占位符 2"/>
+          <p:cNvSpPr>
+            <a:spLocks noGrp="1"/>
+          </p:cNvSpPr>
+          <p:nvPr>
+            <p:ph idx="1"/>
+          </p:nvPr>
+        </p:nvSpPr>
+        <p:spPr/>
+        <p:txBody>
+          <a:bodyPr/>
+          <a:lstStyle/>
+          <a:p>
+            <a:r>
+              <a:rPr lang="en-SG" dirty="0" smtClean="0"/>
+              <a:t>Matrix pure shearing involved</a:t>
+            </a:r>
+          </a:p>
+          <a:p>
+            <a:endParaRPr lang="en-SG" dirty="0"/>
+          </a:p>
+          <a:p>
+            <a:endParaRPr lang="en-SG" dirty="0" smtClean="0"/>
+          </a:p>
+          <a:p>
+            <a:endParaRPr lang="en-SG" dirty="0"/>
+          </a:p>
+          <a:p>
+            <a:endParaRPr lang="en-SG" dirty="0" smtClean="0"/>
+          </a:p>
+          <a:p>
+            <a:endParaRPr lang="en-SG" dirty="0"/>
+          </a:p>
+          <a:p>
+            <a:r>
+              <a:rPr lang="en-SG" dirty="0" smtClean="0"/>
+              <a:t>At the same time, T part of this matrix is symmetric. Which means t</a:t>
+            </a:r>
+            <a:r>
+              <a:rPr lang="en-SG" baseline="-25000" dirty="0" smtClean="0"/>
+              <a:t>21</a:t>
+            </a:r>
+            <a:r>
+              <a:rPr lang="en-SG" dirty="0" smtClean="0"/>
+              <a:t>=t</a:t>
+            </a:r>
+            <a:r>
+              <a:rPr lang="en-SG" baseline="-25000" dirty="0"/>
+              <a:t>12</a:t>
+            </a:r>
+            <a:r>
+              <a:rPr lang="en-SG" dirty="0" smtClean="0"/>
+              <a:t>, t</a:t>
+            </a:r>
+            <a:r>
+              <a:rPr lang="en-SG" baseline="-25000" dirty="0"/>
+              <a:t>31</a:t>
+            </a:r>
+            <a:r>
+              <a:rPr lang="en-SG" dirty="0" smtClean="0"/>
+              <a:t>=t</a:t>
+            </a:r>
+            <a:r>
+              <a:rPr lang="en-SG" baseline="-25000" dirty="0"/>
+              <a:t>13</a:t>
+            </a:r>
+            <a:r>
+              <a:rPr lang="en-SG" dirty="0" smtClean="0"/>
+              <a:t>, t</a:t>
+            </a:r>
+            <a:r>
+              <a:rPr lang="en-SG" baseline="-25000" dirty="0"/>
+              <a:t>32</a:t>
+            </a:r>
+            <a:r>
+              <a:rPr lang="en-SG" dirty="0" smtClean="0"/>
+              <a:t>=t</a:t>
+            </a:r>
+            <a:r>
+              <a:rPr lang="en-SG" baseline="-25000" dirty="0"/>
+              <a:t>23</a:t>
+            </a:r>
+          </a:p>
+        </p:txBody>
+      </p:sp>
+      <p:graphicFrame>
+        <p:nvGraphicFramePr>
+          <p:cNvPr id="5" name="对象 4"/>
+          <p:cNvGraphicFramePr>
+            <a:graphicFrameLocks noChangeAspect="1"/>
+          </p:cNvGraphicFramePr>
+          <p:nvPr>
+            <p:extLst/>
+          </p:nvPr>
+        </p:nvGraphicFramePr>
+        <p:xfrm>
+          <a:off x="4672013" y="2909888"/>
+          <a:ext cx="2409825" cy="1973262"/>
+        </p:xfrm>
+        <a:graphic>
+          <a:graphicData uri="http://schemas.openxmlformats.org/presentationml/2006/ole">
+            <mc:AlternateContent xmlns:mc="http://schemas.openxmlformats.org/markup-compatibility/2006">
+              <mc:Choice xmlns:v="urn:schemas-microsoft-com:vml" Requires="v">
+                <p:oleObj spid="_x0000_s14339" name="Equation" r:id="rId3" imgW="1117440" imgH="914400" progId="Equation.DSMT4">
+                  <p:embed/>
+                </p:oleObj>
+              </mc:Choice>
+              <mc:Fallback>
+                <p:oleObj name="Equation" r:id="rId3" imgW="1117440" imgH="914400" progId="Equation.DSMT4">
+                  <p:embed/>
+                  <p:pic>
+                    <p:nvPicPr>
+                      <p:cNvPr id="5" name="对象 4"/>
+                      <p:cNvPicPr/>
+                      <p:nvPr/>
+                    </p:nvPicPr>
+                    <p:blipFill>
+                      <a:blip r:embed="rId4"/>
+                      <a:stretch>
+                        <a:fillRect/>
+                      </a:stretch>
+                    </p:blipFill>
+                    <p:spPr>
+                      <a:xfrm>
+                        <a:off x="4672013" y="2909888"/>
+                        <a:ext cx="2409825" cy="1973262"/>
+                      </a:xfrm>
+                      <a:prstGeom prst="rect">
+                        <a:avLst/>
+                      </a:prstGeom>
+                    </p:spPr>
+                  </p:pic>
+                </p:oleObj>
+              </mc:Fallback>
+            </mc:AlternateContent>
+          </a:graphicData>
+        </a:graphic>
+      </p:graphicFrame>
+    </p:spTree>
+    <p:extLst>
+      <p:ext uri="{BB962C8B-B14F-4D97-AF65-F5344CB8AC3E}">
+        <p14:creationId xmlns:p14="http://schemas.microsoft.com/office/powerpoint/2010/main" val="985721869"/>
+      </p:ext>
+    </p:extLst>
+  </p:cSld>
+  <p:clrMapOvr>
+    <a:masterClrMapping/>
+  </p:clrMapOvr>
+</p:sld>
+</file>
+
+<file path=ppt/slides/slide16.xml><?xml version="1.0" encoding="utf-8"?>
+<p:sld xmlns:a="http://schemas.openxmlformats.org/drawingml/2006/main" xmlns:r="http://schemas.openxmlformats.org/officeDocument/2006/relationships" xmlns:p="http://schemas.openxmlformats.org/presentationml/2006/main">
+  <p:cSld>
+    <p:spTree>
+      <p:nvGrpSpPr>
+        <p:cNvPr id="1" name=""/>
+        <p:cNvGrpSpPr/>
+        <p:nvPr/>
+      </p:nvGrpSpPr>
+      <p:grpSpPr>
+        <a:xfrm>
+          <a:off x="0" y="0"/>
+          <a:ext cx="0" cy="0"/>
+          <a:chOff x="0" y="0"/>
+          <a:chExt cx="0" cy="0"/>
+        </a:xfrm>
+      </p:grpSpPr>
+      <p:sp>
+        <p:nvSpPr>
+          <p:cNvPr id="3" name="内容占位符 2"/>
+          <p:cNvSpPr>
+            <a:spLocks noGrp="1"/>
+          </p:cNvSpPr>
+          <p:nvPr>
+            <p:ph idx="1"/>
+          </p:nvPr>
+        </p:nvSpPr>
+        <p:spPr>
+          <a:xfrm>
+            <a:off x="838200" y="345057"/>
+            <a:ext cx="10515600" cy="5831906"/>
+          </a:xfrm>
+        </p:spPr>
+        <p:txBody>
+          <a:bodyPr/>
+          <a:lstStyle/>
+          <a:p>
+            <a:r>
+              <a:rPr lang="en-SG" dirty="0" smtClean="0"/>
+              <a:t>Example: Given a cube with length of edge 1 at the origin O, assume vertex O is fixed, and there is a homogenous transformation which shear vertex F(1,1,1) to F’(1,1,2). Find out the transformation matrix and the new positions of all vertices.</a:t>
+            </a:r>
+            <a:endParaRPr lang="en-SG" dirty="0"/>
+          </a:p>
+        </p:txBody>
+      </p:sp>
+      <p:pic>
+        <p:nvPicPr>
+          <p:cNvPr id="4" name="图片 3"/>
+          <p:cNvPicPr>
+            <a:picLocks noChangeAspect="1"/>
+          </p:cNvPicPr>
+          <p:nvPr/>
+        </p:nvPicPr>
+        <p:blipFill>
+          <a:blip r:embed="rId2"/>
+          <a:stretch>
+            <a:fillRect/>
+          </a:stretch>
+        </p:blipFill>
+        <p:spPr>
+          <a:xfrm>
+            <a:off x="1856229" y="2651365"/>
+            <a:ext cx="2648086" cy="2159111"/>
+          </a:xfrm>
+          <a:prstGeom prst="rect">
+            <a:avLst/>
+          </a:prstGeom>
+        </p:spPr>
+      </p:pic>
+      <p:sp>
+        <p:nvSpPr>
+          <p:cNvPr id="6" name="右箭头 5"/>
+          <p:cNvSpPr/>
+          <p:nvPr/>
+        </p:nvSpPr>
+        <p:spPr>
+          <a:xfrm>
+            <a:off x="5218627" y="3592897"/>
+            <a:ext cx="802257" cy="276045"/>
+          </a:xfrm>
+          <a:prstGeom prst="rightArrow">
+            <a:avLst/>
+          </a:prstGeom>
+        </p:spPr>
+        <p:style>
+          <a:lnRef idx="2">
+            <a:schemeClr val="accent1">
+              <a:shade val="50000"/>
+            </a:schemeClr>
+          </a:lnRef>
+          <a:fillRef idx="1">
+            <a:schemeClr val="accent1"/>
+          </a:fillRef>
+          <a:effectRef idx="0">
+            <a:schemeClr val="accent1"/>
+          </a:effectRef>
+          <a:fontRef idx="minor">
+            <a:schemeClr val="lt1"/>
+          </a:fontRef>
+        </p:style>
+        <p:txBody>
+          <a:bodyPr rtlCol="0" anchor="ctr"/>
+          <a:lstStyle/>
+          <a:p>
+            <a:pPr algn="ctr"/>
+            <a:endParaRPr lang="en-SG"/>
+          </a:p>
+        </p:txBody>
+      </p:sp>
+      <p:pic>
+        <p:nvPicPr>
+          <p:cNvPr id="7" name="图片 6"/>
+          <p:cNvPicPr>
+            <a:picLocks noChangeAspect="1"/>
+          </p:cNvPicPr>
+          <p:nvPr/>
+        </p:nvPicPr>
+        <p:blipFill>
+          <a:blip r:embed="rId3"/>
+          <a:stretch>
+            <a:fillRect/>
+          </a:stretch>
+        </p:blipFill>
+        <p:spPr>
+          <a:xfrm>
+            <a:off x="6735196" y="2651365"/>
+            <a:ext cx="2387723" cy="2197213"/>
+          </a:xfrm>
+          <a:prstGeom prst="rect">
+            <a:avLst/>
+          </a:prstGeom>
+        </p:spPr>
+      </p:pic>
+    </p:spTree>
+    <p:extLst>
+      <p:ext uri="{BB962C8B-B14F-4D97-AF65-F5344CB8AC3E}">
+        <p14:creationId xmlns:p14="http://schemas.microsoft.com/office/powerpoint/2010/main" val="2339647995"/>
+      </p:ext>
+    </p:extLst>
+  </p:cSld>
+  <p:clrMapOvr>
+    <a:masterClrMapping/>
+  </p:clrMapOvr>
+</p:sld>
+</file>
+
+<file path=ppt/slides/slide17.xml><?xml version="1.0" encoding="utf-8"?>
+<p:sld xmlns:a="http://schemas.openxmlformats.org/drawingml/2006/main" xmlns:r="http://schemas.openxmlformats.org/officeDocument/2006/relationships" xmlns:p="http://schemas.openxmlformats.org/presentationml/2006/main">
+  <p:cSld>
+    <p:spTree>
+      <p:nvGrpSpPr>
+        <p:cNvPr id="1" name=""/>
+        <p:cNvGrpSpPr/>
+        <p:nvPr/>
+      </p:nvGrpSpPr>
+      <p:grpSpPr>
+        <a:xfrm>
+          <a:off x="0" y="0"/>
+          <a:ext cx="0" cy="0"/>
+          <a:chOff x="0" y="0"/>
+          <a:chExt cx="0" cy="0"/>
+        </a:xfrm>
+      </p:grpSpPr>
+      <p:sp>
+        <p:nvSpPr>
+          <p:cNvPr id="3" name="内容占位符 2"/>
+          <p:cNvSpPr>
+            <a:spLocks noGrp="1"/>
+          </p:cNvSpPr>
+          <p:nvPr>
+            <p:ph idx="1"/>
+          </p:nvPr>
+        </p:nvSpPr>
+        <p:spPr>
+          <a:xfrm>
+            <a:off x="838200" y="500332"/>
+            <a:ext cx="10515600" cy="5676631"/>
+          </a:xfrm>
+        </p:spPr>
+        <p:txBody>
+          <a:bodyPr/>
+          <a:lstStyle/>
+          <a:p>
+            <a:r>
+              <a:rPr lang="en-SG" dirty="0" smtClean="0"/>
+              <a:t>To vertex E, we have the linear equations after taking use of shearing transformation</a:t>
+            </a:r>
+          </a:p>
+          <a:p>
+            <a:endParaRPr lang="en-SG" dirty="0"/>
+          </a:p>
+          <a:p>
+            <a:endParaRPr lang="en-SG" dirty="0" smtClean="0"/>
+          </a:p>
+          <a:p>
+            <a:endParaRPr lang="en-SG" dirty="0"/>
+          </a:p>
+          <a:p>
+            <a:pPr marL="0" indent="0">
+              <a:buNone/>
+            </a:pPr>
+            <a:endParaRPr lang="en-SG" dirty="0"/>
+          </a:p>
+          <a:p>
+            <a:r>
+              <a:rPr lang="en-SG" dirty="0" smtClean="0"/>
+              <a:t>The solution of homogenous transformation matrix is</a:t>
+            </a:r>
+          </a:p>
+          <a:p>
+            <a:endParaRPr lang="en-SG" dirty="0" smtClean="0"/>
+          </a:p>
+          <a:p>
+            <a:endParaRPr lang="en-SG" dirty="0"/>
+          </a:p>
+        </p:txBody>
+      </p:sp>
+      <p:graphicFrame>
+        <p:nvGraphicFramePr>
+          <p:cNvPr id="4" name="对象 3"/>
+          <p:cNvGraphicFramePr>
+            <a:graphicFrameLocks noChangeAspect="1"/>
+          </p:cNvGraphicFramePr>
+          <p:nvPr>
+            <p:extLst/>
+          </p:nvPr>
+        </p:nvGraphicFramePr>
+        <p:xfrm>
+          <a:off x="3729725" y="1677687"/>
+          <a:ext cx="4652825" cy="1626230"/>
+        </p:xfrm>
+        <a:graphic>
+          <a:graphicData uri="http://schemas.openxmlformats.org/presentationml/2006/ole">
+            <mc:AlternateContent xmlns:mc="http://schemas.openxmlformats.org/markup-compatibility/2006">
+              <mc:Choice xmlns:v="urn:schemas-microsoft-com:vml" Requires="v">
+                <p:oleObj spid="_x0000_s15364" name="Equation" r:id="rId3" imgW="2616120" imgH="914400" progId="Equation.DSMT4">
+                  <p:embed/>
+                </p:oleObj>
+              </mc:Choice>
+              <mc:Fallback>
+                <p:oleObj name="Equation" r:id="rId3" imgW="2616120" imgH="914400" progId="Equation.DSMT4">
+                  <p:embed/>
+                  <p:pic>
+                    <p:nvPicPr>
+                      <p:cNvPr id="4" name="对象 3"/>
+                      <p:cNvPicPr/>
+                      <p:nvPr/>
+                    </p:nvPicPr>
+                    <p:blipFill>
+                      <a:blip r:embed="rId4"/>
+                      <a:stretch>
+                        <a:fillRect/>
+                      </a:stretch>
+                    </p:blipFill>
+                    <p:spPr>
+                      <a:xfrm>
+                        <a:off x="3729725" y="1677687"/>
+                        <a:ext cx="4652825" cy="1626230"/>
+                      </a:xfrm>
+                      <a:prstGeom prst="rect">
+                        <a:avLst/>
+                      </a:prstGeom>
+                    </p:spPr>
+                  </p:pic>
+                </p:oleObj>
+              </mc:Fallback>
+            </mc:AlternateContent>
+          </a:graphicData>
+        </a:graphic>
+      </p:graphicFrame>
+      <p:graphicFrame>
+        <p:nvGraphicFramePr>
+          <p:cNvPr id="5" name="对象 4"/>
+          <p:cNvGraphicFramePr>
+            <a:graphicFrameLocks noChangeAspect="1"/>
+          </p:cNvGraphicFramePr>
+          <p:nvPr>
+            <p:extLst/>
+          </p:nvPr>
+        </p:nvGraphicFramePr>
+        <p:xfrm>
+          <a:off x="3851275" y="4024313"/>
+          <a:ext cx="3708400" cy="2152650"/>
+        </p:xfrm>
+        <a:graphic>
+          <a:graphicData uri="http://schemas.openxmlformats.org/presentationml/2006/ole">
+            <mc:AlternateContent xmlns:mc="http://schemas.openxmlformats.org/markup-compatibility/2006">
+              <mc:Choice xmlns:v="urn:schemas-microsoft-com:vml" Requires="v">
+                <p:oleObj spid="_x0000_s15365" name="Equation" r:id="rId5" imgW="1574640" imgH="914400" progId="Equation.DSMT4">
+                  <p:embed/>
+                </p:oleObj>
+              </mc:Choice>
+              <mc:Fallback>
+                <p:oleObj name="Equation" r:id="rId5" imgW="1574640" imgH="914400" progId="Equation.DSMT4">
+                  <p:embed/>
+                  <p:pic>
+                    <p:nvPicPr>
+                      <p:cNvPr id="5" name="对象 4"/>
+                      <p:cNvPicPr/>
+                      <p:nvPr/>
+                    </p:nvPicPr>
+                    <p:blipFill>
+                      <a:blip r:embed="rId6"/>
+                      <a:stretch>
+                        <a:fillRect/>
+                      </a:stretch>
+                    </p:blipFill>
+                    <p:spPr>
+                      <a:xfrm>
+                        <a:off x="3851275" y="4024313"/>
+                        <a:ext cx="3708400" cy="2152650"/>
+                      </a:xfrm>
+                      <a:prstGeom prst="rect">
+                        <a:avLst/>
+                      </a:prstGeom>
+                    </p:spPr>
+                  </p:pic>
+                </p:oleObj>
+              </mc:Fallback>
+            </mc:AlternateContent>
+          </a:graphicData>
+        </a:graphic>
+      </p:graphicFrame>
+    </p:spTree>
+    <p:extLst>
+      <p:ext uri="{BB962C8B-B14F-4D97-AF65-F5344CB8AC3E}">
+        <p14:creationId xmlns:p14="http://schemas.microsoft.com/office/powerpoint/2010/main" val="3107323792"/>
+      </p:ext>
+    </p:extLst>
+  </p:cSld>
+  <p:clrMapOvr>
+    <a:masterClrMapping/>
+  </p:clrMapOvr>
+</p:sld>
+</file>
+
+<file path=ppt/slides/slide18.xml><?xml version="1.0" encoding="utf-8"?>
 <p:sld xmlns:a="http://schemas.openxmlformats.org/drawingml/2006/main" xmlns:r="http://schemas.openxmlformats.org/officeDocument/2006/relationships" xmlns:p="http://schemas.openxmlformats.org/presentationml/2006/main">
   <p:cSld>
     <p:spTree>
@@ -4268,358 +4930,6 @@
 </p:sld>
 </file>
 
-<file path=ppt/slides/slide15.xml><?xml version="1.0" encoding="utf-8"?>
-<p:sld xmlns:a="http://schemas.openxmlformats.org/drawingml/2006/main" xmlns:r="http://schemas.openxmlformats.org/officeDocument/2006/relationships" xmlns:p="http://schemas.openxmlformats.org/presentationml/2006/main">
-  <p:cSld>
-    <p:spTree>
-      <p:nvGrpSpPr>
-        <p:cNvPr id="1" name=""/>
-        <p:cNvGrpSpPr/>
-        <p:nvPr/>
-      </p:nvGrpSpPr>
-      <p:grpSpPr>
-        <a:xfrm>
-          <a:off x="0" y="0"/>
-          <a:ext cx="0" cy="0"/>
-          <a:chOff x="0" y="0"/>
-          <a:chExt cx="0" cy="0"/>
-        </a:xfrm>
-      </p:grpSpPr>
-      <p:sp>
-        <p:nvSpPr>
-          <p:cNvPr id="2" name="标题 1"/>
-          <p:cNvSpPr>
-            <a:spLocks noGrp="1"/>
-          </p:cNvSpPr>
-          <p:nvPr>
-            <p:ph type="title"/>
-          </p:nvPr>
-        </p:nvSpPr>
-        <p:spPr/>
-        <p:txBody>
-          <a:bodyPr/>
-          <a:lstStyle/>
-          <a:p>
-            <a:r>
-              <a:rPr lang="en-SG" dirty="0"/>
-              <a:t>Coordinate system</a:t>
-            </a:r>
-          </a:p>
-        </p:txBody>
-      </p:sp>
-      <p:sp>
-        <p:nvSpPr>
-          <p:cNvPr id="3" name="内容占位符 2"/>
-          <p:cNvSpPr>
-            <a:spLocks noGrp="1"/>
-          </p:cNvSpPr>
-          <p:nvPr>
-            <p:ph idx="1"/>
-          </p:nvPr>
-        </p:nvSpPr>
-        <p:spPr/>
-        <p:txBody>
-          <a:bodyPr>
-            <a:normAutofit/>
-          </a:bodyPr>
-          <a:lstStyle/>
-          <a:p>
-            <a:r>
-              <a:rPr lang="en-SG" dirty="0" smtClean="0"/>
-              <a:t>By default, in most of CAD software, the WCS and MCS are overlapped as you start up the main program.</a:t>
-            </a:r>
-          </a:p>
-          <a:p>
-            <a:r>
-              <a:rPr lang="en-SG" dirty="0" smtClean="0"/>
-              <a:t>Definitely, To </a:t>
-            </a:r>
-            <a:r>
-              <a:rPr lang="en-SG" dirty="0"/>
-              <a:t>display correct image of the cad model on screen, we still need </a:t>
-            </a:r>
-            <a:r>
-              <a:rPr lang="en-SG" dirty="0" smtClean="0"/>
-              <a:t>some </a:t>
-            </a:r>
-            <a:r>
-              <a:rPr lang="en-SG" dirty="0"/>
-              <a:t>transformation operations to make it sense</a:t>
-            </a:r>
-            <a:r>
-              <a:rPr lang="en-SG" dirty="0" smtClean="0"/>
-              <a:t>.</a:t>
-            </a:r>
-          </a:p>
-          <a:p>
-            <a:r>
-              <a:rPr lang="en-SG" dirty="0" smtClean="0"/>
-              <a:t>From the view of user, the inputted geometrical elements will firstly transform to </a:t>
-            </a:r>
-            <a:r>
-              <a:rPr lang="en-US" dirty="0" smtClean="0"/>
-              <a:t>uniforms under MCS, then through display converting package developed by CAD software provider, all </a:t>
-            </a:r>
-            <a:r>
-              <a:rPr lang="en-US" altLang="zh-CN" dirty="0" smtClean="0"/>
-              <a:t>3D geometrical items will be shown on the 2D screen</a:t>
-            </a:r>
-            <a:r>
-              <a:rPr lang="en-US" altLang="zh-CN" smtClean="0"/>
-              <a:t>. </a:t>
-            </a:r>
-            <a:endParaRPr lang="en-SG" dirty="0"/>
-          </a:p>
-        </p:txBody>
-      </p:sp>
-    </p:spTree>
-    <p:extLst>
-      <p:ext uri="{BB962C8B-B14F-4D97-AF65-F5344CB8AC3E}">
-        <p14:creationId xmlns:p14="http://schemas.microsoft.com/office/powerpoint/2010/main" val="977069079"/>
-      </p:ext>
-    </p:extLst>
-  </p:cSld>
-  <p:clrMapOvr>
-    <a:masterClrMapping/>
-  </p:clrMapOvr>
-</p:sld>
-</file>
-
-<file path=ppt/slides/slide16.xml><?xml version="1.0" encoding="utf-8"?>
-<p:sld xmlns:a="http://schemas.openxmlformats.org/drawingml/2006/main" xmlns:r="http://schemas.openxmlformats.org/officeDocument/2006/relationships" xmlns:p="http://schemas.openxmlformats.org/presentationml/2006/main">
-  <p:cSld>
-    <p:spTree>
-      <p:nvGrpSpPr>
-        <p:cNvPr id="1" name=""/>
-        <p:cNvGrpSpPr/>
-        <p:nvPr/>
-      </p:nvGrpSpPr>
-      <p:grpSpPr>
-        <a:xfrm>
-          <a:off x="0" y="0"/>
-          <a:ext cx="0" cy="0"/>
-          <a:chOff x="0" y="0"/>
-          <a:chExt cx="0" cy="0"/>
-        </a:xfrm>
-      </p:grpSpPr>
-      <p:sp>
-        <p:nvSpPr>
-          <p:cNvPr id="4" name="标题 3"/>
-          <p:cNvSpPr>
-            <a:spLocks noGrp="1"/>
-          </p:cNvSpPr>
-          <p:nvPr>
-            <p:ph type="title"/>
-          </p:nvPr>
-        </p:nvSpPr>
-        <p:spPr/>
-        <p:txBody>
-          <a:bodyPr/>
-          <a:lstStyle/>
-          <a:p>
-            <a:r>
-              <a:rPr lang="en-SG" dirty="0"/>
-              <a:t>CAD data exchange and storage</a:t>
-            </a:r>
-          </a:p>
-        </p:txBody>
-      </p:sp>
-      <p:sp>
-        <p:nvSpPr>
-          <p:cNvPr id="5" name="文本占位符 4"/>
-          <p:cNvSpPr>
-            <a:spLocks noGrp="1"/>
-          </p:cNvSpPr>
-          <p:nvPr>
-            <p:ph type="body" idx="1"/>
-          </p:nvPr>
-        </p:nvSpPr>
-        <p:spPr/>
-        <p:txBody>
-          <a:bodyPr/>
-          <a:lstStyle/>
-          <a:p>
-            <a:endParaRPr lang="en-SG"/>
-          </a:p>
-        </p:txBody>
-      </p:sp>
-    </p:spTree>
-    <p:extLst>
-      <p:ext uri="{BB962C8B-B14F-4D97-AF65-F5344CB8AC3E}">
-        <p14:creationId xmlns:p14="http://schemas.microsoft.com/office/powerpoint/2010/main" val="325914667"/>
-      </p:ext>
-    </p:extLst>
-  </p:cSld>
-  <p:clrMapOvr>
-    <a:masterClrMapping/>
-  </p:clrMapOvr>
-</p:sld>
-</file>
-
-<file path=ppt/slides/slide17.xml><?xml version="1.0" encoding="utf-8"?>
-<p:sld xmlns:a="http://schemas.openxmlformats.org/drawingml/2006/main" xmlns:r="http://schemas.openxmlformats.org/officeDocument/2006/relationships" xmlns:p="http://schemas.openxmlformats.org/presentationml/2006/main">
-  <p:cSld>
-    <p:spTree>
-      <p:nvGrpSpPr>
-        <p:cNvPr id="1" name=""/>
-        <p:cNvGrpSpPr/>
-        <p:nvPr/>
-      </p:nvGrpSpPr>
-      <p:grpSpPr>
-        <a:xfrm>
-          <a:off x="0" y="0"/>
-          <a:ext cx="0" cy="0"/>
-          <a:chOff x="0" y="0"/>
-          <a:chExt cx="0" cy="0"/>
-        </a:xfrm>
-      </p:grpSpPr>
-      <p:sp>
-        <p:nvSpPr>
-          <p:cNvPr id="2" name="标题 1"/>
-          <p:cNvSpPr>
-            <a:spLocks noGrp="1"/>
-          </p:cNvSpPr>
-          <p:nvPr>
-            <p:ph type="title"/>
-          </p:nvPr>
-        </p:nvSpPr>
-        <p:spPr/>
-        <p:txBody>
-          <a:bodyPr/>
-          <a:lstStyle/>
-          <a:p>
-            <a:r>
-              <a:rPr lang="en-SG" dirty="0" smtClean="0"/>
-              <a:t>CAD data exchange and storage</a:t>
-            </a:r>
-            <a:endParaRPr lang="en-SG" dirty="0"/>
-          </a:p>
-        </p:txBody>
-      </p:sp>
-      <p:sp>
-        <p:nvSpPr>
-          <p:cNvPr id="3" name="内容占位符 2"/>
-          <p:cNvSpPr>
-            <a:spLocks noGrp="1"/>
-          </p:cNvSpPr>
-          <p:nvPr>
-            <p:ph idx="1"/>
-          </p:nvPr>
-        </p:nvSpPr>
-        <p:spPr/>
-        <p:txBody>
-          <a:bodyPr/>
-          <a:lstStyle/>
-          <a:p>
-            <a:r>
-              <a:rPr lang="en-SG" dirty="0" smtClean="0"/>
-              <a:t>Graphic standard</a:t>
-            </a:r>
-          </a:p>
-          <a:p>
-            <a:r>
-              <a:rPr lang="en-SG" dirty="0" smtClean="0"/>
-              <a:t>Data storage</a:t>
-            </a:r>
-            <a:endParaRPr lang="en-SG" dirty="0"/>
-          </a:p>
-        </p:txBody>
-      </p:sp>
-    </p:spTree>
-    <p:extLst>
-      <p:ext uri="{BB962C8B-B14F-4D97-AF65-F5344CB8AC3E}">
-        <p14:creationId xmlns:p14="http://schemas.microsoft.com/office/powerpoint/2010/main" val="1612071703"/>
-      </p:ext>
-    </p:extLst>
-  </p:cSld>
-  <p:clrMapOvr>
-    <a:masterClrMapping/>
-  </p:clrMapOvr>
-</p:sld>
-</file>
-
-<file path=ppt/slides/slide18.xml><?xml version="1.0" encoding="utf-8"?>
-<p:sld xmlns:a="http://schemas.openxmlformats.org/drawingml/2006/main" xmlns:r="http://schemas.openxmlformats.org/officeDocument/2006/relationships" xmlns:p="http://schemas.openxmlformats.org/presentationml/2006/main">
-  <p:cSld>
-    <p:spTree>
-      <p:nvGrpSpPr>
-        <p:cNvPr id="1" name=""/>
-        <p:cNvGrpSpPr/>
-        <p:nvPr/>
-      </p:nvGrpSpPr>
-      <p:grpSpPr>
-        <a:xfrm>
-          <a:off x="0" y="0"/>
-          <a:ext cx="0" cy="0"/>
-          <a:chOff x="0" y="0"/>
-          <a:chExt cx="0" cy="0"/>
-        </a:xfrm>
-      </p:grpSpPr>
-      <p:sp>
-        <p:nvSpPr>
-          <p:cNvPr id="2" name="标题 1"/>
-          <p:cNvSpPr>
-            <a:spLocks noGrp="1"/>
-          </p:cNvSpPr>
-          <p:nvPr>
-            <p:ph type="title"/>
-          </p:nvPr>
-        </p:nvSpPr>
-        <p:spPr/>
-        <p:txBody>
-          <a:bodyPr/>
-          <a:lstStyle/>
-          <a:p>
-            <a:r>
-              <a:rPr lang="en-SG" dirty="0" smtClean="0"/>
-              <a:t>Introduction to Geometric Modelling</a:t>
-            </a:r>
-            <a:endParaRPr lang="en-SG" dirty="0"/>
-          </a:p>
-        </p:txBody>
-      </p:sp>
-      <p:sp>
-        <p:nvSpPr>
-          <p:cNvPr id="3" name="内容占位符 2"/>
-          <p:cNvSpPr>
-            <a:spLocks noGrp="1"/>
-          </p:cNvSpPr>
-          <p:nvPr>
-            <p:ph idx="1"/>
-          </p:nvPr>
-        </p:nvSpPr>
-        <p:spPr/>
-        <p:txBody>
-          <a:bodyPr/>
-          <a:lstStyle/>
-          <a:p>
-            <a:r>
-              <a:rPr lang="en-SG" dirty="0" smtClean="0"/>
-              <a:t>Usually, geometric modelling is a combination discipline with applied mathematics and computational geometry. In this discipline, people designed varied algorithms to describe all kinds of shapes by computers.</a:t>
-            </a:r>
-          </a:p>
-          <a:p>
-            <a:r>
-              <a:rPr lang="en-SG" dirty="0" smtClean="0"/>
-              <a:t>Building two or three dimensional models is crucial content of CAD &amp; CAM.</a:t>
-            </a:r>
-            <a:endParaRPr lang="en-SG" dirty="0"/>
-          </a:p>
-        </p:txBody>
-      </p:sp>
-    </p:spTree>
-    <p:extLst>
-      <p:ext uri="{BB962C8B-B14F-4D97-AF65-F5344CB8AC3E}">
-        <p14:creationId xmlns:p14="http://schemas.microsoft.com/office/powerpoint/2010/main" val="4194142784"/>
-      </p:ext>
-    </p:extLst>
-  </p:cSld>
-  <p:clrMapOvr>
-    <a:masterClrMapping/>
-  </p:clrMapOvr>
-</p:sld>
-</file>
-
 <file path=ppt/slides/slide19.xml><?xml version="1.0" encoding="utf-8"?>
 <p:sld xmlns:a="http://schemas.openxmlformats.org/drawingml/2006/main" xmlns:r="http://schemas.openxmlformats.org/officeDocument/2006/relationships" xmlns:p="http://schemas.openxmlformats.org/presentationml/2006/main">
   <p:cSld>
@@ -4653,10 +4963,9 @@
           <a:lstStyle/>
           <a:p>
             <a:r>
-              <a:rPr lang="en-SG" dirty="0" smtClean="0"/>
-              <a:t>Geometry of curve</a:t>
-            </a:r>
-            <a:endParaRPr lang="en-SG" dirty="0"/>
+              <a:rPr lang="en-SG" dirty="0"/>
+              <a:t>Coordinate system</a:t>
+            </a:r>
           </a:p>
         </p:txBody>
       </p:sp>
@@ -4672,39 +4981,55 @@
         </p:nvSpPr>
         <p:spPr/>
         <p:txBody>
-          <a:bodyPr/>
-          <a:lstStyle/>
-          <a:p>
-            <a:r>
-              <a:rPr lang="en-SG" dirty="0" smtClean="0"/>
-              <a:t>Standard mathematic curves</a:t>
-            </a:r>
-          </a:p>
-          <a:p>
-            <a:r>
-              <a:rPr lang="en-SG" dirty="0" smtClean="0"/>
-              <a:t>Bezier curves</a:t>
-            </a:r>
-          </a:p>
-          <a:p>
-            <a:r>
-              <a:rPr lang="en-SG" dirty="0" smtClean="0"/>
-              <a:t>B-spline curves</a:t>
-            </a:r>
-          </a:p>
-          <a:p>
-            <a:r>
-              <a:rPr lang="en-SG" dirty="0" smtClean="0"/>
-              <a:t>Parameterized curves</a:t>
-            </a:r>
-          </a:p>
-          <a:p>
-            <a:r>
-              <a:rPr lang="en-SG" dirty="0" smtClean="0"/>
-              <a:t>Wire frame modelling</a:t>
-            </a:r>
-          </a:p>
-          <a:p>
+          <a:bodyPr>
+            <a:normAutofit/>
+          </a:bodyPr>
+          <a:lstStyle/>
+          <a:p>
+            <a:r>
+              <a:rPr lang="en-SG" dirty="0" smtClean="0"/>
+              <a:t>By default, in most of CAD software, the WCS and MCS are overlapped as you start up the main program.</a:t>
+            </a:r>
+          </a:p>
+          <a:p>
+            <a:r>
+              <a:rPr lang="en-SG" dirty="0" smtClean="0"/>
+              <a:t>Definitely, To </a:t>
+            </a:r>
+            <a:r>
+              <a:rPr lang="en-SG" dirty="0"/>
+              <a:t>display correct image of the cad model on screen, we still need </a:t>
+            </a:r>
+            <a:r>
+              <a:rPr lang="en-SG" dirty="0" smtClean="0"/>
+              <a:t>some </a:t>
+            </a:r>
+            <a:r>
+              <a:rPr lang="en-SG" dirty="0"/>
+              <a:t>transformation operations to make it sense</a:t>
+            </a:r>
+            <a:r>
+              <a:rPr lang="en-SG" dirty="0" smtClean="0"/>
+              <a:t>.</a:t>
+            </a:r>
+          </a:p>
+          <a:p>
+            <a:r>
+              <a:rPr lang="en-SG" dirty="0" smtClean="0"/>
+              <a:t>From the view of user, the inputted geometrical elements will firstly transform to </a:t>
+            </a:r>
+            <a:r>
+              <a:rPr lang="en-US" dirty="0" smtClean="0"/>
+              <a:t>uniforms under MCS, then through display converting package developed by CAD software provider, all </a:t>
+            </a:r>
+            <a:r>
+              <a:rPr lang="en-US" altLang="zh-CN" dirty="0" smtClean="0"/>
+              <a:t>3D geometrical items will be shown on the 2D screen</a:t>
+            </a:r>
+            <a:r>
+              <a:rPr lang="en-US" altLang="zh-CN" smtClean="0"/>
+              <a:t>. </a:t>
+            </a:r>
             <a:endParaRPr lang="en-SG" dirty="0"/>
           </a:p>
         </p:txBody>
@@ -4712,7 +5037,7 @@
     </p:spTree>
     <p:extLst>
       <p:ext uri="{BB962C8B-B14F-4D97-AF65-F5344CB8AC3E}">
-        <p14:creationId xmlns:p14="http://schemas.microsoft.com/office/powerpoint/2010/main" val="4172222177"/>
+        <p14:creationId xmlns:p14="http://schemas.microsoft.com/office/powerpoint/2010/main" val="977069079"/>
       </p:ext>
     </p:extLst>
   </p:cSld>
@@ -4820,7 +5145,7 @@
       </p:grpSpPr>
       <p:sp>
         <p:nvSpPr>
-          <p:cNvPr id="2" name="标题 1"/>
+          <p:cNvPr id="4" name="标题 3"/>
           <p:cNvSpPr>
             <a:spLocks noGrp="1"/>
           </p:cNvSpPr>
@@ -4834,58 +5159,35 @@
           <a:lstStyle/>
           <a:p>
             <a:r>
-              <a:rPr lang="en-SG" dirty="0" smtClean="0"/>
-              <a:t>Geometry of surface</a:t>
-            </a:r>
-            <a:endParaRPr lang="en-SG" dirty="0"/>
-          </a:p>
-        </p:txBody>
-      </p:sp>
-      <p:sp>
-        <p:nvSpPr>
-          <p:cNvPr id="3" name="内容占位符 2"/>
-          <p:cNvSpPr>
-            <a:spLocks noGrp="1"/>
-          </p:cNvSpPr>
-          <p:nvPr>
-            <p:ph idx="1"/>
-          </p:nvPr>
-        </p:nvSpPr>
-        <p:spPr/>
-        <p:txBody>
-          <a:bodyPr/>
-          <a:lstStyle/>
-          <a:p>
-            <a:r>
-              <a:rPr lang="en-SG" dirty="0" smtClean="0"/>
-              <a:t>Ruled surfaces</a:t>
-            </a:r>
-          </a:p>
-          <a:p>
-            <a:r>
-              <a:rPr lang="en-SG" dirty="0" smtClean="0"/>
-              <a:t>Other standard mathematical surfaces</a:t>
-            </a:r>
-          </a:p>
-          <a:p>
-            <a:r>
-              <a:rPr lang="en-SG" dirty="0" smtClean="0"/>
-              <a:t>NURBS</a:t>
-            </a:r>
-          </a:p>
-          <a:p>
-            <a:r>
-              <a:rPr lang="en-SG" dirty="0" smtClean="0"/>
-              <a:t>Surface modelling</a:t>
-            </a:r>
-            <a:endParaRPr lang="en-SG" dirty="0"/>
+              <a:rPr lang="en-SG" dirty="0"/>
+              <a:t>CAD data exchange and storage</a:t>
+            </a:r>
+          </a:p>
+        </p:txBody>
+      </p:sp>
+      <p:sp>
+        <p:nvSpPr>
+          <p:cNvPr id="5" name="文本占位符 4"/>
+          <p:cNvSpPr>
+            <a:spLocks noGrp="1"/>
+          </p:cNvSpPr>
+          <p:nvPr>
+            <p:ph type="body" idx="1"/>
+          </p:nvPr>
+        </p:nvSpPr>
+        <p:spPr/>
+        <p:txBody>
+          <a:bodyPr/>
+          <a:lstStyle/>
+          <a:p>
+            <a:endParaRPr lang="en-SG"/>
           </a:p>
         </p:txBody>
       </p:sp>
     </p:spTree>
     <p:extLst>
       <p:ext uri="{BB962C8B-B14F-4D97-AF65-F5344CB8AC3E}">
-        <p14:creationId xmlns:p14="http://schemas.microsoft.com/office/powerpoint/2010/main" val="995354629"/>
+        <p14:creationId xmlns:p14="http://schemas.microsoft.com/office/powerpoint/2010/main" val="325914667"/>
       </p:ext>
     </p:extLst>
   </p:cSld>
@@ -4929,7 +5231,7 @@
           <a:p>
             <a:r>
               <a:rPr lang="en-SG" dirty="0" smtClean="0"/>
-              <a:t>Boolean operations in CSG</a:t>
+              <a:t>CAD data exchange and storage</a:t>
             </a:r>
             <a:endParaRPr lang="en-SG" dirty="0"/>
           </a:p>
@@ -4937,27 +5239,37 @@
       </p:sp>
       <p:sp>
         <p:nvSpPr>
-          <p:cNvPr id="4" name="文本占位符 3"/>
-          <p:cNvSpPr>
-            <a:spLocks noGrp="1"/>
-          </p:cNvSpPr>
-          <p:nvPr>
-            <p:ph type="body" idx="1"/>
-          </p:nvPr>
-        </p:nvSpPr>
-        <p:spPr/>
-        <p:txBody>
-          <a:bodyPr/>
-          <a:lstStyle/>
-          <a:p>
-            <a:endParaRPr lang="en-SG"/>
+          <p:cNvPr id="3" name="内容占位符 2"/>
+          <p:cNvSpPr>
+            <a:spLocks noGrp="1"/>
+          </p:cNvSpPr>
+          <p:nvPr>
+            <p:ph idx="1"/>
+          </p:nvPr>
+        </p:nvSpPr>
+        <p:spPr/>
+        <p:txBody>
+          <a:bodyPr/>
+          <a:lstStyle/>
+          <a:p>
+            <a:r>
+              <a:rPr lang="en-SG" dirty="0" smtClean="0"/>
+              <a:t>Graphic standard</a:t>
+            </a:r>
+          </a:p>
+          <a:p>
+            <a:r>
+              <a:rPr lang="en-SG" dirty="0" smtClean="0"/>
+              <a:t>Data storage</a:t>
+            </a:r>
+            <a:endParaRPr lang="en-SG" dirty="0"/>
           </a:p>
         </p:txBody>
       </p:sp>
     </p:spTree>
     <p:extLst>
       <p:ext uri="{BB962C8B-B14F-4D97-AF65-F5344CB8AC3E}">
-        <p14:creationId xmlns:p14="http://schemas.microsoft.com/office/powerpoint/2010/main" val="1997754333"/>
+        <p14:creationId xmlns:p14="http://schemas.microsoft.com/office/powerpoint/2010/main" val="1612071703"/>
       </p:ext>
     </p:extLst>
   </p:cSld>
@@ -5000,6 +5312,356 @@
           <a:lstStyle/>
           <a:p>
             <a:r>
+              <a:rPr lang="en-SG" dirty="0" smtClean="0"/>
+              <a:t>Introduction to Geometric Modelling</a:t>
+            </a:r>
+            <a:endParaRPr lang="en-SG" dirty="0"/>
+          </a:p>
+        </p:txBody>
+      </p:sp>
+      <p:sp>
+        <p:nvSpPr>
+          <p:cNvPr id="3" name="内容占位符 2"/>
+          <p:cNvSpPr>
+            <a:spLocks noGrp="1"/>
+          </p:cNvSpPr>
+          <p:nvPr>
+            <p:ph idx="1"/>
+          </p:nvPr>
+        </p:nvSpPr>
+        <p:spPr/>
+        <p:txBody>
+          <a:bodyPr/>
+          <a:lstStyle/>
+          <a:p>
+            <a:r>
+              <a:rPr lang="en-SG" dirty="0" smtClean="0"/>
+              <a:t>Usually, geometric modelling is a combination discipline with applied mathematics and computational geometry. In this discipline, people designed varied algorithms to describe all kinds of shapes by computers.</a:t>
+            </a:r>
+          </a:p>
+          <a:p>
+            <a:r>
+              <a:rPr lang="en-SG" dirty="0" smtClean="0"/>
+              <a:t>Building two or three dimensional models is crucial content of CAD &amp; CAM.</a:t>
+            </a:r>
+            <a:endParaRPr lang="en-SG" dirty="0"/>
+          </a:p>
+        </p:txBody>
+      </p:sp>
+    </p:spTree>
+    <p:extLst>
+      <p:ext uri="{BB962C8B-B14F-4D97-AF65-F5344CB8AC3E}">
+        <p14:creationId xmlns:p14="http://schemas.microsoft.com/office/powerpoint/2010/main" val="4194142784"/>
+      </p:ext>
+    </p:extLst>
+  </p:cSld>
+  <p:clrMapOvr>
+    <a:masterClrMapping/>
+  </p:clrMapOvr>
+</p:sld>
+</file>
+
+<file path=ppt/slides/slide23.xml><?xml version="1.0" encoding="utf-8"?>
+<p:sld xmlns:a="http://schemas.openxmlformats.org/drawingml/2006/main" xmlns:r="http://schemas.openxmlformats.org/officeDocument/2006/relationships" xmlns:p="http://schemas.openxmlformats.org/presentationml/2006/main">
+  <p:cSld>
+    <p:spTree>
+      <p:nvGrpSpPr>
+        <p:cNvPr id="1" name=""/>
+        <p:cNvGrpSpPr/>
+        <p:nvPr/>
+      </p:nvGrpSpPr>
+      <p:grpSpPr>
+        <a:xfrm>
+          <a:off x="0" y="0"/>
+          <a:ext cx="0" cy="0"/>
+          <a:chOff x="0" y="0"/>
+          <a:chExt cx="0" cy="0"/>
+        </a:xfrm>
+      </p:grpSpPr>
+      <p:sp>
+        <p:nvSpPr>
+          <p:cNvPr id="2" name="标题 1"/>
+          <p:cNvSpPr>
+            <a:spLocks noGrp="1"/>
+          </p:cNvSpPr>
+          <p:nvPr>
+            <p:ph type="title"/>
+          </p:nvPr>
+        </p:nvSpPr>
+        <p:spPr/>
+        <p:txBody>
+          <a:bodyPr/>
+          <a:lstStyle/>
+          <a:p>
+            <a:r>
+              <a:rPr lang="en-SG" dirty="0" smtClean="0"/>
+              <a:t>Geometry of curve</a:t>
+            </a:r>
+            <a:endParaRPr lang="en-SG" dirty="0"/>
+          </a:p>
+        </p:txBody>
+      </p:sp>
+      <p:sp>
+        <p:nvSpPr>
+          <p:cNvPr id="3" name="内容占位符 2"/>
+          <p:cNvSpPr>
+            <a:spLocks noGrp="1"/>
+          </p:cNvSpPr>
+          <p:nvPr>
+            <p:ph idx="1"/>
+          </p:nvPr>
+        </p:nvSpPr>
+        <p:spPr/>
+        <p:txBody>
+          <a:bodyPr/>
+          <a:lstStyle/>
+          <a:p>
+            <a:r>
+              <a:rPr lang="en-SG" dirty="0" smtClean="0"/>
+              <a:t>Standard mathematic curves</a:t>
+            </a:r>
+          </a:p>
+          <a:p>
+            <a:r>
+              <a:rPr lang="en-SG" dirty="0" smtClean="0"/>
+              <a:t>Bezier curves</a:t>
+            </a:r>
+          </a:p>
+          <a:p>
+            <a:r>
+              <a:rPr lang="en-SG" dirty="0" smtClean="0"/>
+              <a:t>B-spline curves</a:t>
+            </a:r>
+          </a:p>
+          <a:p>
+            <a:r>
+              <a:rPr lang="en-SG" dirty="0" smtClean="0"/>
+              <a:t>Parameterized curves</a:t>
+            </a:r>
+          </a:p>
+          <a:p>
+            <a:r>
+              <a:rPr lang="en-SG" dirty="0" smtClean="0"/>
+              <a:t>Wire frame modelling</a:t>
+            </a:r>
+          </a:p>
+          <a:p>
+            <a:endParaRPr lang="en-SG" dirty="0"/>
+          </a:p>
+        </p:txBody>
+      </p:sp>
+    </p:spTree>
+    <p:extLst>
+      <p:ext uri="{BB962C8B-B14F-4D97-AF65-F5344CB8AC3E}">
+        <p14:creationId xmlns:p14="http://schemas.microsoft.com/office/powerpoint/2010/main" val="4172222177"/>
+      </p:ext>
+    </p:extLst>
+  </p:cSld>
+  <p:clrMapOvr>
+    <a:masterClrMapping/>
+  </p:clrMapOvr>
+</p:sld>
+</file>
+
+<file path=ppt/slides/slide24.xml><?xml version="1.0" encoding="utf-8"?>
+<p:sld xmlns:a="http://schemas.openxmlformats.org/drawingml/2006/main" xmlns:r="http://schemas.openxmlformats.org/officeDocument/2006/relationships" xmlns:p="http://schemas.openxmlformats.org/presentationml/2006/main">
+  <p:cSld>
+    <p:spTree>
+      <p:nvGrpSpPr>
+        <p:cNvPr id="1" name=""/>
+        <p:cNvGrpSpPr/>
+        <p:nvPr/>
+      </p:nvGrpSpPr>
+      <p:grpSpPr>
+        <a:xfrm>
+          <a:off x="0" y="0"/>
+          <a:ext cx="0" cy="0"/>
+          <a:chOff x="0" y="0"/>
+          <a:chExt cx="0" cy="0"/>
+        </a:xfrm>
+      </p:grpSpPr>
+      <p:sp>
+        <p:nvSpPr>
+          <p:cNvPr id="2" name="标题 1"/>
+          <p:cNvSpPr>
+            <a:spLocks noGrp="1"/>
+          </p:cNvSpPr>
+          <p:nvPr>
+            <p:ph type="title"/>
+          </p:nvPr>
+        </p:nvSpPr>
+        <p:spPr/>
+        <p:txBody>
+          <a:bodyPr/>
+          <a:lstStyle/>
+          <a:p>
+            <a:r>
+              <a:rPr lang="en-SG" dirty="0" smtClean="0"/>
+              <a:t>Geometry of surface</a:t>
+            </a:r>
+            <a:endParaRPr lang="en-SG" dirty="0"/>
+          </a:p>
+        </p:txBody>
+      </p:sp>
+      <p:sp>
+        <p:nvSpPr>
+          <p:cNvPr id="3" name="内容占位符 2"/>
+          <p:cNvSpPr>
+            <a:spLocks noGrp="1"/>
+          </p:cNvSpPr>
+          <p:nvPr>
+            <p:ph idx="1"/>
+          </p:nvPr>
+        </p:nvSpPr>
+        <p:spPr/>
+        <p:txBody>
+          <a:bodyPr/>
+          <a:lstStyle/>
+          <a:p>
+            <a:r>
+              <a:rPr lang="en-SG" dirty="0" smtClean="0"/>
+              <a:t>Ruled surfaces</a:t>
+            </a:r>
+          </a:p>
+          <a:p>
+            <a:r>
+              <a:rPr lang="en-SG" dirty="0" smtClean="0"/>
+              <a:t>Other standard mathematical surfaces</a:t>
+            </a:r>
+          </a:p>
+          <a:p>
+            <a:r>
+              <a:rPr lang="en-SG" dirty="0" smtClean="0"/>
+              <a:t>NURBS</a:t>
+            </a:r>
+          </a:p>
+          <a:p>
+            <a:r>
+              <a:rPr lang="en-SG" dirty="0" smtClean="0"/>
+              <a:t>Surface modelling</a:t>
+            </a:r>
+            <a:endParaRPr lang="en-SG" dirty="0"/>
+          </a:p>
+        </p:txBody>
+      </p:sp>
+    </p:spTree>
+    <p:extLst>
+      <p:ext uri="{BB962C8B-B14F-4D97-AF65-F5344CB8AC3E}">
+        <p14:creationId xmlns:p14="http://schemas.microsoft.com/office/powerpoint/2010/main" val="995354629"/>
+      </p:ext>
+    </p:extLst>
+  </p:cSld>
+  <p:clrMapOvr>
+    <a:masterClrMapping/>
+  </p:clrMapOvr>
+</p:sld>
+</file>
+
+<file path=ppt/slides/slide25.xml><?xml version="1.0" encoding="utf-8"?>
+<p:sld xmlns:a="http://schemas.openxmlformats.org/drawingml/2006/main" xmlns:r="http://schemas.openxmlformats.org/officeDocument/2006/relationships" xmlns:p="http://schemas.openxmlformats.org/presentationml/2006/main">
+  <p:cSld>
+    <p:spTree>
+      <p:nvGrpSpPr>
+        <p:cNvPr id="1" name=""/>
+        <p:cNvGrpSpPr/>
+        <p:nvPr/>
+      </p:nvGrpSpPr>
+      <p:grpSpPr>
+        <a:xfrm>
+          <a:off x="0" y="0"/>
+          <a:ext cx="0" cy="0"/>
+          <a:chOff x="0" y="0"/>
+          <a:chExt cx="0" cy="0"/>
+        </a:xfrm>
+      </p:grpSpPr>
+      <p:sp>
+        <p:nvSpPr>
+          <p:cNvPr id="2" name="标题 1"/>
+          <p:cNvSpPr>
+            <a:spLocks noGrp="1"/>
+          </p:cNvSpPr>
+          <p:nvPr>
+            <p:ph type="title"/>
+          </p:nvPr>
+        </p:nvSpPr>
+        <p:spPr/>
+        <p:txBody>
+          <a:bodyPr/>
+          <a:lstStyle/>
+          <a:p>
+            <a:r>
+              <a:rPr lang="en-SG" dirty="0" smtClean="0"/>
+              <a:t>Boolean operations in CSG</a:t>
+            </a:r>
+            <a:endParaRPr lang="en-SG" dirty="0"/>
+          </a:p>
+        </p:txBody>
+      </p:sp>
+      <p:sp>
+        <p:nvSpPr>
+          <p:cNvPr id="4" name="文本占位符 3"/>
+          <p:cNvSpPr>
+            <a:spLocks noGrp="1"/>
+          </p:cNvSpPr>
+          <p:nvPr>
+            <p:ph type="body" idx="1"/>
+          </p:nvPr>
+        </p:nvSpPr>
+        <p:spPr/>
+        <p:txBody>
+          <a:bodyPr/>
+          <a:lstStyle/>
+          <a:p>
+            <a:endParaRPr lang="en-SG"/>
+          </a:p>
+        </p:txBody>
+      </p:sp>
+    </p:spTree>
+    <p:extLst>
+      <p:ext uri="{BB962C8B-B14F-4D97-AF65-F5344CB8AC3E}">
+        <p14:creationId xmlns:p14="http://schemas.microsoft.com/office/powerpoint/2010/main" val="1997754333"/>
+      </p:ext>
+    </p:extLst>
+  </p:cSld>
+  <p:clrMapOvr>
+    <a:masterClrMapping/>
+  </p:clrMapOvr>
+</p:sld>
+</file>
+
+<file path=ppt/slides/slide26.xml><?xml version="1.0" encoding="utf-8"?>
+<p:sld xmlns:a="http://schemas.openxmlformats.org/drawingml/2006/main" xmlns:r="http://schemas.openxmlformats.org/officeDocument/2006/relationships" xmlns:p="http://schemas.openxmlformats.org/presentationml/2006/main">
+  <p:cSld>
+    <p:spTree>
+      <p:nvGrpSpPr>
+        <p:cNvPr id="1" name=""/>
+        <p:cNvGrpSpPr/>
+        <p:nvPr/>
+      </p:nvGrpSpPr>
+      <p:grpSpPr>
+        <a:xfrm>
+          <a:off x="0" y="0"/>
+          <a:ext cx="0" cy="0"/>
+          <a:chOff x="0" y="0"/>
+          <a:chExt cx="0" cy="0"/>
+        </a:xfrm>
+      </p:grpSpPr>
+      <p:sp>
+        <p:nvSpPr>
+          <p:cNvPr id="2" name="标题 1"/>
+          <p:cNvSpPr>
+            <a:spLocks noGrp="1"/>
+          </p:cNvSpPr>
+          <p:nvPr>
+            <p:ph type="title"/>
+          </p:nvPr>
+        </p:nvSpPr>
+        <p:spPr/>
+        <p:txBody>
+          <a:bodyPr/>
+          <a:lstStyle/>
+          <a:p>
+            <a:r>
               <a:rPr lang="en-SG" dirty="0"/>
               <a:t>Constructive solid </a:t>
             </a:r>
@@ -5149,7 +5811,7 @@
 </p:sld>
 </file>
 
-<file path=ppt/slides/slide23.xml><?xml version="1.0" encoding="utf-8"?>
+<file path=ppt/slides/slide27.xml><?xml version="1.0" encoding="utf-8"?>
 <p:sld xmlns:a="http://schemas.openxmlformats.org/drawingml/2006/main" xmlns:r="http://schemas.openxmlformats.org/officeDocument/2006/relationships" xmlns:p="http://schemas.openxmlformats.org/presentationml/2006/main">
   <p:cSld>
     <p:spTree>
@@ -5307,7 +5969,7 @@
           <a:graphicData uri="http://schemas.openxmlformats.org/presentationml/2006/ole">
             <mc:AlternateContent xmlns:mc="http://schemas.openxmlformats.org/markup-compatibility/2006">
               <mc:Choice xmlns:v="urn:schemas-microsoft-com:vml" Requires="v">
-                <p:oleObj spid="_x0000_s8278" name="Equation" r:id="rId6" imgW="419040" imgH="164880" progId="Equation.DSMT4">
+                <p:oleObj spid="_x0000_s8284" name="Equation" r:id="rId6" imgW="419040" imgH="164880" progId="Equation.DSMT4">
                   <p:embed/>
                 </p:oleObj>
               </mc:Choice>
@@ -5360,7 +6022,7 @@
           <a:graphicData uri="http://schemas.openxmlformats.org/presentationml/2006/ole">
             <mc:AlternateContent xmlns:mc="http://schemas.openxmlformats.org/markup-compatibility/2006">
               <mc:Choice xmlns:v="urn:schemas-microsoft-com:vml" Requires="v">
-                <p:oleObj spid="_x0000_s8279" name="Equation" r:id="rId8" imgW="380880" imgH="164880" progId="Equation.DSMT4">
+                <p:oleObj spid="_x0000_s8285" name="Equation" r:id="rId8" imgW="380880" imgH="164880" progId="Equation.DSMT4">
                   <p:embed/>
                 </p:oleObj>
               </mc:Choice>
@@ -5413,7 +6075,7 @@
           <a:graphicData uri="http://schemas.openxmlformats.org/presentationml/2006/ole">
             <mc:AlternateContent xmlns:mc="http://schemas.openxmlformats.org/markup-compatibility/2006">
               <mc:Choice xmlns:v="urn:schemas-microsoft-com:vml" Requires="v">
-                <p:oleObj spid="_x0000_s8280" name="Equation" r:id="rId10" imgW="419040" imgH="164880" progId="Equation.DSMT4">
+                <p:oleObj spid="_x0000_s8286" name="Equation" r:id="rId10" imgW="419040" imgH="164880" progId="Equation.DSMT4">
                   <p:embed/>
                 </p:oleObj>
               </mc:Choice>
@@ -5461,7 +6123,7 @@
 </p:sld>
 </file>
 
-<file path=ppt/slides/slide24.xml><?xml version="1.0" encoding="utf-8"?>
+<file path=ppt/slides/slide28.xml><?xml version="1.0" encoding="utf-8"?>
 <p:sld xmlns:a="http://schemas.openxmlformats.org/drawingml/2006/main" xmlns:r="http://schemas.openxmlformats.org/officeDocument/2006/relationships" xmlns:p="http://schemas.openxmlformats.org/presentationml/2006/main">
   <p:cSld>
     <p:spTree>
@@ -5599,7 +6261,7 @@
 </p:sld>
 </file>
 
-<file path=ppt/slides/slide25.xml><?xml version="1.0" encoding="utf-8"?>
+<file path=ppt/slides/slide29.xml><?xml version="1.0" encoding="utf-8"?>
 <p:sld xmlns:a="http://schemas.openxmlformats.org/drawingml/2006/main" xmlns:r="http://schemas.openxmlformats.org/officeDocument/2006/relationships" xmlns:p="http://schemas.openxmlformats.org/presentationml/2006/main">
   <p:cSld>
     <p:spTree>
@@ -5706,7 +6368,7 @@
 </p:sld>
 </file>
 
-<file path=ppt/slides/slide26.xml><?xml version="1.0" encoding="utf-8"?>
+<file path=ppt/slides/slide3.xml><?xml version="1.0" encoding="utf-8"?>
 <p:sld xmlns:a="http://schemas.openxmlformats.org/drawingml/2006/main" xmlns:r="http://schemas.openxmlformats.org/officeDocument/2006/relationships" xmlns:p="http://schemas.openxmlformats.org/presentationml/2006/main">
   <p:cSld>
     <p:spTree>
@@ -5739,6 +6401,92 @@
           <a:lstStyle/>
           <a:p>
             <a:r>
+              <a:rPr lang="en-US" dirty="0" smtClean="0"/>
+              <a:t>CAD/CAM system</a:t>
+            </a:r>
+            <a:endParaRPr lang="en-SG" dirty="0"/>
+          </a:p>
+        </p:txBody>
+      </p:sp>
+      <p:sp>
+        <p:nvSpPr>
+          <p:cNvPr id="3" name="内容占位符 2"/>
+          <p:cNvSpPr>
+            <a:spLocks noGrp="1"/>
+          </p:cNvSpPr>
+          <p:nvPr>
+            <p:ph idx="1"/>
+          </p:nvPr>
+        </p:nvSpPr>
+        <p:spPr/>
+        <p:txBody>
+          <a:bodyPr/>
+          <a:lstStyle/>
+          <a:p>
+            <a:r>
+              <a:rPr lang="en-US" dirty="0" smtClean="0"/>
+              <a:t>Today, almost all the CAD/CAM software systems are interactive. To use this kind of system well, one, </a:t>
+            </a:r>
+            <a:r>
+              <a:rPr lang="en-US" dirty="0"/>
+              <a:t>as a designer or </a:t>
+            </a:r>
+            <a:r>
+              <a:rPr lang="en-US" dirty="0" smtClean="0"/>
+              <a:t>user, should know of how these systems work and how to set or get information with CAD/CAM system through GUI(Graphics User Interface)</a:t>
+            </a:r>
+          </a:p>
+          <a:p>
+            <a:endParaRPr lang="en-SG" dirty="0"/>
+          </a:p>
+        </p:txBody>
+      </p:sp>
+    </p:spTree>
+    <p:extLst>
+      <p:ext uri="{BB962C8B-B14F-4D97-AF65-F5344CB8AC3E}">
+        <p14:creationId xmlns:p14="http://schemas.microsoft.com/office/powerpoint/2010/main" val="3627894515"/>
+      </p:ext>
+    </p:extLst>
+  </p:cSld>
+  <p:clrMapOvr>
+    <a:masterClrMapping/>
+  </p:clrMapOvr>
+</p:sld>
+</file>
+
+<file path=ppt/slides/slide30.xml><?xml version="1.0" encoding="utf-8"?>
+<p:sld xmlns:a="http://schemas.openxmlformats.org/drawingml/2006/main" xmlns:r="http://schemas.openxmlformats.org/officeDocument/2006/relationships" xmlns:p="http://schemas.openxmlformats.org/presentationml/2006/main">
+  <p:cSld>
+    <p:spTree>
+      <p:nvGrpSpPr>
+        <p:cNvPr id="1" name=""/>
+        <p:cNvGrpSpPr/>
+        <p:nvPr/>
+      </p:nvGrpSpPr>
+      <p:grpSpPr>
+        <a:xfrm>
+          <a:off x="0" y="0"/>
+          <a:ext cx="0" cy="0"/>
+          <a:chOff x="0" y="0"/>
+          <a:chExt cx="0" cy="0"/>
+        </a:xfrm>
+      </p:grpSpPr>
+      <p:sp>
+        <p:nvSpPr>
+          <p:cNvPr id="2" name="标题 1"/>
+          <p:cNvSpPr>
+            <a:spLocks noGrp="1"/>
+          </p:cNvSpPr>
+          <p:nvPr>
+            <p:ph type="title"/>
+          </p:nvPr>
+        </p:nvSpPr>
+        <p:spPr/>
+        <p:txBody>
+          <a:bodyPr/>
+          <a:lstStyle/>
+          <a:p>
+            <a:r>
               <a:rPr lang="en-SG" dirty="0" smtClean="0"/>
               <a:t>Three methods to create 3D models</a:t>
             </a:r>
@@ -5778,7 +6526,7 @@
 </p:sld>
 </file>
 
-<file path=ppt/slides/slide27.xml><?xml version="1.0" encoding="utf-8"?>
+<file path=ppt/slides/slide31.xml><?xml version="1.0" encoding="utf-8"?>
 <p:sld xmlns:a="http://schemas.openxmlformats.org/drawingml/2006/main" xmlns:r="http://schemas.openxmlformats.org/officeDocument/2006/relationships" xmlns:p="http://schemas.openxmlformats.org/presentationml/2006/main">
   <p:cSld>
     <p:spTree>
@@ -5886,7 +6634,7 @@
 </p:sld>
 </file>
 
-<file path=ppt/slides/slide28.xml><?xml version="1.0" encoding="utf-8"?>
+<file path=ppt/slides/slide32.xml><?xml version="1.0" encoding="utf-8"?>
 <p:sld xmlns:a="http://schemas.openxmlformats.org/drawingml/2006/main" xmlns:r="http://schemas.openxmlformats.org/officeDocument/2006/relationships" xmlns:p="http://schemas.openxmlformats.org/presentationml/2006/main">
   <p:cSld>
     <p:spTree>
@@ -5994,7 +6742,7 @@
 </p:sld>
 </file>
 
-<file path=ppt/slides/slide29.xml><?xml version="1.0" encoding="utf-8"?>
+<file path=ppt/slides/slide33.xml><?xml version="1.0" encoding="utf-8"?>
 <p:sld xmlns:a="http://schemas.openxmlformats.org/drawingml/2006/main" xmlns:r="http://schemas.openxmlformats.org/officeDocument/2006/relationships" xmlns:p="http://schemas.openxmlformats.org/presentationml/2006/main">
   <p:cSld>
     <p:spTree>
@@ -6130,556 +6878,6 @@
 </p:sld>
 </file>
 
-<file path=ppt/slides/slide3.xml><?xml version="1.0" encoding="utf-8"?>
-<p:sld xmlns:a="http://schemas.openxmlformats.org/drawingml/2006/main" xmlns:r="http://schemas.openxmlformats.org/officeDocument/2006/relationships" xmlns:p="http://schemas.openxmlformats.org/presentationml/2006/main">
-  <p:cSld>
-    <p:spTree>
-      <p:nvGrpSpPr>
-        <p:cNvPr id="1" name=""/>
-        <p:cNvGrpSpPr/>
-        <p:nvPr/>
-      </p:nvGrpSpPr>
-      <p:grpSpPr>
-        <a:xfrm>
-          <a:off x="0" y="0"/>
-          <a:ext cx="0" cy="0"/>
-          <a:chOff x="0" y="0"/>
-          <a:chExt cx="0" cy="0"/>
-        </a:xfrm>
-      </p:grpSpPr>
-      <p:sp>
-        <p:nvSpPr>
-          <p:cNvPr id="2" name="标题 1"/>
-          <p:cNvSpPr>
-            <a:spLocks noGrp="1"/>
-          </p:cNvSpPr>
-          <p:nvPr>
-            <p:ph type="title"/>
-          </p:nvPr>
-        </p:nvSpPr>
-        <p:spPr/>
-        <p:txBody>
-          <a:bodyPr/>
-          <a:lstStyle/>
-          <a:p>
-            <a:r>
-              <a:rPr lang="en-US" dirty="0" smtClean="0"/>
-              <a:t>CAD/CAM system</a:t>
-            </a:r>
-            <a:endParaRPr lang="en-SG" dirty="0"/>
-          </a:p>
-        </p:txBody>
-      </p:sp>
-      <p:sp>
-        <p:nvSpPr>
-          <p:cNvPr id="3" name="内容占位符 2"/>
-          <p:cNvSpPr>
-            <a:spLocks noGrp="1"/>
-          </p:cNvSpPr>
-          <p:nvPr>
-            <p:ph idx="1"/>
-          </p:nvPr>
-        </p:nvSpPr>
-        <p:spPr/>
-        <p:txBody>
-          <a:bodyPr/>
-          <a:lstStyle/>
-          <a:p>
-            <a:r>
-              <a:rPr lang="en-US" dirty="0" smtClean="0"/>
-              <a:t>Today, almost all the CAD/CAM software systems are interactive. To use this kind of system well, one, </a:t>
-            </a:r>
-            <a:r>
-              <a:rPr lang="en-US" dirty="0"/>
-              <a:t>as a designer or </a:t>
-            </a:r>
-            <a:r>
-              <a:rPr lang="en-US" dirty="0" smtClean="0"/>
-              <a:t>user, should know of how these systems work and how to set or get information with CAD/CAM system through GUI(Graphics User Interface)</a:t>
-            </a:r>
-          </a:p>
-          <a:p>
-            <a:endParaRPr lang="en-SG" dirty="0"/>
-          </a:p>
-        </p:txBody>
-      </p:sp>
-    </p:spTree>
-    <p:extLst>
-      <p:ext uri="{BB962C8B-B14F-4D97-AF65-F5344CB8AC3E}">
-        <p14:creationId xmlns:p14="http://schemas.microsoft.com/office/powerpoint/2010/main" val="3627894515"/>
-      </p:ext>
-    </p:extLst>
-  </p:cSld>
-  <p:clrMapOvr>
-    <a:masterClrMapping/>
-  </p:clrMapOvr>
-</p:sld>
-</file>
-
-<file path=ppt/slides/slide30.xml><?xml version="1.0" encoding="utf-8"?>
-<p:sld xmlns:a="http://schemas.openxmlformats.org/drawingml/2006/main" xmlns:r="http://schemas.openxmlformats.org/officeDocument/2006/relationships" xmlns:p="http://schemas.openxmlformats.org/presentationml/2006/main">
-  <p:cSld>
-    <p:spTree>
-      <p:nvGrpSpPr>
-        <p:cNvPr id="1" name=""/>
-        <p:cNvGrpSpPr/>
-        <p:nvPr/>
-      </p:nvGrpSpPr>
-      <p:grpSpPr>
-        <a:xfrm>
-          <a:off x="0" y="0"/>
-          <a:ext cx="0" cy="0"/>
-          <a:chOff x="0" y="0"/>
-          <a:chExt cx="0" cy="0"/>
-        </a:xfrm>
-      </p:grpSpPr>
-      <p:sp>
-        <p:nvSpPr>
-          <p:cNvPr id="2" name="标题 1"/>
-          <p:cNvSpPr>
-            <a:spLocks noGrp="1"/>
-          </p:cNvSpPr>
-          <p:nvPr>
-            <p:ph type="title"/>
-          </p:nvPr>
-        </p:nvSpPr>
-        <p:spPr/>
-        <p:txBody>
-          <a:bodyPr/>
-          <a:lstStyle/>
-          <a:p>
-            <a:r>
-              <a:rPr lang="en-SG" dirty="0"/>
-              <a:t>Sketch method</a:t>
-            </a:r>
-          </a:p>
-        </p:txBody>
-      </p:sp>
-      <p:sp>
-        <p:nvSpPr>
-          <p:cNvPr id="3" name="内容占位符 2"/>
-          <p:cNvSpPr>
-            <a:spLocks noGrp="1"/>
-          </p:cNvSpPr>
-          <p:nvPr>
-            <p:ph idx="1"/>
-          </p:nvPr>
-        </p:nvSpPr>
-        <p:spPr/>
-        <p:txBody>
-          <a:bodyPr/>
-          <a:lstStyle/>
-          <a:p>
-            <a:r>
-              <a:rPr lang="en-SG" dirty="0" smtClean="0"/>
-              <a:t>The main steps of sketch method to create 3D models are</a:t>
-            </a:r>
-          </a:p>
-          <a:p>
-            <a:pPr marL="914400" lvl="1" indent="-457200">
-              <a:buFont typeface="+mj-lt"/>
-              <a:buAutoNum type="arabicPeriod"/>
-            </a:pPr>
-            <a:r>
-              <a:rPr lang="en-SG" dirty="0" smtClean="0"/>
-              <a:t>Define a sketch plane as cross section;</a:t>
-            </a:r>
-          </a:p>
-          <a:p>
-            <a:pPr marL="914400" lvl="1" indent="-457200">
-              <a:buFont typeface="+mj-lt"/>
-              <a:buAutoNum type="arabicPeriod"/>
-            </a:pPr>
-            <a:r>
-              <a:rPr lang="en-SG" dirty="0" smtClean="0"/>
-              <a:t>Sketch 2D shapes on the cross section;</a:t>
-            </a:r>
-          </a:p>
-          <a:p>
-            <a:pPr marL="914400" lvl="1" indent="-457200">
-              <a:buFont typeface="+mj-lt"/>
-              <a:buAutoNum type="arabicPeriod"/>
-            </a:pPr>
-            <a:r>
-              <a:rPr lang="en-SG" dirty="0" smtClean="0"/>
-              <a:t>Constraint 2D shapes with accurate dimensions;</a:t>
-            </a:r>
-          </a:p>
-          <a:p>
-            <a:pPr marL="914400" lvl="1" indent="-457200">
-              <a:buFont typeface="+mj-lt"/>
-              <a:buAutoNum type="arabicPeriod"/>
-            </a:pPr>
-            <a:r>
-              <a:rPr lang="en-SG" dirty="0" smtClean="0"/>
-              <a:t>Perform 2D to </a:t>
-            </a:r>
-            <a:r>
-              <a:rPr lang="en-SG" smtClean="0"/>
-              <a:t>3D operations.</a:t>
-            </a:r>
-            <a:endParaRPr lang="en-SG" dirty="0" smtClean="0"/>
-          </a:p>
-          <a:p>
-            <a:pPr marL="914400" lvl="1" indent="-457200">
-              <a:buFont typeface="+mj-lt"/>
-              <a:buAutoNum type="arabicPeriod"/>
-            </a:pPr>
-            <a:endParaRPr lang="en-SG" dirty="0"/>
-          </a:p>
-        </p:txBody>
-      </p:sp>
-    </p:spTree>
-    <p:extLst>
-      <p:ext uri="{BB962C8B-B14F-4D97-AF65-F5344CB8AC3E}">
-        <p14:creationId xmlns:p14="http://schemas.microsoft.com/office/powerpoint/2010/main" val="4198518572"/>
-      </p:ext>
-    </p:extLst>
-  </p:cSld>
-  <p:clrMapOvr>
-    <a:masterClrMapping/>
-  </p:clrMapOvr>
-</p:sld>
-</file>
-
-<file path=ppt/slides/slide31.xml><?xml version="1.0" encoding="utf-8"?>
-<p:sld xmlns:a="http://schemas.openxmlformats.org/drawingml/2006/main" xmlns:r="http://schemas.openxmlformats.org/officeDocument/2006/relationships" xmlns:p="http://schemas.openxmlformats.org/presentationml/2006/main">
-  <p:cSld>
-    <p:spTree>
-      <p:nvGrpSpPr>
-        <p:cNvPr id="1" name=""/>
-        <p:cNvGrpSpPr/>
-        <p:nvPr/>
-      </p:nvGrpSpPr>
-      <p:grpSpPr>
-        <a:xfrm>
-          <a:off x="0" y="0"/>
-          <a:ext cx="0" cy="0"/>
-          <a:chOff x="0" y="0"/>
-          <a:chExt cx="0" cy="0"/>
-        </a:xfrm>
-      </p:grpSpPr>
-      <p:sp>
-        <p:nvSpPr>
-          <p:cNvPr id="4" name="标题 3"/>
-          <p:cNvSpPr>
-            <a:spLocks noGrp="1"/>
-          </p:cNvSpPr>
-          <p:nvPr>
-            <p:ph type="title"/>
-          </p:nvPr>
-        </p:nvSpPr>
-        <p:spPr/>
-        <p:txBody>
-          <a:bodyPr/>
-          <a:lstStyle/>
-          <a:p>
-            <a:r>
-              <a:rPr lang="en-SG" dirty="0"/>
-              <a:t>Key disciplines of modelling in </a:t>
-            </a:r>
-            <a:r>
-              <a:rPr lang="en-SG" dirty="0" err="1"/>
-              <a:t>Solidworks</a:t>
-            </a:r>
-            <a:endParaRPr lang="en-SG" dirty="0"/>
-          </a:p>
-        </p:txBody>
-      </p:sp>
-      <p:sp>
-        <p:nvSpPr>
-          <p:cNvPr id="5" name="文本占位符 4"/>
-          <p:cNvSpPr>
-            <a:spLocks noGrp="1"/>
-          </p:cNvSpPr>
-          <p:nvPr>
-            <p:ph type="body" idx="1"/>
-          </p:nvPr>
-        </p:nvSpPr>
-        <p:spPr/>
-        <p:txBody>
-          <a:bodyPr/>
-          <a:lstStyle/>
-          <a:p>
-            <a:endParaRPr lang="en-SG"/>
-          </a:p>
-        </p:txBody>
-      </p:sp>
-    </p:spTree>
-    <p:extLst>
-      <p:ext uri="{BB962C8B-B14F-4D97-AF65-F5344CB8AC3E}">
-        <p14:creationId xmlns:p14="http://schemas.microsoft.com/office/powerpoint/2010/main" val="2395669259"/>
-      </p:ext>
-    </p:extLst>
-  </p:cSld>
-  <p:clrMapOvr>
-    <a:masterClrMapping/>
-  </p:clrMapOvr>
-</p:sld>
-</file>
-
-<file path=ppt/slides/slide32.xml><?xml version="1.0" encoding="utf-8"?>
-<p:sld xmlns:a="http://schemas.openxmlformats.org/drawingml/2006/main" xmlns:r="http://schemas.openxmlformats.org/officeDocument/2006/relationships" xmlns:p="http://schemas.openxmlformats.org/presentationml/2006/main">
-  <p:cSld>
-    <p:spTree>
-      <p:nvGrpSpPr>
-        <p:cNvPr id="1" name=""/>
-        <p:cNvGrpSpPr/>
-        <p:nvPr/>
-      </p:nvGrpSpPr>
-      <p:grpSpPr>
-        <a:xfrm>
-          <a:off x="0" y="0"/>
-          <a:ext cx="0" cy="0"/>
-          <a:chOff x="0" y="0"/>
-          <a:chExt cx="0" cy="0"/>
-        </a:xfrm>
-      </p:grpSpPr>
-      <p:sp>
-        <p:nvSpPr>
-          <p:cNvPr id="2" name="标题 1"/>
-          <p:cNvSpPr>
-            <a:spLocks noGrp="1"/>
-          </p:cNvSpPr>
-          <p:nvPr>
-            <p:ph type="title"/>
-          </p:nvPr>
-        </p:nvSpPr>
-        <p:spPr/>
-        <p:txBody>
-          <a:bodyPr/>
-          <a:lstStyle/>
-          <a:p>
-            <a:r>
-              <a:rPr lang="en-SG" dirty="0" smtClean="0"/>
-              <a:t>Key disciplines of modelling in </a:t>
-            </a:r>
-            <a:r>
-              <a:rPr lang="en-SG" dirty="0" err="1" smtClean="0"/>
-              <a:t>Solidworks</a:t>
-            </a:r>
-            <a:endParaRPr lang="en-SG" baseline="30000" dirty="0"/>
-          </a:p>
-        </p:txBody>
-      </p:sp>
-      <p:sp>
-        <p:nvSpPr>
-          <p:cNvPr id="3" name="内容占位符 2"/>
-          <p:cNvSpPr>
-            <a:spLocks noGrp="1"/>
-          </p:cNvSpPr>
-          <p:nvPr>
-            <p:ph idx="1"/>
-          </p:nvPr>
-        </p:nvSpPr>
-        <p:spPr/>
-        <p:txBody>
-          <a:bodyPr/>
-          <a:lstStyle/>
-          <a:p>
-            <a:r>
-              <a:rPr lang="en-SG" dirty="0" smtClean="0"/>
-              <a:t>For basic bodies, generate 3D model by taking use of 2D shapes;</a:t>
-            </a:r>
-          </a:p>
-          <a:p>
-            <a:r>
-              <a:rPr lang="en-SG" dirty="0" smtClean="0"/>
-              <a:t>Combine basic bodies to create a complex body;</a:t>
-            </a:r>
-          </a:p>
-          <a:p>
-            <a:r>
-              <a:rPr lang="en-SG" dirty="0"/>
-              <a:t>R</a:t>
-            </a:r>
-            <a:r>
-              <a:rPr lang="en-SG" dirty="0" smtClean="0"/>
-              <a:t>epeated bodies can be made through array operations;</a:t>
-            </a:r>
-          </a:p>
-          <a:p>
-            <a:pPr marL="0" indent="0">
-              <a:buNone/>
-            </a:pPr>
-            <a:r>
-              <a:rPr lang="en-SG" dirty="0" smtClean="0"/>
-              <a:t> </a:t>
-            </a:r>
-          </a:p>
-          <a:p>
-            <a:endParaRPr lang="en-SG" dirty="0"/>
-          </a:p>
-        </p:txBody>
-      </p:sp>
-    </p:spTree>
-    <p:extLst>
-      <p:ext uri="{BB962C8B-B14F-4D97-AF65-F5344CB8AC3E}">
-        <p14:creationId xmlns:p14="http://schemas.microsoft.com/office/powerpoint/2010/main" val="164022275"/>
-      </p:ext>
-    </p:extLst>
-  </p:cSld>
-  <p:clrMapOvr>
-    <a:masterClrMapping/>
-  </p:clrMapOvr>
-</p:sld>
-</file>
-
-<file path=ppt/slides/slide33.xml><?xml version="1.0" encoding="utf-8"?>
-<p:sld xmlns:a="http://schemas.openxmlformats.org/drawingml/2006/main" xmlns:r="http://schemas.openxmlformats.org/officeDocument/2006/relationships" xmlns:p="http://schemas.openxmlformats.org/presentationml/2006/main">
-  <p:cSld>
-    <p:spTree>
-      <p:nvGrpSpPr>
-        <p:cNvPr id="1" name=""/>
-        <p:cNvGrpSpPr/>
-        <p:nvPr/>
-      </p:nvGrpSpPr>
-      <p:grpSpPr>
-        <a:xfrm>
-          <a:off x="0" y="0"/>
-          <a:ext cx="0" cy="0"/>
-          <a:chOff x="0" y="0"/>
-          <a:chExt cx="0" cy="0"/>
-        </a:xfrm>
-      </p:grpSpPr>
-      <p:sp>
-        <p:nvSpPr>
-          <p:cNvPr id="2" name="标题 1"/>
-          <p:cNvSpPr>
-            <a:spLocks noGrp="1"/>
-          </p:cNvSpPr>
-          <p:nvPr>
-            <p:ph type="title"/>
-          </p:nvPr>
-        </p:nvSpPr>
-        <p:spPr/>
-        <p:txBody>
-          <a:bodyPr/>
-          <a:lstStyle/>
-          <a:p>
-            <a:r>
-              <a:rPr lang="en-SG" dirty="0" smtClean="0"/>
-              <a:t>Coordinate system</a:t>
-            </a:r>
-          </a:p>
-        </p:txBody>
-      </p:sp>
-      <p:sp>
-        <p:nvSpPr>
-          <p:cNvPr id="3" name="内容占位符 2"/>
-          <p:cNvSpPr>
-            <a:spLocks noGrp="1"/>
-          </p:cNvSpPr>
-          <p:nvPr>
-            <p:ph idx="1"/>
-          </p:nvPr>
-        </p:nvSpPr>
-        <p:spPr/>
-        <p:txBody>
-          <a:bodyPr>
-            <a:normAutofit fontScale="92500" lnSpcReduction="10000"/>
-          </a:bodyPr>
-          <a:lstStyle/>
-          <a:p>
-            <a:r>
-              <a:rPr lang="en-SG" dirty="0">
-                <a:solidFill>
-                  <a:srgbClr val="FF0000"/>
-                </a:solidFill>
-              </a:rPr>
-              <a:t>Coordinate systems are the most important concept in a CAD system. They are used </a:t>
-            </a:r>
-            <a:r>
-              <a:rPr lang="en-SG" dirty="0" smtClean="0">
-                <a:solidFill>
-                  <a:srgbClr val="FF0000"/>
-                </a:solidFill>
-              </a:rPr>
-              <a:t>to  </a:t>
-            </a:r>
-            <a:r>
-              <a:rPr lang="en-SG" dirty="0">
-                <a:solidFill>
-                  <a:srgbClr val="FF0000"/>
-                </a:solidFill>
-              </a:rPr>
-              <a:t>input,  store,  and  display  geometric  model.  There  are  three  kinds  of  coordinate </a:t>
-            </a:r>
-            <a:r>
-              <a:rPr lang="en-SG" dirty="0" smtClean="0">
-                <a:solidFill>
-                  <a:srgbClr val="FF0000"/>
-                </a:solidFill>
-              </a:rPr>
-              <a:t>systems</a:t>
-            </a:r>
-            <a:r>
-              <a:rPr lang="en-SG" dirty="0">
-                <a:solidFill>
-                  <a:srgbClr val="FF0000"/>
-                </a:solidFill>
-              </a:rPr>
-              <a:t>, that is, model coordinate system (MCS), working coordinate system (WCS), </a:t>
-            </a:r>
-            <a:r>
-              <a:rPr lang="en-SG" dirty="0" smtClean="0">
-                <a:solidFill>
-                  <a:srgbClr val="FF0000"/>
-                </a:solidFill>
-              </a:rPr>
-              <a:t>and </a:t>
-            </a:r>
-            <a:r>
-              <a:rPr lang="en-SG" dirty="0">
-                <a:solidFill>
-                  <a:srgbClr val="FF0000"/>
-                </a:solidFill>
-              </a:rPr>
-              <a:t>screen coordinate system (SCS).</a:t>
-            </a:r>
-          </a:p>
-          <a:p>
-            <a:r>
-              <a:rPr lang="en-SG" dirty="0" smtClean="0"/>
-              <a:t>By default, there are already a coordinates system provided for user by SOLIDWORKS every time you open a new modelling project. Usually</a:t>
-            </a:r>
-            <a:r>
-              <a:rPr lang="en-SG" dirty="0"/>
-              <a:t>, at the lower-left corner of the canvas, you can notice the symbol of coordinate system with three axes</a:t>
-            </a:r>
-            <a:r>
-              <a:rPr lang="en-SG" dirty="0" smtClean="0"/>
-              <a:t>.</a:t>
-            </a:r>
-          </a:p>
-          <a:p>
-            <a:r>
-              <a:rPr lang="en-SG" dirty="0" smtClean="0"/>
-              <a:t>Whenever user need to carry on some location or orientation related modelling steps, the coordination system should be considered.</a:t>
-            </a:r>
-          </a:p>
-          <a:p>
-            <a:r>
-              <a:rPr lang="en-US" dirty="0" smtClean="0"/>
-              <a:t>For example, in the scenarios of re-oriented a model or two models comparing user should define his own reference coordinate systems. </a:t>
-            </a:r>
-            <a:endParaRPr lang="en-SG" dirty="0"/>
-          </a:p>
-        </p:txBody>
-      </p:sp>
-    </p:spTree>
-    <p:extLst>
-      <p:ext uri="{BB962C8B-B14F-4D97-AF65-F5344CB8AC3E}">
-        <p14:creationId xmlns:p14="http://schemas.microsoft.com/office/powerpoint/2010/main" val="1304840193"/>
-      </p:ext>
-    </p:extLst>
-  </p:cSld>
-  <p:clrMapOvr>
-    <a:masterClrMapping/>
-  </p:clrMapOvr>
-</p:sld>
-</file>
-
 <file path=ppt/slides/slide34.xml><?xml version="1.0" encoding="utf-8"?>
 <p:sld xmlns:a="http://schemas.openxmlformats.org/drawingml/2006/main" xmlns:r="http://schemas.openxmlformats.org/officeDocument/2006/relationships" xmlns:p="http://schemas.openxmlformats.org/presentationml/2006/main">
   <p:cSld>
@@ -6713,10 +6911,9 @@
           <a:lstStyle/>
           <a:p>
             <a:r>
-              <a:rPr lang="en-SG" dirty="0" smtClean="0"/>
-              <a:t>References objects</a:t>
-            </a:r>
-            <a:endParaRPr lang="en-SG" dirty="0"/>
+              <a:rPr lang="en-SG" dirty="0"/>
+              <a:t>Sketch method</a:t>
+            </a:r>
           </a:p>
         </p:txBody>
       </p:sp>
@@ -6737,22 +6934,59 @@
           <a:p>
             <a:r>
               <a:rPr lang="en-SG" dirty="0" smtClean="0"/>
-              <a:t>Reference points</a:t>
-            </a:r>
-          </a:p>
-          <a:p>
-            <a:r>
-              <a:rPr lang="en-SG" dirty="0" smtClean="0"/>
-              <a:t>Reference vectors/axes</a:t>
-            </a:r>
-          </a:p>
-          <a:p>
-            <a:r>
-              <a:rPr lang="en-SG" dirty="0" smtClean="0"/>
-              <a:t>Reference plane</a:t>
-            </a:r>
-          </a:p>
-          <a:p>
+              <a:t>The main steps of sketch method to create 3D models are</a:t>
+            </a:r>
+          </a:p>
+          <a:p>
+            <a:pPr marL="914400" lvl="1" indent="-457200">
+              <a:buFont typeface="+mj-lt"/>
+              <a:buAutoNum type="arabicPeriod"/>
+            </a:pPr>
+            <a:r>
+              <a:rPr lang="en-SG" dirty="0" smtClean="0"/>
+              <a:t>Define a sketch plane as cross section;</a:t>
+            </a:r>
+          </a:p>
+          <a:p>
+            <a:pPr marL="914400" lvl="1" indent="-457200">
+              <a:buFont typeface="+mj-lt"/>
+              <a:buAutoNum type="arabicPeriod"/>
+            </a:pPr>
+            <a:r>
+              <a:rPr lang="en-SG" dirty="0" smtClean="0"/>
+              <a:t>Sketch 2D shapes on the cross section;</a:t>
+            </a:r>
+          </a:p>
+          <a:p>
+            <a:pPr marL="914400" lvl="1" indent="-457200">
+              <a:buFont typeface="+mj-lt"/>
+              <a:buAutoNum type="arabicPeriod"/>
+            </a:pPr>
+            <a:r>
+              <a:rPr lang="en-SG" dirty="0" smtClean="0"/>
+              <a:t>Constraint 2D shapes with accurate dimensions;</a:t>
+            </a:r>
+          </a:p>
+          <a:p>
+            <a:pPr marL="914400" lvl="1" indent="-457200">
+              <a:buFont typeface="+mj-lt"/>
+              <a:buAutoNum type="arabicPeriod"/>
+            </a:pPr>
+            <a:r>
+              <a:rPr lang="en-SG" dirty="0" smtClean="0"/>
+              <a:t>Perform 2D to </a:t>
+            </a:r>
+            <a:r>
+              <a:rPr lang="en-SG" smtClean="0"/>
+              <a:t>3D operations.</a:t>
+            </a:r>
+            <a:endParaRPr lang="en-SG" dirty="0" smtClean="0"/>
+          </a:p>
+          <a:p>
+            <a:pPr marL="914400" lvl="1" indent="-457200">
+              <a:buFont typeface="+mj-lt"/>
+              <a:buAutoNum type="arabicPeriod"/>
+            </a:pPr>
             <a:endParaRPr lang="en-SG" dirty="0"/>
           </a:p>
         </p:txBody>
@@ -6760,7 +6994,7 @@
     </p:spTree>
     <p:extLst>
       <p:ext uri="{BB962C8B-B14F-4D97-AF65-F5344CB8AC3E}">
-        <p14:creationId xmlns:p14="http://schemas.microsoft.com/office/powerpoint/2010/main" val="224841182"/>
+        <p14:creationId xmlns:p14="http://schemas.microsoft.com/office/powerpoint/2010/main" val="4198518572"/>
       </p:ext>
     </p:extLst>
   </p:cSld>
@@ -6789,7 +7023,7 @@
       </p:grpSpPr>
       <p:sp>
         <p:nvSpPr>
-          <p:cNvPr id="2" name="标题 1"/>
+          <p:cNvPr id="4" name="标题 3"/>
           <p:cNvSpPr>
             <a:spLocks noGrp="1"/>
           </p:cNvSpPr>
@@ -6803,8 +7037,12 @@
           <a:lstStyle/>
           <a:p>
             <a:r>
-              <a:rPr lang="en-SG" dirty="0" smtClean="0"/>
-              <a:t>Sketch</a:t>
+              <a:rPr lang="en-SG" dirty="0"/>
+              <a:t>Key disciplines of modelling in </a:t>
+            </a:r>
+            <a:r>
+              <a:rPr lang="en-SG" dirty="0" err="1"/>
+              <a:t>Solidworks</a:t>
             </a:r>
             <a:endParaRPr lang="en-SG" dirty="0"/>
           </a:p>
@@ -6812,67 +7050,27 @@
       </p:sp>
       <p:sp>
         <p:nvSpPr>
-          <p:cNvPr id="3" name="内容占位符 2"/>
-          <p:cNvSpPr>
-            <a:spLocks noGrp="1"/>
-          </p:cNvSpPr>
-          <p:nvPr>
-            <p:ph idx="1"/>
-          </p:nvPr>
-        </p:nvSpPr>
-        <p:spPr/>
-        <p:txBody>
-          <a:bodyPr/>
-          <a:lstStyle/>
-          <a:p>
-            <a:r>
-              <a:rPr lang="en-SG" dirty="0" smtClean="0"/>
-              <a:t>Plane curves</a:t>
-            </a:r>
-          </a:p>
-          <a:p>
-            <a:r>
-              <a:rPr lang="en-SG" dirty="0" smtClean="0"/>
-              <a:t>Two types of Constraint</a:t>
-            </a:r>
-          </a:p>
-          <a:p>
-            <a:pPr lvl="1"/>
-            <a:r>
-              <a:rPr lang="en-SG" dirty="0"/>
-              <a:t>Dimensional </a:t>
-            </a:r>
-            <a:r>
-              <a:rPr lang="en-SG" dirty="0" smtClean="0"/>
-              <a:t>constraints: length and angle</a:t>
-            </a:r>
-          </a:p>
-          <a:p>
-            <a:pPr lvl="1"/>
-            <a:r>
-              <a:rPr lang="en-SG" dirty="0" smtClean="0"/>
-              <a:t>Geometric constraints: parallel, perpendicular, normal</a:t>
-            </a:r>
-            <a:r>
-              <a:rPr lang="en-SG" dirty="0"/>
-              <a:t>, tangent, </a:t>
-            </a:r>
-            <a:r>
-              <a:rPr lang="en-SG" dirty="0" smtClean="0"/>
-              <a:t>concentric</a:t>
-            </a:r>
-            <a:r>
-              <a:rPr lang="en-SG" smtClean="0"/>
-              <a:t>, etc.</a:t>
-            </a:r>
-            <a:endParaRPr lang="en-SG" dirty="0"/>
+          <p:cNvPr id="5" name="文本占位符 4"/>
+          <p:cNvSpPr>
+            <a:spLocks noGrp="1"/>
+          </p:cNvSpPr>
+          <p:nvPr>
+            <p:ph type="body" idx="1"/>
+          </p:nvPr>
+        </p:nvSpPr>
+        <p:spPr/>
+        <p:txBody>
+          <a:bodyPr/>
+          <a:lstStyle/>
+          <a:p>
+            <a:endParaRPr lang="en-SG"/>
           </a:p>
         </p:txBody>
       </p:sp>
     </p:spTree>
     <p:extLst>
       <p:ext uri="{BB962C8B-B14F-4D97-AF65-F5344CB8AC3E}">
-        <p14:creationId xmlns:p14="http://schemas.microsoft.com/office/powerpoint/2010/main" val="579798063"/>
+        <p14:creationId xmlns:p14="http://schemas.microsoft.com/office/powerpoint/2010/main" val="2395669259"/>
       </p:ext>
     </p:extLst>
   </p:cSld>
@@ -6906,45 +7104,80 @@
             <a:spLocks noGrp="1"/>
           </p:cNvSpPr>
           <p:nvPr>
-            <p:ph type="ctrTitle"/>
-          </p:nvPr>
-        </p:nvSpPr>
-        <p:spPr/>
-        <p:txBody>
-          <a:bodyPr/>
-          <a:lstStyle/>
-          <a:p>
-            <a:r>
-              <a:rPr lang="en-SG" dirty="0" smtClean="0"/>
-              <a:t>CAM</a:t>
-            </a:r>
+            <p:ph type="title"/>
+          </p:nvPr>
+        </p:nvSpPr>
+        <p:spPr/>
+        <p:txBody>
+          <a:bodyPr/>
+          <a:lstStyle/>
+          <a:p>
+            <a:r>
+              <a:rPr lang="en-SG" dirty="0" smtClean="0"/>
+              <a:t>Key disciplines of modelling in </a:t>
+            </a:r>
+            <a:r>
+              <a:rPr lang="en-SG" dirty="0" err="1" smtClean="0"/>
+              <a:t>Solidworks</a:t>
+            </a:r>
+            <a:endParaRPr lang="en-SG" baseline="30000" dirty="0"/>
+          </a:p>
+        </p:txBody>
+      </p:sp>
+      <p:sp>
+        <p:nvSpPr>
+          <p:cNvPr id="3" name="内容占位符 2"/>
+          <p:cNvSpPr>
+            <a:spLocks noGrp="1"/>
+          </p:cNvSpPr>
+          <p:nvPr>
+            <p:ph idx="1"/>
+          </p:nvPr>
+        </p:nvSpPr>
+        <p:spPr/>
+        <p:txBody>
+          <a:bodyPr/>
+          <a:lstStyle/>
+          <a:p>
+            <a:r>
+              <a:rPr lang="en-SG" dirty="0" smtClean="0"/>
+              <a:t>For basic bodies, generate 3D model by taking use of 2D shapes;</a:t>
+            </a:r>
+          </a:p>
+          <a:p>
+            <a:r>
+              <a:rPr lang="en-SG" dirty="0" smtClean="0"/>
+              <a:t>Combine basic bodies to create a complex body;</a:t>
+            </a:r>
+          </a:p>
+          <a:p>
+            <a:r>
+              <a:rPr lang="en-SG" dirty="0"/>
+              <a:t>R</a:t>
+            </a:r>
+            <a:r>
+              <a:rPr lang="en-SG" dirty="0" smtClean="0"/>
+              <a:t>epeated bodies can be made through array operations;</a:t>
+            </a:r>
+          </a:p>
+          <a:p>
+            <a:pPr marL="0" indent="0">
+              <a:buNone/>
+            </a:pPr>
+            <a:r>
+              <a:rPr lang="en-SG" dirty="0" smtClean="0"/>
+              <a:t> </a:t>
+            </a:r>
+          </a:p>
+          <a:p>
             <a:endParaRPr lang="en-SG" dirty="0"/>
-          </a:p>
-        </p:txBody>
-      </p:sp>
-      <p:sp>
-        <p:nvSpPr>
-          <p:cNvPr id="3" name="副标题 2"/>
-          <p:cNvSpPr>
-            <a:spLocks noGrp="1"/>
-          </p:cNvSpPr>
-          <p:nvPr>
-            <p:ph type="subTitle" idx="1"/>
-          </p:nvPr>
-        </p:nvSpPr>
-        <p:spPr/>
-        <p:txBody>
-          <a:bodyPr/>
-          <a:lstStyle/>
-          <a:p>
-            <a:endParaRPr lang="en-SG"/>
           </a:p>
         </p:txBody>
       </p:sp>
     </p:spTree>
     <p:extLst>
       <p:ext uri="{BB962C8B-B14F-4D97-AF65-F5344CB8AC3E}">
-        <p14:creationId xmlns:p14="http://schemas.microsoft.com/office/powerpoint/2010/main" val="2945329965"/>
+        <p14:creationId xmlns:p14="http://schemas.microsoft.com/office/powerpoint/2010/main" val="164022275"/>
       </p:ext>
     </p:extLst>
   </p:cSld>
@@ -6988,54 +7221,118 @@
           <a:p>
             <a:r>
               <a:rPr lang="en-SG" dirty="0" smtClean="0"/>
-              <a:t>Brief</a:t>
+              <a:t>Coordinate system</a:t>
+            </a:r>
+          </a:p>
+        </p:txBody>
+      </p:sp>
+      <p:sp>
+        <p:nvSpPr>
+          <p:cNvPr id="3" name="内容占位符 2"/>
+          <p:cNvSpPr>
+            <a:spLocks noGrp="1"/>
+          </p:cNvSpPr>
+          <p:nvPr>
+            <p:ph idx="1"/>
+          </p:nvPr>
+        </p:nvSpPr>
+        <p:spPr/>
+        <p:txBody>
+          <a:bodyPr>
+            <a:normAutofit fontScale="92500" lnSpcReduction="10000"/>
+          </a:bodyPr>
+          <a:lstStyle/>
+          <a:p>
+            <a:r>
+              <a:rPr lang="en-SG" dirty="0">
+                <a:solidFill>
+                  <a:srgbClr val="FF0000"/>
+                </a:solidFill>
+              </a:rPr>
+              <a:t>Coordinate systems are the most important concept in a CAD system. They are used </a:t>
+            </a:r>
+            <a:r>
+              <a:rPr lang="en-SG" dirty="0" smtClean="0">
+                <a:solidFill>
+                  <a:srgbClr val="FF0000"/>
+                </a:solidFill>
+              </a:rPr>
+              <a:t>to  </a:t>
+            </a:r>
+            <a:r>
+              <a:rPr lang="en-SG" dirty="0">
+                <a:solidFill>
+                  <a:srgbClr val="FF0000"/>
+                </a:solidFill>
+              </a:rPr>
+              <a:t>input,  store,  and  display  geometric  model.  There  are  three  kinds  of  coordinate </a:t>
+            </a:r>
+            <a:r>
+              <a:rPr lang="en-SG" dirty="0" smtClean="0">
+                <a:solidFill>
+                  <a:srgbClr val="FF0000"/>
+                </a:solidFill>
+              </a:rPr>
+              <a:t>systems</a:t>
+            </a:r>
+            <a:r>
+              <a:rPr lang="en-SG" dirty="0">
+                <a:solidFill>
+                  <a:srgbClr val="FF0000"/>
+                </a:solidFill>
+              </a:rPr>
+              <a:t>, that is, model coordinate system (MCS), working coordinate system (WCS), </a:t>
+            </a:r>
+            <a:r>
+              <a:rPr lang="en-SG" dirty="0" smtClean="0">
+                <a:solidFill>
+                  <a:srgbClr val="FF0000"/>
+                </a:solidFill>
+              </a:rPr>
+              <a:t>and </a:t>
+            </a:r>
+            <a:r>
+              <a:rPr lang="en-SG" dirty="0">
+                <a:solidFill>
+                  <a:srgbClr val="FF0000"/>
+                </a:solidFill>
+              </a:rPr>
+              <a:t>screen coordinate system (SCS).</a:t>
+            </a:r>
+          </a:p>
+          <a:p>
+            <a:r>
+              <a:rPr lang="en-SG" dirty="0" smtClean="0"/>
+              <a:t>By default, there are already a coordinates system provided for user by SOLIDWORKS every time you open a new modelling project. Usually</a:t>
+            </a:r>
+            <a:r>
+              <a:rPr lang="en-SG" dirty="0"/>
+              <a:t>, at the lower-left corner of the canvas, you can notice the symbol of coordinate system with three axes</a:t>
+            </a:r>
+            <a:r>
+              <a:rPr lang="en-SG" dirty="0" smtClean="0"/>
+              <a:t>.</a:t>
+            </a:r>
+          </a:p>
+          <a:p>
+            <a:r>
+              <a:rPr lang="en-SG" dirty="0" smtClean="0"/>
+              <a:t>Whenever user need to carry on some location or orientation related modelling steps, the coordination system should be considered.</a:t>
+            </a:r>
+          </a:p>
+          <a:p>
+            <a:r>
+              <a:rPr lang="en-US" dirty="0" smtClean="0"/>
+              <a:t>For example, in the scenarios of re-oriented a model or two models comparing user should define his own reference coordinate systems. </a:t>
             </a:r>
             <a:endParaRPr lang="en-SG" dirty="0"/>
-          </a:p>
-        </p:txBody>
-      </p:sp>
-      <p:sp>
-        <p:nvSpPr>
-          <p:cNvPr id="3" name="内容占位符 2"/>
-          <p:cNvSpPr>
-            <a:spLocks noGrp="1"/>
-          </p:cNvSpPr>
-          <p:nvPr>
-            <p:ph idx="1"/>
-          </p:nvPr>
-        </p:nvSpPr>
-        <p:spPr/>
-        <p:txBody>
-          <a:bodyPr>
-            <a:normAutofit/>
-          </a:bodyPr>
-          <a:lstStyle/>
-          <a:p>
-            <a:r>
-              <a:rPr lang="en-SG" dirty="0" smtClean="0"/>
-              <a:t>Scope and applications </a:t>
-            </a:r>
-          </a:p>
-          <a:p>
-            <a:pPr lvl="1"/>
-            <a:r>
-              <a:rPr lang="en-SG" dirty="0" smtClean="0"/>
-              <a:t>NC in CAM </a:t>
-            </a:r>
-          </a:p>
-          <a:p>
-            <a:pPr lvl="1"/>
-            <a:r>
-              <a:rPr lang="en-SG" dirty="0" smtClean="0"/>
-              <a:t>Principal types of CNC machine</a:t>
-            </a:r>
           </a:p>
         </p:txBody>
       </p:sp>
     </p:spTree>
     <p:extLst>
       <p:ext uri="{BB962C8B-B14F-4D97-AF65-F5344CB8AC3E}">
-        <p14:creationId xmlns:p14="http://schemas.microsoft.com/office/powerpoint/2010/main" val="866301321"/>
+        <p14:creationId xmlns:p14="http://schemas.microsoft.com/office/powerpoint/2010/main" val="1304840193"/>
       </p:ext>
     </p:extLst>
   </p:cSld>
@@ -7079,7 +7376,7 @@
           <a:p>
             <a:r>
               <a:rPr lang="en-SG" dirty="0" smtClean="0"/>
-              <a:t>Machine tools</a:t>
+              <a:t>References objects</a:t>
             </a:r>
             <a:endParaRPr lang="en-SG" dirty="0"/>
           </a:p>
@@ -7097,43 +7394,24 @@
         </p:nvSpPr>
         <p:spPr/>
         <p:txBody>
-          <a:bodyPr>
-            <a:normAutofit/>
-          </a:bodyPr>
-          <a:lstStyle/>
-          <a:p>
-            <a:r>
-              <a:rPr lang="en-SG" dirty="0" smtClean="0"/>
-              <a:t>tools and their construction features</a:t>
-            </a:r>
-          </a:p>
-          <a:p>
-            <a:pPr marL="457200" lvl="1" indent="0">
-              <a:buNone/>
-            </a:pPr>
-            <a:r>
-              <a:rPr lang="en-SG" dirty="0" smtClean="0"/>
-              <a:t>tooling for CNC – ISO designation for</a:t>
-            </a:r>
-          </a:p>
-          <a:p>
-            <a:r>
-              <a:rPr lang="en-SG" dirty="0" smtClean="0"/>
-              <a:t>tooling </a:t>
-            </a:r>
-          </a:p>
-          <a:p>
-            <a:pPr lvl="1"/>
-            <a:r>
-              <a:rPr lang="en-SG" dirty="0" smtClean="0"/>
-              <a:t>CNC operating system </a:t>
-            </a:r>
-          </a:p>
-          <a:p>
-            <a:pPr lvl="1"/>
-            <a:r>
-              <a:rPr lang="en-SG" dirty="0" smtClean="0"/>
-              <a:t>FANUC, SINUMERIK – LINUMERIK.</a:t>
+          <a:bodyPr/>
+          <a:lstStyle/>
+          <a:p>
+            <a:r>
+              <a:rPr lang="en-SG" dirty="0" smtClean="0"/>
+              <a:t>Reference points</a:t>
+            </a:r>
+          </a:p>
+          <a:p>
+            <a:r>
+              <a:rPr lang="en-SG" dirty="0" smtClean="0"/>
+              <a:t>Reference vectors/axes</a:t>
+            </a:r>
+          </a:p>
+          <a:p>
+            <a:r>
+              <a:rPr lang="en-SG" dirty="0" smtClean="0"/>
+              <a:t>Reference plane</a:t>
             </a:r>
           </a:p>
           <a:p>
@@ -7144,7 +7422,7 @@
     </p:spTree>
     <p:extLst>
       <p:ext uri="{BB962C8B-B14F-4D97-AF65-F5344CB8AC3E}">
-        <p14:creationId xmlns:p14="http://schemas.microsoft.com/office/powerpoint/2010/main" val="2867634849"/>
+        <p14:creationId xmlns:p14="http://schemas.microsoft.com/office/powerpoint/2010/main" val="224841182"/>
       </p:ext>
     </p:extLst>
   </p:cSld>
@@ -7188,7 +7466,7 @@
           <a:p>
             <a:r>
               <a:rPr lang="en-SG" dirty="0" smtClean="0"/>
-              <a:t>Introduction to CAPP</a:t>
+              <a:t>Sketch</a:t>
             </a:r>
             <a:endParaRPr lang="en-SG" dirty="0"/>
           </a:p>
@@ -7211,22 +7489,44 @@
           <a:p>
             <a:r>
               <a:rPr lang="en-SG" dirty="0" smtClean="0"/>
-              <a:t>Three main parameters to define a machining process</a:t>
-            </a:r>
-          </a:p>
-          <a:p>
-            <a:r>
-              <a:rPr lang="en-SG" dirty="0" smtClean="0"/>
-              <a:t>Principles for process design</a:t>
-            </a:r>
-          </a:p>
-          <a:p>
-            <a:r>
-              <a:rPr lang="en-SG" dirty="0" smtClean="0"/>
-              <a:t>Processing planning systems</a:t>
-            </a:r>
-          </a:p>
-          <a:p>
+              <a:t>Plane curves</a:t>
+            </a:r>
+          </a:p>
+          <a:p>
+            <a:r>
+              <a:rPr lang="en-SG" dirty="0" smtClean="0"/>
+              <a:t>Two types of Constraint</a:t>
+            </a:r>
+          </a:p>
+          <a:p>
+            <a:pPr lvl="1"/>
+            <a:r>
+              <a:rPr lang="en-SG" dirty="0"/>
+              <a:t>Dimensional </a:t>
+            </a:r>
+            <a:r>
+              <a:rPr lang="en-SG" dirty="0" smtClean="0"/>
+              <a:t>constraints: length and angle</a:t>
+            </a:r>
+          </a:p>
+          <a:p>
+            <a:pPr lvl="1"/>
+            <a:r>
+              <a:rPr lang="en-SG" dirty="0" smtClean="0"/>
+              <a:t>Geometric constraints: parallel, perpendicular, normal</a:t>
+            </a:r>
+            <a:r>
+              <a:rPr lang="en-SG" dirty="0"/>
+              <a:t>, tangent, </a:t>
+            </a:r>
+            <a:r>
+              <a:rPr lang="en-SG" dirty="0" smtClean="0"/>
+              <a:t>concentric</a:t>
+            </a:r>
+            <a:r>
+              <a:rPr lang="en-SG" smtClean="0"/>
+              <a:t>, etc.</a:t>
+            </a:r>
             <a:endParaRPr lang="en-SG" dirty="0"/>
           </a:p>
         </p:txBody>
@@ -7234,7 +7534,7 @@
     </p:spTree>
     <p:extLst>
       <p:ext uri="{BB962C8B-B14F-4D97-AF65-F5344CB8AC3E}">
-        <p14:creationId xmlns:p14="http://schemas.microsoft.com/office/powerpoint/2010/main" val="3457476283"/>
+        <p14:creationId xmlns:p14="http://schemas.microsoft.com/office/powerpoint/2010/main" val="579798063"/>
       </p:ext>
     </p:extLst>
   </p:cSld>
@@ -7340,17 +7640,17 @@
             <a:spLocks noGrp="1"/>
           </p:cNvSpPr>
           <p:nvPr>
-            <p:ph type="title"/>
-          </p:nvPr>
-        </p:nvSpPr>
-        <p:spPr/>
-        <p:txBody>
-          <a:bodyPr/>
-          <a:lstStyle/>
-          <a:p>
-            <a:r>
-              <a:rPr lang="en-SG" dirty="0" smtClean="0"/>
-              <a:t>Programming for CNC machining</a:t>
+            <p:ph type="ctrTitle"/>
+          </p:nvPr>
+        </p:nvSpPr>
+        <p:spPr/>
+        <p:txBody>
+          <a:bodyPr/>
+          <a:lstStyle/>
+          <a:p>
+            <a:r>
+              <a:rPr lang="en-SG" dirty="0" smtClean="0"/>
+              <a:t>CAM</a:t>
             </a:r>
             <a:endParaRPr lang="en-SG" dirty="0"/>
           </a:p>
@@ -7358,65 +7658,27 @@
       </p:sp>
       <p:sp>
         <p:nvSpPr>
-          <p:cNvPr id="3" name="内容占位符 2"/>
-          <p:cNvSpPr>
-            <a:spLocks noGrp="1"/>
-          </p:cNvSpPr>
-          <p:nvPr>
-            <p:ph idx="1"/>
-          </p:nvPr>
-        </p:nvSpPr>
-        <p:spPr/>
-        <p:txBody>
-          <a:bodyPr>
-            <a:normAutofit/>
-          </a:bodyPr>
-          <a:lstStyle/>
-          <a:p>
-            <a:r>
-              <a:rPr lang="en-SG" dirty="0"/>
-              <a:t>C</a:t>
-            </a:r>
-            <a:r>
-              <a:rPr lang="en-SG" dirty="0" smtClean="0"/>
-              <a:t>oordinate systems of CNC</a:t>
-            </a:r>
-          </a:p>
-          <a:p>
-            <a:r>
-              <a:rPr lang="en-SG" dirty="0"/>
-              <a:t>M</a:t>
-            </a:r>
-            <a:r>
-              <a:rPr lang="en-SG" dirty="0" smtClean="0"/>
-              <a:t>anual part</a:t>
-            </a:r>
-          </a:p>
-          <a:p>
-            <a:r>
-              <a:rPr lang="en-SG" dirty="0"/>
-              <a:t>C</a:t>
-            </a:r>
-            <a:r>
-              <a:rPr lang="en-SG" dirty="0" smtClean="0"/>
-              <a:t>omputer assisted part programming </a:t>
-            </a:r>
-          </a:p>
-          <a:p>
-            <a:r>
-              <a:rPr lang="en-SG" dirty="0" smtClean="0"/>
-              <a:t>CNC part programming with CAD system. </a:t>
-            </a:r>
-          </a:p>
-          <a:p>
-            <a:endParaRPr lang="en-SG" dirty="0"/>
+          <p:cNvPr id="3" name="副标题 2"/>
+          <p:cNvSpPr>
+            <a:spLocks noGrp="1"/>
+          </p:cNvSpPr>
+          <p:nvPr>
+            <p:ph type="subTitle" idx="1"/>
+          </p:nvPr>
+        </p:nvSpPr>
+        <p:spPr/>
+        <p:txBody>
+          <a:bodyPr/>
+          <a:lstStyle/>
+          <a:p>
+            <a:endParaRPr lang="en-SG"/>
           </a:p>
         </p:txBody>
       </p:sp>
     </p:spTree>
     <p:extLst>
       <p:ext uri="{BB962C8B-B14F-4D97-AF65-F5344CB8AC3E}">
-        <p14:creationId xmlns:p14="http://schemas.microsoft.com/office/powerpoint/2010/main" val="2042065448"/>
+        <p14:creationId xmlns:p14="http://schemas.microsoft.com/office/powerpoint/2010/main" val="2945329965"/>
       </p:ext>
     </p:extLst>
   </p:cSld>
@@ -7460,7 +7722,7 @@
           <a:p>
             <a:r>
               <a:rPr lang="en-SG" dirty="0" smtClean="0"/>
-              <a:t>Material handling in CAM environment</a:t>
+              <a:t>Brief</a:t>
             </a:r>
             <a:endParaRPr lang="en-SG" dirty="0"/>
           </a:p>
@@ -7478,61 +7740,36 @@
         </p:nvSpPr>
         <p:spPr/>
         <p:txBody>
-          <a:bodyPr/>
-          <a:lstStyle/>
-          <a:p>
-            <a:r>
-              <a:rPr lang="en-SG" dirty="0" smtClean="0"/>
-              <a:t>Logistic and storage system </a:t>
+          <a:bodyPr>
+            <a:normAutofit/>
+          </a:bodyPr>
+          <a:lstStyle/>
+          <a:p>
+            <a:r>
+              <a:rPr lang="en-SG" dirty="0" smtClean="0"/>
+              <a:t>Scope and applications </a:t>
             </a:r>
           </a:p>
           <a:p>
             <a:pPr lvl="1"/>
             <a:r>
               <a:rPr lang="en-SG" dirty="0" smtClean="0"/>
-              <a:t>AGVS </a:t>
+              <a:t>NC in CAM </a:t>
             </a:r>
           </a:p>
           <a:p>
             <a:pPr lvl="1"/>
             <a:r>
               <a:rPr lang="en-SG" dirty="0" smtClean="0"/>
-              <a:t>AS/RS </a:t>
-            </a:r>
-          </a:p>
-          <a:p>
-            <a:pPr lvl="1"/>
-            <a:r>
-              <a:rPr lang="en-SG" dirty="0" err="1" smtClean="0"/>
-              <a:t>Swarf</a:t>
-            </a:r>
-            <a:r>
-              <a:rPr lang="en-SG" dirty="0" smtClean="0"/>
-              <a:t> handling and disposal of wastes </a:t>
-            </a:r>
-          </a:p>
-          <a:p>
-            <a:r>
-              <a:rPr lang="en-SG" dirty="0" smtClean="0"/>
-              <a:t>Assembly lines </a:t>
-            </a:r>
-          </a:p>
-          <a:p>
-            <a:pPr lvl="1"/>
-            <a:r>
-              <a:rPr lang="en-SG" dirty="0" smtClean="0"/>
-              <a:t>Quantitative analysis of assembly systems.</a:t>
-            </a:r>
-          </a:p>
-          <a:p>
-            <a:endParaRPr lang="en-SG" dirty="0"/>
+              <a:t>Principal types of CNC machine</a:t>
+            </a:r>
           </a:p>
         </p:txBody>
       </p:sp>
     </p:spTree>
     <p:extLst>
       <p:ext uri="{BB962C8B-B14F-4D97-AF65-F5344CB8AC3E}">
-        <p14:creationId xmlns:p14="http://schemas.microsoft.com/office/powerpoint/2010/main" val="938672915"/>
+        <p14:creationId xmlns:p14="http://schemas.microsoft.com/office/powerpoint/2010/main" val="866301321"/>
       </p:ext>
     </p:extLst>
   </p:cSld>
@@ -7576,15 +7813,7 @@
           <a:p>
             <a:r>
               <a:rPr lang="en-SG" dirty="0" smtClean="0"/>
-              <a:t>Key disciplines of manufacturing under </a:t>
-            </a:r>
-            <a:r>
-              <a:rPr lang="en-SG" dirty="0" err="1" smtClean="0"/>
-              <a:t>Solidworks</a:t>
-            </a:r>
-            <a:r>
-              <a:rPr lang="en-SG" dirty="0" smtClean="0"/>
-              <a:t> environment</a:t>
+              <a:t>Machine tools</a:t>
             </a:r>
             <a:endParaRPr lang="en-SG" dirty="0"/>
           </a:p>
@@ -7602,48 +7831,46 @@
         </p:nvSpPr>
         <p:spPr/>
         <p:txBody>
-          <a:bodyPr/>
-          <a:lstStyle/>
-          <a:p>
-            <a:r>
-              <a:rPr lang="en-SG" dirty="0"/>
-              <a:t>Configuration for a mill or turn machine</a:t>
-            </a:r>
-          </a:p>
-          <a:p>
-            <a:r>
-              <a:rPr lang="en-SG" dirty="0"/>
-              <a:t>Features to machining strategy</a:t>
-            </a:r>
-          </a:p>
-          <a:p>
-            <a:r>
-              <a:rPr lang="en-SG" dirty="0"/>
-              <a:t>Generate operation plan</a:t>
-            </a:r>
-          </a:p>
-          <a:p>
-            <a:r>
-              <a:rPr lang="en-SG" dirty="0"/>
-              <a:t>Generate tool path</a:t>
-            </a:r>
-          </a:p>
-          <a:p>
-            <a:r>
-              <a:rPr lang="en-SG" dirty="0"/>
-              <a:t>Simulation</a:t>
-            </a:r>
-          </a:p>
-          <a:p>
-            <a:r>
-              <a:rPr lang="en-SG" dirty="0"/>
-              <a:t>Post process</a:t>
-            </a:r>
-          </a:p>
-          <a:p>
-            <a:pPr marL="0" indent="0">
+          <a:bodyPr>
+            <a:normAutofit/>
+          </a:bodyPr>
+          <a:lstStyle/>
+          <a:p>
+            <a:r>
+              <a:rPr lang="en-SG" dirty="0" smtClean="0"/>
+              <a:t>tools and their construction features</a:t>
+            </a:r>
+          </a:p>
+          <a:p>
+            <a:pPr marL="457200" lvl="1" indent="0">
               <a:buNone/>
             </a:pPr>
+            <a:r>
+              <a:rPr lang="en-SG" dirty="0" smtClean="0"/>
+              <a:t>tooling for CNC – ISO designation for</a:t>
+            </a:r>
+          </a:p>
+          <a:p>
+            <a:r>
+              <a:rPr lang="en-SG" dirty="0" smtClean="0"/>
+              <a:t>tooling </a:t>
+            </a:r>
+          </a:p>
+          <a:p>
+            <a:pPr lvl="1"/>
+            <a:r>
+              <a:rPr lang="en-SG" dirty="0" smtClean="0"/>
+              <a:t>CNC operating system </a:t>
+            </a:r>
+          </a:p>
+          <a:p>
+            <a:pPr lvl="1"/>
+            <a:r>
+              <a:rPr lang="en-SG" dirty="0" smtClean="0"/>
+              <a:t>FANUC, SINUMERIK – LINUMERIK.</a:t>
+            </a:r>
+          </a:p>
+          <a:p>
             <a:endParaRPr lang="en-SG" dirty="0"/>
           </a:p>
         </p:txBody>
@@ -7651,7 +7878,7 @@
     </p:spTree>
     <p:extLst>
       <p:ext uri="{BB962C8B-B14F-4D97-AF65-F5344CB8AC3E}">
-        <p14:creationId xmlns:p14="http://schemas.microsoft.com/office/powerpoint/2010/main" val="4246989961"/>
+        <p14:creationId xmlns:p14="http://schemas.microsoft.com/office/powerpoint/2010/main" val="2867634849"/>
       </p:ext>
     </p:extLst>
   </p:cSld>
@@ -7695,7 +7922,7 @@
           <a:p>
             <a:r>
               <a:rPr lang="en-SG" dirty="0" smtClean="0"/>
-              <a:t>The following slides are only for learning purpose</a:t>
+              <a:t>Introduction to CAPP</a:t>
             </a:r>
             <a:endParaRPr lang="en-SG" dirty="0"/>
           </a:p>
@@ -7715,6 +7942,24 @@
         <p:txBody>
           <a:bodyPr/>
           <a:lstStyle/>
+          <a:p>
+            <a:r>
+              <a:rPr lang="en-SG" dirty="0" smtClean="0"/>
+              <a:t>Three main parameters to define a machining process</a:t>
+            </a:r>
+          </a:p>
+          <a:p>
+            <a:r>
+              <a:rPr lang="en-SG" dirty="0" smtClean="0"/>
+              <a:t>Principles for process design</a:t>
+            </a:r>
+          </a:p>
+          <a:p>
+            <a:r>
+              <a:rPr lang="en-SG" dirty="0" smtClean="0"/>
+              <a:t>Processing planning systems</a:t>
+            </a:r>
+          </a:p>
           <a:p>
             <a:endParaRPr lang="en-SG" dirty="0"/>
           </a:p>
@@ -7723,7 +7968,7 @@
     </p:spTree>
     <p:extLst>
       <p:ext uri="{BB962C8B-B14F-4D97-AF65-F5344CB8AC3E}">
-        <p14:creationId xmlns:p14="http://schemas.microsoft.com/office/powerpoint/2010/main" val="3537981211"/>
+        <p14:creationId xmlns:p14="http://schemas.microsoft.com/office/powerpoint/2010/main" val="3457476283"/>
       </p:ext>
     </p:extLst>
   </p:cSld>
@@ -7765,6 +8010,10 @@
           <a:bodyPr/>
           <a:lstStyle/>
           <a:p>
+            <a:r>
+              <a:rPr lang="en-SG" dirty="0" smtClean="0"/>
+              <a:t>Programming for CNC machining</a:t>
+            </a:r>
             <a:endParaRPr lang="en-SG" dirty="0"/>
           </a:p>
         </p:txBody>
@@ -7781,48 +8030,55 @@
         </p:nvSpPr>
         <p:spPr/>
         <p:txBody>
-          <a:bodyPr/>
-          <a:lstStyle/>
-          <a:p>
-            <a:r>
-              <a:rPr lang="en-SG" dirty="0" smtClean="0"/>
-              <a:t>Create a new part</a:t>
-            </a:r>
-          </a:p>
-          <a:p>
-            <a:r>
-              <a:rPr lang="en-SG" dirty="0" smtClean="0"/>
-              <a:t>Check the unit setting</a:t>
-            </a:r>
-          </a:p>
-          <a:p>
-            <a:r>
-              <a:rPr lang="en-SG" dirty="0" smtClean="0"/>
-              <a:t>Using sketch to create part body</a:t>
-            </a:r>
-          </a:p>
-          <a:p>
-            <a:pPr lvl="1"/>
-            <a:r>
-              <a:rPr lang="en-SG" dirty="0" smtClean="0"/>
-              <a:t>Smart dimension is an import tool to drive the model </a:t>
-            </a:r>
-            <a:r>
-              <a:rPr lang="en-SG" dirty="0" err="1" smtClean="0"/>
-              <a:t>creatation</a:t>
-            </a:r>
-            <a:endParaRPr lang="en-SG" dirty="0" smtClean="0"/>
-          </a:p>
-          <a:p>
-            <a:pPr lvl="1"/>
-            <a:endParaRPr lang="en-SG" dirty="0" smtClean="0"/>
+          <a:bodyPr>
+            <a:normAutofit/>
+          </a:bodyPr>
+          <a:lstStyle/>
+          <a:p>
+            <a:r>
+              <a:rPr lang="en-SG" dirty="0"/>
+              <a:t>C</a:t>
+            </a:r>
+            <a:r>
+              <a:rPr lang="en-SG" dirty="0" smtClean="0"/>
+              <a:t>oordinate systems of CNC</a:t>
+            </a:r>
+          </a:p>
+          <a:p>
+            <a:r>
+              <a:rPr lang="en-SG" dirty="0"/>
+              <a:t>M</a:t>
+            </a:r>
+            <a:r>
+              <a:rPr lang="en-SG" dirty="0" smtClean="0"/>
+              <a:t>anual part</a:t>
+            </a:r>
+          </a:p>
+          <a:p>
+            <a:r>
+              <a:rPr lang="en-SG" dirty="0"/>
+              <a:t>C</a:t>
+            </a:r>
+            <a:r>
+              <a:rPr lang="en-SG" dirty="0" smtClean="0"/>
+              <a:t>omputer assisted part programming </a:t>
+            </a:r>
+          </a:p>
+          <a:p>
+            <a:r>
+              <a:rPr lang="en-SG" dirty="0" smtClean="0"/>
+              <a:t>CNC part programming with CAD system. </a:t>
+            </a:r>
+          </a:p>
+          <a:p>
+            <a:endParaRPr lang="en-SG" dirty="0"/>
           </a:p>
         </p:txBody>
       </p:sp>
     </p:spTree>
     <p:extLst>
       <p:ext uri="{BB962C8B-B14F-4D97-AF65-F5344CB8AC3E}">
-        <p14:creationId xmlns:p14="http://schemas.microsoft.com/office/powerpoint/2010/main" val="1130636376"/>
+        <p14:creationId xmlns:p14="http://schemas.microsoft.com/office/powerpoint/2010/main" val="2042065448"/>
       </p:ext>
     </p:extLst>
   </p:cSld>
@@ -7864,7 +8120,11 @@
           <a:bodyPr/>
           <a:lstStyle/>
           <a:p>
-            <a:endParaRPr lang="en-SG"/>
+            <a:r>
+              <a:rPr lang="en-SG" dirty="0" smtClean="0"/>
+              <a:t>Material handling in CAM environment</a:t>
+            </a:r>
+            <a:endParaRPr lang="en-SG" dirty="0"/>
           </a:p>
         </p:txBody>
       </p:sp>
@@ -7884,41 +8144,46 @@
           <a:lstStyle/>
           <a:p>
             <a:r>
-              <a:rPr lang="en-SG" dirty="0"/>
-              <a:t>Go to the </a:t>
-            </a:r>
-            <a:r>
-              <a:rPr lang="en-SG" dirty="0" err="1"/>
-              <a:t>Solidworks</a:t>
-            </a:r>
-            <a:r>
-              <a:rPr lang="en-SG" dirty="0"/>
-              <a:t> CAM module(just perform each of tool button alone the toolbar from left to right, one can finally get the tool path and G-codes)</a:t>
+              <a:rPr lang="en-SG" dirty="0" smtClean="0"/>
+              <a:t>Logistic and storage system </a:t>
             </a:r>
           </a:p>
           <a:p>
             <a:pPr lvl="1"/>
             <a:r>
-              <a:rPr lang="en-SG" dirty="0"/>
-              <a:t>Define machine</a:t>
+              <a:rPr lang="en-SG" dirty="0" smtClean="0"/>
+              <a:t>AGVS </a:t>
             </a:r>
           </a:p>
           <a:p>
             <a:pPr lvl="1"/>
             <a:r>
-              <a:rPr lang="en-SG" dirty="0"/>
-              <a:t>Setup coordinate system</a:t>
+              <a:rPr lang="en-SG" dirty="0" smtClean="0"/>
+              <a:t>AS/RS </a:t>
             </a:r>
           </a:p>
           <a:p>
             <a:pPr lvl="1"/>
             <a:r>
-              <a:rPr lang="en-SG" dirty="0"/>
-              <a:t>Define stock size using stock </a:t>
-            </a:r>
-            <a:r>
-              <a:rPr lang="en-SG" dirty="0" smtClean="0"/>
-              <a:t>manager</a:t>
+              <a:rPr lang="en-SG" dirty="0" err="1" smtClean="0"/>
+              <a:t>Swarf</a:t>
+            </a:r>
+            <a:r>
+              <a:rPr lang="en-SG" dirty="0" smtClean="0"/>
+              <a:t> handling and disposal of wastes </a:t>
+            </a:r>
+          </a:p>
+          <a:p>
+            <a:r>
+              <a:rPr lang="en-SG" dirty="0" smtClean="0"/>
+              <a:t>Assembly lines </a:t>
+            </a:r>
+          </a:p>
+          <a:p>
+            <a:pPr lvl="1"/>
+            <a:r>
+              <a:rPr lang="en-SG" dirty="0" smtClean="0"/>
+              <a:t>Quantitative analysis of assembly systems.</a:t>
             </a:r>
           </a:p>
           <a:p>
@@ -7929,7 +8194,7 @@
     </p:spTree>
     <p:extLst>
       <p:ext uri="{BB962C8B-B14F-4D97-AF65-F5344CB8AC3E}">
-        <p14:creationId xmlns:p14="http://schemas.microsoft.com/office/powerpoint/2010/main" val="482855842"/>
+        <p14:creationId xmlns:p14="http://schemas.microsoft.com/office/powerpoint/2010/main" val="938672915"/>
       </p:ext>
     </p:extLst>
   </p:cSld>
@@ -7971,6 +8236,497 @@
           <a:bodyPr/>
           <a:lstStyle/>
           <a:p>
+            <a:r>
+              <a:rPr lang="en-SG" dirty="0" smtClean="0"/>
+              <a:t>Key disciplines of manufacturing under </a:t>
+            </a:r>
+            <a:r>
+              <a:rPr lang="en-SG" dirty="0" err="1" smtClean="0"/>
+              <a:t>Solidworks</a:t>
+            </a:r>
+            <a:r>
+              <a:rPr lang="en-SG" dirty="0" smtClean="0"/>
+              <a:t> environment</a:t>
+            </a:r>
+            <a:endParaRPr lang="en-SG" dirty="0"/>
+          </a:p>
+        </p:txBody>
+      </p:sp>
+      <p:sp>
+        <p:nvSpPr>
+          <p:cNvPr id="3" name="内容占位符 2"/>
+          <p:cNvSpPr>
+            <a:spLocks noGrp="1"/>
+          </p:cNvSpPr>
+          <p:nvPr>
+            <p:ph idx="1"/>
+          </p:nvPr>
+        </p:nvSpPr>
+        <p:spPr/>
+        <p:txBody>
+          <a:bodyPr/>
+          <a:lstStyle/>
+          <a:p>
+            <a:r>
+              <a:rPr lang="en-SG" dirty="0"/>
+              <a:t>Configuration for a mill or turn machine</a:t>
+            </a:r>
+          </a:p>
+          <a:p>
+            <a:r>
+              <a:rPr lang="en-SG" dirty="0"/>
+              <a:t>Features to machining strategy</a:t>
+            </a:r>
+          </a:p>
+          <a:p>
+            <a:r>
+              <a:rPr lang="en-SG" dirty="0"/>
+              <a:t>Generate operation plan</a:t>
+            </a:r>
+          </a:p>
+          <a:p>
+            <a:r>
+              <a:rPr lang="en-SG" dirty="0"/>
+              <a:t>Generate tool path</a:t>
+            </a:r>
+          </a:p>
+          <a:p>
+            <a:r>
+              <a:rPr lang="en-SG" dirty="0"/>
+              <a:t>Simulation</a:t>
+            </a:r>
+          </a:p>
+          <a:p>
+            <a:r>
+              <a:rPr lang="en-SG" dirty="0"/>
+              <a:t>Post process</a:t>
+            </a:r>
+          </a:p>
+          <a:p>
+            <a:pPr marL="0" indent="0">
+              <a:buNone/>
+            </a:pPr>
+            <a:endParaRPr lang="en-SG" dirty="0"/>
+          </a:p>
+        </p:txBody>
+      </p:sp>
+    </p:spTree>
+    <p:extLst>
+      <p:ext uri="{BB962C8B-B14F-4D97-AF65-F5344CB8AC3E}">
+        <p14:creationId xmlns:p14="http://schemas.microsoft.com/office/powerpoint/2010/main" val="4246989961"/>
+      </p:ext>
+    </p:extLst>
+  </p:cSld>
+  <p:clrMapOvr>
+    <a:masterClrMapping/>
+  </p:clrMapOvr>
+</p:sld>
+</file>
+
+<file path=ppt/slides/slide47.xml><?xml version="1.0" encoding="utf-8"?>
+<p:sld xmlns:a="http://schemas.openxmlformats.org/drawingml/2006/main" xmlns:r="http://schemas.openxmlformats.org/officeDocument/2006/relationships" xmlns:p="http://schemas.openxmlformats.org/presentationml/2006/main">
+  <p:cSld>
+    <p:spTree>
+      <p:nvGrpSpPr>
+        <p:cNvPr id="1" name=""/>
+        <p:cNvGrpSpPr/>
+        <p:nvPr/>
+      </p:nvGrpSpPr>
+      <p:grpSpPr>
+        <a:xfrm>
+          <a:off x="0" y="0"/>
+          <a:ext cx="0" cy="0"/>
+          <a:chOff x="0" y="0"/>
+          <a:chExt cx="0" cy="0"/>
+        </a:xfrm>
+      </p:grpSpPr>
+      <p:sp>
+        <p:nvSpPr>
+          <p:cNvPr id="2" name="标题 1"/>
+          <p:cNvSpPr>
+            <a:spLocks noGrp="1"/>
+          </p:cNvSpPr>
+          <p:nvPr>
+            <p:ph type="title"/>
+          </p:nvPr>
+        </p:nvSpPr>
+        <p:spPr/>
+        <p:txBody>
+          <a:bodyPr/>
+          <a:lstStyle/>
+          <a:p>
+            <a:r>
+              <a:rPr lang="en-SG" dirty="0" smtClean="0"/>
+              <a:t>The following slides are only for learning purpose</a:t>
+            </a:r>
+            <a:endParaRPr lang="en-SG" dirty="0"/>
+          </a:p>
+        </p:txBody>
+      </p:sp>
+      <p:sp>
+        <p:nvSpPr>
+          <p:cNvPr id="3" name="内容占位符 2"/>
+          <p:cNvSpPr>
+            <a:spLocks noGrp="1"/>
+          </p:cNvSpPr>
+          <p:nvPr>
+            <p:ph idx="1"/>
+          </p:nvPr>
+        </p:nvSpPr>
+        <p:spPr/>
+        <p:txBody>
+          <a:bodyPr/>
+          <a:lstStyle/>
+          <a:p>
+            <a:endParaRPr lang="en-SG" dirty="0"/>
+          </a:p>
+        </p:txBody>
+      </p:sp>
+    </p:spTree>
+    <p:extLst>
+      <p:ext uri="{BB962C8B-B14F-4D97-AF65-F5344CB8AC3E}">
+        <p14:creationId xmlns:p14="http://schemas.microsoft.com/office/powerpoint/2010/main" val="3537981211"/>
+      </p:ext>
+    </p:extLst>
+  </p:cSld>
+  <p:clrMapOvr>
+    <a:masterClrMapping/>
+  </p:clrMapOvr>
+</p:sld>
+</file>
+
+<file path=ppt/slides/slide48.xml><?xml version="1.0" encoding="utf-8"?>
+<p:sld xmlns:a="http://schemas.openxmlformats.org/drawingml/2006/main" xmlns:r="http://schemas.openxmlformats.org/officeDocument/2006/relationships" xmlns:p="http://schemas.openxmlformats.org/presentationml/2006/main">
+  <p:cSld>
+    <p:spTree>
+      <p:nvGrpSpPr>
+        <p:cNvPr id="1" name=""/>
+        <p:cNvGrpSpPr/>
+        <p:nvPr/>
+      </p:nvGrpSpPr>
+      <p:grpSpPr>
+        <a:xfrm>
+          <a:off x="0" y="0"/>
+          <a:ext cx="0" cy="0"/>
+          <a:chOff x="0" y="0"/>
+          <a:chExt cx="0" cy="0"/>
+        </a:xfrm>
+      </p:grpSpPr>
+      <p:sp>
+        <p:nvSpPr>
+          <p:cNvPr id="2" name="标题 1"/>
+          <p:cNvSpPr>
+            <a:spLocks noGrp="1"/>
+          </p:cNvSpPr>
+          <p:nvPr>
+            <p:ph type="title"/>
+          </p:nvPr>
+        </p:nvSpPr>
+        <p:spPr/>
+        <p:txBody>
+          <a:bodyPr/>
+          <a:lstStyle/>
+          <a:p>
+            <a:endParaRPr lang="en-SG" dirty="0"/>
+          </a:p>
+        </p:txBody>
+      </p:sp>
+      <p:sp>
+        <p:nvSpPr>
+          <p:cNvPr id="3" name="内容占位符 2"/>
+          <p:cNvSpPr>
+            <a:spLocks noGrp="1"/>
+          </p:cNvSpPr>
+          <p:nvPr>
+            <p:ph idx="1"/>
+          </p:nvPr>
+        </p:nvSpPr>
+        <p:spPr/>
+        <p:txBody>
+          <a:bodyPr/>
+          <a:lstStyle/>
+          <a:p>
+            <a:r>
+              <a:rPr lang="en-SG" dirty="0" smtClean="0"/>
+              <a:t>Create a new part</a:t>
+            </a:r>
+          </a:p>
+          <a:p>
+            <a:r>
+              <a:rPr lang="en-SG" dirty="0" smtClean="0"/>
+              <a:t>Check the unit setting</a:t>
+            </a:r>
+          </a:p>
+          <a:p>
+            <a:r>
+              <a:rPr lang="en-SG" dirty="0" smtClean="0"/>
+              <a:t>Using sketch to create part body</a:t>
+            </a:r>
+          </a:p>
+          <a:p>
+            <a:pPr lvl="1"/>
+            <a:r>
+              <a:rPr lang="en-SG" dirty="0" smtClean="0"/>
+              <a:t>Smart dimension is an import tool to drive the model </a:t>
+            </a:r>
+            <a:r>
+              <a:rPr lang="en-SG" dirty="0" err="1" smtClean="0"/>
+              <a:t>creatation</a:t>
+            </a:r>
+            <a:endParaRPr lang="en-SG" dirty="0" smtClean="0"/>
+          </a:p>
+          <a:p>
+            <a:pPr lvl="1"/>
+            <a:endParaRPr lang="en-SG" dirty="0" smtClean="0"/>
+          </a:p>
+        </p:txBody>
+      </p:sp>
+    </p:spTree>
+    <p:extLst>
+      <p:ext uri="{BB962C8B-B14F-4D97-AF65-F5344CB8AC3E}">
+        <p14:creationId xmlns:p14="http://schemas.microsoft.com/office/powerpoint/2010/main" val="1130636376"/>
+      </p:ext>
+    </p:extLst>
+  </p:cSld>
+  <p:clrMapOvr>
+    <a:masterClrMapping/>
+  </p:clrMapOvr>
+</p:sld>
+</file>
+
+<file path=ppt/slides/slide49.xml><?xml version="1.0" encoding="utf-8"?>
+<p:sld xmlns:a="http://schemas.openxmlformats.org/drawingml/2006/main" xmlns:r="http://schemas.openxmlformats.org/officeDocument/2006/relationships" xmlns:p="http://schemas.openxmlformats.org/presentationml/2006/main">
+  <p:cSld>
+    <p:spTree>
+      <p:nvGrpSpPr>
+        <p:cNvPr id="1" name=""/>
+        <p:cNvGrpSpPr/>
+        <p:nvPr/>
+      </p:nvGrpSpPr>
+      <p:grpSpPr>
+        <a:xfrm>
+          <a:off x="0" y="0"/>
+          <a:ext cx="0" cy="0"/>
+          <a:chOff x="0" y="0"/>
+          <a:chExt cx="0" cy="0"/>
+        </a:xfrm>
+      </p:grpSpPr>
+      <p:sp>
+        <p:nvSpPr>
+          <p:cNvPr id="2" name="标题 1"/>
+          <p:cNvSpPr>
+            <a:spLocks noGrp="1"/>
+          </p:cNvSpPr>
+          <p:nvPr>
+            <p:ph type="title"/>
+          </p:nvPr>
+        </p:nvSpPr>
+        <p:spPr/>
+        <p:txBody>
+          <a:bodyPr/>
+          <a:lstStyle/>
+          <a:p>
+            <a:endParaRPr lang="en-SG"/>
+          </a:p>
+        </p:txBody>
+      </p:sp>
+      <p:sp>
+        <p:nvSpPr>
+          <p:cNvPr id="3" name="内容占位符 2"/>
+          <p:cNvSpPr>
+            <a:spLocks noGrp="1"/>
+          </p:cNvSpPr>
+          <p:nvPr>
+            <p:ph idx="1"/>
+          </p:nvPr>
+        </p:nvSpPr>
+        <p:spPr/>
+        <p:txBody>
+          <a:bodyPr/>
+          <a:lstStyle/>
+          <a:p>
+            <a:r>
+              <a:rPr lang="en-SG" dirty="0"/>
+              <a:t>Go to the </a:t>
+            </a:r>
+            <a:r>
+              <a:rPr lang="en-SG" dirty="0" err="1"/>
+              <a:t>Solidworks</a:t>
+            </a:r>
+            <a:r>
+              <a:rPr lang="en-SG" dirty="0"/>
+              <a:t> CAM module(just perform each of tool button alone the toolbar from left to right, one can finally get the tool path and G-codes)</a:t>
+            </a:r>
+          </a:p>
+          <a:p>
+            <a:pPr lvl="1"/>
+            <a:r>
+              <a:rPr lang="en-SG" dirty="0"/>
+              <a:t>Define machine</a:t>
+            </a:r>
+          </a:p>
+          <a:p>
+            <a:pPr lvl="1"/>
+            <a:r>
+              <a:rPr lang="en-SG" dirty="0"/>
+              <a:t>Setup coordinate system</a:t>
+            </a:r>
+          </a:p>
+          <a:p>
+            <a:pPr lvl="1"/>
+            <a:r>
+              <a:rPr lang="en-SG" dirty="0"/>
+              <a:t>Define stock size using stock </a:t>
+            </a:r>
+            <a:r>
+              <a:rPr lang="en-SG" dirty="0" smtClean="0"/>
+              <a:t>manager</a:t>
+            </a:r>
+          </a:p>
+          <a:p>
+            <a:endParaRPr lang="en-SG" dirty="0"/>
+          </a:p>
+        </p:txBody>
+      </p:sp>
+    </p:spTree>
+    <p:extLst>
+      <p:ext uri="{BB962C8B-B14F-4D97-AF65-F5344CB8AC3E}">
+        <p14:creationId xmlns:p14="http://schemas.microsoft.com/office/powerpoint/2010/main" val="482855842"/>
+      </p:ext>
+    </p:extLst>
+  </p:cSld>
+  <p:clrMapOvr>
+    <a:masterClrMapping/>
+  </p:clrMapOvr>
+</p:sld>
+</file>
+
+<file path=ppt/slides/slide5.xml><?xml version="1.0" encoding="utf-8"?>
+<p:sld xmlns:a="http://schemas.openxmlformats.org/drawingml/2006/main" xmlns:r="http://schemas.openxmlformats.org/officeDocument/2006/relationships" xmlns:p="http://schemas.openxmlformats.org/presentationml/2006/main">
+  <p:cSld>
+    <p:spTree>
+      <p:nvGrpSpPr>
+        <p:cNvPr id="1" name=""/>
+        <p:cNvGrpSpPr/>
+        <p:nvPr/>
+      </p:nvGrpSpPr>
+      <p:grpSpPr>
+        <a:xfrm>
+          <a:off x="0" y="0"/>
+          <a:ext cx="0" cy="0"/>
+          <a:chOff x="0" y="0"/>
+          <a:chExt cx="0" cy="0"/>
+        </a:xfrm>
+      </p:grpSpPr>
+      <p:sp>
+        <p:nvSpPr>
+          <p:cNvPr id="2" name="标题 1"/>
+          <p:cNvSpPr>
+            <a:spLocks noGrp="1"/>
+          </p:cNvSpPr>
+          <p:nvPr>
+            <p:ph type="title"/>
+          </p:nvPr>
+        </p:nvSpPr>
+        <p:spPr/>
+        <p:txBody>
+          <a:bodyPr/>
+          <a:lstStyle/>
+          <a:p>
+            <a:r>
+              <a:rPr lang="en-SG" dirty="0" smtClean="0"/>
+              <a:t>Instruction to computer graphics</a:t>
+            </a:r>
+            <a:endParaRPr lang="en-SG" dirty="0"/>
+          </a:p>
+        </p:txBody>
+      </p:sp>
+      <p:sp>
+        <p:nvSpPr>
+          <p:cNvPr id="3" name="内容占位符 2"/>
+          <p:cNvSpPr>
+            <a:spLocks noGrp="1"/>
+          </p:cNvSpPr>
+          <p:nvPr>
+            <p:ph idx="1"/>
+          </p:nvPr>
+        </p:nvSpPr>
+        <p:spPr/>
+        <p:txBody>
+          <a:bodyPr/>
+          <a:lstStyle/>
+          <a:p>
+            <a:r>
+              <a:rPr lang="en-SG" dirty="0" smtClean="0"/>
+              <a:t>Computer graphics focuses mainly on displays of any digital image by a computer.</a:t>
+            </a:r>
+          </a:p>
+          <a:p>
+            <a:r>
+              <a:rPr lang="en-SG" dirty="0" smtClean="0"/>
+              <a:t>There are bunch of hardware and software developed for fast and correct displays of graphics on terminals.</a:t>
+            </a:r>
+          </a:p>
+          <a:p>
+            <a:r>
+              <a:rPr lang="en-SG" dirty="0" smtClean="0"/>
+              <a:t>The core techniques of computer graphics are based on geometry, optics, physics, and </a:t>
+            </a:r>
+            <a:r>
+              <a:rPr lang="en-SG" smtClean="0"/>
+              <a:t>perception.</a:t>
+            </a:r>
+          </a:p>
+          <a:p>
+            <a:endParaRPr lang="en-SG" dirty="0" smtClean="0"/>
+          </a:p>
+        </p:txBody>
+      </p:sp>
+    </p:spTree>
+    <p:extLst>
+      <p:ext uri="{BB962C8B-B14F-4D97-AF65-F5344CB8AC3E}">
+        <p14:creationId xmlns:p14="http://schemas.microsoft.com/office/powerpoint/2010/main" val="973039862"/>
+      </p:ext>
+    </p:extLst>
+  </p:cSld>
+  <p:clrMapOvr>
+    <a:masterClrMapping/>
+  </p:clrMapOvr>
+</p:sld>
+</file>
+
+<file path=ppt/slides/slide50.xml><?xml version="1.0" encoding="utf-8"?>
+<p:sld xmlns:a="http://schemas.openxmlformats.org/drawingml/2006/main" xmlns:r="http://schemas.openxmlformats.org/officeDocument/2006/relationships" xmlns:p="http://schemas.openxmlformats.org/presentationml/2006/main">
+  <p:cSld>
+    <p:spTree>
+      <p:nvGrpSpPr>
+        <p:cNvPr id="1" name=""/>
+        <p:cNvGrpSpPr/>
+        <p:nvPr/>
+      </p:nvGrpSpPr>
+      <p:grpSpPr>
+        <a:xfrm>
+          <a:off x="0" y="0"/>
+          <a:ext cx="0" cy="0"/>
+          <a:chOff x="0" y="0"/>
+          <a:chExt cx="0" cy="0"/>
+        </a:xfrm>
+      </p:grpSpPr>
+      <p:sp>
+        <p:nvSpPr>
+          <p:cNvPr id="2" name="标题 1"/>
+          <p:cNvSpPr>
+            <a:spLocks noGrp="1"/>
+          </p:cNvSpPr>
+          <p:nvPr>
+            <p:ph type="title"/>
+          </p:nvPr>
+        </p:nvSpPr>
+        <p:spPr/>
+        <p:txBody>
+          <a:bodyPr/>
+          <a:lstStyle/>
+          <a:p>
             <a:endParaRPr lang="en-SG"/>
           </a:p>
         </p:txBody>
@@ -8088,7 +8844,7 @@
           <a:graphicData uri="http://schemas.openxmlformats.org/presentationml/2006/ole">
             <mc:AlternateContent xmlns:mc="http://schemas.openxmlformats.org/markup-compatibility/2006">
               <mc:Choice xmlns:v="urn:schemas-microsoft-com:vml" Requires="v">
-                <p:oleObj spid="_x0000_s1115" name="Equation" r:id="rId3" imgW="2260440" imgH="1091880" progId="Equation.DSMT4">
+                <p:oleObj spid="_x0000_s1117" name="Equation" r:id="rId3" imgW="2260440" imgH="1091880" progId="Equation.DSMT4">
                   <p:embed/>
                 </p:oleObj>
               </mc:Choice>
@@ -8136,7 +8892,7 @@
 </p:sld>
 </file>
 
-<file path=ppt/slides/slide47.xml><?xml version="1.0" encoding="utf-8"?>
+<file path=ppt/slides/slide51.xml><?xml version="1.0" encoding="utf-8"?>
 <p:sld xmlns:a="http://schemas.openxmlformats.org/drawingml/2006/main" xmlns:r="http://schemas.openxmlformats.org/officeDocument/2006/relationships" xmlns:p="http://schemas.openxmlformats.org/presentationml/2006/main">
   <p:cSld>
     <p:spTree>
@@ -8358,7 +9114,7 @@
           <a:graphicData uri="http://schemas.openxmlformats.org/presentationml/2006/ole">
             <mc:AlternateContent xmlns:mc="http://schemas.openxmlformats.org/markup-compatibility/2006">
               <mc:Choice xmlns:v="urn:schemas-microsoft-com:vml" Requires="v">
-                <p:oleObj spid="_x0000_s2310" name="Equation" r:id="rId3" imgW="2133360" imgH="1879560" progId="Equation.DSMT4">
+                <p:oleObj spid="_x0000_s2316" name="Equation" r:id="rId3" imgW="2133360" imgH="1879560" progId="Equation.DSMT4">
                   <p:embed/>
                 </p:oleObj>
               </mc:Choice>
@@ -8415,7 +9171,7 @@
           <a:graphicData uri="http://schemas.openxmlformats.org/presentationml/2006/ole">
             <mc:AlternateContent xmlns:mc="http://schemas.openxmlformats.org/markup-compatibility/2006">
               <mc:Choice xmlns:v="urn:schemas-microsoft-com:vml" Requires="v">
-                <p:oleObj spid="_x0000_s2311" name="Equation" r:id="rId5" imgW="1726920" imgH="482400" progId="Equation.DSMT4">
+                <p:oleObj spid="_x0000_s2317" name="Equation" r:id="rId5" imgW="1726920" imgH="482400" progId="Equation.DSMT4">
                   <p:embed/>
                 </p:oleObj>
               </mc:Choice>
@@ -8472,7 +9228,7 @@
           <a:graphicData uri="http://schemas.openxmlformats.org/presentationml/2006/ole">
             <mc:AlternateContent xmlns:mc="http://schemas.openxmlformats.org/markup-compatibility/2006">
               <mc:Choice xmlns:v="urn:schemas-microsoft-com:vml" Requires="v">
-                <p:oleObj spid="_x0000_s2312" name="Equation" r:id="rId7" imgW="990360" imgH="457200" progId="Equation.DSMT4">
+                <p:oleObj spid="_x0000_s2318" name="Equation" r:id="rId7" imgW="990360" imgH="457200" progId="Equation.DSMT4">
                   <p:embed/>
                 </p:oleObj>
               </mc:Choice>
@@ -8520,7 +9276,7 @@
 </p:sld>
 </file>
 
-<file path=ppt/slides/slide48.xml><?xml version="1.0" encoding="utf-8"?>
+<file path=ppt/slides/slide52.xml><?xml version="1.0" encoding="utf-8"?>
 <p:sld xmlns:a="http://schemas.openxmlformats.org/drawingml/2006/main" xmlns:r="http://schemas.openxmlformats.org/officeDocument/2006/relationships" xmlns:p="http://schemas.openxmlformats.org/presentationml/2006/main">
   <p:cSld>
     <p:spTree>
@@ -8628,7 +9384,7 @@
           <a:graphicData uri="http://schemas.openxmlformats.org/presentationml/2006/ole">
             <mc:AlternateContent xmlns:mc="http://schemas.openxmlformats.org/markup-compatibility/2006">
               <mc:Choice xmlns:v="urn:schemas-microsoft-com:vml" Requires="v">
-                <p:oleObj spid="_x0000_s3160" name="Equation" r:id="rId3" imgW="990360" imgH="457200" progId="Equation.DSMT4">
+                <p:oleObj spid="_x0000_s3162" name="Equation" r:id="rId3" imgW="990360" imgH="457200" progId="Equation.DSMT4">
                   <p:embed/>
                 </p:oleObj>
               </mc:Choice>
@@ -8667,109 +9423,6 @@
     <p:extLst>
       <p:ext uri="{BB962C8B-B14F-4D97-AF65-F5344CB8AC3E}">
         <p14:creationId xmlns:p14="http://schemas.microsoft.com/office/powerpoint/2010/main" val="248749875"/>
-      </p:ext>
-    </p:extLst>
-  </p:cSld>
-  <p:clrMapOvr>
-    <a:masterClrMapping/>
-  </p:clrMapOvr>
-</p:sld>
-</file>
-
-<file path=ppt/slides/slide5.xml><?xml version="1.0" encoding="utf-8"?>
-<p:sld xmlns:a="http://schemas.openxmlformats.org/drawingml/2006/main" xmlns:r="http://schemas.openxmlformats.org/officeDocument/2006/relationships" xmlns:p="http://schemas.openxmlformats.org/presentationml/2006/main">
-  <p:cSld>
-    <p:spTree>
-      <p:nvGrpSpPr>
-        <p:cNvPr id="1" name=""/>
-        <p:cNvGrpSpPr/>
-        <p:nvPr/>
-      </p:nvGrpSpPr>
-      <p:grpSpPr>
-        <a:xfrm>
-          <a:off x="0" y="0"/>
-          <a:ext cx="0" cy="0"/>
-          <a:chOff x="0" y="0"/>
-          <a:chExt cx="0" cy="0"/>
-        </a:xfrm>
-      </p:grpSpPr>
-      <p:sp>
-        <p:nvSpPr>
-          <p:cNvPr id="2" name="标题 1"/>
-          <p:cNvSpPr>
-            <a:spLocks noGrp="1"/>
-          </p:cNvSpPr>
-          <p:nvPr>
-            <p:ph type="title"/>
-          </p:nvPr>
-        </p:nvSpPr>
-        <p:spPr/>
-        <p:txBody>
-          <a:bodyPr/>
-          <a:lstStyle/>
-          <a:p>
-            <a:r>
-              <a:rPr lang="en-SG" dirty="0" smtClean="0"/>
-              <a:t>Instruction to computer graphics</a:t>
-            </a:r>
-            <a:endParaRPr lang="en-SG" dirty="0"/>
-          </a:p>
-        </p:txBody>
-      </p:sp>
-      <p:sp>
-        <p:nvSpPr>
-          <p:cNvPr id="3" name="内容占位符 2"/>
-          <p:cNvSpPr>
-            <a:spLocks noGrp="1"/>
-          </p:cNvSpPr>
-          <p:nvPr>
-            <p:ph idx="1"/>
-          </p:nvPr>
-        </p:nvSpPr>
-        <p:spPr/>
-        <p:txBody>
-          <a:bodyPr/>
-          <a:lstStyle/>
-          <a:p>
-            <a:r>
-              <a:rPr lang="en-SG" dirty="0" smtClean="0"/>
-              <a:t>Computer graphics focuses mainly on displays of any digital image by a </a:t>
-            </a:r>
-            <a:r>
-              <a:rPr lang="en-SG" dirty="0" smtClean="0"/>
-              <a:t>computer.</a:t>
-            </a:r>
-            <a:endParaRPr lang="en-SG" dirty="0" smtClean="0"/>
-          </a:p>
-          <a:p>
-            <a:r>
-              <a:rPr lang="en-SG" dirty="0" smtClean="0"/>
-              <a:t>There are bunch of hardware and software developed for fast and correct displays of graphics on terminals.</a:t>
-            </a:r>
-          </a:p>
-          <a:p>
-            <a:r>
-              <a:rPr lang="en-SG" dirty="0" smtClean="0"/>
-              <a:t>The core techniques of computer graphics are based on geometry, optics, physics, and </a:t>
-            </a:r>
-            <a:r>
-              <a:rPr lang="en-SG" smtClean="0"/>
-              <a:t>perception</a:t>
-            </a:r>
-            <a:r>
-              <a:rPr lang="en-SG" smtClean="0"/>
-              <a:t>.</a:t>
-            </a:r>
-          </a:p>
-          <a:p>
-            <a:endParaRPr lang="en-SG" dirty="0" smtClean="0"/>
-          </a:p>
-        </p:txBody>
-      </p:sp>
-    </p:spTree>
-    <p:extLst>
-      <p:ext uri="{BB962C8B-B14F-4D97-AF65-F5344CB8AC3E}">
-        <p14:creationId xmlns:p14="http://schemas.microsoft.com/office/powerpoint/2010/main" val="973039862"/>
       </p:ext>
     </p:extLst>
   </p:cSld>

--- a/CAD_CAM.pptx
+++ b/CAD_CAM.pptx
@@ -26,37 +26,50 @@
     <p:sldId id="332" r:id="rId20"/>
     <p:sldId id="309" r:id="rId21"/>
     <p:sldId id="288" r:id="rId22"/>
-    <p:sldId id="315" r:id="rId23"/>
-    <p:sldId id="316" r:id="rId24"/>
-    <p:sldId id="317" r:id="rId25"/>
-    <p:sldId id="318" r:id="rId26"/>
-    <p:sldId id="319" r:id="rId27"/>
-    <p:sldId id="320" r:id="rId28"/>
-    <p:sldId id="321" r:id="rId29"/>
-    <p:sldId id="322" r:id="rId30"/>
-    <p:sldId id="298" r:id="rId31"/>
-    <p:sldId id="299" r:id="rId32"/>
-    <p:sldId id="300" r:id="rId33"/>
-    <p:sldId id="301" r:id="rId34"/>
-    <p:sldId id="302" r:id="rId35"/>
-    <p:sldId id="303" r:id="rId36"/>
-    <p:sldId id="282" r:id="rId37"/>
-    <p:sldId id="257" r:id="rId38"/>
-    <p:sldId id="265" r:id="rId39"/>
-    <p:sldId id="276" r:id="rId40"/>
-    <p:sldId id="310" r:id="rId41"/>
-    <p:sldId id="311" r:id="rId42"/>
-    <p:sldId id="312" r:id="rId43"/>
-    <p:sldId id="333" r:id="rId44"/>
-    <p:sldId id="313" r:id="rId45"/>
-    <p:sldId id="314" r:id="rId46"/>
-    <p:sldId id="261" r:id="rId47"/>
-    <p:sldId id="270" r:id="rId48"/>
-    <p:sldId id="271" r:id="rId49"/>
-    <p:sldId id="272" r:id="rId50"/>
-    <p:sldId id="273" r:id="rId51"/>
-    <p:sldId id="274" r:id="rId52"/>
-    <p:sldId id="275" r:id="rId53"/>
+    <p:sldId id="346" r:id="rId23"/>
+    <p:sldId id="347" r:id="rId24"/>
+    <p:sldId id="348" r:id="rId25"/>
+    <p:sldId id="349" r:id="rId26"/>
+    <p:sldId id="350" r:id="rId27"/>
+    <p:sldId id="340" r:id="rId28"/>
+    <p:sldId id="341" r:id="rId29"/>
+    <p:sldId id="342" r:id="rId30"/>
+    <p:sldId id="343" r:id="rId31"/>
+    <p:sldId id="344" r:id="rId32"/>
+    <p:sldId id="345" r:id="rId33"/>
+    <p:sldId id="339" r:id="rId34"/>
+    <p:sldId id="315" r:id="rId35"/>
+    <p:sldId id="316" r:id="rId36"/>
+    <p:sldId id="317" r:id="rId37"/>
+    <p:sldId id="318" r:id="rId38"/>
+    <p:sldId id="319" r:id="rId39"/>
+    <p:sldId id="320" r:id="rId40"/>
+    <p:sldId id="321" r:id="rId41"/>
+    <p:sldId id="322" r:id="rId42"/>
+    <p:sldId id="298" r:id="rId43"/>
+    <p:sldId id="299" r:id="rId44"/>
+    <p:sldId id="338" r:id="rId45"/>
+    <p:sldId id="300" r:id="rId46"/>
+    <p:sldId id="301" r:id="rId47"/>
+    <p:sldId id="302" r:id="rId48"/>
+    <p:sldId id="303" r:id="rId49"/>
+    <p:sldId id="282" r:id="rId50"/>
+    <p:sldId id="257" r:id="rId51"/>
+    <p:sldId id="265" r:id="rId52"/>
+    <p:sldId id="276" r:id="rId53"/>
+    <p:sldId id="310" r:id="rId54"/>
+    <p:sldId id="311" r:id="rId55"/>
+    <p:sldId id="312" r:id="rId56"/>
+    <p:sldId id="333" r:id="rId57"/>
+    <p:sldId id="313" r:id="rId58"/>
+    <p:sldId id="314" r:id="rId59"/>
+    <p:sldId id="261" r:id="rId60"/>
+    <p:sldId id="270" r:id="rId61"/>
+    <p:sldId id="271" r:id="rId62"/>
+    <p:sldId id="272" r:id="rId63"/>
+    <p:sldId id="273" r:id="rId64"/>
+    <p:sldId id="274" r:id="rId65"/>
+    <p:sldId id="275" r:id="rId66"/>
   </p:sldIdLst>
   <p:sldSz cx="12192000" cy="6858000"/>
   <p:notesSz cx="6858000" cy="9144000"/>
@@ -294,7 +307,7 @@
           <a:p>
             <a:fld id="{012790D9-61A1-4D2A-ABFB-2410DF2390CB}" type="datetimeFigureOut">
               <a:rPr lang="en-SG" smtClean="0"/>
-              <a:t>24/5/2022</a:t>
+              <a:t>26/5/2022</a:t>
             </a:fld>
             <a:endParaRPr lang="en-SG"/>
           </a:p>
@@ -464,7 +477,7 @@
           <a:p>
             <a:fld id="{012790D9-61A1-4D2A-ABFB-2410DF2390CB}" type="datetimeFigureOut">
               <a:rPr lang="en-SG" smtClean="0"/>
-              <a:t>24/5/2022</a:t>
+              <a:t>26/5/2022</a:t>
             </a:fld>
             <a:endParaRPr lang="en-SG"/>
           </a:p>
@@ -644,7 +657,7 @@
           <a:p>
             <a:fld id="{012790D9-61A1-4D2A-ABFB-2410DF2390CB}" type="datetimeFigureOut">
               <a:rPr lang="en-SG" smtClean="0"/>
-              <a:t>24/5/2022</a:t>
+              <a:t>26/5/2022</a:t>
             </a:fld>
             <a:endParaRPr lang="en-SG"/>
           </a:p>
@@ -814,7 +827,7 @@
           <a:p>
             <a:fld id="{012790D9-61A1-4D2A-ABFB-2410DF2390CB}" type="datetimeFigureOut">
               <a:rPr lang="en-SG" smtClean="0"/>
-              <a:t>24/5/2022</a:t>
+              <a:t>26/5/2022</a:t>
             </a:fld>
             <a:endParaRPr lang="en-SG"/>
           </a:p>
@@ -1060,7 +1073,7 @@
           <a:p>
             <a:fld id="{012790D9-61A1-4D2A-ABFB-2410DF2390CB}" type="datetimeFigureOut">
               <a:rPr lang="en-SG" smtClean="0"/>
-              <a:t>24/5/2022</a:t>
+              <a:t>26/5/2022</a:t>
             </a:fld>
             <a:endParaRPr lang="en-SG"/>
           </a:p>
@@ -1292,7 +1305,7 @@
           <a:p>
             <a:fld id="{012790D9-61A1-4D2A-ABFB-2410DF2390CB}" type="datetimeFigureOut">
               <a:rPr lang="en-SG" smtClean="0"/>
-              <a:t>24/5/2022</a:t>
+              <a:t>26/5/2022</a:t>
             </a:fld>
             <a:endParaRPr lang="en-SG"/>
           </a:p>
@@ -1659,7 +1672,7 @@
           <a:p>
             <a:fld id="{012790D9-61A1-4D2A-ABFB-2410DF2390CB}" type="datetimeFigureOut">
               <a:rPr lang="en-SG" smtClean="0"/>
-              <a:t>24/5/2022</a:t>
+              <a:t>26/5/2022</a:t>
             </a:fld>
             <a:endParaRPr lang="en-SG"/>
           </a:p>
@@ -1777,7 +1790,7 @@
           <a:p>
             <a:fld id="{012790D9-61A1-4D2A-ABFB-2410DF2390CB}" type="datetimeFigureOut">
               <a:rPr lang="en-SG" smtClean="0"/>
-              <a:t>24/5/2022</a:t>
+              <a:t>26/5/2022</a:t>
             </a:fld>
             <a:endParaRPr lang="en-SG"/>
           </a:p>
@@ -1872,7 +1885,7 @@
           <a:p>
             <a:fld id="{012790D9-61A1-4D2A-ABFB-2410DF2390CB}" type="datetimeFigureOut">
               <a:rPr lang="en-SG" smtClean="0"/>
-              <a:t>24/5/2022</a:t>
+              <a:t>26/5/2022</a:t>
             </a:fld>
             <a:endParaRPr lang="en-SG"/>
           </a:p>
@@ -2149,7 +2162,7 @@
           <a:p>
             <a:fld id="{012790D9-61A1-4D2A-ABFB-2410DF2390CB}" type="datetimeFigureOut">
               <a:rPr lang="en-SG" smtClean="0"/>
-              <a:t>24/5/2022</a:t>
+              <a:t>26/5/2022</a:t>
             </a:fld>
             <a:endParaRPr lang="en-SG"/>
           </a:p>
@@ -2402,7 +2415,7 @@
           <a:p>
             <a:fld id="{012790D9-61A1-4D2A-ABFB-2410DF2390CB}" type="datetimeFigureOut">
               <a:rPr lang="en-SG" smtClean="0"/>
-              <a:t>24/5/2022</a:t>
+              <a:t>26/5/2022</a:t>
             </a:fld>
             <a:endParaRPr lang="en-SG"/>
           </a:p>
@@ -2615,7 +2628,7 @@
           <a:p>
             <a:fld id="{012790D9-61A1-4D2A-ABFB-2410DF2390CB}" type="datetimeFigureOut">
               <a:rPr lang="en-SG" smtClean="0"/>
-              <a:t>24/5/2022</a:t>
+              <a:t>26/5/2022</a:t>
             </a:fld>
             <a:endParaRPr lang="en-SG"/>
           </a:p>
@@ -3184,7 +3197,7 @@
           <a:graphicData uri="http://schemas.openxmlformats.org/presentationml/2006/ole">
             <mc:AlternateContent xmlns:mc="http://schemas.openxmlformats.org/markup-compatibility/2006">
               <mc:Choice xmlns:v="urn:schemas-microsoft-com:vml" Requires="v">
-                <p:oleObj spid="_x0000_s9334" name="Equation" r:id="rId3" imgW="711000" imgH="203040" progId="Equation.DSMT4">
+                <p:oleObj spid="_x0000_s9414" name="Equation" r:id="rId3" imgW="711000" imgH="203040" progId="Equation.DSMT4">
                   <p:embed/>
                 </p:oleObj>
               </mc:Choice>
@@ -3237,7 +3250,7 @@
           <a:graphicData uri="http://schemas.openxmlformats.org/presentationml/2006/ole">
             <mc:AlternateContent xmlns:mc="http://schemas.openxmlformats.org/markup-compatibility/2006">
               <mc:Choice xmlns:v="urn:schemas-microsoft-com:vml" Requires="v">
-                <p:oleObj spid="_x0000_s9335" name="Equation" r:id="rId5" imgW="583920" imgH="203040" progId="Equation.DSMT4">
+                <p:oleObj spid="_x0000_s9415" name="Equation" r:id="rId5" imgW="583920" imgH="203040" progId="Equation.DSMT4">
                   <p:embed/>
                 </p:oleObj>
               </mc:Choice>
@@ -3290,7 +3303,7 @@
           <a:graphicData uri="http://schemas.openxmlformats.org/presentationml/2006/ole">
             <mc:AlternateContent xmlns:mc="http://schemas.openxmlformats.org/markup-compatibility/2006">
               <mc:Choice xmlns:v="urn:schemas-microsoft-com:vml" Requires="v">
-                <p:oleObj spid="_x0000_s9336" name="Equation" r:id="rId7" imgW="469800" imgH="177480" progId="Equation.DSMT4">
+                <p:oleObj spid="_x0000_s9416" name="Equation" r:id="rId7" imgW="469800" imgH="177480" progId="Equation.DSMT4">
                   <p:embed/>
                 </p:oleObj>
               </mc:Choice>
@@ -3343,7 +3356,7 @@
           <a:graphicData uri="http://schemas.openxmlformats.org/presentationml/2006/ole">
             <mc:AlternateContent xmlns:mc="http://schemas.openxmlformats.org/markup-compatibility/2006">
               <mc:Choice xmlns:v="urn:schemas-microsoft-com:vml" Requires="v">
-                <p:oleObj spid="_x0000_s9337" name="Equation" r:id="rId9" imgW="1600200" imgH="711000" progId="Equation.DSMT4">
+                <p:oleObj spid="_x0000_s9417" name="Equation" r:id="rId9" imgW="1600200" imgH="711000" progId="Equation.DSMT4">
                   <p:embed/>
                 </p:oleObj>
               </mc:Choice>
@@ -3498,7 +3511,7 @@
           <a:graphicData uri="http://schemas.openxmlformats.org/presentationml/2006/ole">
             <mc:AlternateContent xmlns:mc="http://schemas.openxmlformats.org/markup-compatibility/2006">
               <mc:Choice xmlns:v="urn:schemas-microsoft-com:vml" Requires="v">
-                <p:oleObj spid="_x0000_s10271" name="Equation" r:id="rId3" imgW="1155600" imgH="914400" progId="Equation.DSMT4">
+                <p:oleObj spid="_x0000_s10291" name="Equation" r:id="rId3" imgW="1155600" imgH="914400" progId="Equation.DSMT4">
                   <p:embed/>
                 </p:oleObj>
               </mc:Choice>
@@ -3716,7 +3729,7 @@
           <a:graphicData uri="http://schemas.openxmlformats.org/presentationml/2006/ole">
             <mc:AlternateContent xmlns:mc="http://schemas.openxmlformats.org/markup-compatibility/2006">
               <mc:Choice xmlns:v="urn:schemas-microsoft-com:vml" Requires="v">
-                <p:oleObj spid="_x0000_s11324" name="Equation" r:id="rId3" imgW="1091880" imgH="711000" progId="Equation.DSMT4">
+                <p:oleObj spid="_x0000_s11364" name="Equation" r:id="rId3" imgW="1091880" imgH="711000" progId="Equation.DSMT4">
                   <p:embed/>
                 </p:oleObj>
               </mc:Choice>
@@ -3769,7 +3782,7 @@
           <a:graphicData uri="http://schemas.openxmlformats.org/presentationml/2006/ole">
             <mc:AlternateContent xmlns:mc="http://schemas.openxmlformats.org/markup-compatibility/2006">
               <mc:Choice xmlns:v="urn:schemas-microsoft-com:vml" Requires="v">
-                <p:oleObj spid="_x0000_s11325" name="Equation" r:id="rId5" imgW="571320" imgH="457200" progId="Equation.DSMT4">
+                <p:oleObj spid="_x0000_s11365" name="Equation" r:id="rId5" imgW="571320" imgH="457200" progId="Equation.DSMT4">
                   <p:embed/>
                 </p:oleObj>
               </mc:Choice>
@@ -3897,7 +3910,7 @@
           <a:graphicData uri="http://schemas.openxmlformats.org/presentationml/2006/ole">
             <mc:AlternateContent xmlns:mc="http://schemas.openxmlformats.org/markup-compatibility/2006">
               <mc:Choice xmlns:v="urn:schemas-microsoft-com:vml" Requires="v">
-                <p:oleObj spid="_x0000_s12319" name="Equation" r:id="rId3" imgW="3682800" imgH="914400" progId="Equation.DSMT4">
+                <p:oleObj spid="_x0000_s12339" name="Equation" r:id="rId3" imgW="3682800" imgH="914400" progId="Equation.DSMT4">
                   <p:embed/>
                 </p:oleObj>
               </mc:Choice>
@@ -4026,7 +4039,7 @@
           <a:graphicData uri="http://schemas.openxmlformats.org/presentationml/2006/ole">
             <mc:AlternateContent xmlns:mc="http://schemas.openxmlformats.org/markup-compatibility/2006">
               <mc:Choice xmlns:v="urn:schemas-microsoft-com:vml" Requires="v">
-                <p:oleObj spid="_x0000_s13315" name="Equation" r:id="rId3" imgW="1155600" imgH="914400" progId="Equation.DSMT4">
+                <p:oleObj spid="_x0000_s13335" name="Equation" r:id="rId3" imgW="1155600" imgH="914400" progId="Equation.DSMT4">
                   <p:embed/>
                 </p:oleObj>
               </mc:Choice>
@@ -4219,7 +4232,7 @@
           <a:graphicData uri="http://schemas.openxmlformats.org/presentationml/2006/ole">
             <mc:AlternateContent xmlns:mc="http://schemas.openxmlformats.org/markup-compatibility/2006">
               <mc:Choice xmlns:v="urn:schemas-microsoft-com:vml" Requires="v">
-                <p:oleObj spid="_x0000_s14339" name="Equation" r:id="rId3" imgW="1117440" imgH="914400" progId="Equation.DSMT4">
+                <p:oleObj spid="_x0000_s14359" name="Equation" r:id="rId3" imgW="1117440" imgH="914400" progId="Equation.DSMT4">
                   <p:embed/>
                 </p:oleObj>
               </mc:Choice>
@@ -4502,7 +4515,7 @@
           <a:graphicData uri="http://schemas.openxmlformats.org/presentationml/2006/ole">
             <mc:AlternateContent xmlns:mc="http://schemas.openxmlformats.org/markup-compatibility/2006">
               <mc:Choice xmlns:v="urn:schemas-microsoft-com:vml" Requires="v">
-                <p:oleObj spid="_x0000_s15364" name="Equation" r:id="rId3" imgW="2616120" imgH="914400" progId="Equation.DSMT4">
+                <p:oleObj spid="_x0000_s15404" name="Equation" r:id="rId3" imgW="2616120" imgH="914400" progId="Equation.DSMT4">
                   <p:embed/>
                 </p:oleObj>
               </mc:Choice>
@@ -4555,7 +4568,7 @@
           <a:graphicData uri="http://schemas.openxmlformats.org/presentationml/2006/ole">
             <mc:AlternateContent xmlns:mc="http://schemas.openxmlformats.org/markup-compatibility/2006">
               <mc:Choice xmlns:v="urn:schemas-microsoft-com:vml" Requires="v">
-                <p:oleObj spid="_x0000_s15365" name="Equation" r:id="rId5" imgW="1574640" imgH="914400" progId="Equation.DSMT4">
+                <p:oleObj spid="_x0000_s15405" name="Equation" r:id="rId5" imgW="1574640" imgH="914400" progId="Equation.DSMT4">
                   <p:embed/>
                 </p:oleObj>
               </mc:Choice>
@@ -5247,25 +5260,64 @@
             <p:ph idx="1"/>
           </p:nvPr>
         </p:nvSpPr>
-        <p:spPr/>
-        <p:txBody>
-          <a:bodyPr/>
-          <a:lstStyle/>
-          <a:p>
-            <a:r>
-              <a:rPr lang="en-SG" dirty="0" smtClean="0"/>
-              <a:t>Graphic standard</a:t>
-            </a:r>
-          </a:p>
-          <a:p>
-            <a:r>
-              <a:rPr lang="en-SG" dirty="0" smtClean="0"/>
-              <a:t>Data storage</a:t>
-            </a:r>
-            <a:endParaRPr lang="en-SG" dirty="0"/>
-          </a:p>
-        </p:txBody>
-      </p:sp>
+        <p:spPr>
+          <a:xfrm>
+            <a:off x="838200" y="1825625"/>
+            <a:ext cx="6889510" cy="4351338"/>
+          </a:xfrm>
+        </p:spPr>
+        <p:txBody>
+          <a:bodyPr/>
+          <a:lstStyle/>
+          <a:p>
+            <a:r>
+              <a:rPr lang="en-SG" dirty="0" smtClean="0"/>
+              <a:t>Graphic </a:t>
+            </a:r>
+            <a:r>
+              <a:rPr lang="en-SG" dirty="0" smtClean="0"/>
+              <a:t>standard</a:t>
+            </a:r>
+          </a:p>
+          <a:p>
+            <a:pPr marL="457200" lvl="1" indent="0">
+              <a:buNone/>
+            </a:pPr>
+            <a:r>
+              <a:rPr lang="en-SG" dirty="0" smtClean="0"/>
+              <a:t>There are various CAD software systems used in different fields. How people could share the same model among these systems? The answer to share data obeying the same standard. The mainstream data standards are: GKS,STEP</a:t>
+            </a:r>
+            <a:endParaRPr lang="en-SG" dirty="0" smtClean="0"/>
+          </a:p>
+          <a:p>
+            <a:endParaRPr lang="en-SG" dirty="0" smtClean="0"/>
+          </a:p>
+        </p:txBody>
+      </p:sp>
+      <p:pic>
+        <p:nvPicPr>
+          <p:cNvPr id="5" name="图片 4"/>
+          <p:cNvPicPr>
+            <a:picLocks noChangeAspect="1"/>
+          </p:cNvPicPr>
+          <p:nvPr/>
+        </p:nvPicPr>
+        <p:blipFill>
+          <a:blip r:embed="rId2"/>
+          <a:stretch>
+            <a:fillRect/>
+          </a:stretch>
+        </p:blipFill>
+        <p:spPr>
+          <a:xfrm>
+            <a:off x="7727710" y="1566383"/>
+            <a:ext cx="3993550" cy="4610580"/>
+          </a:xfrm>
+          <a:prstGeom prst="rect">
+            <a:avLst/>
+          </a:prstGeom>
+        </p:spPr>
+      </p:pic>
     </p:spTree>
     <p:extLst>
       <p:ext uri="{BB962C8B-B14F-4D97-AF65-F5344CB8AC3E}">
@@ -5311,10 +5363,6 @@
           <a:bodyPr/>
           <a:lstStyle/>
           <a:p>
-            <a:r>
-              <a:rPr lang="en-SG" dirty="0" smtClean="0"/>
-              <a:t>Introduction to Geometric Modelling</a:t>
-            </a:r>
             <a:endParaRPr lang="en-SG" dirty="0"/>
           </a:p>
         </p:txBody>
@@ -5334,24 +5382,14 @@
           <a:bodyPr/>
           <a:lstStyle/>
           <a:p>
-            <a:r>
-              <a:rPr lang="en-SG" dirty="0" smtClean="0"/>
-              <a:t>Usually, geometric modelling is a combination discipline with applied mathematics and computational geometry. In this discipline, people designed varied algorithms to describe all kinds of shapes by computers.</a:t>
-            </a:r>
-          </a:p>
-          <a:p>
-            <a:r>
-              <a:rPr lang="en-SG" dirty="0" smtClean="0"/>
-              <a:t>Building two or three dimensional models is crucial content of CAD &amp; CAM.</a:t>
-            </a:r>
-            <a:endParaRPr lang="en-SG" dirty="0"/>
+            <a:endParaRPr lang="en-SG"/>
           </a:p>
         </p:txBody>
       </p:sp>
     </p:spTree>
     <p:extLst>
       <p:ext uri="{BB962C8B-B14F-4D97-AF65-F5344CB8AC3E}">
-        <p14:creationId xmlns:p14="http://schemas.microsoft.com/office/powerpoint/2010/main" val="4194142784"/>
+        <p14:creationId xmlns:p14="http://schemas.microsoft.com/office/powerpoint/2010/main" val="1298075019"/>
       </p:ext>
     </p:extLst>
   </p:cSld>
@@ -5394,10 +5432,9 @@
           <a:lstStyle/>
           <a:p>
             <a:r>
-              <a:rPr lang="en-SG" dirty="0" smtClean="0"/>
-              <a:t>Geometry of curve</a:t>
-            </a:r>
-            <a:endParaRPr lang="en-SG" dirty="0"/>
+              <a:rPr lang="en-SG" dirty="0"/>
+              <a:t>Data exchange standards</a:t>
+            </a:r>
           </a:p>
         </p:txBody>
       </p:sp>
@@ -5413,47 +5450,217 @@
         </p:nvSpPr>
         <p:spPr/>
         <p:txBody>
-          <a:bodyPr/>
-          <a:lstStyle/>
-          <a:p>
-            <a:r>
-              <a:rPr lang="en-SG" dirty="0" smtClean="0"/>
-              <a:t>Standard mathematic curves</a:t>
-            </a:r>
-          </a:p>
-          <a:p>
-            <a:r>
-              <a:rPr lang="en-SG" dirty="0" smtClean="0"/>
-              <a:t>Bezier curves</a:t>
-            </a:r>
-          </a:p>
-          <a:p>
-            <a:r>
-              <a:rPr lang="en-SG" dirty="0" smtClean="0"/>
-              <a:t>B-spline curves</a:t>
-            </a:r>
-          </a:p>
-          <a:p>
-            <a:r>
-              <a:rPr lang="en-SG" dirty="0" smtClean="0"/>
-              <a:t>Parameterized curves</a:t>
-            </a:r>
-          </a:p>
-          <a:p>
-            <a:r>
-              <a:rPr lang="en-SG" dirty="0" smtClean="0"/>
-              <a:t>Wire frame modelling</a:t>
-            </a:r>
-          </a:p>
-          <a:p>
-            <a:endParaRPr lang="en-SG" dirty="0"/>
+          <a:bodyPr>
+            <a:normAutofit fontScale="77500" lnSpcReduction="20000"/>
+          </a:bodyPr>
+          <a:lstStyle/>
+          <a:p>
+            <a:r>
+              <a:rPr lang="en-SG" dirty="0"/>
+              <a:t> There is increasing application of CAD accompanied by a growth in </a:t>
+            </a:r>
+            <a:r>
+              <a:rPr lang="en-SG" dirty="0" smtClean="0"/>
+              <a:t>product </a:t>
+            </a:r>
+            <a:r>
+              <a:rPr lang="en-SG" dirty="0"/>
+              <a:t>variety and the range of companies involved</a:t>
+            </a:r>
+          </a:p>
+          <a:p>
+            <a:pPr lvl="1">
+              <a:buFont typeface="Wingdings" panose="05000000000000000000" pitchFamily="2" charset="2"/>
+              <a:buChar char="§"/>
+            </a:pPr>
+            <a:r>
+              <a:rPr lang="en-SG" dirty="0" smtClean="0"/>
+              <a:t>component </a:t>
+            </a:r>
+            <a:r>
+              <a:rPr lang="en-SG" dirty="0"/>
+              <a:t>suppliers must often match their designs to many variants of </a:t>
+            </a:r>
+            <a:r>
+              <a:rPr lang="en-SG" dirty="0" smtClean="0"/>
+              <a:t>different </a:t>
+            </a:r>
+            <a:r>
+              <a:rPr lang="en-SG" dirty="0"/>
+              <a:t>products</a:t>
+            </a:r>
+          </a:p>
+          <a:p>
+            <a:pPr lvl="1">
+              <a:buFont typeface="Wingdings" panose="05000000000000000000" pitchFamily="2" charset="2"/>
+              <a:buChar char="§"/>
+            </a:pPr>
+            <a:r>
+              <a:rPr lang="en-SG" dirty="0" smtClean="0"/>
+              <a:t>a </a:t>
+            </a:r>
+            <a:r>
+              <a:rPr lang="en-SG" dirty="0"/>
+              <a:t>large amount of component and product data must be exchanged</a:t>
+            </a:r>
+          </a:p>
+          <a:p>
+            <a:pPr lvl="1">
+              <a:buFont typeface="Wingdings" panose="05000000000000000000" pitchFamily="2" charset="2"/>
+              <a:buChar char="§"/>
+            </a:pPr>
+            <a:r>
+              <a:rPr lang="en-SG" dirty="0" smtClean="0"/>
+              <a:t>the </a:t>
+            </a:r>
+            <a:r>
+              <a:rPr lang="en-SG" dirty="0"/>
+              <a:t>simplest way is for both companies to used same CADCAM system </a:t>
+            </a:r>
+            <a:r>
+              <a:rPr lang="en-SG" dirty="0" smtClean="0"/>
+              <a:t>and </a:t>
+            </a:r>
+            <a:r>
+              <a:rPr lang="en-SG" dirty="0"/>
+              <a:t>software revision number</a:t>
+            </a:r>
+          </a:p>
+          <a:p>
+            <a:pPr lvl="1">
+              <a:buFont typeface="Wingdings" panose="05000000000000000000" pitchFamily="2" charset="2"/>
+              <a:buChar char="§"/>
+            </a:pPr>
+            <a:r>
+              <a:rPr lang="en-SG" dirty="0" smtClean="0"/>
+              <a:t>however</a:t>
+            </a:r>
+            <a:r>
+              <a:rPr lang="en-SG" dirty="0"/>
+              <a:t>, it is more equitable for different CADCAM systems to </a:t>
+            </a:r>
+            <a:r>
+              <a:rPr lang="en-SG" dirty="0" smtClean="0"/>
+              <a:t>accurately </a:t>
+            </a:r>
+            <a:r>
+              <a:rPr lang="en-SG" dirty="0"/>
+              <a:t>exchange the same data</a:t>
+            </a:r>
+          </a:p>
+          <a:p>
+            <a:pPr lvl="2"/>
+            <a:r>
+              <a:rPr lang="en-SG" dirty="0" smtClean="0"/>
+              <a:t>too </a:t>
+            </a:r>
+            <a:r>
+              <a:rPr lang="en-SG" dirty="0"/>
+              <a:t>many individual inter-software translator programs would be required</a:t>
+            </a:r>
+          </a:p>
+          <a:p>
+            <a:pPr lvl="2"/>
+            <a:r>
+              <a:rPr lang="en-SG" dirty="0" smtClean="0"/>
+              <a:t>need </a:t>
+            </a:r>
+            <a:r>
+              <a:rPr lang="en-SG" dirty="0"/>
+              <a:t>to convert the data into a neutral file format first</a:t>
+            </a:r>
+          </a:p>
+          <a:p>
+            <a:pPr lvl="2"/>
+            <a:r>
+              <a:rPr lang="en-SG" dirty="0" smtClean="0"/>
+              <a:t>then </a:t>
+            </a:r>
+            <a:r>
+              <a:rPr lang="en-SG" dirty="0"/>
+              <a:t>translate the neutral format into the target system data structure</a:t>
+            </a:r>
+          </a:p>
+          <a:p>
+            <a:r>
+              <a:rPr lang="en-SG" dirty="0" smtClean="0"/>
+              <a:t>However</a:t>
+            </a:r>
+            <a:r>
+              <a:rPr lang="en-SG" dirty="0"/>
+              <a:t>, a neutral file format is not straightforward due to</a:t>
+            </a:r>
+          </a:p>
+          <a:p>
+            <a:pPr lvl="1">
+              <a:buFont typeface="Wingdings" panose="05000000000000000000" pitchFamily="2" charset="2"/>
+              <a:buChar char="§"/>
+            </a:pPr>
+            <a:r>
+              <a:rPr lang="en-SG" dirty="0" smtClean="0"/>
+              <a:t>different </a:t>
+            </a:r>
+            <a:r>
+              <a:rPr lang="en-SG" dirty="0"/>
+              <a:t>international CADCAM methods </a:t>
+            </a:r>
+          </a:p>
+          <a:p>
+            <a:pPr lvl="1">
+              <a:buFont typeface="Wingdings" panose="05000000000000000000" pitchFamily="2" charset="2"/>
+              <a:buChar char="§"/>
+            </a:pPr>
+            <a:r>
+              <a:rPr lang="en-SG" dirty="0" smtClean="0"/>
+              <a:t>different </a:t>
+            </a:r>
+            <a:r>
+              <a:rPr lang="en-SG" dirty="0"/>
+              <a:t>CAD representations:</a:t>
+            </a:r>
+          </a:p>
+          <a:p>
+            <a:pPr lvl="2"/>
+            <a:r>
+              <a:rPr lang="en-SG" dirty="0" smtClean="0"/>
+              <a:t>2D </a:t>
+            </a:r>
+            <a:r>
+              <a:rPr lang="en-SG" dirty="0" err="1"/>
+              <a:t>draughting</a:t>
+            </a:r>
+            <a:r>
+              <a:rPr lang="en-SG" dirty="0"/>
+              <a:t>; wire frame geometry; surface/solid models</a:t>
+            </a:r>
+          </a:p>
+          <a:p>
+            <a:pPr lvl="2"/>
+            <a:r>
+              <a:rPr lang="en-SG" dirty="0" smtClean="0"/>
+              <a:t>higher </a:t>
+            </a:r>
+            <a:r>
+              <a:rPr lang="en-SG" dirty="0"/>
+              <a:t>order curves → cubic polynomial conversion leads to loss of precision</a:t>
+            </a:r>
+          </a:p>
+          <a:p>
+            <a:r>
+              <a:rPr lang="en-SG" dirty="0" smtClean="0"/>
+              <a:t>Ongoing </a:t>
+            </a:r>
+            <a:r>
+              <a:rPr lang="en-SG" dirty="0"/>
+              <a:t>effort to define an internationally accepted standard</a:t>
+            </a:r>
           </a:p>
         </p:txBody>
       </p:sp>
     </p:spTree>
     <p:extLst>
       <p:ext uri="{BB962C8B-B14F-4D97-AF65-F5344CB8AC3E}">
-        <p14:creationId xmlns:p14="http://schemas.microsoft.com/office/powerpoint/2010/main" val="4172222177"/>
+        <p14:creationId xmlns:p14="http://schemas.microsoft.com/office/powerpoint/2010/main" val="2248109593"/>
       </p:ext>
     </p:extLst>
   </p:cSld>
@@ -5496,10 +5703,9 @@
           <a:lstStyle/>
           <a:p>
             <a:r>
-              <a:rPr lang="en-SG" dirty="0" smtClean="0"/>
-              <a:t>Geometry of surface</a:t>
-            </a:r>
-            <a:endParaRPr lang="en-SG" dirty="0"/>
+              <a:rPr lang="en-SG" dirty="0"/>
+              <a:t>IGES</a:t>
+            </a:r>
           </a:p>
         </p:txBody>
       </p:sp>
@@ -5515,39 +5721,144 @@
         </p:nvSpPr>
         <p:spPr/>
         <p:txBody>
-          <a:bodyPr/>
-          <a:lstStyle/>
-          <a:p>
-            <a:r>
-              <a:rPr lang="en-SG" dirty="0" smtClean="0"/>
-              <a:t>Ruled surfaces</a:t>
-            </a:r>
-          </a:p>
-          <a:p>
-            <a:r>
-              <a:rPr lang="en-SG" dirty="0" smtClean="0"/>
-              <a:t>Other standard mathematical surfaces</a:t>
-            </a:r>
-          </a:p>
-          <a:p>
-            <a:r>
-              <a:rPr lang="en-SG" dirty="0" smtClean="0"/>
-              <a:t>NURBS</a:t>
-            </a:r>
-          </a:p>
-          <a:p>
-            <a:r>
-              <a:rPr lang="en-SG" dirty="0" smtClean="0"/>
-              <a:t>Surface modelling</a:t>
-            </a:r>
-            <a:endParaRPr lang="en-SG" dirty="0"/>
+          <a:bodyPr>
+            <a:normAutofit fontScale="25000" lnSpcReduction="20000"/>
+          </a:bodyPr>
+          <a:lstStyle/>
+          <a:p>
+            <a:r>
+              <a:rPr lang="en-SG" dirty="0"/>
+              <a:t>Initial Graphics Exchange Specification</a:t>
+            </a:r>
+          </a:p>
+          <a:p>
+            <a:r>
+              <a:rPr lang="en-SG" dirty="0"/>
+              <a:t>– this is a standard for </a:t>
+            </a:r>
+            <a:r>
+              <a:rPr lang="en-SG" dirty="0" err="1"/>
+              <a:t>th</a:t>
+            </a:r>
+            <a:r>
+              <a:rPr lang="en-SG" dirty="0"/>
+              <a:t> structure and syntax of neutral file in ASCII, compressed </a:t>
+            </a:r>
+          </a:p>
+          <a:p>
+            <a:r>
+              <a:rPr lang="en-SG" dirty="0"/>
+              <a:t>ASCII or binary format</a:t>
+            </a:r>
+          </a:p>
+          <a:p>
+            <a:r>
+              <a:rPr lang="en-SG" dirty="0"/>
+              <a:t>• the ASCII format is: 80 character records/lines, terminated by semicolons, fields divided with commas</a:t>
+            </a:r>
+          </a:p>
+          <a:p>
+            <a:r>
+              <a:rPr lang="en-SG" dirty="0"/>
+              <a:t>• Start section:</a:t>
+            </a:r>
+          </a:p>
+          <a:p>
+            <a:r>
+              <a:rPr lang="en-SG" dirty="0"/>
+              <a:t>– contains data such as the features of the originating system to assist the </a:t>
+            </a:r>
+          </a:p>
+          <a:p>
+            <a:r>
+              <a:rPr lang="en-SG" dirty="0"/>
+              <a:t>recipient in translating the file </a:t>
+            </a:r>
+          </a:p>
+          <a:p>
+            <a:r>
+              <a:rPr lang="en-SG" dirty="0"/>
+              <a:t>• Global section:</a:t>
+            </a:r>
+          </a:p>
+          <a:p>
+            <a:r>
+              <a:rPr lang="en-SG" dirty="0"/>
+              <a:t>– contains 24 parameter fields which are necessary to translate the file</a:t>
+            </a:r>
+          </a:p>
+          <a:p>
+            <a:r>
+              <a:rPr lang="en-SG" dirty="0"/>
+              <a:t>• Directory section:</a:t>
+            </a:r>
+          </a:p>
+          <a:p>
+            <a:r>
+              <a:rPr lang="en-SG" dirty="0"/>
+              <a:t>– contains 18 x 8-character fields on 2 lines as an entry for each entity; codes </a:t>
+            </a:r>
+          </a:p>
+          <a:p>
+            <a:r>
+              <a:rPr lang="en-SG" dirty="0"/>
+              <a:t>represent the entity type, subtype, and pointers to entity data in next section</a:t>
+            </a:r>
+          </a:p>
+          <a:p>
+            <a:r>
+              <a:rPr lang="en-SG" dirty="0"/>
+              <a:t>• Parameter Data Section:</a:t>
+            </a:r>
+          </a:p>
+          <a:p>
+            <a:r>
+              <a:rPr lang="en-SG" dirty="0"/>
+              <a:t>– contains entity specific data such as coordinates, annotations, spline control </a:t>
+            </a:r>
+          </a:p>
+          <a:p>
+            <a:r>
+              <a:rPr lang="en-SG" dirty="0"/>
+              <a:t>points, pointers to directory entries, etc.</a:t>
+            </a:r>
+          </a:p>
+          <a:p>
+            <a:r>
+              <a:rPr lang="en-SG" dirty="0"/>
+              <a:t>• the first parameter for each entry identifies the entity type from which the meanings for remaining </a:t>
+            </a:r>
+          </a:p>
+          <a:p>
+            <a:r>
+              <a:rPr lang="en-SG" dirty="0"/>
+              <a:t>parameters are derived.</a:t>
+            </a:r>
+          </a:p>
+          <a:p>
+            <a:r>
+              <a:rPr lang="en-SG" dirty="0"/>
+              <a:t>• Termination Section:</a:t>
+            </a:r>
+          </a:p>
+          <a:p>
+            <a:r>
+              <a:rPr lang="en-SG" dirty="0"/>
+              <a:t>– marks the end of the data file, contains subtotals of records for data transmission </a:t>
+            </a:r>
+          </a:p>
+          <a:p>
+            <a:r>
+              <a:rPr lang="en-SG" dirty="0"/>
+              <a:t>checks</a:t>
+            </a:r>
           </a:p>
         </p:txBody>
       </p:sp>
     </p:spTree>
     <p:extLst>
       <p:ext uri="{BB962C8B-B14F-4D97-AF65-F5344CB8AC3E}">
-        <p14:creationId xmlns:p14="http://schemas.microsoft.com/office/powerpoint/2010/main" val="995354629"/>
+        <p14:creationId xmlns:p14="http://schemas.microsoft.com/office/powerpoint/2010/main" val="3146431141"/>
       </p:ext>
     </p:extLst>
   </p:cSld>
@@ -5590,36 +5901,251 @@
           <a:lstStyle/>
           <a:p>
             <a:r>
-              <a:rPr lang="en-SG" dirty="0" smtClean="0"/>
-              <a:t>Boolean operations in CSG</a:t>
-            </a:r>
-            <a:endParaRPr lang="en-SG" dirty="0"/>
-          </a:p>
-        </p:txBody>
-      </p:sp>
-      <p:sp>
-        <p:nvSpPr>
-          <p:cNvPr id="4" name="文本占位符 3"/>
-          <p:cNvSpPr>
-            <a:spLocks noGrp="1"/>
-          </p:cNvSpPr>
-          <p:nvPr>
-            <p:ph type="body" idx="1"/>
-          </p:nvPr>
-        </p:nvSpPr>
-        <p:spPr/>
-        <p:txBody>
-          <a:bodyPr/>
-          <a:lstStyle/>
-          <a:p>
-            <a:endParaRPr lang="en-SG"/>
-          </a:p>
-        </p:txBody>
-      </p:sp>
+              <a:rPr lang="en-SG" dirty="0"/>
+              <a:t>IGES data types</a:t>
+            </a:r>
+          </a:p>
+        </p:txBody>
+      </p:sp>
+      <p:sp>
+        <p:nvSpPr>
+          <p:cNvPr id="3" name="内容占位符 2"/>
+          <p:cNvSpPr>
+            <a:spLocks noGrp="1"/>
+          </p:cNvSpPr>
+          <p:nvPr>
+            <p:ph idx="1"/>
+          </p:nvPr>
+        </p:nvSpPr>
+        <p:spPr>
+          <a:xfrm>
+            <a:off x="838200" y="1690688"/>
+            <a:ext cx="5289468" cy="4486275"/>
+          </a:xfrm>
+        </p:spPr>
+        <p:txBody>
+          <a:bodyPr>
+            <a:normAutofit fontScale="85000" lnSpcReduction="10000"/>
+          </a:bodyPr>
+          <a:lstStyle/>
+          <a:p>
+            <a:r>
+              <a:rPr lang="en-SG" dirty="0"/>
+              <a:t>The global section consists of:</a:t>
+            </a:r>
+          </a:p>
+          <a:p>
+            <a:pPr lvl="1">
+              <a:buFont typeface="Wingdings" panose="05000000000000000000" pitchFamily="2" charset="2"/>
+              <a:buChar char="§"/>
+            </a:pPr>
+            <a:r>
+              <a:rPr lang="en-SG" dirty="0" smtClean="0"/>
+              <a:t>delimiter </a:t>
+            </a:r>
+            <a:r>
+              <a:rPr lang="en-SG" dirty="0"/>
+              <a:t>characters (1,2); </a:t>
+            </a:r>
+            <a:r>
+              <a:rPr lang="en-SG" dirty="0" smtClean="0"/>
+              <a:t>sender’s </a:t>
+            </a:r>
+            <a:r>
+              <a:rPr lang="en-SG" dirty="0"/>
+              <a:t>identifier (3); filename </a:t>
+            </a:r>
+            <a:r>
+              <a:rPr lang="en-SG" dirty="0" smtClean="0"/>
+              <a:t>(</a:t>
+            </a:r>
+            <a:r>
+              <a:rPr lang="en-SG" dirty="0"/>
+              <a:t>4); software ID (5); IGES </a:t>
+            </a:r>
+            <a:r>
+              <a:rPr lang="en-SG" dirty="0" smtClean="0"/>
+              <a:t>processor </a:t>
+            </a:r>
+            <a:r>
+              <a:rPr lang="en-SG" dirty="0"/>
+              <a:t>version (6); number </a:t>
+            </a:r>
+            <a:r>
+              <a:rPr lang="en-SG" dirty="0" smtClean="0"/>
+              <a:t>precision </a:t>
+            </a:r>
+            <a:r>
+              <a:rPr lang="en-SG" dirty="0"/>
+              <a:t>(7-11); receiver’s </a:t>
+            </a:r>
+            <a:r>
+              <a:rPr lang="en-SG" dirty="0" smtClean="0"/>
+              <a:t>identifier </a:t>
+            </a:r>
+            <a:r>
+              <a:rPr lang="en-SG" dirty="0"/>
+              <a:t>(12); model space </a:t>
+            </a:r>
+            <a:r>
+              <a:rPr lang="en-SG" dirty="0" smtClean="0"/>
+              <a:t>scale </a:t>
+            </a:r>
+            <a:r>
+              <a:rPr lang="en-SG" dirty="0"/>
+              <a:t>(13); units (14); unit name </a:t>
+            </a:r>
+            <a:r>
+              <a:rPr lang="en-SG" dirty="0" smtClean="0"/>
+              <a:t>(</a:t>
+            </a:r>
+            <a:r>
+              <a:rPr lang="en-SG" dirty="0"/>
+              <a:t>15); maximum number of line </a:t>
+            </a:r>
+            <a:r>
+              <a:rPr lang="en-SG" dirty="0" smtClean="0"/>
+              <a:t>thicknesses </a:t>
+            </a:r>
+            <a:r>
+              <a:rPr lang="en-SG" dirty="0"/>
+              <a:t>(16); maximum line </a:t>
+            </a:r>
+            <a:r>
+              <a:rPr lang="en-SG" dirty="0" smtClean="0"/>
+              <a:t>thickness </a:t>
+            </a:r>
+            <a:r>
+              <a:rPr lang="en-SG" dirty="0"/>
+              <a:t>(17); time </a:t>
+            </a:r>
+            <a:r>
+              <a:rPr lang="en-SG" dirty="0" smtClean="0"/>
+              <a:t>file generated </a:t>
+            </a:r>
+            <a:r>
+              <a:rPr lang="en-SG" dirty="0"/>
+              <a:t>(18); smallest </a:t>
+            </a:r>
+            <a:r>
+              <a:rPr lang="en-SG" dirty="0" smtClean="0"/>
+              <a:t>distance </a:t>
+            </a:r>
+            <a:r>
+              <a:rPr lang="en-SG" dirty="0"/>
+              <a:t>(19); largest </a:t>
+            </a:r>
+            <a:r>
+              <a:rPr lang="en-SG" dirty="0" smtClean="0"/>
+              <a:t>coordinate </a:t>
+            </a:r>
+            <a:r>
+              <a:rPr lang="en-SG" dirty="0"/>
+              <a:t>(20);</a:t>
+            </a:r>
+          </a:p>
+          <a:p>
+            <a:r>
+              <a:rPr lang="en-SG" dirty="0" smtClean="0"/>
+              <a:t>Each </a:t>
+            </a:r>
+            <a:r>
+              <a:rPr lang="en-SG" dirty="0"/>
+              <a:t>record line has an </a:t>
+            </a:r>
+            <a:r>
+              <a:rPr lang="en-SG" dirty="0" smtClean="0"/>
+              <a:t>identifier </a:t>
+            </a:r>
+            <a:r>
+              <a:rPr lang="en-SG" dirty="0"/>
+              <a:t>in columns 73-80 used </a:t>
+            </a:r>
+            <a:r>
+              <a:rPr lang="en-SG" dirty="0" smtClean="0"/>
+              <a:t>as </a:t>
+            </a:r>
+            <a:r>
+              <a:rPr lang="en-SG" dirty="0"/>
+              <a:t>a pointer for </a:t>
+            </a:r>
+            <a:r>
+              <a:rPr lang="en-SG" dirty="0" smtClean="0"/>
+              <a:t>cross-referencing </a:t>
+            </a:r>
+            <a:r>
+              <a:rPr lang="en-SG" dirty="0"/>
+              <a:t>between sections</a:t>
+            </a:r>
+          </a:p>
+          <a:p>
+            <a:pPr lvl="1">
+              <a:buFont typeface="Wingdings" panose="05000000000000000000" pitchFamily="2" charset="2"/>
+              <a:buChar char="§"/>
+            </a:pPr>
+            <a:r>
+              <a:rPr lang="en-SG" dirty="0" smtClean="0"/>
+              <a:t>the </a:t>
+            </a:r>
+            <a:r>
+              <a:rPr lang="en-SG" dirty="0"/>
+              <a:t>first character indicates the </a:t>
+            </a:r>
+            <a:r>
+              <a:rPr lang="en-SG" dirty="0" smtClean="0"/>
+              <a:t>section </a:t>
+            </a:r>
+            <a:r>
+              <a:rPr lang="en-SG" dirty="0"/>
+              <a:t>(S = Start, G = Global, </a:t>
+            </a:r>
+            <a:r>
+              <a:rPr lang="en-SG" dirty="0" smtClean="0"/>
+              <a:t>D </a:t>
+            </a:r>
+            <a:r>
+              <a:rPr lang="en-SG" dirty="0"/>
+              <a:t>= Directory, P = Parameter, </a:t>
+            </a:r>
+            <a:r>
+              <a:rPr lang="en-SG" dirty="0" smtClean="0"/>
+              <a:t>T </a:t>
+            </a:r>
+            <a:r>
+              <a:rPr lang="en-SG" dirty="0"/>
+              <a:t>= Termination)</a:t>
+            </a:r>
+          </a:p>
+        </p:txBody>
+      </p:sp>
+      <p:pic>
+        <p:nvPicPr>
+          <p:cNvPr id="4" name="图片 3"/>
+          <p:cNvPicPr>
+            <a:picLocks noChangeAspect="1"/>
+          </p:cNvPicPr>
+          <p:nvPr/>
+        </p:nvPicPr>
+        <p:blipFill>
+          <a:blip r:embed="rId2"/>
+          <a:stretch>
+            <a:fillRect/>
+          </a:stretch>
+        </p:blipFill>
+        <p:spPr>
+          <a:xfrm>
+            <a:off x="6285206" y="1306286"/>
+            <a:ext cx="5388239" cy="5265451"/>
+          </a:xfrm>
+          <a:prstGeom prst="rect">
+            <a:avLst/>
+          </a:prstGeom>
+        </p:spPr>
+      </p:pic>
     </p:spTree>
     <p:extLst>
       <p:ext uri="{BB962C8B-B14F-4D97-AF65-F5344CB8AC3E}">
-        <p14:creationId xmlns:p14="http://schemas.microsoft.com/office/powerpoint/2010/main" val="1997754333"/>
+        <p14:creationId xmlns:p14="http://schemas.microsoft.com/office/powerpoint/2010/main" val="976900051"/>
       </p:ext>
     </p:extLst>
   </p:cSld>
@@ -5663,6 +6189,1886 @@
           <a:p>
             <a:r>
               <a:rPr lang="en-SG" dirty="0"/>
+              <a:t>IGES example</a:t>
+            </a:r>
+          </a:p>
+        </p:txBody>
+      </p:sp>
+      <p:sp>
+        <p:nvSpPr>
+          <p:cNvPr id="3" name="内容占位符 2"/>
+          <p:cNvSpPr>
+            <a:spLocks noGrp="1"/>
+          </p:cNvSpPr>
+          <p:nvPr>
+            <p:ph idx="1"/>
+          </p:nvPr>
+        </p:nvSpPr>
+        <p:spPr>
+          <a:xfrm>
+            <a:off x="838200" y="1504991"/>
+            <a:ext cx="7723909" cy="3375767"/>
+          </a:xfrm>
+        </p:spPr>
+        <p:txBody>
+          <a:bodyPr>
+            <a:normAutofit fontScale="62500" lnSpcReduction="20000"/>
+          </a:bodyPr>
+          <a:lstStyle/>
+          <a:p>
+            <a:pPr marL="0" indent="0">
+              <a:lnSpc>
+                <a:spcPts val="600"/>
+              </a:lnSpc>
+              <a:buNone/>
+            </a:pPr>
+            <a:r>
+              <a:rPr lang="pt-BR" dirty="0"/>
+              <a:t>EXAMPLE IGES FILE                                                                         S0000001</a:t>
+            </a:r>
+          </a:p>
+          <a:p>
+            <a:pPr marL="0" indent="0">
+              <a:lnSpc>
+                <a:spcPts val="600"/>
+              </a:lnSpc>
+              <a:buNone/>
+            </a:pPr>
+            <a:r>
+              <a:rPr lang="pt-BR" dirty="0"/>
+              <a:t>1H,,1H;,,,9HMASTERCAM, 1H1,16,8,24,8,56,,1.,1,4HINCH,1,0.01, G0000001</a:t>
+            </a:r>
+          </a:p>
+          <a:p>
+            <a:pPr marL="0" indent="0">
+              <a:lnSpc>
+                <a:spcPts val="600"/>
+              </a:lnSpc>
+              <a:buNone/>
+            </a:pPr>
+            <a:r>
+              <a:rPr lang="pt-BR" dirty="0"/>
+              <a:t>13H850101.0100000,0.,100.,,,,;                                                         G0000002</a:t>
+            </a:r>
+          </a:p>
+          <a:p>
+            <a:pPr marL="0" indent="0">
+              <a:lnSpc>
+                <a:spcPts val="600"/>
+              </a:lnSpc>
+              <a:buNone/>
+            </a:pPr>
+            <a:r>
+              <a:rPr lang="pt-BR" dirty="0"/>
+              <a:t>116         1        1       1       1                                    0   00000000D0000001</a:t>
+            </a:r>
+          </a:p>
+          <a:p>
+            <a:pPr marL="0" indent="0">
+              <a:lnSpc>
+                <a:spcPts val="600"/>
+              </a:lnSpc>
+              <a:buNone/>
+            </a:pPr>
+            <a:r>
+              <a:rPr lang="pt-BR" dirty="0"/>
+              <a:t>116         0        3       1                                                                  D0000002</a:t>
+            </a:r>
+          </a:p>
+          <a:p>
+            <a:pPr marL="0" indent="0">
+              <a:lnSpc>
+                <a:spcPts val="600"/>
+              </a:lnSpc>
+              <a:buNone/>
+            </a:pPr>
+            <a:r>
+              <a:rPr lang="pt-BR" dirty="0"/>
+              <a:t>124         2        1       1       1                                    0   00000000D0000003</a:t>
+            </a:r>
+          </a:p>
+          <a:p>
+            <a:pPr marL="0" indent="0">
+              <a:lnSpc>
+                <a:spcPts val="600"/>
+              </a:lnSpc>
+              <a:buNone/>
+            </a:pPr>
+            <a:r>
+              <a:rPr lang="pt-BR" dirty="0"/>
+              <a:t>124         0        3       1                                                                  D0000004</a:t>
+            </a:r>
+          </a:p>
+          <a:p>
+            <a:pPr marL="0" indent="0">
+              <a:lnSpc>
+                <a:spcPts val="600"/>
+              </a:lnSpc>
+              <a:buNone/>
+            </a:pPr>
+            <a:r>
+              <a:rPr lang="pt-BR" dirty="0"/>
+              <a:t>100         3        1       1       1                                    3   00000000D0000005</a:t>
+            </a:r>
+          </a:p>
+          <a:p>
+            <a:pPr marL="0" indent="0">
+              <a:lnSpc>
+                <a:spcPts val="600"/>
+              </a:lnSpc>
+              <a:buNone/>
+            </a:pPr>
+            <a:r>
+              <a:rPr lang="pt-BR" dirty="0"/>
+              <a:t>100         0        3       1                                                                  D0000006</a:t>
+            </a:r>
+          </a:p>
+          <a:p>
+            <a:pPr marL="0" indent="0">
+              <a:lnSpc>
+                <a:spcPts val="600"/>
+              </a:lnSpc>
+              <a:buNone/>
+            </a:pPr>
+            <a:r>
+              <a:rPr lang="pt-BR" dirty="0"/>
+              <a:t>110         4        1       1       1                                    0   00000000D0000007</a:t>
+            </a:r>
+          </a:p>
+          <a:p>
+            <a:pPr marL="0" indent="0">
+              <a:lnSpc>
+                <a:spcPts val="600"/>
+              </a:lnSpc>
+              <a:buNone/>
+            </a:pPr>
+            <a:r>
+              <a:rPr lang="pt-BR" dirty="0"/>
+              <a:t>110         0        3       1                                                                  D0000008</a:t>
+            </a:r>
+          </a:p>
+          <a:p>
+            <a:pPr marL="0" indent="0">
+              <a:lnSpc>
+                <a:spcPts val="600"/>
+              </a:lnSpc>
+              <a:buNone/>
+            </a:pPr>
+            <a:r>
+              <a:rPr lang="pt-BR" dirty="0"/>
+              <a:t>116,100.,-100.,0.;                                                                              1P0000001</a:t>
+            </a:r>
+          </a:p>
+          <a:p>
+            <a:pPr marL="0" indent="0">
+              <a:lnSpc>
+                <a:spcPts val="600"/>
+              </a:lnSpc>
+              <a:buNone/>
+            </a:pPr>
+            <a:r>
+              <a:rPr lang="pt-BR" dirty="0"/>
+              <a:t>124,1.,0.,0.,0.,0.,1.,0.,0.,0.,0.,1.,0.;                                                   3P0000002</a:t>
+            </a:r>
+          </a:p>
+          <a:p>
+            <a:pPr marL="0" indent="0">
+              <a:lnSpc>
+                <a:spcPts val="600"/>
+              </a:lnSpc>
+              <a:buNone/>
+            </a:pPr>
+            <a:r>
+              <a:rPr lang="pt-BR" dirty="0"/>
+              <a:t>100,0.,100.,-100.,-150.,-100.,150.,-99.99999;                                  5P0000003</a:t>
+            </a:r>
+          </a:p>
+          <a:p>
+            <a:pPr marL="0" indent="0">
+              <a:lnSpc>
+                <a:spcPts val="600"/>
+              </a:lnSpc>
+              <a:buNone/>
+            </a:pPr>
+            <a:r>
+              <a:rPr lang="pt-BR" dirty="0"/>
+              <a:t>110,135.3553,-135.3553,0.,206.066,-64.64465,0.;                           7P0000004</a:t>
+            </a:r>
+          </a:p>
+          <a:p>
+            <a:pPr marL="0" indent="0">
+              <a:lnSpc>
+                <a:spcPts val="600"/>
+              </a:lnSpc>
+              <a:buNone/>
+            </a:pPr>
+            <a:r>
+              <a:rPr lang="pt-BR" dirty="0"/>
+              <a:t>S0000001G0000002D0000008P0000004                                          T0000001</a:t>
+            </a:r>
+            <a:endParaRPr lang="en-SG" dirty="0"/>
+          </a:p>
+        </p:txBody>
+      </p:sp>
+      <p:pic>
+        <p:nvPicPr>
+          <p:cNvPr id="4" name="图片 3"/>
+          <p:cNvPicPr>
+            <a:picLocks noChangeAspect="1"/>
+          </p:cNvPicPr>
+          <p:nvPr/>
+        </p:nvPicPr>
+        <p:blipFill>
+          <a:blip r:embed="rId2"/>
+          <a:stretch>
+            <a:fillRect/>
+          </a:stretch>
+        </p:blipFill>
+        <p:spPr>
+          <a:xfrm>
+            <a:off x="9341286" y="1825625"/>
+            <a:ext cx="2273417" cy="2387723"/>
+          </a:xfrm>
+          <a:prstGeom prst="rect">
+            <a:avLst/>
+          </a:prstGeom>
+        </p:spPr>
+      </p:pic>
+      <p:sp>
+        <p:nvSpPr>
+          <p:cNvPr id="5" name="内容占位符 2"/>
+          <p:cNvSpPr txBox="1">
+            <a:spLocks/>
+          </p:cNvSpPr>
+          <p:nvPr/>
+        </p:nvSpPr>
+        <p:spPr>
+          <a:xfrm>
+            <a:off x="1116281" y="4880758"/>
+            <a:ext cx="10498422" cy="1816925"/>
+          </a:xfrm>
+          <a:prstGeom prst="rect">
+            <a:avLst/>
+          </a:prstGeom>
+        </p:spPr>
+        <p:txBody>
+          <a:bodyPr vert="horz" lIns="91440" tIns="45720" rIns="91440" bIns="45720" rtlCol="0">
+            <a:normAutofit fontScale="92500"/>
+          </a:bodyPr>
+          <a:lstStyle>
+            <a:lvl1pPr marL="228600" indent="-228600" algn="l" defTabSz="914400" rtl="0" eaLnBrk="1" latinLnBrk="0" hangingPunct="1">
+              <a:lnSpc>
+                <a:spcPct val="90000"/>
+              </a:lnSpc>
+              <a:spcBef>
+                <a:spcPts val="1000"/>
+              </a:spcBef>
+              <a:buFont typeface="Arial" panose="020B0604020202020204" pitchFamily="34" charset="0"/>
+              <a:buChar char="•"/>
+              <a:defRPr sz="2800" kern="1200">
+                <a:solidFill>
+                  <a:schemeClr val="tx1"/>
+                </a:solidFill>
+                <a:latin typeface="+mn-lt"/>
+                <a:ea typeface="+mn-ea"/>
+                <a:cs typeface="+mn-cs"/>
+              </a:defRPr>
+            </a:lvl1pPr>
+            <a:lvl2pPr marL="685800" indent="-228600" algn="l" defTabSz="914400" rtl="0" eaLnBrk="1" latinLnBrk="0" hangingPunct="1">
+              <a:lnSpc>
+                <a:spcPct val="90000"/>
+              </a:lnSpc>
+              <a:spcBef>
+                <a:spcPts val="500"/>
+              </a:spcBef>
+              <a:buFont typeface="Arial" panose="020B0604020202020204" pitchFamily="34" charset="0"/>
+              <a:buChar char="•"/>
+              <a:defRPr sz="2400" kern="1200">
+                <a:solidFill>
+                  <a:schemeClr val="tx1"/>
+                </a:solidFill>
+                <a:latin typeface="+mn-lt"/>
+                <a:ea typeface="+mn-ea"/>
+                <a:cs typeface="+mn-cs"/>
+              </a:defRPr>
+            </a:lvl2pPr>
+            <a:lvl3pPr marL="1143000" indent="-228600" algn="l" defTabSz="914400" rtl="0" eaLnBrk="1" latinLnBrk="0" hangingPunct="1">
+              <a:lnSpc>
+                <a:spcPct val="90000"/>
+              </a:lnSpc>
+              <a:spcBef>
+                <a:spcPts val="500"/>
+              </a:spcBef>
+              <a:buFont typeface="Arial" panose="020B0604020202020204" pitchFamily="34" charset="0"/>
+              <a:buChar char="•"/>
+              <a:defRPr sz="2000" kern="1200">
+                <a:solidFill>
+                  <a:schemeClr val="tx1"/>
+                </a:solidFill>
+                <a:latin typeface="+mn-lt"/>
+                <a:ea typeface="+mn-ea"/>
+                <a:cs typeface="+mn-cs"/>
+              </a:defRPr>
+            </a:lvl3pPr>
+            <a:lvl4pPr marL="1600200" indent="-228600" algn="l" defTabSz="914400" rtl="0" eaLnBrk="1" latinLnBrk="0" hangingPunct="1">
+              <a:lnSpc>
+                <a:spcPct val="90000"/>
+              </a:lnSpc>
+              <a:spcBef>
+                <a:spcPts val="500"/>
+              </a:spcBef>
+              <a:buFont typeface="Arial" panose="020B0604020202020204" pitchFamily="34" charset="0"/>
+              <a:buChar char="•"/>
+              <a:defRPr sz="1800" kern="1200">
+                <a:solidFill>
+                  <a:schemeClr val="tx1"/>
+                </a:solidFill>
+                <a:latin typeface="+mn-lt"/>
+                <a:ea typeface="+mn-ea"/>
+                <a:cs typeface="+mn-cs"/>
+              </a:defRPr>
+            </a:lvl4pPr>
+            <a:lvl5pPr marL="2057400" indent="-228600" algn="l" defTabSz="914400" rtl="0" eaLnBrk="1" latinLnBrk="0" hangingPunct="1">
+              <a:lnSpc>
+                <a:spcPct val="90000"/>
+              </a:lnSpc>
+              <a:spcBef>
+                <a:spcPts val="500"/>
+              </a:spcBef>
+              <a:buFont typeface="Arial" panose="020B0604020202020204" pitchFamily="34" charset="0"/>
+              <a:buChar char="•"/>
+              <a:defRPr sz="1800" kern="1200">
+                <a:solidFill>
+                  <a:schemeClr val="tx1"/>
+                </a:solidFill>
+                <a:latin typeface="+mn-lt"/>
+                <a:ea typeface="+mn-ea"/>
+                <a:cs typeface="+mn-cs"/>
+              </a:defRPr>
+            </a:lvl5pPr>
+            <a:lvl6pPr marL="2514600" indent="-228600" algn="l" defTabSz="914400" rtl="0" eaLnBrk="1" latinLnBrk="0" hangingPunct="1">
+              <a:lnSpc>
+                <a:spcPct val="90000"/>
+              </a:lnSpc>
+              <a:spcBef>
+                <a:spcPts val="500"/>
+              </a:spcBef>
+              <a:buFont typeface="Arial" panose="020B0604020202020204" pitchFamily="34" charset="0"/>
+              <a:buChar char="•"/>
+              <a:defRPr sz="1800" kern="1200">
+                <a:solidFill>
+                  <a:schemeClr val="tx1"/>
+                </a:solidFill>
+                <a:latin typeface="+mn-lt"/>
+                <a:ea typeface="+mn-ea"/>
+                <a:cs typeface="+mn-cs"/>
+              </a:defRPr>
+            </a:lvl6pPr>
+            <a:lvl7pPr marL="2971800" indent="-228600" algn="l" defTabSz="914400" rtl="0" eaLnBrk="1" latinLnBrk="0" hangingPunct="1">
+              <a:lnSpc>
+                <a:spcPct val="90000"/>
+              </a:lnSpc>
+              <a:spcBef>
+                <a:spcPts val="500"/>
+              </a:spcBef>
+              <a:buFont typeface="Arial" panose="020B0604020202020204" pitchFamily="34" charset="0"/>
+              <a:buChar char="•"/>
+              <a:defRPr sz="1800" kern="1200">
+                <a:solidFill>
+                  <a:schemeClr val="tx1"/>
+                </a:solidFill>
+                <a:latin typeface="+mn-lt"/>
+                <a:ea typeface="+mn-ea"/>
+                <a:cs typeface="+mn-cs"/>
+              </a:defRPr>
+            </a:lvl7pPr>
+            <a:lvl8pPr marL="3429000" indent="-228600" algn="l" defTabSz="914400" rtl="0" eaLnBrk="1" latinLnBrk="0" hangingPunct="1">
+              <a:lnSpc>
+                <a:spcPct val="90000"/>
+              </a:lnSpc>
+              <a:spcBef>
+                <a:spcPts val="500"/>
+              </a:spcBef>
+              <a:buFont typeface="Arial" panose="020B0604020202020204" pitchFamily="34" charset="0"/>
+              <a:buChar char="•"/>
+              <a:defRPr sz="1800" kern="1200">
+                <a:solidFill>
+                  <a:schemeClr val="tx1"/>
+                </a:solidFill>
+                <a:latin typeface="+mn-lt"/>
+                <a:ea typeface="+mn-ea"/>
+                <a:cs typeface="+mn-cs"/>
+              </a:defRPr>
+            </a:lvl8pPr>
+            <a:lvl9pPr marL="3886200" indent="-228600" algn="l" defTabSz="914400" rtl="0" eaLnBrk="1" latinLnBrk="0" hangingPunct="1">
+              <a:lnSpc>
+                <a:spcPct val="90000"/>
+              </a:lnSpc>
+              <a:spcBef>
+                <a:spcPts val="500"/>
+              </a:spcBef>
+              <a:buFont typeface="Arial" panose="020B0604020202020204" pitchFamily="34" charset="0"/>
+              <a:buChar char="•"/>
+              <a:defRPr sz="1800" kern="1200">
+                <a:solidFill>
+                  <a:schemeClr val="tx1"/>
+                </a:solidFill>
+                <a:latin typeface="+mn-lt"/>
+                <a:ea typeface="+mn-ea"/>
+                <a:cs typeface="+mn-cs"/>
+              </a:defRPr>
+            </a:lvl9pPr>
+          </a:lstStyle>
+          <a:p>
+            <a:pPr marL="0" indent="0">
+              <a:lnSpc>
+                <a:spcPct val="100000"/>
+              </a:lnSpc>
+              <a:buNone/>
+            </a:pPr>
+            <a:r>
+              <a:rPr lang="en-SG" dirty="0"/>
+              <a:t>• (116) point, (124) transformation matrix, (100) circular arc, (110) </a:t>
+            </a:r>
+            <a:r>
+              <a:rPr lang="en-SG" dirty="0" smtClean="0"/>
+              <a:t>line </a:t>
+            </a:r>
+          </a:p>
+          <a:p>
+            <a:pPr marL="0" indent="0">
+              <a:lnSpc>
+                <a:spcPct val="100000"/>
+              </a:lnSpc>
+              <a:buNone/>
+            </a:pPr>
+            <a:r>
+              <a:rPr lang="en-SG" dirty="0" smtClean="0"/>
+              <a:t>Note</a:t>
+            </a:r>
+            <a:r>
+              <a:rPr lang="en-SG" dirty="0"/>
+              <a:t>: Parameter entry for line (110) is </a:t>
+            </a:r>
+            <a:r>
+              <a:rPr lang="en-SG" dirty="0" smtClean="0"/>
+              <a:t>x1, y1, z1, x2, y2, z2; </a:t>
+            </a:r>
+            <a:r>
+              <a:rPr lang="en-SG" dirty="0"/>
+              <a:t>for arc (100) is z, </a:t>
+            </a:r>
+          </a:p>
+          <a:p>
+            <a:pPr marL="0" indent="0">
+              <a:lnSpc>
+                <a:spcPct val="100000"/>
+              </a:lnSpc>
+              <a:buNone/>
+            </a:pPr>
+            <a:r>
+              <a:rPr lang="en-SG" dirty="0"/>
+              <a:t>x, y of centre, x, y of start point, x, y of end point; for point (116) is x, y, z.</a:t>
+            </a:r>
+          </a:p>
+        </p:txBody>
+      </p:sp>
+    </p:spTree>
+    <p:extLst>
+      <p:ext uri="{BB962C8B-B14F-4D97-AF65-F5344CB8AC3E}">
+        <p14:creationId xmlns:p14="http://schemas.microsoft.com/office/powerpoint/2010/main" val="2607922580"/>
+      </p:ext>
+    </p:extLst>
+  </p:cSld>
+  <p:clrMapOvr>
+    <a:masterClrMapping/>
+  </p:clrMapOvr>
+</p:sld>
+</file>
+
+<file path=ppt/slides/slide27.xml><?xml version="1.0" encoding="utf-8"?>
+<p:sld xmlns:a="http://schemas.openxmlformats.org/drawingml/2006/main" xmlns:r="http://schemas.openxmlformats.org/officeDocument/2006/relationships" xmlns:p="http://schemas.openxmlformats.org/presentationml/2006/main">
+  <p:cSld>
+    <p:spTree>
+      <p:nvGrpSpPr>
+        <p:cNvPr id="1" name=""/>
+        <p:cNvGrpSpPr/>
+        <p:nvPr/>
+      </p:nvGrpSpPr>
+      <p:grpSpPr>
+        <a:xfrm>
+          <a:off x="0" y="0"/>
+          <a:ext cx="0" cy="0"/>
+          <a:chOff x="0" y="0"/>
+          <a:chExt cx="0" cy="0"/>
+        </a:xfrm>
+      </p:grpSpPr>
+      <p:sp>
+        <p:nvSpPr>
+          <p:cNvPr id="2" name="标题 1"/>
+          <p:cNvSpPr>
+            <a:spLocks noGrp="1"/>
+          </p:cNvSpPr>
+          <p:nvPr>
+            <p:ph type="title"/>
+          </p:nvPr>
+        </p:nvSpPr>
+        <p:spPr/>
+        <p:txBody>
+          <a:bodyPr/>
+          <a:lstStyle/>
+          <a:p>
+            <a:r>
+              <a:rPr lang="en-SG" dirty="0" smtClean="0"/>
+              <a:t>STEP</a:t>
+            </a:r>
+            <a:endParaRPr lang="en-SG" dirty="0"/>
+          </a:p>
+        </p:txBody>
+      </p:sp>
+      <p:sp>
+        <p:nvSpPr>
+          <p:cNvPr id="3" name="内容占位符 2"/>
+          <p:cNvSpPr>
+            <a:spLocks noGrp="1"/>
+          </p:cNvSpPr>
+          <p:nvPr>
+            <p:ph idx="1"/>
+          </p:nvPr>
+        </p:nvSpPr>
+        <p:spPr/>
+        <p:txBody>
+          <a:bodyPr/>
+          <a:lstStyle/>
+          <a:p>
+            <a:r>
+              <a:rPr lang="en-SG" dirty="0">
+                <a:solidFill>
+                  <a:srgbClr val="FF0000"/>
+                </a:solidFill>
+              </a:rPr>
+              <a:t>Standard for the Exchange of Product Model Data ( STEP), officially the ISO standard 10303, Product Data </a:t>
+            </a:r>
+            <a:r>
+              <a:rPr lang="en-SG" dirty="0" smtClean="0">
+                <a:solidFill>
+                  <a:srgbClr val="FF0000"/>
+                </a:solidFill>
+              </a:rPr>
+              <a:t>Representation </a:t>
+            </a:r>
+            <a:r>
+              <a:rPr lang="en-SG" dirty="0">
+                <a:solidFill>
+                  <a:srgbClr val="FF0000"/>
+                </a:solidFill>
+              </a:rPr>
+              <a:t>and Exchange, is a series of international standards with the goal of defining data across the </a:t>
+            </a:r>
+            <a:r>
+              <a:rPr lang="en-SG" dirty="0" smtClean="0">
+                <a:solidFill>
+                  <a:srgbClr val="FF0000"/>
+                </a:solidFill>
+              </a:rPr>
+              <a:t>full </a:t>
+            </a:r>
+            <a:r>
+              <a:rPr lang="en-SG" dirty="0">
+                <a:solidFill>
+                  <a:srgbClr val="FF0000"/>
+                </a:solidFill>
+              </a:rPr>
+              <a:t>engineering and manufacturing life cycle. The ability to share data across applications, across vendor </a:t>
+            </a:r>
+            <a:r>
+              <a:rPr lang="en-SG" dirty="0" smtClean="0">
+                <a:solidFill>
+                  <a:srgbClr val="FF0000"/>
+                </a:solidFill>
+              </a:rPr>
+              <a:t>platforms </a:t>
+            </a:r>
+            <a:r>
+              <a:rPr lang="en-SG" dirty="0">
+                <a:solidFill>
+                  <a:srgbClr val="FF0000"/>
+                </a:solidFill>
+              </a:rPr>
+              <a:t>and between contractors, suppliers and customers, is the main goal of this standard.</a:t>
+            </a:r>
+          </a:p>
+        </p:txBody>
+      </p:sp>
+    </p:spTree>
+    <p:extLst>
+      <p:ext uri="{BB962C8B-B14F-4D97-AF65-F5344CB8AC3E}">
+        <p14:creationId xmlns:p14="http://schemas.microsoft.com/office/powerpoint/2010/main" val="3170181842"/>
+      </p:ext>
+    </p:extLst>
+  </p:cSld>
+  <p:clrMapOvr>
+    <a:masterClrMapping/>
+  </p:clrMapOvr>
+</p:sld>
+</file>
+
+<file path=ppt/slides/slide28.xml><?xml version="1.0" encoding="utf-8"?>
+<p:sld xmlns:a="http://schemas.openxmlformats.org/drawingml/2006/main" xmlns:r="http://schemas.openxmlformats.org/officeDocument/2006/relationships" xmlns:p="http://schemas.openxmlformats.org/presentationml/2006/main">
+  <p:cSld>
+    <p:spTree>
+      <p:nvGrpSpPr>
+        <p:cNvPr id="1" name=""/>
+        <p:cNvGrpSpPr/>
+        <p:nvPr/>
+      </p:nvGrpSpPr>
+      <p:grpSpPr>
+        <a:xfrm>
+          <a:off x="0" y="0"/>
+          <a:ext cx="0" cy="0"/>
+          <a:chOff x="0" y="0"/>
+          <a:chExt cx="0" cy="0"/>
+        </a:xfrm>
+      </p:grpSpPr>
+      <p:sp>
+        <p:nvSpPr>
+          <p:cNvPr id="2" name="标题 1"/>
+          <p:cNvSpPr>
+            <a:spLocks noGrp="1"/>
+          </p:cNvSpPr>
+          <p:nvPr>
+            <p:ph type="title"/>
+          </p:nvPr>
+        </p:nvSpPr>
+        <p:spPr/>
+        <p:txBody>
+          <a:bodyPr/>
+          <a:lstStyle/>
+          <a:p>
+            <a:r>
+              <a:rPr lang="en-SG" dirty="0" smtClean="0"/>
+              <a:t>STEP</a:t>
+            </a:r>
+            <a:endParaRPr lang="en-SG" dirty="0"/>
+          </a:p>
+        </p:txBody>
+      </p:sp>
+      <p:sp>
+        <p:nvSpPr>
+          <p:cNvPr id="3" name="内容占位符 2"/>
+          <p:cNvSpPr>
+            <a:spLocks noGrp="1"/>
+          </p:cNvSpPr>
+          <p:nvPr>
+            <p:ph idx="1"/>
+          </p:nvPr>
+        </p:nvSpPr>
+        <p:spPr/>
+        <p:txBody>
+          <a:bodyPr/>
+          <a:lstStyle/>
+          <a:p>
+            <a:pPr marL="0" indent="0">
+              <a:buNone/>
+            </a:pPr>
+            <a:r>
+              <a:rPr lang="en-SG" dirty="0"/>
+              <a:t>The broad scope of STEP is as follows.</a:t>
+            </a:r>
+          </a:p>
+          <a:p>
+            <a:r>
+              <a:rPr lang="en-SG" dirty="0"/>
+              <a:t>  1.  The standard method of representing the information necessary for completely defining a product </a:t>
+            </a:r>
+            <a:r>
+              <a:rPr lang="en-SG" dirty="0" smtClean="0"/>
+              <a:t>throughout </a:t>
+            </a:r>
+            <a:r>
+              <a:rPr lang="en-SG" dirty="0"/>
+              <a:t>its entire life, i.e., from the product conception to the end of useful life.</a:t>
+            </a:r>
+          </a:p>
+          <a:p>
+            <a:r>
+              <a:rPr lang="en-SG" dirty="0"/>
+              <a:t>  2.  Standard methods for exchanging the data electronically between two different </a:t>
+            </a:r>
+            <a:r>
+              <a:rPr lang="en-SG" dirty="0" smtClean="0"/>
+              <a:t>systems.</a:t>
+            </a:r>
+          </a:p>
+          <a:p>
+            <a:pPr marL="0" indent="0">
+              <a:buNone/>
+            </a:pPr>
+            <a:r>
+              <a:rPr lang="en-SG" dirty="0" smtClean="0"/>
+              <a:t>The </a:t>
+            </a:r>
+            <a:r>
+              <a:rPr lang="en-SG" dirty="0"/>
+              <a:t>STEP documentation is split into eight major areas.</a:t>
+            </a:r>
+          </a:p>
+        </p:txBody>
+      </p:sp>
+    </p:spTree>
+    <p:extLst>
+      <p:ext uri="{BB962C8B-B14F-4D97-AF65-F5344CB8AC3E}">
+        <p14:creationId xmlns:p14="http://schemas.microsoft.com/office/powerpoint/2010/main" val="3981173589"/>
+      </p:ext>
+    </p:extLst>
+  </p:cSld>
+  <p:clrMapOvr>
+    <a:masterClrMapping/>
+  </p:clrMapOvr>
+</p:sld>
+</file>
+
+<file path=ppt/slides/slide29.xml><?xml version="1.0" encoding="utf-8"?>
+<p:sld xmlns:a="http://schemas.openxmlformats.org/drawingml/2006/main" xmlns:r="http://schemas.openxmlformats.org/officeDocument/2006/relationships" xmlns:p="http://schemas.openxmlformats.org/presentationml/2006/main">
+  <p:cSld>
+    <p:spTree>
+      <p:nvGrpSpPr>
+        <p:cNvPr id="1" name=""/>
+        <p:cNvGrpSpPr/>
+        <p:nvPr/>
+      </p:nvGrpSpPr>
+      <p:grpSpPr>
+        <a:xfrm>
+          <a:off x="0" y="0"/>
+          <a:ext cx="0" cy="0"/>
+          <a:chOff x="0" y="0"/>
+          <a:chExt cx="0" cy="0"/>
+        </a:xfrm>
+      </p:grpSpPr>
+      <p:sp>
+        <p:nvSpPr>
+          <p:cNvPr id="2" name="标题 1"/>
+          <p:cNvSpPr>
+            <a:spLocks noGrp="1"/>
+          </p:cNvSpPr>
+          <p:nvPr>
+            <p:ph type="title"/>
+          </p:nvPr>
+        </p:nvSpPr>
+        <p:spPr/>
+        <p:txBody>
+          <a:bodyPr/>
+          <a:lstStyle/>
+          <a:p>
+            <a:r>
+              <a:rPr lang="en-SG" dirty="0"/>
+              <a:t>The STEP documentation is split into eight major areas.</a:t>
+            </a:r>
+          </a:p>
+        </p:txBody>
+      </p:sp>
+      <p:sp>
+        <p:nvSpPr>
+          <p:cNvPr id="3" name="内容占位符 2"/>
+          <p:cNvSpPr>
+            <a:spLocks noGrp="1"/>
+          </p:cNvSpPr>
+          <p:nvPr>
+            <p:ph idx="1"/>
+          </p:nvPr>
+        </p:nvSpPr>
+        <p:spPr/>
+        <p:txBody>
+          <a:bodyPr>
+            <a:normAutofit/>
+          </a:bodyPr>
+          <a:lstStyle/>
+          <a:p>
+            <a:pPr marL="514350" indent="-514350">
+              <a:buFont typeface="+mj-lt"/>
+              <a:buAutoNum type="arabicPeriod"/>
+            </a:pPr>
+            <a:r>
+              <a:rPr lang="en-SG" dirty="0" smtClean="0"/>
+              <a:t>Overview  </a:t>
+            </a:r>
+            <a:r>
+              <a:rPr lang="en-SG" dirty="0"/>
+              <a:t>It gives the general introduction and overview of the standard and forms part one of the ISO </a:t>
+            </a:r>
+            <a:r>
+              <a:rPr lang="en-SG" dirty="0" smtClean="0"/>
+              <a:t>standard </a:t>
+            </a:r>
+            <a:r>
+              <a:rPr lang="en-SG" dirty="0"/>
+              <a:t>10303.</a:t>
+            </a:r>
+          </a:p>
+          <a:p>
+            <a:pPr marL="514350" indent="-514350">
+              <a:buFont typeface="+mj-lt"/>
+              <a:buAutoNum type="arabicPeriod"/>
+            </a:pPr>
+            <a:r>
+              <a:rPr lang="en-SG" dirty="0"/>
+              <a:t>Description  Methods  The  application  protocols  planned  in  STEP  are  far  reaching  compared  to  any </a:t>
+            </a:r>
+            <a:r>
+              <a:rPr lang="en-SG" dirty="0" smtClean="0"/>
+              <a:t>other  </a:t>
+            </a:r>
+            <a:r>
+              <a:rPr lang="en-SG" dirty="0"/>
+              <a:t>existing  standard  or  models.  Hence,  a  new  descriptive  formal  information  modelling  language </a:t>
+            </a:r>
+            <a:r>
+              <a:rPr lang="en-SG" dirty="0" smtClean="0"/>
+              <a:t>called   </a:t>
+            </a:r>
+            <a:r>
+              <a:rPr lang="en-SG" dirty="0"/>
+              <a:t>EXPRESS  is  developed  such  that  the  protocols  be  properly  </a:t>
+            </a:r>
+            <a:r>
+              <a:rPr lang="en-SG" dirty="0" smtClean="0"/>
+              <a:t>defined</a:t>
+            </a:r>
+          </a:p>
+          <a:p>
+            <a:pPr marL="514350" indent="-514350">
+              <a:buFont typeface="+mj-lt"/>
+              <a:buAutoNum type="arabicPeriod"/>
+            </a:pPr>
+            <a:r>
+              <a:rPr lang="en-SG" dirty="0" smtClean="0"/>
+              <a:t>Implementation  </a:t>
+            </a:r>
+            <a:r>
+              <a:rPr lang="en-SG" dirty="0"/>
+              <a:t>Methods  This  provides  specifications  as  to  how  the  STEP  information  be  physically </a:t>
+            </a:r>
+            <a:r>
+              <a:rPr lang="en-SG" dirty="0" smtClean="0"/>
+              <a:t>represented </a:t>
+            </a:r>
+            <a:r>
+              <a:rPr lang="en-SG" dirty="0"/>
+              <a:t>for the exchange environment. </a:t>
+            </a:r>
+          </a:p>
+        </p:txBody>
+      </p:sp>
+    </p:spTree>
+    <p:extLst>
+      <p:ext uri="{BB962C8B-B14F-4D97-AF65-F5344CB8AC3E}">
+        <p14:creationId xmlns:p14="http://schemas.microsoft.com/office/powerpoint/2010/main" val="750815864"/>
+      </p:ext>
+    </p:extLst>
+  </p:cSld>
+  <p:clrMapOvr>
+    <a:masterClrMapping/>
+  </p:clrMapOvr>
+</p:sld>
+</file>
+
+<file path=ppt/slides/slide3.xml><?xml version="1.0" encoding="utf-8"?>
+<p:sld xmlns:a="http://schemas.openxmlformats.org/drawingml/2006/main" xmlns:r="http://schemas.openxmlformats.org/officeDocument/2006/relationships" xmlns:p="http://schemas.openxmlformats.org/presentationml/2006/main">
+  <p:cSld>
+    <p:spTree>
+      <p:nvGrpSpPr>
+        <p:cNvPr id="1" name=""/>
+        <p:cNvGrpSpPr/>
+        <p:nvPr/>
+      </p:nvGrpSpPr>
+      <p:grpSpPr>
+        <a:xfrm>
+          <a:off x="0" y="0"/>
+          <a:ext cx="0" cy="0"/>
+          <a:chOff x="0" y="0"/>
+          <a:chExt cx="0" cy="0"/>
+        </a:xfrm>
+      </p:grpSpPr>
+      <p:sp>
+        <p:nvSpPr>
+          <p:cNvPr id="2" name="标题 1"/>
+          <p:cNvSpPr>
+            <a:spLocks noGrp="1"/>
+          </p:cNvSpPr>
+          <p:nvPr>
+            <p:ph type="title"/>
+          </p:nvPr>
+        </p:nvSpPr>
+        <p:spPr/>
+        <p:txBody>
+          <a:bodyPr/>
+          <a:lstStyle/>
+          <a:p>
+            <a:r>
+              <a:rPr lang="en-US" dirty="0" smtClean="0"/>
+              <a:t>CAD/CAM system</a:t>
+            </a:r>
+            <a:endParaRPr lang="en-SG" dirty="0"/>
+          </a:p>
+        </p:txBody>
+      </p:sp>
+      <p:sp>
+        <p:nvSpPr>
+          <p:cNvPr id="3" name="内容占位符 2"/>
+          <p:cNvSpPr>
+            <a:spLocks noGrp="1"/>
+          </p:cNvSpPr>
+          <p:nvPr>
+            <p:ph idx="1"/>
+          </p:nvPr>
+        </p:nvSpPr>
+        <p:spPr/>
+        <p:txBody>
+          <a:bodyPr/>
+          <a:lstStyle/>
+          <a:p>
+            <a:r>
+              <a:rPr lang="en-US" dirty="0" smtClean="0"/>
+              <a:t>Today, almost all the CAD/CAM software systems are interactive. To use this kind of system well, one, </a:t>
+            </a:r>
+            <a:r>
+              <a:rPr lang="en-US" dirty="0"/>
+              <a:t>as a designer or </a:t>
+            </a:r>
+            <a:r>
+              <a:rPr lang="en-US" dirty="0" smtClean="0"/>
+              <a:t>user, should know of how these systems work and how to set or get information with CAD/CAM system through GUI(Graphics User Interface)</a:t>
+            </a:r>
+          </a:p>
+          <a:p>
+            <a:endParaRPr lang="en-SG" dirty="0"/>
+          </a:p>
+        </p:txBody>
+      </p:sp>
+    </p:spTree>
+    <p:extLst>
+      <p:ext uri="{BB962C8B-B14F-4D97-AF65-F5344CB8AC3E}">
+        <p14:creationId xmlns:p14="http://schemas.microsoft.com/office/powerpoint/2010/main" val="3627894515"/>
+      </p:ext>
+    </p:extLst>
+  </p:cSld>
+  <p:clrMapOvr>
+    <a:masterClrMapping/>
+  </p:clrMapOvr>
+</p:sld>
+</file>
+
+<file path=ppt/slides/slide30.xml><?xml version="1.0" encoding="utf-8"?>
+<p:sld xmlns:a="http://schemas.openxmlformats.org/drawingml/2006/main" xmlns:r="http://schemas.openxmlformats.org/officeDocument/2006/relationships" xmlns:p="http://schemas.openxmlformats.org/presentationml/2006/main">
+  <p:cSld>
+    <p:spTree>
+      <p:nvGrpSpPr>
+        <p:cNvPr id="1" name=""/>
+        <p:cNvGrpSpPr/>
+        <p:nvPr/>
+      </p:nvGrpSpPr>
+      <p:grpSpPr>
+        <a:xfrm>
+          <a:off x="0" y="0"/>
+          <a:ext cx="0" cy="0"/>
+          <a:chOff x="0" y="0"/>
+          <a:chExt cx="0" cy="0"/>
+        </a:xfrm>
+      </p:grpSpPr>
+      <p:sp>
+        <p:nvSpPr>
+          <p:cNvPr id="3" name="内容占位符 2"/>
+          <p:cNvSpPr>
+            <a:spLocks noGrp="1"/>
+          </p:cNvSpPr>
+          <p:nvPr>
+            <p:ph idx="1"/>
+          </p:nvPr>
+        </p:nvSpPr>
+        <p:spPr>
+          <a:xfrm>
+            <a:off x="838200" y="629392"/>
+            <a:ext cx="10515600" cy="5547571"/>
+          </a:xfrm>
+        </p:spPr>
+        <p:txBody>
+          <a:bodyPr>
+            <a:normAutofit/>
+          </a:bodyPr>
+          <a:lstStyle/>
+          <a:p>
+            <a:pPr marL="514350" indent="-514350">
+              <a:buFont typeface="+mj-lt"/>
+              <a:buAutoNum type="arabicPeriod" startAt="4"/>
+            </a:pPr>
+            <a:r>
+              <a:rPr lang="en-SG" b="1" dirty="0"/>
+              <a:t>Conformance and Tools  </a:t>
+            </a:r>
+            <a:r>
+              <a:rPr lang="en-SG" dirty="0"/>
+              <a:t>This part provides the specifications for conformance testing of the processors used </a:t>
+            </a:r>
+            <a:r>
+              <a:rPr lang="en-SG" dirty="0" smtClean="0"/>
+              <a:t>for </a:t>
+            </a:r>
+            <a:r>
+              <a:rPr lang="en-SG" dirty="0"/>
+              <a:t>STEP information. They provide information on methods for testing of software-product conformance to </a:t>
+            </a:r>
+            <a:r>
+              <a:rPr lang="en-SG" dirty="0" smtClean="0"/>
+              <a:t>the </a:t>
+            </a:r>
+            <a:r>
+              <a:rPr lang="en-SG" dirty="0"/>
+              <a:t>STEP standard, guidance for creating abstract-test suites and the responsibilities of testing laboratories. </a:t>
+            </a:r>
+            <a:r>
+              <a:rPr lang="en-SG" dirty="0" smtClean="0"/>
+              <a:t>The </a:t>
+            </a:r>
+            <a:r>
+              <a:rPr lang="en-SG" dirty="0"/>
+              <a:t>STEP standard is unique in that it places a very high emphasis on </a:t>
+            </a:r>
+            <a:r>
+              <a:rPr lang="en-SG" dirty="0" smtClean="0"/>
+              <a:t>testing </a:t>
+            </a:r>
+            <a:r>
+              <a:rPr lang="en-SG" dirty="0"/>
+              <a:t>and actually includes these methods in the standard.</a:t>
+            </a:r>
+          </a:p>
+          <a:p>
+            <a:pPr marL="514350" indent="-514350">
+              <a:buFont typeface="+mj-lt"/>
+              <a:buAutoNum type="arabicPeriod" startAt="4"/>
+            </a:pPr>
+            <a:r>
+              <a:rPr lang="en-SG" b="1" dirty="0"/>
+              <a:t>Integrated-generic  Resources  </a:t>
+            </a:r>
+            <a:r>
+              <a:rPr lang="en-SG" dirty="0"/>
+              <a:t>These contain the specifications of the information models that support </a:t>
+            </a:r>
+            <a:r>
+              <a:rPr lang="en-SG" dirty="0" smtClean="0"/>
+              <a:t>various </a:t>
+            </a:r>
+            <a:r>
+              <a:rPr lang="en-SG" dirty="0"/>
+              <a:t>application areas that form part of STEP. The topics that form part of this specification are: geometric </a:t>
+            </a:r>
+            <a:r>
+              <a:rPr lang="en-SG" dirty="0" smtClean="0"/>
+              <a:t>and  </a:t>
+            </a:r>
+            <a:r>
+              <a:rPr lang="en-SG" dirty="0"/>
+              <a:t>topological  representation,  product  structure  organisation,  materials,  visual  presentation,  tolerances, </a:t>
+            </a:r>
+            <a:r>
+              <a:rPr lang="en-SG" dirty="0" smtClean="0"/>
+              <a:t>form </a:t>
+            </a:r>
+            <a:r>
+              <a:rPr lang="en-SG" dirty="0"/>
+              <a:t>features and process structure and properties. </a:t>
+            </a:r>
+          </a:p>
+        </p:txBody>
+      </p:sp>
+    </p:spTree>
+    <p:extLst>
+      <p:ext uri="{BB962C8B-B14F-4D97-AF65-F5344CB8AC3E}">
+        <p14:creationId xmlns:p14="http://schemas.microsoft.com/office/powerpoint/2010/main" val="1552186298"/>
+      </p:ext>
+    </p:extLst>
+  </p:cSld>
+  <p:clrMapOvr>
+    <a:masterClrMapping/>
+  </p:clrMapOvr>
+</p:sld>
+</file>
+
+<file path=ppt/slides/slide31.xml><?xml version="1.0" encoding="utf-8"?>
+<p:sld xmlns:a="http://schemas.openxmlformats.org/drawingml/2006/main" xmlns:r="http://schemas.openxmlformats.org/officeDocument/2006/relationships" xmlns:p="http://schemas.openxmlformats.org/presentationml/2006/main">
+  <p:cSld>
+    <p:spTree>
+      <p:nvGrpSpPr>
+        <p:cNvPr id="1" name=""/>
+        <p:cNvGrpSpPr/>
+        <p:nvPr/>
+      </p:nvGrpSpPr>
+      <p:grpSpPr>
+        <a:xfrm>
+          <a:off x="0" y="0"/>
+          <a:ext cx="0" cy="0"/>
+          <a:chOff x="0" y="0"/>
+          <a:chExt cx="0" cy="0"/>
+        </a:xfrm>
+      </p:grpSpPr>
+      <p:sp>
+        <p:nvSpPr>
+          <p:cNvPr id="3" name="内容占位符 2"/>
+          <p:cNvSpPr>
+            <a:spLocks noGrp="1"/>
+          </p:cNvSpPr>
+          <p:nvPr>
+            <p:ph idx="1"/>
+          </p:nvPr>
+        </p:nvSpPr>
+        <p:spPr>
+          <a:xfrm>
+            <a:off x="838200" y="534390"/>
+            <a:ext cx="10515600" cy="5642573"/>
+          </a:xfrm>
+        </p:spPr>
+        <p:txBody>
+          <a:bodyPr/>
+          <a:lstStyle/>
+          <a:p>
+            <a:pPr marL="514350" indent="-514350">
+              <a:buFont typeface="+mj-lt"/>
+              <a:buAutoNum type="arabicPeriod" startAt="6"/>
+            </a:pPr>
+            <a:r>
+              <a:rPr lang="en-SG" dirty="0"/>
+              <a:t> </a:t>
+            </a:r>
+            <a:r>
+              <a:rPr lang="en-SG" b="1" dirty="0"/>
+              <a:t>Application Information Models  </a:t>
+            </a:r>
+            <a:r>
+              <a:rPr lang="en-SG" dirty="0"/>
+              <a:t>These specify the information models to be used for specific application </a:t>
+            </a:r>
+            <a:r>
+              <a:rPr lang="en-SG" dirty="0" smtClean="0"/>
+              <a:t>areas </a:t>
+            </a:r>
+            <a:r>
+              <a:rPr lang="en-SG" dirty="0"/>
+              <a:t>such as </a:t>
+            </a:r>
+            <a:r>
+              <a:rPr lang="en-SG" dirty="0" err="1"/>
+              <a:t>draughting</a:t>
+            </a:r>
+            <a:r>
+              <a:rPr lang="en-SG" dirty="0"/>
+              <a:t>, finite element analysis, kinematics, building core model and Engineering analysis </a:t>
+            </a:r>
+            <a:r>
+              <a:rPr lang="en-SG" dirty="0" smtClean="0"/>
+              <a:t>core</a:t>
+            </a:r>
+            <a:r>
+              <a:rPr lang="en-SG" dirty="0"/>
+              <a:t>. </a:t>
+            </a:r>
+          </a:p>
+          <a:p>
+            <a:pPr marL="514350" indent="-514350">
+              <a:buFont typeface="+mj-lt"/>
+              <a:buAutoNum type="arabicPeriod" startAt="6"/>
+            </a:pPr>
+            <a:r>
+              <a:rPr lang="en-SG" dirty="0"/>
+              <a:t> </a:t>
+            </a:r>
+            <a:r>
+              <a:rPr lang="en-SG" b="1" dirty="0"/>
+              <a:t>Application Protocols  </a:t>
+            </a:r>
+            <a:r>
+              <a:rPr lang="en-SG" dirty="0"/>
+              <a:t>These are the main protocols to be used as subsets of STEP information model </a:t>
+            </a:r>
+            <a:r>
+              <a:rPr lang="en-SG" dirty="0" smtClean="0"/>
+              <a:t>for </a:t>
+            </a:r>
+            <a:r>
+              <a:rPr lang="en-SG" dirty="0"/>
+              <a:t>exchange of data between specific application systems (such as between two finite element systems or </a:t>
+            </a:r>
+            <a:r>
+              <a:rPr lang="en-SG" dirty="0" smtClean="0"/>
+              <a:t>between </a:t>
+            </a:r>
+            <a:r>
+              <a:rPr lang="en-SG" dirty="0"/>
+              <a:t>a CAD and Process Planning system). </a:t>
+            </a:r>
+          </a:p>
+        </p:txBody>
+      </p:sp>
+    </p:spTree>
+    <p:extLst>
+      <p:ext uri="{BB962C8B-B14F-4D97-AF65-F5344CB8AC3E}">
+        <p14:creationId xmlns:p14="http://schemas.microsoft.com/office/powerpoint/2010/main" val="3596906761"/>
+      </p:ext>
+    </p:extLst>
+  </p:cSld>
+  <p:clrMapOvr>
+    <a:masterClrMapping/>
+  </p:clrMapOvr>
+</p:sld>
+</file>
+
+<file path=ppt/slides/slide32.xml><?xml version="1.0" encoding="utf-8"?>
+<p:sld xmlns:a="http://schemas.openxmlformats.org/drawingml/2006/main" xmlns:r="http://schemas.openxmlformats.org/officeDocument/2006/relationships" xmlns:p="http://schemas.openxmlformats.org/presentationml/2006/main">
+  <p:cSld>
+    <p:spTree>
+      <p:nvGrpSpPr>
+        <p:cNvPr id="1" name=""/>
+        <p:cNvGrpSpPr/>
+        <p:nvPr/>
+      </p:nvGrpSpPr>
+      <p:grpSpPr>
+        <a:xfrm>
+          <a:off x="0" y="0"/>
+          <a:ext cx="0" cy="0"/>
+          <a:chOff x="0" y="0"/>
+          <a:chExt cx="0" cy="0"/>
+        </a:xfrm>
+      </p:grpSpPr>
+      <p:sp>
+        <p:nvSpPr>
+          <p:cNvPr id="3" name="内容占位符 2"/>
+          <p:cNvSpPr>
+            <a:spLocks noGrp="1"/>
+          </p:cNvSpPr>
+          <p:nvPr>
+            <p:ph idx="1"/>
+          </p:nvPr>
+        </p:nvSpPr>
+        <p:spPr>
+          <a:xfrm>
+            <a:off x="945078" y="403761"/>
+            <a:ext cx="10515600" cy="5773202"/>
+          </a:xfrm>
+        </p:spPr>
+        <p:txBody>
+          <a:bodyPr>
+            <a:normAutofit fontScale="92500" lnSpcReduction="20000"/>
+          </a:bodyPr>
+          <a:lstStyle/>
+          <a:p>
+            <a:pPr marL="514350" indent="-514350">
+              <a:buFont typeface="+mj-lt"/>
+              <a:buAutoNum type="arabicPeriod" startAt="8"/>
+            </a:pPr>
+            <a:r>
+              <a:rPr lang="en-SG" b="1" dirty="0"/>
+              <a:t>Application Interpreted Constructs  </a:t>
+            </a:r>
+            <a:r>
+              <a:rPr lang="en-SG" dirty="0"/>
+              <a:t>These relate to the specific resources useful for defining the </a:t>
+            </a:r>
+            <a:r>
+              <a:rPr lang="en-SG" dirty="0" smtClean="0"/>
+              <a:t>generic structures </a:t>
+            </a:r>
+            <a:r>
+              <a:rPr lang="en-SG" dirty="0"/>
+              <a:t>useful for applications. These are reusable groups of information resource entities that make it </a:t>
+            </a:r>
+            <a:r>
+              <a:rPr lang="en-SG" dirty="0" smtClean="0"/>
+              <a:t>easier </a:t>
+            </a:r>
+            <a:r>
+              <a:rPr lang="en-SG" dirty="0"/>
+              <a:t>to express identical semantics in more than one application protocol. Examples include edge-based </a:t>
+            </a:r>
+            <a:r>
+              <a:rPr lang="en-SG" dirty="0" smtClean="0"/>
+              <a:t>wireframe</a:t>
+            </a:r>
+            <a:r>
+              <a:rPr lang="en-SG" dirty="0"/>
+              <a:t>,  </a:t>
+            </a:r>
+            <a:r>
+              <a:rPr lang="en-SG" dirty="0" err="1"/>
+              <a:t>draughting</a:t>
+            </a:r>
+            <a:r>
+              <a:rPr lang="en-SG" dirty="0"/>
+              <a:t>  elements,  constructive  solid  geometry,  etc. </a:t>
+            </a:r>
+            <a:r>
+              <a:rPr lang="en-SG" dirty="0" smtClean="0"/>
+              <a:t>onwards</a:t>
+            </a:r>
+            <a:r>
+              <a:rPr lang="en-SG" dirty="0"/>
+              <a:t>. Examples include edge-based wireframe, shell-based wireframe, geometry-bounded 2D wireframe, </a:t>
+            </a:r>
+            <a:r>
+              <a:rPr lang="en-SG" dirty="0" err="1" smtClean="0"/>
+              <a:t>draughting</a:t>
+            </a:r>
+            <a:r>
+              <a:rPr lang="en-SG" dirty="0" smtClean="0"/>
+              <a:t>  </a:t>
+            </a:r>
+            <a:r>
+              <a:rPr lang="en-SG" dirty="0"/>
+              <a:t>annotation,  drawing  structure  and  administration,  </a:t>
+            </a:r>
+            <a:r>
+              <a:rPr lang="en-SG" dirty="0" err="1"/>
+              <a:t>draughting</a:t>
+            </a:r>
+            <a:r>
+              <a:rPr lang="en-SG" dirty="0"/>
+              <a:t>  elements,  geometry-bounded </a:t>
+            </a:r>
+            <a:r>
+              <a:rPr lang="en-SG" dirty="0" smtClean="0"/>
+              <a:t>surface</a:t>
+            </a:r>
+            <a:r>
+              <a:rPr lang="en-SG" dirty="0"/>
+              <a:t>, non-manifold surface, manifold surface, geometry-bounded wireframe, etc.</a:t>
+            </a:r>
+          </a:p>
+          <a:p>
+            <a:pPr marL="514350" indent="-514350">
+              <a:buFont typeface="+mj-lt"/>
+              <a:buAutoNum type="arabicPeriod" startAt="9"/>
+            </a:pPr>
+            <a:r>
+              <a:rPr lang="en-SG" b="1" dirty="0"/>
+              <a:t>Application Protocols  </a:t>
+            </a:r>
+            <a:r>
+              <a:rPr lang="en-SG" dirty="0"/>
+              <a:t>These define the context for the use of product data for a specific industrial need. </a:t>
+            </a:r>
+            <a:r>
+              <a:rPr lang="en-SG" dirty="0" smtClean="0"/>
+              <a:t>These </a:t>
+            </a:r>
+            <a:r>
+              <a:rPr lang="en-SG" dirty="0"/>
+              <a:t>are more complex data models used to describe specific product-data applications. These parts are </a:t>
+            </a:r>
+            <a:r>
+              <a:rPr lang="en-SG" dirty="0" smtClean="0"/>
+              <a:t>known </a:t>
+            </a:r>
+            <a:r>
+              <a:rPr lang="en-SG" dirty="0"/>
+              <a:t>as application protocols and describe not only what data is to be used in describing a product, but how </a:t>
+            </a:r>
+            <a:r>
+              <a:rPr lang="en-SG" dirty="0" smtClean="0"/>
+              <a:t>the </a:t>
+            </a:r>
+            <a:r>
+              <a:rPr lang="en-SG" dirty="0"/>
+              <a:t>data is to be used in the model. The application protocols use the integrated information resources in well </a:t>
+            </a:r>
+            <a:r>
+              <a:rPr lang="en-SG" dirty="0" smtClean="0"/>
+              <a:t>defined </a:t>
+            </a:r>
+            <a:r>
+              <a:rPr lang="en-SG" dirty="0"/>
+              <a:t>combinations and configurations to represent a particular data model of some phase of product life. </a:t>
+            </a:r>
+          </a:p>
+        </p:txBody>
+      </p:sp>
+    </p:spTree>
+    <p:extLst>
+      <p:ext uri="{BB962C8B-B14F-4D97-AF65-F5344CB8AC3E}">
+        <p14:creationId xmlns:p14="http://schemas.microsoft.com/office/powerpoint/2010/main" val="1394861392"/>
+      </p:ext>
+    </p:extLst>
+  </p:cSld>
+  <p:clrMapOvr>
+    <a:masterClrMapping/>
+  </p:clrMapOvr>
+</p:sld>
+</file>
+
+<file path=ppt/slides/slide33.xml><?xml version="1.0" encoding="utf-8"?>
+<p:sld xmlns:a="http://schemas.openxmlformats.org/drawingml/2006/main" xmlns:r="http://schemas.openxmlformats.org/officeDocument/2006/relationships" xmlns:p="http://schemas.openxmlformats.org/presentationml/2006/main">
+  <p:cSld>
+    <p:spTree>
+      <p:nvGrpSpPr>
+        <p:cNvPr id="1" name=""/>
+        <p:cNvGrpSpPr/>
+        <p:nvPr/>
+      </p:nvGrpSpPr>
+      <p:grpSpPr>
+        <a:xfrm>
+          <a:off x="0" y="0"/>
+          <a:ext cx="0" cy="0"/>
+          <a:chOff x="0" y="0"/>
+          <a:chExt cx="0" cy="0"/>
+        </a:xfrm>
+      </p:grpSpPr>
+      <p:sp>
+        <p:nvSpPr>
+          <p:cNvPr id="2" name="标题 1"/>
+          <p:cNvSpPr>
+            <a:spLocks noGrp="1"/>
+          </p:cNvSpPr>
+          <p:nvPr>
+            <p:ph type="title"/>
+          </p:nvPr>
+        </p:nvSpPr>
+        <p:spPr/>
+        <p:txBody>
+          <a:bodyPr/>
+          <a:lstStyle/>
+          <a:p>
+            <a:endParaRPr lang="en-SG"/>
+          </a:p>
+        </p:txBody>
+      </p:sp>
+      <p:sp>
+        <p:nvSpPr>
+          <p:cNvPr id="3" name="内容占位符 2"/>
+          <p:cNvSpPr>
+            <a:spLocks noGrp="1"/>
+          </p:cNvSpPr>
+          <p:nvPr>
+            <p:ph idx="1"/>
+          </p:nvPr>
+        </p:nvSpPr>
+        <p:spPr/>
+        <p:txBody>
+          <a:bodyPr/>
+          <a:lstStyle/>
+          <a:p>
+            <a:r>
+              <a:rPr lang="en-SG" dirty="0"/>
+              <a:t>Data storage</a:t>
+            </a:r>
+          </a:p>
+          <a:p>
+            <a:pPr lvl="1"/>
+            <a:r>
+              <a:rPr lang="en-US" dirty="0"/>
+              <a:t>Most of CAD/CAM software systems store the data of model by relational database.</a:t>
+            </a:r>
+            <a:endParaRPr lang="en-SG" dirty="0"/>
+          </a:p>
+          <a:p>
+            <a:endParaRPr lang="en-SG" dirty="0"/>
+          </a:p>
+        </p:txBody>
+      </p:sp>
+    </p:spTree>
+    <p:extLst>
+      <p:ext uri="{BB962C8B-B14F-4D97-AF65-F5344CB8AC3E}">
+        <p14:creationId xmlns:p14="http://schemas.microsoft.com/office/powerpoint/2010/main" val="3666742569"/>
+      </p:ext>
+    </p:extLst>
+  </p:cSld>
+  <p:clrMapOvr>
+    <a:masterClrMapping/>
+  </p:clrMapOvr>
+</p:sld>
+</file>
+
+<file path=ppt/slides/slide34.xml><?xml version="1.0" encoding="utf-8"?>
+<p:sld xmlns:a="http://schemas.openxmlformats.org/drawingml/2006/main" xmlns:r="http://schemas.openxmlformats.org/officeDocument/2006/relationships" xmlns:p="http://schemas.openxmlformats.org/presentationml/2006/main">
+  <p:cSld>
+    <p:spTree>
+      <p:nvGrpSpPr>
+        <p:cNvPr id="1" name=""/>
+        <p:cNvGrpSpPr/>
+        <p:nvPr/>
+      </p:nvGrpSpPr>
+      <p:grpSpPr>
+        <a:xfrm>
+          <a:off x="0" y="0"/>
+          <a:ext cx="0" cy="0"/>
+          <a:chOff x="0" y="0"/>
+          <a:chExt cx="0" cy="0"/>
+        </a:xfrm>
+      </p:grpSpPr>
+      <p:sp>
+        <p:nvSpPr>
+          <p:cNvPr id="2" name="标题 1"/>
+          <p:cNvSpPr>
+            <a:spLocks noGrp="1"/>
+          </p:cNvSpPr>
+          <p:nvPr>
+            <p:ph type="title"/>
+          </p:nvPr>
+        </p:nvSpPr>
+        <p:spPr/>
+        <p:txBody>
+          <a:bodyPr/>
+          <a:lstStyle/>
+          <a:p>
+            <a:r>
+              <a:rPr lang="en-SG" dirty="0" smtClean="0"/>
+              <a:t>Introduction to Geometric Modelling</a:t>
+            </a:r>
+            <a:endParaRPr lang="en-SG" dirty="0"/>
+          </a:p>
+        </p:txBody>
+      </p:sp>
+      <p:sp>
+        <p:nvSpPr>
+          <p:cNvPr id="3" name="内容占位符 2"/>
+          <p:cNvSpPr>
+            <a:spLocks noGrp="1"/>
+          </p:cNvSpPr>
+          <p:nvPr>
+            <p:ph idx="1"/>
+          </p:nvPr>
+        </p:nvSpPr>
+        <p:spPr/>
+        <p:txBody>
+          <a:bodyPr/>
+          <a:lstStyle/>
+          <a:p>
+            <a:r>
+              <a:rPr lang="en-SG" dirty="0" smtClean="0"/>
+              <a:t>Usually, geometric modelling is a combination discipline with applied mathematics and computational geometry. In this discipline, people designed varied algorithms to describe all kinds of shapes by computers.</a:t>
+            </a:r>
+          </a:p>
+          <a:p>
+            <a:r>
+              <a:rPr lang="en-SG" dirty="0" smtClean="0"/>
+              <a:t>Building two or three dimensional models is crucial content of CAD &amp; CAM.</a:t>
+            </a:r>
+            <a:endParaRPr lang="en-SG" dirty="0"/>
+          </a:p>
+        </p:txBody>
+      </p:sp>
+    </p:spTree>
+    <p:extLst>
+      <p:ext uri="{BB962C8B-B14F-4D97-AF65-F5344CB8AC3E}">
+        <p14:creationId xmlns:p14="http://schemas.microsoft.com/office/powerpoint/2010/main" val="4194142784"/>
+      </p:ext>
+    </p:extLst>
+  </p:cSld>
+  <p:clrMapOvr>
+    <a:masterClrMapping/>
+  </p:clrMapOvr>
+</p:sld>
+</file>
+
+<file path=ppt/slides/slide35.xml><?xml version="1.0" encoding="utf-8"?>
+<p:sld xmlns:a="http://schemas.openxmlformats.org/drawingml/2006/main" xmlns:r="http://schemas.openxmlformats.org/officeDocument/2006/relationships" xmlns:p="http://schemas.openxmlformats.org/presentationml/2006/main">
+  <p:cSld>
+    <p:spTree>
+      <p:nvGrpSpPr>
+        <p:cNvPr id="1" name=""/>
+        <p:cNvGrpSpPr/>
+        <p:nvPr/>
+      </p:nvGrpSpPr>
+      <p:grpSpPr>
+        <a:xfrm>
+          <a:off x="0" y="0"/>
+          <a:ext cx="0" cy="0"/>
+          <a:chOff x="0" y="0"/>
+          <a:chExt cx="0" cy="0"/>
+        </a:xfrm>
+      </p:grpSpPr>
+      <p:sp>
+        <p:nvSpPr>
+          <p:cNvPr id="2" name="标题 1"/>
+          <p:cNvSpPr>
+            <a:spLocks noGrp="1"/>
+          </p:cNvSpPr>
+          <p:nvPr>
+            <p:ph type="title"/>
+          </p:nvPr>
+        </p:nvSpPr>
+        <p:spPr/>
+        <p:txBody>
+          <a:bodyPr/>
+          <a:lstStyle/>
+          <a:p>
+            <a:r>
+              <a:rPr lang="en-SG" dirty="0" smtClean="0"/>
+              <a:t>Geometry of curve</a:t>
+            </a:r>
+            <a:endParaRPr lang="en-SG" dirty="0"/>
+          </a:p>
+        </p:txBody>
+      </p:sp>
+      <p:sp>
+        <p:nvSpPr>
+          <p:cNvPr id="3" name="内容占位符 2"/>
+          <p:cNvSpPr>
+            <a:spLocks noGrp="1"/>
+          </p:cNvSpPr>
+          <p:nvPr>
+            <p:ph idx="1"/>
+          </p:nvPr>
+        </p:nvSpPr>
+        <p:spPr/>
+        <p:txBody>
+          <a:bodyPr/>
+          <a:lstStyle/>
+          <a:p>
+            <a:r>
+              <a:rPr lang="en-SG" dirty="0" smtClean="0"/>
+              <a:t>Standard mathematic curves</a:t>
+            </a:r>
+          </a:p>
+          <a:p>
+            <a:r>
+              <a:rPr lang="en-SG" dirty="0" smtClean="0"/>
+              <a:t>Bezier curves</a:t>
+            </a:r>
+          </a:p>
+          <a:p>
+            <a:r>
+              <a:rPr lang="en-SG" dirty="0" smtClean="0"/>
+              <a:t>B-spline curves</a:t>
+            </a:r>
+          </a:p>
+          <a:p>
+            <a:r>
+              <a:rPr lang="en-SG" dirty="0" smtClean="0"/>
+              <a:t>Parameterized curves</a:t>
+            </a:r>
+          </a:p>
+          <a:p>
+            <a:r>
+              <a:rPr lang="en-SG" dirty="0" smtClean="0"/>
+              <a:t>Wire frame modelling</a:t>
+            </a:r>
+          </a:p>
+          <a:p>
+            <a:endParaRPr lang="en-SG" dirty="0"/>
+          </a:p>
+        </p:txBody>
+      </p:sp>
+    </p:spTree>
+    <p:extLst>
+      <p:ext uri="{BB962C8B-B14F-4D97-AF65-F5344CB8AC3E}">
+        <p14:creationId xmlns:p14="http://schemas.microsoft.com/office/powerpoint/2010/main" val="4172222177"/>
+      </p:ext>
+    </p:extLst>
+  </p:cSld>
+  <p:clrMapOvr>
+    <a:masterClrMapping/>
+  </p:clrMapOvr>
+</p:sld>
+</file>
+
+<file path=ppt/slides/slide36.xml><?xml version="1.0" encoding="utf-8"?>
+<p:sld xmlns:a="http://schemas.openxmlformats.org/drawingml/2006/main" xmlns:r="http://schemas.openxmlformats.org/officeDocument/2006/relationships" xmlns:p="http://schemas.openxmlformats.org/presentationml/2006/main">
+  <p:cSld>
+    <p:spTree>
+      <p:nvGrpSpPr>
+        <p:cNvPr id="1" name=""/>
+        <p:cNvGrpSpPr/>
+        <p:nvPr/>
+      </p:nvGrpSpPr>
+      <p:grpSpPr>
+        <a:xfrm>
+          <a:off x="0" y="0"/>
+          <a:ext cx="0" cy="0"/>
+          <a:chOff x="0" y="0"/>
+          <a:chExt cx="0" cy="0"/>
+        </a:xfrm>
+      </p:grpSpPr>
+      <p:sp>
+        <p:nvSpPr>
+          <p:cNvPr id="2" name="标题 1"/>
+          <p:cNvSpPr>
+            <a:spLocks noGrp="1"/>
+          </p:cNvSpPr>
+          <p:nvPr>
+            <p:ph type="title"/>
+          </p:nvPr>
+        </p:nvSpPr>
+        <p:spPr/>
+        <p:txBody>
+          <a:bodyPr/>
+          <a:lstStyle/>
+          <a:p>
+            <a:r>
+              <a:rPr lang="en-SG" dirty="0" smtClean="0"/>
+              <a:t>Geometry of surface</a:t>
+            </a:r>
+            <a:endParaRPr lang="en-SG" dirty="0"/>
+          </a:p>
+        </p:txBody>
+      </p:sp>
+      <p:sp>
+        <p:nvSpPr>
+          <p:cNvPr id="3" name="内容占位符 2"/>
+          <p:cNvSpPr>
+            <a:spLocks noGrp="1"/>
+          </p:cNvSpPr>
+          <p:nvPr>
+            <p:ph idx="1"/>
+          </p:nvPr>
+        </p:nvSpPr>
+        <p:spPr/>
+        <p:txBody>
+          <a:bodyPr/>
+          <a:lstStyle/>
+          <a:p>
+            <a:r>
+              <a:rPr lang="en-SG" dirty="0" smtClean="0"/>
+              <a:t>Ruled surfaces</a:t>
+            </a:r>
+          </a:p>
+          <a:p>
+            <a:r>
+              <a:rPr lang="en-SG" dirty="0" smtClean="0"/>
+              <a:t>Other standard mathematical surfaces</a:t>
+            </a:r>
+          </a:p>
+          <a:p>
+            <a:r>
+              <a:rPr lang="en-SG" dirty="0" smtClean="0"/>
+              <a:t>NURBS</a:t>
+            </a:r>
+          </a:p>
+          <a:p>
+            <a:r>
+              <a:rPr lang="en-SG" dirty="0" smtClean="0"/>
+              <a:t>Surface modelling</a:t>
+            </a:r>
+            <a:endParaRPr lang="en-SG" dirty="0"/>
+          </a:p>
+        </p:txBody>
+      </p:sp>
+    </p:spTree>
+    <p:extLst>
+      <p:ext uri="{BB962C8B-B14F-4D97-AF65-F5344CB8AC3E}">
+        <p14:creationId xmlns:p14="http://schemas.microsoft.com/office/powerpoint/2010/main" val="995354629"/>
+      </p:ext>
+    </p:extLst>
+  </p:cSld>
+  <p:clrMapOvr>
+    <a:masterClrMapping/>
+  </p:clrMapOvr>
+</p:sld>
+</file>
+
+<file path=ppt/slides/slide37.xml><?xml version="1.0" encoding="utf-8"?>
+<p:sld xmlns:a="http://schemas.openxmlformats.org/drawingml/2006/main" xmlns:r="http://schemas.openxmlformats.org/officeDocument/2006/relationships" xmlns:p="http://schemas.openxmlformats.org/presentationml/2006/main">
+  <p:cSld>
+    <p:spTree>
+      <p:nvGrpSpPr>
+        <p:cNvPr id="1" name=""/>
+        <p:cNvGrpSpPr/>
+        <p:nvPr/>
+      </p:nvGrpSpPr>
+      <p:grpSpPr>
+        <a:xfrm>
+          <a:off x="0" y="0"/>
+          <a:ext cx="0" cy="0"/>
+          <a:chOff x="0" y="0"/>
+          <a:chExt cx="0" cy="0"/>
+        </a:xfrm>
+      </p:grpSpPr>
+      <p:sp>
+        <p:nvSpPr>
+          <p:cNvPr id="2" name="标题 1"/>
+          <p:cNvSpPr>
+            <a:spLocks noGrp="1"/>
+          </p:cNvSpPr>
+          <p:nvPr>
+            <p:ph type="title"/>
+          </p:nvPr>
+        </p:nvSpPr>
+        <p:spPr/>
+        <p:txBody>
+          <a:bodyPr/>
+          <a:lstStyle/>
+          <a:p>
+            <a:r>
+              <a:rPr lang="en-SG" dirty="0" smtClean="0"/>
+              <a:t>Boolean operations in CSG</a:t>
+            </a:r>
+            <a:endParaRPr lang="en-SG" dirty="0"/>
+          </a:p>
+        </p:txBody>
+      </p:sp>
+      <p:sp>
+        <p:nvSpPr>
+          <p:cNvPr id="4" name="文本占位符 3"/>
+          <p:cNvSpPr>
+            <a:spLocks noGrp="1"/>
+          </p:cNvSpPr>
+          <p:nvPr>
+            <p:ph type="body" idx="1"/>
+          </p:nvPr>
+        </p:nvSpPr>
+        <p:spPr/>
+        <p:txBody>
+          <a:bodyPr/>
+          <a:lstStyle/>
+          <a:p>
+            <a:endParaRPr lang="en-SG"/>
+          </a:p>
+        </p:txBody>
+      </p:sp>
+    </p:spTree>
+    <p:extLst>
+      <p:ext uri="{BB962C8B-B14F-4D97-AF65-F5344CB8AC3E}">
+        <p14:creationId xmlns:p14="http://schemas.microsoft.com/office/powerpoint/2010/main" val="1997754333"/>
+      </p:ext>
+    </p:extLst>
+  </p:cSld>
+  <p:clrMapOvr>
+    <a:masterClrMapping/>
+  </p:clrMapOvr>
+</p:sld>
+</file>
+
+<file path=ppt/slides/slide38.xml><?xml version="1.0" encoding="utf-8"?>
+<p:sld xmlns:a="http://schemas.openxmlformats.org/drawingml/2006/main" xmlns:r="http://schemas.openxmlformats.org/officeDocument/2006/relationships" xmlns:p="http://schemas.openxmlformats.org/presentationml/2006/main">
+  <p:cSld>
+    <p:spTree>
+      <p:nvGrpSpPr>
+        <p:cNvPr id="1" name=""/>
+        <p:cNvGrpSpPr/>
+        <p:nvPr/>
+      </p:nvGrpSpPr>
+      <p:grpSpPr>
+        <a:xfrm>
+          <a:off x="0" y="0"/>
+          <a:ext cx="0" cy="0"/>
+          <a:chOff x="0" y="0"/>
+          <a:chExt cx="0" cy="0"/>
+        </a:xfrm>
+      </p:grpSpPr>
+      <p:sp>
+        <p:nvSpPr>
+          <p:cNvPr id="2" name="标题 1"/>
+          <p:cNvSpPr>
+            <a:spLocks noGrp="1"/>
+          </p:cNvSpPr>
+          <p:nvPr>
+            <p:ph type="title"/>
+          </p:nvPr>
+        </p:nvSpPr>
+        <p:spPr/>
+        <p:txBody>
+          <a:bodyPr/>
+          <a:lstStyle/>
+          <a:p>
+            <a:r>
+              <a:rPr lang="en-SG" dirty="0"/>
               <a:t>Constructive solid </a:t>
             </a:r>
             <a:r>
@@ -5811,7 +8217,7 @@
 </p:sld>
 </file>
 
-<file path=ppt/slides/slide27.xml><?xml version="1.0" encoding="utf-8"?>
+<file path=ppt/slides/slide39.xml><?xml version="1.0" encoding="utf-8"?>
 <p:sld xmlns:a="http://schemas.openxmlformats.org/drawingml/2006/main" xmlns:r="http://schemas.openxmlformats.org/officeDocument/2006/relationships" xmlns:p="http://schemas.openxmlformats.org/presentationml/2006/main">
   <p:cSld>
     <p:spTree>
@@ -5969,7 +8375,7 @@
           <a:graphicData uri="http://schemas.openxmlformats.org/presentationml/2006/ole">
             <mc:AlternateContent xmlns:mc="http://schemas.openxmlformats.org/markup-compatibility/2006">
               <mc:Choice xmlns:v="urn:schemas-microsoft-com:vml" Requires="v">
-                <p:oleObj spid="_x0000_s8284" name="Equation" r:id="rId6" imgW="419040" imgH="164880" progId="Equation.DSMT4">
+                <p:oleObj spid="_x0000_s8344" name="Equation" r:id="rId6" imgW="419040" imgH="164880" progId="Equation.DSMT4">
                   <p:embed/>
                 </p:oleObj>
               </mc:Choice>
@@ -6011,23 +8417,27 @@
             <a:graphicFrameLocks noChangeAspect="1"/>
           </p:cNvGraphicFramePr>
           <p:nvPr>
-            <p:extLst/>
+            <p:extLst>
+              <p:ext uri="{D42A27DB-BD31-4B8C-83A1-F6EECF244321}">
+                <p14:modId xmlns:p14="http://schemas.microsoft.com/office/powerpoint/2010/main" val="2989774376"/>
+              </p:ext>
+            </p:extLst>
           </p:nvPr>
         </p:nvGraphicFramePr>
         <p:xfrm>
-          <a:off x="5657326" y="5028441"/>
-          <a:ext cx="877347" cy="382298"/>
+          <a:off x="5657056" y="5031327"/>
+          <a:ext cx="877888" cy="935038"/>
         </p:xfrm>
         <a:graphic>
           <a:graphicData uri="http://schemas.openxmlformats.org/presentationml/2006/ole">
             <mc:AlternateContent xmlns:mc="http://schemas.openxmlformats.org/markup-compatibility/2006">
               <mc:Choice xmlns:v="urn:schemas-microsoft-com:vml" Requires="v">
-                <p:oleObj spid="_x0000_s8285" name="Equation" r:id="rId8" imgW="380880" imgH="164880" progId="Equation.DSMT4">
+                <p:oleObj spid="_x0000_s8345" name="Equation" r:id="rId8" imgW="380880" imgH="406080" progId="Equation.DSMT4">
                   <p:embed/>
                 </p:oleObj>
               </mc:Choice>
               <mc:Fallback>
-                <p:oleObj name="Equation" r:id="rId8" imgW="380880" imgH="164880" progId="Equation.DSMT4">
+                <p:oleObj name="Equation" r:id="rId8" imgW="380880" imgH="406080" progId="Equation.DSMT4">
                   <p:embed/>
                   <p:pic>
                     <p:nvPicPr>
@@ -6043,8 +8453,8 @@
                     </p:blipFill>
                     <p:spPr>
                       <a:xfrm>
-                        <a:off x="5657326" y="5028441"/>
-                        <a:ext cx="877347" cy="382298"/>
+                        <a:off x="5657056" y="5031327"/>
+                        <a:ext cx="877888" cy="935038"/>
                       </a:xfrm>
                       <a:prstGeom prst="rect">
                         <a:avLst/>
@@ -6075,7 +8485,7 @@
           <a:graphicData uri="http://schemas.openxmlformats.org/presentationml/2006/ole">
             <mc:AlternateContent xmlns:mc="http://schemas.openxmlformats.org/markup-compatibility/2006">
               <mc:Choice xmlns:v="urn:schemas-microsoft-com:vml" Requires="v">
-                <p:oleObj spid="_x0000_s8286" name="Equation" r:id="rId10" imgW="419040" imgH="164880" progId="Equation.DSMT4">
+                <p:oleObj spid="_x0000_s8346" name="Equation" r:id="rId10" imgW="419040" imgH="164880" progId="Equation.DSMT4">
                   <p:embed/>
                 </p:oleObj>
               </mc:Choice>
@@ -6123,7 +8533,79 @@
 </p:sld>
 </file>
 
-<file path=ppt/slides/slide28.xml><?xml version="1.0" encoding="utf-8"?>
+<file path=ppt/slides/slide4.xml><?xml version="1.0" encoding="utf-8"?>
+<p:sld xmlns:a="http://schemas.openxmlformats.org/drawingml/2006/main" xmlns:r="http://schemas.openxmlformats.org/officeDocument/2006/relationships" xmlns:p="http://schemas.openxmlformats.org/presentationml/2006/main">
+  <p:cSld>
+    <p:spTree>
+      <p:nvGrpSpPr>
+        <p:cNvPr id="1" name=""/>
+        <p:cNvGrpSpPr/>
+        <p:nvPr/>
+      </p:nvGrpSpPr>
+      <p:grpSpPr>
+        <a:xfrm>
+          <a:off x="0" y="0"/>
+          <a:ext cx="0" cy="0"/>
+          <a:chOff x="0" y="0"/>
+          <a:chExt cx="0" cy="0"/>
+        </a:xfrm>
+      </p:grpSpPr>
+      <p:sp>
+        <p:nvSpPr>
+          <p:cNvPr id="2" name="标题 1"/>
+          <p:cNvSpPr>
+            <a:spLocks noGrp="1"/>
+          </p:cNvSpPr>
+          <p:nvPr>
+            <p:ph type="ctrTitle"/>
+          </p:nvPr>
+        </p:nvSpPr>
+        <p:spPr/>
+        <p:txBody>
+          <a:bodyPr/>
+          <a:lstStyle/>
+          <a:p>
+            <a:r>
+              <a:rPr lang="en-SG" sz="7200" dirty="0" smtClean="0"/>
+              <a:t>CAD</a:t>
+            </a:r>
+            <a:endParaRPr lang="en-SG" dirty="0"/>
+          </a:p>
+        </p:txBody>
+      </p:sp>
+      <p:sp>
+        <p:nvSpPr>
+          <p:cNvPr id="3" name="副标题 2"/>
+          <p:cNvSpPr>
+            <a:spLocks noGrp="1"/>
+          </p:cNvSpPr>
+          <p:nvPr>
+            <p:ph type="subTitle" idx="1"/>
+          </p:nvPr>
+        </p:nvSpPr>
+        <p:spPr/>
+        <p:txBody>
+          <a:bodyPr/>
+          <a:lstStyle/>
+          <a:p>
+            <a:endParaRPr lang="en-SG"/>
+          </a:p>
+        </p:txBody>
+      </p:sp>
+    </p:spTree>
+    <p:extLst>
+      <p:ext uri="{BB962C8B-B14F-4D97-AF65-F5344CB8AC3E}">
+        <p14:creationId xmlns:p14="http://schemas.microsoft.com/office/powerpoint/2010/main" val="3266173217"/>
+      </p:ext>
+    </p:extLst>
+  </p:cSld>
+  <p:clrMapOvr>
+    <a:masterClrMapping/>
+  </p:clrMapOvr>
+</p:sld>
+</file>
+
+<file path=ppt/slides/slide40.xml><?xml version="1.0" encoding="utf-8"?>
 <p:sld xmlns:a="http://schemas.openxmlformats.org/drawingml/2006/main" xmlns:r="http://schemas.openxmlformats.org/officeDocument/2006/relationships" xmlns:p="http://schemas.openxmlformats.org/presentationml/2006/main">
   <p:cSld>
     <p:spTree>
@@ -6261,7 +8743,7 @@
 </p:sld>
 </file>
 
-<file path=ppt/slides/slide29.xml><?xml version="1.0" encoding="utf-8"?>
+<file path=ppt/slides/slide41.xml><?xml version="1.0" encoding="utf-8"?>
 <p:sld xmlns:a="http://schemas.openxmlformats.org/drawingml/2006/main" xmlns:r="http://schemas.openxmlformats.org/officeDocument/2006/relationships" xmlns:p="http://schemas.openxmlformats.org/presentationml/2006/main">
   <p:cSld>
     <p:spTree>
@@ -6368,7 +8850,7 @@
 </p:sld>
 </file>
 
-<file path=ppt/slides/slide3.xml><?xml version="1.0" encoding="utf-8"?>
+<file path=ppt/slides/slide42.xml><?xml version="1.0" encoding="utf-8"?>
 <p:sld xmlns:a="http://schemas.openxmlformats.org/drawingml/2006/main" xmlns:r="http://schemas.openxmlformats.org/officeDocument/2006/relationships" xmlns:p="http://schemas.openxmlformats.org/presentationml/2006/main">
   <p:cSld>
     <p:spTree>
@@ -6401,92 +8883,6 @@
           <a:lstStyle/>
           <a:p>
             <a:r>
-              <a:rPr lang="en-US" dirty="0" smtClean="0"/>
-              <a:t>CAD/CAM system</a:t>
-            </a:r>
-            <a:endParaRPr lang="en-SG" dirty="0"/>
-          </a:p>
-        </p:txBody>
-      </p:sp>
-      <p:sp>
-        <p:nvSpPr>
-          <p:cNvPr id="3" name="内容占位符 2"/>
-          <p:cNvSpPr>
-            <a:spLocks noGrp="1"/>
-          </p:cNvSpPr>
-          <p:nvPr>
-            <p:ph idx="1"/>
-          </p:nvPr>
-        </p:nvSpPr>
-        <p:spPr/>
-        <p:txBody>
-          <a:bodyPr/>
-          <a:lstStyle/>
-          <a:p>
-            <a:r>
-              <a:rPr lang="en-US" dirty="0" smtClean="0"/>
-              <a:t>Today, almost all the CAD/CAM software systems are interactive. To use this kind of system well, one, </a:t>
-            </a:r>
-            <a:r>
-              <a:rPr lang="en-US" dirty="0"/>
-              <a:t>as a designer or </a:t>
-            </a:r>
-            <a:r>
-              <a:rPr lang="en-US" dirty="0" smtClean="0"/>
-              <a:t>user, should know of how these systems work and how to set or get information with CAD/CAM system through GUI(Graphics User Interface)</a:t>
-            </a:r>
-          </a:p>
-          <a:p>
-            <a:endParaRPr lang="en-SG" dirty="0"/>
-          </a:p>
-        </p:txBody>
-      </p:sp>
-    </p:spTree>
-    <p:extLst>
-      <p:ext uri="{BB962C8B-B14F-4D97-AF65-F5344CB8AC3E}">
-        <p14:creationId xmlns:p14="http://schemas.microsoft.com/office/powerpoint/2010/main" val="3627894515"/>
-      </p:ext>
-    </p:extLst>
-  </p:cSld>
-  <p:clrMapOvr>
-    <a:masterClrMapping/>
-  </p:clrMapOvr>
-</p:sld>
-</file>
-
-<file path=ppt/slides/slide30.xml><?xml version="1.0" encoding="utf-8"?>
-<p:sld xmlns:a="http://schemas.openxmlformats.org/drawingml/2006/main" xmlns:r="http://schemas.openxmlformats.org/officeDocument/2006/relationships" xmlns:p="http://schemas.openxmlformats.org/presentationml/2006/main">
-  <p:cSld>
-    <p:spTree>
-      <p:nvGrpSpPr>
-        <p:cNvPr id="1" name=""/>
-        <p:cNvGrpSpPr/>
-        <p:nvPr/>
-      </p:nvGrpSpPr>
-      <p:grpSpPr>
-        <a:xfrm>
-          <a:off x="0" y="0"/>
-          <a:ext cx="0" cy="0"/>
-          <a:chOff x="0" y="0"/>
-          <a:chExt cx="0" cy="0"/>
-        </a:xfrm>
-      </p:grpSpPr>
-      <p:sp>
-        <p:nvSpPr>
-          <p:cNvPr id="2" name="标题 1"/>
-          <p:cNvSpPr>
-            <a:spLocks noGrp="1"/>
-          </p:cNvSpPr>
-          <p:nvPr>
-            <p:ph type="title"/>
-          </p:nvPr>
-        </p:nvSpPr>
-        <p:spPr/>
-        <p:txBody>
-          <a:bodyPr/>
-          <a:lstStyle/>
-          <a:p>
-            <a:r>
               <a:rPr lang="en-SG" dirty="0" smtClean="0"/>
               <a:t>Three methods to create 3D models</a:t>
             </a:r>
@@ -6526,7 +8922,7 @@
 </p:sld>
 </file>
 
-<file path=ppt/slides/slide31.xml><?xml version="1.0" encoding="utf-8"?>
+<file path=ppt/slides/slide43.xml><?xml version="1.0" encoding="utf-8"?>
 <p:sld xmlns:a="http://schemas.openxmlformats.org/drawingml/2006/main" xmlns:r="http://schemas.openxmlformats.org/officeDocument/2006/relationships" xmlns:p="http://schemas.openxmlformats.org/presentationml/2006/main">
   <p:cSld>
     <p:spTree>
@@ -6634,7 +9030,61 @@
 </p:sld>
 </file>
 
-<file path=ppt/slides/slide32.xml><?xml version="1.0" encoding="utf-8"?>
+<file path=ppt/slides/slide44.xml><?xml version="1.0" encoding="utf-8"?>
+<p:sld xmlns:a="http://schemas.openxmlformats.org/drawingml/2006/main" xmlns:r="http://schemas.openxmlformats.org/officeDocument/2006/relationships" xmlns:p="http://schemas.openxmlformats.org/presentationml/2006/main">
+  <p:cSld>
+    <p:spTree>
+      <p:nvGrpSpPr>
+        <p:cNvPr id="1" name=""/>
+        <p:cNvGrpSpPr/>
+        <p:nvPr/>
+      </p:nvGrpSpPr>
+      <p:grpSpPr>
+        <a:xfrm>
+          <a:off x="0" y="0"/>
+          <a:ext cx="0" cy="0"/>
+          <a:chOff x="0" y="0"/>
+          <a:chExt cx="0" cy="0"/>
+        </a:xfrm>
+      </p:grpSpPr>
+      <p:pic>
+        <p:nvPicPr>
+          <p:cNvPr id="4" name="图片 3"/>
+          <p:cNvPicPr>
+            <a:picLocks noChangeAspect="1"/>
+          </p:cNvPicPr>
+          <p:nvPr/>
+        </p:nvPicPr>
+        <p:blipFill>
+          <a:blip r:embed="rId2"/>
+          <a:stretch>
+            <a:fillRect/>
+          </a:stretch>
+        </p:blipFill>
+        <p:spPr>
+          <a:xfrm>
+            <a:off x="394670" y="603849"/>
+            <a:ext cx="11245983" cy="5572664"/>
+          </a:xfrm>
+          <a:prstGeom prst="rect">
+            <a:avLst/>
+          </a:prstGeom>
+        </p:spPr>
+      </p:pic>
+    </p:spTree>
+    <p:extLst>
+      <p:ext uri="{BB962C8B-B14F-4D97-AF65-F5344CB8AC3E}">
+        <p14:creationId xmlns:p14="http://schemas.microsoft.com/office/powerpoint/2010/main" val="1570489005"/>
+      </p:ext>
+    </p:extLst>
+  </p:cSld>
+  <p:clrMapOvr>
+    <a:masterClrMapping/>
+  </p:clrMapOvr>
+</p:sld>
+</file>
+
+<file path=ppt/slides/slide45.xml><?xml version="1.0" encoding="utf-8"?>
 <p:sld xmlns:a="http://schemas.openxmlformats.org/drawingml/2006/main" xmlns:r="http://schemas.openxmlformats.org/officeDocument/2006/relationships" xmlns:p="http://schemas.openxmlformats.org/presentationml/2006/main">
   <p:cSld>
     <p:spTree>
@@ -6742,7 +9192,7 @@
 </p:sld>
 </file>
 
-<file path=ppt/slides/slide33.xml><?xml version="1.0" encoding="utf-8"?>
+<file path=ppt/slides/slide46.xml><?xml version="1.0" encoding="utf-8"?>
 <p:sld xmlns:a="http://schemas.openxmlformats.org/drawingml/2006/main" xmlns:r="http://schemas.openxmlformats.org/officeDocument/2006/relationships" xmlns:p="http://schemas.openxmlformats.org/presentationml/2006/main">
   <p:cSld>
     <p:spTree>
@@ -6878,1451 +9328,6 @@
 </p:sld>
 </file>
 
-<file path=ppt/slides/slide34.xml><?xml version="1.0" encoding="utf-8"?>
-<p:sld xmlns:a="http://schemas.openxmlformats.org/drawingml/2006/main" xmlns:r="http://schemas.openxmlformats.org/officeDocument/2006/relationships" xmlns:p="http://schemas.openxmlformats.org/presentationml/2006/main">
-  <p:cSld>
-    <p:spTree>
-      <p:nvGrpSpPr>
-        <p:cNvPr id="1" name=""/>
-        <p:cNvGrpSpPr/>
-        <p:nvPr/>
-      </p:nvGrpSpPr>
-      <p:grpSpPr>
-        <a:xfrm>
-          <a:off x="0" y="0"/>
-          <a:ext cx="0" cy="0"/>
-          <a:chOff x="0" y="0"/>
-          <a:chExt cx="0" cy="0"/>
-        </a:xfrm>
-      </p:grpSpPr>
-      <p:sp>
-        <p:nvSpPr>
-          <p:cNvPr id="2" name="标题 1"/>
-          <p:cNvSpPr>
-            <a:spLocks noGrp="1"/>
-          </p:cNvSpPr>
-          <p:nvPr>
-            <p:ph type="title"/>
-          </p:nvPr>
-        </p:nvSpPr>
-        <p:spPr/>
-        <p:txBody>
-          <a:bodyPr/>
-          <a:lstStyle/>
-          <a:p>
-            <a:r>
-              <a:rPr lang="en-SG" dirty="0"/>
-              <a:t>Sketch method</a:t>
-            </a:r>
-          </a:p>
-        </p:txBody>
-      </p:sp>
-      <p:sp>
-        <p:nvSpPr>
-          <p:cNvPr id="3" name="内容占位符 2"/>
-          <p:cNvSpPr>
-            <a:spLocks noGrp="1"/>
-          </p:cNvSpPr>
-          <p:nvPr>
-            <p:ph idx="1"/>
-          </p:nvPr>
-        </p:nvSpPr>
-        <p:spPr/>
-        <p:txBody>
-          <a:bodyPr/>
-          <a:lstStyle/>
-          <a:p>
-            <a:r>
-              <a:rPr lang="en-SG" dirty="0" smtClean="0"/>
-              <a:t>The main steps of sketch method to create 3D models are</a:t>
-            </a:r>
-          </a:p>
-          <a:p>
-            <a:pPr marL="914400" lvl="1" indent="-457200">
-              <a:buFont typeface="+mj-lt"/>
-              <a:buAutoNum type="arabicPeriod"/>
-            </a:pPr>
-            <a:r>
-              <a:rPr lang="en-SG" dirty="0" smtClean="0"/>
-              <a:t>Define a sketch plane as cross section;</a:t>
-            </a:r>
-          </a:p>
-          <a:p>
-            <a:pPr marL="914400" lvl="1" indent="-457200">
-              <a:buFont typeface="+mj-lt"/>
-              <a:buAutoNum type="arabicPeriod"/>
-            </a:pPr>
-            <a:r>
-              <a:rPr lang="en-SG" dirty="0" smtClean="0"/>
-              <a:t>Sketch 2D shapes on the cross section;</a:t>
-            </a:r>
-          </a:p>
-          <a:p>
-            <a:pPr marL="914400" lvl="1" indent="-457200">
-              <a:buFont typeface="+mj-lt"/>
-              <a:buAutoNum type="arabicPeriod"/>
-            </a:pPr>
-            <a:r>
-              <a:rPr lang="en-SG" dirty="0" smtClean="0"/>
-              <a:t>Constraint 2D shapes with accurate dimensions;</a:t>
-            </a:r>
-          </a:p>
-          <a:p>
-            <a:pPr marL="914400" lvl="1" indent="-457200">
-              <a:buFont typeface="+mj-lt"/>
-              <a:buAutoNum type="arabicPeriod"/>
-            </a:pPr>
-            <a:r>
-              <a:rPr lang="en-SG" dirty="0" smtClean="0"/>
-              <a:t>Perform 2D to </a:t>
-            </a:r>
-            <a:r>
-              <a:rPr lang="en-SG" smtClean="0"/>
-              <a:t>3D operations.</a:t>
-            </a:r>
-            <a:endParaRPr lang="en-SG" dirty="0" smtClean="0"/>
-          </a:p>
-          <a:p>
-            <a:pPr marL="914400" lvl="1" indent="-457200">
-              <a:buFont typeface="+mj-lt"/>
-              <a:buAutoNum type="arabicPeriod"/>
-            </a:pPr>
-            <a:endParaRPr lang="en-SG" dirty="0"/>
-          </a:p>
-        </p:txBody>
-      </p:sp>
-    </p:spTree>
-    <p:extLst>
-      <p:ext uri="{BB962C8B-B14F-4D97-AF65-F5344CB8AC3E}">
-        <p14:creationId xmlns:p14="http://schemas.microsoft.com/office/powerpoint/2010/main" val="4198518572"/>
-      </p:ext>
-    </p:extLst>
-  </p:cSld>
-  <p:clrMapOvr>
-    <a:masterClrMapping/>
-  </p:clrMapOvr>
-</p:sld>
-</file>
-
-<file path=ppt/slides/slide35.xml><?xml version="1.0" encoding="utf-8"?>
-<p:sld xmlns:a="http://schemas.openxmlformats.org/drawingml/2006/main" xmlns:r="http://schemas.openxmlformats.org/officeDocument/2006/relationships" xmlns:p="http://schemas.openxmlformats.org/presentationml/2006/main">
-  <p:cSld>
-    <p:spTree>
-      <p:nvGrpSpPr>
-        <p:cNvPr id="1" name=""/>
-        <p:cNvGrpSpPr/>
-        <p:nvPr/>
-      </p:nvGrpSpPr>
-      <p:grpSpPr>
-        <a:xfrm>
-          <a:off x="0" y="0"/>
-          <a:ext cx="0" cy="0"/>
-          <a:chOff x="0" y="0"/>
-          <a:chExt cx="0" cy="0"/>
-        </a:xfrm>
-      </p:grpSpPr>
-      <p:sp>
-        <p:nvSpPr>
-          <p:cNvPr id="4" name="标题 3"/>
-          <p:cNvSpPr>
-            <a:spLocks noGrp="1"/>
-          </p:cNvSpPr>
-          <p:nvPr>
-            <p:ph type="title"/>
-          </p:nvPr>
-        </p:nvSpPr>
-        <p:spPr/>
-        <p:txBody>
-          <a:bodyPr/>
-          <a:lstStyle/>
-          <a:p>
-            <a:r>
-              <a:rPr lang="en-SG" dirty="0"/>
-              <a:t>Key disciplines of modelling in </a:t>
-            </a:r>
-            <a:r>
-              <a:rPr lang="en-SG" dirty="0" err="1"/>
-              <a:t>Solidworks</a:t>
-            </a:r>
-            <a:endParaRPr lang="en-SG" dirty="0"/>
-          </a:p>
-        </p:txBody>
-      </p:sp>
-      <p:sp>
-        <p:nvSpPr>
-          <p:cNvPr id="5" name="文本占位符 4"/>
-          <p:cNvSpPr>
-            <a:spLocks noGrp="1"/>
-          </p:cNvSpPr>
-          <p:nvPr>
-            <p:ph type="body" idx="1"/>
-          </p:nvPr>
-        </p:nvSpPr>
-        <p:spPr/>
-        <p:txBody>
-          <a:bodyPr/>
-          <a:lstStyle/>
-          <a:p>
-            <a:endParaRPr lang="en-SG"/>
-          </a:p>
-        </p:txBody>
-      </p:sp>
-    </p:spTree>
-    <p:extLst>
-      <p:ext uri="{BB962C8B-B14F-4D97-AF65-F5344CB8AC3E}">
-        <p14:creationId xmlns:p14="http://schemas.microsoft.com/office/powerpoint/2010/main" val="2395669259"/>
-      </p:ext>
-    </p:extLst>
-  </p:cSld>
-  <p:clrMapOvr>
-    <a:masterClrMapping/>
-  </p:clrMapOvr>
-</p:sld>
-</file>
-
-<file path=ppt/slides/slide36.xml><?xml version="1.0" encoding="utf-8"?>
-<p:sld xmlns:a="http://schemas.openxmlformats.org/drawingml/2006/main" xmlns:r="http://schemas.openxmlformats.org/officeDocument/2006/relationships" xmlns:p="http://schemas.openxmlformats.org/presentationml/2006/main">
-  <p:cSld>
-    <p:spTree>
-      <p:nvGrpSpPr>
-        <p:cNvPr id="1" name=""/>
-        <p:cNvGrpSpPr/>
-        <p:nvPr/>
-      </p:nvGrpSpPr>
-      <p:grpSpPr>
-        <a:xfrm>
-          <a:off x="0" y="0"/>
-          <a:ext cx="0" cy="0"/>
-          <a:chOff x="0" y="0"/>
-          <a:chExt cx="0" cy="0"/>
-        </a:xfrm>
-      </p:grpSpPr>
-      <p:sp>
-        <p:nvSpPr>
-          <p:cNvPr id="2" name="标题 1"/>
-          <p:cNvSpPr>
-            <a:spLocks noGrp="1"/>
-          </p:cNvSpPr>
-          <p:nvPr>
-            <p:ph type="title"/>
-          </p:nvPr>
-        </p:nvSpPr>
-        <p:spPr/>
-        <p:txBody>
-          <a:bodyPr/>
-          <a:lstStyle/>
-          <a:p>
-            <a:r>
-              <a:rPr lang="en-SG" dirty="0" smtClean="0"/>
-              <a:t>Key disciplines of modelling in </a:t>
-            </a:r>
-            <a:r>
-              <a:rPr lang="en-SG" dirty="0" err="1" smtClean="0"/>
-              <a:t>Solidworks</a:t>
-            </a:r>
-            <a:endParaRPr lang="en-SG" baseline="30000" dirty="0"/>
-          </a:p>
-        </p:txBody>
-      </p:sp>
-      <p:sp>
-        <p:nvSpPr>
-          <p:cNvPr id="3" name="内容占位符 2"/>
-          <p:cNvSpPr>
-            <a:spLocks noGrp="1"/>
-          </p:cNvSpPr>
-          <p:nvPr>
-            <p:ph idx="1"/>
-          </p:nvPr>
-        </p:nvSpPr>
-        <p:spPr/>
-        <p:txBody>
-          <a:bodyPr/>
-          <a:lstStyle/>
-          <a:p>
-            <a:r>
-              <a:rPr lang="en-SG" dirty="0" smtClean="0"/>
-              <a:t>For basic bodies, generate 3D model by taking use of 2D shapes;</a:t>
-            </a:r>
-          </a:p>
-          <a:p>
-            <a:r>
-              <a:rPr lang="en-SG" dirty="0" smtClean="0"/>
-              <a:t>Combine basic bodies to create a complex body;</a:t>
-            </a:r>
-          </a:p>
-          <a:p>
-            <a:r>
-              <a:rPr lang="en-SG" dirty="0"/>
-              <a:t>R</a:t>
-            </a:r>
-            <a:r>
-              <a:rPr lang="en-SG" dirty="0" smtClean="0"/>
-              <a:t>epeated bodies can be made through array operations;</a:t>
-            </a:r>
-          </a:p>
-          <a:p>
-            <a:pPr marL="0" indent="0">
-              <a:buNone/>
-            </a:pPr>
-            <a:r>
-              <a:rPr lang="en-SG" dirty="0" smtClean="0"/>
-              <a:t> </a:t>
-            </a:r>
-          </a:p>
-          <a:p>
-            <a:endParaRPr lang="en-SG" dirty="0"/>
-          </a:p>
-        </p:txBody>
-      </p:sp>
-    </p:spTree>
-    <p:extLst>
-      <p:ext uri="{BB962C8B-B14F-4D97-AF65-F5344CB8AC3E}">
-        <p14:creationId xmlns:p14="http://schemas.microsoft.com/office/powerpoint/2010/main" val="164022275"/>
-      </p:ext>
-    </p:extLst>
-  </p:cSld>
-  <p:clrMapOvr>
-    <a:masterClrMapping/>
-  </p:clrMapOvr>
-</p:sld>
-</file>
-
-<file path=ppt/slides/slide37.xml><?xml version="1.0" encoding="utf-8"?>
-<p:sld xmlns:a="http://schemas.openxmlformats.org/drawingml/2006/main" xmlns:r="http://schemas.openxmlformats.org/officeDocument/2006/relationships" xmlns:p="http://schemas.openxmlformats.org/presentationml/2006/main">
-  <p:cSld>
-    <p:spTree>
-      <p:nvGrpSpPr>
-        <p:cNvPr id="1" name=""/>
-        <p:cNvGrpSpPr/>
-        <p:nvPr/>
-      </p:nvGrpSpPr>
-      <p:grpSpPr>
-        <a:xfrm>
-          <a:off x="0" y="0"/>
-          <a:ext cx="0" cy="0"/>
-          <a:chOff x="0" y="0"/>
-          <a:chExt cx="0" cy="0"/>
-        </a:xfrm>
-      </p:grpSpPr>
-      <p:sp>
-        <p:nvSpPr>
-          <p:cNvPr id="2" name="标题 1"/>
-          <p:cNvSpPr>
-            <a:spLocks noGrp="1"/>
-          </p:cNvSpPr>
-          <p:nvPr>
-            <p:ph type="title"/>
-          </p:nvPr>
-        </p:nvSpPr>
-        <p:spPr/>
-        <p:txBody>
-          <a:bodyPr/>
-          <a:lstStyle/>
-          <a:p>
-            <a:r>
-              <a:rPr lang="en-SG" dirty="0" smtClean="0"/>
-              <a:t>Coordinate system</a:t>
-            </a:r>
-          </a:p>
-        </p:txBody>
-      </p:sp>
-      <p:sp>
-        <p:nvSpPr>
-          <p:cNvPr id="3" name="内容占位符 2"/>
-          <p:cNvSpPr>
-            <a:spLocks noGrp="1"/>
-          </p:cNvSpPr>
-          <p:nvPr>
-            <p:ph idx="1"/>
-          </p:nvPr>
-        </p:nvSpPr>
-        <p:spPr/>
-        <p:txBody>
-          <a:bodyPr>
-            <a:normAutofit fontScale="92500" lnSpcReduction="10000"/>
-          </a:bodyPr>
-          <a:lstStyle/>
-          <a:p>
-            <a:r>
-              <a:rPr lang="en-SG" dirty="0">
-                <a:solidFill>
-                  <a:srgbClr val="FF0000"/>
-                </a:solidFill>
-              </a:rPr>
-              <a:t>Coordinate systems are the most important concept in a CAD system. They are used </a:t>
-            </a:r>
-            <a:r>
-              <a:rPr lang="en-SG" dirty="0" smtClean="0">
-                <a:solidFill>
-                  <a:srgbClr val="FF0000"/>
-                </a:solidFill>
-              </a:rPr>
-              <a:t>to  </a:t>
-            </a:r>
-            <a:r>
-              <a:rPr lang="en-SG" dirty="0">
-                <a:solidFill>
-                  <a:srgbClr val="FF0000"/>
-                </a:solidFill>
-              </a:rPr>
-              <a:t>input,  store,  and  display  geometric  model.  There  are  three  kinds  of  coordinate </a:t>
-            </a:r>
-            <a:r>
-              <a:rPr lang="en-SG" dirty="0" smtClean="0">
-                <a:solidFill>
-                  <a:srgbClr val="FF0000"/>
-                </a:solidFill>
-              </a:rPr>
-              <a:t>systems</a:t>
-            </a:r>
-            <a:r>
-              <a:rPr lang="en-SG" dirty="0">
-                <a:solidFill>
-                  <a:srgbClr val="FF0000"/>
-                </a:solidFill>
-              </a:rPr>
-              <a:t>, that is, model coordinate system (MCS), working coordinate system (WCS), </a:t>
-            </a:r>
-            <a:r>
-              <a:rPr lang="en-SG" dirty="0" smtClean="0">
-                <a:solidFill>
-                  <a:srgbClr val="FF0000"/>
-                </a:solidFill>
-              </a:rPr>
-              <a:t>and </a:t>
-            </a:r>
-            <a:r>
-              <a:rPr lang="en-SG" dirty="0">
-                <a:solidFill>
-                  <a:srgbClr val="FF0000"/>
-                </a:solidFill>
-              </a:rPr>
-              <a:t>screen coordinate system (SCS).</a:t>
-            </a:r>
-          </a:p>
-          <a:p>
-            <a:r>
-              <a:rPr lang="en-SG" dirty="0" smtClean="0"/>
-              <a:t>By default, there are already a coordinates system provided for user by SOLIDWORKS every time you open a new modelling project. Usually</a:t>
-            </a:r>
-            <a:r>
-              <a:rPr lang="en-SG" dirty="0"/>
-              <a:t>, at the lower-left corner of the canvas, you can notice the symbol of coordinate system with three axes</a:t>
-            </a:r>
-            <a:r>
-              <a:rPr lang="en-SG" dirty="0" smtClean="0"/>
-              <a:t>.</a:t>
-            </a:r>
-          </a:p>
-          <a:p>
-            <a:r>
-              <a:rPr lang="en-SG" dirty="0" smtClean="0"/>
-              <a:t>Whenever user need to carry on some location or orientation related modelling steps, the coordination system should be considered.</a:t>
-            </a:r>
-          </a:p>
-          <a:p>
-            <a:r>
-              <a:rPr lang="en-US" dirty="0" smtClean="0"/>
-              <a:t>For example, in the scenarios of re-oriented a model or two models comparing user should define his own reference coordinate systems. </a:t>
-            </a:r>
-            <a:endParaRPr lang="en-SG" dirty="0"/>
-          </a:p>
-        </p:txBody>
-      </p:sp>
-    </p:spTree>
-    <p:extLst>
-      <p:ext uri="{BB962C8B-B14F-4D97-AF65-F5344CB8AC3E}">
-        <p14:creationId xmlns:p14="http://schemas.microsoft.com/office/powerpoint/2010/main" val="1304840193"/>
-      </p:ext>
-    </p:extLst>
-  </p:cSld>
-  <p:clrMapOvr>
-    <a:masterClrMapping/>
-  </p:clrMapOvr>
-</p:sld>
-</file>
-
-<file path=ppt/slides/slide38.xml><?xml version="1.0" encoding="utf-8"?>
-<p:sld xmlns:a="http://schemas.openxmlformats.org/drawingml/2006/main" xmlns:r="http://schemas.openxmlformats.org/officeDocument/2006/relationships" xmlns:p="http://schemas.openxmlformats.org/presentationml/2006/main">
-  <p:cSld>
-    <p:spTree>
-      <p:nvGrpSpPr>
-        <p:cNvPr id="1" name=""/>
-        <p:cNvGrpSpPr/>
-        <p:nvPr/>
-      </p:nvGrpSpPr>
-      <p:grpSpPr>
-        <a:xfrm>
-          <a:off x="0" y="0"/>
-          <a:ext cx="0" cy="0"/>
-          <a:chOff x="0" y="0"/>
-          <a:chExt cx="0" cy="0"/>
-        </a:xfrm>
-      </p:grpSpPr>
-      <p:sp>
-        <p:nvSpPr>
-          <p:cNvPr id="2" name="标题 1"/>
-          <p:cNvSpPr>
-            <a:spLocks noGrp="1"/>
-          </p:cNvSpPr>
-          <p:nvPr>
-            <p:ph type="title"/>
-          </p:nvPr>
-        </p:nvSpPr>
-        <p:spPr/>
-        <p:txBody>
-          <a:bodyPr/>
-          <a:lstStyle/>
-          <a:p>
-            <a:r>
-              <a:rPr lang="en-SG" dirty="0" smtClean="0"/>
-              <a:t>References objects</a:t>
-            </a:r>
-            <a:endParaRPr lang="en-SG" dirty="0"/>
-          </a:p>
-        </p:txBody>
-      </p:sp>
-      <p:sp>
-        <p:nvSpPr>
-          <p:cNvPr id="3" name="内容占位符 2"/>
-          <p:cNvSpPr>
-            <a:spLocks noGrp="1"/>
-          </p:cNvSpPr>
-          <p:nvPr>
-            <p:ph idx="1"/>
-          </p:nvPr>
-        </p:nvSpPr>
-        <p:spPr/>
-        <p:txBody>
-          <a:bodyPr/>
-          <a:lstStyle/>
-          <a:p>
-            <a:r>
-              <a:rPr lang="en-SG" dirty="0" smtClean="0"/>
-              <a:t>Reference points</a:t>
-            </a:r>
-          </a:p>
-          <a:p>
-            <a:r>
-              <a:rPr lang="en-SG" dirty="0" smtClean="0"/>
-              <a:t>Reference vectors/axes</a:t>
-            </a:r>
-          </a:p>
-          <a:p>
-            <a:r>
-              <a:rPr lang="en-SG" dirty="0" smtClean="0"/>
-              <a:t>Reference plane</a:t>
-            </a:r>
-          </a:p>
-          <a:p>
-            <a:endParaRPr lang="en-SG" dirty="0"/>
-          </a:p>
-        </p:txBody>
-      </p:sp>
-    </p:spTree>
-    <p:extLst>
-      <p:ext uri="{BB962C8B-B14F-4D97-AF65-F5344CB8AC3E}">
-        <p14:creationId xmlns:p14="http://schemas.microsoft.com/office/powerpoint/2010/main" val="224841182"/>
-      </p:ext>
-    </p:extLst>
-  </p:cSld>
-  <p:clrMapOvr>
-    <a:masterClrMapping/>
-  </p:clrMapOvr>
-</p:sld>
-</file>
-
-<file path=ppt/slides/slide39.xml><?xml version="1.0" encoding="utf-8"?>
-<p:sld xmlns:a="http://schemas.openxmlformats.org/drawingml/2006/main" xmlns:r="http://schemas.openxmlformats.org/officeDocument/2006/relationships" xmlns:p="http://schemas.openxmlformats.org/presentationml/2006/main">
-  <p:cSld>
-    <p:spTree>
-      <p:nvGrpSpPr>
-        <p:cNvPr id="1" name=""/>
-        <p:cNvGrpSpPr/>
-        <p:nvPr/>
-      </p:nvGrpSpPr>
-      <p:grpSpPr>
-        <a:xfrm>
-          <a:off x="0" y="0"/>
-          <a:ext cx="0" cy="0"/>
-          <a:chOff x="0" y="0"/>
-          <a:chExt cx="0" cy="0"/>
-        </a:xfrm>
-      </p:grpSpPr>
-      <p:sp>
-        <p:nvSpPr>
-          <p:cNvPr id="2" name="标题 1"/>
-          <p:cNvSpPr>
-            <a:spLocks noGrp="1"/>
-          </p:cNvSpPr>
-          <p:nvPr>
-            <p:ph type="title"/>
-          </p:nvPr>
-        </p:nvSpPr>
-        <p:spPr/>
-        <p:txBody>
-          <a:bodyPr/>
-          <a:lstStyle/>
-          <a:p>
-            <a:r>
-              <a:rPr lang="en-SG" dirty="0" smtClean="0"/>
-              <a:t>Sketch</a:t>
-            </a:r>
-            <a:endParaRPr lang="en-SG" dirty="0"/>
-          </a:p>
-        </p:txBody>
-      </p:sp>
-      <p:sp>
-        <p:nvSpPr>
-          <p:cNvPr id="3" name="内容占位符 2"/>
-          <p:cNvSpPr>
-            <a:spLocks noGrp="1"/>
-          </p:cNvSpPr>
-          <p:nvPr>
-            <p:ph idx="1"/>
-          </p:nvPr>
-        </p:nvSpPr>
-        <p:spPr/>
-        <p:txBody>
-          <a:bodyPr/>
-          <a:lstStyle/>
-          <a:p>
-            <a:r>
-              <a:rPr lang="en-SG" dirty="0" smtClean="0"/>
-              <a:t>Plane curves</a:t>
-            </a:r>
-          </a:p>
-          <a:p>
-            <a:r>
-              <a:rPr lang="en-SG" dirty="0" smtClean="0"/>
-              <a:t>Two types of Constraint</a:t>
-            </a:r>
-          </a:p>
-          <a:p>
-            <a:pPr lvl="1"/>
-            <a:r>
-              <a:rPr lang="en-SG" dirty="0"/>
-              <a:t>Dimensional </a:t>
-            </a:r>
-            <a:r>
-              <a:rPr lang="en-SG" dirty="0" smtClean="0"/>
-              <a:t>constraints: length and angle</a:t>
-            </a:r>
-          </a:p>
-          <a:p>
-            <a:pPr lvl="1"/>
-            <a:r>
-              <a:rPr lang="en-SG" dirty="0" smtClean="0"/>
-              <a:t>Geometric constraints: parallel, perpendicular, normal</a:t>
-            </a:r>
-            <a:r>
-              <a:rPr lang="en-SG" dirty="0"/>
-              <a:t>, tangent, </a:t>
-            </a:r>
-            <a:r>
-              <a:rPr lang="en-SG" dirty="0" smtClean="0"/>
-              <a:t>concentric</a:t>
-            </a:r>
-            <a:r>
-              <a:rPr lang="en-SG" smtClean="0"/>
-              <a:t>, etc.</a:t>
-            </a:r>
-            <a:endParaRPr lang="en-SG" dirty="0"/>
-          </a:p>
-        </p:txBody>
-      </p:sp>
-    </p:spTree>
-    <p:extLst>
-      <p:ext uri="{BB962C8B-B14F-4D97-AF65-F5344CB8AC3E}">
-        <p14:creationId xmlns:p14="http://schemas.microsoft.com/office/powerpoint/2010/main" val="579798063"/>
-      </p:ext>
-    </p:extLst>
-  </p:cSld>
-  <p:clrMapOvr>
-    <a:masterClrMapping/>
-  </p:clrMapOvr>
-</p:sld>
-</file>
-
-<file path=ppt/slides/slide4.xml><?xml version="1.0" encoding="utf-8"?>
-<p:sld xmlns:a="http://schemas.openxmlformats.org/drawingml/2006/main" xmlns:r="http://schemas.openxmlformats.org/officeDocument/2006/relationships" xmlns:p="http://schemas.openxmlformats.org/presentationml/2006/main">
-  <p:cSld>
-    <p:spTree>
-      <p:nvGrpSpPr>
-        <p:cNvPr id="1" name=""/>
-        <p:cNvGrpSpPr/>
-        <p:nvPr/>
-      </p:nvGrpSpPr>
-      <p:grpSpPr>
-        <a:xfrm>
-          <a:off x="0" y="0"/>
-          <a:ext cx="0" cy="0"/>
-          <a:chOff x="0" y="0"/>
-          <a:chExt cx="0" cy="0"/>
-        </a:xfrm>
-      </p:grpSpPr>
-      <p:sp>
-        <p:nvSpPr>
-          <p:cNvPr id="2" name="标题 1"/>
-          <p:cNvSpPr>
-            <a:spLocks noGrp="1"/>
-          </p:cNvSpPr>
-          <p:nvPr>
-            <p:ph type="ctrTitle"/>
-          </p:nvPr>
-        </p:nvSpPr>
-        <p:spPr/>
-        <p:txBody>
-          <a:bodyPr/>
-          <a:lstStyle/>
-          <a:p>
-            <a:r>
-              <a:rPr lang="en-SG" sz="7200" dirty="0" smtClean="0"/>
-              <a:t>CAD</a:t>
-            </a:r>
-            <a:endParaRPr lang="en-SG" dirty="0"/>
-          </a:p>
-        </p:txBody>
-      </p:sp>
-      <p:sp>
-        <p:nvSpPr>
-          <p:cNvPr id="3" name="副标题 2"/>
-          <p:cNvSpPr>
-            <a:spLocks noGrp="1"/>
-          </p:cNvSpPr>
-          <p:nvPr>
-            <p:ph type="subTitle" idx="1"/>
-          </p:nvPr>
-        </p:nvSpPr>
-        <p:spPr/>
-        <p:txBody>
-          <a:bodyPr/>
-          <a:lstStyle/>
-          <a:p>
-            <a:endParaRPr lang="en-SG"/>
-          </a:p>
-        </p:txBody>
-      </p:sp>
-    </p:spTree>
-    <p:extLst>
-      <p:ext uri="{BB962C8B-B14F-4D97-AF65-F5344CB8AC3E}">
-        <p14:creationId xmlns:p14="http://schemas.microsoft.com/office/powerpoint/2010/main" val="3266173217"/>
-      </p:ext>
-    </p:extLst>
-  </p:cSld>
-  <p:clrMapOvr>
-    <a:masterClrMapping/>
-  </p:clrMapOvr>
-</p:sld>
-</file>
-
-<file path=ppt/slides/slide40.xml><?xml version="1.0" encoding="utf-8"?>
-<p:sld xmlns:a="http://schemas.openxmlformats.org/drawingml/2006/main" xmlns:r="http://schemas.openxmlformats.org/officeDocument/2006/relationships" xmlns:p="http://schemas.openxmlformats.org/presentationml/2006/main">
-  <p:cSld>
-    <p:spTree>
-      <p:nvGrpSpPr>
-        <p:cNvPr id="1" name=""/>
-        <p:cNvGrpSpPr/>
-        <p:nvPr/>
-      </p:nvGrpSpPr>
-      <p:grpSpPr>
-        <a:xfrm>
-          <a:off x="0" y="0"/>
-          <a:ext cx="0" cy="0"/>
-          <a:chOff x="0" y="0"/>
-          <a:chExt cx="0" cy="0"/>
-        </a:xfrm>
-      </p:grpSpPr>
-      <p:sp>
-        <p:nvSpPr>
-          <p:cNvPr id="2" name="标题 1"/>
-          <p:cNvSpPr>
-            <a:spLocks noGrp="1"/>
-          </p:cNvSpPr>
-          <p:nvPr>
-            <p:ph type="ctrTitle"/>
-          </p:nvPr>
-        </p:nvSpPr>
-        <p:spPr/>
-        <p:txBody>
-          <a:bodyPr/>
-          <a:lstStyle/>
-          <a:p>
-            <a:r>
-              <a:rPr lang="en-SG" dirty="0" smtClean="0"/>
-              <a:t>CAM</a:t>
-            </a:r>
-            <a:endParaRPr lang="en-SG" dirty="0"/>
-          </a:p>
-        </p:txBody>
-      </p:sp>
-      <p:sp>
-        <p:nvSpPr>
-          <p:cNvPr id="3" name="副标题 2"/>
-          <p:cNvSpPr>
-            <a:spLocks noGrp="1"/>
-          </p:cNvSpPr>
-          <p:nvPr>
-            <p:ph type="subTitle" idx="1"/>
-          </p:nvPr>
-        </p:nvSpPr>
-        <p:spPr/>
-        <p:txBody>
-          <a:bodyPr/>
-          <a:lstStyle/>
-          <a:p>
-            <a:endParaRPr lang="en-SG"/>
-          </a:p>
-        </p:txBody>
-      </p:sp>
-    </p:spTree>
-    <p:extLst>
-      <p:ext uri="{BB962C8B-B14F-4D97-AF65-F5344CB8AC3E}">
-        <p14:creationId xmlns:p14="http://schemas.microsoft.com/office/powerpoint/2010/main" val="2945329965"/>
-      </p:ext>
-    </p:extLst>
-  </p:cSld>
-  <p:clrMapOvr>
-    <a:masterClrMapping/>
-  </p:clrMapOvr>
-</p:sld>
-</file>
-
-<file path=ppt/slides/slide41.xml><?xml version="1.0" encoding="utf-8"?>
-<p:sld xmlns:a="http://schemas.openxmlformats.org/drawingml/2006/main" xmlns:r="http://schemas.openxmlformats.org/officeDocument/2006/relationships" xmlns:p="http://schemas.openxmlformats.org/presentationml/2006/main">
-  <p:cSld>
-    <p:spTree>
-      <p:nvGrpSpPr>
-        <p:cNvPr id="1" name=""/>
-        <p:cNvGrpSpPr/>
-        <p:nvPr/>
-      </p:nvGrpSpPr>
-      <p:grpSpPr>
-        <a:xfrm>
-          <a:off x="0" y="0"/>
-          <a:ext cx="0" cy="0"/>
-          <a:chOff x="0" y="0"/>
-          <a:chExt cx="0" cy="0"/>
-        </a:xfrm>
-      </p:grpSpPr>
-      <p:sp>
-        <p:nvSpPr>
-          <p:cNvPr id="2" name="标题 1"/>
-          <p:cNvSpPr>
-            <a:spLocks noGrp="1"/>
-          </p:cNvSpPr>
-          <p:nvPr>
-            <p:ph type="title"/>
-          </p:nvPr>
-        </p:nvSpPr>
-        <p:spPr/>
-        <p:txBody>
-          <a:bodyPr/>
-          <a:lstStyle/>
-          <a:p>
-            <a:r>
-              <a:rPr lang="en-SG" dirty="0" smtClean="0"/>
-              <a:t>Brief</a:t>
-            </a:r>
-            <a:endParaRPr lang="en-SG" dirty="0"/>
-          </a:p>
-        </p:txBody>
-      </p:sp>
-      <p:sp>
-        <p:nvSpPr>
-          <p:cNvPr id="3" name="内容占位符 2"/>
-          <p:cNvSpPr>
-            <a:spLocks noGrp="1"/>
-          </p:cNvSpPr>
-          <p:nvPr>
-            <p:ph idx="1"/>
-          </p:nvPr>
-        </p:nvSpPr>
-        <p:spPr/>
-        <p:txBody>
-          <a:bodyPr>
-            <a:normAutofit/>
-          </a:bodyPr>
-          <a:lstStyle/>
-          <a:p>
-            <a:r>
-              <a:rPr lang="en-SG" dirty="0" smtClean="0"/>
-              <a:t>Scope and applications </a:t>
-            </a:r>
-          </a:p>
-          <a:p>
-            <a:pPr lvl="1"/>
-            <a:r>
-              <a:rPr lang="en-SG" dirty="0" smtClean="0"/>
-              <a:t>NC in CAM </a:t>
-            </a:r>
-          </a:p>
-          <a:p>
-            <a:pPr lvl="1"/>
-            <a:r>
-              <a:rPr lang="en-SG" dirty="0" smtClean="0"/>
-              <a:t>Principal types of CNC machine</a:t>
-            </a:r>
-          </a:p>
-        </p:txBody>
-      </p:sp>
-    </p:spTree>
-    <p:extLst>
-      <p:ext uri="{BB962C8B-B14F-4D97-AF65-F5344CB8AC3E}">
-        <p14:creationId xmlns:p14="http://schemas.microsoft.com/office/powerpoint/2010/main" val="866301321"/>
-      </p:ext>
-    </p:extLst>
-  </p:cSld>
-  <p:clrMapOvr>
-    <a:masterClrMapping/>
-  </p:clrMapOvr>
-</p:sld>
-</file>
-
-<file path=ppt/slides/slide42.xml><?xml version="1.0" encoding="utf-8"?>
-<p:sld xmlns:a="http://schemas.openxmlformats.org/drawingml/2006/main" xmlns:r="http://schemas.openxmlformats.org/officeDocument/2006/relationships" xmlns:p="http://schemas.openxmlformats.org/presentationml/2006/main">
-  <p:cSld>
-    <p:spTree>
-      <p:nvGrpSpPr>
-        <p:cNvPr id="1" name=""/>
-        <p:cNvGrpSpPr/>
-        <p:nvPr/>
-      </p:nvGrpSpPr>
-      <p:grpSpPr>
-        <a:xfrm>
-          <a:off x="0" y="0"/>
-          <a:ext cx="0" cy="0"/>
-          <a:chOff x="0" y="0"/>
-          <a:chExt cx="0" cy="0"/>
-        </a:xfrm>
-      </p:grpSpPr>
-      <p:sp>
-        <p:nvSpPr>
-          <p:cNvPr id="2" name="标题 1"/>
-          <p:cNvSpPr>
-            <a:spLocks noGrp="1"/>
-          </p:cNvSpPr>
-          <p:nvPr>
-            <p:ph type="title"/>
-          </p:nvPr>
-        </p:nvSpPr>
-        <p:spPr/>
-        <p:txBody>
-          <a:bodyPr/>
-          <a:lstStyle/>
-          <a:p>
-            <a:r>
-              <a:rPr lang="en-SG" dirty="0" smtClean="0"/>
-              <a:t>Machine tools</a:t>
-            </a:r>
-            <a:endParaRPr lang="en-SG" dirty="0"/>
-          </a:p>
-        </p:txBody>
-      </p:sp>
-      <p:sp>
-        <p:nvSpPr>
-          <p:cNvPr id="3" name="内容占位符 2"/>
-          <p:cNvSpPr>
-            <a:spLocks noGrp="1"/>
-          </p:cNvSpPr>
-          <p:nvPr>
-            <p:ph idx="1"/>
-          </p:nvPr>
-        </p:nvSpPr>
-        <p:spPr/>
-        <p:txBody>
-          <a:bodyPr>
-            <a:normAutofit/>
-          </a:bodyPr>
-          <a:lstStyle/>
-          <a:p>
-            <a:r>
-              <a:rPr lang="en-SG" dirty="0" smtClean="0"/>
-              <a:t>tools and their construction features</a:t>
-            </a:r>
-          </a:p>
-          <a:p>
-            <a:pPr marL="457200" lvl="1" indent="0">
-              <a:buNone/>
-            </a:pPr>
-            <a:r>
-              <a:rPr lang="en-SG" dirty="0" smtClean="0"/>
-              <a:t>tooling for CNC – ISO designation for</a:t>
-            </a:r>
-          </a:p>
-          <a:p>
-            <a:r>
-              <a:rPr lang="en-SG" dirty="0" smtClean="0"/>
-              <a:t>tooling </a:t>
-            </a:r>
-          </a:p>
-          <a:p>
-            <a:pPr lvl="1"/>
-            <a:r>
-              <a:rPr lang="en-SG" dirty="0" smtClean="0"/>
-              <a:t>CNC operating system </a:t>
-            </a:r>
-          </a:p>
-          <a:p>
-            <a:pPr lvl="1"/>
-            <a:r>
-              <a:rPr lang="en-SG" dirty="0" smtClean="0"/>
-              <a:t>FANUC, SINUMERIK – LINUMERIK.</a:t>
-            </a:r>
-          </a:p>
-          <a:p>
-            <a:endParaRPr lang="en-SG" dirty="0"/>
-          </a:p>
-        </p:txBody>
-      </p:sp>
-    </p:spTree>
-    <p:extLst>
-      <p:ext uri="{BB962C8B-B14F-4D97-AF65-F5344CB8AC3E}">
-        <p14:creationId xmlns:p14="http://schemas.microsoft.com/office/powerpoint/2010/main" val="2867634849"/>
-      </p:ext>
-    </p:extLst>
-  </p:cSld>
-  <p:clrMapOvr>
-    <a:masterClrMapping/>
-  </p:clrMapOvr>
-</p:sld>
-</file>
-
-<file path=ppt/slides/slide43.xml><?xml version="1.0" encoding="utf-8"?>
-<p:sld xmlns:a="http://schemas.openxmlformats.org/drawingml/2006/main" xmlns:r="http://schemas.openxmlformats.org/officeDocument/2006/relationships" xmlns:p="http://schemas.openxmlformats.org/presentationml/2006/main">
-  <p:cSld>
-    <p:spTree>
-      <p:nvGrpSpPr>
-        <p:cNvPr id="1" name=""/>
-        <p:cNvGrpSpPr/>
-        <p:nvPr/>
-      </p:nvGrpSpPr>
-      <p:grpSpPr>
-        <a:xfrm>
-          <a:off x="0" y="0"/>
-          <a:ext cx="0" cy="0"/>
-          <a:chOff x="0" y="0"/>
-          <a:chExt cx="0" cy="0"/>
-        </a:xfrm>
-      </p:grpSpPr>
-      <p:sp>
-        <p:nvSpPr>
-          <p:cNvPr id="2" name="标题 1"/>
-          <p:cNvSpPr>
-            <a:spLocks noGrp="1"/>
-          </p:cNvSpPr>
-          <p:nvPr>
-            <p:ph type="title"/>
-          </p:nvPr>
-        </p:nvSpPr>
-        <p:spPr/>
-        <p:txBody>
-          <a:bodyPr/>
-          <a:lstStyle/>
-          <a:p>
-            <a:r>
-              <a:rPr lang="en-SG" dirty="0" smtClean="0"/>
-              <a:t>Introduction to CAPP</a:t>
-            </a:r>
-            <a:endParaRPr lang="en-SG" dirty="0"/>
-          </a:p>
-        </p:txBody>
-      </p:sp>
-      <p:sp>
-        <p:nvSpPr>
-          <p:cNvPr id="3" name="内容占位符 2"/>
-          <p:cNvSpPr>
-            <a:spLocks noGrp="1"/>
-          </p:cNvSpPr>
-          <p:nvPr>
-            <p:ph idx="1"/>
-          </p:nvPr>
-        </p:nvSpPr>
-        <p:spPr/>
-        <p:txBody>
-          <a:bodyPr/>
-          <a:lstStyle/>
-          <a:p>
-            <a:r>
-              <a:rPr lang="en-SG" dirty="0" smtClean="0"/>
-              <a:t>Three main parameters to define a machining process</a:t>
-            </a:r>
-          </a:p>
-          <a:p>
-            <a:r>
-              <a:rPr lang="en-SG" dirty="0" smtClean="0"/>
-              <a:t>Principles for process design</a:t>
-            </a:r>
-          </a:p>
-          <a:p>
-            <a:r>
-              <a:rPr lang="en-SG" dirty="0" smtClean="0"/>
-              <a:t>Processing planning systems</a:t>
-            </a:r>
-          </a:p>
-          <a:p>
-            <a:endParaRPr lang="en-SG" dirty="0"/>
-          </a:p>
-        </p:txBody>
-      </p:sp>
-    </p:spTree>
-    <p:extLst>
-      <p:ext uri="{BB962C8B-B14F-4D97-AF65-F5344CB8AC3E}">
-        <p14:creationId xmlns:p14="http://schemas.microsoft.com/office/powerpoint/2010/main" val="3457476283"/>
-      </p:ext>
-    </p:extLst>
-  </p:cSld>
-  <p:clrMapOvr>
-    <a:masterClrMapping/>
-  </p:clrMapOvr>
-</p:sld>
-</file>
-
-<file path=ppt/slides/slide44.xml><?xml version="1.0" encoding="utf-8"?>
-<p:sld xmlns:a="http://schemas.openxmlformats.org/drawingml/2006/main" xmlns:r="http://schemas.openxmlformats.org/officeDocument/2006/relationships" xmlns:p="http://schemas.openxmlformats.org/presentationml/2006/main">
-  <p:cSld>
-    <p:spTree>
-      <p:nvGrpSpPr>
-        <p:cNvPr id="1" name=""/>
-        <p:cNvGrpSpPr/>
-        <p:nvPr/>
-      </p:nvGrpSpPr>
-      <p:grpSpPr>
-        <a:xfrm>
-          <a:off x="0" y="0"/>
-          <a:ext cx="0" cy="0"/>
-          <a:chOff x="0" y="0"/>
-          <a:chExt cx="0" cy="0"/>
-        </a:xfrm>
-      </p:grpSpPr>
-      <p:sp>
-        <p:nvSpPr>
-          <p:cNvPr id="2" name="标题 1"/>
-          <p:cNvSpPr>
-            <a:spLocks noGrp="1"/>
-          </p:cNvSpPr>
-          <p:nvPr>
-            <p:ph type="title"/>
-          </p:nvPr>
-        </p:nvSpPr>
-        <p:spPr/>
-        <p:txBody>
-          <a:bodyPr/>
-          <a:lstStyle/>
-          <a:p>
-            <a:r>
-              <a:rPr lang="en-SG" dirty="0" smtClean="0"/>
-              <a:t>Programming for CNC machining</a:t>
-            </a:r>
-            <a:endParaRPr lang="en-SG" dirty="0"/>
-          </a:p>
-        </p:txBody>
-      </p:sp>
-      <p:sp>
-        <p:nvSpPr>
-          <p:cNvPr id="3" name="内容占位符 2"/>
-          <p:cNvSpPr>
-            <a:spLocks noGrp="1"/>
-          </p:cNvSpPr>
-          <p:nvPr>
-            <p:ph idx="1"/>
-          </p:nvPr>
-        </p:nvSpPr>
-        <p:spPr/>
-        <p:txBody>
-          <a:bodyPr>
-            <a:normAutofit/>
-          </a:bodyPr>
-          <a:lstStyle/>
-          <a:p>
-            <a:r>
-              <a:rPr lang="en-SG" dirty="0"/>
-              <a:t>C</a:t>
-            </a:r>
-            <a:r>
-              <a:rPr lang="en-SG" dirty="0" smtClean="0"/>
-              <a:t>oordinate systems of CNC</a:t>
-            </a:r>
-          </a:p>
-          <a:p>
-            <a:r>
-              <a:rPr lang="en-SG" dirty="0"/>
-              <a:t>M</a:t>
-            </a:r>
-            <a:r>
-              <a:rPr lang="en-SG" dirty="0" smtClean="0"/>
-              <a:t>anual part</a:t>
-            </a:r>
-          </a:p>
-          <a:p>
-            <a:r>
-              <a:rPr lang="en-SG" dirty="0"/>
-              <a:t>C</a:t>
-            </a:r>
-            <a:r>
-              <a:rPr lang="en-SG" dirty="0" smtClean="0"/>
-              <a:t>omputer assisted part programming </a:t>
-            </a:r>
-          </a:p>
-          <a:p>
-            <a:r>
-              <a:rPr lang="en-SG" dirty="0" smtClean="0"/>
-              <a:t>CNC part programming with CAD system. </a:t>
-            </a:r>
-          </a:p>
-          <a:p>
-            <a:endParaRPr lang="en-SG" dirty="0"/>
-          </a:p>
-        </p:txBody>
-      </p:sp>
-    </p:spTree>
-    <p:extLst>
-      <p:ext uri="{BB962C8B-B14F-4D97-AF65-F5344CB8AC3E}">
-        <p14:creationId xmlns:p14="http://schemas.microsoft.com/office/powerpoint/2010/main" val="2042065448"/>
-      </p:ext>
-    </p:extLst>
-  </p:cSld>
-  <p:clrMapOvr>
-    <a:masterClrMapping/>
-  </p:clrMapOvr>
-</p:sld>
-</file>
-
-<file path=ppt/slides/slide45.xml><?xml version="1.0" encoding="utf-8"?>
-<p:sld xmlns:a="http://schemas.openxmlformats.org/drawingml/2006/main" xmlns:r="http://schemas.openxmlformats.org/officeDocument/2006/relationships" xmlns:p="http://schemas.openxmlformats.org/presentationml/2006/main">
-  <p:cSld>
-    <p:spTree>
-      <p:nvGrpSpPr>
-        <p:cNvPr id="1" name=""/>
-        <p:cNvGrpSpPr/>
-        <p:nvPr/>
-      </p:nvGrpSpPr>
-      <p:grpSpPr>
-        <a:xfrm>
-          <a:off x="0" y="0"/>
-          <a:ext cx="0" cy="0"/>
-          <a:chOff x="0" y="0"/>
-          <a:chExt cx="0" cy="0"/>
-        </a:xfrm>
-      </p:grpSpPr>
-      <p:sp>
-        <p:nvSpPr>
-          <p:cNvPr id="2" name="标题 1"/>
-          <p:cNvSpPr>
-            <a:spLocks noGrp="1"/>
-          </p:cNvSpPr>
-          <p:nvPr>
-            <p:ph type="title"/>
-          </p:nvPr>
-        </p:nvSpPr>
-        <p:spPr/>
-        <p:txBody>
-          <a:bodyPr/>
-          <a:lstStyle/>
-          <a:p>
-            <a:r>
-              <a:rPr lang="en-SG" dirty="0" smtClean="0"/>
-              <a:t>Material handling in CAM environment</a:t>
-            </a:r>
-            <a:endParaRPr lang="en-SG" dirty="0"/>
-          </a:p>
-        </p:txBody>
-      </p:sp>
-      <p:sp>
-        <p:nvSpPr>
-          <p:cNvPr id="3" name="内容占位符 2"/>
-          <p:cNvSpPr>
-            <a:spLocks noGrp="1"/>
-          </p:cNvSpPr>
-          <p:nvPr>
-            <p:ph idx="1"/>
-          </p:nvPr>
-        </p:nvSpPr>
-        <p:spPr/>
-        <p:txBody>
-          <a:bodyPr/>
-          <a:lstStyle/>
-          <a:p>
-            <a:r>
-              <a:rPr lang="en-SG" dirty="0" smtClean="0"/>
-              <a:t>Logistic and storage system </a:t>
-            </a:r>
-          </a:p>
-          <a:p>
-            <a:pPr lvl="1"/>
-            <a:r>
-              <a:rPr lang="en-SG" dirty="0" smtClean="0"/>
-              <a:t>AGVS </a:t>
-            </a:r>
-          </a:p>
-          <a:p>
-            <a:pPr lvl="1"/>
-            <a:r>
-              <a:rPr lang="en-SG" dirty="0" smtClean="0"/>
-              <a:t>AS/RS </a:t>
-            </a:r>
-          </a:p>
-          <a:p>
-            <a:pPr lvl="1"/>
-            <a:r>
-              <a:rPr lang="en-SG" dirty="0" err="1" smtClean="0"/>
-              <a:t>Swarf</a:t>
-            </a:r>
-            <a:r>
-              <a:rPr lang="en-SG" dirty="0" smtClean="0"/>
-              <a:t> handling and disposal of wastes </a:t>
-            </a:r>
-          </a:p>
-          <a:p>
-            <a:r>
-              <a:rPr lang="en-SG" dirty="0" smtClean="0"/>
-              <a:t>Assembly lines </a:t>
-            </a:r>
-          </a:p>
-          <a:p>
-            <a:pPr lvl="1"/>
-            <a:r>
-              <a:rPr lang="en-SG" dirty="0" smtClean="0"/>
-              <a:t>Quantitative analysis of assembly systems.</a:t>
-            </a:r>
-          </a:p>
-          <a:p>
-            <a:endParaRPr lang="en-SG" dirty="0"/>
-          </a:p>
-        </p:txBody>
-      </p:sp>
-    </p:spTree>
-    <p:extLst>
-      <p:ext uri="{BB962C8B-B14F-4D97-AF65-F5344CB8AC3E}">
-        <p14:creationId xmlns:p14="http://schemas.microsoft.com/office/powerpoint/2010/main" val="938672915"/>
-      </p:ext>
-    </p:extLst>
-  </p:cSld>
-  <p:clrMapOvr>
-    <a:masterClrMapping/>
-  </p:clrMapOvr>
-</p:sld>
-</file>
-
-<file path=ppt/slides/slide46.xml><?xml version="1.0" encoding="utf-8"?>
-<p:sld xmlns:a="http://schemas.openxmlformats.org/drawingml/2006/main" xmlns:r="http://schemas.openxmlformats.org/officeDocument/2006/relationships" xmlns:p="http://schemas.openxmlformats.org/presentationml/2006/main">
-  <p:cSld>
-    <p:spTree>
-      <p:nvGrpSpPr>
-        <p:cNvPr id="1" name=""/>
-        <p:cNvGrpSpPr/>
-        <p:nvPr/>
-      </p:nvGrpSpPr>
-      <p:grpSpPr>
-        <a:xfrm>
-          <a:off x="0" y="0"/>
-          <a:ext cx="0" cy="0"/>
-          <a:chOff x="0" y="0"/>
-          <a:chExt cx="0" cy="0"/>
-        </a:xfrm>
-      </p:grpSpPr>
-      <p:sp>
-        <p:nvSpPr>
-          <p:cNvPr id="2" name="标题 1"/>
-          <p:cNvSpPr>
-            <a:spLocks noGrp="1"/>
-          </p:cNvSpPr>
-          <p:nvPr>
-            <p:ph type="title"/>
-          </p:nvPr>
-        </p:nvSpPr>
-        <p:spPr/>
-        <p:txBody>
-          <a:bodyPr/>
-          <a:lstStyle/>
-          <a:p>
-            <a:r>
-              <a:rPr lang="en-SG" dirty="0" smtClean="0"/>
-              <a:t>Key disciplines of manufacturing under </a:t>
-            </a:r>
-            <a:r>
-              <a:rPr lang="en-SG" dirty="0" err="1" smtClean="0"/>
-              <a:t>Solidworks</a:t>
-            </a:r>
-            <a:r>
-              <a:rPr lang="en-SG" dirty="0" smtClean="0"/>
-              <a:t> environment</a:t>
-            </a:r>
-            <a:endParaRPr lang="en-SG" dirty="0"/>
-          </a:p>
-        </p:txBody>
-      </p:sp>
-      <p:sp>
-        <p:nvSpPr>
-          <p:cNvPr id="3" name="内容占位符 2"/>
-          <p:cNvSpPr>
-            <a:spLocks noGrp="1"/>
-          </p:cNvSpPr>
-          <p:nvPr>
-            <p:ph idx="1"/>
-          </p:nvPr>
-        </p:nvSpPr>
-        <p:spPr/>
-        <p:txBody>
-          <a:bodyPr/>
-          <a:lstStyle/>
-          <a:p>
-            <a:r>
-              <a:rPr lang="en-SG" dirty="0"/>
-              <a:t>Configuration for a mill or turn machine</a:t>
-            </a:r>
-          </a:p>
-          <a:p>
-            <a:r>
-              <a:rPr lang="en-SG" dirty="0"/>
-              <a:t>Features to machining strategy</a:t>
-            </a:r>
-          </a:p>
-          <a:p>
-            <a:r>
-              <a:rPr lang="en-SG" dirty="0"/>
-              <a:t>Generate operation plan</a:t>
-            </a:r>
-          </a:p>
-          <a:p>
-            <a:r>
-              <a:rPr lang="en-SG" dirty="0"/>
-              <a:t>Generate tool path</a:t>
-            </a:r>
-          </a:p>
-          <a:p>
-            <a:r>
-              <a:rPr lang="en-SG" dirty="0"/>
-              <a:t>Simulation</a:t>
-            </a:r>
-          </a:p>
-          <a:p>
-            <a:r>
-              <a:rPr lang="en-SG" dirty="0"/>
-              <a:t>Post process</a:t>
-            </a:r>
-          </a:p>
-          <a:p>
-            <a:pPr marL="0" indent="0">
-              <a:buNone/>
-            </a:pPr>
-            <a:endParaRPr lang="en-SG" dirty="0"/>
-          </a:p>
-        </p:txBody>
-      </p:sp>
-    </p:spTree>
-    <p:extLst>
-      <p:ext uri="{BB962C8B-B14F-4D97-AF65-F5344CB8AC3E}">
-        <p14:creationId xmlns:p14="http://schemas.microsoft.com/office/powerpoint/2010/main" val="4246989961"/>
-      </p:ext>
-    </p:extLst>
-  </p:cSld>
-  <p:clrMapOvr>
-    <a:masterClrMapping/>
-  </p:clrMapOvr>
-</p:sld>
-</file>
-
 <file path=ppt/slides/slide47.xml><?xml version="1.0" encoding="utf-8"?>
 <p:sld xmlns:a="http://schemas.openxmlformats.org/drawingml/2006/main" xmlns:r="http://schemas.openxmlformats.org/officeDocument/2006/relationships" xmlns:p="http://schemas.openxmlformats.org/presentationml/2006/main">
   <p:cSld>
@@ -8356,10 +9361,9 @@
           <a:lstStyle/>
           <a:p>
             <a:r>
-              <a:rPr lang="en-SG" dirty="0" smtClean="0"/>
-              <a:t>The following slides are only for learning purpose</a:t>
-            </a:r>
-            <a:endParaRPr lang="en-SG" dirty="0"/>
+              <a:rPr lang="en-SG" dirty="0"/>
+              <a:t>Sketch method</a:t>
+            </a:r>
           </a:p>
         </p:txBody>
       </p:sp>
@@ -8378,6 +9382,61 @@
           <a:bodyPr/>
           <a:lstStyle/>
           <a:p>
+            <a:r>
+              <a:rPr lang="en-SG" dirty="0" smtClean="0"/>
+              <a:t>The main steps of sketch method to create 3D models are</a:t>
+            </a:r>
+          </a:p>
+          <a:p>
+            <a:pPr marL="914400" lvl="1" indent="-457200">
+              <a:buFont typeface="+mj-lt"/>
+              <a:buAutoNum type="arabicPeriod"/>
+            </a:pPr>
+            <a:r>
+              <a:rPr lang="en-SG" dirty="0" smtClean="0"/>
+              <a:t>Define a sketch plane as cross section;</a:t>
+            </a:r>
+          </a:p>
+          <a:p>
+            <a:pPr marL="914400" lvl="1" indent="-457200">
+              <a:buFont typeface="+mj-lt"/>
+              <a:buAutoNum type="arabicPeriod"/>
+            </a:pPr>
+            <a:r>
+              <a:rPr lang="en-SG" dirty="0" smtClean="0"/>
+              <a:t>Sketch 2D shapes on the cross section;</a:t>
+            </a:r>
+          </a:p>
+          <a:p>
+            <a:pPr marL="914400" lvl="1" indent="-457200">
+              <a:buFont typeface="+mj-lt"/>
+              <a:buAutoNum type="arabicPeriod"/>
+            </a:pPr>
+            <a:r>
+              <a:rPr lang="en-SG" dirty="0" smtClean="0"/>
+              <a:t>Constraint 2D shapes with accurate dimensions;</a:t>
+            </a:r>
+          </a:p>
+          <a:p>
+            <a:pPr marL="914400" lvl="1" indent="-457200">
+              <a:buFont typeface="+mj-lt"/>
+              <a:buAutoNum type="arabicPeriod"/>
+            </a:pPr>
+            <a:r>
+              <a:rPr lang="en-SG" dirty="0" smtClean="0"/>
+              <a:t>Perform 2D to </a:t>
+            </a:r>
+            <a:r>
+              <a:rPr lang="en-SG" smtClean="0"/>
+              <a:t>3D operations.</a:t>
+            </a:r>
+            <a:endParaRPr lang="en-SG" dirty="0" smtClean="0"/>
+          </a:p>
+          <a:p>
+            <a:pPr marL="914400" lvl="1" indent="-457200">
+              <a:buFont typeface="+mj-lt"/>
+              <a:buAutoNum type="arabicPeriod"/>
+            </a:pPr>
             <a:endParaRPr lang="en-SG" dirty="0"/>
           </a:p>
         </p:txBody>
@@ -8385,7 +9444,7 @@
     </p:spTree>
     <p:extLst>
       <p:ext uri="{BB962C8B-B14F-4D97-AF65-F5344CB8AC3E}">
-        <p14:creationId xmlns:p14="http://schemas.microsoft.com/office/powerpoint/2010/main" val="3537981211"/>
+        <p14:creationId xmlns:p14="http://schemas.microsoft.com/office/powerpoint/2010/main" val="4198518572"/>
       </p:ext>
     </p:extLst>
   </p:cSld>
@@ -8414,7 +9473,7 @@
       </p:grpSpPr>
       <p:sp>
         <p:nvSpPr>
-          <p:cNvPr id="2" name="标题 1"/>
+          <p:cNvPr id="4" name="标题 3"/>
           <p:cNvSpPr>
             <a:spLocks noGrp="1"/>
           </p:cNvSpPr>
@@ -8427,64 +9486,41 @@
           <a:bodyPr/>
           <a:lstStyle/>
           <a:p>
+            <a:r>
+              <a:rPr lang="en-SG" dirty="0"/>
+              <a:t>Key disciplines of modelling in </a:t>
+            </a:r>
+            <a:r>
+              <a:rPr lang="en-SG" dirty="0" err="1"/>
+              <a:t>Solidworks</a:t>
+            </a:r>
             <a:endParaRPr lang="en-SG" dirty="0"/>
           </a:p>
         </p:txBody>
       </p:sp>
       <p:sp>
         <p:nvSpPr>
-          <p:cNvPr id="3" name="内容占位符 2"/>
-          <p:cNvSpPr>
-            <a:spLocks noGrp="1"/>
-          </p:cNvSpPr>
-          <p:nvPr>
-            <p:ph idx="1"/>
-          </p:nvPr>
-        </p:nvSpPr>
-        <p:spPr/>
-        <p:txBody>
-          <a:bodyPr/>
-          <a:lstStyle/>
-          <a:p>
-            <a:r>
-              <a:rPr lang="en-SG" dirty="0" smtClean="0"/>
-              <a:t>Create a new part</a:t>
-            </a:r>
-          </a:p>
-          <a:p>
-            <a:r>
-              <a:rPr lang="en-SG" dirty="0" smtClean="0"/>
-              <a:t>Check the unit setting</a:t>
-            </a:r>
-          </a:p>
-          <a:p>
-            <a:r>
-              <a:rPr lang="en-SG" dirty="0" smtClean="0"/>
-              <a:t>Using sketch to create part body</a:t>
-            </a:r>
-          </a:p>
-          <a:p>
-            <a:pPr lvl="1"/>
-            <a:r>
-              <a:rPr lang="en-SG" dirty="0" smtClean="0"/>
-              <a:t>Smart dimension is an import tool to drive the model </a:t>
-            </a:r>
-            <a:r>
-              <a:rPr lang="en-SG" dirty="0" err="1" smtClean="0"/>
-              <a:t>creatation</a:t>
-            </a:r>
-            <a:endParaRPr lang="en-SG" dirty="0" smtClean="0"/>
-          </a:p>
-          <a:p>
-            <a:pPr lvl="1"/>
-            <a:endParaRPr lang="en-SG" dirty="0" smtClean="0"/>
+          <p:cNvPr id="5" name="文本占位符 4"/>
+          <p:cNvSpPr>
+            <a:spLocks noGrp="1"/>
+          </p:cNvSpPr>
+          <p:nvPr>
+            <p:ph type="body" idx="1"/>
+          </p:nvPr>
+        </p:nvSpPr>
+        <p:spPr/>
+        <p:txBody>
+          <a:bodyPr/>
+          <a:lstStyle/>
+          <a:p>
+            <a:endParaRPr lang="en-SG"/>
           </a:p>
         </p:txBody>
       </p:sp>
     </p:spTree>
     <p:extLst>
       <p:ext uri="{BB962C8B-B14F-4D97-AF65-F5344CB8AC3E}">
-        <p14:creationId xmlns:p14="http://schemas.microsoft.com/office/powerpoint/2010/main" val="1130636376"/>
+        <p14:creationId xmlns:p14="http://schemas.microsoft.com/office/powerpoint/2010/main" val="2395669259"/>
       </p:ext>
     </p:extLst>
   </p:cSld>
@@ -8526,7 +9562,15 @@
           <a:bodyPr/>
           <a:lstStyle/>
           <a:p>
-            <a:endParaRPr lang="en-SG"/>
+            <a:r>
+              <a:rPr lang="en-SG" dirty="0" smtClean="0"/>
+              <a:t>Key disciplines of modelling in </a:t>
+            </a:r>
+            <a:r>
+              <a:rPr lang="en-SG" dirty="0" err="1" smtClean="0"/>
+              <a:t>Solidworks</a:t>
+            </a:r>
+            <a:endParaRPr lang="en-SG" baseline="30000" dirty="0"/>
           </a:p>
         </p:txBody>
       </p:sp>
@@ -8546,41 +9590,33 @@
           <a:lstStyle/>
           <a:p>
             <a:r>
-              <a:rPr lang="en-SG" dirty="0"/>
-              <a:t>Go to the </a:t>
-            </a:r>
-            <a:r>
-              <a:rPr lang="en-SG" dirty="0" err="1"/>
-              <a:t>Solidworks</a:t>
-            </a:r>
-            <a:r>
-              <a:rPr lang="en-SG" dirty="0"/>
-              <a:t> CAM module(just perform each of tool button alone the toolbar from left to right, one can finally get the tool path and G-codes)</a:t>
-            </a:r>
-          </a:p>
-          <a:p>
-            <a:pPr lvl="1"/>
-            <a:r>
-              <a:rPr lang="en-SG" dirty="0"/>
-              <a:t>Define machine</a:t>
-            </a:r>
-          </a:p>
-          <a:p>
-            <a:pPr lvl="1"/>
-            <a:r>
-              <a:rPr lang="en-SG" dirty="0"/>
-              <a:t>Setup coordinate system</a:t>
-            </a:r>
-          </a:p>
-          <a:p>
-            <a:pPr lvl="1"/>
-            <a:r>
-              <a:rPr lang="en-SG" dirty="0"/>
-              <a:t>Define stock size using stock </a:t>
-            </a:r>
-            <a:r>
-              <a:rPr lang="en-SG" dirty="0" smtClean="0"/>
-              <a:t>manager</a:t>
+              <a:rPr lang="en-SG" dirty="0" smtClean="0"/>
+              <a:t>For basic bodies, generate 3D model by taking use of 2D shapes;</a:t>
+            </a:r>
+          </a:p>
+          <a:p>
+            <a:r>
+              <a:rPr lang="en-SG" dirty="0" smtClean="0"/>
+              <a:t>Combine basic bodies to create a complex body;</a:t>
+            </a:r>
+          </a:p>
+          <a:p>
+            <a:r>
+              <a:rPr lang="en-SG" dirty="0"/>
+              <a:t>R</a:t>
+            </a:r>
+            <a:r>
+              <a:rPr lang="en-SG" dirty="0" smtClean="0"/>
+              <a:t>epeated bodies can be made through array operations;</a:t>
+            </a:r>
+          </a:p>
+          <a:p>
+            <a:pPr marL="0" indent="0">
+              <a:buNone/>
+            </a:pPr>
+            <a:r>
+              <a:rPr lang="en-SG" dirty="0" smtClean="0"/>
+              <a:t> </a:t>
             </a:r>
           </a:p>
           <a:p>
@@ -8591,7 +9627,7 @@
     </p:spTree>
     <p:extLst>
       <p:ext uri="{BB962C8B-B14F-4D97-AF65-F5344CB8AC3E}">
-        <p14:creationId xmlns:p14="http://schemas.microsoft.com/office/powerpoint/2010/main" val="482855842"/>
+        <p14:creationId xmlns:p14="http://schemas.microsoft.com/office/powerpoint/2010/main" val="164022275"/>
       </p:ext>
     </p:extLst>
   </p:cSld>
@@ -8727,6 +9763,1420 @@
           <a:bodyPr/>
           <a:lstStyle/>
           <a:p>
+            <a:r>
+              <a:rPr lang="en-SG" dirty="0" smtClean="0"/>
+              <a:t>Coordinate system</a:t>
+            </a:r>
+          </a:p>
+        </p:txBody>
+      </p:sp>
+      <p:sp>
+        <p:nvSpPr>
+          <p:cNvPr id="3" name="内容占位符 2"/>
+          <p:cNvSpPr>
+            <a:spLocks noGrp="1"/>
+          </p:cNvSpPr>
+          <p:nvPr>
+            <p:ph idx="1"/>
+          </p:nvPr>
+        </p:nvSpPr>
+        <p:spPr/>
+        <p:txBody>
+          <a:bodyPr>
+            <a:normAutofit fontScale="92500" lnSpcReduction="10000"/>
+          </a:bodyPr>
+          <a:lstStyle/>
+          <a:p>
+            <a:r>
+              <a:rPr lang="en-SG" dirty="0">
+                <a:solidFill>
+                  <a:srgbClr val="FF0000"/>
+                </a:solidFill>
+              </a:rPr>
+              <a:t>Coordinate systems are the most important concept in a CAD system. They are used </a:t>
+            </a:r>
+            <a:r>
+              <a:rPr lang="en-SG" dirty="0" smtClean="0">
+                <a:solidFill>
+                  <a:srgbClr val="FF0000"/>
+                </a:solidFill>
+              </a:rPr>
+              <a:t>to  </a:t>
+            </a:r>
+            <a:r>
+              <a:rPr lang="en-SG" dirty="0">
+                <a:solidFill>
+                  <a:srgbClr val="FF0000"/>
+                </a:solidFill>
+              </a:rPr>
+              <a:t>input,  store,  and  display  geometric  model.  There  are  three  kinds  of  coordinate </a:t>
+            </a:r>
+            <a:r>
+              <a:rPr lang="en-SG" dirty="0" smtClean="0">
+                <a:solidFill>
+                  <a:srgbClr val="FF0000"/>
+                </a:solidFill>
+              </a:rPr>
+              <a:t>systems</a:t>
+            </a:r>
+            <a:r>
+              <a:rPr lang="en-SG" dirty="0">
+                <a:solidFill>
+                  <a:srgbClr val="FF0000"/>
+                </a:solidFill>
+              </a:rPr>
+              <a:t>, that is, model coordinate system (MCS), working coordinate system (WCS), </a:t>
+            </a:r>
+            <a:r>
+              <a:rPr lang="en-SG" dirty="0" smtClean="0">
+                <a:solidFill>
+                  <a:srgbClr val="FF0000"/>
+                </a:solidFill>
+              </a:rPr>
+              <a:t>and </a:t>
+            </a:r>
+            <a:r>
+              <a:rPr lang="en-SG" dirty="0">
+                <a:solidFill>
+                  <a:srgbClr val="FF0000"/>
+                </a:solidFill>
+              </a:rPr>
+              <a:t>screen coordinate system (SCS).</a:t>
+            </a:r>
+          </a:p>
+          <a:p>
+            <a:r>
+              <a:rPr lang="en-SG" dirty="0" smtClean="0"/>
+              <a:t>By default, there are already a coordinates system provided for user by SOLIDWORKS every time you open a new modelling project. Usually</a:t>
+            </a:r>
+            <a:r>
+              <a:rPr lang="en-SG" dirty="0"/>
+              <a:t>, at the lower-left corner of the canvas, you can notice the symbol of coordinate system with three axes</a:t>
+            </a:r>
+            <a:r>
+              <a:rPr lang="en-SG" dirty="0" smtClean="0"/>
+              <a:t>.</a:t>
+            </a:r>
+          </a:p>
+          <a:p>
+            <a:r>
+              <a:rPr lang="en-SG" dirty="0" smtClean="0"/>
+              <a:t>Whenever user need to carry on some location or orientation related modelling steps, the coordination system should be considered.</a:t>
+            </a:r>
+          </a:p>
+          <a:p>
+            <a:r>
+              <a:rPr lang="en-US" dirty="0" smtClean="0"/>
+              <a:t>For example, in the scenarios of re-oriented a model or two models comparing user should define his own reference coordinate systems. </a:t>
+            </a:r>
+            <a:endParaRPr lang="en-SG" dirty="0"/>
+          </a:p>
+        </p:txBody>
+      </p:sp>
+    </p:spTree>
+    <p:extLst>
+      <p:ext uri="{BB962C8B-B14F-4D97-AF65-F5344CB8AC3E}">
+        <p14:creationId xmlns:p14="http://schemas.microsoft.com/office/powerpoint/2010/main" val="1304840193"/>
+      </p:ext>
+    </p:extLst>
+  </p:cSld>
+  <p:clrMapOvr>
+    <a:masterClrMapping/>
+  </p:clrMapOvr>
+</p:sld>
+</file>
+
+<file path=ppt/slides/slide51.xml><?xml version="1.0" encoding="utf-8"?>
+<p:sld xmlns:a="http://schemas.openxmlformats.org/drawingml/2006/main" xmlns:r="http://schemas.openxmlformats.org/officeDocument/2006/relationships" xmlns:p="http://schemas.openxmlformats.org/presentationml/2006/main">
+  <p:cSld>
+    <p:spTree>
+      <p:nvGrpSpPr>
+        <p:cNvPr id="1" name=""/>
+        <p:cNvGrpSpPr/>
+        <p:nvPr/>
+      </p:nvGrpSpPr>
+      <p:grpSpPr>
+        <a:xfrm>
+          <a:off x="0" y="0"/>
+          <a:ext cx="0" cy="0"/>
+          <a:chOff x="0" y="0"/>
+          <a:chExt cx="0" cy="0"/>
+        </a:xfrm>
+      </p:grpSpPr>
+      <p:sp>
+        <p:nvSpPr>
+          <p:cNvPr id="2" name="标题 1"/>
+          <p:cNvSpPr>
+            <a:spLocks noGrp="1"/>
+          </p:cNvSpPr>
+          <p:nvPr>
+            <p:ph type="title"/>
+          </p:nvPr>
+        </p:nvSpPr>
+        <p:spPr/>
+        <p:txBody>
+          <a:bodyPr/>
+          <a:lstStyle/>
+          <a:p>
+            <a:r>
+              <a:rPr lang="en-SG" dirty="0" smtClean="0"/>
+              <a:t>References objects</a:t>
+            </a:r>
+            <a:endParaRPr lang="en-SG" dirty="0"/>
+          </a:p>
+        </p:txBody>
+      </p:sp>
+      <p:sp>
+        <p:nvSpPr>
+          <p:cNvPr id="3" name="内容占位符 2"/>
+          <p:cNvSpPr>
+            <a:spLocks noGrp="1"/>
+          </p:cNvSpPr>
+          <p:nvPr>
+            <p:ph idx="1"/>
+          </p:nvPr>
+        </p:nvSpPr>
+        <p:spPr/>
+        <p:txBody>
+          <a:bodyPr/>
+          <a:lstStyle/>
+          <a:p>
+            <a:r>
+              <a:rPr lang="en-SG" dirty="0" smtClean="0"/>
+              <a:t>Reference points</a:t>
+            </a:r>
+          </a:p>
+          <a:p>
+            <a:r>
+              <a:rPr lang="en-SG" dirty="0" smtClean="0"/>
+              <a:t>Reference vectors/axes</a:t>
+            </a:r>
+          </a:p>
+          <a:p>
+            <a:r>
+              <a:rPr lang="en-SG" dirty="0" smtClean="0"/>
+              <a:t>Reference plane</a:t>
+            </a:r>
+          </a:p>
+          <a:p>
+            <a:endParaRPr lang="en-SG" dirty="0"/>
+          </a:p>
+        </p:txBody>
+      </p:sp>
+    </p:spTree>
+    <p:extLst>
+      <p:ext uri="{BB962C8B-B14F-4D97-AF65-F5344CB8AC3E}">
+        <p14:creationId xmlns:p14="http://schemas.microsoft.com/office/powerpoint/2010/main" val="224841182"/>
+      </p:ext>
+    </p:extLst>
+  </p:cSld>
+  <p:clrMapOvr>
+    <a:masterClrMapping/>
+  </p:clrMapOvr>
+</p:sld>
+</file>
+
+<file path=ppt/slides/slide52.xml><?xml version="1.0" encoding="utf-8"?>
+<p:sld xmlns:a="http://schemas.openxmlformats.org/drawingml/2006/main" xmlns:r="http://schemas.openxmlformats.org/officeDocument/2006/relationships" xmlns:p="http://schemas.openxmlformats.org/presentationml/2006/main">
+  <p:cSld>
+    <p:spTree>
+      <p:nvGrpSpPr>
+        <p:cNvPr id="1" name=""/>
+        <p:cNvGrpSpPr/>
+        <p:nvPr/>
+      </p:nvGrpSpPr>
+      <p:grpSpPr>
+        <a:xfrm>
+          <a:off x="0" y="0"/>
+          <a:ext cx="0" cy="0"/>
+          <a:chOff x="0" y="0"/>
+          <a:chExt cx="0" cy="0"/>
+        </a:xfrm>
+      </p:grpSpPr>
+      <p:sp>
+        <p:nvSpPr>
+          <p:cNvPr id="2" name="标题 1"/>
+          <p:cNvSpPr>
+            <a:spLocks noGrp="1"/>
+          </p:cNvSpPr>
+          <p:nvPr>
+            <p:ph type="title"/>
+          </p:nvPr>
+        </p:nvSpPr>
+        <p:spPr/>
+        <p:txBody>
+          <a:bodyPr/>
+          <a:lstStyle/>
+          <a:p>
+            <a:r>
+              <a:rPr lang="en-SG" dirty="0" smtClean="0"/>
+              <a:t>Sketch</a:t>
+            </a:r>
+            <a:endParaRPr lang="en-SG" dirty="0"/>
+          </a:p>
+        </p:txBody>
+      </p:sp>
+      <p:sp>
+        <p:nvSpPr>
+          <p:cNvPr id="3" name="内容占位符 2"/>
+          <p:cNvSpPr>
+            <a:spLocks noGrp="1"/>
+          </p:cNvSpPr>
+          <p:nvPr>
+            <p:ph idx="1"/>
+          </p:nvPr>
+        </p:nvSpPr>
+        <p:spPr/>
+        <p:txBody>
+          <a:bodyPr/>
+          <a:lstStyle/>
+          <a:p>
+            <a:r>
+              <a:rPr lang="en-SG" dirty="0" smtClean="0"/>
+              <a:t>Plane curves</a:t>
+            </a:r>
+          </a:p>
+          <a:p>
+            <a:r>
+              <a:rPr lang="en-SG" dirty="0" smtClean="0"/>
+              <a:t>Two types of Constraint</a:t>
+            </a:r>
+          </a:p>
+          <a:p>
+            <a:pPr lvl="1"/>
+            <a:r>
+              <a:rPr lang="en-SG" dirty="0"/>
+              <a:t>Dimensional </a:t>
+            </a:r>
+            <a:r>
+              <a:rPr lang="en-SG" dirty="0" smtClean="0"/>
+              <a:t>constraints: length and angle</a:t>
+            </a:r>
+          </a:p>
+          <a:p>
+            <a:pPr lvl="1"/>
+            <a:r>
+              <a:rPr lang="en-SG" dirty="0" smtClean="0"/>
+              <a:t>Geometric constraints: parallel, perpendicular, normal</a:t>
+            </a:r>
+            <a:r>
+              <a:rPr lang="en-SG" dirty="0"/>
+              <a:t>, tangent, </a:t>
+            </a:r>
+            <a:r>
+              <a:rPr lang="en-SG" dirty="0" smtClean="0"/>
+              <a:t>concentric</a:t>
+            </a:r>
+            <a:r>
+              <a:rPr lang="en-SG" smtClean="0"/>
+              <a:t>, etc.</a:t>
+            </a:r>
+            <a:endParaRPr lang="en-SG" dirty="0"/>
+          </a:p>
+        </p:txBody>
+      </p:sp>
+    </p:spTree>
+    <p:extLst>
+      <p:ext uri="{BB962C8B-B14F-4D97-AF65-F5344CB8AC3E}">
+        <p14:creationId xmlns:p14="http://schemas.microsoft.com/office/powerpoint/2010/main" val="579798063"/>
+      </p:ext>
+    </p:extLst>
+  </p:cSld>
+  <p:clrMapOvr>
+    <a:masterClrMapping/>
+  </p:clrMapOvr>
+</p:sld>
+</file>
+
+<file path=ppt/slides/slide53.xml><?xml version="1.0" encoding="utf-8"?>
+<p:sld xmlns:a="http://schemas.openxmlformats.org/drawingml/2006/main" xmlns:r="http://schemas.openxmlformats.org/officeDocument/2006/relationships" xmlns:p="http://schemas.openxmlformats.org/presentationml/2006/main">
+  <p:cSld>
+    <p:spTree>
+      <p:nvGrpSpPr>
+        <p:cNvPr id="1" name=""/>
+        <p:cNvGrpSpPr/>
+        <p:nvPr/>
+      </p:nvGrpSpPr>
+      <p:grpSpPr>
+        <a:xfrm>
+          <a:off x="0" y="0"/>
+          <a:ext cx="0" cy="0"/>
+          <a:chOff x="0" y="0"/>
+          <a:chExt cx="0" cy="0"/>
+        </a:xfrm>
+      </p:grpSpPr>
+      <p:sp>
+        <p:nvSpPr>
+          <p:cNvPr id="2" name="标题 1"/>
+          <p:cNvSpPr>
+            <a:spLocks noGrp="1"/>
+          </p:cNvSpPr>
+          <p:nvPr>
+            <p:ph type="ctrTitle"/>
+          </p:nvPr>
+        </p:nvSpPr>
+        <p:spPr/>
+        <p:txBody>
+          <a:bodyPr/>
+          <a:lstStyle/>
+          <a:p>
+            <a:r>
+              <a:rPr lang="en-SG" dirty="0" smtClean="0"/>
+              <a:t>CAM</a:t>
+            </a:r>
+            <a:endParaRPr lang="en-SG" dirty="0"/>
+          </a:p>
+        </p:txBody>
+      </p:sp>
+      <p:sp>
+        <p:nvSpPr>
+          <p:cNvPr id="3" name="副标题 2"/>
+          <p:cNvSpPr>
+            <a:spLocks noGrp="1"/>
+          </p:cNvSpPr>
+          <p:nvPr>
+            <p:ph type="subTitle" idx="1"/>
+          </p:nvPr>
+        </p:nvSpPr>
+        <p:spPr/>
+        <p:txBody>
+          <a:bodyPr/>
+          <a:lstStyle/>
+          <a:p>
+            <a:endParaRPr lang="en-SG"/>
+          </a:p>
+        </p:txBody>
+      </p:sp>
+    </p:spTree>
+    <p:extLst>
+      <p:ext uri="{BB962C8B-B14F-4D97-AF65-F5344CB8AC3E}">
+        <p14:creationId xmlns:p14="http://schemas.microsoft.com/office/powerpoint/2010/main" val="2945329965"/>
+      </p:ext>
+    </p:extLst>
+  </p:cSld>
+  <p:clrMapOvr>
+    <a:masterClrMapping/>
+  </p:clrMapOvr>
+</p:sld>
+</file>
+
+<file path=ppt/slides/slide54.xml><?xml version="1.0" encoding="utf-8"?>
+<p:sld xmlns:a="http://schemas.openxmlformats.org/drawingml/2006/main" xmlns:r="http://schemas.openxmlformats.org/officeDocument/2006/relationships" xmlns:p="http://schemas.openxmlformats.org/presentationml/2006/main">
+  <p:cSld>
+    <p:spTree>
+      <p:nvGrpSpPr>
+        <p:cNvPr id="1" name=""/>
+        <p:cNvGrpSpPr/>
+        <p:nvPr/>
+      </p:nvGrpSpPr>
+      <p:grpSpPr>
+        <a:xfrm>
+          <a:off x="0" y="0"/>
+          <a:ext cx="0" cy="0"/>
+          <a:chOff x="0" y="0"/>
+          <a:chExt cx="0" cy="0"/>
+        </a:xfrm>
+      </p:grpSpPr>
+      <p:sp>
+        <p:nvSpPr>
+          <p:cNvPr id="2" name="标题 1"/>
+          <p:cNvSpPr>
+            <a:spLocks noGrp="1"/>
+          </p:cNvSpPr>
+          <p:nvPr>
+            <p:ph type="title"/>
+          </p:nvPr>
+        </p:nvSpPr>
+        <p:spPr/>
+        <p:txBody>
+          <a:bodyPr/>
+          <a:lstStyle/>
+          <a:p>
+            <a:r>
+              <a:rPr lang="en-SG" dirty="0" smtClean="0"/>
+              <a:t>Brief</a:t>
+            </a:r>
+            <a:endParaRPr lang="en-SG" dirty="0"/>
+          </a:p>
+        </p:txBody>
+      </p:sp>
+      <p:sp>
+        <p:nvSpPr>
+          <p:cNvPr id="3" name="内容占位符 2"/>
+          <p:cNvSpPr>
+            <a:spLocks noGrp="1"/>
+          </p:cNvSpPr>
+          <p:nvPr>
+            <p:ph idx="1"/>
+          </p:nvPr>
+        </p:nvSpPr>
+        <p:spPr/>
+        <p:txBody>
+          <a:bodyPr>
+            <a:normAutofit/>
+          </a:bodyPr>
+          <a:lstStyle/>
+          <a:p>
+            <a:r>
+              <a:rPr lang="en-SG" dirty="0" smtClean="0"/>
+              <a:t>Scope and applications </a:t>
+            </a:r>
+          </a:p>
+          <a:p>
+            <a:pPr lvl="1"/>
+            <a:r>
+              <a:rPr lang="en-SG" dirty="0" smtClean="0"/>
+              <a:t>NC in CAM </a:t>
+            </a:r>
+          </a:p>
+          <a:p>
+            <a:pPr lvl="1"/>
+            <a:r>
+              <a:rPr lang="en-SG" dirty="0" smtClean="0"/>
+              <a:t>Principal types of CNC machine</a:t>
+            </a:r>
+          </a:p>
+        </p:txBody>
+      </p:sp>
+    </p:spTree>
+    <p:extLst>
+      <p:ext uri="{BB962C8B-B14F-4D97-AF65-F5344CB8AC3E}">
+        <p14:creationId xmlns:p14="http://schemas.microsoft.com/office/powerpoint/2010/main" val="866301321"/>
+      </p:ext>
+    </p:extLst>
+  </p:cSld>
+  <p:clrMapOvr>
+    <a:masterClrMapping/>
+  </p:clrMapOvr>
+</p:sld>
+</file>
+
+<file path=ppt/slides/slide55.xml><?xml version="1.0" encoding="utf-8"?>
+<p:sld xmlns:a="http://schemas.openxmlformats.org/drawingml/2006/main" xmlns:r="http://schemas.openxmlformats.org/officeDocument/2006/relationships" xmlns:p="http://schemas.openxmlformats.org/presentationml/2006/main">
+  <p:cSld>
+    <p:spTree>
+      <p:nvGrpSpPr>
+        <p:cNvPr id="1" name=""/>
+        <p:cNvGrpSpPr/>
+        <p:nvPr/>
+      </p:nvGrpSpPr>
+      <p:grpSpPr>
+        <a:xfrm>
+          <a:off x="0" y="0"/>
+          <a:ext cx="0" cy="0"/>
+          <a:chOff x="0" y="0"/>
+          <a:chExt cx="0" cy="0"/>
+        </a:xfrm>
+      </p:grpSpPr>
+      <p:sp>
+        <p:nvSpPr>
+          <p:cNvPr id="2" name="标题 1"/>
+          <p:cNvSpPr>
+            <a:spLocks noGrp="1"/>
+          </p:cNvSpPr>
+          <p:nvPr>
+            <p:ph type="title"/>
+          </p:nvPr>
+        </p:nvSpPr>
+        <p:spPr/>
+        <p:txBody>
+          <a:bodyPr/>
+          <a:lstStyle/>
+          <a:p>
+            <a:r>
+              <a:rPr lang="en-SG" dirty="0" smtClean="0"/>
+              <a:t>Machine tools</a:t>
+            </a:r>
+            <a:endParaRPr lang="en-SG" dirty="0"/>
+          </a:p>
+        </p:txBody>
+      </p:sp>
+      <p:sp>
+        <p:nvSpPr>
+          <p:cNvPr id="3" name="内容占位符 2"/>
+          <p:cNvSpPr>
+            <a:spLocks noGrp="1"/>
+          </p:cNvSpPr>
+          <p:nvPr>
+            <p:ph idx="1"/>
+          </p:nvPr>
+        </p:nvSpPr>
+        <p:spPr/>
+        <p:txBody>
+          <a:bodyPr>
+            <a:normAutofit/>
+          </a:bodyPr>
+          <a:lstStyle/>
+          <a:p>
+            <a:r>
+              <a:rPr lang="en-SG" dirty="0" smtClean="0"/>
+              <a:t>tools and their construction features</a:t>
+            </a:r>
+          </a:p>
+          <a:p>
+            <a:pPr marL="457200" lvl="1" indent="0">
+              <a:buNone/>
+            </a:pPr>
+            <a:r>
+              <a:rPr lang="en-SG" dirty="0" smtClean="0"/>
+              <a:t>tooling for CNC – ISO designation for</a:t>
+            </a:r>
+          </a:p>
+          <a:p>
+            <a:r>
+              <a:rPr lang="en-SG" dirty="0" smtClean="0"/>
+              <a:t>tooling </a:t>
+            </a:r>
+          </a:p>
+          <a:p>
+            <a:pPr lvl="1"/>
+            <a:r>
+              <a:rPr lang="en-SG" dirty="0" smtClean="0"/>
+              <a:t>CNC operating system </a:t>
+            </a:r>
+          </a:p>
+          <a:p>
+            <a:pPr lvl="1"/>
+            <a:r>
+              <a:rPr lang="en-SG" dirty="0" smtClean="0"/>
+              <a:t>FANUC, SINUMERIK – LINUMERIK.</a:t>
+            </a:r>
+          </a:p>
+          <a:p>
+            <a:endParaRPr lang="en-SG" dirty="0"/>
+          </a:p>
+        </p:txBody>
+      </p:sp>
+    </p:spTree>
+    <p:extLst>
+      <p:ext uri="{BB962C8B-B14F-4D97-AF65-F5344CB8AC3E}">
+        <p14:creationId xmlns:p14="http://schemas.microsoft.com/office/powerpoint/2010/main" val="2867634849"/>
+      </p:ext>
+    </p:extLst>
+  </p:cSld>
+  <p:clrMapOvr>
+    <a:masterClrMapping/>
+  </p:clrMapOvr>
+</p:sld>
+</file>
+
+<file path=ppt/slides/slide56.xml><?xml version="1.0" encoding="utf-8"?>
+<p:sld xmlns:a="http://schemas.openxmlformats.org/drawingml/2006/main" xmlns:r="http://schemas.openxmlformats.org/officeDocument/2006/relationships" xmlns:p="http://schemas.openxmlformats.org/presentationml/2006/main">
+  <p:cSld>
+    <p:spTree>
+      <p:nvGrpSpPr>
+        <p:cNvPr id="1" name=""/>
+        <p:cNvGrpSpPr/>
+        <p:nvPr/>
+      </p:nvGrpSpPr>
+      <p:grpSpPr>
+        <a:xfrm>
+          <a:off x="0" y="0"/>
+          <a:ext cx="0" cy="0"/>
+          <a:chOff x="0" y="0"/>
+          <a:chExt cx="0" cy="0"/>
+        </a:xfrm>
+      </p:grpSpPr>
+      <p:sp>
+        <p:nvSpPr>
+          <p:cNvPr id="2" name="标题 1"/>
+          <p:cNvSpPr>
+            <a:spLocks noGrp="1"/>
+          </p:cNvSpPr>
+          <p:nvPr>
+            <p:ph type="title"/>
+          </p:nvPr>
+        </p:nvSpPr>
+        <p:spPr/>
+        <p:txBody>
+          <a:bodyPr/>
+          <a:lstStyle/>
+          <a:p>
+            <a:r>
+              <a:rPr lang="en-SG" dirty="0" smtClean="0"/>
+              <a:t>Introduction to CAPP</a:t>
+            </a:r>
+            <a:endParaRPr lang="en-SG" dirty="0"/>
+          </a:p>
+        </p:txBody>
+      </p:sp>
+      <p:sp>
+        <p:nvSpPr>
+          <p:cNvPr id="3" name="内容占位符 2"/>
+          <p:cNvSpPr>
+            <a:spLocks noGrp="1"/>
+          </p:cNvSpPr>
+          <p:nvPr>
+            <p:ph idx="1"/>
+          </p:nvPr>
+        </p:nvSpPr>
+        <p:spPr/>
+        <p:txBody>
+          <a:bodyPr/>
+          <a:lstStyle/>
+          <a:p>
+            <a:r>
+              <a:rPr lang="en-SG" dirty="0" smtClean="0"/>
+              <a:t>Three main parameters to define a machining process</a:t>
+            </a:r>
+          </a:p>
+          <a:p>
+            <a:r>
+              <a:rPr lang="en-SG" dirty="0" smtClean="0"/>
+              <a:t>Principles for process design</a:t>
+            </a:r>
+          </a:p>
+          <a:p>
+            <a:r>
+              <a:rPr lang="en-SG" dirty="0" smtClean="0"/>
+              <a:t>Processing planning systems</a:t>
+            </a:r>
+          </a:p>
+          <a:p>
+            <a:endParaRPr lang="en-SG" dirty="0"/>
+          </a:p>
+        </p:txBody>
+      </p:sp>
+    </p:spTree>
+    <p:extLst>
+      <p:ext uri="{BB962C8B-B14F-4D97-AF65-F5344CB8AC3E}">
+        <p14:creationId xmlns:p14="http://schemas.microsoft.com/office/powerpoint/2010/main" val="3457476283"/>
+      </p:ext>
+    </p:extLst>
+  </p:cSld>
+  <p:clrMapOvr>
+    <a:masterClrMapping/>
+  </p:clrMapOvr>
+</p:sld>
+</file>
+
+<file path=ppt/slides/slide57.xml><?xml version="1.0" encoding="utf-8"?>
+<p:sld xmlns:a="http://schemas.openxmlformats.org/drawingml/2006/main" xmlns:r="http://schemas.openxmlformats.org/officeDocument/2006/relationships" xmlns:p="http://schemas.openxmlformats.org/presentationml/2006/main">
+  <p:cSld>
+    <p:spTree>
+      <p:nvGrpSpPr>
+        <p:cNvPr id="1" name=""/>
+        <p:cNvGrpSpPr/>
+        <p:nvPr/>
+      </p:nvGrpSpPr>
+      <p:grpSpPr>
+        <a:xfrm>
+          <a:off x="0" y="0"/>
+          <a:ext cx="0" cy="0"/>
+          <a:chOff x="0" y="0"/>
+          <a:chExt cx="0" cy="0"/>
+        </a:xfrm>
+      </p:grpSpPr>
+      <p:sp>
+        <p:nvSpPr>
+          <p:cNvPr id="2" name="标题 1"/>
+          <p:cNvSpPr>
+            <a:spLocks noGrp="1"/>
+          </p:cNvSpPr>
+          <p:nvPr>
+            <p:ph type="title"/>
+          </p:nvPr>
+        </p:nvSpPr>
+        <p:spPr/>
+        <p:txBody>
+          <a:bodyPr/>
+          <a:lstStyle/>
+          <a:p>
+            <a:r>
+              <a:rPr lang="en-SG" dirty="0" smtClean="0"/>
+              <a:t>Programming for CNC machining</a:t>
+            </a:r>
+            <a:endParaRPr lang="en-SG" dirty="0"/>
+          </a:p>
+        </p:txBody>
+      </p:sp>
+      <p:sp>
+        <p:nvSpPr>
+          <p:cNvPr id="3" name="内容占位符 2"/>
+          <p:cNvSpPr>
+            <a:spLocks noGrp="1"/>
+          </p:cNvSpPr>
+          <p:nvPr>
+            <p:ph idx="1"/>
+          </p:nvPr>
+        </p:nvSpPr>
+        <p:spPr/>
+        <p:txBody>
+          <a:bodyPr>
+            <a:normAutofit/>
+          </a:bodyPr>
+          <a:lstStyle/>
+          <a:p>
+            <a:r>
+              <a:rPr lang="en-SG" dirty="0"/>
+              <a:t>C</a:t>
+            </a:r>
+            <a:r>
+              <a:rPr lang="en-SG" dirty="0" smtClean="0"/>
+              <a:t>oordinate systems of CNC</a:t>
+            </a:r>
+          </a:p>
+          <a:p>
+            <a:r>
+              <a:rPr lang="en-SG" dirty="0"/>
+              <a:t>M</a:t>
+            </a:r>
+            <a:r>
+              <a:rPr lang="en-SG" dirty="0" smtClean="0"/>
+              <a:t>anual part</a:t>
+            </a:r>
+          </a:p>
+          <a:p>
+            <a:r>
+              <a:rPr lang="en-SG" dirty="0"/>
+              <a:t>C</a:t>
+            </a:r>
+            <a:r>
+              <a:rPr lang="en-SG" dirty="0" smtClean="0"/>
+              <a:t>omputer assisted part programming </a:t>
+            </a:r>
+          </a:p>
+          <a:p>
+            <a:r>
+              <a:rPr lang="en-SG" dirty="0" smtClean="0"/>
+              <a:t>CNC part programming with CAD system. </a:t>
+            </a:r>
+          </a:p>
+          <a:p>
+            <a:endParaRPr lang="en-SG" dirty="0"/>
+          </a:p>
+        </p:txBody>
+      </p:sp>
+    </p:spTree>
+    <p:extLst>
+      <p:ext uri="{BB962C8B-B14F-4D97-AF65-F5344CB8AC3E}">
+        <p14:creationId xmlns:p14="http://schemas.microsoft.com/office/powerpoint/2010/main" val="2042065448"/>
+      </p:ext>
+    </p:extLst>
+  </p:cSld>
+  <p:clrMapOvr>
+    <a:masterClrMapping/>
+  </p:clrMapOvr>
+</p:sld>
+</file>
+
+<file path=ppt/slides/slide58.xml><?xml version="1.0" encoding="utf-8"?>
+<p:sld xmlns:a="http://schemas.openxmlformats.org/drawingml/2006/main" xmlns:r="http://schemas.openxmlformats.org/officeDocument/2006/relationships" xmlns:p="http://schemas.openxmlformats.org/presentationml/2006/main">
+  <p:cSld>
+    <p:spTree>
+      <p:nvGrpSpPr>
+        <p:cNvPr id="1" name=""/>
+        <p:cNvGrpSpPr/>
+        <p:nvPr/>
+      </p:nvGrpSpPr>
+      <p:grpSpPr>
+        <a:xfrm>
+          <a:off x="0" y="0"/>
+          <a:ext cx="0" cy="0"/>
+          <a:chOff x="0" y="0"/>
+          <a:chExt cx="0" cy="0"/>
+        </a:xfrm>
+      </p:grpSpPr>
+      <p:sp>
+        <p:nvSpPr>
+          <p:cNvPr id="2" name="标题 1"/>
+          <p:cNvSpPr>
+            <a:spLocks noGrp="1"/>
+          </p:cNvSpPr>
+          <p:nvPr>
+            <p:ph type="title"/>
+          </p:nvPr>
+        </p:nvSpPr>
+        <p:spPr/>
+        <p:txBody>
+          <a:bodyPr/>
+          <a:lstStyle/>
+          <a:p>
+            <a:r>
+              <a:rPr lang="en-SG" dirty="0" smtClean="0"/>
+              <a:t>Material handling in CAM environment</a:t>
+            </a:r>
+            <a:endParaRPr lang="en-SG" dirty="0"/>
+          </a:p>
+        </p:txBody>
+      </p:sp>
+      <p:sp>
+        <p:nvSpPr>
+          <p:cNvPr id="3" name="内容占位符 2"/>
+          <p:cNvSpPr>
+            <a:spLocks noGrp="1"/>
+          </p:cNvSpPr>
+          <p:nvPr>
+            <p:ph idx="1"/>
+          </p:nvPr>
+        </p:nvSpPr>
+        <p:spPr/>
+        <p:txBody>
+          <a:bodyPr/>
+          <a:lstStyle/>
+          <a:p>
+            <a:r>
+              <a:rPr lang="en-SG" dirty="0" smtClean="0"/>
+              <a:t>Logistic and storage system </a:t>
+            </a:r>
+          </a:p>
+          <a:p>
+            <a:pPr lvl="1"/>
+            <a:r>
+              <a:rPr lang="en-SG" dirty="0" smtClean="0"/>
+              <a:t>AGVS </a:t>
+            </a:r>
+          </a:p>
+          <a:p>
+            <a:pPr lvl="1"/>
+            <a:r>
+              <a:rPr lang="en-SG" dirty="0" smtClean="0"/>
+              <a:t>AS/RS </a:t>
+            </a:r>
+          </a:p>
+          <a:p>
+            <a:pPr lvl="1"/>
+            <a:r>
+              <a:rPr lang="en-SG" dirty="0" err="1" smtClean="0"/>
+              <a:t>Swarf</a:t>
+            </a:r>
+            <a:r>
+              <a:rPr lang="en-SG" dirty="0" smtClean="0"/>
+              <a:t> handling and disposal of wastes </a:t>
+            </a:r>
+          </a:p>
+          <a:p>
+            <a:r>
+              <a:rPr lang="en-SG" dirty="0" smtClean="0"/>
+              <a:t>Assembly lines </a:t>
+            </a:r>
+          </a:p>
+          <a:p>
+            <a:pPr lvl="1"/>
+            <a:r>
+              <a:rPr lang="en-SG" dirty="0" smtClean="0"/>
+              <a:t>Quantitative analysis of assembly systems.</a:t>
+            </a:r>
+          </a:p>
+          <a:p>
+            <a:endParaRPr lang="en-SG" dirty="0"/>
+          </a:p>
+        </p:txBody>
+      </p:sp>
+    </p:spTree>
+    <p:extLst>
+      <p:ext uri="{BB962C8B-B14F-4D97-AF65-F5344CB8AC3E}">
+        <p14:creationId xmlns:p14="http://schemas.microsoft.com/office/powerpoint/2010/main" val="938672915"/>
+      </p:ext>
+    </p:extLst>
+  </p:cSld>
+  <p:clrMapOvr>
+    <a:masterClrMapping/>
+  </p:clrMapOvr>
+</p:sld>
+</file>
+
+<file path=ppt/slides/slide59.xml><?xml version="1.0" encoding="utf-8"?>
+<p:sld xmlns:a="http://schemas.openxmlformats.org/drawingml/2006/main" xmlns:r="http://schemas.openxmlformats.org/officeDocument/2006/relationships" xmlns:p="http://schemas.openxmlformats.org/presentationml/2006/main">
+  <p:cSld>
+    <p:spTree>
+      <p:nvGrpSpPr>
+        <p:cNvPr id="1" name=""/>
+        <p:cNvGrpSpPr/>
+        <p:nvPr/>
+      </p:nvGrpSpPr>
+      <p:grpSpPr>
+        <a:xfrm>
+          <a:off x="0" y="0"/>
+          <a:ext cx="0" cy="0"/>
+          <a:chOff x="0" y="0"/>
+          <a:chExt cx="0" cy="0"/>
+        </a:xfrm>
+      </p:grpSpPr>
+      <p:sp>
+        <p:nvSpPr>
+          <p:cNvPr id="2" name="标题 1"/>
+          <p:cNvSpPr>
+            <a:spLocks noGrp="1"/>
+          </p:cNvSpPr>
+          <p:nvPr>
+            <p:ph type="title"/>
+          </p:nvPr>
+        </p:nvSpPr>
+        <p:spPr/>
+        <p:txBody>
+          <a:bodyPr/>
+          <a:lstStyle/>
+          <a:p>
+            <a:r>
+              <a:rPr lang="en-SG" dirty="0" smtClean="0"/>
+              <a:t>Key disciplines of manufacturing under </a:t>
+            </a:r>
+            <a:r>
+              <a:rPr lang="en-SG" dirty="0" err="1" smtClean="0"/>
+              <a:t>Solidworks</a:t>
+            </a:r>
+            <a:r>
+              <a:rPr lang="en-SG" dirty="0" smtClean="0"/>
+              <a:t> environment</a:t>
+            </a:r>
+            <a:endParaRPr lang="en-SG" dirty="0"/>
+          </a:p>
+        </p:txBody>
+      </p:sp>
+      <p:sp>
+        <p:nvSpPr>
+          <p:cNvPr id="3" name="内容占位符 2"/>
+          <p:cNvSpPr>
+            <a:spLocks noGrp="1"/>
+          </p:cNvSpPr>
+          <p:nvPr>
+            <p:ph idx="1"/>
+          </p:nvPr>
+        </p:nvSpPr>
+        <p:spPr/>
+        <p:txBody>
+          <a:bodyPr/>
+          <a:lstStyle/>
+          <a:p>
+            <a:r>
+              <a:rPr lang="en-SG" dirty="0"/>
+              <a:t>Configuration for a mill or turn machine</a:t>
+            </a:r>
+          </a:p>
+          <a:p>
+            <a:r>
+              <a:rPr lang="en-SG" dirty="0"/>
+              <a:t>Features to machining strategy</a:t>
+            </a:r>
+          </a:p>
+          <a:p>
+            <a:r>
+              <a:rPr lang="en-SG" dirty="0"/>
+              <a:t>Generate operation plan</a:t>
+            </a:r>
+          </a:p>
+          <a:p>
+            <a:r>
+              <a:rPr lang="en-SG" dirty="0"/>
+              <a:t>Generate tool path</a:t>
+            </a:r>
+          </a:p>
+          <a:p>
+            <a:r>
+              <a:rPr lang="en-SG" dirty="0"/>
+              <a:t>Simulation</a:t>
+            </a:r>
+          </a:p>
+          <a:p>
+            <a:r>
+              <a:rPr lang="en-SG" dirty="0"/>
+              <a:t>Post process</a:t>
+            </a:r>
+          </a:p>
+          <a:p>
+            <a:pPr marL="0" indent="0">
+              <a:buNone/>
+            </a:pPr>
+            <a:endParaRPr lang="en-SG" dirty="0"/>
+          </a:p>
+        </p:txBody>
+      </p:sp>
+    </p:spTree>
+    <p:extLst>
+      <p:ext uri="{BB962C8B-B14F-4D97-AF65-F5344CB8AC3E}">
+        <p14:creationId xmlns:p14="http://schemas.microsoft.com/office/powerpoint/2010/main" val="4246989961"/>
+      </p:ext>
+    </p:extLst>
+  </p:cSld>
+  <p:clrMapOvr>
+    <a:masterClrMapping/>
+  </p:clrMapOvr>
+</p:sld>
+</file>
+
+<file path=ppt/slides/slide6.xml><?xml version="1.0" encoding="utf-8"?>
+<p:sld xmlns:a="http://schemas.openxmlformats.org/drawingml/2006/main" xmlns:r="http://schemas.openxmlformats.org/officeDocument/2006/relationships" xmlns:p="http://schemas.openxmlformats.org/presentationml/2006/main">
+  <p:cSld>
+    <p:spTree>
+      <p:nvGrpSpPr>
+        <p:cNvPr id="1" name=""/>
+        <p:cNvGrpSpPr/>
+        <p:nvPr/>
+      </p:nvGrpSpPr>
+      <p:grpSpPr>
+        <a:xfrm>
+          <a:off x="0" y="0"/>
+          <a:ext cx="0" cy="0"/>
+          <a:chOff x="0" y="0"/>
+          <a:chExt cx="0" cy="0"/>
+        </a:xfrm>
+      </p:grpSpPr>
+      <p:sp>
+        <p:nvSpPr>
+          <p:cNvPr id="2" name="标题 1"/>
+          <p:cNvSpPr>
+            <a:spLocks noGrp="1"/>
+          </p:cNvSpPr>
+          <p:nvPr>
+            <p:ph type="title"/>
+          </p:nvPr>
+        </p:nvSpPr>
+        <p:spPr/>
+        <p:txBody>
+          <a:bodyPr/>
+          <a:lstStyle/>
+          <a:p>
+            <a:r>
+              <a:rPr lang="en-SG" dirty="0" smtClean="0"/>
+              <a:t>Coordinate system</a:t>
+            </a:r>
+            <a:endParaRPr lang="en-SG" dirty="0"/>
+          </a:p>
+        </p:txBody>
+      </p:sp>
+      <p:sp>
+        <p:nvSpPr>
+          <p:cNvPr id="4" name="文本占位符 3"/>
+          <p:cNvSpPr>
+            <a:spLocks noGrp="1"/>
+          </p:cNvSpPr>
+          <p:nvPr>
+            <p:ph type="body" idx="1"/>
+          </p:nvPr>
+        </p:nvSpPr>
+        <p:spPr/>
+        <p:txBody>
+          <a:bodyPr/>
+          <a:lstStyle/>
+          <a:p>
+            <a:endParaRPr lang="en-SG"/>
+          </a:p>
+        </p:txBody>
+      </p:sp>
+    </p:spTree>
+    <p:extLst>
+      <p:ext uri="{BB962C8B-B14F-4D97-AF65-F5344CB8AC3E}">
+        <p14:creationId xmlns:p14="http://schemas.microsoft.com/office/powerpoint/2010/main" val="606350518"/>
+      </p:ext>
+    </p:extLst>
+  </p:cSld>
+  <p:clrMapOvr>
+    <a:masterClrMapping/>
+  </p:clrMapOvr>
+</p:sld>
+</file>
+
+<file path=ppt/slides/slide60.xml><?xml version="1.0" encoding="utf-8"?>
+<p:sld xmlns:a="http://schemas.openxmlformats.org/drawingml/2006/main" xmlns:r="http://schemas.openxmlformats.org/officeDocument/2006/relationships" xmlns:p="http://schemas.openxmlformats.org/presentationml/2006/main">
+  <p:cSld>
+    <p:spTree>
+      <p:nvGrpSpPr>
+        <p:cNvPr id="1" name=""/>
+        <p:cNvGrpSpPr/>
+        <p:nvPr/>
+      </p:nvGrpSpPr>
+      <p:grpSpPr>
+        <a:xfrm>
+          <a:off x="0" y="0"/>
+          <a:ext cx="0" cy="0"/>
+          <a:chOff x="0" y="0"/>
+          <a:chExt cx="0" cy="0"/>
+        </a:xfrm>
+      </p:grpSpPr>
+      <p:sp>
+        <p:nvSpPr>
+          <p:cNvPr id="2" name="标题 1"/>
+          <p:cNvSpPr>
+            <a:spLocks noGrp="1"/>
+          </p:cNvSpPr>
+          <p:nvPr>
+            <p:ph type="title"/>
+          </p:nvPr>
+        </p:nvSpPr>
+        <p:spPr/>
+        <p:txBody>
+          <a:bodyPr/>
+          <a:lstStyle/>
+          <a:p>
+            <a:r>
+              <a:rPr lang="en-SG" dirty="0" smtClean="0"/>
+              <a:t>The following slides are only for learning purpose</a:t>
+            </a:r>
+            <a:endParaRPr lang="en-SG" dirty="0"/>
+          </a:p>
+        </p:txBody>
+      </p:sp>
+      <p:sp>
+        <p:nvSpPr>
+          <p:cNvPr id="3" name="内容占位符 2"/>
+          <p:cNvSpPr>
+            <a:spLocks noGrp="1"/>
+          </p:cNvSpPr>
+          <p:nvPr>
+            <p:ph idx="1"/>
+          </p:nvPr>
+        </p:nvSpPr>
+        <p:spPr/>
+        <p:txBody>
+          <a:bodyPr/>
+          <a:lstStyle/>
+          <a:p>
+            <a:endParaRPr lang="en-SG" dirty="0"/>
+          </a:p>
+        </p:txBody>
+      </p:sp>
+    </p:spTree>
+    <p:extLst>
+      <p:ext uri="{BB962C8B-B14F-4D97-AF65-F5344CB8AC3E}">
+        <p14:creationId xmlns:p14="http://schemas.microsoft.com/office/powerpoint/2010/main" val="3537981211"/>
+      </p:ext>
+    </p:extLst>
+  </p:cSld>
+  <p:clrMapOvr>
+    <a:masterClrMapping/>
+  </p:clrMapOvr>
+</p:sld>
+</file>
+
+<file path=ppt/slides/slide61.xml><?xml version="1.0" encoding="utf-8"?>
+<p:sld xmlns:a="http://schemas.openxmlformats.org/drawingml/2006/main" xmlns:r="http://schemas.openxmlformats.org/officeDocument/2006/relationships" xmlns:p="http://schemas.openxmlformats.org/presentationml/2006/main">
+  <p:cSld>
+    <p:spTree>
+      <p:nvGrpSpPr>
+        <p:cNvPr id="1" name=""/>
+        <p:cNvGrpSpPr/>
+        <p:nvPr/>
+      </p:nvGrpSpPr>
+      <p:grpSpPr>
+        <a:xfrm>
+          <a:off x="0" y="0"/>
+          <a:ext cx="0" cy="0"/>
+          <a:chOff x="0" y="0"/>
+          <a:chExt cx="0" cy="0"/>
+        </a:xfrm>
+      </p:grpSpPr>
+      <p:sp>
+        <p:nvSpPr>
+          <p:cNvPr id="2" name="标题 1"/>
+          <p:cNvSpPr>
+            <a:spLocks noGrp="1"/>
+          </p:cNvSpPr>
+          <p:nvPr>
+            <p:ph type="title"/>
+          </p:nvPr>
+        </p:nvSpPr>
+        <p:spPr/>
+        <p:txBody>
+          <a:bodyPr/>
+          <a:lstStyle/>
+          <a:p>
+            <a:endParaRPr lang="en-SG" dirty="0"/>
+          </a:p>
+        </p:txBody>
+      </p:sp>
+      <p:sp>
+        <p:nvSpPr>
+          <p:cNvPr id="3" name="内容占位符 2"/>
+          <p:cNvSpPr>
+            <a:spLocks noGrp="1"/>
+          </p:cNvSpPr>
+          <p:nvPr>
+            <p:ph idx="1"/>
+          </p:nvPr>
+        </p:nvSpPr>
+        <p:spPr/>
+        <p:txBody>
+          <a:bodyPr/>
+          <a:lstStyle/>
+          <a:p>
+            <a:r>
+              <a:rPr lang="en-SG" dirty="0" smtClean="0"/>
+              <a:t>Create a new part</a:t>
+            </a:r>
+          </a:p>
+          <a:p>
+            <a:r>
+              <a:rPr lang="en-SG" dirty="0" smtClean="0"/>
+              <a:t>Check the unit setting</a:t>
+            </a:r>
+          </a:p>
+          <a:p>
+            <a:r>
+              <a:rPr lang="en-SG" dirty="0" smtClean="0"/>
+              <a:t>Using sketch to create part body</a:t>
+            </a:r>
+          </a:p>
+          <a:p>
+            <a:pPr lvl="1"/>
+            <a:r>
+              <a:rPr lang="en-SG" dirty="0" smtClean="0"/>
+              <a:t>Smart dimension is an import tool to drive the model </a:t>
+            </a:r>
+            <a:r>
+              <a:rPr lang="en-SG" dirty="0" err="1" smtClean="0"/>
+              <a:t>creatation</a:t>
+            </a:r>
+            <a:endParaRPr lang="en-SG" dirty="0" smtClean="0"/>
+          </a:p>
+          <a:p>
+            <a:pPr lvl="1"/>
+            <a:endParaRPr lang="en-SG" dirty="0" smtClean="0"/>
+          </a:p>
+        </p:txBody>
+      </p:sp>
+    </p:spTree>
+    <p:extLst>
+      <p:ext uri="{BB962C8B-B14F-4D97-AF65-F5344CB8AC3E}">
+        <p14:creationId xmlns:p14="http://schemas.microsoft.com/office/powerpoint/2010/main" val="1130636376"/>
+      </p:ext>
+    </p:extLst>
+  </p:cSld>
+  <p:clrMapOvr>
+    <a:masterClrMapping/>
+  </p:clrMapOvr>
+</p:sld>
+</file>
+
+<file path=ppt/slides/slide62.xml><?xml version="1.0" encoding="utf-8"?>
+<p:sld xmlns:a="http://schemas.openxmlformats.org/drawingml/2006/main" xmlns:r="http://schemas.openxmlformats.org/officeDocument/2006/relationships" xmlns:p="http://schemas.openxmlformats.org/presentationml/2006/main">
+  <p:cSld>
+    <p:spTree>
+      <p:nvGrpSpPr>
+        <p:cNvPr id="1" name=""/>
+        <p:cNvGrpSpPr/>
+        <p:nvPr/>
+      </p:nvGrpSpPr>
+      <p:grpSpPr>
+        <a:xfrm>
+          <a:off x="0" y="0"/>
+          <a:ext cx="0" cy="0"/>
+          <a:chOff x="0" y="0"/>
+          <a:chExt cx="0" cy="0"/>
+        </a:xfrm>
+      </p:grpSpPr>
+      <p:sp>
+        <p:nvSpPr>
+          <p:cNvPr id="2" name="标题 1"/>
+          <p:cNvSpPr>
+            <a:spLocks noGrp="1"/>
+          </p:cNvSpPr>
+          <p:nvPr>
+            <p:ph type="title"/>
+          </p:nvPr>
+        </p:nvSpPr>
+        <p:spPr/>
+        <p:txBody>
+          <a:bodyPr/>
+          <a:lstStyle/>
+          <a:p>
+            <a:endParaRPr lang="en-SG"/>
+          </a:p>
+        </p:txBody>
+      </p:sp>
+      <p:sp>
+        <p:nvSpPr>
+          <p:cNvPr id="3" name="内容占位符 2"/>
+          <p:cNvSpPr>
+            <a:spLocks noGrp="1"/>
+          </p:cNvSpPr>
+          <p:nvPr>
+            <p:ph idx="1"/>
+          </p:nvPr>
+        </p:nvSpPr>
+        <p:spPr/>
+        <p:txBody>
+          <a:bodyPr/>
+          <a:lstStyle/>
+          <a:p>
+            <a:r>
+              <a:rPr lang="en-SG" dirty="0"/>
+              <a:t>Go to the </a:t>
+            </a:r>
+            <a:r>
+              <a:rPr lang="en-SG" dirty="0" err="1"/>
+              <a:t>Solidworks</a:t>
+            </a:r>
+            <a:r>
+              <a:rPr lang="en-SG" dirty="0"/>
+              <a:t> CAM module(just perform each of tool button alone the toolbar from left to right, one can finally get the tool path and G-codes)</a:t>
+            </a:r>
+          </a:p>
+          <a:p>
+            <a:pPr lvl="1"/>
+            <a:r>
+              <a:rPr lang="en-SG" dirty="0"/>
+              <a:t>Define machine</a:t>
+            </a:r>
+          </a:p>
+          <a:p>
+            <a:pPr lvl="1"/>
+            <a:r>
+              <a:rPr lang="en-SG" dirty="0"/>
+              <a:t>Setup coordinate system</a:t>
+            </a:r>
+          </a:p>
+          <a:p>
+            <a:pPr lvl="1"/>
+            <a:r>
+              <a:rPr lang="en-SG" dirty="0"/>
+              <a:t>Define stock size using stock </a:t>
+            </a:r>
+            <a:r>
+              <a:rPr lang="en-SG" dirty="0" smtClean="0"/>
+              <a:t>manager</a:t>
+            </a:r>
+          </a:p>
+          <a:p>
+            <a:endParaRPr lang="en-SG" dirty="0"/>
+          </a:p>
+        </p:txBody>
+      </p:sp>
+    </p:spTree>
+    <p:extLst>
+      <p:ext uri="{BB962C8B-B14F-4D97-AF65-F5344CB8AC3E}">
+        <p14:creationId xmlns:p14="http://schemas.microsoft.com/office/powerpoint/2010/main" val="482855842"/>
+      </p:ext>
+    </p:extLst>
+  </p:cSld>
+  <p:clrMapOvr>
+    <a:masterClrMapping/>
+  </p:clrMapOvr>
+</p:sld>
+</file>
+
+<file path=ppt/slides/slide63.xml><?xml version="1.0" encoding="utf-8"?>
+<p:sld xmlns:a="http://schemas.openxmlformats.org/drawingml/2006/main" xmlns:r="http://schemas.openxmlformats.org/officeDocument/2006/relationships" xmlns:p="http://schemas.openxmlformats.org/presentationml/2006/main">
+  <p:cSld>
+    <p:spTree>
+      <p:nvGrpSpPr>
+        <p:cNvPr id="1" name=""/>
+        <p:cNvGrpSpPr/>
+        <p:nvPr/>
+      </p:nvGrpSpPr>
+      <p:grpSpPr>
+        <a:xfrm>
+          <a:off x="0" y="0"/>
+          <a:ext cx="0" cy="0"/>
+          <a:chOff x="0" y="0"/>
+          <a:chExt cx="0" cy="0"/>
+        </a:xfrm>
+      </p:grpSpPr>
+      <p:sp>
+        <p:nvSpPr>
+          <p:cNvPr id="2" name="标题 1"/>
+          <p:cNvSpPr>
+            <a:spLocks noGrp="1"/>
+          </p:cNvSpPr>
+          <p:nvPr>
+            <p:ph type="title"/>
+          </p:nvPr>
+        </p:nvSpPr>
+        <p:spPr/>
+        <p:txBody>
+          <a:bodyPr/>
+          <a:lstStyle/>
+          <a:p>
             <a:endParaRPr lang="en-SG"/>
           </a:p>
         </p:txBody>
@@ -8844,7 +11294,7 @@
           <a:graphicData uri="http://schemas.openxmlformats.org/presentationml/2006/ole">
             <mc:AlternateContent xmlns:mc="http://schemas.openxmlformats.org/markup-compatibility/2006">
               <mc:Choice xmlns:v="urn:schemas-microsoft-com:vml" Requires="v">
-                <p:oleObj spid="_x0000_s1117" name="Equation" r:id="rId3" imgW="2260440" imgH="1091880" progId="Equation.DSMT4">
+                <p:oleObj spid="_x0000_s1137" name="Equation" r:id="rId3" imgW="2260440" imgH="1091880" progId="Equation.DSMT4">
                   <p:embed/>
                 </p:oleObj>
               </mc:Choice>
@@ -8892,7 +11342,7 @@
 </p:sld>
 </file>
 
-<file path=ppt/slides/slide51.xml><?xml version="1.0" encoding="utf-8"?>
+<file path=ppt/slides/slide64.xml><?xml version="1.0" encoding="utf-8"?>
 <p:sld xmlns:a="http://schemas.openxmlformats.org/drawingml/2006/main" xmlns:r="http://schemas.openxmlformats.org/officeDocument/2006/relationships" xmlns:p="http://schemas.openxmlformats.org/presentationml/2006/main">
   <p:cSld>
     <p:spTree>
@@ -9114,7 +11564,7 @@
           <a:graphicData uri="http://schemas.openxmlformats.org/presentationml/2006/ole">
             <mc:AlternateContent xmlns:mc="http://schemas.openxmlformats.org/markup-compatibility/2006">
               <mc:Choice xmlns:v="urn:schemas-microsoft-com:vml" Requires="v">
-                <p:oleObj spid="_x0000_s2316" name="Equation" r:id="rId3" imgW="2133360" imgH="1879560" progId="Equation.DSMT4">
+                <p:oleObj spid="_x0000_s2376" name="Equation" r:id="rId3" imgW="2133360" imgH="1879560" progId="Equation.DSMT4">
                   <p:embed/>
                 </p:oleObj>
               </mc:Choice>
@@ -9171,7 +11621,7 @@
           <a:graphicData uri="http://schemas.openxmlformats.org/presentationml/2006/ole">
             <mc:AlternateContent xmlns:mc="http://schemas.openxmlformats.org/markup-compatibility/2006">
               <mc:Choice xmlns:v="urn:schemas-microsoft-com:vml" Requires="v">
-                <p:oleObj spid="_x0000_s2317" name="Equation" r:id="rId5" imgW="1726920" imgH="482400" progId="Equation.DSMT4">
+                <p:oleObj spid="_x0000_s2377" name="Equation" r:id="rId5" imgW="1726920" imgH="482400" progId="Equation.DSMT4">
                   <p:embed/>
                 </p:oleObj>
               </mc:Choice>
@@ -9228,7 +11678,7 @@
           <a:graphicData uri="http://schemas.openxmlformats.org/presentationml/2006/ole">
             <mc:AlternateContent xmlns:mc="http://schemas.openxmlformats.org/markup-compatibility/2006">
               <mc:Choice xmlns:v="urn:schemas-microsoft-com:vml" Requires="v">
-                <p:oleObj spid="_x0000_s2318" name="Equation" r:id="rId7" imgW="990360" imgH="457200" progId="Equation.DSMT4">
+                <p:oleObj spid="_x0000_s2378" name="Equation" r:id="rId7" imgW="990360" imgH="457200" progId="Equation.DSMT4">
                   <p:embed/>
                 </p:oleObj>
               </mc:Choice>
@@ -9276,7 +11726,7 @@
 </p:sld>
 </file>
 
-<file path=ppt/slides/slide52.xml><?xml version="1.0" encoding="utf-8"?>
+<file path=ppt/slides/slide65.xml><?xml version="1.0" encoding="utf-8"?>
 <p:sld xmlns:a="http://schemas.openxmlformats.org/drawingml/2006/main" xmlns:r="http://schemas.openxmlformats.org/officeDocument/2006/relationships" xmlns:p="http://schemas.openxmlformats.org/presentationml/2006/main">
   <p:cSld>
     <p:spTree>
@@ -9384,7 +11834,7 @@
           <a:graphicData uri="http://schemas.openxmlformats.org/presentationml/2006/ole">
             <mc:AlternateContent xmlns:mc="http://schemas.openxmlformats.org/markup-compatibility/2006">
               <mc:Choice xmlns:v="urn:schemas-microsoft-com:vml" Requires="v">
-                <p:oleObj spid="_x0000_s3162" name="Equation" r:id="rId3" imgW="990360" imgH="457200" progId="Equation.DSMT4">
+                <p:oleObj spid="_x0000_s3182" name="Equation" r:id="rId3" imgW="990360" imgH="457200" progId="Equation.DSMT4">
                   <p:embed/>
                 </p:oleObj>
               </mc:Choice>
@@ -9432,78 +11882,6 @@
 </p:sld>
 </file>
 
-<file path=ppt/slides/slide6.xml><?xml version="1.0" encoding="utf-8"?>
-<p:sld xmlns:a="http://schemas.openxmlformats.org/drawingml/2006/main" xmlns:r="http://schemas.openxmlformats.org/officeDocument/2006/relationships" xmlns:p="http://schemas.openxmlformats.org/presentationml/2006/main">
-  <p:cSld>
-    <p:spTree>
-      <p:nvGrpSpPr>
-        <p:cNvPr id="1" name=""/>
-        <p:cNvGrpSpPr/>
-        <p:nvPr/>
-      </p:nvGrpSpPr>
-      <p:grpSpPr>
-        <a:xfrm>
-          <a:off x="0" y="0"/>
-          <a:ext cx="0" cy="0"/>
-          <a:chOff x="0" y="0"/>
-          <a:chExt cx="0" cy="0"/>
-        </a:xfrm>
-      </p:grpSpPr>
-      <p:sp>
-        <p:nvSpPr>
-          <p:cNvPr id="2" name="标题 1"/>
-          <p:cNvSpPr>
-            <a:spLocks noGrp="1"/>
-          </p:cNvSpPr>
-          <p:nvPr>
-            <p:ph type="title"/>
-          </p:nvPr>
-        </p:nvSpPr>
-        <p:spPr/>
-        <p:txBody>
-          <a:bodyPr/>
-          <a:lstStyle/>
-          <a:p>
-            <a:r>
-              <a:rPr lang="en-SG" dirty="0" smtClean="0"/>
-              <a:t>Coordinate system</a:t>
-            </a:r>
-            <a:endParaRPr lang="en-SG" dirty="0"/>
-          </a:p>
-        </p:txBody>
-      </p:sp>
-      <p:sp>
-        <p:nvSpPr>
-          <p:cNvPr id="4" name="文本占位符 3"/>
-          <p:cNvSpPr>
-            <a:spLocks noGrp="1"/>
-          </p:cNvSpPr>
-          <p:nvPr>
-            <p:ph type="body" idx="1"/>
-          </p:nvPr>
-        </p:nvSpPr>
-        <p:spPr/>
-        <p:txBody>
-          <a:bodyPr/>
-          <a:lstStyle/>
-          <a:p>
-            <a:endParaRPr lang="en-SG"/>
-          </a:p>
-        </p:txBody>
-      </p:sp>
-    </p:spTree>
-    <p:extLst>
-      <p:ext uri="{BB962C8B-B14F-4D97-AF65-F5344CB8AC3E}">
-        <p14:creationId xmlns:p14="http://schemas.microsoft.com/office/powerpoint/2010/main" val="606350518"/>
-      </p:ext>
-    </p:extLst>
-  </p:cSld>
-  <p:clrMapOvr>
-    <a:masterClrMapping/>
-  </p:clrMapOvr>
-</p:sld>
-</file>
-
 <file path=ppt/slides/slide7.xml><?xml version="1.0" encoding="utf-8"?>
 <p:sld xmlns:a="http://schemas.openxmlformats.org/drawingml/2006/main" xmlns:r="http://schemas.openxmlformats.org/officeDocument/2006/relationships" xmlns:p="http://schemas.openxmlformats.org/presentationml/2006/main">
   <p:cSld>
@@ -9565,16 +11943,13 @@
                   <a:srgbClr val="FF0000"/>
                 </a:solidFill>
               </a:rPr>
-              <a:t>Coordinate systems are the most important concept in a CAD system. They are used to  input,  store,  and  display  geometric  model.  There  are  three  kinds  of  coordinate systems, that </a:t>
-            </a:r>
-            <a:r>
-              <a:rPr lang="en-SG" dirty="0" smtClean="0">
-                <a:solidFill>
-                  <a:srgbClr val="FF0000"/>
-                </a:solidFill>
-              </a:rPr>
-              <a:t>is</a:t>
-            </a:r>
+              <a:t>Coordinate systems are the most important concept in a CAD system. They are used to  input,  store,  and  display  geometric  model.  There  are  three  kinds  of  coordinate systems, </a:t>
+            </a:r>
+            <a:endParaRPr lang="en-SG" dirty="0" smtClean="0">
+              <a:solidFill>
+                <a:srgbClr val="FF0000"/>
+              </a:solidFill>
+            </a:endParaRPr>
           </a:p>
           <a:p>
             <a:pPr marL="514350" indent="-514350">

--- a/CAD_CAM.pptx
+++ b/CAD_CAM.pptx
@@ -31,45 +31,50 @@
     <p:sldId id="348" r:id="rId25"/>
     <p:sldId id="349" r:id="rId26"/>
     <p:sldId id="350" r:id="rId27"/>
-    <p:sldId id="340" r:id="rId28"/>
-    <p:sldId id="341" r:id="rId29"/>
-    <p:sldId id="342" r:id="rId30"/>
-    <p:sldId id="343" r:id="rId31"/>
-    <p:sldId id="344" r:id="rId32"/>
-    <p:sldId id="345" r:id="rId33"/>
-    <p:sldId id="339" r:id="rId34"/>
-    <p:sldId id="315" r:id="rId35"/>
-    <p:sldId id="316" r:id="rId36"/>
-    <p:sldId id="317" r:id="rId37"/>
-    <p:sldId id="318" r:id="rId38"/>
-    <p:sldId id="319" r:id="rId39"/>
-    <p:sldId id="320" r:id="rId40"/>
-    <p:sldId id="321" r:id="rId41"/>
-    <p:sldId id="322" r:id="rId42"/>
-    <p:sldId id="298" r:id="rId43"/>
-    <p:sldId id="299" r:id="rId44"/>
-    <p:sldId id="338" r:id="rId45"/>
-    <p:sldId id="300" r:id="rId46"/>
-    <p:sldId id="301" r:id="rId47"/>
-    <p:sldId id="302" r:id="rId48"/>
-    <p:sldId id="303" r:id="rId49"/>
-    <p:sldId id="282" r:id="rId50"/>
-    <p:sldId id="257" r:id="rId51"/>
-    <p:sldId id="265" r:id="rId52"/>
-    <p:sldId id="276" r:id="rId53"/>
-    <p:sldId id="310" r:id="rId54"/>
-    <p:sldId id="311" r:id="rId55"/>
-    <p:sldId id="312" r:id="rId56"/>
-    <p:sldId id="333" r:id="rId57"/>
-    <p:sldId id="313" r:id="rId58"/>
-    <p:sldId id="314" r:id="rId59"/>
-    <p:sldId id="261" r:id="rId60"/>
-    <p:sldId id="270" r:id="rId61"/>
-    <p:sldId id="271" r:id="rId62"/>
-    <p:sldId id="272" r:id="rId63"/>
-    <p:sldId id="273" r:id="rId64"/>
-    <p:sldId id="274" r:id="rId65"/>
-    <p:sldId id="275" r:id="rId66"/>
+    <p:sldId id="351" r:id="rId28"/>
+    <p:sldId id="352" r:id="rId29"/>
+    <p:sldId id="353" r:id="rId30"/>
+    <p:sldId id="354" r:id="rId31"/>
+    <p:sldId id="340" r:id="rId32"/>
+    <p:sldId id="341" r:id="rId33"/>
+    <p:sldId id="342" r:id="rId34"/>
+    <p:sldId id="343" r:id="rId35"/>
+    <p:sldId id="344" r:id="rId36"/>
+    <p:sldId id="345" r:id="rId37"/>
+    <p:sldId id="339" r:id="rId38"/>
+    <p:sldId id="355" r:id="rId39"/>
+    <p:sldId id="315" r:id="rId40"/>
+    <p:sldId id="316" r:id="rId41"/>
+    <p:sldId id="317" r:id="rId42"/>
+    <p:sldId id="318" r:id="rId43"/>
+    <p:sldId id="319" r:id="rId44"/>
+    <p:sldId id="320" r:id="rId45"/>
+    <p:sldId id="321" r:id="rId46"/>
+    <p:sldId id="322" r:id="rId47"/>
+    <p:sldId id="298" r:id="rId48"/>
+    <p:sldId id="299" r:id="rId49"/>
+    <p:sldId id="338" r:id="rId50"/>
+    <p:sldId id="300" r:id="rId51"/>
+    <p:sldId id="301" r:id="rId52"/>
+    <p:sldId id="302" r:id="rId53"/>
+    <p:sldId id="303" r:id="rId54"/>
+    <p:sldId id="282" r:id="rId55"/>
+    <p:sldId id="257" r:id="rId56"/>
+    <p:sldId id="265" r:id="rId57"/>
+    <p:sldId id="276" r:id="rId58"/>
+    <p:sldId id="310" r:id="rId59"/>
+    <p:sldId id="311" r:id="rId60"/>
+    <p:sldId id="312" r:id="rId61"/>
+    <p:sldId id="333" r:id="rId62"/>
+    <p:sldId id="313" r:id="rId63"/>
+    <p:sldId id="314" r:id="rId64"/>
+    <p:sldId id="261" r:id="rId65"/>
+    <p:sldId id="270" r:id="rId66"/>
+    <p:sldId id="271" r:id="rId67"/>
+    <p:sldId id="272" r:id="rId68"/>
+    <p:sldId id="273" r:id="rId69"/>
+    <p:sldId id="274" r:id="rId70"/>
+    <p:sldId id="275" r:id="rId71"/>
   </p:sldIdLst>
   <p:sldSz cx="12192000" cy="6858000"/>
   <p:notesSz cx="6858000" cy="9144000"/>
@@ -307,7 +312,7 @@
           <a:p>
             <a:fld id="{012790D9-61A1-4D2A-ABFB-2410DF2390CB}" type="datetimeFigureOut">
               <a:rPr lang="en-SG" smtClean="0"/>
-              <a:t>26/5/2022</a:t>
+              <a:t>27/5/2022</a:t>
             </a:fld>
             <a:endParaRPr lang="en-SG"/>
           </a:p>
@@ -477,7 +482,7 @@
           <a:p>
             <a:fld id="{012790D9-61A1-4D2A-ABFB-2410DF2390CB}" type="datetimeFigureOut">
               <a:rPr lang="en-SG" smtClean="0"/>
-              <a:t>26/5/2022</a:t>
+              <a:t>27/5/2022</a:t>
             </a:fld>
             <a:endParaRPr lang="en-SG"/>
           </a:p>
@@ -657,7 +662,7 @@
           <a:p>
             <a:fld id="{012790D9-61A1-4D2A-ABFB-2410DF2390CB}" type="datetimeFigureOut">
               <a:rPr lang="en-SG" smtClean="0"/>
-              <a:t>26/5/2022</a:t>
+              <a:t>27/5/2022</a:t>
             </a:fld>
             <a:endParaRPr lang="en-SG"/>
           </a:p>
@@ -827,7 +832,7 @@
           <a:p>
             <a:fld id="{012790D9-61A1-4D2A-ABFB-2410DF2390CB}" type="datetimeFigureOut">
               <a:rPr lang="en-SG" smtClean="0"/>
-              <a:t>26/5/2022</a:t>
+              <a:t>27/5/2022</a:t>
             </a:fld>
             <a:endParaRPr lang="en-SG"/>
           </a:p>
@@ -1073,7 +1078,7 @@
           <a:p>
             <a:fld id="{012790D9-61A1-4D2A-ABFB-2410DF2390CB}" type="datetimeFigureOut">
               <a:rPr lang="en-SG" smtClean="0"/>
-              <a:t>26/5/2022</a:t>
+              <a:t>27/5/2022</a:t>
             </a:fld>
             <a:endParaRPr lang="en-SG"/>
           </a:p>
@@ -1305,7 +1310,7 @@
           <a:p>
             <a:fld id="{012790D9-61A1-4D2A-ABFB-2410DF2390CB}" type="datetimeFigureOut">
               <a:rPr lang="en-SG" smtClean="0"/>
-              <a:t>26/5/2022</a:t>
+              <a:t>27/5/2022</a:t>
             </a:fld>
             <a:endParaRPr lang="en-SG"/>
           </a:p>
@@ -1672,7 +1677,7 @@
           <a:p>
             <a:fld id="{012790D9-61A1-4D2A-ABFB-2410DF2390CB}" type="datetimeFigureOut">
               <a:rPr lang="en-SG" smtClean="0"/>
-              <a:t>26/5/2022</a:t>
+              <a:t>27/5/2022</a:t>
             </a:fld>
             <a:endParaRPr lang="en-SG"/>
           </a:p>
@@ -1790,7 +1795,7 @@
           <a:p>
             <a:fld id="{012790D9-61A1-4D2A-ABFB-2410DF2390CB}" type="datetimeFigureOut">
               <a:rPr lang="en-SG" smtClean="0"/>
-              <a:t>26/5/2022</a:t>
+              <a:t>27/5/2022</a:t>
             </a:fld>
             <a:endParaRPr lang="en-SG"/>
           </a:p>
@@ -1885,7 +1890,7 @@
           <a:p>
             <a:fld id="{012790D9-61A1-4D2A-ABFB-2410DF2390CB}" type="datetimeFigureOut">
               <a:rPr lang="en-SG" smtClean="0"/>
-              <a:t>26/5/2022</a:t>
+              <a:t>27/5/2022</a:t>
             </a:fld>
             <a:endParaRPr lang="en-SG"/>
           </a:p>
@@ -2162,7 +2167,7 @@
           <a:p>
             <a:fld id="{012790D9-61A1-4D2A-ABFB-2410DF2390CB}" type="datetimeFigureOut">
               <a:rPr lang="en-SG" smtClean="0"/>
-              <a:t>26/5/2022</a:t>
+              <a:t>27/5/2022</a:t>
             </a:fld>
             <a:endParaRPr lang="en-SG"/>
           </a:p>
@@ -2415,7 +2420,7 @@
           <a:p>
             <a:fld id="{012790D9-61A1-4D2A-ABFB-2410DF2390CB}" type="datetimeFigureOut">
               <a:rPr lang="en-SG" smtClean="0"/>
-              <a:t>26/5/2022</a:t>
+              <a:t>27/5/2022</a:t>
             </a:fld>
             <a:endParaRPr lang="en-SG"/>
           </a:p>
@@ -2628,7 +2633,7 @@
           <a:p>
             <a:fld id="{012790D9-61A1-4D2A-ABFB-2410DF2390CB}" type="datetimeFigureOut">
               <a:rPr lang="en-SG" smtClean="0"/>
-              <a:t>26/5/2022</a:t>
+              <a:t>27/5/2022</a:t>
             </a:fld>
             <a:endParaRPr lang="en-SG"/>
           </a:p>
@@ -3197,7 +3202,7 @@
           <a:graphicData uri="http://schemas.openxmlformats.org/presentationml/2006/ole">
             <mc:AlternateContent xmlns:mc="http://schemas.openxmlformats.org/markup-compatibility/2006">
               <mc:Choice xmlns:v="urn:schemas-microsoft-com:vml" Requires="v">
-                <p:oleObj spid="_x0000_s9414" name="Equation" r:id="rId3" imgW="711000" imgH="203040" progId="Equation.DSMT4">
+                <p:oleObj spid="_x0000_s9450" name="Equation" r:id="rId3" imgW="711000" imgH="203040" progId="Equation.DSMT4">
                   <p:embed/>
                 </p:oleObj>
               </mc:Choice>
@@ -3250,7 +3255,7 @@
           <a:graphicData uri="http://schemas.openxmlformats.org/presentationml/2006/ole">
             <mc:AlternateContent xmlns:mc="http://schemas.openxmlformats.org/markup-compatibility/2006">
               <mc:Choice xmlns:v="urn:schemas-microsoft-com:vml" Requires="v">
-                <p:oleObj spid="_x0000_s9415" name="Equation" r:id="rId5" imgW="583920" imgH="203040" progId="Equation.DSMT4">
+                <p:oleObj spid="_x0000_s9451" name="Equation" r:id="rId5" imgW="583920" imgH="203040" progId="Equation.DSMT4">
                   <p:embed/>
                 </p:oleObj>
               </mc:Choice>
@@ -3303,7 +3308,7 @@
           <a:graphicData uri="http://schemas.openxmlformats.org/presentationml/2006/ole">
             <mc:AlternateContent xmlns:mc="http://schemas.openxmlformats.org/markup-compatibility/2006">
               <mc:Choice xmlns:v="urn:schemas-microsoft-com:vml" Requires="v">
-                <p:oleObj spid="_x0000_s9416" name="Equation" r:id="rId7" imgW="469800" imgH="177480" progId="Equation.DSMT4">
+                <p:oleObj spid="_x0000_s9452" name="Equation" r:id="rId7" imgW="469800" imgH="177480" progId="Equation.DSMT4">
                   <p:embed/>
                 </p:oleObj>
               </mc:Choice>
@@ -3356,7 +3361,7 @@
           <a:graphicData uri="http://schemas.openxmlformats.org/presentationml/2006/ole">
             <mc:AlternateContent xmlns:mc="http://schemas.openxmlformats.org/markup-compatibility/2006">
               <mc:Choice xmlns:v="urn:schemas-microsoft-com:vml" Requires="v">
-                <p:oleObj spid="_x0000_s9417" name="Equation" r:id="rId9" imgW="1600200" imgH="711000" progId="Equation.DSMT4">
+                <p:oleObj spid="_x0000_s9453" name="Equation" r:id="rId9" imgW="1600200" imgH="711000" progId="Equation.DSMT4">
                   <p:embed/>
                 </p:oleObj>
               </mc:Choice>
@@ -3511,7 +3516,7 @@
           <a:graphicData uri="http://schemas.openxmlformats.org/presentationml/2006/ole">
             <mc:AlternateContent xmlns:mc="http://schemas.openxmlformats.org/markup-compatibility/2006">
               <mc:Choice xmlns:v="urn:schemas-microsoft-com:vml" Requires="v">
-                <p:oleObj spid="_x0000_s10291" name="Equation" r:id="rId3" imgW="1155600" imgH="914400" progId="Equation.DSMT4">
+                <p:oleObj spid="_x0000_s10300" name="Equation" r:id="rId3" imgW="1155600" imgH="914400" progId="Equation.DSMT4">
                   <p:embed/>
                 </p:oleObj>
               </mc:Choice>
@@ -3729,7 +3734,7 @@
           <a:graphicData uri="http://schemas.openxmlformats.org/presentationml/2006/ole">
             <mc:AlternateContent xmlns:mc="http://schemas.openxmlformats.org/markup-compatibility/2006">
               <mc:Choice xmlns:v="urn:schemas-microsoft-com:vml" Requires="v">
-                <p:oleObj spid="_x0000_s11364" name="Equation" r:id="rId3" imgW="1091880" imgH="711000" progId="Equation.DSMT4">
+                <p:oleObj spid="_x0000_s11382" name="Equation" r:id="rId3" imgW="1091880" imgH="711000" progId="Equation.DSMT4">
                   <p:embed/>
                 </p:oleObj>
               </mc:Choice>
@@ -3782,7 +3787,7 @@
           <a:graphicData uri="http://schemas.openxmlformats.org/presentationml/2006/ole">
             <mc:AlternateContent xmlns:mc="http://schemas.openxmlformats.org/markup-compatibility/2006">
               <mc:Choice xmlns:v="urn:schemas-microsoft-com:vml" Requires="v">
-                <p:oleObj spid="_x0000_s11365" name="Equation" r:id="rId5" imgW="571320" imgH="457200" progId="Equation.DSMT4">
+                <p:oleObj spid="_x0000_s11383" name="Equation" r:id="rId5" imgW="571320" imgH="457200" progId="Equation.DSMT4">
                   <p:embed/>
                 </p:oleObj>
               </mc:Choice>
@@ -3910,7 +3915,7 @@
           <a:graphicData uri="http://schemas.openxmlformats.org/presentationml/2006/ole">
             <mc:AlternateContent xmlns:mc="http://schemas.openxmlformats.org/markup-compatibility/2006">
               <mc:Choice xmlns:v="urn:schemas-microsoft-com:vml" Requires="v">
-                <p:oleObj spid="_x0000_s12339" name="Equation" r:id="rId3" imgW="3682800" imgH="914400" progId="Equation.DSMT4">
+                <p:oleObj spid="_x0000_s12348" name="Equation" r:id="rId3" imgW="3682800" imgH="914400" progId="Equation.DSMT4">
                   <p:embed/>
                 </p:oleObj>
               </mc:Choice>
@@ -4039,7 +4044,7 @@
           <a:graphicData uri="http://schemas.openxmlformats.org/presentationml/2006/ole">
             <mc:AlternateContent xmlns:mc="http://schemas.openxmlformats.org/markup-compatibility/2006">
               <mc:Choice xmlns:v="urn:schemas-microsoft-com:vml" Requires="v">
-                <p:oleObj spid="_x0000_s13335" name="Equation" r:id="rId3" imgW="1155600" imgH="914400" progId="Equation.DSMT4">
+                <p:oleObj spid="_x0000_s13344" name="Equation" r:id="rId3" imgW="1155600" imgH="914400" progId="Equation.DSMT4">
                   <p:embed/>
                 </p:oleObj>
               </mc:Choice>
@@ -4232,7 +4237,7 @@
           <a:graphicData uri="http://schemas.openxmlformats.org/presentationml/2006/ole">
             <mc:AlternateContent xmlns:mc="http://schemas.openxmlformats.org/markup-compatibility/2006">
               <mc:Choice xmlns:v="urn:schemas-microsoft-com:vml" Requires="v">
-                <p:oleObj spid="_x0000_s14359" name="Equation" r:id="rId3" imgW="1117440" imgH="914400" progId="Equation.DSMT4">
+                <p:oleObj spid="_x0000_s14368" name="Equation" r:id="rId3" imgW="1117440" imgH="914400" progId="Equation.DSMT4">
                   <p:embed/>
                 </p:oleObj>
               </mc:Choice>
@@ -4515,7 +4520,7 @@
           <a:graphicData uri="http://schemas.openxmlformats.org/presentationml/2006/ole">
             <mc:AlternateContent xmlns:mc="http://schemas.openxmlformats.org/markup-compatibility/2006">
               <mc:Choice xmlns:v="urn:schemas-microsoft-com:vml" Requires="v">
-                <p:oleObj spid="_x0000_s15404" name="Equation" r:id="rId3" imgW="2616120" imgH="914400" progId="Equation.DSMT4">
+                <p:oleObj spid="_x0000_s15422" name="Equation" r:id="rId3" imgW="2616120" imgH="914400" progId="Equation.DSMT4">
                   <p:embed/>
                 </p:oleObj>
               </mc:Choice>
@@ -4568,7 +4573,7 @@
           <a:graphicData uri="http://schemas.openxmlformats.org/presentationml/2006/ole">
             <mc:AlternateContent xmlns:mc="http://schemas.openxmlformats.org/markup-compatibility/2006">
               <mc:Choice xmlns:v="urn:schemas-microsoft-com:vml" Requires="v">
-                <p:oleObj spid="_x0000_s15405" name="Equation" r:id="rId5" imgW="1574640" imgH="914400" progId="Equation.DSMT4">
+                <p:oleObj spid="_x0000_s15423" name="Equation" r:id="rId5" imgW="1574640" imgH="914400" progId="Equation.DSMT4">
                   <p:embed/>
                 </p:oleObj>
               </mc:Choice>
@@ -5272,11 +5277,7 @@
           <a:p>
             <a:r>
               <a:rPr lang="en-SG" dirty="0" smtClean="0"/>
-              <a:t>Graphic </a:t>
-            </a:r>
-            <a:r>
-              <a:rPr lang="en-SG" dirty="0" smtClean="0"/>
-              <a:t>standard</a:t>
+              <a:t>Graphic standard</a:t>
             </a:r>
           </a:p>
           <a:p>
@@ -5287,7 +5288,6 @@
               <a:rPr lang="en-SG" dirty="0" smtClean="0"/>
               <a:t>There are various CAD software systems used in different fields. How people could share the same model among these systems? The answer to share data obeying the same standard. The mainstream data standards are: GKS,STEP</a:t>
             </a:r>
-            <a:endParaRPr lang="en-SG" dirty="0" smtClean="0"/>
           </a:p>
           <a:p>
             <a:endParaRPr lang="en-SG" dirty="0" smtClean="0"/>
@@ -6736,74 +6736,276 @@
             <p:ph idx="1"/>
           </p:nvPr>
         </p:nvSpPr>
-        <p:spPr/>
-        <p:txBody>
-          <a:bodyPr/>
-          <a:lstStyle/>
-          <a:p>
-            <a:r>
-              <a:rPr lang="en-SG" dirty="0">
-                <a:solidFill>
-                  <a:srgbClr val="FF0000"/>
-                </a:solidFill>
-              </a:rPr>
-              <a:t>Standard for the Exchange of Product Model Data ( STEP), officially the ISO standard 10303, Product Data </a:t>
-            </a:r>
-            <a:r>
-              <a:rPr lang="en-SG" dirty="0" smtClean="0">
-                <a:solidFill>
-                  <a:srgbClr val="FF0000"/>
-                </a:solidFill>
-              </a:rPr>
-              <a:t>Representation </a:t>
-            </a:r>
-            <a:r>
-              <a:rPr lang="en-SG" dirty="0">
-                <a:solidFill>
-                  <a:srgbClr val="FF0000"/>
-                </a:solidFill>
-              </a:rPr>
-              <a:t>and Exchange, is a series of international standards with the goal of defining data across the </a:t>
-            </a:r>
-            <a:r>
-              <a:rPr lang="en-SG" dirty="0" smtClean="0">
-                <a:solidFill>
-                  <a:srgbClr val="FF0000"/>
-                </a:solidFill>
-              </a:rPr>
-              <a:t>full </a:t>
-            </a:r>
-            <a:r>
-              <a:rPr lang="en-SG" dirty="0">
-                <a:solidFill>
-                  <a:srgbClr val="FF0000"/>
-                </a:solidFill>
-              </a:rPr>
-              <a:t>engineering and manufacturing life cycle. The ability to share data across applications, across vendor </a:t>
-            </a:r>
-            <a:r>
-              <a:rPr lang="en-SG" dirty="0" smtClean="0">
-                <a:solidFill>
-                  <a:srgbClr val="FF0000"/>
-                </a:solidFill>
-              </a:rPr>
-              <a:t>platforms </a:t>
-            </a:r>
-            <a:r>
-              <a:rPr lang="en-SG" dirty="0">
-                <a:solidFill>
-                  <a:srgbClr val="FF0000"/>
-                </a:solidFill>
-              </a:rPr>
-              <a:t>and between contractors, suppliers and customers, is the main goal of this standard.</a:t>
-            </a:r>
-          </a:p>
-        </p:txBody>
-      </p:sp>
+        <p:spPr>
+          <a:xfrm>
+            <a:off x="838200" y="1475117"/>
+            <a:ext cx="7538049" cy="4856671"/>
+          </a:xfrm>
+        </p:spPr>
+        <p:txBody>
+          <a:bodyPr>
+            <a:normAutofit fontScale="92500" lnSpcReduction="20000"/>
+          </a:bodyPr>
+          <a:lstStyle/>
+          <a:p>
+            <a:r>
+              <a:rPr lang="en-SG" dirty="0" smtClean="0"/>
+              <a:t>Standard </a:t>
+            </a:r>
+            <a:r>
+              <a:rPr lang="en-SG" dirty="0"/>
+              <a:t>for the Exchange of </a:t>
+            </a:r>
+            <a:r>
+              <a:rPr lang="en-SG" dirty="0" smtClean="0"/>
+              <a:t>Product </a:t>
+            </a:r>
+            <a:r>
+              <a:rPr lang="en-SG" dirty="0"/>
+              <a:t>model </a:t>
+            </a:r>
+            <a:r>
+              <a:rPr lang="en-SG" dirty="0" smtClean="0"/>
+              <a:t>data</a:t>
+            </a:r>
+          </a:p>
+          <a:p>
+            <a:r>
+              <a:rPr lang="en-SG" dirty="0"/>
+              <a:t>Uses a formal model for data </a:t>
+            </a:r>
+            <a:r>
+              <a:rPr lang="en-SG" dirty="0" smtClean="0"/>
+              <a:t>exchange</a:t>
+            </a:r>
+            <a:r>
+              <a:rPr lang="en-SG" dirty="0"/>
+              <a:t>, described using </a:t>
+            </a:r>
+            <a:r>
+              <a:rPr lang="en-SG" dirty="0" smtClean="0"/>
+              <a:t>an information </a:t>
+            </a:r>
+            <a:r>
+              <a:rPr lang="en-SG" dirty="0"/>
+              <a:t>modelling </a:t>
+            </a:r>
+            <a:r>
+              <a:rPr lang="en-SG" dirty="0" smtClean="0"/>
+              <a:t>language </a:t>
+            </a:r>
+            <a:r>
+              <a:rPr lang="en-SG" dirty="0"/>
+              <a:t>called </a:t>
+            </a:r>
+            <a:r>
+              <a:rPr lang="en-SG" dirty="0" smtClean="0"/>
+              <a:t>EXPRESS</a:t>
+            </a:r>
+          </a:p>
+          <a:p>
+            <a:r>
+              <a:rPr lang="en-SG" dirty="0" smtClean="0"/>
+              <a:t>STEP </a:t>
+            </a:r>
+            <a:r>
+              <a:rPr lang="en-SG" dirty="0"/>
+              <a:t>has a three layer </a:t>
+            </a:r>
+            <a:r>
+              <a:rPr lang="en-SG" dirty="0" smtClean="0"/>
+              <a:t>architecture </a:t>
+            </a:r>
+            <a:r>
+              <a:rPr lang="en-SG" dirty="0"/>
+              <a:t>enabling definition </a:t>
+            </a:r>
+            <a:r>
+              <a:rPr lang="en-SG" dirty="0" smtClean="0"/>
+              <a:t>of </a:t>
+            </a:r>
+            <a:r>
+              <a:rPr lang="en-SG" dirty="0"/>
+              <a:t>multiple application views </a:t>
+            </a:r>
+            <a:r>
+              <a:rPr lang="en-SG" dirty="0" smtClean="0"/>
+              <a:t>and </a:t>
+            </a:r>
+            <a:r>
+              <a:rPr lang="en-SG" dirty="0"/>
+              <a:t>implementations:</a:t>
+            </a:r>
+          </a:p>
+          <a:p>
+            <a:pPr lvl="1">
+              <a:buFont typeface="Wingdings" panose="05000000000000000000" pitchFamily="2" charset="2"/>
+              <a:buChar char="ü"/>
+            </a:pPr>
+            <a:r>
+              <a:rPr lang="en-SG" dirty="0" smtClean="0"/>
+              <a:t>techniques </a:t>
+            </a:r>
+            <a:r>
+              <a:rPr lang="en-SG" dirty="0"/>
+              <a:t>for implementing </a:t>
+            </a:r>
+            <a:r>
+              <a:rPr lang="en-SG" dirty="0" smtClean="0"/>
+              <a:t>STEP</a:t>
+            </a:r>
+            <a:r>
+              <a:rPr lang="en-SG" dirty="0"/>
+              <a:t>, relations between </a:t>
+            </a:r>
+            <a:r>
+              <a:rPr lang="en-SG" dirty="0" smtClean="0"/>
+              <a:t>EXPRESS </a:t>
+            </a:r>
+            <a:r>
+              <a:rPr lang="en-SG" dirty="0"/>
+              <a:t>language, model, </a:t>
+            </a:r>
+            <a:r>
+              <a:rPr lang="en-SG" dirty="0" smtClean="0"/>
+              <a:t>and </a:t>
+            </a:r>
+            <a:r>
+              <a:rPr lang="en-SG" dirty="0"/>
+              <a:t>the physical file</a:t>
+            </a:r>
+          </a:p>
+          <a:p>
+            <a:pPr lvl="1">
+              <a:buFont typeface="Wingdings" panose="05000000000000000000" pitchFamily="2" charset="2"/>
+              <a:buChar char="ü"/>
+            </a:pPr>
+            <a:r>
+              <a:rPr lang="en-SG" dirty="0" smtClean="0"/>
+              <a:t>resource </a:t>
+            </a:r>
+            <a:r>
+              <a:rPr lang="en-SG" dirty="0"/>
+              <a:t>information models </a:t>
+            </a:r>
+            <a:r>
+              <a:rPr lang="en-SG" dirty="0" smtClean="0"/>
+              <a:t>to </a:t>
+            </a:r>
+            <a:r>
+              <a:rPr lang="en-SG" dirty="0"/>
+              <a:t>provide context </a:t>
+            </a:r>
+            <a:r>
+              <a:rPr lang="en-SG" dirty="0" smtClean="0"/>
+              <a:t>independent </a:t>
+            </a:r>
+            <a:r>
+              <a:rPr lang="en-SG" dirty="0"/>
+              <a:t>information</a:t>
+            </a:r>
+          </a:p>
+          <a:p>
+            <a:r>
+              <a:rPr lang="en-SG" dirty="0" smtClean="0"/>
+              <a:t>description </a:t>
+            </a:r>
+            <a:r>
+              <a:rPr lang="en-SG" dirty="0"/>
+              <a:t>of geometry, </a:t>
+            </a:r>
+            <a:r>
+              <a:rPr lang="en-SG" dirty="0" smtClean="0"/>
+              <a:t>topology</a:t>
+            </a:r>
+            <a:r>
+              <a:rPr lang="en-SG" dirty="0"/>
+              <a:t>, product structure</a:t>
+            </a:r>
+          </a:p>
+          <a:p>
+            <a:pPr marL="457200" lvl="1" indent="0">
+              <a:buNone/>
+            </a:pPr>
+            <a:r>
+              <a:rPr lang="en-SG" dirty="0" smtClean="0"/>
+              <a:t>application </a:t>
+            </a:r>
+            <a:r>
+              <a:rPr lang="en-SG" dirty="0"/>
+              <a:t>protocols </a:t>
+            </a:r>
+            <a:r>
+              <a:rPr lang="en-SG" dirty="0" smtClean="0"/>
+              <a:t>describing </a:t>
+            </a:r>
+            <a:r>
+              <a:rPr lang="en-SG" dirty="0"/>
+              <a:t>constrained </a:t>
+            </a:r>
+            <a:r>
+              <a:rPr lang="en-SG" dirty="0" smtClean="0"/>
+              <a:t>subsets </a:t>
+            </a:r>
+            <a:r>
+              <a:rPr lang="en-SG" dirty="0"/>
+              <a:t>related to specific </a:t>
+            </a:r>
+            <a:r>
+              <a:rPr lang="en-SG" dirty="0" smtClean="0"/>
+              <a:t>applications </a:t>
+            </a:r>
+            <a:r>
+              <a:rPr lang="en-SG" dirty="0"/>
+              <a:t>such as </a:t>
+            </a:r>
+            <a:r>
+              <a:rPr lang="en-SG" dirty="0" smtClean="0"/>
+              <a:t>geometry</a:t>
+            </a:r>
+            <a:r>
+              <a:rPr lang="en-SG" dirty="0"/>
+              <a:t>, electrical product </a:t>
+            </a:r>
+            <a:r>
+              <a:rPr lang="en-SG" dirty="0" smtClean="0"/>
+              <a:t>modelling</a:t>
+            </a:r>
+            <a:r>
+              <a:rPr lang="en-SG" dirty="0"/>
+              <a:t>, etc.</a:t>
+            </a:r>
+          </a:p>
+        </p:txBody>
+      </p:sp>
+      <p:pic>
+        <p:nvPicPr>
+          <p:cNvPr id="4" name="图片 3"/>
+          <p:cNvPicPr>
+            <a:picLocks noChangeAspect="1"/>
+          </p:cNvPicPr>
+          <p:nvPr/>
+        </p:nvPicPr>
+        <p:blipFill>
+          <a:blip r:embed="rId2"/>
+          <a:stretch>
+            <a:fillRect/>
+          </a:stretch>
+        </p:blipFill>
+        <p:spPr>
+          <a:xfrm>
+            <a:off x="8324167" y="2216989"/>
+            <a:ext cx="3562708" cy="2958859"/>
+          </a:xfrm>
+          <a:prstGeom prst="rect">
+            <a:avLst/>
+          </a:prstGeom>
+        </p:spPr>
+      </p:pic>
     </p:spTree>
     <p:extLst>
       <p:ext uri="{BB962C8B-B14F-4D97-AF65-F5344CB8AC3E}">
-        <p14:creationId xmlns:p14="http://schemas.microsoft.com/office/powerpoint/2010/main" val="3170181842"/>
+        <p14:creationId xmlns:p14="http://schemas.microsoft.com/office/powerpoint/2010/main" val="831455381"/>
       </p:ext>
     </p:extLst>
   </p:cSld>
@@ -6846,79 +7048,197 @@
           <a:lstStyle/>
           <a:p>
             <a:r>
-              <a:rPr lang="en-SG" dirty="0" smtClean="0"/>
-              <a:t>STEP</a:t>
+              <a:rPr lang="en-SG" dirty="0"/>
+              <a:t>EXPRESS language</a:t>
+            </a:r>
+          </a:p>
+        </p:txBody>
+      </p:sp>
+      <p:sp>
+        <p:nvSpPr>
+          <p:cNvPr id="3" name="内容占位符 2"/>
+          <p:cNvSpPr>
+            <a:spLocks noGrp="1"/>
+          </p:cNvSpPr>
+          <p:nvPr>
+            <p:ph idx="1"/>
+          </p:nvPr>
+        </p:nvSpPr>
+        <p:spPr>
+          <a:xfrm>
+            <a:off x="838200" y="1825625"/>
+            <a:ext cx="6977332" cy="4351338"/>
+          </a:xfrm>
+        </p:spPr>
+        <p:txBody>
+          <a:bodyPr>
+            <a:normAutofit fontScale="85000" lnSpcReduction="20000"/>
+          </a:bodyPr>
+          <a:lstStyle/>
+          <a:p>
+            <a:r>
+              <a:rPr lang="en-SG" dirty="0"/>
+              <a:t>IGES defines the file format</a:t>
+            </a:r>
+          </a:p>
+          <a:p>
+            <a:r>
+              <a:rPr lang="en-SG" dirty="0" smtClean="0"/>
+              <a:t>STEP </a:t>
+            </a:r>
+            <a:r>
+              <a:rPr lang="en-SG" dirty="0"/>
+              <a:t>uses the EXPRESS language to </a:t>
+            </a:r>
+            <a:r>
+              <a:rPr lang="en-SG" dirty="0" smtClean="0"/>
+              <a:t>map </a:t>
+            </a:r>
+            <a:r>
+              <a:rPr lang="en-SG" dirty="0"/>
+              <a:t>the data to the physical file</a:t>
+            </a:r>
+          </a:p>
+          <a:p>
+            <a:r>
+              <a:rPr lang="en-SG" dirty="0" smtClean="0"/>
+              <a:t>the </a:t>
+            </a:r>
+            <a:r>
+              <a:rPr lang="en-SG" dirty="0"/>
+              <a:t>EXPRESS language is used to </a:t>
+            </a:r>
+            <a:r>
+              <a:rPr lang="en-SG" dirty="0" smtClean="0"/>
+              <a:t>define </a:t>
+            </a:r>
+            <a:r>
+              <a:rPr lang="en-SG" dirty="0"/>
+              <a:t>entities as a collection of </a:t>
+            </a:r>
+            <a:r>
+              <a:rPr lang="en-SG" dirty="0" smtClean="0"/>
+              <a:t>attributes</a:t>
             </a:r>
             <a:endParaRPr lang="en-SG" dirty="0"/>
           </a:p>
-        </p:txBody>
-      </p:sp>
-      <p:sp>
-        <p:nvSpPr>
-          <p:cNvPr id="3" name="内容占位符 2"/>
-          <p:cNvSpPr>
-            <a:spLocks noGrp="1"/>
-          </p:cNvSpPr>
-          <p:nvPr>
-            <p:ph idx="1"/>
-          </p:nvPr>
-        </p:nvSpPr>
-        <p:spPr/>
-        <p:txBody>
-          <a:bodyPr/>
-          <a:lstStyle/>
-          <a:p>
-            <a:pPr marL="0" indent="0">
+          <a:p>
+            <a:pPr marL="457200" lvl="1" indent="0">
               <a:buNone/>
             </a:pPr>
             <a:r>
               <a:rPr lang="en-SG" dirty="0"/>
-              <a:t>The broad scope of STEP is as follows.</a:t>
-            </a:r>
-          </a:p>
-          <a:p>
-            <a:r>
-              <a:rPr lang="en-SG" dirty="0"/>
-              <a:t>  1.  The standard method of representing the information necessary for completely defining a product </a:t>
-            </a:r>
-            <a:r>
-              <a:rPr lang="en-SG" dirty="0" smtClean="0"/>
-              <a:t>throughout </a:t>
-            </a:r>
-            <a:r>
-              <a:rPr lang="en-SG" dirty="0"/>
-              <a:t>its entire life, i.e., from the product conception to the end of useful life.</a:t>
-            </a:r>
-          </a:p>
-          <a:p>
-            <a:r>
-              <a:rPr lang="en-SG" dirty="0"/>
-              <a:t>  2.  Standard methods for exchanging the data electronically between two different </a:t>
-            </a:r>
-            <a:r>
-              <a:rPr lang="en-SG" dirty="0" smtClean="0"/>
-              <a:t>systems.</a:t>
-            </a:r>
-          </a:p>
-          <a:p>
-            <a:pPr marL="0" indent="0">
+              <a:t>– strings</a:t>
+            </a:r>
+          </a:p>
+          <a:p>
+            <a:pPr marL="457200" lvl="1" indent="0">
               <a:buNone/>
             </a:pPr>
             <a:r>
-              <a:rPr lang="en-SG" dirty="0" smtClean="0"/>
-              <a:t>The </a:t>
-            </a:r>
-            <a:r>
-              <a:rPr lang="en-SG" dirty="0"/>
-              <a:t>STEP documentation is split into eight major areas.</a:t>
-            </a:r>
-          </a:p>
-        </p:txBody>
-      </p:sp>
+              <a:rPr lang="en-SG" dirty="0"/>
+              <a:t>– real/integer numbers</a:t>
+            </a:r>
+          </a:p>
+          <a:p>
+            <a:pPr marL="457200" lvl="1" indent="0">
+              <a:buNone/>
+            </a:pPr>
+            <a:r>
+              <a:rPr lang="en-SG" dirty="0"/>
+              <a:t>– logical/Boolean values</a:t>
+            </a:r>
+          </a:p>
+          <a:p>
+            <a:pPr marL="457200" lvl="1" indent="0">
+              <a:buNone/>
+            </a:pPr>
+            <a:r>
+              <a:rPr lang="en-SG" dirty="0"/>
+              <a:t>– references to other entities, etc.</a:t>
+            </a:r>
+          </a:p>
+          <a:p>
+            <a:r>
+              <a:rPr lang="en-SG" dirty="0" smtClean="0"/>
+              <a:t>collections </a:t>
+            </a:r>
+            <a:r>
+              <a:rPr lang="en-SG" dirty="0"/>
+              <a:t>of attributes may be:</a:t>
+            </a:r>
+          </a:p>
+          <a:p>
+            <a:pPr marL="457200" lvl="1" indent="0">
+              <a:buNone/>
+            </a:pPr>
+            <a:r>
+              <a:rPr lang="en-SG" dirty="0"/>
+              <a:t>– ordered: arrays, lists</a:t>
+            </a:r>
+          </a:p>
+          <a:p>
+            <a:pPr marL="457200" lvl="1" indent="0">
+              <a:buNone/>
+            </a:pPr>
+            <a:r>
+              <a:rPr lang="en-SG" dirty="0"/>
+              <a:t>– unordered: sets, bags</a:t>
+            </a:r>
+          </a:p>
+          <a:p>
+            <a:r>
+              <a:rPr lang="en-SG" dirty="0" smtClean="0"/>
+              <a:t>the </a:t>
+            </a:r>
+            <a:r>
+              <a:rPr lang="en-SG" dirty="0"/>
+              <a:t>collection of entity definitions, data </a:t>
+            </a:r>
+            <a:r>
+              <a:rPr lang="en-SG" dirty="0" smtClean="0"/>
+              <a:t>types </a:t>
+            </a:r>
+            <a:r>
+              <a:rPr lang="en-SG" dirty="0"/>
+              <a:t>and associated constraints is a </a:t>
+            </a:r>
+            <a:r>
+              <a:rPr lang="en-SG" dirty="0" smtClean="0"/>
+              <a:t>schema</a:t>
+            </a:r>
+            <a:endParaRPr lang="en-SG" dirty="0"/>
+          </a:p>
+        </p:txBody>
+      </p:sp>
+      <p:pic>
+        <p:nvPicPr>
+          <p:cNvPr id="4" name="图片 3"/>
+          <p:cNvPicPr>
+            <a:picLocks noChangeAspect="1"/>
+          </p:cNvPicPr>
+          <p:nvPr/>
+        </p:nvPicPr>
+        <p:blipFill>
+          <a:blip r:embed="rId2"/>
+          <a:stretch>
+            <a:fillRect/>
+          </a:stretch>
+        </p:blipFill>
+        <p:spPr>
+          <a:xfrm>
+            <a:off x="7981777" y="1027905"/>
+            <a:ext cx="3714877" cy="5149057"/>
+          </a:xfrm>
+          <a:prstGeom prst="rect">
+            <a:avLst/>
+          </a:prstGeom>
+        </p:spPr>
+      </p:pic>
     </p:spTree>
     <p:extLst>
       <p:ext uri="{BB962C8B-B14F-4D97-AF65-F5344CB8AC3E}">
-        <p14:creationId xmlns:p14="http://schemas.microsoft.com/office/powerpoint/2010/main" val="3981173589"/>
+        <p14:creationId xmlns:p14="http://schemas.microsoft.com/office/powerpoint/2010/main" val="2237473542"/>
       </p:ext>
     </p:extLst>
   </p:cSld>
@@ -6962,7 +7282,7 @@
           <a:p>
             <a:r>
               <a:rPr lang="en-SG" dirty="0"/>
-              <a:t>The STEP documentation is split into eight major areas.</a:t>
+              <a:t>EXPRESS geometric entities</a:t>
             </a:r>
           </a:p>
         </p:txBody>
@@ -6977,84 +7297,206 @@
             <p:ph idx="1"/>
           </p:nvPr>
         </p:nvSpPr>
-        <p:spPr/>
+        <p:spPr>
+          <a:xfrm>
+            <a:off x="838200" y="1532327"/>
+            <a:ext cx="6209581" cy="2246043"/>
+          </a:xfrm>
+        </p:spPr>
         <p:txBody>
           <a:bodyPr>
-            <a:normAutofit/>
+            <a:normAutofit lnSpcReduction="10000"/>
           </a:bodyPr>
           <a:lstStyle/>
           <a:p>
-            <a:pPr marL="514350" indent="-514350">
-              <a:buFont typeface="+mj-lt"/>
-              <a:buAutoNum type="arabicPeriod"/>
+            <a:r>
+              <a:rPr lang="en-SG" dirty="0"/>
+              <a:t>EXPRESS-G is a specific subset of </a:t>
+            </a:r>
+            <a:r>
+              <a:rPr lang="en-SG" dirty="0" smtClean="0"/>
+              <a:t>EXPRESS </a:t>
+            </a:r>
+            <a:r>
+              <a:rPr lang="en-SG" dirty="0"/>
+              <a:t>used for graphical </a:t>
+            </a:r>
+            <a:r>
+              <a:rPr lang="en-SG" dirty="0" smtClean="0"/>
+              <a:t>notation </a:t>
+            </a:r>
+            <a:endParaRPr lang="en-SG" dirty="0"/>
+          </a:p>
+          <a:p>
+            <a:pPr marL="457200" lvl="1" indent="0">
+              <a:buNone/>
             </a:pPr>
             <a:r>
-              <a:rPr lang="en-SG" dirty="0" smtClean="0"/>
-              <a:t>Overview  </a:t>
-            </a:r>
-            <a:r>
-              <a:rPr lang="en-SG" dirty="0"/>
-              <a:t>It gives the general introduction and overview of the standard and forms part one of the ISO </a:t>
-            </a:r>
-            <a:r>
-              <a:rPr lang="en-SG" dirty="0" smtClean="0"/>
-              <a:t>standard </a:t>
-            </a:r>
-            <a:r>
-              <a:rPr lang="en-SG" dirty="0"/>
-              <a:t>10303.</a:t>
-            </a:r>
-          </a:p>
-          <a:p>
-            <a:pPr marL="514350" indent="-514350">
-              <a:buFont typeface="+mj-lt"/>
-              <a:buAutoNum type="arabicPeriod"/>
+              <a:rPr lang="en-SG" dirty="0"/>
+              <a:t>– simpler definition of relationships </a:t>
+            </a:r>
+            <a:r>
+              <a:rPr lang="en-SG" dirty="0" smtClean="0"/>
+              <a:t>between </a:t>
+            </a:r>
+            <a:r>
+              <a:rPr lang="en-SG" dirty="0"/>
+              <a:t>entities in a class hierarchy</a:t>
+            </a:r>
+          </a:p>
+          <a:p>
+            <a:pPr marL="457200" lvl="1" indent="0">
+              <a:buNone/>
             </a:pPr>
             <a:r>
               <a:rPr lang="en-SG" dirty="0"/>
-              <a:t>Description  Methods  The  application  protocols  planned  in  STEP  are  far  reaching  compared  to  any </a:t>
-            </a:r>
-            <a:r>
-              <a:rPr lang="en-SG" dirty="0" smtClean="0"/>
-              <a:t>other  </a:t>
-            </a:r>
-            <a:r>
-              <a:rPr lang="en-SG" dirty="0"/>
-              <a:t>existing  standard  or  models.  Hence,  a  new  descriptive  formal  information  modelling  language </a:t>
-            </a:r>
-            <a:r>
-              <a:rPr lang="en-SG" dirty="0" smtClean="0"/>
-              <a:t>called   </a:t>
-            </a:r>
-            <a:r>
-              <a:rPr lang="en-SG" dirty="0"/>
-              <a:t>EXPRESS  is  developed  such  that  the  protocols  be  properly  </a:t>
-            </a:r>
-            <a:r>
-              <a:rPr lang="en-SG" dirty="0" smtClean="0"/>
-              <a:t>defined</a:t>
-            </a:r>
-          </a:p>
-          <a:p>
-            <a:pPr marL="514350" indent="-514350">
-              <a:buFont typeface="+mj-lt"/>
-              <a:buAutoNum type="arabicPeriod"/>
+              <a:t>– constraints cannot be specified</a:t>
+            </a:r>
+          </a:p>
+          <a:p>
+            <a:pPr marL="457200" lvl="1" indent="0">
+              <a:buNone/>
             </a:pPr>
             <a:r>
-              <a:rPr lang="en-SG" dirty="0" smtClean="0"/>
-              <a:t>Implementation  </a:t>
-            </a:r>
-            <a:r>
-              <a:rPr lang="en-SG" dirty="0"/>
-              <a:t>Methods  This  provides  specifications  as  to  how  the  STEP  information  be  physically </a:t>
-            </a:r>
-            <a:r>
-              <a:rPr lang="en-SG" dirty="0" smtClean="0"/>
-              <a:t>represented </a:t>
-            </a:r>
-            <a:r>
-              <a:rPr lang="en-SG" dirty="0"/>
-              <a:t>for the exchange environment. </a:t>
+              <a:rPr lang="en-SG" dirty="0"/>
+              <a:t>– other EXPRESS subsets developed</a:t>
+            </a:r>
+          </a:p>
+        </p:txBody>
+      </p:sp>
+      <p:pic>
+        <p:nvPicPr>
+          <p:cNvPr id="4" name="图片 3"/>
+          <p:cNvPicPr>
+            <a:picLocks noChangeAspect="1"/>
+          </p:cNvPicPr>
+          <p:nvPr/>
+        </p:nvPicPr>
+        <p:blipFill rotWithShape="1">
+          <a:blip r:embed="rId2"/>
+          <a:srcRect t="1" b="955"/>
+          <a:stretch/>
+        </p:blipFill>
+        <p:spPr>
+          <a:xfrm>
+            <a:off x="1854815" y="3778370"/>
+            <a:ext cx="3600000" cy="2520000"/>
+          </a:xfrm>
+          <a:prstGeom prst="rect">
+            <a:avLst/>
+          </a:prstGeom>
+        </p:spPr>
+      </p:pic>
+      <p:sp>
+        <p:nvSpPr>
+          <p:cNvPr id="5" name="文本框 4"/>
+          <p:cNvSpPr txBox="1"/>
+          <p:nvPr/>
+        </p:nvSpPr>
+        <p:spPr>
+          <a:xfrm>
+            <a:off x="7461849" y="1690688"/>
+            <a:ext cx="3709358" cy="4401205"/>
+          </a:xfrm>
+          <a:prstGeom prst="rect">
+            <a:avLst/>
+          </a:prstGeom>
+          <a:noFill/>
+        </p:spPr>
+        <p:txBody>
+          <a:bodyPr wrap="square" rtlCol="0">
+            <a:spAutoFit/>
+          </a:bodyPr>
+          <a:lstStyle/>
+          <a:p>
+            <a:r>
+              <a:rPr lang="en-SG" sz="2000" dirty="0"/>
+              <a:t>ENTITY point ;</a:t>
+            </a:r>
+          </a:p>
+          <a:p>
+            <a:pPr lvl="1"/>
+            <a:r>
+              <a:rPr lang="en-SG" sz="2000" dirty="0"/>
+              <a:t>x-coordinate : REAL ;</a:t>
+            </a:r>
+          </a:p>
+          <a:p>
+            <a:pPr lvl="1"/>
+            <a:r>
+              <a:rPr lang="en-SG" sz="2000" dirty="0"/>
+              <a:t>y-coordinate : REAL ;</a:t>
+            </a:r>
+          </a:p>
+          <a:p>
+            <a:pPr lvl="1"/>
+            <a:r>
+              <a:rPr lang="en-SG" sz="2000" dirty="0"/>
+              <a:t>z-coordinate : REAL ;</a:t>
+            </a:r>
+          </a:p>
+          <a:p>
+            <a:r>
+              <a:rPr lang="en-SG" sz="2000" dirty="0"/>
+              <a:t>END_ENTITY </a:t>
+            </a:r>
+            <a:r>
+              <a:rPr lang="en-SG" sz="2000" dirty="0" smtClean="0"/>
+              <a:t>;</a:t>
+            </a:r>
+          </a:p>
+          <a:p>
+            <a:endParaRPr lang="en-SG" sz="2000" dirty="0"/>
+          </a:p>
+          <a:p>
+            <a:r>
+              <a:rPr lang="en-SG" sz="2000" dirty="0"/>
+              <a:t>ENTITY circle ;</a:t>
+            </a:r>
+          </a:p>
+          <a:p>
+            <a:pPr lvl="1"/>
+            <a:r>
+              <a:rPr lang="en-SG" sz="2000" dirty="0"/>
+              <a:t>centre : point ;</a:t>
+            </a:r>
+          </a:p>
+          <a:p>
+            <a:pPr lvl="1"/>
+            <a:r>
+              <a:rPr lang="en-SG" sz="2000" dirty="0"/>
+              <a:t>radius : REAL ;</a:t>
+            </a:r>
+          </a:p>
+          <a:p>
+            <a:r>
+              <a:rPr lang="en-SG" sz="2000" dirty="0"/>
+              <a:t>END_ENTITY </a:t>
+            </a:r>
+            <a:r>
+              <a:rPr lang="en-SG" sz="2000" dirty="0" smtClean="0"/>
+              <a:t>;</a:t>
+            </a:r>
+          </a:p>
+          <a:p>
+            <a:endParaRPr lang="en-SG" sz="2000" dirty="0"/>
+          </a:p>
+          <a:p>
+            <a:r>
+              <a:rPr lang="en-SG" sz="2000" dirty="0"/>
+              <a:t>#15 = POINT (3.3,4.4,5.5) ;</a:t>
+            </a:r>
+          </a:p>
+          <a:p>
+            <a:r>
+              <a:rPr lang="en-SG" sz="2000" dirty="0"/>
+              <a:t>#16 = POINT (6.6,7.7,8.8) ;</a:t>
+            </a:r>
+          </a:p>
+          <a:p>
+            <a:r>
+              <a:rPr lang="en-SG" sz="2000" dirty="0"/>
+              <a:t>#17 = CIRCLE (#15, 5.0) ;</a:t>
             </a:r>
           </a:p>
         </p:txBody>
@@ -7062,7 +7504,7 @@
     </p:spTree>
     <p:extLst>
       <p:ext uri="{BB962C8B-B14F-4D97-AF65-F5344CB8AC3E}">
-        <p14:creationId xmlns:p14="http://schemas.microsoft.com/office/powerpoint/2010/main" val="750815864"/>
+        <p14:creationId xmlns:p14="http://schemas.microsoft.com/office/powerpoint/2010/main" val="1270553017"/>
       </p:ext>
     </p:extLst>
   </p:cSld>
@@ -7177,6 +7619,28 @@
       </p:grpSpPr>
       <p:sp>
         <p:nvSpPr>
+          <p:cNvPr id="2" name="标题 1"/>
+          <p:cNvSpPr>
+            <a:spLocks noGrp="1"/>
+          </p:cNvSpPr>
+          <p:nvPr>
+            <p:ph type="title"/>
+          </p:nvPr>
+        </p:nvSpPr>
+        <p:spPr/>
+        <p:txBody>
+          <a:bodyPr/>
+          <a:lstStyle/>
+          <a:p>
+            <a:r>
+              <a:rPr lang="en-SG" dirty="0"/>
+              <a:t>STEP standard</a:t>
+            </a:r>
+          </a:p>
+        </p:txBody>
+      </p:sp>
+      <p:sp>
+        <p:nvSpPr>
           <p:cNvPr id="3" name="内容占位符 2"/>
           <p:cNvSpPr>
             <a:spLocks noGrp="1"/>
@@ -7187,97 +7651,186 @@
         </p:nvSpPr>
         <p:spPr>
           <a:xfrm>
-            <a:off x="838200" y="629392"/>
-            <a:ext cx="10515600" cy="5547571"/>
+            <a:off x="655607" y="1526874"/>
+            <a:ext cx="10843403" cy="4908431"/>
           </a:xfrm>
         </p:spPr>
         <p:txBody>
           <a:bodyPr>
-            <a:normAutofit/>
+            <a:normAutofit fontScale="77500" lnSpcReduction="20000"/>
           </a:bodyPr>
           <a:lstStyle/>
           <a:p>
-            <a:pPr marL="514350" indent="-514350">
-              <a:buFont typeface="+mj-lt"/>
-              <a:buAutoNum type="arabicPeriod" startAt="4"/>
+            <a:pPr marL="0" indent="0">
+              <a:buNone/>
             </a:pPr>
             <a:r>
-              <a:rPr lang="en-SG" b="1" dirty="0"/>
-              <a:t>Conformance and Tools  </a:t>
-            </a:r>
-            <a:r>
-              <a:rPr lang="en-SG" dirty="0"/>
-              <a:t>This part provides the specifications for conformance testing of the processors used </a:t>
-            </a:r>
-            <a:r>
-              <a:rPr lang="en-SG" dirty="0" smtClean="0"/>
-              <a:t>for </a:t>
-            </a:r>
-            <a:r>
-              <a:rPr lang="en-SG" dirty="0"/>
-              <a:t>STEP information. They provide information on methods for testing of software-product conformance to </a:t>
-            </a:r>
-            <a:r>
-              <a:rPr lang="en-SG" dirty="0" smtClean="0"/>
-              <a:t>the </a:t>
-            </a:r>
-            <a:r>
-              <a:rPr lang="en-SG" dirty="0"/>
-              <a:t>STEP standard, guidance for creating abstract-test suites and the responsibilities of testing laboratories. </a:t>
-            </a:r>
-            <a:r>
-              <a:rPr lang="en-SG" dirty="0" smtClean="0"/>
-              <a:t>The </a:t>
-            </a:r>
-            <a:r>
-              <a:rPr lang="en-SG" dirty="0"/>
-              <a:t>STEP standard is unique in that it places a very high emphasis on </a:t>
-            </a:r>
-            <a:r>
-              <a:rPr lang="en-SG" dirty="0" smtClean="0"/>
-              <a:t>testing </a:t>
-            </a:r>
-            <a:r>
-              <a:rPr lang="en-SG" dirty="0"/>
-              <a:t>and actually includes these methods in the standard.</a:t>
-            </a:r>
-          </a:p>
-          <a:p>
-            <a:pPr marL="514350" indent="-514350">
-              <a:buFont typeface="+mj-lt"/>
-              <a:buAutoNum type="arabicPeriod" startAt="4"/>
+              <a:rPr lang="en-SG" dirty="0"/>
+              <a:t> STEP is being developed incrementally as a series of </a:t>
+            </a:r>
+            <a:r>
+              <a:rPr lang="en-SG" dirty="0" smtClean="0"/>
+              <a:t>separate </a:t>
+            </a:r>
+            <a:r>
+              <a:rPr lang="en-SG" dirty="0"/>
+              <a:t>standards (parts) divided into classes:</a:t>
+            </a:r>
+          </a:p>
+          <a:p>
+            <a:pPr marL="457200" lvl="1" indent="0">
+              <a:buNone/>
             </a:pPr>
             <a:r>
-              <a:rPr lang="en-SG" b="1" dirty="0"/>
-              <a:t>Integrated-generic  Resources  </a:t>
-            </a:r>
-            <a:r>
-              <a:rPr lang="en-SG" dirty="0"/>
-              <a:t>These contain the specifications of the information models that support </a:t>
-            </a:r>
-            <a:r>
-              <a:rPr lang="en-SG" dirty="0" smtClean="0"/>
-              <a:t>various </a:t>
-            </a:r>
-            <a:r>
-              <a:rPr lang="en-SG" dirty="0"/>
-              <a:t>application areas that form part of STEP. The topics that form part of this specification are: geometric </a:t>
-            </a:r>
-            <a:r>
-              <a:rPr lang="en-SG" dirty="0" smtClean="0"/>
-              <a:t>and  </a:t>
-            </a:r>
-            <a:r>
-              <a:rPr lang="en-SG" dirty="0"/>
-              <a:t>topological  representation,  product  structure  organisation,  materials,  visual  presentation,  tolerances, </a:t>
-            </a:r>
-            <a:r>
-              <a:rPr lang="en-SG" dirty="0" smtClean="0"/>
-              <a:t>form </a:t>
-            </a:r>
-            <a:r>
-              <a:rPr lang="en-SG" dirty="0"/>
-              <a:t>features and process structure and properties. </a:t>
+              <a:rPr lang="en-SG" dirty="0"/>
+              <a:t>– Introductory (1-9)</a:t>
+            </a:r>
+          </a:p>
+          <a:p>
+            <a:pPr marL="914400" lvl="2" indent="0">
+              <a:buNone/>
+            </a:pPr>
+            <a:r>
+              <a:rPr lang="en-SG" dirty="0"/>
+              <a:t>• Part 1: Overview and general Principles</a:t>
+            </a:r>
+          </a:p>
+          <a:p>
+            <a:pPr marL="457200" lvl="1" indent="0">
+              <a:buNone/>
+            </a:pPr>
+            <a:r>
+              <a:rPr lang="en-SG" dirty="0"/>
+              <a:t>– Description Methods (11-19)</a:t>
+            </a:r>
+          </a:p>
+          <a:p>
+            <a:pPr marL="914400" lvl="2" indent="0">
+              <a:buNone/>
+            </a:pPr>
+            <a:r>
+              <a:rPr lang="en-SG" dirty="0"/>
+              <a:t>• Parts 11, 12: EXPRESS language</a:t>
+            </a:r>
+          </a:p>
+          <a:p>
+            <a:pPr marL="457200" lvl="1" indent="0">
+              <a:buNone/>
+            </a:pPr>
+            <a:r>
+              <a:rPr lang="en-SG" dirty="0"/>
+              <a:t>– Implementation Methods (21-29)</a:t>
+            </a:r>
+          </a:p>
+          <a:p>
+            <a:pPr marL="914400" lvl="2" indent="0">
+              <a:buNone/>
+            </a:pPr>
+            <a:r>
+              <a:rPr lang="en-SG" dirty="0"/>
+              <a:t>• describe how EXPRESS mapped to physical files and other storage mechanisms</a:t>
+            </a:r>
+          </a:p>
+          <a:p>
+            <a:pPr marL="457200" lvl="1" indent="0">
+              <a:buNone/>
+            </a:pPr>
+            <a:r>
+              <a:rPr lang="en-SG" dirty="0"/>
+              <a:t>– Conformance Testing Methodology and Framework (31-39)</a:t>
+            </a:r>
+          </a:p>
+          <a:p>
+            <a:pPr marL="914400" lvl="2" indent="0">
+              <a:buNone/>
+            </a:pPr>
+            <a:r>
+              <a:rPr lang="en-SG" dirty="0"/>
+              <a:t>• provide methods for testing implementations, and test suites</a:t>
+            </a:r>
+          </a:p>
+          <a:p>
+            <a:pPr marL="457200" lvl="1" indent="0">
+              <a:buNone/>
+            </a:pPr>
+            <a:r>
+              <a:rPr lang="en-SG" dirty="0"/>
+              <a:t>– Integrated Resources (41-99, 101-199)</a:t>
+            </a:r>
+          </a:p>
+          <a:p>
+            <a:pPr marL="914400" lvl="2" indent="0">
+              <a:buNone/>
+            </a:pPr>
+            <a:r>
+              <a:rPr lang="en-SG" dirty="0"/>
+              <a:t>• geometry and structure representation (41-99), and widely used applications such as </a:t>
+            </a:r>
+            <a:r>
+              <a:rPr lang="en-SG" dirty="0" err="1" smtClean="0"/>
+              <a:t>draughting</a:t>
+            </a:r>
+            <a:r>
+              <a:rPr lang="en-SG" dirty="0" smtClean="0"/>
+              <a:t> </a:t>
+            </a:r>
+            <a:r>
+              <a:rPr lang="en-SG" dirty="0"/>
+              <a:t>and FE (101-199)</a:t>
+            </a:r>
+          </a:p>
+          <a:p>
+            <a:pPr marL="457200" lvl="1" indent="0">
+              <a:buNone/>
+            </a:pPr>
+            <a:r>
+              <a:rPr lang="en-SG" dirty="0"/>
+              <a:t>– Application Protocols (210-299)</a:t>
+            </a:r>
+          </a:p>
+          <a:p>
+            <a:pPr marL="914400" lvl="2" indent="0">
+              <a:buNone/>
+            </a:pPr>
+            <a:r>
+              <a:rPr lang="en-SG" dirty="0"/>
+              <a:t>• implementation of STEP to specific industrial applications</a:t>
+            </a:r>
+          </a:p>
+          <a:p>
+            <a:pPr marL="457200" lvl="1" indent="0">
+              <a:buNone/>
+            </a:pPr>
+            <a:r>
+              <a:rPr lang="en-SG" dirty="0"/>
+              <a:t>– Abstract Test Suites (301-399)</a:t>
+            </a:r>
+          </a:p>
+          <a:p>
+            <a:pPr marL="914400" lvl="2" indent="0">
+              <a:buNone/>
+            </a:pPr>
+            <a:r>
+              <a:rPr lang="en-SG" dirty="0"/>
+              <a:t>• for each of the application protocols</a:t>
+            </a:r>
+          </a:p>
+          <a:p>
+            <a:pPr marL="457200" lvl="1" indent="0">
+              <a:buNone/>
+            </a:pPr>
+            <a:r>
+              <a:rPr lang="en-SG" dirty="0"/>
+              <a:t>– Application Interpreted Constructs (501-?)</a:t>
+            </a:r>
+          </a:p>
+          <a:p>
+            <a:pPr marL="914400" lvl="2" indent="0">
+              <a:buNone/>
+            </a:pPr>
+            <a:r>
+              <a:rPr lang="en-SG" dirty="0"/>
+              <a:t>• describe model entity constructs and specific modelling approaches</a:t>
             </a:r>
           </a:p>
         </p:txBody>
@@ -7285,7 +7838,7 @@
     </p:spTree>
     <p:extLst>
       <p:ext uri="{BB962C8B-B14F-4D97-AF65-F5344CB8AC3E}">
-        <p14:creationId xmlns:p14="http://schemas.microsoft.com/office/powerpoint/2010/main" val="1552186298"/>
+        <p14:creationId xmlns:p14="http://schemas.microsoft.com/office/powerpoint/2010/main" val="3768668072"/>
       </p:ext>
     </p:extLst>
   </p:cSld>
@@ -7314,6 +7867,29 @@
       </p:grpSpPr>
       <p:sp>
         <p:nvSpPr>
+          <p:cNvPr id="2" name="标题 1"/>
+          <p:cNvSpPr>
+            <a:spLocks noGrp="1"/>
+          </p:cNvSpPr>
+          <p:nvPr>
+            <p:ph type="title"/>
+          </p:nvPr>
+        </p:nvSpPr>
+        <p:spPr/>
+        <p:txBody>
+          <a:bodyPr/>
+          <a:lstStyle/>
+          <a:p>
+            <a:r>
+              <a:rPr lang="en-SG" dirty="0" smtClean="0"/>
+              <a:t>STEP</a:t>
+            </a:r>
+            <a:endParaRPr lang="en-SG" dirty="0"/>
+          </a:p>
+        </p:txBody>
+      </p:sp>
+      <p:sp>
+        <p:nvSpPr>
           <p:cNvPr id="3" name="内容占位符 2"/>
           <p:cNvSpPr>
             <a:spLocks noGrp="1"/>
@@ -7322,89 +7898,66 @@
             <p:ph idx="1"/>
           </p:nvPr>
         </p:nvSpPr>
-        <p:spPr>
-          <a:xfrm>
-            <a:off x="838200" y="534390"/>
-            <a:ext cx="10515600" cy="5642573"/>
-          </a:xfrm>
-        </p:spPr>
-        <p:txBody>
-          <a:bodyPr/>
-          <a:lstStyle/>
-          <a:p>
-            <a:pPr marL="514350" indent="-514350">
-              <a:buFont typeface="+mj-lt"/>
-              <a:buAutoNum type="arabicPeriod" startAt="6"/>
-            </a:pPr>
-            <a:r>
-              <a:rPr lang="en-SG" dirty="0"/>
-              <a:t> </a:t>
-            </a:r>
-            <a:r>
-              <a:rPr lang="en-SG" b="1" dirty="0"/>
-              <a:t>Application Information Models  </a:t>
-            </a:r>
-            <a:r>
-              <a:rPr lang="en-SG" dirty="0"/>
-              <a:t>These specify the information models to be used for specific application </a:t>
-            </a:r>
-            <a:r>
-              <a:rPr lang="en-SG" dirty="0" smtClean="0"/>
-              <a:t>areas </a:t>
-            </a:r>
-            <a:r>
-              <a:rPr lang="en-SG" dirty="0"/>
-              <a:t>such as </a:t>
-            </a:r>
-            <a:r>
-              <a:rPr lang="en-SG" dirty="0" err="1"/>
-              <a:t>draughting</a:t>
-            </a:r>
-            <a:r>
-              <a:rPr lang="en-SG" dirty="0"/>
-              <a:t>, finite element analysis, kinematics, building core model and Engineering analysis </a:t>
-            </a:r>
-            <a:r>
-              <a:rPr lang="en-SG" dirty="0" smtClean="0"/>
-              <a:t>core</a:t>
-            </a:r>
-            <a:r>
-              <a:rPr lang="en-SG" dirty="0"/>
-              <a:t>. </a:t>
-            </a:r>
-          </a:p>
-          <a:p>
-            <a:pPr marL="514350" indent="-514350">
-              <a:buFont typeface="+mj-lt"/>
-              <a:buAutoNum type="arabicPeriod" startAt="6"/>
-            </a:pPr>
-            <a:r>
-              <a:rPr lang="en-SG" dirty="0"/>
-              <a:t> </a:t>
-            </a:r>
-            <a:r>
-              <a:rPr lang="en-SG" b="1" dirty="0"/>
-              <a:t>Application Protocols  </a:t>
-            </a:r>
-            <a:r>
-              <a:rPr lang="en-SG" dirty="0"/>
-              <a:t>These are the main protocols to be used as subsets of STEP information model </a:t>
-            </a:r>
-            <a:r>
-              <a:rPr lang="en-SG" dirty="0" smtClean="0"/>
-              <a:t>for </a:t>
-            </a:r>
-            <a:r>
-              <a:rPr lang="en-SG" dirty="0"/>
-              <a:t>exchange of data between specific application systems (such as between two finite element systems or </a:t>
-            </a:r>
-            <a:r>
-              <a:rPr lang="en-SG" dirty="0" smtClean="0"/>
-              <a:t>between </a:t>
-            </a:r>
-            <a:r>
-              <a:rPr lang="en-SG" dirty="0"/>
-              <a:t>a CAD and Process Planning system). </a:t>
+        <p:spPr/>
+        <p:txBody>
+          <a:bodyPr/>
+          <a:lstStyle/>
+          <a:p>
+            <a:r>
+              <a:rPr lang="en-SG" dirty="0">
+                <a:solidFill>
+                  <a:srgbClr val="FF0000"/>
+                </a:solidFill>
+              </a:rPr>
+              <a:t>Standard for the Exchange of Product Model Data ( STEP), officially the ISO standard 10303, Product Data </a:t>
+            </a:r>
+            <a:r>
+              <a:rPr lang="en-SG" dirty="0" smtClean="0">
+                <a:solidFill>
+                  <a:srgbClr val="FF0000"/>
+                </a:solidFill>
+              </a:rPr>
+              <a:t>Representation </a:t>
+            </a:r>
+            <a:r>
+              <a:rPr lang="en-SG" dirty="0">
+                <a:solidFill>
+                  <a:srgbClr val="FF0000"/>
+                </a:solidFill>
+              </a:rPr>
+              <a:t>and Exchange, is a series of international standards with the goal of defining data across the </a:t>
+            </a:r>
+            <a:r>
+              <a:rPr lang="en-SG" dirty="0" smtClean="0">
+                <a:solidFill>
+                  <a:srgbClr val="FF0000"/>
+                </a:solidFill>
+              </a:rPr>
+              <a:t>full </a:t>
+            </a:r>
+            <a:r>
+              <a:rPr lang="en-SG" dirty="0">
+                <a:solidFill>
+                  <a:srgbClr val="FF0000"/>
+                </a:solidFill>
+              </a:rPr>
+              <a:t>engineering and manufacturing life cycle. The ability to share data across applications, across vendor </a:t>
+            </a:r>
+            <a:r>
+              <a:rPr lang="en-SG" dirty="0" smtClean="0">
+                <a:solidFill>
+                  <a:srgbClr val="FF0000"/>
+                </a:solidFill>
+              </a:rPr>
+              <a:t>platforms </a:t>
+            </a:r>
+            <a:r>
+              <a:rPr lang="en-SG" dirty="0">
+                <a:solidFill>
+                  <a:srgbClr val="FF0000"/>
+                </a:solidFill>
+              </a:rPr>
+              <a:t>and between contractors, suppliers and customers, is the main goal of this standard.</a:t>
             </a:r>
           </a:p>
         </p:txBody>
@@ -7412,7 +7965,7 @@
     </p:spTree>
     <p:extLst>
       <p:ext uri="{BB962C8B-B14F-4D97-AF65-F5344CB8AC3E}">
-        <p14:creationId xmlns:p14="http://schemas.microsoft.com/office/powerpoint/2010/main" val="3596906761"/>
+        <p14:creationId xmlns:p14="http://schemas.microsoft.com/office/powerpoint/2010/main" val="3170181842"/>
       </p:ext>
     </p:extLst>
   </p:cSld>
@@ -7441,6 +7994,29 @@
       </p:grpSpPr>
       <p:sp>
         <p:nvSpPr>
+          <p:cNvPr id="2" name="标题 1"/>
+          <p:cNvSpPr>
+            <a:spLocks noGrp="1"/>
+          </p:cNvSpPr>
+          <p:nvPr>
+            <p:ph type="title"/>
+          </p:nvPr>
+        </p:nvSpPr>
+        <p:spPr/>
+        <p:txBody>
+          <a:bodyPr/>
+          <a:lstStyle/>
+          <a:p>
+            <a:r>
+              <a:rPr lang="en-SG" dirty="0" smtClean="0"/>
+              <a:t>STEP</a:t>
+            </a:r>
+            <a:endParaRPr lang="en-SG" dirty="0"/>
+          </a:p>
+        </p:txBody>
+      </p:sp>
+      <p:sp>
+        <p:nvSpPr>
           <p:cNvPr id="3" name="内容占位符 2"/>
           <p:cNvSpPr>
             <a:spLocks noGrp="1"/>
@@ -7449,143 +8025,60 @@
             <p:ph idx="1"/>
           </p:nvPr>
         </p:nvSpPr>
-        <p:spPr>
-          <a:xfrm>
-            <a:off x="945078" y="403761"/>
-            <a:ext cx="10515600" cy="5773202"/>
-          </a:xfrm>
-        </p:spPr>
-        <p:txBody>
-          <a:bodyPr>
-            <a:normAutofit fontScale="92500" lnSpcReduction="20000"/>
-          </a:bodyPr>
-          <a:lstStyle/>
-          <a:p>
-            <a:pPr marL="514350" indent="-514350">
-              <a:buFont typeface="+mj-lt"/>
-              <a:buAutoNum type="arabicPeriod" startAt="8"/>
+        <p:spPr/>
+        <p:txBody>
+          <a:bodyPr/>
+          <a:lstStyle/>
+          <a:p>
+            <a:pPr marL="0" indent="0">
+              <a:buNone/>
             </a:pPr>
             <a:r>
-              <a:rPr lang="en-SG" b="1" dirty="0"/>
-              <a:t>Application Interpreted Constructs  </a:t>
-            </a:r>
-            <a:r>
-              <a:rPr lang="en-SG" dirty="0"/>
-              <a:t>These relate to the specific resources useful for defining the </a:t>
-            </a:r>
-            <a:r>
-              <a:rPr lang="en-SG" dirty="0" smtClean="0"/>
-              <a:t>generic structures </a:t>
-            </a:r>
-            <a:r>
-              <a:rPr lang="en-SG" dirty="0"/>
-              <a:t>useful for applications. These are reusable groups of information resource entities that make it </a:t>
-            </a:r>
-            <a:r>
-              <a:rPr lang="en-SG" dirty="0" smtClean="0"/>
-              <a:t>easier </a:t>
-            </a:r>
-            <a:r>
-              <a:rPr lang="en-SG" dirty="0"/>
-              <a:t>to express identical semantics in more than one application protocol. Examples include edge-based </a:t>
-            </a:r>
-            <a:r>
-              <a:rPr lang="en-SG" dirty="0" smtClean="0"/>
-              <a:t>wireframe</a:t>
-            </a:r>
-            <a:r>
-              <a:rPr lang="en-SG" dirty="0"/>
-              <a:t>,  </a:t>
-            </a:r>
-            <a:r>
-              <a:rPr lang="en-SG" dirty="0" err="1"/>
-              <a:t>draughting</a:t>
-            </a:r>
-            <a:r>
-              <a:rPr lang="en-SG" dirty="0"/>
-              <a:t>  elements,  constructive  solid  geometry,  etc. </a:t>
-            </a:r>
-            <a:r>
-              <a:rPr lang="en-SG" dirty="0" smtClean="0"/>
-              <a:t>onwards</a:t>
-            </a:r>
-            <a:r>
-              <a:rPr lang="en-SG" dirty="0"/>
-              <a:t>. Examples include edge-based wireframe, shell-based wireframe, geometry-bounded 2D wireframe, </a:t>
-            </a:r>
-            <a:r>
-              <a:rPr lang="en-SG" dirty="0" err="1" smtClean="0"/>
-              <a:t>draughting</a:t>
-            </a:r>
-            <a:r>
-              <a:rPr lang="en-SG" dirty="0" smtClean="0"/>
-              <a:t>  </a:t>
-            </a:r>
-            <a:r>
-              <a:rPr lang="en-SG" dirty="0"/>
-              <a:t>annotation,  drawing  structure  and  administration,  </a:t>
-            </a:r>
-            <a:r>
-              <a:rPr lang="en-SG" dirty="0" err="1"/>
-              <a:t>draughting</a:t>
-            </a:r>
-            <a:r>
-              <a:rPr lang="en-SG" dirty="0"/>
-              <a:t>  elements,  geometry-bounded </a:t>
-            </a:r>
-            <a:r>
-              <a:rPr lang="en-SG" dirty="0" smtClean="0"/>
-              <a:t>surface</a:t>
-            </a:r>
-            <a:r>
-              <a:rPr lang="en-SG" dirty="0"/>
-              <a:t>, non-manifold surface, manifold surface, geometry-bounded wireframe, etc.</a:t>
-            </a:r>
-          </a:p>
-          <a:p>
-            <a:pPr marL="514350" indent="-514350">
-              <a:buFont typeface="+mj-lt"/>
-              <a:buAutoNum type="arabicPeriod" startAt="9"/>
+              <a:rPr lang="en-SG" dirty="0"/>
+              <a:t>The broad scope of STEP is as follows.</a:t>
+            </a:r>
+          </a:p>
+          <a:p>
+            <a:pPr marL="0" indent="0">
+              <a:buNone/>
             </a:pPr>
             <a:r>
-              <a:rPr lang="en-SG" b="1" dirty="0"/>
-              <a:t>Application Protocols  </a:t>
-            </a:r>
-            <a:r>
-              <a:rPr lang="en-SG" dirty="0"/>
-              <a:t>These define the context for the use of product data for a specific industrial need. </a:t>
-            </a:r>
-            <a:r>
-              <a:rPr lang="en-SG" dirty="0" smtClean="0"/>
-              <a:t>These </a:t>
-            </a:r>
-            <a:r>
-              <a:rPr lang="en-SG" dirty="0"/>
-              <a:t>are more complex data models used to describe specific product-data applications. These parts are </a:t>
-            </a:r>
-            <a:r>
-              <a:rPr lang="en-SG" dirty="0" smtClean="0"/>
-              <a:t>known </a:t>
-            </a:r>
-            <a:r>
-              <a:rPr lang="en-SG" dirty="0"/>
-              <a:t>as application protocols and describe not only what data is to be used in describing a product, but how </a:t>
-            </a:r>
-            <a:r>
-              <a:rPr lang="en-SG" dirty="0" smtClean="0"/>
-              <a:t>the </a:t>
-            </a:r>
-            <a:r>
-              <a:rPr lang="en-SG" dirty="0"/>
-              <a:t>data is to be used in the model. The application protocols use the integrated information resources in well </a:t>
-            </a:r>
-            <a:r>
-              <a:rPr lang="en-SG" dirty="0" smtClean="0"/>
-              <a:t>defined </a:t>
-            </a:r>
-            <a:r>
-              <a:rPr lang="en-SG" dirty="0"/>
-              <a:t>combinations and configurations to represent a particular data model of some phase of product life. </a:t>
+              <a:rPr lang="en-SG" dirty="0"/>
+              <a:t>  1.  The standard method of representing the information necessary for completely defining a product </a:t>
+            </a:r>
+            <a:r>
+              <a:rPr lang="en-SG" dirty="0" smtClean="0"/>
+              <a:t>throughout </a:t>
+            </a:r>
+            <a:r>
+              <a:rPr lang="en-SG" dirty="0"/>
+              <a:t>its entire life, i.e., from the product conception to the end of useful life.</a:t>
+            </a:r>
+          </a:p>
+          <a:p>
+            <a:pPr marL="0" indent="0">
+              <a:buNone/>
+            </a:pPr>
+            <a:r>
+              <a:rPr lang="en-SG" dirty="0"/>
+              <a:t>  2.  Standard methods for exchanging the data electronically between two different </a:t>
+            </a:r>
+            <a:r>
+              <a:rPr lang="en-SG" dirty="0" smtClean="0"/>
+              <a:t>systems.</a:t>
+            </a:r>
+          </a:p>
+          <a:p>
+            <a:pPr marL="0" indent="0">
+              <a:buNone/>
+            </a:pPr>
+            <a:r>
+              <a:rPr lang="en-SG" dirty="0" smtClean="0"/>
+              <a:t>The </a:t>
+            </a:r>
+            <a:r>
+              <a:rPr lang="en-SG" dirty="0"/>
+              <a:t>STEP documentation is split into eight major areas.</a:t>
             </a:r>
           </a:p>
         </p:txBody>
@@ -7593,7 +8086,7 @@
     </p:spTree>
     <p:extLst>
       <p:ext uri="{BB962C8B-B14F-4D97-AF65-F5344CB8AC3E}">
-        <p14:creationId xmlns:p14="http://schemas.microsoft.com/office/powerpoint/2010/main" val="1394861392"/>
+        <p14:creationId xmlns:p14="http://schemas.microsoft.com/office/powerpoint/2010/main" val="3981173589"/>
       </p:ext>
     </p:extLst>
   </p:cSld>
@@ -7635,7 +8128,10 @@
           <a:bodyPr/>
           <a:lstStyle/>
           <a:p>
-            <a:endParaRPr lang="en-SG"/>
+            <a:r>
+              <a:rPr lang="en-SG" dirty="0"/>
+              <a:t>The STEP documentation is split into eight major areas.</a:t>
+            </a:r>
           </a:p>
         </p:txBody>
       </p:sp>
@@ -7651,31 +8147,90 @@
         </p:nvSpPr>
         <p:spPr/>
         <p:txBody>
-          <a:bodyPr/>
-          <a:lstStyle/>
-          <a:p>
-            <a:r>
-              <a:rPr lang="en-SG" dirty="0"/>
-              <a:t>Data storage</a:t>
-            </a:r>
-          </a:p>
-          <a:p>
-            <a:pPr lvl="1"/>
-            <a:r>
-              <a:rPr lang="en-US" dirty="0"/>
-              <a:t>Most of CAD/CAM software systems store the data of model by relational database.</a:t>
-            </a:r>
-            <a:endParaRPr lang="en-SG" dirty="0"/>
-          </a:p>
-          <a:p>
-            <a:endParaRPr lang="en-SG" dirty="0"/>
+          <a:bodyPr>
+            <a:normAutofit/>
+          </a:bodyPr>
+          <a:lstStyle/>
+          <a:p>
+            <a:pPr marL="514350" indent="-514350">
+              <a:buFont typeface="+mj-lt"/>
+              <a:buAutoNum type="arabicPeriod"/>
+            </a:pPr>
+            <a:r>
+              <a:rPr lang="en-SG" dirty="0" smtClean="0"/>
+              <a:t>Overview  </a:t>
+            </a:r>
+            <a:r>
+              <a:rPr lang="en-SG" dirty="0"/>
+              <a:t>It gives the general introduction and overview of the standard and forms part one of the ISO </a:t>
+            </a:r>
+            <a:r>
+              <a:rPr lang="en-SG" dirty="0" smtClean="0"/>
+              <a:t>standard </a:t>
+            </a:r>
+            <a:r>
+              <a:rPr lang="en-SG" dirty="0"/>
+              <a:t>10303.</a:t>
+            </a:r>
+          </a:p>
+          <a:p>
+            <a:pPr marL="514350" indent="-514350">
+              <a:buFont typeface="+mj-lt"/>
+              <a:buAutoNum type="arabicPeriod"/>
+            </a:pPr>
+            <a:r>
+              <a:rPr lang="en-SG" dirty="0"/>
+              <a:t>Description  Methods  The  application  protocols  planned  in  STEP  are  far  reaching  compared  to  any </a:t>
+            </a:r>
+            <a:r>
+              <a:rPr lang="en-SG" dirty="0" smtClean="0"/>
+              <a:t>other  </a:t>
+            </a:r>
+            <a:r>
+              <a:rPr lang="en-SG" dirty="0"/>
+              <a:t>existing  standard  or  models.  Hence,  a  new  descriptive  formal  information  modelling  language </a:t>
+            </a:r>
+            <a:r>
+              <a:rPr lang="en-SG" dirty="0" smtClean="0"/>
+              <a:t>called   </a:t>
+            </a:r>
+            <a:r>
+              <a:rPr lang="en-SG" dirty="0"/>
+              <a:t>EXPRESS  is  developed  such  that  the  protocols  be  properly  </a:t>
+            </a:r>
+            <a:r>
+              <a:rPr lang="en-SG" dirty="0" smtClean="0"/>
+              <a:t>defined</a:t>
+            </a:r>
+          </a:p>
+          <a:p>
+            <a:pPr marL="514350" indent="-514350">
+              <a:buFont typeface="+mj-lt"/>
+              <a:buAutoNum type="arabicPeriod"/>
+            </a:pPr>
+            <a:r>
+              <a:rPr lang="en-SG" dirty="0" smtClean="0"/>
+              <a:t>Implementation  </a:t>
+            </a:r>
+            <a:r>
+              <a:rPr lang="en-SG" dirty="0"/>
+              <a:t>Methods  This  provides  specifications  as  to  how  the  STEP  information  be  physically </a:t>
+            </a:r>
+            <a:r>
+              <a:rPr lang="en-SG" dirty="0" smtClean="0"/>
+              <a:t>represented </a:t>
+            </a:r>
+            <a:r>
+              <a:rPr lang="en-SG" dirty="0"/>
+              <a:t>for the exchange environment. </a:t>
+            </a:r>
           </a:p>
         </p:txBody>
       </p:sp>
     </p:spTree>
     <p:extLst>
       <p:ext uri="{BB962C8B-B14F-4D97-AF65-F5344CB8AC3E}">
-        <p14:creationId xmlns:p14="http://schemas.microsoft.com/office/powerpoint/2010/main" val="3666742569"/>
+        <p14:creationId xmlns:p14="http://schemas.microsoft.com/office/powerpoint/2010/main" val="750815864"/>
       </p:ext>
     </p:extLst>
   </p:cSld>
@@ -7704,29 +8259,6 @@
       </p:grpSpPr>
       <p:sp>
         <p:nvSpPr>
-          <p:cNvPr id="2" name="标题 1"/>
-          <p:cNvSpPr>
-            <a:spLocks noGrp="1"/>
-          </p:cNvSpPr>
-          <p:nvPr>
-            <p:ph type="title"/>
-          </p:nvPr>
-        </p:nvSpPr>
-        <p:spPr/>
-        <p:txBody>
-          <a:bodyPr/>
-          <a:lstStyle/>
-          <a:p>
-            <a:r>
-              <a:rPr lang="en-SG" dirty="0" smtClean="0"/>
-              <a:t>Introduction to Geometric Modelling</a:t>
-            </a:r>
-            <a:endParaRPr lang="en-SG" dirty="0"/>
-          </a:p>
-        </p:txBody>
-      </p:sp>
-      <p:sp>
-        <p:nvSpPr>
           <p:cNvPr id="3" name="内容占位符 2"/>
           <p:cNvSpPr>
             <a:spLocks noGrp="1"/>
@@ -7735,29 +8267,107 @@
             <p:ph idx="1"/>
           </p:nvPr>
         </p:nvSpPr>
-        <p:spPr/>
-        <p:txBody>
-          <a:bodyPr/>
-          <a:lstStyle/>
-          <a:p>
-            <a:r>
-              <a:rPr lang="en-SG" dirty="0" smtClean="0"/>
-              <a:t>Usually, geometric modelling is a combination discipline with applied mathematics and computational geometry. In this discipline, people designed varied algorithms to describe all kinds of shapes by computers.</a:t>
-            </a:r>
-          </a:p>
-          <a:p>
-            <a:r>
-              <a:rPr lang="en-SG" dirty="0" smtClean="0"/>
-              <a:t>Building two or three dimensional models is crucial content of CAD &amp; CAM.</a:t>
-            </a:r>
-            <a:endParaRPr lang="en-SG" dirty="0"/>
+        <p:spPr>
+          <a:xfrm>
+            <a:off x="838200" y="629392"/>
+            <a:ext cx="10515600" cy="5547571"/>
+          </a:xfrm>
+        </p:spPr>
+        <p:txBody>
+          <a:bodyPr>
+            <a:normAutofit/>
+          </a:bodyPr>
+          <a:lstStyle/>
+          <a:p>
+            <a:pPr marL="514350" indent="-514350">
+              <a:buFont typeface="+mj-lt"/>
+              <a:buAutoNum type="arabicPeriod" startAt="4"/>
+            </a:pPr>
+            <a:r>
+              <a:rPr lang="en-SG" b="1" dirty="0"/>
+              <a:t>Conformance and Tools  </a:t>
+            </a:r>
+            <a:r>
+              <a:rPr lang="en-SG" dirty="0"/>
+              <a:t>This part provides the specifications for conformance testing of the processors used </a:t>
+            </a:r>
+            <a:r>
+              <a:rPr lang="en-SG" dirty="0" smtClean="0"/>
+              <a:t>for </a:t>
+            </a:r>
+            <a:r>
+              <a:rPr lang="en-SG" dirty="0"/>
+              <a:t>STEP information. They provide information on methods for testing of software-product conformance to </a:t>
+            </a:r>
+            <a:r>
+              <a:rPr lang="en-SG" dirty="0" smtClean="0"/>
+              <a:t>the </a:t>
+            </a:r>
+            <a:r>
+              <a:rPr lang="en-SG" dirty="0"/>
+              <a:t>STEP standard, guidance for creating abstract-test suites and the responsibilities of testing laboratories. </a:t>
+            </a:r>
+            <a:r>
+              <a:rPr lang="en-SG" dirty="0" smtClean="0"/>
+              <a:t>The </a:t>
+            </a:r>
+            <a:r>
+              <a:rPr lang="en-SG" dirty="0"/>
+              <a:t>STEP standard is unique in that it places a very high emphasis on </a:t>
+            </a:r>
+            <a:r>
+              <a:rPr lang="en-SG" dirty="0" smtClean="0"/>
+              <a:t>testing </a:t>
+            </a:r>
+            <a:r>
+              <a:rPr lang="en-SG" dirty="0"/>
+              <a:t>and actually includes these methods in the standard.</a:t>
+            </a:r>
+          </a:p>
+          <a:p>
+            <a:pPr marL="514350" indent="-514350">
+              <a:buFont typeface="+mj-lt"/>
+              <a:buAutoNum type="arabicPeriod" startAt="4"/>
+            </a:pPr>
+            <a:r>
+              <a:rPr lang="en-SG" b="1" dirty="0"/>
+              <a:t>Integrated-generic  Resources  </a:t>
+            </a:r>
+            <a:r>
+              <a:rPr lang="en-SG" dirty="0"/>
+              <a:t>These contain the specifications of the information models that support </a:t>
+            </a:r>
+            <a:r>
+              <a:rPr lang="en-SG" dirty="0" smtClean="0"/>
+              <a:t>various </a:t>
+            </a:r>
+            <a:r>
+              <a:rPr lang="en-SG" dirty="0"/>
+              <a:t>application areas that form part of STEP. The topics that form part of this specification are: geometric </a:t>
+            </a:r>
+            <a:r>
+              <a:rPr lang="en-SG" dirty="0" smtClean="0"/>
+              <a:t>and  </a:t>
+            </a:r>
+            <a:r>
+              <a:rPr lang="en-SG" dirty="0"/>
+              <a:t>topological  representation,  product  structure  organisation,  materials,  visual  presentation,  tolerances, </a:t>
+            </a:r>
+            <a:r>
+              <a:rPr lang="en-SG" dirty="0" smtClean="0"/>
+              <a:t>form </a:t>
+            </a:r>
+            <a:r>
+              <a:rPr lang="en-SG" dirty="0"/>
+              <a:t>features and process structure and properties. </a:t>
+            </a:r>
           </a:p>
         </p:txBody>
       </p:sp>
     </p:spTree>
     <p:extLst>
       <p:ext uri="{BB962C8B-B14F-4D97-AF65-F5344CB8AC3E}">
-        <p14:creationId xmlns:p14="http://schemas.microsoft.com/office/powerpoint/2010/main" val="4194142784"/>
+        <p14:creationId xmlns:p14="http://schemas.microsoft.com/office/powerpoint/2010/main" val="1552186298"/>
       </p:ext>
     </p:extLst>
   </p:cSld>
@@ -7786,29 +8396,6 @@
       </p:grpSpPr>
       <p:sp>
         <p:nvSpPr>
-          <p:cNvPr id="2" name="标题 1"/>
-          <p:cNvSpPr>
-            <a:spLocks noGrp="1"/>
-          </p:cNvSpPr>
-          <p:nvPr>
-            <p:ph type="title"/>
-          </p:nvPr>
-        </p:nvSpPr>
-        <p:spPr/>
-        <p:txBody>
-          <a:bodyPr/>
-          <a:lstStyle/>
-          <a:p>
-            <a:r>
-              <a:rPr lang="en-SG" dirty="0" smtClean="0"/>
-              <a:t>Geometry of curve</a:t>
-            </a:r>
-            <a:endParaRPr lang="en-SG" dirty="0"/>
-          </a:p>
-        </p:txBody>
-      </p:sp>
-      <p:sp>
-        <p:nvSpPr>
           <p:cNvPr id="3" name="内容占位符 2"/>
           <p:cNvSpPr>
             <a:spLocks noGrp="1"/>
@@ -7817,49 +8404,97 @@
             <p:ph idx="1"/>
           </p:nvPr>
         </p:nvSpPr>
-        <p:spPr/>
-        <p:txBody>
-          <a:bodyPr/>
-          <a:lstStyle/>
-          <a:p>
-            <a:r>
-              <a:rPr lang="en-SG" dirty="0" smtClean="0"/>
-              <a:t>Standard mathematic curves</a:t>
-            </a:r>
-          </a:p>
-          <a:p>
-            <a:r>
-              <a:rPr lang="en-SG" dirty="0" smtClean="0"/>
-              <a:t>Bezier curves</a:t>
-            </a:r>
-          </a:p>
-          <a:p>
-            <a:r>
-              <a:rPr lang="en-SG" dirty="0" smtClean="0"/>
-              <a:t>B-spline curves</a:t>
-            </a:r>
-          </a:p>
-          <a:p>
-            <a:r>
-              <a:rPr lang="en-SG" dirty="0" smtClean="0"/>
-              <a:t>Parameterized curves</a:t>
-            </a:r>
-          </a:p>
-          <a:p>
-            <a:r>
-              <a:rPr lang="en-SG" dirty="0" smtClean="0"/>
-              <a:t>Wire frame modelling</a:t>
-            </a:r>
-          </a:p>
-          <a:p>
-            <a:endParaRPr lang="en-SG" dirty="0"/>
+        <p:spPr>
+          <a:xfrm>
+            <a:off x="838200" y="534390"/>
+            <a:ext cx="10515600" cy="5642573"/>
+          </a:xfrm>
+        </p:spPr>
+        <p:txBody>
+          <a:bodyPr/>
+          <a:lstStyle/>
+          <a:p>
+            <a:pPr marL="514350" indent="-514350">
+              <a:buFont typeface="+mj-lt"/>
+              <a:buAutoNum type="arabicPeriod" startAt="6"/>
+            </a:pPr>
+            <a:r>
+              <a:rPr lang="en-SG" dirty="0"/>
+              <a:t> </a:t>
+            </a:r>
+            <a:r>
+              <a:rPr lang="en-SG" b="1" dirty="0"/>
+              <a:t>Application Information Models  </a:t>
+            </a:r>
+            <a:r>
+              <a:rPr lang="en-SG" dirty="0"/>
+              <a:t>These specify the information models to be used for specific application </a:t>
+            </a:r>
+            <a:r>
+              <a:rPr lang="en-SG" dirty="0" smtClean="0"/>
+              <a:t>areas </a:t>
+            </a:r>
+            <a:r>
+              <a:rPr lang="en-SG" dirty="0"/>
+              <a:t>such as </a:t>
+            </a:r>
+            <a:r>
+              <a:rPr lang="en-SG" dirty="0" err="1"/>
+              <a:t>draughting</a:t>
+            </a:r>
+            <a:r>
+              <a:rPr lang="en-SG" dirty="0"/>
+              <a:t>, finite element analysis, kinematics, building core model and Engineering analysis </a:t>
+            </a:r>
+            <a:r>
+              <a:rPr lang="en-SG" dirty="0" smtClean="0"/>
+              <a:t>core</a:t>
+            </a:r>
+            <a:r>
+              <a:rPr lang="en-SG" dirty="0"/>
+              <a:t>. </a:t>
+            </a:r>
+          </a:p>
+          <a:p>
+            <a:pPr marL="514350" indent="-514350">
+              <a:buFont typeface="+mj-lt"/>
+              <a:buAutoNum type="arabicPeriod" startAt="6"/>
+            </a:pPr>
+            <a:r>
+              <a:rPr lang="en-SG" dirty="0"/>
+              <a:t> </a:t>
+            </a:r>
+            <a:r>
+              <a:rPr lang="en-SG" b="1" dirty="0"/>
+              <a:t>Application Protocols  </a:t>
+            </a:r>
+            <a:r>
+              <a:rPr lang="en-SG" dirty="0"/>
+              <a:t>These are the main protocols to be used as subsets of STEP information model </a:t>
+            </a:r>
+            <a:r>
+              <a:rPr lang="en-SG" dirty="0" smtClean="0"/>
+              <a:t>for </a:t>
+            </a:r>
+            <a:r>
+              <a:rPr lang="en-SG" dirty="0"/>
+              <a:t>exchange of data between specific application systems (such as between two finite element systems or </a:t>
+            </a:r>
+            <a:r>
+              <a:rPr lang="en-SG" dirty="0" smtClean="0"/>
+              <a:t>between </a:t>
+            </a:r>
+            <a:r>
+              <a:rPr lang="en-SG" dirty="0"/>
+              <a:t>a CAD and Process Planning system). </a:t>
+            </a:r>
           </a:p>
         </p:txBody>
       </p:sp>
     </p:spTree>
     <p:extLst>
       <p:ext uri="{BB962C8B-B14F-4D97-AF65-F5344CB8AC3E}">
-        <p14:creationId xmlns:p14="http://schemas.microsoft.com/office/powerpoint/2010/main" val="4172222177"/>
+        <p14:creationId xmlns:p14="http://schemas.microsoft.com/office/powerpoint/2010/main" val="3596906761"/>
       </p:ext>
     </p:extLst>
   </p:cSld>
@@ -7888,29 +8523,6 @@
       </p:grpSpPr>
       <p:sp>
         <p:nvSpPr>
-          <p:cNvPr id="2" name="标题 1"/>
-          <p:cNvSpPr>
-            <a:spLocks noGrp="1"/>
-          </p:cNvSpPr>
-          <p:nvPr>
-            <p:ph type="title"/>
-          </p:nvPr>
-        </p:nvSpPr>
-        <p:spPr/>
-        <p:txBody>
-          <a:bodyPr/>
-          <a:lstStyle/>
-          <a:p>
-            <a:r>
-              <a:rPr lang="en-SG" dirty="0" smtClean="0"/>
-              <a:t>Geometry of surface</a:t>
-            </a:r>
-            <a:endParaRPr lang="en-SG" dirty="0"/>
-          </a:p>
-        </p:txBody>
-      </p:sp>
-      <p:sp>
-        <p:nvSpPr>
           <p:cNvPr id="3" name="内容占位符 2"/>
           <p:cNvSpPr>
             <a:spLocks noGrp="1"/>
@@ -7919,41 +8531,151 @@
             <p:ph idx="1"/>
           </p:nvPr>
         </p:nvSpPr>
-        <p:spPr/>
-        <p:txBody>
-          <a:bodyPr/>
-          <a:lstStyle/>
-          <a:p>
-            <a:r>
-              <a:rPr lang="en-SG" dirty="0" smtClean="0"/>
-              <a:t>Ruled surfaces</a:t>
-            </a:r>
-          </a:p>
-          <a:p>
-            <a:r>
-              <a:rPr lang="en-SG" dirty="0" smtClean="0"/>
-              <a:t>Other standard mathematical surfaces</a:t>
-            </a:r>
-          </a:p>
-          <a:p>
-            <a:r>
-              <a:rPr lang="en-SG" dirty="0" smtClean="0"/>
-              <a:t>NURBS</a:t>
-            </a:r>
-          </a:p>
-          <a:p>
-            <a:r>
-              <a:rPr lang="en-SG" dirty="0" smtClean="0"/>
-              <a:t>Surface modelling</a:t>
-            </a:r>
-            <a:endParaRPr lang="en-SG" dirty="0"/>
+        <p:spPr>
+          <a:xfrm>
+            <a:off x="945078" y="403761"/>
+            <a:ext cx="10515600" cy="5773202"/>
+          </a:xfrm>
+        </p:spPr>
+        <p:txBody>
+          <a:bodyPr>
+            <a:normAutofit fontScale="92500" lnSpcReduction="20000"/>
+          </a:bodyPr>
+          <a:lstStyle/>
+          <a:p>
+            <a:pPr marL="514350" indent="-514350">
+              <a:buFont typeface="+mj-lt"/>
+              <a:buAutoNum type="arabicPeriod" startAt="8"/>
+            </a:pPr>
+            <a:r>
+              <a:rPr lang="en-SG" b="1" dirty="0"/>
+              <a:t>Application Interpreted Constructs  </a:t>
+            </a:r>
+            <a:r>
+              <a:rPr lang="en-SG" dirty="0"/>
+              <a:t>These relate to the specific resources useful for defining the </a:t>
+            </a:r>
+            <a:r>
+              <a:rPr lang="en-SG" dirty="0" smtClean="0"/>
+              <a:t>generic structures </a:t>
+            </a:r>
+            <a:r>
+              <a:rPr lang="en-SG" dirty="0"/>
+              <a:t>useful for applications. These are reusable groups of information resource entities that make it </a:t>
+            </a:r>
+            <a:r>
+              <a:rPr lang="en-SG" dirty="0" smtClean="0"/>
+              <a:t>easier </a:t>
+            </a:r>
+            <a:r>
+              <a:rPr lang="en-SG" dirty="0"/>
+              <a:t>to express identical semantics in more than one application protocol. Examples include edge-based </a:t>
+            </a:r>
+            <a:r>
+              <a:rPr lang="en-SG" dirty="0" smtClean="0"/>
+              <a:t>wireframe</a:t>
+            </a:r>
+            <a:r>
+              <a:rPr lang="en-SG" dirty="0"/>
+              <a:t>,  </a:t>
+            </a:r>
+            <a:r>
+              <a:rPr lang="en-SG" dirty="0" err="1"/>
+              <a:t>draughting</a:t>
+            </a:r>
+            <a:r>
+              <a:rPr lang="en-SG" dirty="0"/>
+              <a:t>  elements,  constructive  solid  geometry,  etc. </a:t>
+            </a:r>
+            <a:r>
+              <a:rPr lang="en-SG" dirty="0" smtClean="0"/>
+              <a:t>onwards</a:t>
+            </a:r>
+            <a:r>
+              <a:rPr lang="en-SG" dirty="0"/>
+              <a:t>. Examples include edge-based wireframe, shell-based wireframe, geometry-bounded 2D wireframe, </a:t>
+            </a:r>
+            <a:r>
+              <a:rPr lang="en-SG" dirty="0" err="1" smtClean="0"/>
+              <a:t>draughting</a:t>
+            </a:r>
+            <a:r>
+              <a:rPr lang="en-SG" dirty="0" smtClean="0"/>
+              <a:t>  </a:t>
+            </a:r>
+            <a:r>
+              <a:rPr lang="en-SG" dirty="0"/>
+              <a:t>annotation,  drawing  structure  and  administration,  </a:t>
+            </a:r>
+            <a:r>
+              <a:rPr lang="en-SG" dirty="0" err="1"/>
+              <a:t>draughting</a:t>
+            </a:r>
+            <a:r>
+              <a:rPr lang="en-SG" dirty="0"/>
+              <a:t>  elements,  geometry-bounded </a:t>
+            </a:r>
+            <a:r>
+              <a:rPr lang="en-SG" dirty="0" smtClean="0"/>
+              <a:t>surface</a:t>
+            </a:r>
+            <a:r>
+              <a:rPr lang="en-SG" dirty="0"/>
+              <a:t>, non-manifold surface, manifold surface, geometry-bounded wireframe, etc.</a:t>
+            </a:r>
+          </a:p>
+          <a:p>
+            <a:pPr marL="514350" indent="-514350">
+              <a:buFont typeface="+mj-lt"/>
+              <a:buAutoNum type="arabicPeriod" startAt="9"/>
+            </a:pPr>
+            <a:r>
+              <a:rPr lang="en-SG" b="1" dirty="0"/>
+              <a:t>Application Protocols  </a:t>
+            </a:r>
+            <a:r>
+              <a:rPr lang="en-SG" dirty="0"/>
+              <a:t>These define the context for the use of product data for a specific industrial need. </a:t>
+            </a:r>
+            <a:r>
+              <a:rPr lang="en-SG" dirty="0" smtClean="0"/>
+              <a:t>These </a:t>
+            </a:r>
+            <a:r>
+              <a:rPr lang="en-SG" dirty="0"/>
+              <a:t>are more complex data models used to describe specific product-data applications. These parts are </a:t>
+            </a:r>
+            <a:r>
+              <a:rPr lang="en-SG" dirty="0" smtClean="0"/>
+              <a:t>known </a:t>
+            </a:r>
+            <a:r>
+              <a:rPr lang="en-SG" dirty="0"/>
+              <a:t>as application protocols and describe not only what data is to be used in describing a product, but how </a:t>
+            </a:r>
+            <a:r>
+              <a:rPr lang="en-SG" dirty="0" smtClean="0"/>
+              <a:t>the </a:t>
+            </a:r>
+            <a:r>
+              <a:rPr lang="en-SG" dirty="0"/>
+              <a:t>data is to be used in the model. The application protocols use the integrated information resources in well </a:t>
+            </a:r>
+            <a:r>
+              <a:rPr lang="en-SG" dirty="0" smtClean="0"/>
+              <a:t>defined </a:t>
+            </a:r>
+            <a:r>
+              <a:rPr lang="en-SG" dirty="0"/>
+              <a:t>combinations and configurations to represent a particular data model of some phase of product life. </a:t>
+            </a:r>
           </a:p>
         </p:txBody>
       </p:sp>
     </p:spTree>
     <p:extLst>
       <p:ext uri="{BB962C8B-B14F-4D97-AF65-F5344CB8AC3E}">
-        <p14:creationId xmlns:p14="http://schemas.microsoft.com/office/powerpoint/2010/main" val="995354629"/>
+        <p14:creationId xmlns:p14="http://schemas.microsoft.com/office/powerpoint/2010/main" val="1394861392"/>
       </p:ext>
     </p:extLst>
   </p:cSld>
@@ -7995,37 +8717,47 @@
           <a:bodyPr/>
           <a:lstStyle/>
           <a:p>
-            <a:r>
-              <a:rPr lang="en-SG" dirty="0" smtClean="0"/>
-              <a:t>Boolean operations in CSG</a:t>
+            <a:endParaRPr lang="en-SG"/>
+          </a:p>
+        </p:txBody>
+      </p:sp>
+      <p:sp>
+        <p:nvSpPr>
+          <p:cNvPr id="3" name="内容占位符 2"/>
+          <p:cNvSpPr>
+            <a:spLocks noGrp="1"/>
+          </p:cNvSpPr>
+          <p:nvPr>
+            <p:ph idx="1"/>
+          </p:nvPr>
+        </p:nvSpPr>
+        <p:spPr/>
+        <p:txBody>
+          <a:bodyPr/>
+          <a:lstStyle/>
+          <a:p>
+            <a:r>
+              <a:rPr lang="en-SG" dirty="0"/>
+              <a:t>Data storage</a:t>
+            </a:r>
+          </a:p>
+          <a:p>
+            <a:pPr lvl="1"/>
+            <a:r>
+              <a:rPr lang="en-US" dirty="0"/>
+              <a:t>Most of CAD/CAM software systems store the data of model by relational database.</a:t>
             </a:r>
             <a:endParaRPr lang="en-SG" dirty="0"/>
           </a:p>
-        </p:txBody>
-      </p:sp>
-      <p:sp>
-        <p:nvSpPr>
-          <p:cNvPr id="4" name="文本占位符 3"/>
-          <p:cNvSpPr>
-            <a:spLocks noGrp="1"/>
-          </p:cNvSpPr>
-          <p:nvPr>
-            <p:ph type="body" idx="1"/>
-          </p:nvPr>
-        </p:nvSpPr>
-        <p:spPr/>
-        <p:txBody>
-          <a:bodyPr/>
-          <a:lstStyle/>
-          <a:p>
-            <a:endParaRPr lang="en-SG"/>
+          <a:p>
+            <a:endParaRPr lang="en-SG" dirty="0"/>
           </a:p>
         </p:txBody>
       </p:sp>
     </p:spTree>
     <p:extLst>
       <p:ext uri="{BB962C8B-B14F-4D97-AF65-F5344CB8AC3E}">
-        <p14:creationId xmlns:p14="http://schemas.microsoft.com/office/powerpoint/2010/main" val="1997754333"/>
+        <p14:creationId xmlns:p14="http://schemas.microsoft.com/office/powerpoint/2010/main" val="3666742569"/>
       </p:ext>
     </p:extLst>
   </p:cSld>
@@ -8069,6 +8801,630 @@
           <a:p>
             <a:r>
               <a:rPr lang="en-SG" dirty="0"/>
+              <a:t>Exporting CAD data</a:t>
+            </a:r>
+          </a:p>
+        </p:txBody>
+      </p:sp>
+      <p:sp>
+        <p:nvSpPr>
+          <p:cNvPr id="3" name="内容占位符 2"/>
+          <p:cNvSpPr>
+            <a:spLocks noGrp="1"/>
+          </p:cNvSpPr>
+          <p:nvPr>
+            <p:ph idx="1"/>
+          </p:nvPr>
+        </p:nvSpPr>
+        <p:spPr/>
+        <p:txBody>
+          <a:bodyPr>
+            <a:normAutofit fontScale="92500" lnSpcReduction="20000"/>
+          </a:bodyPr>
+          <a:lstStyle/>
+          <a:p>
+            <a:pPr marL="0" indent="0">
+              <a:buNone/>
+            </a:pPr>
+            <a:r>
+              <a:rPr lang="en-SG" dirty="0"/>
+              <a:t>Transferring 3D CAD models between different software packages </a:t>
+            </a:r>
+            <a:r>
+              <a:rPr lang="en-SG" dirty="0" smtClean="0"/>
+              <a:t>can </a:t>
+            </a:r>
+            <a:r>
+              <a:rPr lang="en-SG" dirty="0"/>
+              <a:t>be challenging</a:t>
+            </a:r>
+          </a:p>
+          <a:p>
+            <a:pPr marL="457200" lvl="1" indent="0">
+              <a:buNone/>
+            </a:pPr>
+            <a:r>
+              <a:rPr lang="en-SG" dirty="0" smtClean="0"/>
+              <a:t>– </a:t>
+            </a:r>
+            <a:r>
+              <a:rPr lang="en-SG" dirty="0"/>
+              <a:t>fortunately, most CAD packages will directly import files produced in </a:t>
+            </a:r>
+            <a:r>
+              <a:rPr lang="en-SG" dirty="0" smtClean="0"/>
+              <a:t>most </a:t>
+            </a:r>
+            <a:r>
+              <a:rPr lang="en-SG" dirty="0"/>
+              <a:t>other packages</a:t>
+            </a:r>
+          </a:p>
+          <a:p>
+            <a:pPr marL="0" indent="0">
+              <a:buNone/>
+            </a:pPr>
+            <a:r>
+              <a:rPr lang="en-SG" dirty="0"/>
+              <a:t>• If the file type is not supported, the data must be exported as a </a:t>
+            </a:r>
+            <a:r>
+              <a:rPr lang="en-SG" dirty="0" smtClean="0"/>
+              <a:t>neutral </a:t>
+            </a:r>
+            <a:r>
+              <a:rPr lang="en-SG" dirty="0"/>
+              <a:t>format and then imported</a:t>
+            </a:r>
+          </a:p>
+          <a:p>
+            <a:pPr marL="457200" lvl="1" indent="0">
+              <a:buNone/>
+            </a:pPr>
+            <a:r>
+              <a:rPr lang="en-SG" dirty="0"/>
+              <a:t>– important information may be “lost in translation”</a:t>
+            </a:r>
+          </a:p>
+          <a:p>
+            <a:pPr marL="457200" lvl="1" indent="0">
+              <a:buNone/>
+            </a:pPr>
+            <a:r>
+              <a:rPr lang="en-SG" dirty="0"/>
+              <a:t>– this applies especially to non-geometric data in 3D models, such as </a:t>
+            </a:r>
+            <a:r>
+              <a:rPr lang="en-SG" dirty="0" smtClean="0"/>
+              <a:t>material </a:t>
+            </a:r>
+            <a:r>
+              <a:rPr lang="en-SG" dirty="0"/>
+              <a:t>type</a:t>
+            </a:r>
+          </a:p>
+          <a:p>
+            <a:pPr marL="0" indent="0">
+              <a:buNone/>
+            </a:pPr>
+            <a:r>
+              <a:rPr lang="en-SG" dirty="0"/>
+              <a:t>• The geometry may not be properly converted</a:t>
+            </a:r>
+          </a:p>
+          <a:p>
+            <a:pPr marL="457200" lvl="1" indent="0">
+              <a:buNone/>
+            </a:pPr>
+            <a:r>
+              <a:rPr lang="en-SG" dirty="0"/>
+              <a:t>– e.g. only the individual entities are exported/imported, ignoring surface </a:t>
+            </a:r>
+            <a:r>
+              <a:rPr lang="en-SG" dirty="0" smtClean="0"/>
+              <a:t>details </a:t>
+            </a:r>
+            <a:r>
+              <a:rPr lang="en-SG" dirty="0"/>
+              <a:t>or topology</a:t>
+            </a:r>
+          </a:p>
+          <a:p>
+            <a:pPr marL="457200" lvl="1" indent="0">
+              <a:buNone/>
+            </a:pPr>
+            <a:r>
+              <a:rPr lang="en-SG" dirty="0"/>
+              <a:t>– try exporting some simple 3D geometry from SolidWorks into </a:t>
+            </a:r>
+            <a:r>
+              <a:rPr lang="en-SG" dirty="0" smtClean="0"/>
+              <a:t>different neutral </a:t>
+            </a:r>
+            <a:r>
+              <a:rPr lang="en-SG" dirty="0"/>
+              <a:t>file </a:t>
+            </a:r>
+            <a:r>
+              <a:rPr lang="en-SG" dirty="0" smtClean="0"/>
+              <a:t>formats </a:t>
+            </a:r>
+            <a:r>
+              <a:rPr lang="en-SG" dirty="0"/>
+              <a:t>(DXF, IGES, STEP) and reimporting them</a:t>
+            </a:r>
+          </a:p>
+        </p:txBody>
+      </p:sp>
+    </p:spTree>
+    <p:extLst>
+      <p:ext uri="{BB962C8B-B14F-4D97-AF65-F5344CB8AC3E}">
+        <p14:creationId xmlns:p14="http://schemas.microsoft.com/office/powerpoint/2010/main" val="2926976668"/>
+      </p:ext>
+    </p:extLst>
+  </p:cSld>
+  <p:clrMapOvr>
+    <a:masterClrMapping/>
+  </p:clrMapOvr>
+</p:sld>
+</file>
+
+<file path=ppt/slides/slide39.xml><?xml version="1.0" encoding="utf-8"?>
+<p:sld xmlns:a="http://schemas.openxmlformats.org/drawingml/2006/main" xmlns:r="http://schemas.openxmlformats.org/officeDocument/2006/relationships" xmlns:p="http://schemas.openxmlformats.org/presentationml/2006/main">
+  <p:cSld>
+    <p:spTree>
+      <p:nvGrpSpPr>
+        <p:cNvPr id="1" name=""/>
+        <p:cNvGrpSpPr/>
+        <p:nvPr/>
+      </p:nvGrpSpPr>
+      <p:grpSpPr>
+        <a:xfrm>
+          <a:off x="0" y="0"/>
+          <a:ext cx="0" cy="0"/>
+          <a:chOff x="0" y="0"/>
+          <a:chExt cx="0" cy="0"/>
+        </a:xfrm>
+      </p:grpSpPr>
+      <p:sp>
+        <p:nvSpPr>
+          <p:cNvPr id="2" name="标题 1"/>
+          <p:cNvSpPr>
+            <a:spLocks noGrp="1"/>
+          </p:cNvSpPr>
+          <p:nvPr>
+            <p:ph type="title"/>
+          </p:nvPr>
+        </p:nvSpPr>
+        <p:spPr/>
+        <p:txBody>
+          <a:bodyPr/>
+          <a:lstStyle/>
+          <a:p>
+            <a:r>
+              <a:rPr lang="en-SG" dirty="0" smtClean="0"/>
+              <a:t>Introduction to Geometric Modelling</a:t>
+            </a:r>
+            <a:endParaRPr lang="en-SG" dirty="0"/>
+          </a:p>
+        </p:txBody>
+      </p:sp>
+      <p:sp>
+        <p:nvSpPr>
+          <p:cNvPr id="3" name="内容占位符 2"/>
+          <p:cNvSpPr>
+            <a:spLocks noGrp="1"/>
+          </p:cNvSpPr>
+          <p:nvPr>
+            <p:ph idx="1"/>
+          </p:nvPr>
+        </p:nvSpPr>
+        <p:spPr/>
+        <p:txBody>
+          <a:bodyPr/>
+          <a:lstStyle/>
+          <a:p>
+            <a:r>
+              <a:rPr lang="en-SG" dirty="0" smtClean="0"/>
+              <a:t>Usually, geometric modelling is a combination discipline with applied mathematics and computational geometry. In this discipline, people designed varied algorithms to describe all kinds of shapes by computers.</a:t>
+            </a:r>
+          </a:p>
+          <a:p>
+            <a:r>
+              <a:rPr lang="en-SG" dirty="0" smtClean="0"/>
+              <a:t>Building two or three dimensional models is crucial content of CAD &amp; CAM.</a:t>
+            </a:r>
+            <a:endParaRPr lang="en-SG" dirty="0"/>
+          </a:p>
+        </p:txBody>
+      </p:sp>
+    </p:spTree>
+    <p:extLst>
+      <p:ext uri="{BB962C8B-B14F-4D97-AF65-F5344CB8AC3E}">
+        <p14:creationId xmlns:p14="http://schemas.microsoft.com/office/powerpoint/2010/main" val="4194142784"/>
+      </p:ext>
+    </p:extLst>
+  </p:cSld>
+  <p:clrMapOvr>
+    <a:masterClrMapping/>
+  </p:clrMapOvr>
+</p:sld>
+</file>
+
+<file path=ppt/slides/slide4.xml><?xml version="1.0" encoding="utf-8"?>
+<p:sld xmlns:a="http://schemas.openxmlformats.org/drawingml/2006/main" xmlns:r="http://schemas.openxmlformats.org/officeDocument/2006/relationships" xmlns:p="http://schemas.openxmlformats.org/presentationml/2006/main">
+  <p:cSld>
+    <p:spTree>
+      <p:nvGrpSpPr>
+        <p:cNvPr id="1" name=""/>
+        <p:cNvGrpSpPr/>
+        <p:nvPr/>
+      </p:nvGrpSpPr>
+      <p:grpSpPr>
+        <a:xfrm>
+          <a:off x="0" y="0"/>
+          <a:ext cx="0" cy="0"/>
+          <a:chOff x="0" y="0"/>
+          <a:chExt cx="0" cy="0"/>
+        </a:xfrm>
+      </p:grpSpPr>
+      <p:sp>
+        <p:nvSpPr>
+          <p:cNvPr id="2" name="标题 1"/>
+          <p:cNvSpPr>
+            <a:spLocks noGrp="1"/>
+          </p:cNvSpPr>
+          <p:nvPr>
+            <p:ph type="ctrTitle"/>
+          </p:nvPr>
+        </p:nvSpPr>
+        <p:spPr/>
+        <p:txBody>
+          <a:bodyPr/>
+          <a:lstStyle/>
+          <a:p>
+            <a:r>
+              <a:rPr lang="en-SG" sz="7200" dirty="0" smtClean="0"/>
+              <a:t>CAD</a:t>
+            </a:r>
+            <a:endParaRPr lang="en-SG" dirty="0"/>
+          </a:p>
+        </p:txBody>
+      </p:sp>
+      <p:sp>
+        <p:nvSpPr>
+          <p:cNvPr id="3" name="副标题 2"/>
+          <p:cNvSpPr>
+            <a:spLocks noGrp="1"/>
+          </p:cNvSpPr>
+          <p:nvPr>
+            <p:ph type="subTitle" idx="1"/>
+          </p:nvPr>
+        </p:nvSpPr>
+        <p:spPr/>
+        <p:txBody>
+          <a:bodyPr/>
+          <a:lstStyle/>
+          <a:p>
+            <a:endParaRPr lang="en-SG"/>
+          </a:p>
+        </p:txBody>
+      </p:sp>
+    </p:spTree>
+    <p:extLst>
+      <p:ext uri="{BB962C8B-B14F-4D97-AF65-F5344CB8AC3E}">
+        <p14:creationId xmlns:p14="http://schemas.microsoft.com/office/powerpoint/2010/main" val="3266173217"/>
+      </p:ext>
+    </p:extLst>
+  </p:cSld>
+  <p:clrMapOvr>
+    <a:masterClrMapping/>
+  </p:clrMapOvr>
+</p:sld>
+</file>
+
+<file path=ppt/slides/slide40.xml><?xml version="1.0" encoding="utf-8"?>
+<p:sld xmlns:a="http://schemas.openxmlformats.org/drawingml/2006/main" xmlns:r="http://schemas.openxmlformats.org/officeDocument/2006/relationships" xmlns:p="http://schemas.openxmlformats.org/presentationml/2006/main">
+  <p:cSld>
+    <p:spTree>
+      <p:nvGrpSpPr>
+        <p:cNvPr id="1" name=""/>
+        <p:cNvGrpSpPr/>
+        <p:nvPr/>
+      </p:nvGrpSpPr>
+      <p:grpSpPr>
+        <a:xfrm>
+          <a:off x="0" y="0"/>
+          <a:ext cx="0" cy="0"/>
+          <a:chOff x="0" y="0"/>
+          <a:chExt cx="0" cy="0"/>
+        </a:xfrm>
+      </p:grpSpPr>
+      <p:sp>
+        <p:nvSpPr>
+          <p:cNvPr id="2" name="标题 1"/>
+          <p:cNvSpPr>
+            <a:spLocks noGrp="1"/>
+          </p:cNvSpPr>
+          <p:nvPr>
+            <p:ph type="title"/>
+          </p:nvPr>
+        </p:nvSpPr>
+        <p:spPr/>
+        <p:txBody>
+          <a:bodyPr/>
+          <a:lstStyle/>
+          <a:p>
+            <a:r>
+              <a:rPr lang="en-SG" dirty="0" smtClean="0"/>
+              <a:t>Geometry of curve</a:t>
+            </a:r>
+            <a:endParaRPr lang="en-SG" dirty="0"/>
+          </a:p>
+        </p:txBody>
+      </p:sp>
+      <p:sp>
+        <p:nvSpPr>
+          <p:cNvPr id="3" name="内容占位符 2"/>
+          <p:cNvSpPr>
+            <a:spLocks noGrp="1"/>
+          </p:cNvSpPr>
+          <p:nvPr>
+            <p:ph idx="1"/>
+          </p:nvPr>
+        </p:nvSpPr>
+        <p:spPr/>
+        <p:txBody>
+          <a:bodyPr/>
+          <a:lstStyle/>
+          <a:p>
+            <a:r>
+              <a:rPr lang="en-SG" dirty="0" smtClean="0"/>
+              <a:t>Standard mathematic curves</a:t>
+            </a:r>
+          </a:p>
+          <a:p>
+            <a:r>
+              <a:rPr lang="en-SG" dirty="0" smtClean="0"/>
+              <a:t>Bezier curves</a:t>
+            </a:r>
+          </a:p>
+          <a:p>
+            <a:r>
+              <a:rPr lang="en-SG" dirty="0" smtClean="0"/>
+              <a:t>B-spline curves</a:t>
+            </a:r>
+          </a:p>
+          <a:p>
+            <a:r>
+              <a:rPr lang="en-SG" dirty="0" smtClean="0"/>
+              <a:t>Parameterized curves</a:t>
+            </a:r>
+          </a:p>
+          <a:p>
+            <a:r>
+              <a:rPr lang="en-SG" dirty="0" smtClean="0"/>
+              <a:t>Wire frame modelling</a:t>
+            </a:r>
+          </a:p>
+          <a:p>
+            <a:endParaRPr lang="en-SG" dirty="0"/>
+          </a:p>
+        </p:txBody>
+      </p:sp>
+    </p:spTree>
+    <p:extLst>
+      <p:ext uri="{BB962C8B-B14F-4D97-AF65-F5344CB8AC3E}">
+        <p14:creationId xmlns:p14="http://schemas.microsoft.com/office/powerpoint/2010/main" val="4172222177"/>
+      </p:ext>
+    </p:extLst>
+  </p:cSld>
+  <p:clrMapOvr>
+    <a:masterClrMapping/>
+  </p:clrMapOvr>
+</p:sld>
+</file>
+
+<file path=ppt/slides/slide41.xml><?xml version="1.0" encoding="utf-8"?>
+<p:sld xmlns:a="http://schemas.openxmlformats.org/drawingml/2006/main" xmlns:r="http://schemas.openxmlformats.org/officeDocument/2006/relationships" xmlns:p="http://schemas.openxmlformats.org/presentationml/2006/main">
+  <p:cSld>
+    <p:spTree>
+      <p:nvGrpSpPr>
+        <p:cNvPr id="1" name=""/>
+        <p:cNvGrpSpPr/>
+        <p:nvPr/>
+      </p:nvGrpSpPr>
+      <p:grpSpPr>
+        <a:xfrm>
+          <a:off x="0" y="0"/>
+          <a:ext cx="0" cy="0"/>
+          <a:chOff x="0" y="0"/>
+          <a:chExt cx="0" cy="0"/>
+        </a:xfrm>
+      </p:grpSpPr>
+      <p:sp>
+        <p:nvSpPr>
+          <p:cNvPr id="2" name="标题 1"/>
+          <p:cNvSpPr>
+            <a:spLocks noGrp="1"/>
+          </p:cNvSpPr>
+          <p:nvPr>
+            <p:ph type="title"/>
+          </p:nvPr>
+        </p:nvSpPr>
+        <p:spPr/>
+        <p:txBody>
+          <a:bodyPr/>
+          <a:lstStyle/>
+          <a:p>
+            <a:r>
+              <a:rPr lang="en-SG" dirty="0" smtClean="0"/>
+              <a:t>Geometry of surface</a:t>
+            </a:r>
+            <a:endParaRPr lang="en-SG" dirty="0"/>
+          </a:p>
+        </p:txBody>
+      </p:sp>
+      <p:sp>
+        <p:nvSpPr>
+          <p:cNvPr id="3" name="内容占位符 2"/>
+          <p:cNvSpPr>
+            <a:spLocks noGrp="1"/>
+          </p:cNvSpPr>
+          <p:nvPr>
+            <p:ph idx="1"/>
+          </p:nvPr>
+        </p:nvSpPr>
+        <p:spPr/>
+        <p:txBody>
+          <a:bodyPr/>
+          <a:lstStyle/>
+          <a:p>
+            <a:r>
+              <a:rPr lang="en-SG" dirty="0" smtClean="0"/>
+              <a:t>Ruled surfaces</a:t>
+            </a:r>
+          </a:p>
+          <a:p>
+            <a:r>
+              <a:rPr lang="en-SG" dirty="0" smtClean="0"/>
+              <a:t>Other standard mathematical surfaces</a:t>
+            </a:r>
+          </a:p>
+          <a:p>
+            <a:r>
+              <a:rPr lang="en-SG" dirty="0" smtClean="0"/>
+              <a:t>NURBS</a:t>
+            </a:r>
+          </a:p>
+          <a:p>
+            <a:r>
+              <a:rPr lang="en-SG" dirty="0" smtClean="0"/>
+              <a:t>Surface modelling</a:t>
+            </a:r>
+            <a:endParaRPr lang="en-SG" dirty="0"/>
+          </a:p>
+        </p:txBody>
+      </p:sp>
+    </p:spTree>
+    <p:extLst>
+      <p:ext uri="{BB962C8B-B14F-4D97-AF65-F5344CB8AC3E}">
+        <p14:creationId xmlns:p14="http://schemas.microsoft.com/office/powerpoint/2010/main" val="995354629"/>
+      </p:ext>
+    </p:extLst>
+  </p:cSld>
+  <p:clrMapOvr>
+    <a:masterClrMapping/>
+  </p:clrMapOvr>
+</p:sld>
+</file>
+
+<file path=ppt/slides/slide42.xml><?xml version="1.0" encoding="utf-8"?>
+<p:sld xmlns:a="http://schemas.openxmlformats.org/drawingml/2006/main" xmlns:r="http://schemas.openxmlformats.org/officeDocument/2006/relationships" xmlns:p="http://schemas.openxmlformats.org/presentationml/2006/main">
+  <p:cSld>
+    <p:spTree>
+      <p:nvGrpSpPr>
+        <p:cNvPr id="1" name=""/>
+        <p:cNvGrpSpPr/>
+        <p:nvPr/>
+      </p:nvGrpSpPr>
+      <p:grpSpPr>
+        <a:xfrm>
+          <a:off x="0" y="0"/>
+          <a:ext cx="0" cy="0"/>
+          <a:chOff x="0" y="0"/>
+          <a:chExt cx="0" cy="0"/>
+        </a:xfrm>
+      </p:grpSpPr>
+      <p:sp>
+        <p:nvSpPr>
+          <p:cNvPr id="2" name="标题 1"/>
+          <p:cNvSpPr>
+            <a:spLocks noGrp="1"/>
+          </p:cNvSpPr>
+          <p:nvPr>
+            <p:ph type="title"/>
+          </p:nvPr>
+        </p:nvSpPr>
+        <p:spPr/>
+        <p:txBody>
+          <a:bodyPr/>
+          <a:lstStyle/>
+          <a:p>
+            <a:r>
+              <a:rPr lang="en-SG" dirty="0" smtClean="0"/>
+              <a:t>Boolean operations in CSG</a:t>
+            </a:r>
+            <a:endParaRPr lang="en-SG" dirty="0"/>
+          </a:p>
+        </p:txBody>
+      </p:sp>
+      <p:sp>
+        <p:nvSpPr>
+          <p:cNvPr id="4" name="文本占位符 3"/>
+          <p:cNvSpPr>
+            <a:spLocks noGrp="1"/>
+          </p:cNvSpPr>
+          <p:nvPr>
+            <p:ph type="body" idx="1"/>
+          </p:nvPr>
+        </p:nvSpPr>
+        <p:spPr/>
+        <p:txBody>
+          <a:bodyPr/>
+          <a:lstStyle/>
+          <a:p>
+            <a:endParaRPr lang="en-SG"/>
+          </a:p>
+        </p:txBody>
+      </p:sp>
+    </p:spTree>
+    <p:extLst>
+      <p:ext uri="{BB962C8B-B14F-4D97-AF65-F5344CB8AC3E}">
+        <p14:creationId xmlns:p14="http://schemas.microsoft.com/office/powerpoint/2010/main" val="1997754333"/>
+      </p:ext>
+    </p:extLst>
+  </p:cSld>
+  <p:clrMapOvr>
+    <a:masterClrMapping/>
+  </p:clrMapOvr>
+</p:sld>
+</file>
+
+<file path=ppt/slides/slide43.xml><?xml version="1.0" encoding="utf-8"?>
+<p:sld xmlns:a="http://schemas.openxmlformats.org/drawingml/2006/main" xmlns:r="http://schemas.openxmlformats.org/officeDocument/2006/relationships" xmlns:p="http://schemas.openxmlformats.org/presentationml/2006/main">
+  <p:cSld>
+    <p:spTree>
+      <p:nvGrpSpPr>
+        <p:cNvPr id="1" name=""/>
+        <p:cNvGrpSpPr/>
+        <p:nvPr/>
+      </p:nvGrpSpPr>
+      <p:grpSpPr>
+        <a:xfrm>
+          <a:off x="0" y="0"/>
+          <a:ext cx="0" cy="0"/>
+          <a:chOff x="0" y="0"/>
+          <a:chExt cx="0" cy="0"/>
+        </a:xfrm>
+      </p:grpSpPr>
+      <p:sp>
+        <p:nvSpPr>
+          <p:cNvPr id="2" name="标题 1"/>
+          <p:cNvSpPr>
+            <a:spLocks noGrp="1"/>
+          </p:cNvSpPr>
+          <p:nvPr>
+            <p:ph type="title"/>
+          </p:nvPr>
+        </p:nvSpPr>
+        <p:spPr/>
+        <p:txBody>
+          <a:bodyPr/>
+          <a:lstStyle/>
+          <a:p>
+            <a:r>
+              <a:rPr lang="en-SG" dirty="0"/>
               <a:t>Constructive solid </a:t>
             </a:r>
             <a:r>
@@ -8217,7 +9573,7 @@
 </p:sld>
 </file>
 
-<file path=ppt/slides/slide39.xml><?xml version="1.0" encoding="utf-8"?>
+<file path=ppt/slides/slide44.xml><?xml version="1.0" encoding="utf-8"?>
 <p:sld xmlns:a="http://schemas.openxmlformats.org/drawingml/2006/main" xmlns:r="http://schemas.openxmlformats.org/officeDocument/2006/relationships" xmlns:p="http://schemas.openxmlformats.org/presentationml/2006/main">
   <p:cSld>
     <p:spTree>
@@ -8375,7 +9731,7 @@
           <a:graphicData uri="http://schemas.openxmlformats.org/presentationml/2006/ole">
             <mc:AlternateContent xmlns:mc="http://schemas.openxmlformats.org/markup-compatibility/2006">
               <mc:Choice xmlns:v="urn:schemas-microsoft-com:vml" Requires="v">
-                <p:oleObj spid="_x0000_s8344" name="Equation" r:id="rId6" imgW="419040" imgH="164880" progId="Equation.DSMT4">
+                <p:oleObj spid="_x0000_s8371" name="Equation" r:id="rId6" imgW="419040" imgH="164880" progId="Equation.DSMT4">
                   <p:embed/>
                 </p:oleObj>
               </mc:Choice>
@@ -8432,7 +9788,7 @@
           <a:graphicData uri="http://schemas.openxmlformats.org/presentationml/2006/ole">
             <mc:AlternateContent xmlns:mc="http://schemas.openxmlformats.org/markup-compatibility/2006">
               <mc:Choice xmlns:v="urn:schemas-microsoft-com:vml" Requires="v">
-                <p:oleObj spid="_x0000_s8345" name="Equation" r:id="rId8" imgW="380880" imgH="406080" progId="Equation.DSMT4">
+                <p:oleObj spid="_x0000_s8372" name="Equation" r:id="rId8" imgW="380880" imgH="406080" progId="Equation.DSMT4">
                   <p:embed/>
                 </p:oleObj>
               </mc:Choice>
@@ -8485,7 +9841,7 @@
           <a:graphicData uri="http://schemas.openxmlformats.org/presentationml/2006/ole">
             <mc:AlternateContent xmlns:mc="http://schemas.openxmlformats.org/markup-compatibility/2006">
               <mc:Choice xmlns:v="urn:schemas-microsoft-com:vml" Requires="v">
-                <p:oleObj spid="_x0000_s8346" name="Equation" r:id="rId10" imgW="419040" imgH="164880" progId="Equation.DSMT4">
+                <p:oleObj spid="_x0000_s8373" name="Equation" r:id="rId10" imgW="419040" imgH="164880" progId="Equation.DSMT4">
                   <p:embed/>
                 </p:oleObj>
               </mc:Choice>
@@ -8533,79 +9889,7 @@
 </p:sld>
 </file>
 
-<file path=ppt/slides/slide4.xml><?xml version="1.0" encoding="utf-8"?>
-<p:sld xmlns:a="http://schemas.openxmlformats.org/drawingml/2006/main" xmlns:r="http://schemas.openxmlformats.org/officeDocument/2006/relationships" xmlns:p="http://schemas.openxmlformats.org/presentationml/2006/main">
-  <p:cSld>
-    <p:spTree>
-      <p:nvGrpSpPr>
-        <p:cNvPr id="1" name=""/>
-        <p:cNvGrpSpPr/>
-        <p:nvPr/>
-      </p:nvGrpSpPr>
-      <p:grpSpPr>
-        <a:xfrm>
-          <a:off x="0" y="0"/>
-          <a:ext cx="0" cy="0"/>
-          <a:chOff x="0" y="0"/>
-          <a:chExt cx="0" cy="0"/>
-        </a:xfrm>
-      </p:grpSpPr>
-      <p:sp>
-        <p:nvSpPr>
-          <p:cNvPr id="2" name="标题 1"/>
-          <p:cNvSpPr>
-            <a:spLocks noGrp="1"/>
-          </p:cNvSpPr>
-          <p:nvPr>
-            <p:ph type="ctrTitle"/>
-          </p:nvPr>
-        </p:nvSpPr>
-        <p:spPr/>
-        <p:txBody>
-          <a:bodyPr/>
-          <a:lstStyle/>
-          <a:p>
-            <a:r>
-              <a:rPr lang="en-SG" sz="7200" dirty="0" smtClean="0"/>
-              <a:t>CAD</a:t>
-            </a:r>
-            <a:endParaRPr lang="en-SG" dirty="0"/>
-          </a:p>
-        </p:txBody>
-      </p:sp>
-      <p:sp>
-        <p:nvSpPr>
-          <p:cNvPr id="3" name="副标题 2"/>
-          <p:cNvSpPr>
-            <a:spLocks noGrp="1"/>
-          </p:cNvSpPr>
-          <p:nvPr>
-            <p:ph type="subTitle" idx="1"/>
-          </p:nvPr>
-        </p:nvSpPr>
-        <p:spPr/>
-        <p:txBody>
-          <a:bodyPr/>
-          <a:lstStyle/>
-          <a:p>
-            <a:endParaRPr lang="en-SG"/>
-          </a:p>
-        </p:txBody>
-      </p:sp>
-    </p:spTree>
-    <p:extLst>
-      <p:ext uri="{BB962C8B-B14F-4D97-AF65-F5344CB8AC3E}">
-        <p14:creationId xmlns:p14="http://schemas.microsoft.com/office/powerpoint/2010/main" val="3266173217"/>
-      </p:ext>
-    </p:extLst>
-  </p:cSld>
-  <p:clrMapOvr>
-    <a:masterClrMapping/>
-  </p:clrMapOvr>
-</p:sld>
-</file>
-
-<file path=ppt/slides/slide40.xml><?xml version="1.0" encoding="utf-8"?>
+<file path=ppt/slides/slide45.xml><?xml version="1.0" encoding="utf-8"?>
 <p:sld xmlns:a="http://schemas.openxmlformats.org/drawingml/2006/main" xmlns:r="http://schemas.openxmlformats.org/officeDocument/2006/relationships" xmlns:p="http://schemas.openxmlformats.org/presentationml/2006/main">
   <p:cSld>
     <p:spTree>
@@ -8743,7 +10027,7 @@
 </p:sld>
 </file>
 
-<file path=ppt/slides/slide41.xml><?xml version="1.0" encoding="utf-8"?>
+<file path=ppt/slides/slide46.xml><?xml version="1.0" encoding="utf-8"?>
 <p:sld xmlns:a="http://schemas.openxmlformats.org/drawingml/2006/main" xmlns:r="http://schemas.openxmlformats.org/officeDocument/2006/relationships" xmlns:p="http://schemas.openxmlformats.org/presentationml/2006/main">
   <p:cSld>
     <p:spTree>
@@ -8850,7 +10134,7 @@
 </p:sld>
 </file>
 
-<file path=ppt/slides/slide42.xml><?xml version="1.0" encoding="utf-8"?>
+<file path=ppt/slides/slide47.xml><?xml version="1.0" encoding="utf-8"?>
 <p:sld xmlns:a="http://schemas.openxmlformats.org/drawingml/2006/main" xmlns:r="http://schemas.openxmlformats.org/officeDocument/2006/relationships" xmlns:p="http://schemas.openxmlformats.org/presentationml/2006/main">
   <p:cSld>
     <p:spTree>
@@ -8922,7 +10206,7 @@
 </p:sld>
 </file>
 
-<file path=ppt/slides/slide43.xml><?xml version="1.0" encoding="utf-8"?>
+<file path=ppt/slides/slide48.xml><?xml version="1.0" encoding="utf-8"?>
 <p:sld xmlns:a="http://schemas.openxmlformats.org/drawingml/2006/main" xmlns:r="http://schemas.openxmlformats.org/officeDocument/2006/relationships" xmlns:p="http://schemas.openxmlformats.org/presentationml/2006/main">
   <p:cSld>
     <p:spTree>
@@ -9030,7 +10314,7 @@
 </p:sld>
 </file>
 
-<file path=ppt/slides/slide44.xml><?xml version="1.0" encoding="utf-8"?>
+<file path=ppt/slides/slide49.xml><?xml version="1.0" encoding="utf-8"?>
 <p:sld xmlns:a="http://schemas.openxmlformats.org/drawingml/2006/main" xmlns:r="http://schemas.openxmlformats.org/officeDocument/2006/relationships" xmlns:p="http://schemas.openxmlformats.org/presentationml/2006/main">
   <p:cSld>
     <p:spTree>
@@ -9084,7 +10368,101 @@
 </p:sld>
 </file>
 
-<file path=ppt/slides/slide45.xml><?xml version="1.0" encoding="utf-8"?>
+<file path=ppt/slides/slide5.xml><?xml version="1.0" encoding="utf-8"?>
+<p:sld xmlns:a="http://schemas.openxmlformats.org/drawingml/2006/main" xmlns:r="http://schemas.openxmlformats.org/officeDocument/2006/relationships" xmlns:p="http://schemas.openxmlformats.org/presentationml/2006/main">
+  <p:cSld>
+    <p:spTree>
+      <p:nvGrpSpPr>
+        <p:cNvPr id="1" name=""/>
+        <p:cNvGrpSpPr/>
+        <p:nvPr/>
+      </p:nvGrpSpPr>
+      <p:grpSpPr>
+        <a:xfrm>
+          <a:off x="0" y="0"/>
+          <a:ext cx="0" cy="0"/>
+          <a:chOff x="0" y="0"/>
+          <a:chExt cx="0" cy="0"/>
+        </a:xfrm>
+      </p:grpSpPr>
+      <p:sp>
+        <p:nvSpPr>
+          <p:cNvPr id="2" name="标题 1"/>
+          <p:cNvSpPr>
+            <a:spLocks noGrp="1"/>
+          </p:cNvSpPr>
+          <p:nvPr>
+            <p:ph type="title"/>
+          </p:nvPr>
+        </p:nvSpPr>
+        <p:spPr/>
+        <p:txBody>
+          <a:bodyPr/>
+          <a:lstStyle/>
+          <a:p>
+            <a:r>
+              <a:rPr lang="en-SG" dirty="0" smtClean="0"/>
+              <a:t>Instruction to computer graphics</a:t>
+            </a:r>
+            <a:endParaRPr lang="en-SG" dirty="0"/>
+          </a:p>
+        </p:txBody>
+      </p:sp>
+      <p:sp>
+        <p:nvSpPr>
+          <p:cNvPr id="3" name="内容占位符 2"/>
+          <p:cNvSpPr>
+            <a:spLocks noGrp="1"/>
+          </p:cNvSpPr>
+          <p:nvPr>
+            <p:ph idx="1"/>
+          </p:nvPr>
+        </p:nvSpPr>
+        <p:spPr/>
+        <p:txBody>
+          <a:bodyPr/>
+          <a:lstStyle/>
+          <a:p>
+            <a:r>
+              <a:rPr lang="en-SG" dirty="0" smtClean="0"/>
+              <a:t>Computer graphics focuses mainly on displays of any digital image by a computer.</a:t>
+            </a:r>
+          </a:p>
+          <a:p>
+            <a:r>
+              <a:rPr lang="en-SG" dirty="0" smtClean="0"/>
+              <a:t>There are bunch of hardware and software developed for fast and correct displays of graphics on terminals.</a:t>
+            </a:r>
+          </a:p>
+          <a:p>
+            <a:r>
+              <a:rPr lang="en-SG" dirty="0" smtClean="0"/>
+              <a:t>The core techniques of computer graphics are based on geometry, optics, physics, and </a:t>
+            </a:r>
+            <a:r>
+              <a:rPr lang="en-SG" smtClean="0"/>
+              <a:t>perception.</a:t>
+            </a:r>
+          </a:p>
+          <a:p>
+            <a:endParaRPr lang="en-SG" dirty="0" smtClean="0"/>
+          </a:p>
+        </p:txBody>
+      </p:sp>
+    </p:spTree>
+    <p:extLst>
+      <p:ext uri="{BB962C8B-B14F-4D97-AF65-F5344CB8AC3E}">
+        <p14:creationId xmlns:p14="http://schemas.microsoft.com/office/powerpoint/2010/main" val="973039862"/>
+      </p:ext>
+    </p:extLst>
+  </p:cSld>
+  <p:clrMapOvr>
+    <a:masterClrMapping/>
+  </p:clrMapOvr>
+</p:sld>
+</file>
+
+<file path=ppt/slides/slide50.xml><?xml version="1.0" encoding="utf-8"?>
 <p:sld xmlns:a="http://schemas.openxmlformats.org/drawingml/2006/main" xmlns:r="http://schemas.openxmlformats.org/officeDocument/2006/relationships" xmlns:p="http://schemas.openxmlformats.org/presentationml/2006/main">
   <p:cSld>
     <p:spTree>
@@ -9192,7 +10570,7 @@
 </p:sld>
 </file>
 
-<file path=ppt/slides/slide46.xml><?xml version="1.0" encoding="utf-8"?>
+<file path=ppt/slides/slide51.xml><?xml version="1.0" encoding="utf-8"?>
 <p:sld xmlns:a="http://schemas.openxmlformats.org/drawingml/2006/main" xmlns:r="http://schemas.openxmlformats.org/officeDocument/2006/relationships" xmlns:p="http://schemas.openxmlformats.org/presentationml/2006/main">
   <p:cSld>
     <p:spTree>
@@ -9328,654 +10706,6 @@
 </p:sld>
 </file>
 
-<file path=ppt/slides/slide47.xml><?xml version="1.0" encoding="utf-8"?>
-<p:sld xmlns:a="http://schemas.openxmlformats.org/drawingml/2006/main" xmlns:r="http://schemas.openxmlformats.org/officeDocument/2006/relationships" xmlns:p="http://schemas.openxmlformats.org/presentationml/2006/main">
-  <p:cSld>
-    <p:spTree>
-      <p:nvGrpSpPr>
-        <p:cNvPr id="1" name=""/>
-        <p:cNvGrpSpPr/>
-        <p:nvPr/>
-      </p:nvGrpSpPr>
-      <p:grpSpPr>
-        <a:xfrm>
-          <a:off x="0" y="0"/>
-          <a:ext cx="0" cy="0"/>
-          <a:chOff x="0" y="0"/>
-          <a:chExt cx="0" cy="0"/>
-        </a:xfrm>
-      </p:grpSpPr>
-      <p:sp>
-        <p:nvSpPr>
-          <p:cNvPr id="2" name="标题 1"/>
-          <p:cNvSpPr>
-            <a:spLocks noGrp="1"/>
-          </p:cNvSpPr>
-          <p:nvPr>
-            <p:ph type="title"/>
-          </p:nvPr>
-        </p:nvSpPr>
-        <p:spPr/>
-        <p:txBody>
-          <a:bodyPr/>
-          <a:lstStyle/>
-          <a:p>
-            <a:r>
-              <a:rPr lang="en-SG" dirty="0"/>
-              <a:t>Sketch method</a:t>
-            </a:r>
-          </a:p>
-        </p:txBody>
-      </p:sp>
-      <p:sp>
-        <p:nvSpPr>
-          <p:cNvPr id="3" name="内容占位符 2"/>
-          <p:cNvSpPr>
-            <a:spLocks noGrp="1"/>
-          </p:cNvSpPr>
-          <p:nvPr>
-            <p:ph idx="1"/>
-          </p:nvPr>
-        </p:nvSpPr>
-        <p:spPr/>
-        <p:txBody>
-          <a:bodyPr/>
-          <a:lstStyle/>
-          <a:p>
-            <a:r>
-              <a:rPr lang="en-SG" dirty="0" smtClean="0"/>
-              <a:t>The main steps of sketch method to create 3D models are</a:t>
-            </a:r>
-          </a:p>
-          <a:p>
-            <a:pPr marL="914400" lvl="1" indent="-457200">
-              <a:buFont typeface="+mj-lt"/>
-              <a:buAutoNum type="arabicPeriod"/>
-            </a:pPr>
-            <a:r>
-              <a:rPr lang="en-SG" dirty="0" smtClean="0"/>
-              <a:t>Define a sketch plane as cross section;</a:t>
-            </a:r>
-          </a:p>
-          <a:p>
-            <a:pPr marL="914400" lvl="1" indent="-457200">
-              <a:buFont typeface="+mj-lt"/>
-              <a:buAutoNum type="arabicPeriod"/>
-            </a:pPr>
-            <a:r>
-              <a:rPr lang="en-SG" dirty="0" smtClean="0"/>
-              <a:t>Sketch 2D shapes on the cross section;</a:t>
-            </a:r>
-          </a:p>
-          <a:p>
-            <a:pPr marL="914400" lvl="1" indent="-457200">
-              <a:buFont typeface="+mj-lt"/>
-              <a:buAutoNum type="arabicPeriod"/>
-            </a:pPr>
-            <a:r>
-              <a:rPr lang="en-SG" dirty="0" smtClean="0"/>
-              <a:t>Constraint 2D shapes with accurate dimensions;</a:t>
-            </a:r>
-          </a:p>
-          <a:p>
-            <a:pPr marL="914400" lvl="1" indent="-457200">
-              <a:buFont typeface="+mj-lt"/>
-              <a:buAutoNum type="arabicPeriod"/>
-            </a:pPr>
-            <a:r>
-              <a:rPr lang="en-SG" dirty="0" smtClean="0"/>
-              <a:t>Perform 2D to </a:t>
-            </a:r>
-            <a:r>
-              <a:rPr lang="en-SG" smtClean="0"/>
-              <a:t>3D operations.</a:t>
-            </a:r>
-            <a:endParaRPr lang="en-SG" dirty="0" smtClean="0"/>
-          </a:p>
-          <a:p>
-            <a:pPr marL="914400" lvl="1" indent="-457200">
-              <a:buFont typeface="+mj-lt"/>
-              <a:buAutoNum type="arabicPeriod"/>
-            </a:pPr>
-            <a:endParaRPr lang="en-SG" dirty="0"/>
-          </a:p>
-        </p:txBody>
-      </p:sp>
-    </p:spTree>
-    <p:extLst>
-      <p:ext uri="{BB962C8B-B14F-4D97-AF65-F5344CB8AC3E}">
-        <p14:creationId xmlns:p14="http://schemas.microsoft.com/office/powerpoint/2010/main" val="4198518572"/>
-      </p:ext>
-    </p:extLst>
-  </p:cSld>
-  <p:clrMapOvr>
-    <a:masterClrMapping/>
-  </p:clrMapOvr>
-</p:sld>
-</file>
-
-<file path=ppt/slides/slide48.xml><?xml version="1.0" encoding="utf-8"?>
-<p:sld xmlns:a="http://schemas.openxmlformats.org/drawingml/2006/main" xmlns:r="http://schemas.openxmlformats.org/officeDocument/2006/relationships" xmlns:p="http://schemas.openxmlformats.org/presentationml/2006/main">
-  <p:cSld>
-    <p:spTree>
-      <p:nvGrpSpPr>
-        <p:cNvPr id="1" name=""/>
-        <p:cNvGrpSpPr/>
-        <p:nvPr/>
-      </p:nvGrpSpPr>
-      <p:grpSpPr>
-        <a:xfrm>
-          <a:off x="0" y="0"/>
-          <a:ext cx="0" cy="0"/>
-          <a:chOff x="0" y="0"/>
-          <a:chExt cx="0" cy="0"/>
-        </a:xfrm>
-      </p:grpSpPr>
-      <p:sp>
-        <p:nvSpPr>
-          <p:cNvPr id="4" name="标题 3"/>
-          <p:cNvSpPr>
-            <a:spLocks noGrp="1"/>
-          </p:cNvSpPr>
-          <p:nvPr>
-            <p:ph type="title"/>
-          </p:nvPr>
-        </p:nvSpPr>
-        <p:spPr/>
-        <p:txBody>
-          <a:bodyPr/>
-          <a:lstStyle/>
-          <a:p>
-            <a:r>
-              <a:rPr lang="en-SG" dirty="0"/>
-              <a:t>Key disciplines of modelling in </a:t>
-            </a:r>
-            <a:r>
-              <a:rPr lang="en-SG" dirty="0" err="1"/>
-              <a:t>Solidworks</a:t>
-            </a:r>
-            <a:endParaRPr lang="en-SG" dirty="0"/>
-          </a:p>
-        </p:txBody>
-      </p:sp>
-      <p:sp>
-        <p:nvSpPr>
-          <p:cNvPr id="5" name="文本占位符 4"/>
-          <p:cNvSpPr>
-            <a:spLocks noGrp="1"/>
-          </p:cNvSpPr>
-          <p:nvPr>
-            <p:ph type="body" idx="1"/>
-          </p:nvPr>
-        </p:nvSpPr>
-        <p:spPr/>
-        <p:txBody>
-          <a:bodyPr/>
-          <a:lstStyle/>
-          <a:p>
-            <a:endParaRPr lang="en-SG"/>
-          </a:p>
-        </p:txBody>
-      </p:sp>
-    </p:spTree>
-    <p:extLst>
-      <p:ext uri="{BB962C8B-B14F-4D97-AF65-F5344CB8AC3E}">
-        <p14:creationId xmlns:p14="http://schemas.microsoft.com/office/powerpoint/2010/main" val="2395669259"/>
-      </p:ext>
-    </p:extLst>
-  </p:cSld>
-  <p:clrMapOvr>
-    <a:masterClrMapping/>
-  </p:clrMapOvr>
-</p:sld>
-</file>
-
-<file path=ppt/slides/slide49.xml><?xml version="1.0" encoding="utf-8"?>
-<p:sld xmlns:a="http://schemas.openxmlformats.org/drawingml/2006/main" xmlns:r="http://schemas.openxmlformats.org/officeDocument/2006/relationships" xmlns:p="http://schemas.openxmlformats.org/presentationml/2006/main">
-  <p:cSld>
-    <p:spTree>
-      <p:nvGrpSpPr>
-        <p:cNvPr id="1" name=""/>
-        <p:cNvGrpSpPr/>
-        <p:nvPr/>
-      </p:nvGrpSpPr>
-      <p:grpSpPr>
-        <a:xfrm>
-          <a:off x="0" y="0"/>
-          <a:ext cx="0" cy="0"/>
-          <a:chOff x="0" y="0"/>
-          <a:chExt cx="0" cy="0"/>
-        </a:xfrm>
-      </p:grpSpPr>
-      <p:sp>
-        <p:nvSpPr>
-          <p:cNvPr id="2" name="标题 1"/>
-          <p:cNvSpPr>
-            <a:spLocks noGrp="1"/>
-          </p:cNvSpPr>
-          <p:nvPr>
-            <p:ph type="title"/>
-          </p:nvPr>
-        </p:nvSpPr>
-        <p:spPr/>
-        <p:txBody>
-          <a:bodyPr/>
-          <a:lstStyle/>
-          <a:p>
-            <a:r>
-              <a:rPr lang="en-SG" dirty="0" smtClean="0"/>
-              <a:t>Key disciplines of modelling in </a:t>
-            </a:r>
-            <a:r>
-              <a:rPr lang="en-SG" dirty="0" err="1" smtClean="0"/>
-              <a:t>Solidworks</a:t>
-            </a:r>
-            <a:endParaRPr lang="en-SG" baseline="30000" dirty="0"/>
-          </a:p>
-        </p:txBody>
-      </p:sp>
-      <p:sp>
-        <p:nvSpPr>
-          <p:cNvPr id="3" name="内容占位符 2"/>
-          <p:cNvSpPr>
-            <a:spLocks noGrp="1"/>
-          </p:cNvSpPr>
-          <p:nvPr>
-            <p:ph idx="1"/>
-          </p:nvPr>
-        </p:nvSpPr>
-        <p:spPr/>
-        <p:txBody>
-          <a:bodyPr/>
-          <a:lstStyle/>
-          <a:p>
-            <a:r>
-              <a:rPr lang="en-SG" dirty="0" smtClean="0"/>
-              <a:t>For basic bodies, generate 3D model by taking use of 2D shapes;</a:t>
-            </a:r>
-          </a:p>
-          <a:p>
-            <a:r>
-              <a:rPr lang="en-SG" dirty="0" smtClean="0"/>
-              <a:t>Combine basic bodies to create a complex body;</a:t>
-            </a:r>
-          </a:p>
-          <a:p>
-            <a:r>
-              <a:rPr lang="en-SG" dirty="0"/>
-              <a:t>R</a:t>
-            </a:r>
-            <a:r>
-              <a:rPr lang="en-SG" dirty="0" smtClean="0"/>
-              <a:t>epeated bodies can be made through array operations;</a:t>
-            </a:r>
-          </a:p>
-          <a:p>
-            <a:pPr marL="0" indent="0">
-              <a:buNone/>
-            </a:pPr>
-            <a:r>
-              <a:rPr lang="en-SG" dirty="0" smtClean="0"/>
-              <a:t> </a:t>
-            </a:r>
-          </a:p>
-          <a:p>
-            <a:endParaRPr lang="en-SG" dirty="0"/>
-          </a:p>
-        </p:txBody>
-      </p:sp>
-    </p:spTree>
-    <p:extLst>
-      <p:ext uri="{BB962C8B-B14F-4D97-AF65-F5344CB8AC3E}">
-        <p14:creationId xmlns:p14="http://schemas.microsoft.com/office/powerpoint/2010/main" val="164022275"/>
-      </p:ext>
-    </p:extLst>
-  </p:cSld>
-  <p:clrMapOvr>
-    <a:masterClrMapping/>
-  </p:clrMapOvr>
-</p:sld>
-</file>
-
-<file path=ppt/slides/slide5.xml><?xml version="1.0" encoding="utf-8"?>
-<p:sld xmlns:a="http://schemas.openxmlformats.org/drawingml/2006/main" xmlns:r="http://schemas.openxmlformats.org/officeDocument/2006/relationships" xmlns:p="http://schemas.openxmlformats.org/presentationml/2006/main">
-  <p:cSld>
-    <p:spTree>
-      <p:nvGrpSpPr>
-        <p:cNvPr id="1" name=""/>
-        <p:cNvGrpSpPr/>
-        <p:nvPr/>
-      </p:nvGrpSpPr>
-      <p:grpSpPr>
-        <a:xfrm>
-          <a:off x="0" y="0"/>
-          <a:ext cx="0" cy="0"/>
-          <a:chOff x="0" y="0"/>
-          <a:chExt cx="0" cy="0"/>
-        </a:xfrm>
-      </p:grpSpPr>
-      <p:sp>
-        <p:nvSpPr>
-          <p:cNvPr id="2" name="标题 1"/>
-          <p:cNvSpPr>
-            <a:spLocks noGrp="1"/>
-          </p:cNvSpPr>
-          <p:nvPr>
-            <p:ph type="title"/>
-          </p:nvPr>
-        </p:nvSpPr>
-        <p:spPr/>
-        <p:txBody>
-          <a:bodyPr/>
-          <a:lstStyle/>
-          <a:p>
-            <a:r>
-              <a:rPr lang="en-SG" dirty="0" smtClean="0"/>
-              <a:t>Instruction to computer graphics</a:t>
-            </a:r>
-            <a:endParaRPr lang="en-SG" dirty="0"/>
-          </a:p>
-        </p:txBody>
-      </p:sp>
-      <p:sp>
-        <p:nvSpPr>
-          <p:cNvPr id="3" name="内容占位符 2"/>
-          <p:cNvSpPr>
-            <a:spLocks noGrp="1"/>
-          </p:cNvSpPr>
-          <p:nvPr>
-            <p:ph idx="1"/>
-          </p:nvPr>
-        </p:nvSpPr>
-        <p:spPr/>
-        <p:txBody>
-          <a:bodyPr/>
-          <a:lstStyle/>
-          <a:p>
-            <a:r>
-              <a:rPr lang="en-SG" dirty="0" smtClean="0"/>
-              <a:t>Computer graphics focuses mainly on displays of any digital image by a computer.</a:t>
-            </a:r>
-          </a:p>
-          <a:p>
-            <a:r>
-              <a:rPr lang="en-SG" dirty="0" smtClean="0"/>
-              <a:t>There are bunch of hardware and software developed for fast and correct displays of graphics on terminals.</a:t>
-            </a:r>
-          </a:p>
-          <a:p>
-            <a:r>
-              <a:rPr lang="en-SG" dirty="0" smtClean="0"/>
-              <a:t>The core techniques of computer graphics are based on geometry, optics, physics, and </a:t>
-            </a:r>
-            <a:r>
-              <a:rPr lang="en-SG" smtClean="0"/>
-              <a:t>perception.</a:t>
-            </a:r>
-          </a:p>
-          <a:p>
-            <a:endParaRPr lang="en-SG" dirty="0" smtClean="0"/>
-          </a:p>
-        </p:txBody>
-      </p:sp>
-    </p:spTree>
-    <p:extLst>
-      <p:ext uri="{BB962C8B-B14F-4D97-AF65-F5344CB8AC3E}">
-        <p14:creationId xmlns:p14="http://schemas.microsoft.com/office/powerpoint/2010/main" val="973039862"/>
-      </p:ext>
-    </p:extLst>
-  </p:cSld>
-  <p:clrMapOvr>
-    <a:masterClrMapping/>
-  </p:clrMapOvr>
-</p:sld>
-</file>
-
-<file path=ppt/slides/slide50.xml><?xml version="1.0" encoding="utf-8"?>
-<p:sld xmlns:a="http://schemas.openxmlformats.org/drawingml/2006/main" xmlns:r="http://schemas.openxmlformats.org/officeDocument/2006/relationships" xmlns:p="http://schemas.openxmlformats.org/presentationml/2006/main">
-  <p:cSld>
-    <p:spTree>
-      <p:nvGrpSpPr>
-        <p:cNvPr id="1" name=""/>
-        <p:cNvGrpSpPr/>
-        <p:nvPr/>
-      </p:nvGrpSpPr>
-      <p:grpSpPr>
-        <a:xfrm>
-          <a:off x="0" y="0"/>
-          <a:ext cx="0" cy="0"/>
-          <a:chOff x="0" y="0"/>
-          <a:chExt cx="0" cy="0"/>
-        </a:xfrm>
-      </p:grpSpPr>
-      <p:sp>
-        <p:nvSpPr>
-          <p:cNvPr id="2" name="标题 1"/>
-          <p:cNvSpPr>
-            <a:spLocks noGrp="1"/>
-          </p:cNvSpPr>
-          <p:nvPr>
-            <p:ph type="title"/>
-          </p:nvPr>
-        </p:nvSpPr>
-        <p:spPr/>
-        <p:txBody>
-          <a:bodyPr/>
-          <a:lstStyle/>
-          <a:p>
-            <a:r>
-              <a:rPr lang="en-SG" dirty="0" smtClean="0"/>
-              <a:t>Coordinate system</a:t>
-            </a:r>
-          </a:p>
-        </p:txBody>
-      </p:sp>
-      <p:sp>
-        <p:nvSpPr>
-          <p:cNvPr id="3" name="内容占位符 2"/>
-          <p:cNvSpPr>
-            <a:spLocks noGrp="1"/>
-          </p:cNvSpPr>
-          <p:nvPr>
-            <p:ph idx="1"/>
-          </p:nvPr>
-        </p:nvSpPr>
-        <p:spPr/>
-        <p:txBody>
-          <a:bodyPr>
-            <a:normAutofit fontScale="92500" lnSpcReduction="10000"/>
-          </a:bodyPr>
-          <a:lstStyle/>
-          <a:p>
-            <a:r>
-              <a:rPr lang="en-SG" dirty="0">
-                <a:solidFill>
-                  <a:srgbClr val="FF0000"/>
-                </a:solidFill>
-              </a:rPr>
-              <a:t>Coordinate systems are the most important concept in a CAD system. They are used </a:t>
-            </a:r>
-            <a:r>
-              <a:rPr lang="en-SG" dirty="0" smtClean="0">
-                <a:solidFill>
-                  <a:srgbClr val="FF0000"/>
-                </a:solidFill>
-              </a:rPr>
-              <a:t>to  </a:t>
-            </a:r>
-            <a:r>
-              <a:rPr lang="en-SG" dirty="0">
-                <a:solidFill>
-                  <a:srgbClr val="FF0000"/>
-                </a:solidFill>
-              </a:rPr>
-              <a:t>input,  store,  and  display  geometric  model.  There  are  three  kinds  of  coordinate </a:t>
-            </a:r>
-            <a:r>
-              <a:rPr lang="en-SG" dirty="0" smtClean="0">
-                <a:solidFill>
-                  <a:srgbClr val="FF0000"/>
-                </a:solidFill>
-              </a:rPr>
-              <a:t>systems</a:t>
-            </a:r>
-            <a:r>
-              <a:rPr lang="en-SG" dirty="0">
-                <a:solidFill>
-                  <a:srgbClr val="FF0000"/>
-                </a:solidFill>
-              </a:rPr>
-              <a:t>, that is, model coordinate system (MCS), working coordinate system (WCS), </a:t>
-            </a:r>
-            <a:r>
-              <a:rPr lang="en-SG" dirty="0" smtClean="0">
-                <a:solidFill>
-                  <a:srgbClr val="FF0000"/>
-                </a:solidFill>
-              </a:rPr>
-              <a:t>and </a:t>
-            </a:r>
-            <a:r>
-              <a:rPr lang="en-SG" dirty="0">
-                <a:solidFill>
-                  <a:srgbClr val="FF0000"/>
-                </a:solidFill>
-              </a:rPr>
-              <a:t>screen coordinate system (SCS).</a:t>
-            </a:r>
-          </a:p>
-          <a:p>
-            <a:r>
-              <a:rPr lang="en-SG" dirty="0" smtClean="0"/>
-              <a:t>By default, there are already a coordinates system provided for user by SOLIDWORKS every time you open a new modelling project. Usually</a:t>
-            </a:r>
-            <a:r>
-              <a:rPr lang="en-SG" dirty="0"/>
-              <a:t>, at the lower-left corner of the canvas, you can notice the symbol of coordinate system with three axes</a:t>
-            </a:r>
-            <a:r>
-              <a:rPr lang="en-SG" dirty="0" smtClean="0"/>
-              <a:t>.</a:t>
-            </a:r>
-          </a:p>
-          <a:p>
-            <a:r>
-              <a:rPr lang="en-SG" dirty="0" smtClean="0"/>
-              <a:t>Whenever user need to carry on some location or orientation related modelling steps, the coordination system should be considered.</a:t>
-            </a:r>
-          </a:p>
-          <a:p>
-            <a:r>
-              <a:rPr lang="en-US" dirty="0" smtClean="0"/>
-              <a:t>For example, in the scenarios of re-oriented a model or two models comparing user should define his own reference coordinate systems. </a:t>
-            </a:r>
-            <a:endParaRPr lang="en-SG" dirty="0"/>
-          </a:p>
-        </p:txBody>
-      </p:sp>
-    </p:spTree>
-    <p:extLst>
-      <p:ext uri="{BB962C8B-B14F-4D97-AF65-F5344CB8AC3E}">
-        <p14:creationId xmlns:p14="http://schemas.microsoft.com/office/powerpoint/2010/main" val="1304840193"/>
-      </p:ext>
-    </p:extLst>
-  </p:cSld>
-  <p:clrMapOvr>
-    <a:masterClrMapping/>
-  </p:clrMapOvr>
-</p:sld>
-</file>
-
-<file path=ppt/slides/slide51.xml><?xml version="1.0" encoding="utf-8"?>
-<p:sld xmlns:a="http://schemas.openxmlformats.org/drawingml/2006/main" xmlns:r="http://schemas.openxmlformats.org/officeDocument/2006/relationships" xmlns:p="http://schemas.openxmlformats.org/presentationml/2006/main">
-  <p:cSld>
-    <p:spTree>
-      <p:nvGrpSpPr>
-        <p:cNvPr id="1" name=""/>
-        <p:cNvGrpSpPr/>
-        <p:nvPr/>
-      </p:nvGrpSpPr>
-      <p:grpSpPr>
-        <a:xfrm>
-          <a:off x="0" y="0"/>
-          <a:ext cx="0" cy="0"/>
-          <a:chOff x="0" y="0"/>
-          <a:chExt cx="0" cy="0"/>
-        </a:xfrm>
-      </p:grpSpPr>
-      <p:sp>
-        <p:nvSpPr>
-          <p:cNvPr id="2" name="标题 1"/>
-          <p:cNvSpPr>
-            <a:spLocks noGrp="1"/>
-          </p:cNvSpPr>
-          <p:nvPr>
-            <p:ph type="title"/>
-          </p:nvPr>
-        </p:nvSpPr>
-        <p:spPr/>
-        <p:txBody>
-          <a:bodyPr/>
-          <a:lstStyle/>
-          <a:p>
-            <a:r>
-              <a:rPr lang="en-SG" dirty="0" smtClean="0"/>
-              <a:t>References objects</a:t>
-            </a:r>
-            <a:endParaRPr lang="en-SG" dirty="0"/>
-          </a:p>
-        </p:txBody>
-      </p:sp>
-      <p:sp>
-        <p:nvSpPr>
-          <p:cNvPr id="3" name="内容占位符 2"/>
-          <p:cNvSpPr>
-            <a:spLocks noGrp="1"/>
-          </p:cNvSpPr>
-          <p:nvPr>
-            <p:ph idx="1"/>
-          </p:nvPr>
-        </p:nvSpPr>
-        <p:spPr/>
-        <p:txBody>
-          <a:bodyPr/>
-          <a:lstStyle/>
-          <a:p>
-            <a:r>
-              <a:rPr lang="en-SG" dirty="0" smtClean="0"/>
-              <a:t>Reference points</a:t>
-            </a:r>
-          </a:p>
-          <a:p>
-            <a:r>
-              <a:rPr lang="en-SG" dirty="0" smtClean="0"/>
-              <a:t>Reference vectors/axes</a:t>
-            </a:r>
-          </a:p>
-          <a:p>
-            <a:r>
-              <a:rPr lang="en-SG" dirty="0" smtClean="0"/>
-              <a:t>Reference plane</a:t>
-            </a:r>
-          </a:p>
-          <a:p>
-            <a:endParaRPr lang="en-SG" dirty="0"/>
-          </a:p>
-        </p:txBody>
-      </p:sp>
-    </p:spTree>
-    <p:extLst>
-      <p:ext uri="{BB962C8B-B14F-4D97-AF65-F5344CB8AC3E}">
-        <p14:creationId xmlns:p14="http://schemas.microsoft.com/office/powerpoint/2010/main" val="224841182"/>
-      </p:ext>
-    </p:extLst>
-  </p:cSld>
-  <p:clrMapOvr>
-    <a:masterClrMapping/>
-  </p:clrMapOvr>
-</p:sld>
-</file>
-
 <file path=ppt/slides/slide52.xml><?xml version="1.0" encoding="utf-8"?>
 <p:sld xmlns:a="http://schemas.openxmlformats.org/drawingml/2006/main" xmlns:r="http://schemas.openxmlformats.org/officeDocument/2006/relationships" xmlns:p="http://schemas.openxmlformats.org/presentationml/2006/main">
   <p:cSld>
@@ -10009,10 +10739,9 @@
           <a:lstStyle/>
           <a:p>
             <a:r>
-              <a:rPr lang="en-SG" dirty="0" smtClean="0"/>
-              <a:t>Sketch</a:t>
-            </a:r>
-            <a:endParaRPr lang="en-SG" dirty="0"/>
+              <a:rPr lang="en-SG" dirty="0"/>
+              <a:t>Sketch method</a:t>
+            </a:r>
           </a:p>
         </p:txBody>
       </p:sp>
@@ -10033,44 +10762,59 @@
           <a:p>
             <a:r>
               <a:rPr lang="en-SG" dirty="0" smtClean="0"/>
-              <a:t>Plane curves</a:t>
-            </a:r>
-          </a:p>
-          <a:p>
-            <a:r>
-              <a:rPr lang="en-SG" dirty="0" smtClean="0"/>
-              <a:t>Two types of Constraint</a:t>
-            </a:r>
-          </a:p>
-          <a:p>
-            <a:pPr lvl="1"/>
-            <a:r>
-              <a:rPr lang="en-SG" dirty="0"/>
-              <a:t>Dimensional </a:t>
-            </a:r>
-            <a:r>
-              <a:rPr lang="en-SG" dirty="0" smtClean="0"/>
-              <a:t>constraints: length and angle</a:t>
-            </a:r>
-          </a:p>
-          <a:p>
-            <a:pPr lvl="1"/>
-            <a:r>
-              <a:rPr lang="en-SG" dirty="0" smtClean="0"/>
-              <a:t>Geometric constraints: parallel, perpendicular, normal</a:t>
-            </a:r>
-            <a:r>
-              <a:rPr lang="en-SG" dirty="0"/>
-              <a:t>, tangent, </a:t>
-            </a:r>
-            <a:r>
-              <a:rPr lang="en-SG" dirty="0" smtClean="0"/>
-              <a:t>concentric</a:t>
+              <a:t>The main steps of sketch method to create 3D models are</a:t>
+            </a:r>
+          </a:p>
+          <a:p>
+            <a:pPr marL="914400" lvl="1" indent="-457200">
+              <a:buFont typeface="+mj-lt"/>
+              <a:buAutoNum type="arabicPeriod"/>
+            </a:pPr>
+            <a:r>
+              <a:rPr lang="en-SG" dirty="0" smtClean="0"/>
+              <a:t>Define a sketch plane as cross section;</a:t>
+            </a:r>
+          </a:p>
+          <a:p>
+            <a:pPr marL="914400" lvl="1" indent="-457200">
+              <a:buFont typeface="+mj-lt"/>
+              <a:buAutoNum type="arabicPeriod"/>
+            </a:pPr>
+            <a:r>
+              <a:rPr lang="en-SG" dirty="0" smtClean="0"/>
+              <a:t>Sketch 2D shapes on the cross section;</a:t>
+            </a:r>
+          </a:p>
+          <a:p>
+            <a:pPr marL="914400" lvl="1" indent="-457200">
+              <a:buFont typeface="+mj-lt"/>
+              <a:buAutoNum type="arabicPeriod"/>
+            </a:pPr>
+            <a:r>
+              <a:rPr lang="en-SG" dirty="0" smtClean="0"/>
+              <a:t>Constraint 2D shapes with accurate dimensions;</a:t>
+            </a:r>
+          </a:p>
+          <a:p>
+            <a:pPr marL="914400" lvl="1" indent="-457200">
+              <a:buFont typeface="+mj-lt"/>
+              <a:buAutoNum type="arabicPeriod"/>
+            </a:pPr>
+            <a:r>
+              <a:rPr lang="en-SG" dirty="0" smtClean="0"/>
+              <a:t>Perform 2D to </a:t>
             </a:r>
             <a:r>
               <a:rPr lang="en-SG" smtClean="0"/>
-              <a:t>, etc.</a:t>
-            </a:r>
+              <a:t>3D operations.</a:t>
+            </a:r>
+            <a:endParaRPr lang="en-SG" dirty="0" smtClean="0"/>
+          </a:p>
+          <a:p>
+            <a:pPr marL="914400" lvl="1" indent="-457200">
+              <a:buFont typeface="+mj-lt"/>
+              <a:buAutoNum type="arabicPeriod"/>
+            </a:pPr>
             <a:endParaRPr lang="en-SG" dirty="0"/>
           </a:p>
         </p:txBody>
@@ -10078,7 +10822,7 @@
     </p:spTree>
     <p:extLst>
       <p:ext uri="{BB962C8B-B14F-4D97-AF65-F5344CB8AC3E}">
-        <p14:creationId xmlns:p14="http://schemas.microsoft.com/office/powerpoint/2010/main" val="579798063"/>
+        <p14:creationId xmlns:p14="http://schemas.microsoft.com/office/powerpoint/2010/main" val="4198518572"/>
       </p:ext>
     </p:extLst>
   </p:cSld>
@@ -10107,22 +10851,26 @@
       </p:grpSpPr>
       <p:sp>
         <p:nvSpPr>
-          <p:cNvPr id="2" name="标题 1"/>
-          <p:cNvSpPr>
-            <a:spLocks noGrp="1"/>
-          </p:cNvSpPr>
-          <p:nvPr>
-            <p:ph type="ctrTitle"/>
-          </p:nvPr>
-        </p:nvSpPr>
-        <p:spPr/>
-        <p:txBody>
-          <a:bodyPr/>
-          <a:lstStyle/>
-          <a:p>
-            <a:r>
-              <a:rPr lang="en-SG" dirty="0" smtClean="0"/>
-              <a:t>CAM</a:t>
+          <p:cNvPr id="4" name="标题 3"/>
+          <p:cNvSpPr>
+            <a:spLocks noGrp="1"/>
+          </p:cNvSpPr>
+          <p:nvPr>
+            <p:ph type="title"/>
+          </p:nvPr>
+        </p:nvSpPr>
+        <p:spPr/>
+        <p:txBody>
+          <a:bodyPr/>
+          <a:lstStyle/>
+          <a:p>
+            <a:r>
+              <a:rPr lang="en-SG" dirty="0"/>
+              <a:t>Key disciplines of modelling in </a:t>
+            </a:r>
+            <a:r>
+              <a:rPr lang="en-SG" dirty="0" err="1"/>
+              <a:t>Solidworks</a:t>
             </a:r>
             <a:endParaRPr lang="en-SG" dirty="0"/>
           </a:p>
@@ -10130,12 +10878,12 @@
       </p:sp>
       <p:sp>
         <p:nvSpPr>
-          <p:cNvPr id="3" name="副标题 2"/>
-          <p:cNvSpPr>
-            <a:spLocks noGrp="1"/>
-          </p:cNvSpPr>
-          <p:nvPr>
-            <p:ph type="subTitle" idx="1"/>
+          <p:cNvPr id="5" name="文本占位符 4"/>
+          <p:cNvSpPr>
+            <a:spLocks noGrp="1"/>
+          </p:cNvSpPr>
+          <p:nvPr>
+            <p:ph type="body" idx="1"/>
           </p:nvPr>
         </p:nvSpPr>
         <p:spPr/>
@@ -10150,7 +10898,7 @@
     </p:spTree>
     <p:extLst>
       <p:ext uri="{BB962C8B-B14F-4D97-AF65-F5344CB8AC3E}">
-        <p14:creationId xmlns:p14="http://schemas.microsoft.com/office/powerpoint/2010/main" val="2945329965"/>
+        <p14:creationId xmlns:p14="http://schemas.microsoft.com/office/powerpoint/2010/main" val="2395669259"/>
       </p:ext>
     </p:extLst>
   </p:cSld>
@@ -10194,54 +10942,70 @@
           <a:p>
             <a:r>
               <a:rPr lang="en-SG" dirty="0" smtClean="0"/>
-              <a:t>Brief</a:t>
-            </a:r>
+              <a:t>Key disciplines of modelling in </a:t>
+            </a:r>
+            <a:r>
+              <a:rPr lang="en-SG" dirty="0" err="1" smtClean="0"/>
+              <a:t>Solidworks</a:t>
+            </a:r>
+            <a:endParaRPr lang="en-SG" baseline="30000" dirty="0"/>
+          </a:p>
+        </p:txBody>
+      </p:sp>
+      <p:sp>
+        <p:nvSpPr>
+          <p:cNvPr id="3" name="内容占位符 2"/>
+          <p:cNvSpPr>
+            <a:spLocks noGrp="1"/>
+          </p:cNvSpPr>
+          <p:nvPr>
+            <p:ph idx="1"/>
+          </p:nvPr>
+        </p:nvSpPr>
+        <p:spPr/>
+        <p:txBody>
+          <a:bodyPr/>
+          <a:lstStyle/>
+          <a:p>
+            <a:r>
+              <a:rPr lang="en-SG" dirty="0" smtClean="0"/>
+              <a:t>For basic bodies, generate 3D model by taking use of 2D shapes;</a:t>
+            </a:r>
+          </a:p>
+          <a:p>
+            <a:r>
+              <a:rPr lang="en-SG" dirty="0" smtClean="0"/>
+              <a:t>Combine basic bodies to create a complex body;</a:t>
+            </a:r>
+          </a:p>
+          <a:p>
+            <a:r>
+              <a:rPr lang="en-SG" dirty="0"/>
+              <a:t>R</a:t>
+            </a:r>
+            <a:r>
+              <a:rPr lang="en-SG" dirty="0" smtClean="0"/>
+              <a:t>epeated bodies can be made through array operations;</a:t>
+            </a:r>
+          </a:p>
+          <a:p>
+            <a:pPr marL="0" indent="0">
+              <a:buNone/>
+            </a:pPr>
+            <a:r>
+              <a:rPr lang="en-SG" dirty="0" smtClean="0"/>
+              <a:t> </a:t>
+            </a:r>
+          </a:p>
+          <a:p>
             <a:endParaRPr lang="en-SG" dirty="0"/>
-          </a:p>
-        </p:txBody>
-      </p:sp>
-      <p:sp>
-        <p:nvSpPr>
-          <p:cNvPr id="3" name="内容占位符 2"/>
-          <p:cNvSpPr>
-            <a:spLocks noGrp="1"/>
-          </p:cNvSpPr>
-          <p:nvPr>
-            <p:ph idx="1"/>
-          </p:nvPr>
-        </p:nvSpPr>
-        <p:spPr/>
-        <p:txBody>
-          <a:bodyPr>
-            <a:normAutofit/>
-          </a:bodyPr>
-          <a:lstStyle/>
-          <a:p>
-            <a:r>
-              <a:rPr lang="en-SG" dirty="0" smtClean="0"/>
-              <a:t>Scope and applications </a:t>
-            </a:r>
-          </a:p>
-          <a:p>
-            <a:pPr lvl="1"/>
-            <a:r>
-              <a:rPr lang="en-SG" dirty="0" smtClean="0"/>
-              <a:t>NC in CAM </a:t>
-            </a:r>
-          </a:p>
-          <a:p>
-            <a:pPr lvl="1"/>
-            <a:r>
-              <a:rPr lang="en-SG" dirty="0" smtClean="0"/>
-              <a:t>Principal types of CNC machine</a:t>
-            </a:r>
           </a:p>
         </p:txBody>
       </p:sp>
     </p:spTree>
     <p:extLst>
       <p:ext uri="{BB962C8B-B14F-4D97-AF65-F5344CB8AC3E}">
-        <p14:creationId xmlns:p14="http://schemas.microsoft.com/office/powerpoint/2010/main" val="866301321"/>
+        <p14:creationId xmlns:p14="http://schemas.microsoft.com/office/powerpoint/2010/main" val="164022275"/>
       </p:ext>
     </p:extLst>
   </p:cSld>
@@ -10285,9 +11049,8 @@
           <a:p>
             <a:r>
               <a:rPr lang="en-SG" dirty="0" smtClean="0"/>
-              <a:t>Machine tools</a:t>
-            </a:r>
-            <a:endParaRPr lang="en-SG" dirty="0"/>
+              <a:t>Coordinate system</a:t>
+            </a:r>
           </a:p>
         </p:txBody>
       </p:sp>
@@ -10304,45 +11067,92 @@
         <p:spPr/>
         <p:txBody>
           <a:bodyPr>
-            <a:normAutofit/>
+            <a:normAutofit fontScale="92500" lnSpcReduction="10000"/>
           </a:bodyPr>
           <a:lstStyle/>
           <a:p>
             <a:r>
-              <a:rPr lang="en-SG" dirty="0" smtClean="0"/>
-              <a:t>tools and their construction features</a:t>
-            </a:r>
-          </a:p>
-          <a:p>
-            <a:pPr marL="457200" lvl="1" indent="0">
-              <a:buNone/>
-            </a:pPr>
-            <a:r>
-              <a:rPr lang="en-SG" dirty="0" smtClean="0"/>
-              <a:t>tooling for CNC – ISO designation for</a:t>
-            </a:r>
-          </a:p>
-          <a:p>
-            <a:r>
-              <a:rPr lang="en-SG" dirty="0" smtClean="0"/>
-              <a:t>tooling </a:t>
-            </a:r>
-          </a:p>
-          <a:p>
-            <a:pPr lvl="1"/>
-            <a:r>
-              <a:rPr lang="en-SG" dirty="0" smtClean="0"/>
-              <a:t>CNC operating system </a:t>
-            </a:r>
-          </a:p>
-          <a:p>
-            <a:pPr lvl="1"/>
-            <a:r>
-              <a:rPr lang="en-SG" dirty="0" smtClean="0"/>
-              <a:t>FANUC, SINUMERIK – LINUMERIK.</a:t>
-            </a:r>
-          </a:p>
-          <a:p>
+              <a:rPr lang="en-SG" dirty="0">
+                <a:solidFill>
+                  <a:srgbClr val="FF0000"/>
+                </a:solidFill>
+              </a:rPr>
+              <a:t>Coordinate systems are the most important concept in a CAD system. They are used </a:t>
+            </a:r>
+            <a:r>
+              <a:rPr lang="en-SG" dirty="0" smtClean="0">
+                <a:solidFill>
+                  <a:srgbClr val="FF0000"/>
+                </a:solidFill>
+              </a:rPr>
+              <a:t>to  </a:t>
+            </a:r>
+            <a:r>
+              <a:rPr lang="en-SG" dirty="0">
+                <a:solidFill>
+                  <a:srgbClr val="FF0000"/>
+                </a:solidFill>
+              </a:rPr>
+              <a:t>input,  store,  and  display  geometric  model.  There  are  three  kinds  of  coordinate </a:t>
+            </a:r>
+            <a:r>
+              <a:rPr lang="en-SG" dirty="0" smtClean="0">
+                <a:solidFill>
+                  <a:srgbClr val="FF0000"/>
+                </a:solidFill>
+              </a:rPr>
+              <a:t>systems</a:t>
+            </a:r>
+            <a:r>
+              <a:rPr lang="en-SG" dirty="0">
+                <a:solidFill>
+                  <a:srgbClr val="FF0000"/>
+                </a:solidFill>
+              </a:rPr>
+              <a:t>, that is, model coordinate system (MCS), working coordinate system (WCS), </a:t>
+            </a:r>
+            <a:r>
+              <a:rPr lang="en-SG" dirty="0" smtClean="0">
+                <a:solidFill>
+                  <a:srgbClr val="FF0000"/>
+                </a:solidFill>
+              </a:rPr>
+              <a:t>and </a:t>
+            </a:r>
+            <a:r>
+              <a:rPr lang="en-SG" dirty="0">
+                <a:solidFill>
+                  <a:srgbClr val="FF0000"/>
+                </a:solidFill>
+              </a:rPr>
+              <a:t>screen coordinate system (SCS).</a:t>
+            </a:r>
+          </a:p>
+          <a:p>
+            <a:r>
+              <a:rPr lang="en-SG" dirty="0" smtClean="0"/>
+              <a:t>By default, there are already a coordinates system provided for user by SOLIDWORKS every time you open a new modelling project. Usually</a:t>
+            </a:r>
+            <a:r>
+              <a:rPr lang="en-SG" dirty="0"/>
+              <a:t>, at the lower-left corner of the canvas, you can notice the symbol of coordinate system with three axes</a:t>
+            </a:r>
+            <a:r>
+              <a:rPr lang="en-SG" dirty="0" smtClean="0"/>
+              <a:t>.</a:t>
+            </a:r>
+          </a:p>
+          <a:p>
+            <a:r>
+              <a:rPr lang="en-SG" dirty="0" smtClean="0"/>
+              <a:t>Whenever user need to carry on some location or orientation related modelling steps, the coordination system should be considered.</a:t>
+            </a:r>
+          </a:p>
+          <a:p>
+            <a:r>
+              <a:rPr lang="en-US" dirty="0" smtClean="0"/>
+              <a:t>For example, in the scenarios of re-oriented a model or two models comparing user should define his own reference coordinate systems. </a:t>
+            </a:r>
             <a:endParaRPr lang="en-SG" dirty="0"/>
           </a:p>
         </p:txBody>
@@ -10350,7 +11160,7 @@
     </p:spTree>
     <p:extLst>
       <p:ext uri="{BB962C8B-B14F-4D97-AF65-F5344CB8AC3E}">
-        <p14:creationId xmlns:p14="http://schemas.microsoft.com/office/powerpoint/2010/main" val="2867634849"/>
+        <p14:creationId xmlns:p14="http://schemas.microsoft.com/office/powerpoint/2010/main" val="1304840193"/>
       </p:ext>
     </p:extLst>
   </p:cSld>
@@ -10394,7 +11204,7 @@
           <a:p>
             <a:r>
               <a:rPr lang="en-SG" dirty="0" smtClean="0"/>
-              <a:t>Introduction to CAPP</a:t>
+              <a:t>References objects</a:t>
             </a:r>
             <a:endParaRPr lang="en-SG" dirty="0"/>
           </a:p>
@@ -10417,19 +11227,19 @@
           <a:p>
             <a:r>
               <a:rPr lang="en-SG" dirty="0" smtClean="0"/>
-              <a:t>Three main parameters to define a machining process</a:t>
-            </a:r>
-          </a:p>
-          <a:p>
-            <a:r>
-              <a:rPr lang="en-SG" dirty="0" smtClean="0"/>
-              <a:t>Principles for process design</a:t>
-            </a:r>
-          </a:p>
-          <a:p>
-            <a:r>
-              <a:rPr lang="en-SG" dirty="0" smtClean="0"/>
-              <a:t>Processing planning systems</a:t>
+              <a:t>Reference points</a:t>
+            </a:r>
+          </a:p>
+          <a:p>
+            <a:r>
+              <a:rPr lang="en-SG" dirty="0" smtClean="0"/>
+              <a:t>Reference vectors/axes</a:t>
+            </a:r>
+          </a:p>
+          <a:p>
+            <a:r>
+              <a:rPr lang="en-SG" dirty="0" smtClean="0"/>
+              <a:t>Reference plane</a:t>
             </a:r>
           </a:p>
           <a:p>
@@ -10440,7 +11250,7 @@
     </p:spTree>
     <p:extLst>
       <p:ext uri="{BB962C8B-B14F-4D97-AF65-F5344CB8AC3E}">
-        <p14:creationId xmlns:p14="http://schemas.microsoft.com/office/powerpoint/2010/main" val="3457476283"/>
+        <p14:creationId xmlns:p14="http://schemas.microsoft.com/office/powerpoint/2010/main" val="224841182"/>
       </p:ext>
     </p:extLst>
   </p:cSld>
@@ -10484,7 +11294,7 @@
           <a:p>
             <a:r>
               <a:rPr lang="en-SG" dirty="0" smtClean="0"/>
-              <a:t>Programming for CNC machining</a:t>
+              <a:t>Sketch</a:t>
             </a:r>
             <a:endParaRPr lang="en-SG" dirty="0"/>
           </a:p>
@@ -10502,47 +11312,49 @@
         </p:nvSpPr>
         <p:spPr/>
         <p:txBody>
-          <a:bodyPr>
-            <a:normAutofit/>
-          </a:bodyPr>
-          <a:lstStyle/>
-          <a:p>
-            <a:r>
-              <a:rPr lang="en-SG" dirty="0"/>
-              <a:t>C</a:t>
-            </a:r>
-            <a:r>
-              <a:rPr lang="en-SG" dirty="0" smtClean="0"/>
-              <a:t>oordinate systems of CNC</a:t>
-            </a:r>
-          </a:p>
-          <a:p>
-            <a:r>
-              <a:rPr lang="en-SG" dirty="0"/>
-              <a:t>M</a:t>
-            </a:r>
-            <a:r>
-              <a:rPr lang="en-SG" dirty="0" smtClean="0"/>
-              <a:t>anual part</a:t>
-            </a:r>
-          </a:p>
-          <a:p>
-            <a:r>
-              <a:rPr lang="en-SG" dirty="0"/>
-              <a:t>C</a:t>
-            </a:r>
-            <a:r>
-              <a:rPr lang="en-SG" dirty="0" smtClean="0"/>
-              <a:t>omputer assisted part programming </a:t>
-            </a:r>
-          </a:p>
-          <a:p>
-            <a:r>
-              <a:rPr lang="en-SG" dirty="0" smtClean="0"/>
-              <a:t>CNC part programming with CAD system. </a:t>
-            </a:r>
-          </a:p>
-          <a:p>
+          <a:bodyPr/>
+          <a:lstStyle/>
+          <a:p>
+            <a:r>
+              <a:rPr lang="en-SG" dirty="0" smtClean="0"/>
+              <a:t>Plane curves</a:t>
+            </a:r>
+          </a:p>
+          <a:p>
+            <a:r>
+              <a:rPr lang="en-SG" dirty="0" smtClean="0"/>
+              <a:t>Two types of Constraint</a:t>
+            </a:r>
+          </a:p>
+          <a:p>
+            <a:pPr lvl="1"/>
+            <a:r>
+              <a:rPr lang="en-SG" dirty="0"/>
+              <a:t>Dimensional </a:t>
+            </a:r>
+            <a:r>
+              <a:rPr lang="en-SG" dirty="0" smtClean="0"/>
+              <a:t>constraints: length and angle</a:t>
+            </a:r>
+          </a:p>
+          <a:p>
+            <a:pPr lvl="1"/>
+            <a:r>
+              <a:rPr lang="en-SG" dirty="0" smtClean="0"/>
+              <a:t>Geometric constraints: parallel, perpendicular, normal</a:t>
+            </a:r>
+            <a:r>
+              <a:rPr lang="en-SG" dirty="0"/>
+              <a:t>, tangent, </a:t>
+            </a:r>
+            <a:r>
+              <a:rPr lang="en-SG" dirty="0" smtClean="0"/>
+              <a:t>concentric</a:t>
+            </a:r>
+            <a:r>
+              <a:rPr lang="en-SG" smtClean="0"/>
+              <a:t>, etc.</a:t>
+            </a:r>
             <a:endParaRPr lang="en-SG" dirty="0"/>
           </a:p>
         </p:txBody>
@@ -10550,7 +11362,7 @@
     </p:spTree>
     <p:extLst>
       <p:ext uri="{BB962C8B-B14F-4D97-AF65-F5344CB8AC3E}">
-        <p14:creationId xmlns:p14="http://schemas.microsoft.com/office/powerpoint/2010/main" val="2042065448"/>
+        <p14:creationId xmlns:p14="http://schemas.microsoft.com/office/powerpoint/2010/main" val="579798063"/>
       </p:ext>
     </p:extLst>
   </p:cSld>
@@ -10584,17 +11396,17 @@
             <a:spLocks noGrp="1"/>
           </p:cNvSpPr>
           <p:nvPr>
-            <p:ph type="title"/>
-          </p:nvPr>
-        </p:nvSpPr>
-        <p:spPr/>
-        <p:txBody>
-          <a:bodyPr/>
-          <a:lstStyle/>
-          <a:p>
-            <a:r>
-              <a:rPr lang="en-SG" dirty="0" smtClean="0"/>
-              <a:t>Material handling in CAM environment</a:t>
+            <p:ph type="ctrTitle"/>
+          </p:nvPr>
+        </p:nvSpPr>
+        <p:spPr/>
+        <p:txBody>
+          <a:bodyPr/>
+          <a:lstStyle/>
+          <a:p>
+            <a:r>
+              <a:rPr lang="en-SG" dirty="0" smtClean="0"/>
+              <a:t>CAM</a:t>
             </a:r>
             <a:endParaRPr lang="en-SG" dirty="0"/>
           </a:p>
@@ -10602,71 +11414,27 @@
       </p:sp>
       <p:sp>
         <p:nvSpPr>
-          <p:cNvPr id="3" name="内容占位符 2"/>
-          <p:cNvSpPr>
-            <a:spLocks noGrp="1"/>
-          </p:cNvSpPr>
-          <p:nvPr>
-            <p:ph idx="1"/>
-          </p:nvPr>
-        </p:nvSpPr>
-        <p:spPr/>
-        <p:txBody>
-          <a:bodyPr/>
-          <a:lstStyle/>
-          <a:p>
-            <a:r>
-              <a:rPr lang="en-SG" dirty="0" smtClean="0"/>
-              <a:t>Logistic and storage system </a:t>
-            </a:r>
-          </a:p>
-          <a:p>
-            <a:pPr lvl="1"/>
-            <a:r>
-              <a:rPr lang="en-SG" dirty="0" smtClean="0"/>
-              <a:t>AGVS </a:t>
-            </a:r>
-          </a:p>
-          <a:p>
-            <a:pPr lvl="1"/>
-            <a:r>
-              <a:rPr lang="en-SG" dirty="0" smtClean="0"/>
-              <a:t>AS/RS </a:t>
-            </a:r>
-          </a:p>
-          <a:p>
-            <a:pPr lvl="1"/>
-            <a:r>
-              <a:rPr lang="en-SG" dirty="0" err="1" smtClean="0"/>
-              <a:t>Swarf</a:t>
-            </a:r>
-            <a:r>
-              <a:rPr lang="en-SG" dirty="0" smtClean="0"/>
-              <a:t> handling and disposal of wastes </a:t>
-            </a:r>
-          </a:p>
-          <a:p>
-            <a:r>
-              <a:rPr lang="en-SG" dirty="0" smtClean="0"/>
-              <a:t>Assembly lines </a:t>
-            </a:r>
-          </a:p>
-          <a:p>
-            <a:pPr lvl="1"/>
-            <a:r>
-              <a:rPr lang="en-SG" dirty="0" smtClean="0"/>
-              <a:t>Quantitative analysis of assembly systems.</a:t>
-            </a:r>
-          </a:p>
-          <a:p>
-            <a:endParaRPr lang="en-SG" dirty="0"/>
+          <p:cNvPr id="3" name="副标题 2"/>
+          <p:cNvSpPr>
+            <a:spLocks noGrp="1"/>
+          </p:cNvSpPr>
+          <p:nvPr>
+            <p:ph type="subTitle" idx="1"/>
+          </p:nvPr>
+        </p:nvSpPr>
+        <p:spPr/>
+        <p:txBody>
+          <a:bodyPr/>
+          <a:lstStyle/>
+          <a:p>
+            <a:endParaRPr lang="en-SG"/>
           </a:p>
         </p:txBody>
       </p:sp>
     </p:spTree>
     <p:extLst>
       <p:ext uri="{BB962C8B-B14F-4D97-AF65-F5344CB8AC3E}">
-        <p14:creationId xmlns:p14="http://schemas.microsoft.com/office/powerpoint/2010/main" val="938672915"/>
+        <p14:creationId xmlns:p14="http://schemas.microsoft.com/office/powerpoint/2010/main" val="2945329965"/>
       </p:ext>
     </p:extLst>
   </p:cSld>
@@ -10710,15 +11478,7 @@
           <a:p>
             <a:r>
               <a:rPr lang="en-SG" dirty="0" smtClean="0"/>
-              <a:t>Key disciplines of manufacturing under </a:t>
-            </a:r>
-            <a:r>
-              <a:rPr lang="en-SG" dirty="0" err="1" smtClean="0"/>
-              <a:t>Solidworks</a:t>
-            </a:r>
-            <a:r>
-              <a:rPr lang="en-SG" dirty="0" smtClean="0"/>
-              <a:t> environment</a:t>
+              <a:t>Brief</a:t>
             </a:r>
             <a:endParaRPr lang="en-SG" dirty="0"/>
           </a:p>
@@ -10736,56 +11496,36 @@
         </p:nvSpPr>
         <p:spPr/>
         <p:txBody>
-          <a:bodyPr/>
-          <a:lstStyle/>
-          <a:p>
-            <a:r>
-              <a:rPr lang="en-SG" dirty="0"/>
-              <a:t>Configuration for a mill or turn machine</a:t>
-            </a:r>
-          </a:p>
-          <a:p>
-            <a:r>
-              <a:rPr lang="en-SG" dirty="0"/>
-              <a:t>Features to machining strategy</a:t>
-            </a:r>
-          </a:p>
-          <a:p>
-            <a:r>
-              <a:rPr lang="en-SG" dirty="0"/>
-              <a:t>Generate operation plan</a:t>
-            </a:r>
-          </a:p>
-          <a:p>
-            <a:r>
-              <a:rPr lang="en-SG" dirty="0"/>
-              <a:t>Generate tool path</a:t>
-            </a:r>
-          </a:p>
-          <a:p>
-            <a:r>
-              <a:rPr lang="en-SG" dirty="0"/>
-              <a:t>Simulation</a:t>
-            </a:r>
-          </a:p>
-          <a:p>
-            <a:r>
-              <a:rPr lang="en-SG" dirty="0"/>
-              <a:t>Post process</a:t>
-            </a:r>
-          </a:p>
-          <a:p>
-            <a:pPr marL="0" indent="0">
-              <a:buNone/>
-            </a:pPr>
-            <a:endParaRPr lang="en-SG" dirty="0"/>
+          <a:bodyPr>
+            <a:normAutofit/>
+          </a:bodyPr>
+          <a:lstStyle/>
+          <a:p>
+            <a:r>
+              <a:rPr lang="en-SG" dirty="0" smtClean="0"/>
+              <a:t>Scope and applications </a:t>
+            </a:r>
+          </a:p>
+          <a:p>
+            <a:pPr lvl="1"/>
+            <a:r>
+              <a:rPr lang="en-SG" dirty="0" smtClean="0"/>
+              <a:t>NC in CAM </a:t>
+            </a:r>
+          </a:p>
+          <a:p>
+            <a:pPr lvl="1"/>
+            <a:r>
+              <a:rPr lang="en-SG" dirty="0" smtClean="0"/>
+              <a:t>Principal types of CNC machine</a:t>
+            </a:r>
           </a:p>
         </p:txBody>
       </p:sp>
     </p:spTree>
     <p:extLst>
       <p:ext uri="{BB962C8B-B14F-4D97-AF65-F5344CB8AC3E}">
-        <p14:creationId xmlns:p14="http://schemas.microsoft.com/office/powerpoint/2010/main" val="4246989961"/>
+        <p14:creationId xmlns:p14="http://schemas.microsoft.com/office/powerpoint/2010/main" val="866301321"/>
       </p:ext>
     </p:extLst>
   </p:cSld>
@@ -10901,7 +11641,7 @@
           <a:p>
             <a:r>
               <a:rPr lang="en-SG" dirty="0" smtClean="0"/>
-              <a:t>The following slides are only for learning purpose</a:t>
+              <a:t>Machine tools</a:t>
             </a:r>
             <a:endParaRPr lang="en-SG" dirty="0"/>
           </a:p>
@@ -10919,8 +11659,45 @@
         </p:nvSpPr>
         <p:spPr/>
         <p:txBody>
-          <a:bodyPr/>
-          <a:lstStyle/>
+          <a:bodyPr>
+            <a:normAutofit/>
+          </a:bodyPr>
+          <a:lstStyle/>
+          <a:p>
+            <a:r>
+              <a:rPr lang="en-SG" dirty="0" smtClean="0"/>
+              <a:t>tools and their construction features</a:t>
+            </a:r>
+          </a:p>
+          <a:p>
+            <a:pPr marL="457200" lvl="1" indent="0">
+              <a:buNone/>
+            </a:pPr>
+            <a:r>
+              <a:rPr lang="en-SG" dirty="0" smtClean="0"/>
+              <a:t>tooling for CNC – ISO designation for</a:t>
+            </a:r>
+          </a:p>
+          <a:p>
+            <a:r>
+              <a:rPr lang="en-SG" dirty="0" smtClean="0"/>
+              <a:t>tooling </a:t>
+            </a:r>
+          </a:p>
+          <a:p>
+            <a:pPr lvl="1"/>
+            <a:r>
+              <a:rPr lang="en-SG" dirty="0" smtClean="0"/>
+              <a:t>CNC operating system </a:t>
+            </a:r>
+          </a:p>
+          <a:p>
+            <a:pPr lvl="1"/>
+            <a:r>
+              <a:rPr lang="en-SG" dirty="0" smtClean="0"/>
+              <a:t>FANUC, SINUMERIK – LINUMERIK.</a:t>
+            </a:r>
+          </a:p>
           <a:p>
             <a:endParaRPr lang="en-SG" dirty="0"/>
           </a:p>
@@ -10929,7 +11706,7 @@
     </p:spTree>
     <p:extLst>
       <p:ext uri="{BB962C8B-B14F-4D97-AF65-F5344CB8AC3E}">
-        <p14:creationId xmlns:p14="http://schemas.microsoft.com/office/powerpoint/2010/main" val="3537981211"/>
+        <p14:creationId xmlns:p14="http://schemas.microsoft.com/office/powerpoint/2010/main" val="2867634849"/>
       </p:ext>
     </p:extLst>
   </p:cSld>
@@ -10971,6 +11748,10 @@
           <a:bodyPr/>
           <a:lstStyle/>
           <a:p>
+            <a:r>
+              <a:rPr lang="en-SG" dirty="0" smtClean="0"/>
+              <a:t>Introduction to CAPP</a:t>
+            </a:r>
             <a:endParaRPr lang="en-SG" dirty="0"/>
           </a:p>
         </p:txBody>
@@ -10992,43 +11773,30 @@
           <a:p>
             <a:r>
               <a:rPr lang="en-SG" dirty="0" smtClean="0"/>
-              <a:t>Create a new part</a:t>
-            </a:r>
-          </a:p>
-          <a:p>
-            <a:r>
-              <a:rPr lang="en-SG" dirty="0" smtClean="0"/>
-              <a:t>Check the unit setting</a:t>
-            </a:r>
-          </a:p>
-          <a:p>
-            <a:r>
-              <a:rPr lang="en-SG" dirty="0" smtClean="0"/>
-              <a:t>Using sketch to create part body</a:t>
-            </a:r>
-          </a:p>
-          <a:p>
-            <a:pPr lvl="1"/>
-            <a:r>
-              <a:rPr lang="en-SG" dirty="0" smtClean="0"/>
-              <a:t>Smart dimension is an import tool to drive the model </a:t>
-            </a:r>
-            <a:r>
-              <a:rPr lang="en-SG" dirty="0" err="1" smtClean="0"/>
-              <a:t>creatation</a:t>
-            </a:r>
-            <a:endParaRPr lang="en-SG" dirty="0" smtClean="0"/>
-          </a:p>
-          <a:p>
-            <a:pPr lvl="1"/>
-            <a:endParaRPr lang="en-SG" dirty="0" smtClean="0"/>
+              <a:t>Three main parameters to define a machining process</a:t>
+            </a:r>
+          </a:p>
+          <a:p>
+            <a:r>
+              <a:rPr lang="en-SG" dirty="0" smtClean="0"/>
+              <a:t>Principles for process design</a:t>
+            </a:r>
+          </a:p>
+          <a:p>
+            <a:r>
+              <a:rPr lang="en-SG" dirty="0" smtClean="0"/>
+              <a:t>Processing planning systems</a:t>
+            </a:r>
+          </a:p>
+          <a:p>
+            <a:endParaRPr lang="en-SG" dirty="0"/>
           </a:p>
         </p:txBody>
       </p:sp>
     </p:spTree>
     <p:extLst>
       <p:ext uri="{BB962C8B-B14F-4D97-AF65-F5344CB8AC3E}">
-        <p14:creationId xmlns:p14="http://schemas.microsoft.com/office/powerpoint/2010/main" val="1130636376"/>
+        <p14:creationId xmlns:p14="http://schemas.microsoft.com/office/powerpoint/2010/main" val="3457476283"/>
       </p:ext>
     </p:extLst>
   </p:cSld>
@@ -11070,7 +11838,11 @@
           <a:bodyPr/>
           <a:lstStyle/>
           <a:p>
-            <a:endParaRPr lang="en-SG"/>
+            <a:r>
+              <a:rPr lang="en-SG" dirty="0" smtClean="0"/>
+              <a:t>Programming for CNC machining</a:t>
+            </a:r>
+            <a:endParaRPr lang="en-SG" dirty="0"/>
           </a:p>
         </p:txBody>
       </p:sp>
@@ -11086,45 +11858,44 @@
         </p:nvSpPr>
         <p:spPr/>
         <p:txBody>
-          <a:bodyPr/>
-          <a:lstStyle/>
-          <a:p>
-            <a:r>
-              <a:rPr lang="en-SG" dirty="0"/>
-              <a:t>Go to the </a:t>
-            </a:r>
-            <a:r>
-              <a:rPr lang="en-SG" dirty="0" err="1"/>
-              <a:t>Solidworks</a:t>
-            </a:r>
-            <a:r>
-              <a:rPr lang="en-SG" dirty="0"/>
-              <a:t> CAM module(just perform each of tool button alone the toolbar from left to right, one can finally get the tool path and G-codes)</a:t>
-            </a:r>
-          </a:p>
-          <a:p>
-            <a:pPr lvl="1"/>
-            <a:r>
-              <a:rPr lang="en-SG" dirty="0"/>
-              <a:t>Define machine</a:t>
-            </a:r>
-          </a:p>
-          <a:p>
-            <a:pPr lvl="1"/>
-            <a:r>
-              <a:rPr lang="en-SG" dirty="0"/>
-              <a:t>Setup coordinate system</a:t>
-            </a:r>
-          </a:p>
-          <a:p>
-            <a:pPr lvl="1"/>
-            <a:r>
-              <a:rPr lang="en-SG" dirty="0"/>
-              <a:t>Define stock size using stock </a:t>
-            </a:r>
-            <a:r>
-              <a:rPr lang="en-SG" dirty="0" smtClean="0"/>
-              <a:t>manager</a:t>
+          <a:bodyPr>
+            <a:normAutofit/>
+          </a:bodyPr>
+          <a:lstStyle/>
+          <a:p>
+            <a:r>
+              <a:rPr lang="en-SG" dirty="0"/>
+              <a:t>C</a:t>
+            </a:r>
+            <a:r>
+              <a:rPr lang="en-SG" dirty="0" smtClean="0"/>
+              <a:t>oordinate systems of CNC</a:t>
+            </a:r>
+          </a:p>
+          <a:p>
+            <a:r>
+              <a:rPr lang="en-SG" dirty="0"/>
+              <a:t>M</a:t>
+            </a:r>
+            <a:r>
+              <a:rPr lang="en-SG" dirty="0" smtClean="0"/>
+              <a:t>anual part</a:t>
+            </a:r>
+          </a:p>
+          <a:p>
+            <a:r>
+              <a:rPr lang="en-SG" dirty="0"/>
+              <a:t>C</a:t>
+            </a:r>
+            <a:r>
+              <a:rPr lang="en-SG" dirty="0" smtClean="0"/>
+              <a:t>omputer assisted part programming </a:t>
+            </a:r>
+          </a:p>
+          <a:p>
+            <a:r>
+              <a:rPr lang="en-SG" dirty="0" smtClean="0"/>
+              <a:t>CNC part programming with CAD system. </a:t>
             </a:r>
           </a:p>
           <a:p>
@@ -11135,7 +11906,7 @@
     </p:spTree>
     <p:extLst>
       <p:ext uri="{BB962C8B-B14F-4D97-AF65-F5344CB8AC3E}">
-        <p14:creationId xmlns:p14="http://schemas.microsoft.com/office/powerpoint/2010/main" val="482855842"/>
+        <p14:creationId xmlns:p14="http://schemas.microsoft.com/office/powerpoint/2010/main" val="2042065448"/>
       </p:ext>
     </p:extLst>
   </p:cSld>
@@ -11177,6 +11948,519 @@
           <a:bodyPr/>
           <a:lstStyle/>
           <a:p>
+            <a:r>
+              <a:rPr lang="en-SG" dirty="0" smtClean="0"/>
+              <a:t>Material handling in CAM environment</a:t>
+            </a:r>
+            <a:endParaRPr lang="en-SG" dirty="0"/>
+          </a:p>
+        </p:txBody>
+      </p:sp>
+      <p:sp>
+        <p:nvSpPr>
+          <p:cNvPr id="3" name="内容占位符 2"/>
+          <p:cNvSpPr>
+            <a:spLocks noGrp="1"/>
+          </p:cNvSpPr>
+          <p:nvPr>
+            <p:ph idx="1"/>
+          </p:nvPr>
+        </p:nvSpPr>
+        <p:spPr/>
+        <p:txBody>
+          <a:bodyPr/>
+          <a:lstStyle/>
+          <a:p>
+            <a:r>
+              <a:rPr lang="en-SG" dirty="0" smtClean="0"/>
+              <a:t>Logistic and storage system </a:t>
+            </a:r>
+          </a:p>
+          <a:p>
+            <a:pPr lvl="1"/>
+            <a:r>
+              <a:rPr lang="en-SG" dirty="0" smtClean="0"/>
+              <a:t>AGVS </a:t>
+            </a:r>
+          </a:p>
+          <a:p>
+            <a:pPr lvl="1"/>
+            <a:r>
+              <a:rPr lang="en-SG" dirty="0" smtClean="0"/>
+              <a:t>AS/RS </a:t>
+            </a:r>
+          </a:p>
+          <a:p>
+            <a:pPr lvl="1"/>
+            <a:r>
+              <a:rPr lang="en-SG" dirty="0" err="1" smtClean="0"/>
+              <a:t>Swarf</a:t>
+            </a:r>
+            <a:r>
+              <a:rPr lang="en-SG" dirty="0" smtClean="0"/>
+              <a:t> handling and disposal of wastes </a:t>
+            </a:r>
+          </a:p>
+          <a:p>
+            <a:r>
+              <a:rPr lang="en-SG" dirty="0" smtClean="0"/>
+              <a:t>Assembly lines </a:t>
+            </a:r>
+          </a:p>
+          <a:p>
+            <a:pPr lvl="1"/>
+            <a:r>
+              <a:rPr lang="en-SG" dirty="0" smtClean="0"/>
+              <a:t>Quantitative analysis of assembly systems.</a:t>
+            </a:r>
+          </a:p>
+          <a:p>
+            <a:endParaRPr lang="en-SG" dirty="0"/>
+          </a:p>
+        </p:txBody>
+      </p:sp>
+    </p:spTree>
+    <p:extLst>
+      <p:ext uri="{BB962C8B-B14F-4D97-AF65-F5344CB8AC3E}">
+        <p14:creationId xmlns:p14="http://schemas.microsoft.com/office/powerpoint/2010/main" val="938672915"/>
+      </p:ext>
+    </p:extLst>
+  </p:cSld>
+  <p:clrMapOvr>
+    <a:masterClrMapping/>
+  </p:clrMapOvr>
+</p:sld>
+</file>
+
+<file path=ppt/slides/slide64.xml><?xml version="1.0" encoding="utf-8"?>
+<p:sld xmlns:a="http://schemas.openxmlformats.org/drawingml/2006/main" xmlns:r="http://schemas.openxmlformats.org/officeDocument/2006/relationships" xmlns:p="http://schemas.openxmlformats.org/presentationml/2006/main">
+  <p:cSld>
+    <p:spTree>
+      <p:nvGrpSpPr>
+        <p:cNvPr id="1" name=""/>
+        <p:cNvGrpSpPr/>
+        <p:nvPr/>
+      </p:nvGrpSpPr>
+      <p:grpSpPr>
+        <a:xfrm>
+          <a:off x="0" y="0"/>
+          <a:ext cx="0" cy="0"/>
+          <a:chOff x="0" y="0"/>
+          <a:chExt cx="0" cy="0"/>
+        </a:xfrm>
+      </p:grpSpPr>
+      <p:sp>
+        <p:nvSpPr>
+          <p:cNvPr id="2" name="标题 1"/>
+          <p:cNvSpPr>
+            <a:spLocks noGrp="1"/>
+          </p:cNvSpPr>
+          <p:nvPr>
+            <p:ph type="title"/>
+          </p:nvPr>
+        </p:nvSpPr>
+        <p:spPr/>
+        <p:txBody>
+          <a:bodyPr/>
+          <a:lstStyle/>
+          <a:p>
+            <a:r>
+              <a:rPr lang="en-SG" dirty="0" smtClean="0"/>
+              <a:t>Key disciplines of manufacturing under </a:t>
+            </a:r>
+            <a:r>
+              <a:rPr lang="en-SG" dirty="0" err="1" smtClean="0"/>
+              <a:t>Solidworks</a:t>
+            </a:r>
+            <a:r>
+              <a:rPr lang="en-SG" dirty="0" smtClean="0"/>
+              <a:t> environment</a:t>
+            </a:r>
+            <a:endParaRPr lang="en-SG" dirty="0"/>
+          </a:p>
+        </p:txBody>
+      </p:sp>
+      <p:sp>
+        <p:nvSpPr>
+          <p:cNvPr id="3" name="内容占位符 2"/>
+          <p:cNvSpPr>
+            <a:spLocks noGrp="1"/>
+          </p:cNvSpPr>
+          <p:nvPr>
+            <p:ph idx="1"/>
+          </p:nvPr>
+        </p:nvSpPr>
+        <p:spPr/>
+        <p:txBody>
+          <a:bodyPr/>
+          <a:lstStyle/>
+          <a:p>
+            <a:r>
+              <a:rPr lang="en-SG" dirty="0"/>
+              <a:t>Configuration for a mill or turn machine</a:t>
+            </a:r>
+          </a:p>
+          <a:p>
+            <a:r>
+              <a:rPr lang="en-SG" dirty="0"/>
+              <a:t>Features to machining strategy</a:t>
+            </a:r>
+          </a:p>
+          <a:p>
+            <a:r>
+              <a:rPr lang="en-SG" dirty="0"/>
+              <a:t>Generate operation plan</a:t>
+            </a:r>
+          </a:p>
+          <a:p>
+            <a:r>
+              <a:rPr lang="en-SG" dirty="0"/>
+              <a:t>Generate tool path</a:t>
+            </a:r>
+          </a:p>
+          <a:p>
+            <a:r>
+              <a:rPr lang="en-SG" dirty="0"/>
+              <a:t>Simulation</a:t>
+            </a:r>
+          </a:p>
+          <a:p>
+            <a:r>
+              <a:rPr lang="en-SG" dirty="0"/>
+              <a:t>Post process</a:t>
+            </a:r>
+          </a:p>
+          <a:p>
+            <a:pPr marL="0" indent="0">
+              <a:buNone/>
+            </a:pPr>
+            <a:endParaRPr lang="en-SG" dirty="0"/>
+          </a:p>
+        </p:txBody>
+      </p:sp>
+    </p:spTree>
+    <p:extLst>
+      <p:ext uri="{BB962C8B-B14F-4D97-AF65-F5344CB8AC3E}">
+        <p14:creationId xmlns:p14="http://schemas.microsoft.com/office/powerpoint/2010/main" val="4246989961"/>
+      </p:ext>
+    </p:extLst>
+  </p:cSld>
+  <p:clrMapOvr>
+    <a:masterClrMapping/>
+  </p:clrMapOvr>
+</p:sld>
+</file>
+
+<file path=ppt/slides/slide65.xml><?xml version="1.0" encoding="utf-8"?>
+<p:sld xmlns:a="http://schemas.openxmlformats.org/drawingml/2006/main" xmlns:r="http://schemas.openxmlformats.org/officeDocument/2006/relationships" xmlns:p="http://schemas.openxmlformats.org/presentationml/2006/main">
+  <p:cSld>
+    <p:spTree>
+      <p:nvGrpSpPr>
+        <p:cNvPr id="1" name=""/>
+        <p:cNvGrpSpPr/>
+        <p:nvPr/>
+      </p:nvGrpSpPr>
+      <p:grpSpPr>
+        <a:xfrm>
+          <a:off x="0" y="0"/>
+          <a:ext cx="0" cy="0"/>
+          <a:chOff x="0" y="0"/>
+          <a:chExt cx="0" cy="0"/>
+        </a:xfrm>
+      </p:grpSpPr>
+      <p:sp>
+        <p:nvSpPr>
+          <p:cNvPr id="2" name="标题 1"/>
+          <p:cNvSpPr>
+            <a:spLocks noGrp="1"/>
+          </p:cNvSpPr>
+          <p:nvPr>
+            <p:ph type="title"/>
+          </p:nvPr>
+        </p:nvSpPr>
+        <p:spPr/>
+        <p:txBody>
+          <a:bodyPr/>
+          <a:lstStyle/>
+          <a:p>
+            <a:r>
+              <a:rPr lang="en-SG" dirty="0" smtClean="0"/>
+              <a:t>The following slides are only for learning purpose</a:t>
+            </a:r>
+            <a:endParaRPr lang="en-SG" dirty="0"/>
+          </a:p>
+        </p:txBody>
+      </p:sp>
+      <p:sp>
+        <p:nvSpPr>
+          <p:cNvPr id="3" name="内容占位符 2"/>
+          <p:cNvSpPr>
+            <a:spLocks noGrp="1"/>
+          </p:cNvSpPr>
+          <p:nvPr>
+            <p:ph idx="1"/>
+          </p:nvPr>
+        </p:nvSpPr>
+        <p:spPr/>
+        <p:txBody>
+          <a:bodyPr/>
+          <a:lstStyle/>
+          <a:p>
+            <a:endParaRPr lang="en-SG" dirty="0"/>
+          </a:p>
+        </p:txBody>
+      </p:sp>
+    </p:spTree>
+    <p:extLst>
+      <p:ext uri="{BB962C8B-B14F-4D97-AF65-F5344CB8AC3E}">
+        <p14:creationId xmlns:p14="http://schemas.microsoft.com/office/powerpoint/2010/main" val="3537981211"/>
+      </p:ext>
+    </p:extLst>
+  </p:cSld>
+  <p:clrMapOvr>
+    <a:masterClrMapping/>
+  </p:clrMapOvr>
+</p:sld>
+</file>
+
+<file path=ppt/slides/slide66.xml><?xml version="1.0" encoding="utf-8"?>
+<p:sld xmlns:a="http://schemas.openxmlformats.org/drawingml/2006/main" xmlns:r="http://schemas.openxmlformats.org/officeDocument/2006/relationships" xmlns:p="http://schemas.openxmlformats.org/presentationml/2006/main">
+  <p:cSld>
+    <p:spTree>
+      <p:nvGrpSpPr>
+        <p:cNvPr id="1" name=""/>
+        <p:cNvGrpSpPr/>
+        <p:nvPr/>
+      </p:nvGrpSpPr>
+      <p:grpSpPr>
+        <a:xfrm>
+          <a:off x="0" y="0"/>
+          <a:ext cx="0" cy="0"/>
+          <a:chOff x="0" y="0"/>
+          <a:chExt cx="0" cy="0"/>
+        </a:xfrm>
+      </p:grpSpPr>
+      <p:sp>
+        <p:nvSpPr>
+          <p:cNvPr id="2" name="标题 1"/>
+          <p:cNvSpPr>
+            <a:spLocks noGrp="1"/>
+          </p:cNvSpPr>
+          <p:nvPr>
+            <p:ph type="title"/>
+          </p:nvPr>
+        </p:nvSpPr>
+        <p:spPr/>
+        <p:txBody>
+          <a:bodyPr/>
+          <a:lstStyle/>
+          <a:p>
+            <a:endParaRPr lang="en-SG" dirty="0"/>
+          </a:p>
+        </p:txBody>
+      </p:sp>
+      <p:sp>
+        <p:nvSpPr>
+          <p:cNvPr id="3" name="内容占位符 2"/>
+          <p:cNvSpPr>
+            <a:spLocks noGrp="1"/>
+          </p:cNvSpPr>
+          <p:nvPr>
+            <p:ph idx="1"/>
+          </p:nvPr>
+        </p:nvSpPr>
+        <p:spPr/>
+        <p:txBody>
+          <a:bodyPr/>
+          <a:lstStyle/>
+          <a:p>
+            <a:r>
+              <a:rPr lang="en-SG" dirty="0" smtClean="0"/>
+              <a:t>Create a new part</a:t>
+            </a:r>
+          </a:p>
+          <a:p>
+            <a:r>
+              <a:rPr lang="en-SG" dirty="0" smtClean="0"/>
+              <a:t>Check the unit setting</a:t>
+            </a:r>
+          </a:p>
+          <a:p>
+            <a:r>
+              <a:rPr lang="en-SG" dirty="0" smtClean="0"/>
+              <a:t>Using sketch to create part body</a:t>
+            </a:r>
+          </a:p>
+          <a:p>
+            <a:pPr lvl="1"/>
+            <a:r>
+              <a:rPr lang="en-SG" dirty="0" smtClean="0"/>
+              <a:t>Smart dimension is an import tool to drive the model </a:t>
+            </a:r>
+            <a:r>
+              <a:rPr lang="en-SG" dirty="0" err="1" smtClean="0"/>
+              <a:t>creatation</a:t>
+            </a:r>
+            <a:endParaRPr lang="en-SG" dirty="0" smtClean="0"/>
+          </a:p>
+          <a:p>
+            <a:pPr lvl="1"/>
+            <a:endParaRPr lang="en-SG" dirty="0" smtClean="0"/>
+          </a:p>
+        </p:txBody>
+      </p:sp>
+    </p:spTree>
+    <p:extLst>
+      <p:ext uri="{BB962C8B-B14F-4D97-AF65-F5344CB8AC3E}">
+        <p14:creationId xmlns:p14="http://schemas.microsoft.com/office/powerpoint/2010/main" val="1130636376"/>
+      </p:ext>
+    </p:extLst>
+  </p:cSld>
+  <p:clrMapOvr>
+    <a:masterClrMapping/>
+  </p:clrMapOvr>
+</p:sld>
+</file>
+
+<file path=ppt/slides/slide67.xml><?xml version="1.0" encoding="utf-8"?>
+<p:sld xmlns:a="http://schemas.openxmlformats.org/drawingml/2006/main" xmlns:r="http://schemas.openxmlformats.org/officeDocument/2006/relationships" xmlns:p="http://schemas.openxmlformats.org/presentationml/2006/main">
+  <p:cSld>
+    <p:spTree>
+      <p:nvGrpSpPr>
+        <p:cNvPr id="1" name=""/>
+        <p:cNvGrpSpPr/>
+        <p:nvPr/>
+      </p:nvGrpSpPr>
+      <p:grpSpPr>
+        <a:xfrm>
+          <a:off x="0" y="0"/>
+          <a:ext cx="0" cy="0"/>
+          <a:chOff x="0" y="0"/>
+          <a:chExt cx="0" cy="0"/>
+        </a:xfrm>
+      </p:grpSpPr>
+      <p:sp>
+        <p:nvSpPr>
+          <p:cNvPr id="2" name="标题 1"/>
+          <p:cNvSpPr>
+            <a:spLocks noGrp="1"/>
+          </p:cNvSpPr>
+          <p:nvPr>
+            <p:ph type="title"/>
+          </p:nvPr>
+        </p:nvSpPr>
+        <p:spPr/>
+        <p:txBody>
+          <a:bodyPr/>
+          <a:lstStyle/>
+          <a:p>
+            <a:endParaRPr lang="en-SG"/>
+          </a:p>
+        </p:txBody>
+      </p:sp>
+      <p:sp>
+        <p:nvSpPr>
+          <p:cNvPr id="3" name="内容占位符 2"/>
+          <p:cNvSpPr>
+            <a:spLocks noGrp="1"/>
+          </p:cNvSpPr>
+          <p:nvPr>
+            <p:ph idx="1"/>
+          </p:nvPr>
+        </p:nvSpPr>
+        <p:spPr/>
+        <p:txBody>
+          <a:bodyPr/>
+          <a:lstStyle/>
+          <a:p>
+            <a:r>
+              <a:rPr lang="en-SG" dirty="0"/>
+              <a:t>Go to the </a:t>
+            </a:r>
+            <a:r>
+              <a:rPr lang="en-SG" dirty="0" err="1"/>
+              <a:t>Solidworks</a:t>
+            </a:r>
+            <a:r>
+              <a:rPr lang="en-SG" dirty="0"/>
+              <a:t> CAM module(just perform each of tool button alone the toolbar from left to right, one can finally get the tool path and G-codes)</a:t>
+            </a:r>
+          </a:p>
+          <a:p>
+            <a:pPr lvl="1"/>
+            <a:r>
+              <a:rPr lang="en-SG" dirty="0"/>
+              <a:t>Define machine</a:t>
+            </a:r>
+          </a:p>
+          <a:p>
+            <a:pPr lvl="1"/>
+            <a:r>
+              <a:rPr lang="en-SG" dirty="0"/>
+              <a:t>Setup coordinate system</a:t>
+            </a:r>
+          </a:p>
+          <a:p>
+            <a:pPr lvl="1"/>
+            <a:r>
+              <a:rPr lang="en-SG" dirty="0"/>
+              <a:t>Define stock size using stock </a:t>
+            </a:r>
+            <a:r>
+              <a:rPr lang="en-SG" dirty="0" smtClean="0"/>
+              <a:t>manager</a:t>
+            </a:r>
+          </a:p>
+          <a:p>
+            <a:endParaRPr lang="en-SG" dirty="0"/>
+          </a:p>
+        </p:txBody>
+      </p:sp>
+    </p:spTree>
+    <p:extLst>
+      <p:ext uri="{BB962C8B-B14F-4D97-AF65-F5344CB8AC3E}">
+        <p14:creationId xmlns:p14="http://schemas.microsoft.com/office/powerpoint/2010/main" val="482855842"/>
+      </p:ext>
+    </p:extLst>
+  </p:cSld>
+  <p:clrMapOvr>
+    <a:masterClrMapping/>
+  </p:clrMapOvr>
+</p:sld>
+</file>
+
+<file path=ppt/slides/slide68.xml><?xml version="1.0" encoding="utf-8"?>
+<p:sld xmlns:a="http://schemas.openxmlformats.org/drawingml/2006/main" xmlns:r="http://schemas.openxmlformats.org/officeDocument/2006/relationships" xmlns:p="http://schemas.openxmlformats.org/presentationml/2006/main">
+  <p:cSld>
+    <p:spTree>
+      <p:nvGrpSpPr>
+        <p:cNvPr id="1" name=""/>
+        <p:cNvGrpSpPr/>
+        <p:nvPr/>
+      </p:nvGrpSpPr>
+      <p:grpSpPr>
+        <a:xfrm>
+          <a:off x="0" y="0"/>
+          <a:ext cx="0" cy="0"/>
+          <a:chOff x="0" y="0"/>
+          <a:chExt cx="0" cy="0"/>
+        </a:xfrm>
+      </p:grpSpPr>
+      <p:sp>
+        <p:nvSpPr>
+          <p:cNvPr id="2" name="标题 1"/>
+          <p:cNvSpPr>
+            <a:spLocks noGrp="1"/>
+          </p:cNvSpPr>
+          <p:nvPr>
+            <p:ph type="title"/>
+          </p:nvPr>
+        </p:nvSpPr>
+        <p:spPr/>
+        <p:txBody>
+          <a:bodyPr/>
+          <a:lstStyle/>
+          <a:p>
             <a:endParaRPr lang="en-SG"/>
           </a:p>
         </p:txBody>
@@ -11294,7 +12578,7 @@
           <a:graphicData uri="http://schemas.openxmlformats.org/presentationml/2006/ole">
             <mc:AlternateContent xmlns:mc="http://schemas.openxmlformats.org/markup-compatibility/2006">
               <mc:Choice xmlns:v="urn:schemas-microsoft-com:vml" Requires="v">
-                <p:oleObj spid="_x0000_s1137" name="Equation" r:id="rId3" imgW="2260440" imgH="1091880" progId="Equation.DSMT4">
+                <p:oleObj spid="_x0000_s1146" name="Equation" r:id="rId3" imgW="2260440" imgH="1091880" progId="Equation.DSMT4">
                   <p:embed/>
                 </p:oleObj>
               </mc:Choice>
@@ -11342,7 +12626,7 @@
 </p:sld>
 </file>
 
-<file path=ppt/slides/slide64.xml><?xml version="1.0" encoding="utf-8"?>
+<file path=ppt/slides/slide69.xml><?xml version="1.0" encoding="utf-8"?>
 <p:sld xmlns:a="http://schemas.openxmlformats.org/drawingml/2006/main" xmlns:r="http://schemas.openxmlformats.org/officeDocument/2006/relationships" xmlns:p="http://schemas.openxmlformats.org/presentationml/2006/main">
   <p:cSld>
     <p:spTree>
@@ -11564,7 +12848,7 @@
           <a:graphicData uri="http://schemas.openxmlformats.org/presentationml/2006/ole">
             <mc:AlternateContent xmlns:mc="http://schemas.openxmlformats.org/markup-compatibility/2006">
               <mc:Choice xmlns:v="urn:schemas-microsoft-com:vml" Requires="v">
-                <p:oleObj spid="_x0000_s2376" name="Equation" r:id="rId3" imgW="2133360" imgH="1879560" progId="Equation.DSMT4">
+                <p:oleObj spid="_x0000_s2403" name="Equation" r:id="rId3" imgW="2133360" imgH="1879560" progId="Equation.DSMT4">
                   <p:embed/>
                 </p:oleObj>
               </mc:Choice>
@@ -11621,7 +12905,7 @@
           <a:graphicData uri="http://schemas.openxmlformats.org/presentationml/2006/ole">
             <mc:AlternateContent xmlns:mc="http://schemas.openxmlformats.org/markup-compatibility/2006">
               <mc:Choice xmlns:v="urn:schemas-microsoft-com:vml" Requires="v">
-                <p:oleObj spid="_x0000_s2377" name="Equation" r:id="rId5" imgW="1726920" imgH="482400" progId="Equation.DSMT4">
+                <p:oleObj spid="_x0000_s2404" name="Equation" r:id="rId5" imgW="1726920" imgH="482400" progId="Equation.DSMT4">
                   <p:embed/>
                 </p:oleObj>
               </mc:Choice>
@@ -11678,7 +12962,7 @@
           <a:graphicData uri="http://schemas.openxmlformats.org/presentationml/2006/ole">
             <mc:AlternateContent xmlns:mc="http://schemas.openxmlformats.org/markup-compatibility/2006">
               <mc:Choice xmlns:v="urn:schemas-microsoft-com:vml" Requires="v">
-                <p:oleObj spid="_x0000_s2378" name="Equation" r:id="rId7" imgW="990360" imgH="457200" progId="Equation.DSMT4">
+                <p:oleObj spid="_x0000_s2405" name="Equation" r:id="rId7" imgW="990360" imgH="457200" progId="Equation.DSMT4">
                   <p:embed/>
                 </p:oleObj>
               </mc:Choice>
@@ -11726,7 +13010,7 @@
 </p:sld>
 </file>
 
-<file path=ppt/slides/slide65.xml><?xml version="1.0" encoding="utf-8"?>
+<file path=ppt/slides/slide7.xml><?xml version="1.0" encoding="utf-8"?>
 <p:sld xmlns:a="http://schemas.openxmlformats.org/drawingml/2006/main" xmlns:r="http://schemas.openxmlformats.org/officeDocument/2006/relationships" xmlns:p="http://schemas.openxmlformats.org/presentationml/2006/main">
   <p:cSld>
     <p:spTree>
@@ -11758,6 +13042,121 @@
           <a:bodyPr/>
           <a:lstStyle/>
           <a:p>
+            <a:r>
+              <a:rPr lang="en-SG" dirty="0" smtClean="0"/>
+              <a:t>Three types of coordinate system</a:t>
+            </a:r>
+            <a:endParaRPr lang="en-SG" dirty="0"/>
+          </a:p>
+        </p:txBody>
+      </p:sp>
+      <p:sp>
+        <p:nvSpPr>
+          <p:cNvPr id="3" name="内容占位符 2"/>
+          <p:cNvSpPr>
+            <a:spLocks noGrp="1"/>
+          </p:cNvSpPr>
+          <p:nvPr>
+            <p:ph idx="1"/>
+          </p:nvPr>
+        </p:nvSpPr>
+        <p:spPr/>
+        <p:txBody>
+          <a:bodyPr/>
+          <a:lstStyle/>
+          <a:p>
+            <a:r>
+              <a:rPr lang="en-SG" dirty="0">
+                <a:solidFill>
+                  <a:srgbClr val="FF0000"/>
+                </a:solidFill>
+              </a:rPr>
+              <a:t>Coordinate systems are the most important concept in a CAD system. They are used to  input,  store,  and  display  geometric  model.  There  are  three  kinds  of  coordinate systems, </a:t>
+            </a:r>
+            <a:endParaRPr lang="en-SG" dirty="0" smtClean="0">
+              <a:solidFill>
+                <a:srgbClr val="FF0000"/>
+              </a:solidFill>
+            </a:endParaRPr>
+          </a:p>
+          <a:p>
+            <a:pPr marL="514350" indent="-514350">
+              <a:buFont typeface="+mj-lt"/>
+              <a:buAutoNum type="arabicPeriod"/>
+            </a:pPr>
+            <a:r>
+              <a:rPr lang="en-SG" dirty="0" smtClean="0"/>
+              <a:t>Model coordinate system (MCS)</a:t>
+            </a:r>
+          </a:p>
+          <a:p>
+            <a:pPr marL="514350" indent="-514350">
+              <a:buFont typeface="+mj-lt"/>
+              <a:buAutoNum type="arabicPeriod"/>
+            </a:pPr>
+            <a:r>
+              <a:rPr lang="en-SG" dirty="0" smtClean="0"/>
+              <a:t>Working coordinate system (WCS)</a:t>
+            </a:r>
+          </a:p>
+          <a:p>
+            <a:pPr marL="514350" indent="-514350">
+              <a:buFont typeface="+mj-lt"/>
+              <a:buAutoNum type="arabicPeriod"/>
+            </a:pPr>
+            <a:r>
+              <a:rPr lang="en-SG" dirty="0" smtClean="0"/>
+              <a:t>Screen coordinate system (SCS)</a:t>
+            </a:r>
+            <a:endParaRPr lang="en-SG" dirty="0"/>
+          </a:p>
+        </p:txBody>
+      </p:sp>
+    </p:spTree>
+    <p:extLst>
+      <p:ext uri="{BB962C8B-B14F-4D97-AF65-F5344CB8AC3E}">
+        <p14:creationId xmlns:p14="http://schemas.microsoft.com/office/powerpoint/2010/main" val="1875555009"/>
+      </p:ext>
+    </p:extLst>
+  </p:cSld>
+  <p:clrMapOvr>
+    <a:masterClrMapping/>
+  </p:clrMapOvr>
+</p:sld>
+</file>
+
+<file path=ppt/slides/slide70.xml><?xml version="1.0" encoding="utf-8"?>
+<p:sld xmlns:a="http://schemas.openxmlformats.org/drawingml/2006/main" xmlns:r="http://schemas.openxmlformats.org/officeDocument/2006/relationships" xmlns:p="http://schemas.openxmlformats.org/presentationml/2006/main">
+  <p:cSld>
+    <p:spTree>
+      <p:nvGrpSpPr>
+        <p:cNvPr id="1" name=""/>
+        <p:cNvGrpSpPr/>
+        <p:nvPr/>
+      </p:nvGrpSpPr>
+      <p:grpSpPr>
+        <a:xfrm>
+          <a:off x="0" y="0"/>
+          <a:ext cx="0" cy="0"/>
+          <a:chOff x="0" y="0"/>
+          <a:chExt cx="0" cy="0"/>
+        </a:xfrm>
+      </p:grpSpPr>
+      <p:sp>
+        <p:nvSpPr>
+          <p:cNvPr id="2" name="标题 1"/>
+          <p:cNvSpPr>
+            <a:spLocks noGrp="1"/>
+          </p:cNvSpPr>
+          <p:nvPr>
+            <p:ph type="title"/>
+          </p:nvPr>
+        </p:nvSpPr>
+        <p:spPr/>
+        <p:txBody>
+          <a:bodyPr/>
+          <a:lstStyle/>
+          <a:p>
             <a:endParaRPr lang="en-SG"/>
           </a:p>
         </p:txBody>
@@ -11834,7 +13233,7 @@
           <a:graphicData uri="http://schemas.openxmlformats.org/presentationml/2006/ole">
             <mc:AlternateContent xmlns:mc="http://schemas.openxmlformats.org/markup-compatibility/2006">
               <mc:Choice xmlns:v="urn:schemas-microsoft-com:vml" Requires="v">
-                <p:oleObj spid="_x0000_s3182" name="Equation" r:id="rId3" imgW="990360" imgH="457200" progId="Equation.DSMT4">
+                <p:oleObj spid="_x0000_s3191" name="Equation" r:id="rId3" imgW="990360" imgH="457200" progId="Equation.DSMT4">
                   <p:embed/>
                 </p:oleObj>
               </mc:Choice>
@@ -11873,121 +13272,6 @@
     <p:extLst>
       <p:ext uri="{BB962C8B-B14F-4D97-AF65-F5344CB8AC3E}">
         <p14:creationId xmlns:p14="http://schemas.microsoft.com/office/powerpoint/2010/main" val="248749875"/>
-      </p:ext>
-    </p:extLst>
-  </p:cSld>
-  <p:clrMapOvr>
-    <a:masterClrMapping/>
-  </p:clrMapOvr>
-</p:sld>
-</file>
-
-<file path=ppt/slides/slide7.xml><?xml version="1.0" encoding="utf-8"?>
-<p:sld xmlns:a="http://schemas.openxmlformats.org/drawingml/2006/main" xmlns:r="http://schemas.openxmlformats.org/officeDocument/2006/relationships" xmlns:p="http://schemas.openxmlformats.org/presentationml/2006/main">
-  <p:cSld>
-    <p:spTree>
-      <p:nvGrpSpPr>
-        <p:cNvPr id="1" name=""/>
-        <p:cNvGrpSpPr/>
-        <p:nvPr/>
-      </p:nvGrpSpPr>
-      <p:grpSpPr>
-        <a:xfrm>
-          <a:off x="0" y="0"/>
-          <a:ext cx="0" cy="0"/>
-          <a:chOff x="0" y="0"/>
-          <a:chExt cx="0" cy="0"/>
-        </a:xfrm>
-      </p:grpSpPr>
-      <p:sp>
-        <p:nvSpPr>
-          <p:cNvPr id="2" name="标题 1"/>
-          <p:cNvSpPr>
-            <a:spLocks noGrp="1"/>
-          </p:cNvSpPr>
-          <p:nvPr>
-            <p:ph type="title"/>
-          </p:nvPr>
-        </p:nvSpPr>
-        <p:spPr/>
-        <p:txBody>
-          <a:bodyPr/>
-          <a:lstStyle/>
-          <a:p>
-            <a:r>
-              <a:rPr lang="en-SG" dirty="0" smtClean="0"/>
-              <a:t>Three types of coordinate system</a:t>
-            </a:r>
-            <a:endParaRPr lang="en-SG" dirty="0"/>
-          </a:p>
-        </p:txBody>
-      </p:sp>
-      <p:sp>
-        <p:nvSpPr>
-          <p:cNvPr id="3" name="内容占位符 2"/>
-          <p:cNvSpPr>
-            <a:spLocks noGrp="1"/>
-          </p:cNvSpPr>
-          <p:nvPr>
-            <p:ph idx="1"/>
-          </p:nvPr>
-        </p:nvSpPr>
-        <p:spPr/>
-        <p:txBody>
-          <a:bodyPr/>
-          <a:lstStyle/>
-          <a:p>
-            <a:r>
-              <a:rPr lang="en-SG" dirty="0">
-                <a:solidFill>
-                  <a:srgbClr val="FF0000"/>
-                </a:solidFill>
-              </a:rPr>
-              <a:t>Coordinate systems are the most important concept in a CAD system. They are used to  input,  store,  and  display  geometric  model.  There  are  three  kinds  of  coordinate systems, </a:t>
-            </a:r>
-            <a:endParaRPr lang="en-SG" dirty="0" smtClean="0">
-              <a:solidFill>
-                <a:srgbClr val="FF0000"/>
-              </a:solidFill>
-            </a:endParaRPr>
-          </a:p>
-          <a:p>
-            <a:pPr marL="514350" indent="-514350">
-              <a:buFont typeface="+mj-lt"/>
-              <a:buAutoNum type="arabicPeriod"/>
-            </a:pPr>
-            <a:r>
-              <a:rPr lang="en-SG" dirty="0" smtClean="0"/>
-              <a:t>Model coordinate system (MCS)</a:t>
-            </a:r>
-          </a:p>
-          <a:p>
-            <a:pPr marL="514350" indent="-514350">
-              <a:buFont typeface="+mj-lt"/>
-              <a:buAutoNum type="arabicPeriod"/>
-            </a:pPr>
-            <a:r>
-              <a:rPr lang="en-SG" dirty="0" smtClean="0"/>
-              <a:t>Working coordinate system (WCS)</a:t>
-            </a:r>
-          </a:p>
-          <a:p>
-            <a:pPr marL="514350" indent="-514350">
-              <a:buFont typeface="+mj-lt"/>
-              <a:buAutoNum type="arabicPeriod"/>
-            </a:pPr>
-            <a:r>
-              <a:rPr lang="en-SG" dirty="0" smtClean="0"/>
-              <a:t>Screen coordinate system (SCS)</a:t>
-            </a:r>
-            <a:endParaRPr lang="en-SG" dirty="0"/>
-          </a:p>
-        </p:txBody>
-      </p:sp>
-    </p:spTree>
-    <p:extLst>
-      <p:ext uri="{BB962C8B-B14F-4D97-AF65-F5344CB8AC3E}">
-        <p14:creationId xmlns:p14="http://schemas.microsoft.com/office/powerpoint/2010/main" val="1875555009"/>
       </p:ext>
     </p:extLst>
   </p:cSld>

--- a/CAD_CAM.pptx
+++ b/CAD_CAM.pptx
@@ -41,40 +41,48 @@
     <p:sldId id="343" r:id="rId35"/>
     <p:sldId id="344" r:id="rId36"/>
     <p:sldId id="345" r:id="rId37"/>
-    <p:sldId id="339" r:id="rId38"/>
-    <p:sldId id="355" r:id="rId39"/>
-    <p:sldId id="315" r:id="rId40"/>
-    <p:sldId id="316" r:id="rId41"/>
-    <p:sldId id="317" r:id="rId42"/>
-    <p:sldId id="318" r:id="rId43"/>
-    <p:sldId id="319" r:id="rId44"/>
-    <p:sldId id="320" r:id="rId45"/>
-    <p:sldId id="321" r:id="rId46"/>
-    <p:sldId id="322" r:id="rId47"/>
-    <p:sldId id="298" r:id="rId48"/>
-    <p:sldId id="299" r:id="rId49"/>
-    <p:sldId id="338" r:id="rId50"/>
-    <p:sldId id="300" r:id="rId51"/>
-    <p:sldId id="301" r:id="rId52"/>
-    <p:sldId id="302" r:id="rId53"/>
-    <p:sldId id="303" r:id="rId54"/>
-    <p:sldId id="282" r:id="rId55"/>
-    <p:sldId id="257" r:id="rId56"/>
-    <p:sldId id="265" r:id="rId57"/>
-    <p:sldId id="276" r:id="rId58"/>
-    <p:sldId id="310" r:id="rId59"/>
-    <p:sldId id="311" r:id="rId60"/>
-    <p:sldId id="312" r:id="rId61"/>
-    <p:sldId id="333" r:id="rId62"/>
-    <p:sldId id="313" r:id="rId63"/>
-    <p:sldId id="314" r:id="rId64"/>
-    <p:sldId id="261" r:id="rId65"/>
-    <p:sldId id="270" r:id="rId66"/>
-    <p:sldId id="271" r:id="rId67"/>
-    <p:sldId id="272" r:id="rId68"/>
-    <p:sldId id="273" r:id="rId69"/>
-    <p:sldId id="274" r:id="rId70"/>
-    <p:sldId id="275" r:id="rId71"/>
+    <p:sldId id="355" r:id="rId38"/>
+    <p:sldId id="315" r:id="rId39"/>
+    <p:sldId id="316" r:id="rId40"/>
+    <p:sldId id="356" r:id="rId41"/>
+    <p:sldId id="357" r:id="rId42"/>
+    <p:sldId id="365" r:id="rId43"/>
+    <p:sldId id="358" r:id="rId44"/>
+    <p:sldId id="359" r:id="rId45"/>
+    <p:sldId id="317" r:id="rId46"/>
+    <p:sldId id="361" r:id="rId47"/>
+    <p:sldId id="364" r:id="rId48"/>
+    <p:sldId id="363" r:id="rId49"/>
+    <p:sldId id="362" r:id="rId50"/>
+    <p:sldId id="318" r:id="rId51"/>
+    <p:sldId id="319" r:id="rId52"/>
+    <p:sldId id="320" r:id="rId53"/>
+    <p:sldId id="321" r:id="rId54"/>
+    <p:sldId id="322" r:id="rId55"/>
+    <p:sldId id="298" r:id="rId56"/>
+    <p:sldId id="299" r:id="rId57"/>
+    <p:sldId id="338" r:id="rId58"/>
+    <p:sldId id="300" r:id="rId59"/>
+    <p:sldId id="301" r:id="rId60"/>
+    <p:sldId id="302" r:id="rId61"/>
+    <p:sldId id="303" r:id="rId62"/>
+    <p:sldId id="282" r:id="rId63"/>
+    <p:sldId id="257" r:id="rId64"/>
+    <p:sldId id="265" r:id="rId65"/>
+    <p:sldId id="276" r:id="rId66"/>
+    <p:sldId id="310" r:id="rId67"/>
+    <p:sldId id="311" r:id="rId68"/>
+    <p:sldId id="312" r:id="rId69"/>
+    <p:sldId id="333" r:id="rId70"/>
+    <p:sldId id="313" r:id="rId71"/>
+    <p:sldId id="314" r:id="rId72"/>
+    <p:sldId id="261" r:id="rId73"/>
+    <p:sldId id="270" r:id="rId74"/>
+    <p:sldId id="271" r:id="rId75"/>
+    <p:sldId id="272" r:id="rId76"/>
+    <p:sldId id="273" r:id="rId77"/>
+    <p:sldId id="274" r:id="rId78"/>
+    <p:sldId id="275" r:id="rId79"/>
   </p:sldIdLst>
   <p:sldSz cx="12192000" cy="6858000"/>
   <p:notesSz cx="6858000" cy="9144000"/>
@@ -312,7 +320,7 @@
           <a:p>
             <a:fld id="{012790D9-61A1-4D2A-ABFB-2410DF2390CB}" type="datetimeFigureOut">
               <a:rPr lang="en-SG" smtClean="0"/>
-              <a:t>27/5/2022</a:t>
+              <a:t>31/5/2022</a:t>
             </a:fld>
             <a:endParaRPr lang="en-SG"/>
           </a:p>
@@ -482,7 +490,7 @@
           <a:p>
             <a:fld id="{012790D9-61A1-4D2A-ABFB-2410DF2390CB}" type="datetimeFigureOut">
               <a:rPr lang="en-SG" smtClean="0"/>
-              <a:t>27/5/2022</a:t>
+              <a:t>31/5/2022</a:t>
             </a:fld>
             <a:endParaRPr lang="en-SG"/>
           </a:p>
@@ -662,7 +670,7 @@
           <a:p>
             <a:fld id="{012790D9-61A1-4D2A-ABFB-2410DF2390CB}" type="datetimeFigureOut">
               <a:rPr lang="en-SG" smtClean="0"/>
-              <a:t>27/5/2022</a:t>
+              <a:t>31/5/2022</a:t>
             </a:fld>
             <a:endParaRPr lang="en-SG"/>
           </a:p>
@@ -832,7 +840,7 @@
           <a:p>
             <a:fld id="{012790D9-61A1-4D2A-ABFB-2410DF2390CB}" type="datetimeFigureOut">
               <a:rPr lang="en-SG" smtClean="0"/>
-              <a:t>27/5/2022</a:t>
+              <a:t>31/5/2022</a:t>
             </a:fld>
             <a:endParaRPr lang="en-SG"/>
           </a:p>
@@ -1078,7 +1086,7 @@
           <a:p>
             <a:fld id="{012790D9-61A1-4D2A-ABFB-2410DF2390CB}" type="datetimeFigureOut">
               <a:rPr lang="en-SG" smtClean="0"/>
-              <a:t>27/5/2022</a:t>
+              <a:t>31/5/2022</a:t>
             </a:fld>
             <a:endParaRPr lang="en-SG"/>
           </a:p>
@@ -1310,7 +1318,7 @@
           <a:p>
             <a:fld id="{012790D9-61A1-4D2A-ABFB-2410DF2390CB}" type="datetimeFigureOut">
               <a:rPr lang="en-SG" smtClean="0"/>
-              <a:t>27/5/2022</a:t>
+              <a:t>31/5/2022</a:t>
             </a:fld>
             <a:endParaRPr lang="en-SG"/>
           </a:p>
@@ -1677,7 +1685,7 @@
           <a:p>
             <a:fld id="{012790D9-61A1-4D2A-ABFB-2410DF2390CB}" type="datetimeFigureOut">
               <a:rPr lang="en-SG" smtClean="0"/>
-              <a:t>27/5/2022</a:t>
+              <a:t>31/5/2022</a:t>
             </a:fld>
             <a:endParaRPr lang="en-SG"/>
           </a:p>
@@ -1795,7 +1803,7 @@
           <a:p>
             <a:fld id="{012790D9-61A1-4D2A-ABFB-2410DF2390CB}" type="datetimeFigureOut">
               <a:rPr lang="en-SG" smtClean="0"/>
-              <a:t>27/5/2022</a:t>
+              <a:t>31/5/2022</a:t>
             </a:fld>
             <a:endParaRPr lang="en-SG"/>
           </a:p>
@@ -1890,7 +1898,7 @@
           <a:p>
             <a:fld id="{012790D9-61A1-4D2A-ABFB-2410DF2390CB}" type="datetimeFigureOut">
               <a:rPr lang="en-SG" smtClean="0"/>
-              <a:t>27/5/2022</a:t>
+              <a:t>31/5/2022</a:t>
             </a:fld>
             <a:endParaRPr lang="en-SG"/>
           </a:p>
@@ -2167,7 +2175,7 @@
           <a:p>
             <a:fld id="{012790D9-61A1-4D2A-ABFB-2410DF2390CB}" type="datetimeFigureOut">
               <a:rPr lang="en-SG" smtClean="0"/>
-              <a:t>27/5/2022</a:t>
+              <a:t>31/5/2022</a:t>
             </a:fld>
             <a:endParaRPr lang="en-SG"/>
           </a:p>
@@ -2420,7 +2428,7 @@
           <a:p>
             <a:fld id="{012790D9-61A1-4D2A-ABFB-2410DF2390CB}" type="datetimeFigureOut">
               <a:rPr lang="en-SG" smtClean="0"/>
-              <a:t>27/5/2022</a:t>
+              <a:t>31/5/2022</a:t>
             </a:fld>
             <a:endParaRPr lang="en-SG"/>
           </a:p>
@@ -2633,7 +2641,7 @@
           <a:p>
             <a:fld id="{012790D9-61A1-4D2A-ABFB-2410DF2390CB}" type="datetimeFigureOut">
               <a:rPr lang="en-SG" smtClean="0"/>
-              <a:t>27/5/2022</a:t>
+              <a:t>31/5/2022</a:t>
             </a:fld>
             <a:endParaRPr lang="en-SG"/>
           </a:p>
@@ -3202,7 +3210,7 @@
           <a:graphicData uri="http://schemas.openxmlformats.org/presentationml/2006/ole">
             <mc:AlternateContent xmlns:mc="http://schemas.openxmlformats.org/markup-compatibility/2006">
               <mc:Choice xmlns:v="urn:schemas-microsoft-com:vml" Requires="v">
-                <p:oleObj spid="_x0000_s9450" name="Equation" r:id="rId3" imgW="711000" imgH="203040" progId="Equation.DSMT4">
+                <p:oleObj spid="_x0000_s9538" name="Equation" r:id="rId3" imgW="711000" imgH="203040" progId="Equation.DSMT4">
                   <p:embed/>
                 </p:oleObj>
               </mc:Choice>
@@ -3255,7 +3263,7 @@
           <a:graphicData uri="http://schemas.openxmlformats.org/presentationml/2006/ole">
             <mc:AlternateContent xmlns:mc="http://schemas.openxmlformats.org/markup-compatibility/2006">
               <mc:Choice xmlns:v="urn:schemas-microsoft-com:vml" Requires="v">
-                <p:oleObj spid="_x0000_s9451" name="Equation" r:id="rId5" imgW="583920" imgH="203040" progId="Equation.DSMT4">
+                <p:oleObj spid="_x0000_s9539" name="Equation" r:id="rId5" imgW="583920" imgH="203040" progId="Equation.DSMT4">
                   <p:embed/>
                 </p:oleObj>
               </mc:Choice>
@@ -3308,7 +3316,7 @@
           <a:graphicData uri="http://schemas.openxmlformats.org/presentationml/2006/ole">
             <mc:AlternateContent xmlns:mc="http://schemas.openxmlformats.org/markup-compatibility/2006">
               <mc:Choice xmlns:v="urn:schemas-microsoft-com:vml" Requires="v">
-                <p:oleObj spid="_x0000_s9452" name="Equation" r:id="rId7" imgW="469800" imgH="177480" progId="Equation.DSMT4">
+                <p:oleObj spid="_x0000_s9540" name="Equation" r:id="rId7" imgW="469800" imgH="177480" progId="Equation.DSMT4">
                   <p:embed/>
                 </p:oleObj>
               </mc:Choice>
@@ -3361,7 +3369,7 @@
           <a:graphicData uri="http://schemas.openxmlformats.org/presentationml/2006/ole">
             <mc:AlternateContent xmlns:mc="http://schemas.openxmlformats.org/markup-compatibility/2006">
               <mc:Choice xmlns:v="urn:schemas-microsoft-com:vml" Requires="v">
-                <p:oleObj spid="_x0000_s9453" name="Equation" r:id="rId9" imgW="1600200" imgH="711000" progId="Equation.DSMT4">
+                <p:oleObj spid="_x0000_s9541" name="Equation" r:id="rId9" imgW="1600200" imgH="711000" progId="Equation.DSMT4">
                   <p:embed/>
                 </p:oleObj>
               </mc:Choice>
@@ -3516,7 +3524,7 @@
           <a:graphicData uri="http://schemas.openxmlformats.org/presentationml/2006/ole">
             <mc:AlternateContent xmlns:mc="http://schemas.openxmlformats.org/markup-compatibility/2006">
               <mc:Choice xmlns:v="urn:schemas-microsoft-com:vml" Requires="v">
-                <p:oleObj spid="_x0000_s10300" name="Equation" r:id="rId3" imgW="1155600" imgH="914400" progId="Equation.DSMT4">
+                <p:oleObj spid="_x0000_s10322" name="Equation" r:id="rId3" imgW="1155600" imgH="914400" progId="Equation.DSMT4">
                   <p:embed/>
                 </p:oleObj>
               </mc:Choice>
@@ -3734,7 +3742,7 @@
           <a:graphicData uri="http://schemas.openxmlformats.org/presentationml/2006/ole">
             <mc:AlternateContent xmlns:mc="http://schemas.openxmlformats.org/markup-compatibility/2006">
               <mc:Choice xmlns:v="urn:schemas-microsoft-com:vml" Requires="v">
-                <p:oleObj spid="_x0000_s11382" name="Equation" r:id="rId3" imgW="1091880" imgH="711000" progId="Equation.DSMT4">
+                <p:oleObj spid="_x0000_s11426" name="Equation" r:id="rId3" imgW="1091880" imgH="711000" progId="Equation.DSMT4">
                   <p:embed/>
                 </p:oleObj>
               </mc:Choice>
@@ -3787,7 +3795,7 @@
           <a:graphicData uri="http://schemas.openxmlformats.org/presentationml/2006/ole">
             <mc:AlternateContent xmlns:mc="http://schemas.openxmlformats.org/markup-compatibility/2006">
               <mc:Choice xmlns:v="urn:schemas-microsoft-com:vml" Requires="v">
-                <p:oleObj spid="_x0000_s11383" name="Equation" r:id="rId5" imgW="571320" imgH="457200" progId="Equation.DSMT4">
+                <p:oleObj spid="_x0000_s11427" name="Equation" r:id="rId5" imgW="571320" imgH="457200" progId="Equation.DSMT4">
                   <p:embed/>
                 </p:oleObj>
               </mc:Choice>
@@ -3915,7 +3923,7 @@
           <a:graphicData uri="http://schemas.openxmlformats.org/presentationml/2006/ole">
             <mc:AlternateContent xmlns:mc="http://schemas.openxmlformats.org/markup-compatibility/2006">
               <mc:Choice xmlns:v="urn:schemas-microsoft-com:vml" Requires="v">
-                <p:oleObj spid="_x0000_s12348" name="Equation" r:id="rId3" imgW="3682800" imgH="914400" progId="Equation.DSMT4">
+                <p:oleObj spid="_x0000_s12370" name="Equation" r:id="rId3" imgW="3682800" imgH="914400" progId="Equation.DSMT4">
                   <p:embed/>
                 </p:oleObj>
               </mc:Choice>
@@ -4044,7 +4052,7 @@
           <a:graphicData uri="http://schemas.openxmlformats.org/presentationml/2006/ole">
             <mc:AlternateContent xmlns:mc="http://schemas.openxmlformats.org/markup-compatibility/2006">
               <mc:Choice xmlns:v="urn:schemas-microsoft-com:vml" Requires="v">
-                <p:oleObj spid="_x0000_s13344" name="Equation" r:id="rId3" imgW="1155600" imgH="914400" progId="Equation.DSMT4">
+                <p:oleObj spid="_x0000_s13366" name="Equation" r:id="rId3" imgW="1155600" imgH="914400" progId="Equation.DSMT4">
                   <p:embed/>
                 </p:oleObj>
               </mc:Choice>
@@ -4237,7 +4245,7 @@
           <a:graphicData uri="http://schemas.openxmlformats.org/presentationml/2006/ole">
             <mc:AlternateContent xmlns:mc="http://schemas.openxmlformats.org/markup-compatibility/2006">
               <mc:Choice xmlns:v="urn:schemas-microsoft-com:vml" Requires="v">
-                <p:oleObj spid="_x0000_s14368" name="Equation" r:id="rId3" imgW="1117440" imgH="914400" progId="Equation.DSMT4">
+                <p:oleObj spid="_x0000_s14390" name="Equation" r:id="rId3" imgW="1117440" imgH="914400" progId="Equation.DSMT4">
                   <p:embed/>
                 </p:oleObj>
               </mc:Choice>
@@ -4520,7 +4528,7 @@
           <a:graphicData uri="http://schemas.openxmlformats.org/presentationml/2006/ole">
             <mc:AlternateContent xmlns:mc="http://schemas.openxmlformats.org/markup-compatibility/2006">
               <mc:Choice xmlns:v="urn:schemas-microsoft-com:vml" Requires="v">
-                <p:oleObj spid="_x0000_s15422" name="Equation" r:id="rId3" imgW="2616120" imgH="914400" progId="Equation.DSMT4">
+                <p:oleObj spid="_x0000_s15466" name="Equation" r:id="rId3" imgW="2616120" imgH="914400" progId="Equation.DSMT4">
                   <p:embed/>
                 </p:oleObj>
               </mc:Choice>
@@ -4573,7 +4581,7 @@
           <a:graphicData uri="http://schemas.openxmlformats.org/presentationml/2006/ole">
             <mc:AlternateContent xmlns:mc="http://schemas.openxmlformats.org/markup-compatibility/2006">
               <mc:Choice xmlns:v="urn:schemas-microsoft-com:vml" Requires="v">
-                <p:oleObj spid="_x0000_s15423" name="Equation" r:id="rId5" imgW="1574640" imgH="914400" progId="Equation.DSMT4">
+                <p:oleObj spid="_x0000_s15467" name="Equation" r:id="rId5" imgW="1574640" imgH="914400" progId="Equation.DSMT4">
                   <p:embed/>
                 </p:oleObj>
               </mc:Choice>
@@ -5286,7 +5294,7 @@
             </a:pPr>
             <a:r>
               <a:rPr lang="en-SG" dirty="0" smtClean="0"/>
-              <a:t>There are various CAD software systems used in different fields. How people could share the same model among these systems? The answer to share data obeying the same standard. The mainstream data standards are: GKS,STEP</a:t>
+              <a:t>There are various CAD software systems used in different fields. How people could share the same model among these systems? The answer is to share data obeying the same standard. The mainstream data standards are: GKS,STEP, etc.</a:t>
             </a:r>
           </a:p>
           <a:p>
@@ -5456,8 +5464,12 @@
           <a:lstStyle/>
           <a:p>
             <a:r>
-              <a:rPr lang="en-SG" dirty="0"/>
-              <a:t> There is increasing application of CAD accompanied by a growth in </a:t>
+              <a:rPr lang="en-SG" dirty="0" smtClean="0"/>
+              <a:t>There </a:t>
+            </a:r>
+            <a:r>
+              <a:rPr lang="en-SG" dirty="0"/>
+              <a:t>is increasing application of CAD accompanied by a growth in </a:t>
             </a:r>
             <a:r>
               <a:rPr lang="en-SG" dirty="0" smtClean="0"/>
@@ -5697,15 +5709,25 @@
             <p:ph type="title"/>
           </p:nvPr>
         </p:nvSpPr>
-        <p:spPr/>
-        <p:txBody>
-          <a:bodyPr/>
-          <a:lstStyle/>
-          <a:p>
-            <a:r>
-              <a:rPr lang="en-SG" dirty="0"/>
-              <a:t>IGES</a:t>
-            </a:r>
+        <p:spPr>
+          <a:xfrm>
+            <a:off x="838199" y="365125"/>
+            <a:ext cx="10169107" cy="1325563"/>
+          </a:xfrm>
+        </p:spPr>
+        <p:txBody>
+          <a:bodyPr/>
+          <a:lstStyle/>
+          <a:p>
+            <a:r>
+              <a:rPr lang="en-SG" dirty="0"/>
+              <a:t>IGES(Initial Graphics Exchange </a:t>
+            </a:r>
+            <a:r>
+              <a:rPr lang="en-SG" dirty="0" smtClean="0"/>
+              <a:t>Specification)</a:t>
+            </a:r>
+            <a:endParaRPr lang="en-SG" dirty="0"/>
           </a:p>
         </p:txBody>
       </p:sp>
@@ -5722,66 +5744,89 @@
         <p:spPr/>
         <p:txBody>
           <a:bodyPr>
-            <a:normAutofit fontScale="25000" lnSpcReduction="20000"/>
+            <a:normAutofit fontScale="62500" lnSpcReduction="20000"/>
           </a:bodyPr>
           <a:lstStyle/>
           <a:p>
-            <a:r>
-              <a:rPr lang="en-SG" dirty="0"/>
-              <a:t>Initial Graphics Exchange Specification</a:t>
-            </a:r>
-          </a:p>
-          <a:p>
-            <a:r>
-              <a:rPr lang="en-SG" dirty="0"/>
-              <a:t>– this is a standard for </a:t>
-            </a:r>
-            <a:r>
-              <a:rPr lang="en-SG" dirty="0" err="1"/>
-              <a:t>th</a:t>
-            </a:r>
-            <a:r>
-              <a:rPr lang="en-SG" dirty="0"/>
-              <a:t> structure and syntax of neutral file in ASCII, compressed </a:t>
-            </a:r>
-          </a:p>
-          <a:p>
-            <a:r>
-              <a:rPr lang="en-SG" dirty="0"/>
-              <a:t>ASCII or binary format</a:t>
-            </a:r>
-          </a:p>
-          <a:p>
-            <a:r>
-              <a:rPr lang="en-SG" dirty="0"/>
-              <a:t>• the ASCII format is: 80 character records/lines, terminated by semicolons, fields divided with commas</a:t>
-            </a:r>
-          </a:p>
-          <a:p>
-            <a:r>
-              <a:rPr lang="en-SG" dirty="0"/>
-              <a:t>• Start section:</a:t>
-            </a:r>
-          </a:p>
-          <a:p>
+            <a:pPr marL="0" indent="0">
+              <a:buNone/>
+            </a:pPr>
+            <a:r>
+              <a:rPr lang="en-SG" dirty="0" smtClean="0"/>
+              <a:t>A </a:t>
+            </a:r>
+            <a:r>
+              <a:rPr lang="en-SG" dirty="0"/>
+              <a:t>standard for </a:t>
+            </a:r>
+            <a:r>
+              <a:rPr lang="en-SG" dirty="0" smtClean="0"/>
+              <a:t>the </a:t>
+            </a:r>
+            <a:r>
+              <a:rPr lang="en-SG" dirty="0"/>
+              <a:t>structure and syntax of neutral file in ASCII, compressed </a:t>
+            </a:r>
+            <a:r>
+              <a:rPr lang="en-SG" dirty="0" smtClean="0"/>
+              <a:t>ASCII </a:t>
+            </a:r>
+            <a:r>
+              <a:rPr lang="en-SG" dirty="0"/>
+              <a:t>or binary format</a:t>
+            </a:r>
+          </a:p>
+          <a:p>
+            <a:r>
+              <a:rPr lang="en-SG" dirty="0" smtClean="0"/>
+              <a:t>the </a:t>
+            </a:r>
+            <a:r>
+              <a:rPr lang="en-SG" dirty="0"/>
+              <a:t>ASCII format is: 80 character records/lines, terminated by semicolons, fields divided with commas</a:t>
+            </a:r>
+          </a:p>
+          <a:p>
+            <a:r>
+              <a:rPr lang="en-SG" dirty="0" smtClean="0"/>
+              <a:t>Start </a:t>
+            </a:r>
+            <a:r>
+              <a:rPr lang="en-SG" dirty="0"/>
+              <a:t>section:</a:t>
+            </a:r>
+          </a:p>
+          <a:p>
+            <a:pPr marL="457200" lvl="1" indent="0">
+              <a:buNone/>
+            </a:pPr>
             <a:r>
               <a:rPr lang="en-SG" dirty="0"/>
               <a:t>– contains data such as the features of the originating system to assist the </a:t>
             </a:r>
-          </a:p>
-          <a:p>
-            <a:r>
-              <a:rPr lang="en-SG" dirty="0"/>
-              <a:t>recipient in translating the file </a:t>
-            </a:r>
-          </a:p>
-          <a:p>
-            <a:r>
-              <a:rPr lang="en-SG" dirty="0"/>
-              <a:t>• Global section:</a:t>
-            </a:r>
-          </a:p>
-          <a:p>
+            <a:r>
+              <a:rPr lang="en-SG" dirty="0" smtClean="0"/>
+              <a:t>recipient </a:t>
+            </a:r>
+            <a:r>
+              <a:rPr lang="en-SG" dirty="0"/>
+              <a:t>in translating the file </a:t>
+            </a:r>
+          </a:p>
+          <a:p>
+            <a:r>
+              <a:rPr lang="en-SG" dirty="0" smtClean="0"/>
+              <a:t>Global </a:t>
+            </a:r>
+            <a:r>
+              <a:rPr lang="en-SG" dirty="0"/>
+              <a:t>section:</a:t>
+            </a:r>
+          </a:p>
+          <a:p>
+            <a:pPr marL="457200" lvl="1" indent="0">
+              <a:buNone/>
+            </a:pPr>
             <a:r>
               <a:rPr lang="en-SG" dirty="0"/>
               <a:t>– contains 24 parameter fields which are necessary to translate the file</a:t>
@@ -5789,69 +5834,99 @@
           </a:p>
           <a:p>
             <a:r>
-              <a:rPr lang="en-SG" dirty="0"/>
-              <a:t>• Directory section:</a:t>
-            </a:r>
-          </a:p>
-          <a:p>
+              <a:rPr lang="en-SG" dirty="0" smtClean="0"/>
+              <a:t>Directory </a:t>
+            </a:r>
+            <a:r>
+              <a:rPr lang="en-SG" dirty="0"/>
+              <a:t>section:</a:t>
+            </a:r>
+          </a:p>
+          <a:p>
+            <a:pPr marL="457200" lvl="1" indent="0">
+              <a:buNone/>
+            </a:pPr>
             <a:r>
               <a:rPr lang="en-SG" dirty="0"/>
               <a:t>– contains 18 x 8-character fields on 2 lines as an entry for each entity; codes </a:t>
             </a:r>
-          </a:p>
-          <a:p>
-            <a:r>
-              <a:rPr lang="en-SG" dirty="0"/>
-              <a:t>represent the entity type, subtype, and pointers to entity data in next section</a:t>
-            </a:r>
-          </a:p>
-          <a:p>
-            <a:r>
-              <a:rPr lang="en-SG" dirty="0"/>
-              <a:t>• Parameter Data Section:</a:t>
-            </a:r>
-          </a:p>
-          <a:p>
+            <a:r>
+              <a:rPr lang="en-SG" dirty="0" smtClean="0"/>
+              <a:t>represent </a:t>
+            </a:r>
+            <a:r>
+              <a:rPr lang="en-SG" dirty="0"/>
+              <a:t>the entity type, subtype, and pointers to entity data in next section</a:t>
+            </a:r>
+          </a:p>
+          <a:p>
+            <a:r>
+              <a:rPr lang="en-SG" dirty="0" smtClean="0"/>
+              <a:t>Parameter </a:t>
+            </a:r>
+            <a:r>
+              <a:rPr lang="en-SG" dirty="0"/>
+              <a:t>Data Section:</a:t>
+            </a:r>
+          </a:p>
+          <a:p>
+            <a:pPr marL="457200" lvl="1" indent="0">
+              <a:buNone/>
+            </a:pPr>
             <a:r>
               <a:rPr lang="en-SG" dirty="0"/>
               <a:t>– contains entity specific data such as coordinates, annotations, spline control </a:t>
             </a:r>
-          </a:p>
-          <a:p>
-            <a:r>
-              <a:rPr lang="en-SG" dirty="0"/>
-              <a:t>points, pointers to directory entries, etc.</a:t>
-            </a:r>
-          </a:p>
-          <a:p>
-            <a:r>
-              <a:rPr lang="en-SG" dirty="0"/>
-              <a:t>• the first parameter for each entry identifies the entity type from which the meanings for remaining </a:t>
-            </a:r>
-          </a:p>
-          <a:p>
-            <a:r>
-              <a:rPr lang="en-SG" dirty="0"/>
-              <a:t>parameters are derived.</a:t>
-            </a:r>
-          </a:p>
-          <a:p>
-            <a:r>
-              <a:rPr lang="en-SG" dirty="0"/>
-              <a:t>• Termination Section:</a:t>
-            </a:r>
-          </a:p>
-          <a:p>
+            <a:r>
+              <a:rPr lang="en-SG" dirty="0" smtClean="0"/>
+              <a:t>points</a:t>
+            </a:r>
+            <a:r>
+              <a:rPr lang="en-SG" dirty="0"/>
+              <a:t>, pointers to directory entries, etc.</a:t>
+            </a:r>
+          </a:p>
+          <a:p>
+            <a:r>
+              <a:rPr lang="en-SG" dirty="0" smtClean="0"/>
+              <a:t>the </a:t>
+            </a:r>
+            <a:r>
+              <a:rPr lang="en-SG" dirty="0"/>
+              <a:t>first parameter for each entry identifies the entity type from which the meanings for remaining </a:t>
+            </a:r>
+            <a:r>
+              <a:rPr lang="en-SG" dirty="0" smtClean="0"/>
+              <a:t>parameters </a:t>
+            </a:r>
+            <a:r>
+              <a:rPr lang="en-SG" dirty="0"/>
+              <a:t>are derived.</a:t>
+            </a:r>
+          </a:p>
+          <a:p>
+            <a:r>
+              <a:rPr lang="en-SG" dirty="0" smtClean="0"/>
+              <a:t>Termination </a:t>
+            </a:r>
+            <a:r>
+              <a:rPr lang="en-SG" dirty="0"/>
+              <a:t>Section:</a:t>
+            </a:r>
+          </a:p>
+          <a:p>
+            <a:pPr marL="457200" lvl="1" indent="0">
+              <a:buNone/>
+            </a:pPr>
             <a:r>
               <a:rPr lang="en-SG" dirty="0"/>
               <a:t>– marks the end of the data file, contains subtotals of records for data transmission </a:t>
             </a:r>
-          </a:p>
-          <a:p>
-            <a:r>
-              <a:rPr lang="en-SG" dirty="0"/>
+            <a:r>
+              <a:rPr lang="en-SG" dirty="0" smtClean="0"/>
               <a:t>checks</a:t>
             </a:r>
+            <a:endParaRPr lang="en-SG" dirty="0"/>
           </a:p>
         </p:txBody>
       </p:sp>
@@ -5937,7 +6012,7 @@
           <a:p>
             <a:pPr lvl="1">
               <a:buFont typeface="Wingdings" panose="05000000000000000000" pitchFamily="2" charset="2"/>
-              <a:buChar char="§"/>
+              <a:buChar char="ü"/>
             </a:pPr>
             <a:r>
               <a:rPr lang="en-SG" dirty="0" smtClean="0"/>
@@ -6081,7 +6156,7 @@
           <a:p>
             <a:pPr lvl="1">
               <a:buFont typeface="Wingdings" panose="05000000000000000000" pitchFamily="2" charset="2"/>
-              <a:buChar char="§"/>
+              <a:buChar char="ü"/>
             </a:pPr>
             <a:r>
               <a:rPr lang="en-SG" dirty="0" smtClean="0"/>
@@ -6715,12 +6790,18 @@
         </p:nvSpPr>
         <p:spPr/>
         <p:txBody>
-          <a:bodyPr/>
-          <a:lstStyle/>
-          <a:p>
-            <a:r>
-              <a:rPr lang="en-SG" dirty="0" smtClean="0"/>
-              <a:t>STEP</a:t>
+          <a:bodyPr>
+            <a:normAutofit/>
+          </a:bodyPr>
+          <a:lstStyle/>
+          <a:p>
+            <a:r>
+              <a:rPr lang="en-SG" dirty="0"/>
+              <a:t>STEP(Standard for the Exchange of Product model </a:t>
+            </a:r>
+            <a:r>
+              <a:rPr lang="en-SG" dirty="0" smtClean="0"/>
+              <a:t>data)</a:t>
             </a:r>
             <a:endParaRPr lang="en-SG" dirty="0"/>
           </a:p>
@@ -6738,41 +6819,23 @@
         </p:nvSpPr>
         <p:spPr>
           <a:xfrm>
-            <a:off x="838200" y="1475117"/>
-            <a:ext cx="7538049" cy="4856671"/>
+            <a:off x="838200" y="1690688"/>
+            <a:ext cx="7538049" cy="4641100"/>
           </a:xfrm>
         </p:spPr>
         <p:txBody>
           <a:bodyPr>
-            <a:normAutofit fontScale="92500" lnSpcReduction="20000"/>
+            <a:normAutofit fontScale="92500" lnSpcReduction="10000"/>
           </a:bodyPr>
           <a:lstStyle/>
           <a:p>
             <a:r>
               <a:rPr lang="en-SG" dirty="0" smtClean="0"/>
-              <a:t>Standard </a:t>
-            </a:r>
-            <a:r>
-              <a:rPr lang="en-SG" dirty="0"/>
-              <a:t>for the Exchange of </a:t>
-            </a:r>
-            <a:r>
-              <a:rPr lang="en-SG" dirty="0" smtClean="0"/>
-              <a:t>Product </a:t>
-            </a:r>
-            <a:r>
-              <a:rPr lang="en-SG" dirty="0"/>
-              <a:t>model </a:t>
-            </a:r>
-            <a:r>
-              <a:rPr lang="en-SG" dirty="0" smtClean="0"/>
-              <a:t>data</a:t>
-            </a:r>
-          </a:p>
-          <a:p>
-            <a:r>
-              <a:rPr lang="en-SG" dirty="0"/>
-              <a:t>Uses a formal model for data </a:t>
+              <a:t>Uses </a:t>
+            </a:r>
+            <a:r>
+              <a:rPr lang="en-SG" dirty="0"/>
+              <a:t>a formal model for data </a:t>
             </a:r>
             <a:r>
               <a:rPr lang="en-SG" dirty="0" smtClean="0"/>
@@ -8717,7 +8780,10 @@
           <a:bodyPr/>
           <a:lstStyle/>
           <a:p>
-            <a:endParaRPr lang="en-SG"/>
+            <a:r>
+              <a:rPr lang="en-SG" dirty="0"/>
+              <a:t>Exporting CAD data</a:t>
+            </a:r>
           </a:p>
         </p:txBody>
       </p:sp>
@@ -8733,23 +8799,119 @@
         </p:nvSpPr>
         <p:spPr/>
         <p:txBody>
-          <a:bodyPr/>
-          <a:lstStyle/>
-          <a:p>
-            <a:r>
-              <a:rPr lang="en-SG" dirty="0"/>
-              <a:t>Data storage</a:t>
-            </a:r>
-          </a:p>
-          <a:p>
-            <a:pPr lvl="1"/>
-            <a:r>
-              <a:rPr lang="en-US" dirty="0"/>
-              <a:t>Most of CAD/CAM software systems store the data of model by relational database.</a:t>
-            </a:r>
-            <a:endParaRPr lang="en-SG" dirty="0"/>
-          </a:p>
-          <a:p>
+          <a:bodyPr>
+            <a:normAutofit/>
+          </a:bodyPr>
+          <a:lstStyle/>
+          <a:p>
+            <a:pPr marL="0" indent="0">
+              <a:buNone/>
+            </a:pPr>
+            <a:r>
+              <a:rPr lang="en-SG" dirty="0"/>
+              <a:t>Transferring 3D CAD models between different software packages </a:t>
+            </a:r>
+            <a:r>
+              <a:rPr lang="en-SG" dirty="0" smtClean="0"/>
+              <a:t>can </a:t>
+            </a:r>
+            <a:r>
+              <a:rPr lang="en-SG" dirty="0"/>
+              <a:t>be challenging</a:t>
+            </a:r>
+          </a:p>
+          <a:p>
+            <a:pPr marL="457200" lvl="1" indent="0">
+              <a:buNone/>
+            </a:pPr>
+            <a:r>
+              <a:rPr lang="en-SG" dirty="0" smtClean="0"/>
+              <a:t>– </a:t>
+            </a:r>
+            <a:r>
+              <a:rPr lang="en-SG" dirty="0"/>
+              <a:t>fortunately, most CAD packages will directly import files produced in </a:t>
+            </a:r>
+            <a:r>
+              <a:rPr lang="en-SG" dirty="0" smtClean="0"/>
+              <a:t>most </a:t>
+            </a:r>
+            <a:r>
+              <a:rPr lang="en-SG" dirty="0"/>
+              <a:t>other packages</a:t>
+            </a:r>
+          </a:p>
+          <a:p>
+            <a:pPr marL="0" indent="0">
+              <a:buNone/>
+            </a:pPr>
+            <a:r>
+              <a:rPr lang="en-SG" dirty="0"/>
+              <a:t>• If the file type is not supported, the data must be exported as a </a:t>
+            </a:r>
+            <a:r>
+              <a:rPr lang="en-SG" dirty="0" smtClean="0"/>
+              <a:t>neutral </a:t>
+            </a:r>
+            <a:r>
+              <a:rPr lang="en-SG" dirty="0"/>
+              <a:t>format and then imported</a:t>
+            </a:r>
+          </a:p>
+          <a:p>
+            <a:pPr marL="457200" lvl="1" indent="0">
+              <a:buNone/>
+            </a:pPr>
+            <a:r>
+              <a:rPr lang="en-SG" dirty="0"/>
+              <a:t>– important information may be “lost in translation”</a:t>
+            </a:r>
+          </a:p>
+          <a:p>
+            <a:pPr marL="457200" lvl="1" indent="0">
+              <a:buNone/>
+            </a:pPr>
+            <a:r>
+              <a:rPr lang="en-SG" dirty="0"/>
+              <a:t>– this applies especially to non-geometric data in 3D models, such as </a:t>
+            </a:r>
+            <a:r>
+              <a:rPr lang="en-SG" dirty="0" smtClean="0"/>
+              <a:t>material </a:t>
+            </a:r>
+            <a:r>
+              <a:rPr lang="en-SG" dirty="0"/>
+              <a:t>type</a:t>
+            </a:r>
+          </a:p>
+          <a:p>
+            <a:pPr marL="0" indent="0">
+              <a:buNone/>
+            </a:pPr>
+            <a:r>
+              <a:rPr lang="en-SG" dirty="0"/>
+              <a:t>• </a:t>
+            </a:r>
+            <a:r>
+              <a:rPr lang="en-SG" dirty="0" smtClean="0"/>
+              <a:t>Sometimes, the </a:t>
+            </a:r>
+            <a:r>
+              <a:rPr lang="en-SG" dirty="0"/>
+              <a:t>geometry </a:t>
+            </a:r>
+            <a:r>
+              <a:rPr lang="en-SG" dirty="0" smtClean="0"/>
+              <a:t>could </a:t>
+            </a:r>
+            <a:r>
+              <a:rPr lang="en-SG" dirty="0"/>
+              <a:t>not be properly </a:t>
+            </a:r>
+            <a:r>
+              <a:rPr lang="en-SG" dirty="0" smtClean="0"/>
+              <a:t>converted</a:t>
+            </a:r>
             <a:endParaRPr lang="en-SG" dirty="0"/>
           </a:p>
         </p:txBody>
@@ -8757,7 +8919,7 @@
     </p:spTree>
     <p:extLst>
       <p:ext uri="{BB962C8B-B14F-4D97-AF65-F5344CB8AC3E}">
-        <p14:creationId xmlns:p14="http://schemas.microsoft.com/office/powerpoint/2010/main" val="3666742569"/>
+        <p14:creationId xmlns:p14="http://schemas.microsoft.com/office/powerpoint/2010/main" val="2926976668"/>
       </p:ext>
     </p:extLst>
   </p:cSld>
@@ -8800,9 +8962,10 @@
           <a:lstStyle/>
           <a:p>
             <a:r>
-              <a:rPr lang="en-SG" dirty="0"/>
-              <a:t>Exporting CAD data</a:t>
-            </a:r>
+              <a:rPr lang="en-SG" dirty="0" smtClean="0"/>
+              <a:t>Introduction to Geometric Modelling</a:t>
+            </a:r>
+            <a:endParaRPr lang="en-SG" dirty="0"/>
           </a:p>
         </p:txBody>
       </p:sp>
@@ -8819,147 +8982,44 @@
         <p:spPr/>
         <p:txBody>
           <a:bodyPr>
-            <a:normAutofit fontScale="92500" lnSpcReduction="20000"/>
+            <a:normAutofit fontScale="92500" lnSpcReduction="10000"/>
           </a:bodyPr>
           <a:lstStyle/>
           <a:p>
-            <a:pPr marL="0" indent="0">
-              <a:buNone/>
-            </a:pPr>
-            <a:r>
-              <a:rPr lang="en-SG" dirty="0"/>
-              <a:t>Transferring 3D CAD models between different software packages </a:t>
-            </a:r>
-            <a:r>
-              <a:rPr lang="en-SG" dirty="0" smtClean="0"/>
-              <a:t>can </a:t>
-            </a:r>
-            <a:r>
-              <a:rPr lang="en-SG" dirty="0"/>
-              <a:t>be challenging</a:t>
-            </a:r>
-          </a:p>
-          <a:p>
-            <a:pPr marL="457200" lvl="1" indent="0">
-              <a:buNone/>
-            </a:pPr>
-            <a:r>
-              <a:rPr lang="en-SG" dirty="0" smtClean="0"/>
-              <a:t>– </a:t>
-            </a:r>
-            <a:r>
-              <a:rPr lang="en-SG" dirty="0"/>
-              <a:t>fortunately, most CAD packages will directly import files produced in </a:t>
-            </a:r>
-            <a:r>
-              <a:rPr lang="en-SG" dirty="0" smtClean="0"/>
-              <a:t>most </a:t>
-            </a:r>
-            <a:r>
-              <a:rPr lang="en-SG" dirty="0"/>
-              <a:t>other packages</a:t>
-            </a:r>
-          </a:p>
-          <a:p>
-            <a:pPr marL="0" indent="0">
-              <a:buNone/>
-            </a:pPr>
-            <a:r>
-              <a:rPr lang="en-SG" dirty="0"/>
-              <a:t>• If the file type is not supported, the data must be exported as a </a:t>
-            </a:r>
-            <a:r>
-              <a:rPr lang="en-SG" dirty="0" smtClean="0"/>
-              <a:t>neutral </a:t>
-            </a:r>
-            <a:r>
-              <a:rPr lang="en-SG" dirty="0"/>
-              <a:t>format and then imported</a:t>
-            </a:r>
-          </a:p>
-          <a:p>
-            <a:pPr marL="457200" lvl="1" indent="0">
-              <a:buNone/>
-            </a:pPr>
-            <a:r>
-              <a:rPr lang="en-SG" dirty="0"/>
-              <a:t>– important information may be “lost in translation”</a:t>
-            </a:r>
-          </a:p>
-          <a:p>
-            <a:pPr marL="457200" lvl="1" indent="0">
-              <a:buNone/>
-            </a:pPr>
-            <a:r>
-              <a:rPr lang="en-SG" dirty="0"/>
-              <a:t>– this applies especially to non-geometric data in 3D models, such as </a:t>
-            </a:r>
-            <a:r>
-              <a:rPr lang="en-SG" dirty="0" smtClean="0"/>
-              <a:t>material </a:t>
-            </a:r>
-            <a:r>
-              <a:rPr lang="en-SG" dirty="0"/>
-              <a:t>type</a:t>
-            </a:r>
-          </a:p>
-          <a:p>
-            <a:pPr marL="0" indent="0">
-              <a:buNone/>
-            </a:pPr>
-            <a:r>
-              <a:rPr lang="en-SG" dirty="0"/>
-              <a:t>• The geometry may not be properly converted</a:t>
-            </a:r>
-          </a:p>
-          <a:p>
-            <a:pPr marL="457200" lvl="1" indent="0">
-              <a:buNone/>
-            </a:pPr>
-            <a:r>
-              <a:rPr lang="en-SG" dirty="0"/>
-              <a:t>– e.g. only the individual entities are exported/imported, ignoring surface </a:t>
-            </a:r>
-            <a:r>
-              <a:rPr lang="en-SG" dirty="0" smtClean="0"/>
-              <a:t>details </a:t>
-            </a:r>
-            <a:r>
-              <a:rPr lang="en-SG" dirty="0"/>
-              <a:t>or topology</a:t>
-            </a:r>
-          </a:p>
-          <a:p>
-            <a:pPr marL="457200" lvl="1" indent="0">
-              <a:buNone/>
-            </a:pPr>
-            <a:r>
-              <a:rPr lang="en-SG" dirty="0"/>
-              <a:t>– try exporting some simple 3D geometry from SolidWorks into </a:t>
-            </a:r>
-            <a:r>
-              <a:rPr lang="en-SG" dirty="0" smtClean="0"/>
-              <a:t>different neutral </a:t>
-            </a:r>
-            <a:r>
-              <a:rPr lang="en-SG" dirty="0"/>
-              <a:t>file </a:t>
-            </a:r>
-            <a:r>
-              <a:rPr lang="en-SG" dirty="0" smtClean="0"/>
-              <a:t>formats </a:t>
-            </a:r>
-            <a:r>
-              <a:rPr lang="en-SG" dirty="0"/>
-              <a:t>(DXF, IGES, STEP) and reimporting them</a:t>
-            </a:r>
+            <a:r>
+              <a:rPr lang="en-SG" dirty="0" smtClean="0"/>
+              <a:t>Geometric modelling is a combination discipline with applied mathematics and computational geometry. In this discipline, people designed varied algorithms to describe all kinds of shapes by computers.</a:t>
+            </a:r>
+          </a:p>
+          <a:p>
+            <a:r>
+              <a:rPr lang="en-SG" dirty="0" smtClean="0"/>
+              <a:t>Building two or three dimensional models is crucial content of CAD &amp; CAM.</a:t>
+            </a:r>
+          </a:p>
+          <a:p>
+            <a:r>
+              <a:rPr lang="en-SG" dirty="0" smtClean="0"/>
+              <a:t>When we were creating a geometric model of a mechanism using a CAD system, what we do is just map real or imaginary structure to a new algorithmic object. This process should be unique and complete. Otherwise, a designer will not be able to restore any of them from start to the end or </a:t>
+            </a:r>
+            <a:r>
+              <a:rPr lang="en-US" dirty="0" smtClean="0"/>
+              <a:t>vice versa. Furthermore, the model could not be manufactured.</a:t>
+            </a:r>
+          </a:p>
+          <a:p>
+            <a:r>
+              <a:rPr lang="en-US" dirty="0" smtClean="0"/>
+              <a:t>This section will tell you what is the theoretical basis of geometric modelling.</a:t>
+            </a:r>
+            <a:endParaRPr lang="en-SG" dirty="0"/>
           </a:p>
         </p:txBody>
       </p:sp>
     </p:spTree>
     <p:extLst>
       <p:ext uri="{BB962C8B-B14F-4D97-AF65-F5344CB8AC3E}">
-        <p14:creationId xmlns:p14="http://schemas.microsoft.com/office/powerpoint/2010/main" val="2926976668"/>
+        <p14:creationId xmlns:p14="http://schemas.microsoft.com/office/powerpoint/2010/main" val="4194142784"/>
       </p:ext>
     </p:extLst>
   </p:cSld>
@@ -9003,7 +9063,7 @@
           <a:p>
             <a:r>
               <a:rPr lang="en-SG" dirty="0" smtClean="0"/>
-              <a:t>Introduction to Geometric Modelling</a:t>
+              <a:t>Geometry of curve</a:t>
             </a:r>
             <a:endParaRPr lang="en-SG" dirty="0"/>
           </a:p>
@@ -9026,14 +9086,34 @@
           <a:p>
             <a:r>
               <a:rPr lang="en-SG" dirty="0" smtClean="0"/>
-              <a:t>Usually, geometric modelling is a combination discipline with applied mathematics and computational geometry. In this discipline, people designed varied algorithms to describe all kinds of shapes by computers.</a:t>
-            </a:r>
-          </a:p>
-          <a:p>
-            <a:r>
-              <a:rPr lang="en-SG" dirty="0" smtClean="0"/>
-              <a:t>Building two or three dimensional models is crucial content of CAD &amp; CAM.</a:t>
-            </a:r>
+              <a:t>Representation of curves</a:t>
+            </a:r>
+          </a:p>
+          <a:p>
+            <a:r>
+              <a:rPr lang="en-SG" dirty="0" smtClean="0"/>
+              <a:t>Bezier curves</a:t>
+            </a:r>
+          </a:p>
+          <a:p>
+            <a:r>
+              <a:rPr lang="en-SG" dirty="0" smtClean="0"/>
+              <a:t>B-spline curves</a:t>
+            </a:r>
+          </a:p>
+          <a:p>
+            <a:r>
+              <a:rPr lang="en-SG" dirty="0" smtClean="0"/>
+              <a:t>Parameterized curves</a:t>
+            </a:r>
+          </a:p>
+          <a:p>
+            <a:r>
+              <a:rPr lang="en-SG" dirty="0" smtClean="0"/>
+              <a:t>Wire frame modelling</a:t>
+            </a:r>
+          </a:p>
+          <a:p>
             <a:endParaRPr lang="en-SG" dirty="0"/>
           </a:p>
         </p:txBody>
@@ -9041,7 +9121,7 @@
     </p:spTree>
     <p:extLst>
       <p:ext uri="{BB962C8B-B14F-4D97-AF65-F5344CB8AC3E}">
-        <p14:creationId xmlns:p14="http://schemas.microsoft.com/office/powerpoint/2010/main" val="4194142784"/>
+        <p14:creationId xmlns:p14="http://schemas.microsoft.com/office/powerpoint/2010/main" val="4172222177"/>
       </p:ext>
     </p:extLst>
   </p:cSld>
@@ -9150,14 +9230,25 @@
             <p:ph type="title"/>
           </p:nvPr>
         </p:nvSpPr>
-        <p:spPr/>
-        <p:txBody>
-          <a:bodyPr/>
-          <a:lstStyle/>
-          <a:p>
-            <a:r>
-              <a:rPr lang="en-SG" dirty="0" smtClean="0"/>
-              <a:t>Geometry of curve</a:t>
+        <p:spPr>
+          <a:xfrm>
+            <a:off x="838199" y="365125"/>
+            <a:ext cx="10729823" cy="1325563"/>
+          </a:xfrm>
+        </p:spPr>
+        <p:txBody>
+          <a:bodyPr>
+            <a:normAutofit/>
+          </a:bodyPr>
+          <a:lstStyle/>
+          <a:p>
+            <a:r>
+              <a:rPr lang="en-SG" dirty="0"/>
+              <a:t>Geometry of </a:t>
+            </a:r>
+            <a:r>
+              <a:rPr lang="en-SG" dirty="0" smtClean="0"/>
+              <a:t>curve – Representation of curves</a:t>
             </a:r>
             <a:endParaRPr lang="en-SG" dirty="0"/>
           </a:p>
@@ -9173,49 +9264,205 @@
             <p:ph idx="1"/>
           </p:nvPr>
         </p:nvSpPr>
-        <p:spPr/>
-        <p:txBody>
-          <a:bodyPr/>
-          <a:lstStyle/>
-          <a:p>
-            <a:r>
-              <a:rPr lang="en-SG" dirty="0" smtClean="0"/>
-              <a:t>Standard mathematic curves</a:t>
-            </a:r>
-          </a:p>
-          <a:p>
-            <a:r>
-              <a:rPr lang="en-SG" dirty="0" smtClean="0"/>
-              <a:t>Bezier curves</a:t>
-            </a:r>
-          </a:p>
-          <a:p>
-            <a:r>
-              <a:rPr lang="en-SG" dirty="0" smtClean="0"/>
-              <a:t>B-spline curves</a:t>
-            </a:r>
-          </a:p>
-          <a:p>
-            <a:r>
-              <a:rPr lang="en-SG" dirty="0" smtClean="0"/>
-              <a:t>Parameterized curves</a:t>
-            </a:r>
-          </a:p>
-          <a:p>
-            <a:r>
-              <a:rPr lang="en-SG" dirty="0" smtClean="0"/>
-              <a:t>Wire frame modelling</a:t>
-            </a:r>
-          </a:p>
-          <a:p>
+        <p:spPr>
+          <a:xfrm>
+            <a:off x="838200" y="1825625"/>
+            <a:ext cx="6425242" cy="4351338"/>
+          </a:xfrm>
+        </p:spPr>
+        <p:txBody>
+          <a:bodyPr/>
+          <a:lstStyle/>
+          <a:p>
+            <a:r>
+              <a:rPr lang="en-US" dirty="0" smtClean="0"/>
+              <a:t>Issues in CAD of classical analytic curves</a:t>
+            </a:r>
+          </a:p>
+          <a:p>
+            <a:pPr lvl="1">
+              <a:buFont typeface="Wingdings" panose="05000000000000000000" pitchFamily="2" charset="2"/>
+              <a:buChar char="ü"/>
+            </a:pPr>
+            <a:r>
+              <a:rPr lang="en-SG" dirty="0" smtClean="0"/>
+              <a:t>Uneven points</a:t>
+            </a:r>
+          </a:p>
+          <a:p>
+            <a:pPr lvl="1">
+              <a:buFont typeface="Wingdings" panose="05000000000000000000" pitchFamily="2" charset="2"/>
+              <a:buChar char="ü"/>
+            </a:pPr>
+            <a:r>
+              <a:rPr lang="en-SG" dirty="0" smtClean="0"/>
+              <a:t>Numerical issue (infinite slope like…)</a:t>
+            </a:r>
+          </a:p>
+          <a:p>
+            <a:pPr lvl="1">
+              <a:buFont typeface="Wingdings" panose="05000000000000000000" pitchFamily="2" charset="2"/>
+              <a:buChar char="ü"/>
+            </a:pPr>
+            <a:r>
+              <a:rPr lang="en-SG" dirty="0" smtClean="0"/>
+              <a:t>Multi-valued points</a:t>
+            </a:r>
+          </a:p>
+          <a:p>
+            <a:pPr lvl="1">
+              <a:buFont typeface="Wingdings" panose="05000000000000000000" pitchFamily="2" charset="2"/>
+              <a:buChar char="ü"/>
+            </a:pPr>
+            <a:r>
+              <a:rPr lang="en-SG" dirty="0" smtClean="0"/>
+              <a:t>Coordinate system dependent</a:t>
+            </a:r>
+          </a:p>
+          <a:p>
+            <a:r>
+              <a:rPr lang="en-SG" dirty="0" smtClean="0"/>
+              <a:t>Solution</a:t>
+            </a:r>
+          </a:p>
+          <a:p>
+            <a:pPr lvl="1">
+              <a:buFont typeface="Wingdings" panose="05000000000000000000" pitchFamily="2" charset="2"/>
+              <a:buChar char="ü"/>
+            </a:pPr>
+            <a:r>
+              <a:rPr lang="en-SG" dirty="0" smtClean="0"/>
+              <a:t>Interpolation </a:t>
+            </a:r>
+          </a:p>
+          <a:p>
+            <a:pPr lvl="1">
+              <a:buFont typeface="Wingdings" panose="05000000000000000000" pitchFamily="2" charset="2"/>
+              <a:buChar char="ü"/>
+            </a:pPr>
+            <a:r>
+              <a:rPr lang="en-SG" dirty="0" smtClean="0"/>
+              <a:t>Parametrize curve (</a:t>
+            </a:r>
+            <a:r>
+              <a:rPr lang="en-SG" dirty="0"/>
+              <a:t>time-varied </a:t>
+            </a:r>
+            <a:r>
+              <a:rPr lang="en-SG" dirty="0" smtClean="0"/>
+              <a:t>trajectory of a moving point)</a:t>
+            </a:r>
+          </a:p>
+          <a:p>
+            <a:pPr lvl="1">
+              <a:buFont typeface="Wingdings" panose="05000000000000000000" pitchFamily="2" charset="2"/>
+              <a:buChar char="ü"/>
+            </a:pPr>
+            <a:r>
+              <a:rPr lang="en-SG" dirty="0" smtClean="0"/>
+              <a:t>Composite (piecewise curve)</a:t>
+            </a:r>
+          </a:p>
+          <a:p>
+            <a:pPr lvl="1">
+              <a:buFont typeface="Wingdings" panose="05000000000000000000" pitchFamily="2" charset="2"/>
+              <a:buChar char="ü"/>
+            </a:pPr>
             <a:endParaRPr lang="en-SG" dirty="0"/>
           </a:p>
         </p:txBody>
       </p:sp>
+      <p:sp>
+        <p:nvSpPr>
+          <p:cNvPr id="10" name="文本框 9"/>
+          <p:cNvSpPr txBox="1"/>
+          <p:nvPr/>
+        </p:nvSpPr>
+        <p:spPr>
+          <a:xfrm>
+            <a:off x="7608500" y="2300078"/>
+            <a:ext cx="3579962" cy="523220"/>
+          </a:xfrm>
+          <a:prstGeom prst="rect">
+            <a:avLst/>
+          </a:prstGeom>
+          <a:noFill/>
+        </p:spPr>
+        <p:txBody>
+          <a:bodyPr wrap="square" rtlCol="0">
+            <a:spAutoFit/>
+          </a:bodyPr>
+          <a:lstStyle/>
+          <a:p>
+            <a:r>
+              <a:rPr lang="en-SG" sz="2800" dirty="0" smtClean="0"/>
+              <a:t>Ex.</a:t>
+            </a:r>
+            <a:endParaRPr lang="en-SG" sz="2800" dirty="0"/>
+          </a:p>
+        </p:txBody>
+      </p:sp>
+      <p:graphicFrame>
+        <p:nvGraphicFramePr>
+          <p:cNvPr id="11" name="对象 10"/>
+          <p:cNvGraphicFramePr>
+            <a:graphicFrameLocks noChangeAspect="1"/>
+          </p:cNvGraphicFramePr>
+          <p:nvPr>
+            <p:extLst>
+              <p:ext uri="{D42A27DB-BD31-4B8C-83A1-F6EECF244321}">
+                <p14:modId xmlns:p14="http://schemas.microsoft.com/office/powerpoint/2010/main" val="83409323"/>
+              </p:ext>
+            </p:extLst>
+          </p:nvPr>
+        </p:nvGraphicFramePr>
+        <p:xfrm>
+          <a:off x="8219595" y="2823298"/>
+          <a:ext cx="2101850" cy="1898650"/>
+        </p:xfrm>
+        <a:graphic>
+          <a:graphicData uri="http://schemas.openxmlformats.org/presentationml/2006/ole">
+            <mc:AlternateContent xmlns:mc="http://schemas.openxmlformats.org/markup-compatibility/2006">
+              <mc:Choice xmlns:v="urn:schemas-microsoft-com:vml" Requires="v">
+                <p:oleObj spid="_x0000_s16389" name="Equation" r:id="rId3" imgW="2101838" imgH="1898834" progId="Equation.DSMT4">
+                  <p:embed/>
+                </p:oleObj>
+              </mc:Choice>
+              <mc:Fallback>
+                <p:oleObj name="Equation" r:id="rId3" imgW="2101838" imgH="1898834" progId="Equation.DSMT4">
+                  <p:embed/>
+                  <p:pic>
+                    <p:nvPicPr>
+                      <p:cNvPr id="0" name=""/>
+                      <p:cNvPicPr/>
+                      <p:nvPr/>
+                    </p:nvPicPr>
+                    <p:blipFill>
+                      <a:blip r:embed="rId4"/>
+                      <a:stretch>
+                        <a:fillRect/>
+                      </a:stretch>
+                    </p:blipFill>
+                    <p:spPr>
+                      <a:xfrm>
+                        <a:off x="8219595" y="2823298"/>
+                        <a:ext cx="2101850" cy="1898650"/>
+                      </a:xfrm>
+                      <a:prstGeom prst="rect">
+                        <a:avLst/>
+                      </a:prstGeom>
+                    </p:spPr>
+                  </p:pic>
+                </p:oleObj>
+              </mc:Fallback>
+            </mc:AlternateContent>
+          </a:graphicData>
+        </a:graphic>
+      </p:graphicFrame>
     </p:spTree>
     <p:extLst>
       <p:ext uri="{BB962C8B-B14F-4D97-AF65-F5344CB8AC3E}">
-        <p14:creationId xmlns:p14="http://schemas.microsoft.com/office/powerpoint/2010/main" val="4172222177"/>
+        <p14:creationId xmlns:p14="http://schemas.microsoft.com/office/powerpoint/2010/main" val="2954570397"/>
       </p:ext>
     </p:extLst>
   </p:cSld>
@@ -9254,62 +9501,509 @@
         </p:nvSpPr>
         <p:spPr/>
         <p:txBody>
-          <a:bodyPr/>
-          <a:lstStyle/>
-          <a:p>
-            <a:r>
-              <a:rPr lang="en-SG" dirty="0" smtClean="0"/>
-              <a:t>Geometry of surface</a:t>
+          <a:bodyPr>
+            <a:normAutofit/>
+          </a:bodyPr>
+          <a:lstStyle/>
+          <a:p>
+            <a:r>
+              <a:rPr lang="en-SG" dirty="0"/>
+              <a:t>Geometry of curve – </a:t>
+            </a:r>
+            <a:r>
+              <a:rPr lang="en-SG" dirty="0" smtClean="0"/>
+              <a:t>cubic polynomial curves</a:t>
             </a:r>
             <a:endParaRPr lang="en-SG" dirty="0"/>
           </a:p>
         </p:txBody>
       </p:sp>
-      <p:sp>
-        <p:nvSpPr>
-          <p:cNvPr id="3" name="内容占位符 2"/>
-          <p:cNvSpPr>
-            <a:spLocks noGrp="1"/>
-          </p:cNvSpPr>
-          <p:nvPr>
-            <p:ph idx="1"/>
-          </p:nvPr>
-        </p:nvSpPr>
-        <p:spPr/>
-        <p:txBody>
-          <a:bodyPr/>
-          <a:lstStyle/>
-          <a:p>
-            <a:r>
-              <a:rPr lang="en-SG" dirty="0" smtClean="0"/>
-              <a:t>Ruled surfaces</a:t>
-            </a:r>
-          </a:p>
-          <a:p>
-            <a:r>
-              <a:rPr lang="en-SG" dirty="0" smtClean="0"/>
-              <a:t>Other standard mathematical surfaces</a:t>
-            </a:r>
-          </a:p>
-          <a:p>
-            <a:r>
-              <a:rPr lang="en-SG" dirty="0" smtClean="0"/>
-              <a:t>NURBS</a:t>
-            </a:r>
-          </a:p>
-          <a:p>
-            <a:r>
-              <a:rPr lang="en-SG" dirty="0" smtClean="0"/>
-              <a:t>Surface modelling</a:t>
-            </a:r>
-            <a:endParaRPr lang="en-SG" dirty="0"/>
-          </a:p>
-        </p:txBody>
-      </p:sp>
+      <mc:AlternateContent xmlns:mc="http://schemas.openxmlformats.org/markup-compatibility/2006" xmlns:a14="http://schemas.microsoft.com/office/drawing/2010/main">
+        <mc:Choice Requires="a14">
+          <p:sp>
+            <p:nvSpPr>
+              <p:cNvPr id="3" name="内容占位符 2"/>
+              <p:cNvSpPr>
+                <a:spLocks noGrp="1"/>
+              </p:cNvSpPr>
+              <p:nvPr>
+                <p:ph idx="1"/>
+              </p:nvPr>
+            </p:nvSpPr>
+            <p:spPr>
+              <a:xfrm>
+                <a:off x="838200" y="1604514"/>
+                <a:ext cx="10515600" cy="4960188"/>
+              </a:xfrm>
+            </p:spPr>
+            <p:txBody>
+              <a:bodyPr>
+                <a:normAutofit fontScale="77500" lnSpcReduction="20000"/>
+              </a:bodyPr>
+              <a:lstStyle/>
+              <a:p>
+                <a:r>
+                  <a:rPr lang="en-SG" dirty="0" smtClean="0"/>
+                  <a:t>Lagrange/</a:t>
+                </a:r>
+                <a:r>
+                  <a:rPr lang="en-SG" dirty="0" err="1" smtClean="0"/>
+                  <a:t>Hermite</a:t>
+                </a:r>
+                <a:r>
+                  <a:rPr lang="en-SG" dirty="0" smtClean="0"/>
+                  <a:t> interpolation</a:t>
+                </a:r>
+              </a:p>
+              <a:p>
+                <a:endParaRPr lang="en-SG" dirty="0" smtClean="0"/>
+              </a:p>
+              <a:p>
+                <a:endParaRPr lang="en-SG" dirty="0" smtClean="0"/>
+              </a:p>
+              <a:p>
+                <a:r>
+                  <a:rPr lang="en-SG" dirty="0" smtClean="0"/>
+                  <a:t>For normalize form, t should belong to interval of [0,1], given two end vectors </a:t>
+                </a:r>
+                <a14:m>
+                  <m:oMath xmlns:m="http://schemas.openxmlformats.org/officeDocument/2006/math">
+                    <m:sSub>
+                      <m:sSubPr>
+                        <m:ctrlPr>
+                          <a:rPr lang="en-SG" b="0" i="1" smtClean="0">
+                            <a:latin typeface="Cambria Math" panose="02040503050406030204" pitchFamily="18" charset="0"/>
+                          </a:rPr>
+                        </m:ctrlPr>
+                      </m:sSubPr>
+                      <m:e>
+                        <m:r>
+                          <a:rPr lang="en-SG" b="1" i="0" baseline="0" smtClean="0">
+                            <a:latin typeface="Cambria Math" panose="02040503050406030204" pitchFamily="18" charset="0"/>
+                          </a:rPr>
+                          <m:t>𝐫</m:t>
+                        </m:r>
+                      </m:e>
+                      <m:sub>
+                        <m:r>
+                          <a:rPr lang="en-SG" b="0" i="1" smtClean="0">
+                            <a:latin typeface="Cambria Math" panose="02040503050406030204" pitchFamily="18" charset="0"/>
+                          </a:rPr>
+                          <m:t>0</m:t>
+                        </m:r>
+                      </m:sub>
+                    </m:sSub>
+                    <m:r>
+                      <a:rPr lang="en-SG" b="0" i="1" smtClean="0">
+                        <a:latin typeface="Cambria Math" panose="02040503050406030204" pitchFamily="18" charset="0"/>
+                      </a:rPr>
+                      <m:t>,</m:t>
+                    </m:r>
+                    <m:sSub>
+                      <m:sSubPr>
+                        <m:ctrlPr>
+                          <a:rPr lang="en-SG" b="0" i="1" smtClean="0">
+                            <a:latin typeface="Cambria Math" panose="02040503050406030204" pitchFamily="18" charset="0"/>
+                          </a:rPr>
+                        </m:ctrlPr>
+                      </m:sSubPr>
+                      <m:e>
+                        <m:r>
+                          <a:rPr lang="en-SG" b="1" i="0" smtClean="0">
+                            <a:latin typeface="Cambria Math" panose="02040503050406030204" pitchFamily="18" charset="0"/>
+                          </a:rPr>
+                          <m:t>𝐫</m:t>
+                        </m:r>
+                      </m:e>
+                      <m:sub>
+                        <m:r>
+                          <a:rPr lang="en-SG" b="0" i="1" smtClean="0">
+                            <a:latin typeface="Cambria Math" panose="02040503050406030204" pitchFamily="18" charset="0"/>
+                          </a:rPr>
+                          <m:t>1</m:t>
+                        </m:r>
+                      </m:sub>
+                    </m:sSub>
+                  </m:oMath>
+                </a14:m>
+                <a:r>
+                  <a:rPr lang="en-SG" dirty="0" smtClean="0"/>
+                  <a:t> and the end vectors of slope </a:t>
+                </a:r>
+                <a14:m>
+                  <m:oMath xmlns:m="http://schemas.openxmlformats.org/officeDocument/2006/math">
+                    <m:sSubSup>
+                      <m:sSubSupPr>
+                        <m:ctrlPr>
+                          <a:rPr lang="en-SG" i="1" smtClean="0">
+                            <a:latin typeface="Cambria Math" panose="02040503050406030204" pitchFamily="18" charset="0"/>
+                          </a:rPr>
+                        </m:ctrlPr>
+                      </m:sSubSupPr>
+                      <m:e>
+                        <m:r>
+                          <a:rPr lang="en-SG" b="1" i="0" smtClean="0">
+                            <a:latin typeface="Cambria Math" panose="02040503050406030204" pitchFamily="18" charset="0"/>
+                          </a:rPr>
+                          <m:t>𝐫</m:t>
+                        </m:r>
+                      </m:e>
+                      <m:sub>
+                        <m:r>
+                          <a:rPr lang="en-SG" b="0" i="1" smtClean="0">
+                            <a:latin typeface="Cambria Math" panose="02040503050406030204" pitchFamily="18" charset="0"/>
+                          </a:rPr>
+                          <m:t>0</m:t>
+                        </m:r>
+                      </m:sub>
+                      <m:sup>
+                        <m:r>
+                          <a:rPr lang="en-SG" b="0" i="1" smtClean="0">
+                            <a:latin typeface="Cambria Math" panose="02040503050406030204" pitchFamily="18" charset="0"/>
+                          </a:rPr>
+                          <m:t>′</m:t>
+                        </m:r>
+                      </m:sup>
+                    </m:sSubSup>
+                    <m:r>
+                      <a:rPr lang="en-SG" b="0" i="1" smtClean="0">
+                        <a:latin typeface="Cambria Math" panose="02040503050406030204" pitchFamily="18" charset="0"/>
+                      </a:rPr>
+                      <m:t>,</m:t>
+                    </m:r>
+                    <m:sSubSup>
+                      <m:sSubSupPr>
+                        <m:ctrlPr>
+                          <a:rPr lang="en-SG" b="0" i="1" smtClean="0">
+                            <a:latin typeface="Cambria Math" panose="02040503050406030204" pitchFamily="18" charset="0"/>
+                          </a:rPr>
+                        </m:ctrlPr>
+                      </m:sSubSupPr>
+                      <m:e>
+                        <m:r>
+                          <a:rPr lang="en-SG" b="1" i="0" smtClean="0">
+                            <a:latin typeface="Cambria Math" panose="02040503050406030204" pitchFamily="18" charset="0"/>
+                          </a:rPr>
+                          <m:t>𝐫</m:t>
+                        </m:r>
+                      </m:e>
+                      <m:sub>
+                        <m:r>
+                          <a:rPr lang="en-SG" b="0" i="1" smtClean="0">
+                            <a:latin typeface="Cambria Math" panose="02040503050406030204" pitchFamily="18" charset="0"/>
+                          </a:rPr>
+                          <m:t>1</m:t>
+                        </m:r>
+                      </m:sub>
+                      <m:sup>
+                        <m:r>
+                          <a:rPr lang="en-SG" b="0" i="1" smtClean="0">
+                            <a:latin typeface="Cambria Math" panose="02040503050406030204" pitchFamily="18" charset="0"/>
+                          </a:rPr>
+                          <m:t>′</m:t>
+                        </m:r>
+                      </m:sup>
+                    </m:sSubSup>
+                    <m:r>
+                      <a:rPr lang="en-SG" b="0" i="0" smtClean="0">
+                        <a:latin typeface="Cambria Math" panose="02040503050406030204" pitchFamily="18" charset="0"/>
+                      </a:rPr>
+                      <m:t>. </m:t>
+                    </m:r>
+                  </m:oMath>
+                </a14:m>
+                <a:r>
+                  <a:rPr lang="en-SG" dirty="0" smtClean="0"/>
+                  <a:t>We will solve out </a:t>
+                </a:r>
+                <a:endParaRPr lang="en-SG" dirty="0"/>
+              </a:p>
+              <a:p>
+                <a:endParaRPr lang="en-SG" dirty="0" smtClean="0"/>
+              </a:p>
+              <a:p>
+                <a:endParaRPr lang="en-SG" dirty="0"/>
+              </a:p>
+              <a:p>
+                <a:endParaRPr lang="en-SG" dirty="0" smtClean="0"/>
+              </a:p>
+              <a:p>
+                <a:endParaRPr lang="en-SG" dirty="0" smtClean="0"/>
+              </a:p>
+              <a:p>
+                <a:endParaRPr lang="en-SG" dirty="0" smtClean="0"/>
+              </a:p>
+              <a:p>
+                <a:r>
+                  <a:rPr lang="en-SG" dirty="0" smtClean="0"/>
+                  <a:t>Or</a:t>
+                </a:r>
+              </a:p>
+              <a:p>
+                <a:endParaRPr lang="en-SG" dirty="0"/>
+              </a:p>
+              <a:p>
+                <a:r>
+                  <a:rPr lang="en-SG" dirty="0" smtClean="0"/>
+                  <a:t>We call the functions of t </a:t>
+                </a:r>
+                <a:r>
+                  <a:rPr lang="en-SG" dirty="0" err="1" smtClean="0"/>
+                  <a:t>Hermite</a:t>
+                </a:r>
+                <a:r>
+                  <a:rPr lang="en-SG" dirty="0" smtClean="0"/>
+                  <a:t> basis. The above equation means we can use boundary conditions and </a:t>
+                </a:r>
+                <a:r>
+                  <a:rPr lang="en-SG" dirty="0" err="1" smtClean="0"/>
+                  <a:t>Hermite</a:t>
+                </a:r>
+                <a:r>
+                  <a:rPr lang="en-SG" dirty="0" smtClean="0"/>
+                  <a:t> basis to define a cubic polynomial curves</a:t>
+                </a:r>
+              </a:p>
+            </p:txBody>
+          </p:sp>
+        </mc:Choice>
+        <mc:Fallback xmlns="">
+          <p:sp>
+            <p:nvSpPr>
+              <p:cNvPr id="3" name="内容占位符 2"/>
+              <p:cNvSpPr>
+                <a:spLocks noGrp="1" noRot="1" noChangeAspect="1" noMove="1" noResize="1" noEditPoints="1" noAdjustHandles="1" noChangeArrowheads="1" noChangeShapeType="1" noTextEdit="1"/>
+              </p:cNvSpPr>
+              <p:nvPr>
+                <p:ph idx="1"/>
+              </p:nvPr>
+            </p:nvSpPr>
+            <p:spPr>
+              <a:xfrm>
+                <a:off x="838200" y="1604514"/>
+                <a:ext cx="10515600" cy="4960188"/>
+              </a:xfrm>
+              <a:blipFill>
+                <a:blip r:embed="rId13"/>
+                <a:stretch>
+                  <a:fillRect l="-696" t="-2580"/>
+                </a:stretch>
+              </a:blipFill>
+            </p:spPr>
+            <p:txBody>
+              <a:bodyPr/>
+              <a:lstStyle/>
+              <a:p>
+                <a:r>
+                  <a:rPr lang="en-SG">
+                    <a:noFill/>
+                  </a:rPr>
+                  <a:t> </a:t>
+                </a:r>
+              </a:p>
+            </p:txBody>
+          </p:sp>
+        </mc:Fallback>
+      </mc:AlternateContent>
+      <p:graphicFrame>
+        <p:nvGraphicFramePr>
+          <p:cNvPr id="4" name="对象 3"/>
+          <p:cNvGraphicFramePr>
+            <a:graphicFrameLocks noChangeAspect="1"/>
+          </p:cNvGraphicFramePr>
+          <p:nvPr>
+            <p:extLst>
+              <p:ext uri="{D42A27DB-BD31-4B8C-83A1-F6EECF244321}">
+                <p14:modId xmlns:p14="http://schemas.microsoft.com/office/powerpoint/2010/main" val="3031477186"/>
+              </p:ext>
+            </p:extLst>
+          </p:nvPr>
+        </p:nvGraphicFramePr>
+        <p:xfrm>
+          <a:off x="2908089" y="1905142"/>
+          <a:ext cx="6527231" cy="769504"/>
+        </p:xfrm>
+        <a:graphic>
+          <a:graphicData uri="http://schemas.openxmlformats.org/presentationml/2006/ole">
+            <mc:AlternateContent xmlns:mc="http://schemas.openxmlformats.org/markup-compatibility/2006">
+              <mc:Choice xmlns:v="urn:schemas-microsoft-com:vml" Requires="v">
+                <p:oleObj spid="_x0000_s17457" name="Equation" r:id="rId14" imgW="3340080" imgH="393480" progId="Equation.DSMT4">
+                  <p:embed/>
+                </p:oleObj>
+              </mc:Choice>
+              <mc:Fallback>
+                <p:oleObj name="Equation" r:id="rId14" imgW="3340080" imgH="393480" progId="Equation.DSMT4">
+                  <p:embed/>
+                  <p:pic>
+                    <p:nvPicPr>
+                      <p:cNvPr id="0" name=""/>
+                      <p:cNvPicPr/>
+                      <p:nvPr/>
+                    </p:nvPicPr>
+                    <p:blipFill>
+                      <a:blip r:embed="rId15"/>
+                      <a:stretch>
+                        <a:fillRect/>
+                      </a:stretch>
+                    </p:blipFill>
+                    <p:spPr>
+                      <a:xfrm>
+                        <a:off x="2908089" y="1905142"/>
+                        <a:ext cx="6527231" cy="769504"/>
+                      </a:xfrm>
+                      <a:prstGeom prst="rect">
+                        <a:avLst/>
+                      </a:prstGeom>
+                    </p:spPr>
+                  </p:pic>
+                </p:oleObj>
+              </mc:Fallback>
+            </mc:AlternateContent>
+          </a:graphicData>
+        </a:graphic>
+      </p:graphicFrame>
+      <p:graphicFrame>
+        <p:nvGraphicFramePr>
+          <p:cNvPr id="6" name="对象 5"/>
+          <p:cNvGraphicFramePr>
+            <a:graphicFrameLocks noChangeAspect="1"/>
+          </p:cNvGraphicFramePr>
+          <p:nvPr>
+            <p:extLst>
+              <p:ext uri="{D42A27DB-BD31-4B8C-83A1-F6EECF244321}">
+                <p14:modId xmlns:p14="http://schemas.microsoft.com/office/powerpoint/2010/main" val="1835954339"/>
+              </p:ext>
+            </p:extLst>
+          </p:nvPr>
+        </p:nvGraphicFramePr>
+        <p:xfrm>
+          <a:off x="3492500" y="3435350"/>
+          <a:ext cx="5024438" cy="1698625"/>
+        </p:xfrm>
+        <a:graphic>
+          <a:graphicData uri="http://schemas.openxmlformats.org/presentationml/2006/ole">
+            <mc:AlternateContent xmlns:mc="http://schemas.openxmlformats.org/markup-compatibility/2006">
+              <mc:Choice xmlns:v="urn:schemas-microsoft-com:vml" Requires="v">
+                <p:oleObj spid="_x0000_s17458" name="Equation" r:id="rId16" imgW="2781000" imgH="939600" progId="Equation.DSMT4">
+                  <p:embed/>
+                </p:oleObj>
+              </mc:Choice>
+              <mc:Fallback>
+                <p:oleObj name="Equation" r:id="rId16" imgW="2781000" imgH="939600" progId="Equation.DSMT4">
+                  <p:embed/>
+                  <p:pic>
+                    <p:nvPicPr>
+                      <p:cNvPr id="0" name=""/>
+                      <p:cNvPicPr/>
+                      <p:nvPr/>
+                    </p:nvPicPr>
+                    <p:blipFill>
+                      <a:blip r:embed="rId17"/>
+                      <a:stretch>
+                        <a:fillRect/>
+                      </a:stretch>
+                    </p:blipFill>
+                    <p:spPr>
+                      <a:xfrm>
+                        <a:off x="3492500" y="3435350"/>
+                        <a:ext cx="5024438" cy="1698625"/>
+                      </a:xfrm>
+                      <a:prstGeom prst="rect">
+                        <a:avLst/>
+                      </a:prstGeom>
+                    </p:spPr>
+                  </p:pic>
+                </p:oleObj>
+              </mc:Fallback>
+            </mc:AlternateContent>
+          </a:graphicData>
+        </a:graphic>
+      </p:graphicFrame>
+      <p:graphicFrame>
+        <p:nvGraphicFramePr>
+          <p:cNvPr id="7" name="对象 6"/>
+          <p:cNvGraphicFramePr>
+            <a:graphicFrameLocks noChangeAspect="1"/>
+          </p:cNvGraphicFramePr>
+          <p:nvPr>
+            <p:extLst>
+              <p:ext uri="{D42A27DB-BD31-4B8C-83A1-F6EECF244321}">
+                <p14:modId xmlns:p14="http://schemas.microsoft.com/office/powerpoint/2010/main" val="1779970141"/>
+              </p:ext>
+            </p:extLst>
+          </p:nvPr>
+        </p:nvGraphicFramePr>
+        <p:xfrm>
+          <a:off x="2451100" y="5268913"/>
+          <a:ext cx="7442200" cy="457200"/>
+        </p:xfrm>
+        <a:graphic>
+          <a:graphicData uri="http://schemas.openxmlformats.org/presentationml/2006/ole">
+            <mc:AlternateContent xmlns:mc="http://schemas.openxmlformats.org/markup-compatibility/2006">
+              <mc:Choice xmlns:v="urn:schemas-microsoft-com:vml" Requires="v">
+                <p:oleObj spid="_x0000_s17459" name="Equation" r:id="rId18" imgW="3924000" imgH="241200" progId="Equation.DSMT4">
+                  <p:embed/>
+                </p:oleObj>
+              </mc:Choice>
+              <mc:Fallback>
+                <p:oleObj name="Equation" r:id="rId18" imgW="3924000" imgH="241200" progId="Equation.DSMT4">
+                  <p:embed/>
+                  <p:pic>
+                    <p:nvPicPr>
+                      <p:cNvPr id="0" name=""/>
+                      <p:cNvPicPr/>
+                      <p:nvPr/>
+                    </p:nvPicPr>
+                    <p:blipFill>
+                      <a:blip r:embed="rId19"/>
+                      <a:stretch>
+                        <a:fillRect/>
+                      </a:stretch>
+                    </p:blipFill>
+                    <p:spPr>
+                      <a:xfrm>
+                        <a:off x="2451100" y="5268913"/>
+                        <a:ext cx="7442200" cy="457200"/>
+                      </a:xfrm>
+                      <a:prstGeom prst="rect">
+                        <a:avLst/>
+                      </a:prstGeom>
+                    </p:spPr>
+                  </p:pic>
+                </p:oleObj>
+              </mc:Fallback>
+            </mc:AlternateContent>
+          </a:graphicData>
+        </a:graphic>
+      </p:graphicFrame>
+      <p:pic>
+        <p:nvPicPr>
+          <p:cNvPr id="8" name="图片 7"/>
+          <p:cNvPicPr>
+            <a:picLocks noChangeAspect="1"/>
+          </p:cNvPicPr>
+          <p:nvPr/>
+        </p:nvPicPr>
+        <p:blipFill>
+          <a:blip r:embed="rId20"/>
+          <a:stretch>
+            <a:fillRect/>
+          </a:stretch>
+        </p:blipFill>
+        <p:spPr>
+          <a:xfrm>
+            <a:off x="8691941" y="3129498"/>
+            <a:ext cx="2661859" cy="1996394"/>
+          </a:xfrm>
+          <a:prstGeom prst="rect">
+            <a:avLst/>
+          </a:prstGeom>
+        </p:spPr>
+      </p:pic>
     </p:spTree>
     <p:extLst>
       <p:ext uri="{BB962C8B-B14F-4D97-AF65-F5344CB8AC3E}">
-        <p14:creationId xmlns:p14="http://schemas.microsoft.com/office/powerpoint/2010/main" val="995354629"/>
+        <p14:creationId xmlns:p14="http://schemas.microsoft.com/office/powerpoint/2010/main" val="3789213911"/>
       </p:ext>
     </p:extLst>
   </p:cSld>
@@ -9348,12 +10042,26 @@
         </p:nvSpPr>
         <p:spPr/>
         <p:txBody>
-          <a:bodyPr/>
-          <a:lstStyle/>
-          <a:p>
-            <a:r>
-              <a:rPr lang="en-SG" dirty="0" smtClean="0"/>
-              <a:t>Boolean operations in CSG</a:t>
+          <a:bodyPr>
+            <a:normAutofit/>
+          </a:bodyPr>
+          <a:lstStyle/>
+          <a:p>
+            <a:r>
+              <a:rPr lang="en-SG" dirty="0"/>
+              <a:t>Geometry of curve </a:t>
+            </a:r>
+            <a:r>
+              <a:rPr lang="en-SG" dirty="0" smtClean="0"/>
+              <a:t>– </a:t>
+            </a:r>
+            <a:r>
+              <a:rPr lang="en-SG" dirty="0"/>
+              <a:t>Bezier </a:t>
+            </a:r>
+            <a:r>
+              <a:rPr lang="en-SG" dirty="0" smtClean="0"/>
+              <a:t>curves</a:t>
             </a:r>
             <a:endParaRPr lang="en-SG" dirty="0"/>
           </a:p>
@@ -9361,27 +10069,86 @@
       </p:sp>
       <p:sp>
         <p:nvSpPr>
-          <p:cNvPr id="4" name="文本占位符 3"/>
-          <p:cNvSpPr>
-            <a:spLocks noGrp="1"/>
-          </p:cNvSpPr>
-          <p:nvPr>
-            <p:ph type="body" idx="1"/>
-          </p:nvPr>
-        </p:nvSpPr>
-        <p:spPr/>
-        <p:txBody>
-          <a:bodyPr/>
-          <a:lstStyle/>
-          <a:p>
-            <a:endParaRPr lang="en-SG"/>
-          </a:p>
-        </p:txBody>
-      </p:sp>
+          <p:cNvPr id="3" name="内容占位符 2"/>
+          <p:cNvSpPr>
+            <a:spLocks noGrp="1"/>
+          </p:cNvSpPr>
+          <p:nvPr>
+            <p:ph idx="1"/>
+          </p:nvPr>
+        </p:nvSpPr>
+        <p:spPr>
+          <a:xfrm>
+            <a:off x="838200" y="1825625"/>
+            <a:ext cx="8021128" cy="4351338"/>
+          </a:xfrm>
+        </p:spPr>
+        <p:txBody>
+          <a:bodyPr/>
+          <a:lstStyle/>
+          <a:p>
+            <a:r>
+              <a:rPr lang="en-SG" dirty="0" smtClean="0"/>
+              <a:t>Control polygon</a:t>
+            </a:r>
+          </a:p>
+          <a:p>
+            <a:endParaRPr lang="en-SG" dirty="0"/>
+          </a:p>
+        </p:txBody>
+      </p:sp>
+      <p:pic>
+        <p:nvPicPr>
+          <p:cNvPr id="4" name="图片 3"/>
+          <p:cNvPicPr>
+            <a:picLocks noChangeAspect="1"/>
+          </p:cNvPicPr>
+          <p:nvPr/>
+        </p:nvPicPr>
+        <p:blipFill>
+          <a:blip r:embed="rId2"/>
+          <a:stretch>
+            <a:fillRect/>
+          </a:stretch>
+        </p:blipFill>
+        <p:spPr>
+          <a:xfrm>
+            <a:off x="8434415" y="2129028"/>
+            <a:ext cx="2305704" cy="1513775"/>
+          </a:xfrm>
+          <a:prstGeom prst="rect">
+            <a:avLst/>
+          </a:prstGeom>
+        </p:spPr>
+      </p:pic>
+      <p:pic>
+        <p:nvPicPr>
+          <p:cNvPr id="5" name="图片 4"/>
+          <p:cNvPicPr>
+            <a:picLocks noChangeAspect="1"/>
+          </p:cNvPicPr>
+          <p:nvPr/>
+        </p:nvPicPr>
+        <p:blipFill>
+          <a:blip r:embed="rId3"/>
+          <a:stretch>
+            <a:fillRect/>
+          </a:stretch>
+        </p:blipFill>
+        <p:spPr>
+          <a:xfrm>
+            <a:off x="8020116" y="4305877"/>
+            <a:ext cx="3134302" cy="1208012"/>
+          </a:xfrm>
+          <a:prstGeom prst="rect">
+            <a:avLst/>
+          </a:prstGeom>
+        </p:spPr>
+      </p:pic>
     </p:spTree>
     <p:extLst>
       <p:ext uri="{BB962C8B-B14F-4D97-AF65-F5344CB8AC3E}">
-        <p14:creationId xmlns:p14="http://schemas.microsoft.com/office/powerpoint/2010/main" val="1997754333"/>
+        <p14:creationId xmlns:p14="http://schemas.microsoft.com/office/powerpoint/2010/main" val="3629014276"/>
       </p:ext>
     </p:extLst>
   </p:cSld>
@@ -9420,6 +10187,759 @@
         </p:nvSpPr>
         <p:spPr/>
         <p:txBody>
+          <a:bodyPr>
+            <a:normAutofit/>
+          </a:bodyPr>
+          <a:lstStyle/>
+          <a:p>
+            <a:r>
+              <a:rPr lang="en-SG" dirty="0"/>
+              <a:t>Geometry of curve – B-spline </a:t>
+            </a:r>
+            <a:r>
+              <a:rPr lang="en-SG" dirty="0" smtClean="0"/>
+              <a:t>curves</a:t>
+            </a:r>
+            <a:endParaRPr lang="en-SG" dirty="0"/>
+          </a:p>
+        </p:txBody>
+      </p:sp>
+      <p:sp>
+        <p:nvSpPr>
+          <p:cNvPr id="3" name="内容占位符 2"/>
+          <p:cNvSpPr>
+            <a:spLocks noGrp="1"/>
+          </p:cNvSpPr>
+          <p:nvPr>
+            <p:ph idx="1"/>
+          </p:nvPr>
+        </p:nvSpPr>
+        <p:spPr/>
+        <p:txBody>
+          <a:bodyPr/>
+          <a:lstStyle/>
+          <a:p>
+            <a:endParaRPr lang="en-SG"/>
+          </a:p>
+        </p:txBody>
+      </p:sp>
+    </p:spTree>
+    <p:extLst>
+      <p:ext uri="{BB962C8B-B14F-4D97-AF65-F5344CB8AC3E}">
+        <p14:creationId xmlns:p14="http://schemas.microsoft.com/office/powerpoint/2010/main" val="484847366"/>
+      </p:ext>
+    </p:extLst>
+  </p:cSld>
+  <p:clrMapOvr>
+    <a:masterClrMapping/>
+  </p:clrMapOvr>
+</p:sld>
+</file>
+
+<file path=ppt/slides/slide44.xml><?xml version="1.0" encoding="utf-8"?>
+<p:sld xmlns:a="http://schemas.openxmlformats.org/drawingml/2006/main" xmlns:r="http://schemas.openxmlformats.org/officeDocument/2006/relationships" xmlns:p="http://schemas.openxmlformats.org/presentationml/2006/main">
+  <p:cSld>
+    <p:spTree>
+      <p:nvGrpSpPr>
+        <p:cNvPr id="1" name=""/>
+        <p:cNvGrpSpPr/>
+        <p:nvPr/>
+      </p:nvGrpSpPr>
+      <p:grpSpPr>
+        <a:xfrm>
+          <a:off x="0" y="0"/>
+          <a:ext cx="0" cy="0"/>
+          <a:chOff x="0" y="0"/>
+          <a:chExt cx="0" cy="0"/>
+        </a:xfrm>
+      </p:grpSpPr>
+      <p:sp>
+        <p:nvSpPr>
+          <p:cNvPr id="2" name="标题 1"/>
+          <p:cNvSpPr>
+            <a:spLocks noGrp="1"/>
+          </p:cNvSpPr>
+          <p:nvPr>
+            <p:ph type="title"/>
+          </p:nvPr>
+        </p:nvSpPr>
+        <p:spPr/>
+        <p:txBody>
+          <a:bodyPr>
+            <a:normAutofit/>
+          </a:bodyPr>
+          <a:lstStyle/>
+          <a:p>
+            <a:r>
+              <a:rPr lang="en-SG" dirty="0"/>
+              <a:t>Geometry of curve – </a:t>
+            </a:r>
+            <a:r>
+              <a:rPr lang="en-SG" dirty="0" smtClean="0"/>
+              <a:t>Rational curves</a:t>
+            </a:r>
+            <a:endParaRPr lang="en-SG" dirty="0"/>
+          </a:p>
+        </p:txBody>
+      </p:sp>
+      <p:sp>
+        <p:nvSpPr>
+          <p:cNvPr id="3" name="内容占位符 2"/>
+          <p:cNvSpPr>
+            <a:spLocks noGrp="1"/>
+          </p:cNvSpPr>
+          <p:nvPr>
+            <p:ph idx="1"/>
+          </p:nvPr>
+        </p:nvSpPr>
+        <p:spPr>
+          <a:xfrm>
+            <a:off x="838200" y="1825625"/>
+            <a:ext cx="6606396" cy="4351338"/>
+          </a:xfrm>
+        </p:spPr>
+        <p:txBody>
+          <a:bodyPr/>
+          <a:lstStyle/>
+          <a:p>
+            <a:endParaRPr lang="en-SG"/>
+          </a:p>
+        </p:txBody>
+      </p:sp>
+      <p:pic>
+        <p:nvPicPr>
+          <p:cNvPr id="4" name="图片 3"/>
+          <p:cNvPicPr>
+            <a:picLocks noChangeAspect="1"/>
+          </p:cNvPicPr>
+          <p:nvPr/>
+        </p:nvPicPr>
+        <p:blipFill>
+          <a:blip r:embed="rId2"/>
+          <a:stretch>
+            <a:fillRect/>
+          </a:stretch>
+        </p:blipFill>
+        <p:spPr>
+          <a:xfrm>
+            <a:off x="7994613" y="1896055"/>
+            <a:ext cx="3359187" cy="3359187"/>
+          </a:xfrm>
+          <a:prstGeom prst="rect">
+            <a:avLst/>
+          </a:prstGeom>
+        </p:spPr>
+      </p:pic>
+    </p:spTree>
+    <p:extLst>
+      <p:ext uri="{BB962C8B-B14F-4D97-AF65-F5344CB8AC3E}">
+        <p14:creationId xmlns:p14="http://schemas.microsoft.com/office/powerpoint/2010/main" val="3365109464"/>
+      </p:ext>
+    </p:extLst>
+  </p:cSld>
+  <p:clrMapOvr>
+    <a:masterClrMapping/>
+  </p:clrMapOvr>
+</p:sld>
+</file>
+
+<file path=ppt/slides/slide45.xml><?xml version="1.0" encoding="utf-8"?>
+<p:sld xmlns:a="http://schemas.openxmlformats.org/drawingml/2006/main" xmlns:r="http://schemas.openxmlformats.org/officeDocument/2006/relationships" xmlns:p="http://schemas.openxmlformats.org/presentationml/2006/main">
+  <p:cSld>
+    <p:spTree>
+      <p:nvGrpSpPr>
+        <p:cNvPr id="1" name=""/>
+        <p:cNvGrpSpPr/>
+        <p:nvPr/>
+      </p:nvGrpSpPr>
+      <p:grpSpPr>
+        <a:xfrm>
+          <a:off x="0" y="0"/>
+          <a:ext cx="0" cy="0"/>
+          <a:chOff x="0" y="0"/>
+          <a:chExt cx="0" cy="0"/>
+        </a:xfrm>
+      </p:grpSpPr>
+      <p:sp>
+        <p:nvSpPr>
+          <p:cNvPr id="2" name="标题 1"/>
+          <p:cNvSpPr>
+            <a:spLocks noGrp="1"/>
+          </p:cNvSpPr>
+          <p:nvPr>
+            <p:ph type="title"/>
+          </p:nvPr>
+        </p:nvSpPr>
+        <p:spPr/>
+        <p:txBody>
+          <a:bodyPr/>
+          <a:lstStyle/>
+          <a:p>
+            <a:r>
+              <a:rPr lang="en-SG" dirty="0" smtClean="0"/>
+              <a:t>Geometry of surface</a:t>
+            </a:r>
+            <a:endParaRPr lang="en-SG" dirty="0"/>
+          </a:p>
+        </p:txBody>
+      </p:sp>
+      <p:sp>
+        <p:nvSpPr>
+          <p:cNvPr id="3" name="内容占位符 2"/>
+          <p:cNvSpPr>
+            <a:spLocks noGrp="1"/>
+          </p:cNvSpPr>
+          <p:nvPr>
+            <p:ph idx="1"/>
+          </p:nvPr>
+        </p:nvSpPr>
+        <p:spPr/>
+        <p:txBody>
+          <a:bodyPr/>
+          <a:lstStyle/>
+          <a:p>
+            <a:r>
+              <a:rPr lang="en-SG" dirty="0" smtClean="0"/>
+              <a:t>Ruled surfaces</a:t>
+            </a:r>
+          </a:p>
+          <a:p>
+            <a:r>
+              <a:rPr lang="en-SG" dirty="0" smtClean="0"/>
+              <a:t>Other standard mathematical surfaces</a:t>
+            </a:r>
+          </a:p>
+          <a:p>
+            <a:r>
+              <a:rPr lang="en-SG" dirty="0" smtClean="0"/>
+              <a:t>NURBS</a:t>
+            </a:r>
+          </a:p>
+          <a:p>
+            <a:r>
+              <a:rPr lang="en-SG" dirty="0" smtClean="0"/>
+              <a:t>Surface modelling</a:t>
+            </a:r>
+            <a:endParaRPr lang="en-SG" dirty="0"/>
+          </a:p>
+        </p:txBody>
+      </p:sp>
+    </p:spTree>
+    <p:extLst>
+      <p:ext uri="{BB962C8B-B14F-4D97-AF65-F5344CB8AC3E}">
+        <p14:creationId xmlns:p14="http://schemas.microsoft.com/office/powerpoint/2010/main" val="995354629"/>
+      </p:ext>
+    </p:extLst>
+  </p:cSld>
+  <p:clrMapOvr>
+    <a:masterClrMapping/>
+  </p:clrMapOvr>
+</p:sld>
+</file>
+
+<file path=ppt/slides/slide46.xml><?xml version="1.0" encoding="utf-8"?>
+<p:sld xmlns:a="http://schemas.openxmlformats.org/drawingml/2006/main" xmlns:r="http://schemas.openxmlformats.org/officeDocument/2006/relationships" xmlns:p="http://schemas.openxmlformats.org/presentationml/2006/main">
+  <p:cSld>
+    <p:spTree>
+      <p:nvGrpSpPr>
+        <p:cNvPr id="1" name=""/>
+        <p:cNvGrpSpPr/>
+        <p:nvPr/>
+      </p:nvGrpSpPr>
+      <p:grpSpPr>
+        <a:xfrm>
+          <a:off x="0" y="0"/>
+          <a:ext cx="0" cy="0"/>
+          <a:chOff x="0" y="0"/>
+          <a:chExt cx="0" cy="0"/>
+        </a:xfrm>
+      </p:grpSpPr>
+      <p:sp>
+        <p:nvSpPr>
+          <p:cNvPr id="2" name="标题 1"/>
+          <p:cNvSpPr>
+            <a:spLocks noGrp="1"/>
+          </p:cNvSpPr>
+          <p:nvPr>
+            <p:ph type="title"/>
+          </p:nvPr>
+        </p:nvSpPr>
+        <p:spPr/>
+        <p:txBody>
+          <a:bodyPr>
+            <a:normAutofit/>
+          </a:bodyPr>
+          <a:lstStyle/>
+          <a:p>
+            <a:r>
+              <a:rPr lang="en-SG" dirty="0"/>
+              <a:t>Ruled </a:t>
+            </a:r>
+            <a:r>
+              <a:rPr lang="en-SG" dirty="0" smtClean="0"/>
+              <a:t>surfaces</a:t>
+            </a:r>
+            <a:endParaRPr lang="en-SG" dirty="0"/>
+          </a:p>
+        </p:txBody>
+      </p:sp>
+      <p:sp>
+        <p:nvSpPr>
+          <p:cNvPr id="3" name="内容占位符 2"/>
+          <p:cNvSpPr>
+            <a:spLocks noGrp="1"/>
+          </p:cNvSpPr>
+          <p:nvPr>
+            <p:ph idx="1"/>
+          </p:nvPr>
+        </p:nvSpPr>
+        <p:spPr/>
+        <p:txBody>
+          <a:bodyPr/>
+          <a:lstStyle/>
+          <a:p>
+            <a:endParaRPr lang="en-SG"/>
+          </a:p>
+        </p:txBody>
+      </p:sp>
+    </p:spTree>
+    <p:extLst>
+      <p:ext uri="{BB962C8B-B14F-4D97-AF65-F5344CB8AC3E}">
+        <p14:creationId xmlns:p14="http://schemas.microsoft.com/office/powerpoint/2010/main" val="4089471478"/>
+      </p:ext>
+    </p:extLst>
+  </p:cSld>
+  <p:clrMapOvr>
+    <a:masterClrMapping/>
+  </p:clrMapOvr>
+</p:sld>
+</file>
+
+<file path=ppt/slides/slide47.xml><?xml version="1.0" encoding="utf-8"?>
+<p:sld xmlns:a="http://schemas.openxmlformats.org/drawingml/2006/main" xmlns:r="http://schemas.openxmlformats.org/officeDocument/2006/relationships" xmlns:p="http://schemas.openxmlformats.org/presentationml/2006/main">
+  <p:cSld>
+    <p:spTree>
+      <p:nvGrpSpPr>
+        <p:cNvPr id="1" name=""/>
+        <p:cNvGrpSpPr/>
+        <p:nvPr/>
+      </p:nvGrpSpPr>
+      <p:grpSpPr>
+        <a:xfrm>
+          <a:off x="0" y="0"/>
+          <a:ext cx="0" cy="0"/>
+          <a:chOff x="0" y="0"/>
+          <a:chExt cx="0" cy="0"/>
+        </a:xfrm>
+      </p:grpSpPr>
+      <p:sp>
+        <p:nvSpPr>
+          <p:cNvPr id="2" name="标题 1"/>
+          <p:cNvSpPr>
+            <a:spLocks noGrp="1"/>
+          </p:cNvSpPr>
+          <p:nvPr>
+            <p:ph type="title"/>
+          </p:nvPr>
+        </p:nvSpPr>
+        <p:spPr/>
+        <p:txBody>
+          <a:bodyPr>
+            <a:normAutofit/>
+          </a:bodyPr>
+          <a:lstStyle/>
+          <a:p>
+            <a:r>
+              <a:rPr lang="en-SG" dirty="0" smtClean="0"/>
+              <a:t>Other </a:t>
+            </a:r>
+            <a:r>
+              <a:rPr lang="en-SG" dirty="0"/>
+              <a:t>standard mathematical </a:t>
+            </a:r>
+            <a:r>
+              <a:rPr lang="en-SG" dirty="0" smtClean="0"/>
+              <a:t>surfaces</a:t>
+            </a:r>
+            <a:endParaRPr lang="en-SG" dirty="0"/>
+          </a:p>
+        </p:txBody>
+      </p:sp>
+      <p:sp>
+        <p:nvSpPr>
+          <p:cNvPr id="3" name="内容占位符 2"/>
+          <p:cNvSpPr>
+            <a:spLocks noGrp="1"/>
+          </p:cNvSpPr>
+          <p:nvPr>
+            <p:ph idx="1"/>
+          </p:nvPr>
+        </p:nvSpPr>
+        <p:spPr/>
+        <p:txBody>
+          <a:bodyPr/>
+          <a:lstStyle/>
+          <a:p>
+            <a:endParaRPr lang="en-SG"/>
+          </a:p>
+        </p:txBody>
+      </p:sp>
+    </p:spTree>
+    <p:extLst>
+      <p:ext uri="{BB962C8B-B14F-4D97-AF65-F5344CB8AC3E}">
+        <p14:creationId xmlns:p14="http://schemas.microsoft.com/office/powerpoint/2010/main" val="1677274216"/>
+      </p:ext>
+    </p:extLst>
+  </p:cSld>
+  <p:clrMapOvr>
+    <a:masterClrMapping/>
+  </p:clrMapOvr>
+</p:sld>
+</file>
+
+<file path=ppt/slides/slide48.xml><?xml version="1.0" encoding="utf-8"?>
+<p:sld xmlns:a="http://schemas.openxmlformats.org/drawingml/2006/main" xmlns:r="http://schemas.openxmlformats.org/officeDocument/2006/relationships" xmlns:p="http://schemas.openxmlformats.org/presentationml/2006/main">
+  <p:cSld>
+    <p:spTree>
+      <p:nvGrpSpPr>
+        <p:cNvPr id="1" name=""/>
+        <p:cNvGrpSpPr/>
+        <p:nvPr/>
+      </p:nvGrpSpPr>
+      <p:grpSpPr>
+        <a:xfrm>
+          <a:off x="0" y="0"/>
+          <a:ext cx="0" cy="0"/>
+          <a:chOff x="0" y="0"/>
+          <a:chExt cx="0" cy="0"/>
+        </a:xfrm>
+      </p:grpSpPr>
+      <p:sp>
+        <p:nvSpPr>
+          <p:cNvPr id="2" name="标题 1"/>
+          <p:cNvSpPr>
+            <a:spLocks noGrp="1"/>
+          </p:cNvSpPr>
+          <p:nvPr>
+            <p:ph type="title"/>
+          </p:nvPr>
+        </p:nvSpPr>
+        <p:spPr/>
+        <p:txBody>
+          <a:bodyPr>
+            <a:normAutofit/>
+          </a:bodyPr>
+          <a:lstStyle/>
+          <a:p>
+            <a:r>
+              <a:rPr lang="en-SG" dirty="0" smtClean="0"/>
+              <a:t>NURBS</a:t>
+            </a:r>
+            <a:endParaRPr lang="en-SG" dirty="0"/>
+          </a:p>
+        </p:txBody>
+      </p:sp>
+      <p:sp>
+        <p:nvSpPr>
+          <p:cNvPr id="3" name="内容占位符 2"/>
+          <p:cNvSpPr>
+            <a:spLocks noGrp="1"/>
+          </p:cNvSpPr>
+          <p:nvPr>
+            <p:ph idx="1"/>
+          </p:nvPr>
+        </p:nvSpPr>
+        <p:spPr/>
+        <p:txBody>
+          <a:bodyPr/>
+          <a:lstStyle/>
+          <a:p>
+            <a:endParaRPr lang="en-SG"/>
+          </a:p>
+        </p:txBody>
+      </p:sp>
+    </p:spTree>
+    <p:extLst>
+      <p:ext uri="{BB962C8B-B14F-4D97-AF65-F5344CB8AC3E}">
+        <p14:creationId xmlns:p14="http://schemas.microsoft.com/office/powerpoint/2010/main" val="1795151959"/>
+      </p:ext>
+    </p:extLst>
+  </p:cSld>
+  <p:clrMapOvr>
+    <a:masterClrMapping/>
+  </p:clrMapOvr>
+</p:sld>
+</file>
+
+<file path=ppt/slides/slide49.xml><?xml version="1.0" encoding="utf-8"?>
+<p:sld xmlns:a="http://schemas.openxmlformats.org/drawingml/2006/main" xmlns:r="http://schemas.openxmlformats.org/officeDocument/2006/relationships" xmlns:p="http://schemas.openxmlformats.org/presentationml/2006/main">
+  <p:cSld>
+    <p:spTree>
+      <p:nvGrpSpPr>
+        <p:cNvPr id="1" name=""/>
+        <p:cNvGrpSpPr/>
+        <p:nvPr/>
+      </p:nvGrpSpPr>
+      <p:grpSpPr>
+        <a:xfrm>
+          <a:off x="0" y="0"/>
+          <a:ext cx="0" cy="0"/>
+          <a:chOff x="0" y="0"/>
+          <a:chExt cx="0" cy="0"/>
+        </a:xfrm>
+      </p:grpSpPr>
+      <p:sp>
+        <p:nvSpPr>
+          <p:cNvPr id="2" name="标题 1"/>
+          <p:cNvSpPr>
+            <a:spLocks noGrp="1"/>
+          </p:cNvSpPr>
+          <p:nvPr>
+            <p:ph type="title"/>
+          </p:nvPr>
+        </p:nvSpPr>
+        <p:spPr/>
+        <p:txBody>
+          <a:bodyPr>
+            <a:normAutofit/>
+          </a:bodyPr>
+          <a:lstStyle/>
+          <a:p>
+            <a:r>
+              <a:rPr lang="en-SG" dirty="0" smtClean="0"/>
+              <a:t>Surface modelling</a:t>
+            </a:r>
+            <a:endParaRPr lang="en-SG" dirty="0"/>
+          </a:p>
+        </p:txBody>
+      </p:sp>
+      <p:sp>
+        <p:nvSpPr>
+          <p:cNvPr id="3" name="内容占位符 2"/>
+          <p:cNvSpPr>
+            <a:spLocks noGrp="1"/>
+          </p:cNvSpPr>
+          <p:nvPr>
+            <p:ph idx="1"/>
+          </p:nvPr>
+        </p:nvSpPr>
+        <p:spPr/>
+        <p:txBody>
+          <a:bodyPr/>
+          <a:lstStyle/>
+          <a:p>
+            <a:endParaRPr lang="en-SG"/>
+          </a:p>
+        </p:txBody>
+      </p:sp>
+    </p:spTree>
+    <p:extLst>
+      <p:ext uri="{BB962C8B-B14F-4D97-AF65-F5344CB8AC3E}">
+        <p14:creationId xmlns:p14="http://schemas.microsoft.com/office/powerpoint/2010/main" val="3533909986"/>
+      </p:ext>
+    </p:extLst>
+  </p:cSld>
+  <p:clrMapOvr>
+    <a:masterClrMapping/>
+  </p:clrMapOvr>
+</p:sld>
+</file>
+
+<file path=ppt/slides/slide5.xml><?xml version="1.0" encoding="utf-8"?>
+<p:sld xmlns:a="http://schemas.openxmlformats.org/drawingml/2006/main" xmlns:r="http://schemas.openxmlformats.org/officeDocument/2006/relationships" xmlns:p="http://schemas.openxmlformats.org/presentationml/2006/main">
+  <p:cSld>
+    <p:spTree>
+      <p:nvGrpSpPr>
+        <p:cNvPr id="1" name=""/>
+        <p:cNvGrpSpPr/>
+        <p:nvPr/>
+      </p:nvGrpSpPr>
+      <p:grpSpPr>
+        <a:xfrm>
+          <a:off x="0" y="0"/>
+          <a:ext cx="0" cy="0"/>
+          <a:chOff x="0" y="0"/>
+          <a:chExt cx="0" cy="0"/>
+        </a:xfrm>
+      </p:grpSpPr>
+      <p:sp>
+        <p:nvSpPr>
+          <p:cNvPr id="2" name="标题 1"/>
+          <p:cNvSpPr>
+            <a:spLocks noGrp="1"/>
+          </p:cNvSpPr>
+          <p:nvPr>
+            <p:ph type="title"/>
+          </p:nvPr>
+        </p:nvSpPr>
+        <p:spPr/>
+        <p:txBody>
+          <a:bodyPr/>
+          <a:lstStyle/>
+          <a:p>
+            <a:r>
+              <a:rPr lang="en-SG" dirty="0" smtClean="0"/>
+              <a:t>Instruction to computer graphics</a:t>
+            </a:r>
+            <a:endParaRPr lang="en-SG" dirty="0"/>
+          </a:p>
+        </p:txBody>
+      </p:sp>
+      <p:sp>
+        <p:nvSpPr>
+          <p:cNvPr id="3" name="内容占位符 2"/>
+          <p:cNvSpPr>
+            <a:spLocks noGrp="1"/>
+          </p:cNvSpPr>
+          <p:nvPr>
+            <p:ph idx="1"/>
+          </p:nvPr>
+        </p:nvSpPr>
+        <p:spPr/>
+        <p:txBody>
+          <a:bodyPr/>
+          <a:lstStyle/>
+          <a:p>
+            <a:r>
+              <a:rPr lang="en-SG" dirty="0" smtClean="0"/>
+              <a:t>Computer graphics focuses mainly on displays of any digital image by a computer.</a:t>
+            </a:r>
+          </a:p>
+          <a:p>
+            <a:r>
+              <a:rPr lang="en-SG" dirty="0" smtClean="0"/>
+              <a:t>There are bunch of hardware and software developed for fast and correct displays of graphics on terminals.</a:t>
+            </a:r>
+          </a:p>
+          <a:p>
+            <a:r>
+              <a:rPr lang="en-SG" dirty="0" smtClean="0"/>
+              <a:t>The core techniques of computer graphics are based on geometry, optics, physics, and </a:t>
+            </a:r>
+            <a:r>
+              <a:rPr lang="en-SG" smtClean="0"/>
+              <a:t>perception.</a:t>
+            </a:r>
+          </a:p>
+          <a:p>
+            <a:endParaRPr lang="en-SG" dirty="0" smtClean="0"/>
+          </a:p>
+        </p:txBody>
+      </p:sp>
+    </p:spTree>
+    <p:extLst>
+      <p:ext uri="{BB962C8B-B14F-4D97-AF65-F5344CB8AC3E}">
+        <p14:creationId xmlns:p14="http://schemas.microsoft.com/office/powerpoint/2010/main" val="973039862"/>
+      </p:ext>
+    </p:extLst>
+  </p:cSld>
+  <p:clrMapOvr>
+    <a:masterClrMapping/>
+  </p:clrMapOvr>
+</p:sld>
+</file>
+
+<file path=ppt/slides/slide50.xml><?xml version="1.0" encoding="utf-8"?>
+<p:sld xmlns:a="http://schemas.openxmlformats.org/drawingml/2006/main" xmlns:r="http://schemas.openxmlformats.org/officeDocument/2006/relationships" xmlns:p="http://schemas.openxmlformats.org/presentationml/2006/main">
+  <p:cSld>
+    <p:spTree>
+      <p:nvGrpSpPr>
+        <p:cNvPr id="1" name=""/>
+        <p:cNvGrpSpPr/>
+        <p:nvPr/>
+      </p:nvGrpSpPr>
+      <p:grpSpPr>
+        <a:xfrm>
+          <a:off x="0" y="0"/>
+          <a:ext cx="0" cy="0"/>
+          <a:chOff x="0" y="0"/>
+          <a:chExt cx="0" cy="0"/>
+        </a:xfrm>
+      </p:grpSpPr>
+      <p:sp>
+        <p:nvSpPr>
+          <p:cNvPr id="2" name="标题 1"/>
+          <p:cNvSpPr>
+            <a:spLocks noGrp="1"/>
+          </p:cNvSpPr>
+          <p:nvPr>
+            <p:ph type="title"/>
+          </p:nvPr>
+        </p:nvSpPr>
+        <p:spPr/>
+        <p:txBody>
+          <a:bodyPr/>
+          <a:lstStyle/>
+          <a:p>
+            <a:r>
+              <a:rPr lang="en-SG" dirty="0" smtClean="0"/>
+              <a:t>Boolean operations in CSG</a:t>
+            </a:r>
+            <a:endParaRPr lang="en-SG" dirty="0"/>
+          </a:p>
+        </p:txBody>
+      </p:sp>
+      <p:sp>
+        <p:nvSpPr>
+          <p:cNvPr id="4" name="文本占位符 3"/>
+          <p:cNvSpPr>
+            <a:spLocks noGrp="1"/>
+          </p:cNvSpPr>
+          <p:nvPr>
+            <p:ph type="body" idx="1"/>
+          </p:nvPr>
+        </p:nvSpPr>
+        <p:spPr/>
+        <p:txBody>
+          <a:bodyPr/>
+          <a:lstStyle/>
+          <a:p>
+            <a:endParaRPr lang="en-SG"/>
+          </a:p>
+        </p:txBody>
+      </p:sp>
+    </p:spTree>
+    <p:extLst>
+      <p:ext uri="{BB962C8B-B14F-4D97-AF65-F5344CB8AC3E}">
+        <p14:creationId xmlns:p14="http://schemas.microsoft.com/office/powerpoint/2010/main" val="1997754333"/>
+      </p:ext>
+    </p:extLst>
+  </p:cSld>
+  <p:clrMapOvr>
+    <a:masterClrMapping/>
+  </p:clrMapOvr>
+</p:sld>
+</file>
+
+<file path=ppt/slides/slide51.xml><?xml version="1.0" encoding="utf-8"?>
+<p:sld xmlns:a="http://schemas.openxmlformats.org/drawingml/2006/main" xmlns:r="http://schemas.openxmlformats.org/officeDocument/2006/relationships" xmlns:p="http://schemas.openxmlformats.org/presentationml/2006/main">
+  <p:cSld>
+    <p:spTree>
+      <p:nvGrpSpPr>
+        <p:cNvPr id="1" name=""/>
+        <p:cNvGrpSpPr/>
+        <p:nvPr/>
+      </p:nvGrpSpPr>
+      <p:grpSpPr>
+        <a:xfrm>
+          <a:off x="0" y="0"/>
+          <a:ext cx="0" cy="0"/>
+          <a:chOff x="0" y="0"/>
+          <a:chExt cx="0" cy="0"/>
+        </a:xfrm>
+      </p:grpSpPr>
+      <p:sp>
+        <p:nvSpPr>
+          <p:cNvPr id="2" name="标题 1"/>
+          <p:cNvSpPr>
+            <a:spLocks noGrp="1"/>
+          </p:cNvSpPr>
+          <p:nvPr>
+            <p:ph type="title"/>
+          </p:nvPr>
+        </p:nvSpPr>
+        <p:spPr/>
+        <p:txBody>
           <a:bodyPr/>
           <a:lstStyle/>
           <a:p>
@@ -9573,7 +11093,7 @@
 </p:sld>
 </file>
 
-<file path=ppt/slides/slide44.xml><?xml version="1.0" encoding="utf-8"?>
+<file path=ppt/slides/slide52.xml><?xml version="1.0" encoding="utf-8"?>
 <p:sld xmlns:a="http://schemas.openxmlformats.org/drawingml/2006/main" xmlns:r="http://schemas.openxmlformats.org/officeDocument/2006/relationships" xmlns:p="http://schemas.openxmlformats.org/presentationml/2006/main">
   <p:cSld>
     <p:spTree>
@@ -9731,7 +11251,7 @@
           <a:graphicData uri="http://schemas.openxmlformats.org/presentationml/2006/ole">
             <mc:AlternateContent xmlns:mc="http://schemas.openxmlformats.org/markup-compatibility/2006">
               <mc:Choice xmlns:v="urn:schemas-microsoft-com:vml" Requires="v">
-                <p:oleObj spid="_x0000_s8371" name="Equation" r:id="rId6" imgW="419040" imgH="164880" progId="Equation.DSMT4">
+                <p:oleObj spid="_x0000_s8437" name="Equation" r:id="rId6" imgW="419040" imgH="164880" progId="Equation.DSMT4">
                   <p:embed/>
                 </p:oleObj>
               </mc:Choice>
@@ -9788,7 +11308,7 @@
           <a:graphicData uri="http://schemas.openxmlformats.org/presentationml/2006/ole">
             <mc:AlternateContent xmlns:mc="http://schemas.openxmlformats.org/markup-compatibility/2006">
               <mc:Choice xmlns:v="urn:schemas-microsoft-com:vml" Requires="v">
-                <p:oleObj spid="_x0000_s8372" name="Equation" r:id="rId8" imgW="380880" imgH="406080" progId="Equation.DSMT4">
+                <p:oleObj spid="_x0000_s8438" name="Equation" r:id="rId8" imgW="380880" imgH="406080" progId="Equation.DSMT4">
                   <p:embed/>
                 </p:oleObj>
               </mc:Choice>
@@ -9841,7 +11361,7 @@
           <a:graphicData uri="http://schemas.openxmlformats.org/presentationml/2006/ole">
             <mc:AlternateContent xmlns:mc="http://schemas.openxmlformats.org/markup-compatibility/2006">
               <mc:Choice xmlns:v="urn:schemas-microsoft-com:vml" Requires="v">
-                <p:oleObj spid="_x0000_s8373" name="Equation" r:id="rId10" imgW="419040" imgH="164880" progId="Equation.DSMT4">
+                <p:oleObj spid="_x0000_s8439" name="Equation" r:id="rId10" imgW="419040" imgH="164880" progId="Equation.DSMT4">
                   <p:embed/>
                 </p:oleObj>
               </mc:Choice>
@@ -9889,7 +11409,7 @@
 </p:sld>
 </file>
 
-<file path=ppt/slides/slide45.xml><?xml version="1.0" encoding="utf-8"?>
+<file path=ppt/slides/slide53.xml><?xml version="1.0" encoding="utf-8"?>
 <p:sld xmlns:a="http://schemas.openxmlformats.org/drawingml/2006/main" xmlns:r="http://schemas.openxmlformats.org/officeDocument/2006/relationships" xmlns:p="http://schemas.openxmlformats.org/presentationml/2006/main">
   <p:cSld>
     <p:spTree>
@@ -10027,7 +11547,7 @@
 </p:sld>
 </file>
 
-<file path=ppt/slides/slide46.xml><?xml version="1.0" encoding="utf-8"?>
+<file path=ppt/slides/slide54.xml><?xml version="1.0" encoding="utf-8"?>
 <p:sld xmlns:a="http://schemas.openxmlformats.org/drawingml/2006/main" xmlns:r="http://schemas.openxmlformats.org/officeDocument/2006/relationships" xmlns:p="http://schemas.openxmlformats.org/presentationml/2006/main">
   <p:cSld>
     <p:spTree>
@@ -10134,7 +11654,7 @@
 </p:sld>
 </file>
 
-<file path=ppt/slides/slide47.xml><?xml version="1.0" encoding="utf-8"?>
+<file path=ppt/slides/slide55.xml><?xml version="1.0" encoding="utf-8"?>
 <p:sld xmlns:a="http://schemas.openxmlformats.org/drawingml/2006/main" xmlns:r="http://schemas.openxmlformats.org/officeDocument/2006/relationships" xmlns:p="http://schemas.openxmlformats.org/presentationml/2006/main">
   <p:cSld>
     <p:spTree>
@@ -10206,7 +11726,7 @@
 </p:sld>
 </file>
 
-<file path=ppt/slides/slide48.xml><?xml version="1.0" encoding="utf-8"?>
+<file path=ppt/slides/slide56.xml><?xml version="1.0" encoding="utf-8"?>
 <p:sld xmlns:a="http://schemas.openxmlformats.org/drawingml/2006/main" xmlns:r="http://schemas.openxmlformats.org/officeDocument/2006/relationships" xmlns:p="http://schemas.openxmlformats.org/presentationml/2006/main">
   <p:cSld>
     <p:spTree>
@@ -10314,7 +11834,7 @@
 </p:sld>
 </file>
 
-<file path=ppt/slides/slide49.xml><?xml version="1.0" encoding="utf-8"?>
+<file path=ppt/slides/slide57.xml><?xml version="1.0" encoding="utf-8"?>
 <p:sld xmlns:a="http://schemas.openxmlformats.org/drawingml/2006/main" xmlns:r="http://schemas.openxmlformats.org/officeDocument/2006/relationships" xmlns:p="http://schemas.openxmlformats.org/presentationml/2006/main">
   <p:cSld>
     <p:spTree>
@@ -10368,101 +11888,7 @@
 </p:sld>
 </file>
 
-<file path=ppt/slides/slide5.xml><?xml version="1.0" encoding="utf-8"?>
-<p:sld xmlns:a="http://schemas.openxmlformats.org/drawingml/2006/main" xmlns:r="http://schemas.openxmlformats.org/officeDocument/2006/relationships" xmlns:p="http://schemas.openxmlformats.org/presentationml/2006/main">
-  <p:cSld>
-    <p:spTree>
-      <p:nvGrpSpPr>
-        <p:cNvPr id="1" name=""/>
-        <p:cNvGrpSpPr/>
-        <p:nvPr/>
-      </p:nvGrpSpPr>
-      <p:grpSpPr>
-        <a:xfrm>
-          <a:off x="0" y="0"/>
-          <a:ext cx="0" cy="0"/>
-          <a:chOff x="0" y="0"/>
-          <a:chExt cx="0" cy="0"/>
-        </a:xfrm>
-      </p:grpSpPr>
-      <p:sp>
-        <p:nvSpPr>
-          <p:cNvPr id="2" name="标题 1"/>
-          <p:cNvSpPr>
-            <a:spLocks noGrp="1"/>
-          </p:cNvSpPr>
-          <p:nvPr>
-            <p:ph type="title"/>
-          </p:nvPr>
-        </p:nvSpPr>
-        <p:spPr/>
-        <p:txBody>
-          <a:bodyPr/>
-          <a:lstStyle/>
-          <a:p>
-            <a:r>
-              <a:rPr lang="en-SG" dirty="0" smtClean="0"/>
-              <a:t>Instruction to computer graphics</a:t>
-            </a:r>
-            <a:endParaRPr lang="en-SG" dirty="0"/>
-          </a:p>
-        </p:txBody>
-      </p:sp>
-      <p:sp>
-        <p:nvSpPr>
-          <p:cNvPr id="3" name="内容占位符 2"/>
-          <p:cNvSpPr>
-            <a:spLocks noGrp="1"/>
-          </p:cNvSpPr>
-          <p:nvPr>
-            <p:ph idx="1"/>
-          </p:nvPr>
-        </p:nvSpPr>
-        <p:spPr/>
-        <p:txBody>
-          <a:bodyPr/>
-          <a:lstStyle/>
-          <a:p>
-            <a:r>
-              <a:rPr lang="en-SG" dirty="0" smtClean="0"/>
-              <a:t>Computer graphics focuses mainly on displays of any digital image by a computer.</a:t>
-            </a:r>
-          </a:p>
-          <a:p>
-            <a:r>
-              <a:rPr lang="en-SG" dirty="0" smtClean="0"/>
-              <a:t>There are bunch of hardware and software developed for fast and correct displays of graphics on terminals.</a:t>
-            </a:r>
-          </a:p>
-          <a:p>
-            <a:r>
-              <a:rPr lang="en-SG" dirty="0" smtClean="0"/>
-              <a:t>The core techniques of computer graphics are based on geometry, optics, physics, and </a:t>
-            </a:r>
-            <a:r>
-              <a:rPr lang="en-SG" smtClean="0"/>
-              <a:t>perception.</a:t>
-            </a:r>
-          </a:p>
-          <a:p>
-            <a:endParaRPr lang="en-SG" dirty="0" smtClean="0"/>
-          </a:p>
-        </p:txBody>
-      </p:sp>
-    </p:spTree>
-    <p:extLst>
-      <p:ext uri="{BB962C8B-B14F-4D97-AF65-F5344CB8AC3E}">
-        <p14:creationId xmlns:p14="http://schemas.microsoft.com/office/powerpoint/2010/main" val="973039862"/>
-      </p:ext>
-    </p:extLst>
-  </p:cSld>
-  <p:clrMapOvr>
-    <a:masterClrMapping/>
-  </p:clrMapOvr>
-</p:sld>
-</file>
-
-<file path=ppt/slides/slide50.xml><?xml version="1.0" encoding="utf-8"?>
+<file path=ppt/slides/slide58.xml><?xml version="1.0" encoding="utf-8"?>
 <p:sld xmlns:a="http://schemas.openxmlformats.org/drawingml/2006/main" xmlns:r="http://schemas.openxmlformats.org/officeDocument/2006/relationships" xmlns:p="http://schemas.openxmlformats.org/presentationml/2006/main">
   <p:cSld>
     <p:spTree>
@@ -10570,7 +11996,7 @@
 </p:sld>
 </file>
 
-<file path=ppt/slides/slide51.xml><?xml version="1.0" encoding="utf-8"?>
+<file path=ppt/slides/slide59.xml><?xml version="1.0" encoding="utf-8"?>
 <p:sld xmlns:a="http://schemas.openxmlformats.org/drawingml/2006/main" xmlns:r="http://schemas.openxmlformats.org/officeDocument/2006/relationships" xmlns:p="http://schemas.openxmlformats.org/presentationml/2006/main">
   <p:cSld>
     <p:spTree>
@@ -10706,835 +12132,6 @@
 </p:sld>
 </file>
 
-<file path=ppt/slides/slide52.xml><?xml version="1.0" encoding="utf-8"?>
-<p:sld xmlns:a="http://schemas.openxmlformats.org/drawingml/2006/main" xmlns:r="http://schemas.openxmlformats.org/officeDocument/2006/relationships" xmlns:p="http://schemas.openxmlformats.org/presentationml/2006/main">
-  <p:cSld>
-    <p:spTree>
-      <p:nvGrpSpPr>
-        <p:cNvPr id="1" name=""/>
-        <p:cNvGrpSpPr/>
-        <p:nvPr/>
-      </p:nvGrpSpPr>
-      <p:grpSpPr>
-        <a:xfrm>
-          <a:off x="0" y="0"/>
-          <a:ext cx="0" cy="0"/>
-          <a:chOff x="0" y="0"/>
-          <a:chExt cx="0" cy="0"/>
-        </a:xfrm>
-      </p:grpSpPr>
-      <p:sp>
-        <p:nvSpPr>
-          <p:cNvPr id="2" name="标题 1"/>
-          <p:cNvSpPr>
-            <a:spLocks noGrp="1"/>
-          </p:cNvSpPr>
-          <p:nvPr>
-            <p:ph type="title"/>
-          </p:nvPr>
-        </p:nvSpPr>
-        <p:spPr/>
-        <p:txBody>
-          <a:bodyPr/>
-          <a:lstStyle/>
-          <a:p>
-            <a:r>
-              <a:rPr lang="en-SG" dirty="0"/>
-              <a:t>Sketch method</a:t>
-            </a:r>
-          </a:p>
-        </p:txBody>
-      </p:sp>
-      <p:sp>
-        <p:nvSpPr>
-          <p:cNvPr id="3" name="内容占位符 2"/>
-          <p:cNvSpPr>
-            <a:spLocks noGrp="1"/>
-          </p:cNvSpPr>
-          <p:nvPr>
-            <p:ph idx="1"/>
-          </p:nvPr>
-        </p:nvSpPr>
-        <p:spPr/>
-        <p:txBody>
-          <a:bodyPr/>
-          <a:lstStyle/>
-          <a:p>
-            <a:r>
-              <a:rPr lang="en-SG" dirty="0" smtClean="0"/>
-              <a:t>The main steps of sketch method to create 3D models are</a:t>
-            </a:r>
-          </a:p>
-          <a:p>
-            <a:pPr marL="914400" lvl="1" indent="-457200">
-              <a:buFont typeface="+mj-lt"/>
-              <a:buAutoNum type="arabicPeriod"/>
-            </a:pPr>
-            <a:r>
-              <a:rPr lang="en-SG" dirty="0" smtClean="0"/>
-              <a:t>Define a sketch plane as cross section;</a:t>
-            </a:r>
-          </a:p>
-          <a:p>
-            <a:pPr marL="914400" lvl="1" indent="-457200">
-              <a:buFont typeface="+mj-lt"/>
-              <a:buAutoNum type="arabicPeriod"/>
-            </a:pPr>
-            <a:r>
-              <a:rPr lang="en-SG" dirty="0" smtClean="0"/>
-              <a:t>Sketch 2D shapes on the cross section;</a:t>
-            </a:r>
-          </a:p>
-          <a:p>
-            <a:pPr marL="914400" lvl="1" indent="-457200">
-              <a:buFont typeface="+mj-lt"/>
-              <a:buAutoNum type="arabicPeriod"/>
-            </a:pPr>
-            <a:r>
-              <a:rPr lang="en-SG" dirty="0" smtClean="0"/>
-              <a:t>Constraint 2D shapes with accurate dimensions;</a:t>
-            </a:r>
-          </a:p>
-          <a:p>
-            <a:pPr marL="914400" lvl="1" indent="-457200">
-              <a:buFont typeface="+mj-lt"/>
-              <a:buAutoNum type="arabicPeriod"/>
-            </a:pPr>
-            <a:r>
-              <a:rPr lang="en-SG" dirty="0" smtClean="0"/>
-              <a:t>Perform 2D to </a:t>
-            </a:r>
-            <a:r>
-              <a:rPr lang="en-SG" smtClean="0"/>
-              <a:t>3D operations.</a:t>
-            </a:r>
-            <a:endParaRPr lang="en-SG" dirty="0" smtClean="0"/>
-          </a:p>
-          <a:p>
-            <a:pPr marL="914400" lvl="1" indent="-457200">
-              <a:buFont typeface="+mj-lt"/>
-              <a:buAutoNum type="arabicPeriod"/>
-            </a:pPr>
-            <a:endParaRPr lang="en-SG" dirty="0"/>
-          </a:p>
-        </p:txBody>
-      </p:sp>
-    </p:spTree>
-    <p:extLst>
-      <p:ext uri="{BB962C8B-B14F-4D97-AF65-F5344CB8AC3E}">
-        <p14:creationId xmlns:p14="http://schemas.microsoft.com/office/powerpoint/2010/main" val="4198518572"/>
-      </p:ext>
-    </p:extLst>
-  </p:cSld>
-  <p:clrMapOvr>
-    <a:masterClrMapping/>
-  </p:clrMapOvr>
-</p:sld>
-</file>
-
-<file path=ppt/slides/slide53.xml><?xml version="1.0" encoding="utf-8"?>
-<p:sld xmlns:a="http://schemas.openxmlformats.org/drawingml/2006/main" xmlns:r="http://schemas.openxmlformats.org/officeDocument/2006/relationships" xmlns:p="http://schemas.openxmlformats.org/presentationml/2006/main">
-  <p:cSld>
-    <p:spTree>
-      <p:nvGrpSpPr>
-        <p:cNvPr id="1" name=""/>
-        <p:cNvGrpSpPr/>
-        <p:nvPr/>
-      </p:nvGrpSpPr>
-      <p:grpSpPr>
-        <a:xfrm>
-          <a:off x="0" y="0"/>
-          <a:ext cx="0" cy="0"/>
-          <a:chOff x="0" y="0"/>
-          <a:chExt cx="0" cy="0"/>
-        </a:xfrm>
-      </p:grpSpPr>
-      <p:sp>
-        <p:nvSpPr>
-          <p:cNvPr id="4" name="标题 3"/>
-          <p:cNvSpPr>
-            <a:spLocks noGrp="1"/>
-          </p:cNvSpPr>
-          <p:nvPr>
-            <p:ph type="title"/>
-          </p:nvPr>
-        </p:nvSpPr>
-        <p:spPr/>
-        <p:txBody>
-          <a:bodyPr/>
-          <a:lstStyle/>
-          <a:p>
-            <a:r>
-              <a:rPr lang="en-SG" dirty="0"/>
-              <a:t>Key disciplines of modelling in </a:t>
-            </a:r>
-            <a:r>
-              <a:rPr lang="en-SG" dirty="0" err="1"/>
-              <a:t>Solidworks</a:t>
-            </a:r>
-            <a:endParaRPr lang="en-SG" dirty="0"/>
-          </a:p>
-        </p:txBody>
-      </p:sp>
-      <p:sp>
-        <p:nvSpPr>
-          <p:cNvPr id="5" name="文本占位符 4"/>
-          <p:cNvSpPr>
-            <a:spLocks noGrp="1"/>
-          </p:cNvSpPr>
-          <p:nvPr>
-            <p:ph type="body" idx="1"/>
-          </p:nvPr>
-        </p:nvSpPr>
-        <p:spPr/>
-        <p:txBody>
-          <a:bodyPr/>
-          <a:lstStyle/>
-          <a:p>
-            <a:endParaRPr lang="en-SG"/>
-          </a:p>
-        </p:txBody>
-      </p:sp>
-    </p:spTree>
-    <p:extLst>
-      <p:ext uri="{BB962C8B-B14F-4D97-AF65-F5344CB8AC3E}">
-        <p14:creationId xmlns:p14="http://schemas.microsoft.com/office/powerpoint/2010/main" val="2395669259"/>
-      </p:ext>
-    </p:extLst>
-  </p:cSld>
-  <p:clrMapOvr>
-    <a:masterClrMapping/>
-  </p:clrMapOvr>
-</p:sld>
-</file>
-
-<file path=ppt/slides/slide54.xml><?xml version="1.0" encoding="utf-8"?>
-<p:sld xmlns:a="http://schemas.openxmlformats.org/drawingml/2006/main" xmlns:r="http://schemas.openxmlformats.org/officeDocument/2006/relationships" xmlns:p="http://schemas.openxmlformats.org/presentationml/2006/main">
-  <p:cSld>
-    <p:spTree>
-      <p:nvGrpSpPr>
-        <p:cNvPr id="1" name=""/>
-        <p:cNvGrpSpPr/>
-        <p:nvPr/>
-      </p:nvGrpSpPr>
-      <p:grpSpPr>
-        <a:xfrm>
-          <a:off x="0" y="0"/>
-          <a:ext cx="0" cy="0"/>
-          <a:chOff x="0" y="0"/>
-          <a:chExt cx="0" cy="0"/>
-        </a:xfrm>
-      </p:grpSpPr>
-      <p:sp>
-        <p:nvSpPr>
-          <p:cNvPr id="2" name="标题 1"/>
-          <p:cNvSpPr>
-            <a:spLocks noGrp="1"/>
-          </p:cNvSpPr>
-          <p:nvPr>
-            <p:ph type="title"/>
-          </p:nvPr>
-        </p:nvSpPr>
-        <p:spPr/>
-        <p:txBody>
-          <a:bodyPr/>
-          <a:lstStyle/>
-          <a:p>
-            <a:r>
-              <a:rPr lang="en-SG" dirty="0" smtClean="0"/>
-              <a:t>Key disciplines of modelling in </a:t>
-            </a:r>
-            <a:r>
-              <a:rPr lang="en-SG" dirty="0" err="1" smtClean="0"/>
-              <a:t>Solidworks</a:t>
-            </a:r>
-            <a:endParaRPr lang="en-SG" baseline="30000" dirty="0"/>
-          </a:p>
-        </p:txBody>
-      </p:sp>
-      <p:sp>
-        <p:nvSpPr>
-          <p:cNvPr id="3" name="内容占位符 2"/>
-          <p:cNvSpPr>
-            <a:spLocks noGrp="1"/>
-          </p:cNvSpPr>
-          <p:nvPr>
-            <p:ph idx="1"/>
-          </p:nvPr>
-        </p:nvSpPr>
-        <p:spPr/>
-        <p:txBody>
-          <a:bodyPr/>
-          <a:lstStyle/>
-          <a:p>
-            <a:r>
-              <a:rPr lang="en-SG" dirty="0" smtClean="0"/>
-              <a:t>For basic bodies, generate 3D model by taking use of 2D shapes;</a:t>
-            </a:r>
-          </a:p>
-          <a:p>
-            <a:r>
-              <a:rPr lang="en-SG" dirty="0" smtClean="0"/>
-              <a:t>Combine basic bodies to create a complex body;</a:t>
-            </a:r>
-          </a:p>
-          <a:p>
-            <a:r>
-              <a:rPr lang="en-SG" dirty="0"/>
-              <a:t>R</a:t>
-            </a:r>
-            <a:r>
-              <a:rPr lang="en-SG" dirty="0" smtClean="0"/>
-              <a:t>epeated bodies can be made through array operations;</a:t>
-            </a:r>
-          </a:p>
-          <a:p>
-            <a:pPr marL="0" indent="0">
-              <a:buNone/>
-            </a:pPr>
-            <a:r>
-              <a:rPr lang="en-SG" dirty="0" smtClean="0"/>
-              <a:t> </a:t>
-            </a:r>
-          </a:p>
-          <a:p>
-            <a:endParaRPr lang="en-SG" dirty="0"/>
-          </a:p>
-        </p:txBody>
-      </p:sp>
-    </p:spTree>
-    <p:extLst>
-      <p:ext uri="{BB962C8B-B14F-4D97-AF65-F5344CB8AC3E}">
-        <p14:creationId xmlns:p14="http://schemas.microsoft.com/office/powerpoint/2010/main" val="164022275"/>
-      </p:ext>
-    </p:extLst>
-  </p:cSld>
-  <p:clrMapOvr>
-    <a:masterClrMapping/>
-  </p:clrMapOvr>
-</p:sld>
-</file>
-
-<file path=ppt/slides/slide55.xml><?xml version="1.0" encoding="utf-8"?>
-<p:sld xmlns:a="http://schemas.openxmlformats.org/drawingml/2006/main" xmlns:r="http://schemas.openxmlformats.org/officeDocument/2006/relationships" xmlns:p="http://schemas.openxmlformats.org/presentationml/2006/main">
-  <p:cSld>
-    <p:spTree>
-      <p:nvGrpSpPr>
-        <p:cNvPr id="1" name=""/>
-        <p:cNvGrpSpPr/>
-        <p:nvPr/>
-      </p:nvGrpSpPr>
-      <p:grpSpPr>
-        <a:xfrm>
-          <a:off x="0" y="0"/>
-          <a:ext cx="0" cy="0"/>
-          <a:chOff x="0" y="0"/>
-          <a:chExt cx="0" cy="0"/>
-        </a:xfrm>
-      </p:grpSpPr>
-      <p:sp>
-        <p:nvSpPr>
-          <p:cNvPr id="2" name="标题 1"/>
-          <p:cNvSpPr>
-            <a:spLocks noGrp="1"/>
-          </p:cNvSpPr>
-          <p:nvPr>
-            <p:ph type="title"/>
-          </p:nvPr>
-        </p:nvSpPr>
-        <p:spPr/>
-        <p:txBody>
-          <a:bodyPr/>
-          <a:lstStyle/>
-          <a:p>
-            <a:r>
-              <a:rPr lang="en-SG" dirty="0" smtClean="0"/>
-              <a:t>Coordinate system</a:t>
-            </a:r>
-          </a:p>
-        </p:txBody>
-      </p:sp>
-      <p:sp>
-        <p:nvSpPr>
-          <p:cNvPr id="3" name="内容占位符 2"/>
-          <p:cNvSpPr>
-            <a:spLocks noGrp="1"/>
-          </p:cNvSpPr>
-          <p:nvPr>
-            <p:ph idx="1"/>
-          </p:nvPr>
-        </p:nvSpPr>
-        <p:spPr/>
-        <p:txBody>
-          <a:bodyPr>
-            <a:normAutofit fontScale="92500" lnSpcReduction="10000"/>
-          </a:bodyPr>
-          <a:lstStyle/>
-          <a:p>
-            <a:r>
-              <a:rPr lang="en-SG" dirty="0">
-                <a:solidFill>
-                  <a:srgbClr val="FF0000"/>
-                </a:solidFill>
-              </a:rPr>
-              <a:t>Coordinate systems are the most important concept in a CAD system. They are used </a:t>
-            </a:r>
-            <a:r>
-              <a:rPr lang="en-SG" dirty="0" smtClean="0">
-                <a:solidFill>
-                  <a:srgbClr val="FF0000"/>
-                </a:solidFill>
-              </a:rPr>
-              <a:t>to  </a:t>
-            </a:r>
-            <a:r>
-              <a:rPr lang="en-SG" dirty="0">
-                <a:solidFill>
-                  <a:srgbClr val="FF0000"/>
-                </a:solidFill>
-              </a:rPr>
-              <a:t>input,  store,  and  display  geometric  model.  There  are  three  kinds  of  coordinate </a:t>
-            </a:r>
-            <a:r>
-              <a:rPr lang="en-SG" dirty="0" smtClean="0">
-                <a:solidFill>
-                  <a:srgbClr val="FF0000"/>
-                </a:solidFill>
-              </a:rPr>
-              <a:t>systems</a:t>
-            </a:r>
-            <a:r>
-              <a:rPr lang="en-SG" dirty="0">
-                <a:solidFill>
-                  <a:srgbClr val="FF0000"/>
-                </a:solidFill>
-              </a:rPr>
-              <a:t>, that is, model coordinate system (MCS), working coordinate system (WCS), </a:t>
-            </a:r>
-            <a:r>
-              <a:rPr lang="en-SG" dirty="0" smtClean="0">
-                <a:solidFill>
-                  <a:srgbClr val="FF0000"/>
-                </a:solidFill>
-              </a:rPr>
-              <a:t>and </a:t>
-            </a:r>
-            <a:r>
-              <a:rPr lang="en-SG" dirty="0">
-                <a:solidFill>
-                  <a:srgbClr val="FF0000"/>
-                </a:solidFill>
-              </a:rPr>
-              <a:t>screen coordinate system (SCS).</a:t>
-            </a:r>
-          </a:p>
-          <a:p>
-            <a:r>
-              <a:rPr lang="en-SG" dirty="0" smtClean="0"/>
-              <a:t>By default, there are already a coordinates system provided for user by SOLIDWORKS every time you open a new modelling project. Usually</a:t>
-            </a:r>
-            <a:r>
-              <a:rPr lang="en-SG" dirty="0"/>
-              <a:t>, at the lower-left corner of the canvas, you can notice the symbol of coordinate system with three axes</a:t>
-            </a:r>
-            <a:r>
-              <a:rPr lang="en-SG" dirty="0" smtClean="0"/>
-              <a:t>.</a:t>
-            </a:r>
-          </a:p>
-          <a:p>
-            <a:r>
-              <a:rPr lang="en-SG" dirty="0" smtClean="0"/>
-              <a:t>Whenever user need to carry on some location or orientation related modelling steps, the coordination system should be considered.</a:t>
-            </a:r>
-          </a:p>
-          <a:p>
-            <a:r>
-              <a:rPr lang="en-US" dirty="0" smtClean="0"/>
-              <a:t>For example, in the scenarios of re-oriented a model or two models comparing user should define his own reference coordinate systems. </a:t>
-            </a:r>
-            <a:endParaRPr lang="en-SG" dirty="0"/>
-          </a:p>
-        </p:txBody>
-      </p:sp>
-    </p:spTree>
-    <p:extLst>
-      <p:ext uri="{BB962C8B-B14F-4D97-AF65-F5344CB8AC3E}">
-        <p14:creationId xmlns:p14="http://schemas.microsoft.com/office/powerpoint/2010/main" val="1304840193"/>
-      </p:ext>
-    </p:extLst>
-  </p:cSld>
-  <p:clrMapOvr>
-    <a:masterClrMapping/>
-  </p:clrMapOvr>
-</p:sld>
-</file>
-
-<file path=ppt/slides/slide56.xml><?xml version="1.0" encoding="utf-8"?>
-<p:sld xmlns:a="http://schemas.openxmlformats.org/drawingml/2006/main" xmlns:r="http://schemas.openxmlformats.org/officeDocument/2006/relationships" xmlns:p="http://schemas.openxmlformats.org/presentationml/2006/main">
-  <p:cSld>
-    <p:spTree>
-      <p:nvGrpSpPr>
-        <p:cNvPr id="1" name=""/>
-        <p:cNvGrpSpPr/>
-        <p:nvPr/>
-      </p:nvGrpSpPr>
-      <p:grpSpPr>
-        <a:xfrm>
-          <a:off x="0" y="0"/>
-          <a:ext cx="0" cy="0"/>
-          <a:chOff x="0" y="0"/>
-          <a:chExt cx="0" cy="0"/>
-        </a:xfrm>
-      </p:grpSpPr>
-      <p:sp>
-        <p:nvSpPr>
-          <p:cNvPr id="2" name="标题 1"/>
-          <p:cNvSpPr>
-            <a:spLocks noGrp="1"/>
-          </p:cNvSpPr>
-          <p:nvPr>
-            <p:ph type="title"/>
-          </p:nvPr>
-        </p:nvSpPr>
-        <p:spPr/>
-        <p:txBody>
-          <a:bodyPr/>
-          <a:lstStyle/>
-          <a:p>
-            <a:r>
-              <a:rPr lang="en-SG" dirty="0" smtClean="0"/>
-              <a:t>References objects</a:t>
-            </a:r>
-            <a:endParaRPr lang="en-SG" dirty="0"/>
-          </a:p>
-        </p:txBody>
-      </p:sp>
-      <p:sp>
-        <p:nvSpPr>
-          <p:cNvPr id="3" name="内容占位符 2"/>
-          <p:cNvSpPr>
-            <a:spLocks noGrp="1"/>
-          </p:cNvSpPr>
-          <p:nvPr>
-            <p:ph idx="1"/>
-          </p:nvPr>
-        </p:nvSpPr>
-        <p:spPr/>
-        <p:txBody>
-          <a:bodyPr/>
-          <a:lstStyle/>
-          <a:p>
-            <a:r>
-              <a:rPr lang="en-SG" dirty="0" smtClean="0"/>
-              <a:t>Reference points</a:t>
-            </a:r>
-          </a:p>
-          <a:p>
-            <a:r>
-              <a:rPr lang="en-SG" dirty="0" smtClean="0"/>
-              <a:t>Reference vectors/axes</a:t>
-            </a:r>
-          </a:p>
-          <a:p>
-            <a:r>
-              <a:rPr lang="en-SG" dirty="0" smtClean="0"/>
-              <a:t>Reference plane</a:t>
-            </a:r>
-          </a:p>
-          <a:p>
-            <a:endParaRPr lang="en-SG" dirty="0"/>
-          </a:p>
-        </p:txBody>
-      </p:sp>
-    </p:spTree>
-    <p:extLst>
-      <p:ext uri="{BB962C8B-B14F-4D97-AF65-F5344CB8AC3E}">
-        <p14:creationId xmlns:p14="http://schemas.microsoft.com/office/powerpoint/2010/main" val="224841182"/>
-      </p:ext>
-    </p:extLst>
-  </p:cSld>
-  <p:clrMapOvr>
-    <a:masterClrMapping/>
-  </p:clrMapOvr>
-</p:sld>
-</file>
-
-<file path=ppt/slides/slide57.xml><?xml version="1.0" encoding="utf-8"?>
-<p:sld xmlns:a="http://schemas.openxmlformats.org/drawingml/2006/main" xmlns:r="http://schemas.openxmlformats.org/officeDocument/2006/relationships" xmlns:p="http://schemas.openxmlformats.org/presentationml/2006/main">
-  <p:cSld>
-    <p:spTree>
-      <p:nvGrpSpPr>
-        <p:cNvPr id="1" name=""/>
-        <p:cNvGrpSpPr/>
-        <p:nvPr/>
-      </p:nvGrpSpPr>
-      <p:grpSpPr>
-        <a:xfrm>
-          <a:off x="0" y="0"/>
-          <a:ext cx="0" cy="0"/>
-          <a:chOff x="0" y="0"/>
-          <a:chExt cx="0" cy="0"/>
-        </a:xfrm>
-      </p:grpSpPr>
-      <p:sp>
-        <p:nvSpPr>
-          <p:cNvPr id="2" name="标题 1"/>
-          <p:cNvSpPr>
-            <a:spLocks noGrp="1"/>
-          </p:cNvSpPr>
-          <p:nvPr>
-            <p:ph type="title"/>
-          </p:nvPr>
-        </p:nvSpPr>
-        <p:spPr/>
-        <p:txBody>
-          <a:bodyPr/>
-          <a:lstStyle/>
-          <a:p>
-            <a:r>
-              <a:rPr lang="en-SG" dirty="0" smtClean="0"/>
-              <a:t>Sketch</a:t>
-            </a:r>
-            <a:endParaRPr lang="en-SG" dirty="0"/>
-          </a:p>
-        </p:txBody>
-      </p:sp>
-      <p:sp>
-        <p:nvSpPr>
-          <p:cNvPr id="3" name="内容占位符 2"/>
-          <p:cNvSpPr>
-            <a:spLocks noGrp="1"/>
-          </p:cNvSpPr>
-          <p:nvPr>
-            <p:ph idx="1"/>
-          </p:nvPr>
-        </p:nvSpPr>
-        <p:spPr/>
-        <p:txBody>
-          <a:bodyPr/>
-          <a:lstStyle/>
-          <a:p>
-            <a:r>
-              <a:rPr lang="en-SG" dirty="0" smtClean="0"/>
-              <a:t>Plane curves</a:t>
-            </a:r>
-          </a:p>
-          <a:p>
-            <a:r>
-              <a:rPr lang="en-SG" dirty="0" smtClean="0"/>
-              <a:t>Two types of Constraint</a:t>
-            </a:r>
-          </a:p>
-          <a:p>
-            <a:pPr lvl="1"/>
-            <a:r>
-              <a:rPr lang="en-SG" dirty="0"/>
-              <a:t>Dimensional </a:t>
-            </a:r>
-            <a:r>
-              <a:rPr lang="en-SG" dirty="0" smtClean="0"/>
-              <a:t>constraints: length and angle</a:t>
-            </a:r>
-          </a:p>
-          <a:p>
-            <a:pPr lvl="1"/>
-            <a:r>
-              <a:rPr lang="en-SG" dirty="0" smtClean="0"/>
-              <a:t>Geometric constraints: parallel, perpendicular, normal</a:t>
-            </a:r>
-            <a:r>
-              <a:rPr lang="en-SG" dirty="0"/>
-              <a:t>, tangent, </a:t>
-            </a:r>
-            <a:r>
-              <a:rPr lang="en-SG" dirty="0" smtClean="0"/>
-              <a:t>concentric</a:t>
-            </a:r>
-            <a:r>
-              <a:rPr lang="en-SG" smtClean="0"/>
-              <a:t>, etc.</a:t>
-            </a:r>
-            <a:endParaRPr lang="en-SG" dirty="0"/>
-          </a:p>
-        </p:txBody>
-      </p:sp>
-    </p:spTree>
-    <p:extLst>
-      <p:ext uri="{BB962C8B-B14F-4D97-AF65-F5344CB8AC3E}">
-        <p14:creationId xmlns:p14="http://schemas.microsoft.com/office/powerpoint/2010/main" val="579798063"/>
-      </p:ext>
-    </p:extLst>
-  </p:cSld>
-  <p:clrMapOvr>
-    <a:masterClrMapping/>
-  </p:clrMapOvr>
-</p:sld>
-</file>
-
-<file path=ppt/slides/slide58.xml><?xml version="1.0" encoding="utf-8"?>
-<p:sld xmlns:a="http://schemas.openxmlformats.org/drawingml/2006/main" xmlns:r="http://schemas.openxmlformats.org/officeDocument/2006/relationships" xmlns:p="http://schemas.openxmlformats.org/presentationml/2006/main">
-  <p:cSld>
-    <p:spTree>
-      <p:nvGrpSpPr>
-        <p:cNvPr id="1" name=""/>
-        <p:cNvGrpSpPr/>
-        <p:nvPr/>
-      </p:nvGrpSpPr>
-      <p:grpSpPr>
-        <a:xfrm>
-          <a:off x="0" y="0"/>
-          <a:ext cx="0" cy="0"/>
-          <a:chOff x="0" y="0"/>
-          <a:chExt cx="0" cy="0"/>
-        </a:xfrm>
-      </p:grpSpPr>
-      <p:sp>
-        <p:nvSpPr>
-          <p:cNvPr id="2" name="标题 1"/>
-          <p:cNvSpPr>
-            <a:spLocks noGrp="1"/>
-          </p:cNvSpPr>
-          <p:nvPr>
-            <p:ph type="ctrTitle"/>
-          </p:nvPr>
-        </p:nvSpPr>
-        <p:spPr/>
-        <p:txBody>
-          <a:bodyPr/>
-          <a:lstStyle/>
-          <a:p>
-            <a:r>
-              <a:rPr lang="en-SG" dirty="0" smtClean="0"/>
-              <a:t>CAM</a:t>
-            </a:r>
-            <a:endParaRPr lang="en-SG" dirty="0"/>
-          </a:p>
-        </p:txBody>
-      </p:sp>
-      <p:sp>
-        <p:nvSpPr>
-          <p:cNvPr id="3" name="副标题 2"/>
-          <p:cNvSpPr>
-            <a:spLocks noGrp="1"/>
-          </p:cNvSpPr>
-          <p:nvPr>
-            <p:ph type="subTitle" idx="1"/>
-          </p:nvPr>
-        </p:nvSpPr>
-        <p:spPr/>
-        <p:txBody>
-          <a:bodyPr/>
-          <a:lstStyle/>
-          <a:p>
-            <a:endParaRPr lang="en-SG"/>
-          </a:p>
-        </p:txBody>
-      </p:sp>
-    </p:spTree>
-    <p:extLst>
-      <p:ext uri="{BB962C8B-B14F-4D97-AF65-F5344CB8AC3E}">
-        <p14:creationId xmlns:p14="http://schemas.microsoft.com/office/powerpoint/2010/main" val="2945329965"/>
-      </p:ext>
-    </p:extLst>
-  </p:cSld>
-  <p:clrMapOvr>
-    <a:masterClrMapping/>
-  </p:clrMapOvr>
-</p:sld>
-</file>
-
-<file path=ppt/slides/slide59.xml><?xml version="1.0" encoding="utf-8"?>
-<p:sld xmlns:a="http://schemas.openxmlformats.org/drawingml/2006/main" xmlns:r="http://schemas.openxmlformats.org/officeDocument/2006/relationships" xmlns:p="http://schemas.openxmlformats.org/presentationml/2006/main">
-  <p:cSld>
-    <p:spTree>
-      <p:nvGrpSpPr>
-        <p:cNvPr id="1" name=""/>
-        <p:cNvGrpSpPr/>
-        <p:nvPr/>
-      </p:nvGrpSpPr>
-      <p:grpSpPr>
-        <a:xfrm>
-          <a:off x="0" y="0"/>
-          <a:ext cx="0" cy="0"/>
-          <a:chOff x="0" y="0"/>
-          <a:chExt cx="0" cy="0"/>
-        </a:xfrm>
-      </p:grpSpPr>
-      <p:sp>
-        <p:nvSpPr>
-          <p:cNvPr id="2" name="标题 1"/>
-          <p:cNvSpPr>
-            <a:spLocks noGrp="1"/>
-          </p:cNvSpPr>
-          <p:nvPr>
-            <p:ph type="title"/>
-          </p:nvPr>
-        </p:nvSpPr>
-        <p:spPr/>
-        <p:txBody>
-          <a:bodyPr/>
-          <a:lstStyle/>
-          <a:p>
-            <a:r>
-              <a:rPr lang="en-SG" dirty="0" smtClean="0"/>
-              <a:t>Brief</a:t>
-            </a:r>
-            <a:endParaRPr lang="en-SG" dirty="0"/>
-          </a:p>
-        </p:txBody>
-      </p:sp>
-      <p:sp>
-        <p:nvSpPr>
-          <p:cNvPr id="3" name="内容占位符 2"/>
-          <p:cNvSpPr>
-            <a:spLocks noGrp="1"/>
-          </p:cNvSpPr>
-          <p:nvPr>
-            <p:ph idx="1"/>
-          </p:nvPr>
-        </p:nvSpPr>
-        <p:spPr/>
-        <p:txBody>
-          <a:bodyPr>
-            <a:normAutofit/>
-          </a:bodyPr>
-          <a:lstStyle/>
-          <a:p>
-            <a:r>
-              <a:rPr lang="en-SG" dirty="0" smtClean="0"/>
-              <a:t>Scope and applications </a:t>
-            </a:r>
-          </a:p>
-          <a:p>
-            <a:pPr lvl="1"/>
-            <a:r>
-              <a:rPr lang="en-SG" dirty="0" smtClean="0"/>
-              <a:t>NC in CAM </a:t>
-            </a:r>
-          </a:p>
-          <a:p>
-            <a:pPr lvl="1"/>
-            <a:r>
-              <a:rPr lang="en-SG" dirty="0" smtClean="0"/>
-              <a:t>Principal types of CNC machine</a:t>
-            </a:r>
-          </a:p>
-        </p:txBody>
-      </p:sp>
-    </p:spTree>
-    <p:extLst>
-      <p:ext uri="{BB962C8B-B14F-4D97-AF65-F5344CB8AC3E}">
-        <p14:creationId xmlns:p14="http://schemas.microsoft.com/office/powerpoint/2010/main" val="866301321"/>
-      </p:ext>
-    </p:extLst>
-  </p:cSld>
-  <p:clrMapOvr>
-    <a:masterClrMapping/>
-  </p:clrMapOvr>
-</p:sld>
-</file>
-
 <file path=ppt/slides/slide6.xml><?xml version="1.0" encoding="utf-8"?>
 <p:sld xmlns:a="http://schemas.openxmlformats.org/drawingml/2006/main" xmlns:r="http://schemas.openxmlformats.org/officeDocument/2006/relationships" xmlns:p="http://schemas.openxmlformats.org/presentationml/2006/main">
   <p:cSld>
@@ -11640,10 +12237,9 @@
           <a:lstStyle/>
           <a:p>
             <a:r>
-              <a:rPr lang="en-SG" dirty="0" smtClean="0"/>
-              <a:t>Machine tools</a:t>
-            </a:r>
-            <a:endParaRPr lang="en-SG" dirty="0"/>
+              <a:rPr lang="en-SG" dirty="0"/>
+              <a:t>Sketch method</a:t>
+            </a:r>
           </a:p>
         </p:txBody>
       </p:sp>
@@ -11659,46 +12255,64 @@
         </p:nvSpPr>
         <p:spPr/>
         <p:txBody>
-          <a:bodyPr>
-            <a:normAutofit/>
-          </a:bodyPr>
-          <a:lstStyle/>
-          <a:p>
-            <a:r>
-              <a:rPr lang="en-SG" dirty="0" smtClean="0"/>
-              <a:t>tools and their construction features</a:t>
-            </a:r>
-          </a:p>
-          <a:p>
-            <a:pPr marL="457200" lvl="1" indent="0">
-              <a:buNone/>
+          <a:bodyPr/>
+          <a:lstStyle/>
+          <a:p>
+            <a:r>
+              <a:rPr lang="en-SG" dirty="0" smtClean="0"/>
+              <a:t>The main steps of sketch method to create 3D models are</a:t>
+            </a:r>
+          </a:p>
+          <a:p>
+            <a:pPr marL="914400" lvl="1" indent="-457200">
+              <a:buFont typeface="+mj-lt"/>
+              <a:buAutoNum type="arabicPeriod"/>
             </a:pPr>
             <a:r>
               <a:rPr lang="en-SG" dirty="0" smtClean="0"/>
-              <a:t>tooling for CNC – ISO designation for</a:t>
-            </a:r>
-          </a:p>
-          <a:p>
-            <a:r>
-              <a:rPr lang="en-SG" dirty="0" smtClean="0"/>
-              <a:t>tooling </a:t>
-            </a:r>
-          </a:p>
-          <a:p>
-            <a:pPr lvl="1"/>
-            <a:r>
-              <a:rPr lang="en-SG" dirty="0" smtClean="0"/>
-              <a:t>CNC operating system </a:t>
-            </a:r>
-          </a:p>
-          <a:p>
-            <a:pPr lvl="1"/>
-            <a:r>
-              <a:rPr lang="en-SG" dirty="0" smtClean="0"/>
-              <a:t>FANUC, SINUMERIK – LINUMERIK.</a:t>
-            </a:r>
-          </a:p>
-          <a:p>
+              <a:t>Define a sketch plane as cross section;</a:t>
+            </a:r>
+          </a:p>
+          <a:p>
+            <a:pPr marL="914400" lvl="1" indent="-457200">
+              <a:buFont typeface="+mj-lt"/>
+              <a:buAutoNum type="arabicPeriod"/>
+            </a:pPr>
+            <a:r>
+              <a:rPr lang="en-SG" dirty="0" smtClean="0"/>
+              <a:t>Sketch 2D shapes on the cross section;</a:t>
+            </a:r>
+          </a:p>
+          <a:p>
+            <a:pPr marL="914400" lvl="1" indent="-457200">
+              <a:buFont typeface="+mj-lt"/>
+              <a:buAutoNum type="arabicPeriod"/>
+            </a:pPr>
+            <a:r>
+              <a:rPr lang="en-SG" dirty="0" smtClean="0"/>
+              <a:t>Constraint 2D shapes with accurate dimensions;</a:t>
+            </a:r>
+          </a:p>
+          <a:p>
+            <a:pPr marL="914400" lvl="1" indent="-457200">
+              <a:buFont typeface="+mj-lt"/>
+              <a:buAutoNum type="arabicPeriod"/>
+            </a:pPr>
+            <a:r>
+              <a:rPr lang="en-SG" dirty="0" smtClean="0"/>
+              <a:t>Perform 2D to </a:t>
+            </a:r>
+            <a:r>
+              <a:rPr lang="en-SG" smtClean="0"/>
+              <a:t>3D operations.</a:t>
+            </a:r>
+            <a:endParaRPr lang="en-SG" dirty="0" smtClean="0"/>
+          </a:p>
+          <a:p>
+            <a:pPr marL="914400" lvl="1" indent="-457200">
+              <a:buFont typeface="+mj-lt"/>
+              <a:buAutoNum type="arabicPeriod"/>
+            </a:pPr>
             <a:endParaRPr lang="en-SG" dirty="0"/>
           </a:p>
         </p:txBody>
@@ -11706,7 +12320,7 @@
     </p:spTree>
     <p:extLst>
       <p:ext uri="{BB962C8B-B14F-4D97-AF65-F5344CB8AC3E}">
-        <p14:creationId xmlns:p14="http://schemas.microsoft.com/office/powerpoint/2010/main" val="2867634849"/>
+        <p14:creationId xmlns:p14="http://schemas.microsoft.com/office/powerpoint/2010/main" val="4198518572"/>
       </p:ext>
     </p:extLst>
   </p:cSld>
@@ -11735,7 +12349,7 @@
       </p:grpSpPr>
       <p:sp>
         <p:nvSpPr>
-          <p:cNvPr id="2" name="标题 1"/>
+          <p:cNvPr id="4" name="标题 3"/>
           <p:cNvSpPr>
             <a:spLocks noGrp="1"/>
           </p:cNvSpPr>
@@ -11749,8 +12363,12 @@
           <a:lstStyle/>
           <a:p>
             <a:r>
-              <a:rPr lang="en-SG" dirty="0" smtClean="0"/>
-              <a:t>Introduction to CAPP</a:t>
+              <a:rPr lang="en-SG" dirty="0"/>
+              <a:t>Key disciplines of modelling in </a:t>
+            </a:r>
+            <a:r>
+              <a:rPr lang="en-SG" dirty="0" err="1"/>
+              <a:t>Solidworks</a:t>
             </a:r>
             <a:endParaRPr lang="en-SG" dirty="0"/>
           </a:p>
@@ -11758,45 +12376,27 @@
       </p:sp>
       <p:sp>
         <p:nvSpPr>
-          <p:cNvPr id="3" name="内容占位符 2"/>
-          <p:cNvSpPr>
-            <a:spLocks noGrp="1"/>
-          </p:cNvSpPr>
-          <p:nvPr>
-            <p:ph idx="1"/>
-          </p:nvPr>
-        </p:nvSpPr>
-        <p:spPr/>
-        <p:txBody>
-          <a:bodyPr/>
-          <a:lstStyle/>
-          <a:p>
-            <a:r>
-              <a:rPr lang="en-SG" dirty="0" smtClean="0"/>
-              <a:t>Three main parameters to define a machining process</a:t>
-            </a:r>
-          </a:p>
-          <a:p>
-            <a:r>
-              <a:rPr lang="en-SG" dirty="0" smtClean="0"/>
-              <a:t>Principles for process design</a:t>
-            </a:r>
-          </a:p>
-          <a:p>
-            <a:r>
-              <a:rPr lang="en-SG" dirty="0" smtClean="0"/>
-              <a:t>Processing planning systems</a:t>
-            </a:r>
-          </a:p>
-          <a:p>
-            <a:endParaRPr lang="en-SG" dirty="0"/>
+          <p:cNvPr id="5" name="文本占位符 4"/>
+          <p:cNvSpPr>
+            <a:spLocks noGrp="1"/>
+          </p:cNvSpPr>
+          <p:nvPr>
+            <p:ph type="body" idx="1"/>
+          </p:nvPr>
+        </p:nvSpPr>
+        <p:spPr/>
+        <p:txBody>
+          <a:bodyPr/>
+          <a:lstStyle/>
+          <a:p>
+            <a:endParaRPr lang="en-SG"/>
           </a:p>
         </p:txBody>
       </p:sp>
     </p:spTree>
     <p:extLst>
       <p:ext uri="{BB962C8B-B14F-4D97-AF65-F5344CB8AC3E}">
-        <p14:creationId xmlns:p14="http://schemas.microsoft.com/office/powerpoint/2010/main" val="3457476283"/>
+        <p14:creationId xmlns:p14="http://schemas.microsoft.com/office/powerpoint/2010/main" val="2395669259"/>
       </p:ext>
     </p:extLst>
   </p:cSld>
@@ -11840,9 +12440,13 @@
           <a:p>
             <a:r>
               <a:rPr lang="en-SG" dirty="0" smtClean="0"/>
-              <a:t>Programming for CNC machining</a:t>
-            </a:r>
-            <a:endParaRPr lang="en-SG" dirty="0"/>
+              <a:t>Key disciplines of modelling in </a:t>
+            </a:r>
+            <a:r>
+              <a:rPr lang="en-SG" dirty="0" err="1" smtClean="0"/>
+              <a:t>Solidworks</a:t>
+            </a:r>
+            <a:endParaRPr lang="en-SG" baseline="30000" dirty="0"/>
           </a:p>
         </p:txBody>
       </p:sp>
@@ -11858,44 +12462,37 @@
         </p:nvSpPr>
         <p:spPr/>
         <p:txBody>
-          <a:bodyPr>
-            <a:normAutofit/>
-          </a:bodyPr>
-          <a:lstStyle/>
-          <a:p>
-            <a:r>
-              <a:rPr lang="en-SG" dirty="0"/>
-              <a:t>C</a:t>
-            </a:r>
-            <a:r>
-              <a:rPr lang="en-SG" dirty="0" smtClean="0"/>
-              <a:t>oordinate systems of CNC</a:t>
-            </a:r>
-          </a:p>
-          <a:p>
-            <a:r>
-              <a:rPr lang="en-SG" dirty="0"/>
-              <a:t>M</a:t>
-            </a:r>
-            <a:r>
-              <a:rPr lang="en-SG" dirty="0" smtClean="0"/>
-              <a:t>anual part</a:t>
-            </a:r>
-          </a:p>
-          <a:p>
-            <a:r>
-              <a:rPr lang="en-SG" dirty="0"/>
-              <a:t>C</a:t>
-            </a:r>
-            <a:r>
-              <a:rPr lang="en-SG" dirty="0" smtClean="0"/>
-              <a:t>omputer assisted part programming </a:t>
-            </a:r>
-          </a:p>
-          <a:p>
-            <a:r>
-              <a:rPr lang="en-SG" dirty="0" smtClean="0"/>
-              <a:t>CNC part programming with CAD system. </a:t>
+          <a:bodyPr/>
+          <a:lstStyle/>
+          <a:p>
+            <a:r>
+              <a:rPr lang="en-SG" dirty="0" smtClean="0"/>
+              <a:t>For basic bodies, generate 3D model by taking use of 2D shapes;</a:t>
+            </a:r>
+          </a:p>
+          <a:p>
+            <a:r>
+              <a:rPr lang="en-SG" dirty="0" smtClean="0"/>
+              <a:t>Combine basic bodies to create a complex body;</a:t>
+            </a:r>
+          </a:p>
+          <a:p>
+            <a:r>
+              <a:rPr lang="en-SG" dirty="0"/>
+              <a:t>R</a:t>
+            </a:r>
+            <a:r>
+              <a:rPr lang="en-SG" dirty="0" smtClean="0"/>
+              <a:t>epeated bodies can be made through array operations;</a:t>
+            </a:r>
+          </a:p>
+          <a:p>
+            <a:pPr marL="0" indent="0">
+              <a:buNone/>
+            </a:pPr>
+            <a:r>
+              <a:rPr lang="en-SG" dirty="0" smtClean="0"/>
+              <a:t> </a:t>
             </a:r>
           </a:p>
           <a:p>
@@ -11906,7 +12503,7 @@
     </p:spTree>
     <p:extLst>
       <p:ext uri="{BB962C8B-B14F-4D97-AF65-F5344CB8AC3E}">
-        <p14:creationId xmlns:p14="http://schemas.microsoft.com/office/powerpoint/2010/main" val="2042065448"/>
+        <p14:creationId xmlns:p14="http://schemas.microsoft.com/office/powerpoint/2010/main" val="164022275"/>
       </p:ext>
     </p:extLst>
   </p:cSld>
@@ -11950,9 +12547,8 @@
           <a:p>
             <a:r>
               <a:rPr lang="en-SG" dirty="0" smtClean="0"/>
-              <a:t>Material handling in CAM environment</a:t>
-            </a:r>
-            <a:endParaRPr lang="en-SG" dirty="0"/>
+              <a:t>Coordinate system</a:t>
+            </a:r>
           </a:p>
         </p:txBody>
       </p:sp>
@@ -11968,53 +12564,93 @@
         </p:nvSpPr>
         <p:spPr/>
         <p:txBody>
-          <a:bodyPr/>
-          <a:lstStyle/>
-          <a:p>
-            <a:r>
-              <a:rPr lang="en-SG" dirty="0" smtClean="0"/>
-              <a:t>Logistic and storage system </a:t>
-            </a:r>
-          </a:p>
-          <a:p>
-            <a:pPr lvl="1"/>
-            <a:r>
-              <a:rPr lang="en-SG" dirty="0" smtClean="0"/>
-              <a:t>AGVS </a:t>
-            </a:r>
-          </a:p>
-          <a:p>
-            <a:pPr lvl="1"/>
-            <a:r>
-              <a:rPr lang="en-SG" dirty="0" smtClean="0"/>
-              <a:t>AS/RS </a:t>
-            </a:r>
-          </a:p>
-          <a:p>
-            <a:pPr lvl="1"/>
-            <a:r>
-              <a:rPr lang="en-SG" dirty="0" err="1" smtClean="0"/>
-              <a:t>Swarf</a:t>
-            </a:r>
-            <a:r>
-              <a:rPr lang="en-SG" dirty="0" smtClean="0"/>
-              <a:t> handling and disposal of wastes </a:t>
-            </a:r>
-          </a:p>
-          <a:p>
-            <a:r>
-              <a:rPr lang="en-SG" dirty="0" smtClean="0"/>
-              <a:t>Assembly lines </a:t>
-            </a:r>
-          </a:p>
-          <a:p>
-            <a:pPr lvl="1"/>
-            <a:r>
-              <a:rPr lang="en-SG" dirty="0" smtClean="0"/>
-              <a:t>Quantitative analysis of assembly systems.</a:t>
-            </a:r>
-          </a:p>
-          <a:p>
+          <a:bodyPr>
+            <a:normAutofit fontScale="92500" lnSpcReduction="10000"/>
+          </a:bodyPr>
+          <a:lstStyle/>
+          <a:p>
+            <a:r>
+              <a:rPr lang="en-SG" dirty="0">
+                <a:solidFill>
+                  <a:srgbClr val="FF0000"/>
+                </a:solidFill>
+              </a:rPr>
+              <a:t>Coordinate systems are the most important concept in a CAD system. They are used </a:t>
+            </a:r>
+            <a:r>
+              <a:rPr lang="en-SG" dirty="0" smtClean="0">
+                <a:solidFill>
+                  <a:srgbClr val="FF0000"/>
+                </a:solidFill>
+              </a:rPr>
+              <a:t>to  </a:t>
+            </a:r>
+            <a:r>
+              <a:rPr lang="en-SG" dirty="0">
+                <a:solidFill>
+                  <a:srgbClr val="FF0000"/>
+                </a:solidFill>
+              </a:rPr>
+              <a:t>input,  store,  and  display  geometric  model.  There  are  three  kinds  of  coordinate </a:t>
+            </a:r>
+            <a:r>
+              <a:rPr lang="en-SG" dirty="0" smtClean="0">
+                <a:solidFill>
+                  <a:srgbClr val="FF0000"/>
+                </a:solidFill>
+              </a:rPr>
+              <a:t>systems</a:t>
+            </a:r>
+            <a:r>
+              <a:rPr lang="en-SG" dirty="0">
+                <a:solidFill>
+                  <a:srgbClr val="FF0000"/>
+                </a:solidFill>
+              </a:rPr>
+              <a:t>, that is, model coordinate system (MCS), working coordinate system (WCS), </a:t>
+            </a:r>
+            <a:r>
+              <a:rPr lang="en-SG" dirty="0" smtClean="0">
+                <a:solidFill>
+                  <a:srgbClr val="FF0000"/>
+                </a:solidFill>
+              </a:rPr>
+              <a:t>and </a:t>
+            </a:r>
+            <a:r>
+              <a:rPr lang="en-SG" dirty="0">
+                <a:solidFill>
+                  <a:srgbClr val="FF0000"/>
+                </a:solidFill>
+              </a:rPr>
+              <a:t>screen coordinate system (SCS).</a:t>
+            </a:r>
+          </a:p>
+          <a:p>
+            <a:r>
+              <a:rPr lang="en-SG" dirty="0" smtClean="0"/>
+              <a:t>By default, there are already a coordinates system provided for user by SOLIDWORKS every time you open a new modelling project. Usually</a:t>
+            </a:r>
+            <a:r>
+              <a:rPr lang="en-SG" dirty="0"/>
+              <a:t>, at the lower-left corner of the canvas, you can notice the symbol of coordinate system with three axes</a:t>
+            </a:r>
+            <a:r>
+              <a:rPr lang="en-SG" dirty="0" smtClean="0"/>
+              <a:t>.</a:t>
+            </a:r>
+          </a:p>
+          <a:p>
+            <a:r>
+              <a:rPr lang="en-SG" dirty="0" smtClean="0"/>
+              <a:t>Whenever user need to carry on some location or orientation related modelling steps, the coordination system should be considered.</a:t>
+            </a:r>
+          </a:p>
+          <a:p>
+            <a:r>
+              <a:rPr lang="en-US" dirty="0" smtClean="0"/>
+              <a:t>For example, in the scenarios of re-oriented a model or two models comparing user should define his own reference coordinate systems. </a:t>
+            </a:r>
             <a:endParaRPr lang="en-SG" dirty="0"/>
           </a:p>
         </p:txBody>
@@ -12022,7 +12658,7 @@
     </p:spTree>
     <p:extLst>
       <p:ext uri="{BB962C8B-B14F-4D97-AF65-F5344CB8AC3E}">
-        <p14:creationId xmlns:p14="http://schemas.microsoft.com/office/powerpoint/2010/main" val="938672915"/>
+        <p14:creationId xmlns:p14="http://schemas.microsoft.com/office/powerpoint/2010/main" val="1304840193"/>
       </p:ext>
     </p:extLst>
   </p:cSld>
@@ -12066,15 +12702,7 @@
           <a:p>
             <a:r>
               <a:rPr lang="en-SG" dirty="0" smtClean="0"/>
-              <a:t>Key disciplines of manufacturing under </a:t>
-            </a:r>
-            <a:r>
-              <a:rPr lang="en-SG" dirty="0" err="1" smtClean="0"/>
-              <a:t>Solidworks</a:t>
-            </a:r>
-            <a:r>
-              <a:rPr lang="en-SG" dirty="0" smtClean="0"/>
-              <a:t> environment</a:t>
+              <a:t>References objects</a:t>
             </a:r>
             <a:endParaRPr lang="en-SG" dirty="0"/>
           </a:p>
@@ -12096,44 +12724,23 @@
           <a:lstStyle/>
           <a:p>
             <a:r>
-              <a:rPr lang="en-SG" dirty="0"/>
-              <a:t>Configuration for a mill or turn machine</a:t>
-            </a:r>
-          </a:p>
-          <a:p>
-            <a:r>
-              <a:rPr lang="en-SG" dirty="0"/>
-              <a:t>Features to machining strategy</a:t>
-            </a:r>
-          </a:p>
-          <a:p>
-            <a:r>
-              <a:rPr lang="en-SG" dirty="0"/>
-              <a:t>Generate operation plan</a:t>
-            </a:r>
-          </a:p>
-          <a:p>
-            <a:r>
-              <a:rPr lang="en-SG" dirty="0"/>
-              <a:t>Generate tool path</a:t>
-            </a:r>
-          </a:p>
-          <a:p>
-            <a:r>
-              <a:rPr lang="en-SG" dirty="0"/>
-              <a:t>Simulation</a:t>
-            </a:r>
-          </a:p>
-          <a:p>
-            <a:r>
-              <a:rPr lang="en-SG" dirty="0"/>
-              <a:t>Post process</a:t>
-            </a:r>
-          </a:p>
-          <a:p>
-            <a:pPr marL="0" indent="0">
-              <a:buNone/>
-            </a:pPr>
+              <a:rPr lang="en-SG" dirty="0" smtClean="0"/>
+              <a:t>Reference points</a:t>
+            </a:r>
+          </a:p>
+          <a:p>
+            <a:r>
+              <a:rPr lang="en-SG" dirty="0" smtClean="0"/>
+              <a:t>Reference vectors/axes</a:t>
+            </a:r>
+          </a:p>
+          <a:p>
+            <a:r>
+              <a:rPr lang="en-SG" dirty="0" smtClean="0"/>
+              <a:t>Reference plane</a:t>
+            </a:r>
+          </a:p>
+          <a:p>
             <a:endParaRPr lang="en-SG" dirty="0"/>
           </a:p>
         </p:txBody>
@@ -12141,7 +12748,7 @@
     </p:spTree>
     <p:extLst>
       <p:ext uri="{BB962C8B-B14F-4D97-AF65-F5344CB8AC3E}">
-        <p14:creationId xmlns:p14="http://schemas.microsoft.com/office/powerpoint/2010/main" val="4246989961"/>
+        <p14:creationId xmlns:p14="http://schemas.microsoft.com/office/powerpoint/2010/main" val="224841182"/>
       </p:ext>
     </p:extLst>
   </p:cSld>
@@ -12185,7 +12792,7 @@
           <a:p>
             <a:r>
               <a:rPr lang="en-SG" dirty="0" smtClean="0"/>
-              <a:t>The following slides are only for learning purpose</a:t>
+              <a:t>Sketch</a:t>
             </a:r>
             <a:endParaRPr lang="en-SG" dirty="0"/>
           </a:p>
@@ -12206,6 +12813,46 @@
           <a:bodyPr/>
           <a:lstStyle/>
           <a:p>
+            <a:r>
+              <a:rPr lang="en-SG" dirty="0" smtClean="0"/>
+              <a:t>Plane curves</a:t>
+            </a:r>
+          </a:p>
+          <a:p>
+            <a:r>
+              <a:rPr lang="en-SG" dirty="0" smtClean="0"/>
+              <a:t>Two types of Constraint</a:t>
+            </a:r>
+          </a:p>
+          <a:p>
+            <a:pPr lvl="1"/>
+            <a:r>
+              <a:rPr lang="en-SG" dirty="0"/>
+              <a:t>Dimensional </a:t>
+            </a:r>
+            <a:r>
+              <a:rPr lang="en-SG" dirty="0" smtClean="0"/>
+              <a:t>constraints: length and angle</a:t>
+            </a:r>
+          </a:p>
+          <a:p>
+            <a:pPr lvl="1"/>
+            <a:r>
+              <a:rPr lang="en-SG" dirty="0" smtClean="0"/>
+              <a:t>Geometric constraints: parallel, perpendicular, normal</a:t>
+            </a:r>
+            <a:r>
+              <a:rPr lang="en-SG" dirty="0"/>
+              <a:t>, tangent, </a:t>
+            </a:r>
+            <a:r>
+              <a:rPr lang="en-SG" dirty="0" smtClean="0"/>
+              <a:t>concentric</a:t>
+            </a:r>
+            <a:r>
+              <a:rPr lang="en-SG" smtClean="0"/>
+              <a:t>, etc.</a:t>
+            </a:r>
             <a:endParaRPr lang="en-SG" dirty="0"/>
           </a:p>
         </p:txBody>
@@ -12213,7 +12860,7 @@
     </p:spTree>
     <p:extLst>
       <p:ext uri="{BB962C8B-B14F-4D97-AF65-F5344CB8AC3E}">
-        <p14:creationId xmlns:p14="http://schemas.microsoft.com/office/powerpoint/2010/main" val="3537981211"/>
+        <p14:creationId xmlns:p14="http://schemas.microsoft.com/office/powerpoint/2010/main" val="579798063"/>
       </p:ext>
     </p:extLst>
   </p:cSld>
@@ -12247,72 +12894,45 @@
             <a:spLocks noGrp="1"/>
           </p:cNvSpPr>
           <p:nvPr>
-            <p:ph type="title"/>
-          </p:nvPr>
-        </p:nvSpPr>
-        <p:spPr/>
-        <p:txBody>
-          <a:bodyPr/>
-          <a:lstStyle/>
-          <a:p>
+            <p:ph type="ctrTitle"/>
+          </p:nvPr>
+        </p:nvSpPr>
+        <p:spPr/>
+        <p:txBody>
+          <a:bodyPr/>
+          <a:lstStyle/>
+          <a:p>
+            <a:r>
+              <a:rPr lang="en-SG" dirty="0" smtClean="0"/>
+              <a:t>CAM</a:t>
+            </a:r>
             <a:endParaRPr lang="en-SG" dirty="0"/>
           </a:p>
         </p:txBody>
       </p:sp>
       <p:sp>
         <p:nvSpPr>
-          <p:cNvPr id="3" name="内容占位符 2"/>
-          <p:cNvSpPr>
-            <a:spLocks noGrp="1"/>
-          </p:cNvSpPr>
-          <p:nvPr>
-            <p:ph idx="1"/>
-          </p:nvPr>
-        </p:nvSpPr>
-        <p:spPr/>
-        <p:txBody>
-          <a:bodyPr/>
-          <a:lstStyle/>
-          <a:p>
-            <a:r>
-              <a:rPr lang="en-SG" dirty="0" smtClean="0"/>
-              <a:t>Create a new part</a:t>
-            </a:r>
-          </a:p>
-          <a:p>
-            <a:r>
-              <a:rPr lang="en-SG" dirty="0" smtClean="0"/>
-              <a:t>Check the unit setting</a:t>
-            </a:r>
-          </a:p>
-          <a:p>
-            <a:r>
-              <a:rPr lang="en-SG" dirty="0" smtClean="0"/>
-              <a:t>Using sketch to create part body</a:t>
-            </a:r>
-          </a:p>
-          <a:p>
-            <a:pPr lvl="1"/>
-            <a:r>
-              <a:rPr lang="en-SG" dirty="0" smtClean="0"/>
-              <a:t>Smart dimension is an import tool to drive the model </a:t>
-            </a:r>
-            <a:r>
-              <a:rPr lang="en-SG" dirty="0" err="1" smtClean="0"/>
-              <a:t>creatation</a:t>
-            </a:r>
-            <a:endParaRPr lang="en-SG" dirty="0" smtClean="0"/>
-          </a:p>
-          <a:p>
-            <a:pPr lvl="1"/>
-            <a:endParaRPr lang="en-SG" dirty="0" smtClean="0"/>
+          <p:cNvPr id="3" name="副标题 2"/>
+          <p:cNvSpPr>
+            <a:spLocks noGrp="1"/>
+          </p:cNvSpPr>
+          <p:nvPr>
+            <p:ph type="subTitle" idx="1"/>
+          </p:nvPr>
+        </p:nvSpPr>
+        <p:spPr/>
+        <p:txBody>
+          <a:bodyPr/>
+          <a:lstStyle/>
+          <a:p>
+            <a:endParaRPr lang="en-SG"/>
           </a:p>
         </p:txBody>
       </p:sp>
     </p:spTree>
     <p:extLst>
       <p:ext uri="{BB962C8B-B14F-4D97-AF65-F5344CB8AC3E}">
-        <p14:creationId xmlns:p14="http://schemas.microsoft.com/office/powerpoint/2010/main" val="1130636376"/>
+        <p14:creationId xmlns:p14="http://schemas.microsoft.com/office/powerpoint/2010/main" val="2945329965"/>
       </p:ext>
     </p:extLst>
   </p:cSld>
@@ -12354,7 +12974,11 @@
           <a:bodyPr/>
           <a:lstStyle/>
           <a:p>
-            <a:endParaRPr lang="en-SG"/>
+            <a:r>
+              <a:rPr lang="en-SG" dirty="0" smtClean="0"/>
+              <a:t>Brief</a:t>
+            </a:r>
+            <a:endParaRPr lang="en-SG" dirty="0"/>
           </a:p>
         </p:txBody>
       </p:sp>
@@ -12370,56 +12994,36 @@
         </p:nvSpPr>
         <p:spPr/>
         <p:txBody>
-          <a:bodyPr/>
-          <a:lstStyle/>
-          <a:p>
-            <a:r>
-              <a:rPr lang="en-SG" dirty="0"/>
-              <a:t>Go to the </a:t>
-            </a:r>
-            <a:r>
-              <a:rPr lang="en-SG" dirty="0" err="1"/>
-              <a:t>Solidworks</a:t>
-            </a:r>
-            <a:r>
-              <a:rPr lang="en-SG" dirty="0"/>
-              <a:t> CAM module(just perform each of tool button alone the toolbar from left to right, one can finally get the tool path and G-codes)</a:t>
+          <a:bodyPr>
+            <a:normAutofit/>
+          </a:bodyPr>
+          <a:lstStyle/>
+          <a:p>
+            <a:r>
+              <a:rPr lang="en-SG" dirty="0" smtClean="0"/>
+              <a:t>Scope and applications </a:t>
             </a:r>
           </a:p>
           <a:p>
             <a:pPr lvl="1"/>
             <a:r>
-              <a:rPr lang="en-SG" dirty="0"/>
-              <a:t>Define machine</a:t>
+              <a:rPr lang="en-SG" dirty="0" smtClean="0"/>
+              <a:t>NC in CAM </a:t>
             </a:r>
           </a:p>
           <a:p>
             <a:pPr lvl="1"/>
             <a:r>
-              <a:rPr lang="en-SG" dirty="0"/>
-              <a:t>Setup coordinate system</a:t>
-            </a:r>
-          </a:p>
-          <a:p>
-            <a:pPr lvl="1"/>
-            <a:r>
-              <a:rPr lang="en-SG" dirty="0"/>
-              <a:t>Define stock size using stock </a:t>
-            </a:r>
-            <a:r>
-              <a:rPr lang="en-SG" dirty="0" smtClean="0"/>
-              <a:t>manager</a:t>
-            </a:r>
-          </a:p>
-          <a:p>
-            <a:endParaRPr lang="en-SG" dirty="0"/>
+              <a:rPr lang="en-SG" dirty="0" smtClean="0"/>
+              <a:t>Principal types of CNC machine</a:t>
+            </a:r>
           </a:p>
         </p:txBody>
       </p:sp>
     </p:spTree>
     <p:extLst>
       <p:ext uri="{BB962C8B-B14F-4D97-AF65-F5344CB8AC3E}">
-        <p14:creationId xmlns:p14="http://schemas.microsoft.com/office/powerpoint/2010/main" val="482855842"/>
+        <p14:creationId xmlns:p14="http://schemas.microsoft.com/office/powerpoint/2010/main" val="866301321"/>
       </p:ext>
     </p:extLst>
   </p:cSld>
@@ -12461,6 +13065,943 @@
           <a:bodyPr/>
           <a:lstStyle/>
           <a:p>
+            <a:r>
+              <a:rPr lang="en-SG" dirty="0" smtClean="0"/>
+              <a:t>Machine tools</a:t>
+            </a:r>
+            <a:endParaRPr lang="en-SG" dirty="0"/>
+          </a:p>
+        </p:txBody>
+      </p:sp>
+      <p:sp>
+        <p:nvSpPr>
+          <p:cNvPr id="3" name="内容占位符 2"/>
+          <p:cNvSpPr>
+            <a:spLocks noGrp="1"/>
+          </p:cNvSpPr>
+          <p:nvPr>
+            <p:ph idx="1"/>
+          </p:nvPr>
+        </p:nvSpPr>
+        <p:spPr/>
+        <p:txBody>
+          <a:bodyPr>
+            <a:normAutofit/>
+          </a:bodyPr>
+          <a:lstStyle/>
+          <a:p>
+            <a:r>
+              <a:rPr lang="en-SG" dirty="0" smtClean="0"/>
+              <a:t>tools and their construction features</a:t>
+            </a:r>
+          </a:p>
+          <a:p>
+            <a:pPr marL="457200" lvl="1" indent="0">
+              <a:buNone/>
+            </a:pPr>
+            <a:r>
+              <a:rPr lang="en-SG" dirty="0" smtClean="0"/>
+              <a:t>tooling for CNC – ISO designation for</a:t>
+            </a:r>
+          </a:p>
+          <a:p>
+            <a:r>
+              <a:rPr lang="en-SG" dirty="0" smtClean="0"/>
+              <a:t>tooling </a:t>
+            </a:r>
+          </a:p>
+          <a:p>
+            <a:pPr lvl="1"/>
+            <a:r>
+              <a:rPr lang="en-SG" dirty="0" smtClean="0"/>
+              <a:t>CNC operating system </a:t>
+            </a:r>
+          </a:p>
+          <a:p>
+            <a:pPr lvl="1"/>
+            <a:r>
+              <a:rPr lang="en-SG" dirty="0" smtClean="0"/>
+              <a:t>FANUC, SINUMERIK – LINUMERIK.</a:t>
+            </a:r>
+          </a:p>
+          <a:p>
+            <a:endParaRPr lang="en-SG" dirty="0"/>
+          </a:p>
+        </p:txBody>
+      </p:sp>
+    </p:spTree>
+    <p:extLst>
+      <p:ext uri="{BB962C8B-B14F-4D97-AF65-F5344CB8AC3E}">
+        <p14:creationId xmlns:p14="http://schemas.microsoft.com/office/powerpoint/2010/main" val="2867634849"/>
+      </p:ext>
+    </p:extLst>
+  </p:cSld>
+  <p:clrMapOvr>
+    <a:masterClrMapping/>
+  </p:clrMapOvr>
+</p:sld>
+</file>
+
+<file path=ppt/slides/slide69.xml><?xml version="1.0" encoding="utf-8"?>
+<p:sld xmlns:a="http://schemas.openxmlformats.org/drawingml/2006/main" xmlns:r="http://schemas.openxmlformats.org/officeDocument/2006/relationships" xmlns:p="http://schemas.openxmlformats.org/presentationml/2006/main">
+  <p:cSld>
+    <p:spTree>
+      <p:nvGrpSpPr>
+        <p:cNvPr id="1" name=""/>
+        <p:cNvGrpSpPr/>
+        <p:nvPr/>
+      </p:nvGrpSpPr>
+      <p:grpSpPr>
+        <a:xfrm>
+          <a:off x="0" y="0"/>
+          <a:ext cx="0" cy="0"/>
+          <a:chOff x="0" y="0"/>
+          <a:chExt cx="0" cy="0"/>
+        </a:xfrm>
+      </p:grpSpPr>
+      <p:sp>
+        <p:nvSpPr>
+          <p:cNvPr id="2" name="标题 1"/>
+          <p:cNvSpPr>
+            <a:spLocks noGrp="1"/>
+          </p:cNvSpPr>
+          <p:nvPr>
+            <p:ph type="title"/>
+          </p:nvPr>
+        </p:nvSpPr>
+        <p:spPr/>
+        <p:txBody>
+          <a:bodyPr/>
+          <a:lstStyle/>
+          <a:p>
+            <a:r>
+              <a:rPr lang="en-SG" dirty="0" smtClean="0"/>
+              <a:t>Introduction to CAPP</a:t>
+            </a:r>
+            <a:endParaRPr lang="en-SG" dirty="0"/>
+          </a:p>
+        </p:txBody>
+      </p:sp>
+      <p:sp>
+        <p:nvSpPr>
+          <p:cNvPr id="3" name="内容占位符 2"/>
+          <p:cNvSpPr>
+            <a:spLocks noGrp="1"/>
+          </p:cNvSpPr>
+          <p:nvPr>
+            <p:ph idx="1"/>
+          </p:nvPr>
+        </p:nvSpPr>
+        <p:spPr/>
+        <p:txBody>
+          <a:bodyPr/>
+          <a:lstStyle/>
+          <a:p>
+            <a:r>
+              <a:rPr lang="en-SG" dirty="0" smtClean="0"/>
+              <a:t>Three main parameters to define a machining process</a:t>
+            </a:r>
+          </a:p>
+          <a:p>
+            <a:r>
+              <a:rPr lang="en-SG" dirty="0" smtClean="0"/>
+              <a:t>Principles for process design</a:t>
+            </a:r>
+          </a:p>
+          <a:p>
+            <a:r>
+              <a:rPr lang="en-SG" dirty="0" smtClean="0"/>
+              <a:t>Processing planning systems</a:t>
+            </a:r>
+          </a:p>
+          <a:p>
+            <a:endParaRPr lang="en-SG" dirty="0"/>
+          </a:p>
+        </p:txBody>
+      </p:sp>
+    </p:spTree>
+    <p:extLst>
+      <p:ext uri="{BB962C8B-B14F-4D97-AF65-F5344CB8AC3E}">
+        <p14:creationId xmlns:p14="http://schemas.microsoft.com/office/powerpoint/2010/main" val="3457476283"/>
+      </p:ext>
+    </p:extLst>
+  </p:cSld>
+  <p:clrMapOvr>
+    <a:masterClrMapping/>
+  </p:clrMapOvr>
+</p:sld>
+</file>
+
+<file path=ppt/slides/slide7.xml><?xml version="1.0" encoding="utf-8"?>
+<p:sld xmlns:a="http://schemas.openxmlformats.org/drawingml/2006/main" xmlns:r="http://schemas.openxmlformats.org/officeDocument/2006/relationships" xmlns:p="http://schemas.openxmlformats.org/presentationml/2006/main">
+  <p:cSld>
+    <p:spTree>
+      <p:nvGrpSpPr>
+        <p:cNvPr id="1" name=""/>
+        <p:cNvGrpSpPr/>
+        <p:nvPr/>
+      </p:nvGrpSpPr>
+      <p:grpSpPr>
+        <a:xfrm>
+          <a:off x="0" y="0"/>
+          <a:ext cx="0" cy="0"/>
+          <a:chOff x="0" y="0"/>
+          <a:chExt cx="0" cy="0"/>
+        </a:xfrm>
+      </p:grpSpPr>
+      <p:sp>
+        <p:nvSpPr>
+          <p:cNvPr id="2" name="标题 1"/>
+          <p:cNvSpPr>
+            <a:spLocks noGrp="1"/>
+          </p:cNvSpPr>
+          <p:nvPr>
+            <p:ph type="title"/>
+          </p:nvPr>
+        </p:nvSpPr>
+        <p:spPr/>
+        <p:txBody>
+          <a:bodyPr/>
+          <a:lstStyle/>
+          <a:p>
+            <a:r>
+              <a:rPr lang="en-SG" dirty="0" smtClean="0"/>
+              <a:t>Three types of coordinate system</a:t>
+            </a:r>
+            <a:endParaRPr lang="en-SG" dirty="0"/>
+          </a:p>
+        </p:txBody>
+      </p:sp>
+      <p:sp>
+        <p:nvSpPr>
+          <p:cNvPr id="3" name="内容占位符 2"/>
+          <p:cNvSpPr>
+            <a:spLocks noGrp="1"/>
+          </p:cNvSpPr>
+          <p:nvPr>
+            <p:ph idx="1"/>
+          </p:nvPr>
+        </p:nvSpPr>
+        <p:spPr/>
+        <p:txBody>
+          <a:bodyPr/>
+          <a:lstStyle/>
+          <a:p>
+            <a:r>
+              <a:rPr lang="en-SG" dirty="0">
+                <a:solidFill>
+                  <a:srgbClr val="FF0000"/>
+                </a:solidFill>
+              </a:rPr>
+              <a:t>Coordinate systems are the most important concept in a CAD system. They are used to  input,  store,  and  display  geometric  model.  There  are  three  kinds  of  coordinate systems, </a:t>
+            </a:r>
+            <a:endParaRPr lang="en-SG" dirty="0" smtClean="0">
+              <a:solidFill>
+                <a:srgbClr val="FF0000"/>
+              </a:solidFill>
+            </a:endParaRPr>
+          </a:p>
+          <a:p>
+            <a:pPr marL="514350" indent="-514350">
+              <a:buFont typeface="+mj-lt"/>
+              <a:buAutoNum type="arabicPeriod"/>
+            </a:pPr>
+            <a:r>
+              <a:rPr lang="en-SG" dirty="0" smtClean="0"/>
+              <a:t>Model coordinate system (MCS)</a:t>
+            </a:r>
+          </a:p>
+          <a:p>
+            <a:pPr marL="514350" indent="-514350">
+              <a:buFont typeface="+mj-lt"/>
+              <a:buAutoNum type="arabicPeriod"/>
+            </a:pPr>
+            <a:r>
+              <a:rPr lang="en-SG" dirty="0" smtClean="0"/>
+              <a:t>Working coordinate system (WCS)</a:t>
+            </a:r>
+          </a:p>
+          <a:p>
+            <a:pPr marL="514350" indent="-514350">
+              <a:buFont typeface="+mj-lt"/>
+              <a:buAutoNum type="arabicPeriod"/>
+            </a:pPr>
+            <a:r>
+              <a:rPr lang="en-SG" dirty="0" smtClean="0"/>
+              <a:t>Screen coordinate system (SCS)</a:t>
+            </a:r>
+            <a:endParaRPr lang="en-SG" dirty="0"/>
+          </a:p>
+        </p:txBody>
+      </p:sp>
+    </p:spTree>
+    <p:extLst>
+      <p:ext uri="{BB962C8B-B14F-4D97-AF65-F5344CB8AC3E}">
+        <p14:creationId xmlns:p14="http://schemas.microsoft.com/office/powerpoint/2010/main" val="1875555009"/>
+      </p:ext>
+    </p:extLst>
+  </p:cSld>
+  <p:clrMapOvr>
+    <a:masterClrMapping/>
+  </p:clrMapOvr>
+</p:sld>
+</file>
+
+<file path=ppt/slides/slide70.xml><?xml version="1.0" encoding="utf-8"?>
+<p:sld xmlns:a="http://schemas.openxmlformats.org/drawingml/2006/main" xmlns:r="http://schemas.openxmlformats.org/officeDocument/2006/relationships" xmlns:p="http://schemas.openxmlformats.org/presentationml/2006/main">
+  <p:cSld>
+    <p:spTree>
+      <p:nvGrpSpPr>
+        <p:cNvPr id="1" name=""/>
+        <p:cNvGrpSpPr/>
+        <p:nvPr/>
+      </p:nvGrpSpPr>
+      <p:grpSpPr>
+        <a:xfrm>
+          <a:off x="0" y="0"/>
+          <a:ext cx="0" cy="0"/>
+          <a:chOff x="0" y="0"/>
+          <a:chExt cx="0" cy="0"/>
+        </a:xfrm>
+      </p:grpSpPr>
+      <p:sp>
+        <p:nvSpPr>
+          <p:cNvPr id="2" name="标题 1"/>
+          <p:cNvSpPr>
+            <a:spLocks noGrp="1"/>
+          </p:cNvSpPr>
+          <p:nvPr>
+            <p:ph type="title"/>
+          </p:nvPr>
+        </p:nvSpPr>
+        <p:spPr/>
+        <p:txBody>
+          <a:bodyPr/>
+          <a:lstStyle/>
+          <a:p>
+            <a:r>
+              <a:rPr lang="en-SG" dirty="0" smtClean="0"/>
+              <a:t>Programming for CNC machining</a:t>
+            </a:r>
+            <a:endParaRPr lang="en-SG" dirty="0"/>
+          </a:p>
+        </p:txBody>
+      </p:sp>
+      <p:sp>
+        <p:nvSpPr>
+          <p:cNvPr id="3" name="内容占位符 2"/>
+          <p:cNvSpPr>
+            <a:spLocks noGrp="1"/>
+          </p:cNvSpPr>
+          <p:nvPr>
+            <p:ph idx="1"/>
+          </p:nvPr>
+        </p:nvSpPr>
+        <p:spPr/>
+        <p:txBody>
+          <a:bodyPr>
+            <a:normAutofit/>
+          </a:bodyPr>
+          <a:lstStyle/>
+          <a:p>
+            <a:r>
+              <a:rPr lang="en-SG" dirty="0"/>
+              <a:t>C</a:t>
+            </a:r>
+            <a:r>
+              <a:rPr lang="en-SG" dirty="0" smtClean="0"/>
+              <a:t>oordinate systems of CNC</a:t>
+            </a:r>
+          </a:p>
+          <a:p>
+            <a:r>
+              <a:rPr lang="en-SG" dirty="0"/>
+              <a:t>M</a:t>
+            </a:r>
+            <a:r>
+              <a:rPr lang="en-SG" dirty="0" smtClean="0"/>
+              <a:t>anual part</a:t>
+            </a:r>
+          </a:p>
+          <a:p>
+            <a:r>
+              <a:rPr lang="en-SG" dirty="0"/>
+              <a:t>C</a:t>
+            </a:r>
+            <a:r>
+              <a:rPr lang="en-SG" dirty="0" smtClean="0"/>
+              <a:t>omputer assisted part programming </a:t>
+            </a:r>
+          </a:p>
+          <a:p>
+            <a:r>
+              <a:rPr lang="en-SG" dirty="0" smtClean="0"/>
+              <a:t>CNC part programming with CAD system. </a:t>
+            </a:r>
+          </a:p>
+          <a:p>
+            <a:endParaRPr lang="en-SG" dirty="0"/>
+          </a:p>
+        </p:txBody>
+      </p:sp>
+    </p:spTree>
+    <p:extLst>
+      <p:ext uri="{BB962C8B-B14F-4D97-AF65-F5344CB8AC3E}">
+        <p14:creationId xmlns:p14="http://schemas.microsoft.com/office/powerpoint/2010/main" val="2042065448"/>
+      </p:ext>
+    </p:extLst>
+  </p:cSld>
+  <p:clrMapOvr>
+    <a:masterClrMapping/>
+  </p:clrMapOvr>
+</p:sld>
+</file>
+
+<file path=ppt/slides/slide71.xml><?xml version="1.0" encoding="utf-8"?>
+<p:sld xmlns:a="http://schemas.openxmlformats.org/drawingml/2006/main" xmlns:r="http://schemas.openxmlformats.org/officeDocument/2006/relationships" xmlns:p="http://schemas.openxmlformats.org/presentationml/2006/main">
+  <p:cSld>
+    <p:spTree>
+      <p:nvGrpSpPr>
+        <p:cNvPr id="1" name=""/>
+        <p:cNvGrpSpPr/>
+        <p:nvPr/>
+      </p:nvGrpSpPr>
+      <p:grpSpPr>
+        <a:xfrm>
+          <a:off x="0" y="0"/>
+          <a:ext cx="0" cy="0"/>
+          <a:chOff x="0" y="0"/>
+          <a:chExt cx="0" cy="0"/>
+        </a:xfrm>
+      </p:grpSpPr>
+      <p:sp>
+        <p:nvSpPr>
+          <p:cNvPr id="2" name="标题 1"/>
+          <p:cNvSpPr>
+            <a:spLocks noGrp="1"/>
+          </p:cNvSpPr>
+          <p:nvPr>
+            <p:ph type="title"/>
+          </p:nvPr>
+        </p:nvSpPr>
+        <p:spPr/>
+        <p:txBody>
+          <a:bodyPr/>
+          <a:lstStyle/>
+          <a:p>
+            <a:r>
+              <a:rPr lang="en-SG" dirty="0" smtClean="0"/>
+              <a:t>Material handling in CAM environment</a:t>
+            </a:r>
+            <a:endParaRPr lang="en-SG" dirty="0"/>
+          </a:p>
+        </p:txBody>
+      </p:sp>
+      <p:sp>
+        <p:nvSpPr>
+          <p:cNvPr id="3" name="内容占位符 2"/>
+          <p:cNvSpPr>
+            <a:spLocks noGrp="1"/>
+          </p:cNvSpPr>
+          <p:nvPr>
+            <p:ph idx="1"/>
+          </p:nvPr>
+        </p:nvSpPr>
+        <p:spPr/>
+        <p:txBody>
+          <a:bodyPr/>
+          <a:lstStyle/>
+          <a:p>
+            <a:r>
+              <a:rPr lang="en-SG" dirty="0" smtClean="0"/>
+              <a:t>Logistic and storage system </a:t>
+            </a:r>
+          </a:p>
+          <a:p>
+            <a:pPr lvl="1"/>
+            <a:r>
+              <a:rPr lang="en-SG" dirty="0" smtClean="0"/>
+              <a:t>AGVS </a:t>
+            </a:r>
+          </a:p>
+          <a:p>
+            <a:pPr lvl="1"/>
+            <a:r>
+              <a:rPr lang="en-SG" dirty="0" smtClean="0"/>
+              <a:t>AS/RS </a:t>
+            </a:r>
+          </a:p>
+          <a:p>
+            <a:pPr lvl="1"/>
+            <a:r>
+              <a:rPr lang="en-SG" dirty="0" err="1" smtClean="0"/>
+              <a:t>Swarf</a:t>
+            </a:r>
+            <a:r>
+              <a:rPr lang="en-SG" dirty="0" smtClean="0"/>
+              <a:t> handling and disposal of wastes </a:t>
+            </a:r>
+          </a:p>
+          <a:p>
+            <a:r>
+              <a:rPr lang="en-SG" dirty="0" smtClean="0"/>
+              <a:t>Assembly lines </a:t>
+            </a:r>
+          </a:p>
+          <a:p>
+            <a:pPr lvl="1"/>
+            <a:r>
+              <a:rPr lang="en-SG" dirty="0" smtClean="0"/>
+              <a:t>Quantitative analysis of assembly systems.</a:t>
+            </a:r>
+          </a:p>
+          <a:p>
+            <a:endParaRPr lang="en-SG" dirty="0"/>
+          </a:p>
+        </p:txBody>
+      </p:sp>
+    </p:spTree>
+    <p:extLst>
+      <p:ext uri="{BB962C8B-B14F-4D97-AF65-F5344CB8AC3E}">
+        <p14:creationId xmlns:p14="http://schemas.microsoft.com/office/powerpoint/2010/main" val="938672915"/>
+      </p:ext>
+    </p:extLst>
+  </p:cSld>
+  <p:clrMapOvr>
+    <a:masterClrMapping/>
+  </p:clrMapOvr>
+</p:sld>
+</file>
+
+<file path=ppt/slides/slide72.xml><?xml version="1.0" encoding="utf-8"?>
+<p:sld xmlns:a="http://schemas.openxmlformats.org/drawingml/2006/main" xmlns:r="http://schemas.openxmlformats.org/officeDocument/2006/relationships" xmlns:p="http://schemas.openxmlformats.org/presentationml/2006/main">
+  <p:cSld>
+    <p:spTree>
+      <p:nvGrpSpPr>
+        <p:cNvPr id="1" name=""/>
+        <p:cNvGrpSpPr/>
+        <p:nvPr/>
+      </p:nvGrpSpPr>
+      <p:grpSpPr>
+        <a:xfrm>
+          <a:off x="0" y="0"/>
+          <a:ext cx="0" cy="0"/>
+          <a:chOff x="0" y="0"/>
+          <a:chExt cx="0" cy="0"/>
+        </a:xfrm>
+      </p:grpSpPr>
+      <p:sp>
+        <p:nvSpPr>
+          <p:cNvPr id="2" name="标题 1"/>
+          <p:cNvSpPr>
+            <a:spLocks noGrp="1"/>
+          </p:cNvSpPr>
+          <p:nvPr>
+            <p:ph type="title"/>
+          </p:nvPr>
+        </p:nvSpPr>
+        <p:spPr/>
+        <p:txBody>
+          <a:bodyPr/>
+          <a:lstStyle/>
+          <a:p>
+            <a:r>
+              <a:rPr lang="en-SG" dirty="0" smtClean="0"/>
+              <a:t>Key disciplines of manufacturing under </a:t>
+            </a:r>
+            <a:r>
+              <a:rPr lang="en-SG" dirty="0" err="1" smtClean="0"/>
+              <a:t>Solidworks</a:t>
+            </a:r>
+            <a:r>
+              <a:rPr lang="en-SG" dirty="0" smtClean="0"/>
+              <a:t> environment</a:t>
+            </a:r>
+            <a:endParaRPr lang="en-SG" dirty="0"/>
+          </a:p>
+        </p:txBody>
+      </p:sp>
+      <p:sp>
+        <p:nvSpPr>
+          <p:cNvPr id="3" name="内容占位符 2"/>
+          <p:cNvSpPr>
+            <a:spLocks noGrp="1"/>
+          </p:cNvSpPr>
+          <p:nvPr>
+            <p:ph idx="1"/>
+          </p:nvPr>
+        </p:nvSpPr>
+        <p:spPr/>
+        <p:txBody>
+          <a:bodyPr/>
+          <a:lstStyle/>
+          <a:p>
+            <a:r>
+              <a:rPr lang="en-SG" dirty="0"/>
+              <a:t>Configuration for a mill or turn machine</a:t>
+            </a:r>
+          </a:p>
+          <a:p>
+            <a:r>
+              <a:rPr lang="en-SG" dirty="0"/>
+              <a:t>Features to machining strategy</a:t>
+            </a:r>
+          </a:p>
+          <a:p>
+            <a:r>
+              <a:rPr lang="en-SG" dirty="0"/>
+              <a:t>Generate operation plan</a:t>
+            </a:r>
+          </a:p>
+          <a:p>
+            <a:r>
+              <a:rPr lang="en-SG" dirty="0"/>
+              <a:t>Generate tool path</a:t>
+            </a:r>
+          </a:p>
+          <a:p>
+            <a:r>
+              <a:rPr lang="en-SG" dirty="0"/>
+              <a:t>Simulation</a:t>
+            </a:r>
+          </a:p>
+          <a:p>
+            <a:r>
+              <a:rPr lang="en-SG" dirty="0"/>
+              <a:t>Post process</a:t>
+            </a:r>
+          </a:p>
+          <a:p>
+            <a:pPr marL="0" indent="0">
+              <a:buNone/>
+            </a:pPr>
+            <a:endParaRPr lang="en-SG" dirty="0"/>
+          </a:p>
+        </p:txBody>
+      </p:sp>
+    </p:spTree>
+    <p:extLst>
+      <p:ext uri="{BB962C8B-B14F-4D97-AF65-F5344CB8AC3E}">
+        <p14:creationId xmlns:p14="http://schemas.microsoft.com/office/powerpoint/2010/main" val="4246989961"/>
+      </p:ext>
+    </p:extLst>
+  </p:cSld>
+  <p:clrMapOvr>
+    <a:masterClrMapping/>
+  </p:clrMapOvr>
+</p:sld>
+</file>
+
+<file path=ppt/slides/slide73.xml><?xml version="1.0" encoding="utf-8"?>
+<p:sld xmlns:a="http://schemas.openxmlformats.org/drawingml/2006/main" xmlns:r="http://schemas.openxmlformats.org/officeDocument/2006/relationships" xmlns:p="http://schemas.openxmlformats.org/presentationml/2006/main">
+  <p:cSld>
+    <p:spTree>
+      <p:nvGrpSpPr>
+        <p:cNvPr id="1" name=""/>
+        <p:cNvGrpSpPr/>
+        <p:nvPr/>
+      </p:nvGrpSpPr>
+      <p:grpSpPr>
+        <a:xfrm>
+          <a:off x="0" y="0"/>
+          <a:ext cx="0" cy="0"/>
+          <a:chOff x="0" y="0"/>
+          <a:chExt cx="0" cy="0"/>
+        </a:xfrm>
+      </p:grpSpPr>
+      <p:sp>
+        <p:nvSpPr>
+          <p:cNvPr id="2" name="标题 1"/>
+          <p:cNvSpPr>
+            <a:spLocks noGrp="1"/>
+          </p:cNvSpPr>
+          <p:nvPr>
+            <p:ph type="title"/>
+          </p:nvPr>
+        </p:nvSpPr>
+        <p:spPr/>
+        <p:txBody>
+          <a:bodyPr/>
+          <a:lstStyle/>
+          <a:p>
+            <a:r>
+              <a:rPr lang="en-SG" dirty="0" smtClean="0"/>
+              <a:t>The following slides are only for learning purpose</a:t>
+            </a:r>
+            <a:endParaRPr lang="en-SG" dirty="0"/>
+          </a:p>
+        </p:txBody>
+      </p:sp>
+      <p:sp>
+        <p:nvSpPr>
+          <p:cNvPr id="3" name="内容占位符 2"/>
+          <p:cNvSpPr>
+            <a:spLocks noGrp="1"/>
+          </p:cNvSpPr>
+          <p:nvPr>
+            <p:ph idx="1"/>
+          </p:nvPr>
+        </p:nvSpPr>
+        <p:spPr/>
+        <p:txBody>
+          <a:bodyPr/>
+          <a:lstStyle/>
+          <a:p>
+            <a:endParaRPr lang="en-SG" dirty="0"/>
+          </a:p>
+        </p:txBody>
+      </p:sp>
+    </p:spTree>
+    <p:extLst>
+      <p:ext uri="{BB962C8B-B14F-4D97-AF65-F5344CB8AC3E}">
+        <p14:creationId xmlns:p14="http://schemas.microsoft.com/office/powerpoint/2010/main" val="3537981211"/>
+      </p:ext>
+    </p:extLst>
+  </p:cSld>
+  <p:clrMapOvr>
+    <a:masterClrMapping/>
+  </p:clrMapOvr>
+</p:sld>
+</file>
+
+<file path=ppt/slides/slide74.xml><?xml version="1.0" encoding="utf-8"?>
+<p:sld xmlns:a="http://schemas.openxmlformats.org/drawingml/2006/main" xmlns:r="http://schemas.openxmlformats.org/officeDocument/2006/relationships" xmlns:p="http://schemas.openxmlformats.org/presentationml/2006/main">
+  <p:cSld>
+    <p:spTree>
+      <p:nvGrpSpPr>
+        <p:cNvPr id="1" name=""/>
+        <p:cNvGrpSpPr/>
+        <p:nvPr/>
+      </p:nvGrpSpPr>
+      <p:grpSpPr>
+        <a:xfrm>
+          <a:off x="0" y="0"/>
+          <a:ext cx="0" cy="0"/>
+          <a:chOff x="0" y="0"/>
+          <a:chExt cx="0" cy="0"/>
+        </a:xfrm>
+      </p:grpSpPr>
+      <p:sp>
+        <p:nvSpPr>
+          <p:cNvPr id="2" name="标题 1"/>
+          <p:cNvSpPr>
+            <a:spLocks noGrp="1"/>
+          </p:cNvSpPr>
+          <p:nvPr>
+            <p:ph type="title"/>
+          </p:nvPr>
+        </p:nvSpPr>
+        <p:spPr/>
+        <p:txBody>
+          <a:bodyPr/>
+          <a:lstStyle/>
+          <a:p>
+            <a:endParaRPr lang="en-SG" dirty="0"/>
+          </a:p>
+        </p:txBody>
+      </p:sp>
+      <p:sp>
+        <p:nvSpPr>
+          <p:cNvPr id="3" name="内容占位符 2"/>
+          <p:cNvSpPr>
+            <a:spLocks noGrp="1"/>
+          </p:cNvSpPr>
+          <p:nvPr>
+            <p:ph idx="1"/>
+          </p:nvPr>
+        </p:nvSpPr>
+        <p:spPr/>
+        <p:txBody>
+          <a:bodyPr/>
+          <a:lstStyle/>
+          <a:p>
+            <a:r>
+              <a:rPr lang="en-SG" dirty="0" smtClean="0"/>
+              <a:t>Create a new part</a:t>
+            </a:r>
+          </a:p>
+          <a:p>
+            <a:r>
+              <a:rPr lang="en-SG" dirty="0" smtClean="0"/>
+              <a:t>Check the unit setting</a:t>
+            </a:r>
+          </a:p>
+          <a:p>
+            <a:r>
+              <a:rPr lang="en-SG" dirty="0" smtClean="0"/>
+              <a:t>Using sketch to create part body</a:t>
+            </a:r>
+          </a:p>
+          <a:p>
+            <a:pPr lvl="1"/>
+            <a:r>
+              <a:rPr lang="en-SG" dirty="0" smtClean="0"/>
+              <a:t>Smart dimension is an import tool to drive the model </a:t>
+            </a:r>
+            <a:r>
+              <a:rPr lang="en-SG" dirty="0" err="1" smtClean="0"/>
+              <a:t>creatation</a:t>
+            </a:r>
+            <a:endParaRPr lang="en-SG" dirty="0" smtClean="0"/>
+          </a:p>
+          <a:p>
+            <a:pPr lvl="1"/>
+            <a:endParaRPr lang="en-SG" dirty="0" smtClean="0"/>
+          </a:p>
+        </p:txBody>
+      </p:sp>
+    </p:spTree>
+    <p:extLst>
+      <p:ext uri="{BB962C8B-B14F-4D97-AF65-F5344CB8AC3E}">
+        <p14:creationId xmlns:p14="http://schemas.microsoft.com/office/powerpoint/2010/main" val="1130636376"/>
+      </p:ext>
+    </p:extLst>
+  </p:cSld>
+  <p:clrMapOvr>
+    <a:masterClrMapping/>
+  </p:clrMapOvr>
+</p:sld>
+</file>
+
+<file path=ppt/slides/slide75.xml><?xml version="1.0" encoding="utf-8"?>
+<p:sld xmlns:a="http://schemas.openxmlformats.org/drawingml/2006/main" xmlns:r="http://schemas.openxmlformats.org/officeDocument/2006/relationships" xmlns:p="http://schemas.openxmlformats.org/presentationml/2006/main">
+  <p:cSld>
+    <p:spTree>
+      <p:nvGrpSpPr>
+        <p:cNvPr id="1" name=""/>
+        <p:cNvGrpSpPr/>
+        <p:nvPr/>
+      </p:nvGrpSpPr>
+      <p:grpSpPr>
+        <a:xfrm>
+          <a:off x="0" y="0"/>
+          <a:ext cx="0" cy="0"/>
+          <a:chOff x="0" y="0"/>
+          <a:chExt cx="0" cy="0"/>
+        </a:xfrm>
+      </p:grpSpPr>
+      <p:sp>
+        <p:nvSpPr>
+          <p:cNvPr id="2" name="标题 1"/>
+          <p:cNvSpPr>
+            <a:spLocks noGrp="1"/>
+          </p:cNvSpPr>
+          <p:nvPr>
+            <p:ph type="title"/>
+          </p:nvPr>
+        </p:nvSpPr>
+        <p:spPr/>
+        <p:txBody>
+          <a:bodyPr/>
+          <a:lstStyle/>
+          <a:p>
+            <a:endParaRPr lang="en-SG"/>
+          </a:p>
+        </p:txBody>
+      </p:sp>
+      <p:sp>
+        <p:nvSpPr>
+          <p:cNvPr id="3" name="内容占位符 2"/>
+          <p:cNvSpPr>
+            <a:spLocks noGrp="1"/>
+          </p:cNvSpPr>
+          <p:nvPr>
+            <p:ph idx="1"/>
+          </p:nvPr>
+        </p:nvSpPr>
+        <p:spPr/>
+        <p:txBody>
+          <a:bodyPr/>
+          <a:lstStyle/>
+          <a:p>
+            <a:r>
+              <a:rPr lang="en-SG" dirty="0"/>
+              <a:t>Go to the </a:t>
+            </a:r>
+            <a:r>
+              <a:rPr lang="en-SG" dirty="0" err="1"/>
+              <a:t>Solidworks</a:t>
+            </a:r>
+            <a:r>
+              <a:rPr lang="en-SG" dirty="0"/>
+              <a:t> CAM module(just perform each of tool button alone the toolbar from left to right, one can finally get the tool path and G-codes)</a:t>
+            </a:r>
+          </a:p>
+          <a:p>
+            <a:pPr lvl="1"/>
+            <a:r>
+              <a:rPr lang="en-SG" dirty="0"/>
+              <a:t>Define machine</a:t>
+            </a:r>
+          </a:p>
+          <a:p>
+            <a:pPr lvl="1"/>
+            <a:r>
+              <a:rPr lang="en-SG" dirty="0"/>
+              <a:t>Setup coordinate system</a:t>
+            </a:r>
+          </a:p>
+          <a:p>
+            <a:pPr lvl="1"/>
+            <a:r>
+              <a:rPr lang="en-SG" dirty="0"/>
+              <a:t>Define stock size using stock </a:t>
+            </a:r>
+            <a:r>
+              <a:rPr lang="en-SG" dirty="0" smtClean="0"/>
+              <a:t>manager</a:t>
+            </a:r>
+          </a:p>
+          <a:p>
+            <a:endParaRPr lang="en-SG" dirty="0"/>
+          </a:p>
+        </p:txBody>
+      </p:sp>
+    </p:spTree>
+    <p:extLst>
+      <p:ext uri="{BB962C8B-B14F-4D97-AF65-F5344CB8AC3E}">
+        <p14:creationId xmlns:p14="http://schemas.microsoft.com/office/powerpoint/2010/main" val="482855842"/>
+      </p:ext>
+    </p:extLst>
+  </p:cSld>
+  <p:clrMapOvr>
+    <a:masterClrMapping/>
+  </p:clrMapOvr>
+</p:sld>
+</file>
+
+<file path=ppt/slides/slide76.xml><?xml version="1.0" encoding="utf-8"?>
+<p:sld xmlns:a="http://schemas.openxmlformats.org/drawingml/2006/main" xmlns:r="http://schemas.openxmlformats.org/officeDocument/2006/relationships" xmlns:p="http://schemas.openxmlformats.org/presentationml/2006/main">
+  <p:cSld>
+    <p:spTree>
+      <p:nvGrpSpPr>
+        <p:cNvPr id="1" name=""/>
+        <p:cNvGrpSpPr/>
+        <p:nvPr/>
+      </p:nvGrpSpPr>
+      <p:grpSpPr>
+        <a:xfrm>
+          <a:off x="0" y="0"/>
+          <a:ext cx="0" cy="0"/>
+          <a:chOff x="0" y="0"/>
+          <a:chExt cx="0" cy="0"/>
+        </a:xfrm>
+      </p:grpSpPr>
+      <p:sp>
+        <p:nvSpPr>
+          <p:cNvPr id="2" name="标题 1"/>
+          <p:cNvSpPr>
+            <a:spLocks noGrp="1"/>
+          </p:cNvSpPr>
+          <p:nvPr>
+            <p:ph type="title"/>
+          </p:nvPr>
+        </p:nvSpPr>
+        <p:spPr/>
+        <p:txBody>
+          <a:bodyPr/>
+          <a:lstStyle/>
+          <a:p>
             <a:endParaRPr lang="en-SG"/>
           </a:p>
         </p:txBody>
@@ -12578,7 +14119,7 @@
           <a:graphicData uri="http://schemas.openxmlformats.org/presentationml/2006/ole">
             <mc:AlternateContent xmlns:mc="http://schemas.openxmlformats.org/markup-compatibility/2006">
               <mc:Choice xmlns:v="urn:schemas-microsoft-com:vml" Requires="v">
-                <p:oleObj spid="_x0000_s1146" name="Equation" r:id="rId3" imgW="2260440" imgH="1091880" progId="Equation.DSMT4">
+                <p:oleObj spid="_x0000_s1168" name="Equation" r:id="rId3" imgW="2260440" imgH="1091880" progId="Equation.DSMT4">
                   <p:embed/>
                 </p:oleObj>
               </mc:Choice>
@@ -12626,7 +14167,7 @@
 </p:sld>
 </file>
 
-<file path=ppt/slides/slide69.xml><?xml version="1.0" encoding="utf-8"?>
+<file path=ppt/slides/slide77.xml><?xml version="1.0" encoding="utf-8"?>
 <p:sld xmlns:a="http://schemas.openxmlformats.org/drawingml/2006/main" xmlns:r="http://schemas.openxmlformats.org/officeDocument/2006/relationships" xmlns:p="http://schemas.openxmlformats.org/presentationml/2006/main">
   <p:cSld>
     <p:spTree>
@@ -12848,7 +14389,7 @@
           <a:graphicData uri="http://schemas.openxmlformats.org/presentationml/2006/ole">
             <mc:AlternateContent xmlns:mc="http://schemas.openxmlformats.org/markup-compatibility/2006">
               <mc:Choice xmlns:v="urn:schemas-microsoft-com:vml" Requires="v">
-                <p:oleObj spid="_x0000_s2403" name="Equation" r:id="rId3" imgW="2133360" imgH="1879560" progId="Equation.DSMT4">
+                <p:oleObj spid="_x0000_s2469" name="Equation" r:id="rId3" imgW="2133360" imgH="1879560" progId="Equation.DSMT4">
                   <p:embed/>
                 </p:oleObj>
               </mc:Choice>
@@ -12905,7 +14446,7 @@
           <a:graphicData uri="http://schemas.openxmlformats.org/presentationml/2006/ole">
             <mc:AlternateContent xmlns:mc="http://schemas.openxmlformats.org/markup-compatibility/2006">
               <mc:Choice xmlns:v="urn:schemas-microsoft-com:vml" Requires="v">
-                <p:oleObj spid="_x0000_s2404" name="Equation" r:id="rId5" imgW="1726920" imgH="482400" progId="Equation.DSMT4">
+                <p:oleObj spid="_x0000_s2470" name="Equation" r:id="rId5" imgW="1726920" imgH="482400" progId="Equation.DSMT4">
                   <p:embed/>
                 </p:oleObj>
               </mc:Choice>
@@ -12962,7 +14503,7 @@
           <a:graphicData uri="http://schemas.openxmlformats.org/presentationml/2006/ole">
             <mc:AlternateContent xmlns:mc="http://schemas.openxmlformats.org/markup-compatibility/2006">
               <mc:Choice xmlns:v="urn:schemas-microsoft-com:vml" Requires="v">
-                <p:oleObj spid="_x0000_s2405" name="Equation" r:id="rId7" imgW="990360" imgH="457200" progId="Equation.DSMT4">
+                <p:oleObj spid="_x0000_s2471" name="Equation" r:id="rId7" imgW="990360" imgH="457200" progId="Equation.DSMT4">
                   <p:embed/>
                 </p:oleObj>
               </mc:Choice>
@@ -13010,7 +14551,7 @@
 </p:sld>
 </file>
 
-<file path=ppt/slides/slide7.xml><?xml version="1.0" encoding="utf-8"?>
+<file path=ppt/slides/slide78.xml><?xml version="1.0" encoding="utf-8"?>
 <p:sld xmlns:a="http://schemas.openxmlformats.org/drawingml/2006/main" xmlns:r="http://schemas.openxmlformats.org/officeDocument/2006/relationships" xmlns:p="http://schemas.openxmlformats.org/presentationml/2006/main">
   <p:cSld>
     <p:spTree>
@@ -13042,121 +14583,6 @@
           <a:bodyPr/>
           <a:lstStyle/>
           <a:p>
-            <a:r>
-              <a:rPr lang="en-SG" dirty="0" smtClean="0"/>
-              <a:t>Three types of coordinate system</a:t>
-            </a:r>
-            <a:endParaRPr lang="en-SG" dirty="0"/>
-          </a:p>
-        </p:txBody>
-      </p:sp>
-      <p:sp>
-        <p:nvSpPr>
-          <p:cNvPr id="3" name="内容占位符 2"/>
-          <p:cNvSpPr>
-            <a:spLocks noGrp="1"/>
-          </p:cNvSpPr>
-          <p:nvPr>
-            <p:ph idx="1"/>
-          </p:nvPr>
-        </p:nvSpPr>
-        <p:spPr/>
-        <p:txBody>
-          <a:bodyPr/>
-          <a:lstStyle/>
-          <a:p>
-            <a:r>
-              <a:rPr lang="en-SG" dirty="0">
-                <a:solidFill>
-                  <a:srgbClr val="FF0000"/>
-                </a:solidFill>
-              </a:rPr>
-              <a:t>Coordinate systems are the most important concept in a CAD system. They are used to  input,  store,  and  display  geometric  model.  There  are  three  kinds  of  coordinate systems, </a:t>
-            </a:r>
-            <a:endParaRPr lang="en-SG" dirty="0" smtClean="0">
-              <a:solidFill>
-                <a:srgbClr val="FF0000"/>
-              </a:solidFill>
-            </a:endParaRPr>
-          </a:p>
-          <a:p>
-            <a:pPr marL="514350" indent="-514350">
-              <a:buFont typeface="+mj-lt"/>
-              <a:buAutoNum type="arabicPeriod"/>
-            </a:pPr>
-            <a:r>
-              <a:rPr lang="en-SG" dirty="0" smtClean="0"/>
-              <a:t>Model coordinate system (MCS)</a:t>
-            </a:r>
-          </a:p>
-          <a:p>
-            <a:pPr marL="514350" indent="-514350">
-              <a:buFont typeface="+mj-lt"/>
-              <a:buAutoNum type="arabicPeriod"/>
-            </a:pPr>
-            <a:r>
-              <a:rPr lang="en-SG" dirty="0" smtClean="0"/>
-              <a:t>Working coordinate system (WCS)</a:t>
-            </a:r>
-          </a:p>
-          <a:p>
-            <a:pPr marL="514350" indent="-514350">
-              <a:buFont typeface="+mj-lt"/>
-              <a:buAutoNum type="arabicPeriod"/>
-            </a:pPr>
-            <a:r>
-              <a:rPr lang="en-SG" dirty="0" smtClean="0"/>
-              <a:t>Screen coordinate system (SCS)</a:t>
-            </a:r>
-            <a:endParaRPr lang="en-SG" dirty="0"/>
-          </a:p>
-        </p:txBody>
-      </p:sp>
-    </p:spTree>
-    <p:extLst>
-      <p:ext uri="{BB962C8B-B14F-4D97-AF65-F5344CB8AC3E}">
-        <p14:creationId xmlns:p14="http://schemas.microsoft.com/office/powerpoint/2010/main" val="1875555009"/>
-      </p:ext>
-    </p:extLst>
-  </p:cSld>
-  <p:clrMapOvr>
-    <a:masterClrMapping/>
-  </p:clrMapOvr>
-</p:sld>
-</file>
-
-<file path=ppt/slides/slide70.xml><?xml version="1.0" encoding="utf-8"?>
-<p:sld xmlns:a="http://schemas.openxmlformats.org/drawingml/2006/main" xmlns:r="http://schemas.openxmlformats.org/officeDocument/2006/relationships" xmlns:p="http://schemas.openxmlformats.org/presentationml/2006/main">
-  <p:cSld>
-    <p:spTree>
-      <p:nvGrpSpPr>
-        <p:cNvPr id="1" name=""/>
-        <p:cNvGrpSpPr/>
-        <p:nvPr/>
-      </p:nvGrpSpPr>
-      <p:grpSpPr>
-        <a:xfrm>
-          <a:off x="0" y="0"/>
-          <a:ext cx="0" cy="0"/>
-          <a:chOff x="0" y="0"/>
-          <a:chExt cx="0" cy="0"/>
-        </a:xfrm>
-      </p:grpSpPr>
-      <p:sp>
-        <p:nvSpPr>
-          <p:cNvPr id="2" name="标题 1"/>
-          <p:cNvSpPr>
-            <a:spLocks noGrp="1"/>
-          </p:cNvSpPr>
-          <p:nvPr>
-            <p:ph type="title"/>
-          </p:nvPr>
-        </p:nvSpPr>
-        <p:spPr/>
-        <p:txBody>
-          <a:bodyPr/>
-          <a:lstStyle/>
-          <a:p>
             <a:endParaRPr lang="en-SG"/>
           </a:p>
         </p:txBody>
@@ -13233,7 +14659,7 @@
           <a:graphicData uri="http://schemas.openxmlformats.org/presentationml/2006/ole">
             <mc:AlternateContent xmlns:mc="http://schemas.openxmlformats.org/markup-compatibility/2006">
               <mc:Choice xmlns:v="urn:schemas-microsoft-com:vml" Requires="v">
-                <p:oleObj spid="_x0000_s3191" name="Equation" r:id="rId3" imgW="990360" imgH="457200" progId="Equation.DSMT4">
+                <p:oleObj spid="_x0000_s3213" name="Equation" r:id="rId3" imgW="990360" imgH="457200" progId="Equation.DSMT4">
                   <p:embed/>
                 </p:oleObj>
               </mc:Choice>

--- a/CAD_CAM.pptx
+++ b/CAD_CAM.pptx
@@ -26,63 +26,62 @@
     <p:sldId id="332" r:id="rId20"/>
     <p:sldId id="309" r:id="rId21"/>
     <p:sldId id="288" r:id="rId22"/>
-    <p:sldId id="346" r:id="rId23"/>
-    <p:sldId id="347" r:id="rId24"/>
-    <p:sldId id="348" r:id="rId25"/>
-    <p:sldId id="349" r:id="rId26"/>
-    <p:sldId id="350" r:id="rId27"/>
-    <p:sldId id="351" r:id="rId28"/>
-    <p:sldId id="352" r:id="rId29"/>
-    <p:sldId id="353" r:id="rId30"/>
-    <p:sldId id="354" r:id="rId31"/>
-    <p:sldId id="340" r:id="rId32"/>
-    <p:sldId id="341" r:id="rId33"/>
-    <p:sldId id="342" r:id="rId34"/>
-    <p:sldId id="343" r:id="rId35"/>
-    <p:sldId id="344" r:id="rId36"/>
-    <p:sldId id="345" r:id="rId37"/>
-    <p:sldId id="355" r:id="rId38"/>
-    <p:sldId id="315" r:id="rId39"/>
-    <p:sldId id="316" r:id="rId40"/>
-    <p:sldId id="356" r:id="rId41"/>
-    <p:sldId id="357" r:id="rId42"/>
-    <p:sldId id="365" r:id="rId43"/>
-    <p:sldId id="358" r:id="rId44"/>
-    <p:sldId id="359" r:id="rId45"/>
-    <p:sldId id="317" r:id="rId46"/>
-    <p:sldId id="361" r:id="rId47"/>
-    <p:sldId id="364" r:id="rId48"/>
-    <p:sldId id="363" r:id="rId49"/>
-    <p:sldId id="362" r:id="rId50"/>
-    <p:sldId id="318" r:id="rId51"/>
-    <p:sldId id="319" r:id="rId52"/>
-    <p:sldId id="320" r:id="rId53"/>
-    <p:sldId id="321" r:id="rId54"/>
-    <p:sldId id="322" r:id="rId55"/>
-    <p:sldId id="298" r:id="rId56"/>
-    <p:sldId id="299" r:id="rId57"/>
-    <p:sldId id="338" r:id="rId58"/>
-    <p:sldId id="300" r:id="rId59"/>
-    <p:sldId id="301" r:id="rId60"/>
-    <p:sldId id="302" r:id="rId61"/>
-    <p:sldId id="303" r:id="rId62"/>
-    <p:sldId id="282" r:id="rId63"/>
-    <p:sldId id="257" r:id="rId64"/>
-    <p:sldId id="265" r:id="rId65"/>
-    <p:sldId id="276" r:id="rId66"/>
-    <p:sldId id="310" r:id="rId67"/>
-    <p:sldId id="311" r:id="rId68"/>
-    <p:sldId id="312" r:id="rId69"/>
-    <p:sldId id="333" r:id="rId70"/>
-    <p:sldId id="313" r:id="rId71"/>
-    <p:sldId id="314" r:id="rId72"/>
-    <p:sldId id="261" r:id="rId73"/>
-    <p:sldId id="270" r:id="rId74"/>
-    <p:sldId id="271" r:id="rId75"/>
-    <p:sldId id="272" r:id="rId76"/>
-    <p:sldId id="273" r:id="rId77"/>
-    <p:sldId id="274" r:id="rId78"/>
-    <p:sldId id="275" r:id="rId79"/>
+    <p:sldId id="347" r:id="rId23"/>
+    <p:sldId id="348" r:id="rId24"/>
+    <p:sldId id="349" r:id="rId25"/>
+    <p:sldId id="350" r:id="rId26"/>
+    <p:sldId id="351" r:id="rId27"/>
+    <p:sldId id="352" r:id="rId28"/>
+    <p:sldId id="353" r:id="rId29"/>
+    <p:sldId id="354" r:id="rId30"/>
+    <p:sldId id="340" r:id="rId31"/>
+    <p:sldId id="341" r:id="rId32"/>
+    <p:sldId id="342" r:id="rId33"/>
+    <p:sldId id="343" r:id="rId34"/>
+    <p:sldId id="344" r:id="rId35"/>
+    <p:sldId id="345" r:id="rId36"/>
+    <p:sldId id="355" r:id="rId37"/>
+    <p:sldId id="315" r:id="rId38"/>
+    <p:sldId id="316" r:id="rId39"/>
+    <p:sldId id="356" r:id="rId40"/>
+    <p:sldId id="357" r:id="rId41"/>
+    <p:sldId id="365" r:id="rId42"/>
+    <p:sldId id="358" r:id="rId43"/>
+    <p:sldId id="359" r:id="rId44"/>
+    <p:sldId id="317" r:id="rId45"/>
+    <p:sldId id="361" r:id="rId46"/>
+    <p:sldId id="364" r:id="rId47"/>
+    <p:sldId id="363" r:id="rId48"/>
+    <p:sldId id="362" r:id="rId49"/>
+    <p:sldId id="318" r:id="rId50"/>
+    <p:sldId id="319" r:id="rId51"/>
+    <p:sldId id="320" r:id="rId52"/>
+    <p:sldId id="321" r:id="rId53"/>
+    <p:sldId id="322" r:id="rId54"/>
+    <p:sldId id="298" r:id="rId55"/>
+    <p:sldId id="299" r:id="rId56"/>
+    <p:sldId id="338" r:id="rId57"/>
+    <p:sldId id="300" r:id="rId58"/>
+    <p:sldId id="301" r:id="rId59"/>
+    <p:sldId id="302" r:id="rId60"/>
+    <p:sldId id="303" r:id="rId61"/>
+    <p:sldId id="282" r:id="rId62"/>
+    <p:sldId id="257" r:id="rId63"/>
+    <p:sldId id="265" r:id="rId64"/>
+    <p:sldId id="276" r:id="rId65"/>
+    <p:sldId id="310" r:id="rId66"/>
+    <p:sldId id="311" r:id="rId67"/>
+    <p:sldId id="312" r:id="rId68"/>
+    <p:sldId id="333" r:id="rId69"/>
+    <p:sldId id="313" r:id="rId70"/>
+    <p:sldId id="314" r:id="rId71"/>
+    <p:sldId id="261" r:id="rId72"/>
+    <p:sldId id="270" r:id="rId73"/>
+    <p:sldId id="271" r:id="rId74"/>
+    <p:sldId id="272" r:id="rId75"/>
+    <p:sldId id="273" r:id="rId76"/>
+    <p:sldId id="274" r:id="rId77"/>
+    <p:sldId id="275" r:id="rId78"/>
   </p:sldIdLst>
   <p:sldSz cx="12192000" cy="6858000"/>
   <p:notesSz cx="6858000" cy="9144000"/>
@@ -320,7 +319,7 @@
           <a:p>
             <a:fld id="{012790D9-61A1-4D2A-ABFB-2410DF2390CB}" type="datetimeFigureOut">
               <a:rPr lang="en-SG" smtClean="0"/>
-              <a:t>31/5/2022</a:t>
+              <a:t>1/6/2022</a:t>
             </a:fld>
             <a:endParaRPr lang="en-SG"/>
           </a:p>
@@ -490,7 +489,7 @@
           <a:p>
             <a:fld id="{012790D9-61A1-4D2A-ABFB-2410DF2390CB}" type="datetimeFigureOut">
               <a:rPr lang="en-SG" smtClean="0"/>
-              <a:t>31/5/2022</a:t>
+              <a:t>1/6/2022</a:t>
             </a:fld>
             <a:endParaRPr lang="en-SG"/>
           </a:p>
@@ -670,7 +669,7 @@
           <a:p>
             <a:fld id="{012790D9-61A1-4D2A-ABFB-2410DF2390CB}" type="datetimeFigureOut">
               <a:rPr lang="en-SG" smtClean="0"/>
-              <a:t>31/5/2022</a:t>
+              <a:t>1/6/2022</a:t>
             </a:fld>
             <a:endParaRPr lang="en-SG"/>
           </a:p>
@@ -840,7 +839,7 @@
           <a:p>
             <a:fld id="{012790D9-61A1-4D2A-ABFB-2410DF2390CB}" type="datetimeFigureOut">
               <a:rPr lang="en-SG" smtClean="0"/>
-              <a:t>31/5/2022</a:t>
+              <a:t>1/6/2022</a:t>
             </a:fld>
             <a:endParaRPr lang="en-SG"/>
           </a:p>
@@ -1086,7 +1085,7 @@
           <a:p>
             <a:fld id="{012790D9-61A1-4D2A-ABFB-2410DF2390CB}" type="datetimeFigureOut">
               <a:rPr lang="en-SG" smtClean="0"/>
-              <a:t>31/5/2022</a:t>
+              <a:t>1/6/2022</a:t>
             </a:fld>
             <a:endParaRPr lang="en-SG"/>
           </a:p>
@@ -1318,7 +1317,7 @@
           <a:p>
             <a:fld id="{012790D9-61A1-4D2A-ABFB-2410DF2390CB}" type="datetimeFigureOut">
               <a:rPr lang="en-SG" smtClean="0"/>
-              <a:t>31/5/2022</a:t>
+              <a:t>1/6/2022</a:t>
             </a:fld>
             <a:endParaRPr lang="en-SG"/>
           </a:p>
@@ -1685,7 +1684,7 @@
           <a:p>
             <a:fld id="{012790D9-61A1-4D2A-ABFB-2410DF2390CB}" type="datetimeFigureOut">
               <a:rPr lang="en-SG" smtClean="0"/>
-              <a:t>31/5/2022</a:t>
+              <a:t>1/6/2022</a:t>
             </a:fld>
             <a:endParaRPr lang="en-SG"/>
           </a:p>
@@ -1803,7 +1802,7 @@
           <a:p>
             <a:fld id="{012790D9-61A1-4D2A-ABFB-2410DF2390CB}" type="datetimeFigureOut">
               <a:rPr lang="en-SG" smtClean="0"/>
-              <a:t>31/5/2022</a:t>
+              <a:t>1/6/2022</a:t>
             </a:fld>
             <a:endParaRPr lang="en-SG"/>
           </a:p>
@@ -1898,7 +1897,7 @@
           <a:p>
             <a:fld id="{012790D9-61A1-4D2A-ABFB-2410DF2390CB}" type="datetimeFigureOut">
               <a:rPr lang="en-SG" smtClean="0"/>
-              <a:t>31/5/2022</a:t>
+              <a:t>1/6/2022</a:t>
             </a:fld>
             <a:endParaRPr lang="en-SG"/>
           </a:p>
@@ -2175,7 +2174,7 @@
           <a:p>
             <a:fld id="{012790D9-61A1-4D2A-ABFB-2410DF2390CB}" type="datetimeFigureOut">
               <a:rPr lang="en-SG" smtClean="0"/>
-              <a:t>31/5/2022</a:t>
+              <a:t>1/6/2022</a:t>
             </a:fld>
             <a:endParaRPr lang="en-SG"/>
           </a:p>
@@ -2428,7 +2427,7 @@
           <a:p>
             <a:fld id="{012790D9-61A1-4D2A-ABFB-2410DF2390CB}" type="datetimeFigureOut">
               <a:rPr lang="en-SG" smtClean="0"/>
-              <a:t>31/5/2022</a:t>
+              <a:t>1/6/2022</a:t>
             </a:fld>
             <a:endParaRPr lang="en-SG"/>
           </a:p>
@@ -2641,7 +2640,7 @@
           <a:p>
             <a:fld id="{012790D9-61A1-4D2A-ABFB-2410DF2390CB}" type="datetimeFigureOut">
               <a:rPr lang="en-SG" smtClean="0"/>
-              <a:t>31/5/2022</a:t>
+              <a:t>1/6/2022</a:t>
             </a:fld>
             <a:endParaRPr lang="en-SG"/>
           </a:p>
@@ -3210,7 +3209,7 @@
           <a:graphicData uri="http://schemas.openxmlformats.org/presentationml/2006/ole">
             <mc:AlternateContent xmlns:mc="http://schemas.openxmlformats.org/markup-compatibility/2006">
               <mc:Choice xmlns:v="urn:schemas-microsoft-com:vml" Requires="v">
-                <p:oleObj spid="_x0000_s9538" name="Equation" r:id="rId3" imgW="711000" imgH="203040" progId="Equation.DSMT4">
+                <p:oleObj spid="_x0000_s9550" name="Equation" r:id="rId3" imgW="711000" imgH="203040" progId="Equation.DSMT4">
                   <p:embed/>
                 </p:oleObj>
               </mc:Choice>
@@ -3263,7 +3262,7 @@
           <a:graphicData uri="http://schemas.openxmlformats.org/presentationml/2006/ole">
             <mc:AlternateContent xmlns:mc="http://schemas.openxmlformats.org/markup-compatibility/2006">
               <mc:Choice xmlns:v="urn:schemas-microsoft-com:vml" Requires="v">
-                <p:oleObj spid="_x0000_s9539" name="Equation" r:id="rId5" imgW="583920" imgH="203040" progId="Equation.DSMT4">
+                <p:oleObj spid="_x0000_s9551" name="Equation" r:id="rId5" imgW="583920" imgH="203040" progId="Equation.DSMT4">
                   <p:embed/>
                 </p:oleObj>
               </mc:Choice>
@@ -3316,7 +3315,7 @@
           <a:graphicData uri="http://schemas.openxmlformats.org/presentationml/2006/ole">
             <mc:AlternateContent xmlns:mc="http://schemas.openxmlformats.org/markup-compatibility/2006">
               <mc:Choice xmlns:v="urn:schemas-microsoft-com:vml" Requires="v">
-                <p:oleObj spid="_x0000_s9540" name="Equation" r:id="rId7" imgW="469800" imgH="177480" progId="Equation.DSMT4">
+                <p:oleObj spid="_x0000_s9552" name="Equation" r:id="rId7" imgW="469800" imgH="177480" progId="Equation.DSMT4">
                   <p:embed/>
                 </p:oleObj>
               </mc:Choice>
@@ -3369,7 +3368,7 @@
           <a:graphicData uri="http://schemas.openxmlformats.org/presentationml/2006/ole">
             <mc:AlternateContent xmlns:mc="http://schemas.openxmlformats.org/markup-compatibility/2006">
               <mc:Choice xmlns:v="urn:schemas-microsoft-com:vml" Requires="v">
-                <p:oleObj spid="_x0000_s9541" name="Equation" r:id="rId9" imgW="1600200" imgH="711000" progId="Equation.DSMT4">
+                <p:oleObj spid="_x0000_s9553" name="Equation" r:id="rId9" imgW="1600200" imgH="711000" progId="Equation.DSMT4">
                   <p:embed/>
                 </p:oleObj>
               </mc:Choice>
@@ -3524,7 +3523,7 @@
           <a:graphicData uri="http://schemas.openxmlformats.org/presentationml/2006/ole">
             <mc:AlternateContent xmlns:mc="http://schemas.openxmlformats.org/markup-compatibility/2006">
               <mc:Choice xmlns:v="urn:schemas-microsoft-com:vml" Requires="v">
-                <p:oleObj spid="_x0000_s10322" name="Equation" r:id="rId3" imgW="1155600" imgH="914400" progId="Equation.DSMT4">
+                <p:oleObj spid="_x0000_s10325" name="Equation" r:id="rId3" imgW="1155600" imgH="914400" progId="Equation.DSMT4">
                   <p:embed/>
                 </p:oleObj>
               </mc:Choice>
@@ -3742,7 +3741,7 @@
           <a:graphicData uri="http://schemas.openxmlformats.org/presentationml/2006/ole">
             <mc:AlternateContent xmlns:mc="http://schemas.openxmlformats.org/markup-compatibility/2006">
               <mc:Choice xmlns:v="urn:schemas-microsoft-com:vml" Requires="v">
-                <p:oleObj spid="_x0000_s11426" name="Equation" r:id="rId3" imgW="1091880" imgH="711000" progId="Equation.DSMT4">
+                <p:oleObj spid="_x0000_s11432" name="Equation" r:id="rId3" imgW="1091880" imgH="711000" progId="Equation.DSMT4">
                   <p:embed/>
                 </p:oleObj>
               </mc:Choice>
@@ -3795,7 +3794,7 @@
           <a:graphicData uri="http://schemas.openxmlformats.org/presentationml/2006/ole">
             <mc:AlternateContent xmlns:mc="http://schemas.openxmlformats.org/markup-compatibility/2006">
               <mc:Choice xmlns:v="urn:schemas-microsoft-com:vml" Requires="v">
-                <p:oleObj spid="_x0000_s11427" name="Equation" r:id="rId5" imgW="571320" imgH="457200" progId="Equation.DSMT4">
+                <p:oleObj spid="_x0000_s11433" name="Equation" r:id="rId5" imgW="571320" imgH="457200" progId="Equation.DSMT4">
                   <p:embed/>
                 </p:oleObj>
               </mc:Choice>
@@ -3923,7 +3922,7 @@
           <a:graphicData uri="http://schemas.openxmlformats.org/presentationml/2006/ole">
             <mc:AlternateContent xmlns:mc="http://schemas.openxmlformats.org/markup-compatibility/2006">
               <mc:Choice xmlns:v="urn:schemas-microsoft-com:vml" Requires="v">
-                <p:oleObj spid="_x0000_s12370" name="Equation" r:id="rId3" imgW="3682800" imgH="914400" progId="Equation.DSMT4">
+                <p:oleObj spid="_x0000_s12373" name="Equation" r:id="rId3" imgW="3682800" imgH="914400" progId="Equation.DSMT4">
                   <p:embed/>
                 </p:oleObj>
               </mc:Choice>
@@ -4052,7 +4051,7 @@
           <a:graphicData uri="http://schemas.openxmlformats.org/presentationml/2006/ole">
             <mc:AlternateContent xmlns:mc="http://schemas.openxmlformats.org/markup-compatibility/2006">
               <mc:Choice xmlns:v="urn:schemas-microsoft-com:vml" Requires="v">
-                <p:oleObj spid="_x0000_s13366" name="Equation" r:id="rId3" imgW="1155600" imgH="914400" progId="Equation.DSMT4">
+                <p:oleObj spid="_x0000_s13369" name="Equation" r:id="rId3" imgW="1155600" imgH="914400" progId="Equation.DSMT4">
                   <p:embed/>
                 </p:oleObj>
               </mc:Choice>
@@ -4245,7 +4244,7 @@
           <a:graphicData uri="http://schemas.openxmlformats.org/presentationml/2006/ole">
             <mc:AlternateContent xmlns:mc="http://schemas.openxmlformats.org/markup-compatibility/2006">
               <mc:Choice xmlns:v="urn:schemas-microsoft-com:vml" Requires="v">
-                <p:oleObj spid="_x0000_s14390" name="Equation" r:id="rId3" imgW="1117440" imgH="914400" progId="Equation.DSMT4">
+                <p:oleObj spid="_x0000_s14393" name="Equation" r:id="rId3" imgW="1117440" imgH="914400" progId="Equation.DSMT4">
                   <p:embed/>
                 </p:oleObj>
               </mc:Choice>
@@ -4528,7 +4527,7 @@
           <a:graphicData uri="http://schemas.openxmlformats.org/presentationml/2006/ole">
             <mc:AlternateContent xmlns:mc="http://schemas.openxmlformats.org/markup-compatibility/2006">
               <mc:Choice xmlns:v="urn:schemas-microsoft-com:vml" Requires="v">
-                <p:oleObj spid="_x0000_s15466" name="Equation" r:id="rId3" imgW="2616120" imgH="914400" progId="Equation.DSMT4">
+                <p:oleObj spid="_x0000_s15472" name="Equation" r:id="rId3" imgW="2616120" imgH="914400" progId="Equation.DSMT4">
                   <p:embed/>
                 </p:oleObj>
               </mc:Choice>
@@ -4581,7 +4580,7 @@
           <a:graphicData uri="http://schemas.openxmlformats.org/presentationml/2006/ole">
             <mc:AlternateContent xmlns:mc="http://schemas.openxmlformats.org/markup-compatibility/2006">
               <mc:Choice xmlns:v="urn:schemas-microsoft-com:vml" Requires="v">
-                <p:oleObj spid="_x0000_s15467" name="Equation" r:id="rId5" imgW="1574640" imgH="914400" progId="Equation.DSMT4">
+                <p:oleObj spid="_x0000_s15473" name="Equation" r:id="rId5" imgW="1574640" imgH="914400" progId="Equation.DSMT4">
                   <p:embed/>
                 </p:oleObj>
               </mc:Choice>
@@ -5371,7 +5370,10 @@
           <a:bodyPr/>
           <a:lstStyle/>
           <a:p>
-            <a:endParaRPr lang="en-SG" dirty="0"/>
+            <a:r>
+              <a:rPr lang="en-SG" dirty="0"/>
+              <a:t>Data exchange standards</a:t>
+            </a:r>
           </a:p>
         </p:txBody>
       </p:sp>
@@ -5387,17 +5389,221 @@
         </p:nvSpPr>
         <p:spPr/>
         <p:txBody>
-          <a:bodyPr/>
-          <a:lstStyle/>
-          <a:p>
-            <a:endParaRPr lang="en-SG"/>
+          <a:bodyPr>
+            <a:normAutofit fontScale="77500" lnSpcReduction="20000"/>
+          </a:bodyPr>
+          <a:lstStyle/>
+          <a:p>
+            <a:r>
+              <a:rPr lang="en-SG" dirty="0" smtClean="0"/>
+              <a:t>There </a:t>
+            </a:r>
+            <a:r>
+              <a:rPr lang="en-SG" dirty="0"/>
+              <a:t>is increasing application of CAD accompanied by a growth in </a:t>
+            </a:r>
+            <a:r>
+              <a:rPr lang="en-SG" dirty="0" smtClean="0"/>
+              <a:t>product </a:t>
+            </a:r>
+            <a:r>
+              <a:rPr lang="en-SG" dirty="0"/>
+              <a:t>variety and the range of companies involved</a:t>
+            </a:r>
+          </a:p>
+          <a:p>
+            <a:pPr lvl="1">
+              <a:buFont typeface="Wingdings" panose="05000000000000000000" pitchFamily="2" charset="2"/>
+              <a:buChar char="§"/>
+            </a:pPr>
+            <a:r>
+              <a:rPr lang="en-SG" dirty="0" smtClean="0"/>
+              <a:t>component </a:t>
+            </a:r>
+            <a:r>
+              <a:rPr lang="en-SG" dirty="0"/>
+              <a:t>suppliers must often match their designs to many variants of </a:t>
+            </a:r>
+            <a:r>
+              <a:rPr lang="en-SG" dirty="0" smtClean="0"/>
+              <a:t>different </a:t>
+            </a:r>
+            <a:r>
+              <a:rPr lang="en-SG" dirty="0"/>
+              <a:t>products</a:t>
+            </a:r>
+          </a:p>
+          <a:p>
+            <a:pPr lvl="1">
+              <a:buFont typeface="Wingdings" panose="05000000000000000000" pitchFamily="2" charset="2"/>
+              <a:buChar char="§"/>
+            </a:pPr>
+            <a:r>
+              <a:rPr lang="en-SG" dirty="0" smtClean="0"/>
+              <a:t>a </a:t>
+            </a:r>
+            <a:r>
+              <a:rPr lang="en-SG" dirty="0"/>
+              <a:t>large amount of component and product data must be exchanged</a:t>
+            </a:r>
+          </a:p>
+          <a:p>
+            <a:pPr lvl="1">
+              <a:buFont typeface="Wingdings" panose="05000000000000000000" pitchFamily="2" charset="2"/>
+              <a:buChar char="§"/>
+            </a:pPr>
+            <a:r>
+              <a:rPr lang="en-SG" dirty="0" smtClean="0"/>
+              <a:t>the </a:t>
+            </a:r>
+            <a:r>
+              <a:rPr lang="en-SG" dirty="0"/>
+              <a:t>simplest way is for both companies to used same CADCAM system </a:t>
+            </a:r>
+            <a:r>
+              <a:rPr lang="en-SG" dirty="0" smtClean="0"/>
+              <a:t>and </a:t>
+            </a:r>
+            <a:r>
+              <a:rPr lang="en-SG" dirty="0"/>
+              <a:t>software revision number</a:t>
+            </a:r>
+          </a:p>
+          <a:p>
+            <a:pPr lvl="1">
+              <a:buFont typeface="Wingdings" panose="05000000000000000000" pitchFamily="2" charset="2"/>
+              <a:buChar char="§"/>
+            </a:pPr>
+            <a:r>
+              <a:rPr lang="en-SG" dirty="0" smtClean="0"/>
+              <a:t>however</a:t>
+            </a:r>
+            <a:r>
+              <a:rPr lang="en-SG" dirty="0"/>
+              <a:t>, it is more equitable for different CADCAM systems to </a:t>
+            </a:r>
+            <a:r>
+              <a:rPr lang="en-SG" dirty="0" smtClean="0"/>
+              <a:t>accurately </a:t>
+            </a:r>
+            <a:r>
+              <a:rPr lang="en-SG" dirty="0"/>
+              <a:t>exchange the same data</a:t>
+            </a:r>
+          </a:p>
+          <a:p>
+            <a:pPr lvl="2"/>
+            <a:r>
+              <a:rPr lang="en-SG" dirty="0" smtClean="0"/>
+              <a:t>too </a:t>
+            </a:r>
+            <a:r>
+              <a:rPr lang="en-SG" dirty="0"/>
+              <a:t>many individual inter-software translator programs would be required</a:t>
+            </a:r>
+          </a:p>
+          <a:p>
+            <a:pPr lvl="2"/>
+            <a:r>
+              <a:rPr lang="en-SG" dirty="0" smtClean="0"/>
+              <a:t>need </a:t>
+            </a:r>
+            <a:r>
+              <a:rPr lang="en-SG" dirty="0"/>
+              <a:t>to convert the data into a neutral file format first</a:t>
+            </a:r>
+          </a:p>
+          <a:p>
+            <a:pPr lvl="2"/>
+            <a:r>
+              <a:rPr lang="en-SG" dirty="0" smtClean="0"/>
+              <a:t>then </a:t>
+            </a:r>
+            <a:r>
+              <a:rPr lang="en-SG" dirty="0"/>
+              <a:t>translate the neutral format into the target system data structure</a:t>
+            </a:r>
+          </a:p>
+          <a:p>
+            <a:r>
+              <a:rPr lang="en-SG" dirty="0" smtClean="0"/>
+              <a:t>However</a:t>
+            </a:r>
+            <a:r>
+              <a:rPr lang="en-SG" dirty="0"/>
+              <a:t>, a neutral file format is not straightforward due to</a:t>
+            </a:r>
+          </a:p>
+          <a:p>
+            <a:pPr lvl="1">
+              <a:buFont typeface="Wingdings" panose="05000000000000000000" pitchFamily="2" charset="2"/>
+              <a:buChar char="§"/>
+            </a:pPr>
+            <a:r>
+              <a:rPr lang="en-SG" dirty="0" smtClean="0"/>
+              <a:t>different </a:t>
+            </a:r>
+            <a:r>
+              <a:rPr lang="en-SG" dirty="0"/>
+              <a:t>international CADCAM methods </a:t>
+            </a:r>
+          </a:p>
+          <a:p>
+            <a:pPr lvl="1">
+              <a:buFont typeface="Wingdings" panose="05000000000000000000" pitchFamily="2" charset="2"/>
+              <a:buChar char="§"/>
+            </a:pPr>
+            <a:r>
+              <a:rPr lang="en-SG" dirty="0" smtClean="0"/>
+              <a:t>different </a:t>
+            </a:r>
+            <a:r>
+              <a:rPr lang="en-SG" dirty="0"/>
+              <a:t>CAD representations:</a:t>
+            </a:r>
+          </a:p>
+          <a:p>
+            <a:pPr lvl="2"/>
+            <a:r>
+              <a:rPr lang="en-SG" dirty="0" smtClean="0"/>
+              <a:t>2D </a:t>
+            </a:r>
+            <a:r>
+              <a:rPr lang="en-SG" dirty="0" err="1"/>
+              <a:t>draughting</a:t>
+            </a:r>
+            <a:r>
+              <a:rPr lang="en-SG" dirty="0"/>
+              <a:t>; wire frame geometry; surface/solid models</a:t>
+            </a:r>
+          </a:p>
+          <a:p>
+            <a:pPr lvl="2"/>
+            <a:r>
+              <a:rPr lang="en-SG" dirty="0" smtClean="0"/>
+              <a:t>higher </a:t>
+            </a:r>
+            <a:r>
+              <a:rPr lang="en-SG" dirty="0"/>
+              <a:t>order curves → cubic polynomial conversion leads to loss of precision</a:t>
+            </a:r>
+          </a:p>
+          <a:p>
+            <a:r>
+              <a:rPr lang="en-SG" dirty="0" smtClean="0"/>
+              <a:t>Ongoing </a:t>
+            </a:r>
+            <a:r>
+              <a:rPr lang="en-SG" dirty="0"/>
+              <a:t>effort to define an internationally accepted standard</a:t>
+            </a:r>
           </a:p>
         </p:txBody>
       </p:sp>
     </p:spTree>
     <p:extLst>
       <p:ext uri="{BB962C8B-B14F-4D97-AF65-F5344CB8AC3E}">
-        <p14:creationId xmlns:p14="http://schemas.microsoft.com/office/powerpoint/2010/main" val="1298075019"/>
+        <p14:creationId xmlns:p14="http://schemas.microsoft.com/office/powerpoint/2010/main" val="2248109593"/>
       </p:ext>
     </p:extLst>
   </p:cSld>
@@ -5434,281 +5640,6 @@
             <p:ph type="title"/>
           </p:nvPr>
         </p:nvSpPr>
-        <p:spPr/>
-        <p:txBody>
-          <a:bodyPr/>
-          <a:lstStyle/>
-          <a:p>
-            <a:r>
-              <a:rPr lang="en-SG" dirty="0"/>
-              <a:t>Data exchange standards</a:t>
-            </a:r>
-          </a:p>
-        </p:txBody>
-      </p:sp>
-      <p:sp>
-        <p:nvSpPr>
-          <p:cNvPr id="3" name="内容占位符 2"/>
-          <p:cNvSpPr>
-            <a:spLocks noGrp="1"/>
-          </p:cNvSpPr>
-          <p:nvPr>
-            <p:ph idx="1"/>
-          </p:nvPr>
-        </p:nvSpPr>
-        <p:spPr/>
-        <p:txBody>
-          <a:bodyPr>
-            <a:normAutofit fontScale="77500" lnSpcReduction="20000"/>
-          </a:bodyPr>
-          <a:lstStyle/>
-          <a:p>
-            <a:r>
-              <a:rPr lang="en-SG" dirty="0" smtClean="0"/>
-              <a:t>There </a:t>
-            </a:r>
-            <a:r>
-              <a:rPr lang="en-SG" dirty="0"/>
-              <a:t>is increasing application of CAD accompanied by a growth in </a:t>
-            </a:r>
-            <a:r>
-              <a:rPr lang="en-SG" dirty="0" smtClean="0"/>
-              <a:t>product </a:t>
-            </a:r>
-            <a:r>
-              <a:rPr lang="en-SG" dirty="0"/>
-              <a:t>variety and the range of companies involved</a:t>
-            </a:r>
-          </a:p>
-          <a:p>
-            <a:pPr lvl="1">
-              <a:buFont typeface="Wingdings" panose="05000000000000000000" pitchFamily="2" charset="2"/>
-              <a:buChar char="§"/>
-            </a:pPr>
-            <a:r>
-              <a:rPr lang="en-SG" dirty="0" smtClean="0"/>
-              <a:t>component </a:t>
-            </a:r>
-            <a:r>
-              <a:rPr lang="en-SG" dirty="0"/>
-              <a:t>suppliers must often match their designs to many variants of </a:t>
-            </a:r>
-            <a:r>
-              <a:rPr lang="en-SG" dirty="0" smtClean="0"/>
-              <a:t>different </a:t>
-            </a:r>
-            <a:r>
-              <a:rPr lang="en-SG" dirty="0"/>
-              <a:t>products</a:t>
-            </a:r>
-          </a:p>
-          <a:p>
-            <a:pPr lvl="1">
-              <a:buFont typeface="Wingdings" panose="05000000000000000000" pitchFamily="2" charset="2"/>
-              <a:buChar char="§"/>
-            </a:pPr>
-            <a:r>
-              <a:rPr lang="en-SG" dirty="0" smtClean="0"/>
-              <a:t>a </a:t>
-            </a:r>
-            <a:r>
-              <a:rPr lang="en-SG" dirty="0"/>
-              <a:t>large amount of component and product data must be exchanged</a:t>
-            </a:r>
-          </a:p>
-          <a:p>
-            <a:pPr lvl="1">
-              <a:buFont typeface="Wingdings" panose="05000000000000000000" pitchFamily="2" charset="2"/>
-              <a:buChar char="§"/>
-            </a:pPr>
-            <a:r>
-              <a:rPr lang="en-SG" dirty="0" smtClean="0"/>
-              <a:t>the </a:t>
-            </a:r>
-            <a:r>
-              <a:rPr lang="en-SG" dirty="0"/>
-              <a:t>simplest way is for both companies to used same CADCAM system </a:t>
-            </a:r>
-            <a:r>
-              <a:rPr lang="en-SG" dirty="0" smtClean="0"/>
-              <a:t>and </a:t>
-            </a:r>
-            <a:r>
-              <a:rPr lang="en-SG" dirty="0"/>
-              <a:t>software revision number</a:t>
-            </a:r>
-          </a:p>
-          <a:p>
-            <a:pPr lvl="1">
-              <a:buFont typeface="Wingdings" panose="05000000000000000000" pitchFamily="2" charset="2"/>
-              <a:buChar char="§"/>
-            </a:pPr>
-            <a:r>
-              <a:rPr lang="en-SG" dirty="0" smtClean="0"/>
-              <a:t>however</a:t>
-            </a:r>
-            <a:r>
-              <a:rPr lang="en-SG" dirty="0"/>
-              <a:t>, it is more equitable for different CADCAM systems to </a:t>
-            </a:r>
-            <a:r>
-              <a:rPr lang="en-SG" dirty="0" smtClean="0"/>
-              <a:t>accurately </a:t>
-            </a:r>
-            <a:r>
-              <a:rPr lang="en-SG" dirty="0"/>
-              <a:t>exchange the same data</a:t>
-            </a:r>
-          </a:p>
-          <a:p>
-            <a:pPr lvl="2"/>
-            <a:r>
-              <a:rPr lang="en-SG" dirty="0" smtClean="0"/>
-              <a:t>too </a:t>
-            </a:r>
-            <a:r>
-              <a:rPr lang="en-SG" dirty="0"/>
-              <a:t>many individual inter-software translator programs would be required</a:t>
-            </a:r>
-          </a:p>
-          <a:p>
-            <a:pPr lvl="2"/>
-            <a:r>
-              <a:rPr lang="en-SG" dirty="0" smtClean="0"/>
-              <a:t>need </a:t>
-            </a:r>
-            <a:r>
-              <a:rPr lang="en-SG" dirty="0"/>
-              <a:t>to convert the data into a neutral file format first</a:t>
-            </a:r>
-          </a:p>
-          <a:p>
-            <a:pPr lvl="2"/>
-            <a:r>
-              <a:rPr lang="en-SG" dirty="0" smtClean="0"/>
-              <a:t>then </a:t>
-            </a:r>
-            <a:r>
-              <a:rPr lang="en-SG" dirty="0"/>
-              <a:t>translate the neutral format into the target system data structure</a:t>
-            </a:r>
-          </a:p>
-          <a:p>
-            <a:r>
-              <a:rPr lang="en-SG" dirty="0" smtClean="0"/>
-              <a:t>However</a:t>
-            </a:r>
-            <a:r>
-              <a:rPr lang="en-SG" dirty="0"/>
-              <a:t>, a neutral file format is not straightforward due to</a:t>
-            </a:r>
-          </a:p>
-          <a:p>
-            <a:pPr lvl="1">
-              <a:buFont typeface="Wingdings" panose="05000000000000000000" pitchFamily="2" charset="2"/>
-              <a:buChar char="§"/>
-            </a:pPr>
-            <a:r>
-              <a:rPr lang="en-SG" dirty="0" smtClean="0"/>
-              <a:t>different </a:t>
-            </a:r>
-            <a:r>
-              <a:rPr lang="en-SG" dirty="0"/>
-              <a:t>international CADCAM methods </a:t>
-            </a:r>
-          </a:p>
-          <a:p>
-            <a:pPr lvl="1">
-              <a:buFont typeface="Wingdings" panose="05000000000000000000" pitchFamily="2" charset="2"/>
-              <a:buChar char="§"/>
-            </a:pPr>
-            <a:r>
-              <a:rPr lang="en-SG" dirty="0" smtClean="0"/>
-              <a:t>different </a:t>
-            </a:r>
-            <a:r>
-              <a:rPr lang="en-SG" dirty="0"/>
-              <a:t>CAD representations:</a:t>
-            </a:r>
-          </a:p>
-          <a:p>
-            <a:pPr lvl="2"/>
-            <a:r>
-              <a:rPr lang="en-SG" dirty="0" smtClean="0"/>
-              <a:t>2D </a:t>
-            </a:r>
-            <a:r>
-              <a:rPr lang="en-SG" dirty="0" err="1"/>
-              <a:t>draughting</a:t>
-            </a:r>
-            <a:r>
-              <a:rPr lang="en-SG" dirty="0"/>
-              <a:t>; wire frame geometry; surface/solid models</a:t>
-            </a:r>
-          </a:p>
-          <a:p>
-            <a:pPr lvl="2"/>
-            <a:r>
-              <a:rPr lang="en-SG" dirty="0" smtClean="0"/>
-              <a:t>higher </a:t>
-            </a:r>
-            <a:r>
-              <a:rPr lang="en-SG" dirty="0"/>
-              <a:t>order curves → cubic polynomial conversion leads to loss of precision</a:t>
-            </a:r>
-          </a:p>
-          <a:p>
-            <a:r>
-              <a:rPr lang="en-SG" dirty="0" smtClean="0"/>
-              <a:t>Ongoing </a:t>
-            </a:r>
-            <a:r>
-              <a:rPr lang="en-SG" dirty="0"/>
-              <a:t>effort to define an internationally accepted standard</a:t>
-            </a:r>
-          </a:p>
-        </p:txBody>
-      </p:sp>
-    </p:spTree>
-    <p:extLst>
-      <p:ext uri="{BB962C8B-B14F-4D97-AF65-F5344CB8AC3E}">
-        <p14:creationId xmlns:p14="http://schemas.microsoft.com/office/powerpoint/2010/main" val="2248109593"/>
-      </p:ext>
-    </p:extLst>
-  </p:cSld>
-  <p:clrMapOvr>
-    <a:masterClrMapping/>
-  </p:clrMapOvr>
-</p:sld>
-</file>
-
-<file path=ppt/slides/slide24.xml><?xml version="1.0" encoding="utf-8"?>
-<p:sld xmlns:a="http://schemas.openxmlformats.org/drawingml/2006/main" xmlns:r="http://schemas.openxmlformats.org/officeDocument/2006/relationships" xmlns:p="http://schemas.openxmlformats.org/presentationml/2006/main">
-  <p:cSld>
-    <p:spTree>
-      <p:nvGrpSpPr>
-        <p:cNvPr id="1" name=""/>
-        <p:cNvGrpSpPr/>
-        <p:nvPr/>
-      </p:nvGrpSpPr>
-      <p:grpSpPr>
-        <a:xfrm>
-          <a:off x="0" y="0"/>
-          <a:ext cx="0" cy="0"/>
-          <a:chOff x="0" y="0"/>
-          <a:chExt cx="0" cy="0"/>
-        </a:xfrm>
-      </p:grpSpPr>
-      <p:sp>
-        <p:nvSpPr>
-          <p:cNvPr id="2" name="标题 1"/>
-          <p:cNvSpPr>
-            <a:spLocks noGrp="1"/>
-          </p:cNvSpPr>
-          <p:nvPr>
-            <p:ph type="title"/>
-          </p:nvPr>
-        </p:nvSpPr>
         <p:spPr>
           <a:xfrm>
             <a:off x="838199" y="365125"/>
@@ -5943,7 +5874,7 @@
 </p:sld>
 </file>
 
-<file path=ppt/slides/slide25.xml><?xml version="1.0" encoding="utf-8"?>
+<file path=ppt/slides/slide24.xml><?xml version="1.0" encoding="utf-8"?>
 <p:sld xmlns:a="http://schemas.openxmlformats.org/drawingml/2006/main" xmlns:r="http://schemas.openxmlformats.org/officeDocument/2006/relationships" xmlns:p="http://schemas.openxmlformats.org/presentationml/2006/main">
   <p:cSld>
     <p:spTree>
@@ -6230,7 +6161,7 @@
 </p:sld>
 </file>
 
-<file path=ppt/slides/slide26.xml><?xml version="1.0" encoding="utf-8"?>
+<file path=ppt/slides/slide25.xml><?xml version="1.0" encoding="utf-8"?>
 <p:sld xmlns:a="http://schemas.openxmlformats.org/drawingml/2006/main" xmlns:r="http://schemas.openxmlformats.org/officeDocument/2006/relationships" xmlns:p="http://schemas.openxmlformats.org/presentationml/2006/main">
   <p:cSld>
     <p:spTree>
@@ -6761,7 +6692,7 @@
 </p:sld>
 </file>
 
-<file path=ppt/slides/slide27.xml><?xml version="1.0" encoding="utf-8"?>
+<file path=ppt/slides/slide26.xml><?xml version="1.0" encoding="utf-8"?>
 <p:sld xmlns:a="http://schemas.openxmlformats.org/drawingml/2006/main" xmlns:r="http://schemas.openxmlformats.org/officeDocument/2006/relationships" xmlns:p="http://schemas.openxmlformats.org/presentationml/2006/main">
   <p:cSld>
     <p:spTree>
@@ -7078,7 +7009,7 @@
 </p:sld>
 </file>
 
-<file path=ppt/slides/slide28.xml><?xml version="1.0" encoding="utf-8"?>
+<file path=ppt/slides/slide27.xml><?xml version="1.0" encoding="utf-8"?>
 <p:sld xmlns:a="http://schemas.openxmlformats.org/drawingml/2006/main" xmlns:r="http://schemas.openxmlformats.org/officeDocument/2006/relationships" xmlns:p="http://schemas.openxmlformats.org/presentationml/2006/main">
   <p:cSld>
     <p:spTree>
@@ -7311,7 +7242,7 @@
 </p:sld>
 </file>
 
-<file path=ppt/slides/slide29.xml><?xml version="1.0" encoding="utf-8"?>
+<file path=ppt/slides/slide28.xml><?xml version="1.0" encoding="utf-8"?>
 <p:sld xmlns:a="http://schemas.openxmlformats.org/drawingml/2006/main" xmlns:r="http://schemas.openxmlformats.org/officeDocument/2006/relationships" xmlns:p="http://schemas.openxmlformats.org/presentationml/2006/main">
   <p:cSld>
     <p:spTree>
@@ -7568,6 +7499,254 @@
     <p:extLst>
       <p:ext uri="{BB962C8B-B14F-4D97-AF65-F5344CB8AC3E}">
         <p14:creationId xmlns:p14="http://schemas.microsoft.com/office/powerpoint/2010/main" val="1270553017"/>
+      </p:ext>
+    </p:extLst>
+  </p:cSld>
+  <p:clrMapOvr>
+    <a:masterClrMapping/>
+  </p:clrMapOvr>
+</p:sld>
+</file>
+
+<file path=ppt/slides/slide29.xml><?xml version="1.0" encoding="utf-8"?>
+<p:sld xmlns:a="http://schemas.openxmlformats.org/drawingml/2006/main" xmlns:r="http://schemas.openxmlformats.org/officeDocument/2006/relationships" xmlns:p="http://schemas.openxmlformats.org/presentationml/2006/main">
+  <p:cSld>
+    <p:spTree>
+      <p:nvGrpSpPr>
+        <p:cNvPr id="1" name=""/>
+        <p:cNvGrpSpPr/>
+        <p:nvPr/>
+      </p:nvGrpSpPr>
+      <p:grpSpPr>
+        <a:xfrm>
+          <a:off x="0" y="0"/>
+          <a:ext cx="0" cy="0"/>
+          <a:chOff x="0" y="0"/>
+          <a:chExt cx="0" cy="0"/>
+        </a:xfrm>
+      </p:grpSpPr>
+      <p:sp>
+        <p:nvSpPr>
+          <p:cNvPr id="2" name="标题 1"/>
+          <p:cNvSpPr>
+            <a:spLocks noGrp="1"/>
+          </p:cNvSpPr>
+          <p:nvPr>
+            <p:ph type="title"/>
+          </p:nvPr>
+        </p:nvSpPr>
+        <p:spPr/>
+        <p:txBody>
+          <a:bodyPr/>
+          <a:lstStyle/>
+          <a:p>
+            <a:r>
+              <a:rPr lang="en-SG" dirty="0"/>
+              <a:t>STEP standard</a:t>
+            </a:r>
+          </a:p>
+        </p:txBody>
+      </p:sp>
+      <p:sp>
+        <p:nvSpPr>
+          <p:cNvPr id="3" name="内容占位符 2"/>
+          <p:cNvSpPr>
+            <a:spLocks noGrp="1"/>
+          </p:cNvSpPr>
+          <p:nvPr>
+            <p:ph idx="1"/>
+          </p:nvPr>
+        </p:nvSpPr>
+        <p:spPr>
+          <a:xfrm>
+            <a:off x="655607" y="1526874"/>
+            <a:ext cx="10843403" cy="4908431"/>
+          </a:xfrm>
+        </p:spPr>
+        <p:txBody>
+          <a:bodyPr>
+            <a:normAutofit fontScale="77500" lnSpcReduction="20000"/>
+          </a:bodyPr>
+          <a:lstStyle/>
+          <a:p>
+            <a:pPr marL="0" indent="0">
+              <a:buNone/>
+            </a:pPr>
+            <a:r>
+              <a:rPr lang="en-SG" dirty="0"/>
+              <a:t> STEP is being developed incrementally as a series of </a:t>
+            </a:r>
+            <a:r>
+              <a:rPr lang="en-SG" dirty="0" smtClean="0"/>
+              <a:t>separate </a:t>
+            </a:r>
+            <a:r>
+              <a:rPr lang="en-SG" dirty="0"/>
+              <a:t>standards (parts) divided into classes:</a:t>
+            </a:r>
+          </a:p>
+          <a:p>
+            <a:pPr marL="457200" lvl="1" indent="0">
+              <a:buNone/>
+            </a:pPr>
+            <a:r>
+              <a:rPr lang="en-SG" dirty="0"/>
+              <a:t>– Introductory (1-9)</a:t>
+            </a:r>
+          </a:p>
+          <a:p>
+            <a:pPr marL="914400" lvl="2" indent="0">
+              <a:buNone/>
+            </a:pPr>
+            <a:r>
+              <a:rPr lang="en-SG" dirty="0"/>
+              <a:t>• Part 1: Overview and general Principles</a:t>
+            </a:r>
+          </a:p>
+          <a:p>
+            <a:pPr marL="457200" lvl="1" indent="0">
+              <a:buNone/>
+            </a:pPr>
+            <a:r>
+              <a:rPr lang="en-SG" dirty="0"/>
+              <a:t>– Description Methods (11-19)</a:t>
+            </a:r>
+          </a:p>
+          <a:p>
+            <a:pPr marL="914400" lvl="2" indent="0">
+              <a:buNone/>
+            </a:pPr>
+            <a:r>
+              <a:rPr lang="en-SG" dirty="0"/>
+              <a:t>• Parts 11, 12: EXPRESS language</a:t>
+            </a:r>
+          </a:p>
+          <a:p>
+            <a:pPr marL="457200" lvl="1" indent="0">
+              <a:buNone/>
+            </a:pPr>
+            <a:r>
+              <a:rPr lang="en-SG" dirty="0"/>
+              <a:t>– Implementation Methods (21-29)</a:t>
+            </a:r>
+          </a:p>
+          <a:p>
+            <a:pPr marL="914400" lvl="2" indent="0">
+              <a:buNone/>
+            </a:pPr>
+            <a:r>
+              <a:rPr lang="en-SG" dirty="0"/>
+              <a:t>• describe how EXPRESS mapped to physical files and other storage mechanisms</a:t>
+            </a:r>
+          </a:p>
+          <a:p>
+            <a:pPr marL="457200" lvl="1" indent="0">
+              <a:buNone/>
+            </a:pPr>
+            <a:r>
+              <a:rPr lang="en-SG" dirty="0"/>
+              <a:t>– Conformance Testing Methodology and Framework (31-39)</a:t>
+            </a:r>
+          </a:p>
+          <a:p>
+            <a:pPr marL="914400" lvl="2" indent="0">
+              <a:buNone/>
+            </a:pPr>
+            <a:r>
+              <a:rPr lang="en-SG" dirty="0"/>
+              <a:t>• provide methods for testing implementations, and test suites</a:t>
+            </a:r>
+          </a:p>
+          <a:p>
+            <a:pPr marL="457200" lvl="1" indent="0">
+              <a:buNone/>
+            </a:pPr>
+            <a:r>
+              <a:rPr lang="en-SG" dirty="0"/>
+              <a:t>– Integrated Resources (41-99, 101-199)</a:t>
+            </a:r>
+          </a:p>
+          <a:p>
+            <a:pPr marL="914400" lvl="2" indent="0">
+              <a:buNone/>
+            </a:pPr>
+            <a:r>
+              <a:rPr lang="en-SG" dirty="0"/>
+              <a:t>• geometry and structure representation (41-99), and widely used applications such as </a:t>
+            </a:r>
+            <a:r>
+              <a:rPr lang="en-SG" dirty="0" err="1" smtClean="0"/>
+              <a:t>draughting</a:t>
+            </a:r>
+            <a:r>
+              <a:rPr lang="en-SG" dirty="0" smtClean="0"/>
+              <a:t> </a:t>
+            </a:r>
+            <a:r>
+              <a:rPr lang="en-SG" dirty="0"/>
+              <a:t>and FE (101-199)</a:t>
+            </a:r>
+          </a:p>
+          <a:p>
+            <a:pPr marL="457200" lvl="1" indent="0">
+              <a:buNone/>
+            </a:pPr>
+            <a:r>
+              <a:rPr lang="en-SG" dirty="0"/>
+              <a:t>– Application Protocols (210-299)</a:t>
+            </a:r>
+          </a:p>
+          <a:p>
+            <a:pPr marL="914400" lvl="2" indent="0">
+              <a:buNone/>
+            </a:pPr>
+            <a:r>
+              <a:rPr lang="en-SG" dirty="0"/>
+              <a:t>• implementation of STEP to specific industrial applications</a:t>
+            </a:r>
+          </a:p>
+          <a:p>
+            <a:pPr marL="457200" lvl="1" indent="0">
+              <a:buNone/>
+            </a:pPr>
+            <a:r>
+              <a:rPr lang="en-SG" dirty="0"/>
+              <a:t>– Abstract Test Suites (301-399)</a:t>
+            </a:r>
+          </a:p>
+          <a:p>
+            <a:pPr marL="914400" lvl="2" indent="0">
+              <a:buNone/>
+            </a:pPr>
+            <a:r>
+              <a:rPr lang="en-SG" dirty="0"/>
+              <a:t>• for each of the application protocols</a:t>
+            </a:r>
+          </a:p>
+          <a:p>
+            <a:pPr marL="457200" lvl="1" indent="0">
+              <a:buNone/>
+            </a:pPr>
+            <a:r>
+              <a:rPr lang="en-SG" dirty="0"/>
+              <a:t>– Application Interpreted Constructs (501-?)</a:t>
+            </a:r>
+          </a:p>
+          <a:p>
+            <a:pPr marL="914400" lvl="2" indent="0">
+              <a:buNone/>
+            </a:pPr>
+            <a:r>
+              <a:rPr lang="en-SG" dirty="0"/>
+              <a:t>• describe model entity constructs and specific modelling approaches</a:t>
+            </a:r>
+          </a:p>
+        </p:txBody>
+      </p:sp>
+    </p:spTree>
+    <p:extLst>
+      <p:ext uri="{BB962C8B-B14F-4D97-AF65-F5344CB8AC3E}">
+        <p14:creationId xmlns:p14="http://schemas.microsoft.com/office/powerpoint/2010/main" val="3768668072"/>
       </p:ext>
     </p:extLst>
   </p:cSld>
@@ -7696,9 +7875,10 @@
           <a:lstStyle/>
           <a:p>
             <a:r>
-              <a:rPr lang="en-SG" dirty="0"/>
-              <a:t>STEP standard</a:t>
-            </a:r>
+              <a:rPr lang="en-SG" dirty="0" smtClean="0"/>
+              <a:t>STEP</a:t>
+            </a:r>
+            <a:endParaRPr lang="en-SG" dirty="0"/>
           </a:p>
         </p:txBody>
       </p:sp>
@@ -7712,188 +7892,66 @@
             <p:ph idx="1"/>
           </p:nvPr>
         </p:nvSpPr>
-        <p:spPr>
-          <a:xfrm>
-            <a:off x="655607" y="1526874"/>
-            <a:ext cx="10843403" cy="4908431"/>
-          </a:xfrm>
-        </p:spPr>
-        <p:txBody>
-          <a:bodyPr>
-            <a:normAutofit fontScale="77500" lnSpcReduction="20000"/>
-          </a:bodyPr>
-          <a:lstStyle/>
-          <a:p>
-            <a:pPr marL="0" indent="0">
-              <a:buNone/>
-            </a:pPr>
-            <a:r>
-              <a:rPr lang="en-SG" dirty="0"/>
-              <a:t> STEP is being developed incrementally as a series of </a:t>
-            </a:r>
-            <a:r>
-              <a:rPr lang="en-SG" dirty="0" smtClean="0"/>
-              <a:t>separate </a:t>
-            </a:r>
-            <a:r>
-              <a:rPr lang="en-SG" dirty="0"/>
-              <a:t>standards (parts) divided into classes:</a:t>
-            </a:r>
-          </a:p>
-          <a:p>
-            <a:pPr marL="457200" lvl="1" indent="0">
-              <a:buNone/>
-            </a:pPr>
-            <a:r>
-              <a:rPr lang="en-SG" dirty="0"/>
-              <a:t>– Introductory (1-9)</a:t>
-            </a:r>
-          </a:p>
-          <a:p>
-            <a:pPr marL="914400" lvl="2" indent="0">
-              <a:buNone/>
-            </a:pPr>
-            <a:r>
-              <a:rPr lang="en-SG" dirty="0"/>
-              <a:t>• Part 1: Overview and general Principles</a:t>
-            </a:r>
-          </a:p>
-          <a:p>
-            <a:pPr marL="457200" lvl="1" indent="0">
-              <a:buNone/>
-            </a:pPr>
-            <a:r>
-              <a:rPr lang="en-SG" dirty="0"/>
-              <a:t>– Description Methods (11-19)</a:t>
-            </a:r>
-          </a:p>
-          <a:p>
-            <a:pPr marL="914400" lvl="2" indent="0">
-              <a:buNone/>
-            </a:pPr>
-            <a:r>
-              <a:rPr lang="en-SG" dirty="0"/>
-              <a:t>• Parts 11, 12: EXPRESS language</a:t>
-            </a:r>
-          </a:p>
-          <a:p>
-            <a:pPr marL="457200" lvl="1" indent="0">
-              <a:buNone/>
-            </a:pPr>
-            <a:r>
-              <a:rPr lang="en-SG" dirty="0"/>
-              <a:t>– Implementation Methods (21-29)</a:t>
-            </a:r>
-          </a:p>
-          <a:p>
-            <a:pPr marL="914400" lvl="2" indent="0">
-              <a:buNone/>
-            </a:pPr>
-            <a:r>
-              <a:rPr lang="en-SG" dirty="0"/>
-              <a:t>• describe how EXPRESS mapped to physical files and other storage mechanisms</a:t>
-            </a:r>
-          </a:p>
-          <a:p>
-            <a:pPr marL="457200" lvl="1" indent="0">
-              <a:buNone/>
-            </a:pPr>
-            <a:r>
-              <a:rPr lang="en-SG" dirty="0"/>
-              <a:t>– Conformance Testing Methodology and Framework (31-39)</a:t>
-            </a:r>
-          </a:p>
-          <a:p>
-            <a:pPr marL="914400" lvl="2" indent="0">
-              <a:buNone/>
-            </a:pPr>
-            <a:r>
-              <a:rPr lang="en-SG" dirty="0"/>
-              <a:t>• provide methods for testing implementations, and test suites</a:t>
-            </a:r>
-          </a:p>
-          <a:p>
-            <a:pPr marL="457200" lvl="1" indent="0">
-              <a:buNone/>
-            </a:pPr>
-            <a:r>
-              <a:rPr lang="en-SG" dirty="0"/>
-              <a:t>– Integrated Resources (41-99, 101-199)</a:t>
-            </a:r>
-          </a:p>
-          <a:p>
-            <a:pPr marL="914400" lvl="2" indent="0">
-              <a:buNone/>
-            </a:pPr>
-            <a:r>
-              <a:rPr lang="en-SG" dirty="0"/>
-              <a:t>• geometry and structure representation (41-99), and widely used applications such as </a:t>
-            </a:r>
-            <a:r>
-              <a:rPr lang="en-SG" dirty="0" err="1" smtClean="0"/>
-              <a:t>draughting</a:t>
-            </a:r>
-            <a:r>
-              <a:rPr lang="en-SG" dirty="0" smtClean="0"/>
-              <a:t> </a:t>
-            </a:r>
-            <a:r>
-              <a:rPr lang="en-SG" dirty="0"/>
-              <a:t>and FE (101-199)</a:t>
-            </a:r>
-          </a:p>
-          <a:p>
-            <a:pPr marL="457200" lvl="1" indent="0">
-              <a:buNone/>
-            </a:pPr>
-            <a:r>
-              <a:rPr lang="en-SG" dirty="0"/>
-              <a:t>– Application Protocols (210-299)</a:t>
-            </a:r>
-          </a:p>
-          <a:p>
-            <a:pPr marL="914400" lvl="2" indent="0">
-              <a:buNone/>
-            </a:pPr>
-            <a:r>
-              <a:rPr lang="en-SG" dirty="0"/>
-              <a:t>• implementation of STEP to specific industrial applications</a:t>
-            </a:r>
-          </a:p>
-          <a:p>
-            <a:pPr marL="457200" lvl="1" indent="0">
-              <a:buNone/>
-            </a:pPr>
-            <a:r>
-              <a:rPr lang="en-SG" dirty="0"/>
-              <a:t>– Abstract Test Suites (301-399)</a:t>
-            </a:r>
-          </a:p>
-          <a:p>
-            <a:pPr marL="914400" lvl="2" indent="0">
-              <a:buNone/>
-            </a:pPr>
-            <a:r>
-              <a:rPr lang="en-SG" dirty="0"/>
-              <a:t>• for each of the application protocols</a:t>
-            </a:r>
-          </a:p>
-          <a:p>
-            <a:pPr marL="457200" lvl="1" indent="0">
-              <a:buNone/>
-            </a:pPr>
-            <a:r>
-              <a:rPr lang="en-SG" dirty="0"/>
-              <a:t>– Application Interpreted Constructs (501-?)</a:t>
-            </a:r>
-          </a:p>
-          <a:p>
-            <a:pPr marL="914400" lvl="2" indent="0">
-              <a:buNone/>
-            </a:pPr>
-            <a:r>
-              <a:rPr lang="en-SG" dirty="0"/>
-              <a:t>• describe model entity constructs and specific modelling approaches</a:t>
+        <p:spPr/>
+        <p:txBody>
+          <a:bodyPr/>
+          <a:lstStyle/>
+          <a:p>
+            <a:r>
+              <a:rPr lang="en-SG" dirty="0">
+                <a:solidFill>
+                  <a:srgbClr val="FF0000"/>
+                </a:solidFill>
+              </a:rPr>
+              <a:t>Standard for the Exchange of Product Model Data ( STEP), officially the ISO standard 10303, Product Data </a:t>
+            </a:r>
+            <a:r>
+              <a:rPr lang="en-SG" dirty="0" smtClean="0">
+                <a:solidFill>
+                  <a:srgbClr val="FF0000"/>
+                </a:solidFill>
+              </a:rPr>
+              <a:t>Representation </a:t>
+            </a:r>
+            <a:r>
+              <a:rPr lang="en-SG" dirty="0">
+                <a:solidFill>
+                  <a:srgbClr val="FF0000"/>
+                </a:solidFill>
+              </a:rPr>
+              <a:t>and Exchange, is a series of international standards with the goal of defining data across the </a:t>
+            </a:r>
+            <a:r>
+              <a:rPr lang="en-SG" dirty="0" smtClean="0">
+                <a:solidFill>
+                  <a:srgbClr val="FF0000"/>
+                </a:solidFill>
+              </a:rPr>
+              <a:t>full </a:t>
+            </a:r>
+            <a:r>
+              <a:rPr lang="en-SG" dirty="0">
+                <a:solidFill>
+                  <a:srgbClr val="FF0000"/>
+                </a:solidFill>
+              </a:rPr>
+              <a:t>engineering and manufacturing life cycle. The ability to share data across applications, across vendor </a:t>
+            </a:r>
+            <a:r>
+              <a:rPr lang="en-SG" dirty="0" smtClean="0">
+                <a:solidFill>
+                  <a:srgbClr val="FF0000"/>
+                </a:solidFill>
+              </a:rPr>
+              <a:t>platforms </a:t>
+            </a:r>
+            <a:r>
+              <a:rPr lang="en-SG" dirty="0">
+                <a:solidFill>
+                  <a:srgbClr val="FF0000"/>
+                </a:solidFill>
+              </a:rPr>
+              <a:t>and between contractors, suppliers and customers, is the main goal of this standard.</a:t>
             </a:r>
           </a:p>
         </p:txBody>
@@ -7901,7 +7959,7 @@
     </p:spTree>
     <p:extLst>
       <p:ext uri="{BB962C8B-B14F-4D97-AF65-F5344CB8AC3E}">
-        <p14:creationId xmlns:p14="http://schemas.microsoft.com/office/powerpoint/2010/main" val="3768668072"/>
+        <p14:creationId xmlns:p14="http://schemas.microsoft.com/office/powerpoint/2010/main" val="3170181842"/>
       </p:ext>
     </p:extLst>
   </p:cSld>
@@ -7966,61 +8024,55 @@
           <a:bodyPr/>
           <a:lstStyle/>
           <a:p>
-            <a:r>
-              <a:rPr lang="en-SG" dirty="0">
-                <a:solidFill>
-                  <a:srgbClr val="FF0000"/>
-                </a:solidFill>
-              </a:rPr>
-              <a:t>Standard for the Exchange of Product Model Data ( STEP), officially the ISO standard 10303, Product Data </a:t>
-            </a:r>
-            <a:r>
-              <a:rPr lang="en-SG" dirty="0" smtClean="0">
-                <a:solidFill>
-                  <a:srgbClr val="FF0000"/>
-                </a:solidFill>
-              </a:rPr>
-              <a:t>Representation </a:t>
-            </a:r>
-            <a:r>
-              <a:rPr lang="en-SG" dirty="0">
-                <a:solidFill>
-                  <a:srgbClr val="FF0000"/>
-                </a:solidFill>
-              </a:rPr>
-              <a:t>and Exchange, is a series of international standards with the goal of defining data across the </a:t>
-            </a:r>
-            <a:r>
-              <a:rPr lang="en-SG" dirty="0" smtClean="0">
-                <a:solidFill>
-                  <a:srgbClr val="FF0000"/>
-                </a:solidFill>
-              </a:rPr>
-              <a:t>full </a:t>
-            </a:r>
-            <a:r>
-              <a:rPr lang="en-SG" dirty="0">
-                <a:solidFill>
-                  <a:srgbClr val="FF0000"/>
-                </a:solidFill>
-              </a:rPr>
-              <a:t>engineering and manufacturing life cycle. The ability to share data across applications, across vendor </a:t>
-            </a:r>
-            <a:r>
-              <a:rPr lang="en-SG" dirty="0" smtClean="0">
-                <a:solidFill>
-                  <a:srgbClr val="FF0000"/>
-                </a:solidFill>
-              </a:rPr>
-              <a:t>platforms </a:t>
-            </a:r>
-            <a:r>
-              <a:rPr lang="en-SG" dirty="0">
-                <a:solidFill>
-                  <a:srgbClr val="FF0000"/>
-                </a:solidFill>
-              </a:rPr>
-              <a:t>and between contractors, suppliers and customers, is the main goal of this standard.</a:t>
+            <a:pPr marL="0" indent="0">
+              <a:buNone/>
+            </a:pPr>
+            <a:r>
+              <a:rPr lang="en-SG" dirty="0"/>
+              <a:t>The broad scope of STEP is as follows.</a:t>
+            </a:r>
+          </a:p>
+          <a:p>
+            <a:pPr marL="0" indent="0">
+              <a:buNone/>
+            </a:pPr>
+            <a:r>
+              <a:rPr lang="en-SG" dirty="0"/>
+              <a:t>  1.  The standard method of representing the information necessary for completely defining a product </a:t>
+            </a:r>
+            <a:r>
+              <a:rPr lang="en-SG" dirty="0" smtClean="0"/>
+              <a:t>throughout </a:t>
+            </a:r>
+            <a:r>
+              <a:rPr lang="en-SG" dirty="0"/>
+              <a:t>its entire life, i.e., from the product conception to the end of useful life.</a:t>
+            </a:r>
+          </a:p>
+          <a:p>
+            <a:pPr marL="0" indent="0">
+              <a:buNone/>
+            </a:pPr>
+            <a:r>
+              <a:rPr lang="en-SG" dirty="0"/>
+              <a:t>  2.  Standard methods for exchanging the data electronically between two different </a:t>
+            </a:r>
+            <a:r>
+              <a:rPr lang="en-SG" dirty="0" smtClean="0"/>
+              <a:t>systems.</a:t>
+            </a:r>
+          </a:p>
+          <a:p>
+            <a:pPr marL="0" indent="0">
+              <a:buNone/>
+            </a:pPr>
+            <a:r>
+              <a:rPr lang="en-SG" dirty="0" smtClean="0"/>
+              <a:t>The </a:t>
+            </a:r>
+            <a:r>
+              <a:rPr lang="en-SG" dirty="0"/>
+              <a:t>STEP documentation is split into eight major areas.</a:t>
             </a:r>
           </a:p>
         </p:txBody>
@@ -8028,7 +8080,7 @@
     </p:spTree>
     <p:extLst>
       <p:ext uri="{BB962C8B-B14F-4D97-AF65-F5344CB8AC3E}">
-        <p14:creationId xmlns:p14="http://schemas.microsoft.com/office/powerpoint/2010/main" val="3170181842"/>
+        <p14:creationId xmlns:p14="http://schemas.microsoft.com/office/powerpoint/2010/main" val="3981173589"/>
       </p:ext>
     </p:extLst>
   </p:cSld>
@@ -8071,10 +8123,9 @@
           <a:lstStyle/>
           <a:p>
             <a:r>
-              <a:rPr lang="en-SG" dirty="0" smtClean="0"/>
-              <a:t>STEP</a:t>
-            </a:r>
-            <a:endParaRPr lang="en-SG" dirty="0"/>
+              <a:rPr lang="en-SG" dirty="0"/>
+              <a:t>The STEP documentation is split into eight major areas.</a:t>
+            </a:r>
           </a:p>
         </p:txBody>
       </p:sp>
@@ -8090,58 +8141,82 @@
         </p:nvSpPr>
         <p:spPr/>
         <p:txBody>
-          <a:bodyPr/>
-          <a:lstStyle/>
-          <a:p>
-            <a:pPr marL="0" indent="0">
-              <a:buNone/>
+          <a:bodyPr>
+            <a:normAutofit/>
+          </a:bodyPr>
+          <a:lstStyle/>
+          <a:p>
+            <a:pPr marL="514350" indent="-514350">
+              <a:buFont typeface="+mj-lt"/>
+              <a:buAutoNum type="arabicPeriod"/>
             </a:pPr>
             <a:r>
-              <a:rPr lang="en-SG" dirty="0"/>
-              <a:t>The broad scope of STEP is as follows.</a:t>
-            </a:r>
-          </a:p>
-          <a:p>
-            <a:pPr marL="0" indent="0">
-              <a:buNone/>
+              <a:rPr lang="en-SG" dirty="0" smtClean="0"/>
+              <a:t>Overview  </a:t>
+            </a:r>
+            <a:r>
+              <a:rPr lang="en-SG" dirty="0"/>
+              <a:t>It gives the general introduction and overview of the standard and forms part one of the ISO </a:t>
+            </a:r>
+            <a:r>
+              <a:rPr lang="en-SG" dirty="0" smtClean="0"/>
+              <a:t>standard </a:t>
+            </a:r>
+            <a:r>
+              <a:rPr lang="en-SG" dirty="0"/>
+              <a:t>10303.</a:t>
+            </a:r>
+          </a:p>
+          <a:p>
+            <a:pPr marL="514350" indent="-514350">
+              <a:buFont typeface="+mj-lt"/>
+              <a:buAutoNum type="arabicPeriod"/>
             </a:pPr>
             <a:r>
               <a:rPr lang="en-SG" dirty="0"/>
-              <a:t>  1.  The standard method of representing the information necessary for completely defining a product </a:t>
-            </a:r>
-            <a:r>
-              <a:rPr lang="en-SG" dirty="0" smtClean="0"/>
-              <a:t>throughout </a:t>
-            </a:r>
-            <a:r>
-              <a:rPr lang="en-SG" dirty="0"/>
-              <a:t>its entire life, i.e., from the product conception to the end of useful life.</a:t>
-            </a:r>
-          </a:p>
-          <a:p>
-            <a:pPr marL="0" indent="0">
-              <a:buNone/>
+              <a:t>Description  Methods  The  application  protocols  planned  in  STEP  are  far  reaching  compared  to  any </a:t>
+            </a:r>
+            <a:r>
+              <a:rPr lang="en-SG" dirty="0" smtClean="0"/>
+              <a:t>other  </a:t>
+            </a:r>
+            <a:r>
+              <a:rPr lang="en-SG" dirty="0"/>
+              <a:t>existing  standard  or  models.  Hence,  a  new  descriptive  formal  information  modelling  language </a:t>
+            </a:r>
+            <a:r>
+              <a:rPr lang="en-SG" dirty="0" smtClean="0"/>
+              <a:t>called   </a:t>
+            </a:r>
+            <a:r>
+              <a:rPr lang="en-SG" dirty="0"/>
+              <a:t>EXPRESS  is  developed  such  that  the  protocols  be  properly  </a:t>
+            </a:r>
+            <a:r>
+              <a:rPr lang="en-SG" dirty="0" smtClean="0"/>
+              <a:t>defined</a:t>
+            </a:r>
+          </a:p>
+          <a:p>
+            <a:pPr marL="514350" indent="-514350">
+              <a:buFont typeface="+mj-lt"/>
+              <a:buAutoNum type="arabicPeriod"/>
             </a:pPr>
             <a:r>
-              <a:rPr lang="en-SG" dirty="0"/>
-              <a:t>  2.  Standard methods for exchanging the data electronically between two different </a:t>
-            </a:r>
-            <a:r>
-              <a:rPr lang="en-SG" dirty="0" smtClean="0"/>
-              <a:t>systems.</a:t>
-            </a:r>
-          </a:p>
-          <a:p>
-            <a:pPr marL="0" indent="0">
-              <a:buNone/>
-            </a:pPr>
-            <a:r>
-              <a:rPr lang="en-SG" dirty="0" smtClean="0"/>
-              <a:t>The </a:t>
-            </a:r>
-            <a:r>
-              <a:rPr lang="en-SG" dirty="0"/>
-              <a:t>STEP documentation is split into eight major areas.</a:t>
+              <a:rPr lang="en-SG" dirty="0" smtClean="0"/>
+              <a:t>Implementation  </a:t>
+            </a:r>
+            <a:r>
+              <a:rPr lang="en-SG" dirty="0"/>
+              <a:t>Methods  This  provides  specifications  as  to  how  the  STEP  information  be  physically </a:t>
+            </a:r>
+            <a:r>
+              <a:rPr lang="en-SG" dirty="0" smtClean="0"/>
+              <a:t>represented </a:t>
+            </a:r>
+            <a:r>
+              <a:rPr lang="en-SG" dirty="0"/>
+              <a:t>for the exchange environment. </a:t>
             </a:r>
           </a:p>
         </p:txBody>
@@ -8149,7 +8224,7 @@
     </p:spTree>
     <p:extLst>
       <p:ext uri="{BB962C8B-B14F-4D97-AF65-F5344CB8AC3E}">
-        <p14:creationId xmlns:p14="http://schemas.microsoft.com/office/powerpoint/2010/main" val="3981173589"/>
+        <p14:creationId xmlns:p14="http://schemas.microsoft.com/office/powerpoint/2010/main" val="750815864"/>
       </p:ext>
     </p:extLst>
   </p:cSld>
@@ -8178,28 +8253,6 @@
       </p:grpSpPr>
       <p:sp>
         <p:nvSpPr>
-          <p:cNvPr id="2" name="标题 1"/>
-          <p:cNvSpPr>
-            <a:spLocks noGrp="1"/>
-          </p:cNvSpPr>
-          <p:nvPr>
-            <p:ph type="title"/>
-          </p:nvPr>
-        </p:nvSpPr>
-        <p:spPr/>
-        <p:txBody>
-          <a:bodyPr/>
-          <a:lstStyle/>
-          <a:p>
-            <a:r>
-              <a:rPr lang="en-SG" dirty="0"/>
-              <a:t>The STEP documentation is split into eight major areas.</a:t>
-            </a:r>
-          </a:p>
-        </p:txBody>
-      </p:sp>
-      <p:sp>
-        <p:nvSpPr>
           <p:cNvPr id="3" name="内容占位符 2"/>
           <p:cNvSpPr>
             <a:spLocks noGrp="1"/>
@@ -8208,7 +8261,12 @@
             <p:ph idx="1"/>
           </p:nvPr>
         </p:nvSpPr>
-        <p:spPr/>
+        <p:spPr>
+          <a:xfrm>
+            <a:off x="838200" y="629392"/>
+            <a:ext cx="10515600" cy="5547571"/>
+          </a:xfrm>
+        </p:spPr>
         <p:txBody>
           <a:bodyPr>
             <a:normAutofit/>
@@ -8217,75 +8275,85 @@
           <a:p>
             <a:pPr marL="514350" indent="-514350">
               <a:buFont typeface="+mj-lt"/>
-              <a:buAutoNum type="arabicPeriod"/>
+              <a:buAutoNum type="arabicPeriod" startAt="4"/>
             </a:pPr>
             <a:r>
-              <a:rPr lang="en-SG" dirty="0" smtClean="0"/>
-              <a:t>Overview  </a:t>
-            </a:r>
-            <a:r>
-              <a:rPr lang="en-SG" dirty="0"/>
-              <a:t>It gives the general introduction and overview of the standard and forms part one of the ISO </a:t>
-            </a:r>
-            <a:r>
-              <a:rPr lang="en-SG" dirty="0" smtClean="0"/>
-              <a:t>standard </a:t>
-            </a:r>
-            <a:r>
-              <a:rPr lang="en-SG" dirty="0"/>
-              <a:t>10303.</a:t>
+              <a:rPr lang="en-SG" b="1" dirty="0"/>
+              <a:t>Conformance and Tools  </a:t>
+            </a:r>
+            <a:r>
+              <a:rPr lang="en-SG" dirty="0"/>
+              <a:t>This part provides the specifications for conformance testing of the processors used </a:t>
+            </a:r>
+            <a:r>
+              <a:rPr lang="en-SG" dirty="0" smtClean="0"/>
+              <a:t>for </a:t>
+            </a:r>
+            <a:r>
+              <a:rPr lang="en-SG" dirty="0"/>
+              <a:t>STEP information. They provide information on methods for testing of software-product conformance to </a:t>
+            </a:r>
+            <a:r>
+              <a:rPr lang="en-SG" dirty="0" smtClean="0"/>
+              <a:t>the </a:t>
+            </a:r>
+            <a:r>
+              <a:rPr lang="en-SG" dirty="0"/>
+              <a:t>STEP standard, guidance for creating abstract-test suites and the responsibilities of testing laboratories. </a:t>
+            </a:r>
+            <a:r>
+              <a:rPr lang="en-SG" dirty="0" smtClean="0"/>
+              <a:t>The </a:t>
+            </a:r>
+            <a:r>
+              <a:rPr lang="en-SG" dirty="0"/>
+              <a:t>STEP standard is unique in that it places a very high emphasis on </a:t>
+            </a:r>
+            <a:r>
+              <a:rPr lang="en-SG" dirty="0" smtClean="0"/>
+              <a:t>testing </a:t>
+            </a:r>
+            <a:r>
+              <a:rPr lang="en-SG" dirty="0"/>
+              <a:t>and actually includes these methods in the standard.</a:t>
             </a:r>
           </a:p>
           <a:p>
             <a:pPr marL="514350" indent="-514350">
               <a:buFont typeface="+mj-lt"/>
-              <a:buAutoNum type="arabicPeriod"/>
+              <a:buAutoNum type="arabicPeriod" startAt="4"/>
             </a:pPr>
             <a:r>
-              <a:rPr lang="en-SG" dirty="0"/>
-              <a:t>Description  Methods  The  application  protocols  planned  in  STEP  are  far  reaching  compared  to  any </a:t>
-            </a:r>
-            <a:r>
-              <a:rPr lang="en-SG" dirty="0" smtClean="0"/>
-              <a:t>other  </a:t>
-            </a:r>
-            <a:r>
-              <a:rPr lang="en-SG" dirty="0"/>
-              <a:t>existing  standard  or  models.  Hence,  a  new  descriptive  formal  information  modelling  language </a:t>
-            </a:r>
-            <a:r>
-              <a:rPr lang="en-SG" dirty="0" smtClean="0"/>
-              <a:t>called   </a:t>
-            </a:r>
-            <a:r>
-              <a:rPr lang="en-SG" dirty="0"/>
-              <a:t>EXPRESS  is  developed  such  that  the  protocols  be  properly  </a:t>
-            </a:r>
-            <a:r>
-              <a:rPr lang="en-SG" dirty="0" smtClean="0"/>
-              <a:t>defined</a:t>
-            </a:r>
-          </a:p>
-          <a:p>
-            <a:pPr marL="514350" indent="-514350">
-              <a:buFont typeface="+mj-lt"/>
-              <a:buAutoNum type="arabicPeriod"/>
-            </a:pPr>
-            <a:r>
-              <a:rPr lang="en-SG" dirty="0" smtClean="0"/>
-              <a:t>Implementation  </a:t>
-            </a:r>
-            <a:r>
-              <a:rPr lang="en-SG" dirty="0"/>
-              <a:t>Methods  This  provides  specifications  as  to  how  the  STEP  information  be  physically </a:t>
-            </a:r>
-            <a:r>
-              <a:rPr lang="en-SG" dirty="0" smtClean="0"/>
-              <a:t>represented </a:t>
-            </a:r>
-            <a:r>
-              <a:rPr lang="en-SG" dirty="0"/>
-              <a:t>for the exchange environment. </a:t>
+              <a:rPr lang="en-SG" b="1" dirty="0"/>
+              <a:t>Integrated-generic  Resources  </a:t>
+            </a:r>
+            <a:r>
+              <a:rPr lang="en-SG" dirty="0"/>
+              <a:t>These contain the specifications of the information models that support </a:t>
+            </a:r>
+            <a:r>
+              <a:rPr lang="en-SG" dirty="0" smtClean="0"/>
+              <a:t>various </a:t>
+            </a:r>
+            <a:r>
+              <a:rPr lang="en-SG" dirty="0"/>
+              <a:t>application areas that form part of STEP. The topics that form part of this specification are: geometric </a:t>
+            </a:r>
+            <a:r>
+              <a:rPr lang="en-SG" dirty="0" smtClean="0"/>
+              <a:t>and  </a:t>
+            </a:r>
+            <a:r>
+              <a:rPr lang="en-SG" dirty="0"/>
+              <a:t>topological  representation,  product  structure  organisation,  materials,  visual  presentation,  tolerances, </a:t>
+            </a:r>
+            <a:r>
+              <a:rPr lang="en-SG" dirty="0" smtClean="0"/>
+              <a:t>form </a:t>
+            </a:r>
+            <a:r>
+              <a:rPr lang="en-SG" dirty="0"/>
+              <a:t>features and process structure and properties. </a:t>
             </a:r>
           </a:p>
         </p:txBody>
@@ -8293,7 +8361,7 @@
     </p:spTree>
     <p:extLst>
       <p:ext uri="{BB962C8B-B14F-4D97-AF65-F5344CB8AC3E}">
-        <p14:creationId xmlns:p14="http://schemas.microsoft.com/office/powerpoint/2010/main" val="750815864"/>
+        <p14:creationId xmlns:p14="http://schemas.microsoft.com/office/powerpoint/2010/main" val="1552186298"/>
       </p:ext>
     </p:extLst>
   </p:cSld>
@@ -8332,97 +8400,87 @@
         </p:nvSpPr>
         <p:spPr>
           <a:xfrm>
-            <a:off x="838200" y="629392"/>
-            <a:ext cx="10515600" cy="5547571"/>
+            <a:off x="838200" y="534390"/>
+            <a:ext cx="10515600" cy="5642573"/>
           </a:xfrm>
         </p:spPr>
         <p:txBody>
-          <a:bodyPr>
-            <a:normAutofit/>
-          </a:bodyPr>
+          <a:bodyPr/>
           <a:lstStyle/>
           <a:p>
             <a:pPr marL="514350" indent="-514350">
               <a:buFont typeface="+mj-lt"/>
-              <a:buAutoNum type="arabicPeriod" startAt="4"/>
+              <a:buAutoNum type="arabicPeriod" startAt="6"/>
             </a:pPr>
             <a:r>
+              <a:rPr lang="en-SG" dirty="0"/>
+              <a:t> </a:t>
+            </a:r>
+            <a:r>
               <a:rPr lang="en-SG" b="1" dirty="0"/>
-              <a:t>Conformance and Tools  </a:t>
-            </a:r>
-            <a:r>
-              <a:rPr lang="en-SG" dirty="0"/>
-              <a:t>This part provides the specifications for conformance testing of the processors used </a:t>
-            </a:r>
-            <a:r>
-              <a:rPr lang="en-SG" dirty="0" smtClean="0"/>
-              <a:t>for </a:t>
-            </a:r>
-            <a:r>
-              <a:rPr lang="en-SG" dirty="0"/>
-              <a:t>STEP information. They provide information on methods for testing of software-product conformance to </a:t>
-            </a:r>
-            <a:r>
-              <a:rPr lang="en-SG" dirty="0" smtClean="0"/>
-              <a:t>the </a:t>
-            </a:r>
-            <a:r>
-              <a:rPr lang="en-SG" dirty="0"/>
-              <a:t>STEP standard, guidance for creating abstract-test suites and the responsibilities of testing laboratories. </a:t>
-            </a:r>
-            <a:r>
-              <a:rPr lang="en-SG" dirty="0" smtClean="0"/>
-              <a:t>The </a:t>
-            </a:r>
-            <a:r>
-              <a:rPr lang="en-SG" dirty="0"/>
-              <a:t>STEP standard is unique in that it places a very high emphasis on </a:t>
-            </a:r>
-            <a:r>
-              <a:rPr lang="en-SG" dirty="0" smtClean="0"/>
-              <a:t>testing </a:t>
-            </a:r>
-            <a:r>
-              <a:rPr lang="en-SG" dirty="0"/>
-              <a:t>and actually includes these methods in the standard.</a:t>
+              <a:t>Application Information Models  </a:t>
+            </a:r>
+            <a:r>
+              <a:rPr lang="en-SG" dirty="0"/>
+              <a:t>These specify the information models to be used for specific application </a:t>
+            </a:r>
+            <a:r>
+              <a:rPr lang="en-SG" dirty="0" smtClean="0"/>
+              <a:t>areas </a:t>
+            </a:r>
+            <a:r>
+              <a:rPr lang="en-SG" dirty="0"/>
+              <a:t>such as </a:t>
+            </a:r>
+            <a:r>
+              <a:rPr lang="en-SG" dirty="0" err="1"/>
+              <a:t>draughting</a:t>
+            </a:r>
+            <a:r>
+              <a:rPr lang="en-SG" dirty="0"/>
+              <a:t>, finite element analysis, kinematics, building core model and Engineering analysis </a:t>
+            </a:r>
+            <a:r>
+              <a:rPr lang="en-SG" dirty="0" smtClean="0"/>
+              <a:t>core</a:t>
+            </a:r>
+            <a:r>
+              <a:rPr lang="en-SG" dirty="0"/>
+              <a:t>. </a:t>
             </a:r>
           </a:p>
           <a:p>
             <a:pPr marL="514350" indent="-514350">
               <a:buFont typeface="+mj-lt"/>
-              <a:buAutoNum type="arabicPeriod" startAt="4"/>
+              <a:buAutoNum type="arabicPeriod" startAt="6"/>
             </a:pPr>
             <a:r>
+              <a:rPr lang="en-SG" dirty="0"/>
+              <a:t> </a:t>
+            </a:r>
+            <a:r>
               <a:rPr lang="en-SG" b="1" dirty="0"/>
-              <a:t>Integrated-generic  Resources  </a:t>
-            </a:r>
-            <a:r>
-              <a:rPr lang="en-SG" dirty="0"/>
-              <a:t>These contain the specifications of the information models that support </a:t>
-            </a:r>
-            <a:r>
-              <a:rPr lang="en-SG" dirty="0" smtClean="0"/>
-              <a:t>various </a:t>
-            </a:r>
-            <a:r>
-              <a:rPr lang="en-SG" dirty="0"/>
-              <a:t>application areas that form part of STEP. The topics that form part of this specification are: geometric </a:t>
-            </a:r>
-            <a:r>
-              <a:rPr lang="en-SG" dirty="0" smtClean="0"/>
-              <a:t>and  </a:t>
-            </a:r>
-            <a:r>
-              <a:rPr lang="en-SG" dirty="0"/>
-              <a:t>topological  representation,  product  structure  organisation,  materials,  visual  presentation,  tolerances, </a:t>
-            </a:r>
-            <a:r>
-              <a:rPr lang="en-SG" dirty="0" smtClean="0"/>
-              <a:t>form </a:t>
-            </a:r>
-            <a:r>
-              <a:rPr lang="en-SG" dirty="0"/>
-              <a:t>features and process structure and properties. </a:t>
+              <a:t>Application Protocols  </a:t>
+            </a:r>
+            <a:r>
+              <a:rPr lang="en-SG" dirty="0"/>
+              <a:t>These are the main protocols to be used as subsets of STEP information model </a:t>
+            </a:r>
+            <a:r>
+              <a:rPr lang="en-SG" dirty="0" smtClean="0"/>
+              <a:t>for </a:t>
+            </a:r>
+            <a:r>
+              <a:rPr lang="en-SG" dirty="0"/>
+              <a:t>exchange of data between specific application systems (such as between two finite element systems or </a:t>
+            </a:r>
+            <a:r>
+              <a:rPr lang="en-SG" dirty="0" smtClean="0"/>
+              <a:t>between </a:t>
+            </a:r>
+            <a:r>
+              <a:rPr lang="en-SG" dirty="0"/>
+              <a:t>a CAD and Process Planning system). </a:t>
             </a:r>
           </a:p>
         </p:txBody>
@@ -8430,7 +8488,7 @@
     </p:spTree>
     <p:extLst>
       <p:ext uri="{BB962C8B-B14F-4D97-AF65-F5344CB8AC3E}">
-        <p14:creationId xmlns:p14="http://schemas.microsoft.com/office/powerpoint/2010/main" val="1552186298"/>
+        <p14:creationId xmlns:p14="http://schemas.microsoft.com/office/powerpoint/2010/main" val="3596906761"/>
       </p:ext>
     </p:extLst>
   </p:cSld>
@@ -8469,37 +8527,51 @@
         </p:nvSpPr>
         <p:spPr>
           <a:xfrm>
-            <a:off x="838200" y="534390"/>
-            <a:ext cx="10515600" cy="5642573"/>
+            <a:off x="945078" y="403761"/>
+            <a:ext cx="10515600" cy="5773202"/>
           </a:xfrm>
         </p:spPr>
         <p:txBody>
-          <a:bodyPr/>
+          <a:bodyPr>
+            <a:normAutofit fontScale="92500" lnSpcReduction="20000"/>
+          </a:bodyPr>
           <a:lstStyle/>
           <a:p>
             <a:pPr marL="514350" indent="-514350">
               <a:buFont typeface="+mj-lt"/>
-              <a:buAutoNum type="arabicPeriod" startAt="6"/>
+              <a:buAutoNum type="arabicPeriod" startAt="8"/>
             </a:pPr>
             <a:r>
-              <a:rPr lang="en-SG" dirty="0"/>
-              <a:t> </a:t>
-            </a:r>
-            <a:r>
               <a:rPr lang="en-SG" b="1" dirty="0"/>
-              <a:t>Application Information Models  </a:t>
-            </a:r>
-            <a:r>
-              <a:rPr lang="en-SG" dirty="0"/>
-              <a:t>These specify the information models to be used for specific application </a:t>
-            </a:r>
-            <a:r>
-              <a:rPr lang="en-SG" dirty="0" smtClean="0"/>
-              <a:t>areas </a:t>
-            </a:r>
-            <a:r>
-              <a:rPr lang="en-SG" dirty="0"/>
-              <a:t>such as </a:t>
+              <a:t>Application Interpreted Constructs  </a:t>
+            </a:r>
+            <a:r>
+              <a:rPr lang="en-SG" dirty="0"/>
+              <a:t>These relate to the specific resources useful for defining the </a:t>
+            </a:r>
+            <a:r>
+              <a:rPr lang="en-SG" dirty="0" smtClean="0"/>
+              <a:t>generic structures </a:t>
+            </a:r>
+            <a:r>
+              <a:rPr lang="en-SG" dirty="0"/>
+              <a:t>useful for applications. These are reusable groups of information resource entities that make it </a:t>
+            </a:r>
+            <a:r>
+              <a:rPr lang="en-SG" dirty="0" smtClean="0"/>
+              <a:t>easier </a:t>
+            </a:r>
+            <a:r>
+              <a:rPr lang="en-SG" dirty="0"/>
+              <a:t>to express identical semantics in more than one application protocol. Examples include edge-based </a:t>
+            </a:r>
+            <a:r>
+              <a:rPr lang="en-SG" dirty="0" smtClean="0"/>
+              <a:t>wireframe</a:t>
+            </a:r>
+            <a:r>
+              <a:rPr lang="en-SG" dirty="0"/>
+              <a:t>,  </a:t>
             </a:r>
             <a:r>
               <a:rPr lang="en-SG" dirty="0" err="1"/>
@@ -8507,49 +8579,89 @@
             </a:r>
             <a:r>
               <a:rPr lang="en-SG" dirty="0"/>
-              <a:t>, finite element analysis, kinematics, building core model and Engineering analysis </a:t>
-            </a:r>
-            <a:r>
-              <a:rPr lang="en-SG" dirty="0" smtClean="0"/>
-              <a:t>core</a:t>
-            </a:r>
-            <a:r>
-              <a:rPr lang="en-SG" dirty="0"/>
-              <a:t>. </a:t>
+              <a:t>  elements,  constructive  solid  geometry,  etc. </a:t>
+            </a:r>
+            <a:r>
+              <a:rPr lang="en-SG" dirty="0" smtClean="0"/>
+              <a:t>onwards</a:t>
+            </a:r>
+            <a:r>
+              <a:rPr lang="en-SG" dirty="0"/>
+              <a:t>. Examples include edge-based wireframe, shell-based wireframe, geometry-bounded 2D wireframe, </a:t>
+            </a:r>
+            <a:r>
+              <a:rPr lang="en-SG" dirty="0" err="1" smtClean="0"/>
+              <a:t>draughting</a:t>
+            </a:r>
+            <a:r>
+              <a:rPr lang="en-SG" dirty="0" smtClean="0"/>
+              <a:t>  </a:t>
+            </a:r>
+            <a:r>
+              <a:rPr lang="en-SG" dirty="0"/>
+              <a:t>annotation,  drawing  structure  and  administration,  </a:t>
+            </a:r>
+            <a:r>
+              <a:rPr lang="en-SG" dirty="0" err="1"/>
+              <a:t>draughting</a:t>
+            </a:r>
+            <a:r>
+              <a:rPr lang="en-SG" dirty="0"/>
+              <a:t>  elements,  geometry-bounded </a:t>
+            </a:r>
+            <a:r>
+              <a:rPr lang="en-SG" dirty="0" smtClean="0"/>
+              <a:t>surface</a:t>
+            </a:r>
+            <a:r>
+              <a:rPr lang="en-SG" dirty="0"/>
+              <a:t>, non-manifold surface, manifold surface, geometry-bounded wireframe, etc.</a:t>
             </a:r>
           </a:p>
           <a:p>
             <a:pPr marL="514350" indent="-514350">
               <a:buFont typeface="+mj-lt"/>
-              <a:buAutoNum type="arabicPeriod" startAt="6"/>
+              <a:buAutoNum type="arabicPeriod" startAt="9"/>
             </a:pPr>
-            <a:r>
-              <a:rPr lang="en-SG" dirty="0"/>
-              <a:t> </a:t>
-            </a:r>
             <a:r>
               <a:rPr lang="en-SG" b="1" dirty="0"/>
               <a:t>Application Protocols  </a:t>
             </a:r>
             <a:r>
               <a:rPr lang="en-SG" dirty="0"/>
-              <a:t>These are the main protocols to be used as subsets of STEP information model </a:t>
-            </a:r>
-            <a:r>
-              <a:rPr lang="en-SG" dirty="0" smtClean="0"/>
-              <a:t>for </a:t>
-            </a:r>
-            <a:r>
-              <a:rPr lang="en-SG" dirty="0"/>
-              <a:t>exchange of data between specific application systems (such as between two finite element systems or </a:t>
-            </a:r>
-            <a:r>
-              <a:rPr lang="en-SG" dirty="0" smtClean="0"/>
-              <a:t>between </a:t>
-            </a:r>
-            <a:r>
-              <a:rPr lang="en-SG" dirty="0"/>
-              <a:t>a CAD and Process Planning system). </a:t>
+              <a:t>These define the context for the use of product data for a specific industrial need. </a:t>
+            </a:r>
+            <a:r>
+              <a:rPr lang="en-SG" dirty="0" smtClean="0"/>
+              <a:t>These </a:t>
+            </a:r>
+            <a:r>
+              <a:rPr lang="en-SG" dirty="0"/>
+              <a:t>are more complex data models used to describe specific product-data applications. These parts are </a:t>
+            </a:r>
+            <a:r>
+              <a:rPr lang="en-SG" dirty="0" smtClean="0"/>
+              <a:t>known </a:t>
+            </a:r>
+            <a:r>
+              <a:rPr lang="en-SG" dirty="0"/>
+              <a:t>as application protocols and describe not only what data is to be used in describing a product, but how </a:t>
+            </a:r>
+            <a:r>
+              <a:rPr lang="en-SG" dirty="0" smtClean="0"/>
+              <a:t>the </a:t>
+            </a:r>
+            <a:r>
+              <a:rPr lang="en-SG" dirty="0"/>
+              <a:t>data is to be used in the model. The application protocols use the integrated information resources in well </a:t>
+            </a:r>
+            <a:r>
+              <a:rPr lang="en-SG" dirty="0" smtClean="0"/>
+              <a:t>defined </a:t>
+            </a:r>
+            <a:r>
+              <a:rPr lang="en-SG" dirty="0"/>
+              <a:t>combinations and configurations to represent a particular data model of some phase of product life. </a:t>
             </a:r>
           </a:p>
         </p:txBody>
@@ -8557,7 +8669,7 @@
     </p:spTree>
     <p:extLst>
       <p:ext uri="{BB962C8B-B14F-4D97-AF65-F5344CB8AC3E}">
-        <p14:creationId xmlns:p14="http://schemas.microsoft.com/office/powerpoint/2010/main" val="3596906761"/>
+        <p14:creationId xmlns:p14="http://schemas.microsoft.com/office/powerpoint/2010/main" val="1394861392"/>
       </p:ext>
     </p:extLst>
   </p:cSld>
@@ -8586,6 +8698,28 @@
       </p:grpSpPr>
       <p:sp>
         <p:nvSpPr>
+          <p:cNvPr id="2" name="标题 1"/>
+          <p:cNvSpPr>
+            <a:spLocks noGrp="1"/>
+          </p:cNvSpPr>
+          <p:nvPr>
+            <p:ph type="title"/>
+          </p:nvPr>
+        </p:nvSpPr>
+        <p:spPr/>
+        <p:txBody>
+          <a:bodyPr/>
+          <a:lstStyle/>
+          <a:p>
+            <a:r>
+              <a:rPr lang="en-SG" dirty="0"/>
+              <a:t>Exporting CAD data</a:t>
+            </a:r>
+          </a:p>
+        </p:txBody>
+      </p:sp>
+      <p:sp>
+        <p:nvSpPr>
           <p:cNvPr id="3" name="内容占位符 2"/>
           <p:cNvSpPr>
             <a:spLocks noGrp="1"/>
@@ -8594,151 +8728,129 @@
             <p:ph idx="1"/>
           </p:nvPr>
         </p:nvSpPr>
-        <p:spPr>
-          <a:xfrm>
-            <a:off x="945078" y="403761"/>
-            <a:ext cx="10515600" cy="5773202"/>
-          </a:xfrm>
-        </p:spPr>
+        <p:spPr/>
         <p:txBody>
           <a:bodyPr>
-            <a:normAutofit fontScale="92500" lnSpcReduction="20000"/>
+            <a:normAutofit/>
           </a:bodyPr>
           <a:lstStyle/>
           <a:p>
-            <a:pPr marL="514350" indent="-514350">
-              <a:buFont typeface="+mj-lt"/>
-              <a:buAutoNum type="arabicPeriod" startAt="8"/>
+            <a:pPr marL="0" indent="0">
+              <a:buNone/>
             </a:pPr>
             <a:r>
-              <a:rPr lang="en-SG" b="1" dirty="0"/>
-              <a:t>Application Interpreted Constructs  </a:t>
-            </a:r>
-            <a:r>
-              <a:rPr lang="en-SG" dirty="0"/>
-              <a:t>These relate to the specific resources useful for defining the </a:t>
-            </a:r>
-            <a:r>
-              <a:rPr lang="en-SG" dirty="0" smtClean="0"/>
-              <a:t>generic structures </a:t>
-            </a:r>
-            <a:r>
-              <a:rPr lang="en-SG" dirty="0"/>
-              <a:t>useful for applications. These are reusable groups of information resource entities that make it </a:t>
-            </a:r>
-            <a:r>
-              <a:rPr lang="en-SG" dirty="0" smtClean="0"/>
-              <a:t>easier </a:t>
-            </a:r>
-            <a:r>
-              <a:rPr lang="en-SG" dirty="0"/>
-              <a:t>to express identical semantics in more than one application protocol. Examples include edge-based </a:t>
-            </a:r>
-            <a:r>
-              <a:rPr lang="en-SG" dirty="0" smtClean="0"/>
-              <a:t>wireframe</a:t>
-            </a:r>
-            <a:r>
-              <a:rPr lang="en-SG" dirty="0"/>
-              <a:t>,  </a:t>
-            </a:r>
-            <a:r>
-              <a:rPr lang="en-SG" dirty="0" err="1"/>
-              <a:t>draughting</a:t>
-            </a:r>
-            <a:r>
-              <a:rPr lang="en-SG" dirty="0"/>
-              <a:t>  elements,  constructive  solid  geometry,  etc. </a:t>
-            </a:r>
-            <a:r>
-              <a:rPr lang="en-SG" dirty="0" smtClean="0"/>
-              <a:t>onwards</a:t>
-            </a:r>
-            <a:r>
-              <a:rPr lang="en-SG" dirty="0"/>
-              <a:t>. Examples include edge-based wireframe, shell-based wireframe, geometry-bounded 2D wireframe, </a:t>
-            </a:r>
-            <a:r>
-              <a:rPr lang="en-SG" dirty="0" err="1" smtClean="0"/>
-              <a:t>draughting</a:t>
-            </a:r>
-            <a:r>
-              <a:rPr lang="en-SG" dirty="0" smtClean="0"/>
-              <a:t>  </a:t>
-            </a:r>
-            <a:r>
-              <a:rPr lang="en-SG" dirty="0"/>
-              <a:t>annotation,  drawing  structure  and  administration,  </a:t>
-            </a:r>
-            <a:r>
-              <a:rPr lang="en-SG" dirty="0" err="1"/>
-              <a:t>draughting</a:t>
-            </a:r>
-            <a:r>
-              <a:rPr lang="en-SG" dirty="0"/>
-              <a:t>  elements,  geometry-bounded </a:t>
-            </a:r>
-            <a:r>
-              <a:rPr lang="en-SG" dirty="0" smtClean="0"/>
-              <a:t>surface</a:t>
-            </a:r>
-            <a:r>
-              <a:rPr lang="en-SG" dirty="0"/>
-              <a:t>, non-manifold surface, manifold surface, geometry-bounded wireframe, etc.</a:t>
-            </a:r>
-          </a:p>
-          <a:p>
-            <a:pPr marL="514350" indent="-514350">
-              <a:buFont typeface="+mj-lt"/>
-              <a:buAutoNum type="arabicPeriod" startAt="9"/>
+              <a:rPr lang="en-SG" dirty="0"/>
+              <a:t>Transferring 3D CAD models between different software packages </a:t>
+            </a:r>
+            <a:r>
+              <a:rPr lang="en-SG" dirty="0" smtClean="0"/>
+              <a:t>can </a:t>
+            </a:r>
+            <a:r>
+              <a:rPr lang="en-SG" dirty="0"/>
+              <a:t>be challenging</a:t>
+            </a:r>
+          </a:p>
+          <a:p>
+            <a:pPr marL="457200" lvl="1" indent="0">
+              <a:buNone/>
             </a:pPr>
             <a:r>
-              <a:rPr lang="en-SG" b="1" dirty="0"/>
-              <a:t>Application Protocols  </a:t>
-            </a:r>
-            <a:r>
-              <a:rPr lang="en-SG" dirty="0"/>
-              <a:t>These define the context for the use of product data for a specific industrial need. </a:t>
-            </a:r>
-            <a:r>
-              <a:rPr lang="en-SG" dirty="0" smtClean="0"/>
-              <a:t>These </a:t>
-            </a:r>
-            <a:r>
-              <a:rPr lang="en-SG" dirty="0"/>
-              <a:t>are more complex data models used to describe specific product-data applications. These parts are </a:t>
-            </a:r>
-            <a:r>
-              <a:rPr lang="en-SG" dirty="0" smtClean="0"/>
-              <a:t>known </a:t>
-            </a:r>
-            <a:r>
-              <a:rPr lang="en-SG" dirty="0"/>
-              <a:t>as application protocols and describe not only what data is to be used in describing a product, but how </a:t>
-            </a:r>
-            <a:r>
-              <a:rPr lang="en-SG" dirty="0" smtClean="0"/>
-              <a:t>the </a:t>
-            </a:r>
-            <a:r>
-              <a:rPr lang="en-SG" dirty="0"/>
-              <a:t>data is to be used in the model. The application protocols use the integrated information resources in well </a:t>
-            </a:r>
-            <a:r>
-              <a:rPr lang="en-SG" dirty="0" smtClean="0"/>
-              <a:t>defined </a:t>
-            </a:r>
-            <a:r>
-              <a:rPr lang="en-SG" dirty="0"/>
-              <a:t>combinations and configurations to represent a particular data model of some phase of product life. </a:t>
-            </a:r>
+              <a:rPr lang="en-SG" dirty="0" smtClean="0"/>
+              <a:t>– </a:t>
+            </a:r>
+            <a:r>
+              <a:rPr lang="en-SG" dirty="0"/>
+              <a:t>fortunately, most CAD packages will directly import files produced in </a:t>
+            </a:r>
+            <a:r>
+              <a:rPr lang="en-SG" dirty="0" smtClean="0"/>
+              <a:t>most </a:t>
+            </a:r>
+            <a:r>
+              <a:rPr lang="en-SG" dirty="0"/>
+              <a:t>other packages</a:t>
+            </a:r>
+          </a:p>
+          <a:p>
+            <a:pPr marL="0" indent="0">
+              <a:buNone/>
+            </a:pPr>
+            <a:r>
+              <a:rPr lang="en-SG" dirty="0"/>
+              <a:t>• If the file type is not supported, the data must be exported as a </a:t>
+            </a:r>
+            <a:r>
+              <a:rPr lang="en-SG" dirty="0" smtClean="0"/>
+              <a:t>neutral </a:t>
+            </a:r>
+            <a:r>
+              <a:rPr lang="en-SG" dirty="0"/>
+              <a:t>format and then imported</a:t>
+            </a:r>
+          </a:p>
+          <a:p>
+            <a:pPr marL="457200" lvl="1" indent="0">
+              <a:buNone/>
+            </a:pPr>
+            <a:r>
+              <a:rPr lang="en-SG" dirty="0"/>
+              <a:t>– important information may be “lost in translation”</a:t>
+            </a:r>
+          </a:p>
+          <a:p>
+            <a:pPr marL="457200" lvl="1" indent="0">
+              <a:buNone/>
+            </a:pPr>
+            <a:r>
+              <a:rPr lang="en-SG" dirty="0"/>
+              <a:t>– this applies especially to non-geometric data in 3D models, such as </a:t>
+            </a:r>
+            <a:r>
+              <a:rPr lang="en-SG" dirty="0" smtClean="0"/>
+              <a:t>material </a:t>
+            </a:r>
+            <a:r>
+              <a:rPr lang="en-SG" dirty="0"/>
+              <a:t>type</a:t>
+            </a:r>
+          </a:p>
+          <a:p>
+            <a:pPr marL="0" indent="0">
+              <a:buNone/>
+            </a:pPr>
+            <a:r>
+              <a:rPr lang="en-SG" dirty="0"/>
+              <a:t>• </a:t>
+            </a:r>
+            <a:r>
+              <a:rPr lang="en-SG" dirty="0" smtClean="0"/>
+              <a:t>Sometimes, the </a:t>
+            </a:r>
+            <a:r>
+              <a:rPr lang="en-SG" dirty="0"/>
+              <a:t>geometry </a:t>
+            </a:r>
+            <a:r>
+              <a:rPr lang="en-SG" dirty="0" smtClean="0"/>
+              <a:t>could </a:t>
+            </a:r>
+            <a:r>
+              <a:rPr lang="en-SG" dirty="0"/>
+              <a:t>not be properly </a:t>
+            </a:r>
+            <a:r>
+              <a:rPr lang="en-SG" dirty="0" smtClean="0"/>
+              <a:t>converted</a:t>
+            </a:r>
+            <a:endParaRPr lang="en-SG" dirty="0"/>
           </a:p>
         </p:txBody>
       </p:sp>
     </p:spTree>
     <p:extLst>
       <p:ext uri="{BB962C8B-B14F-4D97-AF65-F5344CB8AC3E}">
-        <p14:creationId xmlns:p14="http://schemas.microsoft.com/office/powerpoint/2010/main" val="1394861392"/>
+        <p14:creationId xmlns:p14="http://schemas.microsoft.com/office/powerpoint/2010/main" val="2926976668"/>
       </p:ext>
     </p:extLst>
   </p:cSld>
@@ -8781,9 +8893,10 @@
           <a:lstStyle/>
           <a:p>
             <a:r>
-              <a:rPr lang="en-SG" dirty="0"/>
-              <a:t>Exporting CAD data</a:t>
-            </a:r>
+              <a:rPr lang="en-SG" dirty="0" smtClean="0"/>
+              <a:t>Introduction to Geometric Modelling</a:t>
+            </a:r>
+            <a:endParaRPr lang="en-SG" dirty="0"/>
           </a:p>
         </p:txBody>
       </p:sp>
@@ -8800,117 +8913,35 @@
         <p:spPr/>
         <p:txBody>
           <a:bodyPr>
-            <a:normAutofit/>
+            <a:normAutofit fontScale="92500" lnSpcReduction="10000"/>
           </a:bodyPr>
           <a:lstStyle/>
           <a:p>
-            <a:pPr marL="0" indent="0">
-              <a:buNone/>
-            </a:pPr>
-            <a:r>
-              <a:rPr lang="en-SG" dirty="0"/>
-              <a:t>Transferring 3D CAD models between different software packages </a:t>
-            </a:r>
-            <a:r>
-              <a:rPr lang="en-SG" dirty="0" smtClean="0"/>
-              <a:t>can </a:t>
-            </a:r>
-            <a:r>
-              <a:rPr lang="en-SG" dirty="0"/>
-              <a:t>be challenging</a:t>
-            </a:r>
-          </a:p>
-          <a:p>
-            <a:pPr marL="457200" lvl="1" indent="0">
-              <a:buNone/>
-            </a:pPr>
-            <a:r>
-              <a:rPr lang="en-SG" dirty="0" smtClean="0"/>
-              <a:t>– </a:t>
-            </a:r>
-            <a:r>
-              <a:rPr lang="en-SG" dirty="0"/>
-              <a:t>fortunately, most CAD packages will directly import files produced in </a:t>
-            </a:r>
-            <a:r>
-              <a:rPr lang="en-SG" dirty="0" smtClean="0"/>
-              <a:t>most </a:t>
-            </a:r>
-            <a:r>
-              <a:rPr lang="en-SG" dirty="0"/>
-              <a:t>other packages</a:t>
-            </a:r>
-          </a:p>
-          <a:p>
-            <a:pPr marL="0" indent="0">
-              <a:buNone/>
-            </a:pPr>
-            <a:r>
-              <a:rPr lang="en-SG" dirty="0"/>
-              <a:t>• If the file type is not supported, the data must be exported as a </a:t>
-            </a:r>
-            <a:r>
-              <a:rPr lang="en-SG" dirty="0" smtClean="0"/>
-              <a:t>neutral </a:t>
-            </a:r>
-            <a:r>
-              <a:rPr lang="en-SG" dirty="0"/>
-              <a:t>format and then imported</a:t>
-            </a:r>
-          </a:p>
-          <a:p>
-            <a:pPr marL="457200" lvl="1" indent="0">
-              <a:buNone/>
-            </a:pPr>
-            <a:r>
-              <a:rPr lang="en-SG" dirty="0"/>
-              <a:t>– important information may be “lost in translation”</a:t>
-            </a:r>
-          </a:p>
-          <a:p>
-            <a:pPr marL="457200" lvl="1" indent="0">
-              <a:buNone/>
-            </a:pPr>
-            <a:r>
-              <a:rPr lang="en-SG" dirty="0"/>
-              <a:t>– this applies especially to non-geometric data in 3D models, such as </a:t>
-            </a:r>
-            <a:r>
-              <a:rPr lang="en-SG" dirty="0" smtClean="0"/>
-              <a:t>material </a:t>
-            </a:r>
-            <a:r>
-              <a:rPr lang="en-SG" dirty="0"/>
-              <a:t>type</a:t>
-            </a:r>
-          </a:p>
-          <a:p>
-            <a:pPr marL="0" indent="0">
-              <a:buNone/>
-            </a:pPr>
-            <a:r>
-              <a:rPr lang="en-SG" dirty="0"/>
-              <a:t>• </a:t>
-            </a:r>
-            <a:r>
-              <a:rPr lang="en-SG" dirty="0" smtClean="0"/>
-              <a:t>Sometimes, the </a:t>
-            </a:r>
-            <a:r>
-              <a:rPr lang="en-SG" dirty="0"/>
-              <a:t>geometry </a:t>
-            </a:r>
-            <a:r>
-              <a:rPr lang="en-SG" dirty="0" smtClean="0"/>
-              <a:t>could </a:t>
-            </a:r>
-            <a:r>
-              <a:rPr lang="en-SG" dirty="0"/>
-              <a:t>not be properly </a:t>
-            </a:r>
-            <a:r>
-              <a:rPr lang="en-SG" dirty="0" smtClean="0"/>
-              <a:t>converted</a:t>
+            <a:r>
+              <a:rPr lang="en-SG" dirty="0" smtClean="0"/>
+              <a:t>Geometric modelling is a combination discipline with applied mathematics and computational geometry. In this discipline, people designed varied algorithms to describe all kinds of shapes by computers.</a:t>
+            </a:r>
+          </a:p>
+          <a:p>
+            <a:r>
+              <a:rPr lang="en-SG" dirty="0" smtClean="0"/>
+              <a:t>Building two or three dimensional models is crucial content of CAD &amp; CAM.</a:t>
+            </a:r>
+          </a:p>
+          <a:p>
+            <a:r>
+              <a:rPr lang="en-SG" dirty="0" smtClean="0"/>
+              <a:t>When we were creating a geometric model of a mechanism using a CAD system, what we do is just map real or imaginary structure to a new algorithmic object. This process should be unique and complete. Otherwise, a designer will not be able to restore any of them from start to the end or </a:t>
+            </a:r>
+            <a:r>
+              <a:rPr lang="en-US" dirty="0" smtClean="0"/>
+              <a:t>vice versa. Furthermore, the model could not be manufactured.</a:t>
+            </a:r>
+          </a:p>
+          <a:p>
+            <a:r>
+              <a:rPr lang="en-US" dirty="0" smtClean="0"/>
+              <a:t>This section will tell you what is the theoretical basis of geometric modelling.</a:t>
             </a:r>
             <a:endParaRPr lang="en-SG" dirty="0"/>
           </a:p>
@@ -8919,7 +8950,7 @@
     </p:spTree>
     <p:extLst>
       <p:ext uri="{BB962C8B-B14F-4D97-AF65-F5344CB8AC3E}">
-        <p14:creationId xmlns:p14="http://schemas.microsoft.com/office/powerpoint/2010/main" val="2926976668"/>
+        <p14:creationId xmlns:p14="http://schemas.microsoft.com/office/powerpoint/2010/main" val="4194142784"/>
       </p:ext>
     </p:extLst>
   </p:cSld>
@@ -8963,7 +8994,7 @@
           <a:p>
             <a:r>
               <a:rPr lang="en-SG" dirty="0" smtClean="0"/>
-              <a:t>Introduction to Geometric Modelling</a:t>
+              <a:t>Geometry of curve</a:t>
             </a:r>
             <a:endParaRPr lang="en-SG" dirty="0"/>
           </a:p>
@@ -8981,37 +9012,39 @@
         </p:nvSpPr>
         <p:spPr/>
         <p:txBody>
-          <a:bodyPr>
-            <a:normAutofit fontScale="92500" lnSpcReduction="10000"/>
-          </a:bodyPr>
-          <a:lstStyle/>
-          <a:p>
-            <a:r>
-              <a:rPr lang="en-SG" dirty="0" smtClean="0"/>
-              <a:t>Geometric modelling is a combination discipline with applied mathematics and computational geometry. In this discipline, people designed varied algorithms to describe all kinds of shapes by computers.</a:t>
-            </a:r>
-          </a:p>
-          <a:p>
-            <a:r>
-              <a:rPr lang="en-SG" dirty="0" smtClean="0"/>
-              <a:t>Building two or three dimensional models is crucial content of CAD &amp; CAM.</a:t>
-            </a:r>
-          </a:p>
-          <a:p>
-            <a:r>
-              <a:rPr lang="en-SG" dirty="0" smtClean="0"/>
-              <a:t>When we were creating a geometric model of a mechanism using a CAD system, what we do is just map real or imaginary structure to a new algorithmic object. This process should be unique and complete. Otherwise, a designer will not be able to restore any of them from start to the end or </a:t>
-            </a:r>
-            <a:r>
-              <a:rPr lang="en-US" dirty="0" smtClean="0"/>
-              <a:t>vice versa. Furthermore, the model could not be manufactured.</a:t>
-            </a:r>
-          </a:p>
-          <a:p>
-            <a:r>
-              <a:rPr lang="en-US" dirty="0" smtClean="0"/>
-              <a:t>This section will tell you what is the theoretical basis of geometric modelling.</a:t>
-            </a:r>
+          <a:bodyPr/>
+          <a:lstStyle/>
+          <a:p>
+            <a:r>
+              <a:rPr lang="en-SG" dirty="0" smtClean="0"/>
+              <a:t>Representation of curves</a:t>
+            </a:r>
+          </a:p>
+          <a:p>
+            <a:r>
+              <a:rPr lang="en-SG" dirty="0" smtClean="0"/>
+              <a:t>Bezier curves</a:t>
+            </a:r>
+          </a:p>
+          <a:p>
+            <a:r>
+              <a:rPr lang="en-SG" dirty="0" smtClean="0"/>
+              <a:t>B-spline curves</a:t>
+            </a:r>
+          </a:p>
+          <a:p>
+            <a:r>
+              <a:rPr lang="en-SG" dirty="0" smtClean="0"/>
+              <a:t>Parameterized curves</a:t>
+            </a:r>
+          </a:p>
+          <a:p>
+            <a:r>
+              <a:rPr lang="en-SG" dirty="0" smtClean="0"/>
+              <a:t>Wire frame modelling</a:t>
+            </a:r>
+          </a:p>
+          <a:p>
             <a:endParaRPr lang="en-SG" dirty="0"/>
           </a:p>
         </p:txBody>
@@ -9019,7 +9052,7 @@
     </p:spTree>
     <p:extLst>
       <p:ext uri="{BB962C8B-B14F-4D97-AF65-F5344CB8AC3E}">
-        <p14:creationId xmlns:p14="http://schemas.microsoft.com/office/powerpoint/2010/main" val="4194142784"/>
+        <p14:creationId xmlns:p14="http://schemas.microsoft.com/office/powerpoint/2010/main" val="4172222177"/>
       </p:ext>
     </p:extLst>
   </p:cSld>
@@ -9056,180 +9089,6 @@
             <p:ph type="title"/>
           </p:nvPr>
         </p:nvSpPr>
-        <p:spPr/>
-        <p:txBody>
-          <a:bodyPr/>
-          <a:lstStyle/>
-          <a:p>
-            <a:r>
-              <a:rPr lang="en-SG" dirty="0" smtClean="0"/>
-              <a:t>Geometry of curve</a:t>
-            </a:r>
-            <a:endParaRPr lang="en-SG" dirty="0"/>
-          </a:p>
-        </p:txBody>
-      </p:sp>
-      <p:sp>
-        <p:nvSpPr>
-          <p:cNvPr id="3" name="内容占位符 2"/>
-          <p:cNvSpPr>
-            <a:spLocks noGrp="1"/>
-          </p:cNvSpPr>
-          <p:nvPr>
-            <p:ph idx="1"/>
-          </p:nvPr>
-        </p:nvSpPr>
-        <p:spPr/>
-        <p:txBody>
-          <a:bodyPr/>
-          <a:lstStyle/>
-          <a:p>
-            <a:r>
-              <a:rPr lang="en-SG" dirty="0" smtClean="0"/>
-              <a:t>Representation of curves</a:t>
-            </a:r>
-          </a:p>
-          <a:p>
-            <a:r>
-              <a:rPr lang="en-SG" dirty="0" smtClean="0"/>
-              <a:t>Bezier curves</a:t>
-            </a:r>
-          </a:p>
-          <a:p>
-            <a:r>
-              <a:rPr lang="en-SG" dirty="0" smtClean="0"/>
-              <a:t>B-spline curves</a:t>
-            </a:r>
-          </a:p>
-          <a:p>
-            <a:r>
-              <a:rPr lang="en-SG" dirty="0" smtClean="0"/>
-              <a:t>Parameterized curves</a:t>
-            </a:r>
-          </a:p>
-          <a:p>
-            <a:r>
-              <a:rPr lang="en-SG" dirty="0" smtClean="0"/>
-              <a:t>Wire frame modelling</a:t>
-            </a:r>
-          </a:p>
-          <a:p>
-            <a:endParaRPr lang="en-SG" dirty="0"/>
-          </a:p>
-        </p:txBody>
-      </p:sp>
-    </p:spTree>
-    <p:extLst>
-      <p:ext uri="{BB962C8B-B14F-4D97-AF65-F5344CB8AC3E}">
-        <p14:creationId xmlns:p14="http://schemas.microsoft.com/office/powerpoint/2010/main" val="4172222177"/>
-      </p:ext>
-    </p:extLst>
-  </p:cSld>
-  <p:clrMapOvr>
-    <a:masterClrMapping/>
-  </p:clrMapOvr>
-</p:sld>
-</file>
-
-<file path=ppt/slides/slide4.xml><?xml version="1.0" encoding="utf-8"?>
-<p:sld xmlns:a="http://schemas.openxmlformats.org/drawingml/2006/main" xmlns:r="http://schemas.openxmlformats.org/officeDocument/2006/relationships" xmlns:p="http://schemas.openxmlformats.org/presentationml/2006/main">
-  <p:cSld>
-    <p:spTree>
-      <p:nvGrpSpPr>
-        <p:cNvPr id="1" name=""/>
-        <p:cNvGrpSpPr/>
-        <p:nvPr/>
-      </p:nvGrpSpPr>
-      <p:grpSpPr>
-        <a:xfrm>
-          <a:off x="0" y="0"/>
-          <a:ext cx="0" cy="0"/>
-          <a:chOff x="0" y="0"/>
-          <a:chExt cx="0" cy="0"/>
-        </a:xfrm>
-      </p:grpSpPr>
-      <p:sp>
-        <p:nvSpPr>
-          <p:cNvPr id="2" name="标题 1"/>
-          <p:cNvSpPr>
-            <a:spLocks noGrp="1"/>
-          </p:cNvSpPr>
-          <p:nvPr>
-            <p:ph type="ctrTitle"/>
-          </p:nvPr>
-        </p:nvSpPr>
-        <p:spPr/>
-        <p:txBody>
-          <a:bodyPr/>
-          <a:lstStyle/>
-          <a:p>
-            <a:r>
-              <a:rPr lang="en-SG" sz="7200" dirty="0" smtClean="0"/>
-              <a:t>CAD</a:t>
-            </a:r>
-            <a:endParaRPr lang="en-SG" dirty="0"/>
-          </a:p>
-        </p:txBody>
-      </p:sp>
-      <p:sp>
-        <p:nvSpPr>
-          <p:cNvPr id="3" name="副标题 2"/>
-          <p:cNvSpPr>
-            <a:spLocks noGrp="1"/>
-          </p:cNvSpPr>
-          <p:nvPr>
-            <p:ph type="subTitle" idx="1"/>
-          </p:nvPr>
-        </p:nvSpPr>
-        <p:spPr/>
-        <p:txBody>
-          <a:bodyPr/>
-          <a:lstStyle/>
-          <a:p>
-            <a:endParaRPr lang="en-SG"/>
-          </a:p>
-        </p:txBody>
-      </p:sp>
-    </p:spTree>
-    <p:extLst>
-      <p:ext uri="{BB962C8B-B14F-4D97-AF65-F5344CB8AC3E}">
-        <p14:creationId xmlns:p14="http://schemas.microsoft.com/office/powerpoint/2010/main" val="3266173217"/>
-      </p:ext>
-    </p:extLst>
-  </p:cSld>
-  <p:clrMapOvr>
-    <a:masterClrMapping/>
-  </p:clrMapOvr>
-</p:sld>
-</file>
-
-<file path=ppt/slides/slide40.xml><?xml version="1.0" encoding="utf-8"?>
-<p:sld xmlns:a="http://schemas.openxmlformats.org/drawingml/2006/main" xmlns:r="http://schemas.openxmlformats.org/officeDocument/2006/relationships" xmlns:p="http://schemas.openxmlformats.org/presentationml/2006/main">
-  <p:cSld>
-    <p:spTree>
-      <p:nvGrpSpPr>
-        <p:cNvPr id="1" name=""/>
-        <p:cNvGrpSpPr/>
-        <p:nvPr/>
-      </p:nvGrpSpPr>
-      <p:grpSpPr>
-        <a:xfrm>
-          <a:off x="0" y="0"/>
-          <a:ext cx="0" cy="0"/>
-          <a:chOff x="0" y="0"/>
-          <a:chExt cx="0" cy="0"/>
-        </a:xfrm>
-      </p:grpSpPr>
-      <p:sp>
-        <p:nvSpPr>
-          <p:cNvPr id="2" name="标题 1"/>
-          <p:cNvSpPr>
-            <a:spLocks noGrp="1"/>
-          </p:cNvSpPr>
-          <p:nvPr>
-            <p:ph type="title"/>
-          </p:nvPr>
-        </p:nvSpPr>
         <p:spPr>
           <a:xfrm>
             <a:off x="838199" y="365125"/>
@@ -9424,7 +9283,7 @@
           <a:graphicData uri="http://schemas.openxmlformats.org/presentationml/2006/ole">
             <mc:AlternateContent xmlns:mc="http://schemas.openxmlformats.org/markup-compatibility/2006">
               <mc:Choice xmlns:v="urn:schemas-microsoft-com:vml" Requires="v">
-                <p:oleObj spid="_x0000_s16389" name="Equation" r:id="rId3" imgW="2101838" imgH="1898834" progId="Equation.DSMT4">
+                <p:oleObj spid="_x0000_s16392" name="Equation" r:id="rId3" imgW="2101838" imgH="1898834" progId="Equation.DSMT4">
                   <p:embed/>
                 </p:oleObj>
               </mc:Choice>
@@ -9472,7 +9331,79 @@
 </p:sld>
 </file>
 
-<file path=ppt/slides/slide41.xml><?xml version="1.0" encoding="utf-8"?>
+<file path=ppt/slides/slide4.xml><?xml version="1.0" encoding="utf-8"?>
+<p:sld xmlns:a="http://schemas.openxmlformats.org/drawingml/2006/main" xmlns:r="http://schemas.openxmlformats.org/officeDocument/2006/relationships" xmlns:p="http://schemas.openxmlformats.org/presentationml/2006/main">
+  <p:cSld>
+    <p:spTree>
+      <p:nvGrpSpPr>
+        <p:cNvPr id="1" name=""/>
+        <p:cNvGrpSpPr/>
+        <p:nvPr/>
+      </p:nvGrpSpPr>
+      <p:grpSpPr>
+        <a:xfrm>
+          <a:off x="0" y="0"/>
+          <a:ext cx="0" cy="0"/>
+          <a:chOff x="0" y="0"/>
+          <a:chExt cx="0" cy="0"/>
+        </a:xfrm>
+      </p:grpSpPr>
+      <p:sp>
+        <p:nvSpPr>
+          <p:cNvPr id="2" name="标题 1"/>
+          <p:cNvSpPr>
+            <a:spLocks noGrp="1"/>
+          </p:cNvSpPr>
+          <p:nvPr>
+            <p:ph type="ctrTitle"/>
+          </p:nvPr>
+        </p:nvSpPr>
+        <p:spPr/>
+        <p:txBody>
+          <a:bodyPr/>
+          <a:lstStyle/>
+          <a:p>
+            <a:r>
+              <a:rPr lang="en-SG" sz="7200" dirty="0" smtClean="0"/>
+              <a:t>CAD</a:t>
+            </a:r>
+            <a:endParaRPr lang="en-SG" dirty="0"/>
+          </a:p>
+        </p:txBody>
+      </p:sp>
+      <p:sp>
+        <p:nvSpPr>
+          <p:cNvPr id="3" name="副标题 2"/>
+          <p:cNvSpPr>
+            <a:spLocks noGrp="1"/>
+          </p:cNvSpPr>
+          <p:nvPr>
+            <p:ph type="subTitle" idx="1"/>
+          </p:nvPr>
+        </p:nvSpPr>
+        <p:spPr/>
+        <p:txBody>
+          <a:bodyPr/>
+          <a:lstStyle/>
+          <a:p>
+            <a:endParaRPr lang="en-SG"/>
+          </a:p>
+        </p:txBody>
+      </p:sp>
+    </p:spTree>
+    <p:extLst>
+      <p:ext uri="{BB962C8B-B14F-4D97-AF65-F5344CB8AC3E}">
+        <p14:creationId xmlns:p14="http://schemas.microsoft.com/office/powerpoint/2010/main" val="3266173217"/>
+      </p:ext>
+    </p:extLst>
+  </p:cSld>
+  <p:clrMapOvr>
+    <a:masterClrMapping/>
+  </p:clrMapOvr>
+</p:sld>
+</file>
+
+<file path=ppt/slides/slide40.xml><?xml version="1.0" encoding="utf-8"?>
 <p:sld xmlns:a="http://schemas.openxmlformats.org/drawingml/2006/main" xmlns:r="http://schemas.openxmlformats.org/officeDocument/2006/relationships" xmlns:p="http://schemas.openxmlformats.org/presentationml/2006/main">
   <p:cSld>
     <p:spTree>
@@ -9827,7 +9758,7 @@
           <a:graphicData uri="http://schemas.openxmlformats.org/presentationml/2006/ole">
             <mc:AlternateContent xmlns:mc="http://schemas.openxmlformats.org/markup-compatibility/2006">
               <mc:Choice xmlns:v="urn:schemas-microsoft-com:vml" Requires="v">
-                <p:oleObj spid="_x0000_s17457" name="Equation" r:id="rId14" imgW="3340080" imgH="393480" progId="Equation.DSMT4">
+                <p:oleObj spid="_x0000_s17466" name="Equation" r:id="rId14" imgW="3340080" imgH="393480" progId="Equation.DSMT4">
                   <p:embed/>
                 </p:oleObj>
               </mc:Choice>
@@ -9884,7 +9815,7 @@
           <a:graphicData uri="http://schemas.openxmlformats.org/presentationml/2006/ole">
             <mc:AlternateContent xmlns:mc="http://schemas.openxmlformats.org/markup-compatibility/2006">
               <mc:Choice xmlns:v="urn:schemas-microsoft-com:vml" Requires="v">
-                <p:oleObj spid="_x0000_s17458" name="Equation" r:id="rId16" imgW="2781000" imgH="939600" progId="Equation.DSMT4">
+                <p:oleObj spid="_x0000_s17467" name="Equation" r:id="rId16" imgW="2781000" imgH="939600" progId="Equation.DSMT4">
                   <p:embed/>
                 </p:oleObj>
               </mc:Choice>
@@ -9941,7 +9872,7 @@
           <a:graphicData uri="http://schemas.openxmlformats.org/presentationml/2006/ole">
             <mc:AlternateContent xmlns:mc="http://schemas.openxmlformats.org/markup-compatibility/2006">
               <mc:Choice xmlns:v="urn:schemas-microsoft-com:vml" Requires="v">
-                <p:oleObj spid="_x0000_s17459" name="Equation" r:id="rId18" imgW="3924000" imgH="241200" progId="Equation.DSMT4">
+                <p:oleObj spid="_x0000_s17468" name="Equation" r:id="rId18" imgW="3924000" imgH="241200" progId="Equation.DSMT4">
                   <p:embed/>
                 </p:oleObj>
               </mc:Choice>
@@ -10013,7 +9944,7 @@
 </p:sld>
 </file>
 
-<file path=ppt/slides/slide42.xml><?xml version="1.0" encoding="utf-8"?>
+<file path=ppt/slides/slide41.xml><?xml version="1.0" encoding="utf-8"?>
 <p:sld xmlns:a="http://schemas.openxmlformats.org/drawingml/2006/main" xmlns:r="http://schemas.openxmlformats.org/officeDocument/2006/relationships" xmlns:p="http://schemas.openxmlformats.org/presentationml/2006/main">
   <p:cSld>
     <p:spTree>
@@ -10080,7 +10011,7 @@
         <p:spPr>
           <a:xfrm>
             <a:off x="838200" y="1825625"/>
-            <a:ext cx="8021128" cy="4351338"/>
+            <a:ext cx="7477664" cy="4351338"/>
           </a:xfrm>
         </p:spPr>
         <p:txBody>
@@ -10089,8 +10020,38 @@
           <a:p>
             <a:r>
               <a:rPr lang="en-SG" dirty="0" smtClean="0"/>
-              <a:t>Control polygon</a:t>
-            </a:r>
+              <a:t>Control </a:t>
+            </a:r>
+            <a:r>
+              <a:rPr lang="en-SG" dirty="0" smtClean="0"/>
+              <a:t>polygon</a:t>
+            </a:r>
+          </a:p>
+          <a:p>
+            <a:endParaRPr lang="en-SG" dirty="0" smtClean="0"/>
+          </a:p>
+          <a:p>
+            <a:r>
+              <a:rPr lang="en-SG" dirty="0"/>
+              <a:t> Bernstein </a:t>
+            </a:r>
+            <a:r>
+              <a:rPr lang="en-SG" dirty="0" smtClean="0"/>
+              <a:t>polynomial</a:t>
+            </a:r>
+          </a:p>
+          <a:p>
+            <a:pPr marL="0" indent="0">
+              <a:buNone/>
+            </a:pPr>
+            <a:endParaRPr lang="en-SG" dirty="0" smtClean="0"/>
+          </a:p>
+          <a:p>
+            <a:r>
+              <a:rPr lang="en-SG" dirty="0"/>
+              <a:t>Matrix representation</a:t>
+            </a:r>
+            <a:endParaRPr lang="en-SG" dirty="0" smtClean="0"/>
           </a:p>
           <a:p>
             <a:endParaRPr lang="en-SG" dirty="0"/>
@@ -10113,8 +10074,8 @@
         </p:blipFill>
         <p:spPr>
           <a:xfrm>
-            <a:off x="8434415" y="2129028"/>
-            <a:ext cx="2305704" cy="1513775"/>
+            <a:off x="8859328" y="1705044"/>
+            <a:ext cx="2072559" cy="1360707"/>
           </a:xfrm>
           <a:prstGeom prst="rect">
             <a:avLst/>
@@ -10137,8 +10098,86 @@
         </p:blipFill>
         <p:spPr>
           <a:xfrm>
-            <a:off x="8020116" y="4305877"/>
+            <a:off x="8520448" y="3200688"/>
             <a:ext cx="3134302" cy="1208012"/>
+          </a:xfrm>
+          <a:prstGeom prst="rect">
+            <a:avLst/>
+          </a:prstGeom>
+        </p:spPr>
+      </p:pic>
+      <p:pic>
+        <p:nvPicPr>
+          <p:cNvPr id="6" name="图片 5"/>
+          <p:cNvPicPr>
+            <a:picLocks noChangeAspect="1"/>
+          </p:cNvPicPr>
+          <p:nvPr/>
+        </p:nvPicPr>
+        <p:blipFill>
+          <a:blip r:embed="rId4">
+            <a:extLst>
+              <a:ext uri="{28A0092B-C50C-407E-A947-70E740481C1C}">
+                <a14:useLocalDpi xmlns:a14="http://schemas.microsoft.com/office/drawing/2010/main" val="0"/>
+              </a:ext>
+            </a:extLst>
+          </a:blip>
+          <a:stretch>
+            <a:fillRect/>
+          </a:stretch>
+        </p:blipFill>
+        <p:spPr>
+          <a:xfrm>
+            <a:off x="8520448" y="4748213"/>
+            <a:ext cx="3429000" cy="1428750"/>
+          </a:xfrm>
+          <a:prstGeom prst="rect">
+            <a:avLst/>
+          </a:prstGeom>
+        </p:spPr>
+      </p:pic>
+      <p:pic>
+        <p:nvPicPr>
+          <p:cNvPr id="7" name="图片 6"/>
+          <p:cNvPicPr>
+            <a:picLocks noChangeAspect="1"/>
+          </p:cNvPicPr>
+          <p:nvPr/>
+        </p:nvPicPr>
+        <p:blipFill>
+          <a:blip r:embed="rId5"/>
+          <a:stretch>
+            <a:fillRect/>
+          </a:stretch>
+        </p:blipFill>
+        <p:spPr>
+          <a:xfrm>
+            <a:off x="4222964" y="2127468"/>
+            <a:ext cx="3746071" cy="772386"/>
+          </a:xfrm>
+          <a:prstGeom prst="rect">
+            <a:avLst/>
+          </a:prstGeom>
+        </p:spPr>
+      </p:pic>
+      <p:pic>
+        <p:nvPicPr>
+          <p:cNvPr id="8" name="图片 7"/>
+          <p:cNvPicPr>
+            <a:picLocks noChangeAspect="1"/>
+          </p:cNvPicPr>
+          <p:nvPr/>
+        </p:nvPicPr>
+        <p:blipFill>
+          <a:blip r:embed="rId6"/>
+          <a:stretch>
+            <a:fillRect/>
+          </a:stretch>
+        </p:blipFill>
+        <p:spPr>
+          <a:xfrm>
+            <a:off x="4521597" y="3200688"/>
+            <a:ext cx="3147287" cy="780577"/>
           </a:xfrm>
           <a:prstGeom prst="rect">
             <a:avLst/>
@@ -10155,10 +10194,17 @@
   <p:clrMapOvr>
     <a:masterClrMapping/>
   </p:clrMapOvr>
+  <p:timing>
+    <p:tnLst>
+      <p:par>
+        <p:cTn id="1" dur="indefinite" restart="never" nodeType="tmRoot"/>
+      </p:par>
+    </p:tnLst>
+  </p:timing>
 </p:sld>
 </file>
 
-<file path=ppt/slides/slide43.xml><?xml version="1.0" encoding="utf-8"?>
+<file path=ppt/slides/slide42.xml><?xml version="1.0" encoding="utf-8"?>
 <p:sld xmlns:a="http://schemas.openxmlformats.org/drawingml/2006/main" xmlns:r="http://schemas.openxmlformats.org/officeDocument/2006/relationships" xmlns:p="http://schemas.openxmlformats.org/presentationml/2006/main">
   <p:cSld>
     <p:spTree>
@@ -10233,10 +10279,17 @@
   <p:clrMapOvr>
     <a:masterClrMapping/>
   </p:clrMapOvr>
+  <p:timing>
+    <p:tnLst>
+      <p:par>
+        <p:cTn id="1" dur="indefinite" restart="never" nodeType="tmRoot"/>
+      </p:par>
+    </p:tnLst>
+  </p:timing>
 </p:sld>
 </file>
 
-<file path=ppt/slides/slide44.xml><?xml version="1.0" encoding="utf-8"?>
+<file path=ppt/slides/slide43.xml><?xml version="1.0" encoding="utf-8"?>
 <p:sld xmlns:a="http://schemas.openxmlformats.org/drawingml/2006/main" xmlns:r="http://schemas.openxmlformats.org/officeDocument/2006/relationships" xmlns:p="http://schemas.openxmlformats.org/presentationml/2006/main">
   <p:cSld>
     <p:spTree>
@@ -10340,6 +10393,107 @@
   <p:clrMapOvr>
     <a:masterClrMapping/>
   </p:clrMapOvr>
+  <p:timing>
+    <p:tnLst>
+      <p:par>
+        <p:cTn id="1" dur="indefinite" restart="never" nodeType="tmRoot"/>
+      </p:par>
+    </p:tnLst>
+  </p:timing>
+</p:sld>
+</file>
+
+<file path=ppt/slides/slide44.xml><?xml version="1.0" encoding="utf-8"?>
+<p:sld xmlns:a="http://schemas.openxmlformats.org/drawingml/2006/main" xmlns:r="http://schemas.openxmlformats.org/officeDocument/2006/relationships" xmlns:p="http://schemas.openxmlformats.org/presentationml/2006/main">
+  <p:cSld>
+    <p:spTree>
+      <p:nvGrpSpPr>
+        <p:cNvPr id="1" name=""/>
+        <p:cNvGrpSpPr/>
+        <p:nvPr/>
+      </p:nvGrpSpPr>
+      <p:grpSpPr>
+        <a:xfrm>
+          <a:off x="0" y="0"/>
+          <a:ext cx="0" cy="0"/>
+          <a:chOff x="0" y="0"/>
+          <a:chExt cx="0" cy="0"/>
+        </a:xfrm>
+      </p:grpSpPr>
+      <p:sp>
+        <p:nvSpPr>
+          <p:cNvPr id="2" name="标题 1"/>
+          <p:cNvSpPr>
+            <a:spLocks noGrp="1"/>
+          </p:cNvSpPr>
+          <p:nvPr>
+            <p:ph type="title"/>
+          </p:nvPr>
+        </p:nvSpPr>
+        <p:spPr/>
+        <p:txBody>
+          <a:bodyPr/>
+          <a:lstStyle/>
+          <a:p>
+            <a:r>
+              <a:rPr lang="en-SG" dirty="0" smtClean="0"/>
+              <a:t>Geometry of surface</a:t>
+            </a:r>
+            <a:endParaRPr lang="en-SG" dirty="0"/>
+          </a:p>
+        </p:txBody>
+      </p:sp>
+      <p:sp>
+        <p:nvSpPr>
+          <p:cNvPr id="3" name="内容占位符 2"/>
+          <p:cNvSpPr>
+            <a:spLocks noGrp="1"/>
+          </p:cNvSpPr>
+          <p:nvPr>
+            <p:ph idx="1"/>
+          </p:nvPr>
+        </p:nvSpPr>
+        <p:spPr/>
+        <p:txBody>
+          <a:bodyPr/>
+          <a:lstStyle/>
+          <a:p>
+            <a:r>
+              <a:rPr lang="en-SG" dirty="0" smtClean="0"/>
+              <a:t>Ruled surfaces</a:t>
+            </a:r>
+          </a:p>
+          <a:p>
+            <a:r>
+              <a:rPr lang="en-SG" dirty="0" smtClean="0"/>
+              <a:t>Other standard mathematical surfaces</a:t>
+            </a:r>
+          </a:p>
+          <a:p>
+            <a:r>
+              <a:rPr lang="en-SG" dirty="0" smtClean="0"/>
+              <a:t>NURBS</a:t>
+            </a:r>
+          </a:p>
+          <a:p>
+            <a:r>
+              <a:rPr lang="en-SG" dirty="0" smtClean="0"/>
+              <a:t>Surface modelling</a:t>
+            </a:r>
+            <a:endParaRPr lang="en-SG" dirty="0"/>
+          </a:p>
+        </p:txBody>
+      </p:sp>
+    </p:spTree>
+    <p:extLst>
+      <p:ext uri="{BB962C8B-B14F-4D97-AF65-F5344CB8AC3E}">
+        <p14:creationId xmlns:p14="http://schemas.microsoft.com/office/powerpoint/2010/main" val="995354629"/>
+      </p:ext>
+    </p:extLst>
+  </p:cSld>
+  <p:clrMapOvr>
+    <a:masterClrMapping/>
+  </p:clrMapOvr>
 </p:sld>
 </file>
 
@@ -10372,12 +10526,18 @@
         </p:nvSpPr>
         <p:spPr/>
         <p:txBody>
-          <a:bodyPr/>
-          <a:lstStyle/>
-          <a:p>
-            <a:r>
-              <a:rPr lang="en-SG" dirty="0" smtClean="0"/>
-              <a:t>Geometry of surface</a:t>
+          <a:bodyPr>
+            <a:normAutofit/>
+          </a:bodyPr>
+          <a:lstStyle/>
+          <a:p>
+            <a:r>
+              <a:rPr lang="en-SG" dirty="0"/>
+              <a:t>Ruled </a:t>
+            </a:r>
+            <a:r>
+              <a:rPr lang="en-SG" dirty="0" smtClean="0"/>
+              <a:t>surfaces</a:t>
             </a:r>
             <a:endParaRPr lang="en-SG" dirty="0"/>
           </a:p>
@@ -10398,36 +10558,14 @@
           <a:bodyPr/>
           <a:lstStyle/>
           <a:p>
-            <a:r>
-              <a:rPr lang="en-SG" dirty="0" smtClean="0"/>
-              <a:t>Ruled surfaces</a:t>
-            </a:r>
-          </a:p>
-          <a:p>
-            <a:r>
-              <a:rPr lang="en-SG" dirty="0" smtClean="0"/>
-              <a:t>Other standard mathematical surfaces</a:t>
-            </a:r>
-          </a:p>
-          <a:p>
-            <a:r>
-              <a:rPr lang="en-SG" dirty="0" smtClean="0"/>
-              <a:t>NURBS</a:t>
-            </a:r>
-          </a:p>
-          <a:p>
-            <a:r>
-              <a:rPr lang="en-SG" dirty="0" smtClean="0"/>
-              <a:t>Surface modelling</a:t>
-            </a:r>
-            <a:endParaRPr lang="en-SG" dirty="0"/>
+            <a:endParaRPr lang="en-SG"/>
           </a:p>
         </p:txBody>
       </p:sp>
     </p:spTree>
     <p:extLst>
       <p:ext uri="{BB962C8B-B14F-4D97-AF65-F5344CB8AC3E}">
-        <p14:creationId xmlns:p14="http://schemas.microsoft.com/office/powerpoint/2010/main" val="995354629"/>
+        <p14:creationId xmlns:p14="http://schemas.microsoft.com/office/powerpoint/2010/main" val="4089471478"/>
       </p:ext>
     </p:extLst>
   </p:cSld>
@@ -10472,8 +10610,12 @@
           <a:lstStyle/>
           <a:p>
             <a:r>
-              <a:rPr lang="en-SG" dirty="0"/>
-              <a:t>Ruled </a:t>
+              <a:rPr lang="en-SG" dirty="0" smtClean="0"/>
+              <a:t>Other </a:t>
+            </a:r>
+            <a:r>
+              <a:rPr lang="en-SG" dirty="0"/>
+              <a:t>standard mathematical </a:t>
             </a:r>
             <a:r>
               <a:rPr lang="en-SG" dirty="0" smtClean="0"/>
@@ -10505,7 +10647,7 @@
     </p:spTree>
     <p:extLst>
       <p:ext uri="{BB962C8B-B14F-4D97-AF65-F5344CB8AC3E}">
-        <p14:creationId xmlns:p14="http://schemas.microsoft.com/office/powerpoint/2010/main" val="4089471478"/>
+        <p14:creationId xmlns:p14="http://schemas.microsoft.com/office/powerpoint/2010/main" val="1677274216"/>
       </p:ext>
     </p:extLst>
   </p:cSld>
@@ -10551,15 +10693,7 @@
           <a:p>
             <a:r>
               <a:rPr lang="en-SG" dirty="0" smtClean="0"/>
-              <a:t>Other </a:t>
-            </a:r>
-            <a:r>
-              <a:rPr lang="en-SG" dirty="0"/>
-              <a:t>standard mathematical </a:t>
-            </a:r>
-            <a:r>
-              <a:rPr lang="en-SG" dirty="0" smtClean="0"/>
-              <a:t>surfaces</a:t>
+              <a:t>NURBS</a:t>
             </a:r>
             <a:endParaRPr lang="en-SG" dirty="0"/>
           </a:p>
@@ -10587,7 +10721,7 @@
     </p:spTree>
     <p:extLst>
       <p:ext uri="{BB962C8B-B14F-4D97-AF65-F5344CB8AC3E}">
-        <p14:creationId xmlns:p14="http://schemas.microsoft.com/office/powerpoint/2010/main" val="1677274216"/>
+        <p14:creationId xmlns:p14="http://schemas.microsoft.com/office/powerpoint/2010/main" val="1795151959"/>
       </p:ext>
     </p:extLst>
   </p:cSld>
@@ -10633,7 +10767,7 @@
           <a:p>
             <a:r>
               <a:rPr lang="en-SG" dirty="0" smtClean="0"/>
-              <a:t>NURBS</a:t>
+              <a:t>Surface modelling</a:t>
             </a:r>
             <a:endParaRPr lang="en-SG" dirty="0"/>
           </a:p>
@@ -10661,7 +10795,7 @@
     </p:spTree>
     <p:extLst>
       <p:ext uri="{BB962C8B-B14F-4D97-AF65-F5344CB8AC3E}">
-        <p14:creationId xmlns:p14="http://schemas.microsoft.com/office/powerpoint/2010/main" val="1795151959"/>
+        <p14:creationId xmlns:p14="http://schemas.microsoft.com/office/powerpoint/2010/main" val="3533909986"/>
       </p:ext>
     </p:extLst>
   </p:cSld>
@@ -10700,14 +10834,12 @@
         </p:nvSpPr>
         <p:spPr/>
         <p:txBody>
-          <a:bodyPr>
-            <a:normAutofit/>
-          </a:bodyPr>
-          <a:lstStyle/>
-          <a:p>
-            <a:r>
-              <a:rPr lang="en-SG" dirty="0" smtClean="0"/>
-              <a:t>Surface modelling</a:t>
+          <a:bodyPr/>
+          <a:lstStyle/>
+          <a:p>
+            <a:r>
+              <a:rPr lang="en-SG" dirty="0" smtClean="0"/>
+              <a:t>Boolean operations in CSG</a:t>
             </a:r>
             <a:endParaRPr lang="en-SG" dirty="0"/>
           </a:p>
@@ -10715,12 +10847,12 @@
       </p:sp>
       <p:sp>
         <p:nvSpPr>
-          <p:cNvPr id="3" name="内容占位符 2"/>
-          <p:cNvSpPr>
-            <a:spLocks noGrp="1"/>
-          </p:cNvSpPr>
-          <p:nvPr>
-            <p:ph idx="1"/>
+          <p:cNvPr id="4" name="文本占位符 3"/>
+          <p:cNvSpPr>
+            <a:spLocks noGrp="1"/>
+          </p:cNvSpPr>
+          <p:nvPr>
+            <p:ph type="body" idx="1"/>
           </p:nvPr>
         </p:nvSpPr>
         <p:spPr/>
@@ -10735,7 +10867,7 @@
     </p:spTree>
     <p:extLst>
       <p:ext uri="{BB962C8B-B14F-4D97-AF65-F5344CB8AC3E}">
-        <p14:creationId xmlns:p14="http://schemas.microsoft.com/office/powerpoint/2010/main" val="3533909986"/>
+        <p14:creationId xmlns:p14="http://schemas.microsoft.com/office/powerpoint/2010/main" val="1997754333"/>
       </p:ext>
     </p:extLst>
   </p:cSld>
@@ -10872,78 +11004,6 @@
           <a:lstStyle/>
           <a:p>
             <a:r>
-              <a:rPr lang="en-SG" dirty="0" smtClean="0"/>
-              <a:t>Boolean operations in CSG</a:t>
-            </a:r>
-            <a:endParaRPr lang="en-SG" dirty="0"/>
-          </a:p>
-        </p:txBody>
-      </p:sp>
-      <p:sp>
-        <p:nvSpPr>
-          <p:cNvPr id="4" name="文本占位符 3"/>
-          <p:cNvSpPr>
-            <a:spLocks noGrp="1"/>
-          </p:cNvSpPr>
-          <p:nvPr>
-            <p:ph type="body" idx="1"/>
-          </p:nvPr>
-        </p:nvSpPr>
-        <p:spPr/>
-        <p:txBody>
-          <a:bodyPr/>
-          <a:lstStyle/>
-          <a:p>
-            <a:endParaRPr lang="en-SG"/>
-          </a:p>
-        </p:txBody>
-      </p:sp>
-    </p:spTree>
-    <p:extLst>
-      <p:ext uri="{BB962C8B-B14F-4D97-AF65-F5344CB8AC3E}">
-        <p14:creationId xmlns:p14="http://schemas.microsoft.com/office/powerpoint/2010/main" val="1997754333"/>
-      </p:ext>
-    </p:extLst>
-  </p:cSld>
-  <p:clrMapOvr>
-    <a:masterClrMapping/>
-  </p:clrMapOvr>
-</p:sld>
-</file>
-
-<file path=ppt/slides/slide51.xml><?xml version="1.0" encoding="utf-8"?>
-<p:sld xmlns:a="http://schemas.openxmlformats.org/drawingml/2006/main" xmlns:r="http://schemas.openxmlformats.org/officeDocument/2006/relationships" xmlns:p="http://schemas.openxmlformats.org/presentationml/2006/main">
-  <p:cSld>
-    <p:spTree>
-      <p:nvGrpSpPr>
-        <p:cNvPr id="1" name=""/>
-        <p:cNvGrpSpPr/>
-        <p:nvPr/>
-      </p:nvGrpSpPr>
-      <p:grpSpPr>
-        <a:xfrm>
-          <a:off x="0" y="0"/>
-          <a:ext cx="0" cy="0"/>
-          <a:chOff x="0" y="0"/>
-          <a:chExt cx="0" cy="0"/>
-        </a:xfrm>
-      </p:grpSpPr>
-      <p:sp>
-        <p:nvSpPr>
-          <p:cNvPr id="2" name="标题 1"/>
-          <p:cNvSpPr>
-            <a:spLocks noGrp="1"/>
-          </p:cNvSpPr>
-          <p:nvPr>
-            <p:ph type="title"/>
-          </p:nvPr>
-        </p:nvSpPr>
-        <p:spPr/>
-        <p:txBody>
-          <a:bodyPr/>
-          <a:lstStyle/>
-          <a:p>
-            <a:r>
               <a:rPr lang="en-SG" dirty="0"/>
               <a:t>Constructive solid </a:t>
             </a:r>
@@ -11093,7 +11153,7 @@
 </p:sld>
 </file>
 
-<file path=ppt/slides/slide52.xml><?xml version="1.0" encoding="utf-8"?>
+<file path=ppt/slides/slide51.xml><?xml version="1.0" encoding="utf-8"?>
 <p:sld xmlns:a="http://schemas.openxmlformats.org/drawingml/2006/main" xmlns:r="http://schemas.openxmlformats.org/officeDocument/2006/relationships" xmlns:p="http://schemas.openxmlformats.org/presentationml/2006/main">
   <p:cSld>
     <p:spTree>
@@ -11251,7 +11311,7 @@
           <a:graphicData uri="http://schemas.openxmlformats.org/presentationml/2006/ole">
             <mc:AlternateContent xmlns:mc="http://schemas.openxmlformats.org/markup-compatibility/2006">
               <mc:Choice xmlns:v="urn:schemas-microsoft-com:vml" Requires="v">
-                <p:oleObj spid="_x0000_s8437" name="Equation" r:id="rId6" imgW="419040" imgH="164880" progId="Equation.DSMT4">
+                <p:oleObj spid="_x0000_s8446" name="Equation" r:id="rId6" imgW="419040" imgH="164880" progId="Equation.DSMT4">
                   <p:embed/>
                 </p:oleObj>
               </mc:Choice>
@@ -11308,7 +11368,7 @@
           <a:graphicData uri="http://schemas.openxmlformats.org/presentationml/2006/ole">
             <mc:AlternateContent xmlns:mc="http://schemas.openxmlformats.org/markup-compatibility/2006">
               <mc:Choice xmlns:v="urn:schemas-microsoft-com:vml" Requires="v">
-                <p:oleObj spid="_x0000_s8438" name="Equation" r:id="rId8" imgW="380880" imgH="406080" progId="Equation.DSMT4">
+                <p:oleObj spid="_x0000_s8447" name="Equation" r:id="rId8" imgW="380880" imgH="406080" progId="Equation.DSMT4">
                   <p:embed/>
                 </p:oleObj>
               </mc:Choice>
@@ -11361,7 +11421,7 @@
           <a:graphicData uri="http://schemas.openxmlformats.org/presentationml/2006/ole">
             <mc:AlternateContent xmlns:mc="http://schemas.openxmlformats.org/markup-compatibility/2006">
               <mc:Choice xmlns:v="urn:schemas-microsoft-com:vml" Requires="v">
-                <p:oleObj spid="_x0000_s8439" name="Equation" r:id="rId10" imgW="419040" imgH="164880" progId="Equation.DSMT4">
+                <p:oleObj spid="_x0000_s8448" name="Equation" r:id="rId10" imgW="419040" imgH="164880" progId="Equation.DSMT4">
                   <p:embed/>
                 </p:oleObj>
               </mc:Choice>
@@ -11409,7 +11469,7 @@
 </p:sld>
 </file>
 
-<file path=ppt/slides/slide53.xml><?xml version="1.0" encoding="utf-8"?>
+<file path=ppt/slides/slide52.xml><?xml version="1.0" encoding="utf-8"?>
 <p:sld xmlns:a="http://schemas.openxmlformats.org/drawingml/2006/main" xmlns:r="http://schemas.openxmlformats.org/officeDocument/2006/relationships" xmlns:p="http://schemas.openxmlformats.org/presentationml/2006/main">
   <p:cSld>
     <p:spTree>
@@ -11547,7 +11607,7 @@
 </p:sld>
 </file>
 
-<file path=ppt/slides/slide54.xml><?xml version="1.0" encoding="utf-8"?>
+<file path=ppt/slides/slide53.xml><?xml version="1.0" encoding="utf-8"?>
 <p:sld xmlns:a="http://schemas.openxmlformats.org/drawingml/2006/main" xmlns:r="http://schemas.openxmlformats.org/officeDocument/2006/relationships" xmlns:p="http://schemas.openxmlformats.org/presentationml/2006/main">
   <p:cSld>
     <p:spTree>
@@ -11654,7 +11714,7 @@
 </p:sld>
 </file>
 
-<file path=ppt/slides/slide55.xml><?xml version="1.0" encoding="utf-8"?>
+<file path=ppt/slides/slide54.xml><?xml version="1.0" encoding="utf-8"?>
 <p:sld xmlns:a="http://schemas.openxmlformats.org/drawingml/2006/main" xmlns:r="http://schemas.openxmlformats.org/officeDocument/2006/relationships" xmlns:p="http://schemas.openxmlformats.org/presentationml/2006/main">
   <p:cSld>
     <p:spTree>
@@ -11726,7 +11786,7 @@
 </p:sld>
 </file>
 
-<file path=ppt/slides/slide56.xml><?xml version="1.0" encoding="utf-8"?>
+<file path=ppt/slides/slide55.xml><?xml version="1.0" encoding="utf-8"?>
 <p:sld xmlns:a="http://schemas.openxmlformats.org/drawingml/2006/main" xmlns:r="http://schemas.openxmlformats.org/officeDocument/2006/relationships" xmlns:p="http://schemas.openxmlformats.org/presentationml/2006/main">
   <p:cSld>
     <p:spTree>
@@ -11834,7 +11894,7 @@
 </p:sld>
 </file>
 
-<file path=ppt/slides/slide57.xml><?xml version="1.0" encoding="utf-8"?>
+<file path=ppt/slides/slide56.xml><?xml version="1.0" encoding="utf-8"?>
 <p:sld xmlns:a="http://schemas.openxmlformats.org/drawingml/2006/main" xmlns:r="http://schemas.openxmlformats.org/officeDocument/2006/relationships" xmlns:p="http://schemas.openxmlformats.org/presentationml/2006/main">
   <p:cSld>
     <p:spTree>
@@ -11888,7 +11948,7 @@
 </p:sld>
 </file>
 
-<file path=ppt/slides/slide58.xml><?xml version="1.0" encoding="utf-8"?>
+<file path=ppt/slides/slide57.xml><?xml version="1.0" encoding="utf-8"?>
 <p:sld xmlns:a="http://schemas.openxmlformats.org/drawingml/2006/main" xmlns:r="http://schemas.openxmlformats.org/officeDocument/2006/relationships" xmlns:p="http://schemas.openxmlformats.org/presentationml/2006/main">
   <p:cSld>
     <p:spTree>
@@ -11996,7 +12056,7 @@
 </p:sld>
 </file>
 
-<file path=ppt/slides/slide59.xml><?xml version="1.0" encoding="utf-8"?>
+<file path=ppt/slides/slide58.xml><?xml version="1.0" encoding="utf-8"?>
 <p:sld xmlns:a="http://schemas.openxmlformats.org/drawingml/2006/main" xmlns:r="http://schemas.openxmlformats.org/officeDocument/2006/relationships" xmlns:p="http://schemas.openxmlformats.org/presentationml/2006/main">
   <p:cSld>
     <p:spTree>
@@ -12132,6 +12192,132 @@
 </p:sld>
 </file>
 
+<file path=ppt/slides/slide59.xml><?xml version="1.0" encoding="utf-8"?>
+<p:sld xmlns:a="http://schemas.openxmlformats.org/drawingml/2006/main" xmlns:r="http://schemas.openxmlformats.org/officeDocument/2006/relationships" xmlns:p="http://schemas.openxmlformats.org/presentationml/2006/main">
+  <p:cSld>
+    <p:spTree>
+      <p:nvGrpSpPr>
+        <p:cNvPr id="1" name=""/>
+        <p:cNvGrpSpPr/>
+        <p:nvPr/>
+      </p:nvGrpSpPr>
+      <p:grpSpPr>
+        <a:xfrm>
+          <a:off x="0" y="0"/>
+          <a:ext cx="0" cy="0"/>
+          <a:chOff x="0" y="0"/>
+          <a:chExt cx="0" cy="0"/>
+        </a:xfrm>
+      </p:grpSpPr>
+      <p:sp>
+        <p:nvSpPr>
+          <p:cNvPr id="2" name="标题 1"/>
+          <p:cNvSpPr>
+            <a:spLocks noGrp="1"/>
+          </p:cNvSpPr>
+          <p:nvPr>
+            <p:ph type="title"/>
+          </p:nvPr>
+        </p:nvSpPr>
+        <p:spPr/>
+        <p:txBody>
+          <a:bodyPr/>
+          <a:lstStyle/>
+          <a:p>
+            <a:r>
+              <a:rPr lang="en-SG" dirty="0"/>
+              <a:t>Sketch method</a:t>
+            </a:r>
+          </a:p>
+        </p:txBody>
+      </p:sp>
+      <p:sp>
+        <p:nvSpPr>
+          <p:cNvPr id="3" name="内容占位符 2"/>
+          <p:cNvSpPr>
+            <a:spLocks noGrp="1"/>
+          </p:cNvSpPr>
+          <p:nvPr>
+            <p:ph idx="1"/>
+          </p:nvPr>
+        </p:nvSpPr>
+        <p:spPr/>
+        <p:txBody>
+          <a:bodyPr/>
+          <a:lstStyle/>
+          <a:p>
+            <a:r>
+              <a:rPr lang="en-SG" dirty="0" smtClean="0"/>
+              <a:t>The main steps of sketch method to create 3D models are</a:t>
+            </a:r>
+          </a:p>
+          <a:p>
+            <a:pPr marL="914400" lvl="1" indent="-457200">
+              <a:buFont typeface="+mj-lt"/>
+              <a:buAutoNum type="arabicPeriod"/>
+            </a:pPr>
+            <a:r>
+              <a:rPr lang="en-SG" dirty="0" smtClean="0"/>
+              <a:t>Define a sketch plane as cross section;</a:t>
+            </a:r>
+          </a:p>
+          <a:p>
+            <a:pPr marL="914400" lvl="1" indent="-457200">
+              <a:buFont typeface="+mj-lt"/>
+              <a:buAutoNum type="arabicPeriod"/>
+            </a:pPr>
+            <a:r>
+              <a:rPr lang="en-SG" dirty="0" smtClean="0"/>
+              <a:t>Sketch 2D shapes on the cross section;</a:t>
+            </a:r>
+          </a:p>
+          <a:p>
+            <a:pPr marL="914400" lvl="1" indent="-457200">
+              <a:buFont typeface="+mj-lt"/>
+              <a:buAutoNum type="arabicPeriod"/>
+            </a:pPr>
+            <a:r>
+              <a:rPr lang="en-SG" dirty="0" smtClean="0"/>
+              <a:t>Constraint 2D shapes with accurate dimensions;</a:t>
+            </a:r>
+          </a:p>
+          <a:p>
+            <a:pPr marL="914400" lvl="1" indent="-457200">
+              <a:buFont typeface="+mj-lt"/>
+              <a:buAutoNum type="arabicPeriod"/>
+            </a:pPr>
+            <a:r>
+              <a:rPr lang="en-SG" dirty="0" smtClean="0"/>
+              <a:t>Perform 2D to </a:t>
+            </a:r>
+            <a:r>
+              <a:rPr lang="en-SG" smtClean="0"/>
+              <a:t>3D operations.</a:t>
+            </a:r>
+            <a:endParaRPr lang="en-SG" dirty="0" smtClean="0"/>
+          </a:p>
+          <a:p>
+            <a:pPr marL="914400" lvl="1" indent="-457200">
+              <a:buFont typeface="+mj-lt"/>
+              <a:buAutoNum type="arabicPeriod"/>
+            </a:pPr>
+            <a:endParaRPr lang="en-SG" dirty="0"/>
+          </a:p>
+        </p:txBody>
+      </p:sp>
+    </p:spTree>
+    <p:extLst>
+      <p:ext uri="{BB962C8B-B14F-4D97-AF65-F5344CB8AC3E}">
+        <p14:creationId xmlns:p14="http://schemas.microsoft.com/office/powerpoint/2010/main" val="4198518572"/>
+      </p:ext>
+    </p:extLst>
+  </p:cSld>
+  <p:clrMapOvr>
+    <a:masterClrMapping/>
+  </p:clrMapOvr>
+</p:sld>
+</file>
+
 <file path=ppt/slides/slide6.xml><?xml version="1.0" encoding="utf-8"?>
 <p:sld xmlns:a="http://schemas.openxmlformats.org/drawingml/2006/main" xmlns:r="http://schemas.openxmlformats.org/officeDocument/2006/relationships" xmlns:p="http://schemas.openxmlformats.org/presentationml/2006/main">
   <p:cSld>
@@ -12223,7 +12409,7 @@
       </p:grpSpPr>
       <p:sp>
         <p:nvSpPr>
-          <p:cNvPr id="2" name="标题 1"/>
+          <p:cNvPr id="4" name="标题 3"/>
           <p:cNvSpPr>
             <a:spLocks noGrp="1"/>
           </p:cNvSpPr>
@@ -12238,89 +12424,39 @@
           <a:p>
             <a:r>
               <a:rPr lang="en-SG" dirty="0"/>
-              <a:t>Sketch method</a:t>
-            </a:r>
-          </a:p>
-        </p:txBody>
-      </p:sp>
-      <p:sp>
-        <p:nvSpPr>
-          <p:cNvPr id="3" name="内容占位符 2"/>
-          <p:cNvSpPr>
-            <a:spLocks noGrp="1"/>
-          </p:cNvSpPr>
-          <p:nvPr>
-            <p:ph idx="1"/>
-          </p:nvPr>
-        </p:nvSpPr>
-        <p:spPr/>
-        <p:txBody>
-          <a:bodyPr/>
-          <a:lstStyle/>
-          <a:p>
-            <a:r>
-              <a:rPr lang="en-SG" dirty="0" smtClean="0"/>
-              <a:t>The main steps of sketch method to create 3D models are</a:t>
-            </a:r>
-          </a:p>
-          <a:p>
-            <a:pPr marL="914400" lvl="1" indent="-457200">
-              <a:buFont typeface="+mj-lt"/>
-              <a:buAutoNum type="arabicPeriod"/>
-            </a:pPr>
-            <a:r>
-              <a:rPr lang="en-SG" dirty="0" smtClean="0"/>
-              <a:t>Define a sketch plane as cross section;</a:t>
-            </a:r>
-          </a:p>
-          <a:p>
-            <a:pPr marL="914400" lvl="1" indent="-457200">
-              <a:buFont typeface="+mj-lt"/>
-              <a:buAutoNum type="arabicPeriod"/>
-            </a:pPr>
-            <a:r>
-              <a:rPr lang="en-SG" dirty="0" smtClean="0"/>
-              <a:t>Sketch 2D shapes on the cross section;</a:t>
-            </a:r>
-          </a:p>
-          <a:p>
-            <a:pPr marL="914400" lvl="1" indent="-457200">
-              <a:buFont typeface="+mj-lt"/>
-              <a:buAutoNum type="arabicPeriod"/>
-            </a:pPr>
-            <a:r>
-              <a:rPr lang="en-SG" dirty="0" smtClean="0"/>
-              <a:t>Constraint 2D shapes with accurate dimensions;</a:t>
-            </a:r>
-          </a:p>
-          <a:p>
-            <a:pPr marL="914400" lvl="1" indent="-457200">
-              <a:buFont typeface="+mj-lt"/>
-              <a:buAutoNum type="arabicPeriod"/>
-            </a:pPr>
-            <a:r>
-              <a:rPr lang="en-SG" dirty="0" smtClean="0"/>
-              <a:t>Perform 2D to </a:t>
-            </a:r>
-            <a:r>
-              <a:rPr lang="en-SG" smtClean="0"/>
-              <a:t>3D operations.</a:t>
-            </a:r>
-            <a:endParaRPr lang="en-SG" dirty="0" smtClean="0"/>
-          </a:p>
-          <a:p>
-            <a:pPr marL="914400" lvl="1" indent="-457200">
-              <a:buFont typeface="+mj-lt"/>
-              <a:buAutoNum type="arabicPeriod"/>
-            </a:pPr>
+              <a:t>Key disciplines of modelling in </a:t>
+            </a:r>
+            <a:r>
+              <a:rPr lang="en-SG" dirty="0" err="1"/>
+              <a:t>Solidworks</a:t>
+            </a:r>
             <a:endParaRPr lang="en-SG" dirty="0"/>
+          </a:p>
+        </p:txBody>
+      </p:sp>
+      <p:sp>
+        <p:nvSpPr>
+          <p:cNvPr id="5" name="文本占位符 4"/>
+          <p:cNvSpPr>
+            <a:spLocks noGrp="1"/>
+          </p:cNvSpPr>
+          <p:nvPr>
+            <p:ph type="body" idx="1"/>
+          </p:nvPr>
+        </p:nvSpPr>
+        <p:spPr/>
+        <p:txBody>
+          <a:bodyPr/>
+          <a:lstStyle/>
+          <a:p>
+            <a:endParaRPr lang="en-SG"/>
           </a:p>
         </p:txBody>
       </p:sp>
     </p:spTree>
     <p:extLst>
       <p:ext uri="{BB962C8B-B14F-4D97-AF65-F5344CB8AC3E}">
-        <p14:creationId xmlns:p14="http://schemas.microsoft.com/office/powerpoint/2010/main" val="4198518572"/>
+        <p14:creationId xmlns:p14="http://schemas.microsoft.com/office/powerpoint/2010/main" val="2395669259"/>
       </p:ext>
     </p:extLst>
   </p:cSld>
@@ -12349,7 +12485,7 @@
       </p:grpSpPr>
       <p:sp>
         <p:nvSpPr>
-          <p:cNvPr id="4" name="标题 3"/>
+          <p:cNvPr id="2" name="标题 1"/>
           <p:cNvSpPr>
             <a:spLocks noGrp="1"/>
           </p:cNvSpPr>
@@ -12363,40 +12499,71 @@
           <a:lstStyle/>
           <a:p>
             <a:r>
-              <a:rPr lang="en-SG" dirty="0"/>
+              <a:rPr lang="en-SG" dirty="0" smtClean="0"/>
               <a:t>Key disciplines of modelling in </a:t>
             </a:r>
             <a:r>
-              <a:rPr lang="en-SG" dirty="0" err="1"/>
+              <a:rPr lang="en-SG" dirty="0" err="1" smtClean="0"/>
               <a:t>Solidworks</a:t>
             </a:r>
+            <a:endParaRPr lang="en-SG" baseline="30000" dirty="0"/>
+          </a:p>
+        </p:txBody>
+      </p:sp>
+      <p:sp>
+        <p:nvSpPr>
+          <p:cNvPr id="3" name="内容占位符 2"/>
+          <p:cNvSpPr>
+            <a:spLocks noGrp="1"/>
+          </p:cNvSpPr>
+          <p:nvPr>
+            <p:ph idx="1"/>
+          </p:nvPr>
+        </p:nvSpPr>
+        <p:spPr/>
+        <p:txBody>
+          <a:bodyPr/>
+          <a:lstStyle/>
+          <a:p>
+            <a:r>
+              <a:rPr lang="en-SG" dirty="0" smtClean="0"/>
+              <a:t>For basic bodies, generate 3D model by taking use of 2D shapes;</a:t>
+            </a:r>
+          </a:p>
+          <a:p>
+            <a:r>
+              <a:rPr lang="en-SG" dirty="0" smtClean="0"/>
+              <a:t>Combine basic bodies to create a complex body;</a:t>
+            </a:r>
+          </a:p>
+          <a:p>
+            <a:r>
+              <a:rPr lang="en-SG" dirty="0"/>
+              <a:t>R</a:t>
+            </a:r>
+            <a:r>
+              <a:rPr lang="en-SG" dirty="0" smtClean="0"/>
+              <a:t>epeated bodies can be made through array operations;</a:t>
+            </a:r>
+          </a:p>
+          <a:p>
+            <a:pPr marL="0" indent="0">
+              <a:buNone/>
+            </a:pPr>
+            <a:r>
+              <a:rPr lang="en-SG" dirty="0" smtClean="0"/>
+              <a:t> </a:t>
+            </a:r>
+          </a:p>
+          <a:p>
             <a:endParaRPr lang="en-SG" dirty="0"/>
-          </a:p>
-        </p:txBody>
-      </p:sp>
-      <p:sp>
-        <p:nvSpPr>
-          <p:cNvPr id="5" name="文本占位符 4"/>
-          <p:cNvSpPr>
-            <a:spLocks noGrp="1"/>
-          </p:cNvSpPr>
-          <p:nvPr>
-            <p:ph type="body" idx="1"/>
-          </p:nvPr>
-        </p:nvSpPr>
-        <p:spPr/>
-        <p:txBody>
-          <a:bodyPr/>
-          <a:lstStyle/>
-          <a:p>
-            <a:endParaRPr lang="en-SG"/>
           </a:p>
         </p:txBody>
       </p:sp>
     </p:spTree>
     <p:extLst>
       <p:ext uri="{BB962C8B-B14F-4D97-AF65-F5344CB8AC3E}">
-        <p14:creationId xmlns:p14="http://schemas.microsoft.com/office/powerpoint/2010/main" val="2395669259"/>
+        <p14:creationId xmlns:p14="http://schemas.microsoft.com/office/powerpoint/2010/main" val="164022275"/>
       </p:ext>
     </p:extLst>
   </p:cSld>
@@ -12440,13 +12607,8 @@
           <a:p>
             <a:r>
               <a:rPr lang="en-SG" dirty="0" smtClean="0"/>
-              <a:t>Key disciplines of modelling in </a:t>
-            </a:r>
-            <a:r>
-              <a:rPr lang="en-SG" dirty="0" err="1" smtClean="0"/>
-              <a:t>Solidworks</a:t>
-            </a:r>
-            <a:endParaRPr lang="en-SG" baseline="30000" dirty="0"/>
+              <a:t>Coordinate system</a:t>
+            </a:r>
           </a:p>
         </p:txBody>
       </p:sp>
@@ -12462,40 +12624,93 @@
         </p:nvSpPr>
         <p:spPr/>
         <p:txBody>
-          <a:bodyPr/>
-          <a:lstStyle/>
-          <a:p>
-            <a:r>
-              <a:rPr lang="en-SG" dirty="0" smtClean="0"/>
-              <a:t>For basic bodies, generate 3D model by taking use of 2D shapes;</a:t>
-            </a:r>
-          </a:p>
-          <a:p>
-            <a:r>
-              <a:rPr lang="en-SG" dirty="0" smtClean="0"/>
-              <a:t>Combine basic bodies to create a complex body;</a:t>
-            </a:r>
-          </a:p>
-          <a:p>
-            <a:r>
-              <a:rPr lang="en-SG" dirty="0"/>
-              <a:t>R</a:t>
-            </a:r>
-            <a:r>
-              <a:rPr lang="en-SG" dirty="0" smtClean="0"/>
-              <a:t>epeated bodies can be made through array operations;</a:t>
-            </a:r>
-          </a:p>
-          <a:p>
-            <a:pPr marL="0" indent="0">
-              <a:buNone/>
-            </a:pPr>
-            <a:r>
-              <a:rPr lang="en-SG" dirty="0" smtClean="0"/>
-              <a:t> </a:t>
-            </a:r>
-          </a:p>
-          <a:p>
+          <a:bodyPr>
+            <a:normAutofit fontScale="92500" lnSpcReduction="10000"/>
+          </a:bodyPr>
+          <a:lstStyle/>
+          <a:p>
+            <a:r>
+              <a:rPr lang="en-SG" dirty="0">
+                <a:solidFill>
+                  <a:srgbClr val="FF0000"/>
+                </a:solidFill>
+              </a:rPr>
+              <a:t>Coordinate systems are the most important concept in a CAD system. They are used </a:t>
+            </a:r>
+            <a:r>
+              <a:rPr lang="en-SG" dirty="0" smtClean="0">
+                <a:solidFill>
+                  <a:srgbClr val="FF0000"/>
+                </a:solidFill>
+              </a:rPr>
+              <a:t>to  </a:t>
+            </a:r>
+            <a:r>
+              <a:rPr lang="en-SG" dirty="0">
+                <a:solidFill>
+                  <a:srgbClr val="FF0000"/>
+                </a:solidFill>
+              </a:rPr>
+              <a:t>input,  store,  and  display  geometric  model.  There  are  three  kinds  of  coordinate </a:t>
+            </a:r>
+            <a:r>
+              <a:rPr lang="en-SG" dirty="0" smtClean="0">
+                <a:solidFill>
+                  <a:srgbClr val="FF0000"/>
+                </a:solidFill>
+              </a:rPr>
+              <a:t>systems</a:t>
+            </a:r>
+            <a:r>
+              <a:rPr lang="en-SG" dirty="0">
+                <a:solidFill>
+                  <a:srgbClr val="FF0000"/>
+                </a:solidFill>
+              </a:rPr>
+              <a:t>, that is, model coordinate system (MCS), working coordinate system (WCS), </a:t>
+            </a:r>
+            <a:r>
+              <a:rPr lang="en-SG" dirty="0" smtClean="0">
+                <a:solidFill>
+                  <a:srgbClr val="FF0000"/>
+                </a:solidFill>
+              </a:rPr>
+              <a:t>and </a:t>
+            </a:r>
+            <a:r>
+              <a:rPr lang="en-SG" dirty="0">
+                <a:solidFill>
+                  <a:srgbClr val="FF0000"/>
+                </a:solidFill>
+              </a:rPr>
+              <a:t>screen coordinate system (SCS).</a:t>
+            </a:r>
+          </a:p>
+          <a:p>
+            <a:r>
+              <a:rPr lang="en-SG" dirty="0" smtClean="0"/>
+              <a:t>By default, there are already a coordinates system provided for user by SOLIDWORKS every time you open a new modelling project. Usually</a:t>
+            </a:r>
+            <a:r>
+              <a:rPr lang="en-SG" dirty="0"/>
+              <a:t>, at the lower-left corner of the canvas, you can notice the symbol of coordinate system with three axes</a:t>
+            </a:r>
+            <a:r>
+              <a:rPr lang="en-SG" dirty="0" smtClean="0"/>
+              <a:t>.</a:t>
+            </a:r>
+          </a:p>
+          <a:p>
+            <a:r>
+              <a:rPr lang="en-SG" dirty="0" smtClean="0"/>
+              <a:t>Whenever user need to carry on some location or orientation related modelling steps, the coordination system should be considered.</a:t>
+            </a:r>
+          </a:p>
+          <a:p>
+            <a:r>
+              <a:rPr lang="en-US" dirty="0" smtClean="0"/>
+              <a:t>For example, in the scenarios of re-oriented a model or two models comparing user should define his own reference coordinate systems. </a:t>
+            </a:r>
             <a:endParaRPr lang="en-SG" dirty="0"/>
           </a:p>
         </p:txBody>
@@ -12503,7 +12718,7 @@
     </p:spTree>
     <p:extLst>
       <p:ext uri="{BB962C8B-B14F-4D97-AF65-F5344CB8AC3E}">
-        <p14:creationId xmlns:p14="http://schemas.microsoft.com/office/powerpoint/2010/main" val="164022275"/>
+        <p14:creationId xmlns:p14="http://schemas.microsoft.com/office/powerpoint/2010/main" val="1304840193"/>
       </p:ext>
     </p:extLst>
   </p:cSld>
@@ -12547,8 +12762,9 @@
           <a:p>
             <a:r>
               <a:rPr lang="en-SG" dirty="0" smtClean="0"/>
-              <a:t>Coordinate system</a:t>
-            </a:r>
+              <a:t>References objects</a:t>
+            </a:r>
+            <a:endParaRPr lang="en-SG" dirty="0"/>
           </a:p>
         </p:txBody>
       </p:sp>
@@ -12564,93 +12780,27 @@
         </p:nvSpPr>
         <p:spPr/>
         <p:txBody>
-          <a:bodyPr>
-            <a:normAutofit fontScale="92500" lnSpcReduction="10000"/>
-          </a:bodyPr>
-          <a:lstStyle/>
-          <a:p>
-            <a:r>
-              <a:rPr lang="en-SG" dirty="0">
-                <a:solidFill>
-                  <a:srgbClr val="FF0000"/>
-                </a:solidFill>
-              </a:rPr>
-              <a:t>Coordinate systems are the most important concept in a CAD system. They are used </a:t>
-            </a:r>
-            <a:r>
-              <a:rPr lang="en-SG" dirty="0" smtClean="0">
-                <a:solidFill>
-                  <a:srgbClr val="FF0000"/>
-                </a:solidFill>
-              </a:rPr>
-              <a:t>to  </a:t>
-            </a:r>
-            <a:r>
-              <a:rPr lang="en-SG" dirty="0">
-                <a:solidFill>
-                  <a:srgbClr val="FF0000"/>
-                </a:solidFill>
-              </a:rPr>
-              <a:t>input,  store,  and  display  geometric  model.  There  are  three  kinds  of  coordinate </a:t>
-            </a:r>
-            <a:r>
-              <a:rPr lang="en-SG" dirty="0" smtClean="0">
-                <a:solidFill>
-                  <a:srgbClr val="FF0000"/>
-                </a:solidFill>
-              </a:rPr>
-              <a:t>systems</a:t>
-            </a:r>
-            <a:r>
-              <a:rPr lang="en-SG" dirty="0">
-                <a:solidFill>
-                  <a:srgbClr val="FF0000"/>
-                </a:solidFill>
-              </a:rPr>
-              <a:t>, that is, model coordinate system (MCS), working coordinate system (WCS), </a:t>
-            </a:r>
-            <a:r>
-              <a:rPr lang="en-SG" dirty="0" smtClean="0">
-                <a:solidFill>
-                  <a:srgbClr val="FF0000"/>
-                </a:solidFill>
-              </a:rPr>
-              <a:t>and </a:t>
-            </a:r>
-            <a:r>
-              <a:rPr lang="en-SG" dirty="0">
-                <a:solidFill>
-                  <a:srgbClr val="FF0000"/>
-                </a:solidFill>
-              </a:rPr>
-              <a:t>screen coordinate system (SCS).</a:t>
-            </a:r>
-          </a:p>
-          <a:p>
-            <a:r>
-              <a:rPr lang="en-SG" dirty="0" smtClean="0"/>
-              <a:t>By default, there are already a coordinates system provided for user by SOLIDWORKS every time you open a new modelling project. Usually</a:t>
-            </a:r>
-            <a:r>
-              <a:rPr lang="en-SG" dirty="0"/>
-              <a:t>, at the lower-left corner of the canvas, you can notice the symbol of coordinate system with three axes</a:t>
-            </a:r>
-            <a:r>
-              <a:rPr lang="en-SG" dirty="0" smtClean="0"/>
-              <a:t>.</a:t>
-            </a:r>
-          </a:p>
-          <a:p>
-            <a:r>
-              <a:rPr lang="en-SG" dirty="0" smtClean="0"/>
-              <a:t>Whenever user need to carry on some location or orientation related modelling steps, the coordination system should be considered.</a:t>
-            </a:r>
-          </a:p>
-          <a:p>
-            <a:r>
-              <a:rPr lang="en-US" dirty="0" smtClean="0"/>
-              <a:t>For example, in the scenarios of re-oriented a model or two models comparing user should define his own reference coordinate systems. </a:t>
-            </a:r>
+          <a:bodyPr/>
+          <a:lstStyle/>
+          <a:p>
+            <a:r>
+              <a:rPr lang="en-SG" dirty="0" smtClean="0"/>
+              <a:t>Reference points</a:t>
+            </a:r>
+          </a:p>
+          <a:p>
+            <a:r>
+              <a:rPr lang="en-SG" dirty="0" smtClean="0"/>
+              <a:t>Reference vectors/axes</a:t>
+            </a:r>
+          </a:p>
+          <a:p>
+            <a:r>
+              <a:rPr lang="en-SG" dirty="0" smtClean="0"/>
+              <a:t>Reference plane</a:t>
+            </a:r>
+          </a:p>
+          <a:p>
             <a:endParaRPr lang="en-SG" dirty="0"/>
           </a:p>
         </p:txBody>
@@ -12658,7 +12808,7 @@
     </p:spTree>
     <p:extLst>
       <p:ext uri="{BB962C8B-B14F-4D97-AF65-F5344CB8AC3E}">
-        <p14:creationId xmlns:p14="http://schemas.microsoft.com/office/powerpoint/2010/main" val="1304840193"/>
+        <p14:creationId xmlns:p14="http://schemas.microsoft.com/office/powerpoint/2010/main" val="224841182"/>
       </p:ext>
     </p:extLst>
   </p:cSld>
@@ -12702,7 +12852,7 @@
           <a:p>
             <a:r>
               <a:rPr lang="en-SG" dirty="0" smtClean="0"/>
-              <a:t>References objects</a:t>
+              <a:t>Sketch</a:t>
             </a:r>
             <a:endParaRPr lang="en-SG" dirty="0"/>
           </a:p>
@@ -12725,22 +12875,44 @@
           <a:p>
             <a:r>
               <a:rPr lang="en-SG" dirty="0" smtClean="0"/>
-              <a:t>Reference points</a:t>
-            </a:r>
-          </a:p>
-          <a:p>
-            <a:r>
-              <a:rPr lang="en-SG" dirty="0" smtClean="0"/>
-              <a:t>Reference vectors/axes</a:t>
-            </a:r>
-          </a:p>
-          <a:p>
-            <a:r>
-              <a:rPr lang="en-SG" dirty="0" smtClean="0"/>
-              <a:t>Reference plane</a:t>
-            </a:r>
-          </a:p>
-          <a:p>
+              <a:t>Plane curves</a:t>
+            </a:r>
+          </a:p>
+          <a:p>
+            <a:r>
+              <a:rPr lang="en-SG" dirty="0" smtClean="0"/>
+              <a:t>Two types of Constraint</a:t>
+            </a:r>
+          </a:p>
+          <a:p>
+            <a:pPr lvl="1"/>
+            <a:r>
+              <a:rPr lang="en-SG" dirty="0"/>
+              <a:t>Dimensional </a:t>
+            </a:r>
+            <a:r>
+              <a:rPr lang="en-SG" dirty="0" smtClean="0"/>
+              <a:t>constraints: length and angle</a:t>
+            </a:r>
+          </a:p>
+          <a:p>
+            <a:pPr lvl="1"/>
+            <a:r>
+              <a:rPr lang="en-SG" dirty="0" smtClean="0"/>
+              <a:t>Geometric constraints: parallel, perpendicular, normal</a:t>
+            </a:r>
+            <a:r>
+              <a:rPr lang="en-SG" dirty="0"/>
+              <a:t>, tangent, </a:t>
+            </a:r>
+            <a:r>
+              <a:rPr lang="en-SG" dirty="0" smtClean="0"/>
+              <a:t>concentric</a:t>
+            </a:r>
+            <a:r>
+              <a:rPr lang="en-SG" smtClean="0"/>
+              <a:t>, etc.</a:t>
+            </a:r>
             <a:endParaRPr lang="en-SG" dirty="0"/>
           </a:p>
         </p:txBody>
@@ -12748,7 +12920,7 @@
     </p:spTree>
     <p:extLst>
       <p:ext uri="{BB962C8B-B14F-4D97-AF65-F5344CB8AC3E}">
-        <p14:creationId xmlns:p14="http://schemas.microsoft.com/office/powerpoint/2010/main" val="224841182"/>
+        <p14:creationId xmlns:p14="http://schemas.microsoft.com/office/powerpoint/2010/main" val="579798063"/>
       </p:ext>
     </p:extLst>
   </p:cSld>
@@ -12782,17 +12954,17 @@
             <a:spLocks noGrp="1"/>
           </p:cNvSpPr>
           <p:nvPr>
-            <p:ph type="title"/>
-          </p:nvPr>
-        </p:nvSpPr>
-        <p:spPr/>
-        <p:txBody>
-          <a:bodyPr/>
-          <a:lstStyle/>
-          <a:p>
-            <a:r>
-              <a:rPr lang="en-SG" dirty="0" smtClean="0"/>
-              <a:t>Sketch</a:t>
+            <p:ph type="ctrTitle"/>
+          </p:nvPr>
+        </p:nvSpPr>
+        <p:spPr/>
+        <p:txBody>
+          <a:bodyPr/>
+          <a:lstStyle/>
+          <a:p>
+            <a:r>
+              <a:rPr lang="en-SG" dirty="0" smtClean="0"/>
+              <a:t>CAM</a:t>
             </a:r>
             <a:endParaRPr lang="en-SG" dirty="0"/>
           </a:p>
@@ -12800,67 +12972,27 @@
       </p:sp>
       <p:sp>
         <p:nvSpPr>
-          <p:cNvPr id="3" name="内容占位符 2"/>
-          <p:cNvSpPr>
-            <a:spLocks noGrp="1"/>
-          </p:cNvSpPr>
-          <p:nvPr>
-            <p:ph idx="1"/>
-          </p:nvPr>
-        </p:nvSpPr>
-        <p:spPr/>
-        <p:txBody>
-          <a:bodyPr/>
-          <a:lstStyle/>
-          <a:p>
-            <a:r>
-              <a:rPr lang="en-SG" dirty="0" smtClean="0"/>
-              <a:t>Plane curves</a:t>
-            </a:r>
-          </a:p>
-          <a:p>
-            <a:r>
-              <a:rPr lang="en-SG" dirty="0" smtClean="0"/>
-              <a:t>Two types of Constraint</a:t>
-            </a:r>
-          </a:p>
-          <a:p>
-            <a:pPr lvl="1"/>
-            <a:r>
-              <a:rPr lang="en-SG" dirty="0"/>
-              <a:t>Dimensional </a:t>
-            </a:r>
-            <a:r>
-              <a:rPr lang="en-SG" dirty="0" smtClean="0"/>
-              <a:t>constraints: length and angle</a:t>
-            </a:r>
-          </a:p>
-          <a:p>
-            <a:pPr lvl="1"/>
-            <a:r>
-              <a:rPr lang="en-SG" dirty="0" smtClean="0"/>
-              <a:t>Geometric constraints: parallel, perpendicular, normal</a:t>
-            </a:r>
-            <a:r>
-              <a:rPr lang="en-SG" dirty="0"/>
-              <a:t>, tangent, </a:t>
-            </a:r>
-            <a:r>
-              <a:rPr lang="en-SG" dirty="0" smtClean="0"/>
-              <a:t>concentric</a:t>
-            </a:r>
-            <a:r>
-              <a:rPr lang="en-SG" smtClean="0"/>
-              <a:t>, etc.</a:t>
-            </a:r>
-            <a:endParaRPr lang="en-SG" dirty="0"/>
+          <p:cNvPr id="3" name="副标题 2"/>
+          <p:cNvSpPr>
+            <a:spLocks noGrp="1"/>
+          </p:cNvSpPr>
+          <p:nvPr>
+            <p:ph type="subTitle" idx="1"/>
+          </p:nvPr>
+        </p:nvSpPr>
+        <p:spPr/>
+        <p:txBody>
+          <a:bodyPr/>
+          <a:lstStyle/>
+          <a:p>
+            <a:endParaRPr lang="en-SG"/>
           </a:p>
         </p:txBody>
       </p:sp>
     </p:spTree>
     <p:extLst>
       <p:ext uri="{BB962C8B-B14F-4D97-AF65-F5344CB8AC3E}">
-        <p14:creationId xmlns:p14="http://schemas.microsoft.com/office/powerpoint/2010/main" val="579798063"/>
+        <p14:creationId xmlns:p14="http://schemas.microsoft.com/office/powerpoint/2010/main" val="2945329965"/>
       </p:ext>
     </p:extLst>
   </p:cSld>
@@ -12894,17 +13026,17 @@
             <a:spLocks noGrp="1"/>
           </p:cNvSpPr>
           <p:nvPr>
-            <p:ph type="ctrTitle"/>
-          </p:nvPr>
-        </p:nvSpPr>
-        <p:spPr/>
-        <p:txBody>
-          <a:bodyPr/>
-          <a:lstStyle/>
-          <a:p>
-            <a:r>
-              <a:rPr lang="en-SG" dirty="0" smtClean="0"/>
-              <a:t>CAM</a:t>
+            <p:ph type="title"/>
+          </p:nvPr>
+        </p:nvSpPr>
+        <p:spPr/>
+        <p:txBody>
+          <a:bodyPr/>
+          <a:lstStyle/>
+          <a:p>
+            <a:r>
+              <a:rPr lang="en-SG" dirty="0" smtClean="0"/>
+              <a:t>Brief</a:t>
             </a:r>
             <a:endParaRPr lang="en-SG" dirty="0"/>
           </a:p>
@@ -12912,27 +13044,46 @@
       </p:sp>
       <p:sp>
         <p:nvSpPr>
-          <p:cNvPr id="3" name="副标题 2"/>
-          <p:cNvSpPr>
-            <a:spLocks noGrp="1"/>
-          </p:cNvSpPr>
-          <p:nvPr>
-            <p:ph type="subTitle" idx="1"/>
-          </p:nvPr>
-        </p:nvSpPr>
-        <p:spPr/>
-        <p:txBody>
-          <a:bodyPr/>
-          <a:lstStyle/>
-          <a:p>
-            <a:endParaRPr lang="en-SG"/>
+          <p:cNvPr id="3" name="内容占位符 2"/>
+          <p:cNvSpPr>
+            <a:spLocks noGrp="1"/>
+          </p:cNvSpPr>
+          <p:nvPr>
+            <p:ph idx="1"/>
+          </p:nvPr>
+        </p:nvSpPr>
+        <p:spPr/>
+        <p:txBody>
+          <a:bodyPr>
+            <a:normAutofit/>
+          </a:bodyPr>
+          <a:lstStyle/>
+          <a:p>
+            <a:r>
+              <a:rPr lang="en-SG" dirty="0" smtClean="0"/>
+              <a:t>Scope and applications </a:t>
+            </a:r>
+          </a:p>
+          <a:p>
+            <a:pPr lvl="1"/>
+            <a:r>
+              <a:rPr lang="en-SG" dirty="0" smtClean="0"/>
+              <a:t>NC in CAM </a:t>
+            </a:r>
+          </a:p>
+          <a:p>
+            <a:pPr lvl="1"/>
+            <a:r>
+              <a:rPr lang="en-SG" dirty="0" smtClean="0"/>
+              <a:t>Principal types of CNC machine</a:t>
+            </a:r>
           </a:p>
         </p:txBody>
       </p:sp>
     </p:spTree>
     <p:extLst>
       <p:ext uri="{BB962C8B-B14F-4D97-AF65-F5344CB8AC3E}">
-        <p14:creationId xmlns:p14="http://schemas.microsoft.com/office/powerpoint/2010/main" val="2945329965"/>
+        <p14:creationId xmlns:p14="http://schemas.microsoft.com/office/powerpoint/2010/main" val="866301321"/>
       </p:ext>
     </p:extLst>
   </p:cSld>
@@ -12976,7 +13127,7 @@
           <a:p>
             <a:r>
               <a:rPr lang="en-SG" dirty="0" smtClean="0"/>
-              <a:t>Brief</a:t>
+              <a:t>Machine tools</a:t>
             </a:r>
             <a:endParaRPr lang="en-SG" dirty="0"/>
           </a:p>
@@ -13001,29 +13152,47 @@
           <a:p>
             <a:r>
               <a:rPr lang="en-SG" dirty="0" smtClean="0"/>
-              <a:t>Scope and applications </a:t>
+              <a:t>tools and their construction features</a:t>
+            </a:r>
+          </a:p>
+          <a:p>
+            <a:pPr marL="457200" lvl="1" indent="0">
+              <a:buNone/>
+            </a:pPr>
+            <a:r>
+              <a:rPr lang="en-SG" dirty="0" smtClean="0"/>
+              <a:t>tooling for CNC – ISO designation for</a:t>
+            </a:r>
+          </a:p>
+          <a:p>
+            <a:r>
+              <a:rPr lang="en-SG" dirty="0" smtClean="0"/>
+              <a:t>tooling </a:t>
             </a:r>
           </a:p>
           <a:p>
             <a:pPr lvl="1"/>
             <a:r>
               <a:rPr lang="en-SG" dirty="0" smtClean="0"/>
-              <a:t>NC in CAM </a:t>
+              <a:t>CNC operating system </a:t>
             </a:r>
           </a:p>
           <a:p>
             <a:pPr lvl="1"/>
             <a:r>
               <a:rPr lang="en-SG" dirty="0" smtClean="0"/>
-              <a:t>Principal types of CNC machine</a:t>
-            </a:r>
+              <a:t>FANUC, SINUMERIK – LINUMERIK.</a:t>
+            </a:r>
+          </a:p>
+          <a:p>
+            <a:endParaRPr lang="en-SG" dirty="0"/>
           </a:p>
         </p:txBody>
       </p:sp>
     </p:spTree>
     <p:extLst>
       <p:ext uri="{BB962C8B-B14F-4D97-AF65-F5344CB8AC3E}">
-        <p14:creationId xmlns:p14="http://schemas.microsoft.com/office/powerpoint/2010/main" val="866301321"/>
+        <p14:creationId xmlns:p14="http://schemas.microsoft.com/office/powerpoint/2010/main" val="2867634849"/>
       </p:ext>
     </p:extLst>
   </p:cSld>
@@ -13067,7 +13236,7 @@
           <a:p>
             <a:r>
               <a:rPr lang="en-SG" dirty="0" smtClean="0"/>
-              <a:t>Machine tools</a:t>
+              <a:t>Introduction to CAPP</a:t>
             </a:r>
             <a:endParaRPr lang="en-SG" dirty="0"/>
           </a:p>
@@ -13085,43 +13254,24 @@
         </p:nvSpPr>
         <p:spPr/>
         <p:txBody>
-          <a:bodyPr>
-            <a:normAutofit/>
-          </a:bodyPr>
-          <a:lstStyle/>
-          <a:p>
-            <a:r>
-              <a:rPr lang="en-SG" dirty="0" smtClean="0"/>
-              <a:t>tools and their construction features</a:t>
-            </a:r>
-          </a:p>
-          <a:p>
-            <a:pPr marL="457200" lvl="1" indent="0">
-              <a:buNone/>
-            </a:pPr>
-            <a:r>
-              <a:rPr lang="en-SG" dirty="0" smtClean="0"/>
-              <a:t>tooling for CNC – ISO designation for</a:t>
-            </a:r>
-          </a:p>
-          <a:p>
-            <a:r>
-              <a:rPr lang="en-SG" dirty="0" smtClean="0"/>
-              <a:t>tooling </a:t>
-            </a:r>
-          </a:p>
-          <a:p>
-            <a:pPr lvl="1"/>
-            <a:r>
-              <a:rPr lang="en-SG" dirty="0" smtClean="0"/>
-              <a:t>CNC operating system </a:t>
-            </a:r>
-          </a:p>
-          <a:p>
-            <a:pPr lvl="1"/>
-            <a:r>
-              <a:rPr lang="en-SG" dirty="0" smtClean="0"/>
-              <a:t>FANUC, SINUMERIK – LINUMERIK.</a:t>
+          <a:bodyPr/>
+          <a:lstStyle/>
+          <a:p>
+            <a:r>
+              <a:rPr lang="en-SG" dirty="0" smtClean="0"/>
+              <a:t>Three main parameters to define a machining process</a:t>
+            </a:r>
+          </a:p>
+          <a:p>
+            <a:r>
+              <a:rPr lang="en-SG" dirty="0" smtClean="0"/>
+              <a:t>Principles for process design</a:t>
+            </a:r>
+          </a:p>
+          <a:p>
+            <a:r>
+              <a:rPr lang="en-SG" dirty="0" smtClean="0"/>
+              <a:t>Processing planning systems</a:t>
             </a:r>
           </a:p>
           <a:p>
@@ -13132,7 +13282,7 @@
     </p:spTree>
     <p:extLst>
       <p:ext uri="{BB962C8B-B14F-4D97-AF65-F5344CB8AC3E}">
-        <p14:creationId xmlns:p14="http://schemas.microsoft.com/office/powerpoint/2010/main" val="2867634849"/>
+        <p14:creationId xmlns:p14="http://schemas.microsoft.com/office/powerpoint/2010/main" val="3457476283"/>
       </p:ext>
     </p:extLst>
   </p:cSld>
@@ -13176,7 +13326,7 @@
           <a:p>
             <a:r>
               <a:rPr lang="en-SG" dirty="0" smtClean="0"/>
-              <a:t>Introduction to CAPP</a:t>
+              <a:t>Programming for CNC machining</a:t>
             </a:r>
             <a:endParaRPr lang="en-SG" dirty="0"/>
           </a:p>
@@ -13194,24 +13344,44 @@
         </p:nvSpPr>
         <p:spPr/>
         <p:txBody>
-          <a:bodyPr/>
-          <a:lstStyle/>
-          <a:p>
-            <a:r>
-              <a:rPr lang="en-SG" dirty="0" smtClean="0"/>
-              <a:t>Three main parameters to define a machining process</a:t>
-            </a:r>
-          </a:p>
-          <a:p>
-            <a:r>
-              <a:rPr lang="en-SG" dirty="0" smtClean="0"/>
-              <a:t>Principles for process design</a:t>
-            </a:r>
-          </a:p>
-          <a:p>
-            <a:r>
-              <a:rPr lang="en-SG" dirty="0" smtClean="0"/>
-              <a:t>Processing planning systems</a:t>
+          <a:bodyPr>
+            <a:normAutofit/>
+          </a:bodyPr>
+          <a:lstStyle/>
+          <a:p>
+            <a:r>
+              <a:rPr lang="en-SG" dirty="0"/>
+              <a:t>C</a:t>
+            </a:r>
+            <a:r>
+              <a:rPr lang="en-SG" dirty="0" smtClean="0"/>
+              <a:t>oordinate systems of CNC</a:t>
+            </a:r>
+          </a:p>
+          <a:p>
+            <a:r>
+              <a:rPr lang="en-SG" dirty="0"/>
+              <a:t>M</a:t>
+            </a:r>
+            <a:r>
+              <a:rPr lang="en-SG" dirty="0" smtClean="0"/>
+              <a:t>anual part</a:t>
+            </a:r>
+          </a:p>
+          <a:p>
+            <a:r>
+              <a:rPr lang="en-SG" dirty="0"/>
+              <a:t>C</a:t>
+            </a:r>
+            <a:r>
+              <a:rPr lang="en-SG" dirty="0" smtClean="0"/>
+              <a:t>omputer assisted part programming </a:t>
+            </a:r>
+          </a:p>
+          <a:p>
+            <a:r>
+              <a:rPr lang="en-SG" dirty="0" smtClean="0"/>
+              <a:t>CNC part programming with CAD system. </a:t>
             </a:r>
           </a:p>
           <a:p>
@@ -13222,7 +13392,7 @@
     </p:spTree>
     <p:extLst>
       <p:ext uri="{BB962C8B-B14F-4D97-AF65-F5344CB8AC3E}">
-        <p14:creationId xmlns:p14="http://schemas.microsoft.com/office/powerpoint/2010/main" val="3457476283"/>
+        <p14:creationId xmlns:p14="http://schemas.microsoft.com/office/powerpoint/2010/main" val="2042065448"/>
       </p:ext>
     </p:extLst>
   </p:cSld>
@@ -13381,7 +13551,7 @@
           <a:p>
             <a:r>
               <a:rPr lang="en-SG" dirty="0" smtClean="0"/>
-              <a:t>Programming for CNC machining</a:t>
+              <a:t>Material handling in CAM environment</a:t>
             </a:r>
             <a:endParaRPr lang="en-SG" dirty="0"/>
           </a:p>
@@ -13399,44 +13569,50 @@
         </p:nvSpPr>
         <p:spPr/>
         <p:txBody>
-          <a:bodyPr>
-            <a:normAutofit/>
-          </a:bodyPr>
-          <a:lstStyle/>
-          <a:p>
-            <a:r>
-              <a:rPr lang="en-SG" dirty="0"/>
-              <a:t>C</a:t>
-            </a:r>
-            <a:r>
-              <a:rPr lang="en-SG" dirty="0" smtClean="0"/>
-              <a:t>oordinate systems of CNC</a:t>
-            </a:r>
-          </a:p>
-          <a:p>
-            <a:r>
-              <a:rPr lang="en-SG" dirty="0"/>
-              <a:t>M</a:t>
-            </a:r>
-            <a:r>
-              <a:rPr lang="en-SG" dirty="0" smtClean="0"/>
-              <a:t>anual part</a:t>
-            </a:r>
-          </a:p>
-          <a:p>
-            <a:r>
-              <a:rPr lang="en-SG" dirty="0"/>
-              <a:t>C</a:t>
-            </a:r>
-            <a:r>
-              <a:rPr lang="en-SG" dirty="0" smtClean="0"/>
-              <a:t>omputer assisted part programming </a:t>
-            </a:r>
-          </a:p>
-          <a:p>
-            <a:r>
-              <a:rPr lang="en-SG" dirty="0" smtClean="0"/>
-              <a:t>CNC part programming with CAD system. </a:t>
+          <a:bodyPr/>
+          <a:lstStyle/>
+          <a:p>
+            <a:r>
+              <a:rPr lang="en-SG" dirty="0" smtClean="0"/>
+              <a:t>Logistic and storage system </a:t>
+            </a:r>
+          </a:p>
+          <a:p>
+            <a:pPr lvl="1"/>
+            <a:r>
+              <a:rPr lang="en-SG" dirty="0" smtClean="0"/>
+              <a:t>AGVS </a:t>
+            </a:r>
+          </a:p>
+          <a:p>
+            <a:pPr lvl="1"/>
+            <a:r>
+              <a:rPr lang="en-SG" dirty="0" smtClean="0"/>
+              <a:t>AS/RS </a:t>
+            </a:r>
+          </a:p>
+          <a:p>
+            <a:pPr lvl="1"/>
+            <a:r>
+              <a:rPr lang="en-SG" dirty="0" err="1" smtClean="0"/>
+              <a:t>Swarf</a:t>
+            </a:r>
+            <a:r>
+              <a:rPr lang="en-SG" dirty="0" smtClean="0"/>
+              <a:t> handling and disposal of wastes </a:t>
+            </a:r>
+          </a:p>
+          <a:p>
+            <a:r>
+              <a:rPr lang="en-SG" dirty="0" smtClean="0"/>
+              <a:t>Assembly lines </a:t>
+            </a:r>
+          </a:p>
+          <a:p>
+            <a:pPr lvl="1"/>
+            <a:r>
+              <a:rPr lang="en-SG" dirty="0" smtClean="0"/>
+              <a:t>Quantitative analysis of assembly systems.</a:t>
             </a:r>
           </a:p>
           <a:p>
@@ -13447,7 +13623,7 @@
     </p:spTree>
     <p:extLst>
       <p:ext uri="{BB962C8B-B14F-4D97-AF65-F5344CB8AC3E}">
-        <p14:creationId xmlns:p14="http://schemas.microsoft.com/office/powerpoint/2010/main" val="2042065448"/>
+        <p14:creationId xmlns:p14="http://schemas.microsoft.com/office/powerpoint/2010/main" val="938672915"/>
       </p:ext>
     </p:extLst>
   </p:cSld>
@@ -13491,7 +13667,15 @@
           <a:p>
             <a:r>
               <a:rPr lang="en-SG" dirty="0" smtClean="0"/>
-              <a:t>Material handling in CAM environment</a:t>
+              <a:t>Key disciplines of manufacturing under </a:t>
+            </a:r>
+            <a:r>
+              <a:rPr lang="en-SG" dirty="0" err="1" smtClean="0"/>
+              <a:t>Solidworks</a:t>
+            </a:r>
+            <a:r>
+              <a:rPr lang="en-SG" dirty="0" smtClean="0"/>
+              <a:t> environment</a:t>
             </a:r>
             <a:endParaRPr lang="en-SG" dirty="0"/>
           </a:p>
@@ -13513,49 +13697,44 @@
           <a:lstStyle/>
           <a:p>
             <a:r>
-              <a:rPr lang="en-SG" dirty="0" smtClean="0"/>
-              <a:t>Logistic and storage system </a:t>
-            </a:r>
-          </a:p>
-          <a:p>
-            <a:pPr lvl="1"/>
-            <a:r>
-              <a:rPr lang="en-SG" dirty="0" smtClean="0"/>
-              <a:t>AGVS </a:t>
-            </a:r>
-          </a:p>
-          <a:p>
-            <a:pPr lvl="1"/>
-            <a:r>
-              <a:rPr lang="en-SG" dirty="0" smtClean="0"/>
-              <a:t>AS/RS </a:t>
-            </a:r>
-          </a:p>
-          <a:p>
-            <a:pPr lvl="1"/>
-            <a:r>
-              <a:rPr lang="en-SG" dirty="0" err="1" smtClean="0"/>
-              <a:t>Swarf</a:t>
-            </a:r>
-            <a:r>
-              <a:rPr lang="en-SG" dirty="0" smtClean="0"/>
-              <a:t> handling and disposal of wastes </a:t>
-            </a:r>
-          </a:p>
-          <a:p>
-            <a:r>
-              <a:rPr lang="en-SG" dirty="0" smtClean="0"/>
-              <a:t>Assembly lines </a:t>
-            </a:r>
-          </a:p>
-          <a:p>
-            <a:pPr lvl="1"/>
-            <a:r>
-              <a:rPr lang="en-SG" dirty="0" smtClean="0"/>
-              <a:t>Quantitative analysis of assembly systems.</a:t>
-            </a:r>
-          </a:p>
-          <a:p>
+              <a:rPr lang="en-SG" dirty="0"/>
+              <a:t>Configuration for a mill or turn machine</a:t>
+            </a:r>
+          </a:p>
+          <a:p>
+            <a:r>
+              <a:rPr lang="en-SG" dirty="0"/>
+              <a:t>Features to machining strategy</a:t>
+            </a:r>
+          </a:p>
+          <a:p>
+            <a:r>
+              <a:rPr lang="en-SG" dirty="0"/>
+              <a:t>Generate operation plan</a:t>
+            </a:r>
+          </a:p>
+          <a:p>
+            <a:r>
+              <a:rPr lang="en-SG" dirty="0"/>
+              <a:t>Generate tool path</a:t>
+            </a:r>
+          </a:p>
+          <a:p>
+            <a:r>
+              <a:rPr lang="en-SG" dirty="0"/>
+              <a:t>Simulation</a:t>
+            </a:r>
+          </a:p>
+          <a:p>
+            <a:r>
+              <a:rPr lang="en-SG" dirty="0"/>
+              <a:t>Post process</a:t>
+            </a:r>
+          </a:p>
+          <a:p>
+            <a:pPr marL="0" indent="0">
+              <a:buNone/>
+            </a:pPr>
             <a:endParaRPr lang="en-SG" dirty="0"/>
           </a:p>
         </p:txBody>
@@ -13563,7 +13742,7 @@
     </p:spTree>
     <p:extLst>
       <p:ext uri="{BB962C8B-B14F-4D97-AF65-F5344CB8AC3E}">
-        <p14:creationId xmlns:p14="http://schemas.microsoft.com/office/powerpoint/2010/main" val="938672915"/>
+        <p14:creationId xmlns:p14="http://schemas.microsoft.com/office/powerpoint/2010/main" val="4246989961"/>
       </p:ext>
     </p:extLst>
   </p:cSld>
@@ -13607,15 +13786,7 @@
           <a:p>
             <a:r>
               <a:rPr lang="en-SG" dirty="0" smtClean="0"/>
-              <a:t>Key disciplines of manufacturing under </a:t>
-            </a:r>
-            <a:r>
-              <a:rPr lang="en-SG" dirty="0" err="1" smtClean="0"/>
-              <a:t>Solidworks</a:t>
-            </a:r>
-            <a:r>
-              <a:rPr lang="en-SG" dirty="0" smtClean="0"/>
-              <a:t> environment</a:t>
+              <a:t>The following slides are only for learning purpose</a:t>
             </a:r>
             <a:endParaRPr lang="en-SG" dirty="0"/>
           </a:p>
@@ -13636,45 +13807,6 @@
           <a:bodyPr/>
           <a:lstStyle/>
           <a:p>
-            <a:r>
-              <a:rPr lang="en-SG" dirty="0"/>
-              <a:t>Configuration for a mill or turn machine</a:t>
-            </a:r>
-          </a:p>
-          <a:p>
-            <a:r>
-              <a:rPr lang="en-SG" dirty="0"/>
-              <a:t>Features to machining strategy</a:t>
-            </a:r>
-          </a:p>
-          <a:p>
-            <a:r>
-              <a:rPr lang="en-SG" dirty="0"/>
-              <a:t>Generate operation plan</a:t>
-            </a:r>
-          </a:p>
-          <a:p>
-            <a:r>
-              <a:rPr lang="en-SG" dirty="0"/>
-              <a:t>Generate tool path</a:t>
-            </a:r>
-          </a:p>
-          <a:p>
-            <a:r>
-              <a:rPr lang="en-SG" dirty="0"/>
-              <a:t>Simulation</a:t>
-            </a:r>
-          </a:p>
-          <a:p>
-            <a:r>
-              <a:rPr lang="en-SG" dirty="0"/>
-              <a:t>Post process</a:t>
-            </a:r>
-          </a:p>
-          <a:p>
-            <a:pPr marL="0" indent="0">
-              <a:buNone/>
-            </a:pPr>
             <a:endParaRPr lang="en-SG" dirty="0"/>
           </a:p>
         </p:txBody>
@@ -13682,7 +13814,7 @@
     </p:spTree>
     <p:extLst>
       <p:ext uri="{BB962C8B-B14F-4D97-AF65-F5344CB8AC3E}">
-        <p14:creationId xmlns:p14="http://schemas.microsoft.com/office/powerpoint/2010/main" val="4246989961"/>
+        <p14:creationId xmlns:p14="http://schemas.microsoft.com/office/powerpoint/2010/main" val="3537981211"/>
       </p:ext>
     </p:extLst>
   </p:cSld>
@@ -13724,10 +13856,6 @@
           <a:bodyPr/>
           <a:lstStyle/>
           <a:p>
-            <a:r>
-              <a:rPr lang="en-SG" dirty="0" smtClean="0"/>
-              <a:t>The following slides are only for learning purpose</a:t>
-            </a:r>
             <a:endParaRPr lang="en-SG" dirty="0"/>
           </a:p>
         </p:txBody>
@@ -13747,14 +13875,45 @@
           <a:bodyPr/>
           <a:lstStyle/>
           <a:p>
-            <a:endParaRPr lang="en-SG" dirty="0"/>
+            <a:r>
+              <a:rPr lang="en-SG" dirty="0" smtClean="0"/>
+              <a:t>Create a new part</a:t>
+            </a:r>
+          </a:p>
+          <a:p>
+            <a:r>
+              <a:rPr lang="en-SG" dirty="0" smtClean="0"/>
+              <a:t>Check the unit setting</a:t>
+            </a:r>
+          </a:p>
+          <a:p>
+            <a:r>
+              <a:rPr lang="en-SG" dirty="0" smtClean="0"/>
+              <a:t>Using sketch to create part body</a:t>
+            </a:r>
+          </a:p>
+          <a:p>
+            <a:pPr lvl="1"/>
+            <a:r>
+              <a:rPr lang="en-SG" dirty="0" smtClean="0"/>
+              <a:t>Smart dimension is an import tool to drive the model </a:t>
+            </a:r>
+            <a:r>
+              <a:rPr lang="en-SG" dirty="0" err="1" smtClean="0"/>
+              <a:t>creatation</a:t>
+            </a:r>
+            <a:endParaRPr lang="en-SG" dirty="0" smtClean="0"/>
+          </a:p>
+          <a:p>
+            <a:pPr lvl="1"/>
+            <a:endParaRPr lang="en-SG" dirty="0" smtClean="0"/>
           </a:p>
         </p:txBody>
       </p:sp>
     </p:spTree>
     <p:extLst>
       <p:ext uri="{BB962C8B-B14F-4D97-AF65-F5344CB8AC3E}">
-        <p14:creationId xmlns:p14="http://schemas.microsoft.com/office/powerpoint/2010/main" val="3537981211"/>
+        <p14:creationId xmlns:p14="http://schemas.microsoft.com/office/powerpoint/2010/main" val="1130636376"/>
       </p:ext>
     </p:extLst>
   </p:cSld>
@@ -13796,64 +13955,72 @@
           <a:bodyPr/>
           <a:lstStyle/>
           <a:p>
+            <a:endParaRPr lang="en-SG"/>
+          </a:p>
+        </p:txBody>
+      </p:sp>
+      <p:sp>
+        <p:nvSpPr>
+          <p:cNvPr id="3" name="内容占位符 2"/>
+          <p:cNvSpPr>
+            <a:spLocks noGrp="1"/>
+          </p:cNvSpPr>
+          <p:nvPr>
+            <p:ph idx="1"/>
+          </p:nvPr>
+        </p:nvSpPr>
+        <p:spPr/>
+        <p:txBody>
+          <a:bodyPr/>
+          <a:lstStyle/>
+          <a:p>
+            <a:r>
+              <a:rPr lang="en-SG" dirty="0"/>
+              <a:t>Go to the </a:t>
+            </a:r>
+            <a:r>
+              <a:rPr lang="en-SG" dirty="0" err="1"/>
+              <a:t>Solidworks</a:t>
+            </a:r>
+            <a:r>
+              <a:rPr lang="en-SG" dirty="0"/>
+              <a:t> CAM module(just perform each of tool button alone the toolbar from left to right, one can finally get the tool path and G-codes)</a:t>
+            </a:r>
+          </a:p>
+          <a:p>
+            <a:pPr lvl="1"/>
+            <a:r>
+              <a:rPr lang="en-SG" dirty="0"/>
+              <a:t>Define machine</a:t>
+            </a:r>
+          </a:p>
+          <a:p>
+            <a:pPr lvl="1"/>
+            <a:r>
+              <a:rPr lang="en-SG" dirty="0"/>
+              <a:t>Setup coordinate system</a:t>
+            </a:r>
+          </a:p>
+          <a:p>
+            <a:pPr lvl="1"/>
+            <a:r>
+              <a:rPr lang="en-SG" dirty="0"/>
+              <a:t>Define stock size using stock </a:t>
+            </a:r>
+            <a:r>
+              <a:rPr lang="en-SG" dirty="0" smtClean="0"/>
+              <a:t>manager</a:t>
+            </a:r>
+          </a:p>
+          <a:p>
             <a:endParaRPr lang="en-SG" dirty="0"/>
-          </a:p>
-        </p:txBody>
-      </p:sp>
-      <p:sp>
-        <p:nvSpPr>
-          <p:cNvPr id="3" name="内容占位符 2"/>
-          <p:cNvSpPr>
-            <a:spLocks noGrp="1"/>
-          </p:cNvSpPr>
-          <p:nvPr>
-            <p:ph idx="1"/>
-          </p:nvPr>
-        </p:nvSpPr>
-        <p:spPr/>
-        <p:txBody>
-          <a:bodyPr/>
-          <a:lstStyle/>
-          <a:p>
-            <a:r>
-              <a:rPr lang="en-SG" dirty="0" smtClean="0"/>
-              <a:t>Create a new part</a:t>
-            </a:r>
-          </a:p>
-          <a:p>
-            <a:r>
-              <a:rPr lang="en-SG" dirty="0" smtClean="0"/>
-              <a:t>Check the unit setting</a:t>
-            </a:r>
-          </a:p>
-          <a:p>
-            <a:r>
-              <a:rPr lang="en-SG" dirty="0" smtClean="0"/>
-              <a:t>Using sketch to create part body</a:t>
-            </a:r>
-          </a:p>
-          <a:p>
-            <a:pPr lvl="1"/>
-            <a:r>
-              <a:rPr lang="en-SG" dirty="0" smtClean="0"/>
-              <a:t>Smart dimension is an import tool to drive the model </a:t>
-            </a:r>
-            <a:r>
-              <a:rPr lang="en-SG" dirty="0" err="1" smtClean="0"/>
-              <a:t>creatation</a:t>
-            </a:r>
-            <a:endParaRPr lang="en-SG" dirty="0" smtClean="0"/>
-          </a:p>
-          <a:p>
-            <a:pPr lvl="1"/>
-            <a:endParaRPr lang="en-SG" dirty="0" smtClean="0"/>
           </a:p>
         </p:txBody>
       </p:sp>
     </p:spTree>
     <p:extLst>
       <p:ext uri="{BB962C8B-B14F-4D97-AF65-F5344CB8AC3E}">
-        <p14:creationId xmlns:p14="http://schemas.microsoft.com/office/powerpoint/2010/main" val="1130636376"/>
+        <p14:creationId xmlns:p14="http://schemas.microsoft.com/office/powerpoint/2010/main" val="482855842"/>
       </p:ext>
     </p:extLst>
   </p:cSld>
@@ -13914,113 +14081,6 @@
           <a:bodyPr/>
           <a:lstStyle/>
           <a:p>
-            <a:r>
-              <a:rPr lang="en-SG" dirty="0"/>
-              <a:t>Go to the </a:t>
-            </a:r>
-            <a:r>
-              <a:rPr lang="en-SG" dirty="0" err="1"/>
-              <a:t>Solidworks</a:t>
-            </a:r>
-            <a:r>
-              <a:rPr lang="en-SG" dirty="0"/>
-              <a:t> CAM module(just perform each of tool button alone the toolbar from left to right, one can finally get the tool path and G-codes)</a:t>
-            </a:r>
-          </a:p>
-          <a:p>
-            <a:pPr lvl="1"/>
-            <a:r>
-              <a:rPr lang="en-SG" dirty="0"/>
-              <a:t>Define machine</a:t>
-            </a:r>
-          </a:p>
-          <a:p>
-            <a:pPr lvl="1"/>
-            <a:r>
-              <a:rPr lang="en-SG" dirty="0"/>
-              <a:t>Setup coordinate system</a:t>
-            </a:r>
-          </a:p>
-          <a:p>
-            <a:pPr lvl="1"/>
-            <a:r>
-              <a:rPr lang="en-SG" dirty="0"/>
-              <a:t>Define stock size using stock </a:t>
-            </a:r>
-            <a:r>
-              <a:rPr lang="en-SG" dirty="0" smtClean="0"/>
-              <a:t>manager</a:t>
-            </a:r>
-          </a:p>
-          <a:p>
-            <a:endParaRPr lang="en-SG" dirty="0"/>
-          </a:p>
-        </p:txBody>
-      </p:sp>
-    </p:spTree>
-    <p:extLst>
-      <p:ext uri="{BB962C8B-B14F-4D97-AF65-F5344CB8AC3E}">
-        <p14:creationId xmlns:p14="http://schemas.microsoft.com/office/powerpoint/2010/main" val="482855842"/>
-      </p:ext>
-    </p:extLst>
-  </p:cSld>
-  <p:clrMapOvr>
-    <a:masterClrMapping/>
-  </p:clrMapOvr>
-</p:sld>
-</file>
-
-<file path=ppt/slides/slide76.xml><?xml version="1.0" encoding="utf-8"?>
-<p:sld xmlns:a="http://schemas.openxmlformats.org/drawingml/2006/main" xmlns:r="http://schemas.openxmlformats.org/officeDocument/2006/relationships" xmlns:p="http://schemas.openxmlformats.org/presentationml/2006/main">
-  <p:cSld>
-    <p:spTree>
-      <p:nvGrpSpPr>
-        <p:cNvPr id="1" name=""/>
-        <p:cNvGrpSpPr/>
-        <p:nvPr/>
-      </p:nvGrpSpPr>
-      <p:grpSpPr>
-        <a:xfrm>
-          <a:off x="0" y="0"/>
-          <a:ext cx="0" cy="0"/>
-          <a:chOff x="0" y="0"/>
-          <a:chExt cx="0" cy="0"/>
-        </a:xfrm>
-      </p:grpSpPr>
-      <p:sp>
-        <p:nvSpPr>
-          <p:cNvPr id="2" name="标题 1"/>
-          <p:cNvSpPr>
-            <a:spLocks noGrp="1"/>
-          </p:cNvSpPr>
-          <p:nvPr>
-            <p:ph type="title"/>
-          </p:nvPr>
-        </p:nvSpPr>
-        <p:spPr/>
-        <p:txBody>
-          <a:bodyPr/>
-          <a:lstStyle/>
-          <a:p>
-            <a:endParaRPr lang="en-SG"/>
-          </a:p>
-        </p:txBody>
-      </p:sp>
-      <p:sp>
-        <p:nvSpPr>
-          <p:cNvPr id="3" name="内容占位符 2"/>
-          <p:cNvSpPr>
-            <a:spLocks noGrp="1"/>
-          </p:cNvSpPr>
-          <p:nvPr>
-            <p:ph idx="1"/>
-          </p:nvPr>
-        </p:nvSpPr>
-        <p:spPr/>
-        <p:txBody>
-          <a:bodyPr/>
-          <a:lstStyle/>
-          <a:p>
             <a:pPr lvl="1"/>
             <a:r>
               <a:rPr lang="en-SG" dirty="0"/>
@@ -14119,7 +14179,7 @@
           <a:graphicData uri="http://schemas.openxmlformats.org/presentationml/2006/ole">
             <mc:AlternateContent xmlns:mc="http://schemas.openxmlformats.org/markup-compatibility/2006">
               <mc:Choice xmlns:v="urn:schemas-microsoft-com:vml" Requires="v">
-                <p:oleObj spid="_x0000_s1168" name="Equation" r:id="rId3" imgW="2260440" imgH="1091880" progId="Equation.DSMT4">
+                <p:oleObj spid="_x0000_s1171" name="Equation" r:id="rId3" imgW="2260440" imgH="1091880" progId="Equation.DSMT4">
                   <p:embed/>
                 </p:oleObj>
               </mc:Choice>
@@ -14167,7 +14227,7 @@
 </p:sld>
 </file>
 
-<file path=ppt/slides/slide77.xml><?xml version="1.0" encoding="utf-8"?>
+<file path=ppt/slides/slide76.xml><?xml version="1.0" encoding="utf-8"?>
 <p:sld xmlns:a="http://schemas.openxmlformats.org/drawingml/2006/main" xmlns:r="http://schemas.openxmlformats.org/officeDocument/2006/relationships" xmlns:p="http://schemas.openxmlformats.org/presentationml/2006/main">
   <p:cSld>
     <p:spTree>
@@ -14389,7 +14449,7 @@
           <a:graphicData uri="http://schemas.openxmlformats.org/presentationml/2006/ole">
             <mc:AlternateContent xmlns:mc="http://schemas.openxmlformats.org/markup-compatibility/2006">
               <mc:Choice xmlns:v="urn:schemas-microsoft-com:vml" Requires="v">
-                <p:oleObj spid="_x0000_s2469" name="Equation" r:id="rId3" imgW="2133360" imgH="1879560" progId="Equation.DSMT4">
+                <p:oleObj spid="_x0000_s2478" name="Equation" r:id="rId3" imgW="2133360" imgH="1879560" progId="Equation.DSMT4">
                   <p:embed/>
                 </p:oleObj>
               </mc:Choice>
@@ -14446,7 +14506,7 @@
           <a:graphicData uri="http://schemas.openxmlformats.org/presentationml/2006/ole">
             <mc:AlternateContent xmlns:mc="http://schemas.openxmlformats.org/markup-compatibility/2006">
               <mc:Choice xmlns:v="urn:schemas-microsoft-com:vml" Requires="v">
-                <p:oleObj spid="_x0000_s2470" name="Equation" r:id="rId5" imgW="1726920" imgH="482400" progId="Equation.DSMT4">
+                <p:oleObj spid="_x0000_s2479" name="Equation" r:id="rId5" imgW="1726920" imgH="482400" progId="Equation.DSMT4">
                   <p:embed/>
                 </p:oleObj>
               </mc:Choice>
@@ -14503,7 +14563,7 @@
           <a:graphicData uri="http://schemas.openxmlformats.org/presentationml/2006/ole">
             <mc:AlternateContent xmlns:mc="http://schemas.openxmlformats.org/markup-compatibility/2006">
               <mc:Choice xmlns:v="urn:schemas-microsoft-com:vml" Requires="v">
-                <p:oleObj spid="_x0000_s2471" name="Equation" r:id="rId7" imgW="990360" imgH="457200" progId="Equation.DSMT4">
+                <p:oleObj spid="_x0000_s2480" name="Equation" r:id="rId7" imgW="990360" imgH="457200" progId="Equation.DSMT4">
                   <p:embed/>
                 </p:oleObj>
               </mc:Choice>
@@ -14551,7 +14611,7 @@
 </p:sld>
 </file>
 
-<file path=ppt/slides/slide78.xml><?xml version="1.0" encoding="utf-8"?>
+<file path=ppt/slides/slide77.xml><?xml version="1.0" encoding="utf-8"?>
 <p:sld xmlns:a="http://schemas.openxmlformats.org/drawingml/2006/main" xmlns:r="http://schemas.openxmlformats.org/officeDocument/2006/relationships" xmlns:p="http://schemas.openxmlformats.org/presentationml/2006/main">
   <p:cSld>
     <p:spTree>
@@ -14659,7 +14719,7 @@
           <a:graphicData uri="http://schemas.openxmlformats.org/presentationml/2006/ole">
             <mc:AlternateContent xmlns:mc="http://schemas.openxmlformats.org/markup-compatibility/2006">
               <mc:Choice xmlns:v="urn:schemas-microsoft-com:vml" Requires="v">
-                <p:oleObj spid="_x0000_s3213" name="Equation" r:id="rId3" imgW="990360" imgH="457200" progId="Equation.DSMT4">
+                <p:oleObj spid="_x0000_s3216" name="Equation" r:id="rId3" imgW="990360" imgH="457200" progId="Equation.DSMT4">
                   <p:embed/>
                 </p:oleObj>
               </mc:Choice>

--- a/CAD_CAM.pptx
+++ b/CAD_CAM.pptx
@@ -46,42 +46,43 @@
     <p:sldId id="356" r:id="rId40"/>
     <p:sldId id="357" r:id="rId41"/>
     <p:sldId id="365" r:id="rId42"/>
-    <p:sldId id="358" r:id="rId43"/>
-    <p:sldId id="359" r:id="rId44"/>
-    <p:sldId id="317" r:id="rId45"/>
-    <p:sldId id="361" r:id="rId46"/>
-    <p:sldId id="364" r:id="rId47"/>
-    <p:sldId id="363" r:id="rId48"/>
-    <p:sldId id="362" r:id="rId49"/>
-    <p:sldId id="318" r:id="rId50"/>
-    <p:sldId id="319" r:id="rId51"/>
-    <p:sldId id="320" r:id="rId52"/>
-    <p:sldId id="321" r:id="rId53"/>
-    <p:sldId id="322" r:id="rId54"/>
-    <p:sldId id="298" r:id="rId55"/>
-    <p:sldId id="299" r:id="rId56"/>
-    <p:sldId id="338" r:id="rId57"/>
-    <p:sldId id="300" r:id="rId58"/>
-    <p:sldId id="301" r:id="rId59"/>
-    <p:sldId id="302" r:id="rId60"/>
-    <p:sldId id="303" r:id="rId61"/>
-    <p:sldId id="282" r:id="rId62"/>
-    <p:sldId id="257" r:id="rId63"/>
-    <p:sldId id="265" r:id="rId64"/>
-    <p:sldId id="276" r:id="rId65"/>
-    <p:sldId id="310" r:id="rId66"/>
-    <p:sldId id="311" r:id="rId67"/>
-    <p:sldId id="312" r:id="rId68"/>
-    <p:sldId id="333" r:id="rId69"/>
-    <p:sldId id="313" r:id="rId70"/>
-    <p:sldId id="314" r:id="rId71"/>
-    <p:sldId id="261" r:id="rId72"/>
-    <p:sldId id="270" r:id="rId73"/>
-    <p:sldId id="271" r:id="rId74"/>
-    <p:sldId id="272" r:id="rId75"/>
-    <p:sldId id="273" r:id="rId76"/>
-    <p:sldId id="274" r:id="rId77"/>
-    <p:sldId id="275" r:id="rId78"/>
+    <p:sldId id="366" r:id="rId43"/>
+    <p:sldId id="358" r:id="rId44"/>
+    <p:sldId id="359" r:id="rId45"/>
+    <p:sldId id="317" r:id="rId46"/>
+    <p:sldId id="361" r:id="rId47"/>
+    <p:sldId id="364" r:id="rId48"/>
+    <p:sldId id="363" r:id="rId49"/>
+    <p:sldId id="362" r:id="rId50"/>
+    <p:sldId id="318" r:id="rId51"/>
+    <p:sldId id="319" r:id="rId52"/>
+    <p:sldId id="320" r:id="rId53"/>
+    <p:sldId id="321" r:id="rId54"/>
+    <p:sldId id="322" r:id="rId55"/>
+    <p:sldId id="298" r:id="rId56"/>
+    <p:sldId id="299" r:id="rId57"/>
+    <p:sldId id="338" r:id="rId58"/>
+    <p:sldId id="300" r:id="rId59"/>
+    <p:sldId id="301" r:id="rId60"/>
+    <p:sldId id="302" r:id="rId61"/>
+    <p:sldId id="303" r:id="rId62"/>
+    <p:sldId id="282" r:id="rId63"/>
+    <p:sldId id="257" r:id="rId64"/>
+    <p:sldId id="265" r:id="rId65"/>
+    <p:sldId id="276" r:id="rId66"/>
+    <p:sldId id="310" r:id="rId67"/>
+    <p:sldId id="311" r:id="rId68"/>
+    <p:sldId id="312" r:id="rId69"/>
+    <p:sldId id="333" r:id="rId70"/>
+    <p:sldId id="313" r:id="rId71"/>
+    <p:sldId id="314" r:id="rId72"/>
+    <p:sldId id="261" r:id="rId73"/>
+    <p:sldId id="270" r:id="rId74"/>
+    <p:sldId id="271" r:id="rId75"/>
+    <p:sldId id="272" r:id="rId76"/>
+    <p:sldId id="273" r:id="rId77"/>
+    <p:sldId id="274" r:id="rId78"/>
+    <p:sldId id="275" r:id="rId79"/>
   </p:sldIdLst>
   <p:sldSz cx="12192000" cy="6858000"/>
   <p:notesSz cx="6858000" cy="9144000"/>
@@ -3209,7 +3210,7 @@
           <a:graphicData uri="http://schemas.openxmlformats.org/presentationml/2006/ole">
             <mc:AlternateContent xmlns:mc="http://schemas.openxmlformats.org/markup-compatibility/2006">
               <mc:Choice xmlns:v="urn:schemas-microsoft-com:vml" Requires="v">
-                <p:oleObj spid="_x0000_s9550" name="Equation" r:id="rId3" imgW="711000" imgH="203040" progId="Equation.DSMT4">
+                <p:oleObj spid="_x0000_s9590" name="Equation" r:id="rId3" imgW="711000" imgH="203040" progId="Equation.DSMT4">
                   <p:embed/>
                 </p:oleObj>
               </mc:Choice>
@@ -3262,7 +3263,7 @@
           <a:graphicData uri="http://schemas.openxmlformats.org/presentationml/2006/ole">
             <mc:AlternateContent xmlns:mc="http://schemas.openxmlformats.org/markup-compatibility/2006">
               <mc:Choice xmlns:v="urn:schemas-microsoft-com:vml" Requires="v">
-                <p:oleObj spid="_x0000_s9551" name="Equation" r:id="rId5" imgW="583920" imgH="203040" progId="Equation.DSMT4">
+                <p:oleObj spid="_x0000_s9591" name="Equation" r:id="rId5" imgW="583920" imgH="203040" progId="Equation.DSMT4">
                   <p:embed/>
                 </p:oleObj>
               </mc:Choice>
@@ -3315,7 +3316,7 @@
           <a:graphicData uri="http://schemas.openxmlformats.org/presentationml/2006/ole">
             <mc:AlternateContent xmlns:mc="http://schemas.openxmlformats.org/markup-compatibility/2006">
               <mc:Choice xmlns:v="urn:schemas-microsoft-com:vml" Requires="v">
-                <p:oleObj spid="_x0000_s9552" name="Equation" r:id="rId7" imgW="469800" imgH="177480" progId="Equation.DSMT4">
+                <p:oleObj spid="_x0000_s9592" name="Equation" r:id="rId7" imgW="469800" imgH="177480" progId="Equation.DSMT4">
                   <p:embed/>
                 </p:oleObj>
               </mc:Choice>
@@ -3368,7 +3369,7 @@
           <a:graphicData uri="http://schemas.openxmlformats.org/presentationml/2006/ole">
             <mc:AlternateContent xmlns:mc="http://schemas.openxmlformats.org/markup-compatibility/2006">
               <mc:Choice xmlns:v="urn:schemas-microsoft-com:vml" Requires="v">
-                <p:oleObj spid="_x0000_s9553" name="Equation" r:id="rId9" imgW="1600200" imgH="711000" progId="Equation.DSMT4">
+                <p:oleObj spid="_x0000_s9593" name="Equation" r:id="rId9" imgW="1600200" imgH="711000" progId="Equation.DSMT4">
                   <p:embed/>
                 </p:oleObj>
               </mc:Choice>
@@ -3523,7 +3524,7 @@
           <a:graphicData uri="http://schemas.openxmlformats.org/presentationml/2006/ole">
             <mc:AlternateContent xmlns:mc="http://schemas.openxmlformats.org/markup-compatibility/2006">
               <mc:Choice xmlns:v="urn:schemas-microsoft-com:vml" Requires="v">
-                <p:oleObj spid="_x0000_s10325" name="Equation" r:id="rId3" imgW="1155600" imgH="914400" progId="Equation.DSMT4">
+                <p:oleObj spid="_x0000_s10335" name="Equation" r:id="rId3" imgW="1155600" imgH="914400" progId="Equation.DSMT4">
                   <p:embed/>
                 </p:oleObj>
               </mc:Choice>
@@ -3741,7 +3742,7 @@
           <a:graphicData uri="http://schemas.openxmlformats.org/presentationml/2006/ole">
             <mc:AlternateContent xmlns:mc="http://schemas.openxmlformats.org/markup-compatibility/2006">
               <mc:Choice xmlns:v="urn:schemas-microsoft-com:vml" Requires="v">
-                <p:oleObj spid="_x0000_s11432" name="Equation" r:id="rId3" imgW="1091880" imgH="711000" progId="Equation.DSMT4">
+                <p:oleObj spid="_x0000_s11452" name="Equation" r:id="rId3" imgW="1091880" imgH="711000" progId="Equation.DSMT4">
                   <p:embed/>
                 </p:oleObj>
               </mc:Choice>
@@ -3794,7 +3795,7 @@
           <a:graphicData uri="http://schemas.openxmlformats.org/presentationml/2006/ole">
             <mc:AlternateContent xmlns:mc="http://schemas.openxmlformats.org/markup-compatibility/2006">
               <mc:Choice xmlns:v="urn:schemas-microsoft-com:vml" Requires="v">
-                <p:oleObj spid="_x0000_s11433" name="Equation" r:id="rId5" imgW="571320" imgH="457200" progId="Equation.DSMT4">
+                <p:oleObj spid="_x0000_s11453" name="Equation" r:id="rId5" imgW="571320" imgH="457200" progId="Equation.DSMT4">
                   <p:embed/>
                 </p:oleObj>
               </mc:Choice>
@@ -3922,7 +3923,7 @@
           <a:graphicData uri="http://schemas.openxmlformats.org/presentationml/2006/ole">
             <mc:AlternateContent xmlns:mc="http://schemas.openxmlformats.org/markup-compatibility/2006">
               <mc:Choice xmlns:v="urn:schemas-microsoft-com:vml" Requires="v">
-                <p:oleObj spid="_x0000_s12373" name="Equation" r:id="rId3" imgW="3682800" imgH="914400" progId="Equation.DSMT4">
+                <p:oleObj spid="_x0000_s12383" name="Equation" r:id="rId3" imgW="3682800" imgH="914400" progId="Equation.DSMT4">
                   <p:embed/>
                 </p:oleObj>
               </mc:Choice>
@@ -4051,7 +4052,7 @@
           <a:graphicData uri="http://schemas.openxmlformats.org/presentationml/2006/ole">
             <mc:AlternateContent xmlns:mc="http://schemas.openxmlformats.org/markup-compatibility/2006">
               <mc:Choice xmlns:v="urn:schemas-microsoft-com:vml" Requires="v">
-                <p:oleObj spid="_x0000_s13369" name="Equation" r:id="rId3" imgW="1155600" imgH="914400" progId="Equation.DSMT4">
+                <p:oleObj spid="_x0000_s13379" name="Equation" r:id="rId3" imgW="1155600" imgH="914400" progId="Equation.DSMT4">
                   <p:embed/>
                 </p:oleObj>
               </mc:Choice>
@@ -4244,7 +4245,7 @@
           <a:graphicData uri="http://schemas.openxmlformats.org/presentationml/2006/ole">
             <mc:AlternateContent xmlns:mc="http://schemas.openxmlformats.org/markup-compatibility/2006">
               <mc:Choice xmlns:v="urn:schemas-microsoft-com:vml" Requires="v">
-                <p:oleObj spid="_x0000_s14393" name="Equation" r:id="rId3" imgW="1117440" imgH="914400" progId="Equation.DSMT4">
+                <p:oleObj spid="_x0000_s14403" name="Equation" r:id="rId3" imgW="1117440" imgH="914400" progId="Equation.DSMT4">
                   <p:embed/>
                 </p:oleObj>
               </mc:Choice>
@@ -4527,7 +4528,7 @@
           <a:graphicData uri="http://schemas.openxmlformats.org/presentationml/2006/ole">
             <mc:AlternateContent xmlns:mc="http://schemas.openxmlformats.org/markup-compatibility/2006">
               <mc:Choice xmlns:v="urn:schemas-microsoft-com:vml" Requires="v">
-                <p:oleObj spid="_x0000_s15472" name="Equation" r:id="rId3" imgW="2616120" imgH="914400" progId="Equation.DSMT4">
+                <p:oleObj spid="_x0000_s15492" name="Equation" r:id="rId3" imgW="2616120" imgH="914400" progId="Equation.DSMT4">
                   <p:embed/>
                 </p:oleObj>
               </mc:Choice>
@@ -4580,7 +4581,7 @@
           <a:graphicData uri="http://schemas.openxmlformats.org/presentationml/2006/ole">
             <mc:AlternateContent xmlns:mc="http://schemas.openxmlformats.org/markup-compatibility/2006">
               <mc:Choice xmlns:v="urn:schemas-microsoft-com:vml" Requires="v">
-                <p:oleObj spid="_x0000_s15473" name="Equation" r:id="rId5" imgW="1574640" imgH="914400" progId="Equation.DSMT4">
+                <p:oleObj spid="_x0000_s15493" name="Equation" r:id="rId5" imgW="1574640" imgH="914400" progId="Equation.DSMT4">
                   <p:embed/>
                 </p:oleObj>
               </mc:Choice>
@@ -9283,7 +9284,7 @@
           <a:graphicData uri="http://schemas.openxmlformats.org/presentationml/2006/ole">
             <mc:AlternateContent xmlns:mc="http://schemas.openxmlformats.org/markup-compatibility/2006">
               <mc:Choice xmlns:v="urn:schemas-microsoft-com:vml" Requires="v">
-                <p:oleObj spid="_x0000_s16392" name="Equation" r:id="rId3" imgW="2101838" imgH="1898834" progId="Equation.DSMT4">
+                <p:oleObj spid="_x0000_s16402" name="Equation" r:id="rId3" imgW="2101838" imgH="1898834" progId="Equation.DSMT4">
                   <p:embed/>
                 </p:oleObj>
               </mc:Choice>
@@ -9758,7 +9759,7 @@
           <a:graphicData uri="http://schemas.openxmlformats.org/presentationml/2006/ole">
             <mc:AlternateContent xmlns:mc="http://schemas.openxmlformats.org/markup-compatibility/2006">
               <mc:Choice xmlns:v="urn:schemas-microsoft-com:vml" Requires="v">
-                <p:oleObj spid="_x0000_s17466" name="Equation" r:id="rId14" imgW="3340080" imgH="393480" progId="Equation.DSMT4">
+                <p:oleObj spid="_x0000_s17499" name="Equation" r:id="rId14" imgW="3340080" imgH="393480" progId="Equation.DSMT4">
                   <p:embed/>
                 </p:oleObj>
               </mc:Choice>
@@ -9815,7 +9816,7 @@
           <a:graphicData uri="http://schemas.openxmlformats.org/presentationml/2006/ole">
             <mc:AlternateContent xmlns:mc="http://schemas.openxmlformats.org/markup-compatibility/2006">
               <mc:Choice xmlns:v="urn:schemas-microsoft-com:vml" Requires="v">
-                <p:oleObj spid="_x0000_s17467" name="Equation" r:id="rId16" imgW="2781000" imgH="939600" progId="Equation.DSMT4">
+                <p:oleObj spid="_x0000_s17500" name="Equation" r:id="rId16" imgW="2781000" imgH="939600" progId="Equation.DSMT4">
                   <p:embed/>
                 </p:oleObj>
               </mc:Choice>
@@ -9872,7 +9873,7 @@
           <a:graphicData uri="http://schemas.openxmlformats.org/presentationml/2006/ole">
             <mc:AlternateContent xmlns:mc="http://schemas.openxmlformats.org/markup-compatibility/2006">
               <mc:Choice xmlns:v="urn:schemas-microsoft-com:vml" Requires="v">
-                <p:oleObj spid="_x0000_s17468" name="Equation" r:id="rId18" imgW="3924000" imgH="241200" progId="Equation.DSMT4">
+                <p:oleObj spid="_x0000_s17501" name="Equation" r:id="rId18" imgW="3924000" imgH="241200" progId="Equation.DSMT4">
                   <p:embed/>
                 </p:oleObj>
               </mc:Choice>
@@ -9909,7 +9910,7 @@
       </p:graphicFrame>
       <p:pic>
         <p:nvPicPr>
-          <p:cNvPr id="8" name="图片 7"/>
+          <p:cNvPr id="5" name="图片 4"/>
           <p:cNvPicPr>
             <a:picLocks noChangeAspect="1"/>
           </p:cNvPicPr>
@@ -9923,8 +9924,8 @@
         </p:blipFill>
         <p:spPr>
           <a:xfrm>
-            <a:off x="8691941" y="3129498"/>
-            <a:ext cx="2661859" cy="1996394"/>
+            <a:off x="8516938" y="3031955"/>
+            <a:ext cx="2935697" cy="2191480"/>
           </a:xfrm>
           <a:prstGeom prst="rect">
             <a:avLst/>
@@ -9971,7 +9972,12 @@
             <p:ph type="title"/>
           </p:nvPr>
         </p:nvSpPr>
-        <p:spPr/>
+        <p:spPr>
+          <a:xfrm>
+            <a:off x="613913" y="365124"/>
+            <a:ext cx="8098766" cy="1325563"/>
+          </a:xfrm>
+        </p:spPr>
         <p:txBody>
           <a:bodyPr>
             <a:normAutofit/>
@@ -10020,7 +10026,7 @@
           <a:p>
             <a:r>
               <a:rPr lang="en-SG" dirty="0" smtClean="0"/>
-              <a:t>Control </a:t>
+              <a:t>Definition and Control </a:t>
             </a:r>
             <a:r>
               <a:rPr lang="en-SG" dirty="0" smtClean="0"/>
@@ -10032,8 +10038,8 @@
           </a:p>
           <a:p>
             <a:r>
-              <a:rPr lang="en-SG" dirty="0"/>
-              <a:t> Bernstein </a:t>
+              <a:rPr lang="en-SG" dirty="0" smtClean="0"/>
+              <a:t>Bernstein </a:t>
             </a:r>
             <a:r>
               <a:rPr lang="en-SG" dirty="0" smtClean="0"/>
@@ -10049,7 +10055,11 @@
           <a:p>
             <a:r>
               <a:rPr lang="en-SG" dirty="0"/>
-              <a:t>Matrix representation</a:t>
+              <a:t>Matrix </a:t>
+            </a:r>
+            <a:r>
+              <a:rPr lang="en-SG" dirty="0" smtClean="0"/>
+              <a:t>representation (for 4 order)</a:t>
             </a:r>
             <a:endParaRPr lang="en-SG" dirty="0" smtClean="0"/>
           </a:p>
@@ -10061,30 +10071,6 @@
       <p:pic>
         <p:nvPicPr>
           <p:cNvPr id="4" name="图片 3"/>
-          <p:cNvPicPr>
-            <a:picLocks noChangeAspect="1"/>
-          </p:cNvPicPr>
-          <p:nvPr/>
-        </p:nvPicPr>
-        <p:blipFill>
-          <a:blip r:embed="rId2"/>
-          <a:stretch>
-            <a:fillRect/>
-          </a:stretch>
-        </p:blipFill>
-        <p:spPr>
-          <a:xfrm>
-            <a:off x="8859328" y="1705044"/>
-            <a:ext cx="2072559" cy="1360707"/>
-          </a:xfrm>
-          <a:prstGeom prst="rect">
-            <a:avLst/>
-          </a:prstGeom>
-        </p:spPr>
-      </p:pic>
-      <p:pic>
-        <p:nvPicPr>
-          <p:cNvPr id="5" name="图片 4"/>
           <p:cNvPicPr>
             <a:picLocks noChangeAspect="1"/>
           </p:cNvPicPr>
@@ -10098,8 +10084,8 @@
         </p:blipFill>
         <p:spPr>
           <a:xfrm>
-            <a:off x="8520448" y="3200688"/>
-            <a:ext cx="3134302" cy="1208012"/>
+            <a:off x="8520448" y="3313762"/>
+            <a:ext cx="3134302" cy="1375063"/>
           </a:xfrm>
           <a:prstGeom prst="rect">
             <a:avLst/>
@@ -10129,7 +10115,7 @@
         <p:spPr>
           <a:xfrm>
             <a:off x="8520448" y="4748213"/>
-            <a:ext cx="3429000" cy="1428750"/>
+            <a:ext cx="3134302" cy="1428750"/>
           </a:xfrm>
           <a:prstGeom prst="rect">
             <a:avLst/>
@@ -10152,8 +10138,8 @@
         </p:blipFill>
         <p:spPr>
           <a:xfrm>
-            <a:off x="4222964" y="2127468"/>
-            <a:ext cx="3746071" cy="772386"/>
+            <a:off x="4281703" y="2317900"/>
+            <a:ext cx="3627074" cy="747851"/>
           </a:xfrm>
           <a:prstGeom prst="rect">
             <a:avLst/>
@@ -10176,8 +10162,89 @@
         </p:blipFill>
         <p:spPr>
           <a:xfrm>
-            <a:off x="4521597" y="3200688"/>
-            <a:ext cx="3147287" cy="780577"/>
+            <a:off x="4521598" y="3200689"/>
+            <a:ext cx="2983384" cy="739926"/>
+          </a:xfrm>
+          <a:prstGeom prst="rect">
+            <a:avLst/>
+          </a:prstGeom>
+        </p:spPr>
+      </p:pic>
+      <p:graphicFrame>
+        <p:nvGraphicFramePr>
+          <p:cNvPr id="9" name="对象 8"/>
+          <p:cNvGraphicFramePr>
+            <a:graphicFrameLocks noChangeAspect="1"/>
+          </p:cNvGraphicFramePr>
+          <p:nvPr>
+            <p:extLst>
+              <p:ext uri="{D42A27DB-BD31-4B8C-83A1-F6EECF244321}">
+                <p14:modId xmlns:p14="http://schemas.microsoft.com/office/powerpoint/2010/main" val="3981764933"/>
+              </p:ext>
+            </p:extLst>
+          </p:nvPr>
+        </p:nvGraphicFramePr>
+        <p:xfrm>
+          <a:off x="3293033" y="4522787"/>
+          <a:ext cx="4850756" cy="1654175"/>
+        </p:xfrm>
+        <a:graphic>
+          <a:graphicData uri="http://schemas.openxmlformats.org/presentationml/2006/ole">
+            <mc:AlternateContent xmlns:mc="http://schemas.openxmlformats.org/markup-compatibility/2006">
+              <mc:Choice xmlns:v="urn:schemas-microsoft-com:vml" Requires="v">
+                <p:oleObj spid="_x0000_s18442" name="Equation" r:id="rId7" imgW="2755800" imgH="939600" progId="Equation.DSMT4">
+                  <p:embed/>
+                </p:oleObj>
+              </mc:Choice>
+              <mc:Fallback>
+                <p:oleObj name="Equation" r:id="rId7" imgW="2755800" imgH="939600" progId="Equation.DSMT4">
+                  <p:embed/>
+                  <p:pic>
+                    <p:nvPicPr>
+                      <p:cNvPr id="0" name=""/>
+                      <p:cNvPicPr/>
+                      <p:nvPr/>
+                    </p:nvPicPr>
+                    <p:blipFill>
+                      <a:blip r:embed="rId8"/>
+                      <a:stretch>
+                        <a:fillRect/>
+                      </a:stretch>
+                    </p:blipFill>
+                    <p:spPr>
+                      <a:xfrm>
+                        <a:off x="3293033" y="4522787"/>
+                        <a:ext cx="4850756" cy="1654175"/>
+                      </a:xfrm>
+                      <a:prstGeom prst="rect">
+                        <a:avLst/>
+                      </a:prstGeom>
+                    </p:spPr>
+                  </p:pic>
+                </p:oleObj>
+              </mc:Fallback>
+            </mc:AlternateContent>
+          </a:graphicData>
+        </a:graphic>
+      </p:graphicFrame>
+      <p:pic>
+        <p:nvPicPr>
+          <p:cNvPr id="11" name="图片 10"/>
+          <p:cNvPicPr>
+            <a:picLocks noChangeAspect="1"/>
+          </p:cNvPicPr>
+          <p:nvPr/>
+        </p:nvPicPr>
+        <p:blipFill>
+          <a:blip r:embed="rId9"/>
+          <a:stretch>
+            <a:fillRect/>
+          </a:stretch>
+        </p:blipFill>
+        <p:spPr>
+          <a:xfrm>
+            <a:off x="8248371" y="686685"/>
+            <a:ext cx="3678455" cy="2745944"/>
           </a:xfrm>
           <a:prstGeom prst="rect">
             <a:avLst/>
@@ -10240,6 +10307,95 @@
           <a:p>
             <a:r>
               <a:rPr lang="en-SG" dirty="0"/>
+              <a:t>Geometry of curve – </a:t>
+            </a:r>
+            <a:r>
+              <a:rPr lang="en-SG" dirty="0" smtClean="0"/>
+              <a:t>Cubic spline </a:t>
+            </a:r>
+            <a:r>
+              <a:rPr lang="en-SG" dirty="0" smtClean="0"/>
+              <a:t>curves</a:t>
+            </a:r>
+            <a:endParaRPr lang="en-SG" dirty="0"/>
+          </a:p>
+        </p:txBody>
+      </p:sp>
+      <p:sp>
+        <p:nvSpPr>
+          <p:cNvPr id="3" name="内容占位符 2"/>
+          <p:cNvSpPr>
+            <a:spLocks noGrp="1"/>
+          </p:cNvSpPr>
+          <p:nvPr>
+            <p:ph idx="1"/>
+          </p:nvPr>
+        </p:nvSpPr>
+        <p:spPr/>
+        <p:txBody>
+          <a:bodyPr/>
+          <a:lstStyle/>
+          <a:p>
+            <a:endParaRPr lang="en-SG"/>
+          </a:p>
+        </p:txBody>
+      </p:sp>
+    </p:spTree>
+    <p:extLst>
+      <p:ext uri="{BB962C8B-B14F-4D97-AF65-F5344CB8AC3E}">
+        <p14:creationId xmlns:p14="http://schemas.microsoft.com/office/powerpoint/2010/main" val="767071097"/>
+      </p:ext>
+    </p:extLst>
+  </p:cSld>
+  <p:clrMapOvr>
+    <a:masterClrMapping/>
+  </p:clrMapOvr>
+  <p:timing>
+    <p:tnLst>
+      <p:par>
+        <p:cTn id="1" dur="indefinite" restart="never" nodeType="tmRoot"/>
+      </p:par>
+    </p:tnLst>
+  </p:timing>
+</p:sld>
+</file>
+
+<file path=ppt/slides/slide43.xml><?xml version="1.0" encoding="utf-8"?>
+<p:sld xmlns:a="http://schemas.openxmlformats.org/drawingml/2006/main" xmlns:r="http://schemas.openxmlformats.org/officeDocument/2006/relationships" xmlns:p="http://schemas.openxmlformats.org/presentationml/2006/main">
+  <p:cSld>
+    <p:spTree>
+      <p:nvGrpSpPr>
+        <p:cNvPr id="1" name=""/>
+        <p:cNvGrpSpPr/>
+        <p:nvPr/>
+      </p:nvGrpSpPr>
+      <p:grpSpPr>
+        <a:xfrm>
+          <a:off x="0" y="0"/>
+          <a:ext cx="0" cy="0"/>
+          <a:chOff x="0" y="0"/>
+          <a:chExt cx="0" cy="0"/>
+        </a:xfrm>
+      </p:grpSpPr>
+      <p:sp>
+        <p:nvSpPr>
+          <p:cNvPr id="2" name="标题 1"/>
+          <p:cNvSpPr>
+            <a:spLocks noGrp="1"/>
+          </p:cNvSpPr>
+          <p:nvPr>
+            <p:ph type="title"/>
+          </p:nvPr>
+        </p:nvSpPr>
+        <p:spPr/>
+        <p:txBody>
+          <a:bodyPr>
+            <a:normAutofit/>
+          </a:bodyPr>
+          <a:lstStyle/>
+          <a:p>
+            <a:r>
+              <a:rPr lang="en-SG" dirty="0"/>
               <a:t>Geometry of curve – B-spline </a:t>
             </a:r>
             <a:r>
@@ -10289,7 +10445,7 @@
 </p:sld>
 </file>
 
-<file path=ppt/slides/slide43.xml><?xml version="1.0" encoding="utf-8"?>
+<file path=ppt/slides/slide44.xml><?xml version="1.0" encoding="utf-8"?>
 <p:sld xmlns:a="http://schemas.openxmlformats.org/drawingml/2006/main" xmlns:r="http://schemas.openxmlformats.org/officeDocument/2006/relationships" xmlns:p="http://schemas.openxmlformats.org/presentationml/2006/main">
   <p:cSld>
     <p:spTree>
@@ -10403,100 +10559,6 @@
 </p:sld>
 </file>
 
-<file path=ppt/slides/slide44.xml><?xml version="1.0" encoding="utf-8"?>
-<p:sld xmlns:a="http://schemas.openxmlformats.org/drawingml/2006/main" xmlns:r="http://schemas.openxmlformats.org/officeDocument/2006/relationships" xmlns:p="http://schemas.openxmlformats.org/presentationml/2006/main">
-  <p:cSld>
-    <p:spTree>
-      <p:nvGrpSpPr>
-        <p:cNvPr id="1" name=""/>
-        <p:cNvGrpSpPr/>
-        <p:nvPr/>
-      </p:nvGrpSpPr>
-      <p:grpSpPr>
-        <a:xfrm>
-          <a:off x="0" y="0"/>
-          <a:ext cx="0" cy="0"/>
-          <a:chOff x="0" y="0"/>
-          <a:chExt cx="0" cy="0"/>
-        </a:xfrm>
-      </p:grpSpPr>
-      <p:sp>
-        <p:nvSpPr>
-          <p:cNvPr id="2" name="标题 1"/>
-          <p:cNvSpPr>
-            <a:spLocks noGrp="1"/>
-          </p:cNvSpPr>
-          <p:nvPr>
-            <p:ph type="title"/>
-          </p:nvPr>
-        </p:nvSpPr>
-        <p:spPr/>
-        <p:txBody>
-          <a:bodyPr/>
-          <a:lstStyle/>
-          <a:p>
-            <a:r>
-              <a:rPr lang="en-SG" dirty="0" smtClean="0"/>
-              <a:t>Geometry of surface</a:t>
-            </a:r>
-            <a:endParaRPr lang="en-SG" dirty="0"/>
-          </a:p>
-        </p:txBody>
-      </p:sp>
-      <p:sp>
-        <p:nvSpPr>
-          <p:cNvPr id="3" name="内容占位符 2"/>
-          <p:cNvSpPr>
-            <a:spLocks noGrp="1"/>
-          </p:cNvSpPr>
-          <p:nvPr>
-            <p:ph idx="1"/>
-          </p:nvPr>
-        </p:nvSpPr>
-        <p:spPr/>
-        <p:txBody>
-          <a:bodyPr/>
-          <a:lstStyle/>
-          <a:p>
-            <a:r>
-              <a:rPr lang="en-SG" dirty="0" smtClean="0"/>
-              <a:t>Ruled surfaces</a:t>
-            </a:r>
-          </a:p>
-          <a:p>
-            <a:r>
-              <a:rPr lang="en-SG" dirty="0" smtClean="0"/>
-              <a:t>Other standard mathematical surfaces</a:t>
-            </a:r>
-          </a:p>
-          <a:p>
-            <a:r>
-              <a:rPr lang="en-SG" dirty="0" smtClean="0"/>
-              <a:t>NURBS</a:t>
-            </a:r>
-          </a:p>
-          <a:p>
-            <a:r>
-              <a:rPr lang="en-SG" dirty="0" smtClean="0"/>
-              <a:t>Surface modelling</a:t>
-            </a:r>
-            <a:endParaRPr lang="en-SG" dirty="0"/>
-          </a:p>
-        </p:txBody>
-      </p:sp>
-    </p:spTree>
-    <p:extLst>
-      <p:ext uri="{BB962C8B-B14F-4D97-AF65-F5344CB8AC3E}">
-        <p14:creationId xmlns:p14="http://schemas.microsoft.com/office/powerpoint/2010/main" val="995354629"/>
-      </p:ext>
-    </p:extLst>
-  </p:cSld>
-  <p:clrMapOvr>
-    <a:masterClrMapping/>
-  </p:clrMapOvr>
-</p:sld>
-</file>
-
 <file path=ppt/slides/slide45.xml><?xml version="1.0" encoding="utf-8"?>
 <p:sld xmlns:a="http://schemas.openxmlformats.org/drawingml/2006/main" xmlns:r="http://schemas.openxmlformats.org/officeDocument/2006/relationships" xmlns:p="http://schemas.openxmlformats.org/presentationml/2006/main">
   <p:cSld>
@@ -10526,18 +10588,12 @@
         </p:nvSpPr>
         <p:spPr/>
         <p:txBody>
-          <a:bodyPr>
-            <a:normAutofit/>
-          </a:bodyPr>
-          <a:lstStyle/>
-          <a:p>
-            <a:r>
-              <a:rPr lang="en-SG" dirty="0"/>
-              <a:t>Ruled </a:t>
-            </a:r>
-            <a:r>
-              <a:rPr lang="en-SG" dirty="0" smtClean="0"/>
-              <a:t>surfaces</a:t>
+          <a:bodyPr/>
+          <a:lstStyle/>
+          <a:p>
+            <a:r>
+              <a:rPr lang="en-SG" dirty="0" smtClean="0"/>
+              <a:t>Geometry of surface</a:t>
             </a:r>
             <a:endParaRPr lang="en-SG" dirty="0"/>
           </a:p>
@@ -10558,14 +10614,36 @@
           <a:bodyPr/>
           <a:lstStyle/>
           <a:p>
-            <a:endParaRPr lang="en-SG"/>
+            <a:r>
+              <a:rPr lang="en-SG" dirty="0" smtClean="0"/>
+              <a:t>Ruled surfaces</a:t>
+            </a:r>
+          </a:p>
+          <a:p>
+            <a:r>
+              <a:rPr lang="en-SG" dirty="0" smtClean="0"/>
+              <a:t>Other standard mathematical surfaces</a:t>
+            </a:r>
+          </a:p>
+          <a:p>
+            <a:r>
+              <a:rPr lang="en-SG" dirty="0" smtClean="0"/>
+              <a:t>NURBS</a:t>
+            </a:r>
+          </a:p>
+          <a:p>
+            <a:r>
+              <a:rPr lang="en-SG" dirty="0" smtClean="0"/>
+              <a:t>Surface modelling</a:t>
+            </a:r>
+            <a:endParaRPr lang="en-SG" dirty="0"/>
           </a:p>
         </p:txBody>
       </p:sp>
     </p:spTree>
     <p:extLst>
       <p:ext uri="{BB962C8B-B14F-4D97-AF65-F5344CB8AC3E}">
-        <p14:creationId xmlns:p14="http://schemas.microsoft.com/office/powerpoint/2010/main" val="4089471478"/>
+        <p14:creationId xmlns:p14="http://schemas.microsoft.com/office/powerpoint/2010/main" val="995354629"/>
       </p:ext>
     </p:extLst>
   </p:cSld>
@@ -10610,12 +10688,8 @@
           <a:lstStyle/>
           <a:p>
             <a:r>
-              <a:rPr lang="en-SG" dirty="0" smtClean="0"/>
-              <a:t>Other </a:t>
-            </a:r>
-            <a:r>
-              <a:rPr lang="en-SG" dirty="0"/>
-              <a:t>standard mathematical </a:t>
+              <a:rPr lang="en-SG" dirty="0"/>
+              <a:t>Ruled </a:t>
             </a:r>
             <a:r>
               <a:rPr lang="en-SG" dirty="0" smtClean="0"/>
@@ -10647,7 +10721,7 @@
     </p:spTree>
     <p:extLst>
       <p:ext uri="{BB962C8B-B14F-4D97-AF65-F5344CB8AC3E}">
-        <p14:creationId xmlns:p14="http://schemas.microsoft.com/office/powerpoint/2010/main" val="1677274216"/>
+        <p14:creationId xmlns:p14="http://schemas.microsoft.com/office/powerpoint/2010/main" val="4089471478"/>
       </p:ext>
     </p:extLst>
   </p:cSld>
@@ -10693,7 +10767,15 @@
           <a:p>
             <a:r>
               <a:rPr lang="en-SG" dirty="0" smtClean="0"/>
-              <a:t>NURBS</a:t>
+              <a:t>Other </a:t>
+            </a:r>
+            <a:r>
+              <a:rPr lang="en-SG" dirty="0"/>
+              <a:t>standard mathematical </a:t>
+            </a:r>
+            <a:r>
+              <a:rPr lang="en-SG" dirty="0" smtClean="0"/>
+              <a:t>surfaces</a:t>
             </a:r>
             <a:endParaRPr lang="en-SG" dirty="0"/>
           </a:p>
@@ -10721,7 +10803,7 @@
     </p:spTree>
     <p:extLst>
       <p:ext uri="{BB962C8B-B14F-4D97-AF65-F5344CB8AC3E}">
-        <p14:creationId xmlns:p14="http://schemas.microsoft.com/office/powerpoint/2010/main" val="1795151959"/>
+        <p14:creationId xmlns:p14="http://schemas.microsoft.com/office/powerpoint/2010/main" val="1677274216"/>
       </p:ext>
     </p:extLst>
   </p:cSld>
@@ -10767,7 +10849,7 @@
           <a:p>
             <a:r>
               <a:rPr lang="en-SG" dirty="0" smtClean="0"/>
-              <a:t>Surface modelling</a:t>
+              <a:t>NURBS</a:t>
             </a:r>
             <a:endParaRPr lang="en-SG" dirty="0"/>
           </a:p>
@@ -10795,7 +10877,7 @@
     </p:spTree>
     <p:extLst>
       <p:ext uri="{BB962C8B-B14F-4D97-AF65-F5344CB8AC3E}">
-        <p14:creationId xmlns:p14="http://schemas.microsoft.com/office/powerpoint/2010/main" val="3533909986"/>
+        <p14:creationId xmlns:p14="http://schemas.microsoft.com/office/powerpoint/2010/main" val="1795151959"/>
       </p:ext>
     </p:extLst>
   </p:cSld>
@@ -10834,12 +10916,14 @@
         </p:nvSpPr>
         <p:spPr/>
         <p:txBody>
-          <a:bodyPr/>
-          <a:lstStyle/>
-          <a:p>
-            <a:r>
-              <a:rPr lang="en-SG" dirty="0" smtClean="0"/>
-              <a:t>Boolean operations in CSG</a:t>
+          <a:bodyPr>
+            <a:normAutofit/>
+          </a:bodyPr>
+          <a:lstStyle/>
+          <a:p>
+            <a:r>
+              <a:rPr lang="en-SG" dirty="0" smtClean="0"/>
+              <a:t>Surface modelling</a:t>
             </a:r>
             <a:endParaRPr lang="en-SG" dirty="0"/>
           </a:p>
@@ -10847,12 +10931,12 @@
       </p:sp>
       <p:sp>
         <p:nvSpPr>
-          <p:cNvPr id="4" name="文本占位符 3"/>
-          <p:cNvSpPr>
-            <a:spLocks noGrp="1"/>
-          </p:cNvSpPr>
-          <p:nvPr>
-            <p:ph type="body" idx="1"/>
+          <p:cNvPr id="3" name="内容占位符 2"/>
+          <p:cNvSpPr>
+            <a:spLocks noGrp="1"/>
+          </p:cNvSpPr>
+          <p:nvPr>
+            <p:ph idx="1"/>
           </p:nvPr>
         </p:nvSpPr>
         <p:spPr/>
@@ -10867,7 +10951,7 @@
     </p:spTree>
     <p:extLst>
       <p:ext uri="{BB962C8B-B14F-4D97-AF65-F5344CB8AC3E}">
-        <p14:creationId xmlns:p14="http://schemas.microsoft.com/office/powerpoint/2010/main" val="1997754333"/>
+        <p14:creationId xmlns:p14="http://schemas.microsoft.com/office/powerpoint/2010/main" val="3533909986"/>
       </p:ext>
     </p:extLst>
   </p:cSld>
@@ -11004,6 +11088,78 @@
           <a:lstStyle/>
           <a:p>
             <a:r>
+              <a:rPr lang="en-SG" dirty="0" smtClean="0"/>
+              <a:t>Boolean operations in CSG</a:t>
+            </a:r>
+            <a:endParaRPr lang="en-SG" dirty="0"/>
+          </a:p>
+        </p:txBody>
+      </p:sp>
+      <p:sp>
+        <p:nvSpPr>
+          <p:cNvPr id="4" name="文本占位符 3"/>
+          <p:cNvSpPr>
+            <a:spLocks noGrp="1"/>
+          </p:cNvSpPr>
+          <p:nvPr>
+            <p:ph type="body" idx="1"/>
+          </p:nvPr>
+        </p:nvSpPr>
+        <p:spPr/>
+        <p:txBody>
+          <a:bodyPr/>
+          <a:lstStyle/>
+          <a:p>
+            <a:endParaRPr lang="en-SG"/>
+          </a:p>
+        </p:txBody>
+      </p:sp>
+    </p:spTree>
+    <p:extLst>
+      <p:ext uri="{BB962C8B-B14F-4D97-AF65-F5344CB8AC3E}">
+        <p14:creationId xmlns:p14="http://schemas.microsoft.com/office/powerpoint/2010/main" val="1997754333"/>
+      </p:ext>
+    </p:extLst>
+  </p:cSld>
+  <p:clrMapOvr>
+    <a:masterClrMapping/>
+  </p:clrMapOvr>
+</p:sld>
+</file>
+
+<file path=ppt/slides/slide51.xml><?xml version="1.0" encoding="utf-8"?>
+<p:sld xmlns:a="http://schemas.openxmlformats.org/drawingml/2006/main" xmlns:r="http://schemas.openxmlformats.org/officeDocument/2006/relationships" xmlns:p="http://schemas.openxmlformats.org/presentationml/2006/main">
+  <p:cSld>
+    <p:spTree>
+      <p:nvGrpSpPr>
+        <p:cNvPr id="1" name=""/>
+        <p:cNvGrpSpPr/>
+        <p:nvPr/>
+      </p:nvGrpSpPr>
+      <p:grpSpPr>
+        <a:xfrm>
+          <a:off x="0" y="0"/>
+          <a:ext cx="0" cy="0"/>
+          <a:chOff x="0" y="0"/>
+          <a:chExt cx="0" cy="0"/>
+        </a:xfrm>
+      </p:grpSpPr>
+      <p:sp>
+        <p:nvSpPr>
+          <p:cNvPr id="2" name="标题 1"/>
+          <p:cNvSpPr>
+            <a:spLocks noGrp="1"/>
+          </p:cNvSpPr>
+          <p:nvPr>
+            <p:ph type="title"/>
+          </p:nvPr>
+        </p:nvSpPr>
+        <p:spPr/>
+        <p:txBody>
+          <a:bodyPr/>
+          <a:lstStyle/>
+          <a:p>
+            <a:r>
               <a:rPr lang="en-SG" dirty="0"/>
               <a:t>Constructive solid </a:t>
             </a:r>
@@ -11153,7 +11309,7 @@
 </p:sld>
 </file>
 
-<file path=ppt/slides/slide51.xml><?xml version="1.0" encoding="utf-8"?>
+<file path=ppt/slides/slide52.xml><?xml version="1.0" encoding="utf-8"?>
 <p:sld xmlns:a="http://schemas.openxmlformats.org/drawingml/2006/main" xmlns:r="http://schemas.openxmlformats.org/officeDocument/2006/relationships" xmlns:p="http://schemas.openxmlformats.org/presentationml/2006/main">
   <p:cSld>
     <p:spTree>
@@ -11311,7 +11467,7 @@
           <a:graphicData uri="http://schemas.openxmlformats.org/presentationml/2006/ole">
             <mc:AlternateContent xmlns:mc="http://schemas.openxmlformats.org/markup-compatibility/2006">
               <mc:Choice xmlns:v="urn:schemas-microsoft-com:vml" Requires="v">
-                <p:oleObj spid="_x0000_s8446" name="Equation" r:id="rId6" imgW="419040" imgH="164880" progId="Equation.DSMT4">
+                <p:oleObj spid="_x0000_s8476" name="Equation" r:id="rId6" imgW="419040" imgH="164880" progId="Equation.DSMT4">
                   <p:embed/>
                 </p:oleObj>
               </mc:Choice>
@@ -11368,7 +11524,7 @@
           <a:graphicData uri="http://schemas.openxmlformats.org/presentationml/2006/ole">
             <mc:AlternateContent xmlns:mc="http://schemas.openxmlformats.org/markup-compatibility/2006">
               <mc:Choice xmlns:v="urn:schemas-microsoft-com:vml" Requires="v">
-                <p:oleObj spid="_x0000_s8447" name="Equation" r:id="rId8" imgW="380880" imgH="406080" progId="Equation.DSMT4">
+                <p:oleObj spid="_x0000_s8477" name="Equation" r:id="rId8" imgW="380880" imgH="406080" progId="Equation.DSMT4">
                   <p:embed/>
                 </p:oleObj>
               </mc:Choice>
@@ -11421,7 +11577,7 @@
           <a:graphicData uri="http://schemas.openxmlformats.org/presentationml/2006/ole">
             <mc:AlternateContent xmlns:mc="http://schemas.openxmlformats.org/markup-compatibility/2006">
               <mc:Choice xmlns:v="urn:schemas-microsoft-com:vml" Requires="v">
-                <p:oleObj spid="_x0000_s8448" name="Equation" r:id="rId10" imgW="419040" imgH="164880" progId="Equation.DSMT4">
+                <p:oleObj spid="_x0000_s8478" name="Equation" r:id="rId10" imgW="419040" imgH="164880" progId="Equation.DSMT4">
                   <p:embed/>
                 </p:oleObj>
               </mc:Choice>
@@ -11469,7 +11625,7 @@
 </p:sld>
 </file>
 
-<file path=ppt/slides/slide52.xml><?xml version="1.0" encoding="utf-8"?>
+<file path=ppt/slides/slide53.xml><?xml version="1.0" encoding="utf-8"?>
 <p:sld xmlns:a="http://schemas.openxmlformats.org/drawingml/2006/main" xmlns:r="http://schemas.openxmlformats.org/officeDocument/2006/relationships" xmlns:p="http://schemas.openxmlformats.org/presentationml/2006/main">
   <p:cSld>
     <p:spTree>
@@ -11607,7 +11763,7 @@
 </p:sld>
 </file>
 
-<file path=ppt/slides/slide53.xml><?xml version="1.0" encoding="utf-8"?>
+<file path=ppt/slides/slide54.xml><?xml version="1.0" encoding="utf-8"?>
 <p:sld xmlns:a="http://schemas.openxmlformats.org/drawingml/2006/main" xmlns:r="http://schemas.openxmlformats.org/officeDocument/2006/relationships" xmlns:p="http://schemas.openxmlformats.org/presentationml/2006/main">
   <p:cSld>
     <p:spTree>
@@ -11714,7 +11870,7 @@
 </p:sld>
 </file>
 
-<file path=ppt/slides/slide54.xml><?xml version="1.0" encoding="utf-8"?>
+<file path=ppt/slides/slide55.xml><?xml version="1.0" encoding="utf-8"?>
 <p:sld xmlns:a="http://schemas.openxmlformats.org/drawingml/2006/main" xmlns:r="http://schemas.openxmlformats.org/officeDocument/2006/relationships" xmlns:p="http://schemas.openxmlformats.org/presentationml/2006/main">
   <p:cSld>
     <p:spTree>
@@ -11786,7 +11942,7 @@
 </p:sld>
 </file>
 
-<file path=ppt/slides/slide55.xml><?xml version="1.0" encoding="utf-8"?>
+<file path=ppt/slides/slide56.xml><?xml version="1.0" encoding="utf-8"?>
 <p:sld xmlns:a="http://schemas.openxmlformats.org/drawingml/2006/main" xmlns:r="http://schemas.openxmlformats.org/officeDocument/2006/relationships" xmlns:p="http://schemas.openxmlformats.org/presentationml/2006/main">
   <p:cSld>
     <p:spTree>
@@ -11894,7 +12050,7 @@
 </p:sld>
 </file>
 
-<file path=ppt/slides/slide56.xml><?xml version="1.0" encoding="utf-8"?>
+<file path=ppt/slides/slide57.xml><?xml version="1.0" encoding="utf-8"?>
 <p:sld xmlns:a="http://schemas.openxmlformats.org/drawingml/2006/main" xmlns:r="http://schemas.openxmlformats.org/officeDocument/2006/relationships" xmlns:p="http://schemas.openxmlformats.org/presentationml/2006/main">
   <p:cSld>
     <p:spTree>
@@ -11948,7 +12104,7 @@
 </p:sld>
 </file>
 
-<file path=ppt/slides/slide57.xml><?xml version="1.0" encoding="utf-8"?>
+<file path=ppt/slides/slide58.xml><?xml version="1.0" encoding="utf-8"?>
 <p:sld xmlns:a="http://schemas.openxmlformats.org/drawingml/2006/main" xmlns:r="http://schemas.openxmlformats.org/officeDocument/2006/relationships" xmlns:p="http://schemas.openxmlformats.org/presentationml/2006/main">
   <p:cSld>
     <p:spTree>
@@ -12056,7 +12212,7 @@
 </p:sld>
 </file>
 
-<file path=ppt/slides/slide58.xml><?xml version="1.0" encoding="utf-8"?>
+<file path=ppt/slides/slide59.xml><?xml version="1.0" encoding="utf-8"?>
 <p:sld xmlns:a="http://schemas.openxmlformats.org/drawingml/2006/main" xmlns:r="http://schemas.openxmlformats.org/officeDocument/2006/relationships" xmlns:p="http://schemas.openxmlformats.org/presentationml/2006/main">
   <p:cSld>
     <p:spTree>
@@ -12192,132 +12348,6 @@
 </p:sld>
 </file>
 
-<file path=ppt/slides/slide59.xml><?xml version="1.0" encoding="utf-8"?>
-<p:sld xmlns:a="http://schemas.openxmlformats.org/drawingml/2006/main" xmlns:r="http://schemas.openxmlformats.org/officeDocument/2006/relationships" xmlns:p="http://schemas.openxmlformats.org/presentationml/2006/main">
-  <p:cSld>
-    <p:spTree>
-      <p:nvGrpSpPr>
-        <p:cNvPr id="1" name=""/>
-        <p:cNvGrpSpPr/>
-        <p:nvPr/>
-      </p:nvGrpSpPr>
-      <p:grpSpPr>
-        <a:xfrm>
-          <a:off x="0" y="0"/>
-          <a:ext cx="0" cy="0"/>
-          <a:chOff x="0" y="0"/>
-          <a:chExt cx="0" cy="0"/>
-        </a:xfrm>
-      </p:grpSpPr>
-      <p:sp>
-        <p:nvSpPr>
-          <p:cNvPr id="2" name="标题 1"/>
-          <p:cNvSpPr>
-            <a:spLocks noGrp="1"/>
-          </p:cNvSpPr>
-          <p:nvPr>
-            <p:ph type="title"/>
-          </p:nvPr>
-        </p:nvSpPr>
-        <p:spPr/>
-        <p:txBody>
-          <a:bodyPr/>
-          <a:lstStyle/>
-          <a:p>
-            <a:r>
-              <a:rPr lang="en-SG" dirty="0"/>
-              <a:t>Sketch method</a:t>
-            </a:r>
-          </a:p>
-        </p:txBody>
-      </p:sp>
-      <p:sp>
-        <p:nvSpPr>
-          <p:cNvPr id="3" name="内容占位符 2"/>
-          <p:cNvSpPr>
-            <a:spLocks noGrp="1"/>
-          </p:cNvSpPr>
-          <p:nvPr>
-            <p:ph idx="1"/>
-          </p:nvPr>
-        </p:nvSpPr>
-        <p:spPr/>
-        <p:txBody>
-          <a:bodyPr/>
-          <a:lstStyle/>
-          <a:p>
-            <a:r>
-              <a:rPr lang="en-SG" dirty="0" smtClean="0"/>
-              <a:t>The main steps of sketch method to create 3D models are</a:t>
-            </a:r>
-          </a:p>
-          <a:p>
-            <a:pPr marL="914400" lvl="1" indent="-457200">
-              <a:buFont typeface="+mj-lt"/>
-              <a:buAutoNum type="arabicPeriod"/>
-            </a:pPr>
-            <a:r>
-              <a:rPr lang="en-SG" dirty="0" smtClean="0"/>
-              <a:t>Define a sketch plane as cross section;</a:t>
-            </a:r>
-          </a:p>
-          <a:p>
-            <a:pPr marL="914400" lvl="1" indent="-457200">
-              <a:buFont typeface="+mj-lt"/>
-              <a:buAutoNum type="arabicPeriod"/>
-            </a:pPr>
-            <a:r>
-              <a:rPr lang="en-SG" dirty="0" smtClean="0"/>
-              <a:t>Sketch 2D shapes on the cross section;</a:t>
-            </a:r>
-          </a:p>
-          <a:p>
-            <a:pPr marL="914400" lvl="1" indent="-457200">
-              <a:buFont typeface="+mj-lt"/>
-              <a:buAutoNum type="arabicPeriod"/>
-            </a:pPr>
-            <a:r>
-              <a:rPr lang="en-SG" dirty="0" smtClean="0"/>
-              <a:t>Constraint 2D shapes with accurate dimensions;</a:t>
-            </a:r>
-          </a:p>
-          <a:p>
-            <a:pPr marL="914400" lvl="1" indent="-457200">
-              <a:buFont typeface="+mj-lt"/>
-              <a:buAutoNum type="arabicPeriod"/>
-            </a:pPr>
-            <a:r>
-              <a:rPr lang="en-SG" dirty="0" smtClean="0"/>
-              <a:t>Perform 2D to </a:t>
-            </a:r>
-            <a:r>
-              <a:rPr lang="en-SG" smtClean="0"/>
-              <a:t>3D operations.</a:t>
-            </a:r>
-            <a:endParaRPr lang="en-SG" dirty="0" smtClean="0"/>
-          </a:p>
-          <a:p>
-            <a:pPr marL="914400" lvl="1" indent="-457200">
-              <a:buFont typeface="+mj-lt"/>
-              <a:buAutoNum type="arabicPeriod"/>
-            </a:pPr>
-            <a:endParaRPr lang="en-SG" dirty="0"/>
-          </a:p>
-        </p:txBody>
-      </p:sp>
-    </p:spTree>
-    <p:extLst>
-      <p:ext uri="{BB962C8B-B14F-4D97-AF65-F5344CB8AC3E}">
-        <p14:creationId xmlns:p14="http://schemas.microsoft.com/office/powerpoint/2010/main" val="4198518572"/>
-      </p:ext>
-    </p:extLst>
-  </p:cSld>
-  <p:clrMapOvr>
-    <a:masterClrMapping/>
-  </p:clrMapOvr>
-</p:sld>
-</file>
-
 <file path=ppt/slides/slide6.xml><?xml version="1.0" encoding="utf-8"?>
 <p:sld xmlns:a="http://schemas.openxmlformats.org/drawingml/2006/main" xmlns:r="http://schemas.openxmlformats.org/officeDocument/2006/relationships" xmlns:p="http://schemas.openxmlformats.org/presentationml/2006/main">
   <p:cSld>
@@ -12409,7 +12439,7 @@
       </p:grpSpPr>
       <p:sp>
         <p:nvSpPr>
-          <p:cNvPr id="4" name="标题 3"/>
+          <p:cNvPr id="2" name="标题 1"/>
           <p:cNvSpPr>
             <a:spLocks noGrp="1"/>
           </p:cNvSpPr>
@@ -12424,39 +12454,89 @@
           <a:p>
             <a:r>
               <a:rPr lang="en-SG" dirty="0"/>
-              <a:t>Key disciplines of modelling in </a:t>
-            </a:r>
-            <a:r>
-              <a:rPr lang="en-SG" dirty="0" err="1"/>
-              <a:t>Solidworks</a:t>
-            </a:r>
+              <a:t>Sketch method</a:t>
+            </a:r>
+          </a:p>
+        </p:txBody>
+      </p:sp>
+      <p:sp>
+        <p:nvSpPr>
+          <p:cNvPr id="3" name="内容占位符 2"/>
+          <p:cNvSpPr>
+            <a:spLocks noGrp="1"/>
+          </p:cNvSpPr>
+          <p:nvPr>
+            <p:ph idx="1"/>
+          </p:nvPr>
+        </p:nvSpPr>
+        <p:spPr/>
+        <p:txBody>
+          <a:bodyPr/>
+          <a:lstStyle/>
+          <a:p>
+            <a:r>
+              <a:rPr lang="en-SG" dirty="0" smtClean="0"/>
+              <a:t>The main steps of sketch method to create 3D models are</a:t>
+            </a:r>
+          </a:p>
+          <a:p>
+            <a:pPr marL="914400" lvl="1" indent="-457200">
+              <a:buFont typeface="+mj-lt"/>
+              <a:buAutoNum type="arabicPeriod"/>
+            </a:pPr>
+            <a:r>
+              <a:rPr lang="en-SG" dirty="0" smtClean="0"/>
+              <a:t>Define a sketch plane as cross section;</a:t>
+            </a:r>
+          </a:p>
+          <a:p>
+            <a:pPr marL="914400" lvl="1" indent="-457200">
+              <a:buFont typeface="+mj-lt"/>
+              <a:buAutoNum type="arabicPeriod"/>
+            </a:pPr>
+            <a:r>
+              <a:rPr lang="en-SG" dirty="0" smtClean="0"/>
+              <a:t>Sketch 2D shapes on the cross section;</a:t>
+            </a:r>
+          </a:p>
+          <a:p>
+            <a:pPr marL="914400" lvl="1" indent="-457200">
+              <a:buFont typeface="+mj-lt"/>
+              <a:buAutoNum type="arabicPeriod"/>
+            </a:pPr>
+            <a:r>
+              <a:rPr lang="en-SG" dirty="0" smtClean="0"/>
+              <a:t>Constraint 2D shapes with accurate dimensions;</a:t>
+            </a:r>
+          </a:p>
+          <a:p>
+            <a:pPr marL="914400" lvl="1" indent="-457200">
+              <a:buFont typeface="+mj-lt"/>
+              <a:buAutoNum type="arabicPeriod"/>
+            </a:pPr>
+            <a:r>
+              <a:rPr lang="en-SG" dirty="0" smtClean="0"/>
+              <a:t>Perform 2D to </a:t>
+            </a:r>
+            <a:r>
+              <a:rPr lang="en-SG" smtClean="0"/>
+              <a:t>3D operations.</a:t>
+            </a:r>
+            <a:endParaRPr lang="en-SG" dirty="0" smtClean="0"/>
+          </a:p>
+          <a:p>
+            <a:pPr marL="914400" lvl="1" indent="-457200">
+              <a:buFont typeface="+mj-lt"/>
+              <a:buAutoNum type="arabicPeriod"/>
+            </a:pPr>
             <a:endParaRPr lang="en-SG" dirty="0"/>
-          </a:p>
-        </p:txBody>
-      </p:sp>
-      <p:sp>
-        <p:nvSpPr>
-          <p:cNvPr id="5" name="文本占位符 4"/>
-          <p:cNvSpPr>
-            <a:spLocks noGrp="1"/>
-          </p:cNvSpPr>
-          <p:nvPr>
-            <p:ph type="body" idx="1"/>
-          </p:nvPr>
-        </p:nvSpPr>
-        <p:spPr/>
-        <p:txBody>
-          <a:bodyPr/>
-          <a:lstStyle/>
-          <a:p>
-            <a:endParaRPr lang="en-SG"/>
           </a:p>
         </p:txBody>
       </p:sp>
     </p:spTree>
     <p:extLst>
       <p:ext uri="{BB962C8B-B14F-4D97-AF65-F5344CB8AC3E}">
-        <p14:creationId xmlns:p14="http://schemas.microsoft.com/office/powerpoint/2010/main" val="2395669259"/>
+        <p14:creationId xmlns:p14="http://schemas.microsoft.com/office/powerpoint/2010/main" val="4198518572"/>
       </p:ext>
     </p:extLst>
   </p:cSld>
@@ -12485,7 +12565,7 @@
       </p:grpSpPr>
       <p:sp>
         <p:nvSpPr>
-          <p:cNvPr id="2" name="标题 1"/>
+          <p:cNvPr id="4" name="标题 3"/>
           <p:cNvSpPr>
             <a:spLocks noGrp="1"/>
           </p:cNvSpPr>
@@ -12499,71 +12579,40 @@
           <a:lstStyle/>
           <a:p>
             <a:r>
-              <a:rPr lang="en-SG" dirty="0" smtClean="0"/>
+              <a:rPr lang="en-SG" dirty="0"/>
               <a:t>Key disciplines of modelling in </a:t>
             </a:r>
             <a:r>
-              <a:rPr lang="en-SG" dirty="0" err="1" smtClean="0"/>
+              <a:rPr lang="en-SG" dirty="0" err="1"/>
               <a:t>Solidworks</a:t>
             </a:r>
-            <a:endParaRPr lang="en-SG" baseline="30000" dirty="0"/>
-          </a:p>
-        </p:txBody>
-      </p:sp>
-      <p:sp>
-        <p:nvSpPr>
-          <p:cNvPr id="3" name="内容占位符 2"/>
-          <p:cNvSpPr>
-            <a:spLocks noGrp="1"/>
-          </p:cNvSpPr>
-          <p:nvPr>
-            <p:ph idx="1"/>
-          </p:nvPr>
-        </p:nvSpPr>
-        <p:spPr/>
-        <p:txBody>
-          <a:bodyPr/>
-          <a:lstStyle/>
-          <a:p>
-            <a:r>
-              <a:rPr lang="en-SG" dirty="0" smtClean="0"/>
-              <a:t>For basic bodies, generate 3D model by taking use of 2D shapes;</a:t>
-            </a:r>
-          </a:p>
-          <a:p>
-            <a:r>
-              <a:rPr lang="en-SG" dirty="0" smtClean="0"/>
-              <a:t>Combine basic bodies to create a complex body;</a:t>
-            </a:r>
-          </a:p>
-          <a:p>
-            <a:r>
-              <a:rPr lang="en-SG" dirty="0"/>
-              <a:t>R</a:t>
-            </a:r>
-            <a:r>
-              <a:rPr lang="en-SG" dirty="0" smtClean="0"/>
-              <a:t>epeated bodies can be made through array operations;</a:t>
-            </a:r>
-          </a:p>
-          <a:p>
-            <a:pPr marL="0" indent="0">
-              <a:buNone/>
-            </a:pPr>
-            <a:r>
-              <a:rPr lang="en-SG" dirty="0" smtClean="0"/>
-              <a:t> </a:t>
-            </a:r>
-          </a:p>
-          <a:p>
             <a:endParaRPr lang="en-SG" dirty="0"/>
+          </a:p>
+        </p:txBody>
+      </p:sp>
+      <p:sp>
+        <p:nvSpPr>
+          <p:cNvPr id="5" name="文本占位符 4"/>
+          <p:cNvSpPr>
+            <a:spLocks noGrp="1"/>
+          </p:cNvSpPr>
+          <p:nvPr>
+            <p:ph type="body" idx="1"/>
+          </p:nvPr>
+        </p:nvSpPr>
+        <p:spPr/>
+        <p:txBody>
+          <a:bodyPr/>
+          <a:lstStyle/>
+          <a:p>
+            <a:endParaRPr lang="en-SG"/>
           </a:p>
         </p:txBody>
       </p:sp>
     </p:spTree>
     <p:extLst>
       <p:ext uri="{BB962C8B-B14F-4D97-AF65-F5344CB8AC3E}">
-        <p14:creationId xmlns:p14="http://schemas.microsoft.com/office/powerpoint/2010/main" val="164022275"/>
+        <p14:creationId xmlns:p14="http://schemas.microsoft.com/office/powerpoint/2010/main" val="2395669259"/>
       </p:ext>
     </p:extLst>
   </p:cSld>
@@ -12607,8 +12656,13 @@
           <a:p>
             <a:r>
               <a:rPr lang="en-SG" dirty="0" smtClean="0"/>
-              <a:t>Coordinate system</a:t>
-            </a:r>
+              <a:t>Key disciplines of modelling in </a:t>
+            </a:r>
+            <a:r>
+              <a:rPr lang="en-SG" dirty="0" err="1" smtClean="0"/>
+              <a:t>Solidworks</a:t>
+            </a:r>
+            <a:endParaRPr lang="en-SG" baseline="30000" dirty="0"/>
           </a:p>
         </p:txBody>
       </p:sp>
@@ -12624,93 +12678,40 @@
         </p:nvSpPr>
         <p:spPr/>
         <p:txBody>
-          <a:bodyPr>
-            <a:normAutofit fontScale="92500" lnSpcReduction="10000"/>
-          </a:bodyPr>
-          <a:lstStyle/>
-          <a:p>
-            <a:r>
-              <a:rPr lang="en-SG" dirty="0">
-                <a:solidFill>
-                  <a:srgbClr val="FF0000"/>
-                </a:solidFill>
-              </a:rPr>
-              <a:t>Coordinate systems are the most important concept in a CAD system. They are used </a:t>
-            </a:r>
-            <a:r>
-              <a:rPr lang="en-SG" dirty="0" smtClean="0">
-                <a:solidFill>
-                  <a:srgbClr val="FF0000"/>
-                </a:solidFill>
-              </a:rPr>
-              <a:t>to  </a:t>
-            </a:r>
-            <a:r>
-              <a:rPr lang="en-SG" dirty="0">
-                <a:solidFill>
-                  <a:srgbClr val="FF0000"/>
-                </a:solidFill>
-              </a:rPr>
-              <a:t>input,  store,  and  display  geometric  model.  There  are  three  kinds  of  coordinate </a:t>
-            </a:r>
-            <a:r>
-              <a:rPr lang="en-SG" dirty="0" smtClean="0">
-                <a:solidFill>
-                  <a:srgbClr val="FF0000"/>
-                </a:solidFill>
-              </a:rPr>
-              <a:t>systems</a:t>
-            </a:r>
-            <a:r>
-              <a:rPr lang="en-SG" dirty="0">
-                <a:solidFill>
-                  <a:srgbClr val="FF0000"/>
-                </a:solidFill>
-              </a:rPr>
-              <a:t>, that is, model coordinate system (MCS), working coordinate system (WCS), </a:t>
-            </a:r>
-            <a:r>
-              <a:rPr lang="en-SG" dirty="0" smtClean="0">
-                <a:solidFill>
-                  <a:srgbClr val="FF0000"/>
-                </a:solidFill>
-              </a:rPr>
-              <a:t>and </a:t>
-            </a:r>
-            <a:r>
-              <a:rPr lang="en-SG" dirty="0">
-                <a:solidFill>
-                  <a:srgbClr val="FF0000"/>
-                </a:solidFill>
-              </a:rPr>
-              <a:t>screen coordinate system (SCS).</a:t>
-            </a:r>
-          </a:p>
-          <a:p>
-            <a:r>
-              <a:rPr lang="en-SG" dirty="0" smtClean="0"/>
-              <a:t>By default, there are already a coordinates system provided for user by SOLIDWORKS every time you open a new modelling project. Usually</a:t>
-            </a:r>
-            <a:r>
-              <a:rPr lang="en-SG" dirty="0"/>
-              <a:t>, at the lower-left corner of the canvas, you can notice the symbol of coordinate system with three axes</a:t>
-            </a:r>
-            <a:r>
-              <a:rPr lang="en-SG" dirty="0" smtClean="0"/>
-              <a:t>.</a:t>
-            </a:r>
-          </a:p>
-          <a:p>
-            <a:r>
-              <a:rPr lang="en-SG" dirty="0" smtClean="0"/>
-              <a:t>Whenever user need to carry on some location or orientation related modelling steps, the coordination system should be considered.</a:t>
-            </a:r>
-          </a:p>
-          <a:p>
-            <a:r>
-              <a:rPr lang="en-US" dirty="0" smtClean="0"/>
-              <a:t>For example, in the scenarios of re-oriented a model or two models comparing user should define his own reference coordinate systems. </a:t>
-            </a:r>
+          <a:bodyPr/>
+          <a:lstStyle/>
+          <a:p>
+            <a:r>
+              <a:rPr lang="en-SG" dirty="0" smtClean="0"/>
+              <a:t>For basic bodies, generate 3D model by taking use of 2D shapes;</a:t>
+            </a:r>
+          </a:p>
+          <a:p>
+            <a:r>
+              <a:rPr lang="en-SG" dirty="0" smtClean="0"/>
+              <a:t>Combine basic bodies to create a complex body;</a:t>
+            </a:r>
+          </a:p>
+          <a:p>
+            <a:r>
+              <a:rPr lang="en-SG" dirty="0"/>
+              <a:t>R</a:t>
+            </a:r>
+            <a:r>
+              <a:rPr lang="en-SG" dirty="0" smtClean="0"/>
+              <a:t>epeated bodies can be made through array operations;</a:t>
+            </a:r>
+          </a:p>
+          <a:p>
+            <a:pPr marL="0" indent="0">
+              <a:buNone/>
+            </a:pPr>
+            <a:r>
+              <a:rPr lang="en-SG" dirty="0" smtClean="0"/>
+              <a:t> </a:t>
+            </a:r>
+          </a:p>
+          <a:p>
             <a:endParaRPr lang="en-SG" dirty="0"/>
           </a:p>
         </p:txBody>
@@ -12718,7 +12719,7 @@
     </p:spTree>
     <p:extLst>
       <p:ext uri="{BB962C8B-B14F-4D97-AF65-F5344CB8AC3E}">
-        <p14:creationId xmlns:p14="http://schemas.microsoft.com/office/powerpoint/2010/main" val="1304840193"/>
+        <p14:creationId xmlns:p14="http://schemas.microsoft.com/office/powerpoint/2010/main" val="164022275"/>
       </p:ext>
     </p:extLst>
   </p:cSld>
@@ -12762,9 +12763,8 @@
           <a:p>
             <a:r>
               <a:rPr lang="en-SG" dirty="0" smtClean="0"/>
-              <a:t>References objects</a:t>
-            </a:r>
-            <a:endParaRPr lang="en-SG" dirty="0"/>
+              <a:t>Coordinate system</a:t>
+            </a:r>
           </a:p>
         </p:txBody>
       </p:sp>
@@ -12780,27 +12780,93 @@
         </p:nvSpPr>
         <p:spPr/>
         <p:txBody>
-          <a:bodyPr/>
-          <a:lstStyle/>
-          <a:p>
-            <a:r>
-              <a:rPr lang="en-SG" dirty="0" smtClean="0"/>
-              <a:t>Reference points</a:t>
-            </a:r>
-          </a:p>
-          <a:p>
-            <a:r>
-              <a:rPr lang="en-SG" dirty="0" smtClean="0"/>
-              <a:t>Reference vectors/axes</a:t>
-            </a:r>
-          </a:p>
-          <a:p>
-            <a:r>
-              <a:rPr lang="en-SG" dirty="0" smtClean="0"/>
-              <a:t>Reference plane</a:t>
-            </a:r>
-          </a:p>
-          <a:p>
+          <a:bodyPr>
+            <a:normAutofit fontScale="92500" lnSpcReduction="10000"/>
+          </a:bodyPr>
+          <a:lstStyle/>
+          <a:p>
+            <a:r>
+              <a:rPr lang="en-SG" dirty="0">
+                <a:solidFill>
+                  <a:srgbClr val="FF0000"/>
+                </a:solidFill>
+              </a:rPr>
+              <a:t>Coordinate systems are the most important concept in a CAD system. They are used </a:t>
+            </a:r>
+            <a:r>
+              <a:rPr lang="en-SG" dirty="0" smtClean="0">
+                <a:solidFill>
+                  <a:srgbClr val="FF0000"/>
+                </a:solidFill>
+              </a:rPr>
+              <a:t>to  </a:t>
+            </a:r>
+            <a:r>
+              <a:rPr lang="en-SG" dirty="0">
+                <a:solidFill>
+                  <a:srgbClr val="FF0000"/>
+                </a:solidFill>
+              </a:rPr>
+              <a:t>input,  store,  and  display  geometric  model.  There  are  three  kinds  of  coordinate </a:t>
+            </a:r>
+            <a:r>
+              <a:rPr lang="en-SG" dirty="0" smtClean="0">
+                <a:solidFill>
+                  <a:srgbClr val="FF0000"/>
+                </a:solidFill>
+              </a:rPr>
+              <a:t>systems</a:t>
+            </a:r>
+            <a:r>
+              <a:rPr lang="en-SG" dirty="0">
+                <a:solidFill>
+                  <a:srgbClr val="FF0000"/>
+                </a:solidFill>
+              </a:rPr>
+              <a:t>, that is, model coordinate system (MCS), working coordinate system (WCS), </a:t>
+            </a:r>
+            <a:r>
+              <a:rPr lang="en-SG" dirty="0" smtClean="0">
+                <a:solidFill>
+                  <a:srgbClr val="FF0000"/>
+                </a:solidFill>
+              </a:rPr>
+              <a:t>and </a:t>
+            </a:r>
+            <a:r>
+              <a:rPr lang="en-SG" dirty="0">
+                <a:solidFill>
+                  <a:srgbClr val="FF0000"/>
+                </a:solidFill>
+              </a:rPr>
+              <a:t>screen coordinate system (SCS).</a:t>
+            </a:r>
+          </a:p>
+          <a:p>
+            <a:r>
+              <a:rPr lang="en-SG" dirty="0" smtClean="0"/>
+              <a:t>By default, there are already a coordinates system provided for user by SOLIDWORKS every time you open a new modelling project. Usually</a:t>
+            </a:r>
+            <a:r>
+              <a:rPr lang="en-SG" dirty="0"/>
+              <a:t>, at the lower-left corner of the canvas, you can notice the symbol of coordinate system with three axes</a:t>
+            </a:r>
+            <a:r>
+              <a:rPr lang="en-SG" dirty="0" smtClean="0"/>
+              <a:t>.</a:t>
+            </a:r>
+          </a:p>
+          <a:p>
+            <a:r>
+              <a:rPr lang="en-SG" dirty="0" smtClean="0"/>
+              <a:t>Whenever user need to carry on some location or orientation related modelling steps, the coordination system should be considered.</a:t>
+            </a:r>
+          </a:p>
+          <a:p>
+            <a:r>
+              <a:rPr lang="en-US" dirty="0" smtClean="0"/>
+              <a:t>For example, in the scenarios of re-oriented a model or two models comparing user should define his own reference coordinate systems. </a:t>
+            </a:r>
             <a:endParaRPr lang="en-SG" dirty="0"/>
           </a:p>
         </p:txBody>
@@ -12808,7 +12874,7 @@
     </p:spTree>
     <p:extLst>
       <p:ext uri="{BB962C8B-B14F-4D97-AF65-F5344CB8AC3E}">
-        <p14:creationId xmlns:p14="http://schemas.microsoft.com/office/powerpoint/2010/main" val="224841182"/>
+        <p14:creationId xmlns:p14="http://schemas.microsoft.com/office/powerpoint/2010/main" val="1304840193"/>
       </p:ext>
     </p:extLst>
   </p:cSld>
@@ -12852,7 +12918,7 @@
           <a:p>
             <a:r>
               <a:rPr lang="en-SG" dirty="0" smtClean="0"/>
-              <a:t>Sketch</a:t>
+              <a:t>References objects</a:t>
             </a:r>
             <a:endParaRPr lang="en-SG" dirty="0"/>
           </a:p>
@@ -12875,44 +12941,22 @@
           <a:p>
             <a:r>
               <a:rPr lang="en-SG" dirty="0" smtClean="0"/>
-              <a:t>Plane curves</a:t>
-            </a:r>
-          </a:p>
-          <a:p>
-            <a:r>
-              <a:rPr lang="en-SG" dirty="0" smtClean="0"/>
-              <a:t>Two types of Constraint</a:t>
-            </a:r>
-          </a:p>
-          <a:p>
-            <a:pPr lvl="1"/>
-            <a:r>
-              <a:rPr lang="en-SG" dirty="0"/>
-              <a:t>Dimensional </a:t>
-            </a:r>
-            <a:r>
-              <a:rPr lang="en-SG" dirty="0" smtClean="0"/>
-              <a:t>constraints: length and angle</a:t>
-            </a:r>
-          </a:p>
-          <a:p>
-            <a:pPr lvl="1"/>
-            <a:r>
-              <a:rPr lang="en-SG" dirty="0" smtClean="0"/>
-              <a:t>Geometric constraints: parallel, perpendicular, normal</a:t>
-            </a:r>
-            <a:r>
-              <a:rPr lang="en-SG" dirty="0"/>
-              <a:t>, tangent, </a:t>
-            </a:r>
-            <a:r>
-              <a:rPr lang="en-SG" dirty="0" smtClean="0"/>
-              <a:t>concentric</a:t>
-            </a:r>
-            <a:r>
-              <a:rPr lang="en-SG" smtClean="0"/>
-              <a:t>, etc.</a:t>
-            </a:r>
+              <a:t>Reference points</a:t>
+            </a:r>
+          </a:p>
+          <a:p>
+            <a:r>
+              <a:rPr lang="en-SG" dirty="0" smtClean="0"/>
+              <a:t>Reference vectors/axes</a:t>
+            </a:r>
+          </a:p>
+          <a:p>
+            <a:r>
+              <a:rPr lang="en-SG" dirty="0" smtClean="0"/>
+              <a:t>Reference plane</a:t>
+            </a:r>
+          </a:p>
+          <a:p>
             <a:endParaRPr lang="en-SG" dirty="0"/>
           </a:p>
         </p:txBody>
@@ -12920,7 +12964,7 @@
     </p:spTree>
     <p:extLst>
       <p:ext uri="{BB962C8B-B14F-4D97-AF65-F5344CB8AC3E}">
-        <p14:creationId xmlns:p14="http://schemas.microsoft.com/office/powerpoint/2010/main" val="579798063"/>
+        <p14:creationId xmlns:p14="http://schemas.microsoft.com/office/powerpoint/2010/main" val="224841182"/>
       </p:ext>
     </p:extLst>
   </p:cSld>
@@ -12954,17 +12998,17 @@
             <a:spLocks noGrp="1"/>
           </p:cNvSpPr>
           <p:nvPr>
-            <p:ph type="ctrTitle"/>
-          </p:nvPr>
-        </p:nvSpPr>
-        <p:spPr/>
-        <p:txBody>
-          <a:bodyPr/>
-          <a:lstStyle/>
-          <a:p>
-            <a:r>
-              <a:rPr lang="en-SG" dirty="0" smtClean="0"/>
-              <a:t>CAM</a:t>
+            <p:ph type="title"/>
+          </p:nvPr>
+        </p:nvSpPr>
+        <p:spPr/>
+        <p:txBody>
+          <a:bodyPr/>
+          <a:lstStyle/>
+          <a:p>
+            <a:r>
+              <a:rPr lang="en-SG" dirty="0" smtClean="0"/>
+              <a:t>Sketch</a:t>
             </a:r>
             <a:endParaRPr lang="en-SG" dirty="0"/>
           </a:p>
@@ -12972,27 +13016,67 @@
       </p:sp>
       <p:sp>
         <p:nvSpPr>
-          <p:cNvPr id="3" name="副标题 2"/>
-          <p:cNvSpPr>
-            <a:spLocks noGrp="1"/>
-          </p:cNvSpPr>
-          <p:nvPr>
-            <p:ph type="subTitle" idx="1"/>
-          </p:nvPr>
-        </p:nvSpPr>
-        <p:spPr/>
-        <p:txBody>
-          <a:bodyPr/>
-          <a:lstStyle/>
-          <a:p>
-            <a:endParaRPr lang="en-SG"/>
+          <p:cNvPr id="3" name="内容占位符 2"/>
+          <p:cNvSpPr>
+            <a:spLocks noGrp="1"/>
+          </p:cNvSpPr>
+          <p:nvPr>
+            <p:ph idx="1"/>
+          </p:nvPr>
+        </p:nvSpPr>
+        <p:spPr/>
+        <p:txBody>
+          <a:bodyPr/>
+          <a:lstStyle/>
+          <a:p>
+            <a:r>
+              <a:rPr lang="en-SG" dirty="0" smtClean="0"/>
+              <a:t>Plane curves</a:t>
+            </a:r>
+          </a:p>
+          <a:p>
+            <a:r>
+              <a:rPr lang="en-SG" dirty="0" smtClean="0"/>
+              <a:t>Two types of Constraint</a:t>
+            </a:r>
+          </a:p>
+          <a:p>
+            <a:pPr lvl="1"/>
+            <a:r>
+              <a:rPr lang="en-SG" dirty="0"/>
+              <a:t>Dimensional </a:t>
+            </a:r>
+            <a:r>
+              <a:rPr lang="en-SG" dirty="0" smtClean="0"/>
+              <a:t>constraints: length and angle</a:t>
+            </a:r>
+          </a:p>
+          <a:p>
+            <a:pPr lvl="1"/>
+            <a:r>
+              <a:rPr lang="en-SG" dirty="0" smtClean="0"/>
+              <a:t>Geometric constraints: parallel, perpendicular, normal</a:t>
+            </a:r>
+            <a:r>
+              <a:rPr lang="en-SG" dirty="0"/>
+              <a:t>, tangent, </a:t>
+            </a:r>
+            <a:r>
+              <a:rPr lang="en-SG" dirty="0" smtClean="0"/>
+              <a:t>concentric</a:t>
+            </a:r>
+            <a:r>
+              <a:rPr lang="en-SG" smtClean="0"/>
+              <a:t>, etc.</a:t>
+            </a:r>
+            <a:endParaRPr lang="en-SG" dirty="0"/>
           </a:p>
         </p:txBody>
       </p:sp>
     </p:spTree>
     <p:extLst>
       <p:ext uri="{BB962C8B-B14F-4D97-AF65-F5344CB8AC3E}">
-        <p14:creationId xmlns:p14="http://schemas.microsoft.com/office/powerpoint/2010/main" val="2945329965"/>
+        <p14:creationId xmlns:p14="http://schemas.microsoft.com/office/powerpoint/2010/main" val="579798063"/>
       </p:ext>
     </p:extLst>
   </p:cSld>
@@ -13026,17 +13110,17 @@
             <a:spLocks noGrp="1"/>
           </p:cNvSpPr>
           <p:nvPr>
-            <p:ph type="title"/>
-          </p:nvPr>
-        </p:nvSpPr>
-        <p:spPr/>
-        <p:txBody>
-          <a:bodyPr/>
-          <a:lstStyle/>
-          <a:p>
-            <a:r>
-              <a:rPr lang="en-SG" dirty="0" smtClean="0"/>
-              <a:t>Brief</a:t>
+            <p:ph type="ctrTitle"/>
+          </p:nvPr>
+        </p:nvSpPr>
+        <p:spPr/>
+        <p:txBody>
+          <a:bodyPr/>
+          <a:lstStyle/>
+          <a:p>
+            <a:r>
+              <a:rPr lang="en-SG" dirty="0" smtClean="0"/>
+              <a:t>CAM</a:t>
             </a:r>
             <a:endParaRPr lang="en-SG" dirty="0"/>
           </a:p>
@@ -13044,46 +13128,27 @@
       </p:sp>
       <p:sp>
         <p:nvSpPr>
-          <p:cNvPr id="3" name="内容占位符 2"/>
-          <p:cNvSpPr>
-            <a:spLocks noGrp="1"/>
-          </p:cNvSpPr>
-          <p:nvPr>
-            <p:ph idx="1"/>
-          </p:nvPr>
-        </p:nvSpPr>
-        <p:spPr/>
-        <p:txBody>
-          <a:bodyPr>
-            <a:normAutofit/>
-          </a:bodyPr>
-          <a:lstStyle/>
-          <a:p>
-            <a:r>
-              <a:rPr lang="en-SG" dirty="0" smtClean="0"/>
-              <a:t>Scope and applications </a:t>
-            </a:r>
-          </a:p>
-          <a:p>
-            <a:pPr lvl="1"/>
-            <a:r>
-              <a:rPr lang="en-SG" dirty="0" smtClean="0"/>
-              <a:t>NC in CAM </a:t>
-            </a:r>
-          </a:p>
-          <a:p>
-            <a:pPr lvl="1"/>
-            <a:r>
-              <a:rPr lang="en-SG" dirty="0" smtClean="0"/>
-              <a:t>Principal types of CNC machine</a:t>
-            </a:r>
+          <p:cNvPr id="3" name="副标题 2"/>
+          <p:cNvSpPr>
+            <a:spLocks noGrp="1"/>
+          </p:cNvSpPr>
+          <p:nvPr>
+            <p:ph type="subTitle" idx="1"/>
+          </p:nvPr>
+        </p:nvSpPr>
+        <p:spPr/>
+        <p:txBody>
+          <a:bodyPr/>
+          <a:lstStyle/>
+          <a:p>
+            <a:endParaRPr lang="en-SG"/>
           </a:p>
         </p:txBody>
       </p:sp>
     </p:spTree>
     <p:extLst>
       <p:ext uri="{BB962C8B-B14F-4D97-AF65-F5344CB8AC3E}">
-        <p14:creationId xmlns:p14="http://schemas.microsoft.com/office/powerpoint/2010/main" val="866301321"/>
+        <p14:creationId xmlns:p14="http://schemas.microsoft.com/office/powerpoint/2010/main" val="2945329965"/>
       </p:ext>
     </p:extLst>
   </p:cSld>
@@ -13127,7 +13192,7 @@
           <a:p>
             <a:r>
               <a:rPr lang="en-SG" dirty="0" smtClean="0"/>
-              <a:t>Machine tools</a:t>
+              <a:t>Brief</a:t>
             </a:r>
             <a:endParaRPr lang="en-SG" dirty="0"/>
           </a:p>
@@ -13152,47 +13217,29 @@
           <a:p>
             <a:r>
               <a:rPr lang="en-SG" dirty="0" smtClean="0"/>
-              <a:t>tools and their construction features</a:t>
-            </a:r>
-          </a:p>
-          <a:p>
-            <a:pPr marL="457200" lvl="1" indent="0">
-              <a:buNone/>
-            </a:pPr>
-            <a:r>
-              <a:rPr lang="en-SG" dirty="0" smtClean="0"/>
-              <a:t>tooling for CNC – ISO designation for</a:t>
-            </a:r>
-          </a:p>
-          <a:p>
-            <a:r>
-              <a:rPr lang="en-SG" dirty="0" smtClean="0"/>
-              <a:t>tooling </a:t>
+              <a:t>Scope and applications </a:t>
             </a:r>
           </a:p>
           <a:p>
             <a:pPr lvl="1"/>
             <a:r>
               <a:rPr lang="en-SG" dirty="0" smtClean="0"/>
-              <a:t>CNC operating system </a:t>
+              <a:t>NC in CAM </a:t>
             </a:r>
           </a:p>
           <a:p>
             <a:pPr lvl="1"/>
             <a:r>
               <a:rPr lang="en-SG" dirty="0" smtClean="0"/>
-              <a:t>FANUC, SINUMERIK – LINUMERIK.</a:t>
-            </a:r>
-          </a:p>
-          <a:p>
-            <a:endParaRPr lang="en-SG" dirty="0"/>
+              <a:t>Principal types of CNC machine</a:t>
+            </a:r>
           </a:p>
         </p:txBody>
       </p:sp>
     </p:spTree>
     <p:extLst>
       <p:ext uri="{BB962C8B-B14F-4D97-AF65-F5344CB8AC3E}">
-        <p14:creationId xmlns:p14="http://schemas.microsoft.com/office/powerpoint/2010/main" val="2867634849"/>
+        <p14:creationId xmlns:p14="http://schemas.microsoft.com/office/powerpoint/2010/main" val="866301321"/>
       </p:ext>
     </p:extLst>
   </p:cSld>
@@ -13236,7 +13283,7 @@
           <a:p>
             <a:r>
               <a:rPr lang="en-SG" dirty="0" smtClean="0"/>
-              <a:t>Introduction to CAPP</a:t>
+              <a:t>Machine tools</a:t>
             </a:r>
             <a:endParaRPr lang="en-SG" dirty="0"/>
           </a:p>
@@ -13254,24 +13301,43 @@
         </p:nvSpPr>
         <p:spPr/>
         <p:txBody>
-          <a:bodyPr/>
-          <a:lstStyle/>
-          <a:p>
-            <a:r>
-              <a:rPr lang="en-SG" dirty="0" smtClean="0"/>
-              <a:t>Three main parameters to define a machining process</a:t>
-            </a:r>
-          </a:p>
-          <a:p>
-            <a:r>
-              <a:rPr lang="en-SG" dirty="0" smtClean="0"/>
-              <a:t>Principles for process design</a:t>
-            </a:r>
-          </a:p>
-          <a:p>
-            <a:r>
-              <a:rPr lang="en-SG" dirty="0" smtClean="0"/>
-              <a:t>Processing planning systems</a:t>
+          <a:bodyPr>
+            <a:normAutofit/>
+          </a:bodyPr>
+          <a:lstStyle/>
+          <a:p>
+            <a:r>
+              <a:rPr lang="en-SG" dirty="0" smtClean="0"/>
+              <a:t>tools and their construction features</a:t>
+            </a:r>
+          </a:p>
+          <a:p>
+            <a:pPr marL="457200" lvl="1" indent="0">
+              <a:buNone/>
+            </a:pPr>
+            <a:r>
+              <a:rPr lang="en-SG" dirty="0" smtClean="0"/>
+              <a:t>tooling for CNC – ISO designation for</a:t>
+            </a:r>
+          </a:p>
+          <a:p>
+            <a:r>
+              <a:rPr lang="en-SG" dirty="0" smtClean="0"/>
+              <a:t>tooling </a:t>
+            </a:r>
+          </a:p>
+          <a:p>
+            <a:pPr lvl="1"/>
+            <a:r>
+              <a:rPr lang="en-SG" dirty="0" smtClean="0"/>
+              <a:t>CNC operating system </a:t>
+            </a:r>
+          </a:p>
+          <a:p>
+            <a:pPr lvl="1"/>
+            <a:r>
+              <a:rPr lang="en-SG" dirty="0" smtClean="0"/>
+              <a:t>FANUC, SINUMERIK – LINUMERIK.</a:t>
             </a:r>
           </a:p>
           <a:p>
@@ -13282,7 +13348,7 @@
     </p:spTree>
     <p:extLst>
       <p:ext uri="{BB962C8B-B14F-4D97-AF65-F5344CB8AC3E}">
-        <p14:creationId xmlns:p14="http://schemas.microsoft.com/office/powerpoint/2010/main" val="3457476283"/>
+        <p14:creationId xmlns:p14="http://schemas.microsoft.com/office/powerpoint/2010/main" val="2867634849"/>
       </p:ext>
     </p:extLst>
   </p:cSld>
@@ -13326,7 +13392,7 @@
           <a:p>
             <a:r>
               <a:rPr lang="en-SG" dirty="0" smtClean="0"/>
-              <a:t>Programming for CNC machining</a:t>
+              <a:t>Introduction to CAPP</a:t>
             </a:r>
             <a:endParaRPr lang="en-SG" dirty="0"/>
           </a:p>
@@ -13344,44 +13410,24 @@
         </p:nvSpPr>
         <p:spPr/>
         <p:txBody>
-          <a:bodyPr>
-            <a:normAutofit/>
-          </a:bodyPr>
-          <a:lstStyle/>
-          <a:p>
-            <a:r>
-              <a:rPr lang="en-SG" dirty="0"/>
-              <a:t>C</a:t>
-            </a:r>
-            <a:r>
-              <a:rPr lang="en-SG" dirty="0" smtClean="0"/>
-              <a:t>oordinate systems of CNC</a:t>
-            </a:r>
-          </a:p>
-          <a:p>
-            <a:r>
-              <a:rPr lang="en-SG" dirty="0"/>
-              <a:t>M</a:t>
-            </a:r>
-            <a:r>
-              <a:rPr lang="en-SG" dirty="0" smtClean="0"/>
-              <a:t>anual part</a:t>
-            </a:r>
-          </a:p>
-          <a:p>
-            <a:r>
-              <a:rPr lang="en-SG" dirty="0"/>
-              <a:t>C</a:t>
-            </a:r>
-            <a:r>
-              <a:rPr lang="en-SG" dirty="0" smtClean="0"/>
-              <a:t>omputer assisted part programming </a:t>
-            </a:r>
-          </a:p>
-          <a:p>
-            <a:r>
-              <a:rPr lang="en-SG" dirty="0" smtClean="0"/>
-              <a:t>CNC part programming with CAD system. </a:t>
+          <a:bodyPr/>
+          <a:lstStyle/>
+          <a:p>
+            <a:r>
+              <a:rPr lang="en-SG" dirty="0" smtClean="0"/>
+              <a:t>Three main parameters to define a machining process</a:t>
+            </a:r>
+          </a:p>
+          <a:p>
+            <a:r>
+              <a:rPr lang="en-SG" dirty="0" smtClean="0"/>
+              <a:t>Principles for process design</a:t>
+            </a:r>
+          </a:p>
+          <a:p>
+            <a:r>
+              <a:rPr lang="en-SG" dirty="0" smtClean="0"/>
+              <a:t>Processing planning systems</a:t>
             </a:r>
           </a:p>
           <a:p>
@@ -13392,7 +13438,7 @@
     </p:spTree>
     <p:extLst>
       <p:ext uri="{BB962C8B-B14F-4D97-AF65-F5344CB8AC3E}">
-        <p14:creationId xmlns:p14="http://schemas.microsoft.com/office/powerpoint/2010/main" val="2042065448"/>
+        <p14:creationId xmlns:p14="http://schemas.microsoft.com/office/powerpoint/2010/main" val="3457476283"/>
       </p:ext>
     </p:extLst>
   </p:cSld>
@@ -13551,7 +13597,7 @@
           <a:p>
             <a:r>
               <a:rPr lang="en-SG" dirty="0" smtClean="0"/>
-              <a:t>Material handling in CAM environment</a:t>
+              <a:t>Programming for CNC machining</a:t>
             </a:r>
             <a:endParaRPr lang="en-SG" dirty="0"/>
           </a:p>
@@ -13569,50 +13615,44 @@
         </p:nvSpPr>
         <p:spPr/>
         <p:txBody>
-          <a:bodyPr/>
-          <a:lstStyle/>
-          <a:p>
-            <a:r>
-              <a:rPr lang="en-SG" dirty="0" smtClean="0"/>
-              <a:t>Logistic and storage system </a:t>
-            </a:r>
-          </a:p>
-          <a:p>
-            <a:pPr lvl="1"/>
-            <a:r>
-              <a:rPr lang="en-SG" dirty="0" smtClean="0"/>
-              <a:t>AGVS </a:t>
-            </a:r>
-          </a:p>
-          <a:p>
-            <a:pPr lvl="1"/>
-            <a:r>
-              <a:rPr lang="en-SG" dirty="0" smtClean="0"/>
-              <a:t>AS/RS </a:t>
-            </a:r>
-          </a:p>
-          <a:p>
-            <a:pPr lvl="1"/>
-            <a:r>
-              <a:rPr lang="en-SG" dirty="0" err="1" smtClean="0"/>
-              <a:t>Swarf</a:t>
-            </a:r>
-            <a:r>
-              <a:rPr lang="en-SG" dirty="0" smtClean="0"/>
-              <a:t> handling and disposal of wastes </a:t>
-            </a:r>
-          </a:p>
-          <a:p>
-            <a:r>
-              <a:rPr lang="en-SG" dirty="0" smtClean="0"/>
-              <a:t>Assembly lines </a:t>
-            </a:r>
-          </a:p>
-          <a:p>
-            <a:pPr lvl="1"/>
-            <a:r>
-              <a:rPr lang="en-SG" dirty="0" smtClean="0"/>
-              <a:t>Quantitative analysis of assembly systems.</a:t>
+          <a:bodyPr>
+            <a:normAutofit/>
+          </a:bodyPr>
+          <a:lstStyle/>
+          <a:p>
+            <a:r>
+              <a:rPr lang="en-SG" dirty="0"/>
+              <a:t>C</a:t>
+            </a:r>
+            <a:r>
+              <a:rPr lang="en-SG" dirty="0" smtClean="0"/>
+              <a:t>oordinate systems of CNC</a:t>
+            </a:r>
+          </a:p>
+          <a:p>
+            <a:r>
+              <a:rPr lang="en-SG" dirty="0"/>
+              <a:t>M</a:t>
+            </a:r>
+            <a:r>
+              <a:rPr lang="en-SG" dirty="0" smtClean="0"/>
+              <a:t>anual part</a:t>
+            </a:r>
+          </a:p>
+          <a:p>
+            <a:r>
+              <a:rPr lang="en-SG" dirty="0"/>
+              <a:t>C</a:t>
+            </a:r>
+            <a:r>
+              <a:rPr lang="en-SG" dirty="0" smtClean="0"/>
+              <a:t>omputer assisted part programming </a:t>
+            </a:r>
+          </a:p>
+          <a:p>
+            <a:r>
+              <a:rPr lang="en-SG" dirty="0" smtClean="0"/>
+              <a:t>CNC part programming with CAD system. </a:t>
             </a:r>
           </a:p>
           <a:p>
@@ -13623,7 +13663,7 @@
     </p:spTree>
     <p:extLst>
       <p:ext uri="{BB962C8B-B14F-4D97-AF65-F5344CB8AC3E}">
-        <p14:creationId xmlns:p14="http://schemas.microsoft.com/office/powerpoint/2010/main" val="938672915"/>
+        <p14:creationId xmlns:p14="http://schemas.microsoft.com/office/powerpoint/2010/main" val="2042065448"/>
       </p:ext>
     </p:extLst>
   </p:cSld>
@@ -13667,74 +13707,71 @@
           <a:p>
             <a:r>
               <a:rPr lang="en-SG" dirty="0" smtClean="0"/>
-              <a:t>Key disciplines of manufacturing under </a:t>
-            </a:r>
+              <a:t>Material handling in CAM environment</a:t>
+            </a:r>
+            <a:endParaRPr lang="en-SG" dirty="0"/>
+          </a:p>
+        </p:txBody>
+      </p:sp>
+      <p:sp>
+        <p:nvSpPr>
+          <p:cNvPr id="3" name="内容占位符 2"/>
+          <p:cNvSpPr>
+            <a:spLocks noGrp="1"/>
+          </p:cNvSpPr>
+          <p:nvPr>
+            <p:ph idx="1"/>
+          </p:nvPr>
+        </p:nvSpPr>
+        <p:spPr/>
+        <p:txBody>
+          <a:bodyPr/>
+          <a:lstStyle/>
+          <a:p>
+            <a:r>
+              <a:rPr lang="en-SG" dirty="0" smtClean="0"/>
+              <a:t>Logistic and storage system </a:t>
+            </a:r>
+          </a:p>
+          <a:p>
+            <a:pPr lvl="1"/>
+            <a:r>
+              <a:rPr lang="en-SG" dirty="0" smtClean="0"/>
+              <a:t>AGVS </a:t>
+            </a:r>
+          </a:p>
+          <a:p>
+            <a:pPr lvl="1"/>
+            <a:r>
+              <a:rPr lang="en-SG" dirty="0" smtClean="0"/>
+              <a:t>AS/RS </a:t>
+            </a:r>
+          </a:p>
+          <a:p>
+            <a:pPr lvl="1"/>
             <a:r>
               <a:rPr lang="en-SG" dirty="0" err="1" smtClean="0"/>
-              <a:t>Solidworks</a:t>
-            </a:r>
-            <a:r>
-              <a:rPr lang="en-SG" dirty="0" smtClean="0"/>
-              <a:t> environment</a:t>
-            </a:r>
-            <a:endParaRPr lang="en-SG" dirty="0"/>
-          </a:p>
-        </p:txBody>
-      </p:sp>
-      <p:sp>
-        <p:nvSpPr>
-          <p:cNvPr id="3" name="内容占位符 2"/>
-          <p:cNvSpPr>
-            <a:spLocks noGrp="1"/>
-          </p:cNvSpPr>
-          <p:nvPr>
-            <p:ph idx="1"/>
-          </p:nvPr>
-        </p:nvSpPr>
-        <p:spPr/>
-        <p:txBody>
-          <a:bodyPr/>
-          <a:lstStyle/>
-          <a:p>
-            <a:r>
-              <a:rPr lang="en-SG" dirty="0"/>
-              <a:t>Configuration for a mill or turn machine</a:t>
-            </a:r>
-          </a:p>
-          <a:p>
-            <a:r>
-              <a:rPr lang="en-SG" dirty="0"/>
-              <a:t>Features to machining strategy</a:t>
-            </a:r>
-          </a:p>
-          <a:p>
-            <a:r>
-              <a:rPr lang="en-SG" dirty="0"/>
-              <a:t>Generate operation plan</a:t>
-            </a:r>
-          </a:p>
-          <a:p>
-            <a:r>
-              <a:rPr lang="en-SG" dirty="0"/>
-              <a:t>Generate tool path</a:t>
-            </a:r>
-          </a:p>
-          <a:p>
-            <a:r>
-              <a:rPr lang="en-SG" dirty="0"/>
-              <a:t>Simulation</a:t>
-            </a:r>
-          </a:p>
-          <a:p>
-            <a:r>
-              <a:rPr lang="en-SG" dirty="0"/>
-              <a:t>Post process</a:t>
-            </a:r>
-          </a:p>
-          <a:p>
-            <a:pPr marL="0" indent="0">
-              <a:buNone/>
-            </a:pPr>
+              <a:t>Swarf</a:t>
+            </a:r>
+            <a:r>
+              <a:rPr lang="en-SG" dirty="0" smtClean="0"/>
+              <a:t> handling and disposal of wastes </a:t>
+            </a:r>
+          </a:p>
+          <a:p>
+            <a:r>
+              <a:rPr lang="en-SG" dirty="0" smtClean="0"/>
+              <a:t>Assembly lines </a:t>
+            </a:r>
+          </a:p>
+          <a:p>
+            <a:pPr lvl="1"/>
+            <a:r>
+              <a:rPr lang="en-SG" dirty="0" smtClean="0"/>
+              <a:t>Quantitative analysis of assembly systems.</a:t>
+            </a:r>
+          </a:p>
+          <a:p>
             <a:endParaRPr lang="en-SG" dirty="0"/>
           </a:p>
         </p:txBody>
@@ -13742,7 +13779,7 @@
     </p:spTree>
     <p:extLst>
       <p:ext uri="{BB962C8B-B14F-4D97-AF65-F5344CB8AC3E}">
-        <p14:creationId xmlns:p14="http://schemas.microsoft.com/office/powerpoint/2010/main" val="4246989961"/>
+        <p14:creationId xmlns:p14="http://schemas.microsoft.com/office/powerpoint/2010/main" val="938672915"/>
       </p:ext>
     </p:extLst>
   </p:cSld>
@@ -13786,7 +13823,15 @@
           <a:p>
             <a:r>
               <a:rPr lang="en-SG" dirty="0" smtClean="0"/>
-              <a:t>The following slides are only for learning purpose</a:t>
+              <a:t>Key disciplines of manufacturing under </a:t>
+            </a:r>
+            <a:r>
+              <a:rPr lang="en-SG" dirty="0" err="1" smtClean="0"/>
+              <a:t>Solidworks</a:t>
+            </a:r>
+            <a:r>
+              <a:rPr lang="en-SG" dirty="0" smtClean="0"/>
+              <a:t> environment</a:t>
             </a:r>
             <a:endParaRPr lang="en-SG" dirty="0"/>
           </a:p>
@@ -13807,6 +13852,45 @@
           <a:bodyPr/>
           <a:lstStyle/>
           <a:p>
+            <a:r>
+              <a:rPr lang="en-SG" dirty="0"/>
+              <a:t>Configuration for a mill or turn machine</a:t>
+            </a:r>
+          </a:p>
+          <a:p>
+            <a:r>
+              <a:rPr lang="en-SG" dirty="0"/>
+              <a:t>Features to machining strategy</a:t>
+            </a:r>
+          </a:p>
+          <a:p>
+            <a:r>
+              <a:rPr lang="en-SG" dirty="0"/>
+              <a:t>Generate operation plan</a:t>
+            </a:r>
+          </a:p>
+          <a:p>
+            <a:r>
+              <a:rPr lang="en-SG" dirty="0"/>
+              <a:t>Generate tool path</a:t>
+            </a:r>
+          </a:p>
+          <a:p>
+            <a:r>
+              <a:rPr lang="en-SG" dirty="0"/>
+              <a:t>Simulation</a:t>
+            </a:r>
+          </a:p>
+          <a:p>
+            <a:r>
+              <a:rPr lang="en-SG" dirty="0"/>
+              <a:t>Post process</a:t>
+            </a:r>
+          </a:p>
+          <a:p>
+            <a:pPr marL="0" indent="0">
+              <a:buNone/>
+            </a:pPr>
             <a:endParaRPr lang="en-SG" dirty="0"/>
           </a:p>
         </p:txBody>
@@ -13814,7 +13898,7 @@
     </p:spTree>
     <p:extLst>
       <p:ext uri="{BB962C8B-B14F-4D97-AF65-F5344CB8AC3E}">
-        <p14:creationId xmlns:p14="http://schemas.microsoft.com/office/powerpoint/2010/main" val="3537981211"/>
+        <p14:creationId xmlns:p14="http://schemas.microsoft.com/office/powerpoint/2010/main" val="4246989961"/>
       </p:ext>
     </p:extLst>
   </p:cSld>
@@ -13856,6 +13940,10 @@
           <a:bodyPr/>
           <a:lstStyle/>
           <a:p>
+            <a:r>
+              <a:rPr lang="en-SG" dirty="0" smtClean="0"/>
+              <a:t>The following slides are only for learning purpose</a:t>
+            </a:r>
             <a:endParaRPr lang="en-SG" dirty="0"/>
           </a:p>
         </p:txBody>
@@ -13875,45 +13963,14 @@
           <a:bodyPr/>
           <a:lstStyle/>
           <a:p>
-            <a:r>
-              <a:rPr lang="en-SG" dirty="0" smtClean="0"/>
-              <a:t>Create a new part</a:t>
-            </a:r>
-          </a:p>
-          <a:p>
-            <a:r>
-              <a:rPr lang="en-SG" dirty="0" smtClean="0"/>
-              <a:t>Check the unit setting</a:t>
-            </a:r>
-          </a:p>
-          <a:p>
-            <a:r>
-              <a:rPr lang="en-SG" dirty="0" smtClean="0"/>
-              <a:t>Using sketch to create part body</a:t>
-            </a:r>
-          </a:p>
-          <a:p>
-            <a:pPr lvl="1"/>
-            <a:r>
-              <a:rPr lang="en-SG" dirty="0" smtClean="0"/>
-              <a:t>Smart dimension is an import tool to drive the model </a:t>
-            </a:r>
-            <a:r>
-              <a:rPr lang="en-SG" dirty="0" err="1" smtClean="0"/>
-              <a:t>creatation</a:t>
-            </a:r>
-            <a:endParaRPr lang="en-SG" dirty="0" smtClean="0"/>
-          </a:p>
-          <a:p>
-            <a:pPr lvl="1"/>
-            <a:endParaRPr lang="en-SG" dirty="0" smtClean="0"/>
+            <a:endParaRPr lang="en-SG" dirty="0"/>
           </a:p>
         </p:txBody>
       </p:sp>
     </p:spTree>
     <p:extLst>
       <p:ext uri="{BB962C8B-B14F-4D97-AF65-F5344CB8AC3E}">
-        <p14:creationId xmlns:p14="http://schemas.microsoft.com/office/powerpoint/2010/main" val="1130636376"/>
+        <p14:creationId xmlns:p14="http://schemas.microsoft.com/office/powerpoint/2010/main" val="3537981211"/>
       </p:ext>
     </p:extLst>
   </p:cSld>
@@ -13955,7 +14012,7 @@
           <a:bodyPr/>
           <a:lstStyle/>
           <a:p>
-            <a:endParaRPr lang="en-SG"/>
+            <a:endParaRPr lang="en-SG" dirty="0"/>
           </a:p>
         </p:txBody>
       </p:sp>
@@ -13975,52 +14032,44 @@
           <a:lstStyle/>
           <a:p>
             <a:r>
-              <a:rPr lang="en-SG" dirty="0"/>
-              <a:t>Go to the </a:t>
-            </a:r>
-            <a:r>
-              <a:rPr lang="en-SG" dirty="0" err="1"/>
-              <a:t>Solidworks</a:t>
-            </a:r>
-            <a:r>
-              <a:rPr lang="en-SG" dirty="0"/>
-              <a:t> CAM module(just perform each of tool button alone the toolbar from left to right, one can finally get the tool path and G-codes)</a:t>
+              <a:rPr lang="en-SG" dirty="0" smtClean="0"/>
+              <a:t>Create a new part</a:t>
+            </a:r>
+          </a:p>
+          <a:p>
+            <a:r>
+              <a:rPr lang="en-SG" dirty="0" smtClean="0"/>
+              <a:t>Check the unit setting</a:t>
+            </a:r>
+          </a:p>
+          <a:p>
+            <a:r>
+              <a:rPr lang="en-SG" dirty="0" smtClean="0"/>
+              <a:t>Using sketch to create part body</a:t>
             </a:r>
           </a:p>
           <a:p>
             <a:pPr lvl="1"/>
             <a:r>
-              <a:rPr lang="en-SG" dirty="0"/>
-              <a:t>Define machine</a:t>
-            </a:r>
+              <a:rPr lang="en-SG" dirty="0" smtClean="0"/>
+              <a:t>Smart dimension is an import tool to drive the model </a:t>
+            </a:r>
+            <a:r>
+              <a:rPr lang="en-SG" dirty="0" err="1" smtClean="0"/>
+              <a:t>creatation</a:t>
+            </a:r>
+            <a:endParaRPr lang="en-SG" dirty="0" smtClean="0"/>
           </a:p>
           <a:p>
             <a:pPr lvl="1"/>
-            <a:r>
-              <a:rPr lang="en-SG" dirty="0"/>
-              <a:t>Setup coordinate system</a:t>
-            </a:r>
-          </a:p>
-          <a:p>
-            <a:pPr lvl="1"/>
-            <a:r>
-              <a:rPr lang="en-SG" dirty="0"/>
-              <a:t>Define stock size using stock </a:t>
-            </a:r>
-            <a:r>
-              <a:rPr lang="en-SG" dirty="0" smtClean="0"/>
-              <a:t>manager</a:t>
-            </a:r>
-          </a:p>
-          <a:p>
-            <a:endParaRPr lang="en-SG" dirty="0"/>
+            <a:endParaRPr lang="en-SG" dirty="0" smtClean="0"/>
           </a:p>
         </p:txBody>
       </p:sp>
     </p:spTree>
     <p:extLst>
       <p:ext uri="{BB962C8B-B14F-4D97-AF65-F5344CB8AC3E}">
-        <p14:creationId xmlns:p14="http://schemas.microsoft.com/office/powerpoint/2010/main" val="482855842"/>
+        <p14:creationId xmlns:p14="http://schemas.microsoft.com/office/powerpoint/2010/main" val="1130636376"/>
       </p:ext>
     </p:extLst>
   </p:cSld>
@@ -14081,6 +14130,113 @@
           <a:bodyPr/>
           <a:lstStyle/>
           <a:p>
+            <a:r>
+              <a:rPr lang="en-SG" dirty="0"/>
+              <a:t>Go to the </a:t>
+            </a:r>
+            <a:r>
+              <a:rPr lang="en-SG" dirty="0" err="1"/>
+              <a:t>Solidworks</a:t>
+            </a:r>
+            <a:r>
+              <a:rPr lang="en-SG" dirty="0"/>
+              <a:t> CAM module(just perform each of tool button alone the toolbar from left to right, one can finally get the tool path and G-codes)</a:t>
+            </a:r>
+          </a:p>
+          <a:p>
+            <a:pPr lvl="1"/>
+            <a:r>
+              <a:rPr lang="en-SG" dirty="0"/>
+              <a:t>Define machine</a:t>
+            </a:r>
+          </a:p>
+          <a:p>
+            <a:pPr lvl="1"/>
+            <a:r>
+              <a:rPr lang="en-SG" dirty="0"/>
+              <a:t>Setup coordinate system</a:t>
+            </a:r>
+          </a:p>
+          <a:p>
+            <a:pPr lvl="1"/>
+            <a:r>
+              <a:rPr lang="en-SG" dirty="0"/>
+              <a:t>Define stock size using stock </a:t>
+            </a:r>
+            <a:r>
+              <a:rPr lang="en-SG" dirty="0" smtClean="0"/>
+              <a:t>manager</a:t>
+            </a:r>
+          </a:p>
+          <a:p>
+            <a:endParaRPr lang="en-SG" dirty="0"/>
+          </a:p>
+        </p:txBody>
+      </p:sp>
+    </p:spTree>
+    <p:extLst>
+      <p:ext uri="{BB962C8B-B14F-4D97-AF65-F5344CB8AC3E}">
+        <p14:creationId xmlns:p14="http://schemas.microsoft.com/office/powerpoint/2010/main" val="482855842"/>
+      </p:ext>
+    </p:extLst>
+  </p:cSld>
+  <p:clrMapOvr>
+    <a:masterClrMapping/>
+  </p:clrMapOvr>
+</p:sld>
+</file>
+
+<file path=ppt/slides/slide76.xml><?xml version="1.0" encoding="utf-8"?>
+<p:sld xmlns:a="http://schemas.openxmlformats.org/drawingml/2006/main" xmlns:r="http://schemas.openxmlformats.org/officeDocument/2006/relationships" xmlns:p="http://schemas.openxmlformats.org/presentationml/2006/main">
+  <p:cSld>
+    <p:spTree>
+      <p:nvGrpSpPr>
+        <p:cNvPr id="1" name=""/>
+        <p:cNvGrpSpPr/>
+        <p:nvPr/>
+      </p:nvGrpSpPr>
+      <p:grpSpPr>
+        <a:xfrm>
+          <a:off x="0" y="0"/>
+          <a:ext cx="0" cy="0"/>
+          <a:chOff x="0" y="0"/>
+          <a:chExt cx="0" cy="0"/>
+        </a:xfrm>
+      </p:grpSpPr>
+      <p:sp>
+        <p:nvSpPr>
+          <p:cNvPr id="2" name="标题 1"/>
+          <p:cNvSpPr>
+            <a:spLocks noGrp="1"/>
+          </p:cNvSpPr>
+          <p:nvPr>
+            <p:ph type="title"/>
+          </p:nvPr>
+        </p:nvSpPr>
+        <p:spPr/>
+        <p:txBody>
+          <a:bodyPr/>
+          <a:lstStyle/>
+          <a:p>
+            <a:endParaRPr lang="en-SG"/>
+          </a:p>
+        </p:txBody>
+      </p:sp>
+      <p:sp>
+        <p:nvSpPr>
+          <p:cNvPr id="3" name="内容占位符 2"/>
+          <p:cNvSpPr>
+            <a:spLocks noGrp="1"/>
+          </p:cNvSpPr>
+          <p:nvPr>
+            <p:ph idx="1"/>
+          </p:nvPr>
+        </p:nvSpPr>
+        <p:spPr/>
+        <p:txBody>
+          <a:bodyPr/>
+          <a:lstStyle/>
+          <a:p>
             <a:pPr lvl="1"/>
             <a:r>
               <a:rPr lang="en-SG" dirty="0"/>
@@ -14179,7 +14335,7 @@
           <a:graphicData uri="http://schemas.openxmlformats.org/presentationml/2006/ole">
             <mc:AlternateContent xmlns:mc="http://schemas.openxmlformats.org/markup-compatibility/2006">
               <mc:Choice xmlns:v="urn:schemas-microsoft-com:vml" Requires="v">
-                <p:oleObj spid="_x0000_s1171" name="Equation" r:id="rId3" imgW="2260440" imgH="1091880" progId="Equation.DSMT4">
+                <p:oleObj spid="_x0000_s1181" name="Equation" r:id="rId3" imgW="2260440" imgH="1091880" progId="Equation.DSMT4">
                   <p:embed/>
                 </p:oleObj>
               </mc:Choice>
@@ -14227,7 +14383,7 @@
 </p:sld>
 </file>
 
-<file path=ppt/slides/slide76.xml><?xml version="1.0" encoding="utf-8"?>
+<file path=ppt/slides/slide77.xml><?xml version="1.0" encoding="utf-8"?>
 <p:sld xmlns:a="http://schemas.openxmlformats.org/drawingml/2006/main" xmlns:r="http://schemas.openxmlformats.org/officeDocument/2006/relationships" xmlns:p="http://schemas.openxmlformats.org/presentationml/2006/main">
   <p:cSld>
     <p:spTree>
@@ -14449,7 +14605,7 @@
           <a:graphicData uri="http://schemas.openxmlformats.org/presentationml/2006/ole">
             <mc:AlternateContent xmlns:mc="http://schemas.openxmlformats.org/markup-compatibility/2006">
               <mc:Choice xmlns:v="urn:schemas-microsoft-com:vml" Requires="v">
-                <p:oleObj spid="_x0000_s2478" name="Equation" r:id="rId3" imgW="2133360" imgH="1879560" progId="Equation.DSMT4">
+                <p:oleObj spid="_x0000_s2508" name="Equation" r:id="rId3" imgW="2133360" imgH="1879560" progId="Equation.DSMT4">
                   <p:embed/>
                 </p:oleObj>
               </mc:Choice>
@@ -14506,7 +14662,7 @@
           <a:graphicData uri="http://schemas.openxmlformats.org/presentationml/2006/ole">
             <mc:AlternateContent xmlns:mc="http://schemas.openxmlformats.org/markup-compatibility/2006">
               <mc:Choice xmlns:v="urn:schemas-microsoft-com:vml" Requires="v">
-                <p:oleObj spid="_x0000_s2479" name="Equation" r:id="rId5" imgW="1726920" imgH="482400" progId="Equation.DSMT4">
+                <p:oleObj spid="_x0000_s2509" name="Equation" r:id="rId5" imgW="1726920" imgH="482400" progId="Equation.DSMT4">
                   <p:embed/>
                 </p:oleObj>
               </mc:Choice>
@@ -14563,7 +14719,7 @@
           <a:graphicData uri="http://schemas.openxmlformats.org/presentationml/2006/ole">
             <mc:AlternateContent xmlns:mc="http://schemas.openxmlformats.org/markup-compatibility/2006">
               <mc:Choice xmlns:v="urn:schemas-microsoft-com:vml" Requires="v">
-                <p:oleObj spid="_x0000_s2480" name="Equation" r:id="rId7" imgW="990360" imgH="457200" progId="Equation.DSMT4">
+                <p:oleObj spid="_x0000_s2510" name="Equation" r:id="rId7" imgW="990360" imgH="457200" progId="Equation.DSMT4">
                   <p:embed/>
                 </p:oleObj>
               </mc:Choice>
@@ -14611,7 +14767,7 @@
 </p:sld>
 </file>
 
-<file path=ppt/slides/slide77.xml><?xml version="1.0" encoding="utf-8"?>
+<file path=ppt/slides/slide78.xml><?xml version="1.0" encoding="utf-8"?>
 <p:sld xmlns:a="http://schemas.openxmlformats.org/drawingml/2006/main" xmlns:r="http://schemas.openxmlformats.org/officeDocument/2006/relationships" xmlns:p="http://schemas.openxmlformats.org/presentationml/2006/main">
   <p:cSld>
     <p:spTree>
@@ -14719,7 +14875,7 @@
           <a:graphicData uri="http://schemas.openxmlformats.org/presentationml/2006/ole">
             <mc:AlternateContent xmlns:mc="http://schemas.openxmlformats.org/markup-compatibility/2006">
               <mc:Choice xmlns:v="urn:schemas-microsoft-com:vml" Requires="v">
-                <p:oleObj spid="_x0000_s3216" name="Equation" r:id="rId3" imgW="990360" imgH="457200" progId="Equation.DSMT4">
+                <p:oleObj spid="_x0000_s3226" name="Equation" r:id="rId3" imgW="990360" imgH="457200" progId="Equation.DSMT4">
                   <p:embed/>
                 </p:oleObj>
               </mc:Choice>

--- a/CAD_CAM.pptx
+++ b/CAD_CAM.pptx
@@ -23,66 +23,69 @@
     <p:sldId id="336" r:id="rId17"/>
     <p:sldId id="337" r:id="rId18"/>
     <p:sldId id="331" r:id="rId19"/>
-    <p:sldId id="332" r:id="rId20"/>
-    <p:sldId id="309" r:id="rId21"/>
-    <p:sldId id="288" r:id="rId22"/>
-    <p:sldId id="347" r:id="rId23"/>
-    <p:sldId id="348" r:id="rId24"/>
-    <p:sldId id="349" r:id="rId25"/>
-    <p:sldId id="350" r:id="rId26"/>
-    <p:sldId id="351" r:id="rId27"/>
-    <p:sldId id="352" r:id="rId28"/>
-    <p:sldId id="353" r:id="rId29"/>
-    <p:sldId id="354" r:id="rId30"/>
-    <p:sldId id="340" r:id="rId31"/>
-    <p:sldId id="341" r:id="rId32"/>
-    <p:sldId id="342" r:id="rId33"/>
-    <p:sldId id="343" r:id="rId34"/>
-    <p:sldId id="344" r:id="rId35"/>
-    <p:sldId id="345" r:id="rId36"/>
-    <p:sldId id="355" r:id="rId37"/>
-    <p:sldId id="315" r:id="rId38"/>
-    <p:sldId id="316" r:id="rId39"/>
-    <p:sldId id="356" r:id="rId40"/>
-    <p:sldId id="357" r:id="rId41"/>
-    <p:sldId id="365" r:id="rId42"/>
-    <p:sldId id="366" r:id="rId43"/>
-    <p:sldId id="358" r:id="rId44"/>
-    <p:sldId id="359" r:id="rId45"/>
-    <p:sldId id="317" r:id="rId46"/>
-    <p:sldId id="361" r:id="rId47"/>
-    <p:sldId id="364" r:id="rId48"/>
+    <p:sldId id="367" r:id="rId20"/>
+    <p:sldId id="332" r:id="rId21"/>
+    <p:sldId id="309" r:id="rId22"/>
+    <p:sldId id="288" r:id="rId23"/>
+    <p:sldId id="347" r:id="rId24"/>
+    <p:sldId id="348" r:id="rId25"/>
+    <p:sldId id="349" r:id="rId26"/>
+    <p:sldId id="350" r:id="rId27"/>
+    <p:sldId id="351" r:id="rId28"/>
+    <p:sldId id="352" r:id="rId29"/>
+    <p:sldId id="353" r:id="rId30"/>
+    <p:sldId id="354" r:id="rId31"/>
+    <p:sldId id="340" r:id="rId32"/>
+    <p:sldId id="341" r:id="rId33"/>
+    <p:sldId id="342" r:id="rId34"/>
+    <p:sldId id="343" r:id="rId35"/>
+    <p:sldId id="344" r:id="rId36"/>
+    <p:sldId id="345" r:id="rId37"/>
+    <p:sldId id="355" r:id="rId38"/>
+    <p:sldId id="315" r:id="rId39"/>
+    <p:sldId id="316" r:id="rId40"/>
+    <p:sldId id="356" r:id="rId41"/>
+    <p:sldId id="357" r:id="rId42"/>
+    <p:sldId id="365" r:id="rId43"/>
+    <p:sldId id="366" r:id="rId44"/>
+    <p:sldId id="358" r:id="rId45"/>
+    <p:sldId id="368" r:id="rId46"/>
+    <p:sldId id="371" r:id="rId47"/>
+    <p:sldId id="369" r:id="rId48"/>
     <p:sldId id="363" r:id="rId49"/>
-    <p:sldId id="362" r:id="rId50"/>
-    <p:sldId id="318" r:id="rId51"/>
-    <p:sldId id="319" r:id="rId52"/>
-    <p:sldId id="320" r:id="rId53"/>
-    <p:sldId id="321" r:id="rId54"/>
-    <p:sldId id="322" r:id="rId55"/>
-    <p:sldId id="298" r:id="rId56"/>
-    <p:sldId id="299" r:id="rId57"/>
-    <p:sldId id="338" r:id="rId58"/>
-    <p:sldId id="300" r:id="rId59"/>
-    <p:sldId id="301" r:id="rId60"/>
-    <p:sldId id="302" r:id="rId61"/>
-    <p:sldId id="303" r:id="rId62"/>
-    <p:sldId id="282" r:id="rId63"/>
-    <p:sldId id="257" r:id="rId64"/>
-    <p:sldId id="265" r:id="rId65"/>
-    <p:sldId id="276" r:id="rId66"/>
-    <p:sldId id="310" r:id="rId67"/>
-    <p:sldId id="311" r:id="rId68"/>
-    <p:sldId id="312" r:id="rId69"/>
-    <p:sldId id="333" r:id="rId70"/>
-    <p:sldId id="313" r:id="rId71"/>
-    <p:sldId id="314" r:id="rId72"/>
-    <p:sldId id="261" r:id="rId73"/>
-    <p:sldId id="270" r:id="rId74"/>
-    <p:sldId id="271" r:id="rId75"/>
-    <p:sldId id="272" r:id="rId76"/>
-    <p:sldId id="273" r:id="rId77"/>
-    <p:sldId id="274" r:id="rId78"/>
-    <p:sldId id="275" r:id="rId79"/>
+    <p:sldId id="317" r:id="rId50"/>
+    <p:sldId id="361" r:id="rId51"/>
+    <p:sldId id="364" r:id="rId52"/>
+    <p:sldId id="362" r:id="rId53"/>
+    <p:sldId id="318" r:id="rId54"/>
+    <p:sldId id="319" r:id="rId55"/>
+    <p:sldId id="320" r:id="rId56"/>
+    <p:sldId id="321" r:id="rId57"/>
+    <p:sldId id="322" r:id="rId58"/>
+    <p:sldId id="298" r:id="rId59"/>
+    <p:sldId id="299" r:id="rId60"/>
+    <p:sldId id="338" r:id="rId61"/>
+    <p:sldId id="300" r:id="rId62"/>
+    <p:sldId id="301" r:id="rId63"/>
+    <p:sldId id="302" r:id="rId64"/>
+    <p:sldId id="303" r:id="rId65"/>
+    <p:sldId id="282" r:id="rId66"/>
+    <p:sldId id="257" r:id="rId67"/>
+    <p:sldId id="265" r:id="rId68"/>
+    <p:sldId id="276" r:id="rId69"/>
+    <p:sldId id="310" r:id="rId70"/>
+    <p:sldId id="311" r:id="rId71"/>
+    <p:sldId id="312" r:id="rId72"/>
+    <p:sldId id="333" r:id="rId73"/>
+    <p:sldId id="313" r:id="rId74"/>
+    <p:sldId id="314" r:id="rId75"/>
+    <p:sldId id="261" r:id="rId76"/>
+    <p:sldId id="270" r:id="rId77"/>
+    <p:sldId id="271" r:id="rId78"/>
+    <p:sldId id="272" r:id="rId79"/>
+    <p:sldId id="273" r:id="rId80"/>
+    <p:sldId id="274" r:id="rId81"/>
+    <p:sldId id="275" r:id="rId82"/>
   </p:sldIdLst>
   <p:sldSz cx="12192000" cy="6858000"/>
   <p:notesSz cx="6858000" cy="9144000"/>
@@ -320,7 +323,7 @@
           <a:p>
             <a:fld id="{012790D9-61A1-4D2A-ABFB-2410DF2390CB}" type="datetimeFigureOut">
               <a:rPr lang="en-SG" smtClean="0"/>
-              <a:t>1/6/2022</a:t>
+              <a:t>7/6/2022</a:t>
             </a:fld>
             <a:endParaRPr lang="en-SG"/>
           </a:p>
@@ -490,7 +493,7 @@
           <a:p>
             <a:fld id="{012790D9-61A1-4D2A-ABFB-2410DF2390CB}" type="datetimeFigureOut">
               <a:rPr lang="en-SG" smtClean="0"/>
-              <a:t>1/6/2022</a:t>
+              <a:t>7/6/2022</a:t>
             </a:fld>
             <a:endParaRPr lang="en-SG"/>
           </a:p>
@@ -670,7 +673,7 @@
           <a:p>
             <a:fld id="{012790D9-61A1-4D2A-ABFB-2410DF2390CB}" type="datetimeFigureOut">
               <a:rPr lang="en-SG" smtClean="0"/>
-              <a:t>1/6/2022</a:t>
+              <a:t>7/6/2022</a:t>
             </a:fld>
             <a:endParaRPr lang="en-SG"/>
           </a:p>
@@ -840,7 +843,7 @@
           <a:p>
             <a:fld id="{012790D9-61A1-4D2A-ABFB-2410DF2390CB}" type="datetimeFigureOut">
               <a:rPr lang="en-SG" smtClean="0"/>
-              <a:t>1/6/2022</a:t>
+              <a:t>7/6/2022</a:t>
             </a:fld>
             <a:endParaRPr lang="en-SG"/>
           </a:p>
@@ -1086,7 +1089,7 @@
           <a:p>
             <a:fld id="{012790D9-61A1-4D2A-ABFB-2410DF2390CB}" type="datetimeFigureOut">
               <a:rPr lang="en-SG" smtClean="0"/>
-              <a:t>1/6/2022</a:t>
+              <a:t>7/6/2022</a:t>
             </a:fld>
             <a:endParaRPr lang="en-SG"/>
           </a:p>
@@ -1318,7 +1321,7 @@
           <a:p>
             <a:fld id="{012790D9-61A1-4D2A-ABFB-2410DF2390CB}" type="datetimeFigureOut">
               <a:rPr lang="en-SG" smtClean="0"/>
-              <a:t>1/6/2022</a:t>
+              <a:t>7/6/2022</a:t>
             </a:fld>
             <a:endParaRPr lang="en-SG"/>
           </a:p>
@@ -1685,7 +1688,7 @@
           <a:p>
             <a:fld id="{012790D9-61A1-4D2A-ABFB-2410DF2390CB}" type="datetimeFigureOut">
               <a:rPr lang="en-SG" smtClean="0"/>
-              <a:t>1/6/2022</a:t>
+              <a:t>7/6/2022</a:t>
             </a:fld>
             <a:endParaRPr lang="en-SG"/>
           </a:p>
@@ -1803,7 +1806,7 @@
           <a:p>
             <a:fld id="{012790D9-61A1-4D2A-ABFB-2410DF2390CB}" type="datetimeFigureOut">
               <a:rPr lang="en-SG" smtClean="0"/>
-              <a:t>1/6/2022</a:t>
+              <a:t>7/6/2022</a:t>
             </a:fld>
             <a:endParaRPr lang="en-SG"/>
           </a:p>
@@ -1898,7 +1901,7 @@
           <a:p>
             <a:fld id="{012790D9-61A1-4D2A-ABFB-2410DF2390CB}" type="datetimeFigureOut">
               <a:rPr lang="en-SG" smtClean="0"/>
-              <a:t>1/6/2022</a:t>
+              <a:t>7/6/2022</a:t>
             </a:fld>
             <a:endParaRPr lang="en-SG"/>
           </a:p>
@@ -2175,7 +2178,7 @@
           <a:p>
             <a:fld id="{012790D9-61A1-4D2A-ABFB-2410DF2390CB}" type="datetimeFigureOut">
               <a:rPr lang="en-SG" smtClean="0"/>
-              <a:t>1/6/2022</a:t>
+              <a:t>7/6/2022</a:t>
             </a:fld>
             <a:endParaRPr lang="en-SG"/>
           </a:p>
@@ -2428,7 +2431,7 @@
           <a:p>
             <a:fld id="{012790D9-61A1-4D2A-ABFB-2410DF2390CB}" type="datetimeFigureOut">
               <a:rPr lang="en-SG" smtClean="0"/>
-              <a:t>1/6/2022</a:t>
+              <a:t>7/6/2022</a:t>
             </a:fld>
             <a:endParaRPr lang="en-SG"/>
           </a:p>
@@ -2641,7 +2644,7 @@
           <a:p>
             <a:fld id="{012790D9-61A1-4D2A-ABFB-2410DF2390CB}" type="datetimeFigureOut">
               <a:rPr lang="en-SG" smtClean="0"/>
-              <a:t>1/6/2022</a:t>
+              <a:t>7/6/2022</a:t>
             </a:fld>
             <a:endParaRPr lang="en-SG"/>
           </a:p>
@@ -3210,7 +3213,7 @@
           <a:graphicData uri="http://schemas.openxmlformats.org/presentationml/2006/ole">
             <mc:AlternateContent xmlns:mc="http://schemas.openxmlformats.org/markup-compatibility/2006">
               <mc:Choice xmlns:v="urn:schemas-microsoft-com:vml" Requires="v">
-                <p:oleObj spid="_x0000_s9590" name="Equation" r:id="rId3" imgW="711000" imgH="203040" progId="Equation.DSMT4">
+                <p:oleObj spid="_x0000_s9834" name="Equation" r:id="rId3" imgW="711000" imgH="203040" progId="Equation.DSMT4">
                   <p:embed/>
                 </p:oleObj>
               </mc:Choice>
@@ -3263,7 +3266,7 @@
           <a:graphicData uri="http://schemas.openxmlformats.org/presentationml/2006/ole">
             <mc:AlternateContent xmlns:mc="http://schemas.openxmlformats.org/markup-compatibility/2006">
               <mc:Choice xmlns:v="urn:schemas-microsoft-com:vml" Requires="v">
-                <p:oleObj spid="_x0000_s9591" name="Equation" r:id="rId5" imgW="583920" imgH="203040" progId="Equation.DSMT4">
+                <p:oleObj spid="_x0000_s9835" name="Equation" r:id="rId5" imgW="583920" imgH="203040" progId="Equation.DSMT4">
                   <p:embed/>
                 </p:oleObj>
               </mc:Choice>
@@ -3316,7 +3319,7 @@
           <a:graphicData uri="http://schemas.openxmlformats.org/presentationml/2006/ole">
             <mc:AlternateContent xmlns:mc="http://schemas.openxmlformats.org/markup-compatibility/2006">
               <mc:Choice xmlns:v="urn:schemas-microsoft-com:vml" Requires="v">
-                <p:oleObj spid="_x0000_s9592" name="Equation" r:id="rId7" imgW="469800" imgH="177480" progId="Equation.DSMT4">
+                <p:oleObj spid="_x0000_s9836" name="Equation" r:id="rId7" imgW="469800" imgH="177480" progId="Equation.DSMT4">
                   <p:embed/>
                 </p:oleObj>
               </mc:Choice>
@@ -3369,7 +3372,7 @@
           <a:graphicData uri="http://schemas.openxmlformats.org/presentationml/2006/ole">
             <mc:AlternateContent xmlns:mc="http://schemas.openxmlformats.org/markup-compatibility/2006">
               <mc:Choice xmlns:v="urn:schemas-microsoft-com:vml" Requires="v">
-                <p:oleObj spid="_x0000_s9593" name="Equation" r:id="rId9" imgW="1600200" imgH="711000" progId="Equation.DSMT4">
+                <p:oleObj spid="_x0000_s9837" name="Equation" r:id="rId9" imgW="1600200" imgH="711000" progId="Equation.DSMT4">
                   <p:embed/>
                 </p:oleObj>
               </mc:Choice>
@@ -3524,7 +3527,7 @@
           <a:graphicData uri="http://schemas.openxmlformats.org/presentationml/2006/ole">
             <mc:AlternateContent xmlns:mc="http://schemas.openxmlformats.org/markup-compatibility/2006">
               <mc:Choice xmlns:v="urn:schemas-microsoft-com:vml" Requires="v">
-                <p:oleObj spid="_x0000_s10335" name="Equation" r:id="rId3" imgW="1155600" imgH="914400" progId="Equation.DSMT4">
+                <p:oleObj spid="_x0000_s10396" name="Equation" r:id="rId3" imgW="1155600" imgH="914400" progId="Equation.DSMT4">
                   <p:embed/>
                 </p:oleObj>
               </mc:Choice>
@@ -3742,7 +3745,7 @@
           <a:graphicData uri="http://schemas.openxmlformats.org/presentationml/2006/ole">
             <mc:AlternateContent xmlns:mc="http://schemas.openxmlformats.org/markup-compatibility/2006">
               <mc:Choice xmlns:v="urn:schemas-microsoft-com:vml" Requires="v">
-                <p:oleObj spid="_x0000_s11452" name="Equation" r:id="rId3" imgW="1091880" imgH="711000" progId="Equation.DSMT4">
+                <p:oleObj spid="_x0000_s11574" name="Equation" r:id="rId3" imgW="1091880" imgH="711000" progId="Equation.DSMT4">
                   <p:embed/>
                 </p:oleObj>
               </mc:Choice>
@@ -3795,7 +3798,7 @@
           <a:graphicData uri="http://schemas.openxmlformats.org/presentationml/2006/ole">
             <mc:AlternateContent xmlns:mc="http://schemas.openxmlformats.org/markup-compatibility/2006">
               <mc:Choice xmlns:v="urn:schemas-microsoft-com:vml" Requires="v">
-                <p:oleObj spid="_x0000_s11453" name="Equation" r:id="rId5" imgW="571320" imgH="457200" progId="Equation.DSMT4">
+                <p:oleObj spid="_x0000_s11575" name="Equation" r:id="rId5" imgW="571320" imgH="457200" progId="Equation.DSMT4">
                   <p:embed/>
                 </p:oleObj>
               </mc:Choice>
@@ -3923,7 +3926,7 @@
           <a:graphicData uri="http://schemas.openxmlformats.org/presentationml/2006/ole">
             <mc:AlternateContent xmlns:mc="http://schemas.openxmlformats.org/markup-compatibility/2006">
               <mc:Choice xmlns:v="urn:schemas-microsoft-com:vml" Requires="v">
-                <p:oleObj spid="_x0000_s12383" name="Equation" r:id="rId3" imgW="3682800" imgH="914400" progId="Equation.DSMT4">
+                <p:oleObj spid="_x0000_s12444" name="Equation" r:id="rId3" imgW="3682800" imgH="914400" progId="Equation.DSMT4">
                   <p:embed/>
                 </p:oleObj>
               </mc:Choice>
@@ -4052,7 +4055,7 @@
           <a:graphicData uri="http://schemas.openxmlformats.org/presentationml/2006/ole">
             <mc:AlternateContent xmlns:mc="http://schemas.openxmlformats.org/markup-compatibility/2006">
               <mc:Choice xmlns:v="urn:schemas-microsoft-com:vml" Requires="v">
-                <p:oleObj spid="_x0000_s13379" name="Equation" r:id="rId3" imgW="1155600" imgH="914400" progId="Equation.DSMT4">
+                <p:oleObj spid="_x0000_s13440" name="Equation" r:id="rId3" imgW="1155600" imgH="914400" progId="Equation.DSMT4">
                   <p:embed/>
                 </p:oleObj>
               </mc:Choice>
@@ -4245,7 +4248,7 @@
           <a:graphicData uri="http://schemas.openxmlformats.org/presentationml/2006/ole">
             <mc:AlternateContent xmlns:mc="http://schemas.openxmlformats.org/markup-compatibility/2006">
               <mc:Choice xmlns:v="urn:schemas-microsoft-com:vml" Requires="v">
-                <p:oleObj spid="_x0000_s14403" name="Equation" r:id="rId3" imgW="1117440" imgH="914400" progId="Equation.DSMT4">
+                <p:oleObj spid="_x0000_s14464" name="Equation" r:id="rId3" imgW="1117440" imgH="914400" progId="Equation.DSMT4">
                   <p:embed/>
                 </p:oleObj>
               </mc:Choice>
@@ -4528,7 +4531,7 @@
           <a:graphicData uri="http://schemas.openxmlformats.org/presentationml/2006/ole">
             <mc:AlternateContent xmlns:mc="http://schemas.openxmlformats.org/markup-compatibility/2006">
               <mc:Choice xmlns:v="urn:schemas-microsoft-com:vml" Requires="v">
-                <p:oleObj spid="_x0000_s15492" name="Equation" r:id="rId3" imgW="2616120" imgH="914400" progId="Equation.DSMT4">
+                <p:oleObj spid="_x0000_s15614" name="Equation" r:id="rId3" imgW="2616120" imgH="914400" progId="Equation.DSMT4">
                   <p:embed/>
                 </p:oleObj>
               </mc:Choice>
@@ -4581,7 +4584,7 @@
           <a:graphicData uri="http://schemas.openxmlformats.org/presentationml/2006/ole">
             <mc:AlternateContent xmlns:mc="http://schemas.openxmlformats.org/markup-compatibility/2006">
               <mc:Choice xmlns:v="urn:schemas-microsoft-com:vml" Requires="v">
-                <p:oleObj spid="_x0000_s15493" name="Equation" r:id="rId5" imgW="1574640" imgH="914400" progId="Equation.DSMT4">
+                <p:oleObj spid="_x0000_s15615" name="Equation" r:id="rId5" imgW="1574640" imgH="914400" progId="Equation.DSMT4">
                   <p:embed/>
                 </p:oleObj>
               </mc:Choice>
@@ -4990,7 +4993,7 @@
           <a:p>
             <a:r>
               <a:rPr lang="en-SG" dirty="0"/>
-              <a:t>Coordinate system</a:t>
+              <a:t>View  Generation</a:t>
             </a:r>
           </a:p>
         </p:txBody>
@@ -5007,63 +5010,49 @@
         </p:nvSpPr>
         <p:spPr/>
         <p:txBody>
-          <a:bodyPr>
-            <a:normAutofit/>
-          </a:bodyPr>
-          <a:lstStyle/>
-          <a:p>
-            <a:r>
-              <a:rPr lang="en-SG" dirty="0" smtClean="0"/>
-              <a:t>By default, in most of CAD software, the WCS and MCS are overlapped as you start up the main program.</a:t>
-            </a:r>
-          </a:p>
-          <a:p>
-            <a:r>
-              <a:rPr lang="en-SG" dirty="0" smtClean="0"/>
-              <a:t>Definitely, To </a:t>
-            </a:r>
-            <a:r>
-              <a:rPr lang="en-SG" dirty="0"/>
-              <a:t>display correct image of the cad model on screen, we still need </a:t>
-            </a:r>
-            <a:r>
-              <a:rPr lang="en-SG" dirty="0" smtClean="0"/>
-              <a:t>some </a:t>
-            </a:r>
-            <a:r>
-              <a:rPr lang="en-SG" dirty="0"/>
-              <a:t>transformation operations to make it sense</a:t>
-            </a:r>
-            <a:r>
-              <a:rPr lang="en-SG" dirty="0" smtClean="0"/>
-              <a:t>.</a:t>
-            </a:r>
-          </a:p>
-          <a:p>
-            <a:r>
-              <a:rPr lang="en-SG" dirty="0" smtClean="0"/>
-              <a:t>From the view of user, the inputted geometrical elements will firstly transform to </a:t>
-            </a:r>
-            <a:r>
-              <a:rPr lang="en-US" dirty="0" smtClean="0"/>
-              <a:t>uniforms under MCS, then through display converting package developed by CAD software provider, all </a:t>
-            </a:r>
-            <a:r>
-              <a:rPr lang="en-US" altLang="zh-CN" dirty="0" smtClean="0"/>
-              <a:t>3D geometrical items will be shown on the 2D screen</a:t>
-            </a:r>
-            <a:r>
-              <a:rPr lang="en-US" altLang="zh-CN" smtClean="0"/>
-              <a:t>. </a:t>
-            </a:r>
-            <a:endParaRPr lang="en-SG" dirty="0"/>
+          <a:bodyPr/>
+          <a:lstStyle/>
+          <a:p>
+            <a:r>
+              <a:rPr lang="en-SG" dirty="0" smtClean="0"/>
+              <a:t>The  </a:t>
+            </a:r>
+            <a:r>
+              <a:rPr lang="en-SG" dirty="0"/>
+              <a:t>display  screen  is  two-dimensional. </a:t>
+            </a:r>
+            <a:endParaRPr lang="en-SG" dirty="0" smtClean="0"/>
+          </a:p>
+          <a:p>
+            <a:r>
+              <a:rPr lang="en-SG" dirty="0" smtClean="0"/>
+              <a:t>How to present 3D model on </a:t>
+            </a:r>
+            <a:r>
+              <a:rPr lang="en-SG" dirty="0"/>
+              <a:t>the </a:t>
+            </a:r>
+            <a:r>
+              <a:rPr lang="en-SG" dirty="0" smtClean="0"/>
+              <a:t>screen.</a:t>
+            </a:r>
+          </a:p>
+          <a:p>
+            <a:r>
+              <a:rPr lang="en-SG" dirty="0" smtClean="0"/>
+              <a:t>the </a:t>
+            </a:r>
+            <a:r>
+              <a:rPr lang="en-SG" dirty="0"/>
+              <a:t>orthogonal projection. </a:t>
+            </a:r>
           </a:p>
         </p:txBody>
       </p:sp>
     </p:spTree>
     <p:extLst>
       <p:ext uri="{BB962C8B-B14F-4D97-AF65-F5344CB8AC3E}">
-        <p14:creationId xmlns:p14="http://schemas.microsoft.com/office/powerpoint/2010/main" val="977069079"/>
+        <p14:creationId xmlns:p14="http://schemas.microsoft.com/office/powerpoint/2010/main" val="1370358805"/>
       </p:ext>
     </p:extLst>
   </p:cSld>
@@ -5171,6 +5160,123 @@
       </p:grpSpPr>
       <p:sp>
         <p:nvSpPr>
+          <p:cNvPr id="2" name="标题 1"/>
+          <p:cNvSpPr>
+            <a:spLocks noGrp="1"/>
+          </p:cNvSpPr>
+          <p:nvPr>
+            <p:ph type="title"/>
+          </p:nvPr>
+        </p:nvSpPr>
+        <p:spPr/>
+        <p:txBody>
+          <a:bodyPr/>
+          <a:lstStyle/>
+          <a:p>
+            <a:r>
+              <a:rPr lang="en-SG" dirty="0"/>
+              <a:t>Coordinate system</a:t>
+            </a:r>
+          </a:p>
+        </p:txBody>
+      </p:sp>
+      <p:sp>
+        <p:nvSpPr>
+          <p:cNvPr id="3" name="内容占位符 2"/>
+          <p:cNvSpPr>
+            <a:spLocks noGrp="1"/>
+          </p:cNvSpPr>
+          <p:nvPr>
+            <p:ph idx="1"/>
+          </p:nvPr>
+        </p:nvSpPr>
+        <p:spPr/>
+        <p:txBody>
+          <a:bodyPr>
+            <a:normAutofit/>
+          </a:bodyPr>
+          <a:lstStyle/>
+          <a:p>
+            <a:r>
+              <a:rPr lang="en-SG" dirty="0" smtClean="0"/>
+              <a:t>By default, in most of CAD software, the WCS and MCS are overlapped as you start up the main program.</a:t>
+            </a:r>
+          </a:p>
+          <a:p>
+            <a:r>
+              <a:rPr lang="en-SG" dirty="0" smtClean="0"/>
+              <a:t>Definitely, To </a:t>
+            </a:r>
+            <a:r>
+              <a:rPr lang="en-SG" dirty="0"/>
+              <a:t>display correct image of the cad model on screen, we still need </a:t>
+            </a:r>
+            <a:r>
+              <a:rPr lang="en-SG" dirty="0" smtClean="0"/>
+              <a:t>some </a:t>
+            </a:r>
+            <a:r>
+              <a:rPr lang="en-SG" dirty="0"/>
+              <a:t>transformation operations to make it sense</a:t>
+            </a:r>
+            <a:r>
+              <a:rPr lang="en-SG" dirty="0" smtClean="0"/>
+              <a:t>.</a:t>
+            </a:r>
+          </a:p>
+          <a:p>
+            <a:r>
+              <a:rPr lang="en-SG" dirty="0" smtClean="0"/>
+              <a:t>From the view of user, the inputted geometrical elements will firstly transform to </a:t>
+            </a:r>
+            <a:r>
+              <a:rPr lang="en-US" dirty="0" smtClean="0"/>
+              <a:t>uniforms under MCS, then through display converting package developed by CAD software provider, all </a:t>
+            </a:r>
+            <a:r>
+              <a:rPr lang="en-US" altLang="zh-CN" dirty="0" smtClean="0"/>
+              <a:t>3D geometrical items will be shown on the 2D screen</a:t>
+            </a:r>
+            <a:r>
+              <a:rPr lang="en-US" altLang="zh-CN" smtClean="0"/>
+              <a:t>. </a:t>
+            </a:r>
+            <a:endParaRPr lang="en-SG" dirty="0"/>
+          </a:p>
+        </p:txBody>
+      </p:sp>
+    </p:spTree>
+    <p:extLst>
+      <p:ext uri="{BB962C8B-B14F-4D97-AF65-F5344CB8AC3E}">
+        <p14:creationId xmlns:p14="http://schemas.microsoft.com/office/powerpoint/2010/main" val="977069079"/>
+      </p:ext>
+    </p:extLst>
+  </p:cSld>
+  <p:clrMapOvr>
+    <a:masterClrMapping/>
+  </p:clrMapOvr>
+</p:sld>
+</file>
+
+<file path=ppt/slides/slide21.xml><?xml version="1.0" encoding="utf-8"?>
+<p:sld xmlns:a="http://schemas.openxmlformats.org/drawingml/2006/main" xmlns:r="http://schemas.openxmlformats.org/officeDocument/2006/relationships" xmlns:p="http://schemas.openxmlformats.org/presentationml/2006/main">
+  <p:cSld>
+    <p:spTree>
+      <p:nvGrpSpPr>
+        <p:cNvPr id="1" name=""/>
+        <p:cNvGrpSpPr/>
+        <p:nvPr/>
+      </p:nvGrpSpPr>
+      <p:grpSpPr>
+        <a:xfrm>
+          <a:off x="0" y="0"/>
+          <a:ext cx="0" cy="0"/>
+          <a:chOff x="0" y="0"/>
+          <a:chExt cx="0" cy="0"/>
+        </a:xfrm>
+      </p:grpSpPr>
+      <p:sp>
+        <p:nvSpPr>
           <p:cNvPr id="4" name="标题 3"/>
           <p:cNvSpPr>
             <a:spLocks noGrp="1"/>
@@ -5223,7 +5329,7 @@
 </p:sld>
 </file>
 
-<file path=ppt/slides/slide21.xml><?xml version="1.0" encoding="utf-8"?>
+<file path=ppt/slides/slide22.xml><?xml version="1.0" encoding="utf-8"?>
 <p:sld xmlns:a="http://schemas.openxmlformats.org/drawingml/2006/main" xmlns:r="http://schemas.openxmlformats.org/officeDocument/2006/relationships" xmlns:p="http://schemas.openxmlformats.org/presentationml/2006/main">
   <p:cSld>
     <p:spTree>
@@ -5339,281 +5445,6 @@
 </p:sld>
 </file>
 
-<file path=ppt/slides/slide22.xml><?xml version="1.0" encoding="utf-8"?>
-<p:sld xmlns:a="http://schemas.openxmlformats.org/drawingml/2006/main" xmlns:r="http://schemas.openxmlformats.org/officeDocument/2006/relationships" xmlns:p="http://schemas.openxmlformats.org/presentationml/2006/main">
-  <p:cSld>
-    <p:spTree>
-      <p:nvGrpSpPr>
-        <p:cNvPr id="1" name=""/>
-        <p:cNvGrpSpPr/>
-        <p:nvPr/>
-      </p:nvGrpSpPr>
-      <p:grpSpPr>
-        <a:xfrm>
-          <a:off x="0" y="0"/>
-          <a:ext cx="0" cy="0"/>
-          <a:chOff x="0" y="0"/>
-          <a:chExt cx="0" cy="0"/>
-        </a:xfrm>
-      </p:grpSpPr>
-      <p:sp>
-        <p:nvSpPr>
-          <p:cNvPr id="2" name="标题 1"/>
-          <p:cNvSpPr>
-            <a:spLocks noGrp="1"/>
-          </p:cNvSpPr>
-          <p:nvPr>
-            <p:ph type="title"/>
-          </p:nvPr>
-        </p:nvSpPr>
-        <p:spPr/>
-        <p:txBody>
-          <a:bodyPr/>
-          <a:lstStyle/>
-          <a:p>
-            <a:r>
-              <a:rPr lang="en-SG" dirty="0"/>
-              <a:t>Data exchange standards</a:t>
-            </a:r>
-          </a:p>
-        </p:txBody>
-      </p:sp>
-      <p:sp>
-        <p:nvSpPr>
-          <p:cNvPr id="3" name="内容占位符 2"/>
-          <p:cNvSpPr>
-            <a:spLocks noGrp="1"/>
-          </p:cNvSpPr>
-          <p:nvPr>
-            <p:ph idx="1"/>
-          </p:nvPr>
-        </p:nvSpPr>
-        <p:spPr/>
-        <p:txBody>
-          <a:bodyPr>
-            <a:normAutofit fontScale="77500" lnSpcReduction="20000"/>
-          </a:bodyPr>
-          <a:lstStyle/>
-          <a:p>
-            <a:r>
-              <a:rPr lang="en-SG" dirty="0" smtClean="0"/>
-              <a:t>There </a:t>
-            </a:r>
-            <a:r>
-              <a:rPr lang="en-SG" dirty="0"/>
-              <a:t>is increasing application of CAD accompanied by a growth in </a:t>
-            </a:r>
-            <a:r>
-              <a:rPr lang="en-SG" dirty="0" smtClean="0"/>
-              <a:t>product </a:t>
-            </a:r>
-            <a:r>
-              <a:rPr lang="en-SG" dirty="0"/>
-              <a:t>variety and the range of companies involved</a:t>
-            </a:r>
-          </a:p>
-          <a:p>
-            <a:pPr lvl="1">
-              <a:buFont typeface="Wingdings" panose="05000000000000000000" pitchFamily="2" charset="2"/>
-              <a:buChar char="§"/>
-            </a:pPr>
-            <a:r>
-              <a:rPr lang="en-SG" dirty="0" smtClean="0"/>
-              <a:t>component </a:t>
-            </a:r>
-            <a:r>
-              <a:rPr lang="en-SG" dirty="0"/>
-              <a:t>suppliers must often match their designs to many variants of </a:t>
-            </a:r>
-            <a:r>
-              <a:rPr lang="en-SG" dirty="0" smtClean="0"/>
-              <a:t>different </a:t>
-            </a:r>
-            <a:r>
-              <a:rPr lang="en-SG" dirty="0"/>
-              <a:t>products</a:t>
-            </a:r>
-          </a:p>
-          <a:p>
-            <a:pPr lvl="1">
-              <a:buFont typeface="Wingdings" panose="05000000000000000000" pitchFamily="2" charset="2"/>
-              <a:buChar char="§"/>
-            </a:pPr>
-            <a:r>
-              <a:rPr lang="en-SG" dirty="0" smtClean="0"/>
-              <a:t>a </a:t>
-            </a:r>
-            <a:r>
-              <a:rPr lang="en-SG" dirty="0"/>
-              <a:t>large amount of component and product data must be exchanged</a:t>
-            </a:r>
-          </a:p>
-          <a:p>
-            <a:pPr lvl="1">
-              <a:buFont typeface="Wingdings" panose="05000000000000000000" pitchFamily="2" charset="2"/>
-              <a:buChar char="§"/>
-            </a:pPr>
-            <a:r>
-              <a:rPr lang="en-SG" dirty="0" smtClean="0"/>
-              <a:t>the </a:t>
-            </a:r>
-            <a:r>
-              <a:rPr lang="en-SG" dirty="0"/>
-              <a:t>simplest way is for both companies to used same CADCAM system </a:t>
-            </a:r>
-            <a:r>
-              <a:rPr lang="en-SG" dirty="0" smtClean="0"/>
-              <a:t>and </a:t>
-            </a:r>
-            <a:r>
-              <a:rPr lang="en-SG" dirty="0"/>
-              <a:t>software revision number</a:t>
-            </a:r>
-          </a:p>
-          <a:p>
-            <a:pPr lvl="1">
-              <a:buFont typeface="Wingdings" panose="05000000000000000000" pitchFamily="2" charset="2"/>
-              <a:buChar char="§"/>
-            </a:pPr>
-            <a:r>
-              <a:rPr lang="en-SG" dirty="0" smtClean="0"/>
-              <a:t>however</a:t>
-            </a:r>
-            <a:r>
-              <a:rPr lang="en-SG" dirty="0"/>
-              <a:t>, it is more equitable for different CADCAM systems to </a:t>
-            </a:r>
-            <a:r>
-              <a:rPr lang="en-SG" dirty="0" smtClean="0"/>
-              <a:t>accurately </a:t>
-            </a:r>
-            <a:r>
-              <a:rPr lang="en-SG" dirty="0"/>
-              <a:t>exchange the same data</a:t>
-            </a:r>
-          </a:p>
-          <a:p>
-            <a:pPr lvl="2"/>
-            <a:r>
-              <a:rPr lang="en-SG" dirty="0" smtClean="0"/>
-              <a:t>too </a:t>
-            </a:r>
-            <a:r>
-              <a:rPr lang="en-SG" dirty="0"/>
-              <a:t>many individual inter-software translator programs would be required</a:t>
-            </a:r>
-          </a:p>
-          <a:p>
-            <a:pPr lvl="2"/>
-            <a:r>
-              <a:rPr lang="en-SG" dirty="0" smtClean="0"/>
-              <a:t>need </a:t>
-            </a:r>
-            <a:r>
-              <a:rPr lang="en-SG" dirty="0"/>
-              <a:t>to convert the data into a neutral file format first</a:t>
-            </a:r>
-          </a:p>
-          <a:p>
-            <a:pPr lvl="2"/>
-            <a:r>
-              <a:rPr lang="en-SG" dirty="0" smtClean="0"/>
-              <a:t>then </a:t>
-            </a:r>
-            <a:r>
-              <a:rPr lang="en-SG" dirty="0"/>
-              <a:t>translate the neutral format into the target system data structure</a:t>
-            </a:r>
-          </a:p>
-          <a:p>
-            <a:r>
-              <a:rPr lang="en-SG" dirty="0" smtClean="0"/>
-              <a:t>However</a:t>
-            </a:r>
-            <a:r>
-              <a:rPr lang="en-SG" dirty="0"/>
-              <a:t>, a neutral file format is not straightforward due to</a:t>
-            </a:r>
-          </a:p>
-          <a:p>
-            <a:pPr lvl="1">
-              <a:buFont typeface="Wingdings" panose="05000000000000000000" pitchFamily="2" charset="2"/>
-              <a:buChar char="§"/>
-            </a:pPr>
-            <a:r>
-              <a:rPr lang="en-SG" dirty="0" smtClean="0"/>
-              <a:t>different </a:t>
-            </a:r>
-            <a:r>
-              <a:rPr lang="en-SG" dirty="0"/>
-              <a:t>international CADCAM methods </a:t>
-            </a:r>
-          </a:p>
-          <a:p>
-            <a:pPr lvl="1">
-              <a:buFont typeface="Wingdings" panose="05000000000000000000" pitchFamily="2" charset="2"/>
-              <a:buChar char="§"/>
-            </a:pPr>
-            <a:r>
-              <a:rPr lang="en-SG" dirty="0" smtClean="0"/>
-              <a:t>different </a:t>
-            </a:r>
-            <a:r>
-              <a:rPr lang="en-SG" dirty="0"/>
-              <a:t>CAD representations:</a:t>
-            </a:r>
-          </a:p>
-          <a:p>
-            <a:pPr lvl="2"/>
-            <a:r>
-              <a:rPr lang="en-SG" dirty="0" smtClean="0"/>
-              <a:t>2D </a:t>
-            </a:r>
-            <a:r>
-              <a:rPr lang="en-SG" dirty="0" err="1"/>
-              <a:t>draughting</a:t>
-            </a:r>
-            <a:r>
-              <a:rPr lang="en-SG" dirty="0"/>
-              <a:t>; wire frame geometry; surface/solid models</a:t>
-            </a:r>
-          </a:p>
-          <a:p>
-            <a:pPr lvl="2"/>
-            <a:r>
-              <a:rPr lang="en-SG" dirty="0" smtClean="0"/>
-              <a:t>higher </a:t>
-            </a:r>
-            <a:r>
-              <a:rPr lang="en-SG" dirty="0"/>
-              <a:t>order curves → cubic polynomial conversion leads to loss of precision</a:t>
-            </a:r>
-          </a:p>
-          <a:p>
-            <a:r>
-              <a:rPr lang="en-SG" dirty="0" smtClean="0"/>
-              <a:t>Ongoing </a:t>
-            </a:r>
-            <a:r>
-              <a:rPr lang="en-SG" dirty="0"/>
-              <a:t>effort to define an internationally accepted standard</a:t>
-            </a:r>
-          </a:p>
-        </p:txBody>
-      </p:sp>
-    </p:spTree>
-    <p:extLst>
-      <p:ext uri="{BB962C8B-B14F-4D97-AF65-F5344CB8AC3E}">
-        <p14:creationId xmlns:p14="http://schemas.microsoft.com/office/powerpoint/2010/main" val="2248109593"/>
-      </p:ext>
-    </p:extLst>
-  </p:cSld>
-  <p:clrMapOvr>
-    <a:masterClrMapping/>
-  </p:clrMapOvr>
-</p:sld>
-</file>
-
 <file path=ppt/slides/slide23.xml><?xml version="1.0" encoding="utf-8"?>
 <p:sld xmlns:a="http://schemas.openxmlformats.org/drawingml/2006/main" xmlns:r="http://schemas.openxmlformats.org/officeDocument/2006/relationships" xmlns:p="http://schemas.openxmlformats.org/presentationml/2006/main">
   <p:cSld>
@@ -5641,6 +5472,281 @@
             <p:ph type="title"/>
           </p:nvPr>
         </p:nvSpPr>
+        <p:spPr/>
+        <p:txBody>
+          <a:bodyPr/>
+          <a:lstStyle/>
+          <a:p>
+            <a:r>
+              <a:rPr lang="en-SG" dirty="0"/>
+              <a:t>Data exchange standards</a:t>
+            </a:r>
+          </a:p>
+        </p:txBody>
+      </p:sp>
+      <p:sp>
+        <p:nvSpPr>
+          <p:cNvPr id="3" name="内容占位符 2"/>
+          <p:cNvSpPr>
+            <a:spLocks noGrp="1"/>
+          </p:cNvSpPr>
+          <p:nvPr>
+            <p:ph idx="1"/>
+          </p:nvPr>
+        </p:nvSpPr>
+        <p:spPr/>
+        <p:txBody>
+          <a:bodyPr>
+            <a:normAutofit fontScale="77500" lnSpcReduction="20000"/>
+          </a:bodyPr>
+          <a:lstStyle/>
+          <a:p>
+            <a:r>
+              <a:rPr lang="en-SG" dirty="0" smtClean="0"/>
+              <a:t>There </a:t>
+            </a:r>
+            <a:r>
+              <a:rPr lang="en-SG" dirty="0"/>
+              <a:t>is increasing application of CAD accompanied by a growth in </a:t>
+            </a:r>
+            <a:r>
+              <a:rPr lang="en-SG" dirty="0" smtClean="0"/>
+              <a:t>product </a:t>
+            </a:r>
+            <a:r>
+              <a:rPr lang="en-SG" dirty="0"/>
+              <a:t>variety and the range of companies involved</a:t>
+            </a:r>
+          </a:p>
+          <a:p>
+            <a:pPr lvl="1">
+              <a:buFont typeface="Wingdings" panose="05000000000000000000" pitchFamily="2" charset="2"/>
+              <a:buChar char="§"/>
+            </a:pPr>
+            <a:r>
+              <a:rPr lang="en-SG" dirty="0" smtClean="0"/>
+              <a:t>component </a:t>
+            </a:r>
+            <a:r>
+              <a:rPr lang="en-SG" dirty="0"/>
+              <a:t>suppliers must often match their designs to many variants of </a:t>
+            </a:r>
+            <a:r>
+              <a:rPr lang="en-SG" dirty="0" smtClean="0"/>
+              <a:t>different </a:t>
+            </a:r>
+            <a:r>
+              <a:rPr lang="en-SG" dirty="0"/>
+              <a:t>products</a:t>
+            </a:r>
+          </a:p>
+          <a:p>
+            <a:pPr lvl="1">
+              <a:buFont typeface="Wingdings" panose="05000000000000000000" pitchFamily="2" charset="2"/>
+              <a:buChar char="§"/>
+            </a:pPr>
+            <a:r>
+              <a:rPr lang="en-SG" dirty="0" smtClean="0"/>
+              <a:t>a </a:t>
+            </a:r>
+            <a:r>
+              <a:rPr lang="en-SG" dirty="0"/>
+              <a:t>large amount of component and product data must be exchanged</a:t>
+            </a:r>
+          </a:p>
+          <a:p>
+            <a:pPr lvl="1">
+              <a:buFont typeface="Wingdings" panose="05000000000000000000" pitchFamily="2" charset="2"/>
+              <a:buChar char="§"/>
+            </a:pPr>
+            <a:r>
+              <a:rPr lang="en-SG" dirty="0" smtClean="0"/>
+              <a:t>the </a:t>
+            </a:r>
+            <a:r>
+              <a:rPr lang="en-SG" dirty="0"/>
+              <a:t>simplest way is for both companies to used same CADCAM system </a:t>
+            </a:r>
+            <a:r>
+              <a:rPr lang="en-SG" dirty="0" smtClean="0"/>
+              <a:t>and </a:t>
+            </a:r>
+            <a:r>
+              <a:rPr lang="en-SG" dirty="0"/>
+              <a:t>software revision number</a:t>
+            </a:r>
+          </a:p>
+          <a:p>
+            <a:pPr lvl="1">
+              <a:buFont typeface="Wingdings" panose="05000000000000000000" pitchFamily="2" charset="2"/>
+              <a:buChar char="§"/>
+            </a:pPr>
+            <a:r>
+              <a:rPr lang="en-SG" dirty="0" smtClean="0"/>
+              <a:t>however</a:t>
+            </a:r>
+            <a:r>
+              <a:rPr lang="en-SG" dirty="0"/>
+              <a:t>, it is more equitable for different CADCAM systems to </a:t>
+            </a:r>
+            <a:r>
+              <a:rPr lang="en-SG" dirty="0" smtClean="0"/>
+              <a:t>accurately </a:t>
+            </a:r>
+            <a:r>
+              <a:rPr lang="en-SG" dirty="0"/>
+              <a:t>exchange the same data</a:t>
+            </a:r>
+          </a:p>
+          <a:p>
+            <a:pPr lvl="2"/>
+            <a:r>
+              <a:rPr lang="en-SG" dirty="0" smtClean="0"/>
+              <a:t>too </a:t>
+            </a:r>
+            <a:r>
+              <a:rPr lang="en-SG" dirty="0"/>
+              <a:t>many individual inter-software translator programs would be required</a:t>
+            </a:r>
+          </a:p>
+          <a:p>
+            <a:pPr lvl="2"/>
+            <a:r>
+              <a:rPr lang="en-SG" dirty="0" smtClean="0"/>
+              <a:t>need </a:t>
+            </a:r>
+            <a:r>
+              <a:rPr lang="en-SG" dirty="0"/>
+              <a:t>to convert the data into a neutral file format first</a:t>
+            </a:r>
+          </a:p>
+          <a:p>
+            <a:pPr lvl="2"/>
+            <a:r>
+              <a:rPr lang="en-SG" dirty="0" smtClean="0"/>
+              <a:t>then </a:t>
+            </a:r>
+            <a:r>
+              <a:rPr lang="en-SG" dirty="0"/>
+              <a:t>translate the neutral format into the target system data structure</a:t>
+            </a:r>
+          </a:p>
+          <a:p>
+            <a:r>
+              <a:rPr lang="en-SG" dirty="0" smtClean="0"/>
+              <a:t>However</a:t>
+            </a:r>
+            <a:r>
+              <a:rPr lang="en-SG" dirty="0"/>
+              <a:t>, a neutral file format is not straightforward due to</a:t>
+            </a:r>
+          </a:p>
+          <a:p>
+            <a:pPr lvl="1">
+              <a:buFont typeface="Wingdings" panose="05000000000000000000" pitchFamily="2" charset="2"/>
+              <a:buChar char="§"/>
+            </a:pPr>
+            <a:r>
+              <a:rPr lang="en-SG" dirty="0" smtClean="0"/>
+              <a:t>different </a:t>
+            </a:r>
+            <a:r>
+              <a:rPr lang="en-SG" dirty="0"/>
+              <a:t>international CADCAM methods </a:t>
+            </a:r>
+          </a:p>
+          <a:p>
+            <a:pPr lvl="1">
+              <a:buFont typeface="Wingdings" panose="05000000000000000000" pitchFamily="2" charset="2"/>
+              <a:buChar char="§"/>
+            </a:pPr>
+            <a:r>
+              <a:rPr lang="en-SG" dirty="0" smtClean="0"/>
+              <a:t>different </a:t>
+            </a:r>
+            <a:r>
+              <a:rPr lang="en-SG" dirty="0"/>
+              <a:t>CAD representations:</a:t>
+            </a:r>
+          </a:p>
+          <a:p>
+            <a:pPr lvl="2"/>
+            <a:r>
+              <a:rPr lang="en-SG" dirty="0" smtClean="0"/>
+              <a:t>2D </a:t>
+            </a:r>
+            <a:r>
+              <a:rPr lang="en-SG" dirty="0" err="1"/>
+              <a:t>draughting</a:t>
+            </a:r>
+            <a:r>
+              <a:rPr lang="en-SG" dirty="0"/>
+              <a:t>; wire frame geometry; surface/solid models</a:t>
+            </a:r>
+          </a:p>
+          <a:p>
+            <a:pPr lvl="2"/>
+            <a:r>
+              <a:rPr lang="en-SG" dirty="0" smtClean="0"/>
+              <a:t>higher </a:t>
+            </a:r>
+            <a:r>
+              <a:rPr lang="en-SG" dirty="0"/>
+              <a:t>order curves → cubic polynomial conversion leads to loss of precision</a:t>
+            </a:r>
+          </a:p>
+          <a:p>
+            <a:r>
+              <a:rPr lang="en-SG" dirty="0" smtClean="0"/>
+              <a:t>Ongoing </a:t>
+            </a:r>
+            <a:r>
+              <a:rPr lang="en-SG" dirty="0"/>
+              <a:t>effort to define an internationally accepted standard</a:t>
+            </a:r>
+          </a:p>
+        </p:txBody>
+      </p:sp>
+    </p:spTree>
+    <p:extLst>
+      <p:ext uri="{BB962C8B-B14F-4D97-AF65-F5344CB8AC3E}">
+        <p14:creationId xmlns:p14="http://schemas.microsoft.com/office/powerpoint/2010/main" val="2248109593"/>
+      </p:ext>
+    </p:extLst>
+  </p:cSld>
+  <p:clrMapOvr>
+    <a:masterClrMapping/>
+  </p:clrMapOvr>
+</p:sld>
+</file>
+
+<file path=ppt/slides/slide24.xml><?xml version="1.0" encoding="utf-8"?>
+<p:sld xmlns:a="http://schemas.openxmlformats.org/drawingml/2006/main" xmlns:r="http://schemas.openxmlformats.org/officeDocument/2006/relationships" xmlns:p="http://schemas.openxmlformats.org/presentationml/2006/main">
+  <p:cSld>
+    <p:spTree>
+      <p:nvGrpSpPr>
+        <p:cNvPr id="1" name=""/>
+        <p:cNvGrpSpPr/>
+        <p:nvPr/>
+      </p:nvGrpSpPr>
+      <p:grpSpPr>
+        <a:xfrm>
+          <a:off x="0" y="0"/>
+          <a:ext cx="0" cy="0"/>
+          <a:chOff x="0" y="0"/>
+          <a:chExt cx="0" cy="0"/>
+        </a:xfrm>
+      </p:grpSpPr>
+      <p:sp>
+        <p:nvSpPr>
+          <p:cNvPr id="2" name="标题 1"/>
+          <p:cNvSpPr>
+            <a:spLocks noGrp="1"/>
+          </p:cNvSpPr>
+          <p:nvPr>
+            <p:ph type="title"/>
+          </p:nvPr>
+        </p:nvSpPr>
         <p:spPr>
           <a:xfrm>
             <a:off x="838199" y="365125"/>
@@ -5875,7 +5981,7 @@
 </p:sld>
 </file>
 
-<file path=ppt/slides/slide24.xml><?xml version="1.0" encoding="utf-8"?>
+<file path=ppt/slides/slide25.xml><?xml version="1.0" encoding="utf-8"?>
 <p:sld xmlns:a="http://schemas.openxmlformats.org/drawingml/2006/main" xmlns:r="http://schemas.openxmlformats.org/officeDocument/2006/relationships" xmlns:p="http://schemas.openxmlformats.org/presentationml/2006/main">
   <p:cSld>
     <p:spTree>
@@ -6162,7 +6268,7 @@
 </p:sld>
 </file>
 
-<file path=ppt/slides/slide25.xml><?xml version="1.0" encoding="utf-8"?>
+<file path=ppt/slides/slide26.xml><?xml version="1.0" encoding="utf-8"?>
 <p:sld xmlns:a="http://schemas.openxmlformats.org/drawingml/2006/main" xmlns:r="http://schemas.openxmlformats.org/officeDocument/2006/relationships" xmlns:p="http://schemas.openxmlformats.org/presentationml/2006/main">
   <p:cSld>
     <p:spTree>
@@ -6693,7 +6799,7 @@
 </p:sld>
 </file>
 
-<file path=ppt/slides/slide26.xml><?xml version="1.0" encoding="utf-8"?>
+<file path=ppt/slides/slide27.xml><?xml version="1.0" encoding="utf-8"?>
 <p:sld xmlns:a="http://schemas.openxmlformats.org/drawingml/2006/main" xmlns:r="http://schemas.openxmlformats.org/officeDocument/2006/relationships" xmlns:p="http://schemas.openxmlformats.org/presentationml/2006/main">
   <p:cSld>
     <p:spTree>
@@ -7010,7 +7116,7 @@
 </p:sld>
 </file>
 
-<file path=ppt/slides/slide27.xml><?xml version="1.0" encoding="utf-8"?>
+<file path=ppt/slides/slide28.xml><?xml version="1.0" encoding="utf-8"?>
 <p:sld xmlns:a="http://schemas.openxmlformats.org/drawingml/2006/main" xmlns:r="http://schemas.openxmlformats.org/officeDocument/2006/relationships" xmlns:p="http://schemas.openxmlformats.org/presentationml/2006/main">
   <p:cSld>
     <p:spTree>
@@ -7243,7 +7349,7 @@
 </p:sld>
 </file>
 
-<file path=ppt/slides/slide28.xml><?xml version="1.0" encoding="utf-8"?>
+<file path=ppt/slides/slide29.xml><?xml version="1.0" encoding="utf-8"?>
 <p:sld xmlns:a="http://schemas.openxmlformats.org/drawingml/2006/main" xmlns:r="http://schemas.openxmlformats.org/officeDocument/2006/relationships" xmlns:p="http://schemas.openxmlformats.org/presentationml/2006/main">
   <p:cSld>
     <p:spTree>
@@ -7500,254 +7606,6 @@
     <p:extLst>
       <p:ext uri="{BB962C8B-B14F-4D97-AF65-F5344CB8AC3E}">
         <p14:creationId xmlns:p14="http://schemas.microsoft.com/office/powerpoint/2010/main" val="1270553017"/>
-      </p:ext>
-    </p:extLst>
-  </p:cSld>
-  <p:clrMapOvr>
-    <a:masterClrMapping/>
-  </p:clrMapOvr>
-</p:sld>
-</file>
-
-<file path=ppt/slides/slide29.xml><?xml version="1.0" encoding="utf-8"?>
-<p:sld xmlns:a="http://schemas.openxmlformats.org/drawingml/2006/main" xmlns:r="http://schemas.openxmlformats.org/officeDocument/2006/relationships" xmlns:p="http://schemas.openxmlformats.org/presentationml/2006/main">
-  <p:cSld>
-    <p:spTree>
-      <p:nvGrpSpPr>
-        <p:cNvPr id="1" name=""/>
-        <p:cNvGrpSpPr/>
-        <p:nvPr/>
-      </p:nvGrpSpPr>
-      <p:grpSpPr>
-        <a:xfrm>
-          <a:off x="0" y="0"/>
-          <a:ext cx="0" cy="0"/>
-          <a:chOff x="0" y="0"/>
-          <a:chExt cx="0" cy="0"/>
-        </a:xfrm>
-      </p:grpSpPr>
-      <p:sp>
-        <p:nvSpPr>
-          <p:cNvPr id="2" name="标题 1"/>
-          <p:cNvSpPr>
-            <a:spLocks noGrp="1"/>
-          </p:cNvSpPr>
-          <p:nvPr>
-            <p:ph type="title"/>
-          </p:nvPr>
-        </p:nvSpPr>
-        <p:spPr/>
-        <p:txBody>
-          <a:bodyPr/>
-          <a:lstStyle/>
-          <a:p>
-            <a:r>
-              <a:rPr lang="en-SG" dirty="0"/>
-              <a:t>STEP standard</a:t>
-            </a:r>
-          </a:p>
-        </p:txBody>
-      </p:sp>
-      <p:sp>
-        <p:nvSpPr>
-          <p:cNvPr id="3" name="内容占位符 2"/>
-          <p:cNvSpPr>
-            <a:spLocks noGrp="1"/>
-          </p:cNvSpPr>
-          <p:nvPr>
-            <p:ph idx="1"/>
-          </p:nvPr>
-        </p:nvSpPr>
-        <p:spPr>
-          <a:xfrm>
-            <a:off x="655607" y="1526874"/>
-            <a:ext cx="10843403" cy="4908431"/>
-          </a:xfrm>
-        </p:spPr>
-        <p:txBody>
-          <a:bodyPr>
-            <a:normAutofit fontScale="77500" lnSpcReduction="20000"/>
-          </a:bodyPr>
-          <a:lstStyle/>
-          <a:p>
-            <a:pPr marL="0" indent="0">
-              <a:buNone/>
-            </a:pPr>
-            <a:r>
-              <a:rPr lang="en-SG" dirty="0"/>
-              <a:t> STEP is being developed incrementally as a series of </a:t>
-            </a:r>
-            <a:r>
-              <a:rPr lang="en-SG" dirty="0" smtClean="0"/>
-              <a:t>separate </a:t>
-            </a:r>
-            <a:r>
-              <a:rPr lang="en-SG" dirty="0"/>
-              <a:t>standards (parts) divided into classes:</a:t>
-            </a:r>
-          </a:p>
-          <a:p>
-            <a:pPr marL="457200" lvl="1" indent="0">
-              <a:buNone/>
-            </a:pPr>
-            <a:r>
-              <a:rPr lang="en-SG" dirty="0"/>
-              <a:t>– Introductory (1-9)</a:t>
-            </a:r>
-          </a:p>
-          <a:p>
-            <a:pPr marL="914400" lvl="2" indent="0">
-              <a:buNone/>
-            </a:pPr>
-            <a:r>
-              <a:rPr lang="en-SG" dirty="0"/>
-              <a:t>• Part 1: Overview and general Principles</a:t>
-            </a:r>
-          </a:p>
-          <a:p>
-            <a:pPr marL="457200" lvl="1" indent="0">
-              <a:buNone/>
-            </a:pPr>
-            <a:r>
-              <a:rPr lang="en-SG" dirty="0"/>
-              <a:t>– Description Methods (11-19)</a:t>
-            </a:r>
-          </a:p>
-          <a:p>
-            <a:pPr marL="914400" lvl="2" indent="0">
-              <a:buNone/>
-            </a:pPr>
-            <a:r>
-              <a:rPr lang="en-SG" dirty="0"/>
-              <a:t>• Parts 11, 12: EXPRESS language</a:t>
-            </a:r>
-          </a:p>
-          <a:p>
-            <a:pPr marL="457200" lvl="1" indent="0">
-              <a:buNone/>
-            </a:pPr>
-            <a:r>
-              <a:rPr lang="en-SG" dirty="0"/>
-              <a:t>– Implementation Methods (21-29)</a:t>
-            </a:r>
-          </a:p>
-          <a:p>
-            <a:pPr marL="914400" lvl="2" indent="0">
-              <a:buNone/>
-            </a:pPr>
-            <a:r>
-              <a:rPr lang="en-SG" dirty="0"/>
-              <a:t>• describe how EXPRESS mapped to physical files and other storage mechanisms</a:t>
-            </a:r>
-          </a:p>
-          <a:p>
-            <a:pPr marL="457200" lvl="1" indent="0">
-              <a:buNone/>
-            </a:pPr>
-            <a:r>
-              <a:rPr lang="en-SG" dirty="0"/>
-              <a:t>– Conformance Testing Methodology and Framework (31-39)</a:t>
-            </a:r>
-          </a:p>
-          <a:p>
-            <a:pPr marL="914400" lvl="2" indent="0">
-              <a:buNone/>
-            </a:pPr>
-            <a:r>
-              <a:rPr lang="en-SG" dirty="0"/>
-              <a:t>• provide methods for testing implementations, and test suites</a:t>
-            </a:r>
-          </a:p>
-          <a:p>
-            <a:pPr marL="457200" lvl="1" indent="0">
-              <a:buNone/>
-            </a:pPr>
-            <a:r>
-              <a:rPr lang="en-SG" dirty="0"/>
-              <a:t>– Integrated Resources (41-99, 101-199)</a:t>
-            </a:r>
-          </a:p>
-          <a:p>
-            <a:pPr marL="914400" lvl="2" indent="0">
-              <a:buNone/>
-            </a:pPr>
-            <a:r>
-              <a:rPr lang="en-SG" dirty="0"/>
-              <a:t>• geometry and structure representation (41-99), and widely used applications such as </a:t>
-            </a:r>
-            <a:r>
-              <a:rPr lang="en-SG" dirty="0" err="1" smtClean="0"/>
-              <a:t>draughting</a:t>
-            </a:r>
-            <a:r>
-              <a:rPr lang="en-SG" dirty="0" smtClean="0"/>
-              <a:t> </a:t>
-            </a:r>
-            <a:r>
-              <a:rPr lang="en-SG" dirty="0"/>
-              <a:t>and FE (101-199)</a:t>
-            </a:r>
-          </a:p>
-          <a:p>
-            <a:pPr marL="457200" lvl="1" indent="0">
-              <a:buNone/>
-            </a:pPr>
-            <a:r>
-              <a:rPr lang="en-SG" dirty="0"/>
-              <a:t>– Application Protocols (210-299)</a:t>
-            </a:r>
-          </a:p>
-          <a:p>
-            <a:pPr marL="914400" lvl="2" indent="0">
-              <a:buNone/>
-            </a:pPr>
-            <a:r>
-              <a:rPr lang="en-SG" dirty="0"/>
-              <a:t>• implementation of STEP to specific industrial applications</a:t>
-            </a:r>
-          </a:p>
-          <a:p>
-            <a:pPr marL="457200" lvl="1" indent="0">
-              <a:buNone/>
-            </a:pPr>
-            <a:r>
-              <a:rPr lang="en-SG" dirty="0"/>
-              <a:t>– Abstract Test Suites (301-399)</a:t>
-            </a:r>
-          </a:p>
-          <a:p>
-            <a:pPr marL="914400" lvl="2" indent="0">
-              <a:buNone/>
-            </a:pPr>
-            <a:r>
-              <a:rPr lang="en-SG" dirty="0"/>
-              <a:t>• for each of the application protocols</a:t>
-            </a:r>
-          </a:p>
-          <a:p>
-            <a:pPr marL="457200" lvl="1" indent="0">
-              <a:buNone/>
-            </a:pPr>
-            <a:r>
-              <a:rPr lang="en-SG" dirty="0"/>
-              <a:t>– Application Interpreted Constructs (501-?)</a:t>
-            </a:r>
-          </a:p>
-          <a:p>
-            <a:pPr marL="914400" lvl="2" indent="0">
-              <a:buNone/>
-            </a:pPr>
-            <a:r>
-              <a:rPr lang="en-SG" dirty="0"/>
-              <a:t>• describe model entity constructs and specific modelling approaches</a:t>
-            </a:r>
-          </a:p>
-        </p:txBody>
-      </p:sp>
-    </p:spTree>
-    <p:extLst>
-      <p:ext uri="{BB962C8B-B14F-4D97-AF65-F5344CB8AC3E}">
-        <p14:creationId xmlns:p14="http://schemas.microsoft.com/office/powerpoint/2010/main" val="3768668072"/>
       </p:ext>
     </p:extLst>
   </p:cSld>
@@ -7876,10 +7734,9 @@
           <a:lstStyle/>
           <a:p>
             <a:r>
-              <a:rPr lang="en-SG" dirty="0" smtClean="0"/>
-              <a:t>STEP</a:t>
-            </a:r>
-            <a:endParaRPr lang="en-SG" dirty="0"/>
+              <a:rPr lang="en-SG" dirty="0"/>
+              <a:t>STEP standard</a:t>
+            </a:r>
           </a:p>
         </p:txBody>
       </p:sp>
@@ -7893,66 +7750,188 @@
             <p:ph idx="1"/>
           </p:nvPr>
         </p:nvSpPr>
-        <p:spPr/>
-        <p:txBody>
-          <a:bodyPr/>
-          <a:lstStyle/>
-          <a:p>
-            <a:r>
-              <a:rPr lang="en-SG" dirty="0">
-                <a:solidFill>
-                  <a:srgbClr val="FF0000"/>
-                </a:solidFill>
-              </a:rPr>
-              <a:t>Standard for the Exchange of Product Model Data ( STEP), officially the ISO standard 10303, Product Data </a:t>
-            </a:r>
-            <a:r>
-              <a:rPr lang="en-SG" dirty="0" smtClean="0">
-                <a:solidFill>
-                  <a:srgbClr val="FF0000"/>
-                </a:solidFill>
-              </a:rPr>
-              <a:t>Representation </a:t>
-            </a:r>
-            <a:r>
-              <a:rPr lang="en-SG" dirty="0">
-                <a:solidFill>
-                  <a:srgbClr val="FF0000"/>
-                </a:solidFill>
-              </a:rPr>
-              <a:t>and Exchange, is a series of international standards with the goal of defining data across the </a:t>
-            </a:r>
-            <a:r>
-              <a:rPr lang="en-SG" dirty="0" smtClean="0">
-                <a:solidFill>
-                  <a:srgbClr val="FF0000"/>
-                </a:solidFill>
-              </a:rPr>
-              <a:t>full </a:t>
-            </a:r>
-            <a:r>
-              <a:rPr lang="en-SG" dirty="0">
-                <a:solidFill>
-                  <a:srgbClr val="FF0000"/>
-                </a:solidFill>
-              </a:rPr>
-              <a:t>engineering and manufacturing life cycle. The ability to share data across applications, across vendor </a:t>
-            </a:r>
-            <a:r>
-              <a:rPr lang="en-SG" dirty="0" smtClean="0">
-                <a:solidFill>
-                  <a:srgbClr val="FF0000"/>
-                </a:solidFill>
-              </a:rPr>
-              <a:t>platforms </a:t>
-            </a:r>
-            <a:r>
-              <a:rPr lang="en-SG" dirty="0">
-                <a:solidFill>
-                  <a:srgbClr val="FF0000"/>
-                </a:solidFill>
-              </a:rPr>
-              <a:t>and between contractors, suppliers and customers, is the main goal of this standard.</a:t>
+        <p:spPr>
+          <a:xfrm>
+            <a:off x="655607" y="1526874"/>
+            <a:ext cx="10843403" cy="4908431"/>
+          </a:xfrm>
+        </p:spPr>
+        <p:txBody>
+          <a:bodyPr>
+            <a:normAutofit fontScale="77500" lnSpcReduction="20000"/>
+          </a:bodyPr>
+          <a:lstStyle/>
+          <a:p>
+            <a:pPr marL="0" indent="0">
+              <a:buNone/>
+            </a:pPr>
+            <a:r>
+              <a:rPr lang="en-SG" dirty="0"/>
+              <a:t> STEP is being developed incrementally as a series of </a:t>
+            </a:r>
+            <a:r>
+              <a:rPr lang="en-SG" dirty="0" smtClean="0"/>
+              <a:t>separate </a:t>
+            </a:r>
+            <a:r>
+              <a:rPr lang="en-SG" dirty="0"/>
+              <a:t>standards (parts) divided into classes:</a:t>
+            </a:r>
+          </a:p>
+          <a:p>
+            <a:pPr marL="457200" lvl="1" indent="0">
+              <a:buNone/>
+            </a:pPr>
+            <a:r>
+              <a:rPr lang="en-SG" dirty="0"/>
+              <a:t>– Introductory (1-9)</a:t>
+            </a:r>
+          </a:p>
+          <a:p>
+            <a:pPr marL="914400" lvl="2" indent="0">
+              <a:buNone/>
+            </a:pPr>
+            <a:r>
+              <a:rPr lang="en-SG" dirty="0"/>
+              <a:t>• Part 1: Overview and general Principles</a:t>
+            </a:r>
+          </a:p>
+          <a:p>
+            <a:pPr marL="457200" lvl="1" indent="0">
+              <a:buNone/>
+            </a:pPr>
+            <a:r>
+              <a:rPr lang="en-SG" dirty="0"/>
+              <a:t>– Description Methods (11-19)</a:t>
+            </a:r>
+          </a:p>
+          <a:p>
+            <a:pPr marL="914400" lvl="2" indent="0">
+              <a:buNone/>
+            </a:pPr>
+            <a:r>
+              <a:rPr lang="en-SG" dirty="0"/>
+              <a:t>• Parts 11, 12: EXPRESS language</a:t>
+            </a:r>
+          </a:p>
+          <a:p>
+            <a:pPr marL="457200" lvl="1" indent="0">
+              <a:buNone/>
+            </a:pPr>
+            <a:r>
+              <a:rPr lang="en-SG" dirty="0"/>
+              <a:t>– Implementation Methods (21-29)</a:t>
+            </a:r>
+          </a:p>
+          <a:p>
+            <a:pPr marL="914400" lvl="2" indent="0">
+              <a:buNone/>
+            </a:pPr>
+            <a:r>
+              <a:rPr lang="en-SG" dirty="0"/>
+              <a:t>• describe how EXPRESS mapped to physical files and other storage mechanisms</a:t>
+            </a:r>
+          </a:p>
+          <a:p>
+            <a:pPr marL="457200" lvl="1" indent="0">
+              <a:buNone/>
+            </a:pPr>
+            <a:r>
+              <a:rPr lang="en-SG" dirty="0"/>
+              <a:t>– Conformance Testing Methodology and Framework (31-39)</a:t>
+            </a:r>
+          </a:p>
+          <a:p>
+            <a:pPr marL="914400" lvl="2" indent="0">
+              <a:buNone/>
+            </a:pPr>
+            <a:r>
+              <a:rPr lang="en-SG" dirty="0"/>
+              <a:t>• provide methods for testing implementations, and test suites</a:t>
+            </a:r>
+          </a:p>
+          <a:p>
+            <a:pPr marL="457200" lvl="1" indent="0">
+              <a:buNone/>
+            </a:pPr>
+            <a:r>
+              <a:rPr lang="en-SG" dirty="0"/>
+              <a:t>– Integrated Resources (41-99, 101-199)</a:t>
+            </a:r>
+          </a:p>
+          <a:p>
+            <a:pPr marL="914400" lvl="2" indent="0">
+              <a:buNone/>
+            </a:pPr>
+            <a:r>
+              <a:rPr lang="en-SG" dirty="0"/>
+              <a:t>• geometry and structure representation (41-99), and widely used applications such as </a:t>
+            </a:r>
+            <a:r>
+              <a:rPr lang="en-SG" dirty="0" err="1" smtClean="0"/>
+              <a:t>draughting</a:t>
+            </a:r>
+            <a:r>
+              <a:rPr lang="en-SG" dirty="0" smtClean="0"/>
+              <a:t> </a:t>
+            </a:r>
+            <a:r>
+              <a:rPr lang="en-SG" dirty="0"/>
+              <a:t>and FE (101-199)</a:t>
+            </a:r>
+          </a:p>
+          <a:p>
+            <a:pPr marL="457200" lvl="1" indent="0">
+              <a:buNone/>
+            </a:pPr>
+            <a:r>
+              <a:rPr lang="en-SG" dirty="0"/>
+              <a:t>– Application Protocols (210-299)</a:t>
+            </a:r>
+          </a:p>
+          <a:p>
+            <a:pPr marL="914400" lvl="2" indent="0">
+              <a:buNone/>
+            </a:pPr>
+            <a:r>
+              <a:rPr lang="en-SG" dirty="0"/>
+              <a:t>• implementation of STEP to specific industrial applications</a:t>
+            </a:r>
+          </a:p>
+          <a:p>
+            <a:pPr marL="457200" lvl="1" indent="0">
+              <a:buNone/>
+            </a:pPr>
+            <a:r>
+              <a:rPr lang="en-SG" dirty="0"/>
+              <a:t>– Abstract Test Suites (301-399)</a:t>
+            </a:r>
+          </a:p>
+          <a:p>
+            <a:pPr marL="914400" lvl="2" indent="0">
+              <a:buNone/>
+            </a:pPr>
+            <a:r>
+              <a:rPr lang="en-SG" dirty="0"/>
+              <a:t>• for each of the application protocols</a:t>
+            </a:r>
+          </a:p>
+          <a:p>
+            <a:pPr marL="457200" lvl="1" indent="0">
+              <a:buNone/>
+            </a:pPr>
+            <a:r>
+              <a:rPr lang="en-SG" dirty="0"/>
+              <a:t>– Application Interpreted Constructs (501-?)</a:t>
+            </a:r>
+          </a:p>
+          <a:p>
+            <a:pPr marL="914400" lvl="2" indent="0">
+              <a:buNone/>
+            </a:pPr>
+            <a:r>
+              <a:rPr lang="en-SG" dirty="0"/>
+              <a:t>• describe model entity constructs and specific modelling approaches</a:t>
             </a:r>
           </a:p>
         </p:txBody>
@@ -7960,7 +7939,7 @@
     </p:spTree>
     <p:extLst>
       <p:ext uri="{BB962C8B-B14F-4D97-AF65-F5344CB8AC3E}">
-        <p14:creationId xmlns:p14="http://schemas.microsoft.com/office/powerpoint/2010/main" val="3170181842"/>
+        <p14:creationId xmlns:p14="http://schemas.microsoft.com/office/powerpoint/2010/main" val="3768668072"/>
       </p:ext>
     </p:extLst>
   </p:cSld>
@@ -8025,55 +8004,61 @@
           <a:bodyPr/>
           <a:lstStyle/>
           <a:p>
-            <a:pPr marL="0" indent="0">
-              <a:buNone/>
-            </a:pPr>
-            <a:r>
-              <a:rPr lang="en-SG" dirty="0"/>
-              <a:t>The broad scope of STEP is as follows.</a:t>
-            </a:r>
-          </a:p>
-          <a:p>
-            <a:pPr marL="0" indent="0">
-              <a:buNone/>
-            </a:pPr>
-            <a:r>
-              <a:rPr lang="en-SG" dirty="0"/>
-              <a:t>  1.  The standard method of representing the information necessary for completely defining a product </a:t>
-            </a:r>
-            <a:r>
-              <a:rPr lang="en-SG" dirty="0" smtClean="0"/>
-              <a:t>throughout </a:t>
-            </a:r>
-            <a:r>
-              <a:rPr lang="en-SG" dirty="0"/>
-              <a:t>its entire life, i.e., from the product conception to the end of useful life.</a:t>
-            </a:r>
-          </a:p>
-          <a:p>
-            <a:pPr marL="0" indent="0">
-              <a:buNone/>
-            </a:pPr>
-            <a:r>
-              <a:rPr lang="en-SG" dirty="0"/>
-              <a:t>  2.  Standard methods for exchanging the data electronically between two different </a:t>
-            </a:r>
-            <a:r>
-              <a:rPr lang="en-SG" dirty="0" smtClean="0"/>
-              <a:t>systems.</a:t>
-            </a:r>
-          </a:p>
-          <a:p>
-            <a:pPr marL="0" indent="0">
-              <a:buNone/>
-            </a:pPr>
-            <a:r>
-              <a:rPr lang="en-SG" dirty="0" smtClean="0"/>
-              <a:t>The </a:t>
-            </a:r>
-            <a:r>
-              <a:rPr lang="en-SG" dirty="0"/>
-              <a:t>STEP documentation is split into eight major areas.</a:t>
+            <a:r>
+              <a:rPr lang="en-SG" dirty="0">
+                <a:solidFill>
+                  <a:srgbClr val="FF0000"/>
+                </a:solidFill>
+              </a:rPr>
+              <a:t>Standard for the Exchange of Product Model Data ( STEP), officially the ISO standard 10303, Product Data </a:t>
+            </a:r>
+            <a:r>
+              <a:rPr lang="en-SG" dirty="0" smtClean="0">
+                <a:solidFill>
+                  <a:srgbClr val="FF0000"/>
+                </a:solidFill>
+              </a:rPr>
+              <a:t>Representation </a:t>
+            </a:r>
+            <a:r>
+              <a:rPr lang="en-SG" dirty="0">
+                <a:solidFill>
+                  <a:srgbClr val="FF0000"/>
+                </a:solidFill>
+              </a:rPr>
+              <a:t>and Exchange, is a series of international standards with the goal of defining data across the </a:t>
+            </a:r>
+            <a:r>
+              <a:rPr lang="en-SG" dirty="0" smtClean="0">
+                <a:solidFill>
+                  <a:srgbClr val="FF0000"/>
+                </a:solidFill>
+              </a:rPr>
+              <a:t>full </a:t>
+            </a:r>
+            <a:r>
+              <a:rPr lang="en-SG" dirty="0">
+                <a:solidFill>
+                  <a:srgbClr val="FF0000"/>
+                </a:solidFill>
+              </a:rPr>
+              <a:t>engineering and manufacturing life cycle. The ability to share data across applications, across vendor </a:t>
+            </a:r>
+            <a:r>
+              <a:rPr lang="en-SG" dirty="0" smtClean="0">
+                <a:solidFill>
+                  <a:srgbClr val="FF0000"/>
+                </a:solidFill>
+              </a:rPr>
+              <a:t>platforms </a:t>
+            </a:r>
+            <a:r>
+              <a:rPr lang="en-SG" dirty="0">
+                <a:solidFill>
+                  <a:srgbClr val="FF0000"/>
+                </a:solidFill>
+              </a:rPr>
+              <a:t>and between contractors, suppliers and customers, is the main goal of this standard.</a:t>
             </a:r>
           </a:p>
         </p:txBody>
@@ -8081,7 +8066,7 @@
     </p:spTree>
     <p:extLst>
       <p:ext uri="{BB962C8B-B14F-4D97-AF65-F5344CB8AC3E}">
-        <p14:creationId xmlns:p14="http://schemas.microsoft.com/office/powerpoint/2010/main" val="3981173589"/>
+        <p14:creationId xmlns:p14="http://schemas.microsoft.com/office/powerpoint/2010/main" val="3170181842"/>
       </p:ext>
     </p:extLst>
   </p:cSld>
@@ -8124,9 +8109,10 @@
           <a:lstStyle/>
           <a:p>
             <a:r>
-              <a:rPr lang="en-SG" dirty="0"/>
-              <a:t>The STEP documentation is split into eight major areas.</a:t>
-            </a:r>
+              <a:rPr lang="en-SG" dirty="0" smtClean="0"/>
+              <a:t>STEP</a:t>
+            </a:r>
+            <a:endParaRPr lang="en-SG" dirty="0"/>
           </a:p>
         </p:txBody>
       </p:sp>
@@ -8142,82 +8128,58 @@
         </p:nvSpPr>
         <p:spPr/>
         <p:txBody>
-          <a:bodyPr>
-            <a:normAutofit/>
-          </a:bodyPr>
-          <a:lstStyle/>
-          <a:p>
-            <a:pPr marL="514350" indent="-514350">
-              <a:buFont typeface="+mj-lt"/>
-              <a:buAutoNum type="arabicPeriod"/>
+          <a:bodyPr/>
+          <a:lstStyle/>
+          <a:p>
+            <a:pPr marL="0" indent="0">
+              <a:buNone/>
             </a:pPr>
             <a:r>
-              <a:rPr lang="en-SG" dirty="0" smtClean="0"/>
-              <a:t>Overview  </a:t>
-            </a:r>
-            <a:r>
-              <a:rPr lang="en-SG" dirty="0"/>
-              <a:t>It gives the general introduction and overview of the standard and forms part one of the ISO </a:t>
-            </a:r>
-            <a:r>
-              <a:rPr lang="en-SG" dirty="0" smtClean="0"/>
-              <a:t>standard </a:t>
-            </a:r>
-            <a:r>
-              <a:rPr lang="en-SG" dirty="0"/>
-              <a:t>10303.</a:t>
-            </a:r>
-          </a:p>
-          <a:p>
-            <a:pPr marL="514350" indent="-514350">
-              <a:buFont typeface="+mj-lt"/>
-              <a:buAutoNum type="arabicPeriod"/>
+              <a:rPr lang="en-SG" dirty="0"/>
+              <a:t>The broad scope of STEP is as follows.</a:t>
+            </a:r>
+          </a:p>
+          <a:p>
+            <a:pPr marL="0" indent="0">
+              <a:buNone/>
             </a:pPr>
             <a:r>
               <a:rPr lang="en-SG" dirty="0"/>
-              <a:t>Description  Methods  The  application  protocols  planned  in  STEP  are  far  reaching  compared  to  any </a:t>
-            </a:r>
-            <a:r>
-              <a:rPr lang="en-SG" dirty="0" smtClean="0"/>
-              <a:t>other  </a:t>
-            </a:r>
-            <a:r>
-              <a:rPr lang="en-SG" dirty="0"/>
-              <a:t>existing  standard  or  models.  Hence,  a  new  descriptive  formal  information  modelling  language </a:t>
-            </a:r>
-            <a:r>
-              <a:rPr lang="en-SG" dirty="0" smtClean="0"/>
-              <a:t>called   </a:t>
-            </a:r>
-            <a:r>
-              <a:rPr lang="en-SG" dirty="0"/>
-              <a:t>EXPRESS  is  developed  such  that  the  protocols  be  properly  </a:t>
-            </a:r>
-            <a:r>
-              <a:rPr lang="en-SG" dirty="0" smtClean="0"/>
-              <a:t>defined</a:t>
-            </a:r>
-          </a:p>
-          <a:p>
-            <a:pPr marL="514350" indent="-514350">
-              <a:buFont typeface="+mj-lt"/>
-              <a:buAutoNum type="arabicPeriod"/>
+              <a:t>  1.  The standard method of representing the information necessary for completely defining a product </a:t>
+            </a:r>
+            <a:r>
+              <a:rPr lang="en-SG" dirty="0" smtClean="0"/>
+              <a:t>throughout </a:t>
+            </a:r>
+            <a:r>
+              <a:rPr lang="en-SG" dirty="0"/>
+              <a:t>its entire life, i.e., from the product conception to the end of useful life.</a:t>
+            </a:r>
+          </a:p>
+          <a:p>
+            <a:pPr marL="0" indent="0">
+              <a:buNone/>
             </a:pPr>
             <a:r>
-              <a:rPr lang="en-SG" dirty="0" smtClean="0"/>
-              <a:t>Implementation  </a:t>
-            </a:r>
-            <a:r>
-              <a:rPr lang="en-SG" dirty="0"/>
-              <a:t>Methods  This  provides  specifications  as  to  how  the  STEP  information  be  physically </a:t>
-            </a:r>
-            <a:r>
-              <a:rPr lang="en-SG" dirty="0" smtClean="0"/>
-              <a:t>represented </a:t>
-            </a:r>
-            <a:r>
-              <a:rPr lang="en-SG" dirty="0"/>
-              <a:t>for the exchange environment. </a:t>
+              <a:rPr lang="en-SG" dirty="0"/>
+              <a:t>  2.  Standard methods for exchanging the data electronically between two different </a:t>
+            </a:r>
+            <a:r>
+              <a:rPr lang="en-SG" dirty="0" smtClean="0"/>
+              <a:t>systems.</a:t>
+            </a:r>
+          </a:p>
+          <a:p>
+            <a:pPr marL="0" indent="0">
+              <a:buNone/>
+            </a:pPr>
+            <a:r>
+              <a:rPr lang="en-SG" dirty="0" smtClean="0"/>
+              <a:t>The </a:t>
+            </a:r>
+            <a:r>
+              <a:rPr lang="en-SG" dirty="0"/>
+              <a:t>STEP documentation is split into eight major areas.</a:t>
             </a:r>
           </a:p>
         </p:txBody>
@@ -8225,7 +8187,7 @@
     </p:spTree>
     <p:extLst>
       <p:ext uri="{BB962C8B-B14F-4D97-AF65-F5344CB8AC3E}">
-        <p14:creationId xmlns:p14="http://schemas.microsoft.com/office/powerpoint/2010/main" val="750815864"/>
+        <p14:creationId xmlns:p14="http://schemas.microsoft.com/office/powerpoint/2010/main" val="3981173589"/>
       </p:ext>
     </p:extLst>
   </p:cSld>
@@ -8254,6 +8216,28 @@
       </p:grpSpPr>
       <p:sp>
         <p:nvSpPr>
+          <p:cNvPr id="2" name="标题 1"/>
+          <p:cNvSpPr>
+            <a:spLocks noGrp="1"/>
+          </p:cNvSpPr>
+          <p:nvPr>
+            <p:ph type="title"/>
+          </p:nvPr>
+        </p:nvSpPr>
+        <p:spPr/>
+        <p:txBody>
+          <a:bodyPr/>
+          <a:lstStyle/>
+          <a:p>
+            <a:r>
+              <a:rPr lang="en-SG" dirty="0"/>
+              <a:t>The STEP documentation is split into eight major areas.</a:t>
+            </a:r>
+          </a:p>
+        </p:txBody>
+      </p:sp>
+      <p:sp>
+        <p:nvSpPr>
           <p:cNvPr id="3" name="内容占位符 2"/>
           <p:cNvSpPr>
             <a:spLocks noGrp="1"/>
@@ -8262,12 +8246,7 @@
             <p:ph idx="1"/>
           </p:nvPr>
         </p:nvSpPr>
-        <p:spPr>
-          <a:xfrm>
-            <a:off x="838200" y="629392"/>
-            <a:ext cx="10515600" cy="5547571"/>
-          </a:xfrm>
-        </p:spPr>
+        <p:spPr/>
         <p:txBody>
           <a:bodyPr>
             <a:normAutofit/>
@@ -8276,85 +8255,75 @@
           <a:p>
             <a:pPr marL="514350" indent="-514350">
               <a:buFont typeface="+mj-lt"/>
-              <a:buAutoNum type="arabicPeriod" startAt="4"/>
+              <a:buAutoNum type="arabicPeriod"/>
             </a:pPr>
             <a:r>
-              <a:rPr lang="en-SG" b="1" dirty="0"/>
-              <a:t>Conformance and Tools  </a:t>
-            </a:r>
-            <a:r>
-              <a:rPr lang="en-SG" dirty="0"/>
-              <a:t>This part provides the specifications for conformance testing of the processors used </a:t>
-            </a:r>
-            <a:r>
-              <a:rPr lang="en-SG" dirty="0" smtClean="0"/>
-              <a:t>for </a:t>
-            </a:r>
-            <a:r>
-              <a:rPr lang="en-SG" dirty="0"/>
-              <a:t>STEP information. They provide information on methods for testing of software-product conformance to </a:t>
-            </a:r>
-            <a:r>
-              <a:rPr lang="en-SG" dirty="0" smtClean="0"/>
-              <a:t>the </a:t>
-            </a:r>
-            <a:r>
-              <a:rPr lang="en-SG" dirty="0"/>
-              <a:t>STEP standard, guidance for creating abstract-test suites and the responsibilities of testing laboratories. </a:t>
-            </a:r>
-            <a:r>
-              <a:rPr lang="en-SG" dirty="0" smtClean="0"/>
-              <a:t>The </a:t>
-            </a:r>
-            <a:r>
-              <a:rPr lang="en-SG" dirty="0"/>
-              <a:t>STEP standard is unique in that it places a very high emphasis on </a:t>
-            </a:r>
-            <a:r>
-              <a:rPr lang="en-SG" dirty="0" smtClean="0"/>
-              <a:t>testing </a:t>
-            </a:r>
-            <a:r>
-              <a:rPr lang="en-SG" dirty="0"/>
-              <a:t>and actually includes these methods in the standard.</a:t>
+              <a:rPr lang="en-SG" dirty="0" smtClean="0"/>
+              <a:t>Overview  </a:t>
+            </a:r>
+            <a:r>
+              <a:rPr lang="en-SG" dirty="0"/>
+              <a:t>It gives the general introduction and overview of the standard and forms part one of the ISO </a:t>
+            </a:r>
+            <a:r>
+              <a:rPr lang="en-SG" dirty="0" smtClean="0"/>
+              <a:t>standard </a:t>
+            </a:r>
+            <a:r>
+              <a:rPr lang="en-SG" dirty="0"/>
+              <a:t>10303.</a:t>
             </a:r>
           </a:p>
           <a:p>
             <a:pPr marL="514350" indent="-514350">
               <a:buFont typeface="+mj-lt"/>
-              <a:buAutoNum type="arabicPeriod" startAt="4"/>
+              <a:buAutoNum type="arabicPeriod"/>
             </a:pPr>
             <a:r>
-              <a:rPr lang="en-SG" b="1" dirty="0"/>
-              <a:t>Integrated-generic  Resources  </a:t>
-            </a:r>
-            <a:r>
-              <a:rPr lang="en-SG" dirty="0"/>
-              <a:t>These contain the specifications of the information models that support </a:t>
-            </a:r>
-            <a:r>
-              <a:rPr lang="en-SG" dirty="0" smtClean="0"/>
-              <a:t>various </a:t>
-            </a:r>
-            <a:r>
-              <a:rPr lang="en-SG" dirty="0"/>
-              <a:t>application areas that form part of STEP. The topics that form part of this specification are: geometric </a:t>
-            </a:r>
-            <a:r>
-              <a:rPr lang="en-SG" dirty="0" smtClean="0"/>
-              <a:t>and  </a:t>
-            </a:r>
-            <a:r>
-              <a:rPr lang="en-SG" dirty="0"/>
-              <a:t>topological  representation,  product  structure  organisation,  materials,  visual  presentation,  tolerances, </a:t>
-            </a:r>
-            <a:r>
-              <a:rPr lang="en-SG" dirty="0" smtClean="0"/>
-              <a:t>form </a:t>
-            </a:r>
-            <a:r>
-              <a:rPr lang="en-SG" dirty="0"/>
-              <a:t>features and process structure and properties. </a:t>
+              <a:rPr lang="en-SG" dirty="0"/>
+              <a:t>Description  Methods  The  application  protocols  planned  in  STEP  are  far  reaching  compared  to  any </a:t>
+            </a:r>
+            <a:r>
+              <a:rPr lang="en-SG" dirty="0" smtClean="0"/>
+              <a:t>other  </a:t>
+            </a:r>
+            <a:r>
+              <a:rPr lang="en-SG" dirty="0"/>
+              <a:t>existing  standard  or  models.  Hence,  a  new  descriptive  formal  information  modelling  language </a:t>
+            </a:r>
+            <a:r>
+              <a:rPr lang="en-SG" dirty="0" smtClean="0"/>
+              <a:t>called   </a:t>
+            </a:r>
+            <a:r>
+              <a:rPr lang="en-SG" dirty="0"/>
+              <a:t>EXPRESS  is  developed  such  that  the  protocols  be  properly  </a:t>
+            </a:r>
+            <a:r>
+              <a:rPr lang="en-SG" dirty="0" smtClean="0"/>
+              <a:t>defined</a:t>
+            </a:r>
+          </a:p>
+          <a:p>
+            <a:pPr marL="514350" indent="-514350">
+              <a:buFont typeface="+mj-lt"/>
+              <a:buAutoNum type="arabicPeriod"/>
+            </a:pPr>
+            <a:r>
+              <a:rPr lang="en-SG" dirty="0" smtClean="0"/>
+              <a:t>Implementation  </a:t>
+            </a:r>
+            <a:r>
+              <a:rPr lang="en-SG" dirty="0"/>
+              <a:t>Methods  This  provides  specifications  as  to  how  the  STEP  information  be  physically </a:t>
+            </a:r>
+            <a:r>
+              <a:rPr lang="en-SG" dirty="0" smtClean="0"/>
+              <a:t>represented </a:t>
+            </a:r>
+            <a:r>
+              <a:rPr lang="en-SG" dirty="0"/>
+              <a:t>for the exchange environment. </a:t>
             </a:r>
           </a:p>
         </p:txBody>
@@ -8362,7 +8331,7 @@
     </p:spTree>
     <p:extLst>
       <p:ext uri="{BB962C8B-B14F-4D97-AF65-F5344CB8AC3E}">
-        <p14:creationId xmlns:p14="http://schemas.microsoft.com/office/powerpoint/2010/main" val="1552186298"/>
+        <p14:creationId xmlns:p14="http://schemas.microsoft.com/office/powerpoint/2010/main" val="750815864"/>
       </p:ext>
     </p:extLst>
   </p:cSld>
@@ -8401,87 +8370,97 @@
         </p:nvSpPr>
         <p:spPr>
           <a:xfrm>
-            <a:off x="838200" y="534390"/>
-            <a:ext cx="10515600" cy="5642573"/>
+            <a:off x="838200" y="629392"/>
+            <a:ext cx="10515600" cy="5547571"/>
           </a:xfrm>
         </p:spPr>
         <p:txBody>
-          <a:bodyPr/>
+          <a:bodyPr>
+            <a:normAutofit/>
+          </a:bodyPr>
           <a:lstStyle/>
           <a:p>
             <a:pPr marL="514350" indent="-514350">
               <a:buFont typeface="+mj-lt"/>
-              <a:buAutoNum type="arabicPeriod" startAt="6"/>
+              <a:buAutoNum type="arabicPeriod" startAt="4"/>
             </a:pPr>
             <a:r>
-              <a:rPr lang="en-SG" dirty="0"/>
-              <a:t> </a:t>
-            </a:r>
-            <a:r>
               <a:rPr lang="en-SG" b="1" dirty="0"/>
-              <a:t>Application Information Models  </a:t>
-            </a:r>
-            <a:r>
-              <a:rPr lang="en-SG" dirty="0"/>
-              <a:t>These specify the information models to be used for specific application </a:t>
-            </a:r>
-            <a:r>
-              <a:rPr lang="en-SG" dirty="0" smtClean="0"/>
-              <a:t>areas </a:t>
-            </a:r>
-            <a:r>
-              <a:rPr lang="en-SG" dirty="0"/>
-              <a:t>such as </a:t>
-            </a:r>
-            <a:r>
-              <a:rPr lang="en-SG" dirty="0" err="1"/>
-              <a:t>draughting</a:t>
-            </a:r>
-            <a:r>
-              <a:rPr lang="en-SG" dirty="0"/>
-              <a:t>, finite element analysis, kinematics, building core model and Engineering analysis </a:t>
-            </a:r>
-            <a:r>
-              <a:rPr lang="en-SG" dirty="0" smtClean="0"/>
-              <a:t>core</a:t>
-            </a:r>
-            <a:r>
-              <a:rPr lang="en-SG" dirty="0"/>
-              <a:t>. </a:t>
+              <a:t>Conformance and Tools  </a:t>
+            </a:r>
+            <a:r>
+              <a:rPr lang="en-SG" dirty="0"/>
+              <a:t>This part provides the specifications for conformance testing of the processors used </a:t>
+            </a:r>
+            <a:r>
+              <a:rPr lang="en-SG" dirty="0" smtClean="0"/>
+              <a:t>for </a:t>
+            </a:r>
+            <a:r>
+              <a:rPr lang="en-SG" dirty="0"/>
+              <a:t>STEP information. They provide information on methods for testing of software-product conformance to </a:t>
+            </a:r>
+            <a:r>
+              <a:rPr lang="en-SG" dirty="0" smtClean="0"/>
+              <a:t>the </a:t>
+            </a:r>
+            <a:r>
+              <a:rPr lang="en-SG" dirty="0"/>
+              <a:t>STEP standard, guidance for creating abstract-test suites and the responsibilities of testing laboratories. </a:t>
+            </a:r>
+            <a:r>
+              <a:rPr lang="en-SG" dirty="0" smtClean="0"/>
+              <a:t>The </a:t>
+            </a:r>
+            <a:r>
+              <a:rPr lang="en-SG" dirty="0"/>
+              <a:t>STEP standard is unique in that it places a very high emphasis on </a:t>
+            </a:r>
+            <a:r>
+              <a:rPr lang="en-SG" dirty="0" smtClean="0"/>
+              <a:t>testing </a:t>
+            </a:r>
+            <a:r>
+              <a:rPr lang="en-SG" dirty="0"/>
+              <a:t>and actually includes these methods in the standard.</a:t>
             </a:r>
           </a:p>
           <a:p>
             <a:pPr marL="514350" indent="-514350">
               <a:buFont typeface="+mj-lt"/>
-              <a:buAutoNum type="arabicPeriod" startAt="6"/>
+              <a:buAutoNum type="arabicPeriod" startAt="4"/>
             </a:pPr>
             <a:r>
-              <a:rPr lang="en-SG" dirty="0"/>
-              <a:t> </a:t>
-            </a:r>
-            <a:r>
               <a:rPr lang="en-SG" b="1" dirty="0"/>
-              <a:t>Application Protocols  </a:t>
-            </a:r>
-            <a:r>
-              <a:rPr lang="en-SG" dirty="0"/>
-              <a:t>These are the main protocols to be used as subsets of STEP information model </a:t>
-            </a:r>
-            <a:r>
-              <a:rPr lang="en-SG" dirty="0" smtClean="0"/>
-              <a:t>for </a:t>
-            </a:r>
-            <a:r>
-              <a:rPr lang="en-SG" dirty="0"/>
-              <a:t>exchange of data between specific application systems (such as between two finite element systems or </a:t>
-            </a:r>
-            <a:r>
-              <a:rPr lang="en-SG" dirty="0" smtClean="0"/>
-              <a:t>between </a:t>
-            </a:r>
-            <a:r>
-              <a:rPr lang="en-SG" dirty="0"/>
-              <a:t>a CAD and Process Planning system). </a:t>
+              <a:t>Integrated-generic  Resources  </a:t>
+            </a:r>
+            <a:r>
+              <a:rPr lang="en-SG" dirty="0"/>
+              <a:t>These contain the specifications of the information models that support </a:t>
+            </a:r>
+            <a:r>
+              <a:rPr lang="en-SG" dirty="0" smtClean="0"/>
+              <a:t>various </a:t>
+            </a:r>
+            <a:r>
+              <a:rPr lang="en-SG" dirty="0"/>
+              <a:t>application areas that form part of STEP. The topics that form part of this specification are: geometric </a:t>
+            </a:r>
+            <a:r>
+              <a:rPr lang="en-SG" dirty="0" smtClean="0"/>
+              <a:t>and  </a:t>
+            </a:r>
+            <a:r>
+              <a:rPr lang="en-SG" dirty="0"/>
+              <a:t>topological  representation,  product  structure  organisation,  materials,  visual  presentation,  tolerances, </a:t>
+            </a:r>
+            <a:r>
+              <a:rPr lang="en-SG" dirty="0" smtClean="0"/>
+              <a:t>form </a:t>
+            </a:r>
+            <a:r>
+              <a:rPr lang="en-SG" dirty="0"/>
+              <a:t>features and process structure and properties. </a:t>
             </a:r>
           </a:p>
         </p:txBody>
@@ -8489,7 +8468,7 @@
     </p:spTree>
     <p:extLst>
       <p:ext uri="{BB962C8B-B14F-4D97-AF65-F5344CB8AC3E}">
-        <p14:creationId xmlns:p14="http://schemas.microsoft.com/office/powerpoint/2010/main" val="3596906761"/>
+        <p14:creationId xmlns:p14="http://schemas.microsoft.com/office/powerpoint/2010/main" val="1552186298"/>
       </p:ext>
     </p:extLst>
   </p:cSld>
@@ -8528,51 +8507,37 @@
         </p:nvSpPr>
         <p:spPr>
           <a:xfrm>
-            <a:off x="945078" y="403761"/>
-            <a:ext cx="10515600" cy="5773202"/>
+            <a:off x="838200" y="534390"/>
+            <a:ext cx="10515600" cy="5642573"/>
           </a:xfrm>
         </p:spPr>
         <p:txBody>
-          <a:bodyPr>
-            <a:normAutofit fontScale="92500" lnSpcReduction="20000"/>
-          </a:bodyPr>
+          <a:bodyPr/>
           <a:lstStyle/>
           <a:p>
             <a:pPr marL="514350" indent="-514350">
               <a:buFont typeface="+mj-lt"/>
-              <a:buAutoNum type="arabicPeriod" startAt="8"/>
+              <a:buAutoNum type="arabicPeriod" startAt="6"/>
             </a:pPr>
             <a:r>
+              <a:rPr lang="en-SG" dirty="0"/>
+              <a:t> </a:t>
+            </a:r>
+            <a:r>
               <a:rPr lang="en-SG" b="1" dirty="0"/>
-              <a:t>Application Interpreted Constructs  </a:t>
-            </a:r>
-            <a:r>
-              <a:rPr lang="en-SG" dirty="0"/>
-              <a:t>These relate to the specific resources useful for defining the </a:t>
-            </a:r>
-            <a:r>
-              <a:rPr lang="en-SG" dirty="0" smtClean="0"/>
-              <a:t>generic structures </a:t>
-            </a:r>
-            <a:r>
-              <a:rPr lang="en-SG" dirty="0"/>
-              <a:t>useful for applications. These are reusable groups of information resource entities that make it </a:t>
-            </a:r>
-            <a:r>
-              <a:rPr lang="en-SG" dirty="0" smtClean="0"/>
-              <a:t>easier </a:t>
-            </a:r>
-            <a:r>
-              <a:rPr lang="en-SG" dirty="0"/>
-              <a:t>to express identical semantics in more than one application protocol. Examples include edge-based </a:t>
-            </a:r>
-            <a:r>
-              <a:rPr lang="en-SG" dirty="0" smtClean="0"/>
-              <a:t>wireframe</a:t>
-            </a:r>
-            <a:r>
-              <a:rPr lang="en-SG" dirty="0"/>
-              <a:t>,  </a:t>
+              <a:t>Application Information Models  </a:t>
+            </a:r>
+            <a:r>
+              <a:rPr lang="en-SG" dirty="0"/>
+              <a:t>These specify the information models to be used for specific application </a:t>
+            </a:r>
+            <a:r>
+              <a:rPr lang="en-SG" dirty="0" smtClean="0"/>
+              <a:t>areas </a:t>
+            </a:r>
+            <a:r>
+              <a:rPr lang="en-SG" dirty="0"/>
+              <a:t>such as </a:t>
             </a:r>
             <a:r>
               <a:rPr lang="en-SG" dirty="0" err="1"/>
@@ -8580,89 +8545,49 @@
             </a:r>
             <a:r>
               <a:rPr lang="en-SG" dirty="0"/>
-              <a:t>  elements,  constructive  solid  geometry,  etc. </a:t>
-            </a:r>
-            <a:r>
-              <a:rPr lang="en-SG" dirty="0" smtClean="0"/>
-              <a:t>onwards</a:t>
-            </a:r>
-            <a:r>
-              <a:rPr lang="en-SG" dirty="0"/>
-              <a:t>. Examples include edge-based wireframe, shell-based wireframe, geometry-bounded 2D wireframe, </a:t>
-            </a:r>
-            <a:r>
-              <a:rPr lang="en-SG" dirty="0" err="1" smtClean="0"/>
-              <a:t>draughting</a:t>
-            </a:r>
-            <a:r>
-              <a:rPr lang="en-SG" dirty="0" smtClean="0"/>
-              <a:t>  </a:t>
-            </a:r>
-            <a:r>
-              <a:rPr lang="en-SG" dirty="0"/>
-              <a:t>annotation,  drawing  structure  and  administration,  </a:t>
-            </a:r>
-            <a:r>
-              <a:rPr lang="en-SG" dirty="0" err="1"/>
-              <a:t>draughting</a:t>
-            </a:r>
-            <a:r>
-              <a:rPr lang="en-SG" dirty="0"/>
-              <a:t>  elements,  geometry-bounded </a:t>
-            </a:r>
-            <a:r>
-              <a:rPr lang="en-SG" dirty="0" smtClean="0"/>
-              <a:t>surface</a:t>
-            </a:r>
-            <a:r>
-              <a:rPr lang="en-SG" dirty="0"/>
-              <a:t>, non-manifold surface, manifold surface, geometry-bounded wireframe, etc.</a:t>
+              <a:t>, finite element analysis, kinematics, building core model and Engineering analysis </a:t>
+            </a:r>
+            <a:r>
+              <a:rPr lang="en-SG" dirty="0" smtClean="0"/>
+              <a:t>core</a:t>
+            </a:r>
+            <a:r>
+              <a:rPr lang="en-SG" dirty="0"/>
+              <a:t>. </a:t>
             </a:r>
           </a:p>
           <a:p>
             <a:pPr marL="514350" indent="-514350">
               <a:buFont typeface="+mj-lt"/>
-              <a:buAutoNum type="arabicPeriod" startAt="9"/>
+              <a:buAutoNum type="arabicPeriod" startAt="6"/>
             </a:pPr>
+            <a:r>
+              <a:rPr lang="en-SG" dirty="0"/>
+              <a:t> </a:t>
+            </a:r>
             <a:r>
               <a:rPr lang="en-SG" b="1" dirty="0"/>
               <a:t>Application Protocols  </a:t>
             </a:r>
             <a:r>
               <a:rPr lang="en-SG" dirty="0"/>
-              <a:t>These define the context for the use of product data for a specific industrial need. </a:t>
-            </a:r>
-            <a:r>
-              <a:rPr lang="en-SG" dirty="0" smtClean="0"/>
-              <a:t>These </a:t>
-            </a:r>
-            <a:r>
-              <a:rPr lang="en-SG" dirty="0"/>
-              <a:t>are more complex data models used to describe specific product-data applications. These parts are </a:t>
-            </a:r>
-            <a:r>
-              <a:rPr lang="en-SG" dirty="0" smtClean="0"/>
-              <a:t>known </a:t>
-            </a:r>
-            <a:r>
-              <a:rPr lang="en-SG" dirty="0"/>
-              <a:t>as application protocols and describe not only what data is to be used in describing a product, but how </a:t>
-            </a:r>
-            <a:r>
-              <a:rPr lang="en-SG" dirty="0" smtClean="0"/>
-              <a:t>the </a:t>
-            </a:r>
-            <a:r>
-              <a:rPr lang="en-SG" dirty="0"/>
-              <a:t>data is to be used in the model. The application protocols use the integrated information resources in well </a:t>
-            </a:r>
-            <a:r>
-              <a:rPr lang="en-SG" dirty="0" smtClean="0"/>
-              <a:t>defined </a:t>
-            </a:r>
-            <a:r>
-              <a:rPr lang="en-SG" dirty="0"/>
-              <a:t>combinations and configurations to represent a particular data model of some phase of product life. </a:t>
+              <a:t>These are the main protocols to be used as subsets of STEP information model </a:t>
+            </a:r>
+            <a:r>
+              <a:rPr lang="en-SG" dirty="0" smtClean="0"/>
+              <a:t>for </a:t>
+            </a:r>
+            <a:r>
+              <a:rPr lang="en-SG" dirty="0"/>
+              <a:t>exchange of data between specific application systems (such as between two finite element systems or </a:t>
+            </a:r>
+            <a:r>
+              <a:rPr lang="en-SG" dirty="0" smtClean="0"/>
+              <a:t>between </a:t>
+            </a:r>
+            <a:r>
+              <a:rPr lang="en-SG" dirty="0"/>
+              <a:t>a CAD and Process Planning system). </a:t>
             </a:r>
           </a:p>
         </p:txBody>
@@ -8670,7 +8595,7 @@
     </p:spTree>
     <p:extLst>
       <p:ext uri="{BB962C8B-B14F-4D97-AF65-F5344CB8AC3E}">
-        <p14:creationId xmlns:p14="http://schemas.microsoft.com/office/powerpoint/2010/main" val="1394861392"/>
+        <p14:creationId xmlns:p14="http://schemas.microsoft.com/office/powerpoint/2010/main" val="3596906761"/>
       </p:ext>
     </p:extLst>
   </p:cSld>
@@ -8699,28 +8624,6 @@
       </p:grpSpPr>
       <p:sp>
         <p:nvSpPr>
-          <p:cNvPr id="2" name="标题 1"/>
-          <p:cNvSpPr>
-            <a:spLocks noGrp="1"/>
-          </p:cNvSpPr>
-          <p:nvPr>
-            <p:ph type="title"/>
-          </p:nvPr>
-        </p:nvSpPr>
-        <p:spPr/>
-        <p:txBody>
-          <a:bodyPr/>
-          <a:lstStyle/>
-          <a:p>
-            <a:r>
-              <a:rPr lang="en-SG" dirty="0"/>
-              <a:t>Exporting CAD data</a:t>
-            </a:r>
-          </a:p>
-        </p:txBody>
-      </p:sp>
-      <p:sp>
-        <p:nvSpPr>
           <p:cNvPr id="3" name="内容占位符 2"/>
           <p:cNvSpPr>
             <a:spLocks noGrp="1"/>
@@ -8729,129 +8632,151 @@
             <p:ph idx="1"/>
           </p:nvPr>
         </p:nvSpPr>
-        <p:spPr/>
+        <p:spPr>
+          <a:xfrm>
+            <a:off x="945078" y="403761"/>
+            <a:ext cx="10515600" cy="5773202"/>
+          </a:xfrm>
+        </p:spPr>
         <p:txBody>
           <a:bodyPr>
-            <a:normAutofit/>
+            <a:normAutofit fontScale="92500" lnSpcReduction="20000"/>
           </a:bodyPr>
           <a:lstStyle/>
           <a:p>
-            <a:pPr marL="0" indent="0">
-              <a:buNone/>
+            <a:pPr marL="514350" indent="-514350">
+              <a:buFont typeface="+mj-lt"/>
+              <a:buAutoNum type="arabicPeriod" startAt="8"/>
             </a:pPr>
             <a:r>
-              <a:rPr lang="en-SG" dirty="0"/>
-              <a:t>Transferring 3D CAD models between different software packages </a:t>
-            </a:r>
-            <a:r>
-              <a:rPr lang="en-SG" dirty="0" smtClean="0"/>
-              <a:t>can </a:t>
-            </a:r>
-            <a:r>
-              <a:rPr lang="en-SG" dirty="0"/>
-              <a:t>be challenging</a:t>
-            </a:r>
-          </a:p>
-          <a:p>
-            <a:pPr marL="457200" lvl="1" indent="0">
-              <a:buNone/>
+              <a:rPr lang="en-SG" b="1" dirty="0"/>
+              <a:t>Application Interpreted Constructs  </a:t>
+            </a:r>
+            <a:r>
+              <a:rPr lang="en-SG" dirty="0"/>
+              <a:t>These relate to the specific resources useful for defining the </a:t>
+            </a:r>
+            <a:r>
+              <a:rPr lang="en-SG" dirty="0" smtClean="0"/>
+              <a:t>generic structures </a:t>
+            </a:r>
+            <a:r>
+              <a:rPr lang="en-SG" dirty="0"/>
+              <a:t>useful for applications. These are reusable groups of information resource entities that make it </a:t>
+            </a:r>
+            <a:r>
+              <a:rPr lang="en-SG" dirty="0" smtClean="0"/>
+              <a:t>easier </a:t>
+            </a:r>
+            <a:r>
+              <a:rPr lang="en-SG" dirty="0"/>
+              <a:t>to express identical semantics in more than one application protocol. Examples include edge-based </a:t>
+            </a:r>
+            <a:r>
+              <a:rPr lang="en-SG" dirty="0" smtClean="0"/>
+              <a:t>wireframe</a:t>
+            </a:r>
+            <a:r>
+              <a:rPr lang="en-SG" dirty="0"/>
+              <a:t>,  </a:t>
+            </a:r>
+            <a:r>
+              <a:rPr lang="en-SG" dirty="0" err="1"/>
+              <a:t>draughting</a:t>
+            </a:r>
+            <a:r>
+              <a:rPr lang="en-SG" dirty="0"/>
+              <a:t>  elements,  constructive  solid  geometry,  etc. </a:t>
+            </a:r>
+            <a:r>
+              <a:rPr lang="en-SG" dirty="0" smtClean="0"/>
+              <a:t>onwards</a:t>
+            </a:r>
+            <a:r>
+              <a:rPr lang="en-SG" dirty="0"/>
+              <a:t>. Examples include edge-based wireframe, shell-based wireframe, geometry-bounded 2D wireframe, </a:t>
+            </a:r>
+            <a:r>
+              <a:rPr lang="en-SG" dirty="0" err="1" smtClean="0"/>
+              <a:t>draughting</a:t>
+            </a:r>
+            <a:r>
+              <a:rPr lang="en-SG" dirty="0" smtClean="0"/>
+              <a:t>  </a:t>
+            </a:r>
+            <a:r>
+              <a:rPr lang="en-SG" dirty="0"/>
+              <a:t>annotation,  drawing  structure  and  administration,  </a:t>
+            </a:r>
+            <a:r>
+              <a:rPr lang="en-SG" dirty="0" err="1"/>
+              <a:t>draughting</a:t>
+            </a:r>
+            <a:r>
+              <a:rPr lang="en-SG" dirty="0"/>
+              <a:t>  elements,  geometry-bounded </a:t>
+            </a:r>
+            <a:r>
+              <a:rPr lang="en-SG" dirty="0" smtClean="0"/>
+              <a:t>surface</a:t>
+            </a:r>
+            <a:r>
+              <a:rPr lang="en-SG" dirty="0"/>
+              <a:t>, non-manifold surface, manifold surface, geometry-bounded wireframe, etc.</a:t>
+            </a:r>
+          </a:p>
+          <a:p>
+            <a:pPr marL="514350" indent="-514350">
+              <a:buFont typeface="+mj-lt"/>
+              <a:buAutoNum type="arabicPeriod" startAt="9"/>
             </a:pPr>
             <a:r>
-              <a:rPr lang="en-SG" dirty="0" smtClean="0"/>
-              <a:t>– </a:t>
-            </a:r>
-            <a:r>
-              <a:rPr lang="en-SG" dirty="0"/>
-              <a:t>fortunately, most CAD packages will directly import files produced in </a:t>
-            </a:r>
-            <a:r>
-              <a:rPr lang="en-SG" dirty="0" smtClean="0"/>
-              <a:t>most </a:t>
-            </a:r>
-            <a:r>
-              <a:rPr lang="en-SG" dirty="0"/>
-              <a:t>other packages</a:t>
-            </a:r>
-          </a:p>
-          <a:p>
-            <a:pPr marL="0" indent="0">
-              <a:buNone/>
-            </a:pPr>
-            <a:r>
-              <a:rPr lang="en-SG" dirty="0"/>
-              <a:t>• If the file type is not supported, the data must be exported as a </a:t>
-            </a:r>
-            <a:r>
-              <a:rPr lang="en-SG" dirty="0" smtClean="0"/>
-              <a:t>neutral </a:t>
-            </a:r>
-            <a:r>
-              <a:rPr lang="en-SG" dirty="0"/>
-              <a:t>format and then imported</a:t>
-            </a:r>
-          </a:p>
-          <a:p>
-            <a:pPr marL="457200" lvl="1" indent="0">
-              <a:buNone/>
-            </a:pPr>
-            <a:r>
-              <a:rPr lang="en-SG" dirty="0"/>
-              <a:t>– important information may be “lost in translation”</a:t>
-            </a:r>
-          </a:p>
-          <a:p>
-            <a:pPr marL="457200" lvl="1" indent="0">
-              <a:buNone/>
-            </a:pPr>
-            <a:r>
-              <a:rPr lang="en-SG" dirty="0"/>
-              <a:t>– this applies especially to non-geometric data in 3D models, such as </a:t>
-            </a:r>
-            <a:r>
-              <a:rPr lang="en-SG" dirty="0" smtClean="0"/>
-              <a:t>material </a:t>
-            </a:r>
-            <a:r>
-              <a:rPr lang="en-SG" dirty="0"/>
-              <a:t>type</a:t>
-            </a:r>
-          </a:p>
-          <a:p>
-            <a:pPr marL="0" indent="0">
-              <a:buNone/>
-            </a:pPr>
-            <a:r>
-              <a:rPr lang="en-SG" dirty="0"/>
-              <a:t>• </a:t>
-            </a:r>
-            <a:r>
-              <a:rPr lang="en-SG" dirty="0" smtClean="0"/>
-              <a:t>Sometimes, the </a:t>
-            </a:r>
-            <a:r>
-              <a:rPr lang="en-SG" dirty="0"/>
-              <a:t>geometry </a:t>
-            </a:r>
-            <a:r>
-              <a:rPr lang="en-SG" dirty="0" smtClean="0"/>
-              <a:t>could </a:t>
-            </a:r>
-            <a:r>
-              <a:rPr lang="en-SG" dirty="0"/>
-              <a:t>not be properly </a:t>
-            </a:r>
-            <a:r>
-              <a:rPr lang="en-SG" dirty="0" smtClean="0"/>
-              <a:t>converted</a:t>
-            </a:r>
-            <a:endParaRPr lang="en-SG" dirty="0"/>
+              <a:rPr lang="en-SG" b="1" dirty="0"/>
+              <a:t>Application Protocols  </a:t>
+            </a:r>
+            <a:r>
+              <a:rPr lang="en-SG" dirty="0"/>
+              <a:t>These define the context for the use of product data for a specific industrial need. </a:t>
+            </a:r>
+            <a:r>
+              <a:rPr lang="en-SG" dirty="0" smtClean="0"/>
+              <a:t>These </a:t>
+            </a:r>
+            <a:r>
+              <a:rPr lang="en-SG" dirty="0"/>
+              <a:t>are more complex data models used to describe specific product-data applications. These parts are </a:t>
+            </a:r>
+            <a:r>
+              <a:rPr lang="en-SG" dirty="0" smtClean="0"/>
+              <a:t>known </a:t>
+            </a:r>
+            <a:r>
+              <a:rPr lang="en-SG" dirty="0"/>
+              <a:t>as application protocols and describe not only what data is to be used in describing a product, but how </a:t>
+            </a:r>
+            <a:r>
+              <a:rPr lang="en-SG" dirty="0" smtClean="0"/>
+              <a:t>the </a:t>
+            </a:r>
+            <a:r>
+              <a:rPr lang="en-SG" dirty="0"/>
+              <a:t>data is to be used in the model. The application protocols use the integrated information resources in well </a:t>
+            </a:r>
+            <a:r>
+              <a:rPr lang="en-SG" dirty="0" smtClean="0"/>
+              <a:t>defined </a:t>
+            </a:r>
+            <a:r>
+              <a:rPr lang="en-SG" dirty="0"/>
+              <a:t>combinations and configurations to represent a particular data model of some phase of product life. </a:t>
+            </a:r>
           </a:p>
         </p:txBody>
       </p:sp>
     </p:spTree>
     <p:extLst>
       <p:ext uri="{BB962C8B-B14F-4D97-AF65-F5344CB8AC3E}">
-        <p14:creationId xmlns:p14="http://schemas.microsoft.com/office/powerpoint/2010/main" val="2926976668"/>
+        <p14:creationId xmlns:p14="http://schemas.microsoft.com/office/powerpoint/2010/main" val="1394861392"/>
       </p:ext>
     </p:extLst>
   </p:cSld>
@@ -8894,10 +8819,9 @@
           <a:lstStyle/>
           <a:p>
             <a:r>
-              <a:rPr lang="en-SG" dirty="0" smtClean="0"/>
-              <a:t>Introduction to Geometric Modelling</a:t>
-            </a:r>
-            <a:endParaRPr lang="en-SG" dirty="0"/>
+              <a:rPr lang="en-SG" dirty="0"/>
+              <a:t>Exporting CAD data</a:t>
+            </a:r>
           </a:p>
         </p:txBody>
       </p:sp>
@@ -8914,35 +8838,117 @@
         <p:spPr/>
         <p:txBody>
           <a:bodyPr>
-            <a:normAutofit fontScale="92500" lnSpcReduction="10000"/>
+            <a:normAutofit/>
           </a:bodyPr>
           <a:lstStyle/>
           <a:p>
-            <a:r>
-              <a:rPr lang="en-SG" dirty="0" smtClean="0"/>
-              <a:t>Geometric modelling is a combination discipline with applied mathematics and computational geometry. In this discipline, people designed varied algorithms to describe all kinds of shapes by computers.</a:t>
-            </a:r>
-          </a:p>
-          <a:p>
-            <a:r>
-              <a:rPr lang="en-SG" dirty="0" smtClean="0"/>
-              <a:t>Building two or three dimensional models is crucial content of CAD &amp; CAM.</a:t>
-            </a:r>
-          </a:p>
-          <a:p>
-            <a:r>
-              <a:rPr lang="en-SG" dirty="0" smtClean="0"/>
-              <a:t>When we were creating a geometric model of a mechanism using a CAD system, what we do is just map real or imaginary structure to a new algorithmic object. This process should be unique and complete. Otherwise, a designer will not be able to restore any of them from start to the end or </a:t>
-            </a:r>
-            <a:r>
-              <a:rPr lang="en-US" dirty="0" smtClean="0"/>
-              <a:t>vice versa. Furthermore, the model could not be manufactured.</a:t>
-            </a:r>
-          </a:p>
-          <a:p>
-            <a:r>
-              <a:rPr lang="en-US" dirty="0" smtClean="0"/>
-              <a:t>This section will tell you what is the theoretical basis of geometric modelling.</a:t>
+            <a:pPr marL="0" indent="0">
+              <a:buNone/>
+            </a:pPr>
+            <a:r>
+              <a:rPr lang="en-SG" dirty="0"/>
+              <a:t>Transferring 3D CAD models between different software packages </a:t>
+            </a:r>
+            <a:r>
+              <a:rPr lang="en-SG" dirty="0" smtClean="0"/>
+              <a:t>can </a:t>
+            </a:r>
+            <a:r>
+              <a:rPr lang="en-SG" dirty="0"/>
+              <a:t>be challenging</a:t>
+            </a:r>
+          </a:p>
+          <a:p>
+            <a:pPr marL="457200" lvl="1" indent="0">
+              <a:buNone/>
+            </a:pPr>
+            <a:r>
+              <a:rPr lang="en-SG" dirty="0" smtClean="0"/>
+              <a:t>– </a:t>
+            </a:r>
+            <a:r>
+              <a:rPr lang="en-SG" dirty="0"/>
+              <a:t>fortunately, most CAD packages will directly import files produced in </a:t>
+            </a:r>
+            <a:r>
+              <a:rPr lang="en-SG" dirty="0" smtClean="0"/>
+              <a:t>most </a:t>
+            </a:r>
+            <a:r>
+              <a:rPr lang="en-SG" dirty="0"/>
+              <a:t>other packages</a:t>
+            </a:r>
+          </a:p>
+          <a:p>
+            <a:pPr marL="0" indent="0">
+              <a:buNone/>
+            </a:pPr>
+            <a:r>
+              <a:rPr lang="en-SG" dirty="0"/>
+              <a:t>• If the file type is not supported, the data must be exported as a </a:t>
+            </a:r>
+            <a:r>
+              <a:rPr lang="en-SG" dirty="0" smtClean="0"/>
+              <a:t>neutral </a:t>
+            </a:r>
+            <a:r>
+              <a:rPr lang="en-SG" dirty="0"/>
+              <a:t>format and then imported</a:t>
+            </a:r>
+          </a:p>
+          <a:p>
+            <a:pPr marL="457200" lvl="1" indent="0">
+              <a:buNone/>
+            </a:pPr>
+            <a:r>
+              <a:rPr lang="en-SG" dirty="0"/>
+              <a:t>– important information may be “lost in translation”</a:t>
+            </a:r>
+          </a:p>
+          <a:p>
+            <a:pPr marL="457200" lvl="1" indent="0">
+              <a:buNone/>
+            </a:pPr>
+            <a:r>
+              <a:rPr lang="en-SG" dirty="0"/>
+              <a:t>– this applies especially to non-geometric data in 3D models, such as </a:t>
+            </a:r>
+            <a:r>
+              <a:rPr lang="en-SG" dirty="0" smtClean="0"/>
+              <a:t>material </a:t>
+            </a:r>
+            <a:r>
+              <a:rPr lang="en-SG" dirty="0"/>
+              <a:t>type</a:t>
+            </a:r>
+          </a:p>
+          <a:p>
+            <a:pPr marL="0" indent="0">
+              <a:buNone/>
+            </a:pPr>
+            <a:r>
+              <a:rPr lang="en-SG" dirty="0"/>
+              <a:t>• </a:t>
+            </a:r>
+            <a:r>
+              <a:rPr lang="en-SG" dirty="0" smtClean="0"/>
+              <a:t>Sometimes, the </a:t>
+            </a:r>
+            <a:r>
+              <a:rPr lang="en-SG" dirty="0"/>
+              <a:t>geometry </a:t>
+            </a:r>
+            <a:r>
+              <a:rPr lang="en-SG" dirty="0" smtClean="0"/>
+              <a:t>could </a:t>
+            </a:r>
+            <a:r>
+              <a:rPr lang="en-SG" dirty="0"/>
+              <a:t>not be properly </a:t>
+            </a:r>
+            <a:r>
+              <a:rPr lang="en-SG" dirty="0" smtClean="0"/>
+              <a:t>converted</a:t>
             </a:r>
             <a:endParaRPr lang="en-SG" dirty="0"/>
           </a:p>
@@ -8951,7 +8957,7 @@
     </p:spTree>
     <p:extLst>
       <p:ext uri="{BB962C8B-B14F-4D97-AF65-F5344CB8AC3E}">
-        <p14:creationId xmlns:p14="http://schemas.microsoft.com/office/powerpoint/2010/main" val="4194142784"/>
+        <p14:creationId xmlns:p14="http://schemas.microsoft.com/office/powerpoint/2010/main" val="2926976668"/>
       </p:ext>
     </p:extLst>
   </p:cSld>
@@ -8995,7 +9001,7 @@
           <a:p>
             <a:r>
               <a:rPr lang="en-SG" dirty="0" smtClean="0"/>
-              <a:t>Geometry of curve</a:t>
+              <a:t>Introduction to Geometric Modelling</a:t>
             </a:r>
             <a:endParaRPr lang="en-SG" dirty="0"/>
           </a:p>
@@ -9013,39 +9019,37 @@
         </p:nvSpPr>
         <p:spPr/>
         <p:txBody>
-          <a:bodyPr/>
-          <a:lstStyle/>
-          <a:p>
-            <a:r>
-              <a:rPr lang="en-SG" dirty="0" smtClean="0"/>
-              <a:t>Representation of curves</a:t>
-            </a:r>
-          </a:p>
-          <a:p>
-            <a:r>
-              <a:rPr lang="en-SG" dirty="0" smtClean="0"/>
-              <a:t>Bezier curves</a:t>
-            </a:r>
-          </a:p>
-          <a:p>
-            <a:r>
-              <a:rPr lang="en-SG" dirty="0" smtClean="0"/>
-              <a:t>B-spline curves</a:t>
-            </a:r>
-          </a:p>
-          <a:p>
-            <a:r>
-              <a:rPr lang="en-SG" dirty="0" smtClean="0"/>
-              <a:t>Parameterized curves</a:t>
-            </a:r>
-          </a:p>
-          <a:p>
-            <a:r>
-              <a:rPr lang="en-SG" dirty="0" smtClean="0"/>
-              <a:t>Wire frame modelling</a:t>
-            </a:r>
-          </a:p>
-          <a:p>
+          <a:bodyPr>
+            <a:normAutofit fontScale="92500" lnSpcReduction="10000"/>
+          </a:bodyPr>
+          <a:lstStyle/>
+          <a:p>
+            <a:r>
+              <a:rPr lang="en-SG" dirty="0" smtClean="0"/>
+              <a:t>Geometric modelling is a combination discipline with applied mathematics and computational geometry. In this discipline, people designed varied algorithms to describe all kinds of shapes by computers.</a:t>
+            </a:r>
+          </a:p>
+          <a:p>
+            <a:r>
+              <a:rPr lang="en-SG" dirty="0" smtClean="0"/>
+              <a:t>Building two or three dimensional models is crucial content of CAD &amp; CAM.</a:t>
+            </a:r>
+          </a:p>
+          <a:p>
+            <a:r>
+              <a:rPr lang="en-SG" dirty="0" smtClean="0"/>
+              <a:t>When we were creating a geometric model of a mechanism using a CAD system, what we do is just map real or imaginary structure to a new algorithmic object. This process should be unique and complete. Otherwise, a designer will not be able to restore any of them from start to the end or </a:t>
+            </a:r>
+            <a:r>
+              <a:rPr lang="en-US" dirty="0" smtClean="0"/>
+              <a:t>vice versa. Furthermore, the model could not be manufactured.</a:t>
+            </a:r>
+          </a:p>
+          <a:p>
+            <a:r>
+              <a:rPr lang="en-US" dirty="0" smtClean="0"/>
+              <a:t>This section will tell you what is the theoretical basis of geometric modelling.</a:t>
+            </a:r>
             <a:endParaRPr lang="en-SG" dirty="0"/>
           </a:p>
         </p:txBody>
@@ -9053,7 +9057,7 @@
     </p:spTree>
     <p:extLst>
       <p:ext uri="{BB962C8B-B14F-4D97-AF65-F5344CB8AC3E}">
-        <p14:creationId xmlns:p14="http://schemas.microsoft.com/office/powerpoint/2010/main" val="4172222177"/>
+        <p14:creationId xmlns:p14="http://schemas.microsoft.com/office/powerpoint/2010/main" val="4194142784"/>
       </p:ext>
     </p:extLst>
   </p:cSld>
@@ -9090,6 +9094,200 @@
             <p:ph type="title"/>
           </p:nvPr>
         </p:nvSpPr>
+        <p:spPr/>
+        <p:txBody>
+          <a:bodyPr/>
+          <a:lstStyle/>
+          <a:p>
+            <a:r>
+              <a:rPr lang="en-SG" dirty="0" smtClean="0"/>
+              <a:t>Geometry of curve</a:t>
+            </a:r>
+            <a:endParaRPr lang="en-SG" dirty="0"/>
+          </a:p>
+        </p:txBody>
+      </p:sp>
+      <p:sp>
+        <p:nvSpPr>
+          <p:cNvPr id="3" name="内容占位符 2"/>
+          <p:cNvSpPr>
+            <a:spLocks noGrp="1"/>
+          </p:cNvSpPr>
+          <p:nvPr>
+            <p:ph idx="1"/>
+          </p:nvPr>
+        </p:nvSpPr>
+        <p:spPr/>
+        <p:txBody>
+          <a:bodyPr/>
+          <a:lstStyle/>
+          <a:p>
+            <a:r>
+              <a:rPr lang="en-SG" dirty="0" smtClean="0"/>
+              <a:t>Representation of curves</a:t>
+            </a:r>
+          </a:p>
+          <a:p>
+            <a:r>
+              <a:rPr lang="en-SG" dirty="0" smtClean="0"/>
+              <a:t>Cubic </a:t>
+            </a:r>
+            <a:r>
+              <a:rPr lang="en-SG" dirty="0"/>
+              <a:t>polynomial curves </a:t>
+            </a:r>
+            <a:endParaRPr lang="en-SG" dirty="0" smtClean="0"/>
+          </a:p>
+          <a:p>
+            <a:r>
+              <a:rPr lang="en-SG" dirty="0" smtClean="0"/>
+              <a:t>Bezier </a:t>
+            </a:r>
+            <a:r>
+              <a:rPr lang="en-SG" dirty="0" smtClean="0"/>
+              <a:t>curves</a:t>
+            </a:r>
+          </a:p>
+          <a:p>
+            <a:r>
+              <a:rPr lang="en-SG" dirty="0"/>
+              <a:t>Cubic spline </a:t>
+            </a:r>
+            <a:r>
+              <a:rPr lang="en-SG" dirty="0" smtClean="0"/>
+              <a:t>curves</a:t>
+            </a:r>
+          </a:p>
+          <a:p>
+            <a:r>
+              <a:rPr lang="en-SG" dirty="0" smtClean="0"/>
+              <a:t>B-spline </a:t>
+            </a:r>
+            <a:r>
+              <a:rPr lang="en-SG" dirty="0" smtClean="0"/>
+              <a:t>curves</a:t>
+            </a:r>
+          </a:p>
+          <a:p>
+            <a:r>
+              <a:rPr lang="en-SG" dirty="0" smtClean="0"/>
+              <a:t>NURBS</a:t>
+            </a:r>
+          </a:p>
+        </p:txBody>
+      </p:sp>
+    </p:spTree>
+    <p:extLst>
+      <p:ext uri="{BB962C8B-B14F-4D97-AF65-F5344CB8AC3E}">
+        <p14:creationId xmlns:p14="http://schemas.microsoft.com/office/powerpoint/2010/main" val="4172222177"/>
+      </p:ext>
+    </p:extLst>
+  </p:cSld>
+  <p:clrMapOvr>
+    <a:masterClrMapping/>
+  </p:clrMapOvr>
+</p:sld>
+</file>
+
+<file path=ppt/slides/slide4.xml><?xml version="1.0" encoding="utf-8"?>
+<p:sld xmlns:a="http://schemas.openxmlformats.org/drawingml/2006/main" xmlns:r="http://schemas.openxmlformats.org/officeDocument/2006/relationships" xmlns:p="http://schemas.openxmlformats.org/presentationml/2006/main">
+  <p:cSld>
+    <p:spTree>
+      <p:nvGrpSpPr>
+        <p:cNvPr id="1" name=""/>
+        <p:cNvGrpSpPr/>
+        <p:nvPr/>
+      </p:nvGrpSpPr>
+      <p:grpSpPr>
+        <a:xfrm>
+          <a:off x="0" y="0"/>
+          <a:ext cx="0" cy="0"/>
+          <a:chOff x="0" y="0"/>
+          <a:chExt cx="0" cy="0"/>
+        </a:xfrm>
+      </p:grpSpPr>
+      <p:sp>
+        <p:nvSpPr>
+          <p:cNvPr id="2" name="标题 1"/>
+          <p:cNvSpPr>
+            <a:spLocks noGrp="1"/>
+          </p:cNvSpPr>
+          <p:nvPr>
+            <p:ph type="ctrTitle"/>
+          </p:nvPr>
+        </p:nvSpPr>
+        <p:spPr/>
+        <p:txBody>
+          <a:bodyPr/>
+          <a:lstStyle/>
+          <a:p>
+            <a:r>
+              <a:rPr lang="en-SG" sz="7200" dirty="0" smtClean="0"/>
+              <a:t>CAD</a:t>
+            </a:r>
+            <a:endParaRPr lang="en-SG" dirty="0"/>
+          </a:p>
+        </p:txBody>
+      </p:sp>
+      <p:sp>
+        <p:nvSpPr>
+          <p:cNvPr id="3" name="副标题 2"/>
+          <p:cNvSpPr>
+            <a:spLocks noGrp="1"/>
+          </p:cNvSpPr>
+          <p:nvPr>
+            <p:ph type="subTitle" idx="1"/>
+          </p:nvPr>
+        </p:nvSpPr>
+        <p:spPr/>
+        <p:txBody>
+          <a:bodyPr/>
+          <a:lstStyle/>
+          <a:p>
+            <a:endParaRPr lang="en-SG"/>
+          </a:p>
+        </p:txBody>
+      </p:sp>
+    </p:spTree>
+    <p:extLst>
+      <p:ext uri="{BB962C8B-B14F-4D97-AF65-F5344CB8AC3E}">
+        <p14:creationId xmlns:p14="http://schemas.microsoft.com/office/powerpoint/2010/main" val="3266173217"/>
+      </p:ext>
+    </p:extLst>
+  </p:cSld>
+  <p:clrMapOvr>
+    <a:masterClrMapping/>
+  </p:clrMapOvr>
+</p:sld>
+</file>
+
+<file path=ppt/slides/slide40.xml><?xml version="1.0" encoding="utf-8"?>
+<p:sld xmlns:a="http://schemas.openxmlformats.org/drawingml/2006/main" xmlns:r="http://schemas.openxmlformats.org/officeDocument/2006/relationships" xmlns:p="http://schemas.openxmlformats.org/presentationml/2006/main">
+  <p:cSld>
+    <p:spTree>
+      <p:nvGrpSpPr>
+        <p:cNvPr id="1" name=""/>
+        <p:cNvGrpSpPr/>
+        <p:nvPr/>
+      </p:nvGrpSpPr>
+      <p:grpSpPr>
+        <a:xfrm>
+          <a:off x="0" y="0"/>
+          <a:ext cx="0" cy="0"/>
+          <a:chOff x="0" y="0"/>
+          <a:chExt cx="0" cy="0"/>
+        </a:xfrm>
+      </p:grpSpPr>
+      <p:sp>
+        <p:nvSpPr>
+          <p:cNvPr id="2" name="标题 1"/>
+          <p:cNvSpPr>
+            <a:spLocks noGrp="1"/>
+          </p:cNvSpPr>
+          <p:nvPr>
+            <p:ph type="title"/>
+          </p:nvPr>
+        </p:nvSpPr>
         <p:spPr>
           <a:xfrm>
             <a:off x="838199" y="365125"/>
@@ -9126,12 +9324,14 @@
         </p:nvSpPr>
         <p:spPr>
           <a:xfrm>
-            <a:off x="838200" y="1825625"/>
-            <a:ext cx="6425242" cy="4351338"/>
+            <a:off x="838200" y="1825624"/>
+            <a:ext cx="6649528" cy="4618307"/>
           </a:xfrm>
         </p:spPr>
         <p:txBody>
-          <a:bodyPr/>
+          <a:bodyPr>
+            <a:normAutofit lnSpcReduction="10000"/>
+          </a:bodyPr>
           <a:lstStyle/>
           <a:p>
             <a:r>
@@ -9192,8 +9392,19 @@
             </a:pPr>
             <a:r>
               <a:rPr lang="en-SG" dirty="0" smtClean="0"/>
-              <a:t>Interpolation </a:t>
-            </a:r>
+              <a:t>Interpolation (pass through all the points)</a:t>
+            </a:r>
+          </a:p>
+          <a:p>
+            <a:pPr lvl="1">
+              <a:buFont typeface="Wingdings" panose="05000000000000000000" pitchFamily="2" charset="2"/>
+              <a:buChar char="ü"/>
+            </a:pPr>
+            <a:r>
+              <a:rPr lang="en-SG" dirty="0" smtClean="0"/>
+              <a:t>Approximation (the best fit instead of passing through all points)</a:t>
+            </a:r>
+            <a:endParaRPr lang="en-SG" dirty="0" smtClean="0"/>
           </a:p>
           <a:p>
             <a:pPr lvl="1">
@@ -9284,7 +9495,7 @@
           <a:graphicData uri="http://schemas.openxmlformats.org/presentationml/2006/ole">
             <mc:AlternateContent xmlns:mc="http://schemas.openxmlformats.org/markup-compatibility/2006">
               <mc:Choice xmlns:v="urn:schemas-microsoft-com:vml" Requires="v">
-                <p:oleObj spid="_x0000_s16402" name="Equation" r:id="rId3" imgW="2101838" imgH="1898834" progId="Equation.DSMT4">
+                <p:oleObj spid="_x0000_s16464" name="Equation" r:id="rId3" imgW="2101838" imgH="1898834" progId="Equation.DSMT4">
                   <p:embed/>
                 </p:oleObj>
               </mc:Choice>
@@ -9332,79 +9543,7 @@
 </p:sld>
 </file>
 
-<file path=ppt/slides/slide4.xml><?xml version="1.0" encoding="utf-8"?>
-<p:sld xmlns:a="http://schemas.openxmlformats.org/drawingml/2006/main" xmlns:r="http://schemas.openxmlformats.org/officeDocument/2006/relationships" xmlns:p="http://schemas.openxmlformats.org/presentationml/2006/main">
-  <p:cSld>
-    <p:spTree>
-      <p:nvGrpSpPr>
-        <p:cNvPr id="1" name=""/>
-        <p:cNvGrpSpPr/>
-        <p:nvPr/>
-      </p:nvGrpSpPr>
-      <p:grpSpPr>
-        <a:xfrm>
-          <a:off x="0" y="0"/>
-          <a:ext cx="0" cy="0"/>
-          <a:chOff x="0" y="0"/>
-          <a:chExt cx="0" cy="0"/>
-        </a:xfrm>
-      </p:grpSpPr>
-      <p:sp>
-        <p:nvSpPr>
-          <p:cNvPr id="2" name="标题 1"/>
-          <p:cNvSpPr>
-            <a:spLocks noGrp="1"/>
-          </p:cNvSpPr>
-          <p:nvPr>
-            <p:ph type="ctrTitle"/>
-          </p:nvPr>
-        </p:nvSpPr>
-        <p:spPr/>
-        <p:txBody>
-          <a:bodyPr/>
-          <a:lstStyle/>
-          <a:p>
-            <a:r>
-              <a:rPr lang="en-SG" sz="7200" dirty="0" smtClean="0"/>
-              <a:t>CAD</a:t>
-            </a:r>
-            <a:endParaRPr lang="en-SG" dirty="0"/>
-          </a:p>
-        </p:txBody>
-      </p:sp>
-      <p:sp>
-        <p:nvSpPr>
-          <p:cNvPr id="3" name="副标题 2"/>
-          <p:cNvSpPr>
-            <a:spLocks noGrp="1"/>
-          </p:cNvSpPr>
-          <p:nvPr>
-            <p:ph type="subTitle" idx="1"/>
-          </p:nvPr>
-        </p:nvSpPr>
-        <p:spPr/>
-        <p:txBody>
-          <a:bodyPr/>
-          <a:lstStyle/>
-          <a:p>
-            <a:endParaRPr lang="en-SG"/>
-          </a:p>
-        </p:txBody>
-      </p:sp>
-    </p:spTree>
-    <p:extLst>
-      <p:ext uri="{BB962C8B-B14F-4D97-AF65-F5344CB8AC3E}">
-        <p14:creationId xmlns:p14="http://schemas.microsoft.com/office/powerpoint/2010/main" val="3266173217"/>
-      </p:ext>
-    </p:extLst>
-  </p:cSld>
-  <p:clrMapOvr>
-    <a:masterClrMapping/>
-  </p:clrMapOvr>
-</p:sld>
-</file>
-
-<file path=ppt/slides/slide40.xml><?xml version="1.0" encoding="utf-8"?>
+<file path=ppt/slides/slide41.xml><?xml version="1.0" encoding="utf-8"?>
 <p:sld xmlns:a="http://schemas.openxmlformats.org/drawingml/2006/main" xmlns:r="http://schemas.openxmlformats.org/officeDocument/2006/relationships" xmlns:p="http://schemas.openxmlformats.org/presentationml/2006/main">
   <p:cSld>
     <p:spTree>
@@ -9759,7 +9898,7 @@
           <a:graphicData uri="http://schemas.openxmlformats.org/presentationml/2006/ole">
             <mc:AlternateContent xmlns:mc="http://schemas.openxmlformats.org/markup-compatibility/2006">
               <mc:Choice xmlns:v="urn:schemas-microsoft-com:vml" Requires="v">
-                <p:oleObj spid="_x0000_s17499" name="Equation" r:id="rId14" imgW="3340080" imgH="393480" progId="Equation.DSMT4">
+                <p:oleObj spid="_x0000_s17685" name="Equation" r:id="rId14" imgW="3340080" imgH="393480" progId="Equation.DSMT4">
                   <p:embed/>
                 </p:oleObj>
               </mc:Choice>
@@ -9816,7 +9955,7 @@
           <a:graphicData uri="http://schemas.openxmlformats.org/presentationml/2006/ole">
             <mc:AlternateContent xmlns:mc="http://schemas.openxmlformats.org/markup-compatibility/2006">
               <mc:Choice xmlns:v="urn:schemas-microsoft-com:vml" Requires="v">
-                <p:oleObj spid="_x0000_s17500" name="Equation" r:id="rId16" imgW="2781000" imgH="939600" progId="Equation.DSMT4">
+                <p:oleObj spid="_x0000_s17686" name="Equation" r:id="rId16" imgW="2781000" imgH="939600" progId="Equation.DSMT4">
                   <p:embed/>
                 </p:oleObj>
               </mc:Choice>
@@ -9873,7 +10012,7 @@
           <a:graphicData uri="http://schemas.openxmlformats.org/presentationml/2006/ole">
             <mc:AlternateContent xmlns:mc="http://schemas.openxmlformats.org/markup-compatibility/2006">
               <mc:Choice xmlns:v="urn:schemas-microsoft-com:vml" Requires="v">
-                <p:oleObj spid="_x0000_s17501" name="Equation" r:id="rId18" imgW="3924000" imgH="241200" progId="Equation.DSMT4">
+                <p:oleObj spid="_x0000_s17687" name="Equation" r:id="rId18" imgW="3924000" imgH="241200" progId="Equation.DSMT4">
                   <p:embed/>
                 </p:oleObj>
               </mc:Choice>
@@ -9945,7 +10084,7 @@
 </p:sld>
 </file>
 
-<file path=ppt/slides/slide41.xml><?xml version="1.0" encoding="utf-8"?>
+<file path=ppt/slides/slide42.xml><?xml version="1.0" encoding="utf-8"?>
 <p:sld xmlns:a="http://schemas.openxmlformats.org/drawingml/2006/main" xmlns:r="http://schemas.openxmlformats.org/officeDocument/2006/relationships" xmlns:p="http://schemas.openxmlformats.org/presentationml/2006/main">
   <p:cSld>
     <p:spTree>
@@ -10004,70 +10143,444 @@
           </a:p>
         </p:txBody>
       </p:sp>
-      <p:sp>
-        <p:nvSpPr>
-          <p:cNvPr id="3" name="内容占位符 2"/>
-          <p:cNvSpPr>
-            <a:spLocks noGrp="1"/>
-          </p:cNvSpPr>
-          <p:nvPr>
-            <p:ph idx="1"/>
-          </p:nvPr>
-        </p:nvSpPr>
-        <p:spPr>
-          <a:xfrm>
-            <a:off x="838200" y="1825625"/>
-            <a:ext cx="7477664" cy="4351338"/>
-          </a:xfrm>
-        </p:spPr>
-        <p:txBody>
-          <a:bodyPr/>
-          <a:lstStyle/>
-          <a:p>
-            <a:r>
-              <a:rPr lang="en-SG" dirty="0" smtClean="0"/>
-              <a:t>Definition and Control </a:t>
-            </a:r>
-            <a:r>
-              <a:rPr lang="en-SG" dirty="0" smtClean="0"/>
-              <a:t>polygon</a:t>
-            </a:r>
-          </a:p>
-          <a:p>
-            <a:endParaRPr lang="en-SG" dirty="0" smtClean="0"/>
-          </a:p>
-          <a:p>
-            <a:r>
-              <a:rPr lang="en-SG" dirty="0" smtClean="0"/>
-              <a:t>Bernstein </a:t>
-            </a:r>
-            <a:r>
-              <a:rPr lang="en-SG" dirty="0" smtClean="0"/>
-              <a:t>polynomial</a:t>
-            </a:r>
-          </a:p>
-          <a:p>
-            <a:pPr marL="0" indent="0">
-              <a:buNone/>
-            </a:pPr>
-            <a:endParaRPr lang="en-SG" dirty="0" smtClean="0"/>
-          </a:p>
-          <a:p>
-            <a:r>
-              <a:rPr lang="en-SG" dirty="0"/>
-              <a:t>Matrix </a:t>
-            </a:r>
-            <a:r>
-              <a:rPr lang="en-SG" dirty="0" smtClean="0"/>
-              <a:t>representation (for 4 order)</a:t>
-            </a:r>
-            <a:endParaRPr lang="en-SG" dirty="0" smtClean="0"/>
-          </a:p>
-          <a:p>
-            <a:endParaRPr lang="en-SG" dirty="0"/>
-          </a:p>
-        </p:txBody>
-      </p:sp>
+      <mc:AlternateContent xmlns:mc="http://schemas.openxmlformats.org/markup-compatibility/2006">
+        <mc:Choice xmlns:a14="http://schemas.microsoft.com/office/drawing/2010/main" Requires="a14">
+          <p:sp>
+            <p:nvSpPr>
+              <p:cNvPr id="3" name="内容占位符 2"/>
+              <p:cNvSpPr>
+                <a:spLocks noGrp="1"/>
+              </p:cNvSpPr>
+              <p:nvPr>
+                <p:ph idx="1"/>
+              </p:nvPr>
+            </p:nvSpPr>
+            <p:spPr>
+              <a:xfrm>
+                <a:off x="613913" y="1825624"/>
+                <a:ext cx="7701951" cy="4676775"/>
+              </a:xfrm>
+            </p:spPr>
+            <p:txBody>
+              <a:bodyPr/>
+              <a:lstStyle/>
+              <a:p>
+                <a:r>
+                  <a:rPr lang="en-SG" dirty="0" smtClean="0"/>
+                  <a:t>Definition and Control polygon</a:t>
+                </a:r>
+              </a:p>
+              <a:p>
+                <a:endParaRPr lang="en-SG" dirty="0" smtClean="0"/>
+              </a:p>
+              <a:p>
+                <a:r>
+                  <a:rPr lang="en-SG" dirty="0" smtClean="0"/>
+                  <a:t>Bernstein polynomial</a:t>
+                </a:r>
+              </a:p>
+              <a:p>
+                <a:pPr marL="0" indent="0">
+                  <a:buNone/>
+                </a:pPr>
+                <a:endParaRPr lang="en-SG" dirty="0" smtClean="0"/>
+              </a:p>
+              <a:p>
+                <a:r>
+                  <a:rPr lang="en-SG" dirty="0" smtClean="0"/>
+                  <a:t>for </a:t>
+                </a:r>
+                <a:r>
+                  <a:rPr lang="en-SG" dirty="0" smtClean="0"/>
+                  <a:t>4 </a:t>
+                </a:r>
+                <a:r>
+                  <a:rPr lang="en-SG" dirty="0" smtClean="0"/>
+                  <a:t>order, n=3. we have</a:t>
+                </a:r>
+              </a:p>
+              <a:p>
+                <a:pPr marL="914400" lvl="2" indent="0">
+                  <a:buNone/>
+                </a:pPr>
+                <a14:m>
+                  <m:oMathPara xmlns:m="http://schemas.openxmlformats.org/officeDocument/2006/math">
+                    <m:oMathParaPr>
+                      <m:jc m:val="centerGroup"/>
+                    </m:oMathParaPr>
+                    <m:oMath xmlns:m="http://schemas.openxmlformats.org/officeDocument/2006/math">
+                      <m:sSup>
+                        <m:sSupPr>
+                          <m:ctrlPr>
+                            <a:rPr lang="en-SG" i="1" smtClean="0">
+                              <a:latin typeface="Cambria Math" panose="02040503050406030204" pitchFamily="18" charset="0"/>
+                            </a:rPr>
+                          </m:ctrlPr>
+                        </m:sSupPr>
+                        <m:e>
+                          <m:r>
+                            <m:rPr>
+                              <m:nor/>
+                            </m:rPr>
+                            <a:rPr lang="en-SG" b="1" smtClean="0">
+                              <a:latin typeface="Cambria Math" panose="02040503050406030204" pitchFamily="18" charset="0"/>
+                            </a:rPr>
+                            <m:t>p</m:t>
+                          </m:r>
+                          <m:d>
+                            <m:dPr>
+                              <m:ctrlPr>
+                                <a:rPr lang="en-SG" b="0" i="1" smtClean="0">
+                                  <a:latin typeface="Cambria Math" panose="02040503050406030204" pitchFamily="18" charset="0"/>
+                                </a:rPr>
+                              </m:ctrlPr>
+                            </m:dPr>
+                            <m:e>
+                              <m:r>
+                                <a:rPr lang="en-SG" b="0" i="1" smtClean="0">
+                                  <a:latin typeface="Cambria Math" panose="02040503050406030204" pitchFamily="18" charset="0"/>
+                                </a:rPr>
+                                <m:t>𝑡</m:t>
+                              </m:r>
+                            </m:e>
+                          </m:d>
+                          <m:r>
+                            <a:rPr lang="en-SG" b="0" i="1" smtClean="0">
+                              <a:latin typeface="Cambria Math" panose="02040503050406030204" pitchFamily="18" charset="0"/>
+                            </a:rPr>
+                            <m:t>=(1−</m:t>
+                          </m:r>
+                          <m:r>
+                            <a:rPr lang="en-SG" b="0" i="1" smtClean="0">
+                              <a:latin typeface="Cambria Math" panose="02040503050406030204" pitchFamily="18" charset="0"/>
+                            </a:rPr>
+                            <m:t>𝑡</m:t>
+                          </m:r>
+                          <m:r>
+                            <a:rPr lang="en-SG" b="0" i="1" smtClean="0">
+                              <a:latin typeface="Cambria Math" panose="02040503050406030204" pitchFamily="18" charset="0"/>
+                            </a:rPr>
+                            <m:t>)</m:t>
+                          </m:r>
+                        </m:e>
+                        <m:sup>
+                          <m:r>
+                            <a:rPr lang="en-SG" b="0" i="1" smtClean="0">
+                              <a:latin typeface="Cambria Math" panose="02040503050406030204" pitchFamily="18" charset="0"/>
+                            </a:rPr>
+                            <m:t>3</m:t>
+                          </m:r>
+                        </m:sup>
+                      </m:sSup>
+                      <m:sSub>
+                        <m:sSubPr>
+                          <m:ctrlPr>
+                            <a:rPr lang="en-SG" i="1" smtClean="0">
+                              <a:latin typeface="Cambria Math" panose="02040503050406030204" pitchFamily="18" charset="0"/>
+                            </a:rPr>
+                          </m:ctrlPr>
+                        </m:sSubPr>
+                        <m:e>
+                          <m:r>
+                            <m:rPr>
+                              <m:nor/>
+                            </m:rPr>
+                            <a:rPr lang="en-SG" b="1">
+                              <a:latin typeface="Cambria Math" panose="02040503050406030204" pitchFamily="18" charset="0"/>
+                            </a:rPr>
+                            <m:t>p</m:t>
+                          </m:r>
+                        </m:e>
+                        <m:sub>
+                          <m:r>
+                            <a:rPr lang="en-SG" b="0" i="1" smtClean="0">
+                              <a:latin typeface="Cambria Math" panose="02040503050406030204" pitchFamily="18" charset="0"/>
+                            </a:rPr>
+                            <m:t>0</m:t>
+                          </m:r>
+                        </m:sub>
+                      </m:sSub>
+                      <m:r>
+                        <a:rPr lang="en-SG" i="1" smtClean="0">
+                          <a:latin typeface="Cambria Math" panose="02040503050406030204" pitchFamily="18" charset="0"/>
+                        </a:rPr>
+                        <m:t>+</m:t>
+                      </m:r>
+                      <m:sSup>
+                        <m:sSupPr>
+                          <m:ctrlPr>
+                            <a:rPr lang="en-SG" i="1" smtClean="0">
+                              <a:latin typeface="Cambria Math" panose="02040503050406030204" pitchFamily="18" charset="0"/>
+                            </a:rPr>
+                          </m:ctrlPr>
+                        </m:sSupPr>
+                        <m:e>
+                          <m:r>
+                            <a:rPr lang="en-SG" b="0" i="1" smtClean="0">
+                              <a:latin typeface="Cambria Math" panose="02040503050406030204" pitchFamily="18" charset="0"/>
+                            </a:rPr>
+                            <m:t>3</m:t>
+                          </m:r>
+                          <m:r>
+                            <a:rPr lang="en-SG" b="0" i="1" smtClean="0">
+                              <a:latin typeface="Cambria Math" panose="02040503050406030204" pitchFamily="18" charset="0"/>
+                            </a:rPr>
+                            <m:t>𝑡</m:t>
+                          </m:r>
+                          <m:r>
+                            <a:rPr lang="en-SG" b="0" i="1" smtClean="0">
+                              <a:latin typeface="Cambria Math" panose="02040503050406030204" pitchFamily="18" charset="0"/>
+                            </a:rPr>
+                            <m:t>(1−</m:t>
+                          </m:r>
+                          <m:r>
+                            <a:rPr lang="en-SG" b="0" i="1" smtClean="0">
+                              <a:latin typeface="Cambria Math" panose="02040503050406030204" pitchFamily="18" charset="0"/>
+                            </a:rPr>
+                            <m:t>𝑡</m:t>
+                          </m:r>
+                          <m:r>
+                            <a:rPr lang="en-SG" b="0" i="1" smtClean="0">
+                              <a:latin typeface="Cambria Math" panose="02040503050406030204" pitchFamily="18" charset="0"/>
+                            </a:rPr>
+                            <m:t>)</m:t>
+                          </m:r>
+                        </m:e>
+                        <m:sup>
+                          <m:r>
+                            <a:rPr lang="en-SG" i="1" smtClean="0">
+                              <a:latin typeface="Cambria Math" panose="02040503050406030204" pitchFamily="18" charset="0"/>
+                            </a:rPr>
+                            <m:t>2</m:t>
+                          </m:r>
+                        </m:sup>
+                      </m:sSup>
+                      <m:sSub>
+                        <m:sSubPr>
+                          <m:ctrlPr>
+                            <a:rPr lang="en-SG" i="1" smtClean="0">
+                              <a:latin typeface="Cambria Math" panose="02040503050406030204" pitchFamily="18" charset="0"/>
+                            </a:rPr>
+                          </m:ctrlPr>
+                        </m:sSubPr>
+                        <m:e>
+                          <m:r>
+                            <m:rPr>
+                              <m:nor/>
+                            </m:rPr>
+                            <a:rPr lang="en-SG" b="1">
+                              <a:latin typeface="Cambria Math" panose="02040503050406030204" pitchFamily="18" charset="0"/>
+                            </a:rPr>
+                            <m:t>p</m:t>
+                          </m:r>
+                        </m:e>
+                        <m:sub>
+                          <m:r>
+                            <a:rPr lang="en-SG" b="0" i="1" smtClean="0">
+                              <a:latin typeface="Cambria Math" panose="02040503050406030204" pitchFamily="18" charset="0"/>
+                            </a:rPr>
+                            <m:t>1</m:t>
+                          </m:r>
+                        </m:sub>
+                      </m:sSub>
+                      <m:r>
+                        <a:rPr lang="en-SG" b="0" i="1" smtClean="0">
+                          <a:latin typeface="Cambria Math" panose="02040503050406030204" pitchFamily="18" charset="0"/>
+                        </a:rPr>
+                        <m:t>+3</m:t>
+                      </m:r>
+                      <m:sSup>
+                        <m:sSupPr>
+                          <m:ctrlPr>
+                            <a:rPr lang="en-SG" i="1" smtClean="0">
+                              <a:latin typeface="Cambria Math" panose="02040503050406030204" pitchFamily="18" charset="0"/>
+                            </a:rPr>
+                          </m:ctrlPr>
+                        </m:sSupPr>
+                        <m:e>
+                          <m:r>
+                            <a:rPr lang="en-SG" b="0" i="1" smtClean="0">
+                              <a:latin typeface="Cambria Math" panose="02040503050406030204" pitchFamily="18" charset="0"/>
+                            </a:rPr>
+                            <m:t>𝑡</m:t>
+                          </m:r>
+                        </m:e>
+                        <m:sup>
+                          <m:r>
+                            <a:rPr lang="en-SG" i="1" smtClean="0">
+                              <a:latin typeface="Cambria Math" panose="02040503050406030204" pitchFamily="18" charset="0"/>
+                            </a:rPr>
+                            <m:t>2</m:t>
+                          </m:r>
+                        </m:sup>
+                      </m:sSup>
+                      <m:d>
+                        <m:dPr>
+                          <m:ctrlPr>
+                            <a:rPr lang="en-SG" b="0" i="1" smtClean="0">
+                              <a:latin typeface="Cambria Math" panose="02040503050406030204" pitchFamily="18" charset="0"/>
+                            </a:rPr>
+                          </m:ctrlPr>
+                        </m:dPr>
+                        <m:e>
+                          <m:r>
+                            <a:rPr lang="en-SG" b="0" i="1" smtClean="0">
+                              <a:latin typeface="Cambria Math" panose="02040503050406030204" pitchFamily="18" charset="0"/>
+                            </a:rPr>
+                            <m:t>1−</m:t>
+                          </m:r>
+                          <m:r>
+                            <a:rPr lang="en-SG" b="0" i="1" smtClean="0">
+                              <a:latin typeface="Cambria Math" panose="02040503050406030204" pitchFamily="18" charset="0"/>
+                            </a:rPr>
+                            <m:t>𝑡</m:t>
+                          </m:r>
+                        </m:e>
+                      </m:d>
+                      <m:sSub>
+                        <m:sSubPr>
+                          <m:ctrlPr>
+                            <a:rPr lang="en-SG" b="0" i="1" smtClean="0">
+                              <a:latin typeface="Cambria Math" panose="02040503050406030204" pitchFamily="18" charset="0"/>
+                            </a:rPr>
+                          </m:ctrlPr>
+                        </m:sSubPr>
+                        <m:e>
+                          <m:r>
+                            <a:rPr lang="en-SG" b="1">
+                              <a:latin typeface="Cambria Math" panose="02040503050406030204" pitchFamily="18" charset="0"/>
+                            </a:rPr>
+                            <m:t>𝐩</m:t>
+                          </m:r>
+                        </m:e>
+                        <m:sub>
+                          <m:r>
+                            <a:rPr lang="en-SG" b="0" i="1" smtClean="0">
+                              <a:latin typeface="Cambria Math" panose="02040503050406030204" pitchFamily="18" charset="0"/>
+                            </a:rPr>
+                            <m:t>2</m:t>
+                          </m:r>
+                        </m:sub>
+                      </m:sSub>
+                      <m:r>
+                        <a:rPr lang="en-SG" b="0" i="1" smtClean="0">
+                          <a:latin typeface="Cambria Math" panose="02040503050406030204" pitchFamily="18" charset="0"/>
+                        </a:rPr>
+                        <m:t>+</m:t>
+                      </m:r>
+                      <m:sSup>
+                        <m:sSupPr>
+                          <m:ctrlPr>
+                            <a:rPr lang="en-SG" b="0" i="1" smtClean="0">
+                              <a:latin typeface="Cambria Math" panose="02040503050406030204" pitchFamily="18" charset="0"/>
+                            </a:rPr>
+                          </m:ctrlPr>
+                        </m:sSupPr>
+                        <m:e>
+                          <m:r>
+                            <a:rPr lang="en-SG" b="0" i="1" smtClean="0">
+                              <a:latin typeface="Cambria Math" panose="02040503050406030204" pitchFamily="18" charset="0"/>
+                            </a:rPr>
+                            <m:t>𝑡</m:t>
+                          </m:r>
+                        </m:e>
+                        <m:sup>
+                          <m:r>
+                            <a:rPr lang="en-SG" b="0" i="1" smtClean="0">
+                              <a:latin typeface="Cambria Math" panose="02040503050406030204" pitchFamily="18" charset="0"/>
+                            </a:rPr>
+                            <m:t>3</m:t>
+                          </m:r>
+                        </m:sup>
+                      </m:sSup>
+                      <m:sSub>
+                        <m:sSubPr>
+                          <m:ctrlPr>
+                            <a:rPr lang="en-SG" b="0" i="1" smtClean="0">
+                              <a:latin typeface="Cambria Math" panose="02040503050406030204" pitchFamily="18" charset="0"/>
+                            </a:rPr>
+                          </m:ctrlPr>
+                        </m:sSubPr>
+                        <m:e>
+                          <m:r>
+                            <a:rPr lang="en-SG" b="1">
+                              <a:latin typeface="Cambria Math" panose="02040503050406030204" pitchFamily="18" charset="0"/>
+                            </a:rPr>
+                            <m:t>𝐩</m:t>
+                          </m:r>
+                          <m:r>
+                            <m:rPr>
+                              <m:nor/>
+                            </m:rPr>
+                            <a:rPr lang="en-SG" b="1" dirty="0"/>
+                            <m:t> </m:t>
+                          </m:r>
+                        </m:e>
+                        <m:sub>
+                          <m:r>
+                            <a:rPr lang="en-SG" b="0" i="1" smtClean="0">
+                              <a:latin typeface="Cambria Math" panose="02040503050406030204" pitchFamily="18" charset="0"/>
+                            </a:rPr>
+                            <m:t>3</m:t>
+                          </m:r>
+                        </m:sub>
+                      </m:sSub>
+                    </m:oMath>
+                  </m:oMathPara>
+                </a14:m>
+                <a:endParaRPr lang="en-SG" dirty="0" smtClean="0"/>
+              </a:p>
+              <a:p>
+                <a:pPr marL="457200" lvl="1" indent="0">
+                  <a:buNone/>
+                </a:pPr>
+                <a:r>
+                  <a:rPr lang="en-SG" dirty="0" smtClean="0"/>
+                  <a:t>with matrix representation</a:t>
+                </a:r>
+                <a:endParaRPr lang="en-SG" dirty="0" smtClean="0"/>
+              </a:p>
+            </p:txBody>
+          </p:sp>
+        </mc:Choice>
+        <mc:Fallback>
+          <p:sp>
+            <p:nvSpPr>
+              <p:cNvPr id="3" name="内容占位符 2"/>
+              <p:cNvSpPr>
+                <a:spLocks noGrp="1" noRot="1" noChangeAspect="1" noMove="1" noResize="1" noEditPoints="1" noAdjustHandles="1" noChangeArrowheads="1" noChangeShapeType="1" noTextEdit="1"/>
+              </p:cNvSpPr>
+              <p:nvPr>
+                <p:ph idx="1"/>
+              </p:nvPr>
+            </p:nvSpPr>
+            <p:spPr>
+              <a:xfrm>
+                <a:off x="613913" y="1825624"/>
+                <a:ext cx="7701951" cy="4676775"/>
+              </a:xfrm>
+              <a:blipFill>
+                <a:blip r:embed="rId3"/>
+                <a:stretch>
+                  <a:fillRect l="-1425" t="-2083"/>
+                </a:stretch>
+              </a:blipFill>
+            </p:spPr>
+            <p:txBody>
+              <a:bodyPr/>
+              <a:lstStyle/>
+              <a:p>
+                <a:r>
+                  <a:rPr lang="en-SG">
+                    <a:noFill/>
+                  </a:rPr>
+                  <a:t> </a:t>
+                </a:r>
+              </a:p>
+            </p:txBody>
+          </p:sp>
+        </mc:Fallback>
+      </mc:AlternateContent>
       <p:pic>
         <p:nvPicPr>
           <p:cNvPr id="4" name="图片 3"/>
@@ -10077,7 +10590,7 @@
           <p:nvPr/>
         </p:nvPicPr>
         <p:blipFill>
-          <a:blip r:embed="rId3"/>
+          <a:blip r:embed="rId4"/>
           <a:stretch>
             <a:fillRect/>
           </a:stretch>
@@ -10101,7 +10614,7 @@
           <p:nvPr/>
         </p:nvPicPr>
         <p:blipFill>
-          <a:blip r:embed="rId4">
+          <a:blip r:embed="rId5">
             <a:extLst>
               <a:ext uri="{28A0092B-C50C-407E-A947-70E740481C1C}">
                 <a14:useLocalDpi xmlns:a14="http://schemas.microsoft.com/office/drawing/2010/main" val="0"/>
@@ -10131,7 +10644,7 @@
           <p:nvPr/>
         </p:nvPicPr>
         <p:blipFill>
-          <a:blip r:embed="rId5"/>
+          <a:blip r:embed="rId6"/>
           <a:stretch>
             <a:fillRect/>
           </a:stretch>
@@ -10155,7 +10668,7 @@
           <p:nvPr/>
         </p:nvPicPr>
         <p:blipFill>
-          <a:blip r:embed="rId6"/>
+          <a:blip r:embed="rId7"/>
           <a:stretch>
             <a:fillRect/>
           </a:stretch>
@@ -10179,25 +10692,25 @@
           <p:nvPr>
             <p:extLst>
               <p:ext uri="{D42A27DB-BD31-4B8C-83A1-F6EECF244321}">
-                <p14:modId xmlns:p14="http://schemas.microsoft.com/office/powerpoint/2010/main" val="3981764933"/>
+                <p14:modId xmlns:p14="http://schemas.microsoft.com/office/powerpoint/2010/main" val="1954444869"/>
               </p:ext>
             </p:extLst>
           </p:nvPr>
         </p:nvGraphicFramePr>
         <p:xfrm>
-          <a:off x="3293033" y="4522787"/>
-          <a:ext cx="4850756" cy="1654175"/>
+          <a:off x="2554288" y="4870450"/>
+          <a:ext cx="5232400" cy="1609725"/>
         </p:xfrm>
         <a:graphic>
           <a:graphicData uri="http://schemas.openxmlformats.org/presentationml/2006/ole">
             <mc:AlternateContent xmlns:mc="http://schemas.openxmlformats.org/markup-compatibility/2006">
               <mc:Choice xmlns:v="urn:schemas-microsoft-com:vml" Requires="v">
-                <p:oleObj spid="_x0000_s18442" name="Equation" r:id="rId7" imgW="2755800" imgH="939600" progId="Equation.DSMT4">
+                <p:oleObj spid="_x0000_s18507" name="Equation" r:id="rId8" imgW="2971800" imgH="914400" progId="Equation.DSMT4">
                   <p:embed/>
                 </p:oleObj>
               </mc:Choice>
               <mc:Fallback>
-                <p:oleObj name="Equation" r:id="rId7" imgW="2755800" imgH="939600" progId="Equation.DSMT4">
+                <p:oleObj name="Equation" r:id="rId8" imgW="2971800" imgH="914400" progId="Equation.DSMT4">
                   <p:embed/>
                   <p:pic>
                     <p:nvPicPr>
@@ -10206,15 +10719,15 @@
                       <p:nvPr/>
                     </p:nvPicPr>
                     <p:blipFill>
-                      <a:blip r:embed="rId8"/>
+                      <a:blip r:embed="rId9"/>
                       <a:stretch>
                         <a:fillRect/>
                       </a:stretch>
                     </p:blipFill>
                     <p:spPr>
                       <a:xfrm>
-                        <a:off x="3293033" y="4522787"/>
-                        <a:ext cx="4850756" cy="1654175"/>
+                        <a:off x="2554288" y="4870450"/>
+                        <a:ext cx="5232400" cy="1609725"/>
                       </a:xfrm>
                       <a:prstGeom prst="rect">
                         <a:avLst/>
@@ -10236,7 +10749,7 @@
           <p:nvPr/>
         </p:nvPicPr>
         <p:blipFill>
-          <a:blip r:embed="rId9"/>
+          <a:blip r:embed="rId10"/>
           <a:stretch>
             <a:fillRect/>
           </a:stretch>
@@ -10271,95 +10784,6 @@
 </p:sld>
 </file>
 
-<file path=ppt/slides/slide42.xml><?xml version="1.0" encoding="utf-8"?>
-<p:sld xmlns:a="http://schemas.openxmlformats.org/drawingml/2006/main" xmlns:r="http://schemas.openxmlformats.org/officeDocument/2006/relationships" xmlns:p="http://schemas.openxmlformats.org/presentationml/2006/main">
-  <p:cSld>
-    <p:spTree>
-      <p:nvGrpSpPr>
-        <p:cNvPr id="1" name=""/>
-        <p:cNvGrpSpPr/>
-        <p:nvPr/>
-      </p:nvGrpSpPr>
-      <p:grpSpPr>
-        <a:xfrm>
-          <a:off x="0" y="0"/>
-          <a:ext cx="0" cy="0"/>
-          <a:chOff x="0" y="0"/>
-          <a:chExt cx="0" cy="0"/>
-        </a:xfrm>
-      </p:grpSpPr>
-      <p:sp>
-        <p:nvSpPr>
-          <p:cNvPr id="2" name="标题 1"/>
-          <p:cNvSpPr>
-            <a:spLocks noGrp="1"/>
-          </p:cNvSpPr>
-          <p:nvPr>
-            <p:ph type="title"/>
-          </p:nvPr>
-        </p:nvSpPr>
-        <p:spPr/>
-        <p:txBody>
-          <a:bodyPr>
-            <a:normAutofit/>
-          </a:bodyPr>
-          <a:lstStyle/>
-          <a:p>
-            <a:r>
-              <a:rPr lang="en-SG" dirty="0"/>
-              <a:t>Geometry of curve – </a:t>
-            </a:r>
-            <a:r>
-              <a:rPr lang="en-SG" dirty="0" smtClean="0"/>
-              <a:t>Cubic spline </a:t>
-            </a:r>
-            <a:r>
-              <a:rPr lang="en-SG" dirty="0" smtClean="0"/>
-              <a:t>curves</a:t>
-            </a:r>
-            <a:endParaRPr lang="en-SG" dirty="0"/>
-          </a:p>
-        </p:txBody>
-      </p:sp>
-      <p:sp>
-        <p:nvSpPr>
-          <p:cNvPr id="3" name="内容占位符 2"/>
-          <p:cNvSpPr>
-            <a:spLocks noGrp="1"/>
-          </p:cNvSpPr>
-          <p:nvPr>
-            <p:ph idx="1"/>
-          </p:nvPr>
-        </p:nvSpPr>
-        <p:spPr/>
-        <p:txBody>
-          <a:bodyPr/>
-          <a:lstStyle/>
-          <a:p>
-            <a:endParaRPr lang="en-SG"/>
-          </a:p>
-        </p:txBody>
-      </p:sp>
-    </p:spTree>
-    <p:extLst>
-      <p:ext uri="{BB962C8B-B14F-4D97-AF65-F5344CB8AC3E}">
-        <p14:creationId xmlns:p14="http://schemas.microsoft.com/office/powerpoint/2010/main" val="767071097"/>
-      </p:ext>
-    </p:extLst>
-  </p:cSld>
-  <p:clrMapOvr>
-    <a:masterClrMapping/>
-  </p:clrMapOvr>
-  <p:timing>
-    <p:tnLst>
-      <p:par>
-        <p:cTn id="1" dur="indefinite" restart="never" nodeType="tmRoot"/>
-      </p:par>
-    </p:tnLst>
-  </p:timing>
-</p:sld>
-</file>
-
 <file path=ppt/slides/slide43.xml><?xml version="1.0" encoding="utf-8"?>
 <p:sld xmlns:a="http://schemas.openxmlformats.org/drawingml/2006/main" xmlns:r="http://schemas.openxmlformats.org/officeDocument/2006/relationships" xmlns:p="http://schemas.openxmlformats.org/presentationml/2006/main">
   <p:cSld>
@@ -10396,31 +10820,847 @@
           <a:p>
             <a:r>
               <a:rPr lang="en-SG" dirty="0"/>
-              <a:t>Geometry of curve – B-spline </a:t>
-            </a:r>
-            <a:r>
-              <a:rPr lang="en-SG" dirty="0" smtClean="0"/>
-              <a:t>curves</a:t>
+              <a:t>Geometry of curve – </a:t>
+            </a:r>
+            <a:r>
+              <a:rPr lang="en-SG" dirty="0" smtClean="0"/>
+              <a:t>Cubic spline curves</a:t>
             </a:r>
             <a:endParaRPr lang="en-SG" dirty="0"/>
           </a:p>
         </p:txBody>
       </p:sp>
-      <p:sp>
-        <p:nvSpPr>
-          <p:cNvPr id="3" name="内容占位符 2"/>
-          <p:cNvSpPr>
-            <a:spLocks noGrp="1"/>
-          </p:cNvSpPr>
-          <p:nvPr>
-            <p:ph idx="1"/>
-          </p:nvPr>
-        </p:nvSpPr>
-        <p:spPr/>
-        <p:txBody>
-          <a:bodyPr/>
-          <a:lstStyle/>
-          <a:p>
+      <mc:AlternateContent xmlns:mc="http://schemas.openxmlformats.org/markup-compatibility/2006">
+        <mc:Choice xmlns:a14="http://schemas.microsoft.com/office/drawing/2010/main" Requires="a14">
+          <p:sp>
+            <p:nvSpPr>
+              <p:cNvPr id="3" name="内容占位符 2"/>
+              <p:cNvSpPr>
+                <a:spLocks noGrp="1"/>
+              </p:cNvSpPr>
+              <p:nvPr>
+                <p:ph idx="1"/>
+              </p:nvPr>
+            </p:nvSpPr>
+            <p:spPr>
+              <a:xfrm>
+                <a:off x="838200" y="1825625"/>
+                <a:ext cx="7399844" cy="4351338"/>
+              </a:xfrm>
+            </p:spPr>
+            <p:txBody>
+              <a:bodyPr>
+                <a:normAutofit fontScale="92500" lnSpcReduction="10000"/>
+              </a:bodyPr>
+              <a:lstStyle/>
+              <a:p>
+                <a:r>
+                  <a:rPr lang="en-SG" dirty="0" smtClean="0"/>
+                  <a:t>Interpolation by piecewise </a:t>
+                </a:r>
+                <a:r>
+                  <a:rPr lang="en-SG" dirty="0" smtClean="0"/>
+                  <a:t>cubic curve with function of </a:t>
+                </a:r>
+                <a:endParaRPr lang="en-SG" dirty="0" smtClean="0"/>
+              </a:p>
+              <a:p>
+                <a:pPr marL="457200" lvl="1" indent="0">
+                  <a:buNone/>
+                </a:pPr>
+                <a14:m>
+                  <m:oMathPara xmlns:m="http://schemas.openxmlformats.org/officeDocument/2006/math">
+                    <m:oMathParaPr>
+                      <m:jc m:val="centerGroup"/>
+                    </m:oMathParaPr>
+                    <m:oMath xmlns:m="http://schemas.openxmlformats.org/officeDocument/2006/math">
+                      <m:r>
+                        <m:rPr>
+                          <m:sty m:val="p"/>
+                        </m:rPr>
+                        <a:rPr lang="en-SG" b="0" i="0" smtClean="0">
+                          <a:latin typeface="Cambria Math" panose="02040503050406030204" pitchFamily="18" charset="0"/>
+                        </a:rPr>
+                        <m:t>y</m:t>
+                      </m:r>
+                      <m:r>
+                        <a:rPr lang="en-SG" b="0" i="0" smtClean="0">
+                          <a:latin typeface="Cambria Math" panose="02040503050406030204" pitchFamily="18" charset="0"/>
+                        </a:rPr>
+                        <m:t>=</m:t>
+                      </m:r>
+                      <m:r>
+                        <a:rPr lang="en-SG" b="0" i="1" smtClean="0">
+                          <a:latin typeface="Cambria Math" panose="02040503050406030204" pitchFamily="18" charset="0"/>
+                        </a:rPr>
+                        <m:t>𝑎</m:t>
+                      </m:r>
+                      <m:sSup>
+                        <m:sSupPr>
+                          <m:ctrlPr>
+                            <a:rPr lang="en-SG" b="0" i="1" smtClean="0">
+                              <a:latin typeface="Cambria Math" panose="02040503050406030204" pitchFamily="18" charset="0"/>
+                            </a:rPr>
+                          </m:ctrlPr>
+                        </m:sSupPr>
+                        <m:e>
+                          <m:r>
+                            <a:rPr lang="en-SG" b="0" i="1" smtClean="0">
+                              <a:latin typeface="Cambria Math" panose="02040503050406030204" pitchFamily="18" charset="0"/>
+                            </a:rPr>
+                            <m:t>𝑥</m:t>
+                          </m:r>
+                        </m:e>
+                        <m:sup>
+                          <m:r>
+                            <a:rPr lang="en-SG" b="0" i="1" smtClean="0">
+                              <a:latin typeface="Cambria Math" panose="02040503050406030204" pitchFamily="18" charset="0"/>
+                            </a:rPr>
+                            <m:t>3</m:t>
+                          </m:r>
+                        </m:sup>
+                      </m:sSup>
+                      <m:r>
+                        <a:rPr lang="en-SG" b="0" i="1" smtClean="0">
+                          <a:latin typeface="Cambria Math" panose="02040503050406030204" pitchFamily="18" charset="0"/>
+                        </a:rPr>
+                        <m:t>+</m:t>
+                      </m:r>
+                      <m:r>
+                        <a:rPr lang="en-SG" b="0" i="1" smtClean="0">
+                          <a:latin typeface="Cambria Math" panose="02040503050406030204" pitchFamily="18" charset="0"/>
+                        </a:rPr>
+                        <m:t>𝑏</m:t>
+                      </m:r>
+                      <m:sSup>
+                        <m:sSupPr>
+                          <m:ctrlPr>
+                            <a:rPr lang="en-SG" b="0" i="1" smtClean="0">
+                              <a:latin typeface="Cambria Math" panose="02040503050406030204" pitchFamily="18" charset="0"/>
+                            </a:rPr>
+                          </m:ctrlPr>
+                        </m:sSupPr>
+                        <m:e>
+                          <m:r>
+                            <a:rPr lang="en-SG" b="0" i="1" smtClean="0">
+                              <a:latin typeface="Cambria Math" panose="02040503050406030204" pitchFamily="18" charset="0"/>
+                            </a:rPr>
+                            <m:t>𝑥</m:t>
+                          </m:r>
+                        </m:e>
+                        <m:sup>
+                          <m:r>
+                            <a:rPr lang="en-SG" b="0" i="1" smtClean="0">
+                              <a:latin typeface="Cambria Math" panose="02040503050406030204" pitchFamily="18" charset="0"/>
+                            </a:rPr>
+                            <m:t>2</m:t>
+                          </m:r>
+                        </m:sup>
+                      </m:sSup>
+                      <m:r>
+                        <a:rPr lang="en-SG" b="0" i="1" smtClean="0">
+                          <a:latin typeface="Cambria Math" panose="02040503050406030204" pitchFamily="18" charset="0"/>
+                        </a:rPr>
+                        <m:t>+</m:t>
+                      </m:r>
+                      <m:r>
+                        <a:rPr lang="en-SG" b="0" i="1" smtClean="0">
+                          <a:latin typeface="Cambria Math" panose="02040503050406030204" pitchFamily="18" charset="0"/>
+                        </a:rPr>
+                        <m:t>𝑐𝑥</m:t>
+                      </m:r>
+                      <m:r>
+                        <a:rPr lang="en-SG" b="0" i="1" smtClean="0">
+                          <a:latin typeface="Cambria Math" panose="02040503050406030204" pitchFamily="18" charset="0"/>
+                        </a:rPr>
+                        <m:t>+</m:t>
+                      </m:r>
+                      <m:r>
+                        <a:rPr lang="en-SG" b="0" i="1" smtClean="0">
+                          <a:latin typeface="Cambria Math" panose="02040503050406030204" pitchFamily="18" charset="0"/>
+                        </a:rPr>
+                        <m:t>𝑑</m:t>
+                      </m:r>
+                    </m:oMath>
+                  </m:oMathPara>
+                </a14:m>
+                <a:endParaRPr lang="en-SG" dirty="0" smtClean="0"/>
+              </a:p>
+              <a:p>
+                <a:r>
+                  <a:rPr lang="en-SG" dirty="0" smtClean="0"/>
+                  <a:t>Requirements:</a:t>
+                </a:r>
+              </a:p>
+              <a:p>
+                <a:pPr lvl="1">
+                  <a:buFont typeface="Wingdings" panose="05000000000000000000" pitchFamily="2" charset="2"/>
+                  <a:buChar char="ü"/>
+                </a:pPr>
+                <a:r>
+                  <a:rPr lang="en-SG" dirty="0" smtClean="0"/>
+                  <a:t>Continuous </a:t>
+                </a:r>
+                <a:r>
+                  <a:rPr lang="en-SG" dirty="0" smtClean="0"/>
+                  <a:t>at joint points</a:t>
+                </a:r>
+              </a:p>
+              <a:p>
+                <a:pPr lvl="1">
+                  <a:buFont typeface="Wingdings" panose="05000000000000000000" pitchFamily="2" charset="2"/>
+                  <a:buChar char="ü"/>
+                </a:pPr>
+                <a:r>
+                  <a:rPr lang="en-SG" dirty="0" smtClean="0"/>
+                  <a:t>The first and second derivatives are also continuous at joint points</a:t>
+                </a:r>
+              </a:p>
+              <a:p>
+                <a:pPr lvl="1">
+                  <a:buFont typeface="Wingdings" panose="05000000000000000000" pitchFamily="2" charset="2"/>
+                  <a:buChar char="ü"/>
+                </a:pPr>
+                <a:r>
+                  <a:rPr lang="en-SG" dirty="0" smtClean="0"/>
+                  <a:t>The second derivative equal to zero at the end of point</a:t>
+                </a:r>
+              </a:p>
+              <a:p>
+                <a:r>
+                  <a:rPr lang="en-SG" dirty="0" smtClean="0"/>
+                  <a:t>Given </a:t>
+                </a:r>
+                <a:r>
+                  <a:rPr lang="en-SG" dirty="0" smtClean="0"/>
+                  <a:t>any three points, there are 8 equations meet the above requirements, which can be solved for 2 cubic curves</a:t>
+                </a:r>
+                <a:r>
+                  <a:rPr lang="en-SG" dirty="0" smtClean="0"/>
+                  <a:t>.</a:t>
+                </a:r>
+              </a:p>
+              <a:p>
+                <a:r>
+                  <a:rPr lang="en-SG" dirty="0"/>
+                  <a:t>Locally control the shape of </a:t>
+                </a:r>
+                <a:r>
+                  <a:rPr lang="en-SG" dirty="0" smtClean="0"/>
+                  <a:t>curves</a:t>
+                </a:r>
+                <a:endParaRPr lang="en-SG" dirty="0" smtClean="0"/>
+              </a:p>
+              <a:p>
+                <a:endParaRPr lang="en-SG" dirty="0"/>
+              </a:p>
+            </p:txBody>
+          </p:sp>
+        </mc:Choice>
+        <mc:Fallback>
+          <p:sp>
+            <p:nvSpPr>
+              <p:cNvPr id="3" name="内容占位符 2"/>
+              <p:cNvSpPr>
+                <a:spLocks noGrp="1" noRot="1" noChangeAspect="1" noMove="1" noResize="1" noEditPoints="1" noAdjustHandles="1" noChangeArrowheads="1" noChangeShapeType="1" noTextEdit="1"/>
+              </p:cNvSpPr>
+              <p:nvPr>
+                <p:ph idx="1"/>
+              </p:nvPr>
+            </p:nvSpPr>
+            <p:spPr>
+              <a:xfrm>
+                <a:off x="838200" y="1825625"/>
+                <a:ext cx="7399844" cy="4351338"/>
+              </a:xfrm>
+              <a:blipFill>
+                <a:blip r:embed="rId2"/>
+                <a:stretch>
+                  <a:fillRect l="-1319" t="-2801" r="-412" b="-1681"/>
+                </a:stretch>
+              </a:blipFill>
+            </p:spPr>
+            <p:txBody>
+              <a:bodyPr/>
+              <a:lstStyle/>
+              <a:p>
+                <a:r>
+                  <a:rPr lang="en-SG">
+                    <a:noFill/>
+                  </a:rPr>
+                  <a:t> </a:t>
+                </a:r>
+              </a:p>
+            </p:txBody>
+          </p:sp>
+        </mc:Fallback>
+      </mc:AlternateContent>
+      <p:sp>
+        <p:nvSpPr>
+          <p:cNvPr id="4" name="流程图: 接点 3"/>
+          <p:cNvSpPr/>
+          <p:nvPr/>
+        </p:nvSpPr>
+        <p:spPr>
+          <a:xfrm>
+            <a:off x="9622765" y="1869708"/>
+            <a:ext cx="146649" cy="146649"/>
+          </a:xfrm>
+          <a:prstGeom prst="flowChartConnector">
+            <a:avLst/>
+          </a:prstGeom>
+        </p:spPr>
+        <p:style>
+          <a:lnRef idx="2">
+            <a:schemeClr val="accent1">
+              <a:shade val="50000"/>
+            </a:schemeClr>
+          </a:lnRef>
+          <a:fillRef idx="1">
+            <a:schemeClr val="accent1"/>
+          </a:fillRef>
+          <a:effectRef idx="0">
+            <a:schemeClr val="accent1"/>
+          </a:effectRef>
+          <a:fontRef idx="minor">
+            <a:schemeClr val="lt1"/>
+          </a:fontRef>
+        </p:style>
+        <p:txBody>
+          <a:bodyPr rtlCol="0" anchor="ctr"/>
+          <a:lstStyle/>
+          <a:p>
+            <a:pPr algn="ctr"/>
+            <a:endParaRPr lang="en-SG"/>
+          </a:p>
+        </p:txBody>
+      </p:sp>
+      <p:sp>
+        <p:nvSpPr>
+          <p:cNvPr id="5" name="流程图: 接点 4"/>
+          <p:cNvSpPr/>
+          <p:nvPr/>
+        </p:nvSpPr>
+        <p:spPr>
+          <a:xfrm>
+            <a:off x="10304252" y="2497302"/>
+            <a:ext cx="146649" cy="146649"/>
+          </a:xfrm>
+          <a:prstGeom prst="flowChartConnector">
+            <a:avLst/>
+          </a:prstGeom>
+        </p:spPr>
+        <p:style>
+          <a:lnRef idx="2">
+            <a:schemeClr val="accent1">
+              <a:shade val="50000"/>
+            </a:schemeClr>
+          </a:lnRef>
+          <a:fillRef idx="1">
+            <a:schemeClr val="accent1"/>
+          </a:fillRef>
+          <a:effectRef idx="0">
+            <a:schemeClr val="accent1"/>
+          </a:effectRef>
+          <a:fontRef idx="minor">
+            <a:schemeClr val="lt1"/>
+          </a:fontRef>
+        </p:style>
+        <p:txBody>
+          <a:bodyPr rtlCol="0" anchor="ctr"/>
+          <a:lstStyle/>
+          <a:p>
+            <a:pPr algn="ctr"/>
+            <a:endParaRPr lang="en-SG"/>
+          </a:p>
+        </p:txBody>
+      </p:sp>
+      <p:sp>
+        <p:nvSpPr>
+          <p:cNvPr id="11" name="流程图: 接点 10"/>
+          <p:cNvSpPr/>
+          <p:nvPr/>
+        </p:nvSpPr>
+        <p:spPr>
+          <a:xfrm>
+            <a:off x="9023228" y="2552693"/>
+            <a:ext cx="146649" cy="146649"/>
+          </a:xfrm>
+          <a:prstGeom prst="flowChartConnector">
+            <a:avLst/>
+          </a:prstGeom>
+        </p:spPr>
+        <p:style>
+          <a:lnRef idx="2">
+            <a:schemeClr val="accent1">
+              <a:shade val="50000"/>
+            </a:schemeClr>
+          </a:lnRef>
+          <a:fillRef idx="1">
+            <a:schemeClr val="accent1"/>
+          </a:fillRef>
+          <a:effectRef idx="0">
+            <a:schemeClr val="accent1"/>
+          </a:effectRef>
+          <a:fontRef idx="minor">
+            <a:schemeClr val="lt1"/>
+          </a:fontRef>
+        </p:style>
+        <p:txBody>
+          <a:bodyPr rtlCol="0" anchor="ctr"/>
+          <a:lstStyle/>
+          <a:p>
+            <a:pPr algn="ctr"/>
+            <a:endParaRPr lang="en-SG"/>
+          </a:p>
+        </p:txBody>
+      </p:sp>
+      <p:sp>
+        <p:nvSpPr>
+          <p:cNvPr id="13" name="流程图: 接点 12"/>
+          <p:cNvSpPr/>
+          <p:nvPr/>
+        </p:nvSpPr>
+        <p:spPr>
+          <a:xfrm>
+            <a:off x="9622765" y="3301693"/>
+            <a:ext cx="146649" cy="146649"/>
+          </a:xfrm>
+          <a:prstGeom prst="flowChartConnector">
+            <a:avLst/>
+          </a:prstGeom>
+        </p:spPr>
+        <p:style>
+          <a:lnRef idx="2">
+            <a:schemeClr val="accent1">
+              <a:shade val="50000"/>
+            </a:schemeClr>
+          </a:lnRef>
+          <a:fillRef idx="1">
+            <a:schemeClr val="accent1"/>
+          </a:fillRef>
+          <a:effectRef idx="0">
+            <a:schemeClr val="accent1"/>
+          </a:effectRef>
+          <a:fontRef idx="minor">
+            <a:schemeClr val="lt1"/>
+          </a:fontRef>
+        </p:style>
+        <p:txBody>
+          <a:bodyPr rtlCol="0" anchor="ctr"/>
+          <a:lstStyle/>
+          <a:p>
+            <a:pPr algn="ctr"/>
+            <a:endParaRPr lang="en-SG"/>
+          </a:p>
+        </p:txBody>
+      </p:sp>
+      <p:sp>
+        <p:nvSpPr>
+          <p:cNvPr id="14" name="流程图: 接点 13"/>
+          <p:cNvSpPr/>
+          <p:nvPr/>
+        </p:nvSpPr>
+        <p:spPr>
+          <a:xfrm>
+            <a:off x="10304252" y="3929287"/>
+            <a:ext cx="146649" cy="146649"/>
+          </a:xfrm>
+          <a:prstGeom prst="flowChartConnector">
+            <a:avLst/>
+          </a:prstGeom>
+        </p:spPr>
+        <p:style>
+          <a:lnRef idx="2">
+            <a:schemeClr val="accent1">
+              <a:shade val="50000"/>
+            </a:schemeClr>
+          </a:lnRef>
+          <a:fillRef idx="1">
+            <a:schemeClr val="accent1"/>
+          </a:fillRef>
+          <a:effectRef idx="0">
+            <a:schemeClr val="accent1"/>
+          </a:effectRef>
+          <a:fontRef idx="minor">
+            <a:schemeClr val="lt1"/>
+          </a:fontRef>
+        </p:style>
+        <p:txBody>
+          <a:bodyPr rtlCol="0" anchor="ctr"/>
+          <a:lstStyle/>
+          <a:p>
+            <a:pPr algn="ctr"/>
+            <a:endParaRPr lang="en-SG"/>
+          </a:p>
+        </p:txBody>
+      </p:sp>
+      <p:sp>
+        <p:nvSpPr>
+          <p:cNvPr id="15" name="流程图: 接点 14"/>
+          <p:cNvSpPr/>
+          <p:nvPr/>
+        </p:nvSpPr>
+        <p:spPr>
+          <a:xfrm>
+            <a:off x="9023228" y="3984678"/>
+            <a:ext cx="146649" cy="146649"/>
+          </a:xfrm>
+          <a:prstGeom prst="flowChartConnector">
+            <a:avLst/>
+          </a:prstGeom>
+        </p:spPr>
+        <p:style>
+          <a:lnRef idx="2">
+            <a:schemeClr val="accent1">
+              <a:shade val="50000"/>
+            </a:schemeClr>
+          </a:lnRef>
+          <a:fillRef idx="1">
+            <a:schemeClr val="accent1"/>
+          </a:fillRef>
+          <a:effectRef idx="0">
+            <a:schemeClr val="accent1"/>
+          </a:effectRef>
+          <a:fontRef idx="minor">
+            <a:schemeClr val="lt1"/>
+          </a:fontRef>
+        </p:style>
+        <p:txBody>
+          <a:bodyPr rtlCol="0" anchor="ctr"/>
+          <a:lstStyle/>
+          <a:p>
+            <a:pPr algn="ctr"/>
+            <a:endParaRPr lang="en-SG"/>
+          </a:p>
+        </p:txBody>
+      </p:sp>
+      <p:sp>
+        <p:nvSpPr>
+          <p:cNvPr id="16" name="流程图: 接点 15"/>
+          <p:cNvSpPr/>
+          <p:nvPr/>
+        </p:nvSpPr>
+        <p:spPr>
+          <a:xfrm>
+            <a:off x="9622765" y="4715744"/>
+            <a:ext cx="146649" cy="146649"/>
+          </a:xfrm>
+          <a:prstGeom prst="flowChartConnector">
+            <a:avLst/>
+          </a:prstGeom>
+        </p:spPr>
+        <p:style>
+          <a:lnRef idx="2">
+            <a:schemeClr val="accent1">
+              <a:shade val="50000"/>
+            </a:schemeClr>
+          </a:lnRef>
+          <a:fillRef idx="1">
+            <a:schemeClr val="accent1"/>
+          </a:fillRef>
+          <a:effectRef idx="0">
+            <a:schemeClr val="accent1"/>
+          </a:effectRef>
+          <a:fontRef idx="minor">
+            <a:schemeClr val="lt1"/>
+          </a:fontRef>
+        </p:style>
+        <p:txBody>
+          <a:bodyPr rtlCol="0" anchor="ctr"/>
+          <a:lstStyle/>
+          <a:p>
+            <a:pPr algn="ctr"/>
+            <a:endParaRPr lang="en-SG"/>
+          </a:p>
+        </p:txBody>
+      </p:sp>
+      <p:sp>
+        <p:nvSpPr>
+          <p:cNvPr id="17" name="流程图: 接点 16"/>
+          <p:cNvSpPr/>
+          <p:nvPr/>
+        </p:nvSpPr>
+        <p:spPr>
+          <a:xfrm>
+            <a:off x="10304252" y="5343338"/>
+            <a:ext cx="146649" cy="146649"/>
+          </a:xfrm>
+          <a:prstGeom prst="flowChartConnector">
+            <a:avLst/>
+          </a:prstGeom>
+        </p:spPr>
+        <p:style>
+          <a:lnRef idx="2">
+            <a:schemeClr val="accent1">
+              <a:shade val="50000"/>
+            </a:schemeClr>
+          </a:lnRef>
+          <a:fillRef idx="1">
+            <a:schemeClr val="accent1"/>
+          </a:fillRef>
+          <a:effectRef idx="0">
+            <a:schemeClr val="accent1"/>
+          </a:effectRef>
+          <a:fontRef idx="minor">
+            <a:schemeClr val="lt1"/>
+          </a:fontRef>
+        </p:style>
+        <p:txBody>
+          <a:bodyPr rtlCol="0" anchor="ctr"/>
+          <a:lstStyle/>
+          <a:p>
+            <a:pPr algn="ctr"/>
+            <a:endParaRPr lang="en-SG"/>
+          </a:p>
+        </p:txBody>
+      </p:sp>
+      <p:sp>
+        <p:nvSpPr>
+          <p:cNvPr id="18" name="流程图: 接点 17"/>
+          <p:cNvSpPr/>
+          <p:nvPr/>
+        </p:nvSpPr>
+        <p:spPr>
+          <a:xfrm>
+            <a:off x="9023228" y="5398729"/>
+            <a:ext cx="146649" cy="146649"/>
+          </a:xfrm>
+          <a:prstGeom prst="flowChartConnector">
+            <a:avLst/>
+          </a:prstGeom>
+        </p:spPr>
+        <p:style>
+          <a:lnRef idx="2">
+            <a:schemeClr val="accent1">
+              <a:shade val="50000"/>
+            </a:schemeClr>
+          </a:lnRef>
+          <a:fillRef idx="1">
+            <a:schemeClr val="accent1"/>
+          </a:fillRef>
+          <a:effectRef idx="0">
+            <a:schemeClr val="accent1"/>
+          </a:effectRef>
+          <a:fontRef idx="minor">
+            <a:schemeClr val="lt1"/>
+          </a:fontRef>
+        </p:style>
+        <p:txBody>
+          <a:bodyPr rtlCol="0" anchor="ctr"/>
+          <a:lstStyle/>
+          <a:p>
+            <a:pPr algn="ctr"/>
+            <a:endParaRPr lang="en-SG"/>
+          </a:p>
+        </p:txBody>
+      </p:sp>
+      <p:cxnSp>
+        <p:nvCxnSpPr>
+          <p:cNvPr id="20" name="直接连接符 19"/>
+          <p:cNvCxnSpPr>
+            <a:stCxn id="4" idx="3"/>
+            <a:endCxn id="11" idx="7"/>
+          </p:cNvCxnSpPr>
+          <p:nvPr/>
+        </p:nvCxnSpPr>
+        <p:spPr>
+          <a:xfrm flipH="1">
+            <a:off x="9148401" y="1994881"/>
+            <a:ext cx="495840" cy="579288"/>
+          </a:xfrm>
+          <a:prstGeom prst="line">
+            <a:avLst/>
+          </a:prstGeom>
+        </p:spPr>
+        <p:style>
+          <a:lnRef idx="1">
+            <a:schemeClr val="accent1"/>
+          </a:lnRef>
+          <a:fillRef idx="0">
+            <a:schemeClr val="accent1"/>
+          </a:fillRef>
+          <a:effectRef idx="0">
+            <a:schemeClr val="accent1"/>
+          </a:effectRef>
+          <a:fontRef idx="minor">
+            <a:schemeClr val="tx1"/>
+          </a:fontRef>
+        </p:style>
+      </p:cxnSp>
+      <p:cxnSp>
+        <p:nvCxnSpPr>
+          <p:cNvPr id="23" name="直接连接符 22"/>
+          <p:cNvCxnSpPr>
+            <a:stCxn id="5" idx="1"/>
+          </p:cNvCxnSpPr>
+          <p:nvPr/>
+        </p:nvCxnSpPr>
+        <p:spPr>
+          <a:xfrm flipH="1" flipV="1">
+            <a:off x="9998015" y="1825625"/>
+            <a:ext cx="327713" cy="693153"/>
+          </a:xfrm>
+          <a:prstGeom prst="line">
+            <a:avLst/>
+          </a:prstGeom>
+        </p:spPr>
+        <p:style>
+          <a:lnRef idx="1">
+            <a:schemeClr val="accent1"/>
+          </a:lnRef>
+          <a:fillRef idx="0">
+            <a:schemeClr val="accent1"/>
+          </a:fillRef>
+          <a:effectRef idx="0">
+            <a:schemeClr val="accent1"/>
+          </a:effectRef>
+          <a:fontRef idx="minor">
+            <a:schemeClr val="tx1"/>
+          </a:fontRef>
+        </p:style>
+      </p:cxnSp>
+      <p:cxnSp>
+        <p:nvCxnSpPr>
+          <p:cNvPr id="26" name="直接连接符 25"/>
+          <p:cNvCxnSpPr>
+            <a:stCxn id="15" idx="7"/>
+            <a:endCxn id="13" idx="3"/>
+          </p:cNvCxnSpPr>
+          <p:nvPr/>
+        </p:nvCxnSpPr>
+        <p:spPr>
+          <a:xfrm flipV="1">
+            <a:off x="9148401" y="3426866"/>
+            <a:ext cx="495840" cy="579288"/>
+          </a:xfrm>
+          <a:prstGeom prst="line">
+            <a:avLst/>
+          </a:prstGeom>
+        </p:spPr>
+        <p:style>
+          <a:lnRef idx="1">
+            <a:schemeClr val="accent1"/>
+          </a:lnRef>
+          <a:fillRef idx="0">
+            <a:schemeClr val="accent1"/>
+          </a:fillRef>
+          <a:effectRef idx="0">
+            <a:schemeClr val="accent1"/>
+          </a:effectRef>
+          <a:fontRef idx="minor">
+            <a:schemeClr val="tx1"/>
+          </a:fontRef>
+        </p:style>
+      </p:cxnSp>
+      <p:cxnSp>
+        <p:nvCxnSpPr>
+          <p:cNvPr id="28" name="直接连接符 27"/>
+          <p:cNvCxnSpPr>
+            <a:stCxn id="14" idx="5"/>
+            <a:endCxn id="13" idx="1"/>
+          </p:cNvCxnSpPr>
+          <p:nvPr/>
+        </p:nvCxnSpPr>
+        <p:spPr>
+          <a:xfrm flipH="1" flipV="1">
+            <a:off x="9644241" y="3323169"/>
+            <a:ext cx="785184" cy="731291"/>
+          </a:xfrm>
+          <a:prstGeom prst="line">
+            <a:avLst/>
+          </a:prstGeom>
+        </p:spPr>
+        <p:style>
+          <a:lnRef idx="1">
+            <a:schemeClr val="accent1"/>
+          </a:lnRef>
+          <a:fillRef idx="0">
+            <a:schemeClr val="accent1"/>
+          </a:fillRef>
+          <a:effectRef idx="0">
+            <a:schemeClr val="accent1"/>
+          </a:effectRef>
+          <a:fontRef idx="minor">
+            <a:schemeClr val="tx1"/>
+          </a:fontRef>
+        </p:style>
+      </p:cxnSp>
+      <p:sp>
+        <p:nvSpPr>
+          <p:cNvPr id="34" name="任意多边形 33"/>
+          <p:cNvSpPr/>
+          <p:nvPr/>
+        </p:nvSpPr>
+        <p:spPr>
+          <a:xfrm>
+            <a:off x="9083615" y="4787277"/>
+            <a:ext cx="1311215" cy="699123"/>
+          </a:xfrm>
+          <a:custGeom>
+            <a:avLst/>
+            <a:gdLst>
+              <a:gd name="connsiteX0" fmla="*/ 0 w 1311215"/>
+              <a:gd name="connsiteY0" fmla="*/ 699123 h 699123"/>
+              <a:gd name="connsiteX1" fmla="*/ 603849 w 1311215"/>
+              <a:gd name="connsiteY1" fmla="*/ 383 h 699123"/>
+              <a:gd name="connsiteX2" fmla="*/ 1311215 w 1311215"/>
+              <a:gd name="connsiteY2" fmla="*/ 621485 h 699123"/>
+            </a:gdLst>
+            <a:ahLst/>
+            <a:cxnLst>
+              <a:cxn ang="0">
+                <a:pos x="connsiteX0" y="connsiteY0"/>
+              </a:cxn>
+              <a:cxn ang="0">
+                <a:pos x="connsiteX1" y="connsiteY1"/>
+              </a:cxn>
+              <a:cxn ang="0">
+                <a:pos x="connsiteX2" y="connsiteY2"/>
+              </a:cxn>
+            </a:cxnLst>
+            <a:rect l="l" t="t" r="r" b="b"/>
+            <a:pathLst>
+              <a:path w="1311215" h="699123">
+                <a:moveTo>
+                  <a:pt x="0" y="699123"/>
+                </a:moveTo>
+                <a:cubicBezTo>
+                  <a:pt x="192656" y="356223"/>
+                  <a:pt x="385313" y="13323"/>
+                  <a:pt x="603849" y="383"/>
+                </a:cubicBezTo>
+                <a:cubicBezTo>
+                  <a:pt x="822385" y="-12557"/>
+                  <a:pt x="1066800" y="304464"/>
+                  <a:pt x="1311215" y="621485"/>
+                </a:cubicBezTo>
+              </a:path>
+            </a:pathLst>
+          </a:custGeom>
+          <a:noFill/>
+        </p:spPr>
+        <p:style>
+          <a:lnRef idx="2">
+            <a:schemeClr val="accent1">
+              <a:shade val="50000"/>
+            </a:schemeClr>
+          </a:lnRef>
+          <a:fillRef idx="1">
+            <a:schemeClr val="accent1"/>
+          </a:fillRef>
+          <a:effectRef idx="0">
+            <a:schemeClr val="accent1"/>
+          </a:effectRef>
+          <a:fontRef idx="minor">
+            <a:schemeClr val="lt1"/>
+          </a:fontRef>
+        </p:style>
+        <p:txBody>
+          <a:bodyPr rtlCol="0" anchor="ctr"/>
+          <a:lstStyle/>
+          <a:p>
+            <a:pPr algn="ctr"/>
             <a:endParaRPr lang="en-SG"/>
           </a:p>
         </p:txBody>
@@ -10428,7 +11668,7 @@
     </p:spTree>
     <p:extLst>
       <p:ext uri="{BB962C8B-B14F-4D97-AF65-F5344CB8AC3E}">
-        <p14:creationId xmlns:p14="http://schemas.microsoft.com/office/powerpoint/2010/main" val="484847366"/>
+        <p14:creationId xmlns:p14="http://schemas.microsoft.com/office/powerpoint/2010/main" val="767071097"/>
       </p:ext>
     </p:extLst>
   </p:cSld>
@@ -10481,11 +11721,11 @@
           <a:p>
             <a:r>
               <a:rPr lang="en-SG" dirty="0"/>
-              <a:t>Geometry of curve – </a:t>
-            </a:r>
-            <a:r>
-              <a:rPr lang="en-SG" dirty="0" smtClean="0"/>
-              <a:t>Rational curves</a:t>
+              <a:t>Geometry of curve – B-spline </a:t>
+            </a:r>
+            <a:r>
+              <a:rPr lang="en-SG" dirty="0" smtClean="0"/>
+              <a:t>curves</a:t>
             </a:r>
             <a:endParaRPr lang="en-SG" dirty="0"/>
           </a:p>
@@ -10501,48 +11741,92 @@
             <p:ph idx="1"/>
           </p:nvPr>
         </p:nvSpPr>
-        <p:spPr>
-          <a:xfrm>
-            <a:off x="838200" y="1825625"/>
-            <a:ext cx="6606396" cy="4351338"/>
-          </a:xfrm>
-        </p:spPr>
+        <p:spPr/>
         <p:txBody>
           <a:bodyPr/>
           <a:lstStyle/>
           <a:p>
-            <a:endParaRPr lang="en-SG"/>
-          </a:p>
-        </p:txBody>
-      </p:sp>
-      <p:pic>
-        <p:nvPicPr>
-          <p:cNvPr id="4" name="图片 3"/>
-          <p:cNvPicPr>
-            <a:picLocks noChangeAspect="1"/>
-          </p:cNvPicPr>
-          <p:nvPr/>
-        </p:nvPicPr>
-        <p:blipFill>
-          <a:blip r:embed="rId2"/>
-          <a:stretch>
-            <a:fillRect/>
-          </a:stretch>
-        </p:blipFill>
-        <p:spPr>
-          <a:xfrm>
-            <a:off x="7994613" y="1896055"/>
-            <a:ext cx="3359187" cy="3359187"/>
-          </a:xfrm>
-          <a:prstGeom prst="rect">
-            <a:avLst/>
-          </a:prstGeom>
-        </p:spPr>
-      </p:pic>
+            <a:r>
+              <a:rPr lang="en-SG" dirty="0" smtClean="0"/>
+              <a:t>B-spline: Blending Spline, is a powerful generalisation </a:t>
+            </a:r>
+            <a:r>
+              <a:rPr lang="en-SG" dirty="0"/>
+              <a:t>of </a:t>
+            </a:r>
+            <a:r>
+              <a:rPr lang="en-SG" dirty="0" smtClean="0"/>
+              <a:t>Bezier </a:t>
+            </a:r>
+          </a:p>
+          <a:p>
+            <a:r>
+              <a:rPr lang="en-SG" dirty="0" smtClean="0"/>
+              <a:t>Separate curve degree from the number of given points, which means B-spline curve has </a:t>
+            </a:r>
+            <a:r>
+              <a:rPr lang="en-SG" dirty="0"/>
+              <a:t>the flexibility of choosing the degree of the curve irrespective of the number of control points. </a:t>
+            </a:r>
+            <a:endParaRPr lang="en-SG" dirty="0" smtClean="0"/>
+          </a:p>
+          <a:p>
+            <a:r>
+              <a:rPr lang="en-SG" dirty="0" smtClean="0"/>
+              <a:t>B-splines </a:t>
+            </a:r>
+            <a:r>
+              <a:rPr lang="en-SG" dirty="0"/>
+              <a:t>can be of any </a:t>
+            </a:r>
+            <a:r>
+              <a:rPr lang="en-SG" dirty="0" smtClean="0"/>
+              <a:t>degree, but the </a:t>
+            </a:r>
+            <a:r>
+              <a:rPr lang="en-SG" dirty="0"/>
+              <a:t>degrees 2 or 3 </a:t>
+            </a:r>
+            <a:r>
+              <a:rPr lang="en-SG" dirty="0" smtClean="0"/>
+              <a:t>is the most useful </a:t>
+            </a:r>
+            <a:r>
+              <a:rPr lang="en-SG" dirty="0"/>
+              <a:t>in computer graphics</a:t>
+            </a:r>
+            <a:r>
+              <a:rPr lang="en-SG" dirty="0" smtClean="0"/>
+              <a:t>.</a:t>
+            </a:r>
+          </a:p>
+          <a:p>
+            <a:r>
+              <a:rPr lang="en-SG" dirty="0" smtClean="0"/>
+              <a:t>Piecewise parametric </a:t>
+            </a:r>
+            <a:r>
+              <a:rPr lang="en-SG" dirty="0"/>
+              <a:t>polynomial </a:t>
+            </a:r>
+            <a:r>
+              <a:rPr lang="en-SG" dirty="0" smtClean="0"/>
+              <a:t>curve</a:t>
+            </a:r>
+          </a:p>
+          <a:p>
+            <a:r>
+              <a:rPr lang="en-SG" dirty="0" smtClean="0"/>
+              <a:t>B-spline can be use as both interpolation and approximation.</a:t>
+            </a:r>
+            <a:endParaRPr lang="en-SG" dirty="0"/>
+          </a:p>
+        </p:txBody>
+      </p:sp>
     </p:spTree>
     <p:extLst>
       <p:ext uri="{BB962C8B-B14F-4D97-AF65-F5344CB8AC3E}">
-        <p14:creationId xmlns:p14="http://schemas.microsoft.com/office/powerpoint/2010/main" val="3365109464"/>
+        <p14:creationId xmlns:p14="http://schemas.microsoft.com/office/powerpoint/2010/main" val="484847366"/>
       </p:ext>
     </p:extLst>
   </p:cSld>
@@ -10588,68 +11872,379 @@
         </p:nvSpPr>
         <p:spPr/>
         <p:txBody>
-          <a:bodyPr/>
-          <a:lstStyle/>
-          <a:p>
-            <a:r>
-              <a:rPr lang="en-SG" dirty="0" smtClean="0"/>
-              <a:t>Geometry of surface</a:t>
+          <a:bodyPr>
+            <a:normAutofit/>
+          </a:bodyPr>
+          <a:lstStyle/>
+          <a:p>
+            <a:r>
+              <a:rPr lang="en-SG" dirty="0"/>
+              <a:t>Geometry of curve – B-spline </a:t>
+            </a:r>
+            <a:r>
+              <a:rPr lang="en-SG" dirty="0" smtClean="0"/>
+              <a:t>curves</a:t>
             </a:r>
             <a:endParaRPr lang="en-SG" dirty="0"/>
           </a:p>
         </p:txBody>
       </p:sp>
-      <p:sp>
-        <p:nvSpPr>
-          <p:cNvPr id="3" name="内容占位符 2"/>
-          <p:cNvSpPr>
-            <a:spLocks noGrp="1"/>
-          </p:cNvSpPr>
-          <p:nvPr>
-            <p:ph idx="1"/>
-          </p:nvPr>
-        </p:nvSpPr>
-        <p:spPr/>
-        <p:txBody>
-          <a:bodyPr/>
-          <a:lstStyle/>
-          <a:p>
-            <a:r>
-              <a:rPr lang="en-SG" dirty="0" smtClean="0"/>
-              <a:t>Ruled surfaces</a:t>
-            </a:r>
-          </a:p>
-          <a:p>
-            <a:r>
-              <a:rPr lang="en-SG" dirty="0" smtClean="0"/>
-              <a:t>Other standard mathematical surfaces</a:t>
-            </a:r>
-          </a:p>
-          <a:p>
-            <a:r>
-              <a:rPr lang="en-SG" dirty="0" smtClean="0"/>
-              <a:t>NURBS</a:t>
-            </a:r>
-          </a:p>
-          <a:p>
-            <a:r>
-              <a:rPr lang="en-SG" dirty="0" smtClean="0"/>
-              <a:t>Surface modelling</a:t>
-            </a:r>
-            <a:endParaRPr lang="en-SG" dirty="0"/>
-          </a:p>
-        </p:txBody>
-      </p:sp>
+      <mc:AlternateContent xmlns:mc="http://schemas.openxmlformats.org/markup-compatibility/2006">
+        <mc:Choice xmlns:a14="http://schemas.microsoft.com/office/drawing/2010/main" Requires="a14">
+          <p:sp>
+            <p:nvSpPr>
+              <p:cNvPr id="3" name="内容占位符 2"/>
+              <p:cNvSpPr>
+                <a:spLocks noGrp="1"/>
+              </p:cNvSpPr>
+              <p:nvPr>
+                <p:ph idx="1"/>
+              </p:nvPr>
+            </p:nvSpPr>
+            <p:spPr/>
+            <p:txBody>
+              <a:bodyPr/>
+              <a:lstStyle/>
+              <a:p>
+                <a:r>
+                  <a:rPr lang="en-SG" dirty="0" smtClean="0"/>
+                  <a:t>Similar to a Bezier curve, a B-spline also uses the basis functions with the form for n+1 data points,</a:t>
+                </a:r>
+              </a:p>
+              <a:p>
+                <a:pPr marL="0" indent="0">
+                  <a:buNone/>
+                </a:pPr>
+                <a:endParaRPr lang="en-SG" dirty="0" smtClean="0"/>
+              </a:p>
+              <a:p>
+                <a:pPr marL="0" indent="0">
+                  <a:buNone/>
+                </a:pPr>
+                <a:r>
+                  <a:rPr lang="en-SG" dirty="0" smtClean="0"/>
+                  <a:t>where </a:t>
+                </a:r>
+                <a14:m>
+                  <m:oMath xmlns:m="http://schemas.openxmlformats.org/officeDocument/2006/math">
+                    <m:sSub>
+                      <m:sSubPr>
+                        <m:ctrlPr>
+                          <a:rPr lang="en-SG" i="1" smtClean="0">
+                            <a:latin typeface="Cambria Math" panose="02040503050406030204" pitchFamily="18" charset="0"/>
+                          </a:rPr>
+                        </m:ctrlPr>
+                      </m:sSubPr>
+                      <m:e>
+                        <m:r>
+                          <a:rPr lang="en-SG" b="0" i="1" smtClean="0">
+                            <a:latin typeface="Cambria Math" panose="02040503050406030204" pitchFamily="18" charset="0"/>
+                          </a:rPr>
+                          <m:t>𝐵</m:t>
+                        </m:r>
+                      </m:e>
+                      <m:sub>
+                        <m:r>
+                          <a:rPr lang="en-SG" b="0" i="1" smtClean="0">
+                            <a:latin typeface="Cambria Math" panose="02040503050406030204" pitchFamily="18" charset="0"/>
+                          </a:rPr>
+                          <m:t>𝑖</m:t>
+                        </m:r>
+                        <m:r>
+                          <a:rPr lang="en-SG" b="0" i="1" smtClean="0">
+                            <a:latin typeface="Cambria Math" panose="02040503050406030204" pitchFamily="18" charset="0"/>
+                          </a:rPr>
+                          <m:t>,</m:t>
+                        </m:r>
+                        <m:r>
+                          <a:rPr lang="en-SG" b="0" i="1" smtClean="0">
+                            <a:latin typeface="Cambria Math" panose="02040503050406030204" pitchFamily="18" charset="0"/>
+                          </a:rPr>
+                          <m:t>𝑘</m:t>
+                        </m:r>
+                      </m:sub>
+                    </m:sSub>
+                    <m:d>
+                      <m:dPr>
+                        <m:ctrlPr>
+                          <a:rPr lang="en-SG" b="0" i="1" smtClean="0">
+                            <a:latin typeface="Cambria Math" panose="02040503050406030204" pitchFamily="18" charset="0"/>
+                          </a:rPr>
+                        </m:ctrlPr>
+                      </m:dPr>
+                      <m:e>
+                        <m:r>
+                          <a:rPr lang="en-SG" b="0" i="1" smtClean="0">
+                            <a:latin typeface="Cambria Math" panose="02040503050406030204" pitchFamily="18" charset="0"/>
+                          </a:rPr>
+                          <m:t>𝑡</m:t>
+                        </m:r>
+                      </m:e>
+                    </m:d>
+                  </m:oMath>
+                </a14:m>
+                <a:r>
+                  <a:rPr lang="en-SG" dirty="0" smtClean="0"/>
+                  <a:t> are the iterated basis functions of order </a:t>
+                </a:r>
+                <a:r>
+                  <a:rPr lang="en-SG" i="1" dirty="0" smtClean="0"/>
+                  <a:t>k</a:t>
+                </a:r>
+              </a:p>
+              <a:p>
+                <a:pPr marL="0" indent="0">
+                  <a:buNone/>
+                </a:pPr>
+                <a:endParaRPr lang="en-SG" dirty="0" smtClean="0"/>
+              </a:p>
+              <a:p>
+                <a:pPr marL="0" indent="0">
+                  <a:buNone/>
+                </a:pPr>
+                <a:endParaRPr lang="en-SG" dirty="0"/>
+              </a:p>
+              <a:p>
+                <a:pPr marL="0" indent="0">
+                  <a:buNone/>
+                </a:pPr>
+                <a:r>
+                  <a:rPr lang="en-SG" dirty="0" smtClean="0"/>
+                  <a:t>and</a:t>
+                </a:r>
+                <a:endParaRPr lang="en-SG" dirty="0"/>
+              </a:p>
+              <a:p>
+                <a:pPr marL="0" indent="0">
+                  <a:buNone/>
+                </a:pPr>
+                <a:endParaRPr lang="en-SG" dirty="0"/>
+              </a:p>
+            </p:txBody>
+          </p:sp>
+        </mc:Choice>
+        <mc:Fallback>
+          <p:sp>
+            <p:nvSpPr>
+              <p:cNvPr id="3" name="内容占位符 2"/>
+              <p:cNvSpPr>
+                <a:spLocks noGrp="1" noRot="1" noChangeAspect="1" noMove="1" noResize="1" noEditPoints="1" noAdjustHandles="1" noChangeArrowheads="1" noChangeShapeType="1" noTextEdit="1"/>
+              </p:cNvSpPr>
+              <p:nvPr>
+                <p:ph idx="1"/>
+              </p:nvPr>
+            </p:nvSpPr>
+            <p:spPr>
+              <a:blipFill>
+                <a:blip r:embed="rId3"/>
+                <a:stretch>
+                  <a:fillRect l="-1217" t="-2241" r="-406"/>
+                </a:stretch>
+              </a:blipFill>
+            </p:spPr>
+            <p:txBody>
+              <a:bodyPr/>
+              <a:lstStyle/>
+              <a:p>
+                <a:r>
+                  <a:rPr lang="en-SG">
+                    <a:noFill/>
+                  </a:rPr>
+                  <a:t> </a:t>
+                </a:r>
+              </a:p>
+            </p:txBody>
+          </p:sp>
+        </mc:Fallback>
+      </mc:AlternateContent>
+      <p:graphicFrame>
+        <p:nvGraphicFramePr>
+          <p:cNvPr id="4" name="对象 3"/>
+          <p:cNvGraphicFramePr>
+            <a:graphicFrameLocks noChangeAspect="1"/>
+          </p:cNvGraphicFramePr>
+          <p:nvPr>
+            <p:extLst>
+              <p:ext uri="{D42A27DB-BD31-4B8C-83A1-F6EECF244321}">
+                <p14:modId xmlns:p14="http://schemas.microsoft.com/office/powerpoint/2010/main" val="2648678273"/>
+              </p:ext>
+            </p:extLst>
+          </p:nvPr>
+        </p:nvGraphicFramePr>
+        <p:xfrm>
+          <a:off x="4886325" y="2481263"/>
+          <a:ext cx="2417763" cy="925512"/>
+        </p:xfrm>
+        <a:graphic>
+          <a:graphicData uri="http://schemas.openxmlformats.org/presentationml/2006/ole">
+            <mc:AlternateContent xmlns:mc="http://schemas.openxmlformats.org/markup-compatibility/2006">
+              <mc:Choice xmlns:v="urn:schemas-microsoft-com:vml" Requires="v">
+                <p:oleObj spid="_x0000_s20579" name="Equation" r:id="rId4" imgW="1130040" imgH="431640" progId="Equation.DSMT4">
+                  <p:embed/>
+                </p:oleObj>
+              </mc:Choice>
+              <mc:Fallback>
+                <p:oleObj name="Equation" r:id="rId4" imgW="1130040" imgH="431640" progId="Equation.DSMT4">
+                  <p:embed/>
+                  <p:pic>
+                    <p:nvPicPr>
+                      <p:cNvPr id="4" name="对象 3"/>
+                      <p:cNvPicPr/>
+                      <p:nvPr/>
+                    </p:nvPicPr>
+                    <p:blipFill>
+                      <a:blip r:embed="rId5"/>
+                      <a:stretch>
+                        <a:fillRect/>
+                      </a:stretch>
+                    </p:blipFill>
+                    <p:spPr>
+                      <a:xfrm>
+                        <a:off x="4886325" y="2481263"/>
+                        <a:ext cx="2417763" cy="925512"/>
+                      </a:xfrm>
+                      <a:prstGeom prst="rect">
+                        <a:avLst/>
+                      </a:prstGeom>
+                    </p:spPr>
+                  </p:pic>
+                </p:oleObj>
+              </mc:Fallback>
+            </mc:AlternateContent>
+          </a:graphicData>
+        </a:graphic>
+      </p:graphicFrame>
+      <p:graphicFrame>
+        <p:nvGraphicFramePr>
+          <p:cNvPr id="5" name="对象 4"/>
+          <p:cNvGraphicFramePr>
+            <a:graphicFrameLocks noChangeAspect="1"/>
+          </p:cNvGraphicFramePr>
+          <p:nvPr>
+            <p:extLst>
+              <p:ext uri="{D42A27DB-BD31-4B8C-83A1-F6EECF244321}">
+                <p14:modId xmlns:p14="http://schemas.microsoft.com/office/powerpoint/2010/main" val="1100926396"/>
+              </p:ext>
+            </p:extLst>
+          </p:nvPr>
+        </p:nvGraphicFramePr>
+        <p:xfrm>
+          <a:off x="3030538" y="5146675"/>
+          <a:ext cx="6119812" cy="1014413"/>
+        </p:xfrm>
+        <a:graphic>
+          <a:graphicData uri="http://schemas.openxmlformats.org/presentationml/2006/ole">
+            <mc:AlternateContent xmlns:mc="http://schemas.openxmlformats.org/markup-compatibility/2006">
+              <mc:Choice xmlns:v="urn:schemas-microsoft-com:vml" Requires="v">
+                <p:oleObj spid="_x0000_s20580" name="Equation" r:id="rId6" imgW="2603160" imgH="431640" progId="Equation.DSMT4">
+                  <p:embed/>
+                </p:oleObj>
+              </mc:Choice>
+              <mc:Fallback>
+                <p:oleObj name="Equation" r:id="rId6" imgW="2603160" imgH="431640" progId="Equation.DSMT4">
+                  <p:embed/>
+                  <p:pic>
+                    <p:nvPicPr>
+                      <p:cNvPr id="0" name=""/>
+                      <p:cNvPicPr/>
+                      <p:nvPr/>
+                    </p:nvPicPr>
+                    <p:blipFill>
+                      <a:blip r:embed="rId7"/>
+                      <a:stretch>
+                        <a:fillRect/>
+                      </a:stretch>
+                    </p:blipFill>
+                    <p:spPr>
+                      <a:xfrm>
+                        <a:off x="3030538" y="5146675"/>
+                        <a:ext cx="6119812" cy="1014413"/>
+                      </a:xfrm>
+                      <a:prstGeom prst="rect">
+                        <a:avLst/>
+                      </a:prstGeom>
+                    </p:spPr>
+                  </p:pic>
+                </p:oleObj>
+              </mc:Fallback>
+            </mc:AlternateContent>
+          </a:graphicData>
+        </a:graphic>
+      </p:graphicFrame>
+      <p:graphicFrame>
+        <p:nvGraphicFramePr>
+          <p:cNvPr id="6" name="对象 5"/>
+          <p:cNvGraphicFramePr>
+            <a:graphicFrameLocks noChangeAspect="1"/>
+          </p:cNvGraphicFramePr>
+          <p:nvPr>
+            <p:extLst>
+              <p:ext uri="{D42A27DB-BD31-4B8C-83A1-F6EECF244321}">
+                <p14:modId xmlns:p14="http://schemas.microsoft.com/office/powerpoint/2010/main" val="4285451073"/>
+              </p:ext>
+            </p:extLst>
+          </p:nvPr>
+        </p:nvGraphicFramePr>
+        <p:xfrm>
+          <a:off x="4394200" y="3694113"/>
+          <a:ext cx="3390900" cy="1035050"/>
+        </p:xfrm>
+        <a:graphic>
+          <a:graphicData uri="http://schemas.openxmlformats.org/presentationml/2006/ole">
+            <mc:AlternateContent xmlns:mc="http://schemas.openxmlformats.org/markup-compatibility/2006">
+              <mc:Choice xmlns:v="urn:schemas-microsoft-com:vml" Requires="v">
+                <p:oleObj spid="_x0000_s20581" name="Equation" r:id="rId8" imgW="1498320" imgH="457200" progId="Equation.DSMT4">
+                  <p:embed/>
+                </p:oleObj>
+              </mc:Choice>
+              <mc:Fallback>
+                <p:oleObj name="Equation" r:id="rId8" imgW="1498320" imgH="457200" progId="Equation.DSMT4">
+                  <p:embed/>
+                  <p:pic>
+                    <p:nvPicPr>
+                      <p:cNvPr id="0" name=""/>
+                      <p:cNvPicPr/>
+                      <p:nvPr/>
+                    </p:nvPicPr>
+                    <p:blipFill>
+                      <a:blip r:embed="rId9"/>
+                      <a:stretch>
+                        <a:fillRect/>
+                      </a:stretch>
+                    </p:blipFill>
+                    <p:spPr>
+                      <a:xfrm>
+                        <a:off x="4394200" y="3694113"/>
+                        <a:ext cx="3390900" cy="1035050"/>
+                      </a:xfrm>
+                      <a:prstGeom prst="rect">
+                        <a:avLst/>
+                      </a:prstGeom>
+                    </p:spPr>
+                  </p:pic>
+                </p:oleObj>
+              </mc:Fallback>
+            </mc:AlternateContent>
+          </a:graphicData>
+        </a:graphic>
+      </p:graphicFrame>
     </p:spTree>
     <p:extLst>
       <p:ext uri="{BB962C8B-B14F-4D97-AF65-F5344CB8AC3E}">
-        <p14:creationId xmlns:p14="http://schemas.microsoft.com/office/powerpoint/2010/main" val="995354629"/>
+        <p14:creationId xmlns:p14="http://schemas.microsoft.com/office/powerpoint/2010/main" val="1068545364"/>
       </p:ext>
     </p:extLst>
   </p:cSld>
   <p:clrMapOvr>
     <a:masterClrMapping/>
   </p:clrMapOvr>
+  <p:timing>
+    <p:tnLst>
+      <p:par>
+        <p:cTn id="1" dur="indefinite" restart="never" nodeType="tmRoot"/>
+      </p:par>
+    </p:tnLst>
+  </p:timing>
 </p:sld>
 </file>
 
@@ -10689,45 +12284,277 @@
           <a:p>
             <a:r>
               <a:rPr lang="en-SG" dirty="0"/>
-              <a:t>Ruled </a:t>
-            </a:r>
-            <a:r>
-              <a:rPr lang="en-SG" dirty="0" smtClean="0"/>
-              <a:t>surfaces</a:t>
+              <a:t>Geometry of curve – B-spline </a:t>
+            </a:r>
+            <a:r>
+              <a:rPr lang="en-SG" dirty="0" smtClean="0"/>
+              <a:t>curves</a:t>
             </a:r>
             <a:endParaRPr lang="en-SG" dirty="0"/>
           </a:p>
         </p:txBody>
       </p:sp>
-      <p:sp>
-        <p:nvSpPr>
-          <p:cNvPr id="3" name="内容占位符 2"/>
-          <p:cNvSpPr>
-            <a:spLocks noGrp="1"/>
-          </p:cNvSpPr>
-          <p:nvPr>
-            <p:ph idx="1"/>
-          </p:nvPr>
-        </p:nvSpPr>
-        <p:spPr/>
-        <p:txBody>
-          <a:bodyPr/>
-          <a:lstStyle/>
-          <a:p>
-            <a:endParaRPr lang="en-SG"/>
-          </a:p>
-        </p:txBody>
-      </p:sp>
+      <mc:AlternateContent xmlns:mc="http://schemas.openxmlformats.org/markup-compatibility/2006">
+        <mc:Choice xmlns:a14="http://schemas.microsoft.com/office/drawing/2010/main" Requires="a14">
+          <p:sp>
+            <p:nvSpPr>
+              <p:cNvPr id="3" name="内容占位符 2"/>
+              <p:cNvSpPr>
+                <a:spLocks noGrp="1"/>
+              </p:cNvSpPr>
+              <p:nvPr>
+                <p:ph idx="1"/>
+              </p:nvPr>
+            </p:nvSpPr>
+            <p:spPr/>
+            <p:txBody>
+              <a:bodyPr/>
+              <a:lstStyle/>
+              <a:p>
+                <a:r>
+                  <a:rPr lang="en-SG" dirty="0" smtClean="0"/>
+                  <a:t>In above equations, </a:t>
+                </a:r>
+                <a14:m>
+                  <m:oMath xmlns:m="http://schemas.openxmlformats.org/officeDocument/2006/math">
+                    <m:sSub>
+                      <m:sSubPr>
+                        <m:ctrlPr>
+                          <a:rPr lang="en-SG" i="1">
+                            <a:latin typeface="Cambria Math" panose="02040503050406030204" pitchFamily="18" charset="0"/>
+                          </a:rPr>
+                        </m:ctrlPr>
+                      </m:sSubPr>
+                      <m:e>
+                        <m:r>
+                          <a:rPr lang="en-SG" i="1">
+                            <a:latin typeface="Cambria Math" panose="02040503050406030204" pitchFamily="18" charset="0"/>
+                          </a:rPr>
+                          <m:t>𝑡</m:t>
+                        </m:r>
+                      </m:e>
+                      <m:sub>
+                        <m:r>
+                          <a:rPr lang="en-SG" i="1">
+                            <a:latin typeface="Cambria Math" panose="02040503050406030204" pitchFamily="18" charset="0"/>
+                          </a:rPr>
+                          <m:t>𝑖</m:t>
+                        </m:r>
+                      </m:sub>
+                    </m:sSub>
+                  </m:oMath>
+                </a14:m>
+                <a:r>
+                  <a:rPr lang="en-SG" dirty="0"/>
+                  <a:t> is named knot </a:t>
+                </a:r>
+                <a:r>
+                  <a:rPr lang="en-SG" dirty="0" smtClean="0"/>
+                  <a:t>vector. For an open curve, the knot vector is given by</a:t>
+                </a:r>
+              </a:p>
+              <a:p>
+                <a:endParaRPr lang="en-SG" dirty="0"/>
+              </a:p>
+              <a:p>
+                <a:endParaRPr lang="en-SG" dirty="0" smtClean="0"/>
+              </a:p>
+              <a:p>
+                <a:endParaRPr lang="en-SG" dirty="0"/>
+              </a:p>
+              <a:p>
+                <a:pPr marL="0" indent="0">
+                  <a:buNone/>
+                </a:pPr>
+                <a:r>
+                  <a:rPr lang="en-SG" dirty="0" smtClean="0"/>
+                  <a:t>where</a:t>
+                </a:r>
+              </a:p>
+              <a:p>
+                <a:pPr marL="0" indent="0">
+                  <a:buNone/>
+                </a:pPr>
+                <a:endParaRPr lang="en-SG" dirty="0" smtClean="0"/>
+              </a:p>
+              <a:p>
+                <a:pPr marL="0" indent="0">
+                  <a:buNone/>
+                </a:pPr>
+                <a:r>
+                  <a:rPr lang="en-SG" dirty="0" smtClean="0"/>
+                  <a:t> </a:t>
+                </a:r>
+                <a:endParaRPr lang="en-SG" dirty="0"/>
+              </a:p>
+            </p:txBody>
+          </p:sp>
+        </mc:Choice>
+        <mc:Fallback>
+          <p:sp>
+            <p:nvSpPr>
+              <p:cNvPr id="3" name="内容占位符 2"/>
+              <p:cNvSpPr>
+                <a:spLocks noGrp="1" noRot="1" noChangeAspect="1" noMove="1" noResize="1" noEditPoints="1" noAdjustHandles="1" noChangeArrowheads="1" noChangeShapeType="1" noTextEdit="1"/>
+              </p:cNvSpPr>
+              <p:nvPr>
+                <p:ph idx="1"/>
+              </p:nvPr>
+            </p:nvSpPr>
+            <p:spPr>
+              <a:blipFill>
+                <a:blip r:embed="rId3"/>
+                <a:stretch>
+                  <a:fillRect l="-1217" t="-2241"/>
+                </a:stretch>
+              </a:blipFill>
+            </p:spPr>
+            <p:txBody>
+              <a:bodyPr/>
+              <a:lstStyle/>
+              <a:p>
+                <a:r>
+                  <a:rPr lang="en-SG">
+                    <a:noFill/>
+                  </a:rPr>
+                  <a:t> </a:t>
+                </a:r>
+              </a:p>
+            </p:txBody>
+          </p:sp>
+        </mc:Fallback>
+      </mc:AlternateContent>
+      <p:graphicFrame>
+        <p:nvGraphicFramePr>
+          <p:cNvPr id="7" name="对象 6"/>
+          <p:cNvGraphicFramePr>
+            <a:graphicFrameLocks noChangeAspect="1"/>
+          </p:cNvGraphicFramePr>
+          <p:nvPr>
+            <p:extLst>
+              <p:ext uri="{D42A27DB-BD31-4B8C-83A1-F6EECF244321}">
+                <p14:modId xmlns:p14="http://schemas.microsoft.com/office/powerpoint/2010/main" val="450685544"/>
+              </p:ext>
+            </p:extLst>
+          </p:nvPr>
+        </p:nvGraphicFramePr>
+        <p:xfrm>
+          <a:off x="4703047" y="2851553"/>
+          <a:ext cx="2785905" cy="1311014"/>
+        </p:xfrm>
+        <a:graphic>
+          <a:graphicData uri="http://schemas.openxmlformats.org/presentationml/2006/ole">
+            <mc:AlternateContent xmlns:mc="http://schemas.openxmlformats.org/markup-compatibility/2006">
+              <mc:Choice xmlns:v="urn:schemas-microsoft-com:vml" Requires="v">
+                <p:oleObj spid="_x0000_s22550" name="Equation" r:id="rId4" imgW="1511280" imgH="711000" progId="Equation.DSMT4">
+                  <p:embed/>
+                </p:oleObj>
+              </mc:Choice>
+              <mc:Fallback>
+                <p:oleObj name="Equation" r:id="rId4" imgW="1511280" imgH="711000" progId="Equation.DSMT4">
+                  <p:embed/>
+                  <p:pic>
+                    <p:nvPicPr>
+                      <p:cNvPr id="0" name=""/>
+                      <p:cNvPicPr/>
+                      <p:nvPr/>
+                    </p:nvPicPr>
+                    <p:blipFill>
+                      <a:blip r:embed="rId5"/>
+                      <a:stretch>
+                        <a:fillRect/>
+                      </a:stretch>
+                    </p:blipFill>
+                    <p:spPr>
+                      <a:xfrm>
+                        <a:off x="4703047" y="2851553"/>
+                        <a:ext cx="2785905" cy="1311014"/>
+                      </a:xfrm>
+                      <a:prstGeom prst="rect">
+                        <a:avLst/>
+                      </a:prstGeom>
+                    </p:spPr>
+                  </p:pic>
+                </p:oleObj>
+              </mc:Fallback>
+            </mc:AlternateContent>
+          </a:graphicData>
+        </a:graphic>
+      </p:graphicFrame>
+      <p:graphicFrame>
+        <p:nvGraphicFramePr>
+          <p:cNvPr id="8" name="对象 7"/>
+          <p:cNvGraphicFramePr>
+            <a:graphicFrameLocks noChangeAspect="1"/>
+          </p:cNvGraphicFramePr>
+          <p:nvPr>
+            <p:extLst>
+              <p:ext uri="{D42A27DB-BD31-4B8C-83A1-F6EECF244321}">
+                <p14:modId xmlns:p14="http://schemas.microsoft.com/office/powerpoint/2010/main" val="3193879606"/>
+              </p:ext>
+            </p:extLst>
+          </p:nvPr>
+        </p:nvGraphicFramePr>
+        <p:xfrm>
+          <a:off x="5072063" y="4968875"/>
+          <a:ext cx="2047875" cy="852488"/>
+        </p:xfrm>
+        <a:graphic>
+          <a:graphicData uri="http://schemas.openxmlformats.org/presentationml/2006/ole">
+            <mc:AlternateContent xmlns:mc="http://schemas.openxmlformats.org/markup-compatibility/2006">
+              <mc:Choice xmlns:v="urn:schemas-microsoft-com:vml" Requires="v">
+                <p:oleObj spid="_x0000_s22551" name="Equation" r:id="rId6" imgW="977760" imgH="406080" progId="Equation.DSMT4">
+                  <p:embed/>
+                </p:oleObj>
+              </mc:Choice>
+              <mc:Fallback>
+                <p:oleObj name="Equation" r:id="rId6" imgW="977760" imgH="406080" progId="Equation.DSMT4">
+                  <p:embed/>
+                  <p:pic>
+                    <p:nvPicPr>
+                      <p:cNvPr id="0" name=""/>
+                      <p:cNvPicPr/>
+                      <p:nvPr/>
+                    </p:nvPicPr>
+                    <p:blipFill>
+                      <a:blip r:embed="rId7"/>
+                      <a:stretch>
+                        <a:fillRect/>
+                      </a:stretch>
+                    </p:blipFill>
+                    <p:spPr>
+                      <a:xfrm>
+                        <a:off x="5072063" y="4968875"/>
+                        <a:ext cx="2047875" cy="852488"/>
+                      </a:xfrm>
+                      <a:prstGeom prst="rect">
+                        <a:avLst/>
+                      </a:prstGeom>
+                    </p:spPr>
+                  </p:pic>
+                </p:oleObj>
+              </mc:Fallback>
+            </mc:AlternateContent>
+          </a:graphicData>
+        </a:graphic>
+      </p:graphicFrame>
     </p:spTree>
     <p:extLst>
       <p:ext uri="{BB962C8B-B14F-4D97-AF65-F5344CB8AC3E}">
-        <p14:creationId xmlns:p14="http://schemas.microsoft.com/office/powerpoint/2010/main" val="4089471478"/>
+        <p14:creationId xmlns:p14="http://schemas.microsoft.com/office/powerpoint/2010/main" val="1535993919"/>
       </p:ext>
     </p:extLst>
   </p:cSld>
   <p:clrMapOvr>
     <a:masterClrMapping/>
   </p:clrMapOvr>
+  <p:timing>
+    <p:tnLst>
+      <p:par>
+        <p:cTn id="1" dur="indefinite" restart="never" nodeType="tmRoot"/>
+      </p:par>
+    </p:tnLst>
+  </p:timing>
 </p:sld>
 </file>
 
@@ -10760,50 +12587,102 @@
         </p:nvSpPr>
         <p:spPr/>
         <p:txBody>
-          <a:bodyPr>
-            <a:normAutofit/>
-          </a:bodyPr>
-          <a:lstStyle/>
-          <a:p>
-            <a:r>
-              <a:rPr lang="en-SG" dirty="0" smtClean="0"/>
-              <a:t>Other </a:t>
-            </a:r>
-            <a:r>
-              <a:rPr lang="en-SG" dirty="0"/>
-              <a:t>standard mathematical </a:t>
-            </a:r>
-            <a:r>
-              <a:rPr lang="en-SG" dirty="0" smtClean="0"/>
-              <a:t>surfaces</a:t>
-            </a:r>
+          <a:bodyPr/>
+          <a:lstStyle/>
+          <a:p>
+            <a:r>
+              <a:rPr lang="en-SG" dirty="0"/>
+              <a:t>Geometry of curve – B-spline curves</a:t>
+            </a:r>
+          </a:p>
+        </p:txBody>
+      </p:sp>
+      <p:sp>
+        <p:nvSpPr>
+          <p:cNvPr id="3" name="内容占位符 2"/>
+          <p:cNvSpPr>
+            <a:spLocks noGrp="1"/>
+          </p:cNvSpPr>
+          <p:nvPr>
+            <p:ph idx="1"/>
+          </p:nvPr>
+        </p:nvSpPr>
+        <p:spPr/>
+        <p:txBody>
+          <a:bodyPr/>
+          <a:lstStyle/>
+          <a:p>
+            <a:r>
+              <a:rPr lang="en-SG" dirty="0" smtClean="0"/>
+              <a:t>For k=4, the above equation becomes</a:t>
+            </a:r>
+          </a:p>
+          <a:p>
             <a:endParaRPr lang="en-SG" dirty="0"/>
           </a:p>
         </p:txBody>
       </p:sp>
-      <p:sp>
-        <p:nvSpPr>
-          <p:cNvPr id="3" name="内容占位符 2"/>
-          <p:cNvSpPr>
-            <a:spLocks noGrp="1"/>
-          </p:cNvSpPr>
-          <p:nvPr>
-            <p:ph idx="1"/>
-          </p:nvPr>
-        </p:nvSpPr>
-        <p:spPr/>
-        <p:txBody>
-          <a:bodyPr/>
-          <a:lstStyle/>
-          <a:p>
-            <a:endParaRPr lang="en-SG"/>
-          </a:p>
-        </p:txBody>
-      </p:sp>
+      <p:graphicFrame>
+        <p:nvGraphicFramePr>
+          <p:cNvPr id="4" name="对象 3"/>
+          <p:cNvGraphicFramePr>
+            <a:graphicFrameLocks noChangeAspect="1"/>
+          </p:cNvGraphicFramePr>
+          <p:nvPr>
+            <p:extLst>
+              <p:ext uri="{D42A27DB-BD31-4B8C-83A1-F6EECF244321}">
+                <p14:modId xmlns:p14="http://schemas.microsoft.com/office/powerpoint/2010/main" val="4196421725"/>
+              </p:ext>
+            </p:extLst>
+          </p:nvPr>
+        </p:nvGraphicFramePr>
+        <p:xfrm>
+          <a:off x="2716213" y="2411413"/>
+          <a:ext cx="6226175" cy="3111500"/>
+        </p:xfrm>
+        <a:graphic>
+          <a:graphicData uri="http://schemas.openxmlformats.org/presentationml/2006/ole">
+            <mc:AlternateContent xmlns:mc="http://schemas.openxmlformats.org/markup-compatibility/2006">
+              <mc:Choice xmlns:v="urn:schemas-microsoft-com:vml" Requires="v">
+                <p:oleObj spid="_x0000_s21535" name="Equation" r:id="rId3" imgW="3301920" imgH="1650960" progId="Equation.DSMT4">
+                  <p:embed/>
+                </p:oleObj>
+              </mc:Choice>
+              <mc:Fallback>
+                <p:oleObj name="Equation" r:id="rId3" imgW="3301920" imgH="1650960" progId="Equation.DSMT4">
+                  <p:embed/>
+                  <p:pic>
+                    <p:nvPicPr>
+                      <p:cNvPr id="0" name=""/>
+                      <p:cNvPicPr/>
+                      <p:nvPr/>
+                    </p:nvPicPr>
+                    <p:blipFill>
+                      <a:blip r:embed="rId4"/>
+                      <a:stretch>
+                        <a:fillRect/>
+                      </a:stretch>
+                    </p:blipFill>
+                    <p:spPr>
+                      <a:xfrm>
+                        <a:off x="2716213" y="2411413"/>
+                        <a:ext cx="6226175" cy="3111500"/>
+                      </a:xfrm>
+                      <a:prstGeom prst="rect">
+                        <a:avLst/>
+                      </a:prstGeom>
+                    </p:spPr>
+                  </p:pic>
+                </p:oleObj>
+              </mc:Fallback>
+            </mc:AlternateContent>
+          </a:graphicData>
+        </a:graphic>
+      </p:graphicFrame>
     </p:spTree>
     <p:extLst>
       <p:ext uri="{BB962C8B-B14F-4D97-AF65-F5344CB8AC3E}">
-        <p14:creationId xmlns:p14="http://schemas.microsoft.com/office/powerpoint/2010/main" val="1677274216"/>
+        <p14:creationId xmlns:p14="http://schemas.microsoft.com/office/powerpoint/2010/main" val="4285018086"/>
       </p:ext>
     </p:extLst>
   </p:cSld>
@@ -10848,8 +12727,8 @@
           <a:lstStyle/>
           <a:p>
             <a:r>
-              <a:rPr lang="en-SG" dirty="0" smtClean="0"/>
-              <a:t>NURBS</a:t>
+              <a:rPr lang="en-SG" dirty="0"/>
+              <a:t>Geometry of curve – NURBS</a:t>
             </a:r>
             <a:endParaRPr lang="en-SG" dirty="0"/>
           </a:p>
@@ -10916,14 +12795,12 @@
         </p:nvSpPr>
         <p:spPr/>
         <p:txBody>
-          <a:bodyPr>
-            <a:normAutofit/>
-          </a:bodyPr>
-          <a:lstStyle/>
-          <a:p>
-            <a:r>
-              <a:rPr lang="en-SG" dirty="0" smtClean="0"/>
-              <a:t>Surface modelling</a:t>
+          <a:bodyPr/>
+          <a:lstStyle/>
+          <a:p>
+            <a:r>
+              <a:rPr lang="en-SG" dirty="0" smtClean="0"/>
+              <a:t>Geometry of surface</a:t>
             </a:r>
             <a:endParaRPr lang="en-SG" dirty="0"/>
           </a:p>
@@ -10944,14 +12821,34 @@
           <a:bodyPr/>
           <a:lstStyle/>
           <a:p>
-            <a:endParaRPr lang="en-SG"/>
+            <a:r>
+              <a:rPr lang="en-SG" dirty="0" smtClean="0"/>
+              <a:t>Ruled surfaces</a:t>
+            </a:r>
+          </a:p>
+          <a:p>
+            <a:r>
+              <a:rPr lang="en-SG" dirty="0" smtClean="0"/>
+              <a:t>Other standard mathematical surfaces</a:t>
+            </a:r>
+          </a:p>
+          <a:p>
+            <a:r>
+              <a:rPr lang="en-SG" dirty="0" smtClean="0"/>
+              <a:t>Surface </a:t>
+            </a:r>
+            <a:r>
+              <a:rPr lang="en-SG" dirty="0" smtClean="0"/>
+              <a:t>modelling</a:t>
+            </a:r>
+            <a:endParaRPr lang="en-SG" dirty="0"/>
           </a:p>
         </p:txBody>
       </p:sp>
     </p:spTree>
     <p:extLst>
       <p:ext uri="{BB962C8B-B14F-4D97-AF65-F5344CB8AC3E}">
-        <p14:creationId xmlns:p14="http://schemas.microsoft.com/office/powerpoint/2010/main" val="3533909986"/>
+        <p14:creationId xmlns:p14="http://schemas.microsoft.com/office/powerpoint/2010/main" val="995354629"/>
       </p:ext>
     </p:extLst>
   </p:cSld>
@@ -11084,12 +12981,18 @@
         </p:nvSpPr>
         <p:spPr/>
         <p:txBody>
-          <a:bodyPr/>
-          <a:lstStyle/>
-          <a:p>
-            <a:r>
-              <a:rPr lang="en-SG" dirty="0" smtClean="0"/>
-              <a:t>Boolean operations in CSG</a:t>
+          <a:bodyPr>
+            <a:normAutofit/>
+          </a:bodyPr>
+          <a:lstStyle/>
+          <a:p>
+            <a:r>
+              <a:rPr lang="en-SG" dirty="0"/>
+              <a:t>Ruled </a:t>
+            </a:r>
+            <a:r>
+              <a:rPr lang="en-SG" dirty="0" smtClean="0"/>
+              <a:t>surfaces</a:t>
             </a:r>
             <a:endParaRPr lang="en-SG" dirty="0"/>
           </a:p>
@@ -11097,12 +13000,12 @@
       </p:sp>
       <p:sp>
         <p:nvSpPr>
-          <p:cNvPr id="4" name="文本占位符 3"/>
-          <p:cNvSpPr>
-            <a:spLocks noGrp="1"/>
-          </p:cNvSpPr>
-          <p:nvPr>
-            <p:ph type="body" idx="1"/>
+          <p:cNvPr id="3" name="内容占位符 2"/>
+          <p:cNvSpPr>
+            <a:spLocks noGrp="1"/>
+          </p:cNvSpPr>
+          <p:nvPr>
+            <p:ph idx="1"/>
           </p:nvPr>
         </p:nvSpPr>
         <p:spPr/>
@@ -11117,7 +13020,7 @@
     </p:spTree>
     <p:extLst>
       <p:ext uri="{BB962C8B-B14F-4D97-AF65-F5344CB8AC3E}">
-        <p14:creationId xmlns:p14="http://schemas.microsoft.com/office/powerpoint/2010/main" val="1997754333"/>
+        <p14:creationId xmlns:p14="http://schemas.microsoft.com/office/powerpoint/2010/main" val="4089471478"/>
       </p:ext>
     </p:extLst>
   </p:cSld>
@@ -11156,6 +13059,234 @@
         </p:nvSpPr>
         <p:spPr/>
         <p:txBody>
+          <a:bodyPr>
+            <a:normAutofit/>
+          </a:bodyPr>
+          <a:lstStyle/>
+          <a:p>
+            <a:r>
+              <a:rPr lang="en-SG" dirty="0" smtClean="0"/>
+              <a:t>Other </a:t>
+            </a:r>
+            <a:r>
+              <a:rPr lang="en-SG" dirty="0"/>
+              <a:t>standard mathematical </a:t>
+            </a:r>
+            <a:r>
+              <a:rPr lang="en-SG" dirty="0" smtClean="0"/>
+              <a:t>surfaces</a:t>
+            </a:r>
+            <a:endParaRPr lang="en-SG" dirty="0"/>
+          </a:p>
+        </p:txBody>
+      </p:sp>
+      <p:sp>
+        <p:nvSpPr>
+          <p:cNvPr id="3" name="内容占位符 2"/>
+          <p:cNvSpPr>
+            <a:spLocks noGrp="1"/>
+          </p:cNvSpPr>
+          <p:nvPr>
+            <p:ph idx="1"/>
+          </p:nvPr>
+        </p:nvSpPr>
+        <p:spPr/>
+        <p:txBody>
+          <a:bodyPr/>
+          <a:lstStyle/>
+          <a:p>
+            <a:endParaRPr lang="en-SG"/>
+          </a:p>
+        </p:txBody>
+      </p:sp>
+    </p:spTree>
+    <p:extLst>
+      <p:ext uri="{BB962C8B-B14F-4D97-AF65-F5344CB8AC3E}">
+        <p14:creationId xmlns:p14="http://schemas.microsoft.com/office/powerpoint/2010/main" val="1677274216"/>
+      </p:ext>
+    </p:extLst>
+  </p:cSld>
+  <p:clrMapOvr>
+    <a:masterClrMapping/>
+  </p:clrMapOvr>
+</p:sld>
+</file>
+
+<file path=ppt/slides/slide52.xml><?xml version="1.0" encoding="utf-8"?>
+<p:sld xmlns:a="http://schemas.openxmlformats.org/drawingml/2006/main" xmlns:r="http://schemas.openxmlformats.org/officeDocument/2006/relationships" xmlns:p="http://schemas.openxmlformats.org/presentationml/2006/main">
+  <p:cSld>
+    <p:spTree>
+      <p:nvGrpSpPr>
+        <p:cNvPr id="1" name=""/>
+        <p:cNvGrpSpPr/>
+        <p:nvPr/>
+      </p:nvGrpSpPr>
+      <p:grpSpPr>
+        <a:xfrm>
+          <a:off x="0" y="0"/>
+          <a:ext cx="0" cy="0"/>
+          <a:chOff x="0" y="0"/>
+          <a:chExt cx="0" cy="0"/>
+        </a:xfrm>
+      </p:grpSpPr>
+      <p:sp>
+        <p:nvSpPr>
+          <p:cNvPr id="2" name="标题 1"/>
+          <p:cNvSpPr>
+            <a:spLocks noGrp="1"/>
+          </p:cNvSpPr>
+          <p:nvPr>
+            <p:ph type="title"/>
+          </p:nvPr>
+        </p:nvSpPr>
+        <p:spPr/>
+        <p:txBody>
+          <a:bodyPr>
+            <a:normAutofit/>
+          </a:bodyPr>
+          <a:lstStyle/>
+          <a:p>
+            <a:r>
+              <a:rPr lang="en-SG" dirty="0" smtClean="0"/>
+              <a:t>Surface modelling</a:t>
+            </a:r>
+            <a:endParaRPr lang="en-SG" dirty="0"/>
+          </a:p>
+        </p:txBody>
+      </p:sp>
+      <p:sp>
+        <p:nvSpPr>
+          <p:cNvPr id="3" name="内容占位符 2"/>
+          <p:cNvSpPr>
+            <a:spLocks noGrp="1"/>
+          </p:cNvSpPr>
+          <p:nvPr>
+            <p:ph idx="1"/>
+          </p:nvPr>
+        </p:nvSpPr>
+        <p:spPr/>
+        <p:txBody>
+          <a:bodyPr/>
+          <a:lstStyle/>
+          <a:p>
+            <a:endParaRPr lang="en-SG"/>
+          </a:p>
+        </p:txBody>
+      </p:sp>
+    </p:spTree>
+    <p:extLst>
+      <p:ext uri="{BB962C8B-B14F-4D97-AF65-F5344CB8AC3E}">
+        <p14:creationId xmlns:p14="http://schemas.microsoft.com/office/powerpoint/2010/main" val="3533909986"/>
+      </p:ext>
+    </p:extLst>
+  </p:cSld>
+  <p:clrMapOvr>
+    <a:masterClrMapping/>
+  </p:clrMapOvr>
+</p:sld>
+</file>
+
+<file path=ppt/slides/slide53.xml><?xml version="1.0" encoding="utf-8"?>
+<p:sld xmlns:a="http://schemas.openxmlformats.org/drawingml/2006/main" xmlns:r="http://schemas.openxmlformats.org/officeDocument/2006/relationships" xmlns:p="http://schemas.openxmlformats.org/presentationml/2006/main">
+  <p:cSld>
+    <p:spTree>
+      <p:nvGrpSpPr>
+        <p:cNvPr id="1" name=""/>
+        <p:cNvGrpSpPr/>
+        <p:nvPr/>
+      </p:nvGrpSpPr>
+      <p:grpSpPr>
+        <a:xfrm>
+          <a:off x="0" y="0"/>
+          <a:ext cx="0" cy="0"/>
+          <a:chOff x="0" y="0"/>
+          <a:chExt cx="0" cy="0"/>
+        </a:xfrm>
+      </p:grpSpPr>
+      <p:sp>
+        <p:nvSpPr>
+          <p:cNvPr id="2" name="标题 1"/>
+          <p:cNvSpPr>
+            <a:spLocks noGrp="1"/>
+          </p:cNvSpPr>
+          <p:nvPr>
+            <p:ph type="title"/>
+          </p:nvPr>
+        </p:nvSpPr>
+        <p:spPr/>
+        <p:txBody>
+          <a:bodyPr/>
+          <a:lstStyle/>
+          <a:p>
+            <a:r>
+              <a:rPr lang="en-SG" dirty="0" smtClean="0"/>
+              <a:t>Boolean operations in CSG</a:t>
+            </a:r>
+            <a:endParaRPr lang="en-SG" dirty="0"/>
+          </a:p>
+        </p:txBody>
+      </p:sp>
+      <p:sp>
+        <p:nvSpPr>
+          <p:cNvPr id="4" name="文本占位符 3"/>
+          <p:cNvSpPr>
+            <a:spLocks noGrp="1"/>
+          </p:cNvSpPr>
+          <p:nvPr>
+            <p:ph type="body" idx="1"/>
+          </p:nvPr>
+        </p:nvSpPr>
+        <p:spPr/>
+        <p:txBody>
+          <a:bodyPr/>
+          <a:lstStyle/>
+          <a:p>
+            <a:endParaRPr lang="en-SG"/>
+          </a:p>
+        </p:txBody>
+      </p:sp>
+    </p:spTree>
+    <p:extLst>
+      <p:ext uri="{BB962C8B-B14F-4D97-AF65-F5344CB8AC3E}">
+        <p14:creationId xmlns:p14="http://schemas.microsoft.com/office/powerpoint/2010/main" val="1997754333"/>
+      </p:ext>
+    </p:extLst>
+  </p:cSld>
+  <p:clrMapOvr>
+    <a:masterClrMapping/>
+  </p:clrMapOvr>
+</p:sld>
+</file>
+
+<file path=ppt/slides/slide54.xml><?xml version="1.0" encoding="utf-8"?>
+<p:sld xmlns:a="http://schemas.openxmlformats.org/drawingml/2006/main" xmlns:r="http://schemas.openxmlformats.org/officeDocument/2006/relationships" xmlns:p="http://schemas.openxmlformats.org/presentationml/2006/main">
+  <p:cSld>
+    <p:spTree>
+      <p:nvGrpSpPr>
+        <p:cNvPr id="1" name=""/>
+        <p:cNvGrpSpPr/>
+        <p:nvPr/>
+      </p:nvGrpSpPr>
+      <p:grpSpPr>
+        <a:xfrm>
+          <a:off x="0" y="0"/>
+          <a:ext cx="0" cy="0"/>
+          <a:chOff x="0" y="0"/>
+          <a:chExt cx="0" cy="0"/>
+        </a:xfrm>
+      </p:grpSpPr>
+      <p:sp>
+        <p:nvSpPr>
+          <p:cNvPr id="2" name="标题 1"/>
+          <p:cNvSpPr>
+            <a:spLocks noGrp="1"/>
+          </p:cNvSpPr>
+          <p:nvPr>
+            <p:ph type="title"/>
+          </p:nvPr>
+        </p:nvSpPr>
+        <p:spPr/>
+        <p:txBody>
           <a:bodyPr/>
           <a:lstStyle/>
           <a:p>
@@ -11227,7 +13358,7 @@
             </a:r>
             <a:r>
               <a:rPr lang="en-SG" b="1" dirty="0" smtClean="0"/>
-              <a:t>unite</a:t>
+              <a:t>union</a:t>
             </a:r>
             <a:r>
               <a:rPr lang="en-SG" dirty="0" smtClean="0"/>
@@ -11309,7 +13440,7 @@
 </p:sld>
 </file>
 
-<file path=ppt/slides/slide52.xml><?xml version="1.0" encoding="utf-8"?>
+<file path=ppt/slides/slide55.xml><?xml version="1.0" encoding="utf-8"?>
 <p:sld xmlns:a="http://schemas.openxmlformats.org/drawingml/2006/main" xmlns:r="http://schemas.openxmlformats.org/officeDocument/2006/relationships" xmlns:p="http://schemas.openxmlformats.org/presentationml/2006/main">
   <p:cSld>
     <p:spTree>
@@ -11467,7 +13598,7 @@
           <a:graphicData uri="http://schemas.openxmlformats.org/presentationml/2006/ole">
             <mc:AlternateContent xmlns:mc="http://schemas.openxmlformats.org/markup-compatibility/2006">
               <mc:Choice xmlns:v="urn:schemas-microsoft-com:vml" Requires="v">
-                <p:oleObj spid="_x0000_s8476" name="Equation" r:id="rId6" imgW="419040" imgH="164880" progId="Equation.DSMT4">
+                <p:oleObj spid="_x0000_s8659" name="Equation" r:id="rId6" imgW="419040" imgH="164880" progId="Equation.DSMT4">
                   <p:embed/>
                 </p:oleObj>
               </mc:Choice>
@@ -11524,7 +13655,7 @@
           <a:graphicData uri="http://schemas.openxmlformats.org/presentationml/2006/ole">
             <mc:AlternateContent xmlns:mc="http://schemas.openxmlformats.org/markup-compatibility/2006">
               <mc:Choice xmlns:v="urn:schemas-microsoft-com:vml" Requires="v">
-                <p:oleObj spid="_x0000_s8477" name="Equation" r:id="rId8" imgW="380880" imgH="406080" progId="Equation.DSMT4">
+                <p:oleObj spid="_x0000_s8660" name="Equation" r:id="rId8" imgW="380880" imgH="406080" progId="Equation.DSMT4">
                   <p:embed/>
                 </p:oleObj>
               </mc:Choice>
@@ -11577,7 +13708,7 @@
           <a:graphicData uri="http://schemas.openxmlformats.org/presentationml/2006/ole">
             <mc:AlternateContent xmlns:mc="http://schemas.openxmlformats.org/markup-compatibility/2006">
               <mc:Choice xmlns:v="urn:schemas-microsoft-com:vml" Requires="v">
-                <p:oleObj spid="_x0000_s8478" name="Equation" r:id="rId10" imgW="419040" imgH="164880" progId="Equation.DSMT4">
+                <p:oleObj spid="_x0000_s8661" name="Equation" r:id="rId10" imgW="419040" imgH="164880" progId="Equation.DSMT4">
                   <p:embed/>
                 </p:oleObj>
               </mc:Choice>
@@ -11625,7 +13756,7 @@
 </p:sld>
 </file>
 
-<file path=ppt/slides/slide53.xml><?xml version="1.0" encoding="utf-8"?>
+<file path=ppt/slides/slide56.xml><?xml version="1.0" encoding="utf-8"?>
 <p:sld xmlns:a="http://schemas.openxmlformats.org/drawingml/2006/main" xmlns:r="http://schemas.openxmlformats.org/officeDocument/2006/relationships" xmlns:p="http://schemas.openxmlformats.org/presentationml/2006/main">
   <p:cSld>
     <p:spTree>
@@ -11763,7 +13894,7 @@
 </p:sld>
 </file>
 
-<file path=ppt/slides/slide54.xml><?xml version="1.0" encoding="utf-8"?>
+<file path=ppt/slides/slide57.xml><?xml version="1.0" encoding="utf-8"?>
 <p:sld xmlns:a="http://schemas.openxmlformats.org/drawingml/2006/main" xmlns:r="http://schemas.openxmlformats.org/officeDocument/2006/relationships" xmlns:p="http://schemas.openxmlformats.org/presentationml/2006/main">
   <p:cSld>
     <p:spTree>
@@ -11870,7 +14001,7 @@
 </p:sld>
 </file>
 
-<file path=ppt/slides/slide55.xml><?xml version="1.0" encoding="utf-8"?>
+<file path=ppt/slides/slide58.xml><?xml version="1.0" encoding="utf-8"?>
 <p:sld xmlns:a="http://schemas.openxmlformats.org/drawingml/2006/main" xmlns:r="http://schemas.openxmlformats.org/officeDocument/2006/relationships" xmlns:p="http://schemas.openxmlformats.org/presentationml/2006/main">
   <p:cSld>
     <p:spTree>
@@ -11942,7 +14073,7 @@
 </p:sld>
 </file>
 
-<file path=ppt/slides/slide56.xml><?xml version="1.0" encoding="utf-8"?>
+<file path=ppt/slides/slide59.xml><?xml version="1.0" encoding="utf-8"?>
 <p:sld xmlns:a="http://schemas.openxmlformats.org/drawingml/2006/main" xmlns:r="http://schemas.openxmlformats.org/officeDocument/2006/relationships" xmlns:p="http://schemas.openxmlformats.org/presentationml/2006/main">
   <p:cSld>
     <p:spTree>
@@ -12050,7 +14181,79 @@
 </p:sld>
 </file>
 
-<file path=ppt/slides/slide57.xml><?xml version="1.0" encoding="utf-8"?>
+<file path=ppt/slides/slide6.xml><?xml version="1.0" encoding="utf-8"?>
+<p:sld xmlns:a="http://schemas.openxmlformats.org/drawingml/2006/main" xmlns:r="http://schemas.openxmlformats.org/officeDocument/2006/relationships" xmlns:p="http://schemas.openxmlformats.org/presentationml/2006/main">
+  <p:cSld>
+    <p:spTree>
+      <p:nvGrpSpPr>
+        <p:cNvPr id="1" name=""/>
+        <p:cNvGrpSpPr/>
+        <p:nvPr/>
+      </p:nvGrpSpPr>
+      <p:grpSpPr>
+        <a:xfrm>
+          <a:off x="0" y="0"/>
+          <a:ext cx="0" cy="0"/>
+          <a:chOff x="0" y="0"/>
+          <a:chExt cx="0" cy="0"/>
+        </a:xfrm>
+      </p:grpSpPr>
+      <p:sp>
+        <p:nvSpPr>
+          <p:cNvPr id="2" name="标题 1"/>
+          <p:cNvSpPr>
+            <a:spLocks noGrp="1"/>
+          </p:cNvSpPr>
+          <p:nvPr>
+            <p:ph type="title"/>
+          </p:nvPr>
+        </p:nvSpPr>
+        <p:spPr/>
+        <p:txBody>
+          <a:bodyPr/>
+          <a:lstStyle/>
+          <a:p>
+            <a:r>
+              <a:rPr lang="en-SG" dirty="0" smtClean="0"/>
+              <a:t>Coordinate system</a:t>
+            </a:r>
+            <a:endParaRPr lang="en-SG" dirty="0"/>
+          </a:p>
+        </p:txBody>
+      </p:sp>
+      <p:sp>
+        <p:nvSpPr>
+          <p:cNvPr id="4" name="文本占位符 3"/>
+          <p:cNvSpPr>
+            <a:spLocks noGrp="1"/>
+          </p:cNvSpPr>
+          <p:nvPr>
+            <p:ph type="body" idx="1"/>
+          </p:nvPr>
+        </p:nvSpPr>
+        <p:spPr/>
+        <p:txBody>
+          <a:bodyPr/>
+          <a:lstStyle/>
+          <a:p>
+            <a:endParaRPr lang="en-SG"/>
+          </a:p>
+        </p:txBody>
+      </p:sp>
+    </p:spTree>
+    <p:extLst>
+      <p:ext uri="{BB962C8B-B14F-4D97-AF65-F5344CB8AC3E}">
+        <p14:creationId xmlns:p14="http://schemas.microsoft.com/office/powerpoint/2010/main" val="606350518"/>
+      </p:ext>
+    </p:extLst>
+  </p:cSld>
+  <p:clrMapOvr>
+    <a:masterClrMapping/>
+  </p:clrMapOvr>
+</p:sld>
+</file>
+
+<file path=ppt/slides/slide60.xml><?xml version="1.0" encoding="utf-8"?>
 <p:sld xmlns:a="http://schemas.openxmlformats.org/drawingml/2006/main" xmlns:r="http://schemas.openxmlformats.org/officeDocument/2006/relationships" xmlns:p="http://schemas.openxmlformats.org/presentationml/2006/main">
   <p:cSld>
     <p:spTree>
@@ -12104,7 +14307,7 @@
 </p:sld>
 </file>
 
-<file path=ppt/slides/slide58.xml><?xml version="1.0" encoding="utf-8"?>
+<file path=ppt/slides/slide61.xml><?xml version="1.0" encoding="utf-8"?>
 <p:sld xmlns:a="http://schemas.openxmlformats.org/drawingml/2006/main" xmlns:r="http://schemas.openxmlformats.org/officeDocument/2006/relationships" xmlns:p="http://schemas.openxmlformats.org/presentationml/2006/main">
   <p:cSld>
     <p:spTree>
@@ -12212,7 +14415,7 @@
 </p:sld>
 </file>
 
-<file path=ppt/slides/slide59.xml><?xml version="1.0" encoding="utf-8"?>
+<file path=ppt/slides/slide62.xml><?xml version="1.0" encoding="utf-8"?>
 <p:sld xmlns:a="http://schemas.openxmlformats.org/drawingml/2006/main" xmlns:r="http://schemas.openxmlformats.org/officeDocument/2006/relationships" xmlns:p="http://schemas.openxmlformats.org/presentationml/2006/main">
   <p:cSld>
     <p:spTree>
@@ -12348,387 +14551,6 @@
 </p:sld>
 </file>
 
-<file path=ppt/slides/slide6.xml><?xml version="1.0" encoding="utf-8"?>
-<p:sld xmlns:a="http://schemas.openxmlformats.org/drawingml/2006/main" xmlns:r="http://schemas.openxmlformats.org/officeDocument/2006/relationships" xmlns:p="http://schemas.openxmlformats.org/presentationml/2006/main">
-  <p:cSld>
-    <p:spTree>
-      <p:nvGrpSpPr>
-        <p:cNvPr id="1" name=""/>
-        <p:cNvGrpSpPr/>
-        <p:nvPr/>
-      </p:nvGrpSpPr>
-      <p:grpSpPr>
-        <a:xfrm>
-          <a:off x="0" y="0"/>
-          <a:ext cx="0" cy="0"/>
-          <a:chOff x="0" y="0"/>
-          <a:chExt cx="0" cy="0"/>
-        </a:xfrm>
-      </p:grpSpPr>
-      <p:sp>
-        <p:nvSpPr>
-          <p:cNvPr id="2" name="标题 1"/>
-          <p:cNvSpPr>
-            <a:spLocks noGrp="1"/>
-          </p:cNvSpPr>
-          <p:nvPr>
-            <p:ph type="title"/>
-          </p:nvPr>
-        </p:nvSpPr>
-        <p:spPr/>
-        <p:txBody>
-          <a:bodyPr/>
-          <a:lstStyle/>
-          <a:p>
-            <a:r>
-              <a:rPr lang="en-SG" dirty="0" smtClean="0"/>
-              <a:t>Coordinate system</a:t>
-            </a:r>
-            <a:endParaRPr lang="en-SG" dirty="0"/>
-          </a:p>
-        </p:txBody>
-      </p:sp>
-      <p:sp>
-        <p:nvSpPr>
-          <p:cNvPr id="4" name="文本占位符 3"/>
-          <p:cNvSpPr>
-            <a:spLocks noGrp="1"/>
-          </p:cNvSpPr>
-          <p:nvPr>
-            <p:ph type="body" idx="1"/>
-          </p:nvPr>
-        </p:nvSpPr>
-        <p:spPr/>
-        <p:txBody>
-          <a:bodyPr/>
-          <a:lstStyle/>
-          <a:p>
-            <a:endParaRPr lang="en-SG"/>
-          </a:p>
-        </p:txBody>
-      </p:sp>
-    </p:spTree>
-    <p:extLst>
-      <p:ext uri="{BB962C8B-B14F-4D97-AF65-F5344CB8AC3E}">
-        <p14:creationId xmlns:p14="http://schemas.microsoft.com/office/powerpoint/2010/main" val="606350518"/>
-      </p:ext>
-    </p:extLst>
-  </p:cSld>
-  <p:clrMapOvr>
-    <a:masterClrMapping/>
-  </p:clrMapOvr>
-</p:sld>
-</file>
-
-<file path=ppt/slides/slide60.xml><?xml version="1.0" encoding="utf-8"?>
-<p:sld xmlns:a="http://schemas.openxmlformats.org/drawingml/2006/main" xmlns:r="http://schemas.openxmlformats.org/officeDocument/2006/relationships" xmlns:p="http://schemas.openxmlformats.org/presentationml/2006/main">
-  <p:cSld>
-    <p:spTree>
-      <p:nvGrpSpPr>
-        <p:cNvPr id="1" name=""/>
-        <p:cNvGrpSpPr/>
-        <p:nvPr/>
-      </p:nvGrpSpPr>
-      <p:grpSpPr>
-        <a:xfrm>
-          <a:off x="0" y="0"/>
-          <a:ext cx="0" cy="0"/>
-          <a:chOff x="0" y="0"/>
-          <a:chExt cx="0" cy="0"/>
-        </a:xfrm>
-      </p:grpSpPr>
-      <p:sp>
-        <p:nvSpPr>
-          <p:cNvPr id="2" name="标题 1"/>
-          <p:cNvSpPr>
-            <a:spLocks noGrp="1"/>
-          </p:cNvSpPr>
-          <p:nvPr>
-            <p:ph type="title"/>
-          </p:nvPr>
-        </p:nvSpPr>
-        <p:spPr/>
-        <p:txBody>
-          <a:bodyPr/>
-          <a:lstStyle/>
-          <a:p>
-            <a:r>
-              <a:rPr lang="en-SG" dirty="0"/>
-              <a:t>Sketch method</a:t>
-            </a:r>
-          </a:p>
-        </p:txBody>
-      </p:sp>
-      <p:sp>
-        <p:nvSpPr>
-          <p:cNvPr id="3" name="内容占位符 2"/>
-          <p:cNvSpPr>
-            <a:spLocks noGrp="1"/>
-          </p:cNvSpPr>
-          <p:nvPr>
-            <p:ph idx="1"/>
-          </p:nvPr>
-        </p:nvSpPr>
-        <p:spPr/>
-        <p:txBody>
-          <a:bodyPr/>
-          <a:lstStyle/>
-          <a:p>
-            <a:r>
-              <a:rPr lang="en-SG" dirty="0" smtClean="0"/>
-              <a:t>The main steps of sketch method to create 3D models are</a:t>
-            </a:r>
-          </a:p>
-          <a:p>
-            <a:pPr marL="914400" lvl="1" indent="-457200">
-              <a:buFont typeface="+mj-lt"/>
-              <a:buAutoNum type="arabicPeriod"/>
-            </a:pPr>
-            <a:r>
-              <a:rPr lang="en-SG" dirty="0" smtClean="0"/>
-              <a:t>Define a sketch plane as cross section;</a:t>
-            </a:r>
-          </a:p>
-          <a:p>
-            <a:pPr marL="914400" lvl="1" indent="-457200">
-              <a:buFont typeface="+mj-lt"/>
-              <a:buAutoNum type="arabicPeriod"/>
-            </a:pPr>
-            <a:r>
-              <a:rPr lang="en-SG" dirty="0" smtClean="0"/>
-              <a:t>Sketch 2D shapes on the cross section;</a:t>
-            </a:r>
-          </a:p>
-          <a:p>
-            <a:pPr marL="914400" lvl="1" indent="-457200">
-              <a:buFont typeface="+mj-lt"/>
-              <a:buAutoNum type="arabicPeriod"/>
-            </a:pPr>
-            <a:r>
-              <a:rPr lang="en-SG" dirty="0" smtClean="0"/>
-              <a:t>Constraint 2D shapes with accurate dimensions;</a:t>
-            </a:r>
-          </a:p>
-          <a:p>
-            <a:pPr marL="914400" lvl="1" indent="-457200">
-              <a:buFont typeface="+mj-lt"/>
-              <a:buAutoNum type="arabicPeriod"/>
-            </a:pPr>
-            <a:r>
-              <a:rPr lang="en-SG" dirty="0" smtClean="0"/>
-              <a:t>Perform 2D to </a:t>
-            </a:r>
-            <a:r>
-              <a:rPr lang="en-SG" smtClean="0"/>
-              <a:t>3D operations.</a:t>
-            </a:r>
-            <a:endParaRPr lang="en-SG" dirty="0" smtClean="0"/>
-          </a:p>
-          <a:p>
-            <a:pPr marL="914400" lvl="1" indent="-457200">
-              <a:buFont typeface="+mj-lt"/>
-              <a:buAutoNum type="arabicPeriod"/>
-            </a:pPr>
-            <a:endParaRPr lang="en-SG" dirty="0"/>
-          </a:p>
-        </p:txBody>
-      </p:sp>
-    </p:spTree>
-    <p:extLst>
-      <p:ext uri="{BB962C8B-B14F-4D97-AF65-F5344CB8AC3E}">
-        <p14:creationId xmlns:p14="http://schemas.microsoft.com/office/powerpoint/2010/main" val="4198518572"/>
-      </p:ext>
-    </p:extLst>
-  </p:cSld>
-  <p:clrMapOvr>
-    <a:masterClrMapping/>
-  </p:clrMapOvr>
-</p:sld>
-</file>
-
-<file path=ppt/slides/slide61.xml><?xml version="1.0" encoding="utf-8"?>
-<p:sld xmlns:a="http://schemas.openxmlformats.org/drawingml/2006/main" xmlns:r="http://schemas.openxmlformats.org/officeDocument/2006/relationships" xmlns:p="http://schemas.openxmlformats.org/presentationml/2006/main">
-  <p:cSld>
-    <p:spTree>
-      <p:nvGrpSpPr>
-        <p:cNvPr id="1" name=""/>
-        <p:cNvGrpSpPr/>
-        <p:nvPr/>
-      </p:nvGrpSpPr>
-      <p:grpSpPr>
-        <a:xfrm>
-          <a:off x="0" y="0"/>
-          <a:ext cx="0" cy="0"/>
-          <a:chOff x="0" y="0"/>
-          <a:chExt cx="0" cy="0"/>
-        </a:xfrm>
-      </p:grpSpPr>
-      <p:sp>
-        <p:nvSpPr>
-          <p:cNvPr id="4" name="标题 3"/>
-          <p:cNvSpPr>
-            <a:spLocks noGrp="1"/>
-          </p:cNvSpPr>
-          <p:nvPr>
-            <p:ph type="title"/>
-          </p:nvPr>
-        </p:nvSpPr>
-        <p:spPr/>
-        <p:txBody>
-          <a:bodyPr/>
-          <a:lstStyle/>
-          <a:p>
-            <a:r>
-              <a:rPr lang="en-SG" dirty="0"/>
-              <a:t>Key disciplines of modelling in </a:t>
-            </a:r>
-            <a:r>
-              <a:rPr lang="en-SG" dirty="0" err="1"/>
-              <a:t>Solidworks</a:t>
-            </a:r>
-            <a:endParaRPr lang="en-SG" dirty="0"/>
-          </a:p>
-        </p:txBody>
-      </p:sp>
-      <p:sp>
-        <p:nvSpPr>
-          <p:cNvPr id="5" name="文本占位符 4"/>
-          <p:cNvSpPr>
-            <a:spLocks noGrp="1"/>
-          </p:cNvSpPr>
-          <p:nvPr>
-            <p:ph type="body" idx="1"/>
-          </p:nvPr>
-        </p:nvSpPr>
-        <p:spPr/>
-        <p:txBody>
-          <a:bodyPr/>
-          <a:lstStyle/>
-          <a:p>
-            <a:endParaRPr lang="en-SG"/>
-          </a:p>
-        </p:txBody>
-      </p:sp>
-    </p:spTree>
-    <p:extLst>
-      <p:ext uri="{BB962C8B-B14F-4D97-AF65-F5344CB8AC3E}">
-        <p14:creationId xmlns:p14="http://schemas.microsoft.com/office/powerpoint/2010/main" val="2395669259"/>
-      </p:ext>
-    </p:extLst>
-  </p:cSld>
-  <p:clrMapOvr>
-    <a:masterClrMapping/>
-  </p:clrMapOvr>
-</p:sld>
-</file>
-
-<file path=ppt/slides/slide62.xml><?xml version="1.0" encoding="utf-8"?>
-<p:sld xmlns:a="http://schemas.openxmlformats.org/drawingml/2006/main" xmlns:r="http://schemas.openxmlformats.org/officeDocument/2006/relationships" xmlns:p="http://schemas.openxmlformats.org/presentationml/2006/main">
-  <p:cSld>
-    <p:spTree>
-      <p:nvGrpSpPr>
-        <p:cNvPr id="1" name=""/>
-        <p:cNvGrpSpPr/>
-        <p:nvPr/>
-      </p:nvGrpSpPr>
-      <p:grpSpPr>
-        <a:xfrm>
-          <a:off x="0" y="0"/>
-          <a:ext cx="0" cy="0"/>
-          <a:chOff x="0" y="0"/>
-          <a:chExt cx="0" cy="0"/>
-        </a:xfrm>
-      </p:grpSpPr>
-      <p:sp>
-        <p:nvSpPr>
-          <p:cNvPr id="2" name="标题 1"/>
-          <p:cNvSpPr>
-            <a:spLocks noGrp="1"/>
-          </p:cNvSpPr>
-          <p:nvPr>
-            <p:ph type="title"/>
-          </p:nvPr>
-        </p:nvSpPr>
-        <p:spPr/>
-        <p:txBody>
-          <a:bodyPr/>
-          <a:lstStyle/>
-          <a:p>
-            <a:r>
-              <a:rPr lang="en-SG" dirty="0" smtClean="0"/>
-              <a:t>Key disciplines of modelling in </a:t>
-            </a:r>
-            <a:r>
-              <a:rPr lang="en-SG" dirty="0" err="1" smtClean="0"/>
-              <a:t>Solidworks</a:t>
-            </a:r>
-            <a:endParaRPr lang="en-SG" baseline="30000" dirty="0"/>
-          </a:p>
-        </p:txBody>
-      </p:sp>
-      <p:sp>
-        <p:nvSpPr>
-          <p:cNvPr id="3" name="内容占位符 2"/>
-          <p:cNvSpPr>
-            <a:spLocks noGrp="1"/>
-          </p:cNvSpPr>
-          <p:nvPr>
-            <p:ph idx="1"/>
-          </p:nvPr>
-        </p:nvSpPr>
-        <p:spPr/>
-        <p:txBody>
-          <a:bodyPr/>
-          <a:lstStyle/>
-          <a:p>
-            <a:r>
-              <a:rPr lang="en-SG" dirty="0" smtClean="0"/>
-              <a:t>For basic bodies, generate 3D model by taking use of 2D shapes;</a:t>
-            </a:r>
-          </a:p>
-          <a:p>
-            <a:r>
-              <a:rPr lang="en-SG" dirty="0" smtClean="0"/>
-              <a:t>Combine basic bodies to create a complex body;</a:t>
-            </a:r>
-          </a:p>
-          <a:p>
-            <a:r>
-              <a:rPr lang="en-SG" dirty="0"/>
-              <a:t>R</a:t>
-            </a:r>
-            <a:r>
-              <a:rPr lang="en-SG" dirty="0" smtClean="0"/>
-              <a:t>epeated bodies can be made through array operations;</a:t>
-            </a:r>
-          </a:p>
-          <a:p>
-            <a:pPr marL="0" indent="0">
-              <a:buNone/>
-            </a:pPr>
-            <a:r>
-              <a:rPr lang="en-SG" dirty="0" smtClean="0"/>
-              <a:t> </a:t>
-            </a:r>
-          </a:p>
-          <a:p>
-            <a:endParaRPr lang="en-SG" dirty="0"/>
-          </a:p>
-        </p:txBody>
-      </p:sp>
-    </p:spTree>
-    <p:extLst>
-      <p:ext uri="{BB962C8B-B14F-4D97-AF65-F5344CB8AC3E}">
-        <p14:creationId xmlns:p14="http://schemas.microsoft.com/office/powerpoint/2010/main" val="164022275"/>
-      </p:ext>
-    </p:extLst>
-  </p:cSld>
-  <p:clrMapOvr>
-    <a:masterClrMapping/>
-  </p:clrMapOvr>
-</p:sld>
-</file>
-
 <file path=ppt/slides/slide63.xml><?xml version="1.0" encoding="utf-8"?>
 <p:sld xmlns:a="http://schemas.openxmlformats.org/drawingml/2006/main" xmlns:r="http://schemas.openxmlformats.org/officeDocument/2006/relationships" xmlns:p="http://schemas.openxmlformats.org/presentationml/2006/main">
   <p:cSld>
@@ -12762,8 +14584,8 @@
           <a:lstStyle/>
           <a:p>
             <a:r>
-              <a:rPr lang="en-SG" dirty="0" smtClean="0"/>
-              <a:t>Coordinate system</a:t>
+              <a:rPr lang="en-SG" dirty="0"/>
+              <a:t>Sketch method</a:t>
             </a:r>
           </a:p>
         </p:txBody>
@@ -12780,93 +14602,64 @@
         </p:nvSpPr>
         <p:spPr/>
         <p:txBody>
-          <a:bodyPr>
-            <a:normAutofit fontScale="92500" lnSpcReduction="10000"/>
-          </a:bodyPr>
-          <a:lstStyle/>
-          <a:p>
-            <a:r>
-              <a:rPr lang="en-SG" dirty="0">
-                <a:solidFill>
-                  <a:srgbClr val="FF0000"/>
-                </a:solidFill>
-              </a:rPr>
-              <a:t>Coordinate systems are the most important concept in a CAD system. They are used </a:t>
-            </a:r>
-            <a:r>
-              <a:rPr lang="en-SG" dirty="0" smtClean="0">
-                <a:solidFill>
-                  <a:srgbClr val="FF0000"/>
-                </a:solidFill>
-              </a:rPr>
-              <a:t>to  </a:t>
-            </a:r>
-            <a:r>
-              <a:rPr lang="en-SG" dirty="0">
-                <a:solidFill>
-                  <a:srgbClr val="FF0000"/>
-                </a:solidFill>
-              </a:rPr>
-              <a:t>input,  store,  and  display  geometric  model.  There  are  three  kinds  of  coordinate </a:t>
-            </a:r>
-            <a:r>
-              <a:rPr lang="en-SG" dirty="0" smtClean="0">
-                <a:solidFill>
-                  <a:srgbClr val="FF0000"/>
-                </a:solidFill>
-              </a:rPr>
-              <a:t>systems</a:t>
-            </a:r>
-            <a:r>
-              <a:rPr lang="en-SG" dirty="0">
-                <a:solidFill>
-                  <a:srgbClr val="FF0000"/>
-                </a:solidFill>
-              </a:rPr>
-              <a:t>, that is, model coordinate system (MCS), working coordinate system (WCS), </a:t>
-            </a:r>
-            <a:r>
-              <a:rPr lang="en-SG" dirty="0" smtClean="0">
-                <a:solidFill>
-                  <a:srgbClr val="FF0000"/>
-                </a:solidFill>
-              </a:rPr>
-              <a:t>and </a:t>
-            </a:r>
-            <a:r>
-              <a:rPr lang="en-SG" dirty="0">
-                <a:solidFill>
-                  <a:srgbClr val="FF0000"/>
-                </a:solidFill>
-              </a:rPr>
-              <a:t>screen coordinate system (SCS).</a:t>
-            </a:r>
-          </a:p>
-          <a:p>
-            <a:r>
-              <a:rPr lang="en-SG" dirty="0" smtClean="0"/>
-              <a:t>By default, there are already a coordinates system provided for user by SOLIDWORKS every time you open a new modelling project. Usually</a:t>
-            </a:r>
-            <a:r>
-              <a:rPr lang="en-SG" dirty="0"/>
-              <a:t>, at the lower-left corner of the canvas, you can notice the symbol of coordinate system with three axes</a:t>
-            </a:r>
-            <a:r>
-              <a:rPr lang="en-SG" dirty="0" smtClean="0"/>
-              <a:t>.</a:t>
-            </a:r>
-          </a:p>
-          <a:p>
-            <a:r>
-              <a:rPr lang="en-SG" dirty="0" smtClean="0"/>
-              <a:t>Whenever user need to carry on some location or orientation related modelling steps, the coordination system should be considered.</a:t>
-            </a:r>
-          </a:p>
-          <a:p>
-            <a:r>
-              <a:rPr lang="en-US" dirty="0" smtClean="0"/>
-              <a:t>For example, in the scenarios of re-oriented a model or two models comparing user should define his own reference coordinate systems. </a:t>
-            </a:r>
+          <a:bodyPr/>
+          <a:lstStyle/>
+          <a:p>
+            <a:r>
+              <a:rPr lang="en-SG" dirty="0" smtClean="0"/>
+              <a:t>The main steps of sketch method to create 3D models are</a:t>
+            </a:r>
+          </a:p>
+          <a:p>
+            <a:pPr marL="914400" lvl="1" indent="-457200">
+              <a:buFont typeface="+mj-lt"/>
+              <a:buAutoNum type="arabicPeriod"/>
+            </a:pPr>
+            <a:r>
+              <a:rPr lang="en-SG" dirty="0" smtClean="0"/>
+              <a:t>Define a sketch plane as cross section;</a:t>
+            </a:r>
+          </a:p>
+          <a:p>
+            <a:pPr marL="914400" lvl="1" indent="-457200">
+              <a:buFont typeface="+mj-lt"/>
+              <a:buAutoNum type="arabicPeriod"/>
+            </a:pPr>
+            <a:r>
+              <a:rPr lang="en-SG" dirty="0" smtClean="0"/>
+              <a:t>Sketch 2D shapes on the cross section;</a:t>
+            </a:r>
+          </a:p>
+          <a:p>
+            <a:pPr marL="914400" lvl="1" indent="-457200">
+              <a:buFont typeface="+mj-lt"/>
+              <a:buAutoNum type="arabicPeriod"/>
+            </a:pPr>
+            <a:r>
+              <a:rPr lang="en-SG" dirty="0" smtClean="0"/>
+              <a:t>Constraint 2D shapes with accurate dimensions;</a:t>
+            </a:r>
+          </a:p>
+          <a:p>
+            <a:pPr marL="914400" lvl="1" indent="-457200">
+              <a:buFont typeface="+mj-lt"/>
+              <a:buAutoNum type="arabicPeriod"/>
+            </a:pPr>
+            <a:r>
+              <a:rPr lang="en-SG" dirty="0" smtClean="0"/>
+              <a:t>Perform 2D to </a:t>
+            </a:r>
+            <a:r>
+              <a:rPr lang="en-SG" smtClean="0"/>
+              <a:t>3D operations.</a:t>
+            </a:r>
+            <a:endParaRPr lang="en-SG" dirty="0" smtClean="0"/>
+          </a:p>
+          <a:p>
+            <a:pPr marL="914400" lvl="1" indent="-457200">
+              <a:buFont typeface="+mj-lt"/>
+              <a:buAutoNum type="arabicPeriod"/>
+            </a:pPr>
             <a:endParaRPr lang="en-SG" dirty="0"/>
           </a:p>
         </p:txBody>
@@ -12874,7 +14667,7 @@
     </p:spTree>
     <p:extLst>
       <p:ext uri="{BB962C8B-B14F-4D97-AF65-F5344CB8AC3E}">
-        <p14:creationId xmlns:p14="http://schemas.microsoft.com/office/powerpoint/2010/main" val="1304840193"/>
+        <p14:creationId xmlns:p14="http://schemas.microsoft.com/office/powerpoint/2010/main" val="4198518572"/>
       </p:ext>
     </p:extLst>
   </p:cSld>
@@ -12903,7 +14696,7 @@
       </p:grpSpPr>
       <p:sp>
         <p:nvSpPr>
-          <p:cNvPr id="2" name="标题 1"/>
+          <p:cNvPr id="4" name="标题 3"/>
           <p:cNvSpPr>
             <a:spLocks noGrp="1"/>
           </p:cNvSpPr>
@@ -12917,8 +14710,12 @@
           <a:lstStyle/>
           <a:p>
             <a:r>
-              <a:rPr lang="en-SG" dirty="0" smtClean="0"/>
-              <a:t>References objects</a:t>
+              <a:rPr lang="en-SG" dirty="0"/>
+              <a:t>Key disciplines of modelling in </a:t>
+            </a:r>
+            <a:r>
+              <a:rPr lang="en-SG" dirty="0" err="1"/>
+              <a:t>Solidworks</a:t>
             </a:r>
             <a:endParaRPr lang="en-SG" dirty="0"/>
           </a:p>
@@ -12926,12 +14723,12 @@
       </p:sp>
       <p:sp>
         <p:nvSpPr>
-          <p:cNvPr id="3" name="内容占位符 2"/>
-          <p:cNvSpPr>
-            <a:spLocks noGrp="1"/>
-          </p:cNvSpPr>
-          <p:nvPr>
-            <p:ph idx="1"/>
+          <p:cNvPr id="5" name="文本占位符 4"/>
+          <p:cNvSpPr>
+            <a:spLocks noGrp="1"/>
+          </p:cNvSpPr>
+          <p:nvPr>
+            <p:ph type="body" idx="1"/>
           </p:nvPr>
         </p:nvSpPr>
         <p:spPr/>
@@ -12939,32 +14736,14 @@
           <a:bodyPr/>
           <a:lstStyle/>
           <a:p>
-            <a:r>
-              <a:rPr lang="en-SG" dirty="0" smtClean="0"/>
-              <a:t>Reference points</a:t>
-            </a:r>
-          </a:p>
-          <a:p>
-            <a:r>
-              <a:rPr lang="en-SG" dirty="0" smtClean="0"/>
-              <a:t>Reference vectors/axes</a:t>
-            </a:r>
-          </a:p>
-          <a:p>
-            <a:r>
-              <a:rPr lang="en-SG" dirty="0" smtClean="0"/>
-              <a:t>Reference plane</a:t>
-            </a:r>
-          </a:p>
-          <a:p>
-            <a:endParaRPr lang="en-SG" dirty="0"/>
+            <a:endParaRPr lang="en-SG"/>
           </a:p>
         </p:txBody>
       </p:sp>
     </p:spTree>
     <p:extLst>
       <p:ext uri="{BB962C8B-B14F-4D97-AF65-F5344CB8AC3E}">
-        <p14:creationId xmlns:p14="http://schemas.microsoft.com/office/powerpoint/2010/main" val="224841182"/>
+        <p14:creationId xmlns:p14="http://schemas.microsoft.com/office/powerpoint/2010/main" val="2395669259"/>
       </p:ext>
     </p:extLst>
   </p:cSld>
@@ -13008,9 +14787,13 @@
           <a:p>
             <a:r>
               <a:rPr lang="en-SG" dirty="0" smtClean="0"/>
-              <a:t>Sketch</a:t>
-            </a:r>
-            <a:endParaRPr lang="en-SG" dirty="0"/>
+              <a:t>Key disciplines of modelling in </a:t>
+            </a:r>
+            <a:r>
+              <a:rPr lang="en-SG" dirty="0" err="1" smtClean="0"/>
+              <a:t>Solidworks</a:t>
+            </a:r>
+            <a:endParaRPr lang="en-SG" baseline="30000" dirty="0"/>
           </a:p>
         </p:txBody>
       </p:sp>
@@ -13031,44 +14814,35 @@
           <a:p>
             <a:r>
               <a:rPr lang="en-SG" dirty="0" smtClean="0"/>
-              <a:t>Plane curves</a:t>
-            </a:r>
-          </a:p>
-          <a:p>
-            <a:r>
-              <a:rPr lang="en-SG" dirty="0" smtClean="0"/>
-              <a:t>Two types of Constraint</a:t>
-            </a:r>
-          </a:p>
-          <a:p>
-            <a:pPr lvl="1"/>
-            <a:r>
-              <a:rPr lang="en-SG" dirty="0"/>
-              <a:t>Dimensional </a:t>
-            </a:r>
-            <a:r>
-              <a:rPr lang="en-SG" dirty="0" smtClean="0"/>
-              <a:t>constraints: length and angle</a:t>
-            </a:r>
-          </a:p>
-          <a:p>
-            <a:pPr lvl="1"/>
-            <a:r>
-              <a:rPr lang="en-SG" dirty="0" smtClean="0"/>
-              <a:t>Geometric constraints: parallel, perpendicular, normal</a:t>
-            </a:r>
-            <a:r>
-              <a:rPr lang="en-SG" dirty="0"/>
-              <a:t>, tangent, </a:t>
-            </a:r>
-            <a:r>
-              <a:rPr lang="en-SG" dirty="0" smtClean="0"/>
-              <a:t>concentric</a:t>
-            </a:r>
-            <a:r>
-              <a:rPr lang="en-SG" smtClean="0"/>
-              <a:t>, etc.</a:t>
-            </a:r>
+              <a:t>For basic bodies, generate 3D model by taking use of 2D shapes;</a:t>
+            </a:r>
+          </a:p>
+          <a:p>
+            <a:r>
+              <a:rPr lang="en-SG" dirty="0" smtClean="0"/>
+              <a:t>Combine basic bodies to create a complex body;</a:t>
+            </a:r>
+          </a:p>
+          <a:p>
+            <a:r>
+              <a:rPr lang="en-SG" dirty="0"/>
+              <a:t>R</a:t>
+            </a:r>
+            <a:r>
+              <a:rPr lang="en-SG" dirty="0" smtClean="0"/>
+              <a:t>epeated bodies can be made through array operations;</a:t>
+            </a:r>
+          </a:p>
+          <a:p>
+            <a:pPr marL="0" indent="0">
+              <a:buNone/>
+            </a:pPr>
+            <a:r>
+              <a:rPr lang="en-SG" dirty="0" smtClean="0"/>
+              <a:t> </a:t>
+            </a:r>
+          </a:p>
+          <a:p>
             <a:endParaRPr lang="en-SG" dirty="0"/>
           </a:p>
         </p:txBody>
@@ -13076,7 +14850,7 @@
     </p:spTree>
     <p:extLst>
       <p:ext uri="{BB962C8B-B14F-4D97-AF65-F5344CB8AC3E}">
-        <p14:creationId xmlns:p14="http://schemas.microsoft.com/office/powerpoint/2010/main" val="579798063"/>
+        <p14:creationId xmlns:p14="http://schemas.microsoft.com/office/powerpoint/2010/main" val="164022275"/>
       </p:ext>
     </p:extLst>
   </p:cSld>
@@ -13110,7 +14884,7 @@
             <a:spLocks noGrp="1"/>
           </p:cNvSpPr>
           <p:nvPr>
-            <p:ph type="ctrTitle"/>
+            <p:ph type="title"/>
           </p:nvPr>
         </p:nvSpPr>
         <p:spPr/>
@@ -13120,35 +14894,118 @@
           <a:p>
             <a:r>
               <a:rPr lang="en-SG" dirty="0" smtClean="0"/>
-              <a:t>CAM</a:t>
+              <a:t>Coordinate system</a:t>
+            </a:r>
+          </a:p>
+        </p:txBody>
+      </p:sp>
+      <p:sp>
+        <p:nvSpPr>
+          <p:cNvPr id="3" name="内容占位符 2"/>
+          <p:cNvSpPr>
+            <a:spLocks noGrp="1"/>
+          </p:cNvSpPr>
+          <p:nvPr>
+            <p:ph idx="1"/>
+          </p:nvPr>
+        </p:nvSpPr>
+        <p:spPr/>
+        <p:txBody>
+          <a:bodyPr>
+            <a:normAutofit fontScale="92500" lnSpcReduction="10000"/>
+          </a:bodyPr>
+          <a:lstStyle/>
+          <a:p>
+            <a:r>
+              <a:rPr lang="en-SG" dirty="0">
+                <a:solidFill>
+                  <a:srgbClr val="FF0000"/>
+                </a:solidFill>
+              </a:rPr>
+              <a:t>Coordinate systems are the most important concept in a CAD system. They are used </a:t>
+            </a:r>
+            <a:r>
+              <a:rPr lang="en-SG" dirty="0" smtClean="0">
+                <a:solidFill>
+                  <a:srgbClr val="FF0000"/>
+                </a:solidFill>
+              </a:rPr>
+              <a:t>to  </a:t>
+            </a:r>
+            <a:r>
+              <a:rPr lang="en-SG" dirty="0">
+                <a:solidFill>
+                  <a:srgbClr val="FF0000"/>
+                </a:solidFill>
+              </a:rPr>
+              <a:t>input,  store,  and  display  geometric  model.  There  are  three  kinds  of  coordinate </a:t>
+            </a:r>
+            <a:r>
+              <a:rPr lang="en-SG" dirty="0" smtClean="0">
+                <a:solidFill>
+                  <a:srgbClr val="FF0000"/>
+                </a:solidFill>
+              </a:rPr>
+              <a:t>systems</a:t>
+            </a:r>
+            <a:r>
+              <a:rPr lang="en-SG" dirty="0">
+                <a:solidFill>
+                  <a:srgbClr val="FF0000"/>
+                </a:solidFill>
+              </a:rPr>
+              <a:t>, that is, model coordinate system (MCS), working coordinate system (WCS), </a:t>
+            </a:r>
+            <a:r>
+              <a:rPr lang="en-SG" dirty="0" smtClean="0">
+                <a:solidFill>
+                  <a:srgbClr val="FF0000"/>
+                </a:solidFill>
+              </a:rPr>
+              <a:t>and </a:t>
+            </a:r>
+            <a:r>
+              <a:rPr lang="en-SG" dirty="0">
+                <a:solidFill>
+                  <a:srgbClr val="FF0000"/>
+                </a:solidFill>
+              </a:rPr>
+              <a:t>screen coordinate system (SCS).</a:t>
+            </a:r>
+          </a:p>
+          <a:p>
+            <a:r>
+              <a:rPr lang="en-SG" dirty="0" smtClean="0"/>
+              <a:t>By default, there are already a coordinates system provided for user by SOLIDWORKS every time you open a new modelling project. Usually</a:t>
+            </a:r>
+            <a:r>
+              <a:rPr lang="en-SG" dirty="0"/>
+              <a:t>, at the lower-left corner of the canvas, you can notice the symbol of coordinate system with three axes</a:t>
+            </a:r>
+            <a:r>
+              <a:rPr lang="en-SG" dirty="0" smtClean="0"/>
+              <a:t>.</a:t>
+            </a:r>
+          </a:p>
+          <a:p>
+            <a:r>
+              <a:rPr lang="en-SG" dirty="0" smtClean="0"/>
+              <a:t>Whenever user need to carry on some location or orientation related modelling steps, the coordination system should be considered.</a:t>
+            </a:r>
+          </a:p>
+          <a:p>
+            <a:r>
+              <a:rPr lang="en-US" dirty="0" smtClean="0"/>
+              <a:t>For example, in the scenarios of re-oriented a model or two models comparing user should define his own reference coordinate systems. </a:t>
             </a:r>
             <a:endParaRPr lang="en-SG" dirty="0"/>
-          </a:p>
-        </p:txBody>
-      </p:sp>
-      <p:sp>
-        <p:nvSpPr>
-          <p:cNvPr id="3" name="副标题 2"/>
-          <p:cNvSpPr>
-            <a:spLocks noGrp="1"/>
-          </p:cNvSpPr>
-          <p:nvPr>
-            <p:ph type="subTitle" idx="1"/>
-          </p:nvPr>
-        </p:nvSpPr>
-        <p:spPr/>
-        <p:txBody>
-          <a:bodyPr/>
-          <a:lstStyle/>
-          <a:p>
-            <a:endParaRPr lang="en-SG"/>
           </a:p>
         </p:txBody>
       </p:sp>
     </p:spTree>
     <p:extLst>
       <p:ext uri="{BB962C8B-B14F-4D97-AF65-F5344CB8AC3E}">
-        <p14:creationId xmlns:p14="http://schemas.microsoft.com/office/powerpoint/2010/main" val="2945329965"/>
+        <p14:creationId xmlns:p14="http://schemas.microsoft.com/office/powerpoint/2010/main" val="1304840193"/>
       </p:ext>
     </p:extLst>
   </p:cSld>
@@ -13192,7 +15049,7 @@
           <a:p>
             <a:r>
               <a:rPr lang="en-SG" dirty="0" smtClean="0"/>
-              <a:t>Brief</a:t>
+              <a:t>References objects</a:t>
             </a:r>
             <a:endParaRPr lang="en-SG" dirty="0"/>
           </a:p>
@@ -13210,36 +15067,35 @@
         </p:nvSpPr>
         <p:spPr/>
         <p:txBody>
-          <a:bodyPr>
-            <a:normAutofit/>
-          </a:bodyPr>
-          <a:lstStyle/>
-          <a:p>
-            <a:r>
-              <a:rPr lang="en-SG" dirty="0" smtClean="0"/>
-              <a:t>Scope and applications </a:t>
-            </a:r>
-          </a:p>
-          <a:p>
-            <a:pPr lvl="1"/>
-            <a:r>
-              <a:rPr lang="en-SG" dirty="0" smtClean="0"/>
-              <a:t>NC in CAM </a:t>
-            </a:r>
-          </a:p>
-          <a:p>
-            <a:pPr lvl="1"/>
-            <a:r>
-              <a:rPr lang="en-SG" dirty="0" smtClean="0"/>
-              <a:t>Principal types of CNC machine</a:t>
-            </a:r>
+          <a:bodyPr/>
+          <a:lstStyle/>
+          <a:p>
+            <a:r>
+              <a:rPr lang="en-SG" dirty="0" smtClean="0"/>
+              <a:t>Reference points</a:t>
+            </a:r>
+          </a:p>
+          <a:p>
+            <a:r>
+              <a:rPr lang="en-SG" dirty="0" smtClean="0"/>
+              <a:t>Reference vectors/axes</a:t>
+            </a:r>
+          </a:p>
+          <a:p>
+            <a:r>
+              <a:rPr lang="en-SG" dirty="0" smtClean="0"/>
+              <a:t>Reference plane</a:t>
+            </a:r>
+          </a:p>
+          <a:p>
+            <a:endParaRPr lang="en-SG" dirty="0"/>
           </a:p>
         </p:txBody>
       </p:sp>
     </p:spTree>
     <p:extLst>
       <p:ext uri="{BB962C8B-B14F-4D97-AF65-F5344CB8AC3E}">
-        <p14:creationId xmlns:p14="http://schemas.microsoft.com/office/powerpoint/2010/main" val="866301321"/>
+        <p14:creationId xmlns:p14="http://schemas.microsoft.com/office/powerpoint/2010/main" val="224841182"/>
       </p:ext>
     </p:extLst>
   </p:cSld>
@@ -13283,7 +15139,7 @@
           <a:p>
             <a:r>
               <a:rPr lang="en-SG" dirty="0" smtClean="0"/>
-              <a:t>Machine tools</a:t>
+              <a:t>Sketch</a:t>
             </a:r>
             <a:endParaRPr lang="en-SG" dirty="0"/>
           </a:p>
@@ -13301,46 +15157,49 @@
         </p:nvSpPr>
         <p:spPr/>
         <p:txBody>
-          <a:bodyPr>
-            <a:normAutofit/>
-          </a:bodyPr>
-          <a:lstStyle/>
-          <a:p>
-            <a:r>
-              <a:rPr lang="en-SG" dirty="0" smtClean="0"/>
-              <a:t>tools and their construction features</a:t>
-            </a:r>
-          </a:p>
-          <a:p>
-            <a:pPr marL="457200" lvl="1" indent="0">
-              <a:buNone/>
-            </a:pPr>
-            <a:r>
-              <a:rPr lang="en-SG" dirty="0" smtClean="0"/>
-              <a:t>tooling for CNC – ISO designation for</a:t>
-            </a:r>
-          </a:p>
-          <a:p>
-            <a:r>
-              <a:rPr lang="en-SG" dirty="0" smtClean="0"/>
-              <a:t>tooling </a:t>
+          <a:bodyPr/>
+          <a:lstStyle/>
+          <a:p>
+            <a:r>
+              <a:rPr lang="en-SG" dirty="0" smtClean="0"/>
+              <a:t>Plane curves</a:t>
+            </a:r>
+          </a:p>
+          <a:p>
+            <a:r>
+              <a:rPr lang="en-SG" dirty="0" smtClean="0"/>
+              <a:t>Two types of Constraint</a:t>
             </a:r>
           </a:p>
           <a:p>
             <a:pPr lvl="1"/>
             <a:r>
-              <a:rPr lang="en-SG" dirty="0" smtClean="0"/>
-              <a:t>CNC operating system </a:t>
+              <a:rPr lang="en-SG" dirty="0"/>
+              <a:t>Dimensional </a:t>
+            </a:r>
+            <a:r>
+              <a:rPr lang="en-SG" dirty="0" smtClean="0"/>
+              <a:t>constraints: length and angle</a:t>
             </a:r>
           </a:p>
           <a:p>
             <a:pPr lvl="1"/>
             <a:r>
               <a:rPr lang="en-SG" dirty="0" smtClean="0"/>
-              <a:t>FANUC, SINUMERIK – LINUMERIK.</a:t>
-            </a:r>
-          </a:p>
-          <a:p>
+              <a:t>Geometric constraints: parallel, perpendicular, normal</a:t>
+            </a:r>
+            <a:r>
+              <a:rPr lang="en-SG" dirty="0"/>
+              <a:t>, tangent, </a:t>
+            </a:r>
+            <a:r>
+              <a:rPr lang="en-SG" dirty="0" smtClean="0"/>
+              <a:t>concentric</a:t>
+            </a:r>
+            <a:r>
+              <a:rPr lang="en-SG" smtClean="0"/>
+              <a:t>, etc.</a:t>
+            </a:r>
             <a:endParaRPr lang="en-SG" dirty="0"/>
           </a:p>
         </p:txBody>
@@ -13348,7 +15207,7 @@
     </p:spTree>
     <p:extLst>
       <p:ext uri="{BB962C8B-B14F-4D97-AF65-F5344CB8AC3E}">
-        <p14:creationId xmlns:p14="http://schemas.microsoft.com/office/powerpoint/2010/main" val="2867634849"/>
+        <p14:creationId xmlns:p14="http://schemas.microsoft.com/office/powerpoint/2010/main" val="579798063"/>
       </p:ext>
     </p:extLst>
   </p:cSld>
@@ -13382,7 +15241,7 @@
             <a:spLocks noGrp="1"/>
           </p:cNvSpPr>
           <p:nvPr>
-            <p:ph type="title"/>
+            <p:ph type="ctrTitle"/>
           </p:nvPr>
         </p:nvSpPr>
         <p:spPr/>
@@ -13392,7 +15251,7 @@
           <a:p>
             <a:r>
               <a:rPr lang="en-SG" dirty="0" smtClean="0"/>
-              <a:t>Introduction to CAPP</a:t>
+              <a:t>CAM</a:t>
             </a:r>
             <a:endParaRPr lang="en-SG" dirty="0"/>
           </a:p>
@@ -13400,12 +15259,12 @@
       </p:sp>
       <p:sp>
         <p:nvSpPr>
-          <p:cNvPr id="3" name="内容占位符 2"/>
-          <p:cNvSpPr>
-            <a:spLocks noGrp="1"/>
-          </p:cNvSpPr>
-          <p:nvPr>
-            <p:ph idx="1"/>
+          <p:cNvPr id="3" name="副标题 2"/>
+          <p:cNvSpPr>
+            <a:spLocks noGrp="1"/>
+          </p:cNvSpPr>
+          <p:nvPr>
+            <p:ph type="subTitle" idx="1"/>
           </p:nvPr>
         </p:nvSpPr>
         <p:spPr/>
@@ -13413,32 +15272,14 @@
           <a:bodyPr/>
           <a:lstStyle/>
           <a:p>
-            <a:r>
-              <a:rPr lang="en-SG" dirty="0" smtClean="0"/>
-              <a:t>Three main parameters to define a machining process</a:t>
-            </a:r>
-          </a:p>
-          <a:p>
-            <a:r>
-              <a:rPr lang="en-SG" dirty="0" smtClean="0"/>
-              <a:t>Principles for process design</a:t>
-            </a:r>
-          </a:p>
-          <a:p>
-            <a:r>
-              <a:rPr lang="en-SG" dirty="0" smtClean="0"/>
-              <a:t>Processing planning systems</a:t>
-            </a:r>
-          </a:p>
-          <a:p>
-            <a:endParaRPr lang="en-SG" dirty="0"/>
+            <a:endParaRPr lang="en-SG"/>
           </a:p>
         </p:txBody>
       </p:sp>
     </p:spTree>
     <p:extLst>
       <p:ext uri="{BB962C8B-B14F-4D97-AF65-F5344CB8AC3E}">
-        <p14:creationId xmlns:p14="http://schemas.microsoft.com/office/powerpoint/2010/main" val="3457476283"/>
+        <p14:creationId xmlns:p14="http://schemas.microsoft.com/office/powerpoint/2010/main" val="2945329965"/>
       </p:ext>
     </p:extLst>
   </p:cSld>
@@ -13597,7 +15438,7 @@
           <a:p>
             <a:r>
               <a:rPr lang="en-SG" dirty="0" smtClean="0"/>
-              <a:t>Programming for CNC machining</a:t>
+              <a:t>Brief</a:t>
             </a:r>
             <a:endParaRPr lang="en-SG" dirty="0"/>
           </a:p>
@@ -13621,49 +15462,30 @@
           <a:lstStyle/>
           <a:p>
             <a:r>
-              <a:rPr lang="en-SG" dirty="0"/>
-              <a:t>C</a:t>
-            </a:r>
-            <a:r>
-              <a:rPr lang="en-SG" dirty="0" smtClean="0"/>
-              <a:t>oordinate systems of CNC</a:t>
-            </a:r>
-          </a:p>
-          <a:p>
-            <a:r>
-              <a:rPr lang="en-SG" dirty="0"/>
-              <a:t>M</a:t>
-            </a:r>
-            <a:r>
-              <a:rPr lang="en-SG" dirty="0" smtClean="0"/>
-              <a:t>anual part</a:t>
-            </a:r>
-          </a:p>
-          <a:p>
-            <a:r>
-              <a:rPr lang="en-SG" dirty="0"/>
-              <a:t>C</a:t>
-            </a:r>
-            <a:r>
-              <a:rPr lang="en-SG" dirty="0" smtClean="0"/>
-              <a:t>omputer assisted part programming </a:t>
-            </a:r>
-          </a:p>
-          <a:p>
-            <a:r>
-              <a:rPr lang="en-SG" dirty="0" smtClean="0"/>
-              <a:t>CNC part programming with CAD system. </a:t>
-            </a:r>
-          </a:p>
-          <a:p>
-            <a:endParaRPr lang="en-SG" dirty="0"/>
+              <a:rPr lang="en-SG" dirty="0" smtClean="0"/>
+              <a:t>Scope and applications </a:t>
+            </a:r>
+          </a:p>
+          <a:p>
+            <a:pPr lvl="1"/>
+            <a:r>
+              <a:rPr lang="en-SG" dirty="0" smtClean="0"/>
+              <a:t>NC in CAM </a:t>
+            </a:r>
+          </a:p>
+          <a:p>
+            <a:pPr lvl="1"/>
+            <a:r>
+              <a:rPr lang="en-SG" dirty="0" smtClean="0"/>
+              <a:t>Principal types of CNC machine</a:t>
+            </a:r>
           </a:p>
         </p:txBody>
       </p:sp>
     </p:spTree>
     <p:extLst>
       <p:ext uri="{BB962C8B-B14F-4D97-AF65-F5344CB8AC3E}">
-        <p14:creationId xmlns:p14="http://schemas.microsoft.com/office/powerpoint/2010/main" val="2042065448"/>
+        <p14:creationId xmlns:p14="http://schemas.microsoft.com/office/powerpoint/2010/main" val="866301321"/>
       </p:ext>
     </p:extLst>
   </p:cSld>
@@ -13707,7 +15529,7 @@
           <a:p>
             <a:r>
               <a:rPr lang="en-SG" dirty="0" smtClean="0"/>
-              <a:t>Material handling in CAM environment</a:t>
+              <a:t>Machine tools</a:t>
             </a:r>
             <a:endParaRPr lang="en-SG" dirty="0"/>
           </a:p>
@@ -13725,50 +15547,43 @@
         </p:nvSpPr>
         <p:spPr/>
         <p:txBody>
-          <a:bodyPr/>
-          <a:lstStyle/>
-          <a:p>
-            <a:r>
-              <a:rPr lang="en-SG" dirty="0" smtClean="0"/>
-              <a:t>Logistic and storage system </a:t>
+          <a:bodyPr>
+            <a:normAutofit/>
+          </a:bodyPr>
+          <a:lstStyle/>
+          <a:p>
+            <a:r>
+              <a:rPr lang="en-SG" dirty="0" smtClean="0"/>
+              <a:t>tools and their construction features</a:t>
+            </a:r>
+          </a:p>
+          <a:p>
+            <a:pPr marL="457200" lvl="1" indent="0">
+              <a:buNone/>
+            </a:pPr>
+            <a:r>
+              <a:rPr lang="en-SG" dirty="0" smtClean="0"/>
+              <a:t>tooling for CNC – ISO designation for</a:t>
+            </a:r>
+          </a:p>
+          <a:p>
+            <a:r>
+              <a:rPr lang="en-SG" dirty="0" smtClean="0"/>
+              <a:t>tooling </a:t>
             </a:r>
           </a:p>
           <a:p>
             <a:pPr lvl="1"/>
             <a:r>
               <a:rPr lang="en-SG" dirty="0" smtClean="0"/>
-              <a:t>AGVS </a:t>
+              <a:t>CNC operating system </a:t>
             </a:r>
           </a:p>
           <a:p>
             <a:pPr lvl="1"/>
             <a:r>
               <a:rPr lang="en-SG" dirty="0" smtClean="0"/>
-              <a:t>AS/RS </a:t>
-            </a:r>
-          </a:p>
-          <a:p>
-            <a:pPr lvl="1"/>
-            <a:r>
-              <a:rPr lang="en-SG" dirty="0" err="1" smtClean="0"/>
-              <a:t>Swarf</a:t>
-            </a:r>
-            <a:r>
-              <a:rPr lang="en-SG" dirty="0" smtClean="0"/>
-              <a:t> handling and disposal of wastes </a:t>
-            </a:r>
-          </a:p>
-          <a:p>
-            <a:r>
-              <a:rPr lang="en-SG" dirty="0" smtClean="0"/>
-              <a:t>Assembly lines </a:t>
-            </a:r>
-          </a:p>
-          <a:p>
-            <a:pPr lvl="1"/>
-            <a:r>
-              <a:rPr lang="en-SG" dirty="0" smtClean="0"/>
-              <a:t>Quantitative analysis of assembly systems.</a:t>
+              <a:t>FANUC, SINUMERIK – LINUMERIK.</a:t>
             </a:r>
           </a:p>
           <a:p>
@@ -13779,7 +15594,7 @@
     </p:spTree>
     <p:extLst>
       <p:ext uri="{BB962C8B-B14F-4D97-AF65-F5344CB8AC3E}">
-        <p14:creationId xmlns:p14="http://schemas.microsoft.com/office/powerpoint/2010/main" val="938672915"/>
+        <p14:creationId xmlns:p14="http://schemas.microsoft.com/office/powerpoint/2010/main" val="2867634849"/>
       </p:ext>
     </p:extLst>
   </p:cSld>
@@ -13823,15 +15638,7 @@
           <a:p>
             <a:r>
               <a:rPr lang="en-SG" dirty="0" smtClean="0"/>
-              <a:t>Key disciplines of manufacturing under </a:t>
-            </a:r>
-            <a:r>
-              <a:rPr lang="en-SG" dirty="0" err="1" smtClean="0"/>
-              <a:t>Solidworks</a:t>
-            </a:r>
-            <a:r>
-              <a:rPr lang="en-SG" dirty="0" smtClean="0"/>
-              <a:t> environment</a:t>
+              <a:t>Introduction to CAPP</a:t>
             </a:r>
             <a:endParaRPr lang="en-SG" dirty="0"/>
           </a:p>
@@ -13853,44 +15660,23 @@
           <a:lstStyle/>
           <a:p>
             <a:r>
-              <a:rPr lang="en-SG" dirty="0"/>
-              <a:t>Configuration for a mill or turn machine</a:t>
-            </a:r>
-          </a:p>
-          <a:p>
-            <a:r>
-              <a:rPr lang="en-SG" dirty="0"/>
-              <a:t>Features to machining strategy</a:t>
-            </a:r>
-          </a:p>
-          <a:p>
-            <a:r>
-              <a:rPr lang="en-SG" dirty="0"/>
-              <a:t>Generate operation plan</a:t>
-            </a:r>
-          </a:p>
-          <a:p>
-            <a:r>
-              <a:rPr lang="en-SG" dirty="0"/>
-              <a:t>Generate tool path</a:t>
-            </a:r>
-          </a:p>
-          <a:p>
-            <a:r>
-              <a:rPr lang="en-SG" dirty="0"/>
-              <a:t>Simulation</a:t>
-            </a:r>
-          </a:p>
-          <a:p>
-            <a:r>
-              <a:rPr lang="en-SG" dirty="0"/>
-              <a:t>Post process</a:t>
-            </a:r>
-          </a:p>
-          <a:p>
-            <a:pPr marL="0" indent="0">
-              <a:buNone/>
-            </a:pPr>
+              <a:rPr lang="en-SG" dirty="0" smtClean="0"/>
+              <a:t>Three main parameters to define a machining process</a:t>
+            </a:r>
+          </a:p>
+          <a:p>
+            <a:r>
+              <a:rPr lang="en-SG" dirty="0" smtClean="0"/>
+              <a:t>Principles for process design</a:t>
+            </a:r>
+          </a:p>
+          <a:p>
+            <a:r>
+              <a:rPr lang="en-SG" dirty="0" smtClean="0"/>
+              <a:t>Processing planning systems</a:t>
+            </a:r>
+          </a:p>
+          <a:p>
             <a:endParaRPr lang="en-SG" dirty="0"/>
           </a:p>
         </p:txBody>
@@ -13898,7 +15684,7 @@
     </p:spTree>
     <p:extLst>
       <p:ext uri="{BB962C8B-B14F-4D97-AF65-F5344CB8AC3E}">
-        <p14:creationId xmlns:p14="http://schemas.microsoft.com/office/powerpoint/2010/main" val="4246989961"/>
+        <p14:creationId xmlns:p14="http://schemas.microsoft.com/office/powerpoint/2010/main" val="3457476283"/>
       </p:ext>
     </p:extLst>
   </p:cSld>
@@ -13942,7 +15728,7 @@
           <a:p>
             <a:r>
               <a:rPr lang="en-SG" dirty="0" smtClean="0"/>
-              <a:t>The following slides are only for learning purpose</a:t>
+              <a:t>Programming for CNC machining</a:t>
             </a:r>
             <a:endParaRPr lang="en-SG" dirty="0"/>
           </a:p>
@@ -13960,8 +15746,46 @@
         </p:nvSpPr>
         <p:spPr/>
         <p:txBody>
-          <a:bodyPr/>
-          <a:lstStyle/>
+          <a:bodyPr>
+            <a:normAutofit/>
+          </a:bodyPr>
+          <a:lstStyle/>
+          <a:p>
+            <a:r>
+              <a:rPr lang="en-SG" dirty="0"/>
+              <a:t>C</a:t>
+            </a:r>
+            <a:r>
+              <a:rPr lang="en-SG" dirty="0" smtClean="0"/>
+              <a:t>oordinate systems of CNC</a:t>
+            </a:r>
+          </a:p>
+          <a:p>
+            <a:r>
+              <a:rPr lang="en-SG" dirty="0"/>
+              <a:t>M</a:t>
+            </a:r>
+            <a:r>
+              <a:rPr lang="en-SG" dirty="0" smtClean="0"/>
+              <a:t>anual part</a:t>
+            </a:r>
+          </a:p>
+          <a:p>
+            <a:r>
+              <a:rPr lang="en-SG" dirty="0"/>
+              <a:t>C</a:t>
+            </a:r>
+            <a:r>
+              <a:rPr lang="en-SG" dirty="0" smtClean="0"/>
+              <a:t>omputer assisted part programming </a:t>
+            </a:r>
+          </a:p>
+          <a:p>
+            <a:r>
+              <a:rPr lang="en-SG" dirty="0" smtClean="0"/>
+              <a:t>CNC part programming with CAD system. </a:t>
+            </a:r>
+          </a:p>
           <a:p>
             <a:endParaRPr lang="en-SG" dirty="0"/>
           </a:p>
@@ -13970,7 +15794,7 @@
     </p:spTree>
     <p:extLst>
       <p:ext uri="{BB962C8B-B14F-4D97-AF65-F5344CB8AC3E}">
-        <p14:creationId xmlns:p14="http://schemas.microsoft.com/office/powerpoint/2010/main" val="3537981211"/>
+        <p14:creationId xmlns:p14="http://schemas.microsoft.com/office/powerpoint/2010/main" val="2042065448"/>
       </p:ext>
     </p:extLst>
   </p:cSld>
@@ -14012,6 +15836,10 @@
           <a:bodyPr/>
           <a:lstStyle/>
           <a:p>
+            <a:r>
+              <a:rPr lang="en-SG" dirty="0" smtClean="0"/>
+              <a:t>Material handling in CAM environment</a:t>
+            </a:r>
             <a:endParaRPr lang="en-SG" dirty="0"/>
           </a:p>
         </p:txBody>
@@ -14033,43 +15861,56 @@
           <a:p>
             <a:r>
               <a:rPr lang="en-SG" dirty="0" smtClean="0"/>
-              <a:t>Create a new part</a:t>
-            </a:r>
-          </a:p>
-          <a:p>
-            <a:r>
-              <a:rPr lang="en-SG" dirty="0" smtClean="0"/>
-              <a:t>Check the unit setting</a:t>
-            </a:r>
-          </a:p>
-          <a:p>
-            <a:r>
-              <a:rPr lang="en-SG" dirty="0" smtClean="0"/>
-              <a:t>Using sketch to create part body</a:t>
+              <a:t>Logistic and storage system </a:t>
             </a:r>
           </a:p>
           <a:p>
             <a:pPr lvl="1"/>
             <a:r>
               <a:rPr lang="en-SG" dirty="0" smtClean="0"/>
-              <a:t>Smart dimension is an import tool to drive the model </a:t>
-            </a:r>
+              <a:t>AGVS </a:t>
+            </a:r>
+          </a:p>
+          <a:p>
+            <a:pPr lvl="1"/>
+            <a:r>
+              <a:rPr lang="en-SG" dirty="0" smtClean="0"/>
+              <a:t>AS/RS </a:t>
+            </a:r>
+          </a:p>
+          <a:p>
+            <a:pPr lvl="1"/>
             <a:r>
               <a:rPr lang="en-SG" dirty="0" err="1" smtClean="0"/>
-              <a:t>creatation</a:t>
-            </a:r>
-            <a:endParaRPr lang="en-SG" dirty="0" smtClean="0"/>
+              <a:t>Swarf</a:t>
+            </a:r>
+            <a:r>
+              <a:rPr lang="en-SG" dirty="0" smtClean="0"/>
+              <a:t> handling and disposal of wastes </a:t>
+            </a:r>
+          </a:p>
+          <a:p>
+            <a:r>
+              <a:rPr lang="en-SG" dirty="0" smtClean="0"/>
+              <a:t>Assembly lines </a:t>
+            </a:r>
           </a:p>
           <a:p>
             <a:pPr lvl="1"/>
-            <a:endParaRPr lang="en-SG" dirty="0" smtClean="0"/>
+            <a:r>
+              <a:rPr lang="en-SG" dirty="0" smtClean="0"/>
+              <a:t>Quantitative analysis of assembly systems.</a:t>
+            </a:r>
+          </a:p>
+          <a:p>
+            <a:endParaRPr lang="en-SG" dirty="0"/>
           </a:p>
         </p:txBody>
       </p:sp>
     </p:spTree>
     <p:extLst>
       <p:ext uri="{BB962C8B-B14F-4D97-AF65-F5344CB8AC3E}">
-        <p14:creationId xmlns:p14="http://schemas.microsoft.com/office/powerpoint/2010/main" val="1130636376"/>
+        <p14:creationId xmlns:p14="http://schemas.microsoft.com/office/powerpoint/2010/main" val="938672915"/>
       </p:ext>
     </p:extLst>
   </p:cSld>
@@ -14111,7 +15952,19 @@
           <a:bodyPr/>
           <a:lstStyle/>
           <a:p>
-            <a:endParaRPr lang="en-SG"/>
+            <a:r>
+              <a:rPr lang="en-SG" dirty="0" smtClean="0"/>
+              <a:t>Key disciplines of manufacturing under </a:t>
+            </a:r>
+            <a:r>
+              <a:rPr lang="en-SG" dirty="0" err="1" smtClean="0"/>
+              <a:t>Solidworks</a:t>
+            </a:r>
+            <a:r>
+              <a:rPr lang="en-SG" dirty="0" smtClean="0"/>
+              <a:t> environment</a:t>
+            </a:r>
+            <a:endParaRPr lang="en-SG" dirty="0"/>
           </a:p>
         </p:txBody>
       </p:sp>
@@ -14132,43 +15985,43 @@
           <a:p>
             <a:r>
               <a:rPr lang="en-SG" dirty="0"/>
-              <a:t>Go to the </a:t>
-            </a:r>
-            <a:r>
-              <a:rPr lang="en-SG" dirty="0" err="1"/>
-              <a:t>Solidworks</a:t>
-            </a:r>
-            <a:r>
-              <a:rPr lang="en-SG" dirty="0"/>
-              <a:t> CAM module(just perform each of tool button alone the toolbar from left to right, one can finally get the tool path and G-codes)</a:t>
-            </a:r>
-          </a:p>
-          <a:p>
-            <a:pPr lvl="1"/>
-            <a:r>
-              <a:rPr lang="en-SG" dirty="0"/>
-              <a:t>Define machine</a:t>
-            </a:r>
-          </a:p>
-          <a:p>
-            <a:pPr lvl="1"/>
-            <a:r>
-              <a:rPr lang="en-SG" dirty="0"/>
-              <a:t>Setup coordinate system</a:t>
-            </a:r>
-          </a:p>
-          <a:p>
-            <a:pPr lvl="1"/>
-            <a:r>
-              <a:rPr lang="en-SG" dirty="0"/>
-              <a:t>Define stock size using stock </a:t>
-            </a:r>
-            <a:r>
-              <a:rPr lang="en-SG" dirty="0" smtClean="0"/>
-              <a:t>manager</a:t>
-            </a:r>
-          </a:p>
-          <a:p>
+              <a:t>Configuration for a mill or turn machine</a:t>
+            </a:r>
+          </a:p>
+          <a:p>
+            <a:r>
+              <a:rPr lang="en-SG" dirty="0"/>
+              <a:t>Features to machining strategy</a:t>
+            </a:r>
+          </a:p>
+          <a:p>
+            <a:r>
+              <a:rPr lang="en-SG" dirty="0"/>
+              <a:t>Generate operation plan</a:t>
+            </a:r>
+          </a:p>
+          <a:p>
+            <a:r>
+              <a:rPr lang="en-SG" dirty="0"/>
+              <a:t>Generate tool path</a:t>
+            </a:r>
+          </a:p>
+          <a:p>
+            <a:r>
+              <a:rPr lang="en-SG" dirty="0"/>
+              <a:t>Simulation</a:t>
+            </a:r>
+          </a:p>
+          <a:p>
+            <a:r>
+              <a:rPr lang="en-SG" dirty="0"/>
+              <a:t>Post process</a:t>
+            </a:r>
+          </a:p>
+          <a:p>
+            <a:pPr marL="0" indent="0">
+              <a:buNone/>
+            </a:pPr>
             <a:endParaRPr lang="en-SG" dirty="0"/>
           </a:p>
         </p:txBody>
@@ -14176,7 +16029,7 @@
     </p:spTree>
     <p:extLst>
       <p:ext uri="{BB962C8B-B14F-4D97-AF65-F5344CB8AC3E}">
-        <p14:creationId xmlns:p14="http://schemas.microsoft.com/office/powerpoint/2010/main" val="482855842"/>
+        <p14:creationId xmlns:p14="http://schemas.microsoft.com/office/powerpoint/2010/main" val="4246989961"/>
       </p:ext>
     </p:extLst>
   </p:cSld>
@@ -14218,6 +16071,284 @@
           <a:bodyPr/>
           <a:lstStyle/>
           <a:p>
+            <a:r>
+              <a:rPr lang="en-SG" dirty="0" smtClean="0"/>
+              <a:t>The following slides are only for learning purpose</a:t>
+            </a:r>
+            <a:endParaRPr lang="en-SG" dirty="0"/>
+          </a:p>
+        </p:txBody>
+      </p:sp>
+      <p:sp>
+        <p:nvSpPr>
+          <p:cNvPr id="3" name="内容占位符 2"/>
+          <p:cNvSpPr>
+            <a:spLocks noGrp="1"/>
+          </p:cNvSpPr>
+          <p:nvPr>
+            <p:ph idx="1"/>
+          </p:nvPr>
+        </p:nvSpPr>
+        <p:spPr/>
+        <p:txBody>
+          <a:bodyPr/>
+          <a:lstStyle/>
+          <a:p>
+            <a:endParaRPr lang="en-SG" dirty="0"/>
+          </a:p>
+        </p:txBody>
+      </p:sp>
+    </p:spTree>
+    <p:extLst>
+      <p:ext uri="{BB962C8B-B14F-4D97-AF65-F5344CB8AC3E}">
+        <p14:creationId xmlns:p14="http://schemas.microsoft.com/office/powerpoint/2010/main" val="3537981211"/>
+      </p:ext>
+    </p:extLst>
+  </p:cSld>
+  <p:clrMapOvr>
+    <a:masterClrMapping/>
+  </p:clrMapOvr>
+</p:sld>
+</file>
+
+<file path=ppt/slides/slide77.xml><?xml version="1.0" encoding="utf-8"?>
+<p:sld xmlns:a="http://schemas.openxmlformats.org/drawingml/2006/main" xmlns:r="http://schemas.openxmlformats.org/officeDocument/2006/relationships" xmlns:p="http://schemas.openxmlformats.org/presentationml/2006/main">
+  <p:cSld>
+    <p:spTree>
+      <p:nvGrpSpPr>
+        <p:cNvPr id="1" name=""/>
+        <p:cNvGrpSpPr/>
+        <p:nvPr/>
+      </p:nvGrpSpPr>
+      <p:grpSpPr>
+        <a:xfrm>
+          <a:off x="0" y="0"/>
+          <a:ext cx="0" cy="0"/>
+          <a:chOff x="0" y="0"/>
+          <a:chExt cx="0" cy="0"/>
+        </a:xfrm>
+      </p:grpSpPr>
+      <p:sp>
+        <p:nvSpPr>
+          <p:cNvPr id="2" name="标题 1"/>
+          <p:cNvSpPr>
+            <a:spLocks noGrp="1"/>
+          </p:cNvSpPr>
+          <p:nvPr>
+            <p:ph type="title"/>
+          </p:nvPr>
+        </p:nvSpPr>
+        <p:spPr/>
+        <p:txBody>
+          <a:bodyPr/>
+          <a:lstStyle/>
+          <a:p>
+            <a:endParaRPr lang="en-SG" dirty="0"/>
+          </a:p>
+        </p:txBody>
+      </p:sp>
+      <p:sp>
+        <p:nvSpPr>
+          <p:cNvPr id="3" name="内容占位符 2"/>
+          <p:cNvSpPr>
+            <a:spLocks noGrp="1"/>
+          </p:cNvSpPr>
+          <p:nvPr>
+            <p:ph idx="1"/>
+          </p:nvPr>
+        </p:nvSpPr>
+        <p:spPr/>
+        <p:txBody>
+          <a:bodyPr/>
+          <a:lstStyle/>
+          <a:p>
+            <a:r>
+              <a:rPr lang="en-SG" dirty="0" smtClean="0"/>
+              <a:t>Create a new part</a:t>
+            </a:r>
+          </a:p>
+          <a:p>
+            <a:r>
+              <a:rPr lang="en-SG" dirty="0" smtClean="0"/>
+              <a:t>Check the unit setting</a:t>
+            </a:r>
+          </a:p>
+          <a:p>
+            <a:r>
+              <a:rPr lang="en-SG" dirty="0" smtClean="0"/>
+              <a:t>Using sketch to create part body</a:t>
+            </a:r>
+          </a:p>
+          <a:p>
+            <a:pPr lvl="1"/>
+            <a:r>
+              <a:rPr lang="en-SG" dirty="0" smtClean="0"/>
+              <a:t>Smart dimension is an import tool to drive the model </a:t>
+            </a:r>
+            <a:r>
+              <a:rPr lang="en-SG" dirty="0" err="1" smtClean="0"/>
+              <a:t>creatation</a:t>
+            </a:r>
+            <a:endParaRPr lang="en-SG" dirty="0" smtClean="0"/>
+          </a:p>
+          <a:p>
+            <a:pPr lvl="1"/>
+            <a:endParaRPr lang="en-SG" dirty="0" smtClean="0"/>
+          </a:p>
+        </p:txBody>
+      </p:sp>
+    </p:spTree>
+    <p:extLst>
+      <p:ext uri="{BB962C8B-B14F-4D97-AF65-F5344CB8AC3E}">
+        <p14:creationId xmlns:p14="http://schemas.microsoft.com/office/powerpoint/2010/main" val="1130636376"/>
+      </p:ext>
+    </p:extLst>
+  </p:cSld>
+  <p:clrMapOvr>
+    <a:masterClrMapping/>
+  </p:clrMapOvr>
+</p:sld>
+</file>
+
+<file path=ppt/slides/slide78.xml><?xml version="1.0" encoding="utf-8"?>
+<p:sld xmlns:a="http://schemas.openxmlformats.org/drawingml/2006/main" xmlns:r="http://schemas.openxmlformats.org/officeDocument/2006/relationships" xmlns:p="http://schemas.openxmlformats.org/presentationml/2006/main">
+  <p:cSld>
+    <p:spTree>
+      <p:nvGrpSpPr>
+        <p:cNvPr id="1" name=""/>
+        <p:cNvGrpSpPr/>
+        <p:nvPr/>
+      </p:nvGrpSpPr>
+      <p:grpSpPr>
+        <a:xfrm>
+          <a:off x="0" y="0"/>
+          <a:ext cx="0" cy="0"/>
+          <a:chOff x="0" y="0"/>
+          <a:chExt cx="0" cy="0"/>
+        </a:xfrm>
+      </p:grpSpPr>
+      <p:sp>
+        <p:nvSpPr>
+          <p:cNvPr id="2" name="标题 1"/>
+          <p:cNvSpPr>
+            <a:spLocks noGrp="1"/>
+          </p:cNvSpPr>
+          <p:nvPr>
+            <p:ph type="title"/>
+          </p:nvPr>
+        </p:nvSpPr>
+        <p:spPr/>
+        <p:txBody>
+          <a:bodyPr/>
+          <a:lstStyle/>
+          <a:p>
+            <a:endParaRPr lang="en-SG"/>
+          </a:p>
+        </p:txBody>
+      </p:sp>
+      <p:sp>
+        <p:nvSpPr>
+          <p:cNvPr id="3" name="内容占位符 2"/>
+          <p:cNvSpPr>
+            <a:spLocks noGrp="1"/>
+          </p:cNvSpPr>
+          <p:nvPr>
+            <p:ph idx="1"/>
+          </p:nvPr>
+        </p:nvSpPr>
+        <p:spPr/>
+        <p:txBody>
+          <a:bodyPr/>
+          <a:lstStyle/>
+          <a:p>
+            <a:r>
+              <a:rPr lang="en-SG" dirty="0"/>
+              <a:t>Go to the </a:t>
+            </a:r>
+            <a:r>
+              <a:rPr lang="en-SG" dirty="0" err="1"/>
+              <a:t>Solidworks</a:t>
+            </a:r>
+            <a:r>
+              <a:rPr lang="en-SG" dirty="0"/>
+              <a:t> CAM module(just perform each of tool button alone the toolbar from left to right, one can finally get the tool path and G-codes)</a:t>
+            </a:r>
+          </a:p>
+          <a:p>
+            <a:pPr lvl="1"/>
+            <a:r>
+              <a:rPr lang="en-SG" dirty="0"/>
+              <a:t>Define machine</a:t>
+            </a:r>
+          </a:p>
+          <a:p>
+            <a:pPr lvl="1"/>
+            <a:r>
+              <a:rPr lang="en-SG" dirty="0"/>
+              <a:t>Setup coordinate system</a:t>
+            </a:r>
+          </a:p>
+          <a:p>
+            <a:pPr lvl="1"/>
+            <a:r>
+              <a:rPr lang="en-SG" dirty="0"/>
+              <a:t>Define stock size using stock </a:t>
+            </a:r>
+            <a:r>
+              <a:rPr lang="en-SG" dirty="0" smtClean="0"/>
+              <a:t>manager</a:t>
+            </a:r>
+          </a:p>
+          <a:p>
+            <a:endParaRPr lang="en-SG" dirty="0"/>
+          </a:p>
+        </p:txBody>
+      </p:sp>
+    </p:spTree>
+    <p:extLst>
+      <p:ext uri="{BB962C8B-B14F-4D97-AF65-F5344CB8AC3E}">
+        <p14:creationId xmlns:p14="http://schemas.microsoft.com/office/powerpoint/2010/main" val="482855842"/>
+      </p:ext>
+    </p:extLst>
+  </p:cSld>
+  <p:clrMapOvr>
+    <a:masterClrMapping/>
+  </p:clrMapOvr>
+</p:sld>
+</file>
+
+<file path=ppt/slides/slide79.xml><?xml version="1.0" encoding="utf-8"?>
+<p:sld xmlns:a="http://schemas.openxmlformats.org/drawingml/2006/main" xmlns:r="http://schemas.openxmlformats.org/officeDocument/2006/relationships" xmlns:p="http://schemas.openxmlformats.org/presentationml/2006/main">
+  <p:cSld>
+    <p:spTree>
+      <p:nvGrpSpPr>
+        <p:cNvPr id="1" name=""/>
+        <p:cNvGrpSpPr/>
+        <p:nvPr/>
+      </p:nvGrpSpPr>
+      <p:grpSpPr>
+        <a:xfrm>
+          <a:off x="0" y="0"/>
+          <a:ext cx="0" cy="0"/>
+          <a:chOff x="0" y="0"/>
+          <a:chExt cx="0" cy="0"/>
+        </a:xfrm>
+      </p:grpSpPr>
+      <p:sp>
+        <p:nvSpPr>
+          <p:cNvPr id="2" name="标题 1"/>
+          <p:cNvSpPr>
+            <a:spLocks noGrp="1"/>
+          </p:cNvSpPr>
+          <p:nvPr>
+            <p:ph type="title"/>
+          </p:nvPr>
+        </p:nvSpPr>
+        <p:spPr/>
+        <p:txBody>
+          <a:bodyPr/>
+          <a:lstStyle/>
+          <a:p>
             <a:endParaRPr lang="en-SG"/>
           </a:p>
         </p:txBody>
@@ -14335,7 +16466,7 @@
           <a:graphicData uri="http://schemas.openxmlformats.org/presentationml/2006/ole">
             <mc:AlternateContent xmlns:mc="http://schemas.openxmlformats.org/markup-compatibility/2006">
               <mc:Choice xmlns:v="urn:schemas-microsoft-com:vml" Requires="v">
-                <p:oleObj spid="_x0000_s1181" name="Equation" r:id="rId3" imgW="2260440" imgH="1091880" progId="Equation.DSMT4">
+                <p:oleObj spid="_x0000_s1242" name="Equation" r:id="rId3" imgW="2260440" imgH="1091880" progId="Equation.DSMT4">
                   <p:embed/>
                 </p:oleObj>
               </mc:Choice>
@@ -14374,546 +16505,6 @@
     <p:extLst>
       <p:ext uri="{BB962C8B-B14F-4D97-AF65-F5344CB8AC3E}">
         <p14:creationId xmlns:p14="http://schemas.microsoft.com/office/powerpoint/2010/main" val="809039188"/>
-      </p:ext>
-    </p:extLst>
-  </p:cSld>
-  <p:clrMapOvr>
-    <a:masterClrMapping/>
-  </p:clrMapOvr>
-</p:sld>
-</file>
-
-<file path=ppt/slides/slide77.xml><?xml version="1.0" encoding="utf-8"?>
-<p:sld xmlns:a="http://schemas.openxmlformats.org/drawingml/2006/main" xmlns:r="http://schemas.openxmlformats.org/officeDocument/2006/relationships" xmlns:p="http://schemas.openxmlformats.org/presentationml/2006/main">
-  <p:cSld>
-    <p:spTree>
-      <p:nvGrpSpPr>
-        <p:cNvPr id="1" name=""/>
-        <p:cNvGrpSpPr/>
-        <p:nvPr/>
-      </p:nvGrpSpPr>
-      <p:grpSpPr>
-        <a:xfrm>
-          <a:off x="0" y="0"/>
-          <a:ext cx="0" cy="0"/>
-          <a:chOff x="0" y="0"/>
-          <a:chExt cx="0" cy="0"/>
-        </a:xfrm>
-      </p:grpSpPr>
-      <p:sp>
-        <p:nvSpPr>
-          <p:cNvPr id="2" name="标题 1"/>
-          <p:cNvSpPr>
-            <a:spLocks noGrp="1"/>
-          </p:cNvSpPr>
-          <p:nvPr>
-            <p:ph type="title"/>
-          </p:nvPr>
-        </p:nvSpPr>
-        <p:spPr/>
-        <p:txBody>
-          <a:bodyPr/>
-          <a:lstStyle/>
-          <a:p>
-            <a:endParaRPr lang="en-SG"/>
-          </a:p>
-        </p:txBody>
-      </p:sp>
-      <p:sp>
-        <p:nvSpPr>
-          <p:cNvPr id="3" name="内容占位符 2"/>
-          <p:cNvSpPr>
-            <a:spLocks noGrp="1"/>
-          </p:cNvSpPr>
-          <p:nvPr>
-            <p:ph idx="1"/>
-          </p:nvPr>
-        </p:nvSpPr>
-        <p:spPr/>
-        <p:txBody>
-          <a:bodyPr/>
-          <a:lstStyle/>
-          <a:p>
-            <a:pPr marL="1600200" lvl="5">
-              <a:spcBef>
-                <a:spcPts val="1000"/>
-              </a:spcBef>
-            </a:pPr>
-            <a:r>
-              <a:rPr lang="en-SG" dirty="0"/>
-              <a:t>Feed rate </a:t>
-            </a:r>
-            <a:r>
-              <a:rPr lang="en-SG" dirty="0" err="1" smtClean="0"/>
-              <a:t>calculatons</a:t>
-            </a:r>
-            <a:endParaRPr lang="en-SG" dirty="0" smtClean="0"/>
-          </a:p>
-          <a:p>
-            <a:pPr marL="1143000" lvl="4">
-              <a:spcBef>
-                <a:spcPts val="1000"/>
-              </a:spcBef>
-            </a:pPr>
-            <a:endParaRPr lang="en-SG" dirty="0" smtClean="0"/>
-          </a:p>
-          <a:p>
-            <a:pPr marL="1143000" lvl="4">
-              <a:spcBef>
-                <a:spcPts val="1000"/>
-              </a:spcBef>
-            </a:pPr>
-            <a:endParaRPr lang="en-SG" dirty="0"/>
-          </a:p>
-          <a:p>
-            <a:pPr marL="1143000" lvl="4">
-              <a:spcBef>
-                <a:spcPts val="1000"/>
-              </a:spcBef>
-            </a:pPr>
-            <a:endParaRPr lang="en-SG" dirty="0" smtClean="0"/>
-          </a:p>
-          <a:p>
-            <a:pPr marL="1143000" lvl="4">
-              <a:spcBef>
-                <a:spcPts val="1000"/>
-              </a:spcBef>
-            </a:pPr>
-            <a:endParaRPr lang="en-SG" dirty="0"/>
-          </a:p>
-          <a:p>
-            <a:pPr marL="1143000" lvl="4">
-              <a:spcBef>
-                <a:spcPts val="1000"/>
-              </a:spcBef>
-            </a:pPr>
-            <a:endParaRPr lang="en-SG" dirty="0" smtClean="0"/>
-          </a:p>
-          <a:p>
-            <a:pPr marL="1143000" lvl="4">
-              <a:spcBef>
-                <a:spcPts val="1000"/>
-              </a:spcBef>
-            </a:pPr>
-            <a:endParaRPr lang="en-SG" dirty="0"/>
-          </a:p>
-          <a:p>
-            <a:pPr marL="1828800" lvl="6" indent="0">
-              <a:spcBef>
-                <a:spcPts val="1000"/>
-              </a:spcBef>
-              <a:buNone/>
-            </a:pPr>
-            <a:r>
-              <a:rPr lang="en-SG" dirty="0" err="1" smtClean="0"/>
-              <a:t>Ususlly</a:t>
-            </a:r>
-            <a:r>
-              <a:rPr lang="en-SG" dirty="0" smtClean="0"/>
-              <a:t>, we have general start </a:t>
-            </a:r>
-            <a:r>
-              <a:rPr lang="en-SG" dirty="0" err="1" smtClean="0"/>
-              <a:t>conditons</a:t>
-            </a:r>
-            <a:r>
-              <a:rPr lang="en-SG" dirty="0" smtClean="0"/>
-              <a:t>, in which</a:t>
-            </a:r>
-          </a:p>
-          <a:p>
-            <a:pPr marL="1371600" lvl="5" indent="0">
-              <a:spcBef>
-                <a:spcPts val="1000"/>
-              </a:spcBef>
-              <a:buNone/>
-            </a:pPr>
-            <a:endParaRPr lang="en-SG" dirty="0"/>
-          </a:p>
-          <a:p>
-            <a:pPr marL="1371600" lvl="5" indent="0">
-              <a:spcBef>
-                <a:spcPts val="1000"/>
-              </a:spcBef>
-              <a:buNone/>
-            </a:pPr>
-            <a:endParaRPr lang="en-SG" dirty="0" smtClean="0"/>
-          </a:p>
-          <a:p>
-            <a:pPr marL="1828800" lvl="6" indent="0">
-              <a:spcBef>
-                <a:spcPts val="1000"/>
-              </a:spcBef>
-              <a:buNone/>
-            </a:pPr>
-            <a:r>
-              <a:rPr lang="en-SG" dirty="0" smtClean="0"/>
-              <a:t>For HSS(high speed steel tool)</a:t>
-            </a:r>
-          </a:p>
-          <a:p>
-            <a:pPr marL="1371600" lvl="5" indent="0">
-              <a:spcBef>
-                <a:spcPts val="1000"/>
-              </a:spcBef>
-              <a:buNone/>
-            </a:pPr>
-            <a:endParaRPr lang="en-SG" dirty="0"/>
-          </a:p>
-          <a:p>
-            <a:pPr marL="1371600" lvl="5" indent="0">
-              <a:spcBef>
-                <a:spcPts val="1000"/>
-              </a:spcBef>
-              <a:buNone/>
-            </a:pPr>
-            <a:endParaRPr lang="en-SG" dirty="0" smtClean="0"/>
-          </a:p>
-          <a:p>
-            <a:pPr marL="1371600" lvl="5" indent="0">
-              <a:spcBef>
-                <a:spcPts val="1000"/>
-              </a:spcBef>
-              <a:buNone/>
-            </a:pPr>
-            <a:endParaRPr lang="en-SG" dirty="0"/>
-          </a:p>
-          <a:p>
-            <a:endParaRPr lang="en-SG" dirty="0"/>
-          </a:p>
-        </p:txBody>
-      </p:sp>
-      <p:graphicFrame>
-        <p:nvGraphicFramePr>
-          <p:cNvPr id="4" name="对象 3"/>
-          <p:cNvGraphicFramePr>
-            <a:graphicFrameLocks noChangeAspect="1"/>
-          </p:cNvGraphicFramePr>
-          <p:nvPr>
-            <p:extLst>
-              <p:ext uri="{D42A27DB-BD31-4B8C-83A1-F6EECF244321}">
-                <p14:modId xmlns:p14="http://schemas.microsoft.com/office/powerpoint/2010/main" val="2240036248"/>
-              </p:ext>
-            </p:extLst>
-          </p:nvPr>
-        </p:nvGraphicFramePr>
-        <p:xfrm>
-          <a:off x="3799509" y="2241344"/>
-          <a:ext cx="2133600" cy="1879600"/>
-        </p:xfrm>
-        <a:graphic>
-          <a:graphicData uri="http://schemas.openxmlformats.org/presentationml/2006/ole">
-            <mc:AlternateContent xmlns:mc="http://schemas.openxmlformats.org/markup-compatibility/2006">
-              <mc:Choice xmlns:v="urn:schemas-microsoft-com:vml" Requires="v">
-                <p:oleObj spid="_x0000_s2508" name="Equation" r:id="rId3" imgW="2133360" imgH="1879560" progId="Equation.DSMT4">
-                  <p:embed/>
-                </p:oleObj>
-              </mc:Choice>
-              <mc:Fallback>
-                <p:oleObj name="Equation" r:id="rId3" imgW="2133360" imgH="1879560" progId="Equation.DSMT4">
-                  <p:embed/>
-                  <p:pic>
-                    <p:nvPicPr>
-                      <p:cNvPr id="0" name=""/>
-                      <p:cNvPicPr/>
-                      <p:nvPr/>
-                    </p:nvPicPr>
-                    <p:blipFill>
-                      <a:blip r:embed="rId4"/>
-                      <a:stretch>
-                        <a:fillRect/>
-                      </a:stretch>
-                    </p:blipFill>
-                    <p:spPr>
-                      <a:xfrm>
-                        <a:off x="3799509" y="2241344"/>
-                        <a:ext cx="2133600" cy="1879600"/>
-                      </a:xfrm>
-                      <a:prstGeom prst="rect">
-                        <a:avLst/>
-                      </a:prstGeom>
-                    </p:spPr>
-                  </p:pic>
-                </p:oleObj>
-              </mc:Fallback>
-            </mc:AlternateContent>
-          </a:graphicData>
-        </a:graphic>
-      </p:graphicFrame>
-      <p:graphicFrame>
-        <p:nvGraphicFramePr>
-          <p:cNvPr id="5" name="对象 4"/>
-          <p:cNvGraphicFramePr>
-            <a:graphicFrameLocks noChangeAspect="1"/>
-          </p:cNvGraphicFramePr>
-          <p:nvPr>
-            <p:extLst>
-              <p:ext uri="{D42A27DB-BD31-4B8C-83A1-F6EECF244321}">
-                <p14:modId xmlns:p14="http://schemas.microsoft.com/office/powerpoint/2010/main" val="4135782176"/>
-              </p:ext>
-            </p:extLst>
-          </p:nvPr>
-        </p:nvGraphicFramePr>
-        <p:xfrm>
-          <a:off x="3892721" y="4956312"/>
-          <a:ext cx="2146406" cy="599731"/>
-        </p:xfrm>
-        <a:graphic>
-          <a:graphicData uri="http://schemas.openxmlformats.org/presentationml/2006/ole">
-            <mc:AlternateContent xmlns:mc="http://schemas.openxmlformats.org/markup-compatibility/2006">
-              <mc:Choice xmlns:v="urn:schemas-microsoft-com:vml" Requires="v">
-                <p:oleObj spid="_x0000_s2509" name="Equation" r:id="rId5" imgW="1726920" imgH="482400" progId="Equation.DSMT4">
-                  <p:embed/>
-                </p:oleObj>
-              </mc:Choice>
-              <mc:Fallback>
-                <p:oleObj name="Equation" r:id="rId5" imgW="1726920" imgH="482400" progId="Equation.DSMT4">
-                  <p:embed/>
-                  <p:pic>
-                    <p:nvPicPr>
-                      <p:cNvPr id="0" name=""/>
-                      <p:cNvPicPr/>
-                      <p:nvPr/>
-                    </p:nvPicPr>
-                    <p:blipFill>
-                      <a:blip r:embed="rId6"/>
-                      <a:stretch>
-                        <a:fillRect/>
-                      </a:stretch>
-                    </p:blipFill>
-                    <p:spPr>
-                      <a:xfrm>
-                        <a:off x="3892721" y="4956312"/>
-                        <a:ext cx="2146406" cy="599731"/>
-                      </a:xfrm>
-                      <a:prstGeom prst="rect">
-                        <a:avLst/>
-                      </a:prstGeom>
-                    </p:spPr>
-                  </p:pic>
-                </p:oleObj>
-              </mc:Fallback>
-            </mc:AlternateContent>
-          </a:graphicData>
-        </a:graphic>
-      </p:graphicFrame>
-      <p:graphicFrame>
-        <p:nvGraphicFramePr>
-          <p:cNvPr id="6" name="对象 5"/>
-          <p:cNvGraphicFramePr>
-            <a:graphicFrameLocks noChangeAspect="1"/>
-          </p:cNvGraphicFramePr>
-          <p:nvPr>
-            <p:extLst>
-              <p:ext uri="{D42A27DB-BD31-4B8C-83A1-F6EECF244321}">
-                <p14:modId xmlns:p14="http://schemas.microsoft.com/office/powerpoint/2010/main" val="2572087055"/>
-              </p:ext>
-            </p:extLst>
-          </p:nvPr>
-        </p:nvGraphicFramePr>
-        <p:xfrm>
-          <a:off x="4092712" y="6068531"/>
-          <a:ext cx="1420191" cy="655473"/>
-        </p:xfrm>
-        <a:graphic>
-          <a:graphicData uri="http://schemas.openxmlformats.org/presentationml/2006/ole">
-            <mc:AlternateContent xmlns:mc="http://schemas.openxmlformats.org/markup-compatibility/2006">
-              <mc:Choice xmlns:v="urn:schemas-microsoft-com:vml" Requires="v">
-                <p:oleObj spid="_x0000_s2510" name="Equation" r:id="rId7" imgW="990360" imgH="457200" progId="Equation.DSMT4">
-                  <p:embed/>
-                </p:oleObj>
-              </mc:Choice>
-              <mc:Fallback>
-                <p:oleObj name="Equation" r:id="rId7" imgW="990360" imgH="457200" progId="Equation.DSMT4">
-                  <p:embed/>
-                  <p:pic>
-                    <p:nvPicPr>
-                      <p:cNvPr id="0" name=""/>
-                      <p:cNvPicPr/>
-                      <p:nvPr/>
-                    </p:nvPicPr>
-                    <p:blipFill>
-                      <a:blip r:embed="rId8"/>
-                      <a:stretch>
-                        <a:fillRect/>
-                      </a:stretch>
-                    </p:blipFill>
-                    <p:spPr>
-                      <a:xfrm>
-                        <a:off x="4092712" y="6068531"/>
-                        <a:ext cx="1420191" cy="655473"/>
-                      </a:xfrm>
-                      <a:prstGeom prst="rect">
-                        <a:avLst/>
-                      </a:prstGeom>
-                    </p:spPr>
-                  </p:pic>
-                </p:oleObj>
-              </mc:Fallback>
-            </mc:AlternateContent>
-          </a:graphicData>
-        </a:graphic>
-      </p:graphicFrame>
-    </p:spTree>
-    <p:extLst>
-      <p:ext uri="{BB962C8B-B14F-4D97-AF65-F5344CB8AC3E}">
-        <p14:creationId xmlns:p14="http://schemas.microsoft.com/office/powerpoint/2010/main" val="3304840702"/>
-      </p:ext>
-    </p:extLst>
-  </p:cSld>
-  <p:clrMapOvr>
-    <a:masterClrMapping/>
-  </p:clrMapOvr>
-</p:sld>
-</file>
-
-<file path=ppt/slides/slide78.xml><?xml version="1.0" encoding="utf-8"?>
-<p:sld xmlns:a="http://schemas.openxmlformats.org/drawingml/2006/main" xmlns:r="http://schemas.openxmlformats.org/officeDocument/2006/relationships" xmlns:p="http://schemas.openxmlformats.org/presentationml/2006/main">
-  <p:cSld>
-    <p:spTree>
-      <p:nvGrpSpPr>
-        <p:cNvPr id="1" name=""/>
-        <p:cNvGrpSpPr/>
-        <p:nvPr/>
-      </p:nvGrpSpPr>
-      <p:grpSpPr>
-        <a:xfrm>
-          <a:off x="0" y="0"/>
-          <a:ext cx="0" cy="0"/>
-          <a:chOff x="0" y="0"/>
-          <a:chExt cx="0" cy="0"/>
-        </a:xfrm>
-      </p:grpSpPr>
-      <p:sp>
-        <p:nvSpPr>
-          <p:cNvPr id="2" name="标题 1"/>
-          <p:cNvSpPr>
-            <a:spLocks noGrp="1"/>
-          </p:cNvSpPr>
-          <p:nvPr>
-            <p:ph type="title"/>
-          </p:nvPr>
-        </p:nvSpPr>
-        <p:spPr/>
-        <p:txBody>
-          <a:bodyPr/>
-          <a:lstStyle/>
-          <a:p>
-            <a:endParaRPr lang="en-SG"/>
-          </a:p>
-        </p:txBody>
-      </p:sp>
-      <p:sp>
-        <p:nvSpPr>
-          <p:cNvPr id="3" name="内容占位符 2"/>
-          <p:cNvSpPr>
-            <a:spLocks noGrp="1"/>
-          </p:cNvSpPr>
-          <p:nvPr>
-            <p:ph idx="1"/>
-          </p:nvPr>
-        </p:nvSpPr>
-        <p:spPr/>
-        <p:txBody>
-          <a:bodyPr/>
-          <a:lstStyle/>
-          <a:p>
-            <a:pPr lvl="4"/>
-            <a:r>
-              <a:rPr lang="en-SG" dirty="0" smtClean="0"/>
-              <a:t>For Carbide</a:t>
-            </a:r>
-          </a:p>
-          <a:p>
-            <a:pPr lvl="3"/>
-            <a:endParaRPr lang="en-SG" dirty="0"/>
-          </a:p>
-          <a:p>
-            <a:pPr lvl="3"/>
-            <a:endParaRPr lang="en-SG" dirty="0" smtClean="0"/>
-          </a:p>
-          <a:p>
-            <a:pPr lvl="3"/>
-            <a:endParaRPr lang="en-SG" dirty="0"/>
-          </a:p>
-          <a:p>
-            <a:pPr lvl="4"/>
-            <a:r>
-              <a:rPr lang="en-SG" dirty="0" smtClean="0"/>
-              <a:t>Depth of cut is approximately 10% the diameter of the tool, except with face mills:0.005 inch max. (SFPM=surface feet per minute)</a:t>
-            </a:r>
-          </a:p>
-          <a:p>
-            <a:pPr lvl="3"/>
-            <a:r>
-              <a:rPr lang="en-SG" dirty="0" smtClean="0"/>
-              <a:t>Decide roughing</a:t>
-            </a:r>
-            <a:endParaRPr lang="en-SG" dirty="0"/>
-          </a:p>
-        </p:txBody>
-      </p:sp>
-      <p:graphicFrame>
-        <p:nvGraphicFramePr>
-          <p:cNvPr id="4" name="对象 3"/>
-          <p:cNvGraphicFramePr>
-            <a:graphicFrameLocks noChangeAspect="1"/>
-          </p:cNvGraphicFramePr>
-          <p:nvPr>
-            <p:extLst>
-              <p:ext uri="{D42A27DB-BD31-4B8C-83A1-F6EECF244321}">
-                <p14:modId xmlns:p14="http://schemas.microsoft.com/office/powerpoint/2010/main" val="691577053"/>
-              </p:ext>
-            </p:extLst>
-          </p:nvPr>
-        </p:nvGraphicFramePr>
-        <p:xfrm>
-          <a:off x="3708400" y="2157412"/>
-          <a:ext cx="1642474" cy="758065"/>
-        </p:xfrm>
-        <a:graphic>
-          <a:graphicData uri="http://schemas.openxmlformats.org/presentationml/2006/ole">
-            <mc:AlternateContent xmlns:mc="http://schemas.openxmlformats.org/markup-compatibility/2006">
-              <mc:Choice xmlns:v="urn:schemas-microsoft-com:vml" Requires="v">
-                <p:oleObj spid="_x0000_s3226" name="Equation" r:id="rId3" imgW="990360" imgH="457200" progId="Equation.DSMT4">
-                  <p:embed/>
-                </p:oleObj>
-              </mc:Choice>
-              <mc:Fallback>
-                <p:oleObj name="Equation" r:id="rId3" imgW="990360" imgH="457200" progId="Equation.DSMT4">
-                  <p:embed/>
-                  <p:pic>
-                    <p:nvPicPr>
-                      <p:cNvPr id="0" name=""/>
-                      <p:cNvPicPr/>
-                      <p:nvPr/>
-                    </p:nvPicPr>
-                    <p:blipFill>
-                      <a:blip r:embed="rId4"/>
-                      <a:stretch>
-                        <a:fillRect/>
-                      </a:stretch>
-                    </p:blipFill>
-                    <p:spPr>
-                      <a:xfrm>
-                        <a:off x="3708400" y="2157412"/>
-                        <a:ext cx="1642474" cy="758065"/>
-                      </a:xfrm>
-                      <a:prstGeom prst="rect">
-                        <a:avLst/>
-                      </a:prstGeom>
-                    </p:spPr>
-                  </p:pic>
-                </p:oleObj>
-              </mc:Fallback>
-            </mc:AlternateContent>
-          </a:graphicData>
-        </a:graphic>
-      </p:graphicFrame>
-    </p:spTree>
-    <p:extLst>
-      <p:ext uri="{BB962C8B-B14F-4D97-AF65-F5344CB8AC3E}">
-        <p14:creationId xmlns:p14="http://schemas.microsoft.com/office/powerpoint/2010/main" val="248749875"/>
       </p:ext>
     </p:extLst>
   </p:cSld>
@@ -15065,6 +16656,546 @@
     <p:extLst>
       <p:ext uri="{BB962C8B-B14F-4D97-AF65-F5344CB8AC3E}">
         <p14:creationId xmlns:p14="http://schemas.microsoft.com/office/powerpoint/2010/main" val="2969702392"/>
+      </p:ext>
+    </p:extLst>
+  </p:cSld>
+  <p:clrMapOvr>
+    <a:masterClrMapping/>
+  </p:clrMapOvr>
+</p:sld>
+</file>
+
+<file path=ppt/slides/slide80.xml><?xml version="1.0" encoding="utf-8"?>
+<p:sld xmlns:a="http://schemas.openxmlformats.org/drawingml/2006/main" xmlns:r="http://schemas.openxmlformats.org/officeDocument/2006/relationships" xmlns:p="http://schemas.openxmlformats.org/presentationml/2006/main">
+  <p:cSld>
+    <p:spTree>
+      <p:nvGrpSpPr>
+        <p:cNvPr id="1" name=""/>
+        <p:cNvGrpSpPr/>
+        <p:nvPr/>
+      </p:nvGrpSpPr>
+      <p:grpSpPr>
+        <a:xfrm>
+          <a:off x="0" y="0"/>
+          <a:ext cx="0" cy="0"/>
+          <a:chOff x="0" y="0"/>
+          <a:chExt cx="0" cy="0"/>
+        </a:xfrm>
+      </p:grpSpPr>
+      <p:sp>
+        <p:nvSpPr>
+          <p:cNvPr id="2" name="标题 1"/>
+          <p:cNvSpPr>
+            <a:spLocks noGrp="1"/>
+          </p:cNvSpPr>
+          <p:nvPr>
+            <p:ph type="title"/>
+          </p:nvPr>
+        </p:nvSpPr>
+        <p:spPr/>
+        <p:txBody>
+          <a:bodyPr/>
+          <a:lstStyle/>
+          <a:p>
+            <a:endParaRPr lang="en-SG"/>
+          </a:p>
+        </p:txBody>
+      </p:sp>
+      <p:sp>
+        <p:nvSpPr>
+          <p:cNvPr id="3" name="内容占位符 2"/>
+          <p:cNvSpPr>
+            <a:spLocks noGrp="1"/>
+          </p:cNvSpPr>
+          <p:nvPr>
+            <p:ph idx="1"/>
+          </p:nvPr>
+        </p:nvSpPr>
+        <p:spPr/>
+        <p:txBody>
+          <a:bodyPr/>
+          <a:lstStyle/>
+          <a:p>
+            <a:pPr marL="1600200" lvl="5">
+              <a:spcBef>
+                <a:spcPts val="1000"/>
+              </a:spcBef>
+            </a:pPr>
+            <a:r>
+              <a:rPr lang="en-SG" dirty="0"/>
+              <a:t>Feed rate </a:t>
+            </a:r>
+            <a:r>
+              <a:rPr lang="en-SG" dirty="0" err="1" smtClean="0"/>
+              <a:t>calculatons</a:t>
+            </a:r>
+            <a:endParaRPr lang="en-SG" dirty="0" smtClean="0"/>
+          </a:p>
+          <a:p>
+            <a:pPr marL="1143000" lvl="4">
+              <a:spcBef>
+                <a:spcPts val="1000"/>
+              </a:spcBef>
+            </a:pPr>
+            <a:endParaRPr lang="en-SG" dirty="0" smtClean="0"/>
+          </a:p>
+          <a:p>
+            <a:pPr marL="1143000" lvl="4">
+              <a:spcBef>
+                <a:spcPts val="1000"/>
+              </a:spcBef>
+            </a:pPr>
+            <a:endParaRPr lang="en-SG" dirty="0"/>
+          </a:p>
+          <a:p>
+            <a:pPr marL="1143000" lvl="4">
+              <a:spcBef>
+                <a:spcPts val="1000"/>
+              </a:spcBef>
+            </a:pPr>
+            <a:endParaRPr lang="en-SG" dirty="0" smtClean="0"/>
+          </a:p>
+          <a:p>
+            <a:pPr marL="1143000" lvl="4">
+              <a:spcBef>
+                <a:spcPts val="1000"/>
+              </a:spcBef>
+            </a:pPr>
+            <a:endParaRPr lang="en-SG" dirty="0"/>
+          </a:p>
+          <a:p>
+            <a:pPr marL="1143000" lvl="4">
+              <a:spcBef>
+                <a:spcPts val="1000"/>
+              </a:spcBef>
+            </a:pPr>
+            <a:endParaRPr lang="en-SG" dirty="0" smtClean="0"/>
+          </a:p>
+          <a:p>
+            <a:pPr marL="1143000" lvl="4">
+              <a:spcBef>
+                <a:spcPts val="1000"/>
+              </a:spcBef>
+            </a:pPr>
+            <a:endParaRPr lang="en-SG" dirty="0"/>
+          </a:p>
+          <a:p>
+            <a:pPr marL="1828800" lvl="6" indent="0">
+              <a:spcBef>
+                <a:spcPts val="1000"/>
+              </a:spcBef>
+              <a:buNone/>
+            </a:pPr>
+            <a:r>
+              <a:rPr lang="en-SG" dirty="0" err="1" smtClean="0"/>
+              <a:t>Ususlly</a:t>
+            </a:r>
+            <a:r>
+              <a:rPr lang="en-SG" dirty="0" smtClean="0"/>
+              <a:t>, we have general start </a:t>
+            </a:r>
+            <a:r>
+              <a:rPr lang="en-SG" dirty="0" err="1" smtClean="0"/>
+              <a:t>conditons</a:t>
+            </a:r>
+            <a:r>
+              <a:rPr lang="en-SG" dirty="0" smtClean="0"/>
+              <a:t>, in which</a:t>
+            </a:r>
+          </a:p>
+          <a:p>
+            <a:pPr marL="1371600" lvl="5" indent="0">
+              <a:spcBef>
+                <a:spcPts val="1000"/>
+              </a:spcBef>
+              <a:buNone/>
+            </a:pPr>
+            <a:endParaRPr lang="en-SG" dirty="0"/>
+          </a:p>
+          <a:p>
+            <a:pPr marL="1371600" lvl="5" indent="0">
+              <a:spcBef>
+                <a:spcPts val="1000"/>
+              </a:spcBef>
+              <a:buNone/>
+            </a:pPr>
+            <a:endParaRPr lang="en-SG" dirty="0" smtClean="0"/>
+          </a:p>
+          <a:p>
+            <a:pPr marL="1828800" lvl="6" indent="0">
+              <a:spcBef>
+                <a:spcPts val="1000"/>
+              </a:spcBef>
+              <a:buNone/>
+            </a:pPr>
+            <a:r>
+              <a:rPr lang="en-SG" dirty="0" smtClean="0"/>
+              <a:t>For HSS(high speed steel tool)</a:t>
+            </a:r>
+          </a:p>
+          <a:p>
+            <a:pPr marL="1371600" lvl="5" indent="0">
+              <a:spcBef>
+                <a:spcPts val="1000"/>
+              </a:spcBef>
+              <a:buNone/>
+            </a:pPr>
+            <a:endParaRPr lang="en-SG" dirty="0"/>
+          </a:p>
+          <a:p>
+            <a:pPr marL="1371600" lvl="5" indent="0">
+              <a:spcBef>
+                <a:spcPts val="1000"/>
+              </a:spcBef>
+              <a:buNone/>
+            </a:pPr>
+            <a:endParaRPr lang="en-SG" dirty="0" smtClean="0"/>
+          </a:p>
+          <a:p>
+            <a:pPr marL="1371600" lvl="5" indent="0">
+              <a:spcBef>
+                <a:spcPts val="1000"/>
+              </a:spcBef>
+              <a:buNone/>
+            </a:pPr>
+            <a:endParaRPr lang="en-SG" dirty="0"/>
+          </a:p>
+          <a:p>
+            <a:endParaRPr lang="en-SG" dirty="0"/>
+          </a:p>
+        </p:txBody>
+      </p:sp>
+      <p:graphicFrame>
+        <p:nvGraphicFramePr>
+          <p:cNvPr id="4" name="对象 3"/>
+          <p:cNvGraphicFramePr>
+            <a:graphicFrameLocks noChangeAspect="1"/>
+          </p:cNvGraphicFramePr>
+          <p:nvPr>
+            <p:extLst>
+              <p:ext uri="{D42A27DB-BD31-4B8C-83A1-F6EECF244321}">
+                <p14:modId xmlns:p14="http://schemas.microsoft.com/office/powerpoint/2010/main" val="2240036248"/>
+              </p:ext>
+            </p:extLst>
+          </p:nvPr>
+        </p:nvGraphicFramePr>
+        <p:xfrm>
+          <a:off x="3799509" y="2241344"/>
+          <a:ext cx="2133600" cy="1879600"/>
+        </p:xfrm>
+        <a:graphic>
+          <a:graphicData uri="http://schemas.openxmlformats.org/presentationml/2006/ole">
+            <mc:AlternateContent xmlns:mc="http://schemas.openxmlformats.org/markup-compatibility/2006">
+              <mc:Choice xmlns:v="urn:schemas-microsoft-com:vml" Requires="v">
+                <p:oleObj spid="_x0000_s2691" name="Equation" r:id="rId3" imgW="2133360" imgH="1879560" progId="Equation.DSMT4">
+                  <p:embed/>
+                </p:oleObj>
+              </mc:Choice>
+              <mc:Fallback>
+                <p:oleObj name="Equation" r:id="rId3" imgW="2133360" imgH="1879560" progId="Equation.DSMT4">
+                  <p:embed/>
+                  <p:pic>
+                    <p:nvPicPr>
+                      <p:cNvPr id="0" name=""/>
+                      <p:cNvPicPr/>
+                      <p:nvPr/>
+                    </p:nvPicPr>
+                    <p:blipFill>
+                      <a:blip r:embed="rId4"/>
+                      <a:stretch>
+                        <a:fillRect/>
+                      </a:stretch>
+                    </p:blipFill>
+                    <p:spPr>
+                      <a:xfrm>
+                        <a:off x="3799509" y="2241344"/>
+                        <a:ext cx="2133600" cy="1879600"/>
+                      </a:xfrm>
+                      <a:prstGeom prst="rect">
+                        <a:avLst/>
+                      </a:prstGeom>
+                    </p:spPr>
+                  </p:pic>
+                </p:oleObj>
+              </mc:Fallback>
+            </mc:AlternateContent>
+          </a:graphicData>
+        </a:graphic>
+      </p:graphicFrame>
+      <p:graphicFrame>
+        <p:nvGraphicFramePr>
+          <p:cNvPr id="5" name="对象 4"/>
+          <p:cNvGraphicFramePr>
+            <a:graphicFrameLocks noChangeAspect="1"/>
+          </p:cNvGraphicFramePr>
+          <p:nvPr>
+            <p:extLst>
+              <p:ext uri="{D42A27DB-BD31-4B8C-83A1-F6EECF244321}">
+                <p14:modId xmlns:p14="http://schemas.microsoft.com/office/powerpoint/2010/main" val="4135782176"/>
+              </p:ext>
+            </p:extLst>
+          </p:nvPr>
+        </p:nvGraphicFramePr>
+        <p:xfrm>
+          <a:off x="3892721" y="4956312"/>
+          <a:ext cx="2146406" cy="599731"/>
+        </p:xfrm>
+        <a:graphic>
+          <a:graphicData uri="http://schemas.openxmlformats.org/presentationml/2006/ole">
+            <mc:AlternateContent xmlns:mc="http://schemas.openxmlformats.org/markup-compatibility/2006">
+              <mc:Choice xmlns:v="urn:schemas-microsoft-com:vml" Requires="v">
+                <p:oleObj spid="_x0000_s2692" name="Equation" r:id="rId5" imgW="1726920" imgH="482400" progId="Equation.DSMT4">
+                  <p:embed/>
+                </p:oleObj>
+              </mc:Choice>
+              <mc:Fallback>
+                <p:oleObj name="Equation" r:id="rId5" imgW="1726920" imgH="482400" progId="Equation.DSMT4">
+                  <p:embed/>
+                  <p:pic>
+                    <p:nvPicPr>
+                      <p:cNvPr id="0" name=""/>
+                      <p:cNvPicPr/>
+                      <p:nvPr/>
+                    </p:nvPicPr>
+                    <p:blipFill>
+                      <a:blip r:embed="rId6"/>
+                      <a:stretch>
+                        <a:fillRect/>
+                      </a:stretch>
+                    </p:blipFill>
+                    <p:spPr>
+                      <a:xfrm>
+                        <a:off x="3892721" y="4956312"/>
+                        <a:ext cx="2146406" cy="599731"/>
+                      </a:xfrm>
+                      <a:prstGeom prst="rect">
+                        <a:avLst/>
+                      </a:prstGeom>
+                    </p:spPr>
+                  </p:pic>
+                </p:oleObj>
+              </mc:Fallback>
+            </mc:AlternateContent>
+          </a:graphicData>
+        </a:graphic>
+      </p:graphicFrame>
+      <p:graphicFrame>
+        <p:nvGraphicFramePr>
+          <p:cNvPr id="6" name="对象 5"/>
+          <p:cNvGraphicFramePr>
+            <a:graphicFrameLocks noChangeAspect="1"/>
+          </p:cNvGraphicFramePr>
+          <p:nvPr>
+            <p:extLst>
+              <p:ext uri="{D42A27DB-BD31-4B8C-83A1-F6EECF244321}">
+                <p14:modId xmlns:p14="http://schemas.microsoft.com/office/powerpoint/2010/main" val="2572087055"/>
+              </p:ext>
+            </p:extLst>
+          </p:nvPr>
+        </p:nvGraphicFramePr>
+        <p:xfrm>
+          <a:off x="4092712" y="6068531"/>
+          <a:ext cx="1420191" cy="655473"/>
+        </p:xfrm>
+        <a:graphic>
+          <a:graphicData uri="http://schemas.openxmlformats.org/presentationml/2006/ole">
+            <mc:AlternateContent xmlns:mc="http://schemas.openxmlformats.org/markup-compatibility/2006">
+              <mc:Choice xmlns:v="urn:schemas-microsoft-com:vml" Requires="v">
+                <p:oleObj spid="_x0000_s2693" name="Equation" r:id="rId7" imgW="990360" imgH="457200" progId="Equation.DSMT4">
+                  <p:embed/>
+                </p:oleObj>
+              </mc:Choice>
+              <mc:Fallback>
+                <p:oleObj name="Equation" r:id="rId7" imgW="990360" imgH="457200" progId="Equation.DSMT4">
+                  <p:embed/>
+                  <p:pic>
+                    <p:nvPicPr>
+                      <p:cNvPr id="0" name=""/>
+                      <p:cNvPicPr/>
+                      <p:nvPr/>
+                    </p:nvPicPr>
+                    <p:blipFill>
+                      <a:blip r:embed="rId8"/>
+                      <a:stretch>
+                        <a:fillRect/>
+                      </a:stretch>
+                    </p:blipFill>
+                    <p:spPr>
+                      <a:xfrm>
+                        <a:off x="4092712" y="6068531"/>
+                        <a:ext cx="1420191" cy="655473"/>
+                      </a:xfrm>
+                      <a:prstGeom prst="rect">
+                        <a:avLst/>
+                      </a:prstGeom>
+                    </p:spPr>
+                  </p:pic>
+                </p:oleObj>
+              </mc:Fallback>
+            </mc:AlternateContent>
+          </a:graphicData>
+        </a:graphic>
+      </p:graphicFrame>
+    </p:spTree>
+    <p:extLst>
+      <p:ext uri="{BB962C8B-B14F-4D97-AF65-F5344CB8AC3E}">
+        <p14:creationId xmlns:p14="http://schemas.microsoft.com/office/powerpoint/2010/main" val="3304840702"/>
+      </p:ext>
+    </p:extLst>
+  </p:cSld>
+  <p:clrMapOvr>
+    <a:masterClrMapping/>
+  </p:clrMapOvr>
+</p:sld>
+</file>
+
+<file path=ppt/slides/slide81.xml><?xml version="1.0" encoding="utf-8"?>
+<p:sld xmlns:a="http://schemas.openxmlformats.org/drawingml/2006/main" xmlns:r="http://schemas.openxmlformats.org/officeDocument/2006/relationships" xmlns:p="http://schemas.openxmlformats.org/presentationml/2006/main">
+  <p:cSld>
+    <p:spTree>
+      <p:nvGrpSpPr>
+        <p:cNvPr id="1" name=""/>
+        <p:cNvGrpSpPr/>
+        <p:nvPr/>
+      </p:nvGrpSpPr>
+      <p:grpSpPr>
+        <a:xfrm>
+          <a:off x="0" y="0"/>
+          <a:ext cx="0" cy="0"/>
+          <a:chOff x="0" y="0"/>
+          <a:chExt cx="0" cy="0"/>
+        </a:xfrm>
+      </p:grpSpPr>
+      <p:sp>
+        <p:nvSpPr>
+          <p:cNvPr id="2" name="标题 1"/>
+          <p:cNvSpPr>
+            <a:spLocks noGrp="1"/>
+          </p:cNvSpPr>
+          <p:nvPr>
+            <p:ph type="title"/>
+          </p:nvPr>
+        </p:nvSpPr>
+        <p:spPr/>
+        <p:txBody>
+          <a:bodyPr/>
+          <a:lstStyle/>
+          <a:p>
+            <a:endParaRPr lang="en-SG"/>
+          </a:p>
+        </p:txBody>
+      </p:sp>
+      <p:sp>
+        <p:nvSpPr>
+          <p:cNvPr id="3" name="内容占位符 2"/>
+          <p:cNvSpPr>
+            <a:spLocks noGrp="1"/>
+          </p:cNvSpPr>
+          <p:nvPr>
+            <p:ph idx="1"/>
+          </p:nvPr>
+        </p:nvSpPr>
+        <p:spPr/>
+        <p:txBody>
+          <a:bodyPr/>
+          <a:lstStyle/>
+          <a:p>
+            <a:pPr lvl="4"/>
+            <a:r>
+              <a:rPr lang="en-SG" dirty="0" smtClean="0"/>
+              <a:t>For Carbide</a:t>
+            </a:r>
+          </a:p>
+          <a:p>
+            <a:pPr lvl="3"/>
+            <a:endParaRPr lang="en-SG" dirty="0"/>
+          </a:p>
+          <a:p>
+            <a:pPr lvl="3"/>
+            <a:endParaRPr lang="en-SG" dirty="0" smtClean="0"/>
+          </a:p>
+          <a:p>
+            <a:pPr lvl="3"/>
+            <a:endParaRPr lang="en-SG" dirty="0"/>
+          </a:p>
+          <a:p>
+            <a:pPr lvl="4"/>
+            <a:r>
+              <a:rPr lang="en-SG" dirty="0" smtClean="0"/>
+              <a:t>Depth of cut is approximately 10% the diameter of the tool, except with face mills:0.005 inch max. (SFPM=surface feet per minute)</a:t>
+            </a:r>
+          </a:p>
+          <a:p>
+            <a:pPr lvl="3"/>
+            <a:r>
+              <a:rPr lang="en-SG" dirty="0" smtClean="0"/>
+              <a:t>Decide roughing</a:t>
+            </a:r>
+            <a:endParaRPr lang="en-SG" dirty="0"/>
+          </a:p>
+        </p:txBody>
+      </p:sp>
+      <p:graphicFrame>
+        <p:nvGraphicFramePr>
+          <p:cNvPr id="4" name="对象 3"/>
+          <p:cNvGraphicFramePr>
+            <a:graphicFrameLocks noChangeAspect="1"/>
+          </p:cNvGraphicFramePr>
+          <p:nvPr>
+            <p:extLst>
+              <p:ext uri="{D42A27DB-BD31-4B8C-83A1-F6EECF244321}">
+                <p14:modId xmlns:p14="http://schemas.microsoft.com/office/powerpoint/2010/main" val="691577053"/>
+              </p:ext>
+            </p:extLst>
+          </p:nvPr>
+        </p:nvGraphicFramePr>
+        <p:xfrm>
+          <a:off x="3708400" y="2157412"/>
+          <a:ext cx="1642474" cy="758065"/>
+        </p:xfrm>
+        <a:graphic>
+          <a:graphicData uri="http://schemas.openxmlformats.org/presentationml/2006/ole">
+            <mc:AlternateContent xmlns:mc="http://schemas.openxmlformats.org/markup-compatibility/2006">
+              <mc:Choice xmlns:v="urn:schemas-microsoft-com:vml" Requires="v">
+                <p:oleObj spid="_x0000_s3287" name="Equation" r:id="rId3" imgW="990360" imgH="457200" progId="Equation.DSMT4">
+                  <p:embed/>
+                </p:oleObj>
+              </mc:Choice>
+              <mc:Fallback>
+                <p:oleObj name="Equation" r:id="rId3" imgW="990360" imgH="457200" progId="Equation.DSMT4">
+                  <p:embed/>
+                  <p:pic>
+                    <p:nvPicPr>
+                      <p:cNvPr id="0" name=""/>
+                      <p:cNvPicPr/>
+                      <p:nvPr/>
+                    </p:nvPicPr>
+                    <p:blipFill>
+                      <a:blip r:embed="rId4"/>
+                      <a:stretch>
+                        <a:fillRect/>
+                      </a:stretch>
+                    </p:blipFill>
+                    <p:spPr>
+                      <a:xfrm>
+                        <a:off x="3708400" y="2157412"/>
+                        <a:ext cx="1642474" cy="758065"/>
+                      </a:xfrm>
+                      <a:prstGeom prst="rect">
+                        <a:avLst/>
+                      </a:prstGeom>
+                    </p:spPr>
+                  </p:pic>
+                </p:oleObj>
+              </mc:Fallback>
+            </mc:AlternateContent>
+          </a:graphicData>
+        </a:graphic>
+      </p:graphicFrame>
+    </p:spTree>
+    <p:extLst>
+      <p:ext uri="{BB962C8B-B14F-4D97-AF65-F5344CB8AC3E}">
+        <p14:creationId xmlns:p14="http://schemas.microsoft.com/office/powerpoint/2010/main" val="248749875"/>
       </p:ext>
     </p:extLst>
   </p:cSld>

--- a/CAD_CAM.pptx
+++ b/CAD_CAM.pptx
@@ -47,45 +47,46 @@
     <p:sldId id="356" r:id="rId41"/>
     <p:sldId id="357" r:id="rId42"/>
     <p:sldId id="365" r:id="rId43"/>
-    <p:sldId id="366" r:id="rId44"/>
-    <p:sldId id="358" r:id="rId45"/>
-    <p:sldId id="368" r:id="rId46"/>
-    <p:sldId id="371" r:id="rId47"/>
-    <p:sldId id="369" r:id="rId48"/>
-    <p:sldId id="363" r:id="rId49"/>
-    <p:sldId id="317" r:id="rId50"/>
-    <p:sldId id="361" r:id="rId51"/>
-    <p:sldId id="364" r:id="rId52"/>
-    <p:sldId id="362" r:id="rId53"/>
-    <p:sldId id="318" r:id="rId54"/>
-    <p:sldId id="319" r:id="rId55"/>
-    <p:sldId id="320" r:id="rId56"/>
-    <p:sldId id="321" r:id="rId57"/>
-    <p:sldId id="322" r:id="rId58"/>
-    <p:sldId id="298" r:id="rId59"/>
-    <p:sldId id="299" r:id="rId60"/>
-    <p:sldId id="338" r:id="rId61"/>
-    <p:sldId id="300" r:id="rId62"/>
-    <p:sldId id="301" r:id="rId63"/>
-    <p:sldId id="302" r:id="rId64"/>
-    <p:sldId id="303" r:id="rId65"/>
-    <p:sldId id="282" r:id="rId66"/>
-    <p:sldId id="257" r:id="rId67"/>
-    <p:sldId id="265" r:id="rId68"/>
-    <p:sldId id="276" r:id="rId69"/>
-    <p:sldId id="310" r:id="rId70"/>
-    <p:sldId id="311" r:id="rId71"/>
-    <p:sldId id="312" r:id="rId72"/>
-    <p:sldId id="333" r:id="rId73"/>
-    <p:sldId id="313" r:id="rId74"/>
-    <p:sldId id="314" r:id="rId75"/>
-    <p:sldId id="261" r:id="rId76"/>
-    <p:sldId id="270" r:id="rId77"/>
-    <p:sldId id="271" r:id="rId78"/>
-    <p:sldId id="272" r:id="rId79"/>
-    <p:sldId id="273" r:id="rId80"/>
-    <p:sldId id="274" r:id="rId81"/>
-    <p:sldId id="275" r:id="rId82"/>
+    <p:sldId id="372" r:id="rId44"/>
+    <p:sldId id="366" r:id="rId45"/>
+    <p:sldId id="358" r:id="rId46"/>
+    <p:sldId id="368" r:id="rId47"/>
+    <p:sldId id="371" r:id="rId48"/>
+    <p:sldId id="373" r:id="rId49"/>
+    <p:sldId id="363" r:id="rId50"/>
+    <p:sldId id="317" r:id="rId51"/>
+    <p:sldId id="361" r:id="rId52"/>
+    <p:sldId id="364" r:id="rId53"/>
+    <p:sldId id="362" r:id="rId54"/>
+    <p:sldId id="318" r:id="rId55"/>
+    <p:sldId id="319" r:id="rId56"/>
+    <p:sldId id="320" r:id="rId57"/>
+    <p:sldId id="321" r:id="rId58"/>
+    <p:sldId id="322" r:id="rId59"/>
+    <p:sldId id="298" r:id="rId60"/>
+    <p:sldId id="299" r:id="rId61"/>
+    <p:sldId id="338" r:id="rId62"/>
+    <p:sldId id="300" r:id="rId63"/>
+    <p:sldId id="301" r:id="rId64"/>
+    <p:sldId id="302" r:id="rId65"/>
+    <p:sldId id="303" r:id="rId66"/>
+    <p:sldId id="282" r:id="rId67"/>
+    <p:sldId id="257" r:id="rId68"/>
+    <p:sldId id="265" r:id="rId69"/>
+    <p:sldId id="276" r:id="rId70"/>
+    <p:sldId id="310" r:id="rId71"/>
+    <p:sldId id="311" r:id="rId72"/>
+    <p:sldId id="312" r:id="rId73"/>
+    <p:sldId id="333" r:id="rId74"/>
+    <p:sldId id="313" r:id="rId75"/>
+    <p:sldId id="314" r:id="rId76"/>
+    <p:sldId id="261" r:id="rId77"/>
+    <p:sldId id="270" r:id="rId78"/>
+    <p:sldId id="271" r:id="rId79"/>
+    <p:sldId id="272" r:id="rId80"/>
+    <p:sldId id="273" r:id="rId81"/>
+    <p:sldId id="274" r:id="rId82"/>
+    <p:sldId id="275" r:id="rId83"/>
   </p:sldIdLst>
   <p:sldSz cx="12192000" cy="6858000"/>
   <p:notesSz cx="6858000" cy="9144000"/>
@@ -323,7 +324,7 @@
           <a:p>
             <a:fld id="{012790D9-61A1-4D2A-ABFB-2410DF2390CB}" type="datetimeFigureOut">
               <a:rPr lang="en-SG" smtClean="0"/>
-              <a:t>7/6/2022</a:t>
+              <a:t>13/6/2022</a:t>
             </a:fld>
             <a:endParaRPr lang="en-SG"/>
           </a:p>
@@ -493,7 +494,7 @@
           <a:p>
             <a:fld id="{012790D9-61A1-4D2A-ABFB-2410DF2390CB}" type="datetimeFigureOut">
               <a:rPr lang="en-SG" smtClean="0"/>
-              <a:t>7/6/2022</a:t>
+              <a:t>13/6/2022</a:t>
             </a:fld>
             <a:endParaRPr lang="en-SG"/>
           </a:p>
@@ -673,7 +674,7 @@
           <a:p>
             <a:fld id="{012790D9-61A1-4D2A-ABFB-2410DF2390CB}" type="datetimeFigureOut">
               <a:rPr lang="en-SG" smtClean="0"/>
-              <a:t>7/6/2022</a:t>
+              <a:t>13/6/2022</a:t>
             </a:fld>
             <a:endParaRPr lang="en-SG"/>
           </a:p>
@@ -843,7 +844,7 @@
           <a:p>
             <a:fld id="{012790D9-61A1-4D2A-ABFB-2410DF2390CB}" type="datetimeFigureOut">
               <a:rPr lang="en-SG" smtClean="0"/>
-              <a:t>7/6/2022</a:t>
+              <a:t>13/6/2022</a:t>
             </a:fld>
             <a:endParaRPr lang="en-SG"/>
           </a:p>
@@ -1089,7 +1090,7 @@
           <a:p>
             <a:fld id="{012790D9-61A1-4D2A-ABFB-2410DF2390CB}" type="datetimeFigureOut">
               <a:rPr lang="en-SG" smtClean="0"/>
-              <a:t>7/6/2022</a:t>
+              <a:t>13/6/2022</a:t>
             </a:fld>
             <a:endParaRPr lang="en-SG"/>
           </a:p>
@@ -1321,7 +1322,7 @@
           <a:p>
             <a:fld id="{012790D9-61A1-4D2A-ABFB-2410DF2390CB}" type="datetimeFigureOut">
               <a:rPr lang="en-SG" smtClean="0"/>
-              <a:t>7/6/2022</a:t>
+              <a:t>13/6/2022</a:t>
             </a:fld>
             <a:endParaRPr lang="en-SG"/>
           </a:p>
@@ -1688,7 +1689,7 @@
           <a:p>
             <a:fld id="{012790D9-61A1-4D2A-ABFB-2410DF2390CB}" type="datetimeFigureOut">
               <a:rPr lang="en-SG" smtClean="0"/>
-              <a:t>7/6/2022</a:t>
+              <a:t>13/6/2022</a:t>
             </a:fld>
             <a:endParaRPr lang="en-SG"/>
           </a:p>
@@ -1806,7 +1807,7 @@
           <a:p>
             <a:fld id="{012790D9-61A1-4D2A-ABFB-2410DF2390CB}" type="datetimeFigureOut">
               <a:rPr lang="en-SG" smtClean="0"/>
-              <a:t>7/6/2022</a:t>
+              <a:t>13/6/2022</a:t>
             </a:fld>
             <a:endParaRPr lang="en-SG"/>
           </a:p>
@@ -1901,7 +1902,7 @@
           <a:p>
             <a:fld id="{012790D9-61A1-4D2A-ABFB-2410DF2390CB}" type="datetimeFigureOut">
               <a:rPr lang="en-SG" smtClean="0"/>
-              <a:t>7/6/2022</a:t>
+              <a:t>13/6/2022</a:t>
             </a:fld>
             <a:endParaRPr lang="en-SG"/>
           </a:p>
@@ -2178,7 +2179,7 @@
           <a:p>
             <a:fld id="{012790D9-61A1-4D2A-ABFB-2410DF2390CB}" type="datetimeFigureOut">
               <a:rPr lang="en-SG" smtClean="0"/>
-              <a:t>7/6/2022</a:t>
+              <a:t>13/6/2022</a:t>
             </a:fld>
             <a:endParaRPr lang="en-SG"/>
           </a:p>
@@ -2431,7 +2432,7 @@
           <a:p>
             <a:fld id="{012790D9-61A1-4D2A-ABFB-2410DF2390CB}" type="datetimeFigureOut">
               <a:rPr lang="en-SG" smtClean="0"/>
-              <a:t>7/6/2022</a:t>
+              <a:t>13/6/2022</a:t>
             </a:fld>
             <a:endParaRPr lang="en-SG"/>
           </a:p>
@@ -2644,7 +2645,7 @@
           <a:p>
             <a:fld id="{012790D9-61A1-4D2A-ABFB-2410DF2390CB}" type="datetimeFigureOut">
               <a:rPr lang="en-SG" smtClean="0"/>
-              <a:t>7/6/2022</a:t>
+              <a:t>13/6/2022</a:t>
             </a:fld>
             <a:endParaRPr lang="en-SG"/>
           </a:p>
@@ -3213,7 +3214,7 @@
           <a:graphicData uri="http://schemas.openxmlformats.org/presentationml/2006/ole">
             <mc:AlternateContent xmlns:mc="http://schemas.openxmlformats.org/markup-compatibility/2006">
               <mc:Choice xmlns:v="urn:schemas-microsoft-com:vml" Requires="v">
-                <p:oleObj spid="_x0000_s9834" name="Equation" r:id="rId3" imgW="711000" imgH="203040" progId="Equation.DSMT4">
+                <p:oleObj spid="_x0000_s10042" name="Equation" r:id="rId3" imgW="711000" imgH="203040" progId="Equation.DSMT4">
                   <p:embed/>
                 </p:oleObj>
               </mc:Choice>
@@ -3266,7 +3267,7 @@
           <a:graphicData uri="http://schemas.openxmlformats.org/presentationml/2006/ole">
             <mc:AlternateContent xmlns:mc="http://schemas.openxmlformats.org/markup-compatibility/2006">
               <mc:Choice xmlns:v="urn:schemas-microsoft-com:vml" Requires="v">
-                <p:oleObj spid="_x0000_s9835" name="Equation" r:id="rId5" imgW="583920" imgH="203040" progId="Equation.DSMT4">
+                <p:oleObj spid="_x0000_s10043" name="Equation" r:id="rId5" imgW="583920" imgH="203040" progId="Equation.DSMT4">
                   <p:embed/>
                 </p:oleObj>
               </mc:Choice>
@@ -3319,7 +3320,7 @@
           <a:graphicData uri="http://schemas.openxmlformats.org/presentationml/2006/ole">
             <mc:AlternateContent xmlns:mc="http://schemas.openxmlformats.org/markup-compatibility/2006">
               <mc:Choice xmlns:v="urn:schemas-microsoft-com:vml" Requires="v">
-                <p:oleObj spid="_x0000_s9836" name="Equation" r:id="rId7" imgW="469800" imgH="177480" progId="Equation.DSMT4">
+                <p:oleObj spid="_x0000_s10044" name="Equation" r:id="rId7" imgW="469800" imgH="177480" progId="Equation.DSMT4">
                   <p:embed/>
                 </p:oleObj>
               </mc:Choice>
@@ -3372,7 +3373,7 @@
           <a:graphicData uri="http://schemas.openxmlformats.org/presentationml/2006/ole">
             <mc:AlternateContent xmlns:mc="http://schemas.openxmlformats.org/markup-compatibility/2006">
               <mc:Choice xmlns:v="urn:schemas-microsoft-com:vml" Requires="v">
-                <p:oleObj spid="_x0000_s9837" name="Equation" r:id="rId9" imgW="1600200" imgH="711000" progId="Equation.DSMT4">
+                <p:oleObj spid="_x0000_s10045" name="Equation" r:id="rId9" imgW="1600200" imgH="711000" progId="Equation.DSMT4">
                   <p:embed/>
                 </p:oleObj>
               </mc:Choice>
@@ -3527,7 +3528,7 @@
           <a:graphicData uri="http://schemas.openxmlformats.org/presentationml/2006/ole">
             <mc:AlternateContent xmlns:mc="http://schemas.openxmlformats.org/markup-compatibility/2006">
               <mc:Choice xmlns:v="urn:schemas-microsoft-com:vml" Requires="v">
-                <p:oleObj spid="_x0000_s10396" name="Equation" r:id="rId3" imgW="1155600" imgH="914400" progId="Equation.DSMT4">
+                <p:oleObj spid="_x0000_s10448" name="Equation" r:id="rId3" imgW="1155600" imgH="914400" progId="Equation.DSMT4">
                   <p:embed/>
                 </p:oleObj>
               </mc:Choice>
@@ -3745,7 +3746,7 @@
           <a:graphicData uri="http://schemas.openxmlformats.org/presentationml/2006/ole">
             <mc:AlternateContent xmlns:mc="http://schemas.openxmlformats.org/markup-compatibility/2006">
               <mc:Choice xmlns:v="urn:schemas-microsoft-com:vml" Requires="v">
-                <p:oleObj spid="_x0000_s11574" name="Equation" r:id="rId3" imgW="1091880" imgH="711000" progId="Equation.DSMT4">
+                <p:oleObj spid="_x0000_s11678" name="Equation" r:id="rId3" imgW="1091880" imgH="711000" progId="Equation.DSMT4">
                   <p:embed/>
                 </p:oleObj>
               </mc:Choice>
@@ -3798,7 +3799,7 @@
           <a:graphicData uri="http://schemas.openxmlformats.org/presentationml/2006/ole">
             <mc:AlternateContent xmlns:mc="http://schemas.openxmlformats.org/markup-compatibility/2006">
               <mc:Choice xmlns:v="urn:schemas-microsoft-com:vml" Requires="v">
-                <p:oleObj spid="_x0000_s11575" name="Equation" r:id="rId5" imgW="571320" imgH="457200" progId="Equation.DSMT4">
+                <p:oleObj spid="_x0000_s11679" name="Equation" r:id="rId5" imgW="571320" imgH="457200" progId="Equation.DSMT4">
                   <p:embed/>
                 </p:oleObj>
               </mc:Choice>
@@ -3926,7 +3927,7 @@
           <a:graphicData uri="http://schemas.openxmlformats.org/presentationml/2006/ole">
             <mc:AlternateContent xmlns:mc="http://schemas.openxmlformats.org/markup-compatibility/2006">
               <mc:Choice xmlns:v="urn:schemas-microsoft-com:vml" Requires="v">
-                <p:oleObj spid="_x0000_s12444" name="Equation" r:id="rId3" imgW="3682800" imgH="914400" progId="Equation.DSMT4">
+                <p:oleObj spid="_x0000_s12496" name="Equation" r:id="rId3" imgW="3682800" imgH="914400" progId="Equation.DSMT4">
                   <p:embed/>
                 </p:oleObj>
               </mc:Choice>
@@ -4055,7 +4056,7 @@
           <a:graphicData uri="http://schemas.openxmlformats.org/presentationml/2006/ole">
             <mc:AlternateContent xmlns:mc="http://schemas.openxmlformats.org/markup-compatibility/2006">
               <mc:Choice xmlns:v="urn:schemas-microsoft-com:vml" Requires="v">
-                <p:oleObj spid="_x0000_s13440" name="Equation" r:id="rId3" imgW="1155600" imgH="914400" progId="Equation.DSMT4">
+                <p:oleObj spid="_x0000_s13492" name="Equation" r:id="rId3" imgW="1155600" imgH="914400" progId="Equation.DSMT4">
                   <p:embed/>
                 </p:oleObj>
               </mc:Choice>
@@ -4248,7 +4249,7 @@
           <a:graphicData uri="http://schemas.openxmlformats.org/presentationml/2006/ole">
             <mc:AlternateContent xmlns:mc="http://schemas.openxmlformats.org/markup-compatibility/2006">
               <mc:Choice xmlns:v="urn:schemas-microsoft-com:vml" Requires="v">
-                <p:oleObj spid="_x0000_s14464" name="Equation" r:id="rId3" imgW="1117440" imgH="914400" progId="Equation.DSMT4">
+                <p:oleObj spid="_x0000_s14516" name="Equation" r:id="rId3" imgW="1117440" imgH="914400" progId="Equation.DSMT4">
                   <p:embed/>
                 </p:oleObj>
               </mc:Choice>
@@ -4531,7 +4532,7 @@
           <a:graphicData uri="http://schemas.openxmlformats.org/presentationml/2006/ole">
             <mc:AlternateContent xmlns:mc="http://schemas.openxmlformats.org/markup-compatibility/2006">
               <mc:Choice xmlns:v="urn:schemas-microsoft-com:vml" Requires="v">
-                <p:oleObj spid="_x0000_s15614" name="Equation" r:id="rId3" imgW="2616120" imgH="914400" progId="Equation.DSMT4">
+                <p:oleObj spid="_x0000_s15718" name="Equation" r:id="rId3" imgW="2616120" imgH="914400" progId="Equation.DSMT4">
                   <p:embed/>
                 </p:oleObj>
               </mc:Choice>
@@ -4584,7 +4585,7 @@
           <a:graphicData uri="http://schemas.openxmlformats.org/presentationml/2006/ole">
             <mc:AlternateContent xmlns:mc="http://schemas.openxmlformats.org/markup-compatibility/2006">
               <mc:Choice xmlns:v="urn:schemas-microsoft-com:vml" Requires="v">
-                <p:oleObj spid="_x0000_s15615" name="Equation" r:id="rId5" imgW="1574640" imgH="914400" progId="Equation.DSMT4">
+                <p:oleObj spid="_x0000_s15719" name="Equation" r:id="rId5" imgW="1574640" imgH="914400" progId="Equation.DSMT4">
                   <p:embed/>
                 </p:oleObj>
               </mc:Choice>
@@ -9141,7 +9142,13 @@
           <a:p>
             <a:r>
               <a:rPr lang="en-SG" dirty="0" smtClean="0"/>
-              <a:t>Bezier </a:t>
+              <a:t>Bezier curves</a:t>
+            </a:r>
+          </a:p>
+          <a:p>
+            <a:r>
+              <a:rPr lang="en-SG" dirty="0"/>
+              <a:t>Cubic spline </a:t>
             </a:r>
             <a:r>
               <a:rPr lang="en-SG" dirty="0" smtClean="0"/>
@@ -9150,22 +9157,8 @@
           </a:p>
           <a:p>
             <a:r>
-              <a:rPr lang="en-SG" dirty="0"/>
-              <a:t>Cubic spline </a:t>
-            </a:r>
-            <a:r>
-              <a:rPr lang="en-SG" dirty="0" smtClean="0"/>
-              <a:t>curves</a:t>
-            </a:r>
-          </a:p>
-          <a:p>
-            <a:r>
-              <a:rPr lang="en-SG" dirty="0" smtClean="0"/>
-              <a:t>B-spline </a:t>
-            </a:r>
-            <a:r>
-              <a:rPr lang="en-SG" dirty="0" smtClean="0"/>
-              <a:t>curves</a:t>
+              <a:rPr lang="en-SG" dirty="0" smtClean="0"/>
+              <a:t>B-spline curves</a:t>
             </a:r>
           </a:p>
           <a:p>
@@ -9404,7 +9397,6 @@
               <a:rPr lang="en-SG" dirty="0" smtClean="0"/>
               <a:t>Approximation (the best fit instead of passing through all points)</a:t>
             </a:r>
-            <a:endParaRPr lang="en-SG" dirty="0" smtClean="0"/>
           </a:p>
           <a:p>
             <a:pPr lvl="1">
@@ -9495,7 +9487,7 @@
           <a:graphicData uri="http://schemas.openxmlformats.org/presentationml/2006/ole">
             <mc:AlternateContent xmlns:mc="http://schemas.openxmlformats.org/markup-compatibility/2006">
               <mc:Choice xmlns:v="urn:schemas-microsoft-com:vml" Requires="v">
-                <p:oleObj spid="_x0000_s16464" name="Equation" r:id="rId3" imgW="2101838" imgH="1898834" progId="Equation.DSMT4">
+                <p:oleObj spid="_x0000_s16516" name="Equation" r:id="rId3" imgW="2101838" imgH="1898834" progId="Equation.DSMT4">
                   <p:embed/>
                 </p:oleObj>
               </mc:Choice>
@@ -9898,7 +9890,7 @@
           <a:graphicData uri="http://schemas.openxmlformats.org/presentationml/2006/ole">
             <mc:AlternateContent xmlns:mc="http://schemas.openxmlformats.org/markup-compatibility/2006">
               <mc:Choice xmlns:v="urn:schemas-microsoft-com:vml" Requires="v">
-                <p:oleObj spid="_x0000_s17685" name="Equation" r:id="rId14" imgW="3340080" imgH="393480" progId="Equation.DSMT4">
+                <p:oleObj spid="_x0000_s17841" name="Equation" r:id="rId14" imgW="3340080" imgH="393480" progId="Equation.DSMT4">
                   <p:embed/>
                 </p:oleObj>
               </mc:Choice>
@@ -9955,7 +9947,7 @@
           <a:graphicData uri="http://schemas.openxmlformats.org/presentationml/2006/ole">
             <mc:AlternateContent xmlns:mc="http://schemas.openxmlformats.org/markup-compatibility/2006">
               <mc:Choice xmlns:v="urn:schemas-microsoft-com:vml" Requires="v">
-                <p:oleObj spid="_x0000_s17686" name="Equation" r:id="rId16" imgW="2781000" imgH="939600" progId="Equation.DSMT4">
+                <p:oleObj spid="_x0000_s17842" name="Equation" r:id="rId16" imgW="2781000" imgH="939600" progId="Equation.DSMT4">
                   <p:embed/>
                 </p:oleObj>
               </mc:Choice>
@@ -10012,7 +10004,7 @@
           <a:graphicData uri="http://schemas.openxmlformats.org/presentationml/2006/ole">
             <mc:AlternateContent xmlns:mc="http://schemas.openxmlformats.org/markup-compatibility/2006">
               <mc:Choice xmlns:v="urn:schemas-microsoft-com:vml" Requires="v">
-                <p:oleObj spid="_x0000_s17687" name="Equation" r:id="rId18" imgW="3924000" imgH="241200" progId="Equation.DSMT4">
+                <p:oleObj spid="_x0000_s17843" name="Equation" r:id="rId18" imgW="3924000" imgH="241200" progId="Equation.DSMT4">
                   <p:embed/>
                 </p:oleObj>
               </mc:Choice>
@@ -10143,8 +10135,8 @@
           </a:p>
         </p:txBody>
       </p:sp>
-      <mc:AlternateContent xmlns:mc="http://schemas.openxmlformats.org/markup-compatibility/2006">
-        <mc:Choice xmlns:a14="http://schemas.microsoft.com/office/drawing/2010/main" Requires="a14">
+      <mc:AlternateContent xmlns:mc="http://schemas.openxmlformats.org/markup-compatibility/2006" xmlns:a14="http://schemas.microsoft.com/office/drawing/2010/main">
+        <mc:Choice Requires="a14">
           <p:sp>
             <p:nvSpPr>
               <p:cNvPr id="3" name="内容占位符 2"/>
@@ -10188,15 +10180,7 @@
               <a:p>
                 <a:r>
                   <a:rPr lang="en-SG" dirty="0" smtClean="0"/>
-                  <a:t>for </a:t>
-                </a:r>
-                <a:r>
-                  <a:rPr lang="en-SG" dirty="0" smtClean="0"/>
-                  <a:t>4 </a:t>
-                </a:r>
-                <a:r>
-                  <a:rPr lang="en-SG" dirty="0" smtClean="0"/>
-                  <a:t>order, n=3. we have</a:t>
+                  <a:t>for 4 order, the degree of polynomial n=3. we have</a:t>
                 </a:r>
               </a:p>
               <a:p>
@@ -10538,12 +10522,11 @@
                   <a:rPr lang="en-SG" dirty="0" smtClean="0"/>
                   <a:t>with matrix representation</a:t>
                 </a:r>
-                <a:endParaRPr lang="en-SG" dirty="0" smtClean="0"/>
               </a:p>
             </p:txBody>
           </p:sp>
         </mc:Choice>
-        <mc:Fallback>
+        <mc:Fallback xmlns="">
           <p:sp>
             <p:nvSpPr>
               <p:cNvPr id="3" name="内容占位符 2"/>
@@ -10692,25 +10675,25 @@
           <p:nvPr>
             <p:extLst>
               <p:ext uri="{D42A27DB-BD31-4B8C-83A1-F6EECF244321}">
-                <p14:modId xmlns:p14="http://schemas.microsoft.com/office/powerpoint/2010/main" val="1954444869"/>
+                <p14:modId xmlns:p14="http://schemas.microsoft.com/office/powerpoint/2010/main" val="4235229404"/>
               </p:ext>
             </p:extLst>
           </p:nvPr>
         </p:nvGraphicFramePr>
         <p:xfrm>
-          <a:off x="2554288" y="4870450"/>
-          <a:ext cx="5232400" cy="1609725"/>
+          <a:off x="2554288" y="4848225"/>
+          <a:ext cx="5232400" cy="1654175"/>
         </p:xfrm>
         <a:graphic>
           <a:graphicData uri="http://schemas.openxmlformats.org/presentationml/2006/ole">
             <mc:AlternateContent xmlns:mc="http://schemas.openxmlformats.org/markup-compatibility/2006">
               <mc:Choice xmlns:v="urn:schemas-microsoft-com:vml" Requires="v">
-                <p:oleObj spid="_x0000_s18507" name="Equation" r:id="rId8" imgW="2971800" imgH="914400" progId="Equation.DSMT4">
+                <p:oleObj spid="_x0000_s18560" name="Equation" r:id="rId8" imgW="2971800" imgH="939600" progId="Equation.DSMT4">
                   <p:embed/>
                 </p:oleObj>
               </mc:Choice>
               <mc:Fallback>
-                <p:oleObj name="Equation" r:id="rId8" imgW="2971800" imgH="914400" progId="Equation.DSMT4">
+                <p:oleObj name="Equation" r:id="rId8" imgW="2971800" imgH="939600" progId="Equation.DSMT4">
                   <p:embed/>
                   <p:pic>
                     <p:nvPicPr>
@@ -10726,8 +10709,8 @@
                     </p:blipFill>
                     <p:spPr>
                       <a:xfrm>
-                        <a:off x="2554288" y="4870450"/>
-                        <a:ext cx="5232400" cy="1609725"/>
+                        <a:off x="2554288" y="4848225"/>
+                        <a:ext cx="5232400" cy="1654175"/>
                       </a:xfrm>
                       <a:prstGeom prst="rect">
                         <a:avLst/>
@@ -10811,7 +10794,12 @@
             <p:ph type="title"/>
           </p:nvPr>
         </p:nvSpPr>
-        <p:spPr/>
+        <p:spPr>
+          <a:xfrm>
+            <a:off x="613913" y="365124"/>
+            <a:ext cx="8098766" cy="1325563"/>
+          </a:xfrm>
+        </p:spPr>
         <p:txBody>
           <a:bodyPr>
             <a:normAutofit/>
@@ -10820,6 +10808,127 @@
           <a:p>
             <a:r>
               <a:rPr lang="en-SG" dirty="0"/>
+              <a:t>Geometry of curve </a:t>
+            </a:r>
+            <a:r>
+              <a:rPr lang="en-SG" dirty="0" smtClean="0"/>
+              <a:t>– </a:t>
+            </a:r>
+            <a:r>
+              <a:rPr lang="en-SG" dirty="0"/>
+              <a:t>Bezier </a:t>
+            </a:r>
+            <a:r>
+              <a:rPr lang="en-SG" dirty="0" smtClean="0"/>
+              <a:t>curves</a:t>
+            </a:r>
+            <a:endParaRPr lang="en-SG" dirty="0"/>
+          </a:p>
+        </p:txBody>
+      </p:sp>
+      <p:sp>
+        <p:nvSpPr>
+          <p:cNvPr id="3" name="内容占位符 2"/>
+          <p:cNvSpPr>
+            <a:spLocks noGrp="1"/>
+          </p:cNvSpPr>
+          <p:nvPr>
+            <p:ph idx="1"/>
+          </p:nvPr>
+        </p:nvSpPr>
+        <p:spPr>
+          <a:xfrm>
+            <a:off x="613914" y="1825624"/>
+            <a:ext cx="7591193" cy="4676775"/>
+          </a:xfrm>
+        </p:spPr>
+        <p:txBody>
+          <a:bodyPr/>
+          <a:lstStyle/>
+          <a:p>
+            <a:r>
+              <a:rPr lang="en-SG" dirty="0" smtClean="0"/>
+              <a:t>Global control. Changing one of control points affects the shape of whole curve.</a:t>
+            </a:r>
+          </a:p>
+          <a:p>
+            <a:r>
+              <a:rPr lang="en-SG" dirty="0" smtClean="0"/>
+              <a:t>The degree of equation </a:t>
+            </a:r>
+            <a:r>
+              <a:rPr lang="en-SG" dirty="0"/>
+              <a:t>depends </a:t>
+            </a:r>
+            <a:r>
+              <a:rPr lang="en-SG" dirty="0" smtClean="0"/>
+              <a:t>heavily on the number of control points, which means that the more control points you give, the less efficient it is to generate the curve.</a:t>
+            </a:r>
+          </a:p>
+          <a:p>
+            <a:pPr marL="0" indent="0">
+              <a:buNone/>
+            </a:pPr>
+            <a:endParaRPr lang="en-SG" dirty="0" smtClean="0"/>
+          </a:p>
+        </p:txBody>
+      </p:sp>
+    </p:spTree>
+    <p:extLst>
+      <p:ext uri="{BB962C8B-B14F-4D97-AF65-F5344CB8AC3E}">
+        <p14:creationId xmlns:p14="http://schemas.microsoft.com/office/powerpoint/2010/main" val="2867606818"/>
+      </p:ext>
+    </p:extLst>
+  </p:cSld>
+  <p:clrMapOvr>
+    <a:masterClrMapping/>
+  </p:clrMapOvr>
+  <p:timing>
+    <p:tnLst>
+      <p:par>
+        <p:cTn id="1" dur="indefinite" restart="never" nodeType="tmRoot"/>
+      </p:par>
+    </p:tnLst>
+  </p:timing>
+</p:sld>
+</file>
+
+<file path=ppt/slides/slide44.xml><?xml version="1.0" encoding="utf-8"?>
+<p:sld xmlns:a="http://schemas.openxmlformats.org/drawingml/2006/main" xmlns:r="http://schemas.openxmlformats.org/officeDocument/2006/relationships" xmlns:p="http://schemas.openxmlformats.org/presentationml/2006/main">
+  <p:cSld>
+    <p:spTree>
+      <p:nvGrpSpPr>
+        <p:cNvPr id="1" name=""/>
+        <p:cNvGrpSpPr/>
+        <p:nvPr/>
+      </p:nvGrpSpPr>
+      <p:grpSpPr>
+        <a:xfrm>
+          <a:off x="0" y="0"/>
+          <a:ext cx="0" cy="0"/>
+          <a:chOff x="0" y="0"/>
+          <a:chExt cx="0" cy="0"/>
+        </a:xfrm>
+      </p:grpSpPr>
+      <p:sp>
+        <p:nvSpPr>
+          <p:cNvPr id="2" name="标题 1"/>
+          <p:cNvSpPr>
+            <a:spLocks noGrp="1"/>
+          </p:cNvSpPr>
+          <p:nvPr>
+            <p:ph type="title"/>
+          </p:nvPr>
+        </p:nvSpPr>
+        <p:spPr/>
+        <p:txBody>
+          <a:bodyPr>
+            <a:normAutofit/>
+          </a:bodyPr>
+          <a:lstStyle/>
+          <a:p>
+            <a:r>
+              <a:rPr lang="en-SG" dirty="0"/>
               <a:t>Geometry of curve – </a:t>
             </a:r>
             <a:r>
@@ -10830,8 +10939,8 @@
           </a:p>
         </p:txBody>
       </p:sp>
-      <mc:AlternateContent xmlns:mc="http://schemas.openxmlformats.org/markup-compatibility/2006">
-        <mc:Choice xmlns:a14="http://schemas.microsoft.com/office/drawing/2010/main" Requires="a14">
+      <mc:AlternateContent xmlns:mc="http://schemas.openxmlformats.org/markup-compatibility/2006" xmlns:a14="http://schemas.microsoft.com/office/drawing/2010/main">
+        <mc:Choice Requires="a14">
           <p:sp>
             <p:nvSpPr>
               <p:cNvPr id="3" name="内容占位符 2"/>
@@ -10856,13 +10965,8 @@
               <a:p>
                 <a:r>
                   <a:rPr lang="en-SG" dirty="0" smtClean="0"/>
-                  <a:t>Interpolation by piecewise </a:t>
+                  <a:t>Interpolation by piecewise cubic curve with function of </a:t>
                 </a:r>
-                <a:r>
-                  <a:rPr lang="en-SG" dirty="0" smtClean="0"/>
-                  <a:t>cubic curve with function of </a:t>
-                </a:r>
-                <a:endParaRPr lang="en-SG" dirty="0" smtClean="0"/>
               </a:p>
               <a:p>
                 <a:pPr marL="457200" lvl="1" indent="0">
@@ -10999,11 +11103,7 @@
                 </a:pPr>
                 <a:r>
                   <a:rPr lang="en-SG" dirty="0" smtClean="0"/>
-                  <a:t>Continuous </a:t>
-                </a:r>
-                <a:r>
-                  <a:rPr lang="en-SG" dirty="0" smtClean="0"/>
-                  <a:t>at joint points</a:t>
+                  <a:t>Continuous at joint points</a:t>
                 </a:r>
               </a:p>
               <a:p>
@@ -11029,15 +11129,7 @@
               <a:p>
                 <a:r>
                   <a:rPr lang="en-SG" dirty="0" smtClean="0"/>
-                  <a:t>Given </a:t>
-                </a:r>
-                <a:r>
-                  <a:rPr lang="en-SG" dirty="0" smtClean="0"/>
-                  <a:t>any three points, there are 8 equations meet the above requirements, which can be solved for 2 cubic curves</a:t>
-                </a:r>
-                <a:r>
-                  <a:rPr lang="en-SG" dirty="0" smtClean="0"/>
-                  <a:t>.</a:t>
+                  <a:t>Given any three points, there are 8 equations meet the above requirements, which can be solved for 2 cubic curves.</a:t>
                 </a:r>
               </a:p>
               <a:p>
@@ -11049,7 +11141,6 @@
                   <a:rPr lang="en-SG" dirty="0" smtClean="0"/>
                   <a:t>curves</a:t>
                 </a:r>
-                <a:endParaRPr lang="en-SG" dirty="0" smtClean="0"/>
               </a:p>
               <a:p>
                 <a:endParaRPr lang="en-SG" dirty="0"/>
@@ -11057,7 +11148,7 @@
             </p:txBody>
           </p:sp>
         </mc:Choice>
-        <mc:Fallback>
+        <mc:Fallback xmlns="">
           <p:sp>
             <p:nvSpPr>
               <p:cNvPr id="3" name="内容占位符 2"/>
@@ -11685,7 +11776,7 @@
 </p:sld>
 </file>
 
-<file path=ppt/slides/slide44.xml><?xml version="1.0" encoding="utf-8"?>
+<file path=ppt/slides/slide45.xml><?xml version="1.0" encoding="utf-8"?>
 <p:sld xmlns:a="http://schemas.openxmlformats.org/drawingml/2006/main" xmlns:r="http://schemas.openxmlformats.org/officeDocument/2006/relationships" xmlns:p="http://schemas.openxmlformats.org/presentationml/2006/main">
   <p:cSld>
     <p:spTree>
@@ -11743,12 +11834,14 @@
         </p:nvSpPr>
         <p:spPr/>
         <p:txBody>
-          <a:bodyPr/>
-          <a:lstStyle/>
-          <a:p>
-            <a:r>
-              <a:rPr lang="en-SG" dirty="0" smtClean="0"/>
-              <a:t>B-spline: Blending Spline, is a powerful generalisation </a:t>
+          <a:bodyPr>
+            <a:normAutofit lnSpcReduction="10000"/>
+          </a:bodyPr>
+          <a:lstStyle/>
+          <a:p>
+            <a:r>
+              <a:rPr lang="en-SG" dirty="0" smtClean="0"/>
+              <a:t>B-spline shorted from Basis Spline, is a generalisation </a:t>
             </a:r>
             <a:r>
               <a:rPr lang="en-SG" dirty="0"/>
@@ -11756,7 +11849,7 @@
             </a:r>
             <a:r>
               <a:rPr lang="en-SG" dirty="0" smtClean="0"/>
-              <a:t>Bezier </a:t>
+              <a:t>Bezier curve. In other words, a Bezier is a special case of B-spline.</a:t>
             </a:r>
           </a:p>
           <a:p>
@@ -11803,7 +11896,7 @@
           <a:p>
             <a:r>
               <a:rPr lang="en-SG" dirty="0" smtClean="0"/>
-              <a:t>Piecewise parametric </a:t>
+              <a:t>A B-spline is a smoothly joined piecewise parametric </a:t>
             </a:r>
             <a:r>
               <a:rPr lang="en-SG" dirty="0"/>
@@ -11843,7 +11936,7 @@
 </p:sld>
 </file>
 
-<file path=ppt/slides/slide45.xml><?xml version="1.0" encoding="utf-8"?>
+<file path=ppt/slides/slide46.xml><?xml version="1.0" encoding="utf-8"?>
 <p:sld xmlns:a="http://schemas.openxmlformats.org/drawingml/2006/main" xmlns:r="http://schemas.openxmlformats.org/officeDocument/2006/relationships" xmlns:p="http://schemas.openxmlformats.org/presentationml/2006/main">
   <p:cSld>
     <p:spTree>
@@ -11870,7 +11963,12 @@
             <p:ph type="title"/>
           </p:nvPr>
         </p:nvSpPr>
-        <p:spPr/>
+        <p:spPr>
+          <a:xfrm>
+            <a:off x="838200" y="365126"/>
+            <a:ext cx="10515600" cy="964066"/>
+          </a:xfrm>
+        </p:spPr>
         <p:txBody>
           <a:bodyPr>
             <a:normAutofit/>
@@ -11889,8 +11987,8 @@
           </a:p>
         </p:txBody>
       </p:sp>
-      <mc:AlternateContent xmlns:mc="http://schemas.openxmlformats.org/markup-compatibility/2006">
-        <mc:Choice xmlns:a14="http://schemas.microsoft.com/office/drawing/2010/main" Requires="a14">
+      <mc:AlternateContent xmlns:mc="http://schemas.openxmlformats.org/markup-compatibility/2006" xmlns:a14="http://schemas.microsoft.com/office/drawing/2010/main">
+        <mc:Choice Requires="a14">
           <p:sp>
             <p:nvSpPr>
               <p:cNvPr id="3" name="内容占位符 2"/>
@@ -11901,7 +11999,12 @@
                 <p:ph idx="1"/>
               </p:nvPr>
             </p:nvSpPr>
-            <p:spPr/>
+            <p:spPr>
+              <a:xfrm>
+                <a:off x="838200" y="1329192"/>
+                <a:ext cx="10515600" cy="4847771"/>
+              </a:xfrm>
+            </p:spPr>
             <p:txBody>
               <a:bodyPr/>
               <a:lstStyle/>
@@ -11940,7 +12043,7 @@
                           <a:rPr lang="en-SG" b="0" i="1" smtClean="0">
                             <a:latin typeface="Cambria Math" panose="02040503050406030204" pitchFamily="18" charset="0"/>
                           </a:rPr>
-                          <m:t>𝐵</m:t>
+                          <m:t>𝑁</m:t>
                         </m:r>
                       </m:e>
                       <m:sub>
@@ -12023,7 +12126,7 @@
             </p:txBody>
           </p:sp>
         </mc:Choice>
-        <mc:Fallback>
+        <mc:Fallback xmlns="">
           <p:sp>
             <p:nvSpPr>
               <p:cNvPr id="3" name="内容占位符 2"/>
@@ -12035,10 +12138,14 @@
               </p:nvPr>
             </p:nvSpPr>
             <p:spPr>
+              <a:xfrm>
+                <a:off x="838200" y="1329192"/>
+                <a:ext cx="10515600" cy="4847771"/>
+              </a:xfrm>
               <a:blipFill>
                 <a:blip r:embed="rId3"/>
                 <a:stretch>
-                  <a:fillRect l="-1217" t="-2241" r="-406"/>
+                  <a:fillRect l="-1217" t="-2013" r="-406"/>
                 </a:stretch>
               </a:blipFill>
             </p:spPr>
@@ -12066,25 +12173,25 @@
           <p:nvPr>
             <p:extLst>
               <p:ext uri="{D42A27DB-BD31-4B8C-83A1-F6EECF244321}">
-                <p14:modId xmlns:p14="http://schemas.microsoft.com/office/powerpoint/2010/main" val="2648678273"/>
+                <p14:modId xmlns:p14="http://schemas.microsoft.com/office/powerpoint/2010/main" val="3543352986"/>
               </p:ext>
             </p:extLst>
           </p:nvPr>
         </p:nvGraphicFramePr>
         <p:xfrm>
-          <a:off x="4886325" y="2481263"/>
-          <a:ext cx="2417763" cy="925512"/>
+          <a:off x="5086804" y="1924674"/>
+          <a:ext cx="2390775" cy="925512"/>
         </p:xfrm>
         <a:graphic>
           <a:graphicData uri="http://schemas.openxmlformats.org/presentationml/2006/ole">
             <mc:AlternateContent xmlns:mc="http://schemas.openxmlformats.org/markup-compatibility/2006">
               <mc:Choice xmlns:v="urn:schemas-microsoft-com:vml" Requires="v">
-                <p:oleObj spid="_x0000_s20579" name="Equation" r:id="rId4" imgW="1130040" imgH="431640" progId="Equation.DSMT4">
+                <p:oleObj spid="_x0000_s20744" name="Equation" r:id="rId4" imgW="1117440" imgH="431640" progId="Equation.DSMT4">
                   <p:embed/>
                 </p:oleObj>
               </mc:Choice>
               <mc:Fallback>
-                <p:oleObj name="Equation" r:id="rId4" imgW="1130040" imgH="431640" progId="Equation.DSMT4">
+                <p:oleObj name="Equation" r:id="rId4" imgW="1117440" imgH="431640" progId="Equation.DSMT4">
                   <p:embed/>
                   <p:pic>
                     <p:nvPicPr>
@@ -12100,8 +12207,8 @@
                     </p:blipFill>
                     <p:spPr>
                       <a:xfrm>
-                        <a:off x="4886325" y="2481263"/>
-                        <a:ext cx="2417763" cy="925512"/>
+                        <a:off x="5086804" y="1924674"/>
+                        <a:ext cx="2390775" cy="925512"/>
                       </a:xfrm>
                       <a:prstGeom prst="rect">
                         <a:avLst/>
@@ -12123,25 +12230,25 @@
           <p:nvPr>
             <p:extLst>
               <p:ext uri="{D42A27DB-BD31-4B8C-83A1-F6EECF244321}">
-                <p14:modId xmlns:p14="http://schemas.microsoft.com/office/powerpoint/2010/main" val="1100926396"/>
+                <p14:modId xmlns:p14="http://schemas.microsoft.com/office/powerpoint/2010/main" val="4239664635"/>
               </p:ext>
             </p:extLst>
           </p:nvPr>
         </p:nvGraphicFramePr>
         <p:xfrm>
-          <a:off x="3030538" y="5146675"/>
-          <a:ext cx="6119812" cy="1014413"/>
+          <a:off x="3170236" y="4345668"/>
+          <a:ext cx="5851525" cy="2208213"/>
         </p:xfrm>
         <a:graphic>
           <a:graphicData uri="http://schemas.openxmlformats.org/presentationml/2006/ole">
             <mc:AlternateContent xmlns:mc="http://schemas.openxmlformats.org/markup-compatibility/2006">
               <mc:Choice xmlns:v="urn:schemas-microsoft-com:vml" Requires="v">
-                <p:oleObj spid="_x0000_s20580" name="Equation" r:id="rId6" imgW="2603160" imgH="431640" progId="Equation.DSMT4">
+                <p:oleObj spid="_x0000_s20745" name="Equation" r:id="rId6" imgW="2489040" imgH="939600" progId="Equation.DSMT4">
                   <p:embed/>
                 </p:oleObj>
               </mc:Choice>
               <mc:Fallback>
-                <p:oleObj name="Equation" r:id="rId6" imgW="2603160" imgH="431640" progId="Equation.DSMT4">
+                <p:oleObj name="Equation" r:id="rId6" imgW="2489040" imgH="939600" progId="Equation.DSMT4">
                   <p:embed/>
                   <p:pic>
                     <p:nvPicPr>
@@ -12157,8 +12264,8 @@
                     </p:blipFill>
                     <p:spPr>
                       <a:xfrm>
-                        <a:off x="3030538" y="5146675"/>
-                        <a:ext cx="6119812" cy="1014413"/>
+                        <a:off x="3170236" y="4345668"/>
+                        <a:ext cx="5851525" cy="2208213"/>
                       </a:xfrm>
                       <a:prstGeom prst="rect">
                         <a:avLst/>
@@ -12180,25 +12287,25 @@
           <p:nvPr>
             <p:extLst>
               <p:ext uri="{D42A27DB-BD31-4B8C-83A1-F6EECF244321}">
-                <p14:modId xmlns:p14="http://schemas.microsoft.com/office/powerpoint/2010/main" val="4285451073"/>
+                <p14:modId xmlns:p14="http://schemas.microsoft.com/office/powerpoint/2010/main" val="2194036709"/>
               </p:ext>
             </p:extLst>
           </p:nvPr>
         </p:nvGraphicFramePr>
         <p:xfrm>
-          <a:off x="4394200" y="3694113"/>
-          <a:ext cx="3390900" cy="1035050"/>
+          <a:off x="4386262" y="3227104"/>
+          <a:ext cx="3419475" cy="1035050"/>
         </p:xfrm>
         <a:graphic>
           <a:graphicData uri="http://schemas.openxmlformats.org/presentationml/2006/ole">
             <mc:AlternateContent xmlns:mc="http://schemas.openxmlformats.org/markup-compatibility/2006">
               <mc:Choice xmlns:v="urn:schemas-microsoft-com:vml" Requires="v">
-                <p:oleObj spid="_x0000_s20581" name="Equation" r:id="rId8" imgW="1498320" imgH="457200" progId="Equation.DSMT4">
+                <p:oleObj spid="_x0000_s20746" name="Equation" r:id="rId8" imgW="1511280" imgH="457200" progId="Equation.DSMT4">
                   <p:embed/>
                 </p:oleObj>
               </mc:Choice>
               <mc:Fallback>
-                <p:oleObj name="Equation" r:id="rId8" imgW="1498320" imgH="457200" progId="Equation.DSMT4">
+                <p:oleObj name="Equation" r:id="rId8" imgW="1511280" imgH="457200" progId="Equation.DSMT4">
                   <p:embed/>
                   <p:pic>
                     <p:nvPicPr>
@@ -12214,8 +12321,8 @@
                     </p:blipFill>
                     <p:spPr>
                       <a:xfrm>
-                        <a:off x="4394200" y="3694113"/>
-                        <a:ext cx="3390900" cy="1035050"/>
+                        <a:off x="4386262" y="3227104"/>
+                        <a:ext cx="3419475" cy="1035050"/>
                       </a:xfrm>
                       <a:prstGeom prst="rect">
                         <a:avLst/>
@@ -12248,7 +12355,7 @@
 </p:sld>
 </file>
 
-<file path=ppt/slides/slide46.xml><?xml version="1.0" encoding="utf-8"?>
+<file path=ppt/slides/slide47.xml><?xml version="1.0" encoding="utf-8"?>
 <p:sld xmlns:a="http://schemas.openxmlformats.org/drawingml/2006/main" xmlns:r="http://schemas.openxmlformats.org/officeDocument/2006/relationships" xmlns:p="http://schemas.openxmlformats.org/presentationml/2006/main">
   <p:cSld>
     <p:spTree>
@@ -12306,9 +12413,16 @@
                 <p:ph idx="1"/>
               </p:nvPr>
             </p:nvSpPr>
-            <p:spPr/>
+            <p:spPr>
+              <a:xfrm>
+                <a:off x="838200" y="1825624"/>
+                <a:ext cx="10991850" cy="4193039"/>
+              </a:xfrm>
+            </p:spPr>
             <p:txBody>
-              <a:bodyPr/>
+              <a:bodyPr>
+                <a:normAutofit fontScale="92500"/>
+              </a:bodyPr>
               <a:lstStyle/>
               <a:p>
                 <a:r>
@@ -12346,20 +12460,398 @@
                 </a14:m>
                 <a:r>
                   <a:rPr lang="en-SG" dirty="0"/>
-                  <a:t> is named knot </a:t>
+                  <a:t> is </a:t>
                 </a:r>
                 <a:r>
                   <a:rPr lang="en-SG" dirty="0" smtClean="0"/>
-                  <a:t>vector. For an open curve, the knot vector is given by</a:t>
+                  <a:t>a component of knot vector, which is with the form </a:t>
                 </a:r>
-              </a:p>
-              <a:p>
-                <a:endParaRPr lang="en-SG" dirty="0"/>
-              </a:p>
-              <a:p>
+                <a:r>
+                  <a:rPr lang="en-SG" dirty="0" smtClean="0"/>
+                  <a:t>of a </a:t>
+                </a:r>
+                <a:r>
+                  <a:rPr lang="en-SG" dirty="0" smtClean="0"/>
+                  <a:t>non-descending </a:t>
+                </a:r>
+                <a:r>
+                  <a:rPr lang="en-SG" dirty="0" smtClean="0"/>
+                  <a:t>sequence</a:t>
+                </a:r>
                 <a:endParaRPr lang="en-SG" dirty="0" smtClean="0"/>
               </a:p>
               <a:p>
+                <a:pPr marL="0" indent="0">
+                  <a:buNone/>
+                </a:pPr>
+                <a14:m>
+                  <m:oMathPara xmlns:m="http://schemas.openxmlformats.org/officeDocument/2006/math">
+                    <m:oMathParaPr>
+                      <m:jc m:val="centerGroup"/>
+                    </m:oMathParaPr>
+                    <m:oMath xmlns:m="http://schemas.openxmlformats.org/officeDocument/2006/math">
+                      <m:r>
+                        <a:rPr lang="en-SG" b="1">
+                          <a:latin typeface="Cambria Math" panose="02040503050406030204" pitchFamily="18" charset="0"/>
+                        </a:rPr>
+                        <m:t>𝐓</m:t>
+                      </m:r>
+                      <m:r>
+                        <a:rPr lang="en-SG" i="1">
+                          <a:latin typeface="Cambria Math" panose="02040503050406030204" pitchFamily="18" charset="0"/>
+                        </a:rPr>
+                        <m:t>=(</m:t>
+                      </m:r>
+                      <m:sSub>
+                        <m:sSubPr>
+                          <m:ctrlPr>
+                            <a:rPr lang="en-SG" i="1">
+                              <a:latin typeface="Cambria Math" panose="02040503050406030204" pitchFamily="18" charset="0"/>
+                            </a:rPr>
+                          </m:ctrlPr>
+                        </m:sSubPr>
+                        <m:e>
+                          <m:r>
+                            <a:rPr lang="en-SG" i="1">
+                              <a:latin typeface="Cambria Math" panose="02040503050406030204" pitchFamily="18" charset="0"/>
+                            </a:rPr>
+                            <m:t>𝑡</m:t>
+                          </m:r>
+                        </m:e>
+                        <m:sub>
+                          <m:r>
+                            <a:rPr lang="en-SG" i="1">
+                              <a:latin typeface="Cambria Math" panose="02040503050406030204" pitchFamily="18" charset="0"/>
+                            </a:rPr>
+                            <m:t>0</m:t>
+                          </m:r>
+                        </m:sub>
+                      </m:sSub>
+                      <m:r>
+                        <a:rPr lang="en-SG" i="1">
+                          <a:latin typeface="Cambria Math" panose="02040503050406030204" pitchFamily="18" charset="0"/>
+                        </a:rPr>
+                        <m:t>,</m:t>
+                      </m:r>
+                      <m:sSub>
+                        <m:sSubPr>
+                          <m:ctrlPr>
+                            <a:rPr lang="en-SG" i="1">
+                              <a:latin typeface="Cambria Math" panose="02040503050406030204" pitchFamily="18" charset="0"/>
+                            </a:rPr>
+                          </m:ctrlPr>
+                        </m:sSubPr>
+                        <m:e>
+                          <m:r>
+                            <a:rPr lang="en-SG" i="1">
+                              <a:latin typeface="Cambria Math" panose="02040503050406030204" pitchFamily="18" charset="0"/>
+                            </a:rPr>
+                            <m:t>𝑡</m:t>
+                          </m:r>
+                        </m:e>
+                        <m:sub>
+                          <m:r>
+                            <a:rPr lang="en-SG" i="1">
+                              <a:latin typeface="Cambria Math" panose="02040503050406030204" pitchFamily="18" charset="0"/>
+                            </a:rPr>
+                            <m:t>1</m:t>
+                          </m:r>
+                        </m:sub>
+                      </m:sSub>
+                      <m:r>
+                        <a:rPr lang="en-SG" i="1">
+                          <a:latin typeface="Cambria Math" panose="02040503050406030204" pitchFamily="18" charset="0"/>
+                        </a:rPr>
+                        <m:t>,</m:t>
+                      </m:r>
+                      <m:r>
+                        <a:rPr lang="en-SG" i="1">
+                          <a:latin typeface="Cambria Math" panose="02040503050406030204" pitchFamily="18" charset="0"/>
+                          <a:ea typeface="Cambria Math" panose="02040503050406030204" pitchFamily="18" charset="0"/>
+                        </a:rPr>
+                        <m:t>⋯</m:t>
+                      </m:r>
+                      <m:r>
+                        <a:rPr lang="en-SG" i="1">
+                          <a:latin typeface="Cambria Math" panose="02040503050406030204" pitchFamily="18" charset="0"/>
+                        </a:rPr>
+                        <m:t>,</m:t>
+                      </m:r>
+                      <m:sSub>
+                        <m:sSubPr>
+                          <m:ctrlPr>
+                            <a:rPr lang="en-SG" i="1">
+                              <a:latin typeface="Cambria Math" panose="02040503050406030204" pitchFamily="18" charset="0"/>
+                            </a:rPr>
+                          </m:ctrlPr>
+                        </m:sSubPr>
+                        <m:e>
+                          <m:r>
+                            <a:rPr lang="en-SG" i="1">
+                              <a:latin typeface="Cambria Math" panose="02040503050406030204" pitchFamily="18" charset="0"/>
+                            </a:rPr>
+                            <m:t>𝑡</m:t>
+                          </m:r>
+                        </m:e>
+                        <m:sub>
+                          <m:r>
+                            <a:rPr lang="en-SG" i="1">
+                              <a:latin typeface="Cambria Math" panose="02040503050406030204" pitchFamily="18" charset="0"/>
+                            </a:rPr>
+                            <m:t>𝑛</m:t>
+                          </m:r>
+                          <m:r>
+                            <a:rPr lang="en-SG" i="1">
+                              <a:latin typeface="Cambria Math" panose="02040503050406030204" pitchFamily="18" charset="0"/>
+                            </a:rPr>
+                            <m:t>−1</m:t>
+                          </m:r>
+                        </m:sub>
+                      </m:sSub>
+                      <m:r>
+                        <a:rPr lang="en-SG" i="1">
+                          <a:latin typeface="Cambria Math" panose="02040503050406030204" pitchFamily="18" charset="0"/>
+                        </a:rPr>
+                        <m:t>,</m:t>
+                      </m:r>
+                      <m:sSub>
+                        <m:sSubPr>
+                          <m:ctrlPr>
+                            <a:rPr lang="en-SG" i="1">
+                              <a:latin typeface="Cambria Math" panose="02040503050406030204" pitchFamily="18" charset="0"/>
+                            </a:rPr>
+                          </m:ctrlPr>
+                        </m:sSubPr>
+                        <m:e>
+                          <m:r>
+                            <a:rPr lang="en-SG" i="1">
+                              <a:latin typeface="Cambria Math" panose="02040503050406030204" pitchFamily="18" charset="0"/>
+                            </a:rPr>
+                            <m:t>𝑡</m:t>
+                          </m:r>
+                        </m:e>
+                        <m:sub>
+                          <m:r>
+                            <a:rPr lang="en-SG" i="1">
+                              <a:latin typeface="Cambria Math" panose="02040503050406030204" pitchFamily="18" charset="0"/>
+                            </a:rPr>
+                            <m:t>𝑛</m:t>
+                          </m:r>
+                        </m:sub>
+                      </m:sSub>
+                      <m:r>
+                        <a:rPr lang="en-SG" i="1">
+                          <a:latin typeface="Cambria Math" panose="02040503050406030204" pitchFamily="18" charset="0"/>
+                        </a:rPr>
+                        <m:t>,</m:t>
+                      </m:r>
+                      <m:sSub>
+                        <m:sSubPr>
+                          <m:ctrlPr>
+                            <a:rPr lang="en-SG" i="1">
+                              <a:latin typeface="Cambria Math" panose="02040503050406030204" pitchFamily="18" charset="0"/>
+                            </a:rPr>
+                          </m:ctrlPr>
+                        </m:sSubPr>
+                        <m:e>
+                          <m:r>
+                            <a:rPr lang="en-SG" i="1">
+                              <a:latin typeface="Cambria Math" panose="02040503050406030204" pitchFamily="18" charset="0"/>
+                            </a:rPr>
+                            <m:t>𝑡</m:t>
+                          </m:r>
+                        </m:e>
+                        <m:sub>
+                          <m:r>
+                            <a:rPr lang="en-SG" i="1">
+                              <a:latin typeface="Cambria Math" panose="02040503050406030204" pitchFamily="18" charset="0"/>
+                            </a:rPr>
+                            <m:t>𝑛</m:t>
+                          </m:r>
+                          <m:r>
+                            <a:rPr lang="en-SG" i="1">
+                              <a:latin typeface="Cambria Math" panose="02040503050406030204" pitchFamily="18" charset="0"/>
+                            </a:rPr>
+                            <m:t>+1</m:t>
+                          </m:r>
+                        </m:sub>
+                      </m:sSub>
+                      <m:r>
+                        <a:rPr lang="en-SG" i="1">
+                          <a:latin typeface="Cambria Math" panose="02040503050406030204" pitchFamily="18" charset="0"/>
+                        </a:rPr>
+                        <m:t>,</m:t>
+                      </m:r>
+                      <m:r>
+                        <a:rPr lang="en-SG" i="1">
+                          <a:latin typeface="Cambria Math" panose="02040503050406030204" pitchFamily="18" charset="0"/>
+                          <a:ea typeface="Cambria Math" panose="02040503050406030204" pitchFamily="18" charset="0"/>
+                        </a:rPr>
+                        <m:t>⋯</m:t>
+                      </m:r>
+                      <m:r>
+                        <a:rPr lang="en-SG" i="1">
+                          <a:latin typeface="Cambria Math" panose="02040503050406030204" pitchFamily="18" charset="0"/>
+                        </a:rPr>
+                        <m:t>,</m:t>
+                      </m:r>
+                      <m:sSub>
+                        <m:sSubPr>
+                          <m:ctrlPr>
+                            <a:rPr lang="en-SG" i="1">
+                              <a:latin typeface="Cambria Math" panose="02040503050406030204" pitchFamily="18" charset="0"/>
+                            </a:rPr>
+                          </m:ctrlPr>
+                        </m:sSubPr>
+                        <m:e>
+                          <m:r>
+                            <a:rPr lang="en-SG" i="1">
+                              <a:latin typeface="Cambria Math" panose="02040503050406030204" pitchFamily="18" charset="0"/>
+                            </a:rPr>
+                            <m:t>𝑡</m:t>
+                          </m:r>
+                        </m:e>
+                        <m:sub>
+                          <m:r>
+                            <a:rPr lang="en-SG" i="1">
+                              <a:latin typeface="Cambria Math" panose="02040503050406030204" pitchFamily="18" charset="0"/>
+                            </a:rPr>
+                            <m:t>𝑛</m:t>
+                          </m:r>
+                          <m:r>
+                            <a:rPr lang="en-SG" i="1">
+                              <a:latin typeface="Cambria Math" panose="02040503050406030204" pitchFamily="18" charset="0"/>
+                            </a:rPr>
+                            <m:t>+</m:t>
+                          </m:r>
+                          <m:r>
+                            <a:rPr lang="en-SG" i="1">
+                              <a:latin typeface="Cambria Math" panose="02040503050406030204" pitchFamily="18" charset="0"/>
+                            </a:rPr>
+                            <m:t>𝑘</m:t>
+                          </m:r>
+                        </m:sub>
+                      </m:sSub>
+                      <m:r>
+                        <a:rPr lang="en-SG" i="1">
+                          <a:latin typeface="Cambria Math" panose="02040503050406030204" pitchFamily="18" charset="0"/>
+                        </a:rPr>
+                        <m:t>)</m:t>
+                      </m:r>
+                    </m:oMath>
+                  </m:oMathPara>
+                </a14:m>
+                <a:endParaRPr lang="en-SG" dirty="0" smtClean="0"/>
+              </a:p>
+              <a:p>
+                <a:pPr marL="0" indent="0">
+                  <a:buNone/>
+                </a:pPr>
+                <a:r>
+                  <a:rPr lang="en-SG" dirty="0"/>
+                  <a:t> </a:t>
+                </a:r>
+                <a:r>
+                  <a:rPr lang="en-SG" dirty="0" smtClean="0"/>
+                  <a:t>  this sequence divides the entire interval </a:t>
+                </a:r>
+                <a14:m>
+                  <m:oMath xmlns:m="http://schemas.openxmlformats.org/officeDocument/2006/math">
+                    <m:d>
+                      <m:dPr>
+                        <m:begChr m:val="["/>
+                        <m:endChr m:val="]"/>
+                        <m:ctrlPr>
+                          <a:rPr lang="en-SG" i="1" smtClean="0">
+                            <a:latin typeface="Cambria Math" panose="02040503050406030204" pitchFamily="18" charset="0"/>
+                          </a:rPr>
+                        </m:ctrlPr>
+                      </m:dPr>
+                      <m:e>
+                        <m:sSub>
+                          <m:sSubPr>
+                            <m:ctrlPr>
+                              <a:rPr lang="en-SG" i="1" smtClean="0">
+                                <a:latin typeface="Cambria Math" panose="02040503050406030204" pitchFamily="18" charset="0"/>
+                              </a:rPr>
+                            </m:ctrlPr>
+                          </m:sSubPr>
+                          <m:e>
+                            <m:r>
+                              <a:rPr lang="en-SG" b="0" i="1" smtClean="0">
+                                <a:latin typeface="Cambria Math" panose="02040503050406030204" pitchFamily="18" charset="0"/>
+                              </a:rPr>
+                              <m:t>𝑡</m:t>
+                            </m:r>
+                          </m:e>
+                          <m:sub>
+                            <m:r>
+                              <a:rPr lang="en-SG" b="0" i="1" smtClean="0">
+                                <a:latin typeface="Cambria Math" panose="02040503050406030204" pitchFamily="18" charset="0"/>
+                              </a:rPr>
+                              <m:t>0</m:t>
+                            </m:r>
+                          </m:sub>
+                        </m:sSub>
+                        <m:r>
+                          <a:rPr lang="en-SG" b="0" i="1" smtClean="0">
+                            <a:latin typeface="Cambria Math" panose="02040503050406030204" pitchFamily="18" charset="0"/>
+                          </a:rPr>
+                          <m:t>,</m:t>
+                        </m:r>
+                        <m:sSub>
+                          <m:sSubPr>
+                            <m:ctrlPr>
+                              <a:rPr lang="en-SG" b="0" i="1" smtClean="0">
+                                <a:latin typeface="Cambria Math" panose="02040503050406030204" pitchFamily="18" charset="0"/>
+                              </a:rPr>
+                            </m:ctrlPr>
+                          </m:sSubPr>
+                          <m:e>
+                            <m:r>
+                              <a:rPr lang="en-SG" b="0" i="1" smtClean="0">
+                                <a:latin typeface="Cambria Math" panose="02040503050406030204" pitchFamily="18" charset="0"/>
+                              </a:rPr>
+                              <m:t>𝑡</m:t>
+                            </m:r>
+                          </m:e>
+                          <m:sub>
+                            <m:r>
+                              <a:rPr lang="en-SG" b="0" i="1" smtClean="0">
+                                <a:latin typeface="Cambria Math" panose="02040503050406030204" pitchFamily="18" charset="0"/>
+                              </a:rPr>
+                              <m:t>𝑛</m:t>
+                            </m:r>
+                            <m:r>
+                              <a:rPr lang="en-SG" b="0" i="1" smtClean="0">
+                                <a:latin typeface="Cambria Math" panose="02040503050406030204" pitchFamily="18" charset="0"/>
+                              </a:rPr>
+                              <m:t>+</m:t>
+                            </m:r>
+                            <m:r>
+                              <a:rPr lang="en-SG" b="0" i="1" smtClean="0">
+                                <a:latin typeface="Cambria Math" panose="02040503050406030204" pitchFamily="18" charset="0"/>
+                              </a:rPr>
+                              <m:t>𝑘</m:t>
+                            </m:r>
+                          </m:sub>
+                        </m:sSub>
+                      </m:e>
+                    </m:d>
+                  </m:oMath>
+                </a14:m>
+                <a:r>
+                  <a:rPr lang="en-SG" dirty="0" smtClean="0"/>
+                  <a:t> to </a:t>
+                </a:r>
+                <a:r>
+                  <a:rPr lang="en-SG" dirty="0" err="1" smtClean="0"/>
+                  <a:t>n+k</a:t>
+                </a:r>
+                <a:r>
+                  <a:rPr lang="en-SG" dirty="0" smtClean="0"/>
+                  <a:t> subintervals. </a:t>
+                </a:r>
                 <a:endParaRPr lang="en-SG" dirty="0"/>
               </a:p>
               <a:p>
@@ -12368,23 +12860,485 @@
                 </a:pPr>
                 <a:r>
                   <a:rPr lang="en-SG" dirty="0" smtClean="0"/>
-                  <a:t>where</a:t>
+                  <a:t>   sometimes, through identifying the two end of subinterval, we can collapse it.</a:t>
                 </a:r>
+                <a:endParaRPr lang="en-SG" dirty="0"/>
               </a:p>
               <a:p>
-                <a:pPr marL="0" indent="0">
-                  <a:buNone/>
-                </a:pPr>
+                <a:r>
+                  <a:rPr lang="en-SG" dirty="0" smtClean="0"/>
+                  <a:t>According to the equations, each of knot in a interval of </a:t>
+                </a:r>
+                <a14:m>
+                  <m:oMath xmlns:m="http://schemas.openxmlformats.org/officeDocument/2006/math">
+                    <m:d>
+                      <m:dPr>
+                        <m:begChr m:val="["/>
+                        <m:endChr m:val="]"/>
+                        <m:ctrlPr>
+                          <a:rPr lang="en-SG" i="1" smtClean="0">
+                            <a:latin typeface="Cambria Math" panose="02040503050406030204" pitchFamily="18" charset="0"/>
+                          </a:rPr>
+                        </m:ctrlPr>
+                      </m:dPr>
+                      <m:e>
+                        <m:sSub>
+                          <m:sSubPr>
+                            <m:ctrlPr>
+                              <a:rPr lang="en-SG" b="0" i="1" smtClean="0">
+                                <a:latin typeface="Cambria Math" panose="02040503050406030204" pitchFamily="18" charset="0"/>
+                              </a:rPr>
+                            </m:ctrlPr>
+                          </m:sSubPr>
+                          <m:e>
+                            <m:r>
+                              <a:rPr lang="en-SG" b="0" i="1" smtClean="0">
+                                <a:latin typeface="Cambria Math" panose="02040503050406030204" pitchFamily="18" charset="0"/>
+                              </a:rPr>
+                              <m:t>𝑡</m:t>
+                            </m:r>
+                          </m:e>
+                          <m:sub>
+                            <m:r>
+                              <a:rPr lang="en-SG" b="0" i="1" smtClean="0">
+                                <a:latin typeface="Cambria Math" panose="02040503050406030204" pitchFamily="18" charset="0"/>
+                              </a:rPr>
+                              <m:t>𝑖</m:t>
+                            </m:r>
+                          </m:sub>
+                        </m:sSub>
+                        <m:r>
+                          <a:rPr lang="en-SG" b="0" i="1" smtClean="0">
+                            <a:latin typeface="Cambria Math" panose="02040503050406030204" pitchFamily="18" charset="0"/>
+                          </a:rPr>
+                          <m:t>,</m:t>
+                        </m:r>
+                        <m:sSub>
+                          <m:sSubPr>
+                            <m:ctrlPr>
+                              <a:rPr lang="en-SG" b="0" i="1" smtClean="0">
+                                <a:latin typeface="Cambria Math" panose="02040503050406030204" pitchFamily="18" charset="0"/>
+                              </a:rPr>
+                            </m:ctrlPr>
+                          </m:sSubPr>
+                          <m:e>
+                            <m:r>
+                              <a:rPr lang="en-SG" b="0" i="1" smtClean="0">
+                                <a:latin typeface="Cambria Math" panose="02040503050406030204" pitchFamily="18" charset="0"/>
+                              </a:rPr>
+                              <m:t>𝑡</m:t>
+                            </m:r>
+                          </m:e>
+                          <m:sub>
+                            <m:r>
+                              <a:rPr lang="en-SG" b="0" i="1" smtClean="0">
+                                <a:latin typeface="Cambria Math" panose="02040503050406030204" pitchFamily="18" charset="0"/>
+                              </a:rPr>
+                              <m:t>𝑖</m:t>
+                            </m:r>
+                            <m:r>
+                              <a:rPr lang="en-SG" b="0" i="1" smtClean="0">
+                                <a:latin typeface="Cambria Math" panose="02040503050406030204" pitchFamily="18" charset="0"/>
+                              </a:rPr>
+                              <m:t>+1</m:t>
+                            </m:r>
+                          </m:sub>
+                        </m:sSub>
+                      </m:e>
+                    </m:d>
+                  </m:oMath>
+                </a14:m>
+                <a:r>
+                  <a:rPr lang="en-SG" dirty="0" smtClean="0"/>
+                  <a:t> is mapped onto a polynomial curve between two adjacent joints </a:t>
+                </a:r>
+                <a14:m>
+                  <m:oMath xmlns:m="http://schemas.openxmlformats.org/officeDocument/2006/math">
+                    <m:sSub>
+                      <m:sSubPr>
+                        <m:ctrlPr>
+                          <a:rPr lang="en-SG" i="1">
+                            <a:latin typeface="Cambria Math" panose="02040503050406030204" pitchFamily="18" charset="0"/>
+                          </a:rPr>
+                        </m:ctrlPr>
+                      </m:sSubPr>
+                      <m:e>
+                        <m:r>
+                          <a:rPr lang="en-SG" b="1" i="0" smtClean="0">
+                            <a:latin typeface="Cambria Math" panose="02040503050406030204" pitchFamily="18" charset="0"/>
+                          </a:rPr>
+                          <m:t>𝐫</m:t>
+                        </m:r>
+                        <m:r>
+                          <a:rPr lang="en-SG" b="1" i="0" smtClean="0">
+                            <a:latin typeface="Cambria Math" panose="02040503050406030204" pitchFamily="18" charset="0"/>
+                          </a:rPr>
+                          <m:t>(</m:t>
+                        </m:r>
+                        <m:r>
+                          <m:rPr>
+                            <m:sty m:val="p"/>
+                          </m:rPr>
+                          <a:rPr lang="en-SG" b="0" i="0" smtClean="0">
+                            <a:latin typeface="Cambria Math" panose="02040503050406030204" pitchFamily="18" charset="0"/>
+                          </a:rPr>
+                          <m:t>t</m:t>
+                        </m:r>
+                      </m:e>
+                      <m:sub>
+                        <m:r>
+                          <a:rPr lang="en-SG" i="1">
+                            <a:latin typeface="Cambria Math" panose="02040503050406030204" pitchFamily="18" charset="0"/>
+                          </a:rPr>
+                          <m:t>𝑖</m:t>
+                        </m:r>
+                      </m:sub>
+                    </m:sSub>
+                    <m:r>
+                      <a:rPr lang="en-SG" b="0" i="1" smtClean="0">
+                        <a:latin typeface="Cambria Math" panose="02040503050406030204" pitchFamily="18" charset="0"/>
+                      </a:rPr>
+                      <m:t>)</m:t>
+                    </m:r>
+                    <m:r>
+                      <a:rPr lang="en-SG" i="1">
+                        <a:latin typeface="Cambria Math" panose="02040503050406030204" pitchFamily="18" charset="0"/>
+                      </a:rPr>
+                      <m:t>,</m:t>
+                    </m:r>
+                    <m:sSub>
+                      <m:sSubPr>
+                        <m:ctrlPr>
+                          <a:rPr lang="en-SG" i="1">
+                            <a:latin typeface="Cambria Math" panose="02040503050406030204" pitchFamily="18" charset="0"/>
+                          </a:rPr>
+                        </m:ctrlPr>
+                      </m:sSubPr>
+                      <m:e>
+                        <m:r>
+                          <a:rPr lang="en-SG" b="1" i="0" smtClean="0">
+                            <a:latin typeface="Cambria Math" panose="02040503050406030204" pitchFamily="18" charset="0"/>
+                          </a:rPr>
+                          <m:t>𝐫</m:t>
+                        </m:r>
+                        <m:r>
+                          <a:rPr lang="en-SG" b="1" i="0" smtClean="0">
+                            <a:latin typeface="Cambria Math" panose="02040503050406030204" pitchFamily="18" charset="0"/>
+                          </a:rPr>
+                          <m:t>(</m:t>
+                        </m:r>
+                        <m:r>
+                          <m:rPr>
+                            <m:sty m:val="p"/>
+                          </m:rPr>
+                          <a:rPr lang="en-SG" b="0" i="0" smtClean="0">
+                            <a:latin typeface="Cambria Math" panose="02040503050406030204" pitchFamily="18" charset="0"/>
+                          </a:rPr>
+                          <m:t>t</m:t>
+                        </m:r>
+                      </m:e>
+                      <m:sub>
+                        <m:r>
+                          <a:rPr lang="en-SG" i="1">
+                            <a:latin typeface="Cambria Math" panose="02040503050406030204" pitchFamily="18" charset="0"/>
+                          </a:rPr>
+                          <m:t>𝑖</m:t>
+                        </m:r>
+                        <m:r>
+                          <a:rPr lang="en-SG" i="1">
+                            <a:latin typeface="Cambria Math" panose="02040503050406030204" pitchFamily="18" charset="0"/>
+                          </a:rPr>
+                          <m:t>+1</m:t>
+                        </m:r>
+                      </m:sub>
+                    </m:sSub>
+                    <m:r>
+                      <a:rPr lang="en-SG" b="0" i="1" smtClean="0">
+                        <a:latin typeface="Cambria Math" panose="02040503050406030204" pitchFamily="18" charset="0"/>
+                      </a:rPr>
+                      <m:t>)</m:t>
+                    </m:r>
+                  </m:oMath>
+                </a14:m>
+                <a:endParaRPr lang="en-SG" dirty="0" smtClean="0"/>
+              </a:p>
+              <a:p>
+                <a:r>
+                  <a:rPr lang="en-SG" dirty="0"/>
+                  <a:t>To define a B-spline curve of degree k, we need specify n+1 control points </a:t>
+                </a:r>
+                <a14:m>
+                  <m:oMath xmlns:m="http://schemas.openxmlformats.org/officeDocument/2006/math">
+                    <m:sSub>
+                      <m:sSubPr>
+                        <m:ctrlPr>
+                          <a:rPr lang="en-SG" i="1">
+                            <a:latin typeface="Cambria Math" panose="02040503050406030204" pitchFamily="18" charset="0"/>
+                          </a:rPr>
+                        </m:ctrlPr>
+                      </m:sSubPr>
+                      <m:e>
+                        <m:r>
+                          <a:rPr lang="en-SG" b="1">
+                            <a:latin typeface="Cambria Math" panose="02040503050406030204" pitchFamily="18" charset="0"/>
+                          </a:rPr>
+                          <m:t>𝐩</m:t>
+                        </m:r>
+                      </m:e>
+                      <m:sub>
+                        <m:r>
+                          <a:rPr lang="en-SG" i="1">
+                            <a:latin typeface="Cambria Math" panose="02040503050406030204" pitchFamily="18" charset="0"/>
+                          </a:rPr>
+                          <m:t>0</m:t>
+                        </m:r>
+                      </m:sub>
+                    </m:sSub>
+                    <m:r>
+                      <a:rPr lang="en-SG" i="1">
+                        <a:latin typeface="Cambria Math" panose="02040503050406030204" pitchFamily="18" charset="0"/>
+                      </a:rPr>
+                      <m:t>,</m:t>
+                    </m:r>
+                    <m:sSub>
+                      <m:sSubPr>
+                        <m:ctrlPr>
+                          <a:rPr lang="en-SG" i="1">
+                            <a:latin typeface="Cambria Math" panose="02040503050406030204" pitchFamily="18" charset="0"/>
+                          </a:rPr>
+                        </m:ctrlPr>
+                      </m:sSubPr>
+                      <m:e>
+                        <m:r>
+                          <a:rPr lang="en-SG" b="1">
+                            <a:latin typeface="Cambria Math" panose="02040503050406030204" pitchFamily="18" charset="0"/>
+                          </a:rPr>
+                          <m:t>𝐩</m:t>
+                        </m:r>
+                      </m:e>
+                      <m:sub>
+                        <m:r>
+                          <a:rPr lang="en-SG" i="1">
+                            <a:latin typeface="Cambria Math" panose="02040503050406030204" pitchFamily="18" charset="0"/>
+                          </a:rPr>
+                          <m:t>1</m:t>
+                        </m:r>
+                      </m:sub>
+                    </m:sSub>
+                    <m:r>
+                      <a:rPr lang="en-SG" i="1">
+                        <a:latin typeface="Cambria Math" panose="02040503050406030204" pitchFamily="18" charset="0"/>
+                      </a:rPr>
+                      <m:t>,</m:t>
+                    </m:r>
+                    <m:r>
+                      <a:rPr lang="en-SG" i="1">
+                        <a:latin typeface="Cambria Math" panose="02040503050406030204" pitchFamily="18" charset="0"/>
+                        <a:ea typeface="Cambria Math" panose="02040503050406030204" pitchFamily="18" charset="0"/>
+                      </a:rPr>
+                      <m:t>⋯,</m:t>
+                    </m:r>
+                    <m:sSub>
+                      <m:sSubPr>
+                        <m:ctrlPr>
+                          <a:rPr lang="en-SG" i="1">
+                            <a:latin typeface="Cambria Math" panose="02040503050406030204" pitchFamily="18" charset="0"/>
+                            <a:ea typeface="Cambria Math" panose="02040503050406030204" pitchFamily="18" charset="0"/>
+                          </a:rPr>
+                        </m:ctrlPr>
+                      </m:sSubPr>
+                      <m:e>
+                        <m:r>
+                          <a:rPr lang="en-SG" b="1">
+                            <a:latin typeface="Cambria Math" panose="02040503050406030204" pitchFamily="18" charset="0"/>
+                            <a:ea typeface="Cambria Math" panose="02040503050406030204" pitchFamily="18" charset="0"/>
+                          </a:rPr>
+                          <m:t>𝐩</m:t>
+                        </m:r>
+                      </m:e>
+                      <m:sub>
+                        <m:r>
+                          <a:rPr lang="en-SG" i="1">
+                            <a:latin typeface="Cambria Math" panose="02040503050406030204" pitchFamily="18" charset="0"/>
+                            <a:ea typeface="Cambria Math" panose="02040503050406030204" pitchFamily="18" charset="0"/>
+                          </a:rPr>
+                          <m:t>𝑛</m:t>
+                        </m:r>
+                      </m:sub>
+                    </m:sSub>
+                  </m:oMath>
+                </a14:m>
+                <a:r>
+                  <a:rPr lang="en-SG" dirty="0"/>
+                  <a:t> and </a:t>
+                </a:r>
+                <a14:m>
+                  <m:oMath xmlns:m="http://schemas.openxmlformats.org/officeDocument/2006/math">
+                    <m:r>
+                      <a:rPr lang="en-SG" i="1" dirty="0">
+                        <a:latin typeface="Cambria Math" panose="02040503050406030204" pitchFamily="18" charset="0"/>
+                      </a:rPr>
+                      <m:t>𝑛</m:t>
+                    </m:r>
+                    <m:r>
+                      <a:rPr lang="en-SG" i="1" dirty="0">
+                        <a:latin typeface="Cambria Math" panose="02040503050406030204" pitchFamily="18" charset="0"/>
+                      </a:rPr>
+                      <m:t>+</m:t>
+                    </m:r>
+                    <m:r>
+                      <a:rPr lang="en-SG" i="1" dirty="0">
+                        <a:latin typeface="Cambria Math" panose="02040503050406030204" pitchFamily="18" charset="0"/>
+                      </a:rPr>
+                      <m:t>𝑘</m:t>
+                    </m:r>
+                    <m:r>
+                      <a:rPr lang="en-SG" i="1" dirty="0">
+                        <a:latin typeface="Cambria Math" panose="02040503050406030204" pitchFamily="18" charset="0"/>
+                      </a:rPr>
+                      <m:t>+1</m:t>
+                    </m:r>
+                  </m:oMath>
+                </a14:m>
+                <a:r>
+                  <a:rPr lang="en-SG" dirty="0"/>
+                  <a:t> dimensions knot vector </a:t>
+                </a:r>
+                <a14:m>
+                  <m:oMath xmlns:m="http://schemas.openxmlformats.org/officeDocument/2006/math">
+                    <m:d>
+                      <m:dPr>
+                        <m:ctrlPr>
+                          <a:rPr lang="en-SG" i="1">
+                            <a:latin typeface="Cambria Math" panose="02040503050406030204" pitchFamily="18" charset="0"/>
+                          </a:rPr>
+                        </m:ctrlPr>
+                      </m:dPr>
+                      <m:e>
+                        <m:sSub>
+                          <m:sSubPr>
+                            <m:ctrlPr>
+                              <a:rPr lang="en-SG" i="1">
+                                <a:latin typeface="Cambria Math" panose="02040503050406030204" pitchFamily="18" charset="0"/>
+                              </a:rPr>
+                            </m:ctrlPr>
+                          </m:sSubPr>
+                          <m:e>
+                            <m:r>
+                              <a:rPr lang="en-SG" i="1">
+                                <a:latin typeface="Cambria Math" panose="02040503050406030204" pitchFamily="18" charset="0"/>
+                              </a:rPr>
+                              <m:t>𝑡</m:t>
+                            </m:r>
+                          </m:e>
+                          <m:sub>
+                            <m:r>
+                              <a:rPr lang="en-SG" i="1">
+                                <a:latin typeface="Cambria Math" panose="02040503050406030204" pitchFamily="18" charset="0"/>
+                              </a:rPr>
+                              <m:t>0</m:t>
+                            </m:r>
+                          </m:sub>
+                        </m:sSub>
+                        <m:r>
+                          <a:rPr lang="en-SG" i="1">
+                            <a:latin typeface="Cambria Math" panose="02040503050406030204" pitchFamily="18" charset="0"/>
+                          </a:rPr>
+                          <m:t>,</m:t>
+                        </m:r>
+                        <m:sSub>
+                          <m:sSubPr>
+                            <m:ctrlPr>
+                              <a:rPr lang="en-SG" i="1">
+                                <a:latin typeface="Cambria Math" panose="02040503050406030204" pitchFamily="18" charset="0"/>
+                              </a:rPr>
+                            </m:ctrlPr>
+                          </m:sSubPr>
+                          <m:e>
+                            <m:r>
+                              <a:rPr lang="en-SG" i="1">
+                                <a:latin typeface="Cambria Math" panose="02040503050406030204" pitchFamily="18" charset="0"/>
+                              </a:rPr>
+                              <m:t>𝑡</m:t>
+                            </m:r>
+                          </m:e>
+                          <m:sub>
+                            <m:r>
+                              <a:rPr lang="en-SG" i="1">
+                                <a:latin typeface="Cambria Math" panose="02040503050406030204" pitchFamily="18" charset="0"/>
+                              </a:rPr>
+                              <m:t>1</m:t>
+                            </m:r>
+                          </m:sub>
+                        </m:sSub>
+                        <m:r>
+                          <a:rPr lang="en-SG" i="1">
+                            <a:latin typeface="Cambria Math" panose="02040503050406030204" pitchFamily="18" charset="0"/>
+                          </a:rPr>
+                          <m:t>,</m:t>
+                        </m:r>
+                        <m:r>
+                          <a:rPr lang="en-SG" i="1">
+                            <a:latin typeface="Cambria Math" panose="02040503050406030204" pitchFamily="18" charset="0"/>
+                            <a:ea typeface="Cambria Math" panose="02040503050406030204" pitchFamily="18" charset="0"/>
+                          </a:rPr>
+                          <m:t>⋯,</m:t>
+                        </m:r>
+                        <m:sSub>
+                          <m:sSubPr>
+                            <m:ctrlPr>
+                              <a:rPr lang="en-SG" i="1">
+                                <a:latin typeface="Cambria Math" panose="02040503050406030204" pitchFamily="18" charset="0"/>
+                                <a:ea typeface="Cambria Math" panose="02040503050406030204" pitchFamily="18" charset="0"/>
+                              </a:rPr>
+                            </m:ctrlPr>
+                          </m:sSubPr>
+                          <m:e>
+                            <m:r>
+                              <a:rPr lang="en-SG" i="1">
+                                <a:latin typeface="Cambria Math" panose="02040503050406030204" pitchFamily="18" charset="0"/>
+                                <a:ea typeface="Cambria Math" panose="02040503050406030204" pitchFamily="18" charset="0"/>
+                              </a:rPr>
+                              <m:t>𝑡</m:t>
+                            </m:r>
+                          </m:e>
+                          <m:sub>
+                            <m:r>
+                              <a:rPr lang="en-SG" i="1">
+                                <a:latin typeface="Cambria Math" panose="02040503050406030204" pitchFamily="18" charset="0"/>
+                                <a:ea typeface="Cambria Math" panose="02040503050406030204" pitchFamily="18" charset="0"/>
+                              </a:rPr>
+                              <m:t>𝑛</m:t>
+                            </m:r>
+                            <m:r>
+                              <a:rPr lang="en-SG" i="1">
+                                <a:latin typeface="Cambria Math" panose="02040503050406030204" pitchFamily="18" charset="0"/>
+                                <a:ea typeface="Cambria Math" panose="02040503050406030204" pitchFamily="18" charset="0"/>
+                              </a:rPr>
+                              <m:t>+</m:t>
+                            </m:r>
+                            <m:r>
+                              <a:rPr lang="en-SG" i="1">
+                                <a:latin typeface="Cambria Math" panose="02040503050406030204" pitchFamily="18" charset="0"/>
+                                <a:ea typeface="Cambria Math" panose="02040503050406030204" pitchFamily="18" charset="0"/>
+                              </a:rPr>
+                              <m:t>𝑘</m:t>
+                            </m:r>
+                          </m:sub>
+                        </m:sSub>
+                      </m:e>
+                    </m:d>
+                  </m:oMath>
+                </a14:m>
+                <a:endParaRPr lang="en-SG" dirty="0" smtClean="0"/>
+              </a:p>
+              <a:p>
                 <a:endParaRPr lang="en-SG" dirty="0" smtClean="0"/>
               </a:p>
               <a:p>
                 <a:pPr marL="0" indent="0">
                   <a:buNone/>
                 </a:pPr>
-                <a:r>
-                  <a:rPr lang="en-SG" dirty="0" smtClean="0"/>
-                  <a:t> </a:t>
-                </a:r>
                 <a:endParaRPr lang="en-SG" dirty="0"/>
               </a:p>
             </p:txBody>
@@ -12402,10 +13356,14 @@
               </p:nvPr>
             </p:nvSpPr>
             <p:spPr>
+              <a:xfrm>
+                <a:off x="838200" y="1825624"/>
+                <a:ext cx="10991850" cy="4193039"/>
+              </a:xfrm>
               <a:blipFill>
-                <a:blip r:embed="rId3"/>
+                <a:blip r:embed="rId2"/>
                 <a:stretch>
-                  <a:fillRect l="-1217" t="-2241"/>
+                  <a:fillRect l="-887" t="-2180" r="-832"/>
                 </a:stretch>
               </a:blipFill>
             </p:spPr>
@@ -12424,120 +13382,6 @@
           </p:sp>
         </mc:Fallback>
       </mc:AlternateContent>
-      <p:graphicFrame>
-        <p:nvGraphicFramePr>
-          <p:cNvPr id="7" name="对象 6"/>
-          <p:cNvGraphicFramePr>
-            <a:graphicFrameLocks noChangeAspect="1"/>
-          </p:cNvGraphicFramePr>
-          <p:nvPr>
-            <p:extLst>
-              <p:ext uri="{D42A27DB-BD31-4B8C-83A1-F6EECF244321}">
-                <p14:modId xmlns:p14="http://schemas.microsoft.com/office/powerpoint/2010/main" val="450685544"/>
-              </p:ext>
-            </p:extLst>
-          </p:nvPr>
-        </p:nvGraphicFramePr>
-        <p:xfrm>
-          <a:off x="4703047" y="2851553"/>
-          <a:ext cx="2785905" cy="1311014"/>
-        </p:xfrm>
-        <a:graphic>
-          <a:graphicData uri="http://schemas.openxmlformats.org/presentationml/2006/ole">
-            <mc:AlternateContent xmlns:mc="http://schemas.openxmlformats.org/markup-compatibility/2006">
-              <mc:Choice xmlns:v="urn:schemas-microsoft-com:vml" Requires="v">
-                <p:oleObj spid="_x0000_s22550" name="Equation" r:id="rId4" imgW="1511280" imgH="711000" progId="Equation.DSMT4">
-                  <p:embed/>
-                </p:oleObj>
-              </mc:Choice>
-              <mc:Fallback>
-                <p:oleObj name="Equation" r:id="rId4" imgW="1511280" imgH="711000" progId="Equation.DSMT4">
-                  <p:embed/>
-                  <p:pic>
-                    <p:nvPicPr>
-                      <p:cNvPr id="0" name=""/>
-                      <p:cNvPicPr/>
-                      <p:nvPr/>
-                    </p:nvPicPr>
-                    <p:blipFill>
-                      <a:blip r:embed="rId5"/>
-                      <a:stretch>
-                        <a:fillRect/>
-                      </a:stretch>
-                    </p:blipFill>
-                    <p:spPr>
-                      <a:xfrm>
-                        <a:off x="4703047" y="2851553"/>
-                        <a:ext cx="2785905" cy="1311014"/>
-                      </a:xfrm>
-                      <a:prstGeom prst="rect">
-                        <a:avLst/>
-                      </a:prstGeom>
-                    </p:spPr>
-                  </p:pic>
-                </p:oleObj>
-              </mc:Fallback>
-            </mc:AlternateContent>
-          </a:graphicData>
-        </a:graphic>
-      </p:graphicFrame>
-      <p:graphicFrame>
-        <p:nvGraphicFramePr>
-          <p:cNvPr id="8" name="对象 7"/>
-          <p:cNvGraphicFramePr>
-            <a:graphicFrameLocks noChangeAspect="1"/>
-          </p:cNvGraphicFramePr>
-          <p:nvPr>
-            <p:extLst>
-              <p:ext uri="{D42A27DB-BD31-4B8C-83A1-F6EECF244321}">
-                <p14:modId xmlns:p14="http://schemas.microsoft.com/office/powerpoint/2010/main" val="3193879606"/>
-              </p:ext>
-            </p:extLst>
-          </p:nvPr>
-        </p:nvGraphicFramePr>
-        <p:xfrm>
-          <a:off x="5072063" y="4968875"/>
-          <a:ext cx="2047875" cy="852488"/>
-        </p:xfrm>
-        <a:graphic>
-          <a:graphicData uri="http://schemas.openxmlformats.org/presentationml/2006/ole">
-            <mc:AlternateContent xmlns:mc="http://schemas.openxmlformats.org/markup-compatibility/2006">
-              <mc:Choice xmlns:v="urn:schemas-microsoft-com:vml" Requires="v">
-                <p:oleObj spid="_x0000_s22551" name="Equation" r:id="rId6" imgW="977760" imgH="406080" progId="Equation.DSMT4">
-                  <p:embed/>
-                </p:oleObj>
-              </mc:Choice>
-              <mc:Fallback>
-                <p:oleObj name="Equation" r:id="rId6" imgW="977760" imgH="406080" progId="Equation.DSMT4">
-                  <p:embed/>
-                  <p:pic>
-                    <p:nvPicPr>
-                      <p:cNvPr id="0" name=""/>
-                      <p:cNvPicPr/>
-                      <p:nvPr/>
-                    </p:nvPicPr>
-                    <p:blipFill>
-                      <a:blip r:embed="rId7"/>
-                      <a:stretch>
-                        <a:fillRect/>
-                      </a:stretch>
-                    </p:blipFill>
-                    <p:spPr>
-                      <a:xfrm>
-                        <a:off x="5072063" y="4968875"/>
-                        <a:ext cx="2047875" cy="852488"/>
-                      </a:xfrm>
-                      <a:prstGeom prst="rect">
-                        <a:avLst/>
-                      </a:prstGeom>
-                    </p:spPr>
-                  </p:pic>
-                </p:oleObj>
-              </mc:Fallback>
-            </mc:AlternateContent>
-          </a:graphicData>
-        </a:graphic>
-      </p:graphicFrame>
     </p:spTree>
     <p:extLst>
       <p:ext uri="{BB962C8B-B14F-4D97-AF65-F5344CB8AC3E}">
@@ -12558,140 +13402,6 @@
 </p:sld>
 </file>
 
-<file path=ppt/slides/slide47.xml><?xml version="1.0" encoding="utf-8"?>
-<p:sld xmlns:a="http://schemas.openxmlformats.org/drawingml/2006/main" xmlns:r="http://schemas.openxmlformats.org/officeDocument/2006/relationships" xmlns:p="http://schemas.openxmlformats.org/presentationml/2006/main">
-  <p:cSld>
-    <p:spTree>
-      <p:nvGrpSpPr>
-        <p:cNvPr id="1" name=""/>
-        <p:cNvGrpSpPr/>
-        <p:nvPr/>
-      </p:nvGrpSpPr>
-      <p:grpSpPr>
-        <a:xfrm>
-          <a:off x="0" y="0"/>
-          <a:ext cx="0" cy="0"/>
-          <a:chOff x="0" y="0"/>
-          <a:chExt cx="0" cy="0"/>
-        </a:xfrm>
-      </p:grpSpPr>
-      <p:sp>
-        <p:nvSpPr>
-          <p:cNvPr id="2" name="标题 1"/>
-          <p:cNvSpPr>
-            <a:spLocks noGrp="1"/>
-          </p:cNvSpPr>
-          <p:nvPr>
-            <p:ph type="title"/>
-          </p:nvPr>
-        </p:nvSpPr>
-        <p:spPr/>
-        <p:txBody>
-          <a:bodyPr/>
-          <a:lstStyle/>
-          <a:p>
-            <a:r>
-              <a:rPr lang="en-SG" dirty="0"/>
-              <a:t>Geometry of curve – B-spline curves</a:t>
-            </a:r>
-          </a:p>
-        </p:txBody>
-      </p:sp>
-      <p:sp>
-        <p:nvSpPr>
-          <p:cNvPr id="3" name="内容占位符 2"/>
-          <p:cNvSpPr>
-            <a:spLocks noGrp="1"/>
-          </p:cNvSpPr>
-          <p:nvPr>
-            <p:ph idx="1"/>
-          </p:nvPr>
-        </p:nvSpPr>
-        <p:spPr/>
-        <p:txBody>
-          <a:bodyPr/>
-          <a:lstStyle/>
-          <a:p>
-            <a:r>
-              <a:rPr lang="en-SG" dirty="0" smtClean="0"/>
-              <a:t>For k=4, the above equation becomes</a:t>
-            </a:r>
-          </a:p>
-          <a:p>
-            <a:endParaRPr lang="en-SG" dirty="0"/>
-          </a:p>
-        </p:txBody>
-      </p:sp>
-      <p:graphicFrame>
-        <p:nvGraphicFramePr>
-          <p:cNvPr id="4" name="对象 3"/>
-          <p:cNvGraphicFramePr>
-            <a:graphicFrameLocks noChangeAspect="1"/>
-          </p:cNvGraphicFramePr>
-          <p:nvPr>
-            <p:extLst>
-              <p:ext uri="{D42A27DB-BD31-4B8C-83A1-F6EECF244321}">
-                <p14:modId xmlns:p14="http://schemas.microsoft.com/office/powerpoint/2010/main" val="4196421725"/>
-              </p:ext>
-            </p:extLst>
-          </p:nvPr>
-        </p:nvGraphicFramePr>
-        <p:xfrm>
-          <a:off x="2716213" y="2411413"/>
-          <a:ext cx="6226175" cy="3111500"/>
-        </p:xfrm>
-        <a:graphic>
-          <a:graphicData uri="http://schemas.openxmlformats.org/presentationml/2006/ole">
-            <mc:AlternateContent xmlns:mc="http://schemas.openxmlformats.org/markup-compatibility/2006">
-              <mc:Choice xmlns:v="urn:schemas-microsoft-com:vml" Requires="v">
-                <p:oleObj spid="_x0000_s21535" name="Equation" r:id="rId3" imgW="3301920" imgH="1650960" progId="Equation.DSMT4">
-                  <p:embed/>
-                </p:oleObj>
-              </mc:Choice>
-              <mc:Fallback>
-                <p:oleObj name="Equation" r:id="rId3" imgW="3301920" imgH="1650960" progId="Equation.DSMT4">
-                  <p:embed/>
-                  <p:pic>
-                    <p:nvPicPr>
-                      <p:cNvPr id="0" name=""/>
-                      <p:cNvPicPr/>
-                      <p:nvPr/>
-                    </p:nvPicPr>
-                    <p:blipFill>
-                      <a:blip r:embed="rId4"/>
-                      <a:stretch>
-                        <a:fillRect/>
-                      </a:stretch>
-                    </p:blipFill>
-                    <p:spPr>
-                      <a:xfrm>
-                        <a:off x="2716213" y="2411413"/>
-                        <a:ext cx="6226175" cy="3111500"/>
-                      </a:xfrm>
-                      <a:prstGeom prst="rect">
-                        <a:avLst/>
-                      </a:prstGeom>
-                    </p:spPr>
-                  </p:pic>
-                </p:oleObj>
-              </mc:Fallback>
-            </mc:AlternateContent>
-          </a:graphicData>
-        </a:graphic>
-      </p:graphicFrame>
-    </p:spTree>
-    <p:extLst>
-      <p:ext uri="{BB962C8B-B14F-4D97-AF65-F5344CB8AC3E}">
-        <p14:creationId xmlns:p14="http://schemas.microsoft.com/office/powerpoint/2010/main" val="4285018086"/>
-      </p:ext>
-    </p:extLst>
-  </p:cSld>
-  <p:clrMapOvr>
-    <a:masterClrMapping/>
-  </p:clrMapOvr>
-</p:sld>
-</file>
-
 <file path=ppt/slides/slide48.xml><?xml version="1.0" encoding="utf-8"?>
 <p:sld xmlns:a="http://schemas.openxmlformats.org/drawingml/2006/main" xmlns:r="http://schemas.openxmlformats.org/officeDocument/2006/relationships" xmlns:p="http://schemas.openxmlformats.org/presentationml/2006/main">
   <p:cSld>
@@ -12721,42 +13431,194 @@
         </p:nvSpPr>
         <p:spPr/>
         <p:txBody>
-          <a:bodyPr>
-            <a:normAutofit/>
-          </a:bodyPr>
-          <a:lstStyle/>
-          <a:p>
-            <a:r>
-              <a:rPr lang="en-SG" dirty="0"/>
-              <a:t>Geometry of curve – NURBS</a:t>
-            </a:r>
+          <a:bodyPr/>
+          <a:lstStyle/>
+          <a:p>
+            <a:r>
+              <a:rPr lang="en-SG" dirty="0"/>
+              <a:t>Geometry of curve – B-spline curves</a:t>
+            </a:r>
+          </a:p>
+        </p:txBody>
+      </p:sp>
+      <p:sp>
+        <p:nvSpPr>
+          <p:cNvPr id="3" name="内容占位符 2"/>
+          <p:cNvSpPr>
+            <a:spLocks noGrp="1"/>
+          </p:cNvSpPr>
+          <p:nvPr>
+            <p:ph idx="1"/>
+          </p:nvPr>
+        </p:nvSpPr>
+        <p:spPr/>
+        <p:txBody>
+          <a:bodyPr/>
+          <a:lstStyle/>
+          <a:p>
+            <a:r>
+              <a:rPr lang="en-SG" dirty="0" smtClean="0"/>
+              <a:t>For example, given n=3,k=2, an evenly </a:t>
+            </a:r>
+            <a:r>
+              <a:rPr lang="en-SG" b="1" dirty="0" smtClean="0"/>
+              <a:t>T</a:t>
+            </a:r>
+            <a:r>
+              <a:rPr lang="en-SG" dirty="0" smtClean="0"/>
+              <a:t>=(0,0.2,0.4,0.6,0.8,1) , we have</a:t>
+            </a:r>
+          </a:p>
+          <a:p>
+            <a:endParaRPr lang="en-SG" dirty="0" smtClean="0"/>
+          </a:p>
+          <a:p>
             <a:endParaRPr lang="en-SG" dirty="0"/>
           </a:p>
         </p:txBody>
       </p:sp>
-      <p:sp>
-        <p:nvSpPr>
-          <p:cNvPr id="3" name="内容占位符 2"/>
-          <p:cNvSpPr>
-            <a:spLocks noGrp="1"/>
-          </p:cNvSpPr>
-          <p:nvPr>
-            <p:ph idx="1"/>
-          </p:nvPr>
-        </p:nvSpPr>
-        <p:spPr/>
-        <p:txBody>
-          <a:bodyPr/>
-          <a:lstStyle/>
-          <a:p>
-            <a:endParaRPr lang="en-SG"/>
-          </a:p>
-        </p:txBody>
-      </p:sp>
+      <p:graphicFrame>
+        <p:nvGraphicFramePr>
+          <p:cNvPr id="4" name="对象 3"/>
+          <p:cNvGraphicFramePr>
+            <a:graphicFrameLocks noChangeAspect="1"/>
+          </p:cNvGraphicFramePr>
+          <p:nvPr>
+            <p:extLst>
+              <p:ext uri="{D42A27DB-BD31-4B8C-83A1-F6EECF244321}">
+                <p14:modId xmlns:p14="http://schemas.microsoft.com/office/powerpoint/2010/main" val="2251286050"/>
+              </p:ext>
+            </p:extLst>
+          </p:nvPr>
+        </p:nvGraphicFramePr>
+        <p:xfrm>
+          <a:off x="1033836" y="5697321"/>
+          <a:ext cx="4108450" cy="469900"/>
+        </p:xfrm>
+        <a:graphic>
+          <a:graphicData uri="http://schemas.openxmlformats.org/presentationml/2006/ole">
+            <mc:AlternateContent xmlns:mc="http://schemas.openxmlformats.org/markup-compatibility/2006">
+              <mc:Choice xmlns:v="urn:schemas-microsoft-com:vml" Requires="v">
+                <p:oleObj spid="_x0000_s23593" name="Equation" r:id="rId3" imgW="2108160" imgH="241200" progId="Equation.DSMT4">
+                  <p:embed/>
+                </p:oleObj>
+              </mc:Choice>
+              <mc:Fallback>
+                <p:oleObj name="Equation" r:id="rId3" imgW="2108160" imgH="241200" progId="Equation.DSMT4">
+                  <p:embed/>
+                  <p:pic>
+                    <p:nvPicPr>
+                      <p:cNvPr id="0" name=""/>
+                      <p:cNvPicPr/>
+                      <p:nvPr/>
+                    </p:nvPicPr>
+                    <p:blipFill>
+                      <a:blip r:embed="rId4"/>
+                      <a:stretch>
+                        <a:fillRect/>
+                      </a:stretch>
+                    </p:blipFill>
+                    <p:spPr>
+                      <a:xfrm>
+                        <a:off x="1033836" y="5697321"/>
+                        <a:ext cx="4108450" cy="469900"/>
+                      </a:xfrm>
+                      <a:prstGeom prst="rect">
+                        <a:avLst/>
+                      </a:prstGeom>
+                    </p:spPr>
+                  </p:pic>
+                </p:oleObj>
+              </mc:Fallback>
+            </mc:AlternateContent>
+          </a:graphicData>
+        </a:graphic>
+      </p:graphicFrame>
+      <p:graphicFrame>
+        <p:nvGraphicFramePr>
+          <p:cNvPr id="5" name="对象 4"/>
+          <p:cNvGraphicFramePr>
+            <a:graphicFrameLocks noChangeAspect="1"/>
+          </p:cNvGraphicFramePr>
+          <p:nvPr>
+            <p:extLst>
+              <p:ext uri="{D42A27DB-BD31-4B8C-83A1-F6EECF244321}">
+                <p14:modId xmlns:p14="http://schemas.microsoft.com/office/powerpoint/2010/main" val="3607574780"/>
+              </p:ext>
+            </p:extLst>
+          </p:nvPr>
+        </p:nvGraphicFramePr>
+        <p:xfrm>
+          <a:off x="838200" y="2709182"/>
+          <a:ext cx="4499723" cy="2679247"/>
+        </p:xfrm>
+        <a:graphic>
+          <a:graphicData uri="http://schemas.openxmlformats.org/presentationml/2006/ole">
+            <mc:AlternateContent xmlns:mc="http://schemas.openxmlformats.org/markup-compatibility/2006">
+              <mc:Choice xmlns:v="urn:schemas-microsoft-com:vml" Requires="v">
+                <p:oleObj spid="_x0000_s23594" name="Equation" r:id="rId5" imgW="3200400" imgH="1904760" progId="Equation.DSMT4">
+                  <p:embed/>
+                </p:oleObj>
+              </mc:Choice>
+              <mc:Fallback>
+                <p:oleObj name="Equation" r:id="rId5" imgW="3200400" imgH="1904760" progId="Equation.DSMT4">
+                  <p:embed/>
+                  <p:pic>
+                    <p:nvPicPr>
+                      <p:cNvPr id="0" name=""/>
+                      <p:cNvPicPr/>
+                      <p:nvPr/>
+                    </p:nvPicPr>
+                    <p:blipFill>
+                      <a:blip r:embed="rId6"/>
+                      <a:stretch>
+                        <a:fillRect/>
+                      </a:stretch>
+                    </p:blipFill>
+                    <p:spPr>
+                      <a:xfrm>
+                        <a:off x="838200" y="2709182"/>
+                        <a:ext cx="4499723" cy="2679247"/>
+                      </a:xfrm>
+                      <a:prstGeom prst="rect">
+                        <a:avLst/>
+                      </a:prstGeom>
+                    </p:spPr>
+                  </p:pic>
+                </p:oleObj>
+              </mc:Fallback>
+            </mc:AlternateContent>
+          </a:graphicData>
+        </a:graphic>
+      </p:graphicFrame>
+      <p:pic>
+        <p:nvPicPr>
+          <p:cNvPr id="7" name="图片 6"/>
+          <p:cNvPicPr>
+            <a:picLocks noChangeAspect="1"/>
+          </p:cNvPicPr>
+          <p:nvPr/>
+        </p:nvPicPr>
+        <p:blipFill>
+          <a:blip r:embed="rId7"/>
+          <a:stretch>
+            <a:fillRect/>
+          </a:stretch>
+        </p:blipFill>
+        <p:spPr>
+          <a:xfrm>
+            <a:off x="4738609" y="2451416"/>
+            <a:ext cx="7164922" cy="3387428"/>
+          </a:xfrm>
+          <a:prstGeom prst="rect">
+            <a:avLst/>
+          </a:prstGeom>
+        </p:spPr>
+      </p:pic>
     </p:spTree>
     <p:extLst>
       <p:ext uri="{BB962C8B-B14F-4D97-AF65-F5344CB8AC3E}">
-        <p14:creationId xmlns:p14="http://schemas.microsoft.com/office/powerpoint/2010/main" val="1795151959"/>
+        <p14:creationId xmlns:p14="http://schemas.microsoft.com/office/powerpoint/2010/main" val="2638931230"/>
       </p:ext>
     </p:extLst>
   </p:cSld>
@@ -12795,51 +13657,71 @@
         </p:nvSpPr>
         <p:spPr/>
         <p:txBody>
+          <a:bodyPr>
+            <a:normAutofit/>
+          </a:bodyPr>
+          <a:lstStyle/>
+          <a:p>
+            <a:r>
+              <a:rPr lang="en-SG" dirty="0"/>
+              <a:t>Geometry of curve – NURBS</a:t>
+            </a:r>
+          </a:p>
+        </p:txBody>
+      </p:sp>
+      <p:sp>
+        <p:nvSpPr>
+          <p:cNvPr id="3" name="内容占位符 2"/>
+          <p:cNvSpPr>
+            <a:spLocks noGrp="1"/>
+          </p:cNvSpPr>
+          <p:nvPr>
+            <p:ph idx="1"/>
+          </p:nvPr>
+        </p:nvSpPr>
+        <p:spPr/>
+        <p:txBody>
           <a:bodyPr/>
           <a:lstStyle/>
           <a:p>
             <a:r>
-              <a:rPr lang="en-SG" dirty="0" smtClean="0"/>
-              <a:t>Geometry of surface</a:t>
-            </a:r>
-            <a:endParaRPr lang="en-SG" dirty="0"/>
-          </a:p>
-        </p:txBody>
-      </p:sp>
-      <p:sp>
-        <p:nvSpPr>
-          <p:cNvPr id="3" name="内容占位符 2"/>
-          <p:cNvSpPr>
-            <a:spLocks noGrp="1"/>
-          </p:cNvSpPr>
-          <p:nvPr>
-            <p:ph idx="1"/>
-          </p:nvPr>
-        </p:nvSpPr>
-        <p:spPr/>
-        <p:txBody>
-          <a:bodyPr/>
-          <a:lstStyle/>
-          <a:p>
-            <a:r>
-              <a:rPr lang="en-SG" dirty="0" smtClean="0"/>
-              <a:t>Ruled surfaces</a:t>
-            </a:r>
-          </a:p>
-          <a:p>
-            <a:r>
-              <a:rPr lang="en-SG" dirty="0" smtClean="0"/>
-              <a:t>Other standard mathematical surfaces</a:t>
-            </a:r>
-          </a:p>
-          <a:p>
-            <a:r>
-              <a:rPr lang="en-SG" dirty="0" smtClean="0"/>
-              <a:t>Surface </a:t>
-            </a:r>
-            <a:r>
-              <a:rPr lang="en-SG" dirty="0" smtClean="0"/>
-              <a:t>modelling</a:t>
+              <a:rPr lang="en-US" dirty="0" smtClean="0"/>
+              <a:t>In practice, a knot vector always be normalized into [0,1] and the distance between any two knots is not evenly again, in addition, all </a:t>
+            </a:r>
+            <a:r>
+              <a:rPr lang="en-US" dirty="0" err="1" smtClean="0"/>
+              <a:t>Ws</a:t>
+            </a:r>
+            <a:r>
+              <a:rPr lang="en-US" dirty="0" smtClean="0"/>
+              <a:t> are rational polynomials. Under these conditions, we got NURBS. It is short </a:t>
+            </a:r>
+            <a:r>
+              <a:rPr lang="en-US" dirty="0"/>
+              <a:t>of Non-Uniform Rational </a:t>
+            </a:r>
+            <a:r>
+              <a:rPr lang="en-US" dirty="0" smtClean="0"/>
+              <a:t>Basic Spline.</a:t>
+            </a:r>
+            <a:endParaRPr lang="en-US" dirty="0" smtClean="0"/>
+          </a:p>
+          <a:p>
+            <a:r>
+              <a:rPr lang="en-US" dirty="0" smtClean="0"/>
+              <a:t>NURBS is </a:t>
+            </a:r>
+            <a:r>
+              <a:rPr lang="en-US" dirty="0" smtClean="0"/>
+              <a:t>actually an industry </a:t>
+            </a:r>
+            <a:r>
+              <a:rPr lang="en-US" smtClean="0"/>
+              <a:t>standard adopted </a:t>
+            </a:r>
+            <a:r>
+              <a:rPr lang="en-US" dirty="0" smtClean="0"/>
+              <a:t>by most of commercial CAD systems.</a:t>
             </a:r>
             <a:endParaRPr lang="en-SG" dirty="0"/>
           </a:p>
@@ -12848,7 +13730,7 @@
     </p:spTree>
     <p:extLst>
       <p:ext uri="{BB962C8B-B14F-4D97-AF65-F5344CB8AC3E}">
-        <p14:creationId xmlns:p14="http://schemas.microsoft.com/office/powerpoint/2010/main" val="995354629"/>
+        <p14:creationId xmlns:p14="http://schemas.microsoft.com/office/powerpoint/2010/main" val="1795151959"/>
       </p:ext>
     </p:extLst>
   </p:cSld>
@@ -12981,18 +13863,12 @@
         </p:nvSpPr>
         <p:spPr/>
         <p:txBody>
-          <a:bodyPr>
-            <a:normAutofit/>
-          </a:bodyPr>
-          <a:lstStyle/>
-          <a:p>
-            <a:r>
-              <a:rPr lang="en-SG" dirty="0"/>
-              <a:t>Ruled </a:t>
-            </a:r>
-            <a:r>
-              <a:rPr lang="en-SG" dirty="0" smtClean="0"/>
-              <a:t>surfaces</a:t>
+          <a:bodyPr/>
+          <a:lstStyle/>
+          <a:p>
+            <a:r>
+              <a:rPr lang="en-SG" dirty="0" smtClean="0"/>
+              <a:t>Geometry of surface</a:t>
             </a:r>
             <a:endParaRPr lang="en-SG" dirty="0"/>
           </a:p>
@@ -13013,14 +13889,30 @@
           <a:bodyPr/>
           <a:lstStyle/>
           <a:p>
-            <a:endParaRPr lang="en-SG"/>
+            <a:r>
+              <a:rPr lang="en-SG" dirty="0" smtClean="0"/>
+              <a:t>Ruled surfaces</a:t>
+            </a:r>
+          </a:p>
+          <a:p>
+            <a:r>
+              <a:rPr lang="en-SG" dirty="0" smtClean="0"/>
+              <a:t>Other standard mathematical surfaces</a:t>
+            </a:r>
+          </a:p>
+          <a:p>
+            <a:r>
+              <a:rPr lang="en-SG" dirty="0" smtClean="0"/>
+              <a:t>Surface modelling</a:t>
+            </a:r>
+            <a:endParaRPr lang="en-SG" dirty="0"/>
           </a:p>
         </p:txBody>
       </p:sp>
     </p:spTree>
     <p:extLst>
       <p:ext uri="{BB962C8B-B14F-4D97-AF65-F5344CB8AC3E}">
-        <p14:creationId xmlns:p14="http://schemas.microsoft.com/office/powerpoint/2010/main" val="4089471478"/>
+        <p14:creationId xmlns:p14="http://schemas.microsoft.com/office/powerpoint/2010/main" val="995354629"/>
       </p:ext>
     </p:extLst>
   </p:cSld>
@@ -13065,12 +13957,8 @@
           <a:lstStyle/>
           <a:p>
             <a:r>
-              <a:rPr lang="en-SG" dirty="0" smtClean="0"/>
-              <a:t>Other </a:t>
-            </a:r>
-            <a:r>
-              <a:rPr lang="en-SG" dirty="0"/>
-              <a:t>standard mathematical </a:t>
+              <a:rPr lang="en-SG" dirty="0"/>
+              <a:t>Ruled </a:t>
             </a:r>
             <a:r>
               <a:rPr lang="en-SG" dirty="0" smtClean="0"/>
@@ -13102,7 +13990,7 @@
     </p:spTree>
     <p:extLst>
       <p:ext uri="{BB962C8B-B14F-4D97-AF65-F5344CB8AC3E}">
-        <p14:creationId xmlns:p14="http://schemas.microsoft.com/office/powerpoint/2010/main" val="1677274216"/>
+        <p14:creationId xmlns:p14="http://schemas.microsoft.com/office/powerpoint/2010/main" val="4089471478"/>
       </p:ext>
     </p:extLst>
   </p:cSld>
@@ -13148,7 +14036,15 @@
           <a:p>
             <a:r>
               <a:rPr lang="en-SG" dirty="0" smtClean="0"/>
-              <a:t>Surface modelling</a:t>
+              <a:t>Other </a:t>
+            </a:r>
+            <a:r>
+              <a:rPr lang="en-SG" dirty="0"/>
+              <a:t>standard mathematical </a:t>
+            </a:r>
+            <a:r>
+              <a:rPr lang="en-SG" dirty="0" smtClean="0"/>
+              <a:t>surfaces</a:t>
             </a:r>
             <a:endParaRPr lang="en-SG" dirty="0"/>
           </a:p>
@@ -13176,7 +14072,7 @@
     </p:spTree>
     <p:extLst>
       <p:ext uri="{BB962C8B-B14F-4D97-AF65-F5344CB8AC3E}">
-        <p14:creationId xmlns:p14="http://schemas.microsoft.com/office/powerpoint/2010/main" val="3533909986"/>
+        <p14:creationId xmlns:p14="http://schemas.microsoft.com/office/powerpoint/2010/main" val="1677274216"/>
       </p:ext>
     </p:extLst>
   </p:cSld>
@@ -13215,12 +14111,14 @@
         </p:nvSpPr>
         <p:spPr/>
         <p:txBody>
-          <a:bodyPr/>
-          <a:lstStyle/>
-          <a:p>
-            <a:r>
-              <a:rPr lang="en-SG" dirty="0" smtClean="0"/>
-              <a:t>Boolean operations in CSG</a:t>
+          <a:bodyPr>
+            <a:normAutofit/>
+          </a:bodyPr>
+          <a:lstStyle/>
+          <a:p>
+            <a:r>
+              <a:rPr lang="en-SG" dirty="0" smtClean="0"/>
+              <a:t>Surface modelling</a:t>
             </a:r>
             <a:endParaRPr lang="en-SG" dirty="0"/>
           </a:p>
@@ -13228,12 +14126,12 @@
       </p:sp>
       <p:sp>
         <p:nvSpPr>
-          <p:cNvPr id="4" name="文本占位符 3"/>
-          <p:cNvSpPr>
-            <a:spLocks noGrp="1"/>
-          </p:cNvSpPr>
-          <p:nvPr>
-            <p:ph type="body" idx="1"/>
+          <p:cNvPr id="3" name="内容占位符 2"/>
+          <p:cNvSpPr>
+            <a:spLocks noGrp="1"/>
+          </p:cNvSpPr>
+          <p:nvPr>
+            <p:ph idx="1"/>
           </p:nvPr>
         </p:nvSpPr>
         <p:spPr/>
@@ -13248,7 +14146,7 @@
     </p:spTree>
     <p:extLst>
       <p:ext uri="{BB962C8B-B14F-4D97-AF65-F5344CB8AC3E}">
-        <p14:creationId xmlns:p14="http://schemas.microsoft.com/office/powerpoint/2010/main" val="1997754333"/>
+        <p14:creationId xmlns:p14="http://schemas.microsoft.com/office/powerpoint/2010/main" val="3533909986"/>
       </p:ext>
     </p:extLst>
   </p:cSld>
@@ -13291,6 +14189,78 @@
           <a:lstStyle/>
           <a:p>
             <a:r>
+              <a:rPr lang="en-SG" dirty="0" smtClean="0"/>
+              <a:t>Boolean operations in CSG</a:t>
+            </a:r>
+            <a:endParaRPr lang="en-SG" dirty="0"/>
+          </a:p>
+        </p:txBody>
+      </p:sp>
+      <p:sp>
+        <p:nvSpPr>
+          <p:cNvPr id="4" name="文本占位符 3"/>
+          <p:cNvSpPr>
+            <a:spLocks noGrp="1"/>
+          </p:cNvSpPr>
+          <p:nvPr>
+            <p:ph type="body" idx="1"/>
+          </p:nvPr>
+        </p:nvSpPr>
+        <p:spPr/>
+        <p:txBody>
+          <a:bodyPr/>
+          <a:lstStyle/>
+          <a:p>
+            <a:endParaRPr lang="en-SG"/>
+          </a:p>
+        </p:txBody>
+      </p:sp>
+    </p:spTree>
+    <p:extLst>
+      <p:ext uri="{BB962C8B-B14F-4D97-AF65-F5344CB8AC3E}">
+        <p14:creationId xmlns:p14="http://schemas.microsoft.com/office/powerpoint/2010/main" val="1997754333"/>
+      </p:ext>
+    </p:extLst>
+  </p:cSld>
+  <p:clrMapOvr>
+    <a:masterClrMapping/>
+  </p:clrMapOvr>
+</p:sld>
+</file>
+
+<file path=ppt/slides/slide55.xml><?xml version="1.0" encoding="utf-8"?>
+<p:sld xmlns:a="http://schemas.openxmlformats.org/drawingml/2006/main" xmlns:r="http://schemas.openxmlformats.org/officeDocument/2006/relationships" xmlns:p="http://schemas.openxmlformats.org/presentationml/2006/main">
+  <p:cSld>
+    <p:spTree>
+      <p:nvGrpSpPr>
+        <p:cNvPr id="1" name=""/>
+        <p:cNvGrpSpPr/>
+        <p:nvPr/>
+      </p:nvGrpSpPr>
+      <p:grpSpPr>
+        <a:xfrm>
+          <a:off x="0" y="0"/>
+          <a:ext cx="0" cy="0"/>
+          <a:chOff x="0" y="0"/>
+          <a:chExt cx="0" cy="0"/>
+        </a:xfrm>
+      </p:grpSpPr>
+      <p:sp>
+        <p:nvSpPr>
+          <p:cNvPr id="2" name="标题 1"/>
+          <p:cNvSpPr>
+            <a:spLocks noGrp="1"/>
+          </p:cNvSpPr>
+          <p:nvPr>
+            <p:ph type="title"/>
+          </p:nvPr>
+        </p:nvSpPr>
+        <p:spPr/>
+        <p:txBody>
+          <a:bodyPr/>
+          <a:lstStyle/>
+          <a:p>
+            <a:r>
               <a:rPr lang="en-SG" dirty="0"/>
               <a:t>Constructive solid </a:t>
             </a:r>
@@ -13440,7 +14410,7 @@
 </p:sld>
 </file>
 
-<file path=ppt/slides/slide55.xml><?xml version="1.0" encoding="utf-8"?>
+<file path=ppt/slides/slide56.xml><?xml version="1.0" encoding="utf-8"?>
 <p:sld xmlns:a="http://schemas.openxmlformats.org/drawingml/2006/main" xmlns:r="http://schemas.openxmlformats.org/officeDocument/2006/relationships" xmlns:p="http://schemas.openxmlformats.org/presentationml/2006/main">
   <p:cSld>
     <p:spTree>
@@ -13598,7 +14568,7 @@
           <a:graphicData uri="http://schemas.openxmlformats.org/presentationml/2006/ole">
             <mc:AlternateContent xmlns:mc="http://schemas.openxmlformats.org/markup-compatibility/2006">
               <mc:Choice xmlns:v="urn:schemas-microsoft-com:vml" Requires="v">
-                <p:oleObj spid="_x0000_s8659" name="Equation" r:id="rId6" imgW="419040" imgH="164880" progId="Equation.DSMT4">
+                <p:oleObj spid="_x0000_s8815" name="Equation" r:id="rId6" imgW="419040" imgH="164880" progId="Equation.DSMT4">
                   <p:embed/>
                 </p:oleObj>
               </mc:Choice>
@@ -13655,7 +14625,7 @@
           <a:graphicData uri="http://schemas.openxmlformats.org/presentationml/2006/ole">
             <mc:AlternateContent xmlns:mc="http://schemas.openxmlformats.org/markup-compatibility/2006">
               <mc:Choice xmlns:v="urn:schemas-microsoft-com:vml" Requires="v">
-                <p:oleObj spid="_x0000_s8660" name="Equation" r:id="rId8" imgW="380880" imgH="406080" progId="Equation.DSMT4">
+                <p:oleObj spid="_x0000_s8816" name="Equation" r:id="rId8" imgW="380880" imgH="406080" progId="Equation.DSMT4">
                   <p:embed/>
                 </p:oleObj>
               </mc:Choice>
@@ -13708,7 +14678,7 @@
           <a:graphicData uri="http://schemas.openxmlformats.org/presentationml/2006/ole">
             <mc:AlternateContent xmlns:mc="http://schemas.openxmlformats.org/markup-compatibility/2006">
               <mc:Choice xmlns:v="urn:schemas-microsoft-com:vml" Requires="v">
-                <p:oleObj spid="_x0000_s8661" name="Equation" r:id="rId10" imgW="419040" imgH="164880" progId="Equation.DSMT4">
+                <p:oleObj spid="_x0000_s8817" name="Equation" r:id="rId10" imgW="419040" imgH="164880" progId="Equation.DSMT4">
                   <p:embed/>
                 </p:oleObj>
               </mc:Choice>
@@ -13756,7 +14726,7 @@
 </p:sld>
 </file>
 
-<file path=ppt/slides/slide56.xml><?xml version="1.0" encoding="utf-8"?>
+<file path=ppt/slides/slide57.xml><?xml version="1.0" encoding="utf-8"?>
 <p:sld xmlns:a="http://schemas.openxmlformats.org/drawingml/2006/main" xmlns:r="http://schemas.openxmlformats.org/officeDocument/2006/relationships" xmlns:p="http://schemas.openxmlformats.org/presentationml/2006/main">
   <p:cSld>
     <p:spTree>
@@ -13894,7 +14864,7 @@
 </p:sld>
 </file>
 
-<file path=ppt/slides/slide57.xml><?xml version="1.0" encoding="utf-8"?>
+<file path=ppt/slides/slide58.xml><?xml version="1.0" encoding="utf-8"?>
 <p:sld xmlns:a="http://schemas.openxmlformats.org/drawingml/2006/main" xmlns:r="http://schemas.openxmlformats.org/officeDocument/2006/relationships" xmlns:p="http://schemas.openxmlformats.org/presentationml/2006/main">
   <p:cSld>
     <p:spTree>
@@ -14001,7 +14971,7 @@
 </p:sld>
 </file>
 
-<file path=ppt/slides/slide58.xml><?xml version="1.0" encoding="utf-8"?>
+<file path=ppt/slides/slide59.xml><?xml version="1.0" encoding="utf-8"?>
 <p:sld xmlns:a="http://schemas.openxmlformats.org/drawingml/2006/main" xmlns:r="http://schemas.openxmlformats.org/officeDocument/2006/relationships" xmlns:p="http://schemas.openxmlformats.org/presentationml/2006/main">
   <p:cSld>
     <p:spTree>
@@ -14073,7 +15043,79 @@
 </p:sld>
 </file>
 
-<file path=ppt/slides/slide59.xml><?xml version="1.0" encoding="utf-8"?>
+<file path=ppt/slides/slide6.xml><?xml version="1.0" encoding="utf-8"?>
+<p:sld xmlns:a="http://schemas.openxmlformats.org/drawingml/2006/main" xmlns:r="http://schemas.openxmlformats.org/officeDocument/2006/relationships" xmlns:p="http://schemas.openxmlformats.org/presentationml/2006/main">
+  <p:cSld>
+    <p:spTree>
+      <p:nvGrpSpPr>
+        <p:cNvPr id="1" name=""/>
+        <p:cNvGrpSpPr/>
+        <p:nvPr/>
+      </p:nvGrpSpPr>
+      <p:grpSpPr>
+        <a:xfrm>
+          <a:off x="0" y="0"/>
+          <a:ext cx="0" cy="0"/>
+          <a:chOff x="0" y="0"/>
+          <a:chExt cx="0" cy="0"/>
+        </a:xfrm>
+      </p:grpSpPr>
+      <p:sp>
+        <p:nvSpPr>
+          <p:cNvPr id="2" name="标题 1"/>
+          <p:cNvSpPr>
+            <a:spLocks noGrp="1"/>
+          </p:cNvSpPr>
+          <p:nvPr>
+            <p:ph type="title"/>
+          </p:nvPr>
+        </p:nvSpPr>
+        <p:spPr/>
+        <p:txBody>
+          <a:bodyPr/>
+          <a:lstStyle/>
+          <a:p>
+            <a:r>
+              <a:rPr lang="en-SG" dirty="0" smtClean="0"/>
+              <a:t>Coordinate system</a:t>
+            </a:r>
+            <a:endParaRPr lang="en-SG" dirty="0"/>
+          </a:p>
+        </p:txBody>
+      </p:sp>
+      <p:sp>
+        <p:nvSpPr>
+          <p:cNvPr id="4" name="文本占位符 3"/>
+          <p:cNvSpPr>
+            <a:spLocks noGrp="1"/>
+          </p:cNvSpPr>
+          <p:nvPr>
+            <p:ph type="body" idx="1"/>
+          </p:nvPr>
+        </p:nvSpPr>
+        <p:spPr/>
+        <p:txBody>
+          <a:bodyPr/>
+          <a:lstStyle/>
+          <a:p>
+            <a:endParaRPr lang="en-SG"/>
+          </a:p>
+        </p:txBody>
+      </p:sp>
+    </p:spTree>
+    <p:extLst>
+      <p:ext uri="{BB962C8B-B14F-4D97-AF65-F5344CB8AC3E}">
+        <p14:creationId xmlns:p14="http://schemas.microsoft.com/office/powerpoint/2010/main" val="606350518"/>
+      </p:ext>
+    </p:extLst>
+  </p:cSld>
+  <p:clrMapOvr>
+    <a:masterClrMapping/>
+  </p:clrMapOvr>
+</p:sld>
+</file>
+
+<file path=ppt/slides/slide60.xml><?xml version="1.0" encoding="utf-8"?>
 <p:sld xmlns:a="http://schemas.openxmlformats.org/drawingml/2006/main" xmlns:r="http://schemas.openxmlformats.org/officeDocument/2006/relationships" xmlns:p="http://schemas.openxmlformats.org/presentationml/2006/main">
   <p:cSld>
     <p:spTree>
@@ -14181,79 +15223,7 @@
 </p:sld>
 </file>
 
-<file path=ppt/slides/slide6.xml><?xml version="1.0" encoding="utf-8"?>
-<p:sld xmlns:a="http://schemas.openxmlformats.org/drawingml/2006/main" xmlns:r="http://schemas.openxmlformats.org/officeDocument/2006/relationships" xmlns:p="http://schemas.openxmlformats.org/presentationml/2006/main">
-  <p:cSld>
-    <p:spTree>
-      <p:nvGrpSpPr>
-        <p:cNvPr id="1" name=""/>
-        <p:cNvGrpSpPr/>
-        <p:nvPr/>
-      </p:nvGrpSpPr>
-      <p:grpSpPr>
-        <a:xfrm>
-          <a:off x="0" y="0"/>
-          <a:ext cx="0" cy="0"/>
-          <a:chOff x="0" y="0"/>
-          <a:chExt cx="0" cy="0"/>
-        </a:xfrm>
-      </p:grpSpPr>
-      <p:sp>
-        <p:nvSpPr>
-          <p:cNvPr id="2" name="标题 1"/>
-          <p:cNvSpPr>
-            <a:spLocks noGrp="1"/>
-          </p:cNvSpPr>
-          <p:nvPr>
-            <p:ph type="title"/>
-          </p:nvPr>
-        </p:nvSpPr>
-        <p:spPr/>
-        <p:txBody>
-          <a:bodyPr/>
-          <a:lstStyle/>
-          <a:p>
-            <a:r>
-              <a:rPr lang="en-SG" dirty="0" smtClean="0"/>
-              <a:t>Coordinate system</a:t>
-            </a:r>
-            <a:endParaRPr lang="en-SG" dirty="0"/>
-          </a:p>
-        </p:txBody>
-      </p:sp>
-      <p:sp>
-        <p:nvSpPr>
-          <p:cNvPr id="4" name="文本占位符 3"/>
-          <p:cNvSpPr>
-            <a:spLocks noGrp="1"/>
-          </p:cNvSpPr>
-          <p:nvPr>
-            <p:ph type="body" idx="1"/>
-          </p:nvPr>
-        </p:nvSpPr>
-        <p:spPr/>
-        <p:txBody>
-          <a:bodyPr/>
-          <a:lstStyle/>
-          <a:p>
-            <a:endParaRPr lang="en-SG"/>
-          </a:p>
-        </p:txBody>
-      </p:sp>
-    </p:spTree>
-    <p:extLst>
-      <p:ext uri="{BB962C8B-B14F-4D97-AF65-F5344CB8AC3E}">
-        <p14:creationId xmlns:p14="http://schemas.microsoft.com/office/powerpoint/2010/main" val="606350518"/>
-      </p:ext>
-    </p:extLst>
-  </p:cSld>
-  <p:clrMapOvr>
-    <a:masterClrMapping/>
-  </p:clrMapOvr>
-</p:sld>
-</file>
-
-<file path=ppt/slides/slide60.xml><?xml version="1.0" encoding="utf-8"?>
+<file path=ppt/slides/slide61.xml><?xml version="1.0" encoding="utf-8"?>
 <p:sld xmlns:a="http://schemas.openxmlformats.org/drawingml/2006/main" xmlns:r="http://schemas.openxmlformats.org/officeDocument/2006/relationships" xmlns:p="http://schemas.openxmlformats.org/presentationml/2006/main">
   <p:cSld>
     <p:spTree>
@@ -14307,7 +15277,7 @@
 </p:sld>
 </file>
 
-<file path=ppt/slides/slide61.xml><?xml version="1.0" encoding="utf-8"?>
+<file path=ppt/slides/slide62.xml><?xml version="1.0" encoding="utf-8"?>
 <p:sld xmlns:a="http://schemas.openxmlformats.org/drawingml/2006/main" xmlns:r="http://schemas.openxmlformats.org/officeDocument/2006/relationships" xmlns:p="http://schemas.openxmlformats.org/presentationml/2006/main">
   <p:cSld>
     <p:spTree>
@@ -14415,7 +15385,7 @@
 </p:sld>
 </file>
 
-<file path=ppt/slides/slide62.xml><?xml version="1.0" encoding="utf-8"?>
+<file path=ppt/slides/slide63.xml><?xml version="1.0" encoding="utf-8"?>
 <p:sld xmlns:a="http://schemas.openxmlformats.org/drawingml/2006/main" xmlns:r="http://schemas.openxmlformats.org/officeDocument/2006/relationships" xmlns:p="http://schemas.openxmlformats.org/presentationml/2006/main">
   <p:cSld>
     <p:spTree>
@@ -14551,132 +15521,6 @@
 </p:sld>
 </file>
 
-<file path=ppt/slides/slide63.xml><?xml version="1.0" encoding="utf-8"?>
-<p:sld xmlns:a="http://schemas.openxmlformats.org/drawingml/2006/main" xmlns:r="http://schemas.openxmlformats.org/officeDocument/2006/relationships" xmlns:p="http://schemas.openxmlformats.org/presentationml/2006/main">
-  <p:cSld>
-    <p:spTree>
-      <p:nvGrpSpPr>
-        <p:cNvPr id="1" name=""/>
-        <p:cNvGrpSpPr/>
-        <p:nvPr/>
-      </p:nvGrpSpPr>
-      <p:grpSpPr>
-        <a:xfrm>
-          <a:off x="0" y="0"/>
-          <a:ext cx="0" cy="0"/>
-          <a:chOff x="0" y="0"/>
-          <a:chExt cx="0" cy="0"/>
-        </a:xfrm>
-      </p:grpSpPr>
-      <p:sp>
-        <p:nvSpPr>
-          <p:cNvPr id="2" name="标题 1"/>
-          <p:cNvSpPr>
-            <a:spLocks noGrp="1"/>
-          </p:cNvSpPr>
-          <p:nvPr>
-            <p:ph type="title"/>
-          </p:nvPr>
-        </p:nvSpPr>
-        <p:spPr/>
-        <p:txBody>
-          <a:bodyPr/>
-          <a:lstStyle/>
-          <a:p>
-            <a:r>
-              <a:rPr lang="en-SG" dirty="0"/>
-              <a:t>Sketch method</a:t>
-            </a:r>
-          </a:p>
-        </p:txBody>
-      </p:sp>
-      <p:sp>
-        <p:nvSpPr>
-          <p:cNvPr id="3" name="内容占位符 2"/>
-          <p:cNvSpPr>
-            <a:spLocks noGrp="1"/>
-          </p:cNvSpPr>
-          <p:nvPr>
-            <p:ph idx="1"/>
-          </p:nvPr>
-        </p:nvSpPr>
-        <p:spPr/>
-        <p:txBody>
-          <a:bodyPr/>
-          <a:lstStyle/>
-          <a:p>
-            <a:r>
-              <a:rPr lang="en-SG" dirty="0" smtClean="0"/>
-              <a:t>The main steps of sketch method to create 3D models are</a:t>
-            </a:r>
-          </a:p>
-          <a:p>
-            <a:pPr marL="914400" lvl="1" indent="-457200">
-              <a:buFont typeface="+mj-lt"/>
-              <a:buAutoNum type="arabicPeriod"/>
-            </a:pPr>
-            <a:r>
-              <a:rPr lang="en-SG" dirty="0" smtClean="0"/>
-              <a:t>Define a sketch plane as cross section;</a:t>
-            </a:r>
-          </a:p>
-          <a:p>
-            <a:pPr marL="914400" lvl="1" indent="-457200">
-              <a:buFont typeface="+mj-lt"/>
-              <a:buAutoNum type="arabicPeriod"/>
-            </a:pPr>
-            <a:r>
-              <a:rPr lang="en-SG" dirty="0" smtClean="0"/>
-              <a:t>Sketch 2D shapes on the cross section;</a:t>
-            </a:r>
-          </a:p>
-          <a:p>
-            <a:pPr marL="914400" lvl="1" indent="-457200">
-              <a:buFont typeface="+mj-lt"/>
-              <a:buAutoNum type="arabicPeriod"/>
-            </a:pPr>
-            <a:r>
-              <a:rPr lang="en-SG" dirty="0" smtClean="0"/>
-              <a:t>Constraint 2D shapes with accurate dimensions;</a:t>
-            </a:r>
-          </a:p>
-          <a:p>
-            <a:pPr marL="914400" lvl="1" indent="-457200">
-              <a:buFont typeface="+mj-lt"/>
-              <a:buAutoNum type="arabicPeriod"/>
-            </a:pPr>
-            <a:r>
-              <a:rPr lang="en-SG" dirty="0" smtClean="0"/>
-              <a:t>Perform 2D to </a:t>
-            </a:r>
-            <a:r>
-              <a:rPr lang="en-SG" smtClean="0"/>
-              <a:t>3D operations.</a:t>
-            </a:r>
-            <a:endParaRPr lang="en-SG" dirty="0" smtClean="0"/>
-          </a:p>
-          <a:p>
-            <a:pPr marL="914400" lvl="1" indent="-457200">
-              <a:buFont typeface="+mj-lt"/>
-              <a:buAutoNum type="arabicPeriod"/>
-            </a:pPr>
-            <a:endParaRPr lang="en-SG" dirty="0"/>
-          </a:p>
-        </p:txBody>
-      </p:sp>
-    </p:spTree>
-    <p:extLst>
-      <p:ext uri="{BB962C8B-B14F-4D97-AF65-F5344CB8AC3E}">
-        <p14:creationId xmlns:p14="http://schemas.microsoft.com/office/powerpoint/2010/main" val="4198518572"/>
-      </p:ext>
-    </p:extLst>
-  </p:cSld>
-  <p:clrMapOvr>
-    <a:masterClrMapping/>
-  </p:clrMapOvr>
-</p:sld>
-</file>
-
 <file path=ppt/slides/slide64.xml><?xml version="1.0" encoding="utf-8"?>
 <p:sld xmlns:a="http://schemas.openxmlformats.org/drawingml/2006/main" xmlns:r="http://schemas.openxmlformats.org/officeDocument/2006/relationships" xmlns:p="http://schemas.openxmlformats.org/presentationml/2006/main">
   <p:cSld>
@@ -14696,7 +15540,7 @@
       </p:grpSpPr>
       <p:sp>
         <p:nvSpPr>
-          <p:cNvPr id="4" name="标题 3"/>
+          <p:cNvPr id="2" name="标题 1"/>
           <p:cNvSpPr>
             <a:spLocks noGrp="1"/>
           </p:cNvSpPr>
@@ -14711,39 +15555,89 @@
           <a:p>
             <a:r>
               <a:rPr lang="en-SG" dirty="0"/>
-              <a:t>Key disciplines of modelling in </a:t>
-            </a:r>
-            <a:r>
-              <a:rPr lang="en-SG" dirty="0" err="1"/>
-              <a:t>Solidworks</a:t>
-            </a:r>
+              <a:t>Sketch method</a:t>
+            </a:r>
+          </a:p>
+        </p:txBody>
+      </p:sp>
+      <p:sp>
+        <p:nvSpPr>
+          <p:cNvPr id="3" name="内容占位符 2"/>
+          <p:cNvSpPr>
+            <a:spLocks noGrp="1"/>
+          </p:cNvSpPr>
+          <p:nvPr>
+            <p:ph idx="1"/>
+          </p:nvPr>
+        </p:nvSpPr>
+        <p:spPr/>
+        <p:txBody>
+          <a:bodyPr/>
+          <a:lstStyle/>
+          <a:p>
+            <a:r>
+              <a:rPr lang="en-SG" dirty="0" smtClean="0"/>
+              <a:t>The main steps of sketch method to create 3D models are</a:t>
+            </a:r>
+          </a:p>
+          <a:p>
+            <a:pPr marL="914400" lvl="1" indent="-457200">
+              <a:buFont typeface="+mj-lt"/>
+              <a:buAutoNum type="arabicPeriod"/>
+            </a:pPr>
+            <a:r>
+              <a:rPr lang="en-SG" dirty="0" smtClean="0"/>
+              <a:t>Define a sketch plane as cross section;</a:t>
+            </a:r>
+          </a:p>
+          <a:p>
+            <a:pPr marL="914400" lvl="1" indent="-457200">
+              <a:buFont typeface="+mj-lt"/>
+              <a:buAutoNum type="arabicPeriod"/>
+            </a:pPr>
+            <a:r>
+              <a:rPr lang="en-SG" dirty="0" smtClean="0"/>
+              <a:t>Sketch 2D shapes on the cross section;</a:t>
+            </a:r>
+          </a:p>
+          <a:p>
+            <a:pPr marL="914400" lvl="1" indent="-457200">
+              <a:buFont typeface="+mj-lt"/>
+              <a:buAutoNum type="arabicPeriod"/>
+            </a:pPr>
+            <a:r>
+              <a:rPr lang="en-SG" dirty="0" smtClean="0"/>
+              <a:t>Constraint 2D shapes with accurate dimensions;</a:t>
+            </a:r>
+          </a:p>
+          <a:p>
+            <a:pPr marL="914400" lvl="1" indent="-457200">
+              <a:buFont typeface="+mj-lt"/>
+              <a:buAutoNum type="arabicPeriod"/>
+            </a:pPr>
+            <a:r>
+              <a:rPr lang="en-SG" dirty="0" smtClean="0"/>
+              <a:t>Perform 2D to </a:t>
+            </a:r>
+            <a:r>
+              <a:rPr lang="en-SG" smtClean="0"/>
+              <a:t>3D operations.</a:t>
+            </a:r>
+            <a:endParaRPr lang="en-SG" dirty="0" smtClean="0"/>
+          </a:p>
+          <a:p>
+            <a:pPr marL="914400" lvl="1" indent="-457200">
+              <a:buFont typeface="+mj-lt"/>
+              <a:buAutoNum type="arabicPeriod"/>
+            </a:pPr>
             <a:endParaRPr lang="en-SG" dirty="0"/>
-          </a:p>
-        </p:txBody>
-      </p:sp>
-      <p:sp>
-        <p:nvSpPr>
-          <p:cNvPr id="5" name="文本占位符 4"/>
-          <p:cNvSpPr>
-            <a:spLocks noGrp="1"/>
-          </p:cNvSpPr>
-          <p:nvPr>
-            <p:ph type="body" idx="1"/>
-          </p:nvPr>
-        </p:nvSpPr>
-        <p:spPr/>
-        <p:txBody>
-          <a:bodyPr/>
-          <a:lstStyle/>
-          <a:p>
-            <a:endParaRPr lang="en-SG"/>
           </a:p>
         </p:txBody>
       </p:sp>
     </p:spTree>
     <p:extLst>
       <p:ext uri="{BB962C8B-B14F-4D97-AF65-F5344CB8AC3E}">
-        <p14:creationId xmlns:p14="http://schemas.microsoft.com/office/powerpoint/2010/main" val="2395669259"/>
+        <p14:creationId xmlns:p14="http://schemas.microsoft.com/office/powerpoint/2010/main" val="4198518572"/>
       </p:ext>
     </p:extLst>
   </p:cSld>
@@ -14772,7 +15666,7 @@
       </p:grpSpPr>
       <p:sp>
         <p:nvSpPr>
-          <p:cNvPr id="2" name="标题 1"/>
+          <p:cNvPr id="4" name="标题 3"/>
           <p:cNvSpPr>
             <a:spLocks noGrp="1"/>
           </p:cNvSpPr>
@@ -14786,25 +15680,25 @@
           <a:lstStyle/>
           <a:p>
             <a:r>
-              <a:rPr lang="en-SG" dirty="0" smtClean="0"/>
+              <a:rPr lang="en-SG" dirty="0"/>
               <a:t>Key disciplines of modelling in </a:t>
             </a:r>
             <a:r>
-              <a:rPr lang="en-SG" dirty="0" err="1" smtClean="0"/>
+              <a:rPr lang="en-SG" dirty="0" err="1"/>
               <a:t>Solidworks</a:t>
             </a:r>
-            <a:endParaRPr lang="en-SG" baseline="30000" dirty="0"/>
-          </a:p>
-        </p:txBody>
-      </p:sp>
-      <p:sp>
-        <p:nvSpPr>
-          <p:cNvPr id="3" name="内容占位符 2"/>
-          <p:cNvSpPr>
-            <a:spLocks noGrp="1"/>
-          </p:cNvSpPr>
-          <p:nvPr>
-            <p:ph idx="1"/>
+            <a:endParaRPr lang="en-SG" dirty="0"/>
+          </a:p>
+        </p:txBody>
+      </p:sp>
+      <p:sp>
+        <p:nvSpPr>
+          <p:cNvPr id="5" name="文本占位符 4"/>
+          <p:cNvSpPr>
+            <a:spLocks noGrp="1"/>
+          </p:cNvSpPr>
+          <p:nvPr>
+            <p:ph type="body" idx="1"/>
           </p:nvPr>
         </p:nvSpPr>
         <p:spPr/>
@@ -14812,45 +15706,14 @@
           <a:bodyPr/>
           <a:lstStyle/>
           <a:p>
-            <a:r>
-              <a:rPr lang="en-SG" dirty="0" smtClean="0"/>
-              <a:t>For basic bodies, generate 3D model by taking use of 2D shapes;</a:t>
-            </a:r>
-          </a:p>
-          <a:p>
-            <a:r>
-              <a:rPr lang="en-SG" dirty="0" smtClean="0"/>
-              <a:t>Combine basic bodies to create a complex body;</a:t>
-            </a:r>
-          </a:p>
-          <a:p>
-            <a:r>
-              <a:rPr lang="en-SG" dirty="0"/>
-              <a:t>R</a:t>
-            </a:r>
-            <a:r>
-              <a:rPr lang="en-SG" dirty="0" smtClean="0"/>
-              <a:t>epeated bodies can be made through array operations;</a:t>
-            </a:r>
-          </a:p>
-          <a:p>
-            <a:pPr marL="0" indent="0">
-              <a:buNone/>
-            </a:pPr>
-            <a:r>
-              <a:rPr lang="en-SG" dirty="0" smtClean="0"/>
-              <a:t> </a:t>
-            </a:r>
-          </a:p>
-          <a:p>
-            <a:endParaRPr lang="en-SG" dirty="0"/>
+            <a:endParaRPr lang="en-SG"/>
           </a:p>
         </p:txBody>
       </p:sp>
     </p:spTree>
     <p:extLst>
       <p:ext uri="{BB962C8B-B14F-4D97-AF65-F5344CB8AC3E}">
-        <p14:creationId xmlns:p14="http://schemas.microsoft.com/office/powerpoint/2010/main" val="164022275"/>
+        <p14:creationId xmlns:p14="http://schemas.microsoft.com/office/powerpoint/2010/main" val="2395669259"/>
       </p:ext>
     </p:extLst>
   </p:cSld>
@@ -14894,8 +15757,13 @@
           <a:p>
             <a:r>
               <a:rPr lang="en-SG" dirty="0" smtClean="0"/>
-              <a:t>Coordinate system</a:t>
-            </a:r>
+              <a:t>Key disciplines of modelling in </a:t>
+            </a:r>
+            <a:r>
+              <a:rPr lang="en-SG" dirty="0" err="1" smtClean="0"/>
+              <a:t>Solidworks</a:t>
+            </a:r>
+            <a:endParaRPr lang="en-SG" baseline="30000" dirty="0"/>
           </a:p>
         </p:txBody>
       </p:sp>
@@ -14911,93 +15779,40 @@
         </p:nvSpPr>
         <p:spPr/>
         <p:txBody>
-          <a:bodyPr>
-            <a:normAutofit fontScale="92500" lnSpcReduction="10000"/>
-          </a:bodyPr>
-          <a:lstStyle/>
-          <a:p>
-            <a:r>
-              <a:rPr lang="en-SG" dirty="0">
-                <a:solidFill>
-                  <a:srgbClr val="FF0000"/>
-                </a:solidFill>
-              </a:rPr>
-              <a:t>Coordinate systems are the most important concept in a CAD system. They are used </a:t>
-            </a:r>
-            <a:r>
-              <a:rPr lang="en-SG" dirty="0" smtClean="0">
-                <a:solidFill>
-                  <a:srgbClr val="FF0000"/>
-                </a:solidFill>
-              </a:rPr>
-              <a:t>to  </a:t>
-            </a:r>
-            <a:r>
-              <a:rPr lang="en-SG" dirty="0">
-                <a:solidFill>
-                  <a:srgbClr val="FF0000"/>
-                </a:solidFill>
-              </a:rPr>
-              <a:t>input,  store,  and  display  geometric  model.  There  are  three  kinds  of  coordinate </a:t>
-            </a:r>
-            <a:r>
-              <a:rPr lang="en-SG" dirty="0" smtClean="0">
-                <a:solidFill>
-                  <a:srgbClr val="FF0000"/>
-                </a:solidFill>
-              </a:rPr>
-              <a:t>systems</a:t>
-            </a:r>
-            <a:r>
-              <a:rPr lang="en-SG" dirty="0">
-                <a:solidFill>
-                  <a:srgbClr val="FF0000"/>
-                </a:solidFill>
-              </a:rPr>
-              <a:t>, that is, model coordinate system (MCS), working coordinate system (WCS), </a:t>
-            </a:r>
-            <a:r>
-              <a:rPr lang="en-SG" dirty="0" smtClean="0">
-                <a:solidFill>
-                  <a:srgbClr val="FF0000"/>
-                </a:solidFill>
-              </a:rPr>
-              <a:t>and </a:t>
-            </a:r>
-            <a:r>
-              <a:rPr lang="en-SG" dirty="0">
-                <a:solidFill>
-                  <a:srgbClr val="FF0000"/>
-                </a:solidFill>
-              </a:rPr>
-              <a:t>screen coordinate system (SCS).</a:t>
-            </a:r>
-          </a:p>
-          <a:p>
-            <a:r>
-              <a:rPr lang="en-SG" dirty="0" smtClean="0"/>
-              <a:t>By default, there are already a coordinates system provided for user by SOLIDWORKS every time you open a new modelling project. Usually</a:t>
-            </a:r>
-            <a:r>
-              <a:rPr lang="en-SG" dirty="0"/>
-              <a:t>, at the lower-left corner of the canvas, you can notice the symbol of coordinate system with three axes</a:t>
-            </a:r>
-            <a:r>
-              <a:rPr lang="en-SG" dirty="0" smtClean="0"/>
-              <a:t>.</a:t>
-            </a:r>
-          </a:p>
-          <a:p>
-            <a:r>
-              <a:rPr lang="en-SG" dirty="0" smtClean="0"/>
-              <a:t>Whenever user need to carry on some location or orientation related modelling steps, the coordination system should be considered.</a:t>
-            </a:r>
-          </a:p>
-          <a:p>
-            <a:r>
-              <a:rPr lang="en-US" dirty="0" smtClean="0"/>
-              <a:t>For example, in the scenarios of re-oriented a model or two models comparing user should define his own reference coordinate systems. </a:t>
-            </a:r>
+          <a:bodyPr/>
+          <a:lstStyle/>
+          <a:p>
+            <a:r>
+              <a:rPr lang="en-SG" dirty="0" smtClean="0"/>
+              <a:t>For basic bodies, generate 3D model by taking use of 2D shapes;</a:t>
+            </a:r>
+          </a:p>
+          <a:p>
+            <a:r>
+              <a:rPr lang="en-SG" dirty="0" smtClean="0"/>
+              <a:t>Combine basic bodies to create a complex body;</a:t>
+            </a:r>
+          </a:p>
+          <a:p>
+            <a:r>
+              <a:rPr lang="en-SG" dirty="0"/>
+              <a:t>R</a:t>
+            </a:r>
+            <a:r>
+              <a:rPr lang="en-SG" dirty="0" smtClean="0"/>
+              <a:t>epeated bodies can be made through array operations;</a:t>
+            </a:r>
+          </a:p>
+          <a:p>
+            <a:pPr marL="0" indent="0">
+              <a:buNone/>
+            </a:pPr>
+            <a:r>
+              <a:rPr lang="en-SG" dirty="0" smtClean="0"/>
+              <a:t> </a:t>
+            </a:r>
+          </a:p>
+          <a:p>
             <a:endParaRPr lang="en-SG" dirty="0"/>
           </a:p>
         </p:txBody>
@@ -15005,7 +15820,7 @@
     </p:spTree>
     <p:extLst>
       <p:ext uri="{BB962C8B-B14F-4D97-AF65-F5344CB8AC3E}">
-        <p14:creationId xmlns:p14="http://schemas.microsoft.com/office/powerpoint/2010/main" val="1304840193"/>
+        <p14:creationId xmlns:p14="http://schemas.microsoft.com/office/powerpoint/2010/main" val="164022275"/>
       </p:ext>
     </p:extLst>
   </p:cSld>
@@ -15049,9 +15864,8 @@
           <a:p>
             <a:r>
               <a:rPr lang="en-SG" dirty="0" smtClean="0"/>
-              <a:t>References objects</a:t>
-            </a:r>
-            <a:endParaRPr lang="en-SG" dirty="0"/>
+              <a:t>Coordinate system</a:t>
+            </a:r>
           </a:p>
         </p:txBody>
       </p:sp>
@@ -15067,27 +15881,93 @@
         </p:nvSpPr>
         <p:spPr/>
         <p:txBody>
-          <a:bodyPr/>
-          <a:lstStyle/>
-          <a:p>
-            <a:r>
-              <a:rPr lang="en-SG" dirty="0" smtClean="0"/>
-              <a:t>Reference points</a:t>
-            </a:r>
-          </a:p>
-          <a:p>
-            <a:r>
-              <a:rPr lang="en-SG" dirty="0" smtClean="0"/>
-              <a:t>Reference vectors/axes</a:t>
-            </a:r>
-          </a:p>
-          <a:p>
-            <a:r>
-              <a:rPr lang="en-SG" dirty="0" smtClean="0"/>
-              <a:t>Reference plane</a:t>
-            </a:r>
-          </a:p>
-          <a:p>
+          <a:bodyPr>
+            <a:normAutofit fontScale="92500" lnSpcReduction="10000"/>
+          </a:bodyPr>
+          <a:lstStyle/>
+          <a:p>
+            <a:r>
+              <a:rPr lang="en-SG" dirty="0">
+                <a:solidFill>
+                  <a:srgbClr val="FF0000"/>
+                </a:solidFill>
+              </a:rPr>
+              <a:t>Coordinate systems are the most important concept in a CAD system. They are used </a:t>
+            </a:r>
+            <a:r>
+              <a:rPr lang="en-SG" dirty="0" smtClean="0">
+                <a:solidFill>
+                  <a:srgbClr val="FF0000"/>
+                </a:solidFill>
+              </a:rPr>
+              <a:t>to  </a:t>
+            </a:r>
+            <a:r>
+              <a:rPr lang="en-SG" dirty="0">
+                <a:solidFill>
+                  <a:srgbClr val="FF0000"/>
+                </a:solidFill>
+              </a:rPr>
+              <a:t>input,  store,  and  display  geometric  model.  There  are  three  kinds  of  coordinate </a:t>
+            </a:r>
+            <a:r>
+              <a:rPr lang="en-SG" dirty="0" smtClean="0">
+                <a:solidFill>
+                  <a:srgbClr val="FF0000"/>
+                </a:solidFill>
+              </a:rPr>
+              <a:t>systems</a:t>
+            </a:r>
+            <a:r>
+              <a:rPr lang="en-SG" dirty="0">
+                <a:solidFill>
+                  <a:srgbClr val="FF0000"/>
+                </a:solidFill>
+              </a:rPr>
+              <a:t>, that is, model coordinate system (MCS), working coordinate system (WCS), </a:t>
+            </a:r>
+            <a:r>
+              <a:rPr lang="en-SG" dirty="0" smtClean="0">
+                <a:solidFill>
+                  <a:srgbClr val="FF0000"/>
+                </a:solidFill>
+              </a:rPr>
+              <a:t>and </a:t>
+            </a:r>
+            <a:r>
+              <a:rPr lang="en-SG" dirty="0">
+                <a:solidFill>
+                  <a:srgbClr val="FF0000"/>
+                </a:solidFill>
+              </a:rPr>
+              <a:t>screen coordinate system (SCS).</a:t>
+            </a:r>
+          </a:p>
+          <a:p>
+            <a:r>
+              <a:rPr lang="en-SG" dirty="0" smtClean="0"/>
+              <a:t>By default, there are already a coordinates system provided for user by SOLIDWORKS every time you open a new modelling project. Usually</a:t>
+            </a:r>
+            <a:r>
+              <a:rPr lang="en-SG" dirty="0"/>
+              <a:t>, at the lower-left corner of the canvas, you can notice the symbol of coordinate system with three axes</a:t>
+            </a:r>
+            <a:r>
+              <a:rPr lang="en-SG" dirty="0" smtClean="0"/>
+              <a:t>.</a:t>
+            </a:r>
+          </a:p>
+          <a:p>
+            <a:r>
+              <a:rPr lang="en-SG" dirty="0" smtClean="0"/>
+              <a:t>Whenever user need to carry on some location or orientation related modelling steps, the coordination system should be considered.</a:t>
+            </a:r>
+          </a:p>
+          <a:p>
+            <a:r>
+              <a:rPr lang="en-US" dirty="0" smtClean="0"/>
+              <a:t>For example, in the scenarios of re-oriented a model or two models comparing user should define his own reference coordinate systems. </a:t>
+            </a:r>
             <a:endParaRPr lang="en-SG" dirty="0"/>
           </a:p>
         </p:txBody>
@@ -15095,7 +15975,7 @@
     </p:spTree>
     <p:extLst>
       <p:ext uri="{BB962C8B-B14F-4D97-AF65-F5344CB8AC3E}">
-        <p14:creationId xmlns:p14="http://schemas.microsoft.com/office/powerpoint/2010/main" val="224841182"/>
+        <p14:creationId xmlns:p14="http://schemas.microsoft.com/office/powerpoint/2010/main" val="1304840193"/>
       </p:ext>
     </p:extLst>
   </p:cSld>
@@ -15139,7 +16019,7 @@
           <a:p>
             <a:r>
               <a:rPr lang="en-SG" dirty="0" smtClean="0"/>
-              <a:t>Sketch</a:t>
+              <a:t>References objects</a:t>
             </a:r>
             <a:endParaRPr lang="en-SG" dirty="0"/>
           </a:p>
@@ -15162,44 +16042,22 @@
           <a:p>
             <a:r>
               <a:rPr lang="en-SG" dirty="0" smtClean="0"/>
-              <a:t>Plane curves</a:t>
-            </a:r>
-          </a:p>
-          <a:p>
-            <a:r>
-              <a:rPr lang="en-SG" dirty="0" smtClean="0"/>
-              <a:t>Two types of Constraint</a:t>
-            </a:r>
-          </a:p>
-          <a:p>
-            <a:pPr lvl="1"/>
-            <a:r>
-              <a:rPr lang="en-SG" dirty="0"/>
-              <a:t>Dimensional </a:t>
-            </a:r>
-            <a:r>
-              <a:rPr lang="en-SG" dirty="0" smtClean="0"/>
-              <a:t>constraints: length and angle</a:t>
-            </a:r>
-          </a:p>
-          <a:p>
-            <a:pPr lvl="1"/>
-            <a:r>
-              <a:rPr lang="en-SG" dirty="0" smtClean="0"/>
-              <a:t>Geometric constraints: parallel, perpendicular, normal</a:t>
-            </a:r>
-            <a:r>
-              <a:rPr lang="en-SG" dirty="0"/>
-              <a:t>, tangent, </a:t>
-            </a:r>
-            <a:r>
-              <a:rPr lang="en-SG" dirty="0" smtClean="0"/>
-              <a:t>concentric</a:t>
-            </a:r>
-            <a:r>
-              <a:rPr lang="en-SG" smtClean="0"/>
-              <a:t>, etc.</a:t>
-            </a:r>
+              <a:t>Reference points</a:t>
+            </a:r>
+          </a:p>
+          <a:p>
+            <a:r>
+              <a:rPr lang="en-SG" dirty="0" smtClean="0"/>
+              <a:t>Reference vectors/axes</a:t>
+            </a:r>
+          </a:p>
+          <a:p>
+            <a:r>
+              <a:rPr lang="en-SG" dirty="0" smtClean="0"/>
+              <a:t>Reference plane</a:t>
+            </a:r>
+          </a:p>
+          <a:p>
             <a:endParaRPr lang="en-SG" dirty="0"/>
           </a:p>
         </p:txBody>
@@ -15207,7 +16065,7 @@
     </p:spTree>
     <p:extLst>
       <p:ext uri="{BB962C8B-B14F-4D97-AF65-F5344CB8AC3E}">
-        <p14:creationId xmlns:p14="http://schemas.microsoft.com/office/powerpoint/2010/main" val="579798063"/>
+        <p14:creationId xmlns:p14="http://schemas.microsoft.com/office/powerpoint/2010/main" val="224841182"/>
       </p:ext>
     </p:extLst>
   </p:cSld>
@@ -15241,7 +16099,7 @@
             <a:spLocks noGrp="1"/>
           </p:cNvSpPr>
           <p:nvPr>
-            <p:ph type="ctrTitle"/>
+            <p:ph type="title"/>
           </p:nvPr>
         </p:nvSpPr>
         <p:spPr/>
@@ -15251,7 +16109,7 @@
           <a:p>
             <a:r>
               <a:rPr lang="en-SG" dirty="0" smtClean="0"/>
-              <a:t>CAM</a:t>
+              <a:t>Sketch</a:t>
             </a:r>
             <a:endParaRPr lang="en-SG" dirty="0"/>
           </a:p>
@@ -15259,12 +16117,12 @@
       </p:sp>
       <p:sp>
         <p:nvSpPr>
-          <p:cNvPr id="3" name="副标题 2"/>
-          <p:cNvSpPr>
-            <a:spLocks noGrp="1"/>
-          </p:cNvSpPr>
-          <p:nvPr>
-            <p:ph type="subTitle" idx="1"/>
+          <p:cNvPr id="3" name="内容占位符 2"/>
+          <p:cNvSpPr>
+            <a:spLocks noGrp="1"/>
+          </p:cNvSpPr>
+          <p:nvPr>
+            <p:ph idx="1"/>
           </p:nvPr>
         </p:nvSpPr>
         <p:spPr/>
@@ -15272,14 +16130,54 @@
           <a:bodyPr/>
           <a:lstStyle/>
           <a:p>
-            <a:endParaRPr lang="en-SG"/>
+            <a:r>
+              <a:rPr lang="en-SG" dirty="0" smtClean="0"/>
+              <a:t>Plane curves</a:t>
+            </a:r>
+          </a:p>
+          <a:p>
+            <a:r>
+              <a:rPr lang="en-SG" dirty="0" smtClean="0"/>
+              <a:t>Two types of Constraint</a:t>
+            </a:r>
+          </a:p>
+          <a:p>
+            <a:pPr lvl="1"/>
+            <a:r>
+              <a:rPr lang="en-SG" dirty="0"/>
+              <a:t>Dimensional </a:t>
+            </a:r>
+            <a:r>
+              <a:rPr lang="en-SG" dirty="0" smtClean="0"/>
+              <a:t>constraints: length and angle</a:t>
+            </a:r>
+          </a:p>
+          <a:p>
+            <a:pPr lvl="1"/>
+            <a:r>
+              <a:rPr lang="en-SG" dirty="0" smtClean="0"/>
+              <a:t>Geometric constraints: parallel, perpendicular, normal</a:t>
+            </a:r>
+            <a:r>
+              <a:rPr lang="en-SG" dirty="0"/>
+              <a:t>, tangent, </a:t>
+            </a:r>
+            <a:r>
+              <a:rPr lang="en-SG" dirty="0" smtClean="0"/>
+              <a:t>concentric</a:t>
+            </a:r>
+            <a:r>
+              <a:rPr lang="en-SG" smtClean="0"/>
+              <a:t>, etc.</a:t>
+            </a:r>
+            <a:endParaRPr lang="en-SG" dirty="0"/>
           </a:p>
         </p:txBody>
       </p:sp>
     </p:spTree>
     <p:extLst>
       <p:ext uri="{BB962C8B-B14F-4D97-AF65-F5344CB8AC3E}">
-        <p14:creationId xmlns:p14="http://schemas.microsoft.com/office/powerpoint/2010/main" val="2945329965"/>
+        <p14:creationId xmlns:p14="http://schemas.microsoft.com/office/powerpoint/2010/main" val="579798063"/>
       </p:ext>
     </p:extLst>
   </p:cSld>
@@ -15428,7 +16326,7 @@
             <a:spLocks noGrp="1"/>
           </p:cNvSpPr>
           <p:nvPr>
-            <p:ph type="title"/>
+            <p:ph type="ctrTitle"/>
           </p:nvPr>
         </p:nvSpPr>
         <p:spPr/>
@@ -15438,7 +16336,7 @@
           <a:p>
             <a:r>
               <a:rPr lang="en-SG" dirty="0" smtClean="0"/>
-              <a:t>Brief</a:t>
+              <a:t>CAM</a:t>
             </a:r>
             <a:endParaRPr lang="en-SG" dirty="0"/>
           </a:p>
@@ -15446,46 +16344,27 @@
       </p:sp>
       <p:sp>
         <p:nvSpPr>
-          <p:cNvPr id="3" name="内容占位符 2"/>
-          <p:cNvSpPr>
-            <a:spLocks noGrp="1"/>
-          </p:cNvSpPr>
-          <p:nvPr>
-            <p:ph idx="1"/>
+          <p:cNvPr id="3" name="副标题 2"/>
+          <p:cNvSpPr>
+            <a:spLocks noGrp="1"/>
+          </p:cNvSpPr>
+          <p:nvPr>
+            <p:ph type="subTitle" idx="1"/>
           </p:nvPr>
         </p:nvSpPr>
         <p:spPr/>
         <p:txBody>
-          <a:bodyPr>
-            <a:normAutofit/>
-          </a:bodyPr>
-          <a:lstStyle/>
-          <a:p>
-            <a:r>
-              <a:rPr lang="en-SG" dirty="0" smtClean="0"/>
-              <a:t>Scope and applications </a:t>
-            </a:r>
-          </a:p>
-          <a:p>
-            <a:pPr lvl="1"/>
-            <a:r>
-              <a:rPr lang="en-SG" dirty="0" smtClean="0"/>
-              <a:t>NC in CAM </a:t>
-            </a:r>
-          </a:p>
-          <a:p>
-            <a:pPr lvl="1"/>
-            <a:r>
-              <a:rPr lang="en-SG" dirty="0" smtClean="0"/>
-              <a:t>Principal types of CNC machine</a:t>
-            </a:r>
+          <a:bodyPr/>
+          <a:lstStyle/>
+          <a:p>
+            <a:endParaRPr lang="en-SG"/>
           </a:p>
         </p:txBody>
       </p:sp>
     </p:spTree>
     <p:extLst>
       <p:ext uri="{BB962C8B-B14F-4D97-AF65-F5344CB8AC3E}">
-        <p14:creationId xmlns:p14="http://schemas.microsoft.com/office/powerpoint/2010/main" val="866301321"/>
+        <p14:creationId xmlns:p14="http://schemas.microsoft.com/office/powerpoint/2010/main" val="2945329965"/>
       </p:ext>
     </p:extLst>
   </p:cSld>
@@ -15529,7 +16408,7 @@
           <a:p>
             <a:r>
               <a:rPr lang="en-SG" dirty="0" smtClean="0"/>
-              <a:t>Machine tools</a:t>
+              <a:t>Brief</a:t>
             </a:r>
             <a:endParaRPr lang="en-SG" dirty="0"/>
           </a:p>
@@ -15554,47 +16433,29 @@
           <a:p>
             <a:r>
               <a:rPr lang="en-SG" dirty="0" smtClean="0"/>
-              <a:t>tools and their construction features</a:t>
-            </a:r>
-          </a:p>
-          <a:p>
-            <a:pPr marL="457200" lvl="1" indent="0">
-              <a:buNone/>
-            </a:pPr>
-            <a:r>
-              <a:rPr lang="en-SG" dirty="0" smtClean="0"/>
-              <a:t>tooling for CNC – ISO designation for</a:t>
-            </a:r>
-          </a:p>
-          <a:p>
-            <a:r>
-              <a:rPr lang="en-SG" dirty="0" smtClean="0"/>
-              <a:t>tooling </a:t>
+              <a:t>Scope and applications </a:t>
             </a:r>
           </a:p>
           <a:p>
             <a:pPr lvl="1"/>
             <a:r>
               <a:rPr lang="en-SG" dirty="0" smtClean="0"/>
-              <a:t>CNC operating system </a:t>
+              <a:t>NC in CAM </a:t>
             </a:r>
           </a:p>
           <a:p>
             <a:pPr lvl="1"/>
             <a:r>
               <a:rPr lang="en-SG" dirty="0" smtClean="0"/>
-              <a:t>FANUC, SINUMERIK – LINUMERIK.</a:t>
-            </a:r>
-          </a:p>
-          <a:p>
-            <a:endParaRPr lang="en-SG" dirty="0"/>
+              <a:t>Principal types of CNC machine</a:t>
+            </a:r>
           </a:p>
         </p:txBody>
       </p:sp>
     </p:spTree>
     <p:extLst>
       <p:ext uri="{BB962C8B-B14F-4D97-AF65-F5344CB8AC3E}">
-        <p14:creationId xmlns:p14="http://schemas.microsoft.com/office/powerpoint/2010/main" val="2867634849"/>
+        <p14:creationId xmlns:p14="http://schemas.microsoft.com/office/powerpoint/2010/main" val="866301321"/>
       </p:ext>
     </p:extLst>
   </p:cSld>
@@ -15638,7 +16499,7 @@
           <a:p>
             <a:r>
               <a:rPr lang="en-SG" dirty="0" smtClean="0"/>
-              <a:t>Introduction to CAPP</a:t>
+              <a:t>Machine tools</a:t>
             </a:r>
             <a:endParaRPr lang="en-SG" dirty="0"/>
           </a:p>
@@ -15656,24 +16517,43 @@
         </p:nvSpPr>
         <p:spPr/>
         <p:txBody>
-          <a:bodyPr/>
-          <a:lstStyle/>
-          <a:p>
-            <a:r>
-              <a:rPr lang="en-SG" dirty="0" smtClean="0"/>
-              <a:t>Three main parameters to define a machining process</a:t>
-            </a:r>
-          </a:p>
-          <a:p>
-            <a:r>
-              <a:rPr lang="en-SG" dirty="0" smtClean="0"/>
-              <a:t>Principles for process design</a:t>
-            </a:r>
-          </a:p>
-          <a:p>
-            <a:r>
-              <a:rPr lang="en-SG" dirty="0" smtClean="0"/>
-              <a:t>Processing planning systems</a:t>
+          <a:bodyPr>
+            <a:normAutofit/>
+          </a:bodyPr>
+          <a:lstStyle/>
+          <a:p>
+            <a:r>
+              <a:rPr lang="en-SG" dirty="0" smtClean="0"/>
+              <a:t>tools and their construction features</a:t>
+            </a:r>
+          </a:p>
+          <a:p>
+            <a:pPr marL="457200" lvl="1" indent="0">
+              <a:buNone/>
+            </a:pPr>
+            <a:r>
+              <a:rPr lang="en-SG" dirty="0" smtClean="0"/>
+              <a:t>tooling for CNC – ISO designation for</a:t>
+            </a:r>
+          </a:p>
+          <a:p>
+            <a:r>
+              <a:rPr lang="en-SG" dirty="0" smtClean="0"/>
+              <a:t>tooling </a:t>
+            </a:r>
+          </a:p>
+          <a:p>
+            <a:pPr lvl="1"/>
+            <a:r>
+              <a:rPr lang="en-SG" dirty="0" smtClean="0"/>
+              <a:t>CNC operating system </a:t>
+            </a:r>
+          </a:p>
+          <a:p>
+            <a:pPr lvl="1"/>
+            <a:r>
+              <a:rPr lang="en-SG" dirty="0" smtClean="0"/>
+              <a:t>FANUC, SINUMERIK – LINUMERIK.</a:t>
             </a:r>
           </a:p>
           <a:p>
@@ -15684,7 +16564,7 @@
     </p:spTree>
     <p:extLst>
       <p:ext uri="{BB962C8B-B14F-4D97-AF65-F5344CB8AC3E}">
-        <p14:creationId xmlns:p14="http://schemas.microsoft.com/office/powerpoint/2010/main" val="3457476283"/>
+        <p14:creationId xmlns:p14="http://schemas.microsoft.com/office/powerpoint/2010/main" val="2867634849"/>
       </p:ext>
     </p:extLst>
   </p:cSld>
@@ -15728,7 +16608,7 @@
           <a:p>
             <a:r>
               <a:rPr lang="en-SG" dirty="0" smtClean="0"/>
-              <a:t>Programming for CNC machining</a:t>
+              <a:t>Introduction to CAPP</a:t>
             </a:r>
             <a:endParaRPr lang="en-SG" dirty="0"/>
           </a:p>
@@ -15746,44 +16626,24 @@
         </p:nvSpPr>
         <p:spPr/>
         <p:txBody>
-          <a:bodyPr>
-            <a:normAutofit/>
-          </a:bodyPr>
-          <a:lstStyle/>
-          <a:p>
-            <a:r>
-              <a:rPr lang="en-SG" dirty="0"/>
-              <a:t>C</a:t>
-            </a:r>
-            <a:r>
-              <a:rPr lang="en-SG" dirty="0" smtClean="0"/>
-              <a:t>oordinate systems of CNC</a:t>
-            </a:r>
-          </a:p>
-          <a:p>
-            <a:r>
-              <a:rPr lang="en-SG" dirty="0"/>
-              <a:t>M</a:t>
-            </a:r>
-            <a:r>
-              <a:rPr lang="en-SG" dirty="0" smtClean="0"/>
-              <a:t>anual part</a:t>
-            </a:r>
-          </a:p>
-          <a:p>
-            <a:r>
-              <a:rPr lang="en-SG" dirty="0"/>
-              <a:t>C</a:t>
-            </a:r>
-            <a:r>
-              <a:rPr lang="en-SG" dirty="0" smtClean="0"/>
-              <a:t>omputer assisted part programming </a:t>
-            </a:r>
-          </a:p>
-          <a:p>
-            <a:r>
-              <a:rPr lang="en-SG" dirty="0" smtClean="0"/>
-              <a:t>CNC part programming with CAD system. </a:t>
+          <a:bodyPr/>
+          <a:lstStyle/>
+          <a:p>
+            <a:r>
+              <a:rPr lang="en-SG" dirty="0" smtClean="0"/>
+              <a:t>Three main parameters to define a machining process</a:t>
+            </a:r>
+          </a:p>
+          <a:p>
+            <a:r>
+              <a:rPr lang="en-SG" dirty="0" smtClean="0"/>
+              <a:t>Principles for process design</a:t>
+            </a:r>
+          </a:p>
+          <a:p>
+            <a:r>
+              <a:rPr lang="en-SG" dirty="0" smtClean="0"/>
+              <a:t>Processing planning systems</a:t>
             </a:r>
           </a:p>
           <a:p>
@@ -15794,7 +16654,7 @@
     </p:spTree>
     <p:extLst>
       <p:ext uri="{BB962C8B-B14F-4D97-AF65-F5344CB8AC3E}">
-        <p14:creationId xmlns:p14="http://schemas.microsoft.com/office/powerpoint/2010/main" val="2042065448"/>
+        <p14:creationId xmlns:p14="http://schemas.microsoft.com/office/powerpoint/2010/main" val="3457476283"/>
       </p:ext>
     </p:extLst>
   </p:cSld>
@@ -15838,7 +16698,7 @@
           <a:p>
             <a:r>
               <a:rPr lang="en-SG" dirty="0" smtClean="0"/>
-              <a:t>Material handling in CAM environment</a:t>
+              <a:t>Programming for CNC machining</a:t>
             </a:r>
             <a:endParaRPr lang="en-SG" dirty="0"/>
           </a:p>
@@ -15856,50 +16716,44 @@
         </p:nvSpPr>
         <p:spPr/>
         <p:txBody>
-          <a:bodyPr/>
-          <a:lstStyle/>
-          <a:p>
-            <a:r>
-              <a:rPr lang="en-SG" dirty="0" smtClean="0"/>
-              <a:t>Logistic and storage system </a:t>
-            </a:r>
-          </a:p>
-          <a:p>
-            <a:pPr lvl="1"/>
-            <a:r>
-              <a:rPr lang="en-SG" dirty="0" smtClean="0"/>
-              <a:t>AGVS </a:t>
-            </a:r>
-          </a:p>
-          <a:p>
-            <a:pPr lvl="1"/>
-            <a:r>
-              <a:rPr lang="en-SG" dirty="0" smtClean="0"/>
-              <a:t>AS/RS </a:t>
-            </a:r>
-          </a:p>
-          <a:p>
-            <a:pPr lvl="1"/>
-            <a:r>
-              <a:rPr lang="en-SG" dirty="0" err="1" smtClean="0"/>
-              <a:t>Swarf</a:t>
-            </a:r>
-            <a:r>
-              <a:rPr lang="en-SG" dirty="0" smtClean="0"/>
-              <a:t> handling and disposal of wastes </a:t>
-            </a:r>
-          </a:p>
-          <a:p>
-            <a:r>
-              <a:rPr lang="en-SG" dirty="0" smtClean="0"/>
-              <a:t>Assembly lines </a:t>
-            </a:r>
-          </a:p>
-          <a:p>
-            <a:pPr lvl="1"/>
-            <a:r>
-              <a:rPr lang="en-SG" dirty="0" smtClean="0"/>
-              <a:t>Quantitative analysis of assembly systems.</a:t>
+          <a:bodyPr>
+            <a:normAutofit/>
+          </a:bodyPr>
+          <a:lstStyle/>
+          <a:p>
+            <a:r>
+              <a:rPr lang="en-SG" dirty="0"/>
+              <a:t>C</a:t>
+            </a:r>
+            <a:r>
+              <a:rPr lang="en-SG" dirty="0" smtClean="0"/>
+              <a:t>oordinate systems of CNC</a:t>
+            </a:r>
+          </a:p>
+          <a:p>
+            <a:r>
+              <a:rPr lang="en-SG" dirty="0"/>
+              <a:t>M</a:t>
+            </a:r>
+            <a:r>
+              <a:rPr lang="en-SG" dirty="0" smtClean="0"/>
+              <a:t>anual part</a:t>
+            </a:r>
+          </a:p>
+          <a:p>
+            <a:r>
+              <a:rPr lang="en-SG" dirty="0"/>
+              <a:t>C</a:t>
+            </a:r>
+            <a:r>
+              <a:rPr lang="en-SG" dirty="0" smtClean="0"/>
+              <a:t>omputer assisted part programming </a:t>
+            </a:r>
+          </a:p>
+          <a:p>
+            <a:r>
+              <a:rPr lang="en-SG" dirty="0" smtClean="0"/>
+              <a:t>CNC part programming with CAD system. </a:t>
             </a:r>
           </a:p>
           <a:p>
@@ -15910,7 +16764,7 @@
     </p:spTree>
     <p:extLst>
       <p:ext uri="{BB962C8B-B14F-4D97-AF65-F5344CB8AC3E}">
-        <p14:creationId xmlns:p14="http://schemas.microsoft.com/office/powerpoint/2010/main" val="938672915"/>
+        <p14:creationId xmlns:p14="http://schemas.microsoft.com/office/powerpoint/2010/main" val="2042065448"/>
       </p:ext>
     </p:extLst>
   </p:cSld>
@@ -15954,74 +16808,71 @@
           <a:p>
             <a:r>
               <a:rPr lang="en-SG" dirty="0" smtClean="0"/>
-              <a:t>Key disciplines of manufacturing under </a:t>
-            </a:r>
+              <a:t>Material handling in CAM environment</a:t>
+            </a:r>
+            <a:endParaRPr lang="en-SG" dirty="0"/>
+          </a:p>
+        </p:txBody>
+      </p:sp>
+      <p:sp>
+        <p:nvSpPr>
+          <p:cNvPr id="3" name="内容占位符 2"/>
+          <p:cNvSpPr>
+            <a:spLocks noGrp="1"/>
+          </p:cNvSpPr>
+          <p:nvPr>
+            <p:ph idx="1"/>
+          </p:nvPr>
+        </p:nvSpPr>
+        <p:spPr/>
+        <p:txBody>
+          <a:bodyPr/>
+          <a:lstStyle/>
+          <a:p>
+            <a:r>
+              <a:rPr lang="en-SG" dirty="0" smtClean="0"/>
+              <a:t>Logistic and storage system </a:t>
+            </a:r>
+          </a:p>
+          <a:p>
+            <a:pPr lvl="1"/>
+            <a:r>
+              <a:rPr lang="en-SG" dirty="0" smtClean="0"/>
+              <a:t>AGVS </a:t>
+            </a:r>
+          </a:p>
+          <a:p>
+            <a:pPr lvl="1"/>
+            <a:r>
+              <a:rPr lang="en-SG" dirty="0" smtClean="0"/>
+              <a:t>AS/RS </a:t>
+            </a:r>
+          </a:p>
+          <a:p>
+            <a:pPr lvl="1"/>
             <a:r>
               <a:rPr lang="en-SG" dirty="0" err="1" smtClean="0"/>
-              <a:t>Solidworks</a:t>
-            </a:r>
-            <a:r>
-              <a:rPr lang="en-SG" dirty="0" smtClean="0"/>
-              <a:t> environment</a:t>
-            </a:r>
-            <a:endParaRPr lang="en-SG" dirty="0"/>
-          </a:p>
-        </p:txBody>
-      </p:sp>
-      <p:sp>
-        <p:nvSpPr>
-          <p:cNvPr id="3" name="内容占位符 2"/>
-          <p:cNvSpPr>
-            <a:spLocks noGrp="1"/>
-          </p:cNvSpPr>
-          <p:nvPr>
-            <p:ph idx="1"/>
-          </p:nvPr>
-        </p:nvSpPr>
-        <p:spPr/>
-        <p:txBody>
-          <a:bodyPr/>
-          <a:lstStyle/>
-          <a:p>
-            <a:r>
-              <a:rPr lang="en-SG" dirty="0"/>
-              <a:t>Configuration for a mill or turn machine</a:t>
-            </a:r>
-          </a:p>
-          <a:p>
-            <a:r>
-              <a:rPr lang="en-SG" dirty="0"/>
-              <a:t>Features to machining strategy</a:t>
-            </a:r>
-          </a:p>
-          <a:p>
-            <a:r>
-              <a:rPr lang="en-SG" dirty="0"/>
-              <a:t>Generate operation plan</a:t>
-            </a:r>
-          </a:p>
-          <a:p>
-            <a:r>
-              <a:rPr lang="en-SG" dirty="0"/>
-              <a:t>Generate tool path</a:t>
-            </a:r>
-          </a:p>
-          <a:p>
-            <a:r>
-              <a:rPr lang="en-SG" dirty="0"/>
-              <a:t>Simulation</a:t>
-            </a:r>
-          </a:p>
-          <a:p>
-            <a:r>
-              <a:rPr lang="en-SG" dirty="0"/>
-              <a:t>Post process</a:t>
-            </a:r>
-          </a:p>
-          <a:p>
-            <a:pPr marL="0" indent="0">
-              <a:buNone/>
-            </a:pPr>
+              <a:t>Swarf</a:t>
+            </a:r>
+            <a:r>
+              <a:rPr lang="en-SG" dirty="0" smtClean="0"/>
+              <a:t> handling and disposal of wastes </a:t>
+            </a:r>
+          </a:p>
+          <a:p>
+            <a:r>
+              <a:rPr lang="en-SG" dirty="0" smtClean="0"/>
+              <a:t>Assembly lines </a:t>
+            </a:r>
+          </a:p>
+          <a:p>
+            <a:pPr lvl="1"/>
+            <a:r>
+              <a:rPr lang="en-SG" dirty="0" smtClean="0"/>
+              <a:t>Quantitative analysis of assembly systems.</a:t>
+            </a:r>
+          </a:p>
+          <a:p>
             <a:endParaRPr lang="en-SG" dirty="0"/>
           </a:p>
         </p:txBody>
@@ -16029,7 +16880,7 @@
     </p:spTree>
     <p:extLst>
       <p:ext uri="{BB962C8B-B14F-4D97-AF65-F5344CB8AC3E}">
-        <p14:creationId xmlns:p14="http://schemas.microsoft.com/office/powerpoint/2010/main" val="4246989961"/>
+        <p14:creationId xmlns:p14="http://schemas.microsoft.com/office/powerpoint/2010/main" val="938672915"/>
       </p:ext>
     </p:extLst>
   </p:cSld>
@@ -16073,7 +16924,15 @@
           <a:p>
             <a:r>
               <a:rPr lang="en-SG" dirty="0" smtClean="0"/>
-              <a:t>The following slides are only for learning purpose</a:t>
+              <a:t>Key disciplines of manufacturing under </a:t>
+            </a:r>
+            <a:r>
+              <a:rPr lang="en-SG" dirty="0" err="1" smtClean="0"/>
+              <a:t>Solidworks</a:t>
+            </a:r>
+            <a:r>
+              <a:rPr lang="en-SG" dirty="0" smtClean="0"/>
+              <a:t> environment</a:t>
             </a:r>
             <a:endParaRPr lang="en-SG" dirty="0"/>
           </a:p>
@@ -16094,6 +16953,45 @@
           <a:bodyPr/>
           <a:lstStyle/>
           <a:p>
+            <a:r>
+              <a:rPr lang="en-SG" dirty="0"/>
+              <a:t>Configuration for a mill or turn machine</a:t>
+            </a:r>
+          </a:p>
+          <a:p>
+            <a:r>
+              <a:rPr lang="en-SG" dirty="0"/>
+              <a:t>Features to machining strategy</a:t>
+            </a:r>
+          </a:p>
+          <a:p>
+            <a:r>
+              <a:rPr lang="en-SG" dirty="0"/>
+              <a:t>Generate operation plan</a:t>
+            </a:r>
+          </a:p>
+          <a:p>
+            <a:r>
+              <a:rPr lang="en-SG" dirty="0"/>
+              <a:t>Generate tool path</a:t>
+            </a:r>
+          </a:p>
+          <a:p>
+            <a:r>
+              <a:rPr lang="en-SG" dirty="0"/>
+              <a:t>Simulation</a:t>
+            </a:r>
+          </a:p>
+          <a:p>
+            <a:r>
+              <a:rPr lang="en-SG" dirty="0"/>
+              <a:t>Post process</a:t>
+            </a:r>
+          </a:p>
+          <a:p>
+            <a:pPr marL="0" indent="0">
+              <a:buNone/>
+            </a:pPr>
             <a:endParaRPr lang="en-SG" dirty="0"/>
           </a:p>
         </p:txBody>
@@ -16101,7 +16999,7 @@
     </p:spTree>
     <p:extLst>
       <p:ext uri="{BB962C8B-B14F-4D97-AF65-F5344CB8AC3E}">
-        <p14:creationId xmlns:p14="http://schemas.microsoft.com/office/powerpoint/2010/main" val="3537981211"/>
+        <p14:creationId xmlns:p14="http://schemas.microsoft.com/office/powerpoint/2010/main" val="4246989961"/>
       </p:ext>
     </p:extLst>
   </p:cSld>
@@ -16143,6 +17041,10 @@
           <a:bodyPr/>
           <a:lstStyle/>
           <a:p>
+            <a:r>
+              <a:rPr lang="en-SG" dirty="0" smtClean="0"/>
+              <a:t>The following slides are only for learning purpose</a:t>
+            </a:r>
             <a:endParaRPr lang="en-SG" dirty="0"/>
           </a:p>
         </p:txBody>
@@ -16162,45 +17064,14 @@
           <a:bodyPr/>
           <a:lstStyle/>
           <a:p>
-            <a:r>
-              <a:rPr lang="en-SG" dirty="0" smtClean="0"/>
-              <a:t>Create a new part</a:t>
-            </a:r>
-          </a:p>
-          <a:p>
-            <a:r>
-              <a:rPr lang="en-SG" dirty="0" smtClean="0"/>
-              <a:t>Check the unit setting</a:t>
-            </a:r>
-          </a:p>
-          <a:p>
-            <a:r>
-              <a:rPr lang="en-SG" dirty="0" smtClean="0"/>
-              <a:t>Using sketch to create part body</a:t>
-            </a:r>
-          </a:p>
-          <a:p>
-            <a:pPr lvl="1"/>
-            <a:r>
-              <a:rPr lang="en-SG" dirty="0" smtClean="0"/>
-              <a:t>Smart dimension is an import tool to drive the model </a:t>
-            </a:r>
-            <a:r>
-              <a:rPr lang="en-SG" dirty="0" err="1" smtClean="0"/>
-              <a:t>creatation</a:t>
-            </a:r>
-            <a:endParaRPr lang="en-SG" dirty="0" smtClean="0"/>
-          </a:p>
-          <a:p>
-            <a:pPr lvl="1"/>
-            <a:endParaRPr lang="en-SG" dirty="0" smtClean="0"/>
+            <a:endParaRPr lang="en-SG" dirty="0"/>
           </a:p>
         </p:txBody>
       </p:sp>
     </p:spTree>
     <p:extLst>
       <p:ext uri="{BB962C8B-B14F-4D97-AF65-F5344CB8AC3E}">
-        <p14:creationId xmlns:p14="http://schemas.microsoft.com/office/powerpoint/2010/main" val="1130636376"/>
+        <p14:creationId xmlns:p14="http://schemas.microsoft.com/office/powerpoint/2010/main" val="3537981211"/>
       </p:ext>
     </p:extLst>
   </p:cSld>
@@ -16242,7 +17113,7 @@
           <a:bodyPr/>
           <a:lstStyle/>
           <a:p>
-            <a:endParaRPr lang="en-SG"/>
+            <a:endParaRPr lang="en-SG" dirty="0"/>
           </a:p>
         </p:txBody>
       </p:sp>
@@ -16262,52 +17133,44 @@
           <a:lstStyle/>
           <a:p>
             <a:r>
-              <a:rPr lang="en-SG" dirty="0"/>
-              <a:t>Go to the </a:t>
-            </a:r>
-            <a:r>
-              <a:rPr lang="en-SG" dirty="0" err="1"/>
-              <a:t>Solidworks</a:t>
-            </a:r>
-            <a:r>
-              <a:rPr lang="en-SG" dirty="0"/>
-              <a:t> CAM module(just perform each of tool button alone the toolbar from left to right, one can finally get the tool path and G-codes)</a:t>
+              <a:rPr lang="en-SG" dirty="0" smtClean="0"/>
+              <a:t>Create a new part</a:t>
+            </a:r>
+          </a:p>
+          <a:p>
+            <a:r>
+              <a:rPr lang="en-SG" dirty="0" smtClean="0"/>
+              <a:t>Check the unit setting</a:t>
+            </a:r>
+          </a:p>
+          <a:p>
+            <a:r>
+              <a:rPr lang="en-SG" dirty="0" smtClean="0"/>
+              <a:t>Using sketch to create part body</a:t>
             </a:r>
           </a:p>
           <a:p>
             <a:pPr lvl="1"/>
             <a:r>
-              <a:rPr lang="en-SG" dirty="0"/>
-              <a:t>Define machine</a:t>
-            </a:r>
+              <a:rPr lang="en-SG" dirty="0" smtClean="0"/>
+              <a:t>Smart dimension is an import tool to drive the model </a:t>
+            </a:r>
+            <a:r>
+              <a:rPr lang="en-SG" dirty="0" err="1" smtClean="0"/>
+              <a:t>creatation</a:t>
+            </a:r>
+            <a:endParaRPr lang="en-SG" dirty="0" smtClean="0"/>
           </a:p>
           <a:p>
             <a:pPr lvl="1"/>
-            <a:r>
-              <a:rPr lang="en-SG" dirty="0"/>
-              <a:t>Setup coordinate system</a:t>
-            </a:r>
-          </a:p>
-          <a:p>
-            <a:pPr lvl="1"/>
-            <a:r>
-              <a:rPr lang="en-SG" dirty="0"/>
-              <a:t>Define stock size using stock </a:t>
-            </a:r>
-            <a:r>
-              <a:rPr lang="en-SG" dirty="0" smtClean="0"/>
-              <a:t>manager</a:t>
-            </a:r>
-          </a:p>
-          <a:p>
-            <a:endParaRPr lang="en-SG" dirty="0"/>
+            <a:endParaRPr lang="en-SG" dirty="0" smtClean="0"/>
           </a:p>
         </p:txBody>
       </p:sp>
     </p:spTree>
     <p:extLst>
       <p:ext uri="{BB962C8B-B14F-4D97-AF65-F5344CB8AC3E}">
-        <p14:creationId xmlns:p14="http://schemas.microsoft.com/office/powerpoint/2010/main" val="482855842"/>
+        <p14:creationId xmlns:p14="http://schemas.microsoft.com/office/powerpoint/2010/main" val="1130636376"/>
       </p:ext>
     </p:extLst>
   </p:cSld>
@@ -16368,143 +17231,53 @@
           <a:bodyPr/>
           <a:lstStyle/>
           <a:p>
+            <a:r>
+              <a:rPr lang="en-SG" dirty="0"/>
+              <a:t>Go to the </a:t>
+            </a:r>
+            <a:r>
+              <a:rPr lang="en-SG" dirty="0" err="1"/>
+              <a:t>Solidworks</a:t>
+            </a:r>
+            <a:r>
+              <a:rPr lang="en-SG" dirty="0"/>
+              <a:t> CAM module(just perform each of tool button alone the toolbar from left to right, one can finally get the tool path and G-codes)</a:t>
+            </a:r>
+          </a:p>
+          <a:p>
             <a:pPr lvl="1"/>
             <a:r>
               <a:rPr lang="en-SG" dirty="0"/>
-              <a:t>Using setup-&gt;mill setup to tell the machine which direction is the machining (removing material) direction.</a:t>
+              <a:t>Define machine</a:t>
             </a:r>
           </a:p>
           <a:p>
             <a:pPr lvl="1"/>
             <a:r>
               <a:rPr lang="en-SG" dirty="0"/>
-              <a:t>Extract </a:t>
-            </a:r>
-            <a:r>
-              <a:rPr lang="en-SG" dirty="0" err="1"/>
-              <a:t>machinable</a:t>
-            </a:r>
-            <a:r>
-              <a:rPr lang="en-SG" dirty="0"/>
-              <a:t> features(which features will be removed)</a:t>
+              <a:t>Setup coordinate system</a:t>
             </a:r>
           </a:p>
           <a:p>
             <a:pPr lvl="1"/>
             <a:r>
               <a:rPr lang="en-SG" dirty="0"/>
-              <a:t>Generate operation plan(usually have cutting times for the same surface)</a:t>
-            </a:r>
-          </a:p>
-          <a:p>
-            <a:pPr lvl="2"/>
-            <a:r>
-              <a:rPr lang="en-SG" dirty="0"/>
-              <a:t>Adjust the plan by removing part of operations or changing some parameters for </a:t>
-            </a:r>
-            <a:r>
-              <a:rPr lang="en-SG" dirty="0" smtClean="0"/>
-              <a:t>cutting</a:t>
-            </a:r>
-          </a:p>
-          <a:p>
-            <a:pPr lvl="2"/>
-            <a:r>
-              <a:rPr lang="en-SG" dirty="0" smtClean="0"/>
-              <a:t>How to decide the basic </a:t>
-            </a:r>
-            <a:r>
-              <a:rPr lang="en-SG" smtClean="0"/>
-              <a:t>cutting parameters(F/S):</a:t>
-            </a:r>
-            <a:endParaRPr lang="en-SG" dirty="0" smtClean="0"/>
-          </a:p>
-          <a:p>
-            <a:pPr lvl="3"/>
-            <a:r>
-              <a:rPr lang="en-SG" dirty="0" smtClean="0"/>
-              <a:t>Cutting and spindle speed calculations</a:t>
-            </a:r>
-          </a:p>
-          <a:p>
-            <a:pPr lvl="2"/>
+              <a:t>Define stock size using stock </a:t>
+            </a:r>
+            <a:r>
+              <a:rPr lang="en-SG" dirty="0" smtClean="0"/>
+              <a:t>manager</a:t>
+            </a:r>
+          </a:p>
+          <a:p>
             <a:endParaRPr lang="en-SG" dirty="0"/>
           </a:p>
-          <a:p>
-            <a:pPr lvl="2"/>
-            <a:endParaRPr lang="en-SG" dirty="0" smtClean="0"/>
-          </a:p>
-          <a:p>
-            <a:pPr lvl="2"/>
-            <a:endParaRPr lang="en-SG" dirty="0" smtClean="0"/>
-          </a:p>
-          <a:p>
-            <a:pPr lvl="1"/>
-            <a:endParaRPr lang="en-SG" dirty="0"/>
-          </a:p>
-        </p:txBody>
-      </p:sp>
-      <p:graphicFrame>
-        <p:nvGraphicFramePr>
-          <p:cNvPr id="4" name="对象 3"/>
-          <p:cNvGraphicFramePr>
-            <a:graphicFrameLocks noChangeAspect="1"/>
-          </p:cNvGraphicFramePr>
-          <p:nvPr>
-            <p:extLst>
-              <p:ext uri="{D42A27DB-BD31-4B8C-83A1-F6EECF244321}">
-                <p14:modId xmlns:p14="http://schemas.microsoft.com/office/powerpoint/2010/main" val="3901497150"/>
-              </p:ext>
-            </p:extLst>
-          </p:nvPr>
-        </p:nvGraphicFramePr>
-        <p:xfrm>
-          <a:off x="4747039" y="4676621"/>
-          <a:ext cx="2697922" cy="1303490"/>
-        </p:xfrm>
-        <a:graphic>
-          <a:graphicData uri="http://schemas.openxmlformats.org/presentationml/2006/ole">
-            <mc:AlternateContent xmlns:mc="http://schemas.openxmlformats.org/markup-compatibility/2006">
-              <mc:Choice xmlns:v="urn:schemas-microsoft-com:vml" Requires="v">
-                <p:oleObj spid="_x0000_s1242" name="Equation" r:id="rId3" imgW="2260440" imgH="1091880" progId="Equation.DSMT4">
-                  <p:embed/>
-                </p:oleObj>
-              </mc:Choice>
-              <mc:Fallback>
-                <p:oleObj name="Equation" r:id="rId3" imgW="2260440" imgH="1091880" progId="Equation.DSMT4">
-                  <p:embed/>
-                  <p:pic>
-                    <p:nvPicPr>
-                      <p:cNvPr id="0" name=""/>
-                      <p:cNvPicPr/>
-                      <p:nvPr/>
-                    </p:nvPicPr>
-                    <p:blipFill>
-                      <a:blip r:embed="rId4"/>
-                      <a:stretch>
-                        <a:fillRect/>
-                      </a:stretch>
-                    </p:blipFill>
-                    <p:spPr>
-                      <a:xfrm>
-                        <a:off x="4747039" y="4676621"/>
-                        <a:ext cx="2697922" cy="1303490"/>
-                      </a:xfrm>
-                      <a:prstGeom prst="rect">
-                        <a:avLst/>
-                      </a:prstGeom>
-                    </p:spPr>
-                  </p:pic>
-                </p:oleObj>
-              </mc:Fallback>
-            </mc:AlternateContent>
-          </a:graphicData>
-        </a:graphic>
-      </p:graphicFrame>
+        </p:txBody>
+      </p:sp>
     </p:spTree>
     <p:extLst>
       <p:ext uri="{BB962C8B-B14F-4D97-AF65-F5344CB8AC3E}">
-        <p14:creationId xmlns:p14="http://schemas.microsoft.com/office/powerpoint/2010/main" val="809039188"/>
+        <p14:creationId xmlns:p14="http://schemas.microsoft.com/office/powerpoint/2010/main" val="482855842"/>
       </p:ext>
     </p:extLst>
   </p:cSld>
@@ -16716,6 +17489,203 @@
           <a:bodyPr/>
           <a:lstStyle/>
           <a:p>
+            <a:pPr lvl="1"/>
+            <a:r>
+              <a:rPr lang="en-SG" dirty="0"/>
+              <a:t>Using setup-&gt;mill setup to tell the machine which direction is the machining (removing material) direction.</a:t>
+            </a:r>
+          </a:p>
+          <a:p>
+            <a:pPr lvl="1"/>
+            <a:r>
+              <a:rPr lang="en-SG" dirty="0"/>
+              <a:t>Extract </a:t>
+            </a:r>
+            <a:r>
+              <a:rPr lang="en-SG" dirty="0" err="1"/>
+              <a:t>machinable</a:t>
+            </a:r>
+            <a:r>
+              <a:rPr lang="en-SG" dirty="0"/>
+              <a:t> features(which features will be removed)</a:t>
+            </a:r>
+          </a:p>
+          <a:p>
+            <a:pPr lvl="1"/>
+            <a:r>
+              <a:rPr lang="en-SG" dirty="0"/>
+              <a:t>Generate operation plan(usually have cutting times for the same surface)</a:t>
+            </a:r>
+          </a:p>
+          <a:p>
+            <a:pPr lvl="2"/>
+            <a:r>
+              <a:rPr lang="en-SG" dirty="0"/>
+              <a:t>Adjust the plan by removing part of operations or changing some parameters for </a:t>
+            </a:r>
+            <a:r>
+              <a:rPr lang="en-SG" dirty="0" smtClean="0"/>
+              <a:t>cutting</a:t>
+            </a:r>
+          </a:p>
+          <a:p>
+            <a:pPr lvl="2"/>
+            <a:r>
+              <a:rPr lang="en-SG" dirty="0" smtClean="0"/>
+              <a:t>How to decide the basic </a:t>
+            </a:r>
+            <a:r>
+              <a:rPr lang="en-SG" smtClean="0"/>
+              <a:t>cutting parameters(F/S):</a:t>
+            </a:r>
+            <a:endParaRPr lang="en-SG" dirty="0" smtClean="0"/>
+          </a:p>
+          <a:p>
+            <a:pPr lvl="3"/>
+            <a:r>
+              <a:rPr lang="en-SG" dirty="0" smtClean="0"/>
+              <a:t>Cutting and spindle speed calculations</a:t>
+            </a:r>
+          </a:p>
+          <a:p>
+            <a:pPr lvl="2"/>
+            <a:endParaRPr lang="en-SG" dirty="0"/>
+          </a:p>
+          <a:p>
+            <a:pPr lvl="2"/>
+            <a:endParaRPr lang="en-SG" dirty="0" smtClean="0"/>
+          </a:p>
+          <a:p>
+            <a:pPr lvl="2"/>
+            <a:endParaRPr lang="en-SG" dirty="0" smtClean="0"/>
+          </a:p>
+          <a:p>
+            <a:pPr lvl="1"/>
+            <a:endParaRPr lang="en-SG" dirty="0"/>
+          </a:p>
+        </p:txBody>
+      </p:sp>
+      <p:graphicFrame>
+        <p:nvGraphicFramePr>
+          <p:cNvPr id="4" name="对象 3"/>
+          <p:cNvGraphicFramePr>
+            <a:graphicFrameLocks noChangeAspect="1"/>
+          </p:cNvGraphicFramePr>
+          <p:nvPr>
+            <p:extLst>
+              <p:ext uri="{D42A27DB-BD31-4B8C-83A1-F6EECF244321}">
+                <p14:modId xmlns:p14="http://schemas.microsoft.com/office/powerpoint/2010/main" val="3901497150"/>
+              </p:ext>
+            </p:extLst>
+          </p:nvPr>
+        </p:nvGraphicFramePr>
+        <p:xfrm>
+          <a:off x="4747039" y="4676621"/>
+          <a:ext cx="2697922" cy="1303490"/>
+        </p:xfrm>
+        <a:graphic>
+          <a:graphicData uri="http://schemas.openxmlformats.org/presentationml/2006/ole">
+            <mc:AlternateContent xmlns:mc="http://schemas.openxmlformats.org/markup-compatibility/2006">
+              <mc:Choice xmlns:v="urn:schemas-microsoft-com:vml" Requires="v">
+                <p:oleObj spid="_x0000_s1294" name="Equation" r:id="rId3" imgW="2260440" imgH="1091880" progId="Equation.DSMT4">
+                  <p:embed/>
+                </p:oleObj>
+              </mc:Choice>
+              <mc:Fallback>
+                <p:oleObj name="Equation" r:id="rId3" imgW="2260440" imgH="1091880" progId="Equation.DSMT4">
+                  <p:embed/>
+                  <p:pic>
+                    <p:nvPicPr>
+                      <p:cNvPr id="0" name=""/>
+                      <p:cNvPicPr/>
+                      <p:nvPr/>
+                    </p:nvPicPr>
+                    <p:blipFill>
+                      <a:blip r:embed="rId4"/>
+                      <a:stretch>
+                        <a:fillRect/>
+                      </a:stretch>
+                    </p:blipFill>
+                    <p:spPr>
+                      <a:xfrm>
+                        <a:off x="4747039" y="4676621"/>
+                        <a:ext cx="2697922" cy="1303490"/>
+                      </a:xfrm>
+                      <a:prstGeom prst="rect">
+                        <a:avLst/>
+                      </a:prstGeom>
+                    </p:spPr>
+                  </p:pic>
+                </p:oleObj>
+              </mc:Fallback>
+            </mc:AlternateContent>
+          </a:graphicData>
+        </a:graphic>
+      </p:graphicFrame>
+    </p:spTree>
+    <p:extLst>
+      <p:ext uri="{BB962C8B-B14F-4D97-AF65-F5344CB8AC3E}">
+        <p14:creationId xmlns:p14="http://schemas.microsoft.com/office/powerpoint/2010/main" val="809039188"/>
+      </p:ext>
+    </p:extLst>
+  </p:cSld>
+  <p:clrMapOvr>
+    <a:masterClrMapping/>
+  </p:clrMapOvr>
+</p:sld>
+</file>
+
+<file path=ppt/slides/slide81.xml><?xml version="1.0" encoding="utf-8"?>
+<p:sld xmlns:a="http://schemas.openxmlformats.org/drawingml/2006/main" xmlns:r="http://schemas.openxmlformats.org/officeDocument/2006/relationships" xmlns:p="http://schemas.openxmlformats.org/presentationml/2006/main">
+  <p:cSld>
+    <p:spTree>
+      <p:nvGrpSpPr>
+        <p:cNvPr id="1" name=""/>
+        <p:cNvGrpSpPr/>
+        <p:nvPr/>
+      </p:nvGrpSpPr>
+      <p:grpSpPr>
+        <a:xfrm>
+          <a:off x="0" y="0"/>
+          <a:ext cx="0" cy="0"/>
+          <a:chOff x="0" y="0"/>
+          <a:chExt cx="0" cy="0"/>
+        </a:xfrm>
+      </p:grpSpPr>
+      <p:sp>
+        <p:nvSpPr>
+          <p:cNvPr id="2" name="标题 1"/>
+          <p:cNvSpPr>
+            <a:spLocks noGrp="1"/>
+          </p:cNvSpPr>
+          <p:nvPr>
+            <p:ph type="title"/>
+          </p:nvPr>
+        </p:nvSpPr>
+        <p:spPr/>
+        <p:txBody>
+          <a:bodyPr/>
+          <a:lstStyle/>
+          <a:p>
+            <a:endParaRPr lang="en-SG"/>
+          </a:p>
+        </p:txBody>
+      </p:sp>
+      <p:sp>
+        <p:nvSpPr>
+          <p:cNvPr id="3" name="内容占位符 2"/>
+          <p:cNvSpPr>
+            <a:spLocks noGrp="1"/>
+          </p:cNvSpPr>
+          <p:nvPr>
+            <p:ph idx="1"/>
+          </p:nvPr>
+        </p:nvSpPr>
+        <p:spPr/>
+        <p:txBody>
+          <a:bodyPr/>
+          <a:lstStyle/>
+          <a:p>
             <a:pPr marL="1600200" lvl="5">
               <a:spcBef>
                 <a:spcPts val="1000"/>
@@ -16887,7 +17857,7 @@
           <a:graphicData uri="http://schemas.openxmlformats.org/presentationml/2006/ole">
             <mc:AlternateContent xmlns:mc="http://schemas.openxmlformats.org/markup-compatibility/2006">
               <mc:Choice xmlns:v="urn:schemas-microsoft-com:vml" Requires="v">
-                <p:oleObj spid="_x0000_s2691" name="Equation" r:id="rId3" imgW="2133360" imgH="1879560" progId="Equation.DSMT4">
+                <p:oleObj spid="_x0000_s2847" name="Equation" r:id="rId3" imgW="2133360" imgH="1879560" progId="Equation.DSMT4">
                   <p:embed/>
                 </p:oleObj>
               </mc:Choice>
@@ -16944,7 +17914,7 @@
           <a:graphicData uri="http://schemas.openxmlformats.org/presentationml/2006/ole">
             <mc:AlternateContent xmlns:mc="http://schemas.openxmlformats.org/markup-compatibility/2006">
               <mc:Choice xmlns:v="urn:schemas-microsoft-com:vml" Requires="v">
-                <p:oleObj spid="_x0000_s2692" name="Equation" r:id="rId5" imgW="1726920" imgH="482400" progId="Equation.DSMT4">
+                <p:oleObj spid="_x0000_s2848" name="Equation" r:id="rId5" imgW="1726920" imgH="482400" progId="Equation.DSMT4">
                   <p:embed/>
                 </p:oleObj>
               </mc:Choice>
@@ -17001,7 +17971,7 @@
           <a:graphicData uri="http://schemas.openxmlformats.org/presentationml/2006/ole">
             <mc:AlternateContent xmlns:mc="http://schemas.openxmlformats.org/markup-compatibility/2006">
               <mc:Choice xmlns:v="urn:schemas-microsoft-com:vml" Requires="v">
-                <p:oleObj spid="_x0000_s2693" name="Equation" r:id="rId7" imgW="990360" imgH="457200" progId="Equation.DSMT4">
+                <p:oleObj spid="_x0000_s2849" name="Equation" r:id="rId7" imgW="990360" imgH="457200" progId="Equation.DSMT4">
                   <p:embed/>
                 </p:oleObj>
               </mc:Choice>
@@ -17049,7 +18019,7 @@
 </p:sld>
 </file>
 
-<file path=ppt/slides/slide81.xml><?xml version="1.0" encoding="utf-8"?>
+<file path=ppt/slides/slide82.xml><?xml version="1.0" encoding="utf-8"?>
 <p:sld xmlns:a="http://schemas.openxmlformats.org/drawingml/2006/main" xmlns:r="http://schemas.openxmlformats.org/officeDocument/2006/relationships" xmlns:p="http://schemas.openxmlformats.org/presentationml/2006/main">
   <p:cSld>
     <p:spTree>
@@ -17157,7 +18127,7 @@
           <a:graphicData uri="http://schemas.openxmlformats.org/presentationml/2006/ole">
             <mc:AlternateContent xmlns:mc="http://schemas.openxmlformats.org/markup-compatibility/2006">
               <mc:Choice xmlns:v="urn:schemas-microsoft-com:vml" Requires="v">
-                <p:oleObj spid="_x0000_s3287" name="Equation" r:id="rId3" imgW="990360" imgH="457200" progId="Equation.DSMT4">
+                <p:oleObj spid="_x0000_s3339" name="Equation" r:id="rId3" imgW="990360" imgH="457200" progId="Equation.DSMT4">
                   <p:embed/>
                 </p:oleObj>
               </mc:Choice>

--- a/CAD_CAM.pptx
+++ b/CAD_CAM.pptx
@@ -53,40 +53,43 @@
     <p:sldId id="368" r:id="rId47"/>
     <p:sldId id="371" r:id="rId48"/>
     <p:sldId id="373" r:id="rId49"/>
-    <p:sldId id="363" r:id="rId50"/>
-    <p:sldId id="317" r:id="rId51"/>
-    <p:sldId id="361" r:id="rId52"/>
-    <p:sldId id="364" r:id="rId53"/>
-    <p:sldId id="362" r:id="rId54"/>
-    <p:sldId id="318" r:id="rId55"/>
-    <p:sldId id="319" r:id="rId56"/>
-    <p:sldId id="320" r:id="rId57"/>
-    <p:sldId id="321" r:id="rId58"/>
-    <p:sldId id="322" r:id="rId59"/>
-    <p:sldId id="298" r:id="rId60"/>
-    <p:sldId id="299" r:id="rId61"/>
-    <p:sldId id="338" r:id="rId62"/>
-    <p:sldId id="300" r:id="rId63"/>
-    <p:sldId id="301" r:id="rId64"/>
-    <p:sldId id="302" r:id="rId65"/>
-    <p:sldId id="303" r:id="rId66"/>
-    <p:sldId id="282" r:id="rId67"/>
-    <p:sldId id="257" r:id="rId68"/>
-    <p:sldId id="265" r:id="rId69"/>
-    <p:sldId id="276" r:id="rId70"/>
-    <p:sldId id="310" r:id="rId71"/>
-    <p:sldId id="311" r:id="rId72"/>
-    <p:sldId id="312" r:id="rId73"/>
-    <p:sldId id="333" r:id="rId74"/>
-    <p:sldId id="313" r:id="rId75"/>
-    <p:sldId id="314" r:id="rId76"/>
-    <p:sldId id="261" r:id="rId77"/>
-    <p:sldId id="270" r:id="rId78"/>
-    <p:sldId id="271" r:id="rId79"/>
-    <p:sldId id="272" r:id="rId80"/>
-    <p:sldId id="273" r:id="rId81"/>
-    <p:sldId id="274" r:id="rId82"/>
-    <p:sldId id="275" r:id="rId83"/>
+    <p:sldId id="374" r:id="rId50"/>
+    <p:sldId id="375" r:id="rId51"/>
+    <p:sldId id="363" r:id="rId52"/>
+    <p:sldId id="317" r:id="rId53"/>
+    <p:sldId id="361" r:id="rId54"/>
+    <p:sldId id="364" r:id="rId55"/>
+    <p:sldId id="362" r:id="rId56"/>
+    <p:sldId id="318" r:id="rId57"/>
+    <p:sldId id="319" r:id="rId58"/>
+    <p:sldId id="320" r:id="rId59"/>
+    <p:sldId id="321" r:id="rId60"/>
+    <p:sldId id="322" r:id="rId61"/>
+    <p:sldId id="298" r:id="rId62"/>
+    <p:sldId id="299" r:id="rId63"/>
+    <p:sldId id="376" r:id="rId64"/>
+    <p:sldId id="338" r:id="rId65"/>
+    <p:sldId id="300" r:id="rId66"/>
+    <p:sldId id="301" r:id="rId67"/>
+    <p:sldId id="302" r:id="rId68"/>
+    <p:sldId id="303" r:id="rId69"/>
+    <p:sldId id="282" r:id="rId70"/>
+    <p:sldId id="257" r:id="rId71"/>
+    <p:sldId id="265" r:id="rId72"/>
+    <p:sldId id="276" r:id="rId73"/>
+    <p:sldId id="310" r:id="rId74"/>
+    <p:sldId id="311" r:id="rId75"/>
+    <p:sldId id="312" r:id="rId76"/>
+    <p:sldId id="333" r:id="rId77"/>
+    <p:sldId id="313" r:id="rId78"/>
+    <p:sldId id="314" r:id="rId79"/>
+    <p:sldId id="261" r:id="rId80"/>
+    <p:sldId id="270" r:id="rId81"/>
+    <p:sldId id="271" r:id="rId82"/>
+    <p:sldId id="272" r:id="rId83"/>
+    <p:sldId id="273" r:id="rId84"/>
+    <p:sldId id="274" r:id="rId85"/>
+    <p:sldId id="275" r:id="rId86"/>
   </p:sldIdLst>
   <p:sldSz cx="12192000" cy="6858000"/>
   <p:notesSz cx="6858000" cy="9144000"/>
@@ -324,7 +327,7 @@
           <a:p>
             <a:fld id="{012790D9-61A1-4D2A-ABFB-2410DF2390CB}" type="datetimeFigureOut">
               <a:rPr lang="en-SG" smtClean="0"/>
-              <a:t>13/6/2022</a:t>
+              <a:t>15/6/2022</a:t>
             </a:fld>
             <a:endParaRPr lang="en-SG"/>
           </a:p>
@@ -494,7 +497,7 @@
           <a:p>
             <a:fld id="{012790D9-61A1-4D2A-ABFB-2410DF2390CB}" type="datetimeFigureOut">
               <a:rPr lang="en-SG" smtClean="0"/>
-              <a:t>13/6/2022</a:t>
+              <a:t>15/6/2022</a:t>
             </a:fld>
             <a:endParaRPr lang="en-SG"/>
           </a:p>
@@ -674,7 +677,7 @@
           <a:p>
             <a:fld id="{012790D9-61A1-4D2A-ABFB-2410DF2390CB}" type="datetimeFigureOut">
               <a:rPr lang="en-SG" smtClean="0"/>
-              <a:t>13/6/2022</a:t>
+              <a:t>15/6/2022</a:t>
             </a:fld>
             <a:endParaRPr lang="en-SG"/>
           </a:p>
@@ -844,7 +847,7 @@
           <a:p>
             <a:fld id="{012790D9-61A1-4D2A-ABFB-2410DF2390CB}" type="datetimeFigureOut">
               <a:rPr lang="en-SG" smtClean="0"/>
-              <a:t>13/6/2022</a:t>
+              <a:t>15/6/2022</a:t>
             </a:fld>
             <a:endParaRPr lang="en-SG"/>
           </a:p>
@@ -1090,7 +1093,7 @@
           <a:p>
             <a:fld id="{012790D9-61A1-4D2A-ABFB-2410DF2390CB}" type="datetimeFigureOut">
               <a:rPr lang="en-SG" smtClean="0"/>
-              <a:t>13/6/2022</a:t>
+              <a:t>15/6/2022</a:t>
             </a:fld>
             <a:endParaRPr lang="en-SG"/>
           </a:p>
@@ -1322,7 +1325,7 @@
           <a:p>
             <a:fld id="{012790D9-61A1-4D2A-ABFB-2410DF2390CB}" type="datetimeFigureOut">
               <a:rPr lang="en-SG" smtClean="0"/>
-              <a:t>13/6/2022</a:t>
+              <a:t>15/6/2022</a:t>
             </a:fld>
             <a:endParaRPr lang="en-SG"/>
           </a:p>
@@ -1689,7 +1692,7 @@
           <a:p>
             <a:fld id="{012790D9-61A1-4D2A-ABFB-2410DF2390CB}" type="datetimeFigureOut">
               <a:rPr lang="en-SG" smtClean="0"/>
-              <a:t>13/6/2022</a:t>
+              <a:t>15/6/2022</a:t>
             </a:fld>
             <a:endParaRPr lang="en-SG"/>
           </a:p>
@@ -1807,7 +1810,7 @@
           <a:p>
             <a:fld id="{012790D9-61A1-4D2A-ABFB-2410DF2390CB}" type="datetimeFigureOut">
               <a:rPr lang="en-SG" smtClean="0"/>
-              <a:t>13/6/2022</a:t>
+              <a:t>15/6/2022</a:t>
             </a:fld>
             <a:endParaRPr lang="en-SG"/>
           </a:p>
@@ -1902,7 +1905,7 @@
           <a:p>
             <a:fld id="{012790D9-61A1-4D2A-ABFB-2410DF2390CB}" type="datetimeFigureOut">
               <a:rPr lang="en-SG" smtClean="0"/>
-              <a:t>13/6/2022</a:t>
+              <a:t>15/6/2022</a:t>
             </a:fld>
             <a:endParaRPr lang="en-SG"/>
           </a:p>
@@ -2179,7 +2182,7 @@
           <a:p>
             <a:fld id="{012790D9-61A1-4D2A-ABFB-2410DF2390CB}" type="datetimeFigureOut">
               <a:rPr lang="en-SG" smtClean="0"/>
-              <a:t>13/6/2022</a:t>
+              <a:t>15/6/2022</a:t>
             </a:fld>
             <a:endParaRPr lang="en-SG"/>
           </a:p>
@@ -2432,7 +2435,7 @@
           <a:p>
             <a:fld id="{012790D9-61A1-4D2A-ABFB-2410DF2390CB}" type="datetimeFigureOut">
               <a:rPr lang="en-SG" smtClean="0"/>
-              <a:t>13/6/2022</a:t>
+              <a:t>15/6/2022</a:t>
             </a:fld>
             <a:endParaRPr lang="en-SG"/>
           </a:p>
@@ -2645,7 +2648,7 @@
           <a:p>
             <a:fld id="{012790D9-61A1-4D2A-ABFB-2410DF2390CB}" type="datetimeFigureOut">
               <a:rPr lang="en-SG" smtClean="0"/>
-              <a:t>13/6/2022</a:t>
+              <a:t>15/6/2022</a:t>
             </a:fld>
             <a:endParaRPr lang="en-SG"/>
           </a:p>
@@ -3214,7 +3217,7 @@
           <a:graphicData uri="http://schemas.openxmlformats.org/presentationml/2006/ole">
             <mc:AlternateContent xmlns:mc="http://schemas.openxmlformats.org/markup-compatibility/2006">
               <mc:Choice xmlns:v="urn:schemas-microsoft-com:vml" Requires="v">
-                <p:oleObj spid="_x0000_s10042" name="Equation" r:id="rId3" imgW="711000" imgH="203040" progId="Equation.DSMT4">
+                <p:oleObj spid="_x0000_s10110" name="Equation" r:id="rId3" imgW="711000" imgH="203040" progId="Equation.DSMT4">
                   <p:embed/>
                 </p:oleObj>
               </mc:Choice>
@@ -3267,7 +3270,7 @@
           <a:graphicData uri="http://schemas.openxmlformats.org/presentationml/2006/ole">
             <mc:AlternateContent xmlns:mc="http://schemas.openxmlformats.org/markup-compatibility/2006">
               <mc:Choice xmlns:v="urn:schemas-microsoft-com:vml" Requires="v">
-                <p:oleObj spid="_x0000_s10043" name="Equation" r:id="rId5" imgW="583920" imgH="203040" progId="Equation.DSMT4">
+                <p:oleObj spid="_x0000_s10111" name="Equation" r:id="rId5" imgW="583920" imgH="203040" progId="Equation.DSMT4">
                   <p:embed/>
                 </p:oleObj>
               </mc:Choice>
@@ -3320,7 +3323,7 @@
           <a:graphicData uri="http://schemas.openxmlformats.org/presentationml/2006/ole">
             <mc:AlternateContent xmlns:mc="http://schemas.openxmlformats.org/markup-compatibility/2006">
               <mc:Choice xmlns:v="urn:schemas-microsoft-com:vml" Requires="v">
-                <p:oleObj spid="_x0000_s10044" name="Equation" r:id="rId7" imgW="469800" imgH="177480" progId="Equation.DSMT4">
+                <p:oleObj spid="_x0000_s10112" name="Equation" r:id="rId7" imgW="469800" imgH="177480" progId="Equation.DSMT4">
                   <p:embed/>
                 </p:oleObj>
               </mc:Choice>
@@ -3373,7 +3376,7 @@
           <a:graphicData uri="http://schemas.openxmlformats.org/presentationml/2006/ole">
             <mc:AlternateContent xmlns:mc="http://schemas.openxmlformats.org/markup-compatibility/2006">
               <mc:Choice xmlns:v="urn:schemas-microsoft-com:vml" Requires="v">
-                <p:oleObj spid="_x0000_s10045" name="Equation" r:id="rId9" imgW="1600200" imgH="711000" progId="Equation.DSMT4">
+                <p:oleObj spid="_x0000_s10113" name="Equation" r:id="rId9" imgW="1600200" imgH="711000" progId="Equation.DSMT4">
                   <p:embed/>
                 </p:oleObj>
               </mc:Choice>
@@ -3528,7 +3531,7 @@
           <a:graphicData uri="http://schemas.openxmlformats.org/presentationml/2006/ole">
             <mc:AlternateContent xmlns:mc="http://schemas.openxmlformats.org/markup-compatibility/2006">
               <mc:Choice xmlns:v="urn:schemas-microsoft-com:vml" Requires="v">
-                <p:oleObj spid="_x0000_s10448" name="Equation" r:id="rId3" imgW="1155600" imgH="914400" progId="Equation.DSMT4">
+                <p:oleObj spid="_x0000_s10465" name="Equation" r:id="rId3" imgW="1155600" imgH="914400" progId="Equation.DSMT4">
                   <p:embed/>
                 </p:oleObj>
               </mc:Choice>
@@ -3746,7 +3749,7 @@
           <a:graphicData uri="http://schemas.openxmlformats.org/presentationml/2006/ole">
             <mc:AlternateContent xmlns:mc="http://schemas.openxmlformats.org/markup-compatibility/2006">
               <mc:Choice xmlns:v="urn:schemas-microsoft-com:vml" Requires="v">
-                <p:oleObj spid="_x0000_s11678" name="Equation" r:id="rId3" imgW="1091880" imgH="711000" progId="Equation.DSMT4">
+                <p:oleObj spid="_x0000_s11712" name="Equation" r:id="rId3" imgW="1091880" imgH="711000" progId="Equation.DSMT4">
                   <p:embed/>
                 </p:oleObj>
               </mc:Choice>
@@ -3799,7 +3802,7 @@
           <a:graphicData uri="http://schemas.openxmlformats.org/presentationml/2006/ole">
             <mc:AlternateContent xmlns:mc="http://schemas.openxmlformats.org/markup-compatibility/2006">
               <mc:Choice xmlns:v="urn:schemas-microsoft-com:vml" Requires="v">
-                <p:oleObj spid="_x0000_s11679" name="Equation" r:id="rId5" imgW="571320" imgH="457200" progId="Equation.DSMT4">
+                <p:oleObj spid="_x0000_s11713" name="Equation" r:id="rId5" imgW="571320" imgH="457200" progId="Equation.DSMT4">
                   <p:embed/>
                 </p:oleObj>
               </mc:Choice>
@@ -3927,7 +3930,7 @@
           <a:graphicData uri="http://schemas.openxmlformats.org/presentationml/2006/ole">
             <mc:AlternateContent xmlns:mc="http://schemas.openxmlformats.org/markup-compatibility/2006">
               <mc:Choice xmlns:v="urn:schemas-microsoft-com:vml" Requires="v">
-                <p:oleObj spid="_x0000_s12496" name="Equation" r:id="rId3" imgW="3682800" imgH="914400" progId="Equation.DSMT4">
+                <p:oleObj spid="_x0000_s12513" name="Equation" r:id="rId3" imgW="3682800" imgH="914400" progId="Equation.DSMT4">
                   <p:embed/>
                 </p:oleObj>
               </mc:Choice>
@@ -4056,7 +4059,7 @@
           <a:graphicData uri="http://schemas.openxmlformats.org/presentationml/2006/ole">
             <mc:AlternateContent xmlns:mc="http://schemas.openxmlformats.org/markup-compatibility/2006">
               <mc:Choice xmlns:v="urn:schemas-microsoft-com:vml" Requires="v">
-                <p:oleObj spid="_x0000_s13492" name="Equation" r:id="rId3" imgW="1155600" imgH="914400" progId="Equation.DSMT4">
+                <p:oleObj spid="_x0000_s13509" name="Equation" r:id="rId3" imgW="1155600" imgH="914400" progId="Equation.DSMT4">
                   <p:embed/>
                 </p:oleObj>
               </mc:Choice>
@@ -4249,7 +4252,7 @@
           <a:graphicData uri="http://schemas.openxmlformats.org/presentationml/2006/ole">
             <mc:AlternateContent xmlns:mc="http://schemas.openxmlformats.org/markup-compatibility/2006">
               <mc:Choice xmlns:v="urn:schemas-microsoft-com:vml" Requires="v">
-                <p:oleObj spid="_x0000_s14516" name="Equation" r:id="rId3" imgW="1117440" imgH="914400" progId="Equation.DSMT4">
+                <p:oleObj spid="_x0000_s14533" name="Equation" r:id="rId3" imgW="1117440" imgH="914400" progId="Equation.DSMT4">
                   <p:embed/>
                 </p:oleObj>
               </mc:Choice>
@@ -4532,7 +4535,7 @@
           <a:graphicData uri="http://schemas.openxmlformats.org/presentationml/2006/ole">
             <mc:AlternateContent xmlns:mc="http://schemas.openxmlformats.org/markup-compatibility/2006">
               <mc:Choice xmlns:v="urn:schemas-microsoft-com:vml" Requires="v">
-                <p:oleObj spid="_x0000_s15718" name="Equation" r:id="rId3" imgW="2616120" imgH="914400" progId="Equation.DSMT4">
+                <p:oleObj spid="_x0000_s15752" name="Equation" r:id="rId3" imgW="2616120" imgH="914400" progId="Equation.DSMT4">
                   <p:embed/>
                 </p:oleObj>
               </mc:Choice>
@@ -4585,7 +4588,7 @@
           <a:graphicData uri="http://schemas.openxmlformats.org/presentationml/2006/ole">
             <mc:AlternateContent xmlns:mc="http://schemas.openxmlformats.org/markup-compatibility/2006">
               <mc:Choice xmlns:v="urn:schemas-microsoft-com:vml" Requires="v">
-                <p:oleObj spid="_x0000_s15719" name="Equation" r:id="rId5" imgW="1574640" imgH="914400" progId="Equation.DSMT4">
+                <p:oleObj spid="_x0000_s15753" name="Equation" r:id="rId5" imgW="1574640" imgH="914400" progId="Equation.DSMT4">
                   <p:embed/>
                 </p:oleObj>
               </mc:Choice>
@@ -9487,7 +9490,7 @@
           <a:graphicData uri="http://schemas.openxmlformats.org/presentationml/2006/ole">
             <mc:AlternateContent xmlns:mc="http://schemas.openxmlformats.org/markup-compatibility/2006">
               <mc:Choice xmlns:v="urn:schemas-microsoft-com:vml" Requires="v">
-                <p:oleObj spid="_x0000_s16516" name="Equation" r:id="rId3" imgW="2101838" imgH="1898834" progId="Equation.DSMT4">
+                <p:oleObj spid="_x0000_s16533" name="Equation" r:id="rId3" imgW="2101838" imgH="1898834" progId="Equation.DSMT4">
                   <p:embed/>
                 </p:oleObj>
               </mc:Choice>
@@ -9890,7 +9893,7 @@
           <a:graphicData uri="http://schemas.openxmlformats.org/presentationml/2006/ole">
             <mc:AlternateContent xmlns:mc="http://schemas.openxmlformats.org/markup-compatibility/2006">
               <mc:Choice xmlns:v="urn:schemas-microsoft-com:vml" Requires="v">
-                <p:oleObj spid="_x0000_s17841" name="Equation" r:id="rId14" imgW="3340080" imgH="393480" progId="Equation.DSMT4">
+                <p:oleObj spid="_x0000_s17892" name="Equation" r:id="rId14" imgW="3340080" imgH="393480" progId="Equation.DSMT4">
                   <p:embed/>
                 </p:oleObj>
               </mc:Choice>
@@ -9947,7 +9950,7 @@
           <a:graphicData uri="http://schemas.openxmlformats.org/presentationml/2006/ole">
             <mc:AlternateContent xmlns:mc="http://schemas.openxmlformats.org/markup-compatibility/2006">
               <mc:Choice xmlns:v="urn:schemas-microsoft-com:vml" Requires="v">
-                <p:oleObj spid="_x0000_s17842" name="Equation" r:id="rId16" imgW="2781000" imgH="939600" progId="Equation.DSMT4">
+                <p:oleObj spid="_x0000_s17893" name="Equation" r:id="rId16" imgW="2781000" imgH="939600" progId="Equation.DSMT4">
                   <p:embed/>
                 </p:oleObj>
               </mc:Choice>
@@ -10004,7 +10007,7 @@
           <a:graphicData uri="http://schemas.openxmlformats.org/presentationml/2006/ole">
             <mc:AlternateContent xmlns:mc="http://schemas.openxmlformats.org/markup-compatibility/2006">
               <mc:Choice xmlns:v="urn:schemas-microsoft-com:vml" Requires="v">
-                <p:oleObj spid="_x0000_s17843" name="Equation" r:id="rId18" imgW="3924000" imgH="241200" progId="Equation.DSMT4">
+                <p:oleObj spid="_x0000_s17894" name="Equation" r:id="rId18" imgW="3924000" imgH="241200" progId="Equation.DSMT4">
                   <p:embed/>
                 </p:oleObj>
               </mc:Choice>
@@ -10073,6 +10076,13 @@
   <p:clrMapOvr>
     <a:masterClrMapping/>
   </p:clrMapOvr>
+  <p:timing>
+    <p:tnLst>
+      <p:par>
+        <p:cTn id="1" dur="indefinite" restart="never" nodeType="tmRoot"/>
+      </p:par>
+    </p:tnLst>
+  </p:timing>
 </p:sld>
 </file>
 
@@ -10580,38 +10590,8 @@
         </p:blipFill>
         <p:spPr>
           <a:xfrm>
-            <a:off x="8520448" y="3313762"/>
+            <a:off x="8520447" y="4759502"/>
             <a:ext cx="3134302" cy="1375063"/>
-          </a:xfrm>
-          <a:prstGeom prst="rect">
-            <a:avLst/>
-          </a:prstGeom>
-        </p:spPr>
-      </p:pic>
-      <p:pic>
-        <p:nvPicPr>
-          <p:cNvPr id="6" name="图片 5"/>
-          <p:cNvPicPr>
-            <a:picLocks noChangeAspect="1"/>
-          </p:cNvPicPr>
-          <p:nvPr/>
-        </p:nvPicPr>
-        <p:blipFill>
-          <a:blip r:embed="rId5">
-            <a:extLst>
-              <a:ext uri="{28A0092B-C50C-407E-A947-70E740481C1C}">
-                <a14:useLocalDpi xmlns:a14="http://schemas.microsoft.com/office/drawing/2010/main" val="0"/>
-              </a:ext>
-            </a:extLst>
-          </a:blip>
-          <a:stretch>
-            <a:fillRect/>
-          </a:stretch>
-        </p:blipFill>
-        <p:spPr>
-          <a:xfrm>
-            <a:off x="8520448" y="4748213"/>
-            <a:ext cx="3134302" cy="1428750"/>
           </a:xfrm>
           <a:prstGeom prst="rect">
             <a:avLst/>
@@ -10627,7 +10607,7 @@
           <p:nvPr/>
         </p:nvPicPr>
         <p:blipFill>
-          <a:blip r:embed="rId6"/>
+          <a:blip r:embed="rId5"/>
           <a:stretch>
             <a:fillRect/>
           </a:stretch>
@@ -10651,7 +10631,7 @@
           <p:nvPr/>
         </p:nvPicPr>
         <p:blipFill>
-          <a:blip r:embed="rId7"/>
+          <a:blip r:embed="rId6"/>
           <a:stretch>
             <a:fillRect/>
           </a:stretch>
@@ -10688,12 +10668,12 @@
           <a:graphicData uri="http://schemas.openxmlformats.org/presentationml/2006/ole">
             <mc:AlternateContent xmlns:mc="http://schemas.openxmlformats.org/markup-compatibility/2006">
               <mc:Choice xmlns:v="urn:schemas-microsoft-com:vml" Requires="v">
-                <p:oleObj spid="_x0000_s18560" name="Equation" r:id="rId8" imgW="2971800" imgH="939600" progId="Equation.DSMT4">
+                <p:oleObj spid="_x0000_s18577" name="Equation" r:id="rId7" imgW="2971800" imgH="939600" progId="Equation.DSMT4">
                   <p:embed/>
                 </p:oleObj>
               </mc:Choice>
               <mc:Fallback>
-                <p:oleObj name="Equation" r:id="rId8" imgW="2971800" imgH="939600" progId="Equation.DSMT4">
+                <p:oleObj name="Equation" r:id="rId7" imgW="2971800" imgH="939600" progId="Equation.DSMT4">
                   <p:embed/>
                   <p:pic>
                     <p:nvPicPr>
@@ -10702,7 +10682,7 @@
                       <p:nvPr/>
                     </p:nvPicPr>
                     <p:blipFill>
-                      <a:blip r:embed="rId9"/>
+                      <a:blip r:embed="rId8"/>
                       <a:stretch>
                         <a:fillRect/>
                       </a:stretch>
@@ -10732,14 +10712,14 @@
           <p:nvPr/>
         </p:nvPicPr>
         <p:blipFill>
-          <a:blip r:embed="rId10"/>
+          <a:blip r:embed="rId9"/>
           <a:stretch>
             <a:fillRect/>
           </a:stretch>
         </p:blipFill>
         <p:spPr>
           <a:xfrm>
-            <a:off x="8248371" y="686685"/>
+            <a:off x="8248370" y="1724581"/>
             <a:ext cx="3678455" cy="2745944"/>
           </a:xfrm>
           <a:prstGeom prst="rect">
@@ -10838,8 +10818,8 @@
         </p:nvSpPr>
         <p:spPr>
           <a:xfrm>
-            <a:off x="613914" y="1825624"/>
-            <a:ext cx="7591193" cy="4676775"/>
+            <a:off x="613915" y="1825624"/>
+            <a:ext cx="6911350" cy="4676775"/>
           </a:xfrm>
         </p:spPr>
         <p:txBody>
@@ -10873,6 +10853,30 @@
           </a:p>
         </p:txBody>
       </p:sp>
+      <p:pic>
+        <p:nvPicPr>
+          <p:cNvPr id="4" name="图片 3"/>
+          <p:cNvPicPr>
+            <a:picLocks noChangeAspect="1"/>
+          </p:cNvPicPr>
+          <p:nvPr/>
+        </p:nvPicPr>
+        <p:blipFill>
+          <a:blip r:embed="rId2"/>
+          <a:stretch>
+            <a:fillRect/>
+          </a:stretch>
+        </p:blipFill>
+        <p:spPr>
+          <a:xfrm>
+            <a:off x="8186792" y="2938126"/>
+            <a:ext cx="3133616" cy="1426588"/>
+          </a:xfrm>
+          <a:prstGeom prst="rect">
+            <a:avLst/>
+          </a:prstGeom>
+        </p:spPr>
+      </p:pic>
     </p:spTree>
     <p:extLst>
       <p:ext uri="{BB962C8B-B14F-4D97-AF65-F5344CB8AC3E}">
@@ -12186,7 +12190,7 @@
           <a:graphicData uri="http://schemas.openxmlformats.org/presentationml/2006/ole">
             <mc:AlternateContent xmlns:mc="http://schemas.openxmlformats.org/markup-compatibility/2006">
               <mc:Choice xmlns:v="urn:schemas-microsoft-com:vml" Requires="v">
-                <p:oleObj spid="_x0000_s20744" name="Equation" r:id="rId4" imgW="1117440" imgH="431640" progId="Equation.DSMT4">
+                <p:oleObj spid="_x0000_s20795" name="Equation" r:id="rId4" imgW="1117440" imgH="431640" progId="Equation.DSMT4">
                   <p:embed/>
                 </p:oleObj>
               </mc:Choice>
@@ -12243,7 +12247,7 @@
           <a:graphicData uri="http://schemas.openxmlformats.org/presentationml/2006/ole">
             <mc:AlternateContent xmlns:mc="http://schemas.openxmlformats.org/markup-compatibility/2006">
               <mc:Choice xmlns:v="urn:schemas-microsoft-com:vml" Requires="v">
-                <p:oleObj spid="_x0000_s20745" name="Equation" r:id="rId6" imgW="2489040" imgH="939600" progId="Equation.DSMT4">
+                <p:oleObj spid="_x0000_s20796" name="Equation" r:id="rId6" imgW="2489040" imgH="939600" progId="Equation.DSMT4">
                   <p:embed/>
                 </p:oleObj>
               </mc:Choice>
@@ -12300,7 +12304,7 @@
           <a:graphicData uri="http://schemas.openxmlformats.org/presentationml/2006/ole">
             <mc:AlternateContent xmlns:mc="http://schemas.openxmlformats.org/markup-compatibility/2006">
               <mc:Choice xmlns:v="urn:schemas-microsoft-com:vml" Requires="v">
-                <p:oleObj spid="_x0000_s20746" name="Equation" r:id="rId8" imgW="1511280" imgH="457200" progId="Equation.DSMT4">
+                <p:oleObj spid="_x0000_s20797" name="Equation" r:id="rId8" imgW="1511280" imgH="457200" progId="Equation.DSMT4">
                   <p:embed/>
                 </p:oleObj>
               </mc:Choice>
@@ -12464,21 +12468,8 @@
                 </a:r>
                 <a:r>
                   <a:rPr lang="en-SG" dirty="0" smtClean="0"/>
-                  <a:t>a component of knot vector, which is with the form </a:t>
+                  <a:t>a component of knot vector, which is with the form of a non-descending sequence</a:t>
                 </a:r>
-                <a:r>
-                  <a:rPr lang="en-SG" dirty="0" smtClean="0"/>
-                  <a:t>of a </a:t>
-                </a:r>
-                <a:r>
-                  <a:rPr lang="en-SG" dirty="0" smtClean="0"/>
-                  <a:t>non-descending </a:t>
-                </a:r>
-                <a:r>
-                  <a:rPr lang="en-SG" dirty="0" smtClean="0"/>
-                  <a:t>sequence</a:t>
-                </a:r>
-                <a:endParaRPr lang="en-SG" dirty="0" smtClean="0"/>
               </a:p>
               <a:p>
                 <a:pPr marL="0" indent="0">
@@ -12730,6 +12721,12 @@
                             </a:rPr>
                             <m:t>𝑘</m:t>
                           </m:r>
+                          <m:r>
+                            <a:rPr lang="en-SG" b="0" i="1" smtClean="0">
+                              <a:latin typeface="Cambria Math" panose="02040503050406030204" pitchFamily="18" charset="0"/>
+                            </a:rPr>
+                            <m:t>+1</m:t>
+                          </m:r>
                         </m:sub>
                       </m:sSub>
                       <m:r>
@@ -12834,6 +12831,12 @@
                               </a:rPr>
                               <m:t>𝑘</m:t>
                             </m:r>
+                            <m:r>
+                              <a:rPr lang="en-SG" b="0" i="1" smtClean="0">
+                                <a:latin typeface="Cambria Math" panose="02040503050406030204" pitchFamily="18" charset="0"/>
+                              </a:rPr>
+                              <m:t>+1</m:t>
+                            </m:r>
                           </m:sub>
                         </m:sSub>
                       </m:e>
@@ -12845,12 +12848,12 @@
                   <a:t> to </a:t>
                 </a:r>
                 <a:r>
-                  <a:rPr lang="en-SG" dirty="0" err="1" smtClean="0"/>
-                  <a:t>n+k</a:t>
+                  <a:rPr lang="en-SG" dirty="0" smtClean="0"/>
+                  <a:t>n+k+1 </a:t>
                 </a:r>
                 <a:r>
                   <a:rPr lang="en-SG" dirty="0" smtClean="0"/>
-                  <a:t> subintervals. </a:t>
+                  <a:t>subintervals. </a:t>
                 </a:r>
                 <a:endParaRPr lang="en-SG" dirty="0"/>
               </a:p>
@@ -12867,205 +12870,33 @@
               <a:p>
                 <a:r>
                   <a:rPr lang="en-SG" dirty="0" smtClean="0"/>
-                  <a:t>According to the equations, each of knot in a interval of </a:t>
+                  <a:t>Usually, intervals in a knot vector defines all the basis polynomials we need to construct any spline constrained by control points. </a:t>
                 </a:r>
-                <a14:m>
-                  <m:oMath xmlns:m="http://schemas.openxmlformats.org/officeDocument/2006/math">
-                    <m:d>
-                      <m:dPr>
-                        <m:begChr m:val="["/>
-                        <m:endChr m:val="]"/>
-                        <m:ctrlPr>
-                          <a:rPr lang="en-SG" i="1" smtClean="0">
-                            <a:latin typeface="Cambria Math" panose="02040503050406030204" pitchFamily="18" charset="0"/>
-                          </a:rPr>
-                        </m:ctrlPr>
-                      </m:dPr>
-                      <m:e>
-                        <m:sSub>
-                          <m:sSubPr>
-                            <m:ctrlPr>
-                              <a:rPr lang="en-SG" b="0" i="1" smtClean="0">
-                                <a:latin typeface="Cambria Math" panose="02040503050406030204" pitchFamily="18" charset="0"/>
-                              </a:rPr>
-                            </m:ctrlPr>
-                          </m:sSubPr>
-                          <m:e>
-                            <m:r>
-                              <a:rPr lang="en-SG" b="0" i="1" smtClean="0">
-                                <a:latin typeface="Cambria Math" panose="02040503050406030204" pitchFamily="18" charset="0"/>
-                              </a:rPr>
-                              <m:t>𝑡</m:t>
-                            </m:r>
-                          </m:e>
-                          <m:sub>
-                            <m:r>
-                              <a:rPr lang="en-SG" b="0" i="1" smtClean="0">
-                                <a:latin typeface="Cambria Math" panose="02040503050406030204" pitchFamily="18" charset="0"/>
-                              </a:rPr>
-                              <m:t>𝑖</m:t>
-                            </m:r>
-                          </m:sub>
-                        </m:sSub>
-                        <m:r>
-                          <a:rPr lang="en-SG" b="0" i="1" smtClean="0">
-                            <a:latin typeface="Cambria Math" panose="02040503050406030204" pitchFamily="18" charset="0"/>
-                          </a:rPr>
-                          <m:t>,</m:t>
-                        </m:r>
-                        <m:sSub>
-                          <m:sSubPr>
-                            <m:ctrlPr>
-                              <a:rPr lang="en-SG" b="0" i="1" smtClean="0">
-                                <a:latin typeface="Cambria Math" panose="02040503050406030204" pitchFamily="18" charset="0"/>
-                              </a:rPr>
-                            </m:ctrlPr>
-                          </m:sSubPr>
-                          <m:e>
-                            <m:r>
-                              <a:rPr lang="en-SG" b="0" i="1" smtClean="0">
-                                <a:latin typeface="Cambria Math" panose="02040503050406030204" pitchFamily="18" charset="0"/>
-                              </a:rPr>
-                              <m:t>𝑡</m:t>
-                            </m:r>
-                          </m:e>
-                          <m:sub>
-                            <m:r>
-                              <a:rPr lang="en-SG" b="0" i="1" smtClean="0">
-                                <a:latin typeface="Cambria Math" panose="02040503050406030204" pitchFamily="18" charset="0"/>
-                              </a:rPr>
-                              <m:t>𝑖</m:t>
-                            </m:r>
-                            <m:r>
-                              <a:rPr lang="en-SG" b="0" i="1" smtClean="0">
-                                <a:latin typeface="Cambria Math" panose="02040503050406030204" pitchFamily="18" charset="0"/>
-                              </a:rPr>
-                              <m:t>+1</m:t>
-                            </m:r>
-                          </m:sub>
-                        </m:sSub>
-                      </m:e>
-                    </m:d>
-                  </m:oMath>
-                </a14:m>
-                <a:r>
-                  <a:rPr lang="en-SG" dirty="0" smtClean="0"/>
-                  <a:t> is mapped onto a polynomial curve between two adjacent joints </a:t>
-                </a:r>
-                <a14:m>
-                  <m:oMath xmlns:m="http://schemas.openxmlformats.org/officeDocument/2006/math">
-                    <m:sSub>
-                      <m:sSubPr>
-                        <m:ctrlPr>
-                          <a:rPr lang="en-SG" i="1">
-                            <a:latin typeface="Cambria Math" panose="02040503050406030204" pitchFamily="18" charset="0"/>
-                          </a:rPr>
-                        </m:ctrlPr>
-                      </m:sSubPr>
-                      <m:e>
-                        <m:r>
-                          <a:rPr lang="en-SG" b="1" i="0" smtClean="0">
-                            <a:latin typeface="Cambria Math" panose="02040503050406030204" pitchFamily="18" charset="0"/>
-                          </a:rPr>
-                          <m:t>𝐫</m:t>
-                        </m:r>
-                        <m:r>
-                          <a:rPr lang="en-SG" b="1" i="0" smtClean="0">
-                            <a:latin typeface="Cambria Math" panose="02040503050406030204" pitchFamily="18" charset="0"/>
-                          </a:rPr>
-                          <m:t>(</m:t>
-                        </m:r>
-                        <m:r>
-                          <m:rPr>
-                            <m:sty m:val="p"/>
-                          </m:rPr>
-                          <a:rPr lang="en-SG" b="0" i="0" smtClean="0">
-                            <a:latin typeface="Cambria Math" panose="02040503050406030204" pitchFamily="18" charset="0"/>
-                          </a:rPr>
-                          <m:t>t</m:t>
-                        </m:r>
-                      </m:e>
-                      <m:sub>
-                        <m:r>
-                          <a:rPr lang="en-SG" i="1">
-                            <a:latin typeface="Cambria Math" panose="02040503050406030204" pitchFamily="18" charset="0"/>
-                          </a:rPr>
-                          <m:t>𝑖</m:t>
-                        </m:r>
-                      </m:sub>
-                    </m:sSub>
-                    <m:r>
-                      <a:rPr lang="en-SG" b="0" i="1" smtClean="0">
-                        <a:latin typeface="Cambria Math" panose="02040503050406030204" pitchFamily="18" charset="0"/>
-                      </a:rPr>
-                      <m:t>)</m:t>
-                    </m:r>
-                    <m:r>
-                      <a:rPr lang="en-SG" i="1">
-                        <a:latin typeface="Cambria Math" panose="02040503050406030204" pitchFamily="18" charset="0"/>
-                      </a:rPr>
-                      <m:t>,</m:t>
-                    </m:r>
-                    <m:sSub>
-                      <m:sSubPr>
-                        <m:ctrlPr>
-                          <a:rPr lang="en-SG" i="1">
-                            <a:latin typeface="Cambria Math" panose="02040503050406030204" pitchFamily="18" charset="0"/>
-                          </a:rPr>
-                        </m:ctrlPr>
-                      </m:sSubPr>
-                      <m:e>
-                        <m:r>
-                          <a:rPr lang="en-SG" b="1" i="0" smtClean="0">
-                            <a:latin typeface="Cambria Math" panose="02040503050406030204" pitchFamily="18" charset="0"/>
-                          </a:rPr>
-                          <m:t>𝐫</m:t>
-                        </m:r>
-                        <m:r>
-                          <a:rPr lang="en-SG" b="1" i="0" smtClean="0">
-                            <a:latin typeface="Cambria Math" panose="02040503050406030204" pitchFamily="18" charset="0"/>
-                          </a:rPr>
-                          <m:t>(</m:t>
-                        </m:r>
-                        <m:r>
-                          <m:rPr>
-                            <m:sty m:val="p"/>
-                          </m:rPr>
-                          <a:rPr lang="en-SG" b="0" i="0" smtClean="0">
-                            <a:latin typeface="Cambria Math" panose="02040503050406030204" pitchFamily="18" charset="0"/>
-                          </a:rPr>
-                          <m:t>t</m:t>
-                        </m:r>
-                      </m:e>
-                      <m:sub>
-                        <m:r>
-                          <a:rPr lang="en-SG" i="1">
-                            <a:latin typeface="Cambria Math" panose="02040503050406030204" pitchFamily="18" charset="0"/>
-                          </a:rPr>
-                          <m:t>𝑖</m:t>
-                        </m:r>
-                        <m:r>
-                          <a:rPr lang="en-SG" i="1">
-                            <a:latin typeface="Cambria Math" panose="02040503050406030204" pitchFamily="18" charset="0"/>
-                          </a:rPr>
-                          <m:t>+1</m:t>
-                        </m:r>
-                      </m:sub>
-                    </m:sSub>
-                    <m:r>
-                      <a:rPr lang="en-SG" b="0" i="1" smtClean="0">
-                        <a:latin typeface="Cambria Math" panose="02040503050406030204" pitchFamily="18" charset="0"/>
-                      </a:rPr>
-                      <m:t>)</m:t>
-                    </m:r>
-                  </m:oMath>
-                </a14:m>
-                <a:endParaRPr lang="en-SG" dirty="0" smtClean="0"/>
               </a:p>
               <a:p>
                 <a:r>
+                  <a:rPr lang="en-SG" dirty="0" smtClean="0"/>
+                  <a:t>To </a:t>
+                </a:r>
+                <a:r>
                   <a:rPr lang="en-SG" dirty="0"/>
-                  <a:t>To define a B-spline curve of degree k, we need specify n+1 control points </a:t>
+                  <a:t>define a B-spline </a:t>
+                </a:r>
+                <a:r>
+                  <a:rPr lang="en-SG" dirty="0" smtClean="0"/>
+                  <a:t>curve, there are three information should be sure: a degree </a:t>
+                </a:r>
+                <a:r>
+                  <a:rPr lang="en-SG" dirty="0"/>
+                  <a:t>k, </a:t>
+                </a:r>
+                <a:r>
+                  <a:rPr lang="en-SG" dirty="0" smtClean="0"/>
+                  <a:t>n+1 </a:t>
+                </a:r>
+                <a:r>
+                  <a:rPr lang="en-SG" dirty="0"/>
+                  <a:t>control points </a:t>
                 </a:r>
                 <a14:m>
                   <m:oMath xmlns:m="http://schemas.openxmlformats.org/officeDocument/2006/math">
@@ -13196,7 +13027,7 @@
                       <a:rPr lang="en-SG" i="1" dirty="0">
                         <a:latin typeface="Cambria Math" panose="02040503050406030204" pitchFamily="18" charset="0"/>
                       </a:rPr>
-                      <m:t>+1</m:t>
+                      <m:t>+2</m:t>
                     </m:r>
                   </m:oMath>
                 </a14:m>
@@ -13324,6 +13155,13 @@
                               </a:rPr>
                               <m:t>𝑘</m:t>
                             </m:r>
+                            <m:r>
+                              <a:rPr lang="en-SG" b="0" i="1" smtClean="0">
+                                <a:latin typeface="Cambria Math" panose="02040503050406030204" pitchFamily="18" charset="0"/>
+                                <a:ea typeface="Cambria Math" panose="02040503050406030204" pitchFamily="18" charset="0"/>
+                              </a:rPr>
+                              <m:t>+1</m:t>
+                            </m:r>
                           </m:sub>
                         </m:sSub>
                       </m:e>
@@ -13363,7 +13201,7 @@
               <a:blipFill>
                 <a:blip r:embed="rId2"/>
                 <a:stretch>
-                  <a:fillRect l="-887" t="-2180" r="-832"/>
+                  <a:fillRect l="-887" t="-2180" r="-832" b="-3198"/>
                 </a:stretch>
               </a:blipFill>
             </p:spPr>
@@ -13499,7 +13337,7 @@
           <a:graphicData uri="http://schemas.openxmlformats.org/presentationml/2006/ole">
             <mc:AlternateContent xmlns:mc="http://schemas.openxmlformats.org/markup-compatibility/2006">
               <mc:Choice xmlns:v="urn:schemas-microsoft-com:vml" Requires="v">
-                <p:oleObj spid="_x0000_s23593" name="Equation" r:id="rId3" imgW="2108160" imgH="241200" progId="Equation.DSMT4">
+                <p:oleObj spid="_x0000_s23627" name="Equation" r:id="rId3" imgW="2108160" imgH="241200" progId="Equation.DSMT4">
                   <p:embed/>
                 </p:oleObj>
               </mc:Choice>
@@ -13556,7 +13394,7 @@
           <a:graphicData uri="http://schemas.openxmlformats.org/presentationml/2006/ole">
             <mc:AlternateContent xmlns:mc="http://schemas.openxmlformats.org/markup-compatibility/2006">
               <mc:Choice xmlns:v="urn:schemas-microsoft-com:vml" Requires="v">
-                <p:oleObj spid="_x0000_s23594" name="Equation" r:id="rId5" imgW="3200400" imgH="1904760" progId="Equation.DSMT4">
+                <p:oleObj spid="_x0000_s23628" name="Equation" r:id="rId5" imgW="3200400" imgH="1904760" progId="Equation.DSMT4">
                   <p:embed/>
                 </p:oleObj>
               </mc:Choice>
@@ -13657,80 +13495,1452 @@
         </p:nvSpPr>
         <p:spPr/>
         <p:txBody>
-          <a:bodyPr>
-            <a:normAutofit/>
-          </a:bodyPr>
-          <a:lstStyle/>
-          <a:p>
-            <a:r>
-              <a:rPr lang="en-SG" dirty="0"/>
-              <a:t>Geometry of curve – NURBS</a:t>
-            </a:r>
-          </a:p>
-        </p:txBody>
-      </p:sp>
-      <p:sp>
-        <p:nvSpPr>
-          <p:cNvPr id="3" name="内容占位符 2"/>
-          <p:cNvSpPr>
-            <a:spLocks noGrp="1"/>
-          </p:cNvSpPr>
-          <p:nvPr>
-            <p:ph idx="1"/>
-          </p:nvPr>
-        </p:nvSpPr>
-        <p:spPr/>
-        <p:txBody>
           <a:bodyPr/>
           <a:lstStyle/>
           <a:p>
             <a:r>
-              <a:rPr lang="en-US" dirty="0" smtClean="0"/>
-              <a:t>In practice, a knot vector always be normalized into [0,1] and the distance between any two knots is not evenly again, in addition, all </a:t>
-            </a:r>
-            <a:r>
-              <a:rPr lang="en-US" dirty="0" err="1" smtClean="0"/>
-              <a:t>Ws</a:t>
-            </a:r>
-            <a:r>
-              <a:rPr lang="en-US" dirty="0" smtClean="0"/>
-              <a:t> are rational polynomials. Under these conditions, we got NURBS. It is short </a:t>
-            </a:r>
-            <a:r>
-              <a:rPr lang="en-US" dirty="0"/>
-              <a:t>of Non-Uniform Rational </a:t>
-            </a:r>
-            <a:r>
-              <a:rPr lang="en-US" dirty="0" smtClean="0"/>
-              <a:t>Basic Spline.</a:t>
-            </a:r>
-            <a:endParaRPr lang="en-US" dirty="0" smtClean="0"/>
-          </a:p>
-          <a:p>
-            <a:r>
-              <a:rPr lang="en-US" dirty="0" smtClean="0"/>
-              <a:t>NURBS is </a:t>
-            </a:r>
-            <a:r>
-              <a:rPr lang="en-US" dirty="0" smtClean="0"/>
-              <a:t>actually an industry </a:t>
-            </a:r>
-            <a:r>
-              <a:rPr lang="en-US" smtClean="0"/>
-              <a:t>standard adopted </a:t>
-            </a:r>
-            <a:r>
-              <a:rPr lang="en-US" dirty="0" smtClean="0"/>
-              <a:t>by most of commercial CAD systems.</a:t>
-            </a:r>
-            <a:endParaRPr lang="en-SG" dirty="0"/>
-          </a:p>
-        </p:txBody>
-      </p:sp>
+              <a:rPr lang="en-SG" dirty="0"/>
+              <a:t>Geometry of curve – B-spline curves</a:t>
+            </a:r>
+          </a:p>
+        </p:txBody>
+      </p:sp>
+      <p:grpSp>
+        <p:nvGrpSpPr>
+          <p:cNvPr id="65" name="组合 64"/>
+          <p:cNvGrpSpPr/>
+          <p:nvPr/>
+        </p:nvGrpSpPr>
+        <p:grpSpPr>
+          <a:xfrm>
+            <a:off x="2182440" y="1848639"/>
+            <a:ext cx="7827119" cy="3063773"/>
+            <a:chOff x="2182440" y="1910422"/>
+            <a:chExt cx="7827119" cy="3063773"/>
+          </a:xfrm>
+        </p:grpSpPr>
+        <p:sp>
+          <p:nvSpPr>
+            <p:cNvPr id="26" name="文本框 25"/>
+            <p:cNvSpPr txBox="1"/>
+            <p:nvPr/>
+          </p:nvSpPr>
+          <p:spPr>
+            <a:xfrm>
+              <a:off x="6729314" y="1910422"/>
+              <a:ext cx="691979" cy="369332"/>
+            </a:xfrm>
+            <a:prstGeom prst="rect">
+              <a:avLst/>
+            </a:prstGeom>
+            <a:noFill/>
+          </p:spPr>
+          <p:txBody>
+            <a:bodyPr wrap="square" rtlCol="0">
+              <a:spAutoFit/>
+            </a:bodyPr>
+            <a:lstStyle/>
+            <a:p>
+              <a:r>
+                <a:rPr lang="en-SG" dirty="0" smtClean="0"/>
+                <a:t>p</a:t>
+              </a:r>
+              <a:r>
+                <a:rPr lang="en-SG" baseline="-25000" dirty="0" smtClean="0"/>
+                <a:t>i+1</a:t>
+              </a:r>
+              <a:endParaRPr lang="en-SG" sz="1200" baseline="-25000" dirty="0"/>
+            </a:p>
+          </p:txBody>
+        </p:sp>
+        <p:grpSp>
+          <p:nvGrpSpPr>
+            <p:cNvPr id="64" name="组合 63"/>
+            <p:cNvGrpSpPr/>
+            <p:nvPr/>
+          </p:nvGrpSpPr>
+          <p:grpSpPr>
+            <a:xfrm>
+              <a:off x="2182440" y="2065547"/>
+              <a:ext cx="7827119" cy="2908648"/>
+              <a:chOff x="2139213" y="2102794"/>
+              <a:chExt cx="7827119" cy="2908648"/>
+            </a:xfrm>
+          </p:grpSpPr>
+          <p:sp>
+            <p:nvSpPr>
+              <p:cNvPr id="4" name="流程图: 接点 3"/>
+              <p:cNvSpPr/>
+              <p:nvPr/>
+            </p:nvSpPr>
+            <p:spPr>
+              <a:xfrm>
+                <a:off x="3297195" y="3282777"/>
+                <a:ext cx="98854" cy="111211"/>
+              </a:xfrm>
+              <a:prstGeom prst="flowChartConnector">
+                <a:avLst/>
+              </a:prstGeom>
+            </p:spPr>
+            <p:style>
+              <a:lnRef idx="2">
+                <a:schemeClr val="accent1">
+                  <a:shade val="50000"/>
+                </a:schemeClr>
+              </a:lnRef>
+              <a:fillRef idx="1">
+                <a:schemeClr val="accent1"/>
+              </a:fillRef>
+              <a:effectRef idx="0">
+                <a:schemeClr val="accent1"/>
+              </a:effectRef>
+              <a:fontRef idx="minor">
+                <a:schemeClr val="lt1"/>
+              </a:fontRef>
+            </p:style>
+            <p:txBody>
+              <a:bodyPr rtlCol="0" anchor="ctr"/>
+              <a:lstStyle/>
+              <a:p>
+                <a:pPr algn="ctr"/>
+                <a:endParaRPr lang="en-SG"/>
+              </a:p>
+            </p:txBody>
+          </p:sp>
+          <p:sp>
+            <p:nvSpPr>
+              <p:cNvPr id="6" name="流程图: 接点 5"/>
+              <p:cNvSpPr/>
+              <p:nvPr/>
+            </p:nvSpPr>
+            <p:spPr>
+              <a:xfrm>
+                <a:off x="4345460" y="2583527"/>
+                <a:ext cx="98854" cy="111211"/>
+              </a:xfrm>
+              <a:prstGeom prst="flowChartConnector">
+                <a:avLst/>
+              </a:prstGeom>
+            </p:spPr>
+            <p:style>
+              <a:lnRef idx="2">
+                <a:schemeClr val="accent1">
+                  <a:shade val="50000"/>
+                </a:schemeClr>
+              </a:lnRef>
+              <a:fillRef idx="1">
+                <a:schemeClr val="accent1"/>
+              </a:fillRef>
+              <a:effectRef idx="0">
+                <a:schemeClr val="accent1"/>
+              </a:effectRef>
+              <a:fontRef idx="minor">
+                <a:schemeClr val="lt1"/>
+              </a:fontRef>
+            </p:style>
+            <p:txBody>
+              <a:bodyPr rtlCol="0" anchor="ctr"/>
+              <a:lstStyle/>
+              <a:p>
+                <a:pPr algn="ctr"/>
+                <a:endParaRPr lang="en-SG"/>
+              </a:p>
+            </p:txBody>
+          </p:sp>
+          <p:sp>
+            <p:nvSpPr>
+              <p:cNvPr id="7" name="流程图: 接点 6"/>
+              <p:cNvSpPr/>
+              <p:nvPr/>
+            </p:nvSpPr>
+            <p:spPr>
+              <a:xfrm>
+                <a:off x="5482282" y="3227172"/>
+                <a:ext cx="98854" cy="111211"/>
+              </a:xfrm>
+              <a:prstGeom prst="flowChartConnector">
+                <a:avLst/>
+              </a:prstGeom>
+            </p:spPr>
+            <p:style>
+              <a:lnRef idx="2">
+                <a:schemeClr val="accent1">
+                  <a:shade val="50000"/>
+                </a:schemeClr>
+              </a:lnRef>
+              <a:fillRef idx="1">
+                <a:schemeClr val="accent1"/>
+              </a:fillRef>
+              <a:effectRef idx="0">
+                <a:schemeClr val="accent1"/>
+              </a:effectRef>
+              <a:fontRef idx="minor">
+                <a:schemeClr val="lt1"/>
+              </a:fontRef>
+            </p:style>
+            <p:txBody>
+              <a:bodyPr rtlCol="0" anchor="ctr"/>
+              <a:lstStyle/>
+              <a:p>
+                <a:pPr algn="ctr"/>
+                <a:endParaRPr lang="en-SG"/>
+              </a:p>
+            </p:txBody>
+          </p:sp>
+          <p:sp>
+            <p:nvSpPr>
+              <p:cNvPr id="8" name="流程图: 接点 7"/>
+              <p:cNvSpPr/>
+              <p:nvPr/>
+            </p:nvSpPr>
+            <p:spPr>
+              <a:xfrm>
+                <a:off x="6845644" y="2347718"/>
+                <a:ext cx="98854" cy="111211"/>
+              </a:xfrm>
+              <a:prstGeom prst="flowChartConnector">
+                <a:avLst/>
+              </a:prstGeom>
+            </p:spPr>
+            <p:style>
+              <a:lnRef idx="2">
+                <a:schemeClr val="accent1">
+                  <a:shade val="50000"/>
+                </a:schemeClr>
+              </a:lnRef>
+              <a:fillRef idx="1">
+                <a:schemeClr val="accent1"/>
+              </a:fillRef>
+              <a:effectRef idx="0">
+                <a:schemeClr val="accent1"/>
+              </a:effectRef>
+              <a:fontRef idx="minor">
+                <a:schemeClr val="lt1"/>
+              </a:fontRef>
+            </p:style>
+            <p:txBody>
+              <a:bodyPr rtlCol="0" anchor="ctr"/>
+              <a:lstStyle/>
+              <a:p>
+                <a:pPr algn="ctr"/>
+                <a:endParaRPr lang="en-SG"/>
+              </a:p>
+            </p:txBody>
+          </p:sp>
+          <p:sp>
+            <p:nvSpPr>
+              <p:cNvPr id="9" name="流程图: 接点 8"/>
+              <p:cNvSpPr/>
+              <p:nvPr/>
+            </p:nvSpPr>
+            <p:spPr>
+              <a:xfrm>
+                <a:off x="8036012" y="2994454"/>
+                <a:ext cx="98854" cy="111211"/>
+              </a:xfrm>
+              <a:prstGeom prst="flowChartConnector">
+                <a:avLst/>
+              </a:prstGeom>
+            </p:spPr>
+            <p:style>
+              <a:lnRef idx="2">
+                <a:schemeClr val="accent1">
+                  <a:shade val="50000"/>
+                </a:schemeClr>
+              </a:lnRef>
+              <a:fillRef idx="1">
+                <a:schemeClr val="accent1"/>
+              </a:fillRef>
+              <a:effectRef idx="0">
+                <a:schemeClr val="accent1"/>
+              </a:effectRef>
+              <a:fontRef idx="minor">
+                <a:schemeClr val="lt1"/>
+              </a:fontRef>
+            </p:style>
+            <p:txBody>
+              <a:bodyPr rtlCol="0" anchor="ctr"/>
+              <a:lstStyle/>
+              <a:p>
+                <a:pPr algn="ctr"/>
+                <a:endParaRPr lang="en-SG"/>
+              </a:p>
+            </p:txBody>
+          </p:sp>
+          <p:cxnSp>
+            <p:nvCxnSpPr>
+              <p:cNvPr id="11" name="直接连接符 10"/>
+              <p:cNvCxnSpPr>
+                <a:endCxn id="6" idx="2"/>
+              </p:cNvCxnSpPr>
+              <p:nvPr/>
+            </p:nvCxnSpPr>
+            <p:spPr>
+              <a:xfrm flipV="1">
+                <a:off x="3332145" y="2639133"/>
+                <a:ext cx="1013315" cy="685287"/>
+              </a:xfrm>
+              <a:prstGeom prst="line">
+                <a:avLst/>
+              </a:prstGeom>
+            </p:spPr>
+            <p:style>
+              <a:lnRef idx="1">
+                <a:schemeClr val="accent1"/>
+              </a:lnRef>
+              <a:fillRef idx="0">
+                <a:schemeClr val="accent1"/>
+              </a:fillRef>
+              <a:effectRef idx="0">
+                <a:schemeClr val="accent1"/>
+              </a:effectRef>
+              <a:fontRef idx="minor">
+                <a:schemeClr val="tx1"/>
+              </a:fontRef>
+            </p:style>
+          </p:cxnSp>
+          <p:cxnSp>
+            <p:nvCxnSpPr>
+              <p:cNvPr id="16" name="直接连接符 15"/>
+              <p:cNvCxnSpPr/>
+              <p:nvPr/>
+            </p:nvCxnSpPr>
+            <p:spPr>
+              <a:xfrm>
+                <a:off x="4444314" y="2667965"/>
+                <a:ext cx="1087395" cy="588039"/>
+              </a:xfrm>
+              <a:prstGeom prst="line">
+                <a:avLst/>
+              </a:prstGeom>
+            </p:spPr>
+            <p:style>
+              <a:lnRef idx="1">
+                <a:schemeClr val="accent1"/>
+              </a:lnRef>
+              <a:fillRef idx="0">
+                <a:schemeClr val="accent1"/>
+              </a:fillRef>
+              <a:effectRef idx="0">
+                <a:schemeClr val="accent1"/>
+              </a:effectRef>
+              <a:fontRef idx="minor">
+                <a:schemeClr val="tx1"/>
+              </a:fontRef>
+            </p:style>
+          </p:cxnSp>
+          <p:cxnSp>
+            <p:nvCxnSpPr>
+              <p:cNvPr id="19" name="直接连接符 18"/>
+              <p:cNvCxnSpPr>
+                <a:endCxn id="8" idx="3"/>
+              </p:cNvCxnSpPr>
+              <p:nvPr/>
+            </p:nvCxnSpPr>
+            <p:spPr>
+              <a:xfrm flipV="1">
+                <a:off x="5531709" y="2442643"/>
+                <a:ext cx="1328412" cy="827776"/>
+              </a:xfrm>
+              <a:prstGeom prst="line">
+                <a:avLst/>
+              </a:prstGeom>
+            </p:spPr>
+            <p:style>
+              <a:lnRef idx="1">
+                <a:schemeClr val="accent1"/>
+              </a:lnRef>
+              <a:fillRef idx="0">
+                <a:schemeClr val="accent1"/>
+              </a:fillRef>
+              <a:effectRef idx="0">
+                <a:schemeClr val="accent1"/>
+              </a:effectRef>
+              <a:fontRef idx="minor">
+                <a:schemeClr val="tx1"/>
+              </a:fontRef>
+            </p:style>
+          </p:cxnSp>
+          <p:cxnSp>
+            <p:nvCxnSpPr>
+              <p:cNvPr id="22" name="直接连接符 21"/>
+              <p:cNvCxnSpPr>
+                <a:stCxn id="8" idx="2"/>
+                <a:endCxn id="9" idx="1"/>
+              </p:cNvCxnSpPr>
+              <p:nvPr/>
+            </p:nvCxnSpPr>
+            <p:spPr>
+              <a:xfrm>
+                <a:off x="6845644" y="2403324"/>
+                <a:ext cx="1204845" cy="607416"/>
+              </a:xfrm>
+              <a:prstGeom prst="line">
+                <a:avLst/>
+              </a:prstGeom>
+            </p:spPr>
+            <p:style>
+              <a:lnRef idx="1">
+                <a:schemeClr val="accent1"/>
+              </a:lnRef>
+              <a:fillRef idx="0">
+                <a:schemeClr val="accent1"/>
+              </a:fillRef>
+              <a:effectRef idx="0">
+                <a:schemeClr val="accent1"/>
+              </a:effectRef>
+              <a:fontRef idx="minor">
+                <a:schemeClr val="tx1"/>
+              </a:fontRef>
+            </p:style>
+          </p:cxnSp>
+          <p:sp>
+            <p:nvSpPr>
+              <p:cNvPr id="23" name="文本框 22"/>
+              <p:cNvSpPr txBox="1"/>
+              <p:nvPr/>
+            </p:nvSpPr>
+            <p:spPr>
+              <a:xfrm>
+                <a:off x="2842053" y="3105665"/>
+                <a:ext cx="691979" cy="369332"/>
+              </a:xfrm>
+              <a:prstGeom prst="rect">
+                <a:avLst/>
+              </a:prstGeom>
+              <a:noFill/>
+            </p:spPr>
+            <p:txBody>
+              <a:bodyPr wrap="square" rtlCol="0">
+                <a:spAutoFit/>
+              </a:bodyPr>
+              <a:lstStyle/>
+              <a:p>
+                <a:r>
+                  <a:rPr lang="en-SG" dirty="0" smtClean="0"/>
+                  <a:t>p</a:t>
+                </a:r>
+                <a:r>
+                  <a:rPr lang="en-SG" baseline="-25000" dirty="0" smtClean="0"/>
+                  <a:t>i-2</a:t>
+                </a:r>
+                <a:endParaRPr lang="en-SG" sz="1200" baseline="-25000" dirty="0"/>
+              </a:p>
+            </p:txBody>
+          </p:sp>
+          <p:sp>
+            <p:nvSpPr>
+              <p:cNvPr id="24" name="文本框 23"/>
+              <p:cNvSpPr txBox="1"/>
+              <p:nvPr/>
+            </p:nvSpPr>
+            <p:spPr>
+              <a:xfrm>
+                <a:off x="4182762" y="2102794"/>
+                <a:ext cx="691979" cy="369332"/>
+              </a:xfrm>
+              <a:prstGeom prst="rect">
+                <a:avLst/>
+              </a:prstGeom>
+              <a:noFill/>
+            </p:spPr>
+            <p:txBody>
+              <a:bodyPr wrap="square" rtlCol="0">
+                <a:spAutoFit/>
+              </a:bodyPr>
+              <a:lstStyle/>
+              <a:p>
+                <a:r>
+                  <a:rPr lang="en-SG" dirty="0" smtClean="0"/>
+                  <a:t>p</a:t>
+                </a:r>
+                <a:r>
+                  <a:rPr lang="en-SG" baseline="-25000" dirty="0" smtClean="0"/>
+                  <a:t>i-1</a:t>
+                </a:r>
+                <a:endParaRPr lang="en-SG" sz="1200" baseline="-25000" dirty="0"/>
+              </a:p>
+            </p:txBody>
+          </p:sp>
+          <p:sp>
+            <p:nvSpPr>
+              <p:cNvPr id="25" name="文本框 24"/>
+              <p:cNvSpPr txBox="1"/>
+              <p:nvPr/>
+            </p:nvSpPr>
+            <p:spPr>
+              <a:xfrm>
+                <a:off x="5323763" y="2723629"/>
+                <a:ext cx="691979" cy="369332"/>
+              </a:xfrm>
+              <a:prstGeom prst="rect">
+                <a:avLst/>
+              </a:prstGeom>
+              <a:noFill/>
+            </p:spPr>
+            <p:txBody>
+              <a:bodyPr wrap="square" rtlCol="0">
+                <a:spAutoFit/>
+              </a:bodyPr>
+              <a:lstStyle/>
+              <a:p>
+                <a:r>
+                  <a:rPr lang="en-SG" dirty="0" smtClean="0"/>
+                  <a:t>p</a:t>
+                </a:r>
+                <a:r>
+                  <a:rPr lang="en-SG" baseline="-25000" dirty="0" smtClean="0"/>
+                  <a:t>i</a:t>
+                </a:r>
+                <a:endParaRPr lang="en-SG" sz="1200" baseline="-25000" dirty="0"/>
+              </a:p>
+            </p:txBody>
+          </p:sp>
+          <p:sp>
+            <p:nvSpPr>
+              <p:cNvPr id="27" name="文本框 26"/>
+              <p:cNvSpPr txBox="1"/>
+              <p:nvPr/>
+            </p:nvSpPr>
+            <p:spPr>
+              <a:xfrm>
+                <a:off x="8036012" y="2530197"/>
+                <a:ext cx="691979" cy="369332"/>
+              </a:xfrm>
+              <a:prstGeom prst="rect">
+                <a:avLst/>
+              </a:prstGeom>
+              <a:noFill/>
+            </p:spPr>
+            <p:txBody>
+              <a:bodyPr wrap="square" rtlCol="0">
+                <a:spAutoFit/>
+              </a:bodyPr>
+              <a:lstStyle/>
+              <a:p>
+                <a:r>
+                  <a:rPr lang="en-SG" dirty="0" smtClean="0"/>
+                  <a:t>p</a:t>
+                </a:r>
+                <a:r>
+                  <a:rPr lang="en-SG" baseline="-25000" dirty="0" smtClean="0"/>
+                  <a:t>i+2</a:t>
+                </a:r>
+                <a:endParaRPr lang="en-SG" sz="1200" baseline="-25000" dirty="0"/>
+              </a:p>
+            </p:txBody>
+          </p:sp>
+          <p:cxnSp>
+            <p:nvCxnSpPr>
+              <p:cNvPr id="29" name="直接连接符 28"/>
+              <p:cNvCxnSpPr/>
+              <p:nvPr/>
+            </p:nvCxnSpPr>
+            <p:spPr>
+              <a:xfrm>
+                <a:off x="2187146" y="4584357"/>
+                <a:ext cx="7451124" cy="33981"/>
+              </a:xfrm>
+              <a:prstGeom prst="line">
+                <a:avLst/>
+              </a:prstGeom>
+            </p:spPr>
+            <p:style>
+              <a:lnRef idx="1">
+                <a:schemeClr val="dk1"/>
+              </a:lnRef>
+              <a:fillRef idx="0">
+                <a:schemeClr val="dk1"/>
+              </a:fillRef>
+              <a:effectRef idx="0">
+                <a:schemeClr val="dk1"/>
+              </a:effectRef>
+              <a:fontRef idx="minor">
+                <a:schemeClr val="tx1"/>
+              </a:fontRef>
+            </p:style>
+          </p:cxnSp>
+          <p:sp>
+            <p:nvSpPr>
+              <p:cNvPr id="32" name="等腰三角形 31"/>
+              <p:cNvSpPr/>
+              <p:nvPr/>
+            </p:nvSpPr>
+            <p:spPr>
+              <a:xfrm>
+                <a:off x="3332145" y="4507127"/>
+                <a:ext cx="63904" cy="135924"/>
+              </a:xfrm>
+              <a:prstGeom prst="triangle">
+                <a:avLst/>
+              </a:prstGeom>
+            </p:spPr>
+            <p:style>
+              <a:lnRef idx="2">
+                <a:schemeClr val="accent1">
+                  <a:shade val="50000"/>
+                </a:schemeClr>
+              </a:lnRef>
+              <a:fillRef idx="1">
+                <a:schemeClr val="accent1"/>
+              </a:fillRef>
+              <a:effectRef idx="0">
+                <a:schemeClr val="accent1"/>
+              </a:effectRef>
+              <a:fontRef idx="minor">
+                <a:schemeClr val="lt1"/>
+              </a:fontRef>
+            </p:style>
+            <p:txBody>
+              <a:bodyPr rtlCol="0" anchor="ctr"/>
+              <a:lstStyle/>
+              <a:p>
+                <a:pPr algn="ctr"/>
+                <a:endParaRPr lang="en-SG"/>
+              </a:p>
+            </p:txBody>
+          </p:sp>
+          <p:sp>
+            <p:nvSpPr>
+              <p:cNvPr id="34" name="等腰三角形 33"/>
+              <p:cNvSpPr/>
+              <p:nvPr/>
+            </p:nvSpPr>
+            <p:spPr>
+              <a:xfrm>
+                <a:off x="2278141" y="4507127"/>
+                <a:ext cx="63904" cy="135924"/>
+              </a:xfrm>
+              <a:prstGeom prst="triangle">
+                <a:avLst/>
+              </a:prstGeom>
+            </p:spPr>
+            <p:style>
+              <a:lnRef idx="2">
+                <a:schemeClr val="accent1">
+                  <a:shade val="50000"/>
+                </a:schemeClr>
+              </a:lnRef>
+              <a:fillRef idx="1">
+                <a:schemeClr val="accent1"/>
+              </a:fillRef>
+              <a:effectRef idx="0">
+                <a:schemeClr val="accent1"/>
+              </a:effectRef>
+              <a:fontRef idx="minor">
+                <a:schemeClr val="lt1"/>
+              </a:fontRef>
+            </p:style>
+            <p:txBody>
+              <a:bodyPr rtlCol="0" anchor="ctr"/>
+              <a:lstStyle/>
+              <a:p>
+                <a:pPr algn="ctr"/>
+                <a:endParaRPr lang="en-SG"/>
+              </a:p>
+            </p:txBody>
+          </p:sp>
+          <p:sp>
+            <p:nvSpPr>
+              <p:cNvPr id="35" name="等腰三角形 34"/>
+              <p:cNvSpPr/>
+              <p:nvPr/>
+            </p:nvSpPr>
+            <p:spPr>
+              <a:xfrm>
+                <a:off x="9049327" y="4519484"/>
+                <a:ext cx="63904" cy="135924"/>
+              </a:xfrm>
+              <a:prstGeom prst="triangle">
+                <a:avLst/>
+              </a:prstGeom>
+            </p:spPr>
+            <p:style>
+              <a:lnRef idx="2">
+                <a:schemeClr val="accent1">
+                  <a:shade val="50000"/>
+                </a:schemeClr>
+              </a:lnRef>
+              <a:fillRef idx="1">
+                <a:schemeClr val="accent1"/>
+              </a:fillRef>
+              <a:effectRef idx="0">
+                <a:schemeClr val="accent1"/>
+              </a:effectRef>
+              <a:fontRef idx="minor">
+                <a:schemeClr val="lt1"/>
+              </a:fontRef>
+            </p:style>
+            <p:txBody>
+              <a:bodyPr rtlCol="0" anchor="ctr"/>
+              <a:lstStyle/>
+              <a:p>
+                <a:pPr algn="ctr"/>
+                <a:endParaRPr lang="en-SG"/>
+              </a:p>
+            </p:txBody>
+          </p:sp>
+          <p:sp>
+            <p:nvSpPr>
+              <p:cNvPr id="36" name="等腰三角形 35"/>
+              <p:cNvSpPr/>
+              <p:nvPr/>
+            </p:nvSpPr>
+            <p:spPr>
+              <a:xfrm>
+                <a:off x="4362935" y="4516395"/>
+                <a:ext cx="63904" cy="135924"/>
+              </a:xfrm>
+              <a:prstGeom prst="triangle">
+                <a:avLst/>
+              </a:prstGeom>
+            </p:spPr>
+            <p:style>
+              <a:lnRef idx="2">
+                <a:schemeClr val="accent1">
+                  <a:shade val="50000"/>
+                </a:schemeClr>
+              </a:lnRef>
+              <a:fillRef idx="1">
+                <a:schemeClr val="accent1"/>
+              </a:fillRef>
+              <a:effectRef idx="0">
+                <a:schemeClr val="accent1"/>
+              </a:effectRef>
+              <a:fontRef idx="minor">
+                <a:schemeClr val="lt1"/>
+              </a:fontRef>
+            </p:style>
+            <p:txBody>
+              <a:bodyPr rtlCol="0" anchor="ctr"/>
+              <a:lstStyle/>
+              <a:p>
+                <a:pPr algn="ctr"/>
+                <a:endParaRPr lang="en-SG"/>
+              </a:p>
+            </p:txBody>
+          </p:sp>
+          <p:sp>
+            <p:nvSpPr>
+              <p:cNvPr id="37" name="等腰三角形 36"/>
+              <p:cNvSpPr/>
+              <p:nvPr/>
+            </p:nvSpPr>
+            <p:spPr>
+              <a:xfrm>
+                <a:off x="8050489" y="4507127"/>
+                <a:ext cx="63904" cy="135924"/>
+              </a:xfrm>
+              <a:prstGeom prst="triangle">
+                <a:avLst/>
+              </a:prstGeom>
+            </p:spPr>
+            <p:style>
+              <a:lnRef idx="2">
+                <a:schemeClr val="accent1">
+                  <a:shade val="50000"/>
+                </a:schemeClr>
+              </a:lnRef>
+              <a:fillRef idx="1">
+                <a:schemeClr val="accent1"/>
+              </a:fillRef>
+              <a:effectRef idx="0">
+                <a:schemeClr val="accent1"/>
+              </a:effectRef>
+              <a:fontRef idx="minor">
+                <a:schemeClr val="lt1"/>
+              </a:fontRef>
+            </p:style>
+            <p:txBody>
+              <a:bodyPr rtlCol="0" anchor="ctr"/>
+              <a:lstStyle/>
+              <a:p>
+                <a:pPr algn="ctr"/>
+                <a:endParaRPr lang="en-SG"/>
+              </a:p>
+            </p:txBody>
+          </p:sp>
+          <p:sp>
+            <p:nvSpPr>
+              <p:cNvPr id="38" name="等腰三角形 37"/>
+              <p:cNvSpPr/>
+              <p:nvPr/>
+            </p:nvSpPr>
+            <p:spPr>
+              <a:xfrm>
+                <a:off x="6796217" y="4522573"/>
+                <a:ext cx="63904" cy="135924"/>
+              </a:xfrm>
+              <a:prstGeom prst="triangle">
+                <a:avLst/>
+              </a:prstGeom>
+            </p:spPr>
+            <p:style>
+              <a:lnRef idx="2">
+                <a:schemeClr val="accent1">
+                  <a:shade val="50000"/>
+                </a:schemeClr>
+              </a:lnRef>
+              <a:fillRef idx="1">
+                <a:schemeClr val="accent1"/>
+              </a:fillRef>
+              <a:effectRef idx="0">
+                <a:schemeClr val="accent1"/>
+              </a:effectRef>
+              <a:fontRef idx="minor">
+                <a:schemeClr val="lt1"/>
+              </a:fontRef>
+            </p:style>
+            <p:txBody>
+              <a:bodyPr rtlCol="0" anchor="ctr"/>
+              <a:lstStyle/>
+              <a:p>
+                <a:pPr algn="ctr"/>
+                <a:endParaRPr lang="en-SG"/>
+              </a:p>
+            </p:txBody>
+          </p:sp>
+          <p:sp>
+            <p:nvSpPr>
+              <p:cNvPr id="39" name="等腰三角形 38"/>
+              <p:cNvSpPr/>
+              <p:nvPr/>
+            </p:nvSpPr>
+            <p:spPr>
+              <a:xfrm>
+                <a:off x="5499757" y="4516395"/>
+                <a:ext cx="63904" cy="135924"/>
+              </a:xfrm>
+              <a:prstGeom prst="triangle">
+                <a:avLst/>
+              </a:prstGeom>
+            </p:spPr>
+            <p:style>
+              <a:lnRef idx="2">
+                <a:schemeClr val="accent1">
+                  <a:shade val="50000"/>
+                </a:schemeClr>
+              </a:lnRef>
+              <a:fillRef idx="1">
+                <a:schemeClr val="accent1"/>
+              </a:fillRef>
+              <a:effectRef idx="0">
+                <a:schemeClr val="accent1"/>
+              </a:effectRef>
+              <a:fontRef idx="minor">
+                <a:schemeClr val="lt1"/>
+              </a:fontRef>
+            </p:style>
+            <p:txBody>
+              <a:bodyPr rtlCol="0" anchor="ctr"/>
+              <a:lstStyle/>
+              <a:p>
+                <a:pPr algn="ctr"/>
+                <a:endParaRPr lang="en-SG"/>
+              </a:p>
+            </p:txBody>
+          </p:sp>
+          <p:cxnSp>
+            <p:nvCxnSpPr>
+              <p:cNvPr id="43" name="直接连接符 42"/>
+              <p:cNvCxnSpPr>
+                <a:stCxn id="32" idx="5"/>
+                <a:endCxn id="6" idx="4"/>
+              </p:cNvCxnSpPr>
+              <p:nvPr/>
+            </p:nvCxnSpPr>
+            <p:spPr>
+              <a:xfrm flipV="1">
+                <a:off x="3380073" y="2694738"/>
+                <a:ext cx="1014814" cy="1880351"/>
+              </a:xfrm>
+              <a:prstGeom prst="line">
+                <a:avLst/>
+              </a:prstGeom>
+              <a:ln w="9525" cap="flat" cmpd="sng" algn="ctr">
+                <a:solidFill>
+                  <a:schemeClr val="accent2"/>
+                </a:solidFill>
+                <a:prstDash val="dash"/>
+                <a:round/>
+                <a:headEnd type="none" w="med" len="med"/>
+                <a:tailEnd type="none" w="med" len="med"/>
+              </a:ln>
+            </p:spPr>
+            <p:style>
+              <a:lnRef idx="0">
+                <a:scrgbClr r="0" g="0" b="0"/>
+              </a:lnRef>
+              <a:fillRef idx="0">
+                <a:scrgbClr r="0" g="0" b="0"/>
+              </a:fillRef>
+              <a:effectRef idx="0">
+                <a:scrgbClr r="0" g="0" b="0"/>
+              </a:effectRef>
+              <a:fontRef idx="minor">
+                <a:schemeClr val="tx1"/>
+              </a:fontRef>
+            </p:style>
+          </p:cxnSp>
+          <p:cxnSp>
+            <p:nvCxnSpPr>
+              <p:cNvPr id="45" name="直接连接符 44"/>
+              <p:cNvCxnSpPr>
+                <a:stCxn id="6" idx="4"/>
+                <a:endCxn id="39" idx="1"/>
+              </p:cNvCxnSpPr>
+              <p:nvPr/>
+            </p:nvCxnSpPr>
+            <p:spPr>
+              <a:xfrm>
+                <a:off x="4394887" y="2694738"/>
+                <a:ext cx="1120846" cy="1889619"/>
+              </a:xfrm>
+              <a:prstGeom prst="line">
+                <a:avLst/>
+              </a:prstGeom>
+              <a:ln w="9525" cap="flat" cmpd="sng" algn="ctr">
+                <a:solidFill>
+                  <a:schemeClr val="accent2"/>
+                </a:solidFill>
+                <a:prstDash val="dash"/>
+                <a:round/>
+                <a:headEnd type="none" w="med" len="med"/>
+                <a:tailEnd type="none" w="med" len="med"/>
+              </a:ln>
+            </p:spPr>
+            <p:style>
+              <a:lnRef idx="0">
+                <a:scrgbClr r="0" g="0" b="0"/>
+              </a:lnRef>
+              <a:fillRef idx="0">
+                <a:scrgbClr r="0" g="0" b="0"/>
+              </a:fillRef>
+              <a:effectRef idx="0">
+                <a:scrgbClr r="0" g="0" b="0"/>
+              </a:effectRef>
+              <a:fontRef idx="minor">
+                <a:schemeClr val="tx1"/>
+              </a:fontRef>
+            </p:style>
+          </p:cxnSp>
+          <p:cxnSp>
+            <p:nvCxnSpPr>
+              <p:cNvPr id="47" name="直接连接符 46"/>
+              <p:cNvCxnSpPr>
+                <a:stCxn id="36" idx="5"/>
+                <a:endCxn id="7" idx="3"/>
+              </p:cNvCxnSpPr>
+              <p:nvPr/>
+            </p:nvCxnSpPr>
+            <p:spPr>
+              <a:xfrm flipV="1">
+                <a:off x="4410863" y="3322097"/>
+                <a:ext cx="1085896" cy="1262260"/>
+              </a:xfrm>
+              <a:prstGeom prst="line">
+                <a:avLst/>
+              </a:prstGeom>
+              <a:ln w="9525" cap="flat" cmpd="sng" algn="ctr">
+                <a:solidFill>
+                  <a:schemeClr val="accent6"/>
+                </a:solidFill>
+                <a:prstDash val="dash"/>
+                <a:round/>
+                <a:headEnd type="none" w="med" len="med"/>
+                <a:tailEnd type="none" w="med" len="med"/>
+              </a:ln>
+            </p:spPr>
+            <p:style>
+              <a:lnRef idx="0">
+                <a:scrgbClr r="0" g="0" b="0"/>
+              </a:lnRef>
+              <a:fillRef idx="0">
+                <a:scrgbClr r="0" g="0" b="0"/>
+              </a:fillRef>
+              <a:effectRef idx="0">
+                <a:scrgbClr r="0" g="0" b="0"/>
+              </a:effectRef>
+              <a:fontRef idx="minor">
+                <a:schemeClr val="tx1"/>
+              </a:fontRef>
+            </p:style>
+          </p:cxnSp>
+          <p:cxnSp>
+            <p:nvCxnSpPr>
+              <p:cNvPr id="49" name="直接连接符 48"/>
+              <p:cNvCxnSpPr>
+                <a:stCxn id="38" idx="1"/>
+                <a:endCxn id="7" idx="5"/>
+              </p:cNvCxnSpPr>
+              <p:nvPr/>
+            </p:nvCxnSpPr>
+            <p:spPr>
+              <a:xfrm flipH="1" flipV="1">
+                <a:off x="5566659" y="3322097"/>
+                <a:ext cx="1245534" cy="1268438"/>
+              </a:xfrm>
+              <a:prstGeom prst="line">
+                <a:avLst/>
+              </a:prstGeom>
+              <a:ln w="9525" cap="flat" cmpd="sng" algn="ctr">
+                <a:solidFill>
+                  <a:schemeClr val="accent6"/>
+                </a:solidFill>
+                <a:prstDash val="dash"/>
+                <a:round/>
+                <a:headEnd type="none" w="med" len="med"/>
+                <a:tailEnd type="none" w="med" len="med"/>
+              </a:ln>
+            </p:spPr>
+            <p:style>
+              <a:lnRef idx="0">
+                <a:scrgbClr r="0" g="0" b="0"/>
+              </a:lnRef>
+              <a:fillRef idx="0">
+                <a:scrgbClr r="0" g="0" b="0"/>
+              </a:fillRef>
+              <a:effectRef idx="0">
+                <a:scrgbClr r="0" g="0" b="0"/>
+              </a:effectRef>
+              <a:fontRef idx="minor">
+                <a:schemeClr val="tx1"/>
+              </a:fontRef>
+            </p:style>
+          </p:cxnSp>
+          <p:sp>
+            <p:nvSpPr>
+              <p:cNvPr id="51" name="文本框 50"/>
+              <p:cNvSpPr txBox="1"/>
+              <p:nvPr/>
+            </p:nvSpPr>
+            <p:spPr>
+              <a:xfrm>
+                <a:off x="5311370" y="3965742"/>
+                <a:ext cx="1136359" cy="369332"/>
+              </a:xfrm>
+              <a:prstGeom prst="rect">
+                <a:avLst/>
+              </a:prstGeom>
+              <a:noFill/>
+            </p:spPr>
+            <p:txBody>
+              <a:bodyPr wrap="square" rtlCol="0">
+                <a:spAutoFit/>
+              </a:bodyPr>
+              <a:lstStyle/>
+              <a:p>
+                <a:r>
+                  <a:rPr lang="en-SG" dirty="0" smtClean="0"/>
+                  <a:t>(1-t)p</a:t>
+                </a:r>
+                <a:r>
+                  <a:rPr lang="en-SG" baseline="-25000" dirty="0" smtClean="0"/>
+                  <a:t>i-1</a:t>
+                </a:r>
+                <a:endParaRPr lang="en-SG" baseline="-25000" dirty="0"/>
+              </a:p>
+            </p:txBody>
+          </p:sp>
+          <p:sp>
+            <p:nvSpPr>
+              <p:cNvPr id="52" name="文本框 51"/>
+              <p:cNvSpPr txBox="1"/>
+              <p:nvPr/>
+            </p:nvSpPr>
+            <p:spPr>
+              <a:xfrm>
+                <a:off x="4108818" y="4076697"/>
+                <a:ext cx="418704" cy="369332"/>
+              </a:xfrm>
+              <a:prstGeom prst="rect">
+                <a:avLst/>
+              </a:prstGeom>
+              <a:noFill/>
+            </p:spPr>
+            <p:txBody>
+              <a:bodyPr wrap="none" rtlCol="0">
+                <a:spAutoFit/>
+              </a:bodyPr>
+              <a:lstStyle/>
+              <a:p>
+                <a:r>
+                  <a:rPr lang="en-SG" dirty="0" err="1" smtClean="0"/>
+                  <a:t>tp</a:t>
+                </a:r>
+                <a:r>
+                  <a:rPr lang="en-SG" baseline="-25000" dirty="0" err="1" smtClean="0"/>
+                  <a:t>i</a:t>
+                </a:r>
+                <a:endParaRPr lang="en-SG" baseline="-25000" dirty="0"/>
+              </a:p>
+            </p:txBody>
+          </p:sp>
+          <p:sp>
+            <p:nvSpPr>
+              <p:cNvPr id="53" name="文本框 52"/>
+              <p:cNvSpPr txBox="1"/>
+              <p:nvPr/>
+            </p:nvSpPr>
+            <p:spPr>
+              <a:xfrm>
+                <a:off x="2139213" y="4618338"/>
+                <a:ext cx="466794" cy="369332"/>
+              </a:xfrm>
+              <a:prstGeom prst="rect">
+                <a:avLst/>
+              </a:prstGeom>
+              <a:noFill/>
+            </p:spPr>
+            <p:txBody>
+              <a:bodyPr wrap="none" rtlCol="0">
+                <a:spAutoFit/>
+              </a:bodyPr>
+              <a:lstStyle/>
+              <a:p>
+                <a:r>
+                  <a:rPr lang="en-SG" dirty="0"/>
+                  <a:t>u</a:t>
+                </a:r>
+                <a:r>
+                  <a:rPr lang="en-SG" baseline="-25000" dirty="0" smtClean="0"/>
+                  <a:t>i-2</a:t>
+                </a:r>
+                <a:endParaRPr lang="en-SG" baseline="-25000" dirty="0"/>
+              </a:p>
+            </p:txBody>
+          </p:sp>
+          <p:sp>
+            <p:nvSpPr>
+              <p:cNvPr id="54" name="文本框 53"/>
+              <p:cNvSpPr txBox="1"/>
+              <p:nvPr/>
+            </p:nvSpPr>
+            <p:spPr>
+              <a:xfrm>
+                <a:off x="3171255" y="4618338"/>
+                <a:ext cx="466794" cy="369332"/>
+              </a:xfrm>
+              <a:prstGeom prst="rect">
+                <a:avLst/>
+              </a:prstGeom>
+              <a:noFill/>
+            </p:spPr>
+            <p:txBody>
+              <a:bodyPr wrap="none" rtlCol="0">
+                <a:spAutoFit/>
+              </a:bodyPr>
+              <a:lstStyle/>
+              <a:p>
+                <a:r>
+                  <a:rPr lang="en-SG" dirty="0" smtClean="0"/>
+                  <a:t>u</a:t>
+                </a:r>
+                <a:r>
+                  <a:rPr lang="en-SG" baseline="-25000" dirty="0" smtClean="0"/>
+                  <a:t>i-1</a:t>
+                </a:r>
+                <a:endParaRPr lang="en-SG" baseline="-25000" dirty="0"/>
+              </a:p>
+            </p:txBody>
+          </p:sp>
+          <p:sp>
+            <p:nvSpPr>
+              <p:cNvPr id="55" name="文本框 54"/>
+              <p:cNvSpPr txBox="1"/>
+              <p:nvPr/>
+            </p:nvSpPr>
+            <p:spPr>
+              <a:xfrm>
+                <a:off x="4224007" y="4633206"/>
+                <a:ext cx="341760" cy="369332"/>
+              </a:xfrm>
+              <a:prstGeom prst="rect">
+                <a:avLst/>
+              </a:prstGeom>
+              <a:noFill/>
+            </p:spPr>
+            <p:txBody>
+              <a:bodyPr wrap="none" rtlCol="0">
+                <a:spAutoFit/>
+              </a:bodyPr>
+              <a:lstStyle/>
+              <a:p>
+                <a:r>
+                  <a:rPr lang="en-SG" dirty="0" err="1" smtClean="0"/>
+                  <a:t>u</a:t>
+                </a:r>
+                <a:r>
+                  <a:rPr lang="en-SG" baseline="-25000" dirty="0" err="1" smtClean="0"/>
+                  <a:t>i</a:t>
+                </a:r>
+                <a:endParaRPr lang="en-SG" baseline="-25000" dirty="0"/>
+              </a:p>
+            </p:txBody>
+          </p:sp>
+          <p:sp>
+            <p:nvSpPr>
+              <p:cNvPr id="56" name="文本框 55"/>
+              <p:cNvSpPr txBox="1"/>
+              <p:nvPr/>
+            </p:nvSpPr>
+            <p:spPr>
+              <a:xfrm>
+                <a:off x="5360829" y="4642110"/>
+                <a:ext cx="497252" cy="369332"/>
+              </a:xfrm>
+              <a:prstGeom prst="rect">
+                <a:avLst/>
+              </a:prstGeom>
+              <a:noFill/>
+            </p:spPr>
+            <p:txBody>
+              <a:bodyPr wrap="none" rtlCol="0">
+                <a:spAutoFit/>
+              </a:bodyPr>
+              <a:lstStyle/>
+              <a:p>
+                <a:r>
+                  <a:rPr lang="en-SG" dirty="0"/>
+                  <a:t>u</a:t>
+                </a:r>
+                <a:r>
+                  <a:rPr lang="en-SG" baseline="-25000" dirty="0" smtClean="0"/>
+                  <a:t>i+1</a:t>
+                </a:r>
+                <a:endParaRPr lang="en-SG" baseline="-25000" dirty="0"/>
+              </a:p>
+            </p:txBody>
+          </p:sp>
+          <p:sp>
+            <p:nvSpPr>
+              <p:cNvPr id="57" name="文本框 56"/>
+              <p:cNvSpPr txBox="1"/>
+              <p:nvPr/>
+            </p:nvSpPr>
+            <p:spPr>
+              <a:xfrm>
+                <a:off x="6656284" y="4642110"/>
+                <a:ext cx="497252" cy="369332"/>
+              </a:xfrm>
+              <a:prstGeom prst="rect">
+                <a:avLst/>
+              </a:prstGeom>
+              <a:noFill/>
+            </p:spPr>
+            <p:txBody>
+              <a:bodyPr wrap="none" rtlCol="0">
+                <a:spAutoFit/>
+              </a:bodyPr>
+              <a:lstStyle/>
+              <a:p>
+                <a:r>
+                  <a:rPr lang="en-SG" dirty="0"/>
+                  <a:t>u</a:t>
+                </a:r>
+                <a:r>
+                  <a:rPr lang="en-SG" baseline="-25000" dirty="0" smtClean="0"/>
+                  <a:t>i+2</a:t>
+                </a:r>
+                <a:endParaRPr lang="en-SG" baseline="-25000" dirty="0"/>
+              </a:p>
+            </p:txBody>
+          </p:sp>
+          <p:sp>
+            <p:nvSpPr>
+              <p:cNvPr id="58" name="文本框 57"/>
+              <p:cNvSpPr txBox="1"/>
+              <p:nvPr/>
+            </p:nvSpPr>
+            <p:spPr>
+              <a:xfrm>
+                <a:off x="7923918" y="4617396"/>
+                <a:ext cx="497252" cy="369332"/>
+              </a:xfrm>
+              <a:prstGeom prst="rect">
+                <a:avLst/>
+              </a:prstGeom>
+              <a:noFill/>
+            </p:spPr>
+            <p:txBody>
+              <a:bodyPr wrap="none" rtlCol="0">
+                <a:spAutoFit/>
+              </a:bodyPr>
+              <a:lstStyle/>
+              <a:p>
+                <a:r>
+                  <a:rPr lang="en-SG" dirty="0"/>
+                  <a:t>u</a:t>
+                </a:r>
+                <a:r>
+                  <a:rPr lang="en-SG" baseline="-25000" dirty="0" smtClean="0"/>
+                  <a:t>i+3</a:t>
+                </a:r>
+                <a:endParaRPr lang="en-SG" baseline="-25000" dirty="0"/>
+              </a:p>
+            </p:txBody>
+          </p:sp>
+          <p:sp>
+            <p:nvSpPr>
+              <p:cNvPr id="59" name="文本框 58"/>
+              <p:cNvSpPr txBox="1"/>
+              <p:nvPr/>
+            </p:nvSpPr>
+            <p:spPr>
+              <a:xfrm>
+                <a:off x="8910399" y="4629753"/>
+                <a:ext cx="497252" cy="369332"/>
+              </a:xfrm>
+              <a:prstGeom prst="rect">
+                <a:avLst/>
+              </a:prstGeom>
+              <a:noFill/>
+            </p:spPr>
+            <p:txBody>
+              <a:bodyPr wrap="none" rtlCol="0">
+                <a:spAutoFit/>
+              </a:bodyPr>
+              <a:lstStyle/>
+              <a:p>
+                <a:r>
+                  <a:rPr lang="en-SG" dirty="0"/>
+                  <a:t>u</a:t>
+                </a:r>
+                <a:r>
+                  <a:rPr lang="en-SG" baseline="-25000" dirty="0" smtClean="0"/>
+                  <a:t>i+4</a:t>
+                </a:r>
+                <a:endParaRPr lang="en-SG" baseline="-25000" dirty="0"/>
+              </a:p>
+            </p:txBody>
+          </p:sp>
+          <p:sp>
+            <p:nvSpPr>
+              <p:cNvPr id="61" name="文本框 60"/>
+              <p:cNvSpPr txBox="1"/>
+              <p:nvPr/>
+            </p:nvSpPr>
+            <p:spPr>
+              <a:xfrm>
+                <a:off x="9664646" y="4390423"/>
+                <a:ext cx="301686" cy="369332"/>
+              </a:xfrm>
+              <a:prstGeom prst="rect">
+                <a:avLst/>
+              </a:prstGeom>
+              <a:noFill/>
+            </p:spPr>
+            <p:txBody>
+              <a:bodyPr wrap="none" rtlCol="0">
+                <a:spAutoFit/>
+              </a:bodyPr>
+              <a:lstStyle/>
+              <a:p>
+                <a:r>
+                  <a:rPr lang="en-SG" dirty="0" smtClean="0"/>
+                  <a:t>0</a:t>
+                </a:r>
+                <a:endParaRPr lang="en-SG" dirty="0"/>
+              </a:p>
+            </p:txBody>
+          </p:sp>
+          <p:sp>
+            <p:nvSpPr>
+              <p:cNvPr id="62" name="文本框 61"/>
+              <p:cNvSpPr txBox="1"/>
+              <p:nvPr/>
+            </p:nvSpPr>
+            <p:spPr>
+              <a:xfrm>
+                <a:off x="4775643" y="2569330"/>
+                <a:ext cx="527709" cy="369332"/>
+              </a:xfrm>
+              <a:prstGeom prst="rect">
+                <a:avLst/>
+              </a:prstGeom>
+              <a:noFill/>
+            </p:spPr>
+            <p:txBody>
+              <a:bodyPr wrap="none" rtlCol="0">
+                <a:spAutoFit/>
+              </a:bodyPr>
+              <a:lstStyle/>
+              <a:p>
+                <a:r>
+                  <a:rPr lang="en-SG" b="1" dirty="0" smtClean="0"/>
+                  <a:t>r</a:t>
+                </a:r>
+                <a:r>
+                  <a:rPr lang="en-SG" dirty="0" smtClean="0"/>
+                  <a:t>(u)</a:t>
+                </a:r>
+                <a:endParaRPr lang="en-SG" dirty="0"/>
+              </a:p>
+            </p:txBody>
+          </p:sp>
+        </p:grpSp>
+      </p:grpSp>
+      <p:graphicFrame>
+        <p:nvGraphicFramePr>
+          <p:cNvPr id="63" name="对象 62"/>
+          <p:cNvGraphicFramePr>
+            <a:graphicFrameLocks noChangeAspect="1"/>
+          </p:cNvGraphicFramePr>
+          <p:nvPr>
+            <p:extLst>
+              <p:ext uri="{D42A27DB-BD31-4B8C-83A1-F6EECF244321}">
+                <p14:modId xmlns:p14="http://schemas.microsoft.com/office/powerpoint/2010/main" val="1851340603"/>
+              </p:ext>
+            </p:extLst>
+          </p:nvPr>
+        </p:nvGraphicFramePr>
+        <p:xfrm>
+          <a:off x="3092692" y="5349054"/>
+          <a:ext cx="4878033" cy="718470"/>
+        </p:xfrm>
+        <a:graphic>
+          <a:graphicData uri="http://schemas.openxmlformats.org/presentationml/2006/ole">
+            <mc:AlternateContent xmlns:mc="http://schemas.openxmlformats.org/markup-compatibility/2006">
+              <mc:Choice xmlns:v="urn:schemas-microsoft-com:vml" Requires="v">
+                <p:oleObj spid="_x0000_s24588" name="Equation" r:id="rId3" imgW="3276360" imgH="482400" progId="Equation.DSMT4">
+                  <p:embed/>
+                </p:oleObj>
+              </mc:Choice>
+              <mc:Fallback>
+                <p:oleObj name="Equation" r:id="rId3" imgW="3276360" imgH="482400" progId="Equation.DSMT4">
+                  <p:embed/>
+                  <p:pic>
+                    <p:nvPicPr>
+                      <p:cNvPr id="0" name=""/>
+                      <p:cNvPicPr/>
+                      <p:nvPr/>
+                    </p:nvPicPr>
+                    <p:blipFill>
+                      <a:blip r:embed="rId4"/>
+                      <a:stretch>
+                        <a:fillRect/>
+                      </a:stretch>
+                    </p:blipFill>
+                    <p:spPr>
+                      <a:xfrm>
+                        <a:off x="3092692" y="5349054"/>
+                        <a:ext cx="4878033" cy="718470"/>
+                      </a:xfrm>
+                      <a:prstGeom prst="rect">
+                        <a:avLst/>
+                      </a:prstGeom>
+                    </p:spPr>
+                  </p:pic>
+                </p:oleObj>
+              </mc:Fallback>
+            </mc:AlternateContent>
+          </a:graphicData>
+        </a:graphic>
+      </p:graphicFrame>
     </p:spTree>
     <p:extLst>
       <p:ext uri="{BB962C8B-B14F-4D97-AF65-F5344CB8AC3E}">
-        <p14:creationId xmlns:p14="http://schemas.microsoft.com/office/powerpoint/2010/main" val="1795151959"/>
+        <p14:creationId xmlns:p14="http://schemas.microsoft.com/office/powerpoint/2010/main" val="3351639688"/>
       </p:ext>
     </p:extLst>
   </p:cSld>
@@ -13867,43 +15077,1488 @@
           <a:lstStyle/>
           <a:p>
             <a:r>
-              <a:rPr lang="en-SG" dirty="0" smtClean="0"/>
-              <a:t>Geometry of surface</a:t>
-            </a:r>
-            <a:endParaRPr lang="en-SG" dirty="0"/>
-          </a:p>
-        </p:txBody>
-      </p:sp>
-      <p:sp>
-        <p:nvSpPr>
-          <p:cNvPr id="3" name="内容占位符 2"/>
-          <p:cNvSpPr>
-            <a:spLocks noGrp="1"/>
-          </p:cNvSpPr>
-          <p:nvPr>
-            <p:ph idx="1"/>
-          </p:nvPr>
-        </p:nvSpPr>
-        <p:spPr/>
-        <p:txBody>
-          <a:bodyPr/>
-          <a:lstStyle/>
-          <a:p>
-            <a:r>
-              <a:rPr lang="en-SG" dirty="0" smtClean="0"/>
-              <a:t>Ruled surfaces</a:t>
-            </a:r>
-          </a:p>
-          <a:p>
-            <a:r>
-              <a:rPr lang="en-SG" dirty="0" smtClean="0"/>
-              <a:t>Other standard mathematical surfaces</a:t>
-            </a:r>
-          </a:p>
-          <a:p>
-            <a:r>
-              <a:rPr lang="en-SG" dirty="0" smtClean="0"/>
-              <a:t>Surface modelling</a:t>
+              <a:rPr lang="en-SG" dirty="0"/>
+              <a:t>Geometry of curve – B-spline curves</a:t>
+            </a:r>
+          </a:p>
+        </p:txBody>
+      </p:sp>
+      <p:grpSp>
+        <p:nvGrpSpPr>
+          <p:cNvPr id="65" name="组合 64"/>
+          <p:cNvGrpSpPr/>
+          <p:nvPr/>
+        </p:nvGrpSpPr>
+        <p:grpSpPr>
+          <a:xfrm>
+            <a:off x="2182440" y="1848639"/>
+            <a:ext cx="7827119" cy="3063773"/>
+            <a:chOff x="2182440" y="1910422"/>
+            <a:chExt cx="7827119" cy="3063773"/>
+          </a:xfrm>
+        </p:grpSpPr>
+        <p:sp>
+          <p:nvSpPr>
+            <p:cNvPr id="26" name="文本框 25"/>
+            <p:cNvSpPr txBox="1"/>
+            <p:nvPr/>
+          </p:nvSpPr>
+          <p:spPr>
+            <a:xfrm>
+              <a:off x="6729314" y="1910422"/>
+              <a:ext cx="691979" cy="369332"/>
+            </a:xfrm>
+            <a:prstGeom prst="rect">
+              <a:avLst/>
+            </a:prstGeom>
+            <a:noFill/>
+          </p:spPr>
+          <p:txBody>
+            <a:bodyPr wrap="square" rtlCol="0">
+              <a:spAutoFit/>
+            </a:bodyPr>
+            <a:lstStyle/>
+            <a:p>
+              <a:r>
+                <a:rPr lang="en-SG" dirty="0" smtClean="0"/>
+                <a:t>p</a:t>
+              </a:r>
+              <a:r>
+                <a:rPr lang="en-SG" baseline="-25000" dirty="0" smtClean="0"/>
+                <a:t>i+1</a:t>
+              </a:r>
+              <a:endParaRPr lang="en-SG" sz="1200" baseline="-25000" dirty="0"/>
+            </a:p>
+          </p:txBody>
+        </p:sp>
+        <p:grpSp>
+          <p:nvGrpSpPr>
+            <p:cNvPr id="64" name="组合 63"/>
+            <p:cNvGrpSpPr/>
+            <p:nvPr/>
+          </p:nvGrpSpPr>
+          <p:grpSpPr>
+            <a:xfrm>
+              <a:off x="2182440" y="2065547"/>
+              <a:ext cx="7827119" cy="2908648"/>
+              <a:chOff x="2139213" y="2102794"/>
+              <a:chExt cx="7827119" cy="2908648"/>
+            </a:xfrm>
+          </p:grpSpPr>
+          <p:sp>
+            <p:nvSpPr>
+              <p:cNvPr id="4" name="流程图: 接点 3"/>
+              <p:cNvSpPr/>
+              <p:nvPr/>
+            </p:nvSpPr>
+            <p:spPr>
+              <a:xfrm>
+                <a:off x="3297195" y="3282777"/>
+                <a:ext cx="98854" cy="111211"/>
+              </a:xfrm>
+              <a:prstGeom prst="flowChartConnector">
+                <a:avLst/>
+              </a:prstGeom>
+            </p:spPr>
+            <p:style>
+              <a:lnRef idx="2">
+                <a:schemeClr val="accent1">
+                  <a:shade val="50000"/>
+                </a:schemeClr>
+              </a:lnRef>
+              <a:fillRef idx="1">
+                <a:schemeClr val="accent1"/>
+              </a:fillRef>
+              <a:effectRef idx="0">
+                <a:schemeClr val="accent1"/>
+              </a:effectRef>
+              <a:fontRef idx="minor">
+                <a:schemeClr val="lt1"/>
+              </a:fontRef>
+            </p:style>
+            <p:txBody>
+              <a:bodyPr rtlCol="0" anchor="ctr"/>
+              <a:lstStyle/>
+              <a:p>
+                <a:pPr algn="ctr"/>
+                <a:endParaRPr lang="en-SG"/>
+              </a:p>
+            </p:txBody>
+          </p:sp>
+          <p:sp>
+            <p:nvSpPr>
+              <p:cNvPr id="6" name="流程图: 接点 5"/>
+              <p:cNvSpPr/>
+              <p:nvPr/>
+            </p:nvSpPr>
+            <p:spPr>
+              <a:xfrm>
+                <a:off x="4345460" y="2583527"/>
+                <a:ext cx="98854" cy="111211"/>
+              </a:xfrm>
+              <a:prstGeom prst="flowChartConnector">
+                <a:avLst/>
+              </a:prstGeom>
+            </p:spPr>
+            <p:style>
+              <a:lnRef idx="2">
+                <a:schemeClr val="accent1">
+                  <a:shade val="50000"/>
+                </a:schemeClr>
+              </a:lnRef>
+              <a:fillRef idx="1">
+                <a:schemeClr val="accent1"/>
+              </a:fillRef>
+              <a:effectRef idx="0">
+                <a:schemeClr val="accent1"/>
+              </a:effectRef>
+              <a:fontRef idx="minor">
+                <a:schemeClr val="lt1"/>
+              </a:fontRef>
+            </p:style>
+            <p:txBody>
+              <a:bodyPr rtlCol="0" anchor="ctr"/>
+              <a:lstStyle/>
+              <a:p>
+                <a:pPr algn="ctr"/>
+                <a:endParaRPr lang="en-SG"/>
+              </a:p>
+            </p:txBody>
+          </p:sp>
+          <p:sp>
+            <p:nvSpPr>
+              <p:cNvPr id="7" name="流程图: 接点 6"/>
+              <p:cNvSpPr/>
+              <p:nvPr/>
+            </p:nvSpPr>
+            <p:spPr>
+              <a:xfrm>
+                <a:off x="5482282" y="3227172"/>
+                <a:ext cx="98854" cy="111211"/>
+              </a:xfrm>
+              <a:prstGeom prst="flowChartConnector">
+                <a:avLst/>
+              </a:prstGeom>
+            </p:spPr>
+            <p:style>
+              <a:lnRef idx="2">
+                <a:schemeClr val="accent1">
+                  <a:shade val="50000"/>
+                </a:schemeClr>
+              </a:lnRef>
+              <a:fillRef idx="1">
+                <a:schemeClr val="accent1"/>
+              </a:fillRef>
+              <a:effectRef idx="0">
+                <a:schemeClr val="accent1"/>
+              </a:effectRef>
+              <a:fontRef idx="minor">
+                <a:schemeClr val="lt1"/>
+              </a:fontRef>
+            </p:style>
+            <p:txBody>
+              <a:bodyPr rtlCol="0" anchor="ctr"/>
+              <a:lstStyle/>
+              <a:p>
+                <a:pPr algn="ctr"/>
+                <a:endParaRPr lang="en-SG"/>
+              </a:p>
+            </p:txBody>
+          </p:sp>
+          <p:sp>
+            <p:nvSpPr>
+              <p:cNvPr id="8" name="流程图: 接点 7"/>
+              <p:cNvSpPr/>
+              <p:nvPr/>
+            </p:nvSpPr>
+            <p:spPr>
+              <a:xfrm>
+                <a:off x="6845644" y="2347718"/>
+                <a:ext cx="98854" cy="111211"/>
+              </a:xfrm>
+              <a:prstGeom prst="flowChartConnector">
+                <a:avLst/>
+              </a:prstGeom>
+            </p:spPr>
+            <p:style>
+              <a:lnRef idx="2">
+                <a:schemeClr val="accent1">
+                  <a:shade val="50000"/>
+                </a:schemeClr>
+              </a:lnRef>
+              <a:fillRef idx="1">
+                <a:schemeClr val="accent1"/>
+              </a:fillRef>
+              <a:effectRef idx="0">
+                <a:schemeClr val="accent1"/>
+              </a:effectRef>
+              <a:fontRef idx="minor">
+                <a:schemeClr val="lt1"/>
+              </a:fontRef>
+            </p:style>
+            <p:txBody>
+              <a:bodyPr rtlCol="0" anchor="ctr"/>
+              <a:lstStyle/>
+              <a:p>
+                <a:pPr algn="ctr"/>
+                <a:endParaRPr lang="en-SG"/>
+              </a:p>
+            </p:txBody>
+          </p:sp>
+          <p:sp>
+            <p:nvSpPr>
+              <p:cNvPr id="9" name="流程图: 接点 8"/>
+              <p:cNvSpPr/>
+              <p:nvPr/>
+            </p:nvSpPr>
+            <p:spPr>
+              <a:xfrm>
+                <a:off x="8036012" y="2994454"/>
+                <a:ext cx="98854" cy="111211"/>
+              </a:xfrm>
+              <a:prstGeom prst="flowChartConnector">
+                <a:avLst/>
+              </a:prstGeom>
+            </p:spPr>
+            <p:style>
+              <a:lnRef idx="2">
+                <a:schemeClr val="accent1">
+                  <a:shade val="50000"/>
+                </a:schemeClr>
+              </a:lnRef>
+              <a:fillRef idx="1">
+                <a:schemeClr val="accent1"/>
+              </a:fillRef>
+              <a:effectRef idx="0">
+                <a:schemeClr val="accent1"/>
+              </a:effectRef>
+              <a:fontRef idx="minor">
+                <a:schemeClr val="lt1"/>
+              </a:fontRef>
+            </p:style>
+            <p:txBody>
+              <a:bodyPr rtlCol="0" anchor="ctr"/>
+              <a:lstStyle/>
+              <a:p>
+                <a:pPr algn="ctr"/>
+                <a:endParaRPr lang="en-SG"/>
+              </a:p>
+            </p:txBody>
+          </p:sp>
+          <p:cxnSp>
+            <p:nvCxnSpPr>
+              <p:cNvPr id="11" name="直接连接符 10"/>
+              <p:cNvCxnSpPr>
+                <a:endCxn id="6" idx="2"/>
+              </p:cNvCxnSpPr>
+              <p:nvPr/>
+            </p:nvCxnSpPr>
+            <p:spPr>
+              <a:xfrm flipV="1">
+                <a:off x="3332145" y="2639133"/>
+                <a:ext cx="1013315" cy="685287"/>
+              </a:xfrm>
+              <a:prstGeom prst="line">
+                <a:avLst/>
+              </a:prstGeom>
+            </p:spPr>
+            <p:style>
+              <a:lnRef idx="1">
+                <a:schemeClr val="accent1"/>
+              </a:lnRef>
+              <a:fillRef idx="0">
+                <a:schemeClr val="accent1"/>
+              </a:fillRef>
+              <a:effectRef idx="0">
+                <a:schemeClr val="accent1"/>
+              </a:effectRef>
+              <a:fontRef idx="minor">
+                <a:schemeClr val="tx1"/>
+              </a:fontRef>
+            </p:style>
+          </p:cxnSp>
+          <p:cxnSp>
+            <p:nvCxnSpPr>
+              <p:cNvPr id="16" name="直接连接符 15"/>
+              <p:cNvCxnSpPr/>
+              <p:nvPr/>
+            </p:nvCxnSpPr>
+            <p:spPr>
+              <a:xfrm>
+                <a:off x="4444314" y="2667965"/>
+                <a:ext cx="1087395" cy="588039"/>
+              </a:xfrm>
+              <a:prstGeom prst="line">
+                <a:avLst/>
+              </a:prstGeom>
+            </p:spPr>
+            <p:style>
+              <a:lnRef idx="1">
+                <a:schemeClr val="accent1"/>
+              </a:lnRef>
+              <a:fillRef idx="0">
+                <a:schemeClr val="accent1"/>
+              </a:fillRef>
+              <a:effectRef idx="0">
+                <a:schemeClr val="accent1"/>
+              </a:effectRef>
+              <a:fontRef idx="minor">
+                <a:schemeClr val="tx1"/>
+              </a:fontRef>
+            </p:style>
+          </p:cxnSp>
+          <p:cxnSp>
+            <p:nvCxnSpPr>
+              <p:cNvPr id="19" name="直接连接符 18"/>
+              <p:cNvCxnSpPr>
+                <a:endCxn id="8" idx="3"/>
+              </p:cNvCxnSpPr>
+              <p:nvPr/>
+            </p:nvCxnSpPr>
+            <p:spPr>
+              <a:xfrm flipV="1">
+                <a:off x="5531709" y="2442643"/>
+                <a:ext cx="1328412" cy="827776"/>
+              </a:xfrm>
+              <a:prstGeom prst="line">
+                <a:avLst/>
+              </a:prstGeom>
+            </p:spPr>
+            <p:style>
+              <a:lnRef idx="1">
+                <a:schemeClr val="accent1"/>
+              </a:lnRef>
+              <a:fillRef idx="0">
+                <a:schemeClr val="accent1"/>
+              </a:fillRef>
+              <a:effectRef idx="0">
+                <a:schemeClr val="accent1"/>
+              </a:effectRef>
+              <a:fontRef idx="minor">
+                <a:schemeClr val="tx1"/>
+              </a:fontRef>
+            </p:style>
+          </p:cxnSp>
+          <p:cxnSp>
+            <p:nvCxnSpPr>
+              <p:cNvPr id="22" name="直接连接符 21"/>
+              <p:cNvCxnSpPr>
+                <a:stCxn id="8" idx="2"/>
+                <a:endCxn id="9" idx="1"/>
+              </p:cNvCxnSpPr>
+              <p:nvPr/>
+            </p:nvCxnSpPr>
+            <p:spPr>
+              <a:xfrm>
+                <a:off x="6845644" y="2403324"/>
+                <a:ext cx="1204845" cy="607416"/>
+              </a:xfrm>
+              <a:prstGeom prst="line">
+                <a:avLst/>
+              </a:prstGeom>
+            </p:spPr>
+            <p:style>
+              <a:lnRef idx="1">
+                <a:schemeClr val="accent1"/>
+              </a:lnRef>
+              <a:fillRef idx="0">
+                <a:schemeClr val="accent1"/>
+              </a:fillRef>
+              <a:effectRef idx="0">
+                <a:schemeClr val="accent1"/>
+              </a:effectRef>
+              <a:fontRef idx="minor">
+                <a:schemeClr val="tx1"/>
+              </a:fontRef>
+            </p:style>
+          </p:cxnSp>
+          <p:sp>
+            <p:nvSpPr>
+              <p:cNvPr id="23" name="文本框 22"/>
+              <p:cNvSpPr txBox="1"/>
+              <p:nvPr/>
+            </p:nvSpPr>
+            <p:spPr>
+              <a:xfrm>
+                <a:off x="2842053" y="3105665"/>
+                <a:ext cx="691979" cy="369332"/>
+              </a:xfrm>
+              <a:prstGeom prst="rect">
+                <a:avLst/>
+              </a:prstGeom>
+              <a:noFill/>
+            </p:spPr>
+            <p:txBody>
+              <a:bodyPr wrap="square" rtlCol="0">
+                <a:spAutoFit/>
+              </a:bodyPr>
+              <a:lstStyle/>
+              <a:p>
+                <a:r>
+                  <a:rPr lang="en-SG" dirty="0" smtClean="0"/>
+                  <a:t>p</a:t>
+                </a:r>
+                <a:r>
+                  <a:rPr lang="en-SG" baseline="-25000" dirty="0" smtClean="0"/>
+                  <a:t>i-2</a:t>
+                </a:r>
+                <a:endParaRPr lang="en-SG" sz="1200" baseline="-25000" dirty="0"/>
+              </a:p>
+            </p:txBody>
+          </p:sp>
+          <p:sp>
+            <p:nvSpPr>
+              <p:cNvPr id="24" name="文本框 23"/>
+              <p:cNvSpPr txBox="1"/>
+              <p:nvPr/>
+            </p:nvSpPr>
+            <p:spPr>
+              <a:xfrm>
+                <a:off x="4182762" y="2102794"/>
+                <a:ext cx="691979" cy="369332"/>
+              </a:xfrm>
+              <a:prstGeom prst="rect">
+                <a:avLst/>
+              </a:prstGeom>
+              <a:noFill/>
+            </p:spPr>
+            <p:txBody>
+              <a:bodyPr wrap="square" rtlCol="0">
+                <a:spAutoFit/>
+              </a:bodyPr>
+              <a:lstStyle/>
+              <a:p>
+                <a:r>
+                  <a:rPr lang="en-SG" dirty="0" smtClean="0"/>
+                  <a:t>p</a:t>
+                </a:r>
+                <a:r>
+                  <a:rPr lang="en-SG" baseline="-25000" dirty="0" smtClean="0"/>
+                  <a:t>i-1</a:t>
+                </a:r>
+                <a:endParaRPr lang="en-SG" sz="1200" baseline="-25000" dirty="0"/>
+              </a:p>
+            </p:txBody>
+          </p:sp>
+          <p:sp>
+            <p:nvSpPr>
+              <p:cNvPr id="25" name="文本框 24"/>
+              <p:cNvSpPr txBox="1"/>
+              <p:nvPr/>
+            </p:nvSpPr>
+            <p:spPr>
+              <a:xfrm>
+                <a:off x="5323763" y="2723629"/>
+                <a:ext cx="691979" cy="369332"/>
+              </a:xfrm>
+              <a:prstGeom prst="rect">
+                <a:avLst/>
+              </a:prstGeom>
+              <a:noFill/>
+            </p:spPr>
+            <p:txBody>
+              <a:bodyPr wrap="square" rtlCol="0">
+                <a:spAutoFit/>
+              </a:bodyPr>
+              <a:lstStyle/>
+              <a:p>
+                <a:r>
+                  <a:rPr lang="en-SG" dirty="0" smtClean="0"/>
+                  <a:t>p</a:t>
+                </a:r>
+                <a:r>
+                  <a:rPr lang="en-SG" baseline="-25000" dirty="0" smtClean="0"/>
+                  <a:t>i</a:t>
+                </a:r>
+                <a:endParaRPr lang="en-SG" sz="1200" baseline="-25000" dirty="0"/>
+              </a:p>
+            </p:txBody>
+          </p:sp>
+          <p:sp>
+            <p:nvSpPr>
+              <p:cNvPr id="27" name="文本框 26"/>
+              <p:cNvSpPr txBox="1"/>
+              <p:nvPr/>
+            </p:nvSpPr>
+            <p:spPr>
+              <a:xfrm>
+                <a:off x="8036012" y="2530197"/>
+                <a:ext cx="691979" cy="369332"/>
+              </a:xfrm>
+              <a:prstGeom prst="rect">
+                <a:avLst/>
+              </a:prstGeom>
+              <a:noFill/>
+            </p:spPr>
+            <p:txBody>
+              <a:bodyPr wrap="square" rtlCol="0">
+                <a:spAutoFit/>
+              </a:bodyPr>
+              <a:lstStyle/>
+              <a:p>
+                <a:r>
+                  <a:rPr lang="en-SG" dirty="0" smtClean="0"/>
+                  <a:t>p</a:t>
+                </a:r>
+                <a:r>
+                  <a:rPr lang="en-SG" baseline="-25000" dirty="0" smtClean="0"/>
+                  <a:t>i+2</a:t>
+                </a:r>
+                <a:endParaRPr lang="en-SG" sz="1200" baseline="-25000" dirty="0"/>
+              </a:p>
+            </p:txBody>
+          </p:sp>
+          <p:cxnSp>
+            <p:nvCxnSpPr>
+              <p:cNvPr id="29" name="直接连接符 28"/>
+              <p:cNvCxnSpPr/>
+              <p:nvPr/>
+            </p:nvCxnSpPr>
+            <p:spPr>
+              <a:xfrm>
+                <a:off x="2187146" y="4584357"/>
+                <a:ext cx="7451124" cy="33981"/>
+              </a:xfrm>
+              <a:prstGeom prst="line">
+                <a:avLst/>
+              </a:prstGeom>
+            </p:spPr>
+            <p:style>
+              <a:lnRef idx="1">
+                <a:schemeClr val="dk1"/>
+              </a:lnRef>
+              <a:fillRef idx="0">
+                <a:schemeClr val="dk1"/>
+              </a:fillRef>
+              <a:effectRef idx="0">
+                <a:schemeClr val="dk1"/>
+              </a:effectRef>
+              <a:fontRef idx="minor">
+                <a:schemeClr val="tx1"/>
+              </a:fontRef>
+            </p:style>
+          </p:cxnSp>
+          <p:sp>
+            <p:nvSpPr>
+              <p:cNvPr id="32" name="等腰三角形 31"/>
+              <p:cNvSpPr/>
+              <p:nvPr/>
+            </p:nvSpPr>
+            <p:spPr>
+              <a:xfrm>
+                <a:off x="3332145" y="4507127"/>
+                <a:ext cx="63904" cy="135924"/>
+              </a:xfrm>
+              <a:prstGeom prst="triangle">
+                <a:avLst/>
+              </a:prstGeom>
+            </p:spPr>
+            <p:style>
+              <a:lnRef idx="2">
+                <a:schemeClr val="accent1">
+                  <a:shade val="50000"/>
+                </a:schemeClr>
+              </a:lnRef>
+              <a:fillRef idx="1">
+                <a:schemeClr val="accent1"/>
+              </a:fillRef>
+              <a:effectRef idx="0">
+                <a:schemeClr val="accent1"/>
+              </a:effectRef>
+              <a:fontRef idx="minor">
+                <a:schemeClr val="lt1"/>
+              </a:fontRef>
+            </p:style>
+            <p:txBody>
+              <a:bodyPr rtlCol="0" anchor="ctr"/>
+              <a:lstStyle/>
+              <a:p>
+                <a:pPr algn="ctr"/>
+                <a:endParaRPr lang="en-SG"/>
+              </a:p>
+            </p:txBody>
+          </p:sp>
+          <p:sp>
+            <p:nvSpPr>
+              <p:cNvPr id="34" name="等腰三角形 33"/>
+              <p:cNvSpPr/>
+              <p:nvPr/>
+            </p:nvSpPr>
+            <p:spPr>
+              <a:xfrm>
+                <a:off x="2278141" y="4507127"/>
+                <a:ext cx="63904" cy="135924"/>
+              </a:xfrm>
+              <a:prstGeom prst="triangle">
+                <a:avLst/>
+              </a:prstGeom>
+            </p:spPr>
+            <p:style>
+              <a:lnRef idx="2">
+                <a:schemeClr val="accent1">
+                  <a:shade val="50000"/>
+                </a:schemeClr>
+              </a:lnRef>
+              <a:fillRef idx="1">
+                <a:schemeClr val="accent1"/>
+              </a:fillRef>
+              <a:effectRef idx="0">
+                <a:schemeClr val="accent1"/>
+              </a:effectRef>
+              <a:fontRef idx="minor">
+                <a:schemeClr val="lt1"/>
+              </a:fontRef>
+            </p:style>
+            <p:txBody>
+              <a:bodyPr rtlCol="0" anchor="ctr"/>
+              <a:lstStyle/>
+              <a:p>
+                <a:pPr algn="ctr"/>
+                <a:endParaRPr lang="en-SG"/>
+              </a:p>
+            </p:txBody>
+          </p:sp>
+          <p:sp>
+            <p:nvSpPr>
+              <p:cNvPr id="35" name="等腰三角形 34"/>
+              <p:cNvSpPr/>
+              <p:nvPr/>
+            </p:nvSpPr>
+            <p:spPr>
+              <a:xfrm>
+                <a:off x="9049327" y="4519484"/>
+                <a:ext cx="63904" cy="135924"/>
+              </a:xfrm>
+              <a:prstGeom prst="triangle">
+                <a:avLst/>
+              </a:prstGeom>
+            </p:spPr>
+            <p:style>
+              <a:lnRef idx="2">
+                <a:schemeClr val="accent1">
+                  <a:shade val="50000"/>
+                </a:schemeClr>
+              </a:lnRef>
+              <a:fillRef idx="1">
+                <a:schemeClr val="accent1"/>
+              </a:fillRef>
+              <a:effectRef idx="0">
+                <a:schemeClr val="accent1"/>
+              </a:effectRef>
+              <a:fontRef idx="minor">
+                <a:schemeClr val="lt1"/>
+              </a:fontRef>
+            </p:style>
+            <p:txBody>
+              <a:bodyPr rtlCol="0" anchor="ctr"/>
+              <a:lstStyle/>
+              <a:p>
+                <a:pPr algn="ctr"/>
+                <a:endParaRPr lang="en-SG"/>
+              </a:p>
+            </p:txBody>
+          </p:sp>
+          <p:sp>
+            <p:nvSpPr>
+              <p:cNvPr id="36" name="等腰三角形 35"/>
+              <p:cNvSpPr/>
+              <p:nvPr/>
+            </p:nvSpPr>
+            <p:spPr>
+              <a:xfrm>
+                <a:off x="4362935" y="4516395"/>
+                <a:ext cx="63904" cy="135924"/>
+              </a:xfrm>
+              <a:prstGeom prst="triangle">
+                <a:avLst/>
+              </a:prstGeom>
+            </p:spPr>
+            <p:style>
+              <a:lnRef idx="2">
+                <a:schemeClr val="accent1">
+                  <a:shade val="50000"/>
+                </a:schemeClr>
+              </a:lnRef>
+              <a:fillRef idx="1">
+                <a:schemeClr val="accent1"/>
+              </a:fillRef>
+              <a:effectRef idx="0">
+                <a:schemeClr val="accent1"/>
+              </a:effectRef>
+              <a:fontRef idx="minor">
+                <a:schemeClr val="lt1"/>
+              </a:fontRef>
+            </p:style>
+            <p:txBody>
+              <a:bodyPr rtlCol="0" anchor="ctr"/>
+              <a:lstStyle/>
+              <a:p>
+                <a:pPr algn="ctr"/>
+                <a:endParaRPr lang="en-SG"/>
+              </a:p>
+            </p:txBody>
+          </p:sp>
+          <p:sp>
+            <p:nvSpPr>
+              <p:cNvPr id="37" name="等腰三角形 36"/>
+              <p:cNvSpPr/>
+              <p:nvPr/>
+            </p:nvSpPr>
+            <p:spPr>
+              <a:xfrm>
+                <a:off x="8050489" y="4507127"/>
+                <a:ext cx="63904" cy="135924"/>
+              </a:xfrm>
+              <a:prstGeom prst="triangle">
+                <a:avLst/>
+              </a:prstGeom>
+            </p:spPr>
+            <p:style>
+              <a:lnRef idx="2">
+                <a:schemeClr val="accent1">
+                  <a:shade val="50000"/>
+                </a:schemeClr>
+              </a:lnRef>
+              <a:fillRef idx="1">
+                <a:schemeClr val="accent1"/>
+              </a:fillRef>
+              <a:effectRef idx="0">
+                <a:schemeClr val="accent1"/>
+              </a:effectRef>
+              <a:fontRef idx="minor">
+                <a:schemeClr val="lt1"/>
+              </a:fontRef>
+            </p:style>
+            <p:txBody>
+              <a:bodyPr rtlCol="0" anchor="ctr"/>
+              <a:lstStyle/>
+              <a:p>
+                <a:pPr algn="ctr"/>
+                <a:endParaRPr lang="en-SG"/>
+              </a:p>
+            </p:txBody>
+          </p:sp>
+          <p:sp>
+            <p:nvSpPr>
+              <p:cNvPr id="38" name="等腰三角形 37"/>
+              <p:cNvSpPr/>
+              <p:nvPr/>
+            </p:nvSpPr>
+            <p:spPr>
+              <a:xfrm>
+                <a:off x="6796217" y="4522573"/>
+                <a:ext cx="63904" cy="135924"/>
+              </a:xfrm>
+              <a:prstGeom prst="triangle">
+                <a:avLst/>
+              </a:prstGeom>
+            </p:spPr>
+            <p:style>
+              <a:lnRef idx="2">
+                <a:schemeClr val="accent1">
+                  <a:shade val="50000"/>
+                </a:schemeClr>
+              </a:lnRef>
+              <a:fillRef idx="1">
+                <a:schemeClr val="accent1"/>
+              </a:fillRef>
+              <a:effectRef idx="0">
+                <a:schemeClr val="accent1"/>
+              </a:effectRef>
+              <a:fontRef idx="minor">
+                <a:schemeClr val="lt1"/>
+              </a:fontRef>
+            </p:style>
+            <p:txBody>
+              <a:bodyPr rtlCol="0" anchor="ctr"/>
+              <a:lstStyle/>
+              <a:p>
+                <a:pPr algn="ctr"/>
+                <a:endParaRPr lang="en-SG"/>
+              </a:p>
+            </p:txBody>
+          </p:sp>
+          <p:sp>
+            <p:nvSpPr>
+              <p:cNvPr id="39" name="等腰三角形 38"/>
+              <p:cNvSpPr/>
+              <p:nvPr/>
+            </p:nvSpPr>
+            <p:spPr>
+              <a:xfrm>
+                <a:off x="5499757" y="4516395"/>
+                <a:ext cx="63904" cy="135924"/>
+              </a:xfrm>
+              <a:prstGeom prst="triangle">
+                <a:avLst/>
+              </a:prstGeom>
+            </p:spPr>
+            <p:style>
+              <a:lnRef idx="2">
+                <a:schemeClr val="accent1">
+                  <a:shade val="50000"/>
+                </a:schemeClr>
+              </a:lnRef>
+              <a:fillRef idx="1">
+                <a:schemeClr val="accent1"/>
+              </a:fillRef>
+              <a:effectRef idx="0">
+                <a:schemeClr val="accent1"/>
+              </a:effectRef>
+              <a:fontRef idx="minor">
+                <a:schemeClr val="lt1"/>
+              </a:fontRef>
+            </p:style>
+            <p:txBody>
+              <a:bodyPr rtlCol="0" anchor="ctr"/>
+              <a:lstStyle/>
+              <a:p>
+                <a:pPr algn="ctr"/>
+                <a:endParaRPr lang="en-SG"/>
+              </a:p>
+            </p:txBody>
+          </p:sp>
+          <p:cxnSp>
+            <p:nvCxnSpPr>
+              <p:cNvPr id="43" name="直接连接符 42"/>
+              <p:cNvCxnSpPr>
+                <a:stCxn id="32" idx="5"/>
+              </p:cNvCxnSpPr>
+              <p:nvPr/>
+            </p:nvCxnSpPr>
+            <p:spPr>
+              <a:xfrm flipV="1">
+                <a:off x="3380073" y="3583635"/>
+                <a:ext cx="1046766" cy="991454"/>
+              </a:xfrm>
+              <a:prstGeom prst="line">
+                <a:avLst/>
+              </a:prstGeom>
+              <a:ln w="9525" cap="flat" cmpd="sng" algn="ctr">
+                <a:solidFill>
+                  <a:schemeClr val="accent2"/>
+                </a:solidFill>
+                <a:prstDash val="dash"/>
+                <a:round/>
+                <a:headEnd type="none" w="med" len="med"/>
+                <a:tailEnd type="none" w="med" len="med"/>
+              </a:ln>
+            </p:spPr>
+            <p:style>
+              <a:lnRef idx="0">
+                <a:scrgbClr r="0" g="0" b="0"/>
+              </a:lnRef>
+              <a:fillRef idx="0">
+                <a:scrgbClr r="0" g="0" b="0"/>
+              </a:fillRef>
+              <a:effectRef idx="0">
+                <a:scrgbClr r="0" g="0" b="0"/>
+              </a:effectRef>
+              <a:fontRef idx="minor">
+                <a:schemeClr val="tx1"/>
+              </a:fontRef>
+            </p:style>
+          </p:cxnSp>
+          <p:cxnSp>
+            <p:nvCxnSpPr>
+              <p:cNvPr id="45" name="直接连接符 44"/>
+              <p:cNvCxnSpPr>
+                <a:endCxn id="39" idx="1"/>
+              </p:cNvCxnSpPr>
+              <p:nvPr/>
+            </p:nvCxnSpPr>
+            <p:spPr>
+              <a:xfrm>
+                <a:off x="4444314" y="3583635"/>
+                <a:ext cx="1071419" cy="1000722"/>
+              </a:xfrm>
+              <a:prstGeom prst="line">
+                <a:avLst/>
+              </a:prstGeom>
+              <a:ln w="9525" cap="flat" cmpd="sng" algn="ctr">
+                <a:solidFill>
+                  <a:schemeClr val="accent2"/>
+                </a:solidFill>
+                <a:prstDash val="dash"/>
+                <a:round/>
+                <a:headEnd type="none" w="med" len="med"/>
+                <a:tailEnd type="none" w="med" len="med"/>
+              </a:ln>
+            </p:spPr>
+            <p:style>
+              <a:lnRef idx="0">
+                <a:scrgbClr r="0" g="0" b="0"/>
+              </a:lnRef>
+              <a:fillRef idx="0">
+                <a:scrgbClr r="0" g="0" b="0"/>
+              </a:fillRef>
+              <a:effectRef idx="0">
+                <a:scrgbClr r="0" g="0" b="0"/>
+              </a:effectRef>
+              <a:fontRef idx="minor">
+                <a:schemeClr val="tx1"/>
+              </a:fontRef>
+            </p:style>
+          </p:cxnSp>
+          <p:cxnSp>
+            <p:nvCxnSpPr>
+              <p:cNvPr id="47" name="直接连接符 46"/>
+              <p:cNvCxnSpPr>
+                <a:stCxn id="36" idx="5"/>
+              </p:cNvCxnSpPr>
+              <p:nvPr/>
+            </p:nvCxnSpPr>
+            <p:spPr>
+              <a:xfrm flipV="1">
+                <a:off x="4410863" y="3583635"/>
+                <a:ext cx="1120846" cy="1000722"/>
+              </a:xfrm>
+              <a:prstGeom prst="line">
+                <a:avLst/>
+              </a:prstGeom>
+              <a:ln w="9525" cap="flat" cmpd="sng" algn="ctr">
+                <a:solidFill>
+                  <a:schemeClr val="accent6"/>
+                </a:solidFill>
+                <a:prstDash val="dash"/>
+                <a:round/>
+                <a:headEnd type="none" w="med" len="med"/>
+                <a:tailEnd type="none" w="med" len="med"/>
+              </a:ln>
+            </p:spPr>
+            <p:style>
+              <a:lnRef idx="0">
+                <a:scrgbClr r="0" g="0" b="0"/>
+              </a:lnRef>
+              <a:fillRef idx="0">
+                <a:scrgbClr r="0" g="0" b="0"/>
+              </a:fillRef>
+              <a:effectRef idx="0">
+                <a:scrgbClr r="0" g="0" b="0"/>
+              </a:effectRef>
+              <a:fontRef idx="minor">
+                <a:schemeClr val="tx1"/>
+              </a:fontRef>
+            </p:style>
+          </p:cxnSp>
+          <p:cxnSp>
+            <p:nvCxnSpPr>
+              <p:cNvPr id="49" name="直接连接符 48"/>
+              <p:cNvCxnSpPr>
+                <a:stCxn id="38" idx="1"/>
+              </p:cNvCxnSpPr>
+              <p:nvPr/>
+            </p:nvCxnSpPr>
+            <p:spPr>
+              <a:xfrm flipH="1" flipV="1">
+                <a:off x="5531709" y="3583635"/>
+                <a:ext cx="1280484" cy="1006900"/>
+              </a:xfrm>
+              <a:prstGeom prst="line">
+                <a:avLst/>
+              </a:prstGeom>
+              <a:ln w="9525" cap="flat" cmpd="sng" algn="ctr">
+                <a:solidFill>
+                  <a:schemeClr val="accent6"/>
+                </a:solidFill>
+                <a:prstDash val="dash"/>
+                <a:round/>
+                <a:headEnd type="none" w="med" len="med"/>
+                <a:tailEnd type="none" w="med" len="med"/>
+              </a:ln>
+            </p:spPr>
+            <p:style>
+              <a:lnRef idx="0">
+                <a:scrgbClr r="0" g="0" b="0"/>
+              </a:lnRef>
+              <a:fillRef idx="0">
+                <a:scrgbClr r="0" g="0" b="0"/>
+              </a:fillRef>
+              <a:effectRef idx="0">
+                <a:scrgbClr r="0" g="0" b="0"/>
+              </a:effectRef>
+              <a:fontRef idx="minor">
+                <a:schemeClr val="tx1"/>
+              </a:fontRef>
+            </p:style>
+          </p:cxnSp>
+          <p:sp>
+            <p:nvSpPr>
+              <p:cNvPr id="53" name="文本框 52"/>
+              <p:cNvSpPr txBox="1"/>
+              <p:nvPr/>
+            </p:nvSpPr>
+            <p:spPr>
+              <a:xfrm>
+                <a:off x="2139213" y="4618338"/>
+                <a:ext cx="466794" cy="369332"/>
+              </a:xfrm>
+              <a:prstGeom prst="rect">
+                <a:avLst/>
+              </a:prstGeom>
+              <a:noFill/>
+            </p:spPr>
+            <p:txBody>
+              <a:bodyPr wrap="none" rtlCol="0">
+                <a:spAutoFit/>
+              </a:bodyPr>
+              <a:lstStyle/>
+              <a:p>
+                <a:r>
+                  <a:rPr lang="en-SG" dirty="0"/>
+                  <a:t>u</a:t>
+                </a:r>
+                <a:r>
+                  <a:rPr lang="en-SG" baseline="-25000" dirty="0" smtClean="0"/>
+                  <a:t>i-2</a:t>
+                </a:r>
+                <a:endParaRPr lang="en-SG" baseline="-25000" dirty="0"/>
+              </a:p>
+            </p:txBody>
+          </p:sp>
+          <p:sp>
+            <p:nvSpPr>
+              <p:cNvPr id="54" name="文本框 53"/>
+              <p:cNvSpPr txBox="1"/>
+              <p:nvPr/>
+            </p:nvSpPr>
+            <p:spPr>
+              <a:xfrm>
+                <a:off x="3171255" y="4618338"/>
+                <a:ext cx="466794" cy="369332"/>
+              </a:xfrm>
+              <a:prstGeom prst="rect">
+                <a:avLst/>
+              </a:prstGeom>
+              <a:noFill/>
+            </p:spPr>
+            <p:txBody>
+              <a:bodyPr wrap="none" rtlCol="0">
+                <a:spAutoFit/>
+              </a:bodyPr>
+              <a:lstStyle/>
+              <a:p>
+                <a:r>
+                  <a:rPr lang="en-SG" dirty="0" smtClean="0"/>
+                  <a:t>u</a:t>
+                </a:r>
+                <a:r>
+                  <a:rPr lang="en-SG" baseline="-25000" dirty="0" smtClean="0"/>
+                  <a:t>i-1</a:t>
+                </a:r>
+                <a:endParaRPr lang="en-SG" baseline="-25000" dirty="0"/>
+              </a:p>
+            </p:txBody>
+          </p:sp>
+          <p:sp>
+            <p:nvSpPr>
+              <p:cNvPr id="55" name="文本框 54"/>
+              <p:cNvSpPr txBox="1"/>
+              <p:nvPr/>
+            </p:nvSpPr>
+            <p:spPr>
+              <a:xfrm>
+                <a:off x="4224007" y="4633206"/>
+                <a:ext cx="341760" cy="369332"/>
+              </a:xfrm>
+              <a:prstGeom prst="rect">
+                <a:avLst/>
+              </a:prstGeom>
+              <a:noFill/>
+            </p:spPr>
+            <p:txBody>
+              <a:bodyPr wrap="none" rtlCol="0">
+                <a:spAutoFit/>
+              </a:bodyPr>
+              <a:lstStyle/>
+              <a:p>
+                <a:r>
+                  <a:rPr lang="en-SG" dirty="0" err="1" smtClean="0"/>
+                  <a:t>u</a:t>
+                </a:r>
+                <a:r>
+                  <a:rPr lang="en-SG" baseline="-25000" dirty="0" err="1" smtClean="0"/>
+                  <a:t>i</a:t>
+                </a:r>
+                <a:endParaRPr lang="en-SG" baseline="-25000" dirty="0"/>
+              </a:p>
+            </p:txBody>
+          </p:sp>
+          <p:sp>
+            <p:nvSpPr>
+              <p:cNvPr id="56" name="文本框 55"/>
+              <p:cNvSpPr txBox="1"/>
+              <p:nvPr/>
+            </p:nvSpPr>
+            <p:spPr>
+              <a:xfrm>
+                <a:off x="5360829" y="4642110"/>
+                <a:ext cx="497252" cy="369332"/>
+              </a:xfrm>
+              <a:prstGeom prst="rect">
+                <a:avLst/>
+              </a:prstGeom>
+              <a:noFill/>
+            </p:spPr>
+            <p:txBody>
+              <a:bodyPr wrap="none" rtlCol="0">
+                <a:spAutoFit/>
+              </a:bodyPr>
+              <a:lstStyle/>
+              <a:p>
+                <a:r>
+                  <a:rPr lang="en-SG" dirty="0"/>
+                  <a:t>u</a:t>
+                </a:r>
+                <a:r>
+                  <a:rPr lang="en-SG" baseline="-25000" dirty="0" smtClean="0"/>
+                  <a:t>i+1</a:t>
+                </a:r>
+                <a:endParaRPr lang="en-SG" baseline="-25000" dirty="0"/>
+              </a:p>
+            </p:txBody>
+          </p:sp>
+          <p:sp>
+            <p:nvSpPr>
+              <p:cNvPr id="57" name="文本框 56"/>
+              <p:cNvSpPr txBox="1"/>
+              <p:nvPr/>
+            </p:nvSpPr>
+            <p:spPr>
+              <a:xfrm>
+                <a:off x="6656284" y="4642110"/>
+                <a:ext cx="497252" cy="369332"/>
+              </a:xfrm>
+              <a:prstGeom prst="rect">
+                <a:avLst/>
+              </a:prstGeom>
+              <a:noFill/>
+            </p:spPr>
+            <p:txBody>
+              <a:bodyPr wrap="none" rtlCol="0">
+                <a:spAutoFit/>
+              </a:bodyPr>
+              <a:lstStyle/>
+              <a:p>
+                <a:r>
+                  <a:rPr lang="en-SG" dirty="0"/>
+                  <a:t>u</a:t>
+                </a:r>
+                <a:r>
+                  <a:rPr lang="en-SG" baseline="-25000" dirty="0" smtClean="0"/>
+                  <a:t>i+2</a:t>
+                </a:r>
+                <a:endParaRPr lang="en-SG" baseline="-25000" dirty="0"/>
+              </a:p>
+            </p:txBody>
+          </p:sp>
+          <p:sp>
+            <p:nvSpPr>
+              <p:cNvPr id="58" name="文本框 57"/>
+              <p:cNvSpPr txBox="1"/>
+              <p:nvPr/>
+            </p:nvSpPr>
+            <p:spPr>
+              <a:xfrm>
+                <a:off x="7923918" y="4617396"/>
+                <a:ext cx="497252" cy="369332"/>
+              </a:xfrm>
+              <a:prstGeom prst="rect">
+                <a:avLst/>
+              </a:prstGeom>
+              <a:noFill/>
+            </p:spPr>
+            <p:txBody>
+              <a:bodyPr wrap="none" rtlCol="0">
+                <a:spAutoFit/>
+              </a:bodyPr>
+              <a:lstStyle/>
+              <a:p>
+                <a:r>
+                  <a:rPr lang="en-SG" dirty="0"/>
+                  <a:t>u</a:t>
+                </a:r>
+                <a:r>
+                  <a:rPr lang="en-SG" baseline="-25000" dirty="0" smtClean="0"/>
+                  <a:t>i+3</a:t>
+                </a:r>
+                <a:endParaRPr lang="en-SG" baseline="-25000" dirty="0"/>
+              </a:p>
+            </p:txBody>
+          </p:sp>
+          <p:sp>
+            <p:nvSpPr>
+              <p:cNvPr id="59" name="文本框 58"/>
+              <p:cNvSpPr txBox="1"/>
+              <p:nvPr/>
+            </p:nvSpPr>
+            <p:spPr>
+              <a:xfrm>
+                <a:off x="8910399" y="4629753"/>
+                <a:ext cx="497252" cy="369332"/>
+              </a:xfrm>
+              <a:prstGeom prst="rect">
+                <a:avLst/>
+              </a:prstGeom>
+              <a:noFill/>
+            </p:spPr>
+            <p:txBody>
+              <a:bodyPr wrap="none" rtlCol="0">
+                <a:spAutoFit/>
+              </a:bodyPr>
+              <a:lstStyle/>
+              <a:p>
+                <a:r>
+                  <a:rPr lang="en-SG" dirty="0"/>
+                  <a:t>u</a:t>
+                </a:r>
+                <a:r>
+                  <a:rPr lang="en-SG" baseline="-25000" dirty="0" smtClean="0"/>
+                  <a:t>i+4</a:t>
+                </a:r>
+                <a:endParaRPr lang="en-SG" baseline="-25000" dirty="0"/>
+              </a:p>
+            </p:txBody>
+          </p:sp>
+          <p:sp>
+            <p:nvSpPr>
+              <p:cNvPr id="61" name="文本框 60"/>
+              <p:cNvSpPr txBox="1"/>
+              <p:nvPr/>
+            </p:nvSpPr>
+            <p:spPr>
+              <a:xfrm>
+                <a:off x="9664646" y="4390423"/>
+                <a:ext cx="301686" cy="369332"/>
+              </a:xfrm>
+              <a:prstGeom prst="rect">
+                <a:avLst/>
+              </a:prstGeom>
+              <a:noFill/>
+            </p:spPr>
+            <p:txBody>
+              <a:bodyPr wrap="none" rtlCol="0">
+                <a:spAutoFit/>
+              </a:bodyPr>
+              <a:lstStyle/>
+              <a:p>
+                <a:r>
+                  <a:rPr lang="en-SG" dirty="0" smtClean="0"/>
+                  <a:t>0</a:t>
+                </a:r>
+                <a:endParaRPr lang="en-SG" dirty="0"/>
+              </a:p>
+            </p:txBody>
+          </p:sp>
+        </p:grpSp>
+      </p:grpSp>
+      <p:graphicFrame>
+        <p:nvGraphicFramePr>
+          <p:cNvPr id="63" name="对象 62"/>
+          <p:cNvGraphicFramePr>
+            <a:graphicFrameLocks noChangeAspect="1"/>
+          </p:cNvGraphicFramePr>
+          <p:nvPr>
+            <p:extLst>
+              <p:ext uri="{D42A27DB-BD31-4B8C-83A1-F6EECF244321}">
+                <p14:modId xmlns:p14="http://schemas.microsoft.com/office/powerpoint/2010/main" val="3717820921"/>
+              </p:ext>
+            </p:extLst>
+          </p:nvPr>
+        </p:nvGraphicFramePr>
+        <p:xfrm>
+          <a:off x="3794271" y="3008944"/>
+          <a:ext cx="1548006" cy="522436"/>
+        </p:xfrm>
+        <a:graphic>
+          <a:graphicData uri="http://schemas.openxmlformats.org/presentationml/2006/ole">
+            <mc:AlternateContent xmlns:mc="http://schemas.openxmlformats.org/markup-compatibility/2006">
+              <mc:Choice xmlns:v="urn:schemas-microsoft-com:vml" Requires="v">
+                <p:oleObj spid="_x0000_s25620" name="Equation" r:id="rId3" imgW="1282680" imgH="431640" progId="Equation.DSMT4">
+                  <p:embed/>
+                </p:oleObj>
+              </mc:Choice>
+              <mc:Fallback>
+                <p:oleObj name="Equation" r:id="rId3" imgW="1282680" imgH="431640" progId="Equation.DSMT4">
+                  <p:embed/>
+                  <p:pic>
+                    <p:nvPicPr>
+                      <p:cNvPr id="63" name="对象 62"/>
+                      <p:cNvPicPr/>
+                      <p:nvPr/>
+                    </p:nvPicPr>
+                    <p:blipFill>
+                      <a:blip r:embed="rId4"/>
+                      <a:stretch>
+                        <a:fillRect/>
+                      </a:stretch>
+                    </p:blipFill>
+                    <p:spPr>
+                      <a:xfrm>
+                        <a:off x="3794271" y="3008944"/>
+                        <a:ext cx="1548006" cy="522436"/>
+                      </a:xfrm>
+                      <a:prstGeom prst="rect">
+                        <a:avLst/>
+                      </a:prstGeom>
+                    </p:spPr>
+                  </p:pic>
+                </p:oleObj>
+              </mc:Fallback>
+            </mc:AlternateContent>
+          </a:graphicData>
+        </a:graphic>
+      </p:graphicFrame>
+      <p:graphicFrame>
+        <p:nvGraphicFramePr>
+          <p:cNvPr id="15" name="对象 14"/>
+          <p:cNvGraphicFramePr>
+            <a:graphicFrameLocks noChangeAspect="1"/>
+          </p:cNvGraphicFramePr>
+          <p:nvPr>
+            <p:extLst>
+              <p:ext uri="{D42A27DB-BD31-4B8C-83A1-F6EECF244321}">
+                <p14:modId xmlns:p14="http://schemas.microsoft.com/office/powerpoint/2010/main" val="4006558717"/>
+              </p:ext>
+            </p:extLst>
+          </p:nvPr>
+        </p:nvGraphicFramePr>
+        <p:xfrm>
+          <a:off x="5403312" y="4002114"/>
+          <a:ext cx="1016000" cy="431800"/>
+        </p:xfrm>
+        <a:graphic>
+          <a:graphicData uri="http://schemas.openxmlformats.org/presentationml/2006/ole">
+            <mc:AlternateContent xmlns:mc="http://schemas.openxmlformats.org/markup-compatibility/2006">
+              <mc:Choice xmlns:v="urn:schemas-microsoft-com:vml" Requires="v">
+                <p:oleObj spid="_x0000_s25621" name="Equation" r:id="rId5" imgW="1015920" imgH="431640" progId="Equation.DSMT4">
+                  <p:embed/>
+                </p:oleObj>
+              </mc:Choice>
+              <mc:Fallback>
+                <p:oleObj name="Equation" r:id="rId5" imgW="1015920" imgH="431640" progId="Equation.DSMT4">
+                  <p:embed/>
+                  <p:pic>
+                    <p:nvPicPr>
+                      <p:cNvPr id="0" name=""/>
+                      <p:cNvPicPr/>
+                      <p:nvPr/>
+                    </p:nvPicPr>
+                    <p:blipFill>
+                      <a:blip r:embed="rId6"/>
+                      <a:stretch>
+                        <a:fillRect/>
+                      </a:stretch>
+                    </p:blipFill>
+                    <p:spPr>
+                      <a:xfrm>
+                        <a:off x="5403312" y="4002114"/>
+                        <a:ext cx="1016000" cy="431800"/>
+                      </a:xfrm>
+                      <a:prstGeom prst="rect">
+                        <a:avLst/>
+                      </a:prstGeom>
+                    </p:spPr>
+                  </p:pic>
+                </p:oleObj>
+              </mc:Fallback>
+            </mc:AlternateContent>
+          </a:graphicData>
+        </a:graphic>
+      </p:graphicFrame>
+      <p:cxnSp>
+        <p:nvCxnSpPr>
+          <p:cNvPr id="18" name="曲线连接符 17"/>
+          <p:cNvCxnSpPr/>
+          <p:nvPr/>
+        </p:nvCxnSpPr>
+        <p:spPr>
+          <a:xfrm rot="5400000" flipH="1" flipV="1">
+            <a:off x="4828990" y="3620359"/>
+            <a:ext cx="274501" cy="96545"/>
+          </a:xfrm>
+          <a:prstGeom prst="curvedConnector3">
+            <a:avLst/>
+          </a:prstGeom>
+          <a:ln>
+            <a:tailEnd type="triangle"/>
+          </a:ln>
+        </p:spPr>
+        <p:style>
+          <a:lnRef idx="1">
+            <a:schemeClr val="accent1"/>
+          </a:lnRef>
+          <a:fillRef idx="0">
+            <a:schemeClr val="accent1"/>
+          </a:fillRef>
+          <a:effectRef idx="0">
+            <a:schemeClr val="accent1"/>
+          </a:effectRef>
+          <a:fontRef idx="minor">
+            <a:schemeClr val="tx1"/>
+          </a:fontRef>
+        </p:style>
+      </p:cxnSp>
+      <p:cxnSp>
+        <p:nvCxnSpPr>
+          <p:cNvPr id="21" name="曲线连接符 20"/>
+          <p:cNvCxnSpPr/>
+          <p:nvPr/>
+        </p:nvCxnSpPr>
+        <p:spPr>
+          <a:xfrm>
+            <a:off x="5342277" y="3805882"/>
+            <a:ext cx="282086" cy="196232"/>
+          </a:xfrm>
+          <a:prstGeom prst="curvedConnector3">
+            <a:avLst>
+              <a:gd name="adj1" fmla="val 98186"/>
+            </a:avLst>
+          </a:prstGeom>
+          <a:ln>
+            <a:tailEnd type="triangle"/>
+          </a:ln>
+        </p:spPr>
+        <p:style>
+          <a:lnRef idx="1">
+            <a:schemeClr val="accent1"/>
+          </a:lnRef>
+          <a:fillRef idx="0">
+            <a:schemeClr val="accent1"/>
+          </a:fillRef>
+          <a:effectRef idx="0">
+            <a:schemeClr val="accent1"/>
+          </a:effectRef>
+          <a:fontRef idx="minor">
+            <a:schemeClr val="tx1"/>
+          </a:fontRef>
+        </p:style>
+      </p:cxnSp>
+      <p:sp>
+        <p:nvSpPr>
+          <p:cNvPr id="33" name="文本框 32"/>
+          <p:cNvSpPr txBox="1"/>
+          <p:nvPr/>
+        </p:nvSpPr>
+        <p:spPr>
+          <a:xfrm>
+            <a:off x="4916729" y="5232734"/>
+            <a:ext cx="1580882" cy="369332"/>
+          </a:xfrm>
+          <a:prstGeom prst="rect">
+            <a:avLst/>
+          </a:prstGeom>
+          <a:noFill/>
+        </p:spPr>
+        <p:txBody>
+          <a:bodyPr wrap="none" rtlCol="0">
+            <a:spAutoFit/>
+          </a:bodyPr>
+          <a:lstStyle/>
+          <a:p>
+            <a:r>
+              <a:rPr lang="en-SG" dirty="0" smtClean="0"/>
+              <a:t>Basis functions</a:t>
             </a:r>
             <a:endParaRPr lang="en-SG" dirty="0"/>
           </a:p>
@@ -13912,7 +16567,7 @@
     </p:spTree>
     <p:extLst>
       <p:ext uri="{BB962C8B-B14F-4D97-AF65-F5344CB8AC3E}">
-        <p14:creationId xmlns:p14="http://schemas.microsoft.com/office/powerpoint/2010/main" val="995354629"/>
+        <p14:creationId xmlns:p14="http://schemas.microsoft.com/office/powerpoint/2010/main" val="4058368593"/>
       </p:ext>
     </p:extLst>
   </p:cSld>
@@ -13958,13 +16613,8 @@
           <a:p>
             <a:r>
               <a:rPr lang="en-SG" dirty="0"/>
-              <a:t>Ruled </a:t>
-            </a:r>
-            <a:r>
-              <a:rPr lang="en-SG" dirty="0" smtClean="0"/>
-              <a:t>surfaces</a:t>
-            </a:r>
-            <a:endParaRPr lang="en-SG" dirty="0"/>
+              <a:t>Geometry of curve – NURBS</a:t>
+            </a:r>
           </a:p>
         </p:txBody>
       </p:sp>
@@ -13983,14 +16633,52 @@
           <a:bodyPr/>
           <a:lstStyle/>
           <a:p>
-            <a:endParaRPr lang="en-SG"/>
+            <a:r>
+              <a:rPr lang="en-US" dirty="0" smtClean="0"/>
+              <a:t>In practice, a knot vector always be normalized into [0,1] and the distance between any two knots is not evenly again, in addition, all </a:t>
+            </a:r>
+            <a:r>
+              <a:rPr lang="en-US" dirty="0" err="1" smtClean="0"/>
+              <a:t>Ws</a:t>
+            </a:r>
+            <a:r>
+              <a:rPr lang="en-US" dirty="0" smtClean="0"/>
+              <a:t> are rational polynomials. Under these conditions, we got NURBS. It is short </a:t>
+            </a:r>
+            <a:r>
+              <a:rPr lang="en-US" dirty="0"/>
+              <a:t>of Non-Uniform Rational </a:t>
+            </a:r>
+            <a:r>
+              <a:rPr lang="en-US" dirty="0" smtClean="0"/>
+              <a:t>Basic Spline.</a:t>
+            </a:r>
+          </a:p>
+          <a:p>
+            <a:r>
+              <a:rPr lang="en-US" dirty="0" smtClean="0"/>
+              <a:t>NURBS </a:t>
+            </a:r>
+            <a:r>
+              <a:rPr lang="en-US" dirty="0" smtClean="0"/>
+              <a:t>is essentially B-spline in homogeneous coordinates, which is now </a:t>
+            </a:r>
+            <a:r>
+              <a:rPr lang="en-US" dirty="0" smtClean="0"/>
+              <a:t>actually </a:t>
+            </a:r>
+            <a:r>
+              <a:rPr lang="en-US" dirty="0" smtClean="0"/>
+              <a:t>an industry standard adopted by most of commercial CAD systems.</a:t>
+            </a:r>
+            <a:endParaRPr lang="en-SG" dirty="0"/>
           </a:p>
         </p:txBody>
       </p:sp>
     </p:spTree>
     <p:extLst>
       <p:ext uri="{BB962C8B-B14F-4D97-AF65-F5344CB8AC3E}">
-        <p14:creationId xmlns:p14="http://schemas.microsoft.com/office/powerpoint/2010/main" val="4089471478"/>
+        <p14:creationId xmlns:p14="http://schemas.microsoft.com/office/powerpoint/2010/main" val="1795151959"/>
       </p:ext>
     </p:extLst>
   </p:cSld>
@@ -14029,22 +16717,12 @@
         </p:nvSpPr>
         <p:spPr/>
         <p:txBody>
-          <a:bodyPr>
-            <a:normAutofit/>
-          </a:bodyPr>
-          <a:lstStyle/>
-          <a:p>
-            <a:r>
-              <a:rPr lang="en-SG" dirty="0" smtClean="0"/>
-              <a:t>Other </a:t>
-            </a:r>
-            <a:r>
-              <a:rPr lang="en-SG" dirty="0"/>
-              <a:t>standard mathematical </a:t>
-            </a:r>
-            <a:r>
-              <a:rPr lang="en-SG" dirty="0" smtClean="0"/>
-              <a:t>surfaces</a:t>
+          <a:bodyPr/>
+          <a:lstStyle/>
+          <a:p>
+            <a:r>
+              <a:rPr lang="en-SG" dirty="0" smtClean="0"/>
+              <a:t>Geometry of surface</a:t>
             </a:r>
             <a:endParaRPr lang="en-SG" dirty="0"/>
           </a:p>
@@ -14062,17 +16740,110 @@
         </p:nvSpPr>
         <p:spPr/>
         <p:txBody>
-          <a:bodyPr/>
-          <a:lstStyle/>
-          <a:p>
-            <a:endParaRPr lang="en-SG"/>
-          </a:p>
-        </p:txBody>
-      </p:sp>
+          <a:bodyPr>
+            <a:normAutofit lnSpcReduction="10000"/>
+          </a:bodyPr>
+          <a:lstStyle/>
+          <a:p>
+            <a:r>
+              <a:rPr lang="en-SG" dirty="0" smtClean="0"/>
+              <a:t>Parametric equations of a surface, if one parameter is fixed a curve will be got. So intuitively, two curves could build a surface.</a:t>
+            </a:r>
+          </a:p>
+          <a:p>
+            <a:endParaRPr lang="en-SG" dirty="0"/>
+          </a:p>
+          <a:p>
+            <a:endParaRPr lang="en-SG" dirty="0" smtClean="0"/>
+          </a:p>
+          <a:p>
+            <a:endParaRPr lang="en-SG" dirty="0" smtClean="0"/>
+          </a:p>
+          <a:p>
+            <a:endParaRPr lang="en-SG" dirty="0"/>
+          </a:p>
+          <a:p>
+            <a:r>
+              <a:rPr lang="en-SG" dirty="0" smtClean="0"/>
+              <a:t>Ruled surfaces</a:t>
+            </a:r>
+          </a:p>
+          <a:p>
+            <a:r>
+              <a:rPr lang="en-SG" dirty="0" smtClean="0"/>
+              <a:t>Other standard mathematical surfaces</a:t>
+            </a:r>
+          </a:p>
+          <a:p>
+            <a:r>
+              <a:rPr lang="en-SG" dirty="0" smtClean="0"/>
+              <a:t>Surface modelling</a:t>
+            </a:r>
+            <a:endParaRPr lang="en-SG" dirty="0"/>
+          </a:p>
+        </p:txBody>
+      </p:sp>
+      <p:graphicFrame>
+        <p:nvGraphicFramePr>
+          <p:cNvPr id="4" name="对象 3"/>
+          <p:cNvGraphicFramePr>
+            <a:graphicFrameLocks noChangeAspect="1"/>
+          </p:cNvGraphicFramePr>
+          <p:nvPr>
+            <p:extLst>
+              <p:ext uri="{D42A27DB-BD31-4B8C-83A1-F6EECF244321}">
+                <p14:modId xmlns:p14="http://schemas.microsoft.com/office/powerpoint/2010/main" val="4003793891"/>
+              </p:ext>
+            </p:extLst>
+          </p:nvPr>
+        </p:nvGraphicFramePr>
+        <p:xfrm>
+          <a:off x="4586849" y="2687488"/>
+          <a:ext cx="1818070" cy="1696865"/>
+        </p:xfrm>
+        <a:graphic>
+          <a:graphicData uri="http://schemas.openxmlformats.org/presentationml/2006/ole">
+            <mc:AlternateContent xmlns:mc="http://schemas.openxmlformats.org/markup-compatibility/2006">
+              <mc:Choice xmlns:v="urn:schemas-microsoft-com:vml" Requires="v">
+                <p:oleObj spid="_x0000_s26633" name="Equation" r:id="rId3" imgW="761760" imgH="711000" progId="Equation.DSMT4">
+                  <p:embed/>
+                </p:oleObj>
+              </mc:Choice>
+              <mc:Fallback>
+                <p:oleObj name="Equation" r:id="rId3" imgW="761760" imgH="711000" progId="Equation.DSMT4">
+                  <p:embed/>
+                  <p:pic>
+                    <p:nvPicPr>
+                      <p:cNvPr id="0" name=""/>
+                      <p:cNvPicPr/>
+                      <p:nvPr/>
+                    </p:nvPicPr>
+                    <p:blipFill>
+                      <a:blip r:embed="rId4"/>
+                      <a:stretch>
+                        <a:fillRect/>
+                      </a:stretch>
+                    </p:blipFill>
+                    <p:spPr>
+                      <a:xfrm>
+                        <a:off x="4586849" y="2687488"/>
+                        <a:ext cx="1818070" cy="1696865"/>
+                      </a:xfrm>
+                      <a:prstGeom prst="rect">
+                        <a:avLst/>
+                      </a:prstGeom>
+                    </p:spPr>
+                  </p:pic>
+                </p:oleObj>
+              </mc:Fallback>
+            </mc:AlternateContent>
+          </a:graphicData>
+        </a:graphic>
+      </p:graphicFrame>
     </p:spTree>
     <p:extLst>
       <p:ext uri="{BB962C8B-B14F-4D97-AF65-F5344CB8AC3E}">
-        <p14:creationId xmlns:p14="http://schemas.microsoft.com/office/powerpoint/2010/main" val="1677274216"/>
+        <p14:creationId xmlns:p14="http://schemas.microsoft.com/office/powerpoint/2010/main" val="995354629"/>
       </p:ext>
     </p:extLst>
   </p:cSld>
@@ -14117,8 +16888,12 @@
           <a:lstStyle/>
           <a:p>
             <a:r>
-              <a:rPr lang="en-SG" dirty="0" smtClean="0"/>
-              <a:t>Surface modelling</a:t>
+              <a:rPr lang="en-SG" dirty="0"/>
+              <a:t>Ruled </a:t>
+            </a:r>
+            <a:r>
+              <a:rPr lang="en-SG" dirty="0" smtClean="0"/>
+              <a:t>surfaces</a:t>
             </a:r>
             <a:endParaRPr lang="en-SG" dirty="0"/>
           </a:p>
@@ -14146,7 +16921,7 @@
     </p:spTree>
     <p:extLst>
       <p:ext uri="{BB962C8B-B14F-4D97-AF65-F5344CB8AC3E}">
-        <p14:creationId xmlns:p14="http://schemas.microsoft.com/office/powerpoint/2010/main" val="3533909986"/>
+        <p14:creationId xmlns:p14="http://schemas.microsoft.com/office/powerpoint/2010/main" val="4089471478"/>
       </p:ext>
     </p:extLst>
   </p:cSld>
@@ -14185,12 +16960,22 @@
         </p:nvSpPr>
         <p:spPr/>
         <p:txBody>
-          <a:bodyPr/>
-          <a:lstStyle/>
-          <a:p>
-            <a:r>
-              <a:rPr lang="en-SG" dirty="0" smtClean="0"/>
-              <a:t>Boolean operations in CSG</a:t>
+          <a:bodyPr>
+            <a:normAutofit/>
+          </a:bodyPr>
+          <a:lstStyle/>
+          <a:p>
+            <a:r>
+              <a:rPr lang="en-SG" dirty="0" smtClean="0"/>
+              <a:t>Other </a:t>
+            </a:r>
+            <a:r>
+              <a:rPr lang="en-SG" dirty="0"/>
+              <a:t>standard mathematical </a:t>
+            </a:r>
+            <a:r>
+              <a:rPr lang="en-SG" dirty="0" smtClean="0"/>
+              <a:t>surfaces</a:t>
             </a:r>
             <a:endParaRPr lang="en-SG" dirty="0"/>
           </a:p>
@@ -14198,12 +16983,12 @@
       </p:sp>
       <p:sp>
         <p:nvSpPr>
-          <p:cNvPr id="4" name="文本占位符 3"/>
+          <p:cNvPr id="3" name="内容占位符 2"/>
           <p:cNvSpPr>
             <a:spLocks noGrp="1"/>
           </p:cNvSpPr>
           <p:nvPr>
-            <p:ph type="body" idx="1"/>
+            <p:ph idx="1"/>
           </p:nvPr>
         </p:nvSpPr>
         <p:spPr/>
@@ -14218,7 +17003,7 @@
     </p:spTree>
     <p:extLst>
       <p:ext uri="{BB962C8B-B14F-4D97-AF65-F5344CB8AC3E}">
-        <p14:creationId xmlns:p14="http://schemas.microsoft.com/office/powerpoint/2010/main" val="1997754333"/>
+        <p14:creationId xmlns:p14="http://schemas.microsoft.com/office/powerpoint/2010/main" val="1677274216"/>
       </p:ext>
     </p:extLst>
   </p:cSld>
@@ -14257,6 +17042,152 @@
         </p:nvSpPr>
         <p:spPr/>
         <p:txBody>
+          <a:bodyPr>
+            <a:normAutofit/>
+          </a:bodyPr>
+          <a:lstStyle/>
+          <a:p>
+            <a:r>
+              <a:rPr lang="en-SG" dirty="0" smtClean="0"/>
+              <a:t>Surface modelling</a:t>
+            </a:r>
+            <a:endParaRPr lang="en-SG" dirty="0"/>
+          </a:p>
+        </p:txBody>
+      </p:sp>
+      <p:sp>
+        <p:nvSpPr>
+          <p:cNvPr id="3" name="内容占位符 2"/>
+          <p:cNvSpPr>
+            <a:spLocks noGrp="1"/>
+          </p:cNvSpPr>
+          <p:nvPr>
+            <p:ph idx="1"/>
+          </p:nvPr>
+        </p:nvSpPr>
+        <p:spPr/>
+        <p:txBody>
+          <a:bodyPr/>
+          <a:lstStyle/>
+          <a:p>
+            <a:endParaRPr lang="en-SG"/>
+          </a:p>
+        </p:txBody>
+      </p:sp>
+    </p:spTree>
+    <p:extLst>
+      <p:ext uri="{BB962C8B-B14F-4D97-AF65-F5344CB8AC3E}">
+        <p14:creationId xmlns:p14="http://schemas.microsoft.com/office/powerpoint/2010/main" val="3533909986"/>
+      </p:ext>
+    </p:extLst>
+  </p:cSld>
+  <p:clrMapOvr>
+    <a:masterClrMapping/>
+  </p:clrMapOvr>
+</p:sld>
+</file>
+
+<file path=ppt/slides/slide56.xml><?xml version="1.0" encoding="utf-8"?>
+<p:sld xmlns:a="http://schemas.openxmlformats.org/drawingml/2006/main" xmlns:r="http://schemas.openxmlformats.org/officeDocument/2006/relationships" xmlns:p="http://schemas.openxmlformats.org/presentationml/2006/main">
+  <p:cSld>
+    <p:spTree>
+      <p:nvGrpSpPr>
+        <p:cNvPr id="1" name=""/>
+        <p:cNvGrpSpPr/>
+        <p:nvPr/>
+      </p:nvGrpSpPr>
+      <p:grpSpPr>
+        <a:xfrm>
+          <a:off x="0" y="0"/>
+          <a:ext cx="0" cy="0"/>
+          <a:chOff x="0" y="0"/>
+          <a:chExt cx="0" cy="0"/>
+        </a:xfrm>
+      </p:grpSpPr>
+      <p:sp>
+        <p:nvSpPr>
+          <p:cNvPr id="2" name="标题 1"/>
+          <p:cNvSpPr>
+            <a:spLocks noGrp="1"/>
+          </p:cNvSpPr>
+          <p:nvPr>
+            <p:ph type="title"/>
+          </p:nvPr>
+        </p:nvSpPr>
+        <p:spPr/>
+        <p:txBody>
+          <a:bodyPr/>
+          <a:lstStyle/>
+          <a:p>
+            <a:r>
+              <a:rPr lang="en-SG" dirty="0" smtClean="0"/>
+              <a:t>Boolean operations in CSG</a:t>
+            </a:r>
+            <a:endParaRPr lang="en-SG" dirty="0"/>
+          </a:p>
+        </p:txBody>
+      </p:sp>
+      <p:sp>
+        <p:nvSpPr>
+          <p:cNvPr id="4" name="文本占位符 3"/>
+          <p:cNvSpPr>
+            <a:spLocks noGrp="1"/>
+          </p:cNvSpPr>
+          <p:nvPr>
+            <p:ph type="body" idx="1"/>
+          </p:nvPr>
+        </p:nvSpPr>
+        <p:spPr/>
+        <p:txBody>
+          <a:bodyPr/>
+          <a:lstStyle/>
+          <a:p>
+            <a:endParaRPr lang="en-SG"/>
+          </a:p>
+        </p:txBody>
+      </p:sp>
+    </p:spTree>
+    <p:extLst>
+      <p:ext uri="{BB962C8B-B14F-4D97-AF65-F5344CB8AC3E}">
+        <p14:creationId xmlns:p14="http://schemas.microsoft.com/office/powerpoint/2010/main" val="1997754333"/>
+      </p:ext>
+    </p:extLst>
+  </p:cSld>
+  <p:clrMapOvr>
+    <a:masterClrMapping/>
+  </p:clrMapOvr>
+</p:sld>
+</file>
+
+<file path=ppt/slides/slide57.xml><?xml version="1.0" encoding="utf-8"?>
+<p:sld xmlns:a="http://schemas.openxmlformats.org/drawingml/2006/main" xmlns:r="http://schemas.openxmlformats.org/officeDocument/2006/relationships" xmlns:p="http://schemas.openxmlformats.org/presentationml/2006/main">
+  <p:cSld>
+    <p:spTree>
+      <p:nvGrpSpPr>
+        <p:cNvPr id="1" name=""/>
+        <p:cNvGrpSpPr/>
+        <p:nvPr/>
+      </p:nvGrpSpPr>
+      <p:grpSpPr>
+        <a:xfrm>
+          <a:off x="0" y="0"/>
+          <a:ext cx="0" cy="0"/>
+          <a:chOff x="0" y="0"/>
+          <a:chExt cx="0" cy="0"/>
+        </a:xfrm>
+      </p:grpSpPr>
+      <p:sp>
+        <p:nvSpPr>
+          <p:cNvPr id="2" name="标题 1"/>
+          <p:cNvSpPr>
+            <a:spLocks noGrp="1"/>
+          </p:cNvSpPr>
+          <p:nvPr>
+            <p:ph type="title"/>
+          </p:nvPr>
+        </p:nvSpPr>
+        <p:spPr/>
+        <p:txBody>
           <a:bodyPr/>
           <a:lstStyle/>
           <a:p>
@@ -14410,7 +17341,7 @@
 </p:sld>
 </file>
 
-<file path=ppt/slides/slide56.xml><?xml version="1.0" encoding="utf-8"?>
+<file path=ppt/slides/slide58.xml><?xml version="1.0" encoding="utf-8"?>
 <p:sld xmlns:a="http://schemas.openxmlformats.org/drawingml/2006/main" xmlns:r="http://schemas.openxmlformats.org/officeDocument/2006/relationships" xmlns:p="http://schemas.openxmlformats.org/presentationml/2006/main">
   <p:cSld>
     <p:spTree>
@@ -14568,7 +17499,7 @@
           <a:graphicData uri="http://schemas.openxmlformats.org/presentationml/2006/ole">
             <mc:AlternateContent xmlns:mc="http://schemas.openxmlformats.org/markup-compatibility/2006">
               <mc:Choice xmlns:v="urn:schemas-microsoft-com:vml" Requires="v">
-                <p:oleObj spid="_x0000_s8815" name="Equation" r:id="rId6" imgW="419040" imgH="164880" progId="Equation.DSMT4">
+                <p:oleObj spid="_x0000_s8866" name="Equation" r:id="rId6" imgW="419040" imgH="164880" progId="Equation.DSMT4">
                   <p:embed/>
                 </p:oleObj>
               </mc:Choice>
@@ -14625,7 +17556,7 @@
           <a:graphicData uri="http://schemas.openxmlformats.org/presentationml/2006/ole">
             <mc:AlternateContent xmlns:mc="http://schemas.openxmlformats.org/markup-compatibility/2006">
               <mc:Choice xmlns:v="urn:schemas-microsoft-com:vml" Requires="v">
-                <p:oleObj spid="_x0000_s8816" name="Equation" r:id="rId8" imgW="380880" imgH="406080" progId="Equation.DSMT4">
+                <p:oleObj spid="_x0000_s8867" name="Equation" r:id="rId8" imgW="380880" imgH="406080" progId="Equation.DSMT4">
                   <p:embed/>
                 </p:oleObj>
               </mc:Choice>
@@ -14678,7 +17609,7 @@
           <a:graphicData uri="http://schemas.openxmlformats.org/presentationml/2006/ole">
             <mc:AlternateContent xmlns:mc="http://schemas.openxmlformats.org/markup-compatibility/2006">
               <mc:Choice xmlns:v="urn:schemas-microsoft-com:vml" Requires="v">
-                <p:oleObj spid="_x0000_s8817" name="Equation" r:id="rId10" imgW="419040" imgH="164880" progId="Equation.DSMT4">
+                <p:oleObj spid="_x0000_s8868" name="Equation" r:id="rId10" imgW="419040" imgH="164880" progId="Equation.DSMT4">
                   <p:embed/>
                 </p:oleObj>
               </mc:Choice>
@@ -14726,7 +17657,7 @@
 </p:sld>
 </file>
 
-<file path=ppt/slides/slide57.xml><?xml version="1.0" encoding="utf-8"?>
+<file path=ppt/slides/slide59.xml><?xml version="1.0" encoding="utf-8"?>
 <p:sld xmlns:a="http://schemas.openxmlformats.org/drawingml/2006/main" xmlns:r="http://schemas.openxmlformats.org/officeDocument/2006/relationships" xmlns:p="http://schemas.openxmlformats.org/presentationml/2006/main">
   <p:cSld>
     <p:spTree>
@@ -14864,7 +17795,79 @@
 </p:sld>
 </file>
 
-<file path=ppt/slides/slide58.xml><?xml version="1.0" encoding="utf-8"?>
+<file path=ppt/slides/slide6.xml><?xml version="1.0" encoding="utf-8"?>
+<p:sld xmlns:a="http://schemas.openxmlformats.org/drawingml/2006/main" xmlns:r="http://schemas.openxmlformats.org/officeDocument/2006/relationships" xmlns:p="http://schemas.openxmlformats.org/presentationml/2006/main">
+  <p:cSld>
+    <p:spTree>
+      <p:nvGrpSpPr>
+        <p:cNvPr id="1" name=""/>
+        <p:cNvGrpSpPr/>
+        <p:nvPr/>
+      </p:nvGrpSpPr>
+      <p:grpSpPr>
+        <a:xfrm>
+          <a:off x="0" y="0"/>
+          <a:ext cx="0" cy="0"/>
+          <a:chOff x="0" y="0"/>
+          <a:chExt cx="0" cy="0"/>
+        </a:xfrm>
+      </p:grpSpPr>
+      <p:sp>
+        <p:nvSpPr>
+          <p:cNvPr id="2" name="标题 1"/>
+          <p:cNvSpPr>
+            <a:spLocks noGrp="1"/>
+          </p:cNvSpPr>
+          <p:nvPr>
+            <p:ph type="title"/>
+          </p:nvPr>
+        </p:nvSpPr>
+        <p:spPr/>
+        <p:txBody>
+          <a:bodyPr/>
+          <a:lstStyle/>
+          <a:p>
+            <a:r>
+              <a:rPr lang="en-SG" dirty="0" smtClean="0"/>
+              <a:t>Coordinate system</a:t>
+            </a:r>
+            <a:endParaRPr lang="en-SG" dirty="0"/>
+          </a:p>
+        </p:txBody>
+      </p:sp>
+      <p:sp>
+        <p:nvSpPr>
+          <p:cNvPr id="4" name="文本占位符 3"/>
+          <p:cNvSpPr>
+            <a:spLocks noGrp="1"/>
+          </p:cNvSpPr>
+          <p:nvPr>
+            <p:ph type="body" idx="1"/>
+          </p:nvPr>
+        </p:nvSpPr>
+        <p:spPr/>
+        <p:txBody>
+          <a:bodyPr/>
+          <a:lstStyle/>
+          <a:p>
+            <a:endParaRPr lang="en-SG"/>
+          </a:p>
+        </p:txBody>
+      </p:sp>
+    </p:spTree>
+    <p:extLst>
+      <p:ext uri="{BB962C8B-B14F-4D97-AF65-F5344CB8AC3E}">
+        <p14:creationId xmlns:p14="http://schemas.microsoft.com/office/powerpoint/2010/main" val="606350518"/>
+      </p:ext>
+    </p:extLst>
+  </p:cSld>
+  <p:clrMapOvr>
+    <a:masterClrMapping/>
+  </p:clrMapOvr>
+</p:sld>
+</file>
+
+<file path=ppt/slides/slide60.xml><?xml version="1.0" encoding="utf-8"?>
 <p:sld xmlns:a="http://schemas.openxmlformats.org/drawingml/2006/main" xmlns:r="http://schemas.openxmlformats.org/officeDocument/2006/relationships" xmlns:p="http://schemas.openxmlformats.org/presentationml/2006/main">
   <p:cSld>
     <p:spTree>
@@ -14971,7 +17974,7 @@
 </p:sld>
 </file>
 
-<file path=ppt/slides/slide59.xml><?xml version="1.0" encoding="utf-8"?>
+<file path=ppt/slides/slide61.xml><?xml version="1.0" encoding="utf-8"?>
 <p:sld xmlns:a="http://schemas.openxmlformats.org/drawingml/2006/main" xmlns:r="http://schemas.openxmlformats.org/officeDocument/2006/relationships" xmlns:p="http://schemas.openxmlformats.org/presentationml/2006/main">
   <p:cSld>
     <p:spTree>
@@ -15043,79 +18046,7 @@
 </p:sld>
 </file>
 
-<file path=ppt/slides/slide6.xml><?xml version="1.0" encoding="utf-8"?>
-<p:sld xmlns:a="http://schemas.openxmlformats.org/drawingml/2006/main" xmlns:r="http://schemas.openxmlformats.org/officeDocument/2006/relationships" xmlns:p="http://schemas.openxmlformats.org/presentationml/2006/main">
-  <p:cSld>
-    <p:spTree>
-      <p:nvGrpSpPr>
-        <p:cNvPr id="1" name=""/>
-        <p:cNvGrpSpPr/>
-        <p:nvPr/>
-      </p:nvGrpSpPr>
-      <p:grpSpPr>
-        <a:xfrm>
-          <a:off x="0" y="0"/>
-          <a:ext cx="0" cy="0"/>
-          <a:chOff x="0" y="0"/>
-          <a:chExt cx="0" cy="0"/>
-        </a:xfrm>
-      </p:grpSpPr>
-      <p:sp>
-        <p:nvSpPr>
-          <p:cNvPr id="2" name="标题 1"/>
-          <p:cNvSpPr>
-            <a:spLocks noGrp="1"/>
-          </p:cNvSpPr>
-          <p:nvPr>
-            <p:ph type="title"/>
-          </p:nvPr>
-        </p:nvSpPr>
-        <p:spPr/>
-        <p:txBody>
-          <a:bodyPr/>
-          <a:lstStyle/>
-          <a:p>
-            <a:r>
-              <a:rPr lang="en-SG" dirty="0" smtClean="0"/>
-              <a:t>Coordinate system</a:t>
-            </a:r>
-            <a:endParaRPr lang="en-SG" dirty="0"/>
-          </a:p>
-        </p:txBody>
-      </p:sp>
-      <p:sp>
-        <p:nvSpPr>
-          <p:cNvPr id="4" name="文本占位符 3"/>
-          <p:cNvSpPr>
-            <a:spLocks noGrp="1"/>
-          </p:cNvSpPr>
-          <p:nvPr>
-            <p:ph type="body" idx="1"/>
-          </p:nvPr>
-        </p:nvSpPr>
-        <p:spPr/>
-        <p:txBody>
-          <a:bodyPr/>
-          <a:lstStyle/>
-          <a:p>
-            <a:endParaRPr lang="en-SG"/>
-          </a:p>
-        </p:txBody>
-      </p:sp>
-    </p:spTree>
-    <p:extLst>
-      <p:ext uri="{BB962C8B-B14F-4D97-AF65-F5344CB8AC3E}">
-        <p14:creationId xmlns:p14="http://schemas.microsoft.com/office/powerpoint/2010/main" val="606350518"/>
-      </p:ext>
-    </p:extLst>
-  </p:cSld>
-  <p:clrMapOvr>
-    <a:masterClrMapping/>
-  </p:clrMapOvr>
-</p:sld>
-</file>
-
-<file path=ppt/slides/slide60.xml><?xml version="1.0" encoding="utf-8"?>
+<file path=ppt/slides/slide62.xml><?xml version="1.0" encoding="utf-8"?>
 <p:sld xmlns:a="http://schemas.openxmlformats.org/drawingml/2006/main" xmlns:r="http://schemas.openxmlformats.org/officeDocument/2006/relationships" xmlns:p="http://schemas.openxmlformats.org/presentationml/2006/main">
   <p:cSld>
     <p:spTree>
@@ -15223,7 +18154,61 @@
 </p:sld>
 </file>
 
-<file path=ppt/slides/slide61.xml><?xml version="1.0" encoding="utf-8"?>
+<file path=ppt/slides/slide63.xml><?xml version="1.0" encoding="utf-8"?>
+<p:sld xmlns:a="http://schemas.openxmlformats.org/drawingml/2006/main" xmlns:r="http://schemas.openxmlformats.org/officeDocument/2006/relationships" xmlns:p="http://schemas.openxmlformats.org/presentationml/2006/main">
+  <p:cSld>
+    <p:spTree>
+      <p:nvGrpSpPr>
+        <p:cNvPr id="1" name=""/>
+        <p:cNvGrpSpPr/>
+        <p:nvPr/>
+      </p:nvGrpSpPr>
+      <p:grpSpPr>
+        <a:xfrm>
+          <a:off x="0" y="0"/>
+          <a:ext cx="0" cy="0"/>
+          <a:chOff x="0" y="0"/>
+          <a:chExt cx="0" cy="0"/>
+        </a:xfrm>
+      </p:grpSpPr>
+      <p:pic>
+        <p:nvPicPr>
+          <p:cNvPr id="4" name="图片 3"/>
+          <p:cNvPicPr>
+            <a:picLocks noChangeAspect="1"/>
+          </p:cNvPicPr>
+          <p:nvPr/>
+        </p:nvPicPr>
+        <p:blipFill>
+          <a:blip r:embed="rId2"/>
+          <a:stretch>
+            <a:fillRect/>
+          </a:stretch>
+        </p:blipFill>
+        <p:spPr>
+          <a:xfrm>
+            <a:off x="2504915" y="1069246"/>
+            <a:ext cx="6267772" cy="4991357"/>
+          </a:xfrm>
+          <a:prstGeom prst="rect">
+            <a:avLst/>
+          </a:prstGeom>
+        </p:spPr>
+      </p:pic>
+    </p:spTree>
+    <p:extLst>
+      <p:ext uri="{BB962C8B-B14F-4D97-AF65-F5344CB8AC3E}">
+        <p14:creationId xmlns:p14="http://schemas.microsoft.com/office/powerpoint/2010/main" val="4264465196"/>
+      </p:ext>
+    </p:extLst>
+  </p:cSld>
+  <p:clrMapOvr>
+    <a:masterClrMapping/>
+  </p:clrMapOvr>
+</p:sld>
+</file>
+
+<file path=ppt/slides/slide64.xml><?xml version="1.0" encoding="utf-8"?>
 <p:sld xmlns:a="http://schemas.openxmlformats.org/drawingml/2006/main" xmlns:r="http://schemas.openxmlformats.org/officeDocument/2006/relationships" xmlns:p="http://schemas.openxmlformats.org/presentationml/2006/main">
   <p:cSld>
     <p:spTree>
@@ -15277,7 +18262,7 @@
 </p:sld>
 </file>
 
-<file path=ppt/slides/slide62.xml><?xml version="1.0" encoding="utf-8"?>
+<file path=ppt/slides/slide65.xml><?xml version="1.0" encoding="utf-8"?>
 <p:sld xmlns:a="http://schemas.openxmlformats.org/drawingml/2006/main" xmlns:r="http://schemas.openxmlformats.org/officeDocument/2006/relationships" xmlns:p="http://schemas.openxmlformats.org/presentationml/2006/main">
   <p:cSld>
     <p:spTree>
@@ -15385,7 +18370,7 @@
 </p:sld>
 </file>
 
-<file path=ppt/slides/slide63.xml><?xml version="1.0" encoding="utf-8"?>
+<file path=ppt/slides/slide66.xml><?xml version="1.0" encoding="utf-8"?>
 <p:sld xmlns:a="http://schemas.openxmlformats.org/drawingml/2006/main" xmlns:r="http://schemas.openxmlformats.org/officeDocument/2006/relationships" xmlns:p="http://schemas.openxmlformats.org/presentationml/2006/main">
   <p:cSld>
     <p:spTree>
@@ -15521,315 +18506,6 @@
 </p:sld>
 </file>
 
-<file path=ppt/slides/slide64.xml><?xml version="1.0" encoding="utf-8"?>
-<p:sld xmlns:a="http://schemas.openxmlformats.org/drawingml/2006/main" xmlns:r="http://schemas.openxmlformats.org/officeDocument/2006/relationships" xmlns:p="http://schemas.openxmlformats.org/presentationml/2006/main">
-  <p:cSld>
-    <p:spTree>
-      <p:nvGrpSpPr>
-        <p:cNvPr id="1" name=""/>
-        <p:cNvGrpSpPr/>
-        <p:nvPr/>
-      </p:nvGrpSpPr>
-      <p:grpSpPr>
-        <a:xfrm>
-          <a:off x="0" y="0"/>
-          <a:ext cx="0" cy="0"/>
-          <a:chOff x="0" y="0"/>
-          <a:chExt cx="0" cy="0"/>
-        </a:xfrm>
-      </p:grpSpPr>
-      <p:sp>
-        <p:nvSpPr>
-          <p:cNvPr id="2" name="标题 1"/>
-          <p:cNvSpPr>
-            <a:spLocks noGrp="1"/>
-          </p:cNvSpPr>
-          <p:nvPr>
-            <p:ph type="title"/>
-          </p:nvPr>
-        </p:nvSpPr>
-        <p:spPr/>
-        <p:txBody>
-          <a:bodyPr/>
-          <a:lstStyle/>
-          <a:p>
-            <a:r>
-              <a:rPr lang="en-SG" dirty="0"/>
-              <a:t>Sketch method</a:t>
-            </a:r>
-          </a:p>
-        </p:txBody>
-      </p:sp>
-      <p:sp>
-        <p:nvSpPr>
-          <p:cNvPr id="3" name="内容占位符 2"/>
-          <p:cNvSpPr>
-            <a:spLocks noGrp="1"/>
-          </p:cNvSpPr>
-          <p:nvPr>
-            <p:ph idx="1"/>
-          </p:nvPr>
-        </p:nvSpPr>
-        <p:spPr/>
-        <p:txBody>
-          <a:bodyPr/>
-          <a:lstStyle/>
-          <a:p>
-            <a:r>
-              <a:rPr lang="en-SG" dirty="0" smtClean="0"/>
-              <a:t>The main steps of sketch method to create 3D models are</a:t>
-            </a:r>
-          </a:p>
-          <a:p>
-            <a:pPr marL="914400" lvl="1" indent="-457200">
-              <a:buFont typeface="+mj-lt"/>
-              <a:buAutoNum type="arabicPeriod"/>
-            </a:pPr>
-            <a:r>
-              <a:rPr lang="en-SG" dirty="0" smtClean="0"/>
-              <a:t>Define a sketch plane as cross section;</a:t>
-            </a:r>
-          </a:p>
-          <a:p>
-            <a:pPr marL="914400" lvl="1" indent="-457200">
-              <a:buFont typeface="+mj-lt"/>
-              <a:buAutoNum type="arabicPeriod"/>
-            </a:pPr>
-            <a:r>
-              <a:rPr lang="en-SG" dirty="0" smtClean="0"/>
-              <a:t>Sketch 2D shapes on the cross section;</a:t>
-            </a:r>
-          </a:p>
-          <a:p>
-            <a:pPr marL="914400" lvl="1" indent="-457200">
-              <a:buFont typeface="+mj-lt"/>
-              <a:buAutoNum type="arabicPeriod"/>
-            </a:pPr>
-            <a:r>
-              <a:rPr lang="en-SG" dirty="0" smtClean="0"/>
-              <a:t>Constraint 2D shapes with accurate dimensions;</a:t>
-            </a:r>
-          </a:p>
-          <a:p>
-            <a:pPr marL="914400" lvl="1" indent="-457200">
-              <a:buFont typeface="+mj-lt"/>
-              <a:buAutoNum type="arabicPeriod"/>
-            </a:pPr>
-            <a:r>
-              <a:rPr lang="en-SG" dirty="0" smtClean="0"/>
-              <a:t>Perform 2D to </a:t>
-            </a:r>
-            <a:r>
-              <a:rPr lang="en-SG" smtClean="0"/>
-              <a:t>3D operations.</a:t>
-            </a:r>
-            <a:endParaRPr lang="en-SG" dirty="0" smtClean="0"/>
-          </a:p>
-          <a:p>
-            <a:pPr marL="914400" lvl="1" indent="-457200">
-              <a:buFont typeface="+mj-lt"/>
-              <a:buAutoNum type="arabicPeriod"/>
-            </a:pPr>
-            <a:endParaRPr lang="en-SG" dirty="0"/>
-          </a:p>
-        </p:txBody>
-      </p:sp>
-    </p:spTree>
-    <p:extLst>
-      <p:ext uri="{BB962C8B-B14F-4D97-AF65-F5344CB8AC3E}">
-        <p14:creationId xmlns:p14="http://schemas.microsoft.com/office/powerpoint/2010/main" val="4198518572"/>
-      </p:ext>
-    </p:extLst>
-  </p:cSld>
-  <p:clrMapOvr>
-    <a:masterClrMapping/>
-  </p:clrMapOvr>
-</p:sld>
-</file>
-
-<file path=ppt/slides/slide65.xml><?xml version="1.0" encoding="utf-8"?>
-<p:sld xmlns:a="http://schemas.openxmlformats.org/drawingml/2006/main" xmlns:r="http://schemas.openxmlformats.org/officeDocument/2006/relationships" xmlns:p="http://schemas.openxmlformats.org/presentationml/2006/main">
-  <p:cSld>
-    <p:spTree>
-      <p:nvGrpSpPr>
-        <p:cNvPr id="1" name=""/>
-        <p:cNvGrpSpPr/>
-        <p:nvPr/>
-      </p:nvGrpSpPr>
-      <p:grpSpPr>
-        <a:xfrm>
-          <a:off x="0" y="0"/>
-          <a:ext cx="0" cy="0"/>
-          <a:chOff x="0" y="0"/>
-          <a:chExt cx="0" cy="0"/>
-        </a:xfrm>
-      </p:grpSpPr>
-      <p:sp>
-        <p:nvSpPr>
-          <p:cNvPr id="4" name="标题 3"/>
-          <p:cNvSpPr>
-            <a:spLocks noGrp="1"/>
-          </p:cNvSpPr>
-          <p:nvPr>
-            <p:ph type="title"/>
-          </p:nvPr>
-        </p:nvSpPr>
-        <p:spPr/>
-        <p:txBody>
-          <a:bodyPr/>
-          <a:lstStyle/>
-          <a:p>
-            <a:r>
-              <a:rPr lang="en-SG" dirty="0"/>
-              <a:t>Key disciplines of modelling in </a:t>
-            </a:r>
-            <a:r>
-              <a:rPr lang="en-SG" dirty="0" err="1"/>
-              <a:t>Solidworks</a:t>
-            </a:r>
-            <a:endParaRPr lang="en-SG" dirty="0"/>
-          </a:p>
-        </p:txBody>
-      </p:sp>
-      <p:sp>
-        <p:nvSpPr>
-          <p:cNvPr id="5" name="文本占位符 4"/>
-          <p:cNvSpPr>
-            <a:spLocks noGrp="1"/>
-          </p:cNvSpPr>
-          <p:nvPr>
-            <p:ph type="body" idx="1"/>
-          </p:nvPr>
-        </p:nvSpPr>
-        <p:spPr/>
-        <p:txBody>
-          <a:bodyPr/>
-          <a:lstStyle/>
-          <a:p>
-            <a:endParaRPr lang="en-SG"/>
-          </a:p>
-        </p:txBody>
-      </p:sp>
-    </p:spTree>
-    <p:extLst>
-      <p:ext uri="{BB962C8B-B14F-4D97-AF65-F5344CB8AC3E}">
-        <p14:creationId xmlns:p14="http://schemas.microsoft.com/office/powerpoint/2010/main" val="2395669259"/>
-      </p:ext>
-    </p:extLst>
-  </p:cSld>
-  <p:clrMapOvr>
-    <a:masterClrMapping/>
-  </p:clrMapOvr>
-</p:sld>
-</file>
-
-<file path=ppt/slides/slide66.xml><?xml version="1.0" encoding="utf-8"?>
-<p:sld xmlns:a="http://schemas.openxmlformats.org/drawingml/2006/main" xmlns:r="http://schemas.openxmlformats.org/officeDocument/2006/relationships" xmlns:p="http://schemas.openxmlformats.org/presentationml/2006/main">
-  <p:cSld>
-    <p:spTree>
-      <p:nvGrpSpPr>
-        <p:cNvPr id="1" name=""/>
-        <p:cNvGrpSpPr/>
-        <p:nvPr/>
-      </p:nvGrpSpPr>
-      <p:grpSpPr>
-        <a:xfrm>
-          <a:off x="0" y="0"/>
-          <a:ext cx="0" cy="0"/>
-          <a:chOff x="0" y="0"/>
-          <a:chExt cx="0" cy="0"/>
-        </a:xfrm>
-      </p:grpSpPr>
-      <p:sp>
-        <p:nvSpPr>
-          <p:cNvPr id="2" name="标题 1"/>
-          <p:cNvSpPr>
-            <a:spLocks noGrp="1"/>
-          </p:cNvSpPr>
-          <p:nvPr>
-            <p:ph type="title"/>
-          </p:nvPr>
-        </p:nvSpPr>
-        <p:spPr/>
-        <p:txBody>
-          <a:bodyPr/>
-          <a:lstStyle/>
-          <a:p>
-            <a:r>
-              <a:rPr lang="en-SG" dirty="0" smtClean="0"/>
-              <a:t>Key disciplines of modelling in </a:t>
-            </a:r>
-            <a:r>
-              <a:rPr lang="en-SG" dirty="0" err="1" smtClean="0"/>
-              <a:t>Solidworks</a:t>
-            </a:r>
-            <a:endParaRPr lang="en-SG" baseline="30000" dirty="0"/>
-          </a:p>
-        </p:txBody>
-      </p:sp>
-      <p:sp>
-        <p:nvSpPr>
-          <p:cNvPr id="3" name="内容占位符 2"/>
-          <p:cNvSpPr>
-            <a:spLocks noGrp="1"/>
-          </p:cNvSpPr>
-          <p:nvPr>
-            <p:ph idx="1"/>
-          </p:nvPr>
-        </p:nvSpPr>
-        <p:spPr/>
-        <p:txBody>
-          <a:bodyPr/>
-          <a:lstStyle/>
-          <a:p>
-            <a:r>
-              <a:rPr lang="en-SG" dirty="0" smtClean="0"/>
-              <a:t>For basic bodies, generate 3D model by taking use of 2D shapes;</a:t>
-            </a:r>
-          </a:p>
-          <a:p>
-            <a:r>
-              <a:rPr lang="en-SG" dirty="0" smtClean="0"/>
-              <a:t>Combine basic bodies to create a complex body;</a:t>
-            </a:r>
-          </a:p>
-          <a:p>
-            <a:r>
-              <a:rPr lang="en-SG" dirty="0"/>
-              <a:t>R</a:t>
-            </a:r>
-            <a:r>
-              <a:rPr lang="en-SG" dirty="0" smtClean="0"/>
-              <a:t>epeated bodies can be made through array operations;</a:t>
-            </a:r>
-          </a:p>
-          <a:p>
-            <a:pPr marL="0" indent="0">
-              <a:buNone/>
-            </a:pPr>
-            <a:r>
-              <a:rPr lang="en-SG" dirty="0" smtClean="0"/>
-              <a:t> </a:t>
-            </a:r>
-          </a:p>
-          <a:p>
-            <a:endParaRPr lang="en-SG" dirty="0"/>
-          </a:p>
-        </p:txBody>
-      </p:sp>
-    </p:spTree>
-    <p:extLst>
-      <p:ext uri="{BB962C8B-B14F-4D97-AF65-F5344CB8AC3E}">
-        <p14:creationId xmlns:p14="http://schemas.microsoft.com/office/powerpoint/2010/main" val="164022275"/>
-      </p:ext>
-    </p:extLst>
-  </p:cSld>
-  <p:clrMapOvr>
-    <a:masterClrMapping/>
-  </p:clrMapOvr>
-</p:sld>
-</file>
-
 <file path=ppt/slides/slide67.xml><?xml version="1.0" encoding="utf-8"?>
 <p:sld xmlns:a="http://schemas.openxmlformats.org/drawingml/2006/main" xmlns:r="http://schemas.openxmlformats.org/officeDocument/2006/relationships" xmlns:p="http://schemas.openxmlformats.org/presentationml/2006/main">
   <p:cSld>
@@ -15863,8 +18539,8 @@
           <a:lstStyle/>
           <a:p>
             <a:r>
-              <a:rPr lang="en-SG" dirty="0" smtClean="0"/>
-              <a:t>Coordinate system</a:t>
+              <a:rPr lang="en-SG" dirty="0"/>
+              <a:t>Sketch method</a:t>
             </a:r>
           </a:p>
         </p:txBody>
@@ -15881,93 +18557,64 @@
         </p:nvSpPr>
         <p:spPr/>
         <p:txBody>
-          <a:bodyPr>
-            <a:normAutofit fontScale="92500" lnSpcReduction="10000"/>
-          </a:bodyPr>
-          <a:lstStyle/>
-          <a:p>
-            <a:r>
-              <a:rPr lang="en-SG" dirty="0">
-                <a:solidFill>
-                  <a:srgbClr val="FF0000"/>
-                </a:solidFill>
-              </a:rPr>
-              <a:t>Coordinate systems are the most important concept in a CAD system. They are used </a:t>
-            </a:r>
-            <a:r>
-              <a:rPr lang="en-SG" dirty="0" smtClean="0">
-                <a:solidFill>
-                  <a:srgbClr val="FF0000"/>
-                </a:solidFill>
-              </a:rPr>
-              <a:t>to  </a:t>
-            </a:r>
-            <a:r>
-              <a:rPr lang="en-SG" dirty="0">
-                <a:solidFill>
-                  <a:srgbClr val="FF0000"/>
-                </a:solidFill>
-              </a:rPr>
-              <a:t>input,  store,  and  display  geometric  model.  There  are  three  kinds  of  coordinate </a:t>
-            </a:r>
-            <a:r>
-              <a:rPr lang="en-SG" dirty="0" smtClean="0">
-                <a:solidFill>
-                  <a:srgbClr val="FF0000"/>
-                </a:solidFill>
-              </a:rPr>
-              <a:t>systems</a:t>
-            </a:r>
-            <a:r>
-              <a:rPr lang="en-SG" dirty="0">
-                <a:solidFill>
-                  <a:srgbClr val="FF0000"/>
-                </a:solidFill>
-              </a:rPr>
-              <a:t>, that is, model coordinate system (MCS), working coordinate system (WCS), </a:t>
-            </a:r>
-            <a:r>
-              <a:rPr lang="en-SG" dirty="0" smtClean="0">
-                <a:solidFill>
-                  <a:srgbClr val="FF0000"/>
-                </a:solidFill>
-              </a:rPr>
-              <a:t>and </a:t>
-            </a:r>
-            <a:r>
-              <a:rPr lang="en-SG" dirty="0">
-                <a:solidFill>
-                  <a:srgbClr val="FF0000"/>
-                </a:solidFill>
-              </a:rPr>
-              <a:t>screen coordinate system (SCS).</a:t>
-            </a:r>
-          </a:p>
-          <a:p>
-            <a:r>
-              <a:rPr lang="en-SG" dirty="0" smtClean="0"/>
-              <a:t>By default, there are already a coordinates system provided for user by SOLIDWORKS every time you open a new modelling project. Usually</a:t>
-            </a:r>
-            <a:r>
-              <a:rPr lang="en-SG" dirty="0"/>
-              <a:t>, at the lower-left corner of the canvas, you can notice the symbol of coordinate system with three axes</a:t>
-            </a:r>
-            <a:r>
-              <a:rPr lang="en-SG" dirty="0" smtClean="0"/>
-              <a:t>.</a:t>
-            </a:r>
-          </a:p>
-          <a:p>
-            <a:r>
-              <a:rPr lang="en-SG" dirty="0" smtClean="0"/>
-              <a:t>Whenever user need to carry on some location or orientation related modelling steps, the coordination system should be considered.</a:t>
-            </a:r>
-          </a:p>
-          <a:p>
-            <a:r>
-              <a:rPr lang="en-US" dirty="0" smtClean="0"/>
-              <a:t>For example, in the scenarios of re-oriented a model or two models comparing user should define his own reference coordinate systems. </a:t>
-            </a:r>
+          <a:bodyPr/>
+          <a:lstStyle/>
+          <a:p>
+            <a:r>
+              <a:rPr lang="en-SG" dirty="0" smtClean="0"/>
+              <a:t>The main steps of sketch method to create 3D models are</a:t>
+            </a:r>
+          </a:p>
+          <a:p>
+            <a:pPr marL="914400" lvl="1" indent="-457200">
+              <a:buFont typeface="+mj-lt"/>
+              <a:buAutoNum type="arabicPeriod"/>
+            </a:pPr>
+            <a:r>
+              <a:rPr lang="en-SG" dirty="0" smtClean="0"/>
+              <a:t>Define a sketch plane as cross section;</a:t>
+            </a:r>
+          </a:p>
+          <a:p>
+            <a:pPr marL="914400" lvl="1" indent="-457200">
+              <a:buFont typeface="+mj-lt"/>
+              <a:buAutoNum type="arabicPeriod"/>
+            </a:pPr>
+            <a:r>
+              <a:rPr lang="en-SG" dirty="0" smtClean="0"/>
+              <a:t>Sketch 2D shapes on the cross section;</a:t>
+            </a:r>
+          </a:p>
+          <a:p>
+            <a:pPr marL="914400" lvl="1" indent="-457200">
+              <a:buFont typeface="+mj-lt"/>
+              <a:buAutoNum type="arabicPeriod"/>
+            </a:pPr>
+            <a:r>
+              <a:rPr lang="en-SG" dirty="0" smtClean="0"/>
+              <a:t>Constraint 2D shapes with accurate dimensions;</a:t>
+            </a:r>
+          </a:p>
+          <a:p>
+            <a:pPr marL="914400" lvl="1" indent="-457200">
+              <a:buFont typeface="+mj-lt"/>
+              <a:buAutoNum type="arabicPeriod"/>
+            </a:pPr>
+            <a:r>
+              <a:rPr lang="en-SG" dirty="0" smtClean="0"/>
+              <a:t>Perform 2D to </a:t>
+            </a:r>
+            <a:r>
+              <a:rPr lang="en-SG" smtClean="0"/>
+              <a:t>3D operations.</a:t>
+            </a:r>
+            <a:endParaRPr lang="en-SG" dirty="0" smtClean="0"/>
+          </a:p>
+          <a:p>
+            <a:pPr marL="914400" lvl="1" indent="-457200">
+              <a:buFont typeface="+mj-lt"/>
+              <a:buAutoNum type="arabicPeriod"/>
+            </a:pPr>
             <a:endParaRPr lang="en-SG" dirty="0"/>
           </a:p>
         </p:txBody>
@@ -15975,7 +18622,7 @@
     </p:spTree>
     <p:extLst>
       <p:ext uri="{BB962C8B-B14F-4D97-AF65-F5344CB8AC3E}">
-        <p14:creationId xmlns:p14="http://schemas.microsoft.com/office/powerpoint/2010/main" val="1304840193"/>
+        <p14:creationId xmlns:p14="http://schemas.microsoft.com/office/powerpoint/2010/main" val="4198518572"/>
       </p:ext>
     </p:extLst>
   </p:cSld>
@@ -16004,7 +18651,7 @@
       </p:grpSpPr>
       <p:sp>
         <p:nvSpPr>
-          <p:cNvPr id="2" name="标题 1"/>
+          <p:cNvPr id="4" name="标题 3"/>
           <p:cNvSpPr>
             <a:spLocks noGrp="1"/>
           </p:cNvSpPr>
@@ -16018,8 +18665,12 @@
           <a:lstStyle/>
           <a:p>
             <a:r>
-              <a:rPr lang="en-SG" dirty="0" smtClean="0"/>
-              <a:t>References objects</a:t>
+              <a:rPr lang="en-SG" dirty="0"/>
+              <a:t>Key disciplines of modelling in </a:t>
+            </a:r>
+            <a:r>
+              <a:rPr lang="en-SG" dirty="0" err="1"/>
+              <a:t>Solidworks</a:t>
             </a:r>
             <a:endParaRPr lang="en-SG" dirty="0"/>
           </a:p>
@@ -16027,12 +18678,12 @@
       </p:sp>
       <p:sp>
         <p:nvSpPr>
-          <p:cNvPr id="3" name="内容占位符 2"/>
+          <p:cNvPr id="5" name="文本占位符 4"/>
           <p:cNvSpPr>
             <a:spLocks noGrp="1"/>
           </p:cNvSpPr>
           <p:nvPr>
-            <p:ph idx="1"/>
+            <p:ph type="body" idx="1"/>
           </p:nvPr>
         </p:nvSpPr>
         <p:spPr/>
@@ -16040,32 +18691,14 @@
           <a:bodyPr/>
           <a:lstStyle/>
           <a:p>
-            <a:r>
-              <a:rPr lang="en-SG" dirty="0" smtClean="0"/>
-              <a:t>Reference points</a:t>
-            </a:r>
-          </a:p>
-          <a:p>
-            <a:r>
-              <a:rPr lang="en-SG" dirty="0" smtClean="0"/>
-              <a:t>Reference vectors/axes</a:t>
-            </a:r>
-          </a:p>
-          <a:p>
-            <a:r>
-              <a:rPr lang="en-SG" dirty="0" smtClean="0"/>
-              <a:t>Reference plane</a:t>
-            </a:r>
-          </a:p>
-          <a:p>
-            <a:endParaRPr lang="en-SG" dirty="0"/>
+            <a:endParaRPr lang="en-SG"/>
           </a:p>
         </p:txBody>
       </p:sp>
     </p:spTree>
     <p:extLst>
       <p:ext uri="{BB962C8B-B14F-4D97-AF65-F5344CB8AC3E}">
-        <p14:creationId xmlns:p14="http://schemas.microsoft.com/office/powerpoint/2010/main" val="224841182"/>
+        <p14:creationId xmlns:p14="http://schemas.microsoft.com/office/powerpoint/2010/main" val="2395669259"/>
       </p:ext>
     </p:extLst>
   </p:cSld>
@@ -16109,9 +18742,13 @@
           <a:p>
             <a:r>
               <a:rPr lang="en-SG" dirty="0" smtClean="0"/>
-              <a:t>Sketch</a:t>
-            </a:r>
-            <a:endParaRPr lang="en-SG" dirty="0"/>
+              <a:t>Key disciplines of modelling in </a:t>
+            </a:r>
+            <a:r>
+              <a:rPr lang="en-SG" dirty="0" err="1" smtClean="0"/>
+              <a:t>Solidworks</a:t>
+            </a:r>
+            <a:endParaRPr lang="en-SG" baseline="30000" dirty="0"/>
           </a:p>
         </p:txBody>
       </p:sp>
@@ -16132,44 +18769,35 @@
           <a:p>
             <a:r>
               <a:rPr lang="en-SG" dirty="0" smtClean="0"/>
-              <a:t>Plane curves</a:t>
-            </a:r>
-          </a:p>
-          <a:p>
-            <a:r>
-              <a:rPr lang="en-SG" dirty="0" smtClean="0"/>
-              <a:t>Two types of Constraint</a:t>
-            </a:r>
-          </a:p>
-          <a:p>
-            <a:pPr lvl="1"/>
-            <a:r>
-              <a:rPr lang="en-SG" dirty="0"/>
-              <a:t>Dimensional </a:t>
-            </a:r>
-            <a:r>
-              <a:rPr lang="en-SG" dirty="0" smtClean="0"/>
-              <a:t>constraints: length and angle</a:t>
-            </a:r>
-          </a:p>
-          <a:p>
-            <a:pPr lvl="1"/>
-            <a:r>
-              <a:rPr lang="en-SG" dirty="0" smtClean="0"/>
-              <a:t>Geometric constraints: parallel, perpendicular, normal</a:t>
-            </a:r>
-            <a:r>
-              <a:rPr lang="en-SG" dirty="0"/>
-              <a:t>, tangent, </a:t>
-            </a:r>
-            <a:r>
-              <a:rPr lang="en-SG" dirty="0" smtClean="0"/>
-              <a:t>concentric</a:t>
-            </a:r>
-            <a:r>
-              <a:rPr lang="en-SG" smtClean="0"/>
-              <a:t>, etc.</a:t>
-            </a:r>
+              <a:t>For basic bodies, generate 3D model by taking use of 2D shapes;</a:t>
+            </a:r>
+          </a:p>
+          <a:p>
+            <a:r>
+              <a:rPr lang="en-SG" dirty="0" smtClean="0"/>
+              <a:t>Combine basic bodies to create a complex body;</a:t>
+            </a:r>
+          </a:p>
+          <a:p>
+            <a:r>
+              <a:rPr lang="en-SG" dirty="0"/>
+              <a:t>R</a:t>
+            </a:r>
+            <a:r>
+              <a:rPr lang="en-SG" dirty="0" smtClean="0"/>
+              <a:t>epeated bodies can be made through array operations;</a:t>
+            </a:r>
+          </a:p>
+          <a:p>
+            <a:pPr marL="0" indent="0">
+              <a:buNone/>
+            </a:pPr>
+            <a:r>
+              <a:rPr lang="en-SG" dirty="0" smtClean="0"/>
+              <a:t> </a:t>
+            </a:r>
+          </a:p>
+          <a:p>
             <a:endParaRPr lang="en-SG" dirty="0"/>
           </a:p>
         </p:txBody>
@@ -16177,7 +18805,7 @@
     </p:spTree>
     <p:extLst>
       <p:ext uri="{BB962C8B-B14F-4D97-AF65-F5344CB8AC3E}">
-        <p14:creationId xmlns:p14="http://schemas.microsoft.com/office/powerpoint/2010/main" val="579798063"/>
+        <p14:creationId xmlns:p14="http://schemas.microsoft.com/office/powerpoint/2010/main" val="164022275"/>
       </p:ext>
     </p:extLst>
   </p:cSld>
@@ -16326,7 +18954,7 @@
             <a:spLocks noGrp="1"/>
           </p:cNvSpPr>
           <p:nvPr>
-            <p:ph type="ctrTitle"/>
+            <p:ph type="title"/>
           </p:nvPr>
         </p:nvSpPr>
         <p:spPr/>
@@ -16336,35 +18964,118 @@
           <a:p>
             <a:r>
               <a:rPr lang="en-SG" dirty="0" smtClean="0"/>
-              <a:t>CAM</a:t>
-            </a:r>
-            <a:endParaRPr lang="en-SG" dirty="0"/>
-          </a:p>
-        </p:txBody>
-      </p:sp>
-      <p:sp>
-        <p:nvSpPr>
-          <p:cNvPr id="3" name="副标题 2"/>
+              <a:t>Coordinate system</a:t>
+            </a:r>
+          </a:p>
+        </p:txBody>
+      </p:sp>
+      <p:sp>
+        <p:nvSpPr>
+          <p:cNvPr id="3" name="内容占位符 2"/>
           <p:cNvSpPr>
             <a:spLocks noGrp="1"/>
           </p:cNvSpPr>
           <p:nvPr>
-            <p:ph type="subTitle" idx="1"/>
+            <p:ph idx="1"/>
           </p:nvPr>
         </p:nvSpPr>
         <p:spPr/>
         <p:txBody>
-          <a:bodyPr/>
-          <a:lstStyle/>
-          <a:p>
-            <a:endParaRPr lang="en-SG"/>
+          <a:bodyPr>
+            <a:normAutofit fontScale="92500" lnSpcReduction="10000"/>
+          </a:bodyPr>
+          <a:lstStyle/>
+          <a:p>
+            <a:r>
+              <a:rPr lang="en-SG" dirty="0">
+                <a:solidFill>
+                  <a:srgbClr val="FF0000"/>
+                </a:solidFill>
+              </a:rPr>
+              <a:t>Coordinate systems are the most important concept in a CAD system. They are used </a:t>
+            </a:r>
+            <a:r>
+              <a:rPr lang="en-SG" dirty="0" smtClean="0">
+                <a:solidFill>
+                  <a:srgbClr val="FF0000"/>
+                </a:solidFill>
+              </a:rPr>
+              <a:t>to  </a:t>
+            </a:r>
+            <a:r>
+              <a:rPr lang="en-SG" dirty="0">
+                <a:solidFill>
+                  <a:srgbClr val="FF0000"/>
+                </a:solidFill>
+              </a:rPr>
+              <a:t>input,  store,  and  display  geometric  model.  There  are  three  kinds  of  coordinate </a:t>
+            </a:r>
+            <a:r>
+              <a:rPr lang="en-SG" dirty="0" smtClean="0">
+                <a:solidFill>
+                  <a:srgbClr val="FF0000"/>
+                </a:solidFill>
+              </a:rPr>
+              <a:t>systems</a:t>
+            </a:r>
+            <a:r>
+              <a:rPr lang="en-SG" dirty="0">
+                <a:solidFill>
+                  <a:srgbClr val="FF0000"/>
+                </a:solidFill>
+              </a:rPr>
+              <a:t>, that is, model coordinate system (MCS), working coordinate system (WCS), </a:t>
+            </a:r>
+            <a:r>
+              <a:rPr lang="en-SG" dirty="0" smtClean="0">
+                <a:solidFill>
+                  <a:srgbClr val="FF0000"/>
+                </a:solidFill>
+              </a:rPr>
+              <a:t>and </a:t>
+            </a:r>
+            <a:r>
+              <a:rPr lang="en-SG" dirty="0">
+                <a:solidFill>
+                  <a:srgbClr val="FF0000"/>
+                </a:solidFill>
+              </a:rPr>
+              <a:t>screen coordinate system (SCS).</a:t>
+            </a:r>
+          </a:p>
+          <a:p>
+            <a:r>
+              <a:rPr lang="en-SG" dirty="0" smtClean="0"/>
+              <a:t>By default, there are already a coordinates system provided for user by SOLIDWORKS every time you open a new modelling project. Usually</a:t>
+            </a:r>
+            <a:r>
+              <a:rPr lang="en-SG" dirty="0"/>
+              <a:t>, at the lower-left corner of the canvas, you can notice the symbol of coordinate system with three axes</a:t>
+            </a:r>
+            <a:r>
+              <a:rPr lang="en-SG" dirty="0" smtClean="0"/>
+              <a:t>.</a:t>
+            </a:r>
+          </a:p>
+          <a:p>
+            <a:r>
+              <a:rPr lang="en-SG" dirty="0" smtClean="0"/>
+              <a:t>Whenever user need to carry on some location or orientation related modelling steps, the coordination system should be considered.</a:t>
+            </a:r>
+          </a:p>
+          <a:p>
+            <a:r>
+              <a:rPr lang="en-US" dirty="0" smtClean="0"/>
+              <a:t>For example, in the scenarios of re-oriented a model or two models comparing user should define his own reference coordinate systems. </a:t>
+            </a:r>
+            <a:endParaRPr lang="en-SG" dirty="0"/>
           </a:p>
         </p:txBody>
       </p:sp>
     </p:spTree>
     <p:extLst>
       <p:ext uri="{BB962C8B-B14F-4D97-AF65-F5344CB8AC3E}">
-        <p14:creationId xmlns:p14="http://schemas.microsoft.com/office/powerpoint/2010/main" val="2945329965"/>
+        <p14:creationId xmlns:p14="http://schemas.microsoft.com/office/powerpoint/2010/main" val="1304840193"/>
       </p:ext>
     </p:extLst>
   </p:cSld>
@@ -16408,7 +19119,7 @@
           <a:p>
             <a:r>
               <a:rPr lang="en-SG" dirty="0" smtClean="0"/>
-              <a:t>Brief</a:t>
+              <a:t>References objects</a:t>
             </a:r>
             <a:endParaRPr lang="en-SG" dirty="0"/>
           </a:p>
@@ -16426,36 +19137,35 @@
         </p:nvSpPr>
         <p:spPr/>
         <p:txBody>
-          <a:bodyPr>
-            <a:normAutofit/>
-          </a:bodyPr>
-          <a:lstStyle/>
-          <a:p>
-            <a:r>
-              <a:rPr lang="en-SG" dirty="0" smtClean="0"/>
-              <a:t>Scope and applications </a:t>
-            </a:r>
-          </a:p>
-          <a:p>
-            <a:pPr lvl="1"/>
-            <a:r>
-              <a:rPr lang="en-SG" dirty="0" smtClean="0"/>
-              <a:t>NC in CAM </a:t>
-            </a:r>
-          </a:p>
-          <a:p>
-            <a:pPr lvl="1"/>
-            <a:r>
-              <a:rPr lang="en-SG" dirty="0" smtClean="0"/>
-              <a:t>Principal types of CNC machine</a:t>
-            </a:r>
+          <a:bodyPr/>
+          <a:lstStyle/>
+          <a:p>
+            <a:r>
+              <a:rPr lang="en-SG" dirty="0" smtClean="0"/>
+              <a:t>Reference points</a:t>
+            </a:r>
+          </a:p>
+          <a:p>
+            <a:r>
+              <a:rPr lang="en-SG" dirty="0" smtClean="0"/>
+              <a:t>Reference vectors/axes</a:t>
+            </a:r>
+          </a:p>
+          <a:p>
+            <a:r>
+              <a:rPr lang="en-SG" dirty="0" smtClean="0"/>
+              <a:t>Reference plane</a:t>
+            </a:r>
+          </a:p>
+          <a:p>
+            <a:endParaRPr lang="en-SG" dirty="0"/>
           </a:p>
         </p:txBody>
       </p:sp>
     </p:spTree>
     <p:extLst>
       <p:ext uri="{BB962C8B-B14F-4D97-AF65-F5344CB8AC3E}">
-        <p14:creationId xmlns:p14="http://schemas.microsoft.com/office/powerpoint/2010/main" val="866301321"/>
+        <p14:creationId xmlns:p14="http://schemas.microsoft.com/office/powerpoint/2010/main" val="224841182"/>
       </p:ext>
     </p:extLst>
   </p:cSld>
@@ -16499,7 +19209,7 @@
           <a:p>
             <a:r>
               <a:rPr lang="en-SG" dirty="0" smtClean="0"/>
-              <a:t>Machine tools</a:t>
+              <a:t>Sketch</a:t>
             </a:r>
             <a:endParaRPr lang="en-SG" dirty="0"/>
           </a:p>
@@ -16517,46 +19227,49 @@
         </p:nvSpPr>
         <p:spPr/>
         <p:txBody>
-          <a:bodyPr>
-            <a:normAutofit/>
-          </a:bodyPr>
-          <a:lstStyle/>
-          <a:p>
-            <a:r>
-              <a:rPr lang="en-SG" dirty="0" smtClean="0"/>
-              <a:t>tools and their construction features</a:t>
-            </a:r>
-          </a:p>
-          <a:p>
-            <a:pPr marL="457200" lvl="1" indent="0">
-              <a:buNone/>
-            </a:pPr>
-            <a:r>
-              <a:rPr lang="en-SG" dirty="0" smtClean="0"/>
-              <a:t>tooling for CNC – ISO designation for</a:t>
-            </a:r>
-          </a:p>
-          <a:p>
-            <a:r>
-              <a:rPr lang="en-SG" dirty="0" smtClean="0"/>
-              <a:t>tooling </a:t>
+          <a:bodyPr/>
+          <a:lstStyle/>
+          <a:p>
+            <a:r>
+              <a:rPr lang="en-SG" dirty="0" smtClean="0"/>
+              <a:t>Plane curves</a:t>
+            </a:r>
+          </a:p>
+          <a:p>
+            <a:r>
+              <a:rPr lang="en-SG" dirty="0" smtClean="0"/>
+              <a:t>Two types of Constraint</a:t>
             </a:r>
           </a:p>
           <a:p>
             <a:pPr lvl="1"/>
             <a:r>
-              <a:rPr lang="en-SG" dirty="0" smtClean="0"/>
-              <a:t>CNC operating system </a:t>
+              <a:rPr lang="en-SG" dirty="0"/>
+              <a:t>Dimensional </a:t>
+            </a:r>
+            <a:r>
+              <a:rPr lang="en-SG" dirty="0" smtClean="0"/>
+              <a:t>constraints: length and angle</a:t>
             </a:r>
           </a:p>
           <a:p>
             <a:pPr lvl="1"/>
             <a:r>
               <a:rPr lang="en-SG" dirty="0" smtClean="0"/>
-              <a:t>FANUC, SINUMERIK – LINUMERIK.</a:t>
-            </a:r>
-          </a:p>
-          <a:p>
+              <a:t>Geometric constraints: parallel, perpendicular, normal</a:t>
+            </a:r>
+            <a:r>
+              <a:rPr lang="en-SG" dirty="0"/>
+              <a:t>, tangent, </a:t>
+            </a:r>
+            <a:r>
+              <a:rPr lang="en-SG" dirty="0" smtClean="0"/>
+              <a:t>concentric</a:t>
+            </a:r>
+            <a:r>
+              <a:rPr lang="en-SG" smtClean="0"/>
+              <a:t>, etc.</a:t>
+            </a:r>
             <a:endParaRPr lang="en-SG" dirty="0"/>
           </a:p>
         </p:txBody>
@@ -16564,7 +19277,7 @@
     </p:spTree>
     <p:extLst>
       <p:ext uri="{BB962C8B-B14F-4D97-AF65-F5344CB8AC3E}">
-        <p14:creationId xmlns:p14="http://schemas.microsoft.com/office/powerpoint/2010/main" val="2867634849"/>
+        <p14:creationId xmlns:p14="http://schemas.microsoft.com/office/powerpoint/2010/main" val="579798063"/>
       </p:ext>
     </p:extLst>
   </p:cSld>
@@ -16598,7 +19311,7 @@
             <a:spLocks noGrp="1"/>
           </p:cNvSpPr>
           <p:nvPr>
-            <p:ph type="title"/>
+            <p:ph type="ctrTitle"/>
           </p:nvPr>
         </p:nvSpPr>
         <p:spPr/>
@@ -16608,7 +19321,7 @@
           <a:p>
             <a:r>
               <a:rPr lang="en-SG" dirty="0" smtClean="0"/>
-              <a:t>Introduction to CAPP</a:t>
+              <a:t>CAM</a:t>
             </a:r>
             <a:endParaRPr lang="en-SG" dirty="0"/>
           </a:p>
@@ -16616,12 +19329,12 @@
       </p:sp>
       <p:sp>
         <p:nvSpPr>
-          <p:cNvPr id="3" name="内容占位符 2"/>
+          <p:cNvPr id="3" name="副标题 2"/>
           <p:cNvSpPr>
             <a:spLocks noGrp="1"/>
           </p:cNvSpPr>
           <p:nvPr>
-            <p:ph idx="1"/>
+            <p:ph type="subTitle" idx="1"/>
           </p:nvPr>
         </p:nvSpPr>
         <p:spPr/>
@@ -16629,32 +19342,14 @@
           <a:bodyPr/>
           <a:lstStyle/>
           <a:p>
-            <a:r>
-              <a:rPr lang="en-SG" dirty="0" smtClean="0"/>
-              <a:t>Three main parameters to define a machining process</a:t>
-            </a:r>
-          </a:p>
-          <a:p>
-            <a:r>
-              <a:rPr lang="en-SG" dirty="0" smtClean="0"/>
-              <a:t>Principles for process design</a:t>
-            </a:r>
-          </a:p>
-          <a:p>
-            <a:r>
-              <a:rPr lang="en-SG" dirty="0" smtClean="0"/>
-              <a:t>Processing planning systems</a:t>
-            </a:r>
-          </a:p>
-          <a:p>
-            <a:endParaRPr lang="en-SG" dirty="0"/>
+            <a:endParaRPr lang="en-SG"/>
           </a:p>
         </p:txBody>
       </p:sp>
     </p:spTree>
     <p:extLst>
       <p:ext uri="{BB962C8B-B14F-4D97-AF65-F5344CB8AC3E}">
-        <p14:creationId xmlns:p14="http://schemas.microsoft.com/office/powerpoint/2010/main" val="3457476283"/>
+        <p14:creationId xmlns:p14="http://schemas.microsoft.com/office/powerpoint/2010/main" val="2945329965"/>
       </p:ext>
     </p:extLst>
   </p:cSld>
@@ -16698,7 +19393,7 @@
           <a:p>
             <a:r>
               <a:rPr lang="en-SG" dirty="0" smtClean="0"/>
-              <a:t>Programming for CNC machining</a:t>
+              <a:t>Brief</a:t>
             </a:r>
             <a:endParaRPr lang="en-SG" dirty="0"/>
           </a:p>
@@ -16722,49 +19417,30 @@
           <a:lstStyle/>
           <a:p>
             <a:r>
-              <a:rPr lang="en-SG" dirty="0"/>
-              <a:t>C</a:t>
-            </a:r>
-            <a:r>
-              <a:rPr lang="en-SG" dirty="0" smtClean="0"/>
-              <a:t>oordinate systems of CNC</a:t>
-            </a:r>
-          </a:p>
-          <a:p>
-            <a:r>
-              <a:rPr lang="en-SG" dirty="0"/>
-              <a:t>M</a:t>
-            </a:r>
-            <a:r>
-              <a:rPr lang="en-SG" dirty="0" smtClean="0"/>
-              <a:t>anual part</a:t>
-            </a:r>
-          </a:p>
-          <a:p>
-            <a:r>
-              <a:rPr lang="en-SG" dirty="0"/>
-              <a:t>C</a:t>
-            </a:r>
-            <a:r>
-              <a:rPr lang="en-SG" dirty="0" smtClean="0"/>
-              <a:t>omputer assisted part programming </a:t>
-            </a:r>
-          </a:p>
-          <a:p>
-            <a:r>
-              <a:rPr lang="en-SG" dirty="0" smtClean="0"/>
-              <a:t>CNC part programming with CAD system. </a:t>
-            </a:r>
-          </a:p>
-          <a:p>
-            <a:endParaRPr lang="en-SG" dirty="0"/>
+              <a:rPr lang="en-SG" dirty="0" smtClean="0"/>
+              <a:t>Scope and applications </a:t>
+            </a:r>
+          </a:p>
+          <a:p>
+            <a:pPr lvl="1"/>
+            <a:r>
+              <a:rPr lang="en-SG" dirty="0" smtClean="0"/>
+              <a:t>NC in CAM </a:t>
+            </a:r>
+          </a:p>
+          <a:p>
+            <a:pPr lvl="1"/>
+            <a:r>
+              <a:rPr lang="en-SG" dirty="0" smtClean="0"/>
+              <a:t>Principal types of CNC machine</a:t>
+            </a:r>
           </a:p>
         </p:txBody>
       </p:sp>
     </p:spTree>
     <p:extLst>
       <p:ext uri="{BB962C8B-B14F-4D97-AF65-F5344CB8AC3E}">
-        <p14:creationId xmlns:p14="http://schemas.microsoft.com/office/powerpoint/2010/main" val="2042065448"/>
+        <p14:creationId xmlns:p14="http://schemas.microsoft.com/office/powerpoint/2010/main" val="866301321"/>
       </p:ext>
     </p:extLst>
   </p:cSld>
@@ -16808,7 +19484,7 @@
           <a:p>
             <a:r>
               <a:rPr lang="en-SG" dirty="0" smtClean="0"/>
-              <a:t>Material handling in CAM environment</a:t>
+              <a:t>Machine tools</a:t>
             </a:r>
             <a:endParaRPr lang="en-SG" dirty="0"/>
           </a:p>
@@ -16826,50 +19502,43 @@
         </p:nvSpPr>
         <p:spPr/>
         <p:txBody>
-          <a:bodyPr/>
-          <a:lstStyle/>
-          <a:p>
-            <a:r>
-              <a:rPr lang="en-SG" dirty="0" smtClean="0"/>
-              <a:t>Logistic and storage system </a:t>
+          <a:bodyPr>
+            <a:normAutofit/>
+          </a:bodyPr>
+          <a:lstStyle/>
+          <a:p>
+            <a:r>
+              <a:rPr lang="en-SG" dirty="0" smtClean="0"/>
+              <a:t>tools and their construction features</a:t>
+            </a:r>
+          </a:p>
+          <a:p>
+            <a:pPr marL="457200" lvl="1" indent="0">
+              <a:buNone/>
+            </a:pPr>
+            <a:r>
+              <a:rPr lang="en-SG" dirty="0" smtClean="0"/>
+              <a:t>tooling for CNC – ISO designation for</a:t>
+            </a:r>
+          </a:p>
+          <a:p>
+            <a:r>
+              <a:rPr lang="en-SG" dirty="0" smtClean="0"/>
+              <a:t>tooling </a:t>
             </a:r>
           </a:p>
           <a:p>
             <a:pPr lvl="1"/>
             <a:r>
               <a:rPr lang="en-SG" dirty="0" smtClean="0"/>
-              <a:t>AGVS </a:t>
+              <a:t>CNC operating system </a:t>
             </a:r>
           </a:p>
           <a:p>
             <a:pPr lvl="1"/>
             <a:r>
               <a:rPr lang="en-SG" dirty="0" smtClean="0"/>
-              <a:t>AS/RS </a:t>
-            </a:r>
-          </a:p>
-          <a:p>
-            <a:pPr lvl="1"/>
-            <a:r>
-              <a:rPr lang="en-SG" dirty="0" err="1" smtClean="0"/>
-              <a:t>Swarf</a:t>
-            </a:r>
-            <a:r>
-              <a:rPr lang="en-SG" dirty="0" smtClean="0"/>
-              <a:t> handling and disposal of wastes </a:t>
-            </a:r>
-          </a:p>
-          <a:p>
-            <a:r>
-              <a:rPr lang="en-SG" dirty="0" smtClean="0"/>
-              <a:t>Assembly lines </a:t>
-            </a:r>
-          </a:p>
-          <a:p>
-            <a:pPr lvl="1"/>
-            <a:r>
-              <a:rPr lang="en-SG" dirty="0" smtClean="0"/>
-              <a:t>Quantitative analysis of assembly systems.</a:t>
+              <a:t>FANUC, SINUMERIK – LINUMERIK.</a:t>
             </a:r>
           </a:p>
           <a:p>
@@ -16880,7 +19549,7 @@
     </p:spTree>
     <p:extLst>
       <p:ext uri="{BB962C8B-B14F-4D97-AF65-F5344CB8AC3E}">
-        <p14:creationId xmlns:p14="http://schemas.microsoft.com/office/powerpoint/2010/main" val="938672915"/>
+        <p14:creationId xmlns:p14="http://schemas.microsoft.com/office/powerpoint/2010/main" val="2867634849"/>
       </p:ext>
     </p:extLst>
   </p:cSld>
@@ -16924,15 +19593,7 @@
           <a:p>
             <a:r>
               <a:rPr lang="en-SG" dirty="0" smtClean="0"/>
-              <a:t>Key disciplines of manufacturing under </a:t>
-            </a:r>
-            <a:r>
-              <a:rPr lang="en-SG" dirty="0" err="1" smtClean="0"/>
-              <a:t>Solidworks</a:t>
-            </a:r>
-            <a:r>
-              <a:rPr lang="en-SG" dirty="0" smtClean="0"/>
-              <a:t> environment</a:t>
+              <a:t>Introduction to CAPP</a:t>
             </a:r>
             <a:endParaRPr lang="en-SG" dirty="0"/>
           </a:p>
@@ -16954,44 +19615,23 @@
           <a:lstStyle/>
           <a:p>
             <a:r>
-              <a:rPr lang="en-SG" dirty="0"/>
-              <a:t>Configuration for a mill or turn machine</a:t>
-            </a:r>
-          </a:p>
-          <a:p>
-            <a:r>
-              <a:rPr lang="en-SG" dirty="0"/>
-              <a:t>Features to machining strategy</a:t>
-            </a:r>
-          </a:p>
-          <a:p>
-            <a:r>
-              <a:rPr lang="en-SG" dirty="0"/>
-              <a:t>Generate operation plan</a:t>
-            </a:r>
-          </a:p>
-          <a:p>
-            <a:r>
-              <a:rPr lang="en-SG" dirty="0"/>
-              <a:t>Generate tool path</a:t>
-            </a:r>
-          </a:p>
-          <a:p>
-            <a:r>
-              <a:rPr lang="en-SG" dirty="0"/>
-              <a:t>Simulation</a:t>
-            </a:r>
-          </a:p>
-          <a:p>
-            <a:r>
-              <a:rPr lang="en-SG" dirty="0"/>
-              <a:t>Post process</a:t>
-            </a:r>
-          </a:p>
-          <a:p>
-            <a:pPr marL="0" indent="0">
-              <a:buNone/>
-            </a:pPr>
+              <a:rPr lang="en-SG" dirty="0" smtClean="0"/>
+              <a:t>Three main parameters to define a machining process</a:t>
+            </a:r>
+          </a:p>
+          <a:p>
+            <a:r>
+              <a:rPr lang="en-SG" dirty="0" smtClean="0"/>
+              <a:t>Principles for process design</a:t>
+            </a:r>
+          </a:p>
+          <a:p>
+            <a:r>
+              <a:rPr lang="en-SG" dirty="0" smtClean="0"/>
+              <a:t>Processing planning systems</a:t>
+            </a:r>
+          </a:p>
+          <a:p>
             <a:endParaRPr lang="en-SG" dirty="0"/>
           </a:p>
         </p:txBody>
@@ -16999,7 +19639,7 @@
     </p:spTree>
     <p:extLst>
       <p:ext uri="{BB962C8B-B14F-4D97-AF65-F5344CB8AC3E}">
-        <p14:creationId xmlns:p14="http://schemas.microsoft.com/office/powerpoint/2010/main" val="4246989961"/>
+        <p14:creationId xmlns:p14="http://schemas.microsoft.com/office/powerpoint/2010/main" val="3457476283"/>
       </p:ext>
     </p:extLst>
   </p:cSld>
@@ -17043,7 +19683,7 @@
           <a:p>
             <a:r>
               <a:rPr lang="en-SG" dirty="0" smtClean="0"/>
-              <a:t>The following slides are only for learning purpose</a:t>
+              <a:t>Programming for CNC machining</a:t>
             </a:r>
             <a:endParaRPr lang="en-SG" dirty="0"/>
           </a:p>
@@ -17061,8 +19701,46 @@
         </p:nvSpPr>
         <p:spPr/>
         <p:txBody>
-          <a:bodyPr/>
-          <a:lstStyle/>
+          <a:bodyPr>
+            <a:normAutofit/>
+          </a:bodyPr>
+          <a:lstStyle/>
+          <a:p>
+            <a:r>
+              <a:rPr lang="en-SG" dirty="0"/>
+              <a:t>C</a:t>
+            </a:r>
+            <a:r>
+              <a:rPr lang="en-SG" dirty="0" smtClean="0"/>
+              <a:t>oordinate systems of CNC</a:t>
+            </a:r>
+          </a:p>
+          <a:p>
+            <a:r>
+              <a:rPr lang="en-SG" dirty="0"/>
+              <a:t>M</a:t>
+            </a:r>
+            <a:r>
+              <a:rPr lang="en-SG" dirty="0" smtClean="0"/>
+              <a:t>anual part</a:t>
+            </a:r>
+          </a:p>
+          <a:p>
+            <a:r>
+              <a:rPr lang="en-SG" dirty="0"/>
+              <a:t>C</a:t>
+            </a:r>
+            <a:r>
+              <a:rPr lang="en-SG" dirty="0" smtClean="0"/>
+              <a:t>omputer assisted part programming </a:t>
+            </a:r>
+          </a:p>
+          <a:p>
+            <a:r>
+              <a:rPr lang="en-SG" dirty="0" smtClean="0"/>
+              <a:t>CNC part programming with CAD system. </a:t>
+            </a:r>
+          </a:p>
           <a:p>
             <a:endParaRPr lang="en-SG" dirty="0"/>
           </a:p>
@@ -17071,7 +19749,7 @@
     </p:spTree>
     <p:extLst>
       <p:ext uri="{BB962C8B-B14F-4D97-AF65-F5344CB8AC3E}">
-        <p14:creationId xmlns:p14="http://schemas.microsoft.com/office/powerpoint/2010/main" val="3537981211"/>
+        <p14:creationId xmlns:p14="http://schemas.microsoft.com/office/powerpoint/2010/main" val="2042065448"/>
       </p:ext>
     </p:extLst>
   </p:cSld>
@@ -17113,6 +19791,10 @@
           <a:bodyPr/>
           <a:lstStyle/>
           <a:p>
+            <a:r>
+              <a:rPr lang="en-SG" dirty="0" smtClean="0"/>
+              <a:t>Material handling in CAM environment</a:t>
+            </a:r>
             <a:endParaRPr lang="en-SG" dirty="0"/>
           </a:p>
         </p:txBody>
@@ -17134,43 +19816,56 @@
           <a:p>
             <a:r>
               <a:rPr lang="en-SG" dirty="0" smtClean="0"/>
-              <a:t>Create a new part</a:t>
-            </a:r>
-          </a:p>
-          <a:p>
-            <a:r>
-              <a:rPr lang="en-SG" dirty="0" smtClean="0"/>
-              <a:t>Check the unit setting</a:t>
-            </a:r>
-          </a:p>
-          <a:p>
-            <a:r>
-              <a:rPr lang="en-SG" dirty="0" smtClean="0"/>
-              <a:t>Using sketch to create part body</a:t>
+              <a:t>Logistic and storage system </a:t>
             </a:r>
           </a:p>
           <a:p>
             <a:pPr lvl="1"/>
             <a:r>
               <a:rPr lang="en-SG" dirty="0" smtClean="0"/>
-              <a:t>Smart dimension is an import tool to drive the model </a:t>
-            </a:r>
+              <a:t>AGVS </a:t>
+            </a:r>
+          </a:p>
+          <a:p>
+            <a:pPr lvl="1"/>
+            <a:r>
+              <a:rPr lang="en-SG" dirty="0" smtClean="0"/>
+              <a:t>AS/RS </a:t>
+            </a:r>
+          </a:p>
+          <a:p>
+            <a:pPr lvl="1"/>
             <a:r>
               <a:rPr lang="en-SG" dirty="0" err="1" smtClean="0"/>
-              <a:t>creatation</a:t>
-            </a:r>
-            <a:endParaRPr lang="en-SG" dirty="0" smtClean="0"/>
+              <a:t>Swarf</a:t>
+            </a:r>
+            <a:r>
+              <a:rPr lang="en-SG" dirty="0" smtClean="0"/>
+              <a:t> handling and disposal of wastes </a:t>
+            </a:r>
+          </a:p>
+          <a:p>
+            <a:r>
+              <a:rPr lang="en-SG" dirty="0" smtClean="0"/>
+              <a:t>Assembly lines </a:t>
+            </a:r>
           </a:p>
           <a:p>
             <a:pPr lvl="1"/>
-            <a:endParaRPr lang="en-SG" dirty="0" smtClean="0"/>
+            <a:r>
+              <a:rPr lang="en-SG" dirty="0" smtClean="0"/>
+              <a:t>Quantitative analysis of assembly systems.</a:t>
+            </a:r>
+          </a:p>
+          <a:p>
+            <a:endParaRPr lang="en-SG" dirty="0"/>
           </a:p>
         </p:txBody>
       </p:sp>
     </p:spTree>
     <p:extLst>
       <p:ext uri="{BB962C8B-B14F-4D97-AF65-F5344CB8AC3E}">
-        <p14:creationId xmlns:p14="http://schemas.microsoft.com/office/powerpoint/2010/main" val="1130636376"/>
+        <p14:creationId xmlns:p14="http://schemas.microsoft.com/office/powerpoint/2010/main" val="938672915"/>
       </p:ext>
     </p:extLst>
   </p:cSld>
@@ -17212,7 +19907,19 @@
           <a:bodyPr/>
           <a:lstStyle/>
           <a:p>
-            <a:endParaRPr lang="en-SG"/>
+            <a:r>
+              <a:rPr lang="en-SG" dirty="0" smtClean="0"/>
+              <a:t>Key disciplines of manufacturing under </a:t>
+            </a:r>
+            <a:r>
+              <a:rPr lang="en-SG" dirty="0" err="1" smtClean="0"/>
+              <a:t>Solidworks</a:t>
+            </a:r>
+            <a:r>
+              <a:rPr lang="en-SG" dirty="0" smtClean="0"/>
+              <a:t> environment</a:t>
+            </a:r>
+            <a:endParaRPr lang="en-SG" dirty="0"/>
           </a:p>
         </p:txBody>
       </p:sp>
@@ -17233,43 +19940,43 @@
           <a:p>
             <a:r>
               <a:rPr lang="en-SG" dirty="0"/>
-              <a:t>Go to the </a:t>
-            </a:r>
-            <a:r>
-              <a:rPr lang="en-SG" dirty="0" err="1"/>
-              <a:t>Solidworks</a:t>
-            </a:r>
-            <a:r>
-              <a:rPr lang="en-SG" dirty="0"/>
-              <a:t> CAM module(just perform each of tool button alone the toolbar from left to right, one can finally get the tool path and G-codes)</a:t>
-            </a:r>
-          </a:p>
-          <a:p>
-            <a:pPr lvl="1"/>
-            <a:r>
-              <a:rPr lang="en-SG" dirty="0"/>
-              <a:t>Define machine</a:t>
-            </a:r>
-          </a:p>
-          <a:p>
-            <a:pPr lvl="1"/>
-            <a:r>
-              <a:rPr lang="en-SG" dirty="0"/>
-              <a:t>Setup coordinate system</a:t>
-            </a:r>
-          </a:p>
-          <a:p>
-            <a:pPr lvl="1"/>
-            <a:r>
-              <a:rPr lang="en-SG" dirty="0"/>
-              <a:t>Define stock size using stock </a:t>
-            </a:r>
-            <a:r>
-              <a:rPr lang="en-SG" dirty="0" smtClean="0"/>
-              <a:t>manager</a:t>
-            </a:r>
-          </a:p>
-          <a:p>
+              <a:t>Configuration for a mill or turn machine</a:t>
+            </a:r>
+          </a:p>
+          <a:p>
+            <a:r>
+              <a:rPr lang="en-SG" dirty="0"/>
+              <a:t>Features to machining strategy</a:t>
+            </a:r>
+          </a:p>
+          <a:p>
+            <a:r>
+              <a:rPr lang="en-SG" dirty="0"/>
+              <a:t>Generate operation plan</a:t>
+            </a:r>
+          </a:p>
+          <a:p>
+            <a:r>
+              <a:rPr lang="en-SG" dirty="0"/>
+              <a:t>Generate tool path</a:t>
+            </a:r>
+          </a:p>
+          <a:p>
+            <a:r>
+              <a:rPr lang="en-SG" dirty="0"/>
+              <a:t>Simulation</a:t>
+            </a:r>
+          </a:p>
+          <a:p>
+            <a:r>
+              <a:rPr lang="en-SG" dirty="0"/>
+              <a:t>Post process</a:t>
+            </a:r>
+          </a:p>
+          <a:p>
+            <a:pPr marL="0" indent="0">
+              <a:buNone/>
+            </a:pPr>
             <a:endParaRPr lang="en-SG" dirty="0"/>
           </a:p>
         </p:txBody>
@@ -17277,7 +19984,7 @@
     </p:spTree>
     <p:extLst>
       <p:ext uri="{BB962C8B-B14F-4D97-AF65-F5344CB8AC3E}">
-        <p14:creationId xmlns:p14="http://schemas.microsoft.com/office/powerpoint/2010/main" val="482855842"/>
+        <p14:creationId xmlns:p14="http://schemas.microsoft.com/office/powerpoint/2010/main" val="4246989961"/>
       </p:ext>
     </p:extLst>
   </p:cSld>
@@ -17470,6 +20177,284 @@
           <a:bodyPr/>
           <a:lstStyle/>
           <a:p>
+            <a:r>
+              <a:rPr lang="en-SG" dirty="0" smtClean="0"/>
+              <a:t>The following slides are only for learning purpose</a:t>
+            </a:r>
+            <a:endParaRPr lang="en-SG" dirty="0"/>
+          </a:p>
+        </p:txBody>
+      </p:sp>
+      <p:sp>
+        <p:nvSpPr>
+          <p:cNvPr id="3" name="内容占位符 2"/>
+          <p:cNvSpPr>
+            <a:spLocks noGrp="1"/>
+          </p:cNvSpPr>
+          <p:nvPr>
+            <p:ph idx="1"/>
+          </p:nvPr>
+        </p:nvSpPr>
+        <p:spPr/>
+        <p:txBody>
+          <a:bodyPr/>
+          <a:lstStyle/>
+          <a:p>
+            <a:endParaRPr lang="en-SG" dirty="0"/>
+          </a:p>
+        </p:txBody>
+      </p:sp>
+    </p:spTree>
+    <p:extLst>
+      <p:ext uri="{BB962C8B-B14F-4D97-AF65-F5344CB8AC3E}">
+        <p14:creationId xmlns:p14="http://schemas.microsoft.com/office/powerpoint/2010/main" val="3537981211"/>
+      </p:ext>
+    </p:extLst>
+  </p:cSld>
+  <p:clrMapOvr>
+    <a:masterClrMapping/>
+  </p:clrMapOvr>
+</p:sld>
+</file>
+
+<file path=ppt/slides/slide81.xml><?xml version="1.0" encoding="utf-8"?>
+<p:sld xmlns:a="http://schemas.openxmlformats.org/drawingml/2006/main" xmlns:r="http://schemas.openxmlformats.org/officeDocument/2006/relationships" xmlns:p="http://schemas.openxmlformats.org/presentationml/2006/main">
+  <p:cSld>
+    <p:spTree>
+      <p:nvGrpSpPr>
+        <p:cNvPr id="1" name=""/>
+        <p:cNvGrpSpPr/>
+        <p:nvPr/>
+      </p:nvGrpSpPr>
+      <p:grpSpPr>
+        <a:xfrm>
+          <a:off x="0" y="0"/>
+          <a:ext cx="0" cy="0"/>
+          <a:chOff x="0" y="0"/>
+          <a:chExt cx="0" cy="0"/>
+        </a:xfrm>
+      </p:grpSpPr>
+      <p:sp>
+        <p:nvSpPr>
+          <p:cNvPr id="2" name="标题 1"/>
+          <p:cNvSpPr>
+            <a:spLocks noGrp="1"/>
+          </p:cNvSpPr>
+          <p:nvPr>
+            <p:ph type="title"/>
+          </p:nvPr>
+        </p:nvSpPr>
+        <p:spPr/>
+        <p:txBody>
+          <a:bodyPr/>
+          <a:lstStyle/>
+          <a:p>
+            <a:endParaRPr lang="en-SG" dirty="0"/>
+          </a:p>
+        </p:txBody>
+      </p:sp>
+      <p:sp>
+        <p:nvSpPr>
+          <p:cNvPr id="3" name="内容占位符 2"/>
+          <p:cNvSpPr>
+            <a:spLocks noGrp="1"/>
+          </p:cNvSpPr>
+          <p:nvPr>
+            <p:ph idx="1"/>
+          </p:nvPr>
+        </p:nvSpPr>
+        <p:spPr/>
+        <p:txBody>
+          <a:bodyPr/>
+          <a:lstStyle/>
+          <a:p>
+            <a:r>
+              <a:rPr lang="en-SG" dirty="0" smtClean="0"/>
+              <a:t>Create a new part</a:t>
+            </a:r>
+          </a:p>
+          <a:p>
+            <a:r>
+              <a:rPr lang="en-SG" dirty="0" smtClean="0"/>
+              <a:t>Check the unit setting</a:t>
+            </a:r>
+          </a:p>
+          <a:p>
+            <a:r>
+              <a:rPr lang="en-SG" dirty="0" smtClean="0"/>
+              <a:t>Using sketch to create part body</a:t>
+            </a:r>
+          </a:p>
+          <a:p>
+            <a:pPr lvl="1"/>
+            <a:r>
+              <a:rPr lang="en-SG" dirty="0" smtClean="0"/>
+              <a:t>Smart dimension is an import tool to drive the model </a:t>
+            </a:r>
+            <a:r>
+              <a:rPr lang="en-SG" dirty="0" err="1" smtClean="0"/>
+              <a:t>creatation</a:t>
+            </a:r>
+            <a:endParaRPr lang="en-SG" dirty="0" smtClean="0"/>
+          </a:p>
+          <a:p>
+            <a:pPr lvl="1"/>
+            <a:endParaRPr lang="en-SG" dirty="0" smtClean="0"/>
+          </a:p>
+        </p:txBody>
+      </p:sp>
+    </p:spTree>
+    <p:extLst>
+      <p:ext uri="{BB962C8B-B14F-4D97-AF65-F5344CB8AC3E}">
+        <p14:creationId xmlns:p14="http://schemas.microsoft.com/office/powerpoint/2010/main" val="1130636376"/>
+      </p:ext>
+    </p:extLst>
+  </p:cSld>
+  <p:clrMapOvr>
+    <a:masterClrMapping/>
+  </p:clrMapOvr>
+</p:sld>
+</file>
+
+<file path=ppt/slides/slide82.xml><?xml version="1.0" encoding="utf-8"?>
+<p:sld xmlns:a="http://schemas.openxmlformats.org/drawingml/2006/main" xmlns:r="http://schemas.openxmlformats.org/officeDocument/2006/relationships" xmlns:p="http://schemas.openxmlformats.org/presentationml/2006/main">
+  <p:cSld>
+    <p:spTree>
+      <p:nvGrpSpPr>
+        <p:cNvPr id="1" name=""/>
+        <p:cNvGrpSpPr/>
+        <p:nvPr/>
+      </p:nvGrpSpPr>
+      <p:grpSpPr>
+        <a:xfrm>
+          <a:off x="0" y="0"/>
+          <a:ext cx="0" cy="0"/>
+          <a:chOff x="0" y="0"/>
+          <a:chExt cx="0" cy="0"/>
+        </a:xfrm>
+      </p:grpSpPr>
+      <p:sp>
+        <p:nvSpPr>
+          <p:cNvPr id="2" name="标题 1"/>
+          <p:cNvSpPr>
+            <a:spLocks noGrp="1"/>
+          </p:cNvSpPr>
+          <p:nvPr>
+            <p:ph type="title"/>
+          </p:nvPr>
+        </p:nvSpPr>
+        <p:spPr/>
+        <p:txBody>
+          <a:bodyPr/>
+          <a:lstStyle/>
+          <a:p>
+            <a:endParaRPr lang="en-SG"/>
+          </a:p>
+        </p:txBody>
+      </p:sp>
+      <p:sp>
+        <p:nvSpPr>
+          <p:cNvPr id="3" name="内容占位符 2"/>
+          <p:cNvSpPr>
+            <a:spLocks noGrp="1"/>
+          </p:cNvSpPr>
+          <p:nvPr>
+            <p:ph idx="1"/>
+          </p:nvPr>
+        </p:nvSpPr>
+        <p:spPr/>
+        <p:txBody>
+          <a:bodyPr/>
+          <a:lstStyle/>
+          <a:p>
+            <a:r>
+              <a:rPr lang="en-SG" dirty="0"/>
+              <a:t>Go to the </a:t>
+            </a:r>
+            <a:r>
+              <a:rPr lang="en-SG" dirty="0" err="1"/>
+              <a:t>Solidworks</a:t>
+            </a:r>
+            <a:r>
+              <a:rPr lang="en-SG" dirty="0"/>
+              <a:t> CAM module(just perform each of tool button alone the toolbar from left to right, one can finally get the tool path and G-codes)</a:t>
+            </a:r>
+          </a:p>
+          <a:p>
+            <a:pPr lvl="1"/>
+            <a:r>
+              <a:rPr lang="en-SG" dirty="0"/>
+              <a:t>Define machine</a:t>
+            </a:r>
+          </a:p>
+          <a:p>
+            <a:pPr lvl="1"/>
+            <a:r>
+              <a:rPr lang="en-SG" dirty="0"/>
+              <a:t>Setup coordinate system</a:t>
+            </a:r>
+          </a:p>
+          <a:p>
+            <a:pPr lvl="1"/>
+            <a:r>
+              <a:rPr lang="en-SG" dirty="0"/>
+              <a:t>Define stock size using stock </a:t>
+            </a:r>
+            <a:r>
+              <a:rPr lang="en-SG" dirty="0" smtClean="0"/>
+              <a:t>manager</a:t>
+            </a:r>
+          </a:p>
+          <a:p>
+            <a:endParaRPr lang="en-SG" dirty="0"/>
+          </a:p>
+        </p:txBody>
+      </p:sp>
+    </p:spTree>
+    <p:extLst>
+      <p:ext uri="{BB962C8B-B14F-4D97-AF65-F5344CB8AC3E}">
+        <p14:creationId xmlns:p14="http://schemas.microsoft.com/office/powerpoint/2010/main" val="482855842"/>
+      </p:ext>
+    </p:extLst>
+  </p:cSld>
+  <p:clrMapOvr>
+    <a:masterClrMapping/>
+  </p:clrMapOvr>
+</p:sld>
+</file>
+
+<file path=ppt/slides/slide83.xml><?xml version="1.0" encoding="utf-8"?>
+<p:sld xmlns:a="http://schemas.openxmlformats.org/drawingml/2006/main" xmlns:r="http://schemas.openxmlformats.org/officeDocument/2006/relationships" xmlns:p="http://schemas.openxmlformats.org/presentationml/2006/main">
+  <p:cSld>
+    <p:spTree>
+      <p:nvGrpSpPr>
+        <p:cNvPr id="1" name=""/>
+        <p:cNvGrpSpPr/>
+        <p:nvPr/>
+      </p:nvGrpSpPr>
+      <p:grpSpPr>
+        <a:xfrm>
+          <a:off x="0" y="0"/>
+          <a:ext cx="0" cy="0"/>
+          <a:chOff x="0" y="0"/>
+          <a:chExt cx="0" cy="0"/>
+        </a:xfrm>
+      </p:grpSpPr>
+      <p:sp>
+        <p:nvSpPr>
+          <p:cNvPr id="2" name="标题 1"/>
+          <p:cNvSpPr>
+            <a:spLocks noGrp="1"/>
+          </p:cNvSpPr>
+          <p:nvPr>
+            <p:ph type="title"/>
+          </p:nvPr>
+        </p:nvSpPr>
+        <p:spPr/>
+        <p:txBody>
+          <a:bodyPr/>
+          <a:lstStyle/>
+          <a:p>
             <a:endParaRPr lang="en-SG"/>
           </a:p>
         </p:txBody>
@@ -17587,7 +20572,7 @@
           <a:graphicData uri="http://schemas.openxmlformats.org/presentationml/2006/ole">
             <mc:AlternateContent xmlns:mc="http://schemas.openxmlformats.org/markup-compatibility/2006">
               <mc:Choice xmlns:v="urn:schemas-microsoft-com:vml" Requires="v">
-                <p:oleObj spid="_x0000_s1294" name="Equation" r:id="rId3" imgW="2260440" imgH="1091880" progId="Equation.DSMT4">
+                <p:oleObj spid="_x0000_s1311" name="Equation" r:id="rId3" imgW="2260440" imgH="1091880" progId="Equation.DSMT4">
                   <p:embed/>
                 </p:oleObj>
               </mc:Choice>
@@ -17635,7 +20620,7 @@
 </p:sld>
 </file>
 
-<file path=ppt/slides/slide81.xml><?xml version="1.0" encoding="utf-8"?>
+<file path=ppt/slides/slide84.xml><?xml version="1.0" encoding="utf-8"?>
 <p:sld xmlns:a="http://schemas.openxmlformats.org/drawingml/2006/main" xmlns:r="http://schemas.openxmlformats.org/officeDocument/2006/relationships" xmlns:p="http://schemas.openxmlformats.org/presentationml/2006/main">
   <p:cSld>
     <p:spTree>
@@ -17857,7 +20842,7 @@
           <a:graphicData uri="http://schemas.openxmlformats.org/presentationml/2006/ole">
             <mc:AlternateContent xmlns:mc="http://schemas.openxmlformats.org/markup-compatibility/2006">
               <mc:Choice xmlns:v="urn:schemas-microsoft-com:vml" Requires="v">
-                <p:oleObj spid="_x0000_s2847" name="Equation" r:id="rId3" imgW="2133360" imgH="1879560" progId="Equation.DSMT4">
+                <p:oleObj spid="_x0000_s2898" name="Equation" r:id="rId3" imgW="2133360" imgH="1879560" progId="Equation.DSMT4">
                   <p:embed/>
                 </p:oleObj>
               </mc:Choice>
@@ -17914,7 +20899,7 @@
           <a:graphicData uri="http://schemas.openxmlformats.org/presentationml/2006/ole">
             <mc:AlternateContent xmlns:mc="http://schemas.openxmlformats.org/markup-compatibility/2006">
               <mc:Choice xmlns:v="urn:schemas-microsoft-com:vml" Requires="v">
-                <p:oleObj spid="_x0000_s2848" name="Equation" r:id="rId5" imgW="1726920" imgH="482400" progId="Equation.DSMT4">
+                <p:oleObj spid="_x0000_s2899" name="Equation" r:id="rId5" imgW="1726920" imgH="482400" progId="Equation.DSMT4">
                   <p:embed/>
                 </p:oleObj>
               </mc:Choice>
@@ -17971,7 +20956,7 @@
           <a:graphicData uri="http://schemas.openxmlformats.org/presentationml/2006/ole">
             <mc:AlternateContent xmlns:mc="http://schemas.openxmlformats.org/markup-compatibility/2006">
               <mc:Choice xmlns:v="urn:schemas-microsoft-com:vml" Requires="v">
-                <p:oleObj spid="_x0000_s2849" name="Equation" r:id="rId7" imgW="990360" imgH="457200" progId="Equation.DSMT4">
+                <p:oleObj spid="_x0000_s2900" name="Equation" r:id="rId7" imgW="990360" imgH="457200" progId="Equation.DSMT4">
                   <p:embed/>
                 </p:oleObj>
               </mc:Choice>
@@ -18019,7 +21004,7 @@
 </p:sld>
 </file>
 
-<file path=ppt/slides/slide82.xml><?xml version="1.0" encoding="utf-8"?>
+<file path=ppt/slides/slide85.xml><?xml version="1.0" encoding="utf-8"?>
 <p:sld xmlns:a="http://schemas.openxmlformats.org/drawingml/2006/main" xmlns:r="http://schemas.openxmlformats.org/officeDocument/2006/relationships" xmlns:p="http://schemas.openxmlformats.org/presentationml/2006/main">
   <p:cSld>
     <p:spTree>
@@ -18127,7 +21112,7 @@
           <a:graphicData uri="http://schemas.openxmlformats.org/presentationml/2006/ole">
             <mc:AlternateContent xmlns:mc="http://schemas.openxmlformats.org/markup-compatibility/2006">
               <mc:Choice xmlns:v="urn:schemas-microsoft-com:vml" Requires="v">
-                <p:oleObj spid="_x0000_s3339" name="Equation" r:id="rId3" imgW="990360" imgH="457200" progId="Equation.DSMT4">
+                <p:oleObj spid="_x0000_s3356" name="Equation" r:id="rId3" imgW="990360" imgH="457200" progId="Equation.DSMT4">
                   <p:embed/>
                 </p:oleObj>
               </mc:Choice>

--- a/CAD_CAM.pptx
+++ b/CAD_CAM.pptx
@@ -55,41 +55,43 @@
     <p:sldId id="373" r:id="rId49"/>
     <p:sldId id="374" r:id="rId50"/>
     <p:sldId id="375" r:id="rId51"/>
-    <p:sldId id="363" r:id="rId52"/>
-    <p:sldId id="317" r:id="rId53"/>
-    <p:sldId id="361" r:id="rId54"/>
-    <p:sldId id="364" r:id="rId55"/>
-    <p:sldId id="362" r:id="rId56"/>
-    <p:sldId id="318" r:id="rId57"/>
-    <p:sldId id="319" r:id="rId58"/>
-    <p:sldId id="320" r:id="rId59"/>
-    <p:sldId id="321" r:id="rId60"/>
-    <p:sldId id="322" r:id="rId61"/>
-    <p:sldId id="298" r:id="rId62"/>
-    <p:sldId id="299" r:id="rId63"/>
-    <p:sldId id="376" r:id="rId64"/>
-    <p:sldId id="338" r:id="rId65"/>
-    <p:sldId id="300" r:id="rId66"/>
-    <p:sldId id="301" r:id="rId67"/>
-    <p:sldId id="302" r:id="rId68"/>
-    <p:sldId id="303" r:id="rId69"/>
-    <p:sldId id="282" r:id="rId70"/>
-    <p:sldId id="257" r:id="rId71"/>
-    <p:sldId id="265" r:id="rId72"/>
-    <p:sldId id="276" r:id="rId73"/>
-    <p:sldId id="310" r:id="rId74"/>
-    <p:sldId id="311" r:id="rId75"/>
-    <p:sldId id="312" r:id="rId76"/>
-    <p:sldId id="333" r:id="rId77"/>
-    <p:sldId id="313" r:id="rId78"/>
-    <p:sldId id="314" r:id="rId79"/>
-    <p:sldId id="261" r:id="rId80"/>
-    <p:sldId id="270" r:id="rId81"/>
-    <p:sldId id="271" r:id="rId82"/>
-    <p:sldId id="272" r:id="rId83"/>
-    <p:sldId id="273" r:id="rId84"/>
-    <p:sldId id="274" r:id="rId85"/>
-    <p:sldId id="275" r:id="rId86"/>
+    <p:sldId id="377" r:id="rId52"/>
+    <p:sldId id="363" r:id="rId53"/>
+    <p:sldId id="378" r:id="rId54"/>
+    <p:sldId id="317" r:id="rId55"/>
+    <p:sldId id="361" r:id="rId56"/>
+    <p:sldId id="364" r:id="rId57"/>
+    <p:sldId id="362" r:id="rId58"/>
+    <p:sldId id="318" r:id="rId59"/>
+    <p:sldId id="319" r:id="rId60"/>
+    <p:sldId id="320" r:id="rId61"/>
+    <p:sldId id="321" r:id="rId62"/>
+    <p:sldId id="322" r:id="rId63"/>
+    <p:sldId id="298" r:id="rId64"/>
+    <p:sldId id="299" r:id="rId65"/>
+    <p:sldId id="376" r:id="rId66"/>
+    <p:sldId id="338" r:id="rId67"/>
+    <p:sldId id="300" r:id="rId68"/>
+    <p:sldId id="301" r:id="rId69"/>
+    <p:sldId id="302" r:id="rId70"/>
+    <p:sldId id="303" r:id="rId71"/>
+    <p:sldId id="282" r:id="rId72"/>
+    <p:sldId id="257" r:id="rId73"/>
+    <p:sldId id="265" r:id="rId74"/>
+    <p:sldId id="276" r:id="rId75"/>
+    <p:sldId id="310" r:id="rId76"/>
+    <p:sldId id="311" r:id="rId77"/>
+    <p:sldId id="312" r:id="rId78"/>
+    <p:sldId id="333" r:id="rId79"/>
+    <p:sldId id="313" r:id="rId80"/>
+    <p:sldId id="314" r:id="rId81"/>
+    <p:sldId id="261" r:id="rId82"/>
+    <p:sldId id="270" r:id="rId83"/>
+    <p:sldId id="271" r:id="rId84"/>
+    <p:sldId id="272" r:id="rId85"/>
+    <p:sldId id="273" r:id="rId86"/>
+    <p:sldId id="274" r:id="rId87"/>
+    <p:sldId id="275" r:id="rId88"/>
   </p:sldIdLst>
   <p:sldSz cx="12192000" cy="6858000"/>
   <p:notesSz cx="6858000" cy="9144000"/>
@@ -327,7 +329,7 @@
           <a:p>
             <a:fld id="{012790D9-61A1-4D2A-ABFB-2410DF2390CB}" type="datetimeFigureOut">
               <a:rPr lang="en-SG" smtClean="0"/>
-              <a:t>15/6/2022</a:t>
+              <a:t>16/6/2022</a:t>
             </a:fld>
             <a:endParaRPr lang="en-SG"/>
           </a:p>
@@ -497,7 +499,7 @@
           <a:p>
             <a:fld id="{012790D9-61A1-4D2A-ABFB-2410DF2390CB}" type="datetimeFigureOut">
               <a:rPr lang="en-SG" smtClean="0"/>
-              <a:t>15/6/2022</a:t>
+              <a:t>16/6/2022</a:t>
             </a:fld>
             <a:endParaRPr lang="en-SG"/>
           </a:p>
@@ -677,7 +679,7 @@
           <a:p>
             <a:fld id="{012790D9-61A1-4D2A-ABFB-2410DF2390CB}" type="datetimeFigureOut">
               <a:rPr lang="en-SG" smtClean="0"/>
-              <a:t>15/6/2022</a:t>
+              <a:t>16/6/2022</a:t>
             </a:fld>
             <a:endParaRPr lang="en-SG"/>
           </a:p>
@@ -847,7 +849,7 @@
           <a:p>
             <a:fld id="{012790D9-61A1-4D2A-ABFB-2410DF2390CB}" type="datetimeFigureOut">
               <a:rPr lang="en-SG" smtClean="0"/>
-              <a:t>15/6/2022</a:t>
+              <a:t>16/6/2022</a:t>
             </a:fld>
             <a:endParaRPr lang="en-SG"/>
           </a:p>
@@ -1093,7 +1095,7 @@
           <a:p>
             <a:fld id="{012790D9-61A1-4D2A-ABFB-2410DF2390CB}" type="datetimeFigureOut">
               <a:rPr lang="en-SG" smtClean="0"/>
-              <a:t>15/6/2022</a:t>
+              <a:t>16/6/2022</a:t>
             </a:fld>
             <a:endParaRPr lang="en-SG"/>
           </a:p>
@@ -1325,7 +1327,7 @@
           <a:p>
             <a:fld id="{012790D9-61A1-4D2A-ABFB-2410DF2390CB}" type="datetimeFigureOut">
               <a:rPr lang="en-SG" smtClean="0"/>
-              <a:t>15/6/2022</a:t>
+              <a:t>16/6/2022</a:t>
             </a:fld>
             <a:endParaRPr lang="en-SG"/>
           </a:p>
@@ -1692,7 +1694,7 @@
           <a:p>
             <a:fld id="{012790D9-61A1-4D2A-ABFB-2410DF2390CB}" type="datetimeFigureOut">
               <a:rPr lang="en-SG" smtClean="0"/>
-              <a:t>15/6/2022</a:t>
+              <a:t>16/6/2022</a:t>
             </a:fld>
             <a:endParaRPr lang="en-SG"/>
           </a:p>
@@ -1810,7 +1812,7 @@
           <a:p>
             <a:fld id="{012790D9-61A1-4D2A-ABFB-2410DF2390CB}" type="datetimeFigureOut">
               <a:rPr lang="en-SG" smtClean="0"/>
-              <a:t>15/6/2022</a:t>
+              <a:t>16/6/2022</a:t>
             </a:fld>
             <a:endParaRPr lang="en-SG"/>
           </a:p>
@@ -1905,7 +1907,7 @@
           <a:p>
             <a:fld id="{012790D9-61A1-4D2A-ABFB-2410DF2390CB}" type="datetimeFigureOut">
               <a:rPr lang="en-SG" smtClean="0"/>
-              <a:t>15/6/2022</a:t>
+              <a:t>16/6/2022</a:t>
             </a:fld>
             <a:endParaRPr lang="en-SG"/>
           </a:p>
@@ -2182,7 +2184,7 @@
           <a:p>
             <a:fld id="{012790D9-61A1-4D2A-ABFB-2410DF2390CB}" type="datetimeFigureOut">
               <a:rPr lang="en-SG" smtClean="0"/>
-              <a:t>15/6/2022</a:t>
+              <a:t>16/6/2022</a:t>
             </a:fld>
             <a:endParaRPr lang="en-SG"/>
           </a:p>
@@ -2435,7 +2437,7 @@
           <a:p>
             <a:fld id="{012790D9-61A1-4D2A-ABFB-2410DF2390CB}" type="datetimeFigureOut">
               <a:rPr lang="en-SG" smtClean="0"/>
-              <a:t>15/6/2022</a:t>
+              <a:t>16/6/2022</a:t>
             </a:fld>
             <a:endParaRPr lang="en-SG"/>
           </a:p>
@@ -2648,7 +2650,7 @@
           <a:p>
             <a:fld id="{012790D9-61A1-4D2A-ABFB-2410DF2390CB}" type="datetimeFigureOut">
               <a:rPr lang="en-SG" smtClean="0"/>
-              <a:t>15/6/2022</a:t>
+              <a:t>16/6/2022</a:t>
             </a:fld>
             <a:endParaRPr lang="en-SG"/>
           </a:p>
@@ -3217,7 +3219,7 @@
           <a:graphicData uri="http://schemas.openxmlformats.org/presentationml/2006/ole">
             <mc:AlternateContent xmlns:mc="http://schemas.openxmlformats.org/markup-compatibility/2006">
               <mc:Choice xmlns:v="urn:schemas-microsoft-com:vml" Requires="v">
-                <p:oleObj spid="_x0000_s10110" name="Equation" r:id="rId3" imgW="711000" imgH="203040" progId="Equation.DSMT4">
+                <p:oleObj spid="_x0000_s10238" name="Equation" r:id="rId3" imgW="711000" imgH="203040" progId="Equation.DSMT4">
                   <p:embed/>
                 </p:oleObj>
               </mc:Choice>
@@ -3270,7 +3272,7 @@
           <a:graphicData uri="http://schemas.openxmlformats.org/presentationml/2006/ole">
             <mc:AlternateContent xmlns:mc="http://schemas.openxmlformats.org/markup-compatibility/2006">
               <mc:Choice xmlns:v="urn:schemas-microsoft-com:vml" Requires="v">
-                <p:oleObj spid="_x0000_s10111" name="Equation" r:id="rId5" imgW="583920" imgH="203040" progId="Equation.DSMT4">
+                <p:oleObj spid="_x0000_s10239" name="Equation" r:id="rId5" imgW="583920" imgH="203040" progId="Equation.DSMT4">
                   <p:embed/>
                 </p:oleObj>
               </mc:Choice>
@@ -3323,7 +3325,7 @@
           <a:graphicData uri="http://schemas.openxmlformats.org/presentationml/2006/ole">
             <mc:AlternateContent xmlns:mc="http://schemas.openxmlformats.org/markup-compatibility/2006">
               <mc:Choice xmlns:v="urn:schemas-microsoft-com:vml" Requires="v">
-                <p:oleObj spid="_x0000_s10112" name="Equation" r:id="rId7" imgW="469800" imgH="177480" progId="Equation.DSMT4">
+                <p:oleObj spid="_x0000_s27648" name="Equation" r:id="rId7" imgW="469800" imgH="177480" progId="Equation.DSMT4">
                   <p:embed/>
                 </p:oleObj>
               </mc:Choice>
@@ -3376,7 +3378,7 @@
           <a:graphicData uri="http://schemas.openxmlformats.org/presentationml/2006/ole">
             <mc:AlternateContent xmlns:mc="http://schemas.openxmlformats.org/markup-compatibility/2006">
               <mc:Choice xmlns:v="urn:schemas-microsoft-com:vml" Requires="v">
-                <p:oleObj spid="_x0000_s10113" name="Equation" r:id="rId9" imgW="1600200" imgH="711000" progId="Equation.DSMT4">
+                <p:oleObj spid="_x0000_s27649" name="Equation" r:id="rId9" imgW="1600200" imgH="711000" progId="Equation.DSMT4">
                   <p:embed/>
                 </p:oleObj>
               </mc:Choice>
@@ -3531,7 +3533,7 @@
           <a:graphicData uri="http://schemas.openxmlformats.org/presentationml/2006/ole">
             <mc:AlternateContent xmlns:mc="http://schemas.openxmlformats.org/markup-compatibility/2006">
               <mc:Choice xmlns:v="urn:schemas-microsoft-com:vml" Requires="v">
-                <p:oleObj spid="_x0000_s10465" name="Equation" r:id="rId3" imgW="1155600" imgH="914400" progId="Equation.DSMT4">
+                <p:oleObj spid="_x0000_s10497" name="Equation" r:id="rId3" imgW="1155600" imgH="914400" progId="Equation.DSMT4">
                   <p:embed/>
                 </p:oleObj>
               </mc:Choice>
@@ -3749,7 +3751,7 @@
           <a:graphicData uri="http://schemas.openxmlformats.org/presentationml/2006/ole">
             <mc:AlternateContent xmlns:mc="http://schemas.openxmlformats.org/markup-compatibility/2006">
               <mc:Choice xmlns:v="urn:schemas-microsoft-com:vml" Requires="v">
-                <p:oleObj spid="_x0000_s11712" name="Equation" r:id="rId3" imgW="1091880" imgH="711000" progId="Equation.DSMT4">
+                <p:oleObj spid="_x0000_s11776" name="Equation" r:id="rId3" imgW="1091880" imgH="711000" progId="Equation.DSMT4">
                   <p:embed/>
                 </p:oleObj>
               </mc:Choice>
@@ -3802,7 +3804,7 @@
           <a:graphicData uri="http://schemas.openxmlformats.org/presentationml/2006/ole">
             <mc:AlternateContent xmlns:mc="http://schemas.openxmlformats.org/markup-compatibility/2006">
               <mc:Choice xmlns:v="urn:schemas-microsoft-com:vml" Requires="v">
-                <p:oleObj spid="_x0000_s11713" name="Equation" r:id="rId5" imgW="571320" imgH="457200" progId="Equation.DSMT4">
+                <p:oleObj spid="_x0000_s11777" name="Equation" r:id="rId5" imgW="571320" imgH="457200" progId="Equation.DSMT4">
                   <p:embed/>
                 </p:oleObj>
               </mc:Choice>
@@ -3930,7 +3932,7 @@
           <a:graphicData uri="http://schemas.openxmlformats.org/presentationml/2006/ole">
             <mc:AlternateContent xmlns:mc="http://schemas.openxmlformats.org/markup-compatibility/2006">
               <mc:Choice xmlns:v="urn:schemas-microsoft-com:vml" Requires="v">
-                <p:oleObj spid="_x0000_s12513" name="Equation" r:id="rId3" imgW="3682800" imgH="914400" progId="Equation.DSMT4">
+                <p:oleObj spid="_x0000_s12545" name="Equation" r:id="rId3" imgW="3682800" imgH="914400" progId="Equation.DSMT4">
                   <p:embed/>
                 </p:oleObj>
               </mc:Choice>
@@ -4059,7 +4061,7 @@
           <a:graphicData uri="http://schemas.openxmlformats.org/presentationml/2006/ole">
             <mc:AlternateContent xmlns:mc="http://schemas.openxmlformats.org/markup-compatibility/2006">
               <mc:Choice xmlns:v="urn:schemas-microsoft-com:vml" Requires="v">
-                <p:oleObj spid="_x0000_s13509" name="Equation" r:id="rId3" imgW="1155600" imgH="914400" progId="Equation.DSMT4">
+                <p:oleObj spid="_x0000_s13541" name="Equation" r:id="rId3" imgW="1155600" imgH="914400" progId="Equation.DSMT4">
                   <p:embed/>
                 </p:oleObj>
               </mc:Choice>
@@ -4252,7 +4254,7 @@
           <a:graphicData uri="http://schemas.openxmlformats.org/presentationml/2006/ole">
             <mc:AlternateContent xmlns:mc="http://schemas.openxmlformats.org/markup-compatibility/2006">
               <mc:Choice xmlns:v="urn:schemas-microsoft-com:vml" Requires="v">
-                <p:oleObj spid="_x0000_s14533" name="Equation" r:id="rId3" imgW="1117440" imgH="914400" progId="Equation.DSMT4">
+                <p:oleObj spid="_x0000_s14565" name="Equation" r:id="rId3" imgW="1117440" imgH="914400" progId="Equation.DSMT4">
                   <p:embed/>
                 </p:oleObj>
               </mc:Choice>
@@ -4535,7 +4537,7 @@
           <a:graphicData uri="http://schemas.openxmlformats.org/presentationml/2006/ole">
             <mc:AlternateContent xmlns:mc="http://schemas.openxmlformats.org/markup-compatibility/2006">
               <mc:Choice xmlns:v="urn:schemas-microsoft-com:vml" Requires="v">
-                <p:oleObj spid="_x0000_s15752" name="Equation" r:id="rId3" imgW="2616120" imgH="914400" progId="Equation.DSMT4">
+                <p:oleObj spid="_x0000_s15816" name="Equation" r:id="rId3" imgW="2616120" imgH="914400" progId="Equation.DSMT4">
                   <p:embed/>
                 </p:oleObj>
               </mc:Choice>
@@ -4588,7 +4590,7 @@
           <a:graphicData uri="http://schemas.openxmlformats.org/presentationml/2006/ole">
             <mc:AlternateContent xmlns:mc="http://schemas.openxmlformats.org/markup-compatibility/2006">
               <mc:Choice xmlns:v="urn:schemas-microsoft-com:vml" Requires="v">
-                <p:oleObj spid="_x0000_s15753" name="Equation" r:id="rId5" imgW="1574640" imgH="914400" progId="Equation.DSMT4">
+                <p:oleObj spid="_x0000_s15817" name="Equation" r:id="rId5" imgW="1574640" imgH="914400" progId="Equation.DSMT4">
                   <p:embed/>
                 </p:oleObj>
               </mc:Choice>
@@ -9490,7 +9492,7 @@
           <a:graphicData uri="http://schemas.openxmlformats.org/presentationml/2006/ole">
             <mc:AlternateContent xmlns:mc="http://schemas.openxmlformats.org/markup-compatibility/2006">
               <mc:Choice xmlns:v="urn:schemas-microsoft-com:vml" Requires="v">
-                <p:oleObj spid="_x0000_s16533" name="Equation" r:id="rId3" imgW="2101838" imgH="1898834" progId="Equation.DSMT4">
+                <p:oleObj spid="_x0000_s16565" name="Equation" r:id="rId3" imgW="2101838" imgH="1898834" progId="Equation.DSMT4">
                   <p:embed/>
                 </p:oleObj>
               </mc:Choice>
@@ -9893,7 +9895,7 @@
           <a:graphicData uri="http://schemas.openxmlformats.org/presentationml/2006/ole">
             <mc:AlternateContent xmlns:mc="http://schemas.openxmlformats.org/markup-compatibility/2006">
               <mc:Choice xmlns:v="urn:schemas-microsoft-com:vml" Requires="v">
-                <p:oleObj spid="_x0000_s17892" name="Equation" r:id="rId14" imgW="3340080" imgH="393480" progId="Equation.DSMT4">
+                <p:oleObj spid="_x0000_s17988" name="Equation" r:id="rId14" imgW="3340080" imgH="393480" progId="Equation.DSMT4">
                   <p:embed/>
                 </p:oleObj>
               </mc:Choice>
@@ -9950,7 +9952,7 @@
           <a:graphicData uri="http://schemas.openxmlformats.org/presentationml/2006/ole">
             <mc:AlternateContent xmlns:mc="http://schemas.openxmlformats.org/markup-compatibility/2006">
               <mc:Choice xmlns:v="urn:schemas-microsoft-com:vml" Requires="v">
-                <p:oleObj spid="_x0000_s17893" name="Equation" r:id="rId16" imgW="2781000" imgH="939600" progId="Equation.DSMT4">
+                <p:oleObj spid="_x0000_s17989" name="Equation" r:id="rId16" imgW="2781000" imgH="939600" progId="Equation.DSMT4">
                   <p:embed/>
                 </p:oleObj>
               </mc:Choice>
@@ -10007,7 +10009,7 @@
           <a:graphicData uri="http://schemas.openxmlformats.org/presentationml/2006/ole">
             <mc:AlternateContent xmlns:mc="http://schemas.openxmlformats.org/markup-compatibility/2006">
               <mc:Choice xmlns:v="urn:schemas-microsoft-com:vml" Requires="v">
-                <p:oleObj spid="_x0000_s17894" name="Equation" r:id="rId18" imgW="3924000" imgH="241200" progId="Equation.DSMT4">
+                <p:oleObj spid="_x0000_s17990" name="Equation" r:id="rId18" imgW="3924000" imgH="241200" progId="Equation.DSMT4">
                   <p:embed/>
                 </p:oleObj>
               </mc:Choice>
@@ -10668,7 +10670,7 @@
           <a:graphicData uri="http://schemas.openxmlformats.org/presentationml/2006/ole">
             <mc:AlternateContent xmlns:mc="http://schemas.openxmlformats.org/markup-compatibility/2006">
               <mc:Choice xmlns:v="urn:schemas-microsoft-com:vml" Requires="v">
-                <p:oleObj spid="_x0000_s18577" name="Equation" r:id="rId7" imgW="2971800" imgH="939600" progId="Equation.DSMT4">
+                <p:oleObj spid="_x0000_s18609" name="Equation" r:id="rId7" imgW="2971800" imgH="939600" progId="Equation.DSMT4">
                   <p:embed/>
                 </p:oleObj>
               </mc:Choice>
@@ -12015,7 +12017,7 @@
               <a:p>
                 <a:r>
                   <a:rPr lang="en-SG" dirty="0" smtClean="0"/>
-                  <a:t>Similar to a Bezier curve, a B-spline also uses the basis functions with the form for n+1 data points,</a:t>
+                  <a:t>Similar to the form of a Bezier curve, a B-spline uses the basis functions of degree k and n+1 data points to define,</a:t>
                 </a:r>
               </a:p>
               <a:p>
@@ -12069,6 +12071,12 @@
                           </a:rPr>
                           <m:t>𝑘</m:t>
                         </m:r>
+                        <m:r>
+                          <a:rPr lang="en-SG" b="0" i="1" smtClean="0">
+                            <a:latin typeface="Cambria Math" panose="02040503050406030204" pitchFamily="18" charset="0"/>
+                          </a:rPr>
+                          <m:t>+1</m:t>
+                        </m:r>
                       </m:sub>
                     </m:sSub>
                     <m:d>
@@ -12096,7 +12104,7 @@
                 </a:r>
                 <a:r>
                   <a:rPr lang="en-SG" i="1" dirty="0" smtClean="0"/>
-                  <a:t>k</a:t>
+                  <a:t>k+1</a:t>
                 </a:r>
               </a:p>
               <a:p>
@@ -12149,7 +12157,7 @@
               <a:blipFill>
                 <a:blip r:embed="rId3"/>
                 <a:stretch>
-                  <a:fillRect l="-1217" t="-2013" r="-406"/>
+                  <a:fillRect l="-1217" t="-2013"/>
                 </a:stretch>
               </a:blipFill>
             </p:spPr>
@@ -12177,25 +12185,25 @@
           <p:nvPr>
             <p:extLst>
               <p:ext uri="{D42A27DB-BD31-4B8C-83A1-F6EECF244321}">
-                <p14:modId xmlns:p14="http://schemas.microsoft.com/office/powerpoint/2010/main" val="3543352986"/>
+                <p14:modId xmlns:p14="http://schemas.microsoft.com/office/powerpoint/2010/main" val="3667351814"/>
               </p:ext>
             </p:extLst>
           </p:nvPr>
         </p:nvGraphicFramePr>
         <p:xfrm>
-          <a:off x="5086804" y="1924674"/>
-          <a:ext cx="2390775" cy="925512"/>
+          <a:off x="4991100" y="1924050"/>
+          <a:ext cx="2581275" cy="925513"/>
         </p:xfrm>
         <a:graphic>
           <a:graphicData uri="http://schemas.openxmlformats.org/presentationml/2006/ole">
             <mc:AlternateContent xmlns:mc="http://schemas.openxmlformats.org/markup-compatibility/2006">
               <mc:Choice xmlns:v="urn:schemas-microsoft-com:vml" Requires="v">
-                <p:oleObj spid="_x0000_s20795" name="Equation" r:id="rId4" imgW="1117440" imgH="431640" progId="Equation.DSMT4">
+                <p:oleObj spid="_x0000_s20891" name="Equation" r:id="rId4" imgW="1206360" imgH="431640" progId="Equation.DSMT4">
                   <p:embed/>
                 </p:oleObj>
               </mc:Choice>
               <mc:Fallback>
-                <p:oleObj name="Equation" r:id="rId4" imgW="1117440" imgH="431640" progId="Equation.DSMT4">
+                <p:oleObj name="Equation" r:id="rId4" imgW="1206360" imgH="431640" progId="Equation.DSMT4">
                   <p:embed/>
                   <p:pic>
                     <p:nvPicPr>
@@ -12211,8 +12219,8 @@
                     </p:blipFill>
                     <p:spPr>
                       <a:xfrm>
-                        <a:off x="5086804" y="1924674"/>
-                        <a:ext cx="2390775" cy="925512"/>
+                        <a:off x="4991100" y="1924050"/>
+                        <a:ext cx="2581275" cy="925513"/>
                       </a:xfrm>
                       <a:prstGeom prst="rect">
                         <a:avLst/>
@@ -12247,7 +12255,7 @@
           <a:graphicData uri="http://schemas.openxmlformats.org/presentationml/2006/ole">
             <mc:AlternateContent xmlns:mc="http://schemas.openxmlformats.org/markup-compatibility/2006">
               <mc:Choice xmlns:v="urn:schemas-microsoft-com:vml" Requires="v">
-                <p:oleObj spid="_x0000_s20796" name="Equation" r:id="rId6" imgW="2489040" imgH="939600" progId="Equation.DSMT4">
+                <p:oleObj spid="_x0000_s20892" name="Equation" r:id="rId6" imgW="2489040" imgH="939600" progId="Equation.DSMT4">
                   <p:embed/>
                 </p:oleObj>
               </mc:Choice>
@@ -12304,7 +12312,7 @@
           <a:graphicData uri="http://schemas.openxmlformats.org/presentationml/2006/ole">
             <mc:AlternateContent xmlns:mc="http://schemas.openxmlformats.org/markup-compatibility/2006">
               <mc:Choice xmlns:v="urn:schemas-microsoft-com:vml" Requires="v">
-                <p:oleObj spid="_x0000_s20797" name="Equation" r:id="rId8" imgW="1511280" imgH="457200" progId="Equation.DSMT4">
+                <p:oleObj spid="_x0000_s20893" name="Equation" r:id="rId8" imgW="1511280" imgH="457200" progId="Equation.DSMT4">
                   <p:embed/>
                 </p:oleObj>
               </mc:Choice>
@@ -12420,12 +12428,12 @@
             <p:spPr>
               <a:xfrm>
                 <a:off x="838200" y="1825624"/>
-                <a:ext cx="10991850" cy="4193039"/>
+                <a:ext cx="10991850" cy="4607833"/>
               </a:xfrm>
             </p:spPr>
             <p:txBody>
               <a:bodyPr>
-                <a:normAutofit fontScale="92500"/>
+                <a:normAutofit fontScale="92500" lnSpcReduction="10000"/>
               </a:bodyPr>
               <a:lstStyle/>
               <a:p>
@@ -12468,7 +12476,7 @@
                 </a:r>
                 <a:r>
                   <a:rPr lang="en-SG" dirty="0" smtClean="0"/>
-                  <a:t>a component of knot vector, which is with the form of a non-descending sequence</a:t>
+                  <a:t>a component of knot vector with a form of a non-descending sequence</a:t>
                 </a:r>
               </a:p>
               <a:p>
@@ -12745,132 +12753,31 @@
                   <a:buNone/>
                 </a:pPr>
                 <a:r>
-                  <a:rPr lang="en-SG" dirty="0"/>
-                  <a:t> </a:t>
+                  <a:rPr lang="en-SG" dirty="0" smtClean="0"/>
+                  <a:t>sometimes</a:t>
                 </a:r>
                 <a:r>
                   <a:rPr lang="en-SG" dirty="0" smtClean="0"/>
-                  <a:t>  this sequence divides the entire interval </a:t>
-                </a:r>
-                <a14:m>
-                  <m:oMath xmlns:m="http://schemas.openxmlformats.org/officeDocument/2006/math">
-                    <m:d>
-                      <m:dPr>
-                        <m:begChr m:val="["/>
-                        <m:endChr m:val="]"/>
-                        <m:ctrlPr>
-                          <a:rPr lang="en-SG" i="1" smtClean="0">
-                            <a:latin typeface="Cambria Math" panose="02040503050406030204" pitchFamily="18" charset="0"/>
-                          </a:rPr>
-                        </m:ctrlPr>
-                      </m:dPr>
-                      <m:e>
-                        <m:sSub>
-                          <m:sSubPr>
-                            <m:ctrlPr>
-                              <a:rPr lang="en-SG" i="1" smtClean="0">
-                                <a:latin typeface="Cambria Math" panose="02040503050406030204" pitchFamily="18" charset="0"/>
-                              </a:rPr>
-                            </m:ctrlPr>
-                          </m:sSubPr>
-                          <m:e>
-                            <m:r>
-                              <a:rPr lang="en-SG" b="0" i="1" smtClean="0">
-                                <a:latin typeface="Cambria Math" panose="02040503050406030204" pitchFamily="18" charset="0"/>
-                              </a:rPr>
-                              <m:t>𝑡</m:t>
-                            </m:r>
-                          </m:e>
-                          <m:sub>
-                            <m:r>
-                              <a:rPr lang="en-SG" b="0" i="1" smtClean="0">
-                                <a:latin typeface="Cambria Math" panose="02040503050406030204" pitchFamily="18" charset="0"/>
-                              </a:rPr>
-                              <m:t>0</m:t>
-                            </m:r>
-                          </m:sub>
-                        </m:sSub>
-                        <m:r>
-                          <a:rPr lang="en-SG" b="0" i="1" smtClean="0">
-                            <a:latin typeface="Cambria Math" panose="02040503050406030204" pitchFamily="18" charset="0"/>
-                          </a:rPr>
-                          <m:t>,</m:t>
-                        </m:r>
-                        <m:sSub>
-                          <m:sSubPr>
-                            <m:ctrlPr>
-                              <a:rPr lang="en-SG" b="0" i="1" smtClean="0">
-                                <a:latin typeface="Cambria Math" panose="02040503050406030204" pitchFamily="18" charset="0"/>
-                              </a:rPr>
-                            </m:ctrlPr>
-                          </m:sSubPr>
-                          <m:e>
-                            <m:r>
-                              <a:rPr lang="en-SG" b="0" i="1" smtClean="0">
-                                <a:latin typeface="Cambria Math" panose="02040503050406030204" pitchFamily="18" charset="0"/>
-                              </a:rPr>
-                              <m:t>𝑡</m:t>
-                            </m:r>
-                          </m:e>
-                          <m:sub>
-                            <m:r>
-                              <a:rPr lang="en-SG" b="0" i="1" smtClean="0">
-                                <a:latin typeface="Cambria Math" panose="02040503050406030204" pitchFamily="18" charset="0"/>
-                              </a:rPr>
-                              <m:t>𝑛</m:t>
-                            </m:r>
-                            <m:r>
-                              <a:rPr lang="en-SG" b="0" i="1" smtClean="0">
-                                <a:latin typeface="Cambria Math" panose="02040503050406030204" pitchFamily="18" charset="0"/>
-                              </a:rPr>
-                              <m:t>+</m:t>
-                            </m:r>
-                            <m:r>
-                              <a:rPr lang="en-SG" b="0" i="1" smtClean="0">
-                                <a:latin typeface="Cambria Math" panose="02040503050406030204" pitchFamily="18" charset="0"/>
-                              </a:rPr>
-                              <m:t>𝑘</m:t>
-                            </m:r>
-                            <m:r>
-                              <a:rPr lang="en-SG" b="0" i="1" smtClean="0">
-                                <a:latin typeface="Cambria Math" panose="02040503050406030204" pitchFamily="18" charset="0"/>
-                              </a:rPr>
-                              <m:t>+1</m:t>
-                            </m:r>
-                          </m:sub>
-                        </m:sSub>
-                      </m:e>
-                    </m:d>
-                  </m:oMath>
-                </a14:m>
-                <a:r>
-                  <a:rPr lang="en-SG" dirty="0" smtClean="0"/>
-                  <a:t> to </a:t>
+                  <a:t>, through identifying the two end of subinterval, we can collapse </a:t>
                 </a:r>
                 <a:r>
                   <a:rPr lang="en-SG" dirty="0" smtClean="0"/>
-                  <a:t>n+k+1 </a:t>
+                  <a:t>it. </a:t>
                 </a:r>
                 <a:r>
-                  <a:rPr lang="en-SG" dirty="0" smtClean="0"/>
-                  <a:t>subintervals. </a:t>
+                  <a:rPr lang="en-US" dirty="0" smtClean="0"/>
+                  <a:t>A designer always </a:t>
                 </a:r>
-                <a:endParaRPr lang="en-SG" dirty="0"/>
-              </a:p>
-              <a:p>
-                <a:pPr marL="0" indent="0">
-                  <a:buNone/>
-                </a:pPr>
                 <a:r>
-                  <a:rPr lang="en-SG" dirty="0" smtClean="0"/>
-                  <a:t>   sometimes, through identifying the two end of subinterval, we can collapse it.</a:t>
+                  <a:rPr lang="en-US" dirty="0" smtClean="0"/>
+                  <a:t>adapt collapsing the first of k+1 nots to 0 and the end of k+1     knots to 1 in order to avoid missing curve parts at two ends of knots sequence, we call this kind of knot vector open uniform vector. </a:t>
                 </a:r>
                 <a:endParaRPr lang="en-SG" dirty="0"/>
               </a:p>
               <a:p>
                 <a:r>
                   <a:rPr lang="en-SG" dirty="0" smtClean="0"/>
-                  <a:t>Usually, intervals in a knot vector defines all the basis polynomials we need to construct any spline constrained by control points. </a:t>
+                  <a:t>Usually, intervals in a knot vector defines all the basis polynomials what we need to construct any spline constrained by control points. </a:t>
                 </a:r>
               </a:p>
               <a:p>
@@ -12884,15 +12791,7 @@
                 </a:r>
                 <a:r>
                   <a:rPr lang="en-SG" dirty="0" smtClean="0"/>
-                  <a:t>curve, there are three information should be sure: a degree </a:t>
-                </a:r>
-                <a:r>
-                  <a:rPr lang="en-SG" dirty="0"/>
-                  <a:t>k, </a:t>
-                </a:r>
-                <a:r>
-                  <a:rPr lang="en-SG" dirty="0" smtClean="0"/>
-                  <a:t>n+1 </a:t>
+                  <a:t>curve, there are three information should be provided: a degree k, n+1 </a:t>
                 </a:r>
                 <a:r>
                   <a:rPr lang="en-SG" dirty="0"/>
@@ -13196,12 +13095,12 @@
             <p:spPr>
               <a:xfrm>
                 <a:off x="838200" y="1825624"/>
-                <a:ext cx="10991850" cy="4193039"/>
+                <a:ext cx="10991850" cy="4607833"/>
               </a:xfrm>
               <a:blipFill>
                 <a:blip r:embed="rId2"/>
                 <a:stretch>
-                  <a:fillRect l="-887" t="-2180" r="-832" b="-3198"/>
+                  <a:fillRect l="-998" t="-2646" r="-499"/>
                 </a:stretch>
               </a:blipFill>
             </p:spPr>
@@ -13296,7 +13195,7 @@
           <a:p>
             <a:r>
               <a:rPr lang="en-SG" dirty="0" smtClean="0"/>
-              <a:t>For example, given n=3,k=2, an evenly </a:t>
+              <a:t>For example, given n=3,k=1, </a:t>
             </a:r>
             <a:r>
               <a:rPr lang="en-SG" b="1" dirty="0" smtClean="0"/>
@@ -13304,7 +13203,15 @@
             </a:r>
             <a:r>
               <a:rPr lang="en-SG" dirty="0" smtClean="0"/>
-              <a:t>=(0,0.2,0.4,0.6,0.8,1) , we have</a:t>
+              <a:t>=(</a:t>
+            </a:r>
+            <a:r>
+              <a:rPr lang="en-SG" dirty="0" smtClean="0"/>
+              <a:t>0,0,1/3,2/3,1,1</a:t>
+            </a:r>
+            <a:r>
+              <a:rPr lang="en-SG" dirty="0" smtClean="0"/>
+              <a:t>) , we have</a:t>
             </a:r>
           </a:p>
           <a:p>
@@ -13324,25 +13231,25 @@
           <p:nvPr>
             <p:extLst>
               <p:ext uri="{D42A27DB-BD31-4B8C-83A1-F6EECF244321}">
-                <p14:modId xmlns:p14="http://schemas.microsoft.com/office/powerpoint/2010/main" val="2251286050"/>
+                <p14:modId xmlns:p14="http://schemas.microsoft.com/office/powerpoint/2010/main" val="2962357213"/>
               </p:ext>
             </p:extLst>
           </p:nvPr>
         </p:nvGraphicFramePr>
         <p:xfrm>
-          <a:off x="1033836" y="5697321"/>
-          <a:ext cx="4108450" cy="469900"/>
+          <a:off x="811213" y="5697538"/>
+          <a:ext cx="4552950" cy="469900"/>
         </p:xfrm>
         <a:graphic>
           <a:graphicData uri="http://schemas.openxmlformats.org/presentationml/2006/ole">
             <mc:AlternateContent xmlns:mc="http://schemas.openxmlformats.org/markup-compatibility/2006">
               <mc:Choice xmlns:v="urn:schemas-microsoft-com:vml" Requires="v">
-                <p:oleObj spid="_x0000_s23627" name="Equation" r:id="rId3" imgW="2108160" imgH="241200" progId="Equation.DSMT4">
+                <p:oleObj spid="_x0000_s23699" name="Equation" r:id="rId3" imgW="2336760" imgH="241200" progId="Equation.DSMT4">
                   <p:embed/>
                 </p:oleObj>
               </mc:Choice>
               <mc:Fallback>
-                <p:oleObj name="Equation" r:id="rId3" imgW="2108160" imgH="241200" progId="Equation.DSMT4">
+                <p:oleObj name="Equation" r:id="rId3" imgW="2336760" imgH="241200" progId="Equation.DSMT4">
                   <p:embed/>
                   <p:pic>
                     <p:nvPicPr>
@@ -13358,8 +13265,8 @@
                     </p:blipFill>
                     <p:spPr>
                       <a:xfrm>
-                        <a:off x="1033836" y="5697321"/>
-                        <a:ext cx="4108450" cy="469900"/>
+                        <a:off x="811213" y="5697538"/>
+                        <a:ext cx="4552950" cy="469900"/>
                       </a:xfrm>
                       <a:prstGeom prst="rect">
                         <a:avLst/>
@@ -13381,25 +13288,25 @@
           <p:nvPr>
             <p:extLst>
               <p:ext uri="{D42A27DB-BD31-4B8C-83A1-F6EECF244321}">
-                <p14:modId xmlns:p14="http://schemas.microsoft.com/office/powerpoint/2010/main" val="3607574780"/>
+                <p14:modId xmlns:p14="http://schemas.microsoft.com/office/powerpoint/2010/main" val="999311399"/>
               </p:ext>
             </p:extLst>
           </p:nvPr>
         </p:nvGraphicFramePr>
         <p:xfrm>
-          <a:off x="838200" y="2709182"/>
-          <a:ext cx="4499723" cy="2679247"/>
+          <a:off x="865188" y="3030538"/>
+          <a:ext cx="4445000" cy="2036762"/>
         </p:xfrm>
         <a:graphic>
           <a:graphicData uri="http://schemas.openxmlformats.org/presentationml/2006/ole">
             <mc:AlternateContent xmlns:mc="http://schemas.openxmlformats.org/markup-compatibility/2006">
               <mc:Choice xmlns:v="urn:schemas-microsoft-com:vml" Requires="v">
-                <p:oleObj spid="_x0000_s23628" name="Equation" r:id="rId5" imgW="3200400" imgH="1904760" progId="Equation.DSMT4">
+                <p:oleObj spid="_x0000_s23700" name="Equation" r:id="rId5" imgW="3162240" imgH="1447560" progId="Equation.DSMT4">
                   <p:embed/>
                 </p:oleObj>
               </mc:Choice>
               <mc:Fallback>
-                <p:oleObj name="Equation" r:id="rId5" imgW="3200400" imgH="1904760" progId="Equation.DSMT4">
+                <p:oleObj name="Equation" r:id="rId5" imgW="3162240" imgH="1447560" progId="Equation.DSMT4">
                   <p:embed/>
                   <p:pic>
                     <p:nvPicPr>
@@ -13415,8 +13322,8 @@
                     </p:blipFill>
                     <p:spPr>
                       <a:xfrm>
-                        <a:off x="838200" y="2709182"/>
-                        <a:ext cx="4499723" cy="2679247"/>
+                        <a:off x="865188" y="3030538"/>
+                        <a:ext cx="4445000" cy="2036762"/>
                       </a:xfrm>
                       <a:prstGeom prst="rect">
                         <a:avLst/>
@@ -13431,7 +13338,7 @@
       </p:graphicFrame>
       <p:pic>
         <p:nvPicPr>
-          <p:cNvPr id="7" name="图片 6"/>
+          <p:cNvPr id="6" name="图片 5"/>
           <p:cNvPicPr>
             <a:picLocks noChangeAspect="1"/>
           </p:cNvPicPr>
@@ -13445,8 +13352,8 @@
         </p:blipFill>
         <p:spPr>
           <a:xfrm>
-            <a:off x="4738609" y="2451416"/>
-            <a:ext cx="7164922" cy="3387428"/>
+            <a:off x="6096000" y="2453422"/>
+            <a:ext cx="4866751" cy="3633000"/>
           </a:xfrm>
           <a:prstGeom prst="rect">
             <a:avLst/>
@@ -14902,7 +14809,7 @@
           <a:graphicData uri="http://schemas.openxmlformats.org/presentationml/2006/ole">
             <mc:AlternateContent xmlns:mc="http://schemas.openxmlformats.org/markup-compatibility/2006">
               <mc:Choice xmlns:v="urn:schemas-microsoft-com:vml" Requires="v">
-                <p:oleObj spid="_x0000_s24588" name="Equation" r:id="rId3" imgW="3276360" imgH="482400" progId="Equation.DSMT4">
+                <p:oleObj spid="_x0000_s24620" name="Equation" r:id="rId3" imgW="3276360" imgH="482400" progId="Equation.DSMT4">
                   <p:embed/>
                 </p:oleObj>
               </mc:Choice>
@@ -16374,7 +16281,7 @@
           <a:graphicData uri="http://schemas.openxmlformats.org/presentationml/2006/ole">
             <mc:AlternateContent xmlns:mc="http://schemas.openxmlformats.org/markup-compatibility/2006">
               <mc:Choice xmlns:v="urn:schemas-microsoft-com:vml" Requires="v">
-                <p:oleObj spid="_x0000_s25620" name="Equation" r:id="rId3" imgW="1282680" imgH="431640" progId="Equation.DSMT4">
+                <p:oleObj spid="_x0000_s25684" name="Equation" r:id="rId3" imgW="1282680" imgH="431640" progId="Equation.DSMT4">
                   <p:embed/>
                 </p:oleObj>
               </mc:Choice>
@@ -16431,7 +16338,7 @@
           <a:graphicData uri="http://schemas.openxmlformats.org/presentationml/2006/ole">
             <mc:AlternateContent xmlns:mc="http://schemas.openxmlformats.org/markup-compatibility/2006">
               <mc:Choice xmlns:v="urn:schemas-microsoft-com:vml" Requires="v">
-                <p:oleObj spid="_x0000_s25621" name="Equation" r:id="rId5" imgW="1015920" imgH="431640" progId="Equation.DSMT4">
+                <p:oleObj spid="_x0000_s25685" name="Equation" r:id="rId5" imgW="1015920" imgH="431640" progId="Equation.DSMT4">
                   <p:embed/>
                 </p:oleObj>
               </mc:Choice>
@@ -16606,14 +16513,12 @@
         </p:nvSpPr>
         <p:spPr/>
         <p:txBody>
-          <a:bodyPr>
-            <a:normAutofit/>
-          </a:bodyPr>
+          <a:bodyPr/>
           <a:lstStyle/>
           <a:p>
             <a:r>
               <a:rPr lang="en-SG" dirty="0"/>
-              <a:t>Geometry of curve – NURBS</a:t>
+              <a:t>Geometry of curve – B-spline curves</a:t>
             </a:r>
           </a:p>
         </p:txBody>
@@ -16628,57 +16533,2137 @@
             <p:ph idx="1"/>
           </p:nvPr>
         </p:nvSpPr>
-        <p:spPr/>
-        <p:txBody>
-          <a:bodyPr/>
+        <p:spPr>
+          <a:xfrm>
+            <a:off x="838200" y="1815418"/>
+            <a:ext cx="10515600" cy="2987508"/>
+          </a:xfrm>
+        </p:spPr>
+        <p:txBody>
+          <a:bodyPr>
+            <a:normAutofit lnSpcReduction="10000"/>
+          </a:bodyPr>
           <a:lstStyle/>
           <a:p>
             <a:r>
               <a:rPr lang="en-US" dirty="0" smtClean="0"/>
-              <a:t>In practice, a knot vector always be normalized into [0,1] and the distance between any two knots is not evenly again, in addition, all </a:t>
-            </a:r>
-            <a:r>
-              <a:rPr lang="en-US" dirty="0" err="1" smtClean="0"/>
-              <a:t>Ws</a:t>
-            </a:r>
-            <a:r>
-              <a:rPr lang="en-US" dirty="0" smtClean="0"/>
-              <a:t> are rational polynomials. Under these conditions, we got NURBS. It is short </a:t>
-            </a:r>
-            <a:r>
-              <a:rPr lang="en-US" dirty="0"/>
-              <a:t>of Non-Uniform Rational </a:t>
-            </a:r>
-            <a:r>
-              <a:rPr lang="en-US" dirty="0" smtClean="0"/>
-              <a:t>Basic Spline.</a:t>
-            </a:r>
-          </a:p>
-          <a:p>
-            <a:r>
-              <a:rPr lang="en-US" dirty="0" smtClean="0"/>
-              <a:t>NURBS </a:t>
-            </a:r>
-            <a:r>
-              <a:rPr lang="en-US" dirty="0" smtClean="0"/>
-              <a:t>is essentially B-spline in homogeneous coordinates, which is now </a:t>
-            </a:r>
-            <a:r>
-              <a:rPr lang="en-US" dirty="0" smtClean="0"/>
-              <a:t>actually </a:t>
-            </a:r>
-            <a:r>
-              <a:rPr lang="en-US" dirty="0" smtClean="0"/>
-              <a:t>an industry standard adopted by most of commercial CAD systems.</a:t>
-            </a:r>
+              <a:t>Given a knot vector (0,0,0,0,1,2,2,2,2), for 0-degree, there are 8 pieces of basis function. For 1-degree there are 7 pieces of basis function, and for 2-degree there are only 6, and so on.</a:t>
+            </a:r>
+          </a:p>
+          <a:p>
+            <a:r>
+              <a:rPr lang="en-SG" dirty="0"/>
+              <a:t>An order </a:t>
+            </a:r>
+            <a:r>
+              <a:rPr lang="en-SG" i="1" dirty="0"/>
+              <a:t>k</a:t>
+            </a:r>
+            <a:r>
+              <a:rPr lang="en-SG" dirty="0"/>
+              <a:t> open uniform B-spline with </a:t>
+            </a:r>
+            <a:r>
+              <a:rPr lang="en-SG" i="1" dirty="0"/>
+              <a:t>n</a:t>
+            </a:r>
+            <a:r>
+              <a:rPr lang="en-SG" dirty="0"/>
+              <a:t>+1=</a:t>
+            </a:r>
+            <a:r>
+              <a:rPr lang="en-SG" i="1" dirty="0"/>
+              <a:t>k</a:t>
+            </a:r>
+            <a:r>
+              <a:rPr lang="en-SG" dirty="0"/>
+              <a:t> points is the Bezier curve of order </a:t>
+            </a:r>
+            <a:r>
+              <a:rPr lang="en-SG" i="1" dirty="0"/>
+              <a:t>k</a:t>
+            </a:r>
+            <a:r>
+              <a:rPr lang="en-SG" dirty="0"/>
+              <a:t>. </a:t>
+            </a:r>
+            <a:endParaRPr lang="en-SG" dirty="0" smtClean="0"/>
+          </a:p>
+          <a:p>
+            <a:r>
+              <a:rPr lang="en-SG" dirty="0"/>
+              <a:t>For a given degree </a:t>
+            </a:r>
+            <a:r>
+              <a:rPr lang="en-SG" i="1" dirty="0"/>
+              <a:t>k</a:t>
+            </a:r>
+            <a:r>
+              <a:rPr lang="en-SG" dirty="0"/>
+              <a:t>, the basis functions are simply shifted versions of one another. </a:t>
+            </a:r>
+          </a:p>
+          <a:p>
+            <a:endParaRPr lang="en-US" dirty="0" smtClean="0"/>
+          </a:p>
+          <a:p>
+            <a:pPr marL="0" indent="0">
+              <a:buNone/>
+            </a:pPr>
             <a:endParaRPr lang="en-SG" dirty="0"/>
           </a:p>
         </p:txBody>
       </p:sp>
+      <p:grpSp>
+        <p:nvGrpSpPr>
+          <p:cNvPr id="66" name="组合 65"/>
+          <p:cNvGrpSpPr/>
+          <p:nvPr/>
+        </p:nvGrpSpPr>
+        <p:grpSpPr>
+          <a:xfrm>
+            <a:off x="4923064" y="4908093"/>
+            <a:ext cx="5984421" cy="1633445"/>
+            <a:chOff x="1657350" y="4001858"/>
+            <a:chExt cx="5984421" cy="1633445"/>
+          </a:xfrm>
+        </p:grpSpPr>
+        <p:cxnSp>
+          <p:nvCxnSpPr>
+            <p:cNvPr id="5" name="直接连接符 4"/>
+            <p:cNvCxnSpPr/>
+            <p:nvPr/>
+          </p:nvCxnSpPr>
+          <p:spPr>
+            <a:xfrm>
+              <a:off x="1657350" y="5012871"/>
+              <a:ext cx="5984421" cy="16329"/>
+            </a:xfrm>
+            <a:prstGeom prst="line">
+              <a:avLst/>
+            </a:prstGeom>
+          </p:spPr>
+          <p:style>
+            <a:lnRef idx="1">
+              <a:schemeClr val="accent1"/>
+            </a:lnRef>
+            <a:fillRef idx="0">
+              <a:schemeClr val="accent1"/>
+            </a:fillRef>
+            <a:effectRef idx="0">
+              <a:schemeClr val="accent1"/>
+            </a:effectRef>
+            <a:fontRef idx="minor">
+              <a:schemeClr val="tx1"/>
+            </a:fontRef>
+          </p:style>
+        </p:cxnSp>
+        <p:sp>
+          <p:nvSpPr>
+            <p:cNvPr id="7" name="等腰三角形 6"/>
+            <p:cNvSpPr/>
+            <p:nvPr/>
+          </p:nvSpPr>
+          <p:spPr>
+            <a:xfrm>
+              <a:off x="3001735" y="5034643"/>
+              <a:ext cx="45719" cy="73478"/>
+            </a:xfrm>
+            <a:prstGeom prst="triangle">
+              <a:avLst/>
+            </a:prstGeom>
+          </p:spPr>
+          <p:style>
+            <a:lnRef idx="2">
+              <a:schemeClr val="accent1">
+                <a:shade val="50000"/>
+              </a:schemeClr>
+            </a:lnRef>
+            <a:fillRef idx="1">
+              <a:schemeClr val="accent1"/>
+            </a:fillRef>
+            <a:effectRef idx="0">
+              <a:schemeClr val="accent1"/>
+            </a:effectRef>
+            <a:fontRef idx="minor">
+              <a:schemeClr val="lt1"/>
+            </a:fontRef>
+          </p:style>
+          <p:txBody>
+            <a:bodyPr rtlCol="0" anchor="ctr"/>
+            <a:lstStyle/>
+            <a:p>
+              <a:pPr algn="ctr"/>
+              <a:endParaRPr lang="en-SG"/>
+            </a:p>
+          </p:txBody>
+        </p:sp>
+        <p:sp>
+          <p:nvSpPr>
+            <p:cNvPr id="8" name="等腰三角形 7"/>
+            <p:cNvSpPr/>
+            <p:nvPr/>
+          </p:nvSpPr>
+          <p:spPr>
+            <a:xfrm>
+              <a:off x="3614054" y="5046890"/>
+              <a:ext cx="45719" cy="73478"/>
+            </a:xfrm>
+            <a:prstGeom prst="triangle">
+              <a:avLst/>
+            </a:prstGeom>
+          </p:spPr>
+          <p:style>
+            <a:lnRef idx="2">
+              <a:schemeClr val="accent1">
+                <a:shade val="50000"/>
+              </a:schemeClr>
+            </a:lnRef>
+            <a:fillRef idx="1">
+              <a:schemeClr val="accent1"/>
+            </a:fillRef>
+            <a:effectRef idx="0">
+              <a:schemeClr val="accent1"/>
+            </a:effectRef>
+            <a:fontRef idx="minor">
+              <a:schemeClr val="lt1"/>
+            </a:fontRef>
+          </p:style>
+          <p:txBody>
+            <a:bodyPr rtlCol="0" anchor="ctr"/>
+            <a:lstStyle/>
+            <a:p>
+              <a:pPr algn="ctr"/>
+              <a:endParaRPr lang="en-SG"/>
+            </a:p>
+          </p:txBody>
+        </p:sp>
+        <p:sp>
+          <p:nvSpPr>
+            <p:cNvPr id="9" name="等腰三角形 8"/>
+            <p:cNvSpPr/>
+            <p:nvPr/>
+          </p:nvSpPr>
+          <p:spPr>
+            <a:xfrm>
+              <a:off x="4211137" y="5042809"/>
+              <a:ext cx="45719" cy="73478"/>
+            </a:xfrm>
+            <a:prstGeom prst="triangle">
+              <a:avLst/>
+            </a:prstGeom>
+          </p:spPr>
+          <p:style>
+            <a:lnRef idx="2">
+              <a:schemeClr val="accent1">
+                <a:shade val="50000"/>
+              </a:schemeClr>
+            </a:lnRef>
+            <a:fillRef idx="1">
+              <a:schemeClr val="accent1"/>
+            </a:fillRef>
+            <a:effectRef idx="0">
+              <a:schemeClr val="accent1"/>
+            </a:effectRef>
+            <a:fontRef idx="minor">
+              <a:schemeClr val="lt1"/>
+            </a:fontRef>
+          </p:style>
+          <p:txBody>
+            <a:bodyPr rtlCol="0" anchor="ctr"/>
+            <a:lstStyle/>
+            <a:p>
+              <a:pPr algn="ctr"/>
+              <a:endParaRPr lang="en-SG"/>
+            </a:p>
+          </p:txBody>
+        </p:sp>
+        <p:sp>
+          <p:nvSpPr>
+            <p:cNvPr id="10" name="等腰三角形 9"/>
+            <p:cNvSpPr/>
+            <p:nvPr/>
+          </p:nvSpPr>
+          <p:spPr>
+            <a:xfrm>
+              <a:off x="4812026" y="5044168"/>
+              <a:ext cx="45719" cy="73478"/>
+            </a:xfrm>
+            <a:prstGeom prst="triangle">
+              <a:avLst/>
+            </a:prstGeom>
+          </p:spPr>
+          <p:style>
+            <a:lnRef idx="2">
+              <a:schemeClr val="accent1">
+                <a:shade val="50000"/>
+              </a:schemeClr>
+            </a:lnRef>
+            <a:fillRef idx="1">
+              <a:schemeClr val="accent1"/>
+            </a:fillRef>
+            <a:effectRef idx="0">
+              <a:schemeClr val="accent1"/>
+            </a:effectRef>
+            <a:fontRef idx="minor">
+              <a:schemeClr val="lt1"/>
+            </a:fontRef>
+          </p:style>
+          <p:txBody>
+            <a:bodyPr rtlCol="0" anchor="ctr"/>
+            <a:lstStyle/>
+            <a:p>
+              <a:pPr algn="ctr"/>
+              <a:endParaRPr lang="en-SG"/>
+            </a:p>
+          </p:txBody>
+        </p:sp>
+        <p:sp>
+          <p:nvSpPr>
+            <p:cNvPr id="11" name="等腰三角形 10"/>
+            <p:cNvSpPr/>
+            <p:nvPr/>
+          </p:nvSpPr>
+          <p:spPr>
+            <a:xfrm>
+              <a:off x="5388774" y="5055055"/>
+              <a:ext cx="45719" cy="73478"/>
+            </a:xfrm>
+            <a:prstGeom prst="triangle">
+              <a:avLst/>
+            </a:prstGeom>
+          </p:spPr>
+          <p:style>
+            <a:lnRef idx="2">
+              <a:schemeClr val="accent1">
+                <a:shade val="50000"/>
+              </a:schemeClr>
+            </a:lnRef>
+            <a:fillRef idx="1">
+              <a:schemeClr val="accent1"/>
+            </a:fillRef>
+            <a:effectRef idx="0">
+              <a:schemeClr val="accent1"/>
+            </a:effectRef>
+            <a:fontRef idx="minor">
+              <a:schemeClr val="lt1"/>
+            </a:fontRef>
+          </p:style>
+          <p:txBody>
+            <a:bodyPr rtlCol="0" anchor="ctr"/>
+            <a:lstStyle/>
+            <a:p>
+              <a:pPr algn="ctr"/>
+              <a:endParaRPr lang="en-SG"/>
+            </a:p>
+          </p:txBody>
+        </p:sp>
+        <p:sp>
+          <p:nvSpPr>
+            <p:cNvPr id="12" name="等腰三角形 11"/>
+            <p:cNvSpPr/>
+            <p:nvPr/>
+          </p:nvSpPr>
+          <p:spPr>
+            <a:xfrm>
+              <a:off x="5987678" y="5056415"/>
+              <a:ext cx="45719" cy="73478"/>
+            </a:xfrm>
+            <a:prstGeom prst="triangle">
+              <a:avLst/>
+            </a:prstGeom>
+          </p:spPr>
+          <p:style>
+            <a:lnRef idx="2">
+              <a:schemeClr val="accent1">
+                <a:shade val="50000"/>
+              </a:schemeClr>
+            </a:lnRef>
+            <a:fillRef idx="1">
+              <a:schemeClr val="accent1"/>
+            </a:fillRef>
+            <a:effectRef idx="0">
+              <a:schemeClr val="accent1"/>
+            </a:effectRef>
+            <a:fontRef idx="minor">
+              <a:schemeClr val="lt1"/>
+            </a:fontRef>
+          </p:style>
+          <p:txBody>
+            <a:bodyPr rtlCol="0" anchor="ctr"/>
+            <a:lstStyle/>
+            <a:p>
+              <a:pPr algn="ctr"/>
+              <a:endParaRPr lang="en-SG"/>
+            </a:p>
+          </p:txBody>
+        </p:sp>
+        <p:sp>
+          <p:nvSpPr>
+            <p:cNvPr id="13" name="等腰三角形 12"/>
+            <p:cNvSpPr/>
+            <p:nvPr/>
+          </p:nvSpPr>
+          <p:spPr>
+            <a:xfrm>
+              <a:off x="6565131" y="5064781"/>
+              <a:ext cx="45719" cy="73478"/>
+            </a:xfrm>
+            <a:prstGeom prst="triangle">
+              <a:avLst/>
+            </a:prstGeom>
+          </p:spPr>
+          <p:style>
+            <a:lnRef idx="2">
+              <a:schemeClr val="accent1">
+                <a:shade val="50000"/>
+              </a:schemeClr>
+            </a:lnRef>
+            <a:fillRef idx="1">
+              <a:schemeClr val="accent1"/>
+            </a:fillRef>
+            <a:effectRef idx="0">
+              <a:schemeClr val="accent1"/>
+            </a:effectRef>
+            <a:fontRef idx="minor">
+              <a:schemeClr val="lt1"/>
+            </a:fontRef>
+          </p:style>
+          <p:txBody>
+            <a:bodyPr rtlCol="0" anchor="ctr"/>
+            <a:lstStyle/>
+            <a:p>
+              <a:pPr algn="ctr"/>
+              <a:endParaRPr lang="en-SG"/>
+            </a:p>
+          </p:txBody>
+        </p:sp>
+        <p:sp>
+          <p:nvSpPr>
+            <p:cNvPr id="14" name="等腰三角形 13"/>
+            <p:cNvSpPr/>
+            <p:nvPr/>
+          </p:nvSpPr>
+          <p:spPr>
+            <a:xfrm>
+              <a:off x="7139002" y="5069541"/>
+              <a:ext cx="45719" cy="73478"/>
+            </a:xfrm>
+            <a:prstGeom prst="triangle">
+              <a:avLst/>
+            </a:prstGeom>
+          </p:spPr>
+          <p:style>
+            <a:lnRef idx="2">
+              <a:schemeClr val="accent1">
+                <a:shade val="50000"/>
+              </a:schemeClr>
+            </a:lnRef>
+            <a:fillRef idx="1">
+              <a:schemeClr val="accent1"/>
+            </a:fillRef>
+            <a:effectRef idx="0">
+              <a:schemeClr val="accent1"/>
+            </a:effectRef>
+            <a:fontRef idx="minor">
+              <a:schemeClr val="lt1"/>
+            </a:fontRef>
+          </p:style>
+          <p:txBody>
+            <a:bodyPr rtlCol="0" anchor="ctr"/>
+            <a:lstStyle/>
+            <a:p>
+              <a:pPr algn="ctr"/>
+              <a:endParaRPr lang="en-SG"/>
+            </a:p>
+          </p:txBody>
+        </p:sp>
+        <p:sp>
+          <p:nvSpPr>
+            <p:cNvPr id="16" name="文本框 15"/>
+            <p:cNvSpPr txBox="1"/>
+            <p:nvPr/>
+          </p:nvSpPr>
+          <p:spPr>
+            <a:xfrm>
+              <a:off x="2245180" y="5249643"/>
+              <a:ext cx="301686" cy="369332"/>
+            </a:xfrm>
+            <a:prstGeom prst="rect">
+              <a:avLst/>
+            </a:prstGeom>
+            <a:noFill/>
+          </p:spPr>
+          <p:txBody>
+            <a:bodyPr wrap="none" rtlCol="0">
+              <a:spAutoFit/>
+            </a:bodyPr>
+            <a:lstStyle/>
+            <a:p>
+              <a:r>
+                <a:rPr lang="en-US" dirty="0" smtClean="0"/>
+                <a:t>0</a:t>
+              </a:r>
+              <a:endParaRPr lang="en-SG" dirty="0"/>
+            </a:p>
+          </p:txBody>
+        </p:sp>
+        <p:sp>
+          <p:nvSpPr>
+            <p:cNvPr id="17" name="文本框 16"/>
+            <p:cNvSpPr txBox="1"/>
+            <p:nvPr/>
+          </p:nvSpPr>
+          <p:spPr>
+            <a:xfrm>
+              <a:off x="2867220" y="5249643"/>
+              <a:ext cx="301686" cy="369332"/>
+            </a:xfrm>
+            <a:prstGeom prst="rect">
+              <a:avLst/>
+            </a:prstGeom>
+            <a:noFill/>
+          </p:spPr>
+          <p:txBody>
+            <a:bodyPr wrap="none" rtlCol="0">
+              <a:spAutoFit/>
+            </a:bodyPr>
+            <a:lstStyle/>
+            <a:p>
+              <a:r>
+                <a:rPr lang="en-US" dirty="0" smtClean="0"/>
+                <a:t>0</a:t>
+              </a:r>
+              <a:endParaRPr lang="en-SG" dirty="0"/>
+            </a:p>
+          </p:txBody>
+        </p:sp>
+        <p:sp>
+          <p:nvSpPr>
+            <p:cNvPr id="18" name="文本框 17"/>
+            <p:cNvSpPr txBox="1"/>
+            <p:nvPr/>
+          </p:nvSpPr>
+          <p:spPr>
+            <a:xfrm>
+              <a:off x="3464768" y="5249643"/>
+              <a:ext cx="301686" cy="369332"/>
+            </a:xfrm>
+            <a:prstGeom prst="rect">
+              <a:avLst/>
+            </a:prstGeom>
+            <a:noFill/>
+          </p:spPr>
+          <p:txBody>
+            <a:bodyPr wrap="none" rtlCol="0">
+              <a:spAutoFit/>
+            </a:bodyPr>
+            <a:lstStyle/>
+            <a:p>
+              <a:r>
+                <a:rPr lang="en-US" dirty="0" smtClean="0"/>
+                <a:t>0</a:t>
+              </a:r>
+              <a:endParaRPr lang="en-SG" dirty="0"/>
+            </a:p>
+          </p:txBody>
+        </p:sp>
+        <p:sp>
+          <p:nvSpPr>
+            <p:cNvPr id="19" name="文本框 18"/>
+            <p:cNvSpPr txBox="1"/>
+            <p:nvPr/>
+          </p:nvSpPr>
+          <p:spPr>
+            <a:xfrm>
+              <a:off x="4062316" y="5249643"/>
+              <a:ext cx="301686" cy="369332"/>
+            </a:xfrm>
+            <a:prstGeom prst="rect">
+              <a:avLst/>
+            </a:prstGeom>
+            <a:noFill/>
+          </p:spPr>
+          <p:txBody>
+            <a:bodyPr wrap="none" rtlCol="0">
+              <a:spAutoFit/>
+            </a:bodyPr>
+            <a:lstStyle/>
+            <a:p>
+              <a:r>
+                <a:rPr lang="en-US" dirty="0" smtClean="0"/>
+                <a:t>0</a:t>
+              </a:r>
+              <a:endParaRPr lang="en-SG" dirty="0"/>
+            </a:p>
+          </p:txBody>
+        </p:sp>
+        <p:sp>
+          <p:nvSpPr>
+            <p:cNvPr id="20" name="文本框 19"/>
+            <p:cNvSpPr txBox="1"/>
+            <p:nvPr/>
+          </p:nvSpPr>
+          <p:spPr>
+            <a:xfrm>
+              <a:off x="4635058" y="5260912"/>
+              <a:ext cx="301686" cy="369332"/>
+            </a:xfrm>
+            <a:prstGeom prst="rect">
+              <a:avLst/>
+            </a:prstGeom>
+            <a:noFill/>
+          </p:spPr>
+          <p:txBody>
+            <a:bodyPr wrap="none" rtlCol="0">
+              <a:spAutoFit/>
+            </a:bodyPr>
+            <a:lstStyle/>
+            <a:p>
+              <a:r>
+                <a:rPr lang="en-US" dirty="0" smtClean="0"/>
+                <a:t>1</a:t>
+              </a:r>
+              <a:endParaRPr lang="en-SG" dirty="0"/>
+            </a:p>
+          </p:txBody>
+        </p:sp>
+        <p:sp>
+          <p:nvSpPr>
+            <p:cNvPr id="21" name="文本框 20"/>
+            <p:cNvSpPr txBox="1"/>
+            <p:nvPr/>
+          </p:nvSpPr>
+          <p:spPr>
+            <a:xfrm>
+              <a:off x="5146961" y="5260912"/>
+              <a:ext cx="301686" cy="369332"/>
+            </a:xfrm>
+            <a:prstGeom prst="rect">
+              <a:avLst/>
+            </a:prstGeom>
+            <a:noFill/>
+          </p:spPr>
+          <p:txBody>
+            <a:bodyPr wrap="none" rtlCol="0">
+              <a:spAutoFit/>
+            </a:bodyPr>
+            <a:lstStyle/>
+            <a:p>
+              <a:r>
+                <a:rPr lang="en-US" dirty="0" smtClean="0"/>
+                <a:t>2</a:t>
+              </a:r>
+              <a:endParaRPr lang="en-SG" dirty="0"/>
+            </a:p>
+          </p:txBody>
+        </p:sp>
+        <p:sp>
+          <p:nvSpPr>
+            <p:cNvPr id="22" name="文本框 21"/>
+            <p:cNvSpPr txBox="1"/>
+            <p:nvPr/>
+          </p:nvSpPr>
+          <p:spPr>
+            <a:xfrm>
+              <a:off x="5679311" y="5260912"/>
+              <a:ext cx="301686" cy="369332"/>
+            </a:xfrm>
+            <a:prstGeom prst="rect">
+              <a:avLst/>
+            </a:prstGeom>
+            <a:noFill/>
+          </p:spPr>
+          <p:txBody>
+            <a:bodyPr wrap="none" rtlCol="0">
+              <a:spAutoFit/>
+            </a:bodyPr>
+            <a:lstStyle/>
+            <a:p>
+              <a:r>
+                <a:rPr lang="en-US" dirty="0" smtClean="0"/>
+                <a:t>2</a:t>
+              </a:r>
+              <a:endParaRPr lang="en-SG" dirty="0"/>
+            </a:p>
+          </p:txBody>
+        </p:sp>
+        <p:sp>
+          <p:nvSpPr>
+            <p:cNvPr id="23" name="文本框 22"/>
+            <p:cNvSpPr txBox="1"/>
+            <p:nvPr/>
+          </p:nvSpPr>
+          <p:spPr>
+            <a:xfrm>
+              <a:off x="6210301" y="5265971"/>
+              <a:ext cx="301686" cy="369332"/>
+            </a:xfrm>
+            <a:prstGeom prst="rect">
+              <a:avLst/>
+            </a:prstGeom>
+            <a:noFill/>
+          </p:spPr>
+          <p:txBody>
+            <a:bodyPr wrap="none" rtlCol="0">
+              <a:spAutoFit/>
+            </a:bodyPr>
+            <a:lstStyle/>
+            <a:p>
+              <a:r>
+                <a:rPr lang="en-US" dirty="0" smtClean="0"/>
+                <a:t>2</a:t>
+              </a:r>
+              <a:endParaRPr lang="en-SG" dirty="0"/>
+            </a:p>
+          </p:txBody>
+        </p:sp>
+        <p:sp>
+          <p:nvSpPr>
+            <p:cNvPr id="24" name="文本框 23"/>
+            <p:cNvSpPr txBox="1"/>
+            <p:nvPr/>
+          </p:nvSpPr>
+          <p:spPr>
+            <a:xfrm>
+              <a:off x="6741291" y="5260912"/>
+              <a:ext cx="301686" cy="369332"/>
+            </a:xfrm>
+            <a:prstGeom prst="rect">
+              <a:avLst/>
+            </a:prstGeom>
+            <a:noFill/>
+          </p:spPr>
+          <p:txBody>
+            <a:bodyPr wrap="none" rtlCol="0">
+              <a:spAutoFit/>
+            </a:bodyPr>
+            <a:lstStyle/>
+            <a:p>
+              <a:r>
+                <a:rPr lang="en-US" dirty="0" smtClean="0"/>
+                <a:t>2</a:t>
+              </a:r>
+              <a:endParaRPr lang="en-SG" dirty="0"/>
+            </a:p>
+          </p:txBody>
+        </p:sp>
+        <p:cxnSp>
+          <p:nvCxnSpPr>
+            <p:cNvPr id="28" name="直接连接符 27"/>
+            <p:cNvCxnSpPr/>
+            <p:nvPr/>
+          </p:nvCxnSpPr>
+          <p:spPr>
+            <a:xfrm flipV="1">
+              <a:off x="4211137" y="4065813"/>
+              <a:ext cx="551905" cy="8164"/>
+            </a:xfrm>
+            <a:prstGeom prst="line">
+              <a:avLst/>
+            </a:prstGeom>
+            <a:ln>
+              <a:solidFill>
+                <a:schemeClr val="accent6"/>
+              </a:solidFill>
+            </a:ln>
+          </p:spPr>
+          <p:style>
+            <a:lnRef idx="1">
+              <a:schemeClr val="accent1"/>
+            </a:lnRef>
+            <a:fillRef idx="0">
+              <a:schemeClr val="accent1"/>
+            </a:fillRef>
+            <a:effectRef idx="0">
+              <a:schemeClr val="accent1"/>
+            </a:effectRef>
+            <a:fontRef idx="minor">
+              <a:schemeClr val="tx1"/>
+            </a:fontRef>
+          </p:style>
+        </p:cxnSp>
+        <p:cxnSp>
+          <p:nvCxnSpPr>
+            <p:cNvPr id="30" name="直接连接符 29"/>
+            <p:cNvCxnSpPr/>
+            <p:nvPr/>
+          </p:nvCxnSpPr>
+          <p:spPr>
+            <a:xfrm>
+              <a:off x="4763042" y="4065813"/>
+              <a:ext cx="621033" cy="0"/>
+            </a:xfrm>
+            <a:prstGeom prst="line">
+              <a:avLst/>
+            </a:prstGeom>
+            <a:ln>
+              <a:solidFill>
+                <a:schemeClr val="accent6"/>
+              </a:solidFill>
+            </a:ln>
+          </p:spPr>
+          <p:style>
+            <a:lnRef idx="1">
+              <a:schemeClr val="accent1"/>
+            </a:lnRef>
+            <a:fillRef idx="0">
+              <a:schemeClr val="accent1"/>
+            </a:fillRef>
+            <a:effectRef idx="0">
+              <a:schemeClr val="accent1"/>
+            </a:effectRef>
+            <a:fontRef idx="minor">
+              <a:schemeClr val="tx1"/>
+            </a:fontRef>
+          </p:style>
+        </p:cxnSp>
+        <p:sp>
+          <p:nvSpPr>
+            <p:cNvPr id="31" name="流程图: 接点 30"/>
+            <p:cNvSpPr/>
+            <p:nvPr/>
+          </p:nvSpPr>
+          <p:spPr>
+            <a:xfrm>
+              <a:off x="2408463" y="4033157"/>
+              <a:ext cx="106136" cy="89807"/>
+            </a:xfrm>
+            <a:prstGeom prst="flowChartConnector">
+              <a:avLst/>
+            </a:prstGeom>
+            <a:solidFill>
+              <a:schemeClr val="accent6"/>
+            </a:solidFill>
+          </p:spPr>
+          <p:style>
+            <a:lnRef idx="2">
+              <a:schemeClr val="accent1">
+                <a:shade val="50000"/>
+              </a:schemeClr>
+            </a:lnRef>
+            <a:fillRef idx="1">
+              <a:schemeClr val="accent1"/>
+            </a:fillRef>
+            <a:effectRef idx="0">
+              <a:schemeClr val="accent1"/>
+            </a:effectRef>
+            <a:fontRef idx="minor">
+              <a:schemeClr val="lt1"/>
+            </a:fontRef>
+          </p:style>
+          <p:txBody>
+            <a:bodyPr rtlCol="0" anchor="ctr"/>
+            <a:lstStyle/>
+            <a:p>
+              <a:pPr algn="ctr"/>
+              <a:endParaRPr lang="en-SG">
+                <a:solidFill>
+                  <a:srgbClr val="FF0000"/>
+                </a:solidFill>
+              </a:endParaRPr>
+            </a:p>
+          </p:txBody>
+        </p:sp>
+        <p:sp>
+          <p:nvSpPr>
+            <p:cNvPr id="32" name="等腰三角形 31"/>
+            <p:cNvSpPr/>
+            <p:nvPr/>
+          </p:nvSpPr>
+          <p:spPr>
+            <a:xfrm>
+              <a:off x="2432955" y="5021036"/>
+              <a:ext cx="45719" cy="73478"/>
+            </a:xfrm>
+            <a:prstGeom prst="triangle">
+              <a:avLst/>
+            </a:prstGeom>
+          </p:spPr>
+          <p:style>
+            <a:lnRef idx="2">
+              <a:schemeClr val="accent1">
+                <a:shade val="50000"/>
+              </a:schemeClr>
+            </a:lnRef>
+            <a:fillRef idx="1">
+              <a:schemeClr val="accent1"/>
+            </a:fillRef>
+            <a:effectRef idx="0">
+              <a:schemeClr val="accent1"/>
+            </a:effectRef>
+            <a:fontRef idx="minor">
+              <a:schemeClr val="lt1"/>
+            </a:fontRef>
+          </p:style>
+          <p:txBody>
+            <a:bodyPr rtlCol="0" anchor="ctr"/>
+            <a:lstStyle/>
+            <a:p>
+              <a:pPr algn="ctr"/>
+              <a:endParaRPr lang="en-SG"/>
+            </a:p>
+          </p:txBody>
+        </p:sp>
+        <p:sp>
+          <p:nvSpPr>
+            <p:cNvPr id="35" name="流程图: 接点 34"/>
+            <p:cNvSpPr/>
+            <p:nvPr/>
+          </p:nvSpPr>
+          <p:spPr>
+            <a:xfrm>
+              <a:off x="2952204" y="4026352"/>
+              <a:ext cx="106136" cy="89807"/>
+            </a:xfrm>
+            <a:prstGeom prst="flowChartConnector">
+              <a:avLst/>
+            </a:prstGeom>
+            <a:solidFill>
+              <a:schemeClr val="accent6"/>
+            </a:solidFill>
+          </p:spPr>
+          <p:style>
+            <a:lnRef idx="2">
+              <a:schemeClr val="accent1">
+                <a:shade val="50000"/>
+              </a:schemeClr>
+            </a:lnRef>
+            <a:fillRef idx="1">
+              <a:schemeClr val="accent1"/>
+            </a:fillRef>
+            <a:effectRef idx="0">
+              <a:schemeClr val="accent1"/>
+            </a:effectRef>
+            <a:fontRef idx="minor">
+              <a:schemeClr val="lt1"/>
+            </a:fontRef>
+          </p:style>
+          <p:txBody>
+            <a:bodyPr rtlCol="0" anchor="ctr"/>
+            <a:lstStyle/>
+            <a:p>
+              <a:pPr algn="ctr"/>
+              <a:endParaRPr lang="en-SG">
+                <a:solidFill>
+                  <a:srgbClr val="FF0000"/>
+                </a:solidFill>
+              </a:endParaRPr>
+            </a:p>
+          </p:txBody>
+        </p:sp>
+        <p:sp>
+          <p:nvSpPr>
+            <p:cNvPr id="36" name="流程图: 接点 35"/>
+            <p:cNvSpPr/>
+            <p:nvPr/>
+          </p:nvSpPr>
+          <p:spPr>
+            <a:xfrm>
+              <a:off x="3552822" y="4033156"/>
+              <a:ext cx="106136" cy="89807"/>
+            </a:xfrm>
+            <a:prstGeom prst="flowChartConnector">
+              <a:avLst/>
+            </a:prstGeom>
+            <a:solidFill>
+              <a:schemeClr val="accent6"/>
+            </a:solidFill>
+          </p:spPr>
+          <p:style>
+            <a:lnRef idx="2">
+              <a:schemeClr val="accent1">
+                <a:shade val="50000"/>
+              </a:schemeClr>
+            </a:lnRef>
+            <a:fillRef idx="1">
+              <a:schemeClr val="accent1"/>
+            </a:fillRef>
+            <a:effectRef idx="0">
+              <a:schemeClr val="accent1"/>
+            </a:effectRef>
+            <a:fontRef idx="minor">
+              <a:schemeClr val="lt1"/>
+            </a:fontRef>
+          </p:style>
+          <p:txBody>
+            <a:bodyPr rtlCol="0" anchor="ctr"/>
+            <a:lstStyle/>
+            <a:p>
+              <a:pPr algn="ctr"/>
+              <a:endParaRPr lang="en-SG">
+                <a:solidFill>
+                  <a:srgbClr val="FF0000"/>
+                </a:solidFill>
+              </a:endParaRPr>
+            </a:p>
+          </p:txBody>
+        </p:sp>
+        <p:sp>
+          <p:nvSpPr>
+            <p:cNvPr id="37" name="流程图: 接点 36"/>
+            <p:cNvSpPr/>
+            <p:nvPr/>
+          </p:nvSpPr>
+          <p:spPr>
+            <a:xfrm>
+              <a:off x="5890252" y="4001858"/>
+              <a:ext cx="106136" cy="89807"/>
+            </a:xfrm>
+            <a:prstGeom prst="flowChartConnector">
+              <a:avLst/>
+            </a:prstGeom>
+            <a:solidFill>
+              <a:schemeClr val="accent6"/>
+            </a:solidFill>
+          </p:spPr>
+          <p:style>
+            <a:lnRef idx="2">
+              <a:schemeClr val="accent1">
+                <a:shade val="50000"/>
+              </a:schemeClr>
+            </a:lnRef>
+            <a:fillRef idx="1">
+              <a:schemeClr val="accent1"/>
+            </a:fillRef>
+            <a:effectRef idx="0">
+              <a:schemeClr val="accent1"/>
+            </a:effectRef>
+            <a:fontRef idx="minor">
+              <a:schemeClr val="lt1"/>
+            </a:fontRef>
+          </p:style>
+          <p:txBody>
+            <a:bodyPr rtlCol="0" anchor="ctr"/>
+            <a:lstStyle/>
+            <a:p>
+              <a:pPr algn="ctr"/>
+              <a:endParaRPr lang="en-SG">
+                <a:solidFill>
+                  <a:srgbClr val="FF0000"/>
+                </a:solidFill>
+              </a:endParaRPr>
+            </a:p>
+          </p:txBody>
+        </p:sp>
+        <p:sp>
+          <p:nvSpPr>
+            <p:cNvPr id="38" name="流程图: 接点 37"/>
+            <p:cNvSpPr/>
+            <p:nvPr/>
+          </p:nvSpPr>
+          <p:spPr>
+            <a:xfrm>
+              <a:off x="6429642" y="4004581"/>
+              <a:ext cx="106136" cy="89807"/>
+            </a:xfrm>
+            <a:prstGeom prst="flowChartConnector">
+              <a:avLst/>
+            </a:prstGeom>
+            <a:solidFill>
+              <a:schemeClr val="accent6"/>
+            </a:solidFill>
+          </p:spPr>
+          <p:style>
+            <a:lnRef idx="2">
+              <a:schemeClr val="accent1">
+                <a:shade val="50000"/>
+              </a:schemeClr>
+            </a:lnRef>
+            <a:fillRef idx="1">
+              <a:schemeClr val="accent1"/>
+            </a:fillRef>
+            <a:effectRef idx="0">
+              <a:schemeClr val="accent1"/>
+            </a:effectRef>
+            <a:fontRef idx="minor">
+              <a:schemeClr val="lt1"/>
+            </a:fontRef>
+          </p:style>
+          <p:txBody>
+            <a:bodyPr rtlCol="0" anchor="ctr"/>
+            <a:lstStyle/>
+            <a:p>
+              <a:pPr algn="ctr"/>
+              <a:endParaRPr lang="en-SG">
+                <a:solidFill>
+                  <a:srgbClr val="FF0000"/>
+                </a:solidFill>
+              </a:endParaRPr>
+            </a:p>
+          </p:txBody>
+        </p:sp>
+        <p:sp>
+          <p:nvSpPr>
+            <p:cNvPr id="39" name="流程图: 接点 38"/>
+            <p:cNvSpPr/>
+            <p:nvPr/>
+          </p:nvSpPr>
+          <p:spPr>
+            <a:xfrm>
+              <a:off x="7067660" y="4004585"/>
+              <a:ext cx="106136" cy="89807"/>
+            </a:xfrm>
+            <a:prstGeom prst="flowChartConnector">
+              <a:avLst/>
+            </a:prstGeom>
+            <a:solidFill>
+              <a:schemeClr val="accent6"/>
+            </a:solidFill>
+          </p:spPr>
+          <p:style>
+            <a:lnRef idx="2">
+              <a:schemeClr val="accent1">
+                <a:shade val="50000"/>
+              </a:schemeClr>
+            </a:lnRef>
+            <a:fillRef idx="1">
+              <a:schemeClr val="accent1"/>
+            </a:fillRef>
+            <a:effectRef idx="0">
+              <a:schemeClr val="accent1"/>
+            </a:effectRef>
+            <a:fontRef idx="minor">
+              <a:schemeClr val="lt1"/>
+            </a:fontRef>
+          </p:style>
+          <p:txBody>
+            <a:bodyPr rtlCol="0" anchor="ctr"/>
+            <a:lstStyle/>
+            <a:p>
+              <a:pPr algn="ctr"/>
+              <a:endParaRPr lang="en-SG">
+                <a:solidFill>
+                  <a:srgbClr val="FF0000"/>
+                </a:solidFill>
+              </a:endParaRPr>
+            </a:p>
+          </p:txBody>
+        </p:sp>
+        <p:cxnSp>
+          <p:nvCxnSpPr>
+            <p:cNvPr id="41" name="直接连接符 40"/>
+            <p:cNvCxnSpPr/>
+            <p:nvPr/>
+          </p:nvCxnSpPr>
+          <p:spPr>
+            <a:xfrm flipV="1">
+              <a:off x="2463979" y="4026352"/>
+              <a:ext cx="565785" cy="994684"/>
+            </a:xfrm>
+            <a:prstGeom prst="line">
+              <a:avLst/>
+            </a:prstGeom>
+          </p:spPr>
+          <p:style>
+            <a:lnRef idx="1">
+              <a:schemeClr val="accent1"/>
+            </a:lnRef>
+            <a:fillRef idx="0">
+              <a:schemeClr val="accent1"/>
+            </a:fillRef>
+            <a:effectRef idx="0">
+              <a:schemeClr val="accent1"/>
+            </a:effectRef>
+            <a:fontRef idx="minor">
+              <a:schemeClr val="tx1"/>
+            </a:fontRef>
+          </p:style>
+        </p:cxnSp>
+        <p:cxnSp>
+          <p:nvCxnSpPr>
+            <p:cNvPr id="43" name="直接连接符 42"/>
+            <p:cNvCxnSpPr>
+              <a:stCxn id="35" idx="4"/>
+              <a:endCxn id="8" idx="0"/>
+            </p:cNvCxnSpPr>
+            <p:nvPr/>
+          </p:nvCxnSpPr>
+          <p:spPr>
+            <a:xfrm>
+              <a:off x="3005272" y="4116159"/>
+              <a:ext cx="631642" cy="930731"/>
+            </a:xfrm>
+            <a:prstGeom prst="line">
+              <a:avLst/>
+            </a:prstGeom>
+          </p:spPr>
+          <p:style>
+            <a:lnRef idx="1">
+              <a:schemeClr val="accent1"/>
+            </a:lnRef>
+            <a:fillRef idx="0">
+              <a:schemeClr val="accent1"/>
+            </a:fillRef>
+            <a:effectRef idx="0">
+              <a:schemeClr val="accent1"/>
+            </a:effectRef>
+            <a:fontRef idx="minor">
+              <a:schemeClr val="tx1"/>
+            </a:fontRef>
+          </p:style>
+        </p:cxnSp>
+        <p:cxnSp>
+          <p:nvCxnSpPr>
+            <p:cNvPr id="44" name="直接连接符 43"/>
+            <p:cNvCxnSpPr/>
+            <p:nvPr/>
+          </p:nvCxnSpPr>
+          <p:spPr>
+            <a:xfrm flipV="1">
+              <a:off x="3019153" y="4039961"/>
+              <a:ext cx="590277" cy="994684"/>
+            </a:xfrm>
+            <a:prstGeom prst="line">
+              <a:avLst/>
+            </a:prstGeom>
+          </p:spPr>
+          <p:style>
+            <a:lnRef idx="1">
+              <a:schemeClr val="accent1"/>
+            </a:lnRef>
+            <a:fillRef idx="0">
+              <a:schemeClr val="accent1"/>
+            </a:fillRef>
+            <a:effectRef idx="0">
+              <a:schemeClr val="accent1"/>
+            </a:effectRef>
+            <a:fontRef idx="minor">
+              <a:schemeClr val="tx1"/>
+            </a:fontRef>
+          </p:style>
+        </p:cxnSp>
+        <p:cxnSp>
+          <p:nvCxnSpPr>
+            <p:cNvPr id="45" name="直接连接符 44"/>
+            <p:cNvCxnSpPr/>
+            <p:nvPr/>
+          </p:nvCxnSpPr>
+          <p:spPr>
+            <a:xfrm>
+              <a:off x="3609430" y="4129768"/>
+              <a:ext cx="647970" cy="930731"/>
+            </a:xfrm>
+            <a:prstGeom prst="line">
+              <a:avLst/>
+            </a:prstGeom>
+          </p:spPr>
+          <p:style>
+            <a:lnRef idx="1">
+              <a:schemeClr val="accent1"/>
+            </a:lnRef>
+            <a:fillRef idx="0">
+              <a:schemeClr val="accent1"/>
+            </a:fillRef>
+            <a:effectRef idx="0">
+              <a:schemeClr val="accent1"/>
+            </a:effectRef>
+            <a:fontRef idx="minor">
+              <a:schemeClr val="tx1"/>
+            </a:fontRef>
+          </p:style>
+        </p:cxnSp>
+        <p:cxnSp>
+          <p:nvCxnSpPr>
+            <p:cNvPr id="46" name="直接连接符 45"/>
+            <p:cNvCxnSpPr/>
+            <p:nvPr/>
+          </p:nvCxnSpPr>
+          <p:spPr>
+            <a:xfrm flipV="1">
+              <a:off x="3640998" y="4039961"/>
+              <a:ext cx="590277" cy="994684"/>
+            </a:xfrm>
+            <a:prstGeom prst="line">
+              <a:avLst/>
+            </a:prstGeom>
+          </p:spPr>
+          <p:style>
+            <a:lnRef idx="1">
+              <a:schemeClr val="accent1"/>
+            </a:lnRef>
+            <a:fillRef idx="0">
+              <a:schemeClr val="accent1"/>
+            </a:fillRef>
+            <a:effectRef idx="0">
+              <a:schemeClr val="accent1"/>
+            </a:effectRef>
+            <a:fontRef idx="minor">
+              <a:schemeClr val="tx1"/>
+            </a:fontRef>
+          </p:style>
+        </p:cxnSp>
+        <p:cxnSp>
+          <p:nvCxnSpPr>
+            <p:cNvPr id="47" name="直接连接符 46"/>
+            <p:cNvCxnSpPr/>
+            <p:nvPr/>
+          </p:nvCxnSpPr>
+          <p:spPr>
+            <a:xfrm>
+              <a:off x="4206783" y="4097112"/>
+              <a:ext cx="647970" cy="930731"/>
+            </a:xfrm>
+            <a:prstGeom prst="line">
+              <a:avLst/>
+            </a:prstGeom>
+          </p:spPr>
+          <p:style>
+            <a:lnRef idx="1">
+              <a:schemeClr val="accent1"/>
+            </a:lnRef>
+            <a:fillRef idx="0">
+              <a:schemeClr val="accent1"/>
+            </a:fillRef>
+            <a:effectRef idx="0">
+              <a:schemeClr val="accent1"/>
+            </a:effectRef>
+            <a:fontRef idx="minor">
+              <a:schemeClr val="tx1"/>
+            </a:fontRef>
+          </p:style>
+        </p:cxnSp>
+        <p:cxnSp>
+          <p:nvCxnSpPr>
+            <p:cNvPr id="48" name="直接连接符 47"/>
+            <p:cNvCxnSpPr/>
+            <p:nvPr/>
+          </p:nvCxnSpPr>
+          <p:spPr>
+            <a:xfrm flipV="1">
+              <a:off x="4211681" y="4048125"/>
+              <a:ext cx="590277" cy="994684"/>
+            </a:xfrm>
+            <a:prstGeom prst="line">
+              <a:avLst/>
+            </a:prstGeom>
+          </p:spPr>
+          <p:style>
+            <a:lnRef idx="1">
+              <a:schemeClr val="accent1"/>
+            </a:lnRef>
+            <a:fillRef idx="0">
+              <a:schemeClr val="accent1"/>
+            </a:fillRef>
+            <a:effectRef idx="0">
+              <a:schemeClr val="accent1"/>
+            </a:effectRef>
+            <a:fontRef idx="minor">
+              <a:schemeClr val="tx1"/>
+            </a:fontRef>
+          </p:style>
+        </p:cxnSp>
+        <p:cxnSp>
+          <p:nvCxnSpPr>
+            <p:cNvPr id="49" name="直接连接符 48"/>
+            <p:cNvCxnSpPr/>
+            <p:nvPr/>
+          </p:nvCxnSpPr>
+          <p:spPr>
+            <a:xfrm>
+              <a:off x="4792980" y="4097112"/>
+              <a:ext cx="647970" cy="930731"/>
+            </a:xfrm>
+            <a:prstGeom prst="line">
+              <a:avLst/>
+            </a:prstGeom>
+          </p:spPr>
+          <p:style>
+            <a:lnRef idx="1">
+              <a:schemeClr val="accent1"/>
+            </a:lnRef>
+            <a:fillRef idx="0">
+              <a:schemeClr val="accent1"/>
+            </a:fillRef>
+            <a:effectRef idx="0">
+              <a:schemeClr val="accent1"/>
+            </a:effectRef>
+            <a:fontRef idx="minor">
+              <a:schemeClr val="tx1"/>
+            </a:fontRef>
+          </p:style>
+        </p:cxnSp>
+        <p:cxnSp>
+          <p:nvCxnSpPr>
+            <p:cNvPr id="50" name="直接连接符 49"/>
+            <p:cNvCxnSpPr/>
+            <p:nvPr/>
+          </p:nvCxnSpPr>
+          <p:spPr>
+            <a:xfrm flipV="1">
+              <a:off x="4830389" y="4073977"/>
+              <a:ext cx="553686" cy="949783"/>
+            </a:xfrm>
+            <a:prstGeom prst="line">
+              <a:avLst/>
+            </a:prstGeom>
+          </p:spPr>
+          <p:style>
+            <a:lnRef idx="1">
+              <a:schemeClr val="accent1"/>
+            </a:lnRef>
+            <a:fillRef idx="0">
+              <a:schemeClr val="accent1"/>
+            </a:fillRef>
+            <a:effectRef idx="0">
+              <a:schemeClr val="accent1"/>
+            </a:effectRef>
+            <a:fontRef idx="minor">
+              <a:schemeClr val="tx1"/>
+            </a:fontRef>
+          </p:style>
+        </p:cxnSp>
+        <p:cxnSp>
+          <p:nvCxnSpPr>
+            <p:cNvPr id="51" name="直接连接符 50"/>
+            <p:cNvCxnSpPr/>
+            <p:nvPr/>
+          </p:nvCxnSpPr>
+          <p:spPr>
+            <a:xfrm>
+              <a:off x="5355900" y="4086227"/>
+              <a:ext cx="647970" cy="930731"/>
+            </a:xfrm>
+            <a:prstGeom prst="line">
+              <a:avLst/>
+            </a:prstGeom>
+          </p:spPr>
+          <p:style>
+            <a:lnRef idx="1">
+              <a:schemeClr val="accent1"/>
+            </a:lnRef>
+            <a:fillRef idx="0">
+              <a:schemeClr val="accent1"/>
+            </a:fillRef>
+            <a:effectRef idx="0">
+              <a:schemeClr val="accent1"/>
+            </a:effectRef>
+            <a:fontRef idx="minor">
+              <a:schemeClr val="tx1"/>
+            </a:fontRef>
+          </p:style>
+        </p:cxnSp>
+        <p:cxnSp>
+          <p:nvCxnSpPr>
+            <p:cNvPr id="52" name="直接连接符 51"/>
+            <p:cNvCxnSpPr/>
+            <p:nvPr/>
+          </p:nvCxnSpPr>
+          <p:spPr>
+            <a:xfrm flipV="1">
+              <a:off x="5384075" y="4045406"/>
+              <a:ext cx="590277" cy="994684"/>
+            </a:xfrm>
+            <a:prstGeom prst="line">
+              <a:avLst/>
+            </a:prstGeom>
+          </p:spPr>
+          <p:style>
+            <a:lnRef idx="1">
+              <a:schemeClr val="accent1"/>
+            </a:lnRef>
+            <a:fillRef idx="0">
+              <a:schemeClr val="accent1"/>
+            </a:fillRef>
+            <a:effectRef idx="0">
+              <a:schemeClr val="accent1"/>
+            </a:effectRef>
+            <a:fontRef idx="minor">
+              <a:schemeClr val="tx1"/>
+            </a:fontRef>
+          </p:style>
+        </p:cxnSp>
+        <p:cxnSp>
+          <p:nvCxnSpPr>
+            <p:cNvPr id="53" name="直接连接符 52"/>
+            <p:cNvCxnSpPr/>
+            <p:nvPr/>
+          </p:nvCxnSpPr>
+          <p:spPr>
+            <a:xfrm>
+              <a:off x="5940760" y="4128406"/>
+              <a:ext cx="647970" cy="930731"/>
+            </a:xfrm>
+            <a:prstGeom prst="line">
+              <a:avLst/>
+            </a:prstGeom>
+          </p:spPr>
+          <p:style>
+            <a:lnRef idx="1">
+              <a:schemeClr val="accent1"/>
+            </a:lnRef>
+            <a:fillRef idx="0">
+              <a:schemeClr val="accent1"/>
+            </a:fillRef>
+            <a:effectRef idx="0">
+              <a:schemeClr val="accent1"/>
+            </a:effectRef>
+            <a:fontRef idx="minor">
+              <a:schemeClr val="tx1"/>
+            </a:fontRef>
+          </p:style>
+        </p:cxnSp>
+        <p:cxnSp>
+          <p:nvCxnSpPr>
+            <p:cNvPr id="54" name="直接连接符 53"/>
+            <p:cNvCxnSpPr>
+              <a:endCxn id="38" idx="5"/>
+            </p:cNvCxnSpPr>
+            <p:nvPr/>
+          </p:nvCxnSpPr>
+          <p:spPr>
+            <a:xfrm flipV="1">
+              <a:off x="6004320" y="4081236"/>
+              <a:ext cx="515915" cy="935718"/>
+            </a:xfrm>
+            <a:prstGeom prst="line">
+              <a:avLst/>
+            </a:prstGeom>
+          </p:spPr>
+          <p:style>
+            <a:lnRef idx="1">
+              <a:schemeClr val="accent1"/>
+            </a:lnRef>
+            <a:fillRef idx="0">
+              <a:schemeClr val="accent1"/>
+            </a:fillRef>
+            <a:effectRef idx="0">
+              <a:schemeClr val="accent1"/>
+            </a:effectRef>
+            <a:fontRef idx="minor">
+              <a:schemeClr val="tx1"/>
+            </a:fontRef>
+          </p:style>
+        </p:cxnSp>
+        <p:cxnSp>
+          <p:nvCxnSpPr>
+            <p:cNvPr id="55" name="直接连接符 54"/>
+            <p:cNvCxnSpPr/>
+            <p:nvPr/>
+          </p:nvCxnSpPr>
+          <p:spPr>
+            <a:xfrm>
+              <a:off x="6493510" y="4102551"/>
+              <a:ext cx="647970" cy="930731"/>
+            </a:xfrm>
+            <a:prstGeom prst="line">
+              <a:avLst/>
+            </a:prstGeom>
+          </p:spPr>
+          <p:style>
+            <a:lnRef idx="1">
+              <a:schemeClr val="accent1"/>
+            </a:lnRef>
+            <a:fillRef idx="0">
+              <a:schemeClr val="accent1"/>
+            </a:fillRef>
+            <a:effectRef idx="0">
+              <a:schemeClr val="accent1"/>
+            </a:effectRef>
+            <a:fontRef idx="minor">
+              <a:schemeClr val="tx1"/>
+            </a:fontRef>
+          </p:style>
+        </p:cxnSp>
+        <p:sp>
+          <p:nvSpPr>
+            <p:cNvPr id="60" name="任意多边形 59"/>
+            <p:cNvSpPr/>
+            <p:nvPr/>
+          </p:nvSpPr>
+          <p:spPr>
+            <a:xfrm>
+              <a:off x="2432957" y="4094388"/>
+              <a:ext cx="1779814" cy="934812"/>
+            </a:xfrm>
+            <a:custGeom>
+              <a:avLst/>
+              <a:gdLst>
+                <a:gd name="connsiteX0" fmla="*/ 0 w 1779814"/>
+                <a:gd name="connsiteY0" fmla="*/ 952989 h 952989"/>
+                <a:gd name="connsiteX1" fmla="*/ 571500 w 1779814"/>
+                <a:gd name="connsiteY1" fmla="*/ 201875 h 952989"/>
+                <a:gd name="connsiteX2" fmla="*/ 881743 w 1779814"/>
+                <a:gd name="connsiteY2" fmla="*/ 30425 h 952989"/>
+                <a:gd name="connsiteX3" fmla="*/ 1494064 w 1779814"/>
+                <a:gd name="connsiteY3" fmla="*/ 708060 h 952989"/>
+                <a:gd name="connsiteX4" fmla="*/ 1779814 w 1779814"/>
+                <a:gd name="connsiteY4" fmla="*/ 944825 h 952989"/>
+              </a:gdLst>
+              <a:ahLst/>
+              <a:cxnLst>
+                <a:cxn ang="0">
+                  <a:pos x="connsiteX0" y="connsiteY0"/>
+                </a:cxn>
+                <a:cxn ang="0">
+                  <a:pos x="connsiteX1" y="connsiteY1"/>
+                </a:cxn>
+                <a:cxn ang="0">
+                  <a:pos x="connsiteX2" y="connsiteY2"/>
+                </a:cxn>
+                <a:cxn ang="0">
+                  <a:pos x="connsiteX3" y="connsiteY3"/>
+                </a:cxn>
+                <a:cxn ang="0">
+                  <a:pos x="connsiteX4" y="connsiteY4"/>
+                </a:cxn>
+              </a:cxnLst>
+              <a:rect l="l" t="t" r="r" b="b"/>
+              <a:pathLst>
+                <a:path w="1779814" h="952989">
+                  <a:moveTo>
+                    <a:pt x="0" y="952989"/>
+                  </a:moveTo>
+                  <a:cubicBezTo>
+                    <a:pt x="212271" y="654312"/>
+                    <a:pt x="424543" y="355636"/>
+                    <a:pt x="571500" y="201875"/>
+                  </a:cubicBezTo>
+                  <a:cubicBezTo>
+                    <a:pt x="718457" y="48114"/>
+                    <a:pt x="727982" y="-53939"/>
+                    <a:pt x="881743" y="30425"/>
+                  </a:cubicBezTo>
+                  <a:cubicBezTo>
+                    <a:pt x="1035504" y="114789"/>
+                    <a:pt x="1344386" y="555660"/>
+                    <a:pt x="1494064" y="708060"/>
+                  </a:cubicBezTo>
+                  <a:cubicBezTo>
+                    <a:pt x="1643742" y="860460"/>
+                    <a:pt x="1711778" y="902642"/>
+                    <a:pt x="1779814" y="944825"/>
+                  </a:cubicBezTo>
+                </a:path>
+              </a:pathLst>
+            </a:custGeom>
+            <a:noFill/>
+          </p:spPr>
+          <p:style>
+            <a:lnRef idx="2">
+              <a:schemeClr val="accent1">
+                <a:shade val="50000"/>
+              </a:schemeClr>
+            </a:lnRef>
+            <a:fillRef idx="1">
+              <a:schemeClr val="accent1"/>
+            </a:fillRef>
+            <a:effectRef idx="0">
+              <a:schemeClr val="accent1"/>
+            </a:effectRef>
+            <a:fontRef idx="minor">
+              <a:schemeClr val="lt1"/>
+            </a:fontRef>
+          </p:style>
+          <p:txBody>
+            <a:bodyPr rtlCol="0" anchor="ctr"/>
+            <a:lstStyle/>
+            <a:p>
+              <a:pPr algn="ctr"/>
+              <a:endParaRPr lang="en-SG"/>
+            </a:p>
+          </p:txBody>
+        </p:sp>
+        <p:sp>
+          <p:nvSpPr>
+            <p:cNvPr id="61" name="任意多边形 60"/>
+            <p:cNvSpPr/>
+            <p:nvPr/>
+          </p:nvSpPr>
+          <p:spPr>
+            <a:xfrm>
+              <a:off x="3036166" y="4095749"/>
+              <a:ext cx="1779814" cy="934812"/>
+            </a:xfrm>
+            <a:custGeom>
+              <a:avLst/>
+              <a:gdLst>
+                <a:gd name="connsiteX0" fmla="*/ 0 w 1779814"/>
+                <a:gd name="connsiteY0" fmla="*/ 952989 h 952989"/>
+                <a:gd name="connsiteX1" fmla="*/ 571500 w 1779814"/>
+                <a:gd name="connsiteY1" fmla="*/ 201875 h 952989"/>
+                <a:gd name="connsiteX2" fmla="*/ 881743 w 1779814"/>
+                <a:gd name="connsiteY2" fmla="*/ 30425 h 952989"/>
+                <a:gd name="connsiteX3" fmla="*/ 1494064 w 1779814"/>
+                <a:gd name="connsiteY3" fmla="*/ 708060 h 952989"/>
+                <a:gd name="connsiteX4" fmla="*/ 1779814 w 1779814"/>
+                <a:gd name="connsiteY4" fmla="*/ 944825 h 952989"/>
+              </a:gdLst>
+              <a:ahLst/>
+              <a:cxnLst>
+                <a:cxn ang="0">
+                  <a:pos x="connsiteX0" y="connsiteY0"/>
+                </a:cxn>
+                <a:cxn ang="0">
+                  <a:pos x="connsiteX1" y="connsiteY1"/>
+                </a:cxn>
+                <a:cxn ang="0">
+                  <a:pos x="connsiteX2" y="connsiteY2"/>
+                </a:cxn>
+                <a:cxn ang="0">
+                  <a:pos x="connsiteX3" y="connsiteY3"/>
+                </a:cxn>
+                <a:cxn ang="0">
+                  <a:pos x="connsiteX4" y="connsiteY4"/>
+                </a:cxn>
+              </a:cxnLst>
+              <a:rect l="l" t="t" r="r" b="b"/>
+              <a:pathLst>
+                <a:path w="1779814" h="952989">
+                  <a:moveTo>
+                    <a:pt x="0" y="952989"/>
+                  </a:moveTo>
+                  <a:cubicBezTo>
+                    <a:pt x="212271" y="654312"/>
+                    <a:pt x="424543" y="355636"/>
+                    <a:pt x="571500" y="201875"/>
+                  </a:cubicBezTo>
+                  <a:cubicBezTo>
+                    <a:pt x="718457" y="48114"/>
+                    <a:pt x="727982" y="-53939"/>
+                    <a:pt x="881743" y="30425"/>
+                  </a:cubicBezTo>
+                  <a:cubicBezTo>
+                    <a:pt x="1035504" y="114789"/>
+                    <a:pt x="1344386" y="555660"/>
+                    <a:pt x="1494064" y="708060"/>
+                  </a:cubicBezTo>
+                  <a:cubicBezTo>
+                    <a:pt x="1643742" y="860460"/>
+                    <a:pt x="1711778" y="902642"/>
+                    <a:pt x="1779814" y="944825"/>
+                  </a:cubicBezTo>
+                </a:path>
+              </a:pathLst>
+            </a:custGeom>
+            <a:noFill/>
+          </p:spPr>
+          <p:style>
+            <a:lnRef idx="2">
+              <a:schemeClr val="accent1">
+                <a:shade val="50000"/>
+              </a:schemeClr>
+            </a:lnRef>
+            <a:fillRef idx="1">
+              <a:schemeClr val="accent1"/>
+            </a:fillRef>
+            <a:effectRef idx="0">
+              <a:schemeClr val="accent1"/>
+            </a:effectRef>
+            <a:fontRef idx="minor">
+              <a:schemeClr val="lt1"/>
+            </a:fontRef>
+          </p:style>
+          <p:txBody>
+            <a:bodyPr rtlCol="0" anchor="ctr"/>
+            <a:lstStyle/>
+            <a:p>
+              <a:pPr algn="ctr"/>
+              <a:endParaRPr lang="en-SG"/>
+            </a:p>
+          </p:txBody>
+        </p:sp>
+        <p:sp>
+          <p:nvSpPr>
+            <p:cNvPr id="62" name="任意多边形 61"/>
+            <p:cNvSpPr/>
+            <p:nvPr/>
+          </p:nvSpPr>
+          <p:spPr>
+            <a:xfrm>
+              <a:off x="3640861" y="4120240"/>
+              <a:ext cx="1779814" cy="934812"/>
+            </a:xfrm>
+            <a:custGeom>
+              <a:avLst/>
+              <a:gdLst>
+                <a:gd name="connsiteX0" fmla="*/ 0 w 1779814"/>
+                <a:gd name="connsiteY0" fmla="*/ 952989 h 952989"/>
+                <a:gd name="connsiteX1" fmla="*/ 571500 w 1779814"/>
+                <a:gd name="connsiteY1" fmla="*/ 201875 h 952989"/>
+                <a:gd name="connsiteX2" fmla="*/ 881743 w 1779814"/>
+                <a:gd name="connsiteY2" fmla="*/ 30425 h 952989"/>
+                <a:gd name="connsiteX3" fmla="*/ 1494064 w 1779814"/>
+                <a:gd name="connsiteY3" fmla="*/ 708060 h 952989"/>
+                <a:gd name="connsiteX4" fmla="*/ 1779814 w 1779814"/>
+                <a:gd name="connsiteY4" fmla="*/ 944825 h 952989"/>
+              </a:gdLst>
+              <a:ahLst/>
+              <a:cxnLst>
+                <a:cxn ang="0">
+                  <a:pos x="connsiteX0" y="connsiteY0"/>
+                </a:cxn>
+                <a:cxn ang="0">
+                  <a:pos x="connsiteX1" y="connsiteY1"/>
+                </a:cxn>
+                <a:cxn ang="0">
+                  <a:pos x="connsiteX2" y="connsiteY2"/>
+                </a:cxn>
+                <a:cxn ang="0">
+                  <a:pos x="connsiteX3" y="connsiteY3"/>
+                </a:cxn>
+                <a:cxn ang="0">
+                  <a:pos x="connsiteX4" y="connsiteY4"/>
+                </a:cxn>
+              </a:cxnLst>
+              <a:rect l="l" t="t" r="r" b="b"/>
+              <a:pathLst>
+                <a:path w="1779814" h="952989">
+                  <a:moveTo>
+                    <a:pt x="0" y="952989"/>
+                  </a:moveTo>
+                  <a:cubicBezTo>
+                    <a:pt x="212271" y="654312"/>
+                    <a:pt x="424543" y="355636"/>
+                    <a:pt x="571500" y="201875"/>
+                  </a:cubicBezTo>
+                  <a:cubicBezTo>
+                    <a:pt x="718457" y="48114"/>
+                    <a:pt x="727982" y="-53939"/>
+                    <a:pt x="881743" y="30425"/>
+                  </a:cubicBezTo>
+                  <a:cubicBezTo>
+                    <a:pt x="1035504" y="114789"/>
+                    <a:pt x="1344386" y="555660"/>
+                    <a:pt x="1494064" y="708060"/>
+                  </a:cubicBezTo>
+                  <a:cubicBezTo>
+                    <a:pt x="1643742" y="860460"/>
+                    <a:pt x="1711778" y="902642"/>
+                    <a:pt x="1779814" y="944825"/>
+                  </a:cubicBezTo>
+                </a:path>
+              </a:pathLst>
+            </a:custGeom>
+            <a:noFill/>
+          </p:spPr>
+          <p:style>
+            <a:lnRef idx="2">
+              <a:schemeClr val="accent1">
+                <a:shade val="50000"/>
+              </a:schemeClr>
+            </a:lnRef>
+            <a:fillRef idx="1">
+              <a:schemeClr val="accent1"/>
+            </a:fillRef>
+            <a:effectRef idx="0">
+              <a:schemeClr val="accent1"/>
+            </a:effectRef>
+            <a:fontRef idx="minor">
+              <a:schemeClr val="lt1"/>
+            </a:fontRef>
+          </p:style>
+          <p:txBody>
+            <a:bodyPr rtlCol="0" anchor="ctr"/>
+            <a:lstStyle/>
+            <a:p>
+              <a:pPr algn="ctr"/>
+              <a:endParaRPr lang="en-SG"/>
+            </a:p>
+          </p:txBody>
+        </p:sp>
+        <p:sp>
+          <p:nvSpPr>
+            <p:cNvPr id="63" name="任意多边形 62"/>
+            <p:cNvSpPr/>
+            <p:nvPr/>
+          </p:nvSpPr>
+          <p:spPr>
+            <a:xfrm>
+              <a:off x="4245981" y="4095553"/>
+              <a:ext cx="1779814" cy="934812"/>
+            </a:xfrm>
+            <a:custGeom>
+              <a:avLst/>
+              <a:gdLst>
+                <a:gd name="connsiteX0" fmla="*/ 0 w 1779814"/>
+                <a:gd name="connsiteY0" fmla="*/ 952989 h 952989"/>
+                <a:gd name="connsiteX1" fmla="*/ 571500 w 1779814"/>
+                <a:gd name="connsiteY1" fmla="*/ 201875 h 952989"/>
+                <a:gd name="connsiteX2" fmla="*/ 881743 w 1779814"/>
+                <a:gd name="connsiteY2" fmla="*/ 30425 h 952989"/>
+                <a:gd name="connsiteX3" fmla="*/ 1494064 w 1779814"/>
+                <a:gd name="connsiteY3" fmla="*/ 708060 h 952989"/>
+                <a:gd name="connsiteX4" fmla="*/ 1779814 w 1779814"/>
+                <a:gd name="connsiteY4" fmla="*/ 944825 h 952989"/>
+              </a:gdLst>
+              <a:ahLst/>
+              <a:cxnLst>
+                <a:cxn ang="0">
+                  <a:pos x="connsiteX0" y="connsiteY0"/>
+                </a:cxn>
+                <a:cxn ang="0">
+                  <a:pos x="connsiteX1" y="connsiteY1"/>
+                </a:cxn>
+                <a:cxn ang="0">
+                  <a:pos x="connsiteX2" y="connsiteY2"/>
+                </a:cxn>
+                <a:cxn ang="0">
+                  <a:pos x="connsiteX3" y="connsiteY3"/>
+                </a:cxn>
+                <a:cxn ang="0">
+                  <a:pos x="connsiteX4" y="connsiteY4"/>
+                </a:cxn>
+              </a:cxnLst>
+              <a:rect l="l" t="t" r="r" b="b"/>
+              <a:pathLst>
+                <a:path w="1779814" h="952989">
+                  <a:moveTo>
+                    <a:pt x="0" y="952989"/>
+                  </a:moveTo>
+                  <a:cubicBezTo>
+                    <a:pt x="212271" y="654312"/>
+                    <a:pt x="424543" y="355636"/>
+                    <a:pt x="571500" y="201875"/>
+                  </a:cubicBezTo>
+                  <a:cubicBezTo>
+                    <a:pt x="718457" y="48114"/>
+                    <a:pt x="727982" y="-53939"/>
+                    <a:pt x="881743" y="30425"/>
+                  </a:cubicBezTo>
+                  <a:cubicBezTo>
+                    <a:pt x="1035504" y="114789"/>
+                    <a:pt x="1344386" y="555660"/>
+                    <a:pt x="1494064" y="708060"/>
+                  </a:cubicBezTo>
+                  <a:cubicBezTo>
+                    <a:pt x="1643742" y="860460"/>
+                    <a:pt x="1711778" y="902642"/>
+                    <a:pt x="1779814" y="944825"/>
+                  </a:cubicBezTo>
+                </a:path>
+              </a:pathLst>
+            </a:custGeom>
+            <a:noFill/>
+          </p:spPr>
+          <p:style>
+            <a:lnRef idx="2">
+              <a:schemeClr val="accent1">
+                <a:shade val="50000"/>
+              </a:schemeClr>
+            </a:lnRef>
+            <a:fillRef idx="1">
+              <a:schemeClr val="accent1"/>
+            </a:fillRef>
+            <a:effectRef idx="0">
+              <a:schemeClr val="accent1"/>
+            </a:effectRef>
+            <a:fontRef idx="minor">
+              <a:schemeClr val="lt1"/>
+            </a:fontRef>
+          </p:style>
+          <p:txBody>
+            <a:bodyPr rtlCol="0" anchor="ctr"/>
+            <a:lstStyle/>
+            <a:p>
+              <a:pPr algn="ctr"/>
+              <a:endParaRPr lang="en-SG"/>
+            </a:p>
+          </p:txBody>
+        </p:sp>
+        <p:sp>
+          <p:nvSpPr>
+            <p:cNvPr id="64" name="任意多边形 63"/>
+            <p:cNvSpPr/>
+            <p:nvPr/>
+          </p:nvSpPr>
+          <p:spPr>
+            <a:xfrm>
+              <a:off x="4815980" y="4095553"/>
+              <a:ext cx="1779814" cy="934812"/>
+            </a:xfrm>
+            <a:custGeom>
+              <a:avLst/>
+              <a:gdLst>
+                <a:gd name="connsiteX0" fmla="*/ 0 w 1779814"/>
+                <a:gd name="connsiteY0" fmla="*/ 952989 h 952989"/>
+                <a:gd name="connsiteX1" fmla="*/ 571500 w 1779814"/>
+                <a:gd name="connsiteY1" fmla="*/ 201875 h 952989"/>
+                <a:gd name="connsiteX2" fmla="*/ 881743 w 1779814"/>
+                <a:gd name="connsiteY2" fmla="*/ 30425 h 952989"/>
+                <a:gd name="connsiteX3" fmla="*/ 1494064 w 1779814"/>
+                <a:gd name="connsiteY3" fmla="*/ 708060 h 952989"/>
+                <a:gd name="connsiteX4" fmla="*/ 1779814 w 1779814"/>
+                <a:gd name="connsiteY4" fmla="*/ 944825 h 952989"/>
+              </a:gdLst>
+              <a:ahLst/>
+              <a:cxnLst>
+                <a:cxn ang="0">
+                  <a:pos x="connsiteX0" y="connsiteY0"/>
+                </a:cxn>
+                <a:cxn ang="0">
+                  <a:pos x="connsiteX1" y="connsiteY1"/>
+                </a:cxn>
+                <a:cxn ang="0">
+                  <a:pos x="connsiteX2" y="connsiteY2"/>
+                </a:cxn>
+                <a:cxn ang="0">
+                  <a:pos x="connsiteX3" y="connsiteY3"/>
+                </a:cxn>
+                <a:cxn ang="0">
+                  <a:pos x="connsiteX4" y="connsiteY4"/>
+                </a:cxn>
+              </a:cxnLst>
+              <a:rect l="l" t="t" r="r" b="b"/>
+              <a:pathLst>
+                <a:path w="1779814" h="952989">
+                  <a:moveTo>
+                    <a:pt x="0" y="952989"/>
+                  </a:moveTo>
+                  <a:cubicBezTo>
+                    <a:pt x="212271" y="654312"/>
+                    <a:pt x="424543" y="355636"/>
+                    <a:pt x="571500" y="201875"/>
+                  </a:cubicBezTo>
+                  <a:cubicBezTo>
+                    <a:pt x="718457" y="48114"/>
+                    <a:pt x="727982" y="-53939"/>
+                    <a:pt x="881743" y="30425"/>
+                  </a:cubicBezTo>
+                  <a:cubicBezTo>
+                    <a:pt x="1035504" y="114789"/>
+                    <a:pt x="1344386" y="555660"/>
+                    <a:pt x="1494064" y="708060"/>
+                  </a:cubicBezTo>
+                  <a:cubicBezTo>
+                    <a:pt x="1643742" y="860460"/>
+                    <a:pt x="1711778" y="902642"/>
+                    <a:pt x="1779814" y="944825"/>
+                  </a:cubicBezTo>
+                </a:path>
+              </a:pathLst>
+            </a:custGeom>
+            <a:noFill/>
+          </p:spPr>
+          <p:style>
+            <a:lnRef idx="2">
+              <a:schemeClr val="accent1">
+                <a:shade val="50000"/>
+              </a:schemeClr>
+            </a:lnRef>
+            <a:fillRef idx="1">
+              <a:schemeClr val="accent1"/>
+            </a:fillRef>
+            <a:effectRef idx="0">
+              <a:schemeClr val="accent1"/>
+            </a:effectRef>
+            <a:fontRef idx="minor">
+              <a:schemeClr val="lt1"/>
+            </a:fontRef>
+          </p:style>
+          <p:txBody>
+            <a:bodyPr rtlCol="0" anchor="ctr"/>
+            <a:lstStyle/>
+            <a:p>
+              <a:pPr algn="ctr"/>
+              <a:endParaRPr lang="en-SG"/>
+            </a:p>
+          </p:txBody>
+        </p:sp>
+        <p:sp>
+          <p:nvSpPr>
+            <p:cNvPr id="65" name="任意多边形 64"/>
+            <p:cNvSpPr/>
+            <p:nvPr/>
+          </p:nvSpPr>
+          <p:spPr>
+            <a:xfrm>
+              <a:off x="5372370" y="4128893"/>
+              <a:ext cx="1779814" cy="934812"/>
+            </a:xfrm>
+            <a:custGeom>
+              <a:avLst/>
+              <a:gdLst>
+                <a:gd name="connsiteX0" fmla="*/ 0 w 1779814"/>
+                <a:gd name="connsiteY0" fmla="*/ 952989 h 952989"/>
+                <a:gd name="connsiteX1" fmla="*/ 571500 w 1779814"/>
+                <a:gd name="connsiteY1" fmla="*/ 201875 h 952989"/>
+                <a:gd name="connsiteX2" fmla="*/ 881743 w 1779814"/>
+                <a:gd name="connsiteY2" fmla="*/ 30425 h 952989"/>
+                <a:gd name="connsiteX3" fmla="*/ 1494064 w 1779814"/>
+                <a:gd name="connsiteY3" fmla="*/ 708060 h 952989"/>
+                <a:gd name="connsiteX4" fmla="*/ 1779814 w 1779814"/>
+                <a:gd name="connsiteY4" fmla="*/ 944825 h 952989"/>
+              </a:gdLst>
+              <a:ahLst/>
+              <a:cxnLst>
+                <a:cxn ang="0">
+                  <a:pos x="connsiteX0" y="connsiteY0"/>
+                </a:cxn>
+                <a:cxn ang="0">
+                  <a:pos x="connsiteX1" y="connsiteY1"/>
+                </a:cxn>
+                <a:cxn ang="0">
+                  <a:pos x="connsiteX2" y="connsiteY2"/>
+                </a:cxn>
+                <a:cxn ang="0">
+                  <a:pos x="connsiteX3" y="connsiteY3"/>
+                </a:cxn>
+                <a:cxn ang="0">
+                  <a:pos x="connsiteX4" y="connsiteY4"/>
+                </a:cxn>
+              </a:cxnLst>
+              <a:rect l="l" t="t" r="r" b="b"/>
+              <a:pathLst>
+                <a:path w="1779814" h="952989">
+                  <a:moveTo>
+                    <a:pt x="0" y="952989"/>
+                  </a:moveTo>
+                  <a:cubicBezTo>
+                    <a:pt x="212271" y="654312"/>
+                    <a:pt x="424543" y="355636"/>
+                    <a:pt x="571500" y="201875"/>
+                  </a:cubicBezTo>
+                  <a:cubicBezTo>
+                    <a:pt x="718457" y="48114"/>
+                    <a:pt x="727982" y="-53939"/>
+                    <a:pt x="881743" y="30425"/>
+                  </a:cubicBezTo>
+                  <a:cubicBezTo>
+                    <a:pt x="1035504" y="114789"/>
+                    <a:pt x="1344386" y="555660"/>
+                    <a:pt x="1494064" y="708060"/>
+                  </a:cubicBezTo>
+                  <a:cubicBezTo>
+                    <a:pt x="1643742" y="860460"/>
+                    <a:pt x="1711778" y="902642"/>
+                    <a:pt x="1779814" y="944825"/>
+                  </a:cubicBezTo>
+                </a:path>
+              </a:pathLst>
+            </a:custGeom>
+            <a:noFill/>
+          </p:spPr>
+          <p:style>
+            <a:lnRef idx="2">
+              <a:schemeClr val="accent1">
+                <a:shade val="50000"/>
+              </a:schemeClr>
+            </a:lnRef>
+            <a:fillRef idx="1">
+              <a:schemeClr val="accent1"/>
+            </a:fillRef>
+            <a:effectRef idx="0">
+              <a:schemeClr val="accent1"/>
+            </a:effectRef>
+            <a:fontRef idx="minor">
+              <a:schemeClr val="lt1"/>
+            </a:fontRef>
+          </p:style>
+          <p:txBody>
+            <a:bodyPr rtlCol="0" anchor="ctr"/>
+            <a:lstStyle/>
+            <a:p>
+              <a:pPr algn="ctr"/>
+              <a:endParaRPr lang="en-SG"/>
+            </a:p>
+          </p:txBody>
+        </p:sp>
+      </p:grpSp>
     </p:spTree>
     <p:extLst>
       <p:ext uri="{BB962C8B-B14F-4D97-AF65-F5344CB8AC3E}">
-        <p14:creationId xmlns:p14="http://schemas.microsoft.com/office/powerpoint/2010/main" val="1795151959"/>
+        <p14:creationId xmlns:p14="http://schemas.microsoft.com/office/powerpoint/2010/main" val="1616511345"/>
       </p:ext>
     </p:extLst>
   </p:cSld>
@@ -16717,6 +18702,225 @@
         </p:nvSpPr>
         <p:spPr/>
         <p:txBody>
+          <a:bodyPr>
+            <a:normAutofit/>
+          </a:bodyPr>
+          <a:lstStyle/>
+          <a:p>
+            <a:r>
+              <a:rPr lang="en-SG" dirty="0"/>
+              <a:t>Geometry of curve – NURBS</a:t>
+            </a:r>
+          </a:p>
+        </p:txBody>
+      </p:sp>
+      <p:sp>
+        <p:nvSpPr>
+          <p:cNvPr id="3" name="内容占位符 2"/>
+          <p:cNvSpPr>
+            <a:spLocks noGrp="1"/>
+          </p:cNvSpPr>
+          <p:nvPr>
+            <p:ph idx="1"/>
+          </p:nvPr>
+        </p:nvSpPr>
+        <p:spPr>
+          <a:xfrm>
+            <a:off x="838200" y="1825625"/>
+            <a:ext cx="7799614" cy="4351338"/>
+          </a:xfrm>
+        </p:spPr>
+        <p:txBody>
+          <a:bodyPr>
+            <a:normAutofit/>
+          </a:bodyPr>
+          <a:lstStyle/>
+          <a:p>
+            <a:r>
+              <a:rPr lang="en-SG" dirty="0"/>
+              <a:t>Any B-spline whose knot vector is neither uniform nor open uniform is non-uniform. </a:t>
+            </a:r>
+          </a:p>
+          <a:p>
+            <a:r>
+              <a:rPr lang="en-US" dirty="0" smtClean="0"/>
+              <a:t>Based on the basis functions defined by non-uniform knot vector, </a:t>
+            </a:r>
+            <a:r>
+              <a:rPr lang="en-US" dirty="0" smtClean="0"/>
+              <a:t>we get </a:t>
+            </a:r>
+            <a:r>
+              <a:rPr lang="en-US" dirty="0" smtClean="0"/>
+              <a:t>NURBS. It is short </a:t>
+            </a:r>
+            <a:r>
+              <a:rPr lang="en-US" dirty="0"/>
+              <a:t>of Non-Uniform Rational </a:t>
+            </a:r>
+            <a:r>
+              <a:rPr lang="en-US" dirty="0" smtClean="0"/>
+              <a:t>Basic Spline.</a:t>
+            </a:r>
+          </a:p>
+          <a:p>
+            <a:r>
+              <a:rPr lang="en-US" dirty="0" smtClean="0"/>
+              <a:t>Can be used to approximate a circle with knot vector(0,0,0,1/4,1/4,1/2,1/2,3/4,3/4,1,1,1)</a:t>
+            </a:r>
+            <a:endParaRPr lang="en-SG" dirty="0"/>
+          </a:p>
+        </p:txBody>
+      </p:sp>
+      <p:pic>
+        <p:nvPicPr>
+     